--- a/presentation/Resync Studie.pptx
+++ b/presentation/Resync Studie.pptx
@@ -14,13 +14,12 @@
     <p:sldId id="271" r:id="rId8"/>
     <p:sldId id="259" r:id="rId9"/>
     <p:sldId id="260" r:id="rId10"/>
-    <p:sldId id="261" r:id="rId11"/>
-    <p:sldId id="262" r:id="rId12"/>
-    <p:sldId id="263" r:id="rId13"/>
-    <p:sldId id="265" r:id="rId14"/>
-    <p:sldId id="264" r:id="rId15"/>
-    <p:sldId id="266" r:id="rId16"/>
-    <p:sldId id="267" r:id="rId17"/>
+    <p:sldId id="273" r:id="rId11"/>
+    <p:sldId id="272" r:id="rId12"/>
+    <p:sldId id="265" r:id="rId13"/>
+    <p:sldId id="264" r:id="rId14"/>
+    <p:sldId id="266" r:id="rId15"/>
+    <p:sldId id="267" r:id="rId16"/>
   </p:sldIdLst>
   <p:sldSz cx="12192000" cy="6858000"/>
   <p:notesSz cx="6858000" cy="9144000"/>
@@ -119,6 +118,11 @@
       </a:defRPr>
     </a:lvl9pPr>
   </p:defaultTextStyle>
+  <p:extLst>
+    <p:ext uri="{EFAFB233-063F-42B5-8137-9DF3F51BA10A}">
+      <p15:sldGuideLst xmlns:p15="http://schemas.microsoft.com/office/powerpoint/2012/main"/>
+    </p:ext>
+  </p:extLst>
 </p:presentation>
 </file>
 
@@ -164,10 +168,9 @@
           </a:lstStyle>
           <a:p>
             <a:r>
-              <a:rPr lang="de-DE" smtClean="0"/>
+              <a:rPr lang="de-DE"/>
               <a:t>Titelmasterformat durch Klicken bearbeiten</a:t>
             </a:r>
-            <a:endParaRPr lang="de-DE"/>
           </a:p>
         </p:txBody>
       </p:sp>
@@ -229,10 +232,9 @@
           </a:lstStyle>
           <a:p>
             <a:r>
-              <a:rPr lang="de-DE" smtClean="0"/>
+              <a:rPr lang="de-DE"/>
               <a:t>Formatvorlage des Untertitelmasters durch Klicken bearbeiten</a:t>
             </a:r>
-            <a:endParaRPr lang="de-DE"/>
           </a:p>
         </p:txBody>
       </p:sp>
@@ -253,7 +255,7 @@
           <a:p>
             <a:fld id="{41257651-B64F-43FB-9868-05B8EA16BD84}" type="datetimeFigureOut">
               <a:rPr lang="de-DE" smtClean="0"/>
-              <a:t>06.12.2019</a:t>
+              <a:t>14.12.2019</a:t>
             </a:fld>
             <a:endParaRPr lang="de-DE"/>
           </a:p>
@@ -347,10 +349,9 @@
           <a:lstStyle/>
           <a:p>
             <a:r>
-              <a:rPr lang="de-DE" smtClean="0"/>
+              <a:rPr lang="de-DE"/>
               <a:t>Titelmasterformat durch Klicken bearbeiten</a:t>
             </a:r>
-            <a:endParaRPr lang="de-DE"/>
           </a:p>
         </p:txBody>
       </p:sp>
@@ -371,38 +372,37 @@
           <a:p>
             <a:pPr lvl="0"/>
             <a:r>
-              <a:rPr lang="de-DE" smtClean="0"/>
+              <a:rPr lang="de-DE"/>
               <a:t>Formatvorlagen des Textmasters bearbeiten</a:t>
             </a:r>
           </a:p>
           <a:p>
             <a:pPr lvl="1"/>
             <a:r>
-              <a:rPr lang="de-DE" smtClean="0"/>
+              <a:rPr lang="de-DE"/>
               <a:t>Zweite Ebene</a:t>
             </a:r>
           </a:p>
           <a:p>
             <a:pPr lvl="2"/>
             <a:r>
-              <a:rPr lang="de-DE" smtClean="0"/>
+              <a:rPr lang="de-DE"/>
               <a:t>Dritte Ebene</a:t>
             </a:r>
           </a:p>
           <a:p>
             <a:pPr lvl="3"/>
             <a:r>
-              <a:rPr lang="de-DE" smtClean="0"/>
+              <a:rPr lang="de-DE"/>
               <a:t>Vierte Ebene</a:t>
             </a:r>
           </a:p>
           <a:p>
             <a:pPr lvl="4"/>
             <a:r>
-              <a:rPr lang="de-DE" smtClean="0"/>
+              <a:rPr lang="de-DE"/>
               <a:t>Fünfte Ebene</a:t>
             </a:r>
-            <a:endParaRPr lang="de-DE"/>
           </a:p>
         </p:txBody>
       </p:sp>
@@ -423,7 +423,7 @@
           <a:p>
             <a:fld id="{41257651-B64F-43FB-9868-05B8EA16BD84}" type="datetimeFigureOut">
               <a:rPr lang="de-DE" smtClean="0"/>
-              <a:t>06.12.2019</a:t>
+              <a:t>14.12.2019</a:t>
             </a:fld>
             <a:endParaRPr lang="de-DE"/>
           </a:p>
@@ -522,10 +522,9 @@
           <a:lstStyle/>
           <a:p>
             <a:r>
-              <a:rPr lang="de-DE" smtClean="0"/>
+              <a:rPr lang="de-DE"/>
               <a:t>Titelmasterformat durch Klicken bearbeiten</a:t>
             </a:r>
-            <a:endParaRPr lang="de-DE"/>
           </a:p>
         </p:txBody>
       </p:sp>
@@ -551,38 +550,37 @@
           <a:p>
             <a:pPr lvl="0"/>
             <a:r>
-              <a:rPr lang="de-DE" smtClean="0"/>
+              <a:rPr lang="de-DE"/>
               <a:t>Formatvorlagen des Textmasters bearbeiten</a:t>
             </a:r>
           </a:p>
           <a:p>
             <a:pPr lvl="1"/>
             <a:r>
-              <a:rPr lang="de-DE" smtClean="0"/>
+              <a:rPr lang="de-DE"/>
               <a:t>Zweite Ebene</a:t>
             </a:r>
           </a:p>
           <a:p>
             <a:pPr lvl="2"/>
             <a:r>
-              <a:rPr lang="de-DE" smtClean="0"/>
+              <a:rPr lang="de-DE"/>
               <a:t>Dritte Ebene</a:t>
             </a:r>
           </a:p>
           <a:p>
             <a:pPr lvl="3"/>
             <a:r>
-              <a:rPr lang="de-DE" smtClean="0"/>
+              <a:rPr lang="de-DE"/>
               <a:t>Vierte Ebene</a:t>
             </a:r>
           </a:p>
           <a:p>
             <a:pPr lvl="4"/>
             <a:r>
-              <a:rPr lang="de-DE" smtClean="0"/>
+              <a:rPr lang="de-DE"/>
               <a:t>Fünfte Ebene</a:t>
             </a:r>
-            <a:endParaRPr lang="de-DE"/>
           </a:p>
         </p:txBody>
       </p:sp>
@@ -603,7 +601,7 @@
           <a:p>
             <a:fld id="{41257651-B64F-43FB-9868-05B8EA16BD84}" type="datetimeFigureOut">
               <a:rPr lang="de-DE" smtClean="0"/>
-              <a:t>06.12.2019</a:t>
+              <a:t>14.12.2019</a:t>
             </a:fld>
             <a:endParaRPr lang="de-DE"/>
           </a:p>
@@ -694,13 +692,20 @@
         <p:spPr/>
         <p:txBody>
           <a:bodyPr/>
-          <a:lstStyle/>
-          <a:p>
-            <a:r>
-              <a:rPr lang="de-DE" smtClean="0"/>
+          <a:lstStyle>
+            <a:lvl1pPr>
+              <a:defRPr>
+                <a:solidFill>
+                  <a:srgbClr val="036564"/>
+                </a:solidFill>
+              </a:defRPr>
+            </a:lvl1pPr>
+          </a:lstStyle>
+          <a:p>
+            <a:r>
+              <a:rPr lang="de-DE" dirty="0"/>
               <a:t>Titelmasterformat durch Klicken bearbeiten</a:t>
             </a:r>
-            <a:endParaRPr lang="de-DE"/>
           </a:p>
         </p:txBody>
       </p:sp>
@@ -717,42 +722,82 @@
         <p:spPr/>
         <p:txBody>
           <a:bodyPr/>
-          <a:lstStyle/>
+          <a:lstStyle>
+            <a:lvl1pPr marL="228600" indent="-228600">
+              <a:buClr>
+                <a:srgbClr val="E8DDCB"/>
+              </a:buClr>
+              <a:buFont typeface="Futura Lt BT" panose="020B0402020204020303" pitchFamily="34" charset="0"/>
+              <a:buChar char="∙"/>
+              <a:defRPr/>
+            </a:lvl1pPr>
+            <a:lvl2pPr marL="685800" indent="-228600">
+              <a:buClr>
+                <a:srgbClr val="E8DDCB"/>
+              </a:buClr>
+              <a:buFont typeface="Futura Lt BT" panose="020B0402020204020303" pitchFamily="34" charset="0"/>
+              <a:buChar char="∙"/>
+              <a:defRPr/>
+            </a:lvl2pPr>
+            <a:lvl3pPr marL="1143000" indent="-228600">
+              <a:buClr>
+                <a:srgbClr val="E8DDCB"/>
+              </a:buClr>
+              <a:buFont typeface="Futura Lt BT" panose="020B0402020204020303" pitchFamily="34" charset="0"/>
+              <a:buChar char="∙"/>
+              <a:defRPr/>
+            </a:lvl3pPr>
+            <a:lvl4pPr marL="1600200" indent="-228600">
+              <a:buClr>
+                <a:srgbClr val="E8DDCB"/>
+              </a:buClr>
+              <a:buFont typeface="Futura Lt BT" panose="020B0402020204020303" pitchFamily="34" charset="0"/>
+              <a:buChar char="∙"/>
+              <a:defRPr/>
+            </a:lvl4pPr>
+            <a:lvl5pPr marL="2057400" indent="-228600">
+              <a:buClr>
+                <a:srgbClr val="E8DDCB"/>
+              </a:buClr>
+              <a:buFont typeface="Futura Lt BT" panose="020B0402020204020303" pitchFamily="34" charset="0"/>
+              <a:buChar char="∙"/>
+              <a:defRPr/>
+            </a:lvl5pPr>
+          </a:lstStyle>
           <a:p>
             <a:pPr lvl="0"/>
             <a:r>
-              <a:rPr lang="de-DE" smtClean="0"/>
+              <a:rPr lang="de-DE" dirty="0"/>
               <a:t>Formatvorlagen des Textmasters bearbeiten</a:t>
             </a:r>
           </a:p>
           <a:p>
             <a:pPr lvl="1"/>
             <a:r>
-              <a:rPr lang="de-DE" smtClean="0"/>
+              <a:rPr lang="de-DE" dirty="0"/>
               <a:t>Zweite Ebene</a:t>
             </a:r>
           </a:p>
           <a:p>
             <a:pPr lvl="2"/>
             <a:r>
-              <a:rPr lang="de-DE" smtClean="0"/>
+              <a:rPr lang="de-DE" dirty="0"/>
               <a:t>Dritte Ebene</a:t>
             </a:r>
           </a:p>
           <a:p>
             <a:pPr lvl="3"/>
             <a:r>
-              <a:rPr lang="de-DE" smtClean="0"/>
+              <a:rPr lang="de-DE" dirty="0"/>
               <a:t>Vierte Ebene</a:t>
             </a:r>
           </a:p>
           <a:p>
             <a:pPr lvl="4"/>
             <a:r>
-              <a:rPr lang="de-DE" smtClean="0"/>
+              <a:rPr lang="de-DE" dirty="0"/>
               <a:t>Fünfte Ebene</a:t>
             </a:r>
-            <a:endParaRPr lang="de-DE"/>
           </a:p>
         </p:txBody>
       </p:sp>
@@ -773,7 +818,7 @@
           <a:p>
             <a:fld id="{41257651-B64F-43FB-9868-05B8EA16BD84}" type="datetimeFigureOut">
               <a:rPr lang="de-DE" smtClean="0"/>
-              <a:t>06.12.2019</a:t>
+              <a:t>14.12.2019</a:t>
             </a:fld>
             <a:endParaRPr lang="de-DE"/>
           </a:p>
@@ -821,6 +866,47 @@
           </a:p>
         </p:txBody>
       </p:sp>
+      <p:cxnSp>
+        <p:nvCxnSpPr>
+          <p:cNvPr id="9" name="Gerader Verbinder 8">
+            <a:extLst>
+              <a:ext uri="{FF2B5EF4-FFF2-40B4-BE49-F238E27FC236}">
+                <a16:creationId xmlns:a16="http://schemas.microsoft.com/office/drawing/2014/main" id="{0D546910-4736-4FE3-9936-AE372EE789DA}"/>
+              </a:ext>
+            </a:extLst>
+          </p:cNvPr>
+          <p:cNvCxnSpPr/>
+          <p:nvPr userDrawn="1"/>
+        </p:nvCxnSpPr>
+        <p:spPr>
+          <a:xfrm>
+            <a:off x="0" y="1283918"/>
+            <a:ext cx="7509353" cy="0"/>
+          </a:xfrm>
+          <a:prstGeom prst="line">
+            <a:avLst/>
+          </a:prstGeom>
+          <a:ln w="57150">
+            <a:solidFill>
+              <a:srgbClr val="CDB380"/>
+            </a:solidFill>
+          </a:ln>
+        </p:spPr>
+        <p:style>
+          <a:lnRef idx="1">
+            <a:schemeClr val="accent1"/>
+          </a:lnRef>
+          <a:fillRef idx="0">
+            <a:schemeClr val="accent1"/>
+          </a:fillRef>
+          <a:effectRef idx="0">
+            <a:schemeClr val="accent1"/>
+          </a:effectRef>
+          <a:fontRef idx="minor">
+            <a:schemeClr val="tx1"/>
+          </a:fontRef>
+        </p:style>
+      </p:cxnSp>
     </p:spTree>
     <p:extLst>
       <p:ext uri="{BB962C8B-B14F-4D97-AF65-F5344CB8AC3E}">
@@ -876,10 +962,9 @@
           </a:lstStyle>
           <a:p>
             <a:r>
-              <a:rPr lang="de-DE" smtClean="0"/>
+              <a:rPr lang="de-DE"/>
               <a:t>Titelmasterformat durch Klicken bearbeiten</a:t>
             </a:r>
-            <a:endParaRPr lang="de-DE"/>
           </a:p>
         </p:txBody>
       </p:sp>
@@ -996,7 +1081,7 @@
           <a:p>
             <a:pPr lvl="0"/>
             <a:r>
-              <a:rPr lang="de-DE" smtClean="0"/>
+              <a:rPr lang="de-DE"/>
               <a:t>Formatvorlagen des Textmasters bearbeiten</a:t>
             </a:r>
           </a:p>
@@ -1019,7 +1104,7 @@
           <a:p>
             <a:fld id="{41257651-B64F-43FB-9868-05B8EA16BD84}" type="datetimeFigureOut">
               <a:rPr lang="de-DE" smtClean="0"/>
-              <a:t>06.12.2019</a:t>
+              <a:t>14.12.2019</a:t>
             </a:fld>
             <a:endParaRPr lang="de-DE"/>
           </a:p>
@@ -1113,10 +1198,9 @@
           <a:lstStyle/>
           <a:p>
             <a:r>
-              <a:rPr lang="de-DE" smtClean="0"/>
+              <a:rPr lang="de-DE"/>
               <a:t>Titelmasterformat durch Klicken bearbeiten</a:t>
             </a:r>
-            <a:endParaRPr lang="de-DE"/>
           </a:p>
         </p:txBody>
       </p:sp>
@@ -1142,38 +1226,37 @@
           <a:p>
             <a:pPr lvl="0"/>
             <a:r>
-              <a:rPr lang="de-DE" smtClean="0"/>
+              <a:rPr lang="de-DE"/>
               <a:t>Formatvorlagen des Textmasters bearbeiten</a:t>
             </a:r>
           </a:p>
           <a:p>
             <a:pPr lvl="1"/>
             <a:r>
-              <a:rPr lang="de-DE" smtClean="0"/>
+              <a:rPr lang="de-DE"/>
               <a:t>Zweite Ebene</a:t>
             </a:r>
           </a:p>
           <a:p>
             <a:pPr lvl="2"/>
             <a:r>
-              <a:rPr lang="de-DE" smtClean="0"/>
+              <a:rPr lang="de-DE"/>
               <a:t>Dritte Ebene</a:t>
             </a:r>
           </a:p>
           <a:p>
             <a:pPr lvl="3"/>
             <a:r>
-              <a:rPr lang="de-DE" smtClean="0"/>
+              <a:rPr lang="de-DE"/>
               <a:t>Vierte Ebene</a:t>
             </a:r>
           </a:p>
           <a:p>
             <a:pPr lvl="4"/>
             <a:r>
-              <a:rPr lang="de-DE" smtClean="0"/>
+              <a:rPr lang="de-DE"/>
               <a:t>Fünfte Ebene</a:t>
             </a:r>
-            <a:endParaRPr lang="de-DE"/>
           </a:p>
         </p:txBody>
       </p:sp>
@@ -1199,38 +1282,37 @@
           <a:p>
             <a:pPr lvl="0"/>
             <a:r>
-              <a:rPr lang="de-DE" smtClean="0"/>
+              <a:rPr lang="de-DE"/>
               <a:t>Formatvorlagen des Textmasters bearbeiten</a:t>
             </a:r>
           </a:p>
           <a:p>
             <a:pPr lvl="1"/>
             <a:r>
-              <a:rPr lang="de-DE" smtClean="0"/>
+              <a:rPr lang="de-DE"/>
               <a:t>Zweite Ebene</a:t>
             </a:r>
           </a:p>
           <a:p>
             <a:pPr lvl="2"/>
             <a:r>
-              <a:rPr lang="de-DE" smtClean="0"/>
+              <a:rPr lang="de-DE"/>
               <a:t>Dritte Ebene</a:t>
             </a:r>
           </a:p>
           <a:p>
             <a:pPr lvl="3"/>
             <a:r>
-              <a:rPr lang="de-DE" smtClean="0"/>
+              <a:rPr lang="de-DE"/>
               <a:t>Vierte Ebene</a:t>
             </a:r>
           </a:p>
           <a:p>
             <a:pPr lvl="4"/>
             <a:r>
-              <a:rPr lang="de-DE" smtClean="0"/>
+              <a:rPr lang="de-DE"/>
               <a:t>Fünfte Ebene</a:t>
             </a:r>
-            <a:endParaRPr lang="de-DE"/>
           </a:p>
         </p:txBody>
       </p:sp>
@@ -1251,7 +1333,7 @@
           <a:p>
             <a:fld id="{41257651-B64F-43FB-9868-05B8EA16BD84}" type="datetimeFigureOut">
               <a:rPr lang="de-DE" smtClean="0"/>
-              <a:t>06.12.2019</a:t>
+              <a:t>14.12.2019</a:t>
             </a:fld>
             <a:endParaRPr lang="de-DE"/>
           </a:p>
@@ -1350,10 +1432,9 @@
           <a:lstStyle/>
           <a:p>
             <a:r>
-              <a:rPr lang="de-DE" smtClean="0"/>
+              <a:rPr lang="de-DE"/>
               <a:t>Titelmasterformat durch Klicken bearbeiten</a:t>
             </a:r>
-            <a:endParaRPr lang="de-DE"/>
           </a:p>
         </p:txBody>
       </p:sp>
@@ -1416,7 +1497,7 @@
           <a:p>
             <a:pPr lvl="0"/>
             <a:r>
-              <a:rPr lang="de-DE" smtClean="0"/>
+              <a:rPr lang="de-DE"/>
               <a:t>Formatvorlagen des Textmasters bearbeiten</a:t>
             </a:r>
           </a:p>
@@ -1444,38 +1525,37 @@
           <a:p>
             <a:pPr lvl="0"/>
             <a:r>
-              <a:rPr lang="de-DE" smtClean="0"/>
+              <a:rPr lang="de-DE"/>
               <a:t>Formatvorlagen des Textmasters bearbeiten</a:t>
             </a:r>
           </a:p>
           <a:p>
             <a:pPr lvl="1"/>
             <a:r>
-              <a:rPr lang="de-DE" smtClean="0"/>
+              <a:rPr lang="de-DE"/>
               <a:t>Zweite Ebene</a:t>
             </a:r>
           </a:p>
           <a:p>
             <a:pPr lvl="2"/>
             <a:r>
-              <a:rPr lang="de-DE" smtClean="0"/>
+              <a:rPr lang="de-DE"/>
               <a:t>Dritte Ebene</a:t>
             </a:r>
           </a:p>
           <a:p>
             <a:pPr lvl="3"/>
             <a:r>
-              <a:rPr lang="de-DE" smtClean="0"/>
+              <a:rPr lang="de-DE"/>
               <a:t>Vierte Ebene</a:t>
             </a:r>
           </a:p>
           <a:p>
             <a:pPr lvl="4"/>
             <a:r>
-              <a:rPr lang="de-DE" smtClean="0"/>
+              <a:rPr lang="de-DE"/>
               <a:t>Fünfte Ebene</a:t>
             </a:r>
-            <a:endParaRPr lang="de-DE"/>
           </a:p>
         </p:txBody>
       </p:sp>
@@ -1538,7 +1618,7 @@
           <a:p>
             <a:pPr lvl="0"/>
             <a:r>
-              <a:rPr lang="de-DE" smtClean="0"/>
+              <a:rPr lang="de-DE"/>
               <a:t>Formatvorlagen des Textmasters bearbeiten</a:t>
             </a:r>
           </a:p>
@@ -1566,38 +1646,37 @@
           <a:p>
             <a:pPr lvl="0"/>
             <a:r>
-              <a:rPr lang="de-DE" smtClean="0"/>
+              <a:rPr lang="de-DE"/>
               <a:t>Formatvorlagen des Textmasters bearbeiten</a:t>
             </a:r>
           </a:p>
           <a:p>
             <a:pPr lvl="1"/>
             <a:r>
-              <a:rPr lang="de-DE" smtClean="0"/>
+              <a:rPr lang="de-DE"/>
               <a:t>Zweite Ebene</a:t>
             </a:r>
           </a:p>
           <a:p>
             <a:pPr lvl="2"/>
             <a:r>
-              <a:rPr lang="de-DE" smtClean="0"/>
+              <a:rPr lang="de-DE"/>
               <a:t>Dritte Ebene</a:t>
             </a:r>
           </a:p>
           <a:p>
             <a:pPr lvl="3"/>
             <a:r>
-              <a:rPr lang="de-DE" smtClean="0"/>
+              <a:rPr lang="de-DE"/>
               <a:t>Vierte Ebene</a:t>
             </a:r>
           </a:p>
           <a:p>
             <a:pPr lvl="4"/>
             <a:r>
-              <a:rPr lang="de-DE" smtClean="0"/>
+              <a:rPr lang="de-DE"/>
               <a:t>Fünfte Ebene</a:t>
             </a:r>
-            <a:endParaRPr lang="de-DE"/>
           </a:p>
         </p:txBody>
       </p:sp>
@@ -1618,7 +1697,7 @@
           <a:p>
             <a:fld id="{41257651-B64F-43FB-9868-05B8EA16BD84}" type="datetimeFigureOut">
               <a:rPr lang="de-DE" smtClean="0"/>
-              <a:t>06.12.2019</a:t>
+              <a:t>14.12.2019</a:t>
             </a:fld>
             <a:endParaRPr lang="de-DE"/>
           </a:p>
@@ -1712,10 +1791,9 @@
           <a:lstStyle/>
           <a:p>
             <a:r>
-              <a:rPr lang="de-DE" smtClean="0"/>
+              <a:rPr lang="de-DE"/>
               <a:t>Titelmasterformat durch Klicken bearbeiten</a:t>
             </a:r>
-            <a:endParaRPr lang="de-DE"/>
           </a:p>
         </p:txBody>
       </p:sp>
@@ -1736,7 +1814,7 @@
           <a:p>
             <a:fld id="{41257651-B64F-43FB-9868-05B8EA16BD84}" type="datetimeFigureOut">
               <a:rPr lang="de-DE" smtClean="0"/>
-              <a:t>06.12.2019</a:t>
+              <a:t>14.12.2019</a:t>
             </a:fld>
             <a:endParaRPr lang="de-DE"/>
           </a:p>
@@ -1831,7 +1909,7 @@
           <a:p>
             <a:fld id="{41257651-B64F-43FB-9868-05B8EA16BD84}" type="datetimeFigureOut">
               <a:rPr lang="de-DE" smtClean="0"/>
-              <a:t>06.12.2019</a:t>
+              <a:t>14.12.2019</a:t>
             </a:fld>
             <a:endParaRPr lang="de-DE"/>
           </a:p>
@@ -1934,10 +2012,9 @@
           </a:lstStyle>
           <a:p>
             <a:r>
-              <a:rPr lang="de-DE" smtClean="0"/>
+              <a:rPr lang="de-DE"/>
               <a:t>Titelmasterformat durch Klicken bearbeiten</a:t>
             </a:r>
-            <a:endParaRPr lang="de-DE"/>
           </a:p>
         </p:txBody>
       </p:sp>
@@ -1991,38 +2068,37 @@
           <a:p>
             <a:pPr lvl="0"/>
             <a:r>
-              <a:rPr lang="de-DE" smtClean="0"/>
+              <a:rPr lang="de-DE"/>
               <a:t>Formatvorlagen des Textmasters bearbeiten</a:t>
             </a:r>
           </a:p>
           <a:p>
             <a:pPr lvl="1"/>
             <a:r>
-              <a:rPr lang="de-DE" smtClean="0"/>
+              <a:rPr lang="de-DE"/>
               <a:t>Zweite Ebene</a:t>
             </a:r>
           </a:p>
           <a:p>
             <a:pPr lvl="2"/>
             <a:r>
-              <a:rPr lang="de-DE" smtClean="0"/>
+              <a:rPr lang="de-DE"/>
               <a:t>Dritte Ebene</a:t>
             </a:r>
           </a:p>
           <a:p>
             <a:pPr lvl="3"/>
             <a:r>
-              <a:rPr lang="de-DE" smtClean="0"/>
+              <a:rPr lang="de-DE"/>
               <a:t>Vierte Ebene</a:t>
             </a:r>
           </a:p>
           <a:p>
             <a:pPr lvl="4"/>
             <a:r>
-              <a:rPr lang="de-DE" smtClean="0"/>
+              <a:rPr lang="de-DE"/>
               <a:t>Fünfte Ebene</a:t>
             </a:r>
-            <a:endParaRPr lang="de-DE"/>
           </a:p>
         </p:txBody>
       </p:sp>
@@ -2085,7 +2161,7 @@
           <a:p>
             <a:pPr lvl="0"/>
             <a:r>
-              <a:rPr lang="de-DE" smtClean="0"/>
+              <a:rPr lang="de-DE"/>
               <a:t>Formatvorlagen des Textmasters bearbeiten</a:t>
             </a:r>
           </a:p>
@@ -2108,7 +2184,7 @@
           <a:p>
             <a:fld id="{41257651-B64F-43FB-9868-05B8EA16BD84}" type="datetimeFigureOut">
               <a:rPr lang="de-DE" smtClean="0"/>
-              <a:t>06.12.2019</a:t>
+              <a:t>14.12.2019</a:t>
             </a:fld>
             <a:endParaRPr lang="de-DE"/>
           </a:p>
@@ -2211,10 +2287,9 @@
           </a:lstStyle>
           <a:p>
             <a:r>
-              <a:rPr lang="de-DE" smtClean="0"/>
+              <a:rPr lang="de-DE"/>
               <a:t>Titelmasterformat durch Klicken bearbeiten</a:t>
             </a:r>
-            <a:endParaRPr lang="de-DE"/>
           </a:p>
         </p:txBody>
       </p:sp>
@@ -2338,7 +2413,7 @@
           <a:p>
             <a:pPr lvl="0"/>
             <a:r>
-              <a:rPr lang="de-DE" smtClean="0"/>
+              <a:rPr lang="de-DE"/>
               <a:t>Formatvorlagen des Textmasters bearbeiten</a:t>
             </a:r>
           </a:p>
@@ -2361,7 +2436,7 @@
           <a:p>
             <a:fld id="{41257651-B64F-43FB-9868-05B8EA16BD84}" type="datetimeFigureOut">
               <a:rPr lang="de-DE" smtClean="0"/>
-              <a:t>06.12.2019</a:t>
+              <a:t>14.12.2019</a:t>
             </a:fld>
             <a:endParaRPr lang="de-DE"/>
           </a:p>
@@ -2426,9 +2501,12 @@
 <p:sldMaster xmlns:a="http://schemas.openxmlformats.org/drawingml/2006/main" xmlns:r="http://schemas.openxmlformats.org/officeDocument/2006/relationships" xmlns:p="http://schemas.openxmlformats.org/presentationml/2006/main">
   <p:cSld>
     <p:bg>
-      <p:bgRef idx="1001">
-        <a:schemeClr val="bg1"/>
-      </p:bgRef>
+      <p:bgPr>
+        <a:solidFill>
+          <a:srgbClr val="031634"/>
+        </a:solidFill>
+        <a:effectLst/>
+      </p:bgPr>
     </p:bg>
     <p:spTree>
       <p:nvGrpSpPr>
@@ -2470,10 +2548,9 @@
           <a:lstStyle/>
           <a:p>
             <a:r>
-              <a:rPr lang="de-DE" smtClean="0"/>
+              <a:rPr lang="de-DE" dirty="0"/>
               <a:t>Titelmasterformat durch Klicken bearbeiten</a:t>
             </a:r>
-            <a:endParaRPr lang="de-DE"/>
           </a:p>
         </p:txBody>
       </p:sp>
@@ -2504,38 +2581,37 @@
           <a:p>
             <a:pPr lvl="0"/>
             <a:r>
-              <a:rPr lang="de-DE" smtClean="0"/>
+              <a:rPr lang="de-DE" dirty="0"/>
               <a:t>Formatvorlagen des Textmasters bearbeiten</a:t>
             </a:r>
           </a:p>
           <a:p>
             <a:pPr lvl="1"/>
             <a:r>
-              <a:rPr lang="de-DE" smtClean="0"/>
+              <a:rPr lang="de-DE" dirty="0"/>
               <a:t>Zweite Ebene</a:t>
             </a:r>
           </a:p>
           <a:p>
             <a:pPr lvl="2"/>
             <a:r>
-              <a:rPr lang="de-DE" smtClean="0"/>
+              <a:rPr lang="de-DE" dirty="0"/>
               <a:t>Dritte Ebene</a:t>
             </a:r>
           </a:p>
           <a:p>
             <a:pPr lvl="3"/>
             <a:r>
-              <a:rPr lang="de-DE" smtClean="0"/>
+              <a:rPr lang="de-DE" dirty="0"/>
               <a:t>Vierte Ebene</a:t>
             </a:r>
           </a:p>
           <a:p>
             <a:pPr lvl="4"/>
             <a:r>
-              <a:rPr lang="de-DE" smtClean="0"/>
+              <a:rPr lang="de-DE" dirty="0"/>
               <a:t>Fünfte Ebene</a:t>
             </a:r>
-            <a:endParaRPr lang="de-DE"/>
           </a:p>
         </p:txBody>
       </p:sp>
@@ -2564,17 +2640,17 @@
             <a:lvl1pPr algn="l">
               <a:defRPr sz="1200">
                 <a:solidFill>
-                  <a:schemeClr val="tx1">
-                    <a:tint val="75000"/>
-                  </a:schemeClr>
+                  <a:srgbClr val="E8DDCB"/>
                 </a:solidFill>
+                <a:latin typeface="Futura Lt BT" panose="020B0402020204020303" pitchFamily="34" charset="0"/>
               </a:defRPr>
             </a:lvl1pPr>
           </a:lstStyle>
           <a:p>
             <a:fld id="{41257651-B64F-43FB-9868-05B8EA16BD84}" type="datetimeFigureOut">
               <a:rPr lang="de-DE" smtClean="0"/>
-              <a:t>06.12.2019</a:t>
+              <a:pPr/>
+              <a:t>14.12.2019</a:t>
             </a:fld>
             <a:endParaRPr lang="de-DE"/>
           </a:p>
@@ -2605,10 +2681,9 @@
             <a:lvl1pPr algn="ctr">
               <a:defRPr sz="1200">
                 <a:solidFill>
-                  <a:schemeClr val="tx1">
-                    <a:tint val="75000"/>
-                  </a:schemeClr>
+                  <a:srgbClr val="E8DDCB"/>
                 </a:solidFill>
+                <a:latin typeface="Futura Lt BT" panose="020B0402020204020303" pitchFamily="34" charset="0"/>
               </a:defRPr>
             </a:lvl1pPr>
           </a:lstStyle>
@@ -2642,16 +2717,16 @@
             <a:lvl1pPr algn="r">
               <a:defRPr sz="1200">
                 <a:solidFill>
-                  <a:schemeClr val="tx1">
-                    <a:tint val="75000"/>
-                  </a:schemeClr>
+                  <a:srgbClr val="E8DDCB"/>
                 </a:solidFill>
+                <a:latin typeface="Futura Lt BT" panose="020B0402020204020303" pitchFamily="34" charset="0"/>
               </a:defRPr>
             </a:lvl1pPr>
           </a:lstStyle>
           <a:p>
             <a:fld id="{108E1901-7B93-4501-9C96-12B6809ED28B}" type="slidenum">
               <a:rPr lang="de-DE" smtClean="0"/>
+              <a:pPr/>
               <a:t>‹Nr.›</a:t>
             </a:fld>
             <a:endParaRPr lang="de-DE"/>
@@ -2691,9 +2766,9 @@
         <a:buNone/>
         <a:defRPr sz="4400" kern="1200">
           <a:solidFill>
-            <a:schemeClr val="tx1"/>
+            <a:srgbClr val="E8DDCB"/>
           </a:solidFill>
-          <a:latin typeface="+mj-lt"/>
+          <a:latin typeface="Futura Lt BT" panose="020B0402020204020303" pitchFamily="34" charset="0"/>
           <a:ea typeface="+mj-ea"/>
           <a:cs typeface="+mj-cs"/>
         </a:defRPr>
@@ -2707,13 +2782,13 @@
         <a:spcBef>
           <a:spcPts val="1000"/>
         </a:spcBef>
-        <a:buFont typeface="Arial" panose="020B0604020202020204" pitchFamily="34" charset="0"/>
-        <a:buChar char="•"/>
+        <a:buFont typeface="Futura Lt BT" panose="020B0402020204020303" pitchFamily="34" charset="0"/>
+        <a:buChar char="∙"/>
         <a:defRPr sz="2800" kern="1200">
           <a:solidFill>
-            <a:schemeClr val="tx1"/>
+            <a:srgbClr val="E8DDCB"/>
           </a:solidFill>
-          <a:latin typeface="+mn-lt"/>
+          <a:latin typeface="Futura Lt BT" panose="020B0402020204020303" pitchFamily="34" charset="0"/>
           <a:ea typeface="+mn-ea"/>
           <a:cs typeface="+mn-cs"/>
         </a:defRPr>
@@ -2725,13 +2800,13 @@
         <a:spcBef>
           <a:spcPts val="500"/>
         </a:spcBef>
-        <a:buFont typeface="Arial" panose="020B0604020202020204" pitchFamily="34" charset="0"/>
-        <a:buChar char="•"/>
+        <a:buFont typeface="Futura Lt BT" panose="020B0402020204020303" pitchFamily="34" charset="0"/>
+        <a:buChar char="∙"/>
         <a:defRPr sz="2400" kern="1200">
           <a:solidFill>
-            <a:schemeClr val="tx1"/>
+            <a:srgbClr val="E8DDCB"/>
           </a:solidFill>
-          <a:latin typeface="+mn-lt"/>
+          <a:latin typeface="Futura Lt BT" panose="020B0402020204020303" pitchFamily="34" charset="0"/>
           <a:ea typeface="+mn-ea"/>
           <a:cs typeface="+mn-cs"/>
         </a:defRPr>
@@ -2743,13 +2818,13 @@
         <a:spcBef>
           <a:spcPts val="500"/>
         </a:spcBef>
-        <a:buFont typeface="Arial" panose="020B0604020202020204" pitchFamily="34" charset="0"/>
-        <a:buChar char="•"/>
+        <a:buFont typeface="Futura Lt BT" panose="020B0402020204020303" pitchFamily="34" charset="0"/>
+        <a:buChar char="∙"/>
         <a:defRPr sz="2000" kern="1200">
           <a:solidFill>
-            <a:schemeClr val="tx1"/>
+            <a:srgbClr val="E8DDCB"/>
           </a:solidFill>
-          <a:latin typeface="+mn-lt"/>
+          <a:latin typeface="Futura Lt BT" panose="020B0402020204020303" pitchFamily="34" charset="0"/>
           <a:ea typeface="+mn-ea"/>
           <a:cs typeface="+mn-cs"/>
         </a:defRPr>
@@ -2761,13 +2836,13 @@
         <a:spcBef>
           <a:spcPts val="500"/>
         </a:spcBef>
-        <a:buFont typeface="Arial" panose="020B0604020202020204" pitchFamily="34" charset="0"/>
-        <a:buChar char="•"/>
+        <a:buFont typeface="Futura Lt BT" panose="020B0402020204020303" pitchFamily="34" charset="0"/>
+        <a:buChar char="∙"/>
         <a:defRPr sz="1800" kern="1200">
           <a:solidFill>
-            <a:schemeClr val="tx1"/>
+            <a:srgbClr val="E8DDCB"/>
           </a:solidFill>
-          <a:latin typeface="+mn-lt"/>
+          <a:latin typeface="Futura Lt BT" panose="020B0402020204020303" pitchFamily="34" charset="0"/>
           <a:ea typeface="+mn-ea"/>
           <a:cs typeface="+mn-cs"/>
         </a:defRPr>
@@ -2779,13 +2854,13 @@
         <a:spcBef>
           <a:spcPts val="500"/>
         </a:spcBef>
-        <a:buFont typeface="Arial" panose="020B0604020202020204" pitchFamily="34" charset="0"/>
-        <a:buChar char="•"/>
+        <a:buFont typeface="Futura Lt BT" panose="020B0402020204020303" pitchFamily="34" charset="0"/>
+        <a:buChar char="∙"/>
         <a:defRPr sz="1800" kern="1200">
           <a:solidFill>
-            <a:schemeClr val="tx1"/>
+            <a:srgbClr val="E8DDCB"/>
           </a:solidFill>
-          <a:latin typeface="+mn-lt"/>
+          <a:latin typeface="Futura Lt BT" panose="020B0402020204020303" pitchFamily="34" charset="0"/>
           <a:ea typeface="+mn-ea"/>
           <a:cs typeface="+mn-cs"/>
         </a:defRPr>
@@ -2991,7 +3066,7 @@
         </p:nvSpPr>
         <p:spPr>
           <a:xfrm>
-            <a:off x="1524000" y="1122363"/>
+            <a:off x="1524000" y="2745289"/>
             <a:ext cx="9144000" cy="856749"/>
           </a:xfrm>
         </p:spPr>
@@ -3002,20 +3077,22 @@
           <a:lstStyle/>
           <a:p>
             <a:r>
-              <a:rPr lang="de-DE" dirty="0" err="1" smtClean="0"/>
+              <a:rPr lang="de-DE" dirty="0" err="1"/>
               <a:t>Resync</a:t>
             </a:r>
-            <a:r>
-              <a:rPr lang="de-DE" dirty="0" smtClean="0"/>
-              <a:t> – Die Überführung ins Bewusstsein</a:t>
-            </a:r>
             <a:endParaRPr lang="de-DE" dirty="0"/>
           </a:p>
         </p:txBody>
       </p:sp>
       <p:sp>
         <p:nvSpPr>
-          <p:cNvPr id="3" name="Untertitel 2"/>
+          <p:cNvPr id="6" name="Untertitel 5">
+            <a:extLst>
+              <a:ext uri="{FF2B5EF4-FFF2-40B4-BE49-F238E27FC236}">
+                <a16:creationId xmlns:a16="http://schemas.microsoft.com/office/drawing/2014/main" id="{14395941-269A-477F-A379-FDB8CDD9FD3C}"/>
+              </a:ext>
+            </a:extLst>
+          </p:cNvPr>
           <p:cNvSpPr>
             <a:spLocks noGrp="1"/>
           </p:cNvSpPr>
@@ -3025,34 +3102,15 @@
         </p:nvSpPr>
         <p:spPr/>
         <p:txBody>
-          <a:bodyPr/>
-          <a:lstStyle/>
-          <a:p>
-            <a:r>
-              <a:rPr lang="de-DE" dirty="0" smtClean="0"/>
-              <a:t>Hier 1 </a:t>
-            </a:r>
-            <a:r>
-              <a:rPr lang="de-DE" dirty="0" err="1" smtClean="0"/>
-              <a:t>fancy</a:t>
-            </a:r>
-            <a:r>
-              <a:rPr lang="de-DE" dirty="0" smtClean="0"/>
-              <a:t> </a:t>
-            </a:r>
-            <a:r>
-              <a:rPr lang="de-DE" dirty="0" err="1" smtClean="0"/>
-              <a:t>picc</a:t>
-            </a:r>
-            <a:r>
-              <a:rPr lang="de-DE" dirty="0" smtClean="0"/>
-              <a:t> hin </a:t>
-            </a:r>
-            <a:r>
-              <a:rPr lang="de-DE" dirty="0" err="1" smtClean="0"/>
-              <a:t>mayBe</a:t>
-            </a:r>
-            <a:endParaRPr lang="de-DE" dirty="0"/>
+          <a:bodyPr>
+            <a:normAutofit/>
+          </a:bodyPr>
+          <a:lstStyle/>
+          <a:p>
+            <a:r>
+              <a:rPr lang="de-DE" sz="1800" dirty="0"/>
+              <a:t>Die Überführung ins Bewusstsein</a:t>
+            </a:r>
           </a:p>
         </p:txBody>
       </p:sp>
@@ -3066,13 +3124,6 @@
   <p:clrMapOvr>
     <a:masterClrMapping/>
   </p:clrMapOvr>
-  <p:timing>
-    <p:tnLst>
-      <p:par>
-        <p:cTn id="1" dur="indefinite" restart="never" nodeType="tmRoot"/>
-      </p:par>
-    </p:tnLst>
-  </p:timing>
 </p:sld>
 </file>
 
@@ -3108,58 +3159,57 @@
           <a:bodyPr/>
           <a:lstStyle/>
           <a:p>
-            <a:endParaRPr lang="de-DE"/>
-          </a:p>
-        </p:txBody>
-      </p:sp>
-      <p:sp>
-        <p:nvSpPr>
-          <p:cNvPr id="3" name="Inhaltsplatzhalter 2"/>
-          <p:cNvSpPr>
-            <a:spLocks noGrp="1"/>
-          </p:cNvSpPr>
+            <a:r>
+              <a:rPr lang="de-DE" dirty="0"/>
+              <a:t>Aufgaben (2/4)</a:t>
+            </a:r>
+          </a:p>
+        </p:txBody>
+      </p:sp>
+      <p:pic>
+        <p:nvPicPr>
+          <p:cNvPr id="9" name="Inhaltsplatzhalter 8">
+            <a:extLst>
+              <a:ext uri="{FF2B5EF4-FFF2-40B4-BE49-F238E27FC236}">
+                <a16:creationId xmlns:a16="http://schemas.microsoft.com/office/drawing/2014/main" id="{5E2E5E09-3C09-46C6-861F-AE1C45040B82}"/>
+              </a:ext>
+            </a:extLst>
+          </p:cNvPr>
+          <p:cNvPicPr>
+            <a:picLocks noGrp="1" noChangeAspect="1"/>
+          </p:cNvPicPr>
           <p:nvPr>
             <p:ph idx="1"/>
           </p:nvPr>
-        </p:nvSpPr>
-        <p:spPr/>
-        <p:txBody>
-          <a:bodyPr/>
-          <a:lstStyle/>
-          <a:p>
-            <a:r>
-              <a:rPr lang="de-DE" dirty="0" smtClean="0"/>
-              <a:t>Aufgabe 2: </a:t>
-            </a:r>
-            <a:r>
-              <a:rPr lang="de-DE" dirty="0" err="1" smtClean="0"/>
-              <a:t>Stroop</a:t>
-            </a:r>
-            <a:r>
-              <a:rPr lang="de-DE" dirty="0" smtClean="0"/>
-              <a:t>-Effekt</a:t>
-            </a:r>
-            <a:endParaRPr lang="de-DE" dirty="0"/>
-          </a:p>
-        </p:txBody>
-      </p:sp>
+        </p:nvPicPr>
+        <p:blipFill>
+          <a:blip r:embed="rId2">
+            <a:extLst>
+              <a:ext uri="{28A0092B-C50C-407E-A947-70E740481C1C}">
+                <a14:useLocalDpi xmlns:a14="http://schemas.microsoft.com/office/drawing/2010/main" val="0"/>
+              </a:ext>
+            </a:extLst>
+          </a:blip>
+          <a:srcRect/>
+          <a:stretch/>
+        </p:blipFill>
+        <p:spPr>
+          <a:xfrm>
+            <a:off x="1572016" y="1418096"/>
+            <a:ext cx="9047967" cy="5742598"/>
+          </a:xfrm>
+        </p:spPr>
+      </p:pic>
     </p:spTree>
     <p:extLst>
       <p:ext uri="{BB962C8B-B14F-4D97-AF65-F5344CB8AC3E}">
-        <p14:creationId xmlns:p14="http://schemas.microsoft.com/office/powerpoint/2010/main" val="1078823217"/>
+        <p14:creationId xmlns:p14="http://schemas.microsoft.com/office/powerpoint/2010/main" val="1151443220"/>
       </p:ext>
     </p:extLst>
   </p:cSld>
   <p:clrMapOvr>
     <a:masterClrMapping/>
   </p:clrMapOvr>
-  <p:timing>
-    <p:tnLst>
-      <p:par>
-        <p:cTn id="1" dur="indefinite" restart="never" nodeType="tmRoot"/>
-      </p:par>
-    </p:tnLst>
-  </p:timing>
 </p:sld>
 </file>
 
@@ -3195,50 +3245,57 @@
           <a:bodyPr/>
           <a:lstStyle/>
           <a:p>
-            <a:endParaRPr lang="de-DE"/>
-          </a:p>
-        </p:txBody>
-      </p:sp>
-      <p:sp>
-        <p:nvSpPr>
-          <p:cNvPr id="3" name="Inhaltsplatzhalter 2"/>
-          <p:cNvSpPr>
-            <a:spLocks noGrp="1"/>
-          </p:cNvSpPr>
+            <a:r>
+              <a:rPr lang="de-DE" dirty="0"/>
+              <a:t>Aufgaben (3/4)</a:t>
+            </a:r>
+          </a:p>
+        </p:txBody>
+      </p:sp>
+      <p:pic>
+        <p:nvPicPr>
+          <p:cNvPr id="9" name="Inhaltsplatzhalter 8">
+            <a:extLst>
+              <a:ext uri="{FF2B5EF4-FFF2-40B4-BE49-F238E27FC236}">
+                <a16:creationId xmlns:a16="http://schemas.microsoft.com/office/drawing/2014/main" id="{5E2E5E09-3C09-46C6-861F-AE1C45040B82}"/>
+              </a:ext>
+            </a:extLst>
+          </p:cNvPr>
+          <p:cNvPicPr>
+            <a:picLocks noGrp="1" noChangeAspect="1"/>
+          </p:cNvPicPr>
           <p:nvPr>
             <p:ph idx="1"/>
           </p:nvPr>
-        </p:nvSpPr>
-        <p:spPr/>
-        <p:txBody>
-          <a:bodyPr/>
-          <a:lstStyle/>
-          <a:p>
-            <a:r>
-              <a:rPr lang="de-DE" dirty="0" smtClean="0"/>
-              <a:t>Aufgabe 3: Boxen zählen</a:t>
-            </a:r>
-            <a:endParaRPr lang="de-DE" dirty="0"/>
-          </a:p>
-        </p:txBody>
-      </p:sp>
+        </p:nvPicPr>
+        <p:blipFill>
+          <a:blip r:embed="rId2">
+            <a:extLst>
+              <a:ext uri="{28A0092B-C50C-407E-A947-70E740481C1C}">
+                <a14:useLocalDpi xmlns:a14="http://schemas.microsoft.com/office/drawing/2010/main" val="0"/>
+              </a:ext>
+            </a:extLst>
+          </a:blip>
+          <a:srcRect/>
+          <a:stretch/>
+        </p:blipFill>
+        <p:spPr>
+          <a:xfrm>
+            <a:off x="1572016" y="1418096"/>
+            <a:ext cx="9047967" cy="5742598"/>
+          </a:xfrm>
+        </p:spPr>
+      </p:pic>
     </p:spTree>
     <p:extLst>
       <p:ext uri="{BB962C8B-B14F-4D97-AF65-F5344CB8AC3E}">
-        <p14:creationId xmlns:p14="http://schemas.microsoft.com/office/powerpoint/2010/main" val="2178666697"/>
+        <p14:creationId xmlns:p14="http://schemas.microsoft.com/office/powerpoint/2010/main" val="763508232"/>
       </p:ext>
     </p:extLst>
   </p:cSld>
   <p:clrMapOvr>
     <a:masterClrMapping/>
   </p:clrMapOvr>
-  <p:timing>
-    <p:tnLst>
-      <p:par>
-        <p:cTn id="1" dur="indefinite" restart="never" nodeType="tmRoot"/>
-      </p:par>
-    </p:tnLst>
-  </p:timing>
 </p:sld>
 </file>
 
@@ -3261,7 +3318,13 @@
       </p:grpSpPr>
       <p:sp>
         <p:nvSpPr>
-          <p:cNvPr id="2" name="Titel 1"/>
+          <p:cNvPr id="5" name="Titel 4">
+            <a:extLst>
+              <a:ext uri="{FF2B5EF4-FFF2-40B4-BE49-F238E27FC236}">
+                <a16:creationId xmlns:a16="http://schemas.microsoft.com/office/drawing/2014/main" id="{D3B3AA58-6A5E-4BF4-8CA0-E6B0BBBF57BD}"/>
+              </a:ext>
+            </a:extLst>
+          </p:cNvPr>
           <p:cNvSpPr>
             <a:spLocks noGrp="1"/>
           </p:cNvSpPr>
@@ -3275,24 +3338,21 @@
           <a:lstStyle/>
           <a:p>
             <a:r>
-              <a:rPr lang="de-DE" dirty="0" smtClean="0">
-                <a:solidFill>
-                  <a:schemeClr val="accent2"/>
-                </a:solidFill>
-              </a:rPr>
-              <a:t>Implementierung</a:t>
-            </a:r>
-            <a:endParaRPr lang="de-DE" dirty="0">
-              <a:solidFill>
-                <a:schemeClr val="accent2"/>
-              </a:solidFill>
-            </a:endParaRPr>
-          </a:p>
-        </p:txBody>
-      </p:sp>
-      <p:sp>
-        <p:nvSpPr>
-          <p:cNvPr id="3" name="Inhaltsplatzhalter 2"/>
+              <a:rPr lang="de-DE" dirty="0"/>
+              <a:t>Aufgaben (4/4)</a:t>
+            </a:r>
+          </a:p>
+        </p:txBody>
+      </p:sp>
+      <p:sp>
+        <p:nvSpPr>
+          <p:cNvPr id="3" name="Inhaltsplatzhalter 2">
+            <a:extLst>
+              <a:ext uri="{FF2B5EF4-FFF2-40B4-BE49-F238E27FC236}">
+                <a16:creationId xmlns:a16="http://schemas.microsoft.com/office/drawing/2014/main" id="{CA552B51-2B65-4706-BCBA-EFA42B1145C0}"/>
+              </a:ext>
+            </a:extLst>
+          </p:cNvPr>
           <p:cNvSpPr>
             <a:spLocks noGrp="1"/>
           </p:cNvSpPr>
@@ -3305,48 +3365,26 @@
           <a:bodyPr/>
           <a:lstStyle/>
           <a:p>
-            <a:pPr marL="0" indent="0">
-              <a:buNone/>
-            </a:pPr>
-            <a:r>
-              <a:rPr lang="de-DE" dirty="0" smtClean="0">
-                <a:hlinkClick r:id="rId2" action="ppaction://hlinkfile"/>
-              </a:rPr>
-              <a:t>\\todo</a:t>
-            </a:r>
-            <a:r>
-              <a:rPr lang="de-DE" dirty="0" smtClean="0"/>
-              <a:t>: </a:t>
-            </a:r>
-            <a:r>
-              <a:rPr lang="de-DE" dirty="0" err="1" smtClean="0"/>
-              <a:t>Implentierung</a:t>
-            </a:r>
-            <a:r>
-              <a:rPr lang="de-DE" dirty="0" smtClean="0"/>
-              <a:t> kurz</a:t>
-            </a:r>
-            <a:endParaRPr lang="de-DE" dirty="0"/>
+            <a:r>
+              <a:rPr lang="de-DE"/>
+              <a:t>Video</a:t>
+            </a:r>
+          </a:p>
+          <a:p>
+            <a:endParaRPr lang="de-DE"/>
           </a:p>
         </p:txBody>
       </p:sp>
     </p:spTree>
     <p:extLst>
       <p:ext uri="{BB962C8B-B14F-4D97-AF65-F5344CB8AC3E}">
-        <p14:creationId xmlns:p14="http://schemas.microsoft.com/office/powerpoint/2010/main" val="2577495292"/>
+        <p14:creationId xmlns:p14="http://schemas.microsoft.com/office/powerpoint/2010/main" val="182811933"/>
       </p:ext>
     </p:extLst>
   </p:cSld>
   <p:clrMapOvr>
     <a:masterClrMapping/>
   </p:clrMapOvr>
-  <p:timing>
-    <p:tnLst>
-      <p:par>
-        <p:cTn id="1" dur="indefinite" restart="never" nodeType="tmRoot"/>
-      </p:par>
-    </p:tnLst>
-  </p:timing>
 </p:sld>
 </file>
 
@@ -3382,7 +3420,10 @@
           <a:bodyPr/>
           <a:lstStyle/>
           <a:p>
-            <a:endParaRPr lang="de-DE"/>
+            <a:r>
+              <a:rPr lang="de-DE" dirty="0"/>
+              <a:t>Ergebnisse</a:t>
+            </a:r>
           </a:p>
         </p:txBody>
       </p:sp>
@@ -3402,38 +3443,78 @@
           <a:lstStyle/>
           <a:p>
             <a:r>
-              <a:rPr lang="de-DE" dirty="0" smtClean="0"/>
-              <a:t>**hier </a:t>
-            </a:r>
-            <a:r>
-              <a:rPr lang="de-DE" dirty="0" err="1" smtClean="0"/>
-              <a:t>video</a:t>
-            </a:r>
-            <a:r>
-              <a:rPr lang="de-DE" dirty="0" smtClean="0"/>
-              <a:t> zeigen**</a:t>
-            </a:r>
-            <a:endParaRPr lang="de-DE" dirty="0"/>
+              <a:rPr lang="de-DE" dirty="0"/>
+              <a:t>Demografisch (Alter, Erfahrung, Geschlecht)</a:t>
+            </a:r>
+          </a:p>
+          <a:p>
+            <a:r>
+              <a:rPr lang="de-DE" dirty="0"/>
+              <a:t>Umgebungsvariablen (Stuhleinstellungen)</a:t>
+            </a:r>
+          </a:p>
+          <a:p>
+            <a:r>
+              <a:rPr lang="de-DE" dirty="0"/>
+              <a:t>Dauer des </a:t>
+            </a:r>
+            <a:r>
+              <a:rPr lang="de-DE" dirty="0" err="1"/>
+              <a:t>Wecktons</a:t>
+            </a:r>
+            <a:r>
+              <a:rPr lang="de-DE" dirty="0"/>
+              <a:t> zum Abstellen</a:t>
+            </a:r>
+          </a:p>
+          <a:p>
+            <a:r>
+              <a:rPr lang="de-DE" dirty="0"/>
+              <a:t>Aufgabenergebnisse (Fehlerraten, Zeiten in Gruppen)</a:t>
+            </a:r>
+          </a:p>
+          <a:p>
+            <a:r>
+              <a:rPr lang="de-DE" dirty="0"/>
+              <a:t>Fragebögen (Sam, RSME)</a:t>
+            </a:r>
+          </a:p>
+          <a:p>
+            <a:r>
+              <a:rPr lang="de-DE" dirty="0"/>
+              <a:t>Schlafstatus</a:t>
+            </a:r>
+          </a:p>
+          <a:p>
+            <a:r>
+              <a:rPr lang="de-DE" dirty="0" err="1"/>
+              <a:t>Limesurvey</a:t>
+            </a:r>
+            <a:r>
+              <a:rPr lang="de-DE" dirty="0"/>
+              <a:t> (Müdigkeit vorher/</a:t>
+            </a:r>
+            <a:r>
+              <a:rPr lang="de-DE" dirty="0" err="1"/>
+              <a:t>nachehr</a:t>
+            </a:r>
+            <a:r>
+              <a:rPr lang="de-DE" dirty="0"/>
+              <a:t>, Aufgabenschwierigkeit, Komfort mit VR Brille, ..)</a:t>
+            </a:r>
           </a:p>
         </p:txBody>
       </p:sp>
     </p:spTree>
     <p:extLst>
       <p:ext uri="{BB962C8B-B14F-4D97-AF65-F5344CB8AC3E}">
-        <p14:creationId xmlns:p14="http://schemas.microsoft.com/office/powerpoint/2010/main" val="182811933"/>
+        <p14:creationId xmlns:p14="http://schemas.microsoft.com/office/powerpoint/2010/main" val="2021924618"/>
       </p:ext>
     </p:extLst>
   </p:cSld>
   <p:clrMapOvr>
     <a:masterClrMapping/>
   </p:clrMapOvr>
-  <p:timing>
-    <p:tnLst>
-      <p:par>
-        <p:cTn id="1" dur="indefinite" restart="never" nodeType="tmRoot"/>
-      </p:par>
-    </p:tnLst>
-  </p:timing>
 </p:sld>
 </file>
 
@@ -3470,18 +3551,9 @@
           <a:lstStyle/>
           <a:p>
             <a:r>
-              <a:rPr lang="de-DE" dirty="0" smtClean="0">
-                <a:solidFill>
-                  <a:schemeClr val="accent2"/>
-                </a:solidFill>
-              </a:rPr>
-              <a:t>Ergebnisse</a:t>
-            </a:r>
-            <a:endParaRPr lang="de-DE" dirty="0">
-              <a:solidFill>
-                <a:schemeClr val="accent2"/>
-              </a:solidFill>
-            </a:endParaRPr>
+              <a:rPr lang="de-DE" dirty="0"/>
+              <a:t>Diskussion</a:t>
+            </a:r>
           </a:p>
         </p:txBody>
       </p:sp>
@@ -3501,85 +3573,59 @@
           <a:lstStyle/>
           <a:p>
             <a:r>
-              <a:rPr lang="de-DE" dirty="0" smtClean="0"/>
-              <a:t>Demografisch (Alter, Erfahrung, Geschlecht)</a:t>
-            </a:r>
-          </a:p>
-          <a:p>
-            <a:r>
-              <a:rPr lang="de-DE" dirty="0" smtClean="0"/>
-              <a:t>Umgebungsvariablen (Stuhleinstellungen)</a:t>
-            </a:r>
-          </a:p>
-          <a:p>
-            <a:r>
-              <a:rPr lang="de-DE" dirty="0" smtClean="0"/>
-              <a:t>Dauer des </a:t>
-            </a:r>
-            <a:r>
-              <a:rPr lang="de-DE" dirty="0" err="1" smtClean="0"/>
-              <a:t>Wecktons</a:t>
-            </a:r>
-            <a:r>
-              <a:rPr lang="de-DE" dirty="0" smtClean="0"/>
-              <a:t> zum Abstellen</a:t>
-            </a:r>
-          </a:p>
-          <a:p>
-            <a:r>
-              <a:rPr lang="de-DE" dirty="0" smtClean="0"/>
-              <a:t>Aufgabenergebnisse (Fehlerraten, Zeiten in Gruppen)</a:t>
-            </a:r>
-          </a:p>
-          <a:p>
-            <a:r>
-              <a:rPr lang="de-DE" dirty="0" smtClean="0"/>
-              <a:t>Fragebögen (Sam, RSME)</a:t>
-            </a:r>
-          </a:p>
-          <a:p>
-            <a:r>
-              <a:rPr lang="de-DE" dirty="0" smtClean="0"/>
-              <a:t>Schlafstatus</a:t>
-            </a:r>
-          </a:p>
-          <a:p>
-            <a:r>
-              <a:rPr lang="de-DE" dirty="0" err="1" smtClean="0"/>
-              <a:t>Limesurvey</a:t>
-            </a:r>
-            <a:r>
-              <a:rPr lang="de-DE" dirty="0" smtClean="0"/>
-              <a:t> (Müdigkeit vorher/</a:t>
-            </a:r>
-            <a:r>
-              <a:rPr lang="de-DE" dirty="0" err="1" smtClean="0"/>
-              <a:t>nachehr</a:t>
-            </a:r>
-            <a:r>
-              <a:rPr lang="de-DE" dirty="0" smtClean="0"/>
-              <a:t>, Aufgabenschwierigkeit, Komfort mit VR Brille, ..)</a:t>
-            </a:r>
+              <a:rPr lang="de-DE" dirty="0"/>
+              <a:t>Art und Weise des Aufwachens beeinträchtigt die anschließende Aufgabenbewältigung nicht signifikant</a:t>
+            </a:r>
+          </a:p>
+          <a:p>
+            <a:r>
+              <a:rPr lang="de-DE" dirty="0"/>
+              <a:t>Demografie</a:t>
+            </a:r>
+          </a:p>
+          <a:p>
+            <a:r>
+              <a:rPr lang="de-DE" dirty="0"/>
+              <a:t>Studiendurchführung und Umgebung</a:t>
+            </a:r>
+          </a:p>
+          <a:p>
+            <a:r>
+              <a:rPr lang="de-DE" dirty="0"/>
+              <a:t>Aufgaben gut gewählt, warum diese Ergebnisse?</a:t>
+            </a:r>
+          </a:p>
+          <a:p>
+            <a:r>
+              <a:rPr lang="de-DE" dirty="0" err="1"/>
+              <a:t>Implentierung</a:t>
+            </a:r>
+            <a:r>
+              <a:rPr lang="de-DE" dirty="0"/>
+              <a:t> gut gemacht? </a:t>
+            </a:r>
+          </a:p>
+          <a:p>
+            <a:r>
+              <a:rPr lang="de-DE" dirty="0"/>
+              <a:t>Zukunftsaussicht</a:t>
+            </a:r>
+          </a:p>
+          <a:p>
+            <a:endParaRPr lang="de-DE" dirty="0"/>
           </a:p>
         </p:txBody>
       </p:sp>
     </p:spTree>
     <p:extLst>
       <p:ext uri="{BB962C8B-B14F-4D97-AF65-F5344CB8AC3E}">
-        <p14:creationId xmlns:p14="http://schemas.microsoft.com/office/powerpoint/2010/main" val="2021924618"/>
+        <p14:creationId xmlns:p14="http://schemas.microsoft.com/office/powerpoint/2010/main" val="1692567459"/>
       </p:ext>
     </p:extLst>
   </p:cSld>
   <p:clrMapOvr>
     <a:masterClrMapping/>
   </p:clrMapOvr>
-  <p:timing>
-    <p:tnLst>
-      <p:par>
-        <p:cTn id="1" dur="indefinite" restart="never" nodeType="tmRoot"/>
-      </p:par>
-    </p:tnLst>
-  </p:timing>
 </p:sld>
 </file>
 
@@ -3616,18 +3662,9 @@
           <a:lstStyle/>
           <a:p>
             <a:r>
-              <a:rPr lang="de-DE" dirty="0" smtClean="0">
-                <a:solidFill>
-                  <a:schemeClr val="accent2"/>
-                </a:solidFill>
-              </a:rPr>
-              <a:t>Diskussion</a:t>
-            </a:r>
-            <a:endParaRPr lang="de-DE" dirty="0">
-              <a:solidFill>
-                <a:schemeClr val="accent2"/>
-              </a:solidFill>
-            </a:endParaRPr>
+              <a:rPr lang="de-DE" dirty="0"/>
+              <a:t>Schlussfolgerung</a:t>
+            </a:r>
           </a:p>
         </p:txBody>
       </p:sp>
@@ -3647,165 +3684,29 @@
           <a:lstStyle/>
           <a:p>
             <a:r>
-              <a:rPr lang="de-DE" dirty="0" smtClean="0"/>
-              <a:t>Art und Weise des Aufwachens beeinträchtigt die anschließende Aufgabenbewältigung nicht signifikant</a:t>
-            </a:r>
-          </a:p>
-          <a:p>
-            <a:r>
-              <a:rPr lang="de-DE" dirty="0" smtClean="0"/>
-              <a:t>Demografie</a:t>
-            </a:r>
-          </a:p>
-          <a:p>
-            <a:r>
-              <a:rPr lang="de-DE" dirty="0" smtClean="0"/>
-              <a:t>Studiendurchführung und Umgebung</a:t>
-            </a:r>
-          </a:p>
-          <a:p>
-            <a:r>
-              <a:rPr lang="de-DE" dirty="0" smtClean="0"/>
-              <a:t>Aufgaben gut gewählt, warum diese Ergebnisse?</a:t>
-            </a:r>
-          </a:p>
-          <a:p>
-            <a:r>
-              <a:rPr lang="de-DE" dirty="0" err="1" smtClean="0"/>
-              <a:t>Implentierung</a:t>
-            </a:r>
-            <a:r>
-              <a:rPr lang="de-DE" dirty="0" smtClean="0"/>
-              <a:t> gut gemacht? </a:t>
-            </a:r>
-            <a:endParaRPr lang="de-DE" dirty="0"/>
-          </a:p>
-          <a:p>
-            <a:r>
-              <a:rPr lang="de-DE" dirty="0" smtClean="0"/>
-              <a:t>Zukunftsaussicht</a:t>
-            </a:r>
-          </a:p>
-          <a:p>
-            <a:endParaRPr lang="de-DE" dirty="0"/>
-          </a:p>
-        </p:txBody>
-      </p:sp>
-    </p:spTree>
-    <p:extLst>
-      <p:ext uri="{BB962C8B-B14F-4D97-AF65-F5344CB8AC3E}">
-        <p14:creationId xmlns:p14="http://schemas.microsoft.com/office/powerpoint/2010/main" val="1692567459"/>
-      </p:ext>
-    </p:extLst>
-  </p:cSld>
-  <p:clrMapOvr>
-    <a:masterClrMapping/>
-  </p:clrMapOvr>
-  <p:timing>
-    <p:tnLst>
-      <p:par>
-        <p:cTn id="1" dur="indefinite" restart="never" nodeType="tmRoot"/>
-      </p:par>
-    </p:tnLst>
-  </p:timing>
-</p:sld>
-</file>
-
-<file path=ppt/slides/slide16.xml><?xml version="1.0" encoding="utf-8"?>
-<p:sld xmlns:a="http://schemas.openxmlformats.org/drawingml/2006/main" xmlns:r="http://schemas.openxmlformats.org/officeDocument/2006/relationships" xmlns:p="http://schemas.openxmlformats.org/presentationml/2006/main">
-  <p:cSld>
-    <p:spTree>
-      <p:nvGrpSpPr>
-        <p:cNvPr id="1" name=""/>
-        <p:cNvGrpSpPr/>
-        <p:nvPr/>
-      </p:nvGrpSpPr>
-      <p:grpSpPr>
-        <a:xfrm>
-          <a:off x="0" y="0"/>
-          <a:ext cx="0" cy="0"/>
-          <a:chOff x="0" y="0"/>
-          <a:chExt cx="0" cy="0"/>
-        </a:xfrm>
-      </p:grpSpPr>
-      <p:sp>
-        <p:nvSpPr>
-          <p:cNvPr id="2" name="Titel 1"/>
-          <p:cNvSpPr>
-            <a:spLocks noGrp="1"/>
-          </p:cNvSpPr>
-          <p:nvPr>
-            <p:ph type="title"/>
-          </p:nvPr>
-        </p:nvSpPr>
-        <p:spPr/>
-        <p:txBody>
-          <a:bodyPr/>
-          <a:lstStyle/>
-          <a:p>
-            <a:r>
-              <a:rPr lang="de-DE" dirty="0" smtClean="0">
-                <a:solidFill>
-                  <a:schemeClr val="accent2"/>
-                </a:solidFill>
-              </a:rPr>
-              <a:t>Schlussfolgerung</a:t>
-            </a:r>
-            <a:endParaRPr lang="de-DE" dirty="0">
-              <a:solidFill>
-                <a:schemeClr val="accent2"/>
-              </a:solidFill>
-            </a:endParaRPr>
-          </a:p>
-        </p:txBody>
-      </p:sp>
-      <p:sp>
-        <p:nvSpPr>
-          <p:cNvPr id="3" name="Inhaltsplatzhalter 2"/>
-          <p:cNvSpPr>
-            <a:spLocks noGrp="1"/>
-          </p:cNvSpPr>
-          <p:nvPr>
-            <p:ph idx="1"/>
-          </p:nvPr>
-        </p:nvSpPr>
-        <p:spPr/>
-        <p:txBody>
-          <a:bodyPr/>
-          <a:lstStyle/>
-          <a:p>
-            <a:r>
-              <a:rPr lang="de-DE" dirty="0" smtClean="0"/>
+              <a:rPr lang="de-DE" dirty="0"/>
               <a:t>VR</a:t>
             </a:r>
           </a:p>
           <a:p>
             <a:r>
-              <a:rPr lang="de-DE" dirty="0" smtClean="0"/>
-              <a:t>Hypothesen und Parameter</a:t>
-            </a:r>
-            <a:r>
-              <a:rPr lang="de-DE" dirty="0"/>
-              <a:t> </a:t>
-            </a:r>
-            <a:r>
-              <a:rPr lang="de-DE" dirty="0" smtClean="0"/>
-              <a:t>und Gruppen</a:t>
-            </a:r>
-          </a:p>
-          <a:p>
-            <a:r>
-              <a:rPr lang="de-DE" dirty="0" smtClean="0"/>
+              <a:rPr lang="de-DE" dirty="0"/>
+              <a:t>Hypothesen und Parameter und Gruppen</a:t>
+            </a:r>
+          </a:p>
+          <a:p>
+            <a:r>
+              <a:rPr lang="de-DE" dirty="0"/>
               <a:t>Bewertung der Ergebnisse</a:t>
             </a:r>
           </a:p>
           <a:p>
             <a:r>
-              <a:rPr lang="de-DE" smtClean="0"/>
+              <a:rPr lang="de-DE"/>
               <a:t>Zukünftige </a:t>
             </a:r>
             <a:r>
-              <a:rPr lang="de-DE" dirty="0" smtClean="0"/>
+              <a:rPr lang="de-DE" dirty="0"/>
               <a:t>Forschung</a:t>
             </a:r>
           </a:p>
@@ -3821,13 +3722,6 @@
   <p:clrMapOvr>
     <a:masterClrMapping/>
   </p:clrMapOvr>
-  <p:timing>
-    <p:tnLst>
-      <p:par>
-        <p:cTn id="1" dur="indefinite" restart="never" nodeType="tmRoot"/>
-      </p:par>
-    </p:tnLst>
-  </p:timing>
 </p:sld>
 </file>
 
@@ -3850,7 +3744,13 @@
       </p:grpSpPr>
       <p:sp>
         <p:nvSpPr>
-          <p:cNvPr id="2" name="Titel 1"/>
+          <p:cNvPr id="5" name="Titel 4">
+            <a:extLst>
+              <a:ext uri="{FF2B5EF4-FFF2-40B4-BE49-F238E27FC236}">
+                <a16:creationId xmlns:a16="http://schemas.microsoft.com/office/drawing/2014/main" id="{820900B0-7EDA-42CC-A5BF-AB23E78F04F3}"/>
+              </a:ext>
+            </a:extLst>
+          </p:cNvPr>
           <p:cNvSpPr>
             <a:spLocks noGrp="1"/>
           </p:cNvSpPr>
@@ -3882,63 +3782,46 @@
           <a:bodyPr/>
           <a:lstStyle/>
           <a:p>
-            <a:pPr marL="0" indent="0">
-              <a:buNone/>
-            </a:pPr>
-            <a:r>
-              <a:rPr lang="de-DE" dirty="0" smtClean="0">
+            <a:r>
+              <a:rPr lang="de-DE" dirty="0">
                 <a:hlinkClick r:id="rId2" action="ppaction://hlinkfile"/>
               </a:rPr>
               <a:t>\\todo</a:t>
             </a:r>
             <a:r>
-              <a:rPr lang="de-DE" dirty="0" smtClean="0"/>
+              <a:rPr lang="de-DE" dirty="0"/>
               <a:t>: </a:t>
             </a:r>
           </a:p>
           <a:p>
-            <a:pPr marL="0" indent="0">
-              <a:buNone/>
-            </a:pPr>
-            <a:r>
-              <a:rPr lang="de-DE" dirty="0" smtClean="0"/>
-              <a:t>- gutes Hintergrund design</a:t>
-            </a:r>
-          </a:p>
-          <a:p>
-            <a:pPr marL="0" indent="0">
-              <a:buNone/>
-            </a:pPr>
-            <a:r>
-              <a:rPr lang="de-DE" dirty="0" smtClean="0"/>
-              <a:t>- Alles schön machen :3 :&gt;</a:t>
-            </a:r>
-          </a:p>
-          <a:p>
-            <a:pPr>
-              <a:buFontTx/>
-              <a:buChar char="-"/>
-            </a:pPr>
-            <a:r>
-              <a:rPr lang="de-DE" dirty="0" smtClean="0"/>
+            <a:r>
+              <a:rPr lang="de-DE" dirty="0"/>
+              <a:t>gutes Hintergrund design</a:t>
+            </a:r>
+          </a:p>
+          <a:p>
+            <a:r>
+              <a:rPr lang="de-DE" dirty="0"/>
+              <a:t>Alles schön machen :3 :&gt;</a:t>
+            </a:r>
+          </a:p>
+          <a:p>
+            <a:r>
+              <a:rPr lang="de-DE" dirty="0"/>
               <a:t>wer sagt was aufteilen</a:t>
             </a:r>
           </a:p>
           <a:p>
-            <a:pPr>
-              <a:buFontTx/>
-              <a:buChar char="-"/>
-            </a:pPr>
-            <a:r>
-              <a:rPr lang="de-DE" dirty="0" smtClean="0"/>
+            <a:r>
+              <a:rPr lang="de-DE" dirty="0"/>
               <a:t>Verwandte </a:t>
             </a:r>
             <a:r>
-              <a:rPr lang="de-DE" dirty="0" err="1" smtClean="0"/>
+              <a:rPr lang="de-DE" dirty="0" err="1"/>
               <a:t>forschung</a:t>
             </a:r>
             <a:r>
-              <a:rPr lang="de-DE" dirty="0" smtClean="0"/>
+              <a:rPr lang="de-DE" dirty="0"/>
               <a:t> in Motivation ansprechen?</a:t>
             </a:r>
           </a:p>
@@ -3954,13 +3837,6 @@
   <p:clrMapOvr>
     <a:masterClrMapping/>
   </p:clrMapOvr>
-  <p:timing>
-    <p:tnLst>
-      <p:par>
-        <p:cTn id="1" dur="indefinite" restart="never" nodeType="tmRoot"/>
-      </p:par>
-    </p:tnLst>
-  </p:timing>
 </p:sld>
 </file>
 
@@ -3997,18 +3873,9 @@
           <a:lstStyle/>
           <a:p>
             <a:r>
-              <a:rPr lang="de-DE" dirty="0" smtClean="0">
-                <a:solidFill>
-                  <a:schemeClr val="accent2"/>
-                </a:solidFill>
-              </a:rPr>
+              <a:rPr lang="de-DE" dirty="0"/>
               <a:t>Übersicht</a:t>
             </a:r>
-            <a:endParaRPr lang="de-DE" dirty="0">
-              <a:solidFill>
-                <a:schemeClr val="accent2"/>
-              </a:solidFill>
-            </a:endParaRPr>
           </a:p>
         </p:txBody>
       </p:sp>
@@ -4024,61 +3891,40 @@
         </p:nvSpPr>
         <p:spPr/>
         <p:txBody>
-          <a:bodyPr>
-            <a:normAutofit/>
-          </a:bodyPr>
-          <a:lstStyle/>
-          <a:p>
-            <a:r>
-              <a:rPr lang="de-DE" dirty="0" smtClean="0"/>
+          <a:bodyPr/>
+          <a:lstStyle/>
+          <a:p>
+            <a:r>
+              <a:rPr lang="de-DE" dirty="0"/>
               <a:t>Motivation</a:t>
             </a:r>
           </a:p>
           <a:p>
             <a:r>
-              <a:rPr lang="de-DE" dirty="0" smtClean="0"/>
+              <a:rPr lang="de-DE" dirty="0"/>
               <a:t>Herangehensweise</a:t>
             </a:r>
           </a:p>
           <a:p>
             <a:r>
-              <a:rPr lang="de-DE" dirty="0" smtClean="0"/>
-              <a:t>Lösungsansatz</a:t>
-            </a:r>
-          </a:p>
-          <a:p>
-            <a:r>
-              <a:rPr lang="de-DE" dirty="0" smtClean="0"/>
-              <a:t>Studiendesign</a:t>
-            </a:r>
-          </a:p>
-          <a:p>
-            <a:r>
-              <a:rPr lang="de-DE" dirty="0" err="1" smtClean="0"/>
-              <a:t>Implentierung</a:t>
-            </a:r>
-            <a:endParaRPr lang="de-DE" dirty="0" smtClean="0"/>
-          </a:p>
-          <a:p>
-            <a:r>
-              <a:rPr lang="de-DE" dirty="0" smtClean="0"/>
+              <a:rPr lang="de-DE" dirty="0"/>
               <a:t>Ergebnisse</a:t>
             </a:r>
           </a:p>
           <a:p>
             <a:r>
-              <a:rPr lang="de-DE" dirty="0" smtClean="0"/>
+              <a:rPr lang="de-DE" dirty="0"/>
               <a:t>Diskussion</a:t>
             </a:r>
           </a:p>
           <a:p>
             <a:r>
-              <a:rPr lang="de-DE" dirty="0" smtClean="0"/>
+              <a:rPr lang="de-DE" dirty="0"/>
               <a:t>Schlussfolgerung</a:t>
             </a:r>
           </a:p>
           <a:p>
-            <a:endParaRPr lang="de-DE" dirty="0" smtClean="0"/>
+            <a:endParaRPr lang="de-DE" dirty="0"/>
           </a:p>
         </p:txBody>
       </p:sp>
@@ -4092,13 +3938,6 @@
   <p:clrMapOvr>
     <a:masterClrMapping/>
   </p:clrMapOvr>
-  <p:timing>
-    <p:tnLst>
-      <p:par>
-        <p:cTn id="1" dur="indefinite" restart="never" nodeType="tmRoot"/>
-      </p:par>
-    </p:tnLst>
-  </p:timing>
 </p:sld>
 </file>
 
@@ -4135,18 +3974,9 @@
           <a:lstStyle/>
           <a:p>
             <a:r>
-              <a:rPr lang="de-DE" dirty="0" smtClean="0">
-                <a:solidFill>
-                  <a:schemeClr val="accent2"/>
-                </a:solidFill>
-              </a:rPr>
+              <a:rPr lang="de-DE" dirty="0"/>
               <a:t>Motivation</a:t>
             </a:r>
-            <a:endParaRPr lang="de-DE" dirty="0">
-              <a:solidFill>
-                <a:schemeClr val="accent2"/>
-              </a:solidFill>
-            </a:endParaRPr>
           </a:p>
         </p:txBody>
       </p:sp>
@@ -4168,76 +3998,68 @@
           <a:lstStyle/>
           <a:p>
             <a:r>
-              <a:rPr lang="de-DE" dirty="0" smtClean="0"/>
+              <a:rPr lang="de-DE" dirty="0"/>
               <a:t>Schnittstelle VR und Realität</a:t>
             </a:r>
           </a:p>
           <a:p>
             <a:r>
-              <a:rPr lang="de-DE" dirty="0" smtClean="0"/>
+              <a:rPr lang="de-DE" dirty="0"/>
               <a:t>AR/VR fester Bestandteil im Alltag</a:t>
             </a:r>
           </a:p>
           <a:p>
             <a:r>
-              <a:rPr lang="de-DE" dirty="0" smtClean="0"/>
+              <a:rPr lang="de-DE" dirty="0"/>
               <a:t>Smart-</a:t>
             </a:r>
             <a:r>
-              <a:rPr lang="de-DE" dirty="0" err="1" smtClean="0"/>
+              <a:rPr lang="de-DE" dirty="0" err="1"/>
               <a:t>Mirrors</a:t>
             </a:r>
             <a:r>
-              <a:rPr lang="de-DE" dirty="0" smtClean="0"/>
+              <a:rPr lang="de-DE" dirty="0"/>
               <a:t>, Head-</a:t>
             </a:r>
             <a:r>
               <a:rPr lang="de-DE" dirty="0" err="1"/>
-              <a:t>U</a:t>
-            </a:r>
-            <a:r>
-              <a:rPr lang="de-DE" dirty="0" err="1" smtClean="0"/>
-              <a:t>p</a:t>
-            </a:r>
-            <a:r>
-              <a:rPr lang="de-DE" dirty="0" smtClean="0"/>
+              <a:t>Up</a:t>
+            </a:r>
+            <a:r>
+              <a:rPr lang="de-DE" dirty="0"/>
               <a:t> Displays</a:t>
             </a:r>
           </a:p>
           <a:p>
             <a:r>
-              <a:rPr lang="de-DE" dirty="0" smtClean="0"/>
+              <a:rPr lang="de-DE" dirty="0"/>
               <a:t>Autonomes Fahren</a:t>
             </a:r>
           </a:p>
           <a:p>
-            <a:pPr marL="0" indent="0">
-              <a:buNone/>
-            </a:pPr>
-            <a:endParaRPr lang="de-DE" dirty="0" smtClean="0"/>
-          </a:p>
-          <a:p>
-            <a:r>
-              <a:rPr lang="de-DE" dirty="0" smtClean="0"/>
+            <a:endParaRPr lang="de-DE" dirty="0"/>
+          </a:p>
+          <a:p>
+            <a:r>
+              <a:rPr lang="de-DE" dirty="0"/>
               <a:t>Übergang Ruhephase und Arbeitsphase</a:t>
             </a:r>
           </a:p>
           <a:p>
             <a:r>
-              <a:rPr lang="de-DE" dirty="0" smtClean="0"/>
+              <a:rPr lang="de-DE" dirty="0"/>
               <a:t>Leistungsfähigkeit nach Ruhephase</a:t>
             </a:r>
           </a:p>
           <a:p>
             <a:r>
-              <a:rPr lang="de-DE" dirty="0" smtClean="0"/>
+              <a:rPr lang="de-DE" dirty="0"/>
               <a:t>Aufmerksamkeit, Wachsamkeit, Zuverlässigkeit</a:t>
             </a:r>
-            <a:endParaRPr lang="de-DE" dirty="0" smtClean="0"/>
-          </a:p>
-          <a:p>
-            <a:r>
-              <a:rPr lang="de-DE" dirty="0" smtClean="0"/>
+          </a:p>
+          <a:p>
+            <a:r>
+              <a:rPr lang="de-DE" dirty="0"/>
               <a:t>Vorbereitung auf Aufgabe</a:t>
             </a:r>
           </a:p>
@@ -4245,47 +4067,44 @@
             <a:endParaRPr lang="de-DE" dirty="0"/>
           </a:p>
           <a:p>
-            <a:pPr marL="0" indent="0">
-              <a:buNone/>
-            </a:pPr>
-            <a:r>
-              <a:rPr lang="de-DE" dirty="0" smtClean="0">
+            <a:r>
+              <a:rPr lang="de-DE" dirty="0">
                 <a:sym typeface="Wingdings" panose="05000000000000000000" pitchFamily="2" charset="2"/>
               </a:rPr>
               <a:t> </a:t>
             </a:r>
             <a:r>
-              <a:rPr lang="de-DE" dirty="0" err="1" smtClean="0">
+              <a:rPr lang="de-DE" dirty="0" err="1">
                 <a:sym typeface="Wingdings" panose="05000000000000000000" pitchFamily="2" charset="2"/>
               </a:rPr>
               <a:t>Paramter</a:t>
             </a:r>
             <a:r>
-              <a:rPr lang="de-DE" dirty="0" smtClean="0">
+              <a:rPr lang="de-DE" dirty="0">
                 <a:sym typeface="Wingdings" panose="05000000000000000000" pitchFamily="2" charset="2"/>
               </a:rPr>
               <a:t> Licht und Ton : </a:t>
             </a:r>
             <a:r>
-              <a:rPr lang="de-DE" dirty="0" err="1" smtClean="0">
+              <a:rPr lang="de-DE" dirty="0" err="1">
                 <a:sym typeface="Wingdings" panose="05000000000000000000" pitchFamily="2" charset="2"/>
               </a:rPr>
               <a:t>between</a:t>
             </a:r>
             <a:r>
-              <a:rPr lang="de-DE" dirty="0" smtClean="0">
+              <a:rPr lang="de-DE" dirty="0">
                 <a:sym typeface="Wingdings" panose="05000000000000000000" pitchFamily="2" charset="2"/>
               </a:rPr>
               <a:t> </a:t>
             </a:r>
             <a:r>
-              <a:rPr lang="de-DE" dirty="0" err="1" smtClean="0">
+              <a:rPr lang="de-DE" dirty="0" err="1">
                 <a:sym typeface="Wingdings" panose="05000000000000000000" pitchFamily="2" charset="2"/>
               </a:rPr>
               <a:t>subject</a:t>
             </a:r>
             <a:r>
-              <a:rPr lang="de-DE" dirty="0" smtClean="0">
+              <a:rPr lang="de-DE" dirty="0">
                 <a:sym typeface="Wingdings" panose="05000000000000000000" pitchFamily="2" charset="2"/>
               </a:rPr>
               <a:t> Studie</a:t>
@@ -4304,13 +4123,6 @@
   <p:clrMapOvr>
     <a:masterClrMapping/>
   </p:clrMapOvr>
-  <p:timing>
-    <p:tnLst>
-      <p:par>
-        <p:cTn id="1" dur="indefinite" restart="never" nodeType="tmRoot"/>
-      </p:par>
-    </p:tnLst>
-  </p:timing>
 </p:sld>
 </file>
 
@@ -4347,18 +4159,9 @@
           <a:lstStyle/>
           <a:p>
             <a:r>
-              <a:rPr lang="de-DE" dirty="0" smtClean="0">
-                <a:solidFill>
-                  <a:schemeClr val="accent2"/>
-                </a:solidFill>
-              </a:rPr>
+              <a:rPr lang="de-DE" dirty="0"/>
               <a:t>Herangehensweise</a:t>
             </a:r>
-            <a:endParaRPr lang="de-DE" dirty="0">
-              <a:solidFill>
-                <a:schemeClr val="accent2"/>
-              </a:solidFill>
-            </a:endParaRPr>
           </a:p>
         </p:txBody>
       </p:sp>
@@ -4378,56 +4181,56 @@
           <a:lstStyle/>
           <a:p>
             <a:r>
-              <a:rPr lang="de-DE" dirty="0" smtClean="0"/>
+              <a:rPr lang="de-DE" dirty="0"/>
               <a:t>VR Umgebung mit Kopfhörer</a:t>
             </a:r>
           </a:p>
           <a:p>
             <a:r>
-              <a:rPr lang="de-DE" dirty="0" smtClean="0"/>
+              <a:rPr lang="de-DE" dirty="0"/>
               <a:t>Werte aufzeichnen Kopfbewegung, Zeiten </a:t>
             </a:r>
             <a:r>
-              <a:rPr lang="de-DE" dirty="0" err="1" smtClean="0"/>
+              <a:rPr lang="de-DE" dirty="0" err="1"/>
               <a:t>etc</a:t>
             </a:r>
             <a:r>
-              <a:rPr lang="de-DE" dirty="0" smtClean="0"/>
+              <a:rPr lang="de-DE" dirty="0"/>
               <a:t> -&gt; </a:t>
             </a:r>
             <a:r>
-              <a:rPr lang="de-DE" dirty="0" err="1" smtClean="0"/>
+              <a:rPr lang="de-DE" dirty="0" err="1"/>
               <a:t>csv</a:t>
             </a:r>
             <a:r>
-              <a:rPr lang="de-DE" dirty="0" smtClean="0"/>
+              <a:rPr lang="de-DE" dirty="0"/>
               <a:t> Format</a:t>
             </a:r>
           </a:p>
           <a:p>
             <a:r>
-              <a:rPr lang="de-DE" dirty="0" smtClean="0"/>
+              <a:rPr lang="de-DE" dirty="0"/>
               <a:t>Gaming-Stuhl</a:t>
             </a:r>
           </a:p>
           <a:p>
             <a:r>
-              <a:rPr lang="de-DE" dirty="0" smtClean="0"/>
+              <a:rPr lang="de-DE" dirty="0"/>
               <a:t>Fragebögen SAM und RSME in VR, andere </a:t>
             </a:r>
             <a:r>
-              <a:rPr lang="de-DE" dirty="0" err="1" smtClean="0"/>
+              <a:rPr lang="de-DE" dirty="0" err="1"/>
               <a:t>limesurvey</a:t>
             </a:r>
-            <a:endParaRPr lang="de-DE" dirty="0" smtClean="0"/>
-          </a:p>
-          <a:p>
-            <a:r>
-              <a:rPr lang="de-DE" dirty="0" smtClean="0"/>
+            <a:endParaRPr lang="de-DE" dirty="0"/>
+          </a:p>
+          <a:p>
+            <a:r>
+              <a:rPr lang="de-DE" dirty="0"/>
               <a:t>Python, R Skripte, SPSS </a:t>
             </a:r>
             <a:r>
-              <a:rPr lang="de-DE" dirty="0" err="1" smtClean="0"/>
+              <a:rPr lang="de-DE" dirty="0" err="1"/>
               <a:t>etc</a:t>
             </a:r>
             <a:endParaRPr lang="de-DE" dirty="0"/>
@@ -4444,13 +4247,6 @@
   <p:clrMapOvr>
     <a:masterClrMapping/>
   </p:clrMapOvr>
-  <p:timing>
-    <p:tnLst>
-      <p:par>
-        <p:cTn id="1" dur="indefinite" restart="never" nodeType="tmRoot"/>
-      </p:par>
-    </p:tnLst>
-  </p:timing>
 </p:sld>
 </file>
 
@@ -4487,18 +4283,9 @@
           <a:lstStyle/>
           <a:p>
             <a:r>
-              <a:rPr lang="de-DE" dirty="0" smtClean="0">
-                <a:solidFill>
-                  <a:schemeClr val="accent2"/>
-                </a:solidFill>
-              </a:rPr>
+              <a:rPr lang="de-DE" dirty="0"/>
               <a:t>Lösungsansatz</a:t>
             </a:r>
-            <a:endParaRPr lang="de-DE" dirty="0">
-              <a:solidFill>
-                <a:schemeClr val="accent2"/>
-              </a:solidFill>
-            </a:endParaRPr>
           </a:p>
         </p:txBody>
       </p:sp>
@@ -4518,19 +4305,19 @@
           <a:lstStyle/>
           <a:p>
             <a:r>
-              <a:rPr lang="de-DE" dirty="0" smtClean="0"/>
+              <a:rPr lang="de-DE" dirty="0"/>
               <a:t>Übergang schläfriger Zustand, ohne kognitive Belastung, und wacher Zustand, in dem Aufgaben erledigt werden müssen</a:t>
             </a:r>
           </a:p>
           <a:p>
             <a:r>
-              <a:rPr lang="de-DE" dirty="0" smtClean="0"/>
+              <a:rPr lang="de-DE" dirty="0"/>
               <a:t>Hypothesen</a:t>
             </a:r>
           </a:p>
           <a:p>
             <a:r>
-              <a:rPr lang="de-DE" dirty="0" smtClean="0"/>
+              <a:rPr lang="de-DE" dirty="0"/>
               <a:t>Erfasste Parameter: Zeit, Fehlerrate, Blickrichtung</a:t>
             </a:r>
           </a:p>
@@ -4546,13 +4333,6 @@
   <p:clrMapOvr>
     <a:masterClrMapping/>
   </p:clrMapOvr>
-  <p:timing>
-    <p:tnLst>
-      <p:par>
-        <p:cTn id="1" dur="indefinite" restart="never" nodeType="tmRoot"/>
-      </p:par>
-    </p:tnLst>
-  </p:timing>
 </p:sld>
 </file>
 
@@ -4589,14 +4369,9 @@
           <a:lstStyle/>
           <a:p>
             <a:r>
-              <a:rPr lang="de-DE" dirty="0" smtClean="0">
-                <a:solidFill>
-                  <a:schemeClr val="accent2"/>
-                </a:solidFill>
-              </a:rPr>
+              <a:rPr lang="de-DE" dirty="0"/>
               <a:t>Studiendesign</a:t>
             </a:r>
-            <a:endParaRPr lang="de-DE" dirty="0"/>
           </a:p>
         </p:txBody>
       </p:sp>
@@ -4616,50 +4391,45 @@
           <a:lstStyle/>
           <a:p>
             <a:r>
-              <a:rPr lang="de-DE" dirty="0" smtClean="0"/>
+              <a:rPr lang="de-DE" dirty="0"/>
               <a:t>Studiendurchführung (Umgebung </a:t>
             </a:r>
             <a:r>
-              <a:rPr lang="de-DE" dirty="0" err="1" smtClean="0"/>
+              <a:rPr lang="de-DE" dirty="0" err="1"/>
               <a:t>etc</a:t>
             </a:r>
             <a:r>
-              <a:rPr lang="de-DE" dirty="0" smtClean="0"/>
+              <a:rPr lang="de-DE" dirty="0"/>
               <a:t>)</a:t>
             </a:r>
           </a:p>
           <a:p>
             <a:r>
-              <a:rPr lang="de-DE" dirty="0" smtClean="0"/>
-              <a:t>Studienablauf </a:t>
-            </a:r>
-            <a:r>
-              <a:rPr lang="de-DE" dirty="0" smtClean="0"/>
-              <a:t>: 1. Einführung 2. Ruhephase 3. Aufgaben 4. Fragebögen</a:t>
-            </a:r>
-          </a:p>
-          <a:p>
-            <a:r>
-              <a:rPr lang="de-DE" dirty="0" smtClean="0"/>
+              <a:rPr lang="de-DE" dirty="0"/>
+              <a:t>Studienablauf : 1. Einführung 2. Ruhephase 3. Aufgaben 4. Fragebögen</a:t>
+            </a:r>
+          </a:p>
+          <a:p>
+            <a:r>
+              <a:rPr lang="de-DE" dirty="0"/>
               <a:t>SAM und RSME (</a:t>
             </a:r>
             <a:r>
-              <a:rPr lang="de-DE" dirty="0" err="1" smtClean="0"/>
+              <a:rPr lang="de-DE" dirty="0" err="1"/>
               <a:t>maybe</a:t>
             </a:r>
             <a:r>
-              <a:rPr lang="de-DE" dirty="0" smtClean="0"/>
+              <a:rPr lang="de-DE" dirty="0"/>
               <a:t> mit </a:t>
             </a:r>
             <a:r>
-              <a:rPr lang="de-DE" dirty="0" err="1" smtClean="0"/>
+              <a:rPr lang="de-DE" dirty="0" err="1"/>
               <a:t>pic</a:t>
             </a:r>
             <a:r>
-              <a:rPr lang="de-DE" dirty="0" smtClean="0"/>
+              <a:rPr lang="de-DE" dirty="0"/>
               <a:t>)</a:t>
             </a:r>
-            <a:endParaRPr lang="de-DE" dirty="0" smtClean="0"/>
           </a:p>
           <a:p>
             <a:endParaRPr lang="de-DE" dirty="0"/>
@@ -4676,13 +4446,6 @@
   <p:clrMapOvr>
     <a:masterClrMapping/>
   </p:clrMapOvr>
-  <p:timing>
-    <p:tnLst>
-      <p:par>
-        <p:cTn id="1" dur="indefinite" restart="never" nodeType="tmRoot"/>
-      </p:par>
-    </p:tnLst>
-  </p:timing>
 </p:sld>
 </file>
 
@@ -4713,56 +4476,15 @@
             <p:ph type="title"/>
           </p:nvPr>
         </p:nvSpPr>
-        <p:spPr>
-          <a:xfrm>
-            <a:off x="911310" y="365125"/>
-            <a:ext cx="10442490" cy="1316347"/>
-          </a:xfrm>
-        </p:spPr>
-        <p:txBody>
-          <a:bodyPr>
-            <a:normAutofit/>
-          </a:bodyPr>
-          <a:lstStyle/>
-          <a:p>
-            <a:r>
-              <a:rPr lang="de-DE" sz="3200" b="1" dirty="0" smtClean="0"/>
+        <p:spPr/>
+        <p:txBody>
+          <a:bodyPr/>
+          <a:lstStyle/>
+          <a:p>
+            <a:r>
+              <a:rPr lang="de-DE" dirty="0"/>
               <a:t>45 Probanden in 3 Studiengruppen</a:t>
             </a:r>
-            <a:endParaRPr lang="de-DE" sz="3200" b="1" dirty="0"/>
-          </a:p>
-        </p:txBody>
-      </p:sp>
-      <p:sp>
-        <p:nvSpPr>
-          <p:cNvPr id="5" name="Inhaltsplatzhalter 4"/>
-          <p:cNvSpPr>
-            <a:spLocks noGrp="1"/>
-          </p:cNvSpPr>
-          <p:nvPr>
-            <p:ph idx="1"/>
-          </p:nvPr>
-        </p:nvSpPr>
-        <p:spPr>
-          <a:xfrm>
-            <a:off x="8282114" y="1929595"/>
-            <a:ext cx="1052386" cy="496569"/>
-          </a:xfrm>
-        </p:spPr>
-        <p:txBody>
-          <a:bodyPr>
-            <a:normAutofit/>
-          </a:bodyPr>
-          <a:lstStyle/>
-          <a:p>
-            <a:pPr marL="0" indent="0">
-              <a:buNone/>
-            </a:pPr>
-            <a:r>
-              <a:rPr lang="de-DE" dirty="0" err="1" smtClean="0"/>
-              <a:t>alarm</a:t>
-            </a:r>
-            <a:endParaRPr lang="de-DE" dirty="0"/>
           </a:p>
         </p:txBody>
       </p:sp>
@@ -4774,18 +4496,18 @@
         </p:nvSpPr>
         <p:spPr>
           <a:xfrm>
-            <a:off x="1242883" y="2450757"/>
-            <a:ext cx="1433384" cy="3188044"/>
+            <a:off x="958241" y="2450757"/>
+            <a:ext cx="3060000" cy="2880000"/>
           </a:xfrm>
           <a:prstGeom prst="rect">
             <a:avLst/>
           </a:prstGeom>
           <a:solidFill>
-            <a:schemeClr val="accent4">
-              <a:lumMod val="40000"/>
-              <a:lumOff val="60000"/>
-            </a:schemeClr>
+            <a:srgbClr val="3288BD"/>
           </a:solidFill>
+          <a:ln>
+            <a:noFill/>
+          </a:ln>
         </p:spPr>
         <p:style>
           <a:lnRef idx="2">
@@ -4808,7 +4530,12 @@
           <a:lstStyle/>
           <a:p>
             <a:pPr algn="ctr"/>
-            <a:endParaRPr lang="de-DE"/>
+            <a:endParaRPr lang="de-DE">
+              <a:solidFill>
+                <a:srgbClr val="FF0000"/>
+              </a:solidFill>
+              <a:latin typeface="Futura Lt BT" panose="020B0402020204020303" pitchFamily="34" charset="0"/>
+            </a:endParaRPr>
           </a:p>
         </p:txBody>
       </p:sp>
@@ -4820,12 +4547,18 @@
         </p:nvSpPr>
         <p:spPr>
           <a:xfrm>
-            <a:off x="4061252" y="2450757"/>
-            <a:ext cx="1433384" cy="3188044"/>
+            <a:off x="4018241" y="2450757"/>
+            <a:ext cx="3060000" cy="2880000"/>
           </a:xfrm>
           <a:prstGeom prst="rect">
             <a:avLst/>
           </a:prstGeom>
+          <a:solidFill>
+            <a:srgbClr val="D53E4F"/>
+          </a:solidFill>
+          <a:ln>
+            <a:noFill/>
+          </a:ln>
         </p:spPr>
         <p:style>
           <a:lnRef idx="2">
@@ -4848,7 +4581,12 @@
           <a:lstStyle/>
           <a:p>
             <a:pPr algn="ctr"/>
-            <a:endParaRPr lang="de-DE"/>
+            <a:endParaRPr lang="de-DE">
+              <a:solidFill>
+                <a:srgbClr val="FF0000"/>
+              </a:solidFill>
+              <a:latin typeface="Futura Lt BT" panose="020B0402020204020303" pitchFamily="34" charset="0"/>
+            </a:endParaRPr>
           </a:p>
         </p:txBody>
       </p:sp>
@@ -4860,15 +4598,18 @@
         </p:nvSpPr>
         <p:spPr>
           <a:xfrm>
-            <a:off x="8388177" y="2450757"/>
-            <a:ext cx="1433384" cy="3188044"/>
+            <a:off x="7078241" y="2450757"/>
+            <a:ext cx="3060000" cy="2880000"/>
           </a:xfrm>
           <a:prstGeom prst="rect">
             <a:avLst/>
           </a:prstGeom>
           <a:solidFill>
-            <a:srgbClr val="92D050"/>
+            <a:srgbClr val="FC8D59"/>
           </a:solidFill>
+          <a:ln>
+            <a:noFill/>
+          </a:ln>
         </p:spPr>
         <p:style>
           <a:lnRef idx="2">
@@ -4891,7 +4632,12 @@
           <a:lstStyle/>
           <a:p>
             <a:pPr algn="ctr"/>
-            <a:endParaRPr lang="de-DE"/>
+            <a:endParaRPr lang="de-DE" dirty="0">
+              <a:solidFill>
+                <a:srgbClr val="FF0000"/>
+              </a:solidFill>
+              <a:latin typeface="Futura Lt BT" panose="020B0402020204020303" pitchFamily="34" charset="0"/>
+            </a:endParaRPr>
           </a:p>
         </p:txBody>
       </p:sp>
@@ -4905,8 +4651,8 @@
         </p:nvSpPr>
         <p:spPr>
           <a:xfrm>
-            <a:off x="911310" y="2000460"/>
-            <a:ext cx="2386913" cy="421716"/>
+            <a:off x="958241" y="2119637"/>
+            <a:ext cx="2386913" cy="360000"/>
           </a:xfrm>
           <a:prstGeom prst="rect">
             <a:avLst/>
@@ -4914,7 +4660,7 @@
         </p:spPr>
         <p:txBody>
           <a:bodyPr vert="horz" lIns="91440" tIns="45720" rIns="91440" bIns="45720" rtlCol="0">
-            <a:normAutofit fontScale="92500" lnSpcReduction="10000"/>
+            <a:normAutofit lnSpcReduction="10000"/>
           </a:bodyPr>
           <a:lstStyle>
             <a:lvl1pPr marL="228600" indent="-228600" algn="l" defTabSz="914400" rtl="0" eaLnBrk="1" latinLnBrk="0" hangingPunct="1">
@@ -5086,18 +4832,32 @@
               <a:buNone/>
             </a:pPr>
             <a:r>
-              <a:rPr lang="de-DE" dirty="0" smtClean="0"/>
+              <a:rPr lang="de-DE" sz="2000" dirty="0">
+                <a:solidFill>
+                  <a:srgbClr val="CDB380"/>
+                </a:solidFill>
+                <a:latin typeface="Futura Lt BT" panose="020B0402020204020303" pitchFamily="34" charset="0"/>
+              </a:rPr>
               <a:t>5 </a:t>
             </a:r>
             <a:r>
-              <a:rPr lang="de-DE" dirty="0" err="1" smtClean="0"/>
+              <a:rPr lang="de-DE" sz="2000" dirty="0" err="1">
+                <a:solidFill>
+                  <a:srgbClr val="CDB380"/>
+                </a:solidFill>
+                <a:latin typeface="Futura Lt BT" panose="020B0402020204020303" pitchFamily="34" charset="0"/>
+              </a:rPr>
               <a:t>seconds</a:t>
             </a:r>
             <a:r>
-              <a:rPr lang="de-DE" dirty="0" smtClean="0"/>
+              <a:rPr lang="de-DE" sz="2000" dirty="0">
+                <a:solidFill>
+                  <a:srgbClr val="CDB380"/>
+                </a:solidFill>
+                <a:latin typeface="Futura Lt BT" panose="020B0402020204020303" pitchFamily="34" charset="0"/>
+              </a:rPr>
               <a:t> fade</a:t>
             </a:r>
-            <a:endParaRPr lang="de-DE" dirty="0"/>
           </a:p>
         </p:txBody>
       </p:sp>
@@ -5111,8 +4871,8 @@
         </p:nvSpPr>
         <p:spPr>
           <a:xfrm>
-            <a:off x="3548446" y="1925607"/>
-            <a:ext cx="2458995" cy="496569"/>
+            <a:off x="4018241" y="2119637"/>
+            <a:ext cx="2458995" cy="360000"/>
           </a:xfrm>
           <a:prstGeom prst="rect">
             <a:avLst/>
@@ -5120,7 +4880,7 @@
         </p:spPr>
         <p:txBody>
           <a:bodyPr vert="horz" lIns="91440" tIns="45720" rIns="91440" bIns="45720" rtlCol="0">
-            <a:normAutofit fontScale="92500"/>
+            <a:normAutofit lnSpcReduction="10000"/>
           </a:bodyPr>
           <a:lstStyle>
             <a:lvl1pPr marL="228600" indent="-228600" algn="l" defTabSz="914400" rtl="0" eaLnBrk="1" latinLnBrk="0" hangingPunct="1">
@@ -5292,33 +5052,53 @@
               <a:buNone/>
             </a:pPr>
             <a:r>
-              <a:rPr lang="de-DE" dirty="0" smtClean="0"/>
+              <a:rPr lang="de-DE" sz="2000" dirty="0">
+                <a:solidFill>
+                  <a:srgbClr val="CDB380"/>
+                </a:solidFill>
+                <a:latin typeface="Futura Lt BT" panose="020B0402020204020303" pitchFamily="34" charset="0"/>
+              </a:rPr>
               <a:t>20 </a:t>
             </a:r>
             <a:r>
-              <a:rPr lang="de-DE" dirty="0" err="1" smtClean="0"/>
+              <a:rPr lang="de-DE" sz="2000" dirty="0" err="1">
+                <a:solidFill>
+                  <a:srgbClr val="CDB380"/>
+                </a:solidFill>
+                <a:latin typeface="Futura Lt BT" panose="020B0402020204020303" pitchFamily="34" charset="0"/>
+              </a:rPr>
               <a:t>seconds</a:t>
             </a:r>
             <a:r>
-              <a:rPr lang="de-DE" dirty="0" smtClean="0"/>
+              <a:rPr lang="de-DE" sz="2000" dirty="0">
+                <a:solidFill>
+                  <a:srgbClr val="CDB380"/>
+                </a:solidFill>
+                <a:latin typeface="Futura Lt BT" panose="020B0402020204020303" pitchFamily="34" charset="0"/>
+              </a:rPr>
               <a:t> fade</a:t>
             </a:r>
-            <a:endParaRPr lang="de-DE" dirty="0"/>
-          </a:p>
-        </p:txBody>
-      </p:sp>
-      <p:sp>
-        <p:nvSpPr>
-          <p:cNvPr id="11" name="Inhaltsplatzhalter 4"/>
+          </a:p>
+        </p:txBody>
+      </p:sp>
+      <p:sp>
+        <p:nvSpPr>
+          <p:cNvPr id="15" name="Inhaltsplatzhalter 4">
+            <a:extLst>
+              <a:ext uri="{FF2B5EF4-FFF2-40B4-BE49-F238E27FC236}">
+                <a16:creationId xmlns:a16="http://schemas.microsoft.com/office/drawing/2014/main" id="{2B5225F9-A453-4D73-AE00-35BF68CAE4BB}"/>
+              </a:ext>
+            </a:extLst>
+          </p:cNvPr>
           <p:cNvSpPr txBox="1">
             <a:spLocks/>
           </p:cNvSpPr>
           <p:nvPr/>
         </p:nvSpPr>
         <p:spPr>
-          <a:xfrm rot="16200000">
-            <a:off x="730077" y="3646285"/>
-            <a:ext cx="2458995" cy="496569"/>
+          <a:xfrm>
+            <a:off x="7078241" y="2119637"/>
+            <a:ext cx="2458995" cy="360000"/>
           </a:xfrm>
           <a:prstGeom prst="rect">
             <a:avLst/>
@@ -5326,7 +5106,7 @@
         </p:spPr>
         <p:txBody>
           <a:bodyPr vert="horz" lIns="91440" tIns="45720" rIns="91440" bIns="45720" rtlCol="0">
-            <a:normAutofit/>
+            <a:normAutofit lnSpcReduction="10000"/>
           </a:bodyPr>
           <a:lstStyle>
             <a:lvl1pPr marL="228600" indent="-228600" algn="l" defTabSz="914400" rtl="0" eaLnBrk="1" latinLnBrk="0" hangingPunct="1">
@@ -5494,410 +5274,23 @@
           </a:lstStyle>
           <a:p>
             <a:pPr marL="0" indent="0">
-              <a:buFont typeface="Arial" panose="020B0604020202020204" pitchFamily="34" charset="0"/>
               <a:buNone/>
             </a:pPr>
             <a:r>
-              <a:rPr lang="de-DE" dirty="0" smtClean="0"/>
-              <a:t>15 Probanden</a:t>
-            </a:r>
-            <a:endParaRPr lang="de-DE" dirty="0"/>
-          </a:p>
-        </p:txBody>
-      </p:sp>
-      <p:sp>
-        <p:nvSpPr>
-          <p:cNvPr id="13" name="Inhaltsplatzhalter 4"/>
-          <p:cNvSpPr txBox="1">
-            <a:spLocks/>
-          </p:cNvSpPr>
-          <p:nvPr/>
-        </p:nvSpPr>
-        <p:spPr>
-          <a:xfrm rot="16200000">
-            <a:off x="3251884" y="3646285"/>
-            <a:ext cx="2458995" cy="496569"/>
-          </a:xfrm>
-          <a:prstGeom prst="rect">
-            <a:avLst/>
-          </a:prstGeom>
-        </p:spPr>
-        <p:txBody>
-          <a:bodyPr vert="horz" lIns="91440" tIns="45720" rIns="91440" bIns="45720" rtlCol="0">
-            <a:normAutofit/>
-          </a:bodyPr>
-          <a:lstStyle>
-            <a:lvl1pPr marL="228600" indent="-228600" algn="l" defTabSz="914400" rtl="0" eaLnBrk="1" latinLnBrk="0" hangingPunct="1">
-              <a:lnSpc>
-                <a:spcPct val="90000"/>
-              </a:lnSpc>
-              <a:spcBef>
-                <a:spcPts val="1000"/>
-              </a:spcBef>
-              <a:buFont typeface="Arial" panose="020B0604020202020204" pitchFamily="34" charset="0"/>
-              <a:buChar char="•"/>
-              <a:defRPr sz="2800" kern="1200">
+              <a:rPr lang="de-DE" sz="2000" dirty="0" err="1">
                 <a:solidFill>
-                  <a:schemeClr val="tx1"/>
+                  <a:srgbClr val="CDB380"/>
                 </a:solidFill>
-                <a:latin typeface="+mn-lt"/>
-                <a:ea typeface="+mn-ea"/>
-                <a:cs typeface="+mn-cs"/>
-              </a:defRPr>
-            </a:lvl1pPr>
-            <a:lvl2pPr marL="685800" indent="-228600" algn="l" defTabSz="914400" rtl="0" eaLnBrk="1" latinLnBrk="0" hangingPunct="1">
-              <a:lnSpc>
-                <a:spcPct val="90000"/>
-              </a:lnSpc>
-              <a:spcBef>
-                <a:spcPts val="500"/>
-              </a:spcBef>
-              <a:buFont typeface="Arial" panose="020B0604020202020204" pitchFamily="34" charset="0"/>
-              <a:buChar char="•"/>
-              <a:defRPr sz="2400" kern="1200">
-                <a:solidFill>
-                  <a:schemeClr val="tx1"/>
-                </a:solidFill>
-                <a:latin typeface="+mn-lt"/>
-                <a:ea typeface="+mn-ea"/>
-                <a:cs typeface="+mn-cs"/>
-              </a:defRPr>
-            </a:lvl2pPr>
-            <a:lvl3pPr marL="1143000" indent="-228600" algn="l" defTabSz="914400" rtl="0" eaLnBrk="1" latinLnBrk="0" hangingPunct="1">
-              <a:lnSpc>
-                <a:spcPct val="90000"/>
-              </a:lnSpc>
-              <a:spcBef>
-                <a:spcPts val="500"/>
-              </a:spcBef>
-              <a:buFont typeface="Arial" panose="020B0604020202020204" pitchFamily="34" charset="0"/>
-              <a:buChar char="•"/>
-              <a:defRPr sz="2000" kern="1200">
-                <a:solidFill>
-                  <a:schemeClr val="tx1"/>
-                </a:solidFill>
-                <a:latin typeface="+mn-lt"/>
-                <a:ea typeface="+mn-ea"/>
-                <a:cs typeface="+mn-cs"/>
-              </a:defRPr>
-            </a:lvl3pPr>
-            <a:lvl4pPr marL="1600200" indent="-228600" algn="l" defTabSz="914400" rtl="0" eaLnBrk="1" latinLnBrk="0" hangingPunct="1">
-              <a:lnSpc>
-                <a:spcPct val="90000"/>
-              </a:lnSpc>
-              <a:spcBef>
-                <a:spcPts val="500"/>
-              </a:spcBef>
-              <a:buFont typeface="Arial" panose="020B0604020202020204" pitchFamily="34" charset="0"/>
-              <a:buChar char="•"/>
-              <a:defRPr sz="1800" kern="1200">
-                <a:solidFill>
-                  <a:schemeClr val="tx1"/>
-                </a:solidFill>
-                <a:latin typeface="+mn-lt"/>
-                <a:ea typeface="+mn-ea"/>
-                <a:cs typeface="+mn-cs"/>
-              </a:defRPr>
-            </a:lvl4pPr>
-            <a:lvl5pPr marL="2057400" indent="-228600" algn="l" defTabSz="914400" rtl="0" eaLnBrk="1" latinLnBrk="0" hangingPunct="1">
-              <a:lnSpc>
-                <a:spcPct val="90000"/>
-              </a:lnSpc>
-              <a:spcBef>
-                <a:spcPts val="500"/>
-              </a:spcBef>
-              <a:buFont typeface="Arial" panose="020B0604020202020204" pitchFamily="34" charset="0"/>
-              <a:buChar char="•"/>
-              <a:defRPr sz="1800" kern="1200">
-                <a:solidFill>
-                  <a:schemeClr val="tx1"/>
-                </a:solidFill>
-                <a:latin typeface="+mn-lt"/>
-                <a:ea typeface="+mn-ea"/>
-                <a:cs typeface="+mn-cs"/>
-              </a:defRPr>
-            </a:lvl5pPr>
-            <a:lvl6pPr marL="2514600" indent="-228600" algn="l" defTabSz="914400" rtl="0" eaLnBrk="1" latinLnBrk="0" hangingPunct="1">
-              <a:lnSpc>
-                <a:spcPct val="90000"/>
-              </a:lnSpc>
-              <a:spcBef>
-                <a:spcPts val="500"/>
-              </a:spcBef>
-              <a:buFont typeface="Arial" panose="020B0604020202020204" pitchFamily="34" charset="0"/>
-              <a:buChar char="•"/>
-              <a:defRPr sz="1800" kern="1200">
-                <a:solidFill>
-                  <a:schemeClr val="tx1"/>
-                </a:solidFill>
-                <a:latin typeface="+mn-lt"/>
-                <a:ea typeface="+mn-ea"/>
-                <a:cs typeface="+mn-cs"/>
-              </a:defRPr>
-            </a:lvl6pPr>
-            <a:lvl7pPr marL="2971800" indent="-228600" algn="l" defTabSz="914400" rtl="0" eaLnBrk="1" latinLnBrk="0" hangingPunct="1">
-              <a:lnSpc>
-                <a:spcPct val="90000"/>
-              </a:lnSpc>
-              <a:spcBef>
-                <a:spcPts val="500"/>
-              </a:spcBef>
-              <a:buFont typeface="Arial" panose="020B0604020202020204" pitchFamily="34" charset="0"/>
-              <a:buChar char="•"/>
-              <a:defRPr sz="1800" kern="1200">
-                <a:solidFill>
-                  <a:schemeClr val="tx1"/>
-                </a:solidFill>
-                <a:latin typeface="+mn-lt"/>
-                <a:ea typeface="+mn-ea"/>
-                <a:cs typeface="+mn-cs"/>
-              </a:defRPr>
-            </a:lvl7pPr>
-            <a:lvl8pPr marL="3429000" indent="-228600" algn="l" defTabSz="914400" rtl="0" eaLnBrk="1" latinLnBrk="0" hangingPunct="1">
-              <a:lnSpc>
-                <a:spcPct val="90000"/>
-              </a:lnSpc>
-              <a:spcBef>
-                <a:spcPts val="500"/>
-              </a:spcBef>
-              <a:buFont typeface="Arial" panose="020B0604020202020204" pitchFamily="34" charset="0"/>
-              <a:buChar char="•"/>
-              <a:defRPr sz="1800" kern="1200">
-                <a:solidFill>
-                  <a:schemeClr val="tx1"/>
-                </a:solidFill>
-                <a:latin typeface="+mn-lt"/>
-                <a:ea typeface="+mn-ea"/>
-                <a:cs typeface="+mn-cs"/>
-              </a:defRPr>
-            </a:lvl8pPr>
-            <a:lvl9pPr marL="3886200" indent="-228600" algn="l" defTabSz="914400" rtl="0" eaLnBrk="1" latinLnBrk="0" hangingPunct="1">
-              <a:lnSpc>
-                <a:spcPct val="90000"/>
-              </a:lnSpc>
-              <a:spcBef>
-                <a:spcPts val="500"/>
-              </a:spcBef>
-              <a:buFont typeface="Arial" panose="020B0604020202020204" pitchFamily="34" charset="0"/>
-              <a:buChar char="•"/>
-              <a:defRPr sz="1800" kern="1200">
-                <a:solidFill>
-                  <a:schemeClr val="tx1"/>
-                </a:solidFill>
-                <a:latin typeface="+mn-lt"/>
-                <a:ea typeface="+mn-ea"/>
-                <a:cs typeface="+mn-cs"/>
-              </a:defRPr>
-            </a:lvl9pPr>
-          </a:lstStyle>
-          <a:p>
-            <a:pPr marL="0" indent="0">
-              <a:buFont typeface="Arial" panose="020B0604020202020204" pitchFamily="34" charset="0"/>
-              <a:buNone/>
-            </a:pPr>
-            <a:r>
-              <a:rPr lang="de-DE" dirty="0" smtClean="0"/>
-              <a:t>15 Probanden</a:t>
-            </a:r>
-            <a:endParaRPr lang="de-DE" dirty="0"/>
-          </a:p>
-        </p:txBody>
-      </p:sp>
-      <p:sp>
-        <p:nvSpPr>
-          <p:cNvPr id="14" name="Inhaltsplatzhalter 4"/>
-          <p:cNvSpPr txBox="1">
-            <a:spLocks/>
-          </p:cNvSpPr>
-          <p:nvPr/>
-        </p:nvSpPr>
-        <p:spPr>
-          <a:xfrm rot="16200000">
-            <a:off x="7578809" y="3646285"/>
-            <a:ext cx="2458995" cy="496569"/>
-          </a:xfrm>
-          <a:prstGeom prst="rect">
-            <a:avLst/>
-          </a:prstGeom>
-        </p:spPr>
-        <p:txBody>
-          <a:bodyPr vert="horz" lIns="91440" tIns="45720" rIns="91440" bIns="45720" rtlCol="0">
-            <a:normAutofit/>
-          </a:bodyPr>
-          <a:lstStyle>
-            <a:lvl1pPr marL="228600" indent="-228600" algn="l" defTabSz="914400" rtl="0" eaLnBrk="1" latinLnBrk="0" hangingPunct="1">
-              <a:lnSpc>
-                <a:spcPct val="90000"/>
-              </a:lnSpc>
-              <a:spcBef>
-                <a:spcPts val="1000"/>
-              </a:spcBef>
-              <a:buFont typeface="Arial" panose="020B0604020202020204" pitchFamily="34" charset="0"/>
-              <a:buChar char="•"/>
-              <a:defRPr sz="2800" kern="1200">
-                <a:solidFill>
-                  <a:schemeClr val="tx1"/>
-                </a:solidFill>
-                <a:latin typeface="+mn-lt"/>
-                <a:ea typeface="+mn-ea"/>
-                <a:cs typeface="+mn-cs"/>
-              </a:defRPr>
-            </a:lvl1pPr>
-            <a:lvl2pPr marL="685800" indent="-228600" algn="l" defTabSz="914400" rtl="0" eaLnBrk="1" latinLnBrk="0" hangingPunct="1">
-              <a:lnSpc>
-                <a:spcPct val="90000"/>
-              </a:lnSpc>
-              <a:spcBef>
-                <a:spcPts val="500"/>
-              </a:spcBef>
-              <a:buFont typeface="Arial" panose="020B0604020202020204" pitchFamily="34" charset="0"/>
-              <a:buChar char="•"/>
-              <a:defRPr sz="2400" kern="1200">
-                <a:solidFill>
-                  <a:schemeClr val="tx1"/>
-                </a:solidFill>
-                <a:latin typeface="+mn-lt"/>
-                <a:ea typeface="+mn-ea"/>
-                <a:cs typeface="+mn-cs"/>
-              </a:defRPr>
-            </a:lvl2pPr>
-            <a:lvl3pPr marL="1143000" indent="-228600" algn="l" defTabSz="914400" rtl="0" eaLnBrk="1" latinLnBrk="0" hangingPunct="1">
-              <a:lnSpc>
-                <a:spcPct val="90000"/>
-              </a:lnSpc>
-              <a:spcBef>
-                <a:spcPts val="500"/>
-              </a:spcBef>
-              <a:buFont typeface="Arial" panose="020B0604020202020204" pitchFamily="34" charset="0"/>
-              <a:buChar char="•"/>
-              <a:defRPr sz="2000" kern="1200">
-                <a:solidFill>
-                  <a:schemeClr val="tx1"/>
-                </a:solidFill>
-                <a:latin typeface="+mn-lt"/>
-                <a:ea typeface="+mn-ea"/>
-                <a:cs typeface="+mn-cs"/>
-              </a:defRPr>
-            </a:lvl3pPr>
-            <a:lvl4pPr marL="1600200" indent="-228600" algn="l" defTabSz="914400" rtl="0" eaLnBrk="1" latinLnBrk="0" hangingPunct="1">
-              <a:lnSpc>
-                <a:spcPct val="90000"/>
-              </a:lnSpc>
-              <a:spcBef>
-                <a:spcPts val="500"/>
-              </a:spcBef>
-              <a:buFont typeface="Arial" panose="020B0604020202020204" pitchFamily="34" charset="0"/>
-              <a:buChar char="•"/>
-              <a:defRPr sz="1800" kern="1200">
-                <a:solidFill>
-                  <a:schemeClr val="tx1"/>
-                </a:solidFill>
-                <a:latin typeface="+mn-lt"/>
-                <a:ea typeface="+mn-ea"/>
-                <a:cs typeface="+mn-cs"/>
-              </a:defRPr>
-            </a:lvl4pPr>
-            <a:lvl5pPr marL="2057400" indent="-228600" algn="l" defTabSz="914400" rtl="0" eaLnBrk="1" latinLnBrk="0" hangingPunct="1">
-              <a:lnSpc>
-                <a:spcPct val="90000"/>
-              </a:lnSpc>
-              <a:spcBef>
-                <a:spcPts val="500"/>
-              </a:spcBef>
-              <a:buFont typeface="Arial" panose="020B0604020202020204" pitchFamily="34" charset="0"/>
-              <a:buChar char="•"/>
-              <a:defRPr sz="1800" kern="1200">
-                <a:solidFill>
-                  <a:schemeClr val="tx1"/>
-                </a:solidFill>
-                <a:latin typeface="+mn-lt"/>
-                <a:ea typeface="+mn-ea"/>
-                <a:cs typeface="+mn-cs"/>
-              </a:defRPr>
-            </a:lvl5pPr>
-            <a:lvl6pPr marL="2514600" indent="-228600" algn="l" defTabSz="914400" rtl="0" eaLnBrk="1" latinLnBrk="0" hangingPunct="1">
-              <a:lnSpc>
-                <a:spcPct val="90000"/>
-              </a:lnSpc>
-              <a:spcBef>
-                <a:spcPts val="500"/>
-              </a:spcBef>
-              <a:buFont typeface="Arial" panose="020B0604020202020204" pitchFamily="34" charset="0"/>
-              <a:buChar char="•"/>
-              <a:defRPr sz="1800" kern="1200">
-                <a:solidFill>
-                  <a:schemeClr val="tx1"/>
-                </a:solidFill>
-                <a:latin typeface="+mn-lt"/>
-                <a:ea typeface="+mn-ea"/>
-                <a:cs typeface="+mn-cs"/>
-              </a:defRPr>
-            </a:lvl6pPr>
-            <a:lvl7pPr marL="2971800" indent="-228600" algn="l" defTabSz="914400" rtl="0" eaLnBrk="1" latinLnBrk="0" hangingPunct="1">
-              <a:lnSpc>
-                <a:spcPct val="90000"/>
-              </a:lnSpc>
-              <a:spcBef>
-                <a:spcPts val="500"/>
-              </a:spcBef>
-              <a:buFont typeface="Arial" panose="020B0604020202020204" pitchFamily="34" charset="0"/>
-              <a:buChar char="•"/>
-              <a:defRPr sz="1800" kern="1200">
-                <a:solidFill>
-                  <a:schemeClr val="tx1"/>
-                </a:solidFill>
-                <a:latin typeface="+mn-lt"/>
-                <a:ea typeface="+mn-ea"/>
-                <a:cs typeface="+mn-cs"/>
-              </a:defRPr>
-            </a:lvl7pPr>
-            <a:lvl8pPr marL="3429000" indent="-228600" algn="l" defTabSz="914400" rtl="0" eaLnBrk="1" latinLnBrk="0" hangingPunct="1">
-              <a:lnSpc>
-                <a:spcPct val="90000"/>
-              </a:lnSpc>
-              <a:spcBef>
-                <a:spcPts val="500"/>
-              </a:spcBef>
-              <a:buFont typeface="Arial" panose="020B0604020202020204" pitchFamily="34" charset="0"/>
-              <a:buChar char="•"/>
-              <a:defRPr sz="1800" kern="1200">
-                <a:solidFill>
-                  <a:schemeClr val="tx1"/>
-                </a:solidFill>
-                <a:latin typeface="+mn-lt"/>
-                <a:ea typeface="+mn-ea"/>
-                <a:cs typeface="+mn-cs"/>
-              </a:defRPr>
-            </a:lvl8pPr>
-            <a:lvl9pPr marL="3886200" indent="-228600" algn="l" defTabSz="914400" rtl="0" eaLnBrk="1" latinLnBrk="0" hangingPunct="1">
-              <a:lnSpc>
-                <a:spcPct val="90000"/>
-              </a:lnSpc>
-              <a:spcBef>
-                <a:spcPts val="500"/>
-              </a:spcBef>
-              <a:buFont typeface="Arial" panose="020B0604020202020204" pitchFamily="34" charset="0"/>
-              <a:buChar char="•"/>
-              <a:defRPr sz="1800" kern="1200">
-                <a:solidFill>
-                  <a:schemeClr val="tx1"/>
-                </a:solidFill>
-                <a:latin typeface="+mn-lt"/>
-                <a:ea typeface="+mn-ea"/>
-                <a:cs typeface="+mn-cs"/>
-              </a:defRPr>
-            </a:lvl9pPr>
-          </a:lstStyle>
-          <a:p>
-            <a:pPr marL="0" indent="0">
-              <a:buFont typeface="Arial" panose="020B0604020202020204" pitchFamily="34" charset="0"/>
-              <a:buNone/>
-            </a:pPr>
-            <a:r>
-              <a:rPr lang="de-DE" dirty="0" smtClean="0"/>
-              <a:t>15 Probanden</a:t>
-            </a:r>
-            <a:endParaRPr lang="de-DE" dirty="0"/>
+                <a:latin typeface="Futura Lt BT" panose="020B0402020204020303" pitchFamily="34" charset="0"/>
+              </a:rPr>
+              <a:t>alarm</a:t>
+            </a:r>
+            <a:endParaRPr lang="de-DE" sz="2000" dirty="0">
+              <a:solidFill>
+                <a:srgbClr val="CDB380"/>
+              </a:solidFill>
+              <a:latin typeface="Futura Lt BT" panose="020B0402020204020303" pitchFamily="34" charset="0"/>
+            </a:endParaRPr>
           </a:p>
         </p:txBody>
       </p:sp>
@@ -5914,9 +5307,163 @@
   <p:timing>
     <p:tnLst>
       <p:par>
-        <p:cTn id="1" dur="indefinite" restart="never" nodeType="tmRoot"/>
+        <p:cTn id="1" dur="indefinite" restart="never" nodeType="tmRoot">
+          <p:childTnLst>
+            <p:seq concurrent="1" nextAc="seek">
+              <p:cTn id="2" dur="indefinite" nodeType="mainSeq">
+                <p:childTnLst>
+                  <p:par>
+                    <p:cTn id="3" fill="hold">
+                      <p:stCondLst>
+                        <p:cond delay="indefinite"/>
+                        <p:cond evt="onBegin" delay="0">
+                          <p:tn val="2"/>
+                        </p:cond>
+                      </p:stCondLst>
+                      <p:childTnLst>
+                        <p:par>
+                          <p:cTn id="4" fill="hold">
+                            <p:stCondLst>
+                              <p:cond delay="0"/>
+                            </p:stCondLst>
+                            <p:childTnLst>
+                              <p:par>
+                                <p:cTn id="5" presetID="22" presetClass="entr" presetSubtype="8" fill="hold" grpId="0" nodeType="withEffect">
+                                  <p:stCondLst>
+                                    <p:cond delay="0"/>
+                                  </p:stCondLst>
+                                  <p:childTnLst>
+                                    <p:set>
+                                      <p:cBhvr>
+                                        <p:cTn id="6" dur="1" fill="hold">
+                                          <p:stCondLst>
+                                            <p:cond delay="0"/>
+                                          </p:stCondLst>
+                                        </p:cTn>
+                                        <p:tgtEl>
+                                          <p:spTgt spid="6"/>
+                                        </p:tgtEl>
+                                        <p:attrNameLst>
+                                          <p:attrName>style.visibility</p:attrName>
+                                        </p:attrNameLst>
+                                      </p:cBhvr>
+                                      <p:to>
+                                        <p:strVal val="visible"/>
+                                      </p:to>
+                                    </p:set>
+                                    <p:animEffect transition="in" filter="wipe(left)">
+                                      <p:cBhvr>
+                                        <p:cTn id="7" dur="400"/>
+                                        <p:tgtEl>
+                                          <p:spTgt spid="6"/>
+                                        </p:tgtEl>
+                                      </p:cBhvr>
+                                    </p:animEffect>
+                                  </p:childTnLst>
+                                </p:cTn>
+                              </p:par>
+                              <p:par>
+                                <p:cTn id="8" presetID="22" presetClass="entr" presetSubtype="8" fill="hold" grpId="0" nodeType="withEffect">
+                                  <p:stCondLst>
+                                    <p:cond delay="100"/>
+                                  </p:stCondLst>
+                                  <p:childTnLst>
+                                    <p:set>
+                                      <p:cBhvr>
+                                        <p:cTn id="9" dur="1" fill="hold">
+                                          <p:stCondLst>
+                                            <p:cond delay="0"/>
+                                          </p:stCondLst>
+                                        </p:cTn>
+                                        <p:tgtEl>
+                                          <p:spTgt spid="7"/>
+                                        </p:tgtEl>
+                                        <p:attrNameLst>
+                                          <p:attrName>style.visibility</p:attrName>
+                                        </p:attrNameLst>
+                                      </p:cBhvr>
+                                      <p:to>
+                                        <p:strVal val="visible"/>
+                                      </p:to>
+                                    </p:set>
+                                    <p:animEffect transition="in" filter="wipe(left)">
+                                      <p:cBhvr>
+                                        <p:cTn id="10" dur="400"/>
+                                        <p:tgtEl>
+                                          <p:spTgt spid="7"/>
+                                        </p:tgtEl>
+                                      </p:cBhvr>
+                                    </p:animEffect>
+                                  </p:childTnLst>
+                                </p:cTn>
+                              </p:par>
+                              <p:par>
+                                <p:cTn id="11" presetID="22" presetClass="entr" presetSubtype="8" fill="hold" grpId="0" nodeType="withEffect">
+                                  <p:stCondLst>
+                                    <p:cond delay="200"/>
+                                  </p:stCondLst>
+                                  <p:childTnLst>
+                                    <p:set>
+                                      <p:cBhvr>
+                                        <p:cTn id="12" dur="1" fill="hold">
+                                          <p:stCondLst>
+                                            <p:cond delay="0"/>
+                                          </p:stCondLst>
+                                        </p:cTn>
+                                        <p:tgtEl>
+                                          <p:spTgt spid="8"/>
+                                        </p:tgtEl>
+                                        <p:attrNameLst>
+                                          <p:attrName>style.visibility</p:attrName>
+                                        </p:attrNameLst>
+                                      </p:cBhvr>
+                                      <p:to>
+                                        <p:strVal val="visible"/>
+                                      </p:to>
+                                    </p:set>
+                                    <p:animEffect transition="in" filter="wipe(left)">
+                                      <p:cBhvr>
+                                        <p:cTn id="13" dur="400"/>
+                                        <p:tgtEl>
+                                          <p:spTgt spid="8"/>
+                                        </p:tgtEl>
+                                      </p:cBhvr>
+                                    </p:animEffect>
+                                  </p:childTnLst>
+                                </p:cTn>
+                              </p:par>
+                            </p:childTnLst>
+                          </p:cTn>
+                        </p:par>
+                      </p:childTnLst>
+                    </p:cTn>
+                  </p:par>
+                </p:childTnLst>
+              </p:cTn>
+              <p:prevCondLst>
+                <p:cond evt="onPrev" delay="0">
+                  <p:tgtEl>
+                    <p:sldTgt/>
+                  </p:tgtEl>
+                </p:cond>
+              </p:prevCondLst>
+              <p:nextCondLst>
+                <p:cond evt="onNext" delay="0">
+                  <p:tgtEl>
+                    <p:sldTgt/>
+                  </p:tgtEl>
+                </p:cond>
+              </p:nextCondLst>
+            </p:seq>
+          </p:childTnLst>
+        </p:cTn>
       </p:par>
     </p:tnLst>
+    <p:bldLst>
+      <p:bldP spid="6" grpId="0" animBg="1"/>
+      <p:bldP spid="7" grpId="0" animBg="1"/>
+      <p:bldP spid="8" grpId="0" animBg="1"/>
+    </p:bldLst>
   </p:timing>
 </p:sld>
 </file>
@@ -5950,72 +5497,51 @@
         </p:nvSpPr>
         <p:spPr/>
         <p:txBody>
-          <a:bodyPr>
-            <a:normAutofit/>
-          </a:bodyPr>
-          <a:lstStyle/>
-          <a:p>
-            <a:r>
-              <a:rPr lang="de-DE" sz="3200" b="1" dirty="0" smtClean="0"/>
-              <a:t>Aufgaben</a:t>
-            </a:r>
-            <a:endParaRPr lang="de-DE" sz="3200" b="1" dirty="0"/>
-          </a:p>
-        </p:txBody>
-      </p:sp>
-      <p:sp>
-        <p:nvSpPr>
-          <p:cNvPr id="3" name="Inhaltsplatzhalter 2"/>
-          <p:cNvSpPr>
-            <a:spLocks noGrp="1"/>
-          </p:cNvSpPr>
+          <a:bodyPr/>
+          <a:lstStyle/>
+          <a:p>
+            <a:r>
+              <a:rPr lang="de-DE" dirty="0"/>
+              <a:t>Aufgaben (1/4)</a:t>
+            </a:r>
+          </a:p>
+        </p:txBody>
+      </p:sp>
+      <p:pic>
+        <p:nvPicPr>
+          <p:cNvPr id="9" name="Inhaltsplatzhalter 8" descr="Ein Bild, das Fußball, Uhr, Ball, Foto enthält.&#10;&#10;Automatisch generierte Beschreibung">
+            <a:extLst>
+              <a:ext uri="{FF2B5EF4-FFF2-40B4-BE49-F238E27FC236}">
+                <a16:creationId xmlns:a16="http://schemas.microsoft.com/office/drawing/2014/main" id="{5E2E5E09-3C09-46C6-861F-AE1C45040B82}"/>
+              </a:ext>
+            </a:extLst>
+          </p:cNvPr>
+          <p:cNvPicPr>
+            <a:picLocks noGrp="1" noChangeAspect="1"/>
+          </p:cNvPicPr>
           <p:nvPr>
             <p:ph idx="1"/>
           </p:nvPr>
-        </p:nvSpPr>
-        <p:spPr/>
-        <p:txBody>
-          <a:bodyPr/>
-          <a:lstStyle/>
-          <a:p>
-            <a:r>
-              <a:rPr lang="de-DE" dirty="0" smtClean="0"/>
-              <a:t>Aufgabe 1: Zahlenfolge</a:t>
-            </a:r>
-          </a:p>
-          <a:p>
-            <a:endParaRPr lang="de-DE" dirty="0"/>
-          </a:p>
-          <a:p>
-            <a:pPr marL="0" indent="0">
-              <a:buNone/>
-            </a:pPr>
-            <a:r>
-              <a:rPr lang="de-DE" dirty="0" smtClean="0">
-                <a:hlinkClick r:id="rId2" action="ppaction://hlinkfile"/>
-              </a:rPr>
-              <a:t>\\todo</a:t>
-            </a:r>
-            <a:r>
-              <a:rPr lang="de-DE" dirty="0" smtClean="0"/>
-              <a:t>: Aufgaben beschreiben kurz &amp; </a:t>
-            </a:r>
-            <a:r>
-              <a:rPr lang="de-DE" dirty="0" err="1" smtClean="0"/>
-              <a:t>maybe</a:t>
-            </a:r>
-            <a:r>
-              <a:rPr lang="de-DE" dirty="0" smtClean="0"/>
-              <a:t> </a:t>
-            </a:r>
-            <a:r>
-              <a:rPr lang="de-DE" dirty="0" err="1" smtClean="0"/>
-              <a:t>pic</a:t>
-            </a:r>
-            <a:endParaRPr lang="de-DE" dirty="0"/>
-          </a:p>
-        </p:txBody>
-      </p:sp>
+        </p:nvPicPr>
+        <p:blipFill>
+          <a:blip r:embed="rId2">
+            <a:extLst>
+              <a:ext uri="{28A0092B-C50C-407E-A947-70E740481C1C}">
+                <a14:useLocalDpi xmlns:a14="http://schemas.microsoft.com/office/drawing/2010/main" val="0"/>
+              </a:ext>
+            </a:extLst>
+          </a:blip>
+          <a:stretch>
+            <a:fillRect/>
+          </a:stretch>
+        </p:blipFill>
+        <p:spPr>
+          <a:xfrm>
+            <a:off x="1572016" y="1418096"/>
+            <a:ext cx="9047968" cy="5742598"/>
+          </a:xfrm>
+        </p:spPr>
+      </p:pic>
     </p:spTree>
     <p:extLst>
       <p:ext uri="{BB962C8B-B14F-4D97-AF65-F5344CB8AC3E}">
@@ -6026,22 +5552,15 @@
   <p:clrMapOvr>
     <a:masterClrMapping/>
   </p:clrMapOvr>
-  <p:timing>
-    <p:tnLst>
-      <p:par>
-        <p:cTn id="1" dur="indefinite" restart="never" nodeType="tmRoot"/>
-      </p:par>
-    </p:tnLst>
-  </p:timing>
 </p:sld>
 </file>
 
 <file path=ppt/theme/theme1.xml><?xml version="1.0" encoding="utf-8"?>
 <a:theme xmlns:a="http://schemas.openxmlformats.org/drawingml/2006/main" name="Office">
   <a:themeElements>
-    <a:clrScheme name="Office">
+    <a:clrScheme name="Benutzerdefiniert 1">
       <a:dk1>
-        <a:sysClr val="windowText" lastClr="000000"/>
+        <a:srgbClr val="031634"/>
       </a:dk1>
       <a:lt1>
         <a:sysClr val="window" lastClr="FFFFFF"/>

--- a/presentation/Resync Studie.pptx
+++ b/presentation/Resync Studie.pptx
@@ -4,6 +4,9 @@
   <p:sldMasterIdLst>
     <p:sldMasterId id="2147483648" r:id="rId1"/>
   </p:sldMasterIdLst>
+  <p:notesMasterIdLst>
+    <p:notesMasterId r:id="rId21"/>
+  </p:notesMasterIdLst>
   <p:sldIdLst>
     <p:sldId id="256" r:id="rId2"/>
     <p:sldId id="268" r:id="rId3"/>
@@ -16,10 +19,14 @@
     <p:sldId id="260" r:id="rId10"/>
     <p:sldId id="273" r:id="rId11"/>
     <p:sldId id="272" r:id="rId12"/>
-    <p:sldId id="265" r:id="rId13"/>
-    <p:sldId id="264" r:id="rId14"/>
-    <p:sldId id="266" r:id="rId15"/>
-    <p:sldId id="267" r:id="rId16"/>
+    <p:sldId id="278" r:id="rId13"/>
+    <p:sldId id="265" r:id="rId14"/>
+    <p:sldId id="264" r:id="rId15"/>
+    <p:sldId id="274" r:id="rId16"/>
+    <p:sldId id="275" r:id="rId17"/>
+    <p:sldId id="276" r:id="rId18"/>
+    <p:sldId id="277" r:id="rId19"/>
+    <p:sldId id="267" r:id="rId20"/>
   </p:sldIdLst>
   <p:sldSz cx="12192000" cy="6858000"/>
   <p:notesSz cx="6858000" cy="9144000"/>
@@ -126,6 +133,440 @@
 </p:presentation>
 </file>
 
+<file path=ppt/notesMasters/notesMaster1.xml><?xml version="1.0" encoding="utf-8"?>
+<p:notesMaster xmlns:a="http://schemas.openxmlformats.org/drawingml/2006/main" xmlns:r="http://schemas.openxmlformats.org/officeDocument/2006/relationships" xmlns:p="http://schemas.openxmlformats.org/presentationml/2006/main">
+  <p:cSld>
+    <p:bg>
+      <p:bgRef idx="1001">
+        <a:schemeClr val="bg1"/>
+      </p:bgRef>
+    </p:bg>
+    <p:spTree>
+      <p:nvGrpSpPr>
+        <p:cNvPr id="1" name=""/>
+        <p:cNvGrpSpPr/>
+        <p:nvPr/>
+      </p:nvGrpSpPr>
+      <p:grpSpPr>
+        <a:xfrm>
+          <a:off x="0" y="0"/>
+          <a:ext cx="0" cy="0"/>
+          <a:chOff x="0" y="0"/>
+          <a:chExt cx="0" cy="0"/>
+        </a:xfrm>
+      </p:grpSpPr>
+      <p:sp>
+        <p:nvSpPr>
+          <p:cNvPr id="2" name="Kopfzeilenplatzhalter 1"/>
+          <p:cNvSpPr>
+            <a:spLocks noGrp="1"/>
+          </p:cNvSpPr>
+          <p:nvPr>
+            <p:ph type="hdr" sz="quarter"/>
+          </p:nvPr>
+        </p:nvSpPr>
+        <p:spPr>
+          <a:xfrm>
+            <a:off x="0" y="0"/>
+            <a:ext cx="2971800" cy="458788"/>
+          </a:xfrm>
+          <a:prstGeom prst="rect">
+            <a:avLst/>
+          </a:prstGeom>
+        </p:spPr>
+        <p:txBody>
+          <a:bodyPr vert="horz" lIns="91440" tIns="45720" rIns="91440" bIns="45720" rtlCol="0"/>
+          <a:lstStyle>
+            <a:lvl1pPr algn="l">
+              <a:defRPr sz="1200"/>
+            </a:lvl1pPr>
+          </a:lstStyle>
+          <a:p>
+            <a:endParaRPr lang="de-DE"/>
+          </a:p>
+        </p:txBody>
+      </p:sp>
+      <p:sp>
+        <p:nvSpPr>
+          <p:cNvPr id="3" name="Datumsplatzhalter 2"/>
+          <p:cNvSpPr>
+            <a:spLocks noGrp="1"/>
+          </p:cNvSpPr>
+          <p:nvPr>
+            <p:ph type="dt" idx="1"/>
+          </p:nvPr>
+        </p:nvSpPr>
+        <p:spPr>
+          <a:xfrm>
+            <a:off x="3884613" y="0"/>
+            <a:ext cx="2971800" cy="458788"/>
+          </a:xfrm>
+          <a:prstGeom prst="rect">
+            <a:avLst/>
+          </a:prstGeom>
+        </p:spPr>
+        <p:txBody>
+          <a:bodyPr vert="horz" lIns="91440" tIns="45720" rIns="91440" bIns="45720" rtlCol="0"/>
+          <a:lstStyle>
+            <a:lvl1pPr algn="r">
+              <a:defRPr sz="1200"/>
+            </a:lvl1pPr>
+          </a:lstStyle>
+          <a:p>
+            <a:fld id="{346CE5F2-0935-43F4-9601-8E8617C23CFE}" type="datetimeFigureOut">
+              <a:rPr lang="de-DE" smtClean="0"/>
+              <a:t>18.01.2020</a:t>
+            </a:fld>
+            <a:endParaRPr lang="de-DE"/>
+          </a:p>
+        </p:txBody>
+      </p:sp>
+      <p:sp>
+        <p:nvSpPr>
+          <p:cNvPr id="4" name="Folienbildplatzhalter 3"/>
+          <p:cNvSpPr>
+            <a:spLocks noGrp="1" noRot="1" noChangeAspect="1"/>
+          </p:cNvSpPr>
+          <p:nvPr>
+            <p:ph type="sldImg" idx="2"/>
+          </p:nvPr>
+        </p:nvSpPr>
+        <p:spPr>
+          <a:xfrm>
+            <a:off x="685800" y="1143000"/>
+            <a:ext cx="5486400" cy="3086100"/>
+          </a:xfrm>
+          <a:prstGeom prst="rect">
+            <a:avLst/>
+          </a:prstGeom>
+          <a:noFill/>
+          <a:ln w="12700">
+            <a:solidFill>
+              <a:prstClr val="black"/>
+            </a:solidFill>
+          </a:ln>
+        </p:spPr>
+        <p:txBody>
+          <a:bodyPr vert="horz" lIns="91440" tIns="45720" rIns="91440" bIns="45720" rtlCol="0" anchor="ctr"/>
+          <a:lstStyle/>
+          <a:p>
+            <a:endParaRPr lang="de-DE"/>
+          </a:p>
+        </p:txBody>
+      </p:sp>
+      <p:sp>
+        <p:nvSpPr>
+          <p:cNvPr id="5" name="Notizenplatzhalter 4"/>
+          <p:cNvSpPr>
+            <a:spLocks noGrp="1"/>
+          </p:cNvSpPr>
+          <p:nvPr>
+            <p:ph type="body" sz="quarter" idx="3"/>
+          </p:nvPr>
+        </p:nvSpPr>
+        <p:spPr>
+          <a:xfrm>
+            <a:off x="685800" y="4400550"/>
+            <a:ext cx="5486400" cy="3600450"/>
+          </a:xfrm>
+          <a:prstGeom prst="rect">
+            <a:avLst/>
+          </a:prstGeom>
+        </p:spPr>
+        <p:txBody>
+          <a:bodyPr vert="horz" lIns="91440" tIns="45720" rIns="91440" bIns="45720" rtlCol="0"/>
+          <a:lstStyle/>
+          <a:p>
+            <a:pPr lvl="0"/>
+            <a:r>
+              <a:rPr lang="de-DE" smtClean="0"/>
+              <a:t>Formatvorlagen des Textmasters bearbeiten</a:t>
+            </a:r>
+          </a:p>
+          <a:p>
+            <a:pPr lvl="1"/>
+            <a:r>
+              <a:rPr lang="de-DE" smtClean="0"/>
+              <a:t>Zweite Ebene</a:t>
+            </a:r>
+          </a:p>
+          <a:p>
+            <a:pPr lvl="2"/>
+            <a:r>
+              <a:rPr lang="de-DE" smtClean="0"/>
+              <a:t>Dritte Ebene</a:t>
+            </a:r>
+          </a:p>
+          <a:p>
+            <a:pPr lvl="3"/>
+            <a:r>
+              <a:rPr lang="de-DE" smtClean="0"/>
+              <a:t>Vierte Ebene</a:t>
+            </a:r>
+          </a:p>
+          <a:p>
+            <a:pPr lvl="4"/>
+            <a:r>
+              <a:rPr lang="de-DE" smtClean="0"/>
+              <a:t>Fünfte Ebene</a:t>
+            </a:r>
+            <a:endParaRPr lang="de-DE"/>
+          </a:p>
+        </p:txBody>
+      </p:sp>
+      <p:sp>
+        <p:nvSpPr>
+          <p:cNvPr id="6" name="Fußzeilenplatzhalter 5"/>
+          <p:cNvSpPr>
+            <a:spLocks noGrp="1"/>
+          </p:cNvSpPr>
+          <p:nvPr>
+            <p:ph type="ftr" sz="quarter" idx="4"/>
+          </p:nvPr>
+        </p:nvSpPr>
+        <p:spPr>
+          <a:xfrm>
+            <a:off x="0" y="8685213"/>
+            <a:ext cx="2971800" cy="458787"/>
+          </a:xfrm>
+          <a:prstGeom prst="rect">
+            <a:avLst/>
+          </a:prstGeom>
+        </p:spPr>
+        <p:txBody>
+          <a:bodyPr vert="horz" lIns="91440" tIns="45720" rIns="91440" bIns="45720" rtlCol="0" anchor="b"/>
+          <a:lstStyle>
+            <a:lvl1pPr algn="l">
+              <a:defRPr sz="1200"/>
+            </a:lvl1pPr>
+          </a:lstStyle>
+          <a:p>
+            <a:endParaRPr lang="de-DE"/>
+          </a:p>
+        </p:txBody>
+      </p:sp>
+      <p:sp>
+        <p:nvSpPr>
+          <p:cNvPr id="7" name="Foliennummernplatzhalter 6"/>
+          <p:cNvSpPr>
+            <a:spLocks noGrp="1"/>
+          </p:cNvSpPr>
+          <p:nvPr>
+            <p:ph type="sldNum" sz="quarter" idx="5"/>
+          </p:nvPr>
+        </p:nvSpPr>
+        <p:spPr>
+          <a:xfrm>
+            <a:off x="3884613" y="8685213"/>
+            <a:ext cx="2971800" cy="458787"/>
+          </a:xfrm>
+          <a:prstGeom prst="rect">
+            <a:avLst/>
+          </a:prstGeom>
+        </p:spPr>
+        <p:txBody>
+          <a:bodyPr vert="horz" lIns="91440" tIns="45720" rIns="91440" bIns="45720" rtlCol="0" anchor="b"/>
+          <a:lstStyle>
+            <a:lvl1pPr algn="r">
+              <a:defRPr sz="1200"/>
+            </a:lvl1pPr>
+          </a:lstStyle>
+          <a:p>
+            <a:fld id="{E122D142-E42D-4994-9E2C-07523AF9A7C9}" type="slidenum">
+              <a:rPr lang="de-DE" smtClean="0"/>
+              <a:t>‹Nr.›</a:t>
+            </a:fld>
+            <a:endParaRPr lang="de-DE"/>
+          </a:p>
+        </p:txBody>
+      </p:sp>
+    </p:spTree>
+    <p:extLst>
+      <p:ext uri="{BB962C8B-B14F-4D97-AF65-F5344CB8AC3E}">
+        <p14:creationId xmlns:p14="http://schemas.microsoft.com/office/powerpoint/2010/main" val="4142769965"/>
+      </p:ext>
+    </p:extLst>
+  </p:cSld>
+  <p:clrMap bg1="lt1" tx1="dk1" bg2="lt2" tx2="dk2" accent1="accent1" accent2="accent2" accent3="accent3" accent4="accent4" accent5="accent5" accent6="accent6" hlink="hlink" folHlink="folHlink"/>
+  <p:notesStyle>
+    <a:lvl1pPr marL="0" algn="l" defTabSz="914400" rtl="0" eaLnBrk="1" latinLnBrk="0" hangingPunct="1">
+      <a:defRPr sz="1200" kern="1200">
+        <a:solidFill>
+          <a:schemeClr val="tx1"/>
+        </a:solidFill>
+        <a:latin typeface="+mn-lt"/>
+        <a:ea typeface="+mn-ea"/>
+        <a:cs typeface="+mn-cs"/>
+      </a:defRPr>
+    </a:lvl1pPr>
+    <a:lvl2pPr marL="457200" algn="l" defTabSz="914400" rtl="0" eaLnBrk="1" latinLnBrk="0" hangingPunct="1">
+      <a:defRPr sz="1200" kern="1200">
+        <a:solidFill>
+          <a:schemeClr val="tx1"/>
+        </a:solidFill>
+        <a:latin typeface="+mn-lt"/>
+        <a:ea typeface="+mn-ea"/>
+        <a:cs typeface="+mn-cs"/>
+      </a:defRPr>
+    </a:lvl2pPr>
+    <a:lvl3pPr marL="914400" algn="l" defTabSz="914400" rtl="0" eaLnBrk="1" latinLnBrk="0" hangingPunct="1">
+      <a:defRPr sz="1200" kern="1200">
+        <a:solidFill>
+          <a:schemeClr val="tx1"/>
+        </a:solidFill>
+        <a:latin typeface="+mn-lt"/>
+        <a:ea typeface="+mn-ea"/>
+        <a:cs typeface="+mn-cs"/>
+      </a:defRPr>
+    </a:lvl3pPr>
+    <a:lvl4pPr marL="1371600" algn="l" defTabSz="914400" rtl="0" eaLnBrk="1" latinLnBrk="0" hangingPunct="1">
+      <a:defRPr sz="1200" kern="1200">
+        <a:solidFill>
+          <a:schemeClr val="tx1"/>
+        </a:solidFill>
+        <a:latin typeface="+mn-lt"/>
+        <a:ea typeface="+mn-ea"/>
+        <a:cs typeface="+mn-cs"/>
+      </a:defRPr>
+    </a:lvl4pPr>
+    <a:lvl5pPr marL="1828800" algn="l" defTabSz="914400" rtl="0" eaLnBrk="1" latinLnBrk="0" hangingPunct="1">
+      <a:defRPr sz="1200" kern="1200">
+        <a:solidFill>
+          <a:schemeClr val="tx1"/>
+        </a:solidFill>
+        <a:latin typeface="+mn-lt"/>
+        <a:ea typeface="+mn-ea"/>
+        <a:cs typeface="+mn-cs"/>
+      </a:defRPr>
+    </a:lvl5pPr>
+    <a:lvl6pPr marL="2286000" algn="l" defTabSz="914400" rtl="0" eaLnBrk="1" latinLnBrk="0" hangingPunct="1">
+      <a:defRPr sz="1200" kern="1200">
+        <a:solidFill>
+          <a:schemeClr val="tx1"/>
+        </a:solidFill>
+        <a:latin typeface="+mn-lt"/>
+        <a:ea typeface="+mn-ea"/>
+        <a:cs typeface="+mn-cs"/>
+      </a:defRPr>
+    </a:lvl6pPr>
+    <a:lvl7pPr marL="2743200" algn="l" defTabSz="914400" rtl="0" eaLnBrk="1" latinLnBrk="0" hangingPunct="1">
+      <a:defRPr sz="1200" kern="1200">
+        <a:solidFill>
+          <a:schemeClr val="tx1"/>
+        </a:solidFill>
+        <a:latin typeface="+mn-lt"/>
+        <a:ea typeface="+mn-ea"/>
+        <a:cs typeface="+mn-cs"/>
+      </a:defRPr>
+    </a:lvl7pPr>
+    <a:lvl8pPr marL="3200400" algn="l" defTabSz="914400" rtl="0" eaLnBrk="1" latinLnBrk="0" hangingPunct="1">
+      <a:defRPr sz="1200" kern="1200">
+        <a:solidFill>
+          <a:schemeClr val="tx1"/>
+        </a:solidFill>
+        <a:latin typeface="+mn-lt"/>
+        <a:ea typeface="+mn-ea"/>
+        <a:cs typeface="+mn-cs"/>
+      </a:defRPr>
+    </a:lvl8pPr>
+    <a:lvl9pPr marL="3657600" algn="l" defTabSz="914400" rtl="0" eaLnBrk="1" latinLnBrk="0" hangingPunct="1">
+      <a:defRPr sz="1200" kern="1200">
+        <a:solidFill>
+          <a:schemeClr val="tx1"/>
+        </a:solidFill>
+        <a:latin typeface="+mn-lt"/>
+        <a:ea typeface="+mn-ea"/>
+        <a:cs typeface="+mn-cs"/>
+      </a:defRPr>
+    </a:lvl9pPr>
+  </p:notesStyle>
+</p:notesMaster>
+</file>
+
+<file path=ppt/notesSlides/notesSlide1.xml><?xml version="1.0" encoding="utf-8"?>
+<p:notes xmlns:a="http://schemas.openxmlformats.org/drawingml/2006/main" xmlns:r="http://schemas.openxmlformats.org/officeDocument/2006/relationships" xmlns:p="http://schemas.openxmlformats.org/presentationml/2006/main">
+  <p:cSld>
+    <p:spTree>
+      <p:nvGrpSpPr>
+        <p:cNvPr id="1" name=""/>
+        <p:cNvGrpSpPr/>
+        <p:nvPr/>
+      </p:nvGrpSpPr>
+      <p:grpSpPr>
+        <a:xfrm>
+          <a:off x="0" y="0"/>
+          <a:ext cx="0" cy="0"/>
+          <a:chOff x="0" y="0"/>
+          <a:chExt cx="0" cy="0"/>
+        </a:xfrm>
+      </p:grpSpPr>
+      <p:sp>
+        <p:nvSpPr>
+          <p:cNvPr id="2" name="Folienbildplatzhalter 1"/>
+          <p:cNvSpPr>
+            <a:spLocks noGrp="1" noRot="1" noChangeAspect="1"/>
+          </p:cNvSpPr>
+          <p:nvPr>
+            <p:ph type="sldImg"/>
+          </p:nvPr>
+        </p:nvSpPr>
+        <p:spPr/>
+      </p:sp>
+      <p:sp>
+        <p:nvSpPr>
+          <p:cNvPr id="3" name="Notizenplatzhalter 2"/>
+          <p:cNvSpPr>
+            <a:spLocks noGrp="1"/>
+          </p:cNvSpPr>
+          <p:nvPr>
+            <p:ph type="body" idx="1"/>
+          </p:nvPr>
+        </p:nvSpPr>
+        <p:spPr/>
+        <p:txBody>
+          <a:bodyPr/>
+          <a:lstStyle/>
+          <a:p>
+            <a:endParaRPr lang="de-DE" dirty="0"/>
+          </a:p>
+        </p:txBody>
+      </p:sp>
+      <p:sp>
+        <p:nvSpPr>
+          <p:cNvPr id="4" name="Foliennummernplatzhalter 3"/>
+          <p:cNvSpPr>
+            <a:spLocks noGrp="1"/>
+          </p:cNvSpPr>
+          <p:nvPr>
+            <p:ph type="sldNum" sz="quarter" idx="10"/>
+          </p:nvPr>
+        </p:nvSpPr>
+        <p:spPr/>
+        <p:txBody>
+          <a:bodyPr/>
+          <a:lstStyle/>
+          <a:p>
+            <a:fld id="{E122D142-E42D-4994-9E2C-07523AF9A7C9}" type="slidenum">
+              <a:rPr lang="de-DE" smtClean="0"/>
+              <a:t>12</a:t>
+            </a:fld>
+            <a:endParaRPr lang="de-DE"/>
+          </a:p>
+        </p:txBody>
+      </p:sp>
+    </p:spTree>
+    <p:extLst>
+      <p:ext uri="{BB962C8B-B14F-4D97-AF65-F5344CB8AC3E}">
+        <p14:creationId xmlns:p14="http://schemas.microsoft.com/office/powerpoint/2010/main" val="1893119131"/>
+      </p:ext>
+    </p:extLst>
+  </p:cSld>
+  <p:clrMapOvr>
+    <a:masterClrMapping/>
+  </p:clrMapOvr>
+</p:notes>
+</file>
+
 <file path=ppt/slideLayouts/slideLayout1.xml><?xml version="1.0" encoding="utf-8"?>
 <p:sldLayout xmlns:a="http://schemas.openxmlformats.org/drawingml/2006/main" xmlns:r="http://schemas.openxmlformats.org/officeDocument/2006/relationships" xmlns:p="http://schemas.openxmlformats.org/presentationml/2006/main" type="title" preserve="1">
   <p:cSld name="Titelfolie">
@@ -255,7 +696,7 @@
           <a:p>
             <a:fld id="{41257651-B64F-43FB-9868-05B8EA16BD84}" type="datetimeFigureOut">
               <a:rPr lang="de-DE" smtClean="0"/>
-              <a:t>14.12.2019</a:t>
+              <a:t>18.01.2020</a:t>
             </a:fld>
             <a:endParaRPr lang="de-DE"/>
           </a:p>
@@ -313,6 +754,13 @@
   <p:clrMapOvr>
     <a:masterClrMapping/>
   </p:clrMapOvr>
+  <p:timing>
+    <p:tnLst>
+      <p:par>
+        <p:cTn id="1" dur="indefinite" restart="never" nodeType="tmRoot"/>
+      </p:par>
+    </p:tnLst>
+  </p:timing>
 </p:sldLayout>
 </file>
 
@@ -423,7 +871,7 @@
           <a:p>
             <a:fld id="{41257651-B64F-43FB-9868-05B8EA16BD84}" type="datetimeFigureOut">
               <a:rPr lang="de-DE" smtClean="0"/>
-              <a:t>14.12.2019</a:t>
+              <a:t>18.01.2020</a:t>
             </a:fld>
             <a:endParaRPr lang="de-DE"/>
           </a:p>
@@ -601,7 +1049,7 @@
           <a:p>
             <a:fld id="{41257651-B64F-43FB-9868-05B8EA16BD84}" type="datetimeFigureOut">
               <a:rPr lang="de-DE" smtClean="0"/>
-              <a:t>14.12.2019</a:t>
+              <a:t>18.01.2020</a:t>
             </a:fld>
             <a:endParaRPr lang="de-DE"/>
           </a:p>
@@ -696,7 +1144,7 @@
             <a:lvl1pPr>
               <a:defRPr>
                 <a:solidFill>
-                  <a:srgbClr val="036564"/>
+                  <a:srgbClr val="0D6F6E"/>
                 </a:solidFill>
               </a:defRPr>
             </a:lvl1pPr>
@@ -818,7 +1266,7 @@
           <a:p>
             <a:fld id="{41257651-B64F-43FB-9868-05B8EA16BD84}" type="datetimeFigureOut">
               <a:rPr lang="de-DE" smtClean="0"/>
-              <a:t>14.12.2019</a:t>
+              <a:t>18.01.2020</a:t>
             </a:fld>
             <a:endParaRPr lang="de-DE"/>
           </a:p>
@@ -887,9 +1335,17 @@
             <a:avLst/>
           </a:prstGeom>
           <a:ln w="57150">
-            <a:solidFill>
-              <a:srgbClr val="CDB380"/>
-            </a:solidFill>
+            <a:gradFill>
+              <a:gsLst>
+                <a:gs pos="100000">
+                  <a:srgbClr val="BF9659"/>
+                </a:gs>
+                <a:gs pos="0">
+                  <a:srgbClr val="CDB380"/>
+                </a:gs>
+              </a:gsLst>
+              <a:lin ang="5400000" scaled="1"/>
+            </a:gradFill>
           </a:ln>
         </p:spPr>
         <p:style>
@@ -917,6 +1373,13 @@
   <p:clrMapOvr>
     <a:masterClrMapping/>
   </p:clrMapOvr>
+  <p:timing>
+    <p:tnLst>
+      <p:par>
+        <p:cTn id="1" dur="indefinite" restart="never" nodeType="tmRoot"/>
+      </p:par>
+    </p:tnLst>
+  </p:timing>
 </p:sldLayout>
 </file>
 
@@ -1104,7 +1567,7 @@
           <a:p>
             <a:fld id="{41257651-B64F-43FB-9868-05B8EA16BD84}" type="datetimeFigureOut">
               <a:rPr lang="de-DE" smtClean="0"/>
-              <a:t>14.12.2019</a:t>
+              <a:t>18.01.2020</a:t>
             </a:fld>
             <a:endParaRPr lang="de-DE"/>
           </a:p>
@@ -1333,7 +1796,7 @@
           <a:p>
             <a:fld id="{41257651-B64F-43FB-9868-05B8EA16BD84}" type="datetimeFigureOut">
               <a:rPr lang="de-DE" smtClean="0"/>
-              <a:t>14.12.2019</a:t>
+              <a:t>18.01.2020</a:t>
             </a:fld>
             <a:endParaRPr lang="de-DE"/>
           </a:p>
@@ -1697,7 +2160,7 @@
           <a:p>
             <a:fld id="{41257651-B64F-43FB-9868-05B8EA16BD84}" type="datetimeFigureOut">
               <a:rPr lang="de-DE" smtClean="0"/>
-              <a:t>14.12.2019</a:t>
+              <a:t>18.01.2020</a:t>
             </a:fld>
             <a:endParaRPr lang="de-DE"/>
           </a:p>
@@ -1814,7 +2277,7 @@
           <a:p>
             <a:fld id="{41257651-B64F-43FB-9868-05B8EA16BD84}" type="datetimeFigureOut">
               <a:rPr lang="de-DE" smtClean="0"/>
-              <a:t>14.12.2019</a:t>
+              <a:t>18.01.2020</a:t>
             </a:fld>
             <a:endParaRPr lang="de-DE"/>
           </a:p>
@@ -1909,7 +2372,7 @@
           <a:p>
             <a:fld id="{41257651-B64F-43FB-9868-05B8EA16BD84}" type="datetimeFigureOut">
               <a:rPr lang="de-DE" smtClean="0"/>
-              <a:t>14.12.2019</a:t>
+              <a:t>18.01.2020</a:t>
             </a:fld>
             <a:endParaRPr lang="de-DE"/>
           </a:p>
@@ -2184,7 +2647,7 @@
           <a:p>
             <a:fld id="{41257651-B64F-43FB-9868-05B8EA16BD84}" type="datetimeFigureOut">
               <a:rPr lang="de-DE" smtClean="0"/>
-              <a:t>14.12.2019</a:t>
+              <a:t>18.01.2020</a:t>
             </a:fld>
             <a:endParaRPr lang="de-DE"/>
           </a:p>
@@ -2436,7 +2899,7 @@
           <a:p>
             <a:fld id="{41257651-B64F-43FB-9868-05B8EA16BD84}" type="datetimeFigureOut">
               <a:rPr lang="de-DE" smtClean="0"/>
-              <a:t>14.12.2019</a:t>
+              <a:t>18.01.2020</a:t>
             </a:fld>
             <a:endParaRPr lang="de-DE"/>
           </a:p>
@@ -2502,9 +2965,17 @@
   <p:cSld>
     <p:bg>
       <p:bgPr>
-        <a:solidFill>
-          <a:srgbClr val="031634"/>
-        </a:solidFill>
+        <a:gradFill>
+          <a:gsLst>
+            <a:gs pos="0">
+              <a:srgbClr val="2A2A3C"/>
+            </a:gs>
+            <a:gs pos="100000">
+              <a:srgbClr val="2B2B2D"/>
+            </a:gs>
+          </a:gsLst>
+          <a:lin ang="1800000" scaled="0"/>
+        </a:gradFill>
         <a:effectLst/>
       </p:bgPr>
     </p:bg>
@@ -2650,7 +3121,7 @@
             <a:fld id="{41257651-B64F-43FB-9868-05B8EA16BD84}" type="datetimeFigureOut">
               <a:rPr lang="de-DE" smtClean="0"/>
               <a:pPr/>
-              <a:t>14.12.2019</a:t>
+              <a:t>18.01.2020</a:t>
             </a:fld>
             <a:endParaRPr lang="de-DE"/>
           </a:p>
@@ -2729,6 +3200,809 @@
               <a:pPr/>
               <a:t>‹Nr.›</a:t>
             </a:fld>
+            <a:endParaRPr lang="de-DE"/>
+          </a:p>
+        </p:txBody>
+      </p:sp>
+      <p:sp>
+        <p:nvSpPr>
+          <p:cNvPr id="7" name="Ellipse 6"/>
+          <p:cNvSpPr/>
+          <p:nvPr userDrawn="1"/>
+        </p:nvSpPr>
+        <p:spPr>
+          <a:xfrm>
+            <a:off x="266400" y="1260000"/>
+            <a:ext cx="108000" cy="108000"/>
+          </a:xfrm>
+          <a:prstGeom prst="ellipse">
+            <a:avLst/>
+          </a:prstGeom>
+          <a:gradFill flip="none" rotWithShape="1">
+            <a:gsLst>
+              <a:gs pos="0">
+                <a:schemeClr val="accent4">
+                  <a:lumMod val="89000"/>
+                  <a:alpha val="79000"/>
+                </a:schemeClr>
+              </a:gs>
+              <a:gs pos="23000">
+                <a:schemeClr val="accent4">
+                  <a:lumMod val="89000"/>
+                  <a:alpha val="64000"/>
+                </a:schemeClr>
+              </a:gs>
+              <a:gs pos="69000">
+                <a:schemeClr val="accent4">
+                  <a:lumMod val="75000"/>
+                  <a:alpha val="19000"/>
+                </a:schemeClr>
+              </a:gs>
+              <a:gs pos="100000">
+                <a:schemeClr val="accent4">
+                  <a:lumMod val="70000"/>
+                  <a:alpha val="0"/>
+                </a:schemeClr>
+              </a:gs>
+            </a:gsLst>
+            <a:path path="circle">
+              <a:fillToRect l="50000" t="50000" r="50000" b="50000"/>
+            </a:path>
+            <a:tileRect/>
+          </a:gradFill>
+          <a:ln>
+            <a:noFill/>
+          </a:ln>
+        </p:spPr>
+        <p:style>
+          <a:lnRef idx="2">
+            <a:schemeClr val="accent1">
+              <a:shade val="50000"/>
+            </a:schemeClr>
+          </a:lnRef>
+          <a:fillRef idx="1">
+            <a:schemeClr val="accent1"/>
+          </a:fillRef>
+          <a:effectRef idx="0">
+            <a:schemeClr val="accent1"/>
+          </a:effectRef>
+          <a:fontRef idx="minor">
+            <a:schemeClr val="lt1"/>
+          </a:fontRef>
+        </p:style>
+        <p:txBody>
+          <a:bodyPr rtlCol="0" anchor="ctr"/>
+          <a:lstStyle/>
+          <a:p>
+            <a:pPr algn="ctr"/>
+            <a:endParaRPr lang="de-DE"/>
+          </a:p>
+        </p:txBody>
+      </p:sp>
+      <p:sp>
+        <p:nvSpPr>
+          <p:cNvPr id="8" name="Ellipse 7"/>
+          <p:cNvSpPr/>
+          <p:nvPr userDrawn="1"/>
+        </p:nvSpPr>
+        <p:spPr>
+          <a:xfrm>
+            <a:off x="10808400" y="2802000"/>
+            <a:ext cx="108000" cy="108000"/>
+          </a:xfrm>
+          <a:prstGeom prst="ellipse">
+            <a:avLst/>
+          </a:prstGeom>
+          <a:gradFill flip="none" rotWithShape="1">
+            <a:gsLst>
+              <a:gs pos="0">
+                <a:schemeClr val="accent4">
+                  <a:lumMod val="89000"/>
+                  <a:alpha val="79000"/>
+                </a:schemeClr>
+              </a:gs>
+              <a:gs pos="23000">
+                <a:schemeClr val="accent4">
+                  <a:lumMod val="89000"/>
+                  <a:alpha val="64000"/>
+                </a:schemeClr>
+              </a:gs>
+              <a:gs pos="69000">
+                <a:schemeClr val="accent4">
+                  <a:lumMod val="75000"/>
+                  <a:alpha val="19000"/>
+                </a:schemeClr>
+              </a:gs>
+              <a:gs pos="100000">
+                <a:schemeClr val="accent4">
+                  <a:lumMod val="70000"/>
+                  <a:alpha val="0"/>
+                </a:schemeClr>
+              </a:gs>
+            </a:gsLst>
+            <a:path path="circle">
+              <a:fillToRect l="50000" t="50000" r="50000" b="50000"/>
+            </a:path>
+            <a:tileRect/>
+          </a:gradFill>
+          <a:ln>
+            <a:noFill/>
+          </a:ln>
+        </p:spPr>
+        <p:style>
+          <a:lnRef idx="2">
+            <a:schemeClr val="accent1">
+              <a:shade val="50000"/>
+            </a:schemeClr>
+          </a:lnRef>
+          <a:fillRef idx="1">
+            <a:schemeClr val="accent1"/>
+          </a:fillRef>
+          <a:effectRef idx="0">
+            <a:schemeClr val="accent1"/>
+          </a:effectRef>
+          <a:fontRef idx="minor">
+            <a:schemeClr val="lt1"/>
+          </a:fontRef>
+        </p:style>
+        <p:txBody>
+          <a:bodyPr rtlCol="0" anchor="ctr"/>
+          <a:lstStyle/>
+          <a:p>
+            <a:pPr algn="ctr"/>
+            <a:endParaRPr lang="de-DE"/>
+          </a:p>
+        </p:txBody>
+      </p:sp>
+      <p:sp>
+        <p:nvSpPr>
+          <p:cNvPr id="9" name="Ellipse 8"/>
+          <p:cNvSpPr/>
+          <p:nvPr userDrawn="1"/>
+        </p:nvSpPr>
+        <p:spPr>
+          <a:xfrm>
+            <a:off x="2745608" y="5754778"/>
+            <a:ext cx="45719" cy="45719"/>
+          </a:xfrm>
+          <a:prstGeom prst="ellipse">
+            <a:avLst/>
+          </a:prstGeom>
+          <a:gradFill flip="none" rotWithShape="1">
+            <a:gsLst>
+              <a:gs pos="0">
+                <a:schemeClr val="accent4">
+                  <a:lumMod val="89000"/>
+                  <a:alpha val="79000"/>
+                </a:schemeClr>
+              </a:gs>
+              <a:gs pos="23000">
+                <a:schemeClr val="accent4">
+                  <a:lumMod val="89000"/>
+                  <a:alpha val="64000"/>
+                </a:schemeClr>
+              </a:gs>
+              <a:gs pos="69000">
+                <a:schemeClr val="accent4">
+                  <a:lumMod val="75000"/>
+                  <a:alpha val="19000"/>
+                </a:schemeClr>
+              </a:gs>
+              <a:gs pos="100000">
+                <a:schemeClr val="accent4">
+                  <a:lumMod val="70000"/>
+                  <a:alpha val="0"/>
+                </a:schemeClr>
+              </a:gs>
+            </a:gsLst>
+            <a:path path="circle">
+              <a:fillToRect l="50000" t="50000" r="50000" b="50000"/>
+            </a:path>
+            <a:tileRect/>
+          </a:gradFill>
+          <a:ln>
+            <a:noFill/>
+          </a:ln>
+        </p:spPr>
+        <p:style>
+          <a:lnRef idx="2">
+            <a:schemeClr val="accent1">
+              <a:shade val="50000"/>
+            </a:schemeClr>
+          </a:lnRef>
+          <a:fillRef idx="1">
+            <a:schemeClr val="accent1"/>
+          </a:fillRef>
+          <a:effectRef idx="0">
+            <a:schemeClr val="accent1"/>
+          </a:effectRef>
+          <a:fontRef idx="minor">
+            <a:schemeClr val="lt1"/>
+          </a:fontRef>
+        </p:style>
+        <p:txBody>
+          <a:bodyPr rtlCol="0" anchor="ctr"/>
+          <a:lstStyle/>
+          <a:p>
+            <a:pPr algn="ctr"/>
+            <a:endParaRPr lang="de-DE"/>
+          </a:p>
+        </p:txBody>
+      </p:sp>
+      <p:sp>
+        <p:nvSpPr>
+          <p:cNvPr id="10" name="Ellipse 9"/>
+          <p:cNvSpPr/>
+          <p:nvPr userDrawn="1"/>
+        </p:nvSpPr>
+        <p:spPr>
+          <a:xfrm>
+            <a:off x="8556600" y="1413164"/>
+            <a:ext cx="62836" cy="62836"/>
+          </a:xfrm>
+          <a:prstGeom prst="ellipse">
+            <a:avLst/>
+          </a:prstGeom>
+          <a:gradFill flip="none" rotWithShape="1">
+            <a:gsLst>
+              <a:gs pos="0">
+                <a:schemeClr val="accent4">
+                  <a:lumMod val="89000"/>
+                  <a:alpha val="79000"/>
+                </a:schemeClr>
+              </a:gs>
+              <a:gs pos="23000">
+                <a:schemeClr val="accent4">
+                  <a:lumMod val="89000"/>
+                  <a:alpha val="64000"/>
+                </a:schemeClr>
+              </a:gs>
+              <a:gs pos="69000">
+                <a:schemeClr val="accent4">
+                  <a:lumMod val="75000"/>
+                  <a:alpha val="19000"/>
+                </a:schemeClr>
+              </a:gs>
+              <a:gs pos="100000">
+                <a:schemeClr val="accent4">
+                  <a:lumMod val="70000"/>
+                  <a:alpha val="0"/>
+                </a:schemeClr>
+              </a:gs>
+            </a:gsLst>
+            <a:path path="circle">
+              <a:fillToRect l="50000" t="50000" r="50000" b="50000"/>
+            </a:path>
+            <a:tileRect/>
+          </a:gradFill>
+          <a:ln>
+            <a:noFill/>
+          </a:ln>
+        </p:spPr>
+        <p:style>
+          <a:lnRef idx="2">
+            <a:schemeClr val="accent1">
+              <a:shade val="50000"/>
+            </a:schemeClr>
+          </a:lnRef>
+          <a:fillRef idx="1">
+            <a:schemeClr val="accent1"/>
+          </a:fillRef>
+          <a:effectRef idx="0">
+            <a:schemeClr val="accent1"/>
+          </a:effectRef>
+          <a:fontRef idx="minor">
+            <a:schemeClr val="lt1"/>
+          </a:fontRef>
+        </p:style>
+        <p:txBody>
+          <a:bodyPr rtlCol="0" anchor="ctr"/>
+          <a:lstStyle/>
+          <a:p>
+            <a:pPr algn="ctr"/>
+            <a:endParaRPr lang="de-DE"/>
+          </a:p>
+        </p:txBody>
+      </p:sp>
+      <p:sp>
+        <p:nvSpPr>
+          <p:cNvPr id="11" name="Ellipse 10"/>
+          <p:cNvSpPr/>
+          <p:nvPr userDrawn="1"/>
+        </p:nvSpPr>
+        <p:spPr>
+          <a:xfrm>
+            <a:off x="5784915" y="2657247"/>
+            <a:ext cx="68835" cy="68835"/>
+          </a:xfrm>
+          <a:prstGeom prst="ellipse">
+            <a:avLst/>
+          </a:prstGeom>
+          <a:gradFill flip="none" rotWithShape="1">
+            <a:gsLst>
+              <a:gs pos="0">
+                <a:srgbClr val="FF00FF">
+                  <a:alpha val="83000"/>
+                </a:srgbClr>
+              </a:gs>
+              <a:gs pos="23000">
+                <a:srgbClr val="FF00FF">
+                  <a:alpha val="46000"/>
+                </a:srgbClr>
+              </a:gs>
+              <a:gs pos="69000">
+                <a:srgbClr val="FF00FF">
+                  <a:alpha val="20000"/>
+                  <a:lumMod val="82000"/>
+                </a:srgbClr>
+              </a:gs>
+              <a:gs pos="100000">
+                <a:srgbClr val="FF00FF">
+                  <a:lumMod val="58000"/>
+                  <a:alpha val="0"/>
+                </a:srgbClr>
+              </a:gs>
+            </a:gsLst>
+            <a:path path="circle">
+              <a:fillToRect l="50000" t="50000" r="50000" b="50000"/>
+            </a:path>
+            <a:tileRect/>
+          </a:gradFill>
+          <a:ln>
+            <a:noFill/>
+          </a:ln>
+        </p:spPr>
+        <p:style>
+          <a:lnRef idx="2">
+            <a:schemeClr val="accent1">
+              <a:shade val="50000"/>
+            </a:schemeClr>
+          </a:lnRef>
+          <a:fillRef idx="1">
+            <a:schemeClr val="accent1"/>
+          </a:fillRef>
+          <a:effectRef idx="0">
+            <a:schemeClr val="accent1"/>
+          </a:effectRef>
+          <a:fontRef idx="minor">
+            <a:schemeClr val="lt1"/>
+          </a:fontRef>
+        </p:style>
+        <p:txBody>
+          <a:bodyPr rtlCol="0" anchor="ctr"/>
+          <a:lstStyle/>
+          <a:p>
+            <a:pPr algn="ctr"/>
+            <a:endParaRPr lang="de-DE"/>
+          </a:p>
+        </p:txBody>
+      </p:sp>
+      <p:sp>
+        <p:nvSpPr>
+          <p:cNvPr id="12" name="Ellipse 11"/>
+          <p:cNvSpPr/>
+          <p:nvPr userDrawn="1"/>
+        </p:nvSpPr>
+        <p:spPr>
+          <a:xfrm>
+            <a:off x="10337865" y="5800497"/>
+            <a:ext cx="68835" cy="68835"/>
+          </a:xfrm>
+          <a:prstGeom prst="ellipse">
+            <a:avLst/>
+          </a:prstGeom>
+          <a:gradFill flip="none" rotWithShape="1">
+            <a:gsLst>
+              <a:gs pos="0">
+                <a:srgbClr val="FF00FF">
+                  <a:alpha val="83000"/>
+                </a:srgbClr>
+              </a:gs>
+              <a:gs pos="23000">
+                <a:srgbClr val="FF00FF">
+                  <a:alpha val="46000"/>
+                </a:srgbClr>
+              </a:gs>
+              <a:gs pos="69000">
+                <a:srgbClr val="FF00FF">
+                  <a:alpha val="20000"/>
+                  <a:lumMod val="82000"/>
+                </a:srgbClr>
+              </a:gs>
+              <a:gs pos="100000">
+                <a:srgbClr val="FF00FF">
+                  <a:lumMod val="58000"/>
+                  <a:alpha val="0"/>
+                </a:srgbClr>
+              </a:gs>
+            </a:gsLst>
+            <a:path path="circle">
+              <a:fillToRect l="50000" t="50000" r="50000" b="50000"/>
+            </a:path>
+            <a:tileRect/>
+          </a:gradFill>
+          <a:ln>
+            <a:noFill/>
+          </a:ln>
+        </p:spPr>
+        <p:style>
+          <a:lnRef idx="2">
+            <a:schemeClr val="accent1">
+              <a:shade val="50000"/>
+            </a:schemeClr>
+          </a:lnRef>
+          <a:fillRef idx="1">
+            <a:schemeClr val="accent1"/>
+          </a:fillRef>
+          <a:effectRef idx="0">
+            <a:schemeClr val="accent1"/>
+          </a:effectRef>
+          <a:fontRef idx="minor">
+            <a:schemeClr val="lt1"/>
+          </a:fontRef>
+        </p:style>
+        <p:txBody>
+          <a:bodyPr rtlCol="0" anchor="ctr"/>
+          <a:lstStyle/>
+          <a:p>
+            <a:pPr algn="ctr"/>
+            <a:endParaRPr lang="de-DE"/>
+          </a:p>
+        </p:txBody>
+      </p:sp>
+      <p:sp>
+        <p:nvSpPr>
+          <p:cNvPr id="13" name="Ellipse 12"/>
+          <p:cNvSpPr/>
+          <p:nvPr userDrawn="1"/>
+        </p:nvSpPr>
+        <p:spPr>
+          <a:xfrm>
+            <a:off x="2091120" y="5175657"/>
+            <a:ext cx="68835" cy="68835"/>
+          </a:xfrm>
+          <a:prstGeom prst="ellipse">
+            <a:avLst/>
+          </a:prstGeom>
+          <a:gradFill flip="none" rotWithShape="1">
+            <a:gsLst>
+              <a:gs pos="0">
+                <a:srgbClr val="FF00FF">
+                  <a:alpha val="83000"/>
+                </a:srgbClr>
+              </a:gs>
+              <a:gs pos="23000">
+                <a:srgbClr val="FF00FF">
+                  <a:alpha val="46000"/>
+                </a:srgbClr>
+              </a:gs>
+              <a:gs pos="69000">
+                <a:srgbClr val="FF00FF">
+                  <a:alpha val="20000"/>
+                  <a:lumMod val="82000"/>
+                </a:srgbClr>
+              </a:gs>
+              <a:gs pos="100000">
+                <a:srgbClr val="FF00FF">
+                  <a:lumMod val="58000"/>
+                  <a:alpha val="0"/>
+                </a:srgbClr>
+              </a:gs>
+            </a:gsLst>
+            <a:path path="circle">
+              <a:fillToRect l="50000" t="50000" r="50000" b="50000"/>
+            </a:path>
+            <a:tileRect/>
+          </a:gradFill>
+          <a:ln>
+            <a:noFill/>
+          </a:ln>
+        </p:spPr>
+        <p:style>
+          <a:lnRef idx="2">
+            <a:schemeClr val="accent1">
+              <a:shade val="50000"/>
+            </a:schemeClr>
+          </a:lnRef>
+          <a:fillRef idx="1">
+            <a:schemeClr val="accent1"/>
+          </a:fillRef>
+          <a:effectRef idx="0">
+            <a:schemeClr val="accent1"/>
+          </a:effectRef>
+          <a:fontRef idx="minor">
+            <a:schemeClr val="lt1"/>
+          </a:fontRef>
+        </p:style>
+        <p:txBody>
+          <a:bodyPr rtlCol="0" anchor="ctr"/>
+          <a:lstStyle/>
+          <a:p>
+            <a:pPr algn="ctr"/>
+            <a:endParaRPr lang="de-DE"/>
+          </a:p>
+        </p:txBody>
+      </p:sp>
+      <p:sp>
+        <p:nvSpPr>
+          <p:cNvPr id="14" name="Ellipse 13"/>
+          <p:cNvSpPr/>
+          <p:nvPr userDrawn="1"/>
+        </p:nvSpPr>
+        <p:spPr>
+          <a:xfrm>
+            <a:off x="9008175" y="5027067"/>
+            <a:ext cx="45719" cy="45719"/>
+          </a:xfrm>
+          <a:prstGeom prst="ellipse">
+            <a:avLst/>
+          </a:prstGeom>
+          <a:gradFill flip="none" rotWithShape="1">
+            <a:gsLst>
+              <a:gs pos="0">
+                <a:srgbClr val="00FFCC">
+                  <a:alpha val="77000"/>
+                </a:srgbClr>
+              </a:gs>
+              <a:gs pos="23000">
+                <a:srgbClr val="00FFCC">
+                  <a:alpha val="44000"/>
+                </a:srgbClr>
+              </a:gs>
+              <a:gs pos="70000">
+                <a:srgbClr val="00FFCC">
+                  <a:alpha val="19000"/>
+                </a:srgbClr>
+              </a:gs>
+              <a:gs pos="100000">
+                <a:srgbClr val="00FFCC">
+                  <a:alpha val="0"/>
+                </a:srgbClr>
+              </a:gs>
+            </a:gsLst>
+            <a:path path="circle">
+              <a:fillToRect l="50000" t="50000" r="50000" b="50000"/>
+            </a:path>
+            <a:tileRect/>
+          </a:gradFill>
+          <a:ln>
+            <a:noFill/>
+          </a:ln>
+        </p:spPr>
+        <p:style>
+          <a:lnRef idx="2">
+            <a:schemeClr val="accent1">
+              <a:shade val="50000"/>
+            </a:schemeClr>
+          </a:lnRef>
+          <a:fillRef idx="1">
+            <a:schemeClr val="accent1"/>
+          </a:fillRef>
+          <a:effectRef idx="0">
+            <a:schemeClr val="accent1"/>
+          </a:effectRef>
+          <a:fontRef idx="minor">
+            <a:schemeClr val="lt1"/>
+          </a:fontRef>
+        </p:style>
+        <p:txBody>
+          <a:bodyPr rtlCol="0" anchor="ctr"/>
+          <a:lstStyle/>
+          <a:p>
+            <a:pPr algn="ctr"/>
+            <a:endParaRPr lang="de-DE"/>
+          </a:p>
+        </p:txBody>
+      </p:sp>
+      <p:sp>
+        <p:nvSpPr>
+          <p:cNvPr id="15" name="Ellipse 14"/>
+          <p:cNvSpPr/>
+          <p:nvPr userDrawn="1"/>
+        </p:nvSpPr>
+        <p:spPr>
+          <a:xfrm>
+            <a:off x="7645465" y="2887140"/>
+            <a:ext cx="45719" cy="45719"/>
+          </a:xfrm>
+          <a:prstGeom prst="ellipse">
+            <a:avLst/>
+          </a:prstGeom>
+          <a:gradFill flip="none" rotWithShape="1">
+            <a:gsLst>
+              <a:gs pos="0">
+                <a:srgbClr val="00FFCC">
+                  <a:alpha val="77000"/>
+                </a:srgbClr>
+              </a:gs>
+              <a:gs pos="23000">
+                <a:srgbClr val="00FFCC">
+                  <a:alpha val="44000"/>
+                </a:srgbClr>
+              </a:gs>
+              <a:gs pos="70000">
+                <a:srgbClr val="00FFCC">
+                  <a:alpha val="19000"/>
+                </a:srgbClr>
+              </a:gs>
+              <a:gs pos="100000">
+                <a:srgbClr val="00FFCC">
+                  <a:alpha val="0"/>
+                </a:srgbClr>
+              </a:gs>
+            </a:gsLst>
+            <a:path path="circle">
+              <a:fillToRect l="50000" t="50000" r="50000" b="50000"/>
+            </a:path>
+            <a:tileRect/>
+          </a:gradFill>
+          <a:ln>
+            <a:noFill/>
+          </a:ln>
+        </p:spPr>
+        <p:style>
+          <a:lnRef idx="2">
+            <a:schemeClr val="accent1">
+              <a:shade val="50000"/>
+            </a:schemeClr>
+          </a:lnRef>
+          <a:fillRef idx="1">
+            <a:schemeClr val="accent1"/>
+          </a:fillRef>
+          <a:effectRef idx="0">
+            <a:schemeClr val="accent1"/>
+          </a:effectRef>
+          <a:fontRef idx="minor">
+            <a:schemeClr val="lt1"/>
+          </a:fontRef>
+        </p:style>
+        <p:txBody>
+          <a:bodyPr rtlCol="0" anchor="ctr"/>
+          <a:lstStyle/>
+          <a:p>
+            <a:pPr algn="ctr"/>
+            <a:endParaRPr lang="de-DE"/>
+          </a:p>
+        </p:txBody>
+      </p:sp>
+      <p:sp>
+        <p:nvSpPr>
+          <p:cNvPr id="16" name="Ellipse 15"/>
+          <p:cNvSpPr/>
+          <p:nvPr userDrawn="1"/>
+        </p:nvSpPr>
+        <p:spPr>
+          <a:xfrm>
+            <a:off x="1080000" y="1800000"/>
+            <a:ext cx="45719" cy="45719"/>
+          </a:xfrm>
+          <a:prstGeom prst="ellipse">
+            <a:avLst/>
+          </a:prstGeom>
+          <a:gradFill flip="none" rotWithShape="1">
+            <a:gsLst>
+              <a:gs pos="0">
+                <a:srgbClr val="00FFCC">
+                  <a:alpha val="77000"/>
+                </a:srgbClr>
+              </a:gs>
+              <a:gs pos="23000">
+                <a:srgbClr val="00FFCC">
+                  <a:alpha val="44000"/>
+                </a:srgbClr>
+              </a:gs>
+              <a:gs pos="70000">
+                <a:srgbClr val="00FFCC">
+                  <a:alpha val="19000"/>
+                </a:srgbClr>
+              </a:gs>
+              <a:gs pos="100000">
+                <a:srgbClr val="00FFCC">
+                  <a:alpha val="0"/>
+                </a:srgbClr>
+              </a:gs>
+            </a:gsLst>
+            <a:path path="circle">
+              <a:fillToRect l="50000" t="50000" r="50000" b="50000"/>
+            </a:path>
+            <a:tileRect/>
+          </a:gradFill>
+          <a:ln>
+            <a:noFill/>
+          </a:ln>
+        </p:spPr>
+        <p:style>
+          <a:lnRef idx="2">
+            <a:schemeClr val="accent1">
+              <a:shade val="50000"/>
+            </a:schemeClr>
+          </a:lnRef>
+          <a:fillRef idx="1">
+            <a:schemeClr val="accent1"/>
+          </a:fillRef>
+          <a:effectRef idx="0">
+            <a:schemeClr val="accent1"/>
+          </a:effectRef>
+          <a:fontRef idx="minor">
+            <a:schemeClr val="lt1"/>
+          </a:fontRef>
+        </p:style>
+        <p:txBody>
+          <a:bodyPr rtlCol="0" anchor="ctr"/>
+          <a:lstStyle/>
+          <a:p>
+            <a:pPr algn="ctr"/>
+            <a:endParaRPr lang="de-DE"/>
+          </a:p>
+        </p:txBody>
+      </p:sp>
+      <p:sp>
+        <p:nvSpPr>
+          <p:cNvPr id="17" name="Ellipse 16"/>
+          <p:cNvSpPr/>
+          <p:nvPr userDrawn="1"/>
+        </p:nvSpPr>
+        <p:spPr>
+          <a:xfrm>
+            <a:off x="4320000" y="720000"/>
+            <a:ext cx="45719" cy="45719"/>
+          </a:xfrm>
+          <a:prstGeom prst="ellipse">
+            <a:avLst/>
+          </a:prstGeom>
+          <a:gradFill flip="none" rotWithShape="1">
+            <a:gsLst>
+              <a:gs pos="0">
+                <a:srgbClr val="00FFCC">
+                  <a:alpha val="77000"/>
+                </a:srgbClr>
+              </a:gs>
+              <a:gs pos="23000">
+                <a:srgbClr val="00FFCC">
+                  <a:alpha val="44000"/>
+                </a:srgbClr>
+              </a:gs>
+              <a:gs pos="70000">
+                <a:srgbClr val="00FFCC">
+                  <a:alpha val="19000"/>
+                </a:srgbClr>
+              </a:gs>
+              <a:gs pos="100000">
+                <a:srgbClr val="00FFCC">
+                  <a:alpha val="0"/>
+                </a:srgbClr>
+              </a:gs>
+            </a:gsLst>
+            <a:path path="circle">
+              <a:fillToRect l="50000" t="50000" r="50000" b="50000"/>
+            </a:path>
+            <a:tileRect/>
+          </a:gradFill>
+          <a:ln>
+            <a:noFill/>
+          </a:ln>
+        </p:spPr>
+        <p:style>
+          <a:lnRef idx="2">
+            <a:schemeClr val="accent1">
+              <a:shade val="50000"/>
+            </a:schemeClr>
+          </a:lnRef>
+          <a:fillRef idx="1">
+            <a:schemeClr val="accent1"/>
+          </a:fillRef>
+          <a:effectRef idx="0">
+            <a:schemeClr val="accent1"/>
+          </a:effectRef>
+          <a:fontRef idx="minor">
+            <a:schemeClr val="lt1"/>
+          </a:fontRef>
+        </p:style>
+        <p:txBody>
+          <a:bodyPr rtlCol="0" anchor="ctr"/>
+          <a:lstStyle/>
+          <a:p>
+            <a:pPr algn="ctr"/>
             <a:endParaRPr lang="de-DE"/>
           </a:p>
         </p:txBody>
@@ -2754,6 +4028,13 @@
     <p:sldLayoutId id="2147483658" r:id="rId10"/>
     <p:sldLayoutId id="2147483659" r:id="rId11"/>
   </p:sldLayoutIdLst>
+  <p:timing>
+    <p:tnLst>
+      <p:par>
+        <p:cTn id="1" dur="indefinite" restart="never" nodeType="tmRoot"/>
+      </p:par>
+    </p:tnLst>
+  </p:timing>
   <p:txStyles>
     <p:titleStyle>
       <a:lvl1pPr algn="l" defTabSz="914400" rtl="0" eaLnBrk="1" latinLnBrk="0" hangingPunct="1">
@@ -3124,6 +4405,13 @@
   <p:clrMapOvr>
     <a:masterClrMapping/>
   </p:clrMapOvr>
+  <p:timing>
+    <p:tnLst>
+      <p:par>
+        <p:cTn id="1" dur="indefinite" restart="never" nodeType="tmRoot"/>
+      </p:par>
+    </p:tnLst>
+  </p:timing>
 </p:sld>
 </file>
 
@@ -3210,6 +4498,13 @@
   <p:clrMapOvr>
     <a:masterClrMapping/>
   </p:clrMapOvr>
+  <p:timing>
+    <p:tnLst>
+      <p:par>
+        <p:cTn id="1" dur="indefinite" restart="never" nodeType="tmRoot"/>
+      </p:par>
+    </p:tnLst>
+  </p:timing>
 </p:sld>
 </file>
 
@@ -3296,6 +4591,13 @@
   <p:clrMapOvr>
     <a:masterClrMapping/>
   </p:clrMapOvr>
+  <p:timing>
+    <p:tnLst>
+      <p:par>
+        <p:cTn id="1" dur="indefinite" restart="never" nodeType="tmRoot"/>
+      </p:par>
+    </p:tnLst>
+  </p:timing>
 </p:sld>
 </file>
 
@@ -3318,73 +4620,145 @@
       </p:grpSpPr>
       <p:sp>
         <p:nvSpPr>
-          <p:cNvPr id="5" name="Titel 4">
+          <p:cNvPr id="2" name="Titel 1"/>
+          <p:cNvSpPr>
+            <a:spLocks noGrp="1"/>
+          </p:cNvSpPr>
+          <p:nvPr>
+            <p:ph type="title"/>
+          </p:nvPr>
+        </p:nvSpPr>
+        <p:spPr/>
+        <p:txBody>
+          <a:bodyPr/>
+          <a:lstStyle/>
+          <a:p>
+            <a:r>
+              <a:rPr lang="de-DE" dirty="0"/>
+              <a:t>Aufgaben </a:t>
+            </a:r>
+            <a:r>
+              <a:rPr lang="de-DE" dirty="0" smtClean="0"/>
+              <a:t>(</a:t>
+            </a:r>
+            <a:r>
+              <a:rPr lang="de-DE" dirty="0"/>
+              <a:t>4</a:t>
+            </a:r>
+            <a:r>
+              <a:rPr lang="de-DE" dirty="0" smtClean="0"/>
+              <a:t>/5)</a:t>
+            </a:r>
+            <a:endParaRPr lang="de-DE" dirty="0"/>
+          </a:p>
+        </p:txBody>
+      </p:sp>
+      <p:pic>
+        <p:nvPicPr>
+          <p:cNvPr id="4" name="Inhaltsplatzhalter 3"/>
+          <p:cNvPicPr>
+            <a:picLocks noGrp="1" noChangeAspect="1"/>
+          </p:cNvPicPr>
+          <p:nvPr>
+            <p:ph idx="1"/>
+          </p:nvPr>
+        </p:nvPicPr>
+        <p:blipFill>
+          <a:blip r:embed="rId3" cstate="print">
             <a:extLst>
-              <a:ext uri="{FF2B5EF4-FFF2-40B4-BE49-F238E27FC236}">
-                <a16:creationId xmlns:a16="http://schemas.microsoft.com/office/drawing/2014/main" id="{D3B3AA58-6A5E-4BF4-8CA0-E6B0BBBF57BD}"/>
+              <a:ext uri="{28A0092B-C50C-407E-A947-70E740481C1C}">
+                <a14:useLocalDpi xmlns:a14="http://schemas.microsoft.com/office/drawing/2010/main" val="0"/>
               </a:ext>
             </a:extLst>
-          </p:cNvPr>
-          <p:cNvSpPr>
-            <a:spLocks noGrp="1"/>
-          </p:cNvSpPr>
-          <p:nvPr>
-            <p:ph type="title"/>
-          </p:nvPr>
-        </p:nvSpPr>
-        <p:spPr/>
-        <p:txBody>
-          <a:bodyPr/>
-          <a:lstStyle/>
-          <a:p>
-            <a:r>
-              <a:rPr lang="de-DE" dirty="0"/>
-              <a:t>Aufgaben (4/4)</a:t>
-            </a:r>
-          </a:p>
-        </p:txBody>
-      </p:sp>
-      <p:sp>
-        <p:nvSpPr>
-          <p:cNvPr id="3" name="Inhaltsplatzhalter 2">
+          </a:blip>
+          <a:stretch>
+            <a:fillRect/>
+          </a:stretch>
+        </p:blipFill>
+        <p:spPr>
+          <a:xfrm>
+            <a:off x="1927432" y="1481294"/>
+            <a:ext cx="3970481" cy="2520000"/>
+          </a:xfrm>
+        </p:spPr>
+      </p:pic>
+      <p:pic>
+        <p:nvPicPr>
+          <p:cNvPr id="5" name="Grafik 4"/>
+          <p:cNvPicPr>
+            <a:picLocks noChangeAspect="1"/>
+          </p:cNvPicPr>
+          <p:nvPr/>
+        </p:nvPicPr>
+        <p:blipFill>
+          <a:blip r:embed="rId4" cstate="print">
             <a:extLst>
-              <a:ext uri="{FF2B5EF4-FFF2-40B4-BE49-F238E27FC236}">
-                <a16:creationId xmlns:a16="http://schemas.microsoft.com/office/drawing/2014/main" id="{CA552B51-2B65-4706-BCBA-EFA42B1145C0}"/>
+              <a:ext uri="{28A0092B-C50C-407E-A947-70E740481C1C}">
+                <a14:useLocalDpi xmlns:a14="http://schemas.microsoft.com/office/drawing/2010/main" val="0"/>
               </a:ext>
             </a:extLst>
-          </p:cNvPr>
-          <p:cNvSpPr>
-            <a:spLocks noGrp="1"/>
-          </p:cNvSpPr>
-          <p:nvPr>
-            <p:ph idx="1"/>
-          </p:nvPr>
-        </p:nvSpPr>
-        <p:spPr/>
-        <p:txBody>
-          <a:bodyPr/>
-          <a:lstStyle/>
-          <a:p>
-            <a:r>
-              <a:rPr lang="de-DE"/>
-              <a:t>Video</a:t>
-            </a:r>
-          </a:p>
-          <a:p>
-            <a:endParaRPr lang="de-DE"/>
-          </a:p>
-        </p:txBody>
-      </p:sp>
+          </a:blip>
+          <a:stretch>
+            <a:fillRect/>
+          </a:stretch>
+        </p:blipFill>
+        <p:spPr>
+          <a:xfrm>
+            <a:off x="5971945" y="1481294"/>
+            <a:ext cx="3970481" cy="2520000"/>
+          </a:xfrm>
+          <a:prstGeom prst="rect">
+            <a:avLst/>
+          </a:prstGeom>
+        </p:spPr>
+      </p:pic>
+      <p:pic>
+        <p:nvPicPr>
+          <p:cNvPr id="6" name="Grafik 5"/>
+          <p:cNvPicPr>
+            <a:picLocks noChangeAspect="1"/>
+          </p:cNvPicPr>
+          <p:nvPr/>
+        </p:nvPicPr>
+        <p:blipFill>
+          <a:blip r:embed="rId5" cstate="print">
+            <a:extLst>
+              <a:ext uri="{28A0092B-C50C-407E-A947-70E740481C1C}">
+                <a14:useLocalDpi xmlns:a14="http://schemas.microsoft.com/office/drawing/2010/main" val="0"/>
+              </a:ext>
+            </a:extLst>
+          </a:blip>
+          <a:stretch>
+            <a:fillRect/>
+          </a:stretch>
+        </p:blipFill>
+        <p:spPr>
+          <a:xfrm>
+            <a:off x="1927432" y="4088130"/>
+            <a:ext cx="3970481" cy="2520000"/>
+          </a:xfrm>
+          <a:prstGeom prst="rect">
+            <a:avLst/>
+          </a:prstGeom>
+        </p:spPr>
+      </p:pic>
     </p:spTree>
     <p:extLst>
       <p:ext uri="{BB962C8B-B14F-4D97-AF65-F5344CB8AC3E}">
-        <p14:creationId xmlns:p14="http://schemas.microsoft.com/office/powerpoint/2010/main" val="182811933"/>
+        <p14:creationId xmlns:p14="http://schemas.microsoft.com/office/powerpoint/2010/main" val="3637224668"/>
       </p:ext>
     </p:extLst>
   </p:cSld>
   <p:clrMapOvr>
     <a:masterClrMapping/>
   </p:clrMapOvr>
+  <p:timing>
+    <p:tnLst>
+      <p:par>
+        <p:cTn id="1" dur="indefinite" restart="never" nodeType="tmRoot"/>
+      </p:par>
+    </p:tnLst>
+  </p:timing>
 </p:sld>
 </file>
 
@@ -3407,7 +4781,13 @@
       </p:grpSpPr>
       <p:sp>
         <p:nvSpPr>
-          <p:cNvPr id="2" name="Titel 1"/>
+          <p:cNvPr id="5" name="Titel 4">
+            <a:extLst>
+              <a:ext uri="{FF2B5EF4-FFF2-40B4-BE49-F238E27FC236}">
+                <a16:creationId xmlns:a16="http://schemas.microsoft.com/office/drawing/2014/main" id="{D3B3AA58-6A5E-4BF4-8CA0-E6B0BBBF57BD}"/>
+              </a:ext>
+            </a:extLst>
+          </p:cNvPr>
           <p:cNvSpPr>
             <a:spLocks noGrp="1"/>
           </p:cNvSpPr>
@@ -3422,14 +4802,33 @@
           <a:p>
             <a:r>
               <a:rPr lang="de-DE" dirty="0"/>
-              <a:t>Ergebnisse</a:t>
-            </a:r>
-          </a:p>
-        </p:txBody>
-      </p:sp>
-      <p:sp>
-        <p:nvSpPr>
-          <p:cNvPr id="3" name="Inhaltsplatzhalter 2"/>
+              <a:t>Aufgaben </a:t>
+            </a:r>
+            <a:r>
+              <a:rPr lang="de-DE" dirty="0" smtClean="0"/>
+              <a:t>(</a:t>
+            </a:r>
+            <a:r>
+              <a:rPr lang="de-DE" dirty="0" smtClean="0"/>
+              <a:t>5</a:t>
+            </a:r>
+            <a:r>
+              <a:rPr lang="de-DE" dirty="0" smtClean="0"/>
+              <a:t>/5)</a:t>
+            </a:r>
+            <a:endParaRPr lang="de-DE" dirty="0"/>
+          </a:p>
+        </p:txBody>
+      </p:sp>
+      <p:sp>
+        <p:nvSpPr>
+          <p:cNvPr id="3" name="Inhaltsplatzhalter 2">
+            <a:extLst>
+              <a:ext uri="{FF2B5EF4-FFF2-40B4-BE49-F238E27FC236}">
+                <a16:creationId xmlns:a16="http://schemas.microsoft.com/office/drawing/2014/main" id="{CA552B51-2B65-4706-BCBA-EFA42B1145C0}"/>
+              </a:ext>
+            </a:extLst>
+          </p:cNvPr>
           <p:cNvSpPr>
             <a:spLocks noGrp="1"/>
           </p:cNvSpPr>
@@ -3443,78 +4842,32 @@
           <a:lstStyle/>
           <a:p>
             <a:r>
-              <a:rPr lang="de-DE" dirty="0"/>
-              <a:t>Demografisch (Alter, Erfahrung, Geschlecht)</a:t>
-            </a:r>
-          </a:p>
-          <a:p>
-            <a:r>
-              <a:rPr lang="de-DE" dirty="0"/>
-              <a:t>Umgebungsvariablen (Stuhleinstellungen)</a:t>
-            </a:r>
-          </a:p>
-          <a:p>
-            <a:r>
-              <a:rPr lang="de-DE" dirty="0"/>
-              <a:t>Dauer des </a:t>
-            </a:r>
-            <a:r>
-              <a:rPr lang="de-DE" dirty="0" err="1"/>
-              <a:t>Wecktons</a:t>
-            </a:r>
-            <a:r>
-              <a:rPr lang="de-DE" dirty="0"/>
-              <a:t> zum Abstellen</a:t>
-            </a:r>
-          </a:p>
-          <a:p>
-            <a:r>
-              <a:rPr lang="de-DE" dirty="0"/>
-              <a:t>Aufgabenergebnisse (Fehlerraten, Zeiten in Gruppen)</a:t>
-            </a:r>
-          </a:p>
-          <a:p>
-            <a:r>
-              <a:rPr lang="de-DE" dirty="0"/>
-              <a:t>Fragebögen (Sam, RSME)</a:t>
-            </a:r>
-          </a:p>
-          <a:p>
-            <a:r>
-              <a:rPr lang="de-DE" dirty="0"/>
-              <a:t>Schlafstatus</a:t>
-            </a:r>
-          </a:p>
-          <a:p>
-            <a:r>
-              <a:rPr lang="de-DE" dirty="0" err="1"/>
-              <a:t>Limesurvey</a:t>
-            </a:r>
-            <a:r>
-              <a:rPr lang="de-DE" dirty="0"/>
-              <a:t> (Müdigkeit vorher/</a:t>
-            </a:r>
-            <a:r>
-              <a:rPr lang="de-DE" dirty="0" err="1"/>
-              <a:t>nachehr</a:t>
-            </a:r>
-            <a:r>
-              <a:rPr lang="de-DE" dirty="0"/>
-              <a:t>, Aufgabenschwierigkeit, Komfort mit VR Brille, ..)</a:t>
-            </a:r>
+              <a:rPr lang="de-DE"/>
+              <a:t>Video</a:t>
+            </a:r>
+          </a:p>
+          <a:p>
+            <a:endParaRPr lang="de-DE"/>
           </a:p>
         </p:txBody>
       </p:sp>
     </p:spTree>
     <p:extLst>
       <p:ext uri="{BB962C8B-B14F-4D97-AF65-F5344CB8AC3E}">
-        <p14:creationId xmlns:p14="http://schemas.microsoft.com/office/powerpoint/2010/main" val="2021924618"/>
+        <p14:creationId xmlns:p14="http://schemas.microsoft.com/office/powerpoint/2010/main" val="182811933"/>
       </p:ext>
     </p:extLst>
   </p:cSld>
   <p:clrMapOvr>
     <a:masterClrMapping/>
   </p:clrMapOvr>
+  <p:timing>
+    <p:tnLst>
+      <p:par>
+        <p:cTn id="1" dur="indefinite" restart="never" nodeType="tmRoot"/>
+      </p:par>
+    </p:tnLst>
+  </p:timing>
 </p:sld>
 </file>
 
@@ -3552,7 +4905,7 @@
           <a:p>
             <a:r>
               <a:rPr lang="de-DE" dirty="0"/>
-              <a:t>Diskussion</a:t>
+              <a:t>Ergebnisse</a:t>
             </a:r>
           </a:p>
         </p:txBody>
@@ -3574,58 +4927,84 @@
           <a:p>
             <a:r>
               <a:rPr lang="de-DE" dirty="0"/>
-              <a:t>Art und Weise des Aufwachens beeinträchtigt die anschließende Aufgabenbewältigung nicht signifikant</a:t>
+              <a:t>Demografisch (Alter, Erfahrung, Geschlecht)</a:t>
             </a:r>
           </a:p>
           <a:p>
             <a:r>
               <a:rPr lang="de-DE" dirty="0"/>
-              <a:t>Demografie</a:t>
+              <a:t>Umgebungsvariablen (Stuhleinstellungen)</a:t>
             </a:r>
           </a:p>
           <a:p>
             <a:r>
               <a:rPr lang="de-DE" dirty="0"/>
-              <a:t>Studiendurchführung und Umgebung</a:t>
-            </a:r>
-          </a:p>
-          <a:p>
+              <a:t>Dauer des </a:t>
+            </a:r>
+            <a:r>
+              <a:rPr lang="de-DE" dirty="0" err="1"/>
+              <a:t>Wecktons</a:t>
+            </a:r>
             <a:r>
               <a:rPr lang="de-DE" dirty="0"/>
-              <a:t>Aufgaben gut gewählt, warum diese Ergebnisse?</a:t>
+              <a:t> zum Abstellen</a:t>
+            </a:r>
+          </a:p>
+          <a:p>
+            <a:r>
+              <a:rPr lang="de-DE" dirty="0"/>
+              <a:t>Aufgabenergebnisse (Fehlerraten, Zeiten in Gruppen)</a:t>
+            </a:r>
+          </a:p>
+          <a:p>
+            <a:r>
+              <a:rPr lang="de-DE" dirty="0"/>
+              <a:t>Fragebögen (Sam, RSME)</a:t>
+            </a:r>
+          </a:p>
+          <a:p>
+            <a:r>
+              <a:rPr lang="de-DE" dirty="0"/>
+              <a:t>Schlafstatus</a:t>
             </a:r>
           </a:p>
           <a:p>
             <a:r>
               <a:rPr lang="de-DE" dirty="0" err="1"/>
-              <a:t>Implentierung</a:t>
+              <a:t>Limesurvey</a:t>
             </a:r>
             <a:r>
               <a:rPr lang="de-DE" dirty="0"/>
-              <a:t> gut gemacht? </a:t>
-            </a:r>
-          </a:p>
-          <a:p>
+              <a:t> (Müdigkeit vorher/</a:t>
+            </a:r>
+            <a:r>
+              <a:rPr lang="de-DE" dirty="0" err="1"/>
+              <a:t>nachehr</a:t>
+            </a:r>
             <a:r>
               <a:rPr lang="de-DE" dirty="0"/>
-              <a:t>Zukunftsaussicht</a:t>
-            </a:r>
-          </a:p>
-          <a:p>
-            <a:endParaRPr lang="de-DE" dirty="0"/>
+              <a:t>, Aufgabenschwierigkeit, Komfort mit VR Brille, ..)</a:t>
+            </a:r>
           </a:p>
         </p:txBody>
       </p:sp>
     </p:spTree>
     <p:extLst>
       <p:ext uri="{BB962C8B-B14F-4D97-AF65-F5344CB8AC3E}">
-        <p14:creationId xmlns:p14="http://schemas.microsoft.com/office/powerpoint/2010/main" val="1692567459"/>
+        <p14:creationId xmlns:p14="http://schemas.microsoft.com/office/powerpoint/2010/main" val="2021924618"/>
       </p:ext>
     </p:extLst>
   </p:cSld>
   <p:clrMapOvr>
     <a:masterClrMapping/>
   </p:clrMapOvr>
+  <p:timing>
+    <p:tnLst>
+      <p:par>
+        <p:cTn id="1" dur="indefinite" restart="never" nodeType="tmRoot"/>
+      </p:par>
+    </p:tnLst>
+  </p:timing>
 </p:sld>
 </file>
 
@@ -3663,6 +5042,411 @@
           <a:p>
             <a:r>
               <a:rPr lang="de-DE" dirty="0"/>
+              <a:t>Diskussion</a:t>
+            </a:r>
+          </a:p>
+        </p:txBody>
+      </p:sp>
+      <p:sp>
+        <p:nvSpPr>
+          <p:cNvPr id="3" name="Inhaltsplatzhalter 2"/>
+          <p:cNvSpPr>
+            <a:spLocks noGrp="1"/>
+          </p:cNvSpPr>
+          <p:nvPr>
+            <p:ph idx="1"/>
+          </p:nvPr>
+        </p:nvSpPr>
+        <p:spPr/>
+        <p:txBody>
+          <a:bodyPr/>
+          <a:lstStyle/>
+          <a:p>
+            <a:r>
+              <a:rPr lang="de-DE" dirty="0" smtClean="0"/>
+              <a:t>Erfahrung und Demografie der Teilnehmer</a:t>
+            </a:r>
+          </a:p>
+          <a:p>
+            <a:pPr lvl="1"/>
+            <a:r>
+              <a:rPr lang="de-DE" dirty="0" smtClean="0"/>
+              <a:t>Vorhandene Affinität zur Technik</a:t>
+            </a:r>
+          </a:p>
+          <a:p>
+            <a:pPr lvl="1"/>
+            <a:r>
+              <a:rPr lang="de-DE" dirty="0" smtClean="0"/>
+              <a:t>Vorhandene VR Erfahrung</a:t>
+            </a:r>
+          </a:p>
+          <a:p>
+            <a:pPr lvl="1"/>
+            <a:r>
+              <a:rPr lang="de-DE" dirty="0" smtClean="0"/>
+              <a:t>Vorhandene Fahrerfahrung</a:t>
+            </a:r>
+            <a:endParaRPr lang="de-DE" dirty="0"/>
+          </a:p>
+        </p:txBody>
+      </p:sp>
+    </p:spTree>
+    <p:extLst>
+      <p:ext uri="{BB962C8B-B14F-4D97-AF65-F5344CB8AC3E}">
+        <p14:creationId xmlns:p14="http://schemas.microsoft.com/office/powerpoint/2010/main" val="3554098313"/>
+      </p:ext>
+    </p:extLst>
+  </p:cSld>
+  <p:clrMapOvr>
+    <a:masterClrMapping/>
+  </p:clrMapOvr>
+  <p:timing>
+    <p:tnLst>
+      <p:par>
+        <p:cTn id="1" dur="indefinite" restart="never" nodeType="tmRoot"/>
+      </p:par>
+    </p:tnLst>
+  </p:timing>
+</p:sld>
+</file>
+
+<file path=ppt/slides/slide16.xml><?xml version="1.0" encoding="utf-8"?>
+<p:sld xmlns:a="http://schemas.openxmlformats.org/drawingml/2006/main" xmlns:r="http://schemas.openxmlformats.org/officeDocument/2006/relationships" xmlns:p="http://schemas.openxmlformats.org/presentationml/2006/main">
+  <p:cSld>
+    <p:spTree>
+      <p:nvGrpSpPr>
+        <p:cNvPr id="1" name=""/>
+        <p:cNvGrpSpPr/>
+        <p:nvPr/>
+      </p:nvGrpSpPr>
+      <p:grpSpPr>
+        <a:xfrm>
+          <a:off x="0" y="0"/>
+          <a:ext cx="0" cy="0"/>
+          <a:chOff x="0" y="0"/>
+          <a:chExt cx="0" cy="0"/>
+        </a:xfrm>
+      </p:grpSpPr>
+      <p:sp>
+        <p:nvSpPr>
+          <p:cNvPr id="2" name="Titel 1"/>
+          <p:cNvSpPr>
+            <a:spLocks noGrp="1"/>
+          </p:cNvSpPr>
+          <p:nvPr>
+            <p:ph type="title"/>
+          </p:nvPr>
+        </p:nvSpPr>
+        <p:spPr/>
+        <p:txBody>
+          <a:bodyPr/>
+          <a:lstStyle/>
+          <a:p>
+            <a:r>
+              <a:rPr lang="de-DE" dirty="0"/>
+              <a:t>Diskussion</a:t>
+            </a:r>
+          </a:p>
+        </p:txBody>
+      </p:sp>
+      <p:sp>
+        <p:nvSpPr>
+          <p:cNvPr id="3" name="Inhaltsplatzhalter 2"/>
+          <p:cNvSpPr>
+            <a:spLocks noGrp="1"/>
+          </p:cNvSpPr>
+          <p:nvPr>
+            <p:ph idx="1"/>
+          </p:nvPr>
+        </p:nvSpPr>
+        <p:spPr/>
+        <p:txBody>
+          <a:bodyPr/>
+          <a:lstStyle/>
+          <a:p>
+            <a:r>
+              <a:rPr lang="de-DE" dirty="0" smtClean="0"/>
+              <a:t>Studiendurchführung</a:t>
+            </a:r>
+          </a:p>
+          <a:p>
+            <a:pPr lvl="1"/>
+            <a:r>
+              <a:rPr lang="de-DE" dirty="0" smtClean="0"/>
+              <a:t>Ort und Zeit</a:t>
+            </a:r>
+          </a:p>
+          <a:p>
+            <a:pPr lvl="1"/>
+            <a:r>
+              <a:rPr lang="de-DE" dirty="0" smtClean="0"/>
+              <a:t>‚Störende‘ Faktoren</a:t>
+            </a:r>
+          </a:p>
+          <a:p>
+            <a:pPr lvl="1"/>
+            <a:r>
+              <a:rPr lang="de-DE" dirty="0" smtClean="0"/>
+              <a:t>Realitätsnähe</a:t>
+            </a:r>
+            <a:endParaRPr lang="de-DE" dirty="0"/>
+          </a:p>
+        </p:txBody>
+      </p:sp>
+    </p:spTree>
+    <p:extLst>
+      <p:ext uri="{BB962C8B-B14F-4D97-AF65-F5344CB8AC3E}">
+        <p14:creationId xmlns:p14="http://schemas.microsoft.com/office/powerpoint/2010/main" val="1683365169"/>
+      </p:ext>
+    </p:extLst>
+  </p:cSld>
+  <p:clrMapOvr>
+    <a:masterClrMapping/>
+  </p:clrMapOvr>
+  <p:timing>
+    <p:tnLst>
+      <p:par>
+        <p:cTn id="1" dur="indefinite" restart="never" nodeType="tmRoot"/>
+      </p:par>
+    </p:tnLst>
+  </p:timing>
+</p:sld>
+</file>
+
+<file path=ppt/slides/slide17.xml><?xml version="1.0" encoding="utf-8"?>
+<p:sld xmlns:a="http://schemas.openxmlformats.org/drawingml/2006/main" xmlns:r="http://schemas.openxmlformats.org/officeDocument/2006/relationships" xmlns:p="http://schemas.openxmlformats.org/presentationml/2006/main">
+  <p:cSld>
+    <p:spTree>
+      <p:nvGrpSpPr>
+        <p:cNvPr id="1" name=""/>
+        <p:cNvGrpSpPr/>
+        <p:nvPr/>
+      </p:nvGrpSpPr>
+      <p:grpSpPr>
+        <a:xfrm>
+          <a:off x="0" y="0"/>
+          <a:ext cx="0" cy="0"/>
+          <a:chOff x="0" y="0"/>
+          <a:chExt cx="0" cy="0"/>
+        </a:xfrm>
+      </p:grpSpPr>
+      <p:sp>
+        <p:nvSpPr>
+          <p:cNvPr id="2" name="Titel 1"/>
+          <p:cNvSpPr>
+            <a:spLocks noGrp="1"/>
+          </p:cNvSpPr>
+          <p:nvPr>
+            <p:ph type="title"/>
+          </p:nvPr>
+        </p:nvSpPr>
+        <p:spPr/>
+        <p:txBody>
+          <a:bodyPr/>
+          <a:lstStyle/>
+          <a:p>
+            <a:r>
+              <a:rPr lang="de-DE" dirty="0"/>
+              <a:t>Diskussion</a:t>
+            </a:r>
+          </a:p>
+        </p:txBody>
+      </p:sp>
+      <p:sp>
+        <p:nvSpPr>
+          <p:cNvPr id="3" name="Inhaltsplatzhalter 2"/>
+          <p:cNvSpPr>
+            <a:spLocks noGrp="1"/>
+          </p:cNvSpPr>
+          <p:nvPr>
+            <p:ph idx="1"/>
+          </p:nvPr>
+        </p:nvSpPr>
+        <p:spPr/>
+        <p:txBody>
+          <a:bodyPr/>
+          <a:lstStyle/>
+          <a:p>
+            <a:r>
+              <a:rPr lang="de-DE" dirty="0" smtClean="0"/>
+              <a:t>Aufgaben</a:t>
+            </a:r>
+          </a:p>
+          <a:p>
+            <a:pPr lvl="1"/>
+            <a:r>
+              <a:rPr lang="de-DE" dirty="0" smtClean="0"/>
+              <a:t>Aufgabenwahl</a:t>
+            </a:r>
+          </a:p>
+          <a:p>
+            <a:pPr lvl="1"/>
+            <a:r>
+              <a:rPr lang="de-DE" dirty="0" smtClean="0"/>
+              <a:t>Aufgabenbeschreibung</a:t>
+            </a:r>
+            <a:endParaRPr lang="de-DE" dirty="0"/>
+          </a:p>
+        </p:txBody>
+      </p:sp>
+    </p:spTree>
+    <p:extLst>
+      <p:ext uri="{BB962C8B-B14F-4D97-AF65-F5344CB8AC3E}">
+        <p14:creationId xmlns:p14="http://schemas.microsoft.com/office/powerpoint/2010/main" val="2513655209"/>
+      </p:ext>
+    </p:extLst>
+  </p:cSld>
+  <p:clrMapOvr>
+    <a:masterClrMapping/>
+  </p:clrMapOvr>
+  <p:timing>
+    <p:tnLst>
+      <p:par>
+        <p:cTn id="1" dur="indefinite" restart="never" nodeType="tmRoot"/>
+      </p:par>
+    </p:tnLst>
+  </p:timing>
+</p:sld>
+</file>
+
+<file path=ppt/slides/slide18.xml><?xml version="1.0" encoding="utf-8"?>
+<p:sld xmlns:a="http://schemas.openxmlformats.org/drawingml/2006/main" xmlns:r="http://schemas.openxmlformats.org/officeDocument/2006/relationships" xmlns:p="http://schemas.openxmlformats.org/presentationml/2006/main">
+  <p:cSld>
+    <p:spTree>
+      <p:nvGrpSpPr>
+        <p:cNvPr id="1" name=""/>
+        <p:cNvGrpSpPr/>
+        <p:nvPr/>
+      </p:nvGrpSpPr>
+      <p:grpSpPr>
+        <a:xfrm>
+          <a:off x="0" y="0"/>
+          <a:ext cx="0" cy="0"/>
+          <a:chOff x="0" y="0"/>
+          <a:chExt cx="0" cy="0"/>
+        </a:xfrm>
+      </p:grpSpPr>
+      <p:sp>
+        <p:nvSpPr>
+          <p:cNvPr id="2" name="Titel 1"/>
+          <p:cNvSpPr>
+            <a:spLocks noGrp="1"/>
+          </p:cNvSpPr>
+          <p:nvPr>
+            <p:ph type="title"/>
+          </p:nvPr>
+        </p:nvSpPr>
+        <p:spPr/>
+        <p:txBody>
+          <a:bodyPr/>
+          <a:lstStyle/>
+          <a:p>
+            <a:r>
+              <a:rPr lang="de-DE" dirty="0"/>
+              <a:t>Diskussion</a:t>
+            </a:r>
+          </a:p>
+        </p:txBody>
+      </p:sp>
+      <p:sp>
+        <p:nvSpPr>
+          <p:cNvPr id="3" name="Inhaltsplatzhalter 2"/>
+          <p:cNvSpPr>
+            <a:spLocks noGrp="1"/>
+          </p:cNvSpPr>
+          <p:nvPr>
+            <p:ph idx="1"/>
+          </p:nvPr>
+        </p:nvSpPr>
+        <p:spPr/>
+        <p:txBody>
+          <a:bodyPr/>
+          <a:lstStyle/>
+          <a:p>
+            <a:r>
+              <a:rPr lang="de-DE" dirty="0" smtClean="0"/>
+              <a:t>Zukunftsaussicht</a:t>
+            </a:r>
+          </a:p>
+          <a:p>
+            <a:pPr lvl="1"/>
+            <a:r>
+              <a:rPr lang="de-DE" dirty="0" smtClean="0"/>
+              <a:t>Demografie</a:t>
+            </a:r>
+          </a:p>
+          <a:p>
+            <a:pPr lvl="1"/>
+            <a:r>
+              <a:rPr lang="de-DE" dirty="0" smtClean="0"/>
+              <a:t>Studiendurchführung</a:t>
+            </a:r>
+          </a:p>
+          <a:p>
+            <a:pPr lvl="1"/>
+            <a:r>
+              <a:rPr lang="de-DE" dirty="0" smtClean="0"/>
+              <a:t>Aufgabenwahl</a:t>
+            </a:r>
+            <a:endParaRPr lang="de-DE" dirty="0"/>
+          </a:p>
+        </p:txBody>
+      </p:sp>
+    </p:spTree>
+    <p:extLst>
+      <p:ext uri="{BB962C8B-B14F-4D97-AF65-F5344CB8AC3E}">
+        <p14:creationId xmlns:p14="http://schemas.microsoft.com/office/powerpoint/2010/main" val="397659059"/>
+      </p:ext>
+    </p:extLst>
+  </p:cSld>
+  <p:clrMapOvr>
+    <a:masterClrMapping/>
+  </p:clrMapOvr>
+  <p:timing>
+    <p:tnLst>
+      <p:par>
+        <p:cTn id="1" dur="indefinite" restart="never" nodeType="tmRoot"/>
+      </p:par>
+    </p:tnLst>
+  </p:timing>
+</p:sld>
+</file>
+
+<file path=ppt/slides/slide19.xml><?xml version="1.0" encoding="utf-8"?>
+<p:sld xmlns:a="http://schemas.openxmlformats.org/drawingml/2006/main" xmlns:r="http://schemas.openxmlformats.org/officeDocument/2006/relationships" xmlns:p="http://schemas.openxmlformats.org/presentationml/2006/main">
+  <p:cSld>
+    <p:spTree>
+      <p:nvGrpSpPr>
+        <p:cNvPr id="1" name=""/>
+        <p:cNvGrpSpPr/>
+        <p:nvPr/>
+      </p:nvGrpSpPr>
+      <p:grpSpPr>
+        <a:xfrm>
+          <a:off x="0" y="0"/>
+          <a:ext cx="0" cy="0"/>
+          <a:chOff x="0" y="0"/>
+          <a:chExt cx="0" cy="0"/>
+        </a:xfrm>
+      </p:grpSpPr>
+      <p:sp>
+        <p:nvSpPr>
+          <p:cNvPr id="2" name="Titel 1"/>
+          <p:cNvSpPr>
+            <a:spLocks noGrp="1"/>
+          </p:cNvSpPr>
+          <p:nvPr>
+            <p:ph type="title"/>
+          </p:nvPr>
+        </p:nvSpPr>
+        <p:spPr/>
+        <p:txBody>
+          <a:bodyPr/>
+          <a:lstStyle/>
+          <a:p>
+            <a:r>
+              <a:rPr lang="de-DE" dirty="0"/>
               <a:t>Schlussfolgerung</a:t>
             </a:r>
           </a:p>
@@ -3722,6 +5506,13 @@
   <p:clrMapOvr>
     <a:masterClrMapping/>
   </p:clrMapOvr>
+  <p:timing>
+    <p:tnLst>
+      <p:par>
+        <p:cTn id="1" dur="indefinite" restart="never" nodeType="tmRoot"/>
+      </p:par>
+    </p:tnLst>
+  </p:timing>
 </p:sld>
 </file>
 
@@ -3837,6 +5628,13 @@
   <p:clrMapOvr>
     <a:masterClrMapping/>
   </p:clrMapOvr>
+  <p:timing>
+    <p:tnLst>
+      <p:par>
+        <p:cTn id="1" dur="indefinite" restart="never" nodeType="tmRoot"/>
+      </p:par>
+    </p:tnLst>
+  </p:timing>
 </p:sld>
 </file>
 
@@ -3938,6 +5736,13 @@
   <p:clrMapOvr>
     <a:masterClrMapping/>
   </p:clrMapOvr>
+  <p:timing>
+    <p:tnLst>
+      <p:par>
+        <p:cTn id="1" dur="indefinite" restart="never" nodeType="tmRoot"/>
+      </p:par>
+    </p:tnLst>
+  </p:timing>
 </p:sld>
 </file>
 
@@ -4123,6 +5928,13 @@
   <p:clrMapOvr>
     <a:masterClrMapping/>
   </p:clrMapOvr>
+  <p:timing>
+    <p:tnLst>
+      <p:par>
+        <p:cTn id="1" dur="indefinite" restart="never" nodeType="tmRoot"/>
+      </p:par>
+    </p:tnLst>
+  </p:timing>
 </p:sld>
 </file>
 
@@ -4247,6 +6059,13 @@
   <p:clrMapOvr>
     <a:masterClrMapping/>
   </p:clrMapOvr>
+  <p:timing>
+    <p:tnLst>
+      <p:par>
+        <p:cTn id="1" dur="indefinite" restart="never" nodeType="tmRoot"/>
+      </p:par>
+    </p:tnLst>
+  </p:timing>
 </p:sld>
 </file>
 
@@ -4333,6 +6152,13 @@
   <p:clrMapOvr>
     <a:masterClrMapping/>
   </p:clrMapOvr>
+  <p:timing>
+    <p:tnLst>
+      <p:par>
+        <p:cTn id="1" dur="indefinite" restart="never" nodeType="tmRoot"/>
+      </p:par>
+    </p:tnLst>
+  </p:timing>
 </p:sld>
 </file>
 
@@ -4446,6 +6272,13 @@
   <p:clrMapOvr>
     <a:masterClrMapping/>
   </p:clrMapOvr>
+  <p:timing>
+    <p:tnLst>
+      <p:par>
+        <p:cTn id="1" dur="indefinite" restart="never" nodeType="tmRoot"/>
+      </p:par>
+    </p:tnLst>
+  </p:timing>
 </p:sld>
 </file>
 
@@ -5552,6 +7385,13 @@
   <p:clrMapOvr>
     <a:masterClrMapping/>
   </p:clrMapOvr>
+  <p:timing>
+    <p:tnLst>
+      <p:par>
+        <p:cTn id="1" dur="indefinite" restart="never" nodeType="tmRoot"/>
+      </p:par>
+    </p:tnLst>
+  </p:timing>
 </p:sld>
 </file>
 
@@ -5814,4 +7654,265 @@
     </a:ext>
   </a:extLst>
 </a:theme>
+</file>
+
+<file path=ppt/theme/theme2.xml><?xml version="1.0" encoding="utf-8"?>
+<a:theme xmlns:a="http://schemas.openxmlformats.org/drawingml/2006/main" name="Office">
+  <a:themeElements>
+    <a:clrScheme name="Office">
+      <a:dk1>
+        <a:sysClr val="windowText" lastClr="000000"/>
+      </a:dk1>
+      <a:lt1>
+        <a:sysClr val="window" lastClr="FFFFFF"/>
+      </a:lt1>
+      <a:dk2>
+        <a:srgbClr val="44546A"/>
+      </a:dk2>
+      <a:lt2>
+        <a:srgbClr val="E7E6E6"/>
+      </a:lt2>
+      <a:accent1>
+        <a:srgbClr val="5B9BD5"/>
+      </a:accent1>
+      <a:accent2>
+        <a:srgbClr val="ED7D31"/>
+      </a:accent2>
+      <a:accent3>
+        <a:srgbClr val="A5A5A5"/>
+      </a:accent3>
+      <a:accent4>
+        <a:srgbClr val="FFC000"/>
+      </a:accent4>
+      <a:accent5>
+        <a:srgbClr val="4472C4"/>
+      </a:accent5>
+      <a:accent6>
+        <a:srgbClr val="70AD47"/>
+      </a:accent6>
+      <a:hlink>
+        <a:srgbClr val="0563C1"/>
+      </a:hlink>
+      <a:folHlink>
+        <a:srgbClr val="954F72"/>
+      </a:folHlink>
+    </a:clrScheme>
+    <a:fontScheme name="Office">
+      <a:majorFont>
+        <a:latin typeface="Calibri Light" panose="020F0302020204030204"/>
+        <a:ea typeface=""/>
+        <a:cs typeface=""/>
+        <a:font script="Jpan" typeface="游ゴシック Light"/>
+        <a:font script="Hang" typeface="맑은 고딕"/>
+        <a:font script="Hans" typeface="等线 Light"/>
+        <a:font script="Hant" typeface="新細明體"/>
+        <a:font script="Arab" typeface="Times New Roman"/>
+        <a:font script="Hebr" typeface="Times New Roman"/>
+        <a:font script="Thai" typeface="Angsana New"/>
+        <a:font script="Ethi" typeface="Nyala"/>
+        <a:font script="Beng" typeface="Vrinda"/>
+        <a:font script="Gujr" typeface="Shruti"/>
+        <a:font script="Khmr" typeface="MoolBoran"/>
+        <a:font script="Knda" typeface="Tunga"/>
+        <a:font script="Guru" typeface="Raavi"/>
+        <a:font script="Cans" typeface="Euphemia"/>
+        <a:font script="Cher" typeface="Plantagenet Cherokee"/>
+        <a:font script="Yiii" typeface="Microsoft Yi Baiti"/>
+        <a:font script="Tibt" typeface="Microsoft Himalaya"/>
+        <a:font script="Thaa" typeface="MV Boli"/>
+        <a:font script="Deva" typeface="Mangal"/>
+        <a:font script="Telu" typeface="Gautami"/>
+        <a:font script="Taml" typeface="Latha"/>
+        <a:font script="Syrc" typeface="Estrangelo Edessa"/>
+        <a:font script="Orya" typeface="Kalinga"/>
+        <a:font script="Mlym" typeface="Kartika"/>
+        <a:font script="Laoo" typeface="DokChampa"/>
+        <a:font script="Sinh" typeface="Iskoola Pota"/>
+        <a:font script="Mong" typeface="Mongolian Baiti"/>
+        <a:font script="Viet" typeface="Times New Roman"/>
+        <a:font script="Uigh" typeface="Microsoft Uighur"/>
+        <a:font script="Geor" typeface="Sylfaen"/>
+      </a:majorFont>
+      <a:minorFont>
+        <a:latin typeface="Calibri" panose="020F0502020204030204"/>
+        <a:ea typeface=""/>
+        <a:cs typeface=""/>
+        <a:font script="Jpan" typeface="游ゴシック"/>
+        <a:font script="Hang" typeface="맑은 고딕"/>
+        <a:font script="Hans" typeface="等线"/>
+        <a:font script="Hant" typeface="新細明體"/>
+        <a:font script="Arab" typeface="Arial"/>
+        <a:font script="Hebr" typeface="Arial"/>
+        <a:font script="Thai" typeface="Cordia New"/>
+        <a:font script="Ethi" typeface="Nyala"/>
+        <a:font script="Beng" typeface="Vrinda"/>
+        <a:font script="Gujr" typeface="Shruti"/>
+        <a:font script="Khmr" typeface="DaunPenh"/>
+        <a:font script="Knda" typeface="Tunga"/>
+        <a:font script="Guru" typeface="Raavi"/>
+        <a:font script="Cans" typeface="Euphemia"/>
+        <a:font script="Cher" typeface="Plantagenet Cherokee"/>
+        <a:font script="Yiii" typeface="Microsoft Yi Baiti"/>
+        <a:font script="Tibt" typeface="Microsoft Himalaya"/>
+        <a:font script="Thaa" typeface="MV Boli"/>
+        <a:font script="Deva" typeface="Mangal"/>
+        <a:font script="Telu" typeface="Gautami"/>
+        <a:font script="Taml" typeface="Latha"/>
+        <a:font script="Syrc" typeface="Estrangelo Edessa"/>
+        <a:font script="Orya" typeface="Kalinga"/>
+        <a:font script="Mlym" typeface="Kartika"/>
+        <a:font script="Laoo" typeface="DokChampa"/>
+        <a:font script="Sinh" typeface="Iskoola Pota"/>
+        <a:font script="Mong" typeface="Mongolian Baiti"/>
+        <a:font script="Viet" typeface="Arial"/>
+        <a:font script="Uigh" typeface="Microsoft Uighur"/>
+        <a:font script="Geor" typeface="Sylfaen"/>
+      </a:minorFont>
+    </a:fontScheme>
+    <a:fmtScheme name="Office">
+      <a:fillStyleLst>
+        <a:solidFill>
+          <a:schemeClr val="phClr"/>
+        </a:solidFill>
+        <a:gradFill rotWithShape="1">
+          <a:gsLst>
+            <a:gs pos="0">
+              <a:schemeClr val="phClr">
+                <a:lumMod val="110000"/>
+                <a:satMod val="105000"/>
+                <a:tint val="67000"/>
+              </a:schemeClr>
+            </a:gs>
+            <a:gs pos="50000">
+              <a:schemeClr val="phClr">
+                <a:lumMod val="105000"/>
+                <a:satMod val="103000"/>
+                <a:tint val="73000"/>
+              </a:schemeClr>
+            </a:gs>
+            <a:gs pos="100000">
+              <a:schemeClr val="phClr">
+                <a:lumMod val="105000"/>
+                <a:satMod val="109000"/>
+                <a:tint val="81000"/>
+              </a:schemeClr>
+            </a:gs>
+          </a:gsLst>
+          <a:lin ang="5400000" scaled="0"/>
+        </a:gradFill>
+        <a:gradFill rotWithShape="1">
+          <a:gsLst>
+            <a:gs pos="0">
+              <a:schemeClr val="phClr">
+                <a:satMod val="103000"/>
+                <a:lumMod val="102000"/>
+                <a:tint val="94000"/>
+              </a:schemeClr>
+            </a:gs>
+            <a:gs pos="50000">
+              <a:schemeClr val="phClr">
+                <a:satMod val="110000"/>
+                <a:lumMod val="100000"/>
+                <a:shade val="100000"/>
+              </a:schemeClr>
+            </a:gs>
+            <a:gs pos="100000">
+              <a:schemeClr val="phClr">
+                <a:lumMod val="99000"/>
+                <a:satMod val="120000"/>
+                <a:shade val="78000"/>
+              </a:schemeClr>
+            </a:gs>
+          </a:gsLst>
+          <a:lin ang="5400000" scaled="0"/>
+        </a:gradFill>
+      </a:fillStyleLst>
+      <a:lnStyleLst>
+        <a:ln w="6350" cap="flat" cmpd="sng" algn="ctr">
+          <a:solidFill>
+            <a:schemeClr val="phClr"/>
+          </a:solidFill>
+          <a:prstDash val="solid"/>
+          <a:miter lim="800000"/>
+        </a:ln>
+        <a:ln w="12700" cap="flat" cmpd="sng" algn="ctr">
+          <a:solidFill>
+            <a:schemeClr val="phClr"/>
+          </a:solidFill>
+          <a:prstDash val="solid"/>
+          <a:miter lim="800000"/>
+        </a:ln>
+        <a:ln w="19050" cap="flat" cmpd="sng" algn="ctr">
+          <a:solidFill>
+            <a:schemeClr val="phClr"/>
+          </a:solidFill>
+          <a:prstDash val="solid"/>
+          <a:miter lim="800000"/>
+        </a:ln>
+      </a:lnStyleLst>
+      <a:effectStyleLst>
+        <a:effectStyle>
+          <a:effectLst/>
+        </a:effectStyle>
+        <a:effectStyle>
+          <a:effectLst/>
+        </a:effectStyle>
+        <a:effectStyle>
+          <a:effectLst>
+            <a:outerShdw blurRad="57150" dist="19050" dir="5400000" algn="ctr" rotWithShape="0">
+              <a:srgbClr val="000000">
+                <a:alpha val="63000"/>
+              </a:srgbClr>
+            </a:outerShdw>
+          </a:effectLst>
+        </a:effectStyle>
+      </a:effectStyleLst>
+      <a:bgFillStyleLst>
+        <a:solidFill>
+          <a:schemeClr val="phClr"/>
+        </a:solidFill>
+        <a:solidFill>
+          <a:schemeClr val="phClr">
+            <a:tint val="95000"/>
+            <a:satMod val="170000"/>
+          </a:schemeClr>
+        </a:solidFill>
+        <a:gradFill rotWithShape="1">
+          <a:gsLst>
+            <a:gs pos="0">
+              <a:schemeClr val="phClr">
+                <a:tint val="93000"/>
+                <a:satMod val="150000"/>
+                <a:shade val="98000"/>
+                <a:lumMod val="102000"/>
+              </a:schemeClr>
+            </a:gs>
+            <a:gs pos="50000">
+              <a:schemeClr val="phClr">
+                <a:tint val="98000"/>
+                <a:satMod val="130000"/>
+                <a:shade val="90000"/>
+                <a:lumMod val="103000"/>
+              </a:schemeClr>
+            </a:gs>
+            <a:gs pos="100000">
+              <a:schemeClr val="phClr">
+                <a:shade val="63000"/>
+                <a:satMod val="120000"/>
+              </a:schemeClr>
+            </a:gs>
+          </a:gsLst>
+          <a:lin ang="5400000" scaled="0"/>
+        </a:gradFill>
+      </a:bgFillStyleLst>
+    </a:fmtScheme>
+  </a:themeElements>
+  <a:objectDefaults/>
+  <a:extraClrSchemeLst/>
+  <a:extLst>
+    <a:ext uri="{05A4C25C-085E-4340-85A3-A5531E510DB2}">
+      <thm15:themeFamily xmlns:thm15="http://schemas.microsoft.com/office/thememl/2012/main" name="Office Theme" id="{62F939B6-93AF-4DB8-9C6B-D6C7DFDC589F}" vid="{4A3C46E8-61CC-4603-A589-7422A47A8E4A}"/>
+    </a:ext>
+  </a:extLst>
+</a:theme>
 </file>
--- a/presentation/Resync Studie.pptx
+++ b/presentation/Resync Studie.pptx
@@ -5,7 +5,7 @@
     <p:sldMasterId id="2147483648" r:id="rId1"/>
   </p:sldMasterIdLst>
   <p:notesMasterIdLst>
-    <p:notesMasterId r:id="rId21"/>
+    <p:notesMasterId r:id="rId25"/>
   </p:notesMasterIdLst>
   <p:sldIdLst>
     <p:sldId id="256" r:id="rId2"/>
@@ -22,11 +22,15 @@
     <p:sldId id="278" r:id="rId13"/>
     <p:sldId id="265" r:id="rId14"/>
     <p:sldId id="264" r:id="rId15"/>
-    <p:sldId id="274" r:id="rId16"/>
-    <p:sldId id="275" r:id="rId17"/>
-    <p:sldId id="276" r:id="rId18"/>
-    <p:sldId id="277" r:id="rId19"/>
-    <p:sldId id="267" r:id="rId20"/>
+    <p:sldId id="279" r:id="rId16"/>
+    <p:sldId id="283" r:id="rId17"/>
+    <p:sldId id="284" r:id="rId18"/>
+    <p:sldId id="280" r:id="rId19"/>
+    <p:sldId id="274" r:id="rId20"/>
+    <p:sldId id="275" r:id="rId21"/>
+    <p:sldId id="276" r:id="rId22"/>
+    <p:sldId id="277" r:id="rId23"/>
+    <p:sldId id="267" r:id="rId24"/>
   </p:sldIdLst>
   <p:sldSz cx="12192000" cy="6858000"/>
   <p:notesSz cx="6858000" cy="9144000"/>
@@ -131,6 +135,2681 @@
     </p:ext>
   </p:extLst>
 </p:presentation>
+</file>
+
+<file path=ppt/charts/chart1.xml><?xml version="1.0" encoding="utf-8"?>
+<c:chartSpace xmlns:c="http://schemas.openxmlformats.org/drawingml/2006/chart" xmlns:a="http://schemas.openxmlformats.org/drawingml/2006/main" xmlns:r="http://schemas.openxmlformats.org/officeDocument/2006/relationships" xmlns:c16r2="http://schemas.microsoft.com/office/drawing/2015/06/chart">
+  <c:date1904 val="0"/>
+  <c:lang val="de-DE"/>
+  <c:roundedCorners val="0"/>
+  <mc:AlternateContent xmlns:mc="http://schemas.openxmlformats.org/markup-compatibility/2006">
+    <mc:Choice xmlns:c14="http://schemas.microsoft.com/office/drawing/2007/8/2/chart" Requires="c14">
+      <c14:style val="102"/>
+    </mc:Choice>
+    <mc:Fallback>
+      <c:style val="2"/>
+    </mc:Fallback>
+  </mc:AlternateContent>
+  <c:chart>
+    <c:title>
+      <c:tx>
+        <c:rich>
+          <a:bodyPr rot="0" spcFirstLastPara="1" vertOverflow="ellipsis" vert="horz" wrap="square" anchor="ctr" anchorCtr="1"/>
+          <a:lstStyle/>
+          <a:p>
+            <a:pPr>
+              <a:defRPr sz="2128" b="1" i="0" u="none" strike="noStrike" kern="1200" baseline="0">
+                <a:solidFill>
+                  <a:schemeClr val="tx2"/>
+                </a:solidFill>
+                <a:latin typeface="+mn-lt"/>
+                <a:ea typeface="+mn-ea"/>
+                <a:cs typeface="+mn-cs"/>
+              </a:defRPr>
+            </a:pPr>
+            <a:r>
+              <a:rPr lang="en-US" sz="2000" b="0" dirty="0" err="1">
+                <a:latin typeface="Futura Lt BT" panose="020B0402020204020303"/>
+              </a:rPr>
+              <a:t>Geschlecht</a:t>
+            </a:r>
+            <a:endParaRPr lang="en-US" b="0" dirty="0">
+              <a:latin typeface="Futura Lt BT" panose="020B0402020204020303"/>
+            </a:endParaRPr>
+          </a:p>
+        </c:rich>
+      </c:tx>
+      <c:layout/>
+      <c:overlay val="0"/>
+      <c:spPr>
+        <a:noFill/>
+        <a:ln>
+          <a:noFill/>
+        </a:ln>
+        <a:effectLst/>
+      </c:spPr>
+      <c:txPr>
+        <a:bodyPr rot="0" spcFirstLastPara="1" vertOverflow="ellipsis" vert="horz" wrap="square" anchor="ctr" anchorCtr="1"/>
+        <a:lstStyle/>
+        <a:p>
+          <a:pPr>
+            <a:defRPr sz="2128" b="1" i="0" u="none" strike="noStrike" kern="1200" baseline="0">
+              <a:solidFill>
+                <a:schemeClr val="tx2"/>
+              </a:solidFill>
+              <a:latin typeface="+mn-lt"/>
+              <a:ea typeface="+mn-ea"/>
+              <a:cs typeface="+mn-cs"/>
+            </a:defRPr>
+          </a:pPr>
+          <a:endParaRPr lang="de-DE"/>
+        </a:p>
+      </c:txPr>
+    </c:title>
+    <c:autoTitleDeleted val="0"/>
+    <c:plotArea>
+      <c:layout/>
+      <c:pieChart>
+        <c:varyColors val="1"/>
+        <c:ser>
+          <c:idx val="0"/>
+          <c:order val="0"/>
+          <c:tx>
+            <c:strRef>
+              <c:f>Tabelle1!$B$1</c:f>
+              <c:strCache>
+                <c:ptCount val="1"/>
+                <c:pt idx="0">
+                  <c:v>Geschlecht</c:v>
+                </c:pt>
+              </c:strCache>
+            </c:strRef>
+          </c:tx>
+          <c:spPr>
+            <a:ln>
+              <a:noFill/>
+            </a:ln>
+          </c:spPr>
+          <c:dPt>
+            <c:idx val="0"/>
+            <c:bubble3D val="0"/>
+            <c:spPr>
+              <a:solidFill>
+                <a:srgbClr val="D53E4F"/>
+              </a:solidFill>
+              <a:ln>
+                <a:noFill/>
+              </a:ln>
+              <a:effectLst/>
+            </c:spPr>
+            <c:extLst>
+              <c:ext xmlns:c16="http://schemas.microsoft.com/office/drawing/2014/chart" uri="{C3380CC4-5D6E-409C-BE32-E72D297353CC}">
+                <c16:uniqueId val="{00000002-AC7F-4C7C-960F-ADB6BDEEF178}"/>
+              </c:ext>
+            </c:extLst>
+          </c:dPt>
+          <c:dPt>
+            <c:idx val="1"/>
+            <c:bubble3D val="0"/>
+            <c:spPr>
+              <a:solidFill>
+                <a:srgbClr val="3288BD"/>
+              </a:solidFill>
+              <a:ln>
+                <a:noFill/>
+              </a:ln>
+              <a:effectLst/>
+            </c:spPr>
+            <c:extLst>
+              <c:ext xmlns:c16="http://schemas.microsoft.com/office/drawing/2014/chart" uri="{C3380CC4-5D6E-409C-BE32-E72D297353CC}">
+                <c16:uniqueId val="{00000001-AC7F-4C7C-960F-ADB6BDEEF178}"/>
+              </c:ext>
+            </c:extLst>
+          </c:dPt>
+          <c:dPt>
+            <c:idx val="2"/>
+            <c:bubble3D val="0"/>
+            <c:spPr>
+              <a:solidFill>
+                <a:srgbClr val="FC8D59"/>
+              </a:solidFill>
+              <a:ln>
+                <a:noFill/>
+              </a:ln>
+              <a:effectLst/>
+            </c:spPr>
+            <c:extLst>
+              <c:ext xmlns:c16="http://schemas.microsoft.com/office/drawing/2014/chart" uri="{C3380CC4-5D6E-409C-BE32-E72D297353CC}">
+                <c16:uniqueId val="{00000003-AC7F-4C7C-960F-ADB6BDEEF178}"/>
+              </c:ext>
+            </c:extLst>
+          </c:dPt>
+          <c:cat>
+            <c:strRef>
+              <c:f>Tabelle1!$A$2:$A$4</c:f>
+              <c:strCache>
+                <c:ptCount val="3"/>
+                <c:pt idx="0">
+                  <c:v>Männlich</c:v>
+                </c:pt>
+                <c:pt idx="1">
+                  <c:v>Weiblich</c:v>
+                </c:pt>
+                <c:pt idx="2">
+                  <c:v>Divers</c:v>
+                </c:pt>
+              </c:strCache>
+            </c:strRef>
+          </c:cat>
+          <c:val>
+            <c:numRef>
+              <c:f>Tabelle1!$B$2:$B$4</c:f>
+              <c:numCache>
+                <c:formatCode>General</c:formatCode>
+                <c:ptCount val="3"/>
+                <c:pt idx="0">
+                  <c:v>33</c:v>
+                </c:pt>
+                <c:pt idx="1">
+                  <c:v>12</c:v>
+                </c:pt>
+                <c:pt idx="2">
+                  <c:v>0</c:v>
+                </c:pt>
+              </c:numCache>
+            </c:numRef>
+          </c:val>
+          <c:extLst>
+            <c:ext xmlns:c16="http://schemas.microsoft.com/office/drawing/2014/chart" uri="{C3380CC4-5D6E-409C-BE32-E72D297353CC}">
+              <c16:uniqueId val="{00000000-AC7F-4C7C-960F-ADB6BDEEF178}"/>
+            </c:ext>
+          </c:extLst>
+        </c:ser>
+        <c:dLbls>
+          <c:showLegendKey val="0"/>
+          <c:showVal val="0"/>
+          <c:showCatName val="0"/>
+          <c:showSerName val="0"/>
+          <c:showPercent val="0"/>
+          <c:showBubbleSize val="0"/>
+          <c:showLeaderLines val="1"/>
+        </c:dLbls>
+        <c:firstSliceAng val="0"/>
+      </c:pieChart>
+      <c:spPr>
+        <a:noFill/>
+        <a:ln>
+          <a:noFill/>
+        </a:ln>
+        <a:effectLst/>
+      </c:spPr>
+    </c:plotArea>
+    <c:legend>
+      <c:legendPos val="b"/>
+      <c:layout/>
+      <c:overlay val="0"/>
+      <c:spPr>
+        <a:noFill/>
+        <a:ln>
+          <a:noFill/>
+        </a:ln>
+        <a:effectLst/>
+      </c:spPr>
+      <c:txPr>
+        <a:bodyPr rot="0" spcFirstLastPara="1" vertOverflow="ellipsis" vert="horz" wrap="square" anchor="ctr" anchorCtr="1"/>
+        <a:lstStyle/>
+        <a:p>
+          <a:pPr>
+            <a:defRPr sz="1197" b="0" i="0" u="none" strike="noStrike" kern="1200" baseline="0">
+              <a:solidFill>
+                <a:schemeClr val="tx2"/>
+              </a:solidFill>
+              <a:latin typeface="+mn-lt"/>
+              <a:ea typeface="+mn-ea"/>
+              <a:cs typeface="+mn-cs"/>
+            </a:defRPr>
+          </a:pPr>
+          <a:endParaRPr lang="de-DE"/>
+        </a:p>
+      </c:txPr>
+    </c:legend>
+    <c:plotVisOnly val="1"/>
+    <c:dispBlanksAs val="gap"/>
+    <c:showDLblsOverMax val="0"/>
+  </c:chart>
+  <c:spPr>
+    <a:noFill/>
+    <a:ln>
+      <a:noFill/>
+    </a:ln>
+    <a:effectLst/>
+  </c:spPr>
+  <c:txPr>
+    <a:bodyPr/>
+    <a:lstStyle/>
+    <a:p>
+      <a:pPr>
+        <a:defRPr/>
+      </a:pPr>
+      <a:endParaRPr lang="de-DE"/>
+    </a:p>
+  </c:txPr>
+  <c:externalData r:id="rId3">
+    <c:autoUpdate val="0"/>
+  </c:externalData>
+</c:chartSpace>
+</file>
+
+<file path=ppt/charts/chart2.xml><?xml version="1.0" encoding="utf-8"?>
+<cx:chartSpace xmlns:a="http://schemas.openxmlformats.org/drawingml/2006/main" xmlns:r="http://schemas.openxmlformats.org/officeDocument/2006/relationships" xmlns:cx="http://schemas.microsoft.com/office/drawing/2014/chartex">
+  <cx:chartData>
+    <cx:data id="0">
+      <cx:strDim type="cat">
+        <cx:f>Tabelle1!$A$2:$A$46</cx:f>
+        <cx:lvl ptCount="45">
+          <cx:pt idx="0">Alter</cx:pt>
+          <cx:pt idx="1">Alter</cx:pt>
+          <cx:pt idx="2">Alter</cx:pt>
+          <cx:pt idx="3">Alter</cx:pt>
+          <cx:pt idx="4">Alter</cx:pt>
+          <cx:pt idx="5">Alter</cx:pt>
+          <cx:pt idx="6">Alter</cx:pt>
+          <cx:pt idx="7">Alter</cx:pt>
+          <cx:pt idx="8">Alter</cx:pt>
+          <cx:pt idx="9">Alter</cx:pt>
+          <cx:pt idx="10">Alter</cx:pt>
+          <cx:pt idx="11">Alter</cx:pt>
+          <cx:pt idx="12">Alter</cx:pt>
+          <cx:pt idx="13">Alter</cx:pt>
+          <cx:pt idx="14">Alter</cx:pt>
+          <cx:pt idx="15">Alter</cx:pt>
+          <cx:pt idx="16">Alter</cx:pt>
+          <cx:pt idx="17">Alter</cx:pt>
+          <cx:pt idx="18">Alter</cx:pt>
+          <cx:pt idx="19">Alter</cx:pt>
+          <cx:pt idx="20">Alter</cx:pt>
+          <cx:pt idx="21">Alter</cx:pt>
+          <cx:pt idx="22">Alter</cx:pt>
+          <cx:pt idx="23">Alter</cx:pt>
+          <cx:pt idx="24">Alter</cx:pt>
+          <cx:pt idx="25">Alter</cx:pt>
+          <cx:pt idx="26">Alter</cx:pt>
+          <cx:pt idx="27">Alter</cx:pt>
+          <cx:pt idx="28">Alter</cx:pt>
+          <cx:pt idx="29">Alter</cx:pt>
+          <cx:pt idx="30">Alter</cx:pt>
+          <cx:pt idx="31">Alter</cx:pt>
+          <cx:pt idx="32">Alter</cx:pt>
+          <cx:pt idx="33">Alter</cx:pt>
+          <cx:pt idx="34">Alter</cx:pt>
+          <cx:pt idx="35">Alter</cx:pt>
+          <cx:pt idx="36">Alter</cx:pt>
+          <cx:pt idx="37">Alter</cx:pt>
+          <cx:pt idx="38">Alter</cx:pt>
+          <cx:pt idx="39">Alter</cx:pt>
+          <cx:pt idx="40">Alter</cx:pt>
+          <cx:pt idx="41">Alter</cx:pt>
+          <cx:pt idx="42">Alter</cx:pt>
+          <cx:pt idx="43">Alter</cx:pt>
+          <cx:pt idx="44">Alter</cx:pt>
+        </cx:lvl>
+      </cx:strDim>
+      <cx:numDim type="val">
+        <cx:f>Tabelle1!$B$2:$B$46</cx:f>
+        <cx:lvl ptCount="45" formatCode="Standard">
+          <cx:pt idx="0">23</cx:pt>
+          <cx:pt idx="1">25</cx:pt>
+          <cx:pt idx="2">25</cx:pt>
+          <cx:pt idx="3">21</cx:pt>
+          <cx:pt idx="4">22</cx:pt>
+          <cx:pt idx="5">20</cx:pt>
+          <cx:pt idx="6">26</cx:pt>
+          <cx:pt idx="7">22</cx:pt>
+          <cx:pt idx="8">22</cx:pt>
+          <cx:pt idx="9">21</cx:pt>
+          <cx:pt idx="10">23</cx:pt>
+          <cx:pt idx="11">23</cx:pt>
+          <cx:pt idx="12">24</cx:pt>
+          <cx:pt idx="13">23</cx:pt>
+          <cx:pt idx="14">26</cx:pt>
+          <cx:pt idx="15">21</cx:pt>
+          <cx:pt idx="16">21</cx:pt>
+          <cx:pt idx="17">21</cx:pt>
+          <cx:pt idx="18">27</cx:pt>
+          <cx:pt idx="19">23</cx:pt>
+          <cx:pt idx="20">28</cx:pt>
+          <cx:pt idx="21">23</cx:pt>
+          <cx:pt idx="22">20</cx:pt>
+          <cx:pt idx="23">22</cx:pt>
+          <cx:pt idx="24">20</cx:pt>
+          <cx:pt idx="25">20</cx:pt>
+          <cx:pt idx="26">21</cx:pt>
+          <cx:pt idx="27">22</cx:pt>
+          <cx:pt idx="28">26</cx:pt>
+          <cx:pt idx="29">21</cx:pt>
+          <cx:pt idx="30">20</cx:pt>
+          <cx:pt idx="31">21</cx:pt>
+          <cx:pt idx="32">19</cx:pt>
+          <cx:pt idx="33">21</cx:pt>
+          <cx:pt idx="34">21</cx:pt>
+          <cx:pt idx="35">24</cx:pt>
+          <cx:pt idx="36">22</cx:pt>
+          <cx:pt idx="37">25</cx:pt>
+          <cx:pt idx="38">25</cx:pt>
+          <cx:pt idx="39">24</cx:pt>
+          <cx:pt idx="40">25</cx:pt>
+          <cx:pt idx="41">28</cx:pt>
+          <cx:pt idx="42">26</cx:pt>
+          <cx:pt idx="43">24</cx:pt>
+          <cx:pt idx="44">30</cx:pt>
+        </cx:lvl>
+      </cx:numDim>
+    </cx:data>
+  </cx:chartData>
+  <cx:chart>
+    <cx:title pos="t" align="ctr" overlay="0">
+      <cx:tx>
+        <cx:rich>
+          <a:bodyPr rot="0" spcFirstLastPara="1" vertOverflow="ellipsis" vert="horz" wrap="square" lIns="0" tIns="0" rIns="0" bIns="0" anchor="ctr" anchorCtr="1"/>
+          <a:lstStyle/>
+          <a:p>
+            <a:pPr algn="ctr">
+              <a:defRPr/>
+            </a:pPr>
+            <a:r>
+              <a:rPr lang="de-DE" sz="2000" dirty="0" smtClean="0">
+                <a:solidFill>
+                  <a:srgbClr val="44546A"/>
+                </a:solidFill>
+                <a:latin typeface="Futura Lt BT" panose="020B0402020204020303"/>
+              </a:rPr>
+              <a:t>Teilnehmeralter</a:t>
+            </a:r>
+            <a:endParaRPr lang="de-DE" sz="2000" dirty="0">
+              <a:solidFill>
+                <a:srgbClr val="44546A"/>
+              </a:solidFill>
+              <a:latin typeface="Futura Lt BT" panose="020B0402020204020303"/>
+            </a:endParaRPr>
+          </a:p>
+        </cx:rich>
+      </cx:tx>
+    </cx:title>
+    <cx:plotArea>
+      <cx:plotAreaRegion>
+        <cx:series layoutId="boxWhisker" uniqueId="{CC58AE55-BFF7-468A-A7E3-B588CF9A5CC5}" formatIdx="0">
+          <cx:tx>
+            <cx:txData>
+              <cx:f>Tabelle1!$B$1</cx:f>
+              <cx:v>Datenreihe1</cx:v>
+            </cx:txData>
+          </cx:tx>
+          <cx:spPr>
+            <a:solidFill>
+              <a:srgbClr val="FC8D59"/>
+            </a:solidFill>
+          </cx:spPr>
+          <cx:dataId val="0"/>
+          <cx:layoutPr>
+            <cx:visibility meanLine="0" meanMarker="1" nonoutliers="0" outliers="1"/>
+            <cx:statistics quartileMethod="exclusive"/>
+          </cx:layoutPr>
+        </cx:series>
+      </cx:plotAreaRegion>
+      <cx:axis id="0">
+        <cx:catScaling gapWidth="0.469999999"/>
+        <cx:tickLabels/>
+        <cx:txPr>
+          <a:bodyPr rot="-60000000" spcFirstLastPara="1" vertOverflow="ellipsis" vert="horz" wrap="square" lIns="0" tIns="0" rIns="0" bIns="0" anchor="ctr" anchorCtr="1"/>
+          <a:lstStyle/>
+          <a:p>
+            <a:pPr>
+              <a:defRPr>
+                <a:solidFill>
+                  <a:srgbClr val="44546A"/>
+                </a:solidFill>
+              </a:defRPr>
+            </a:pPr>
+            <a:endParaRPr lang="de-DE">
+              <a:solidFill>
+                <a:srgbClr val="44546A"/>
+              </a:solidFill>
+            </a:endParaRPr>
+          </a:p>
+        </cx:txPr>
+      </cx:axis>
+      <cx:axis id="1">
+        <cx:valScaling/>
+        <cx:majorGridlines>
+          <cx:spPr>
+            <a:effectLst>
+              <a:outerShdw blurRad="50800" dist="50800" algn="ctr" rotWithShape="0">
+                <a:srgbClr val="000000">
+                  <a:alpha val="43137"/>
+                </a:srgbClr>
+              </a:outerShdw>
+            </a:effectLst>
+          </cx:spPr>
+        </cx:majorGridlines>
+        <cx:tickLabels/>
+        <cx:txPr>
+          <a:bodyPr rot="-60000000" spcFirstLastPara="1" vertOverflow="ellipsis" vert="horz" wrap="square" lIns="0" tIns="0" rIns="0" bIns="0" anchor="ctr" anchorCtr="1"/>
+          <a:lstStyle/>
+          <a:p>
+            <a:pPr>
+              <a:defRPr>
+                <a:solidFill>
+                  <a:srgbClr val="44546A"/>
+                </a:solidFill>
+              </a:defRPr>
+            </a:pPr>
+            <a:endParaRPr lang="de-DE">
+              <a:solidFill>
+                <a:srgbClr val="44546A"/>
+              </a:solidFill>
+            </a:endParaRPr>
+          </a:p>
+        </cx:txPr>
+      </cx:axis>
+    </cx:plotArea>
+  </cx:chart>
+</cx:chartSpace>
+</file>
+
+<file path=ppt/charts/chart3.xml><?xml version="1.0" encoding="utf-8"?>
+<cx:chartSpace xmlns:a="http://schemas.openxmlformats.org/drawingml/2006/main" xmlns:r="http://schemas.openxmlformats.org/officeDocument/2006/relationships" xmlns:cx="http://schemas.microsoft.com/office/drawing/2014/chartex">
+  <cx:chartData>
+    <cx:externalData r:id="rId1" cx:autoUpdate="0"/>
+    <cx:data id="0">
+      <cx:strDim type="cat">
+        <cx:f>Tabelle1!$A$2:$A$46</cx:f>
+        <cx:lvl ptCount="45">
+          <cx:pt idx="0">20</cx:pt>
+          <cx:pt idx="1">20</cx:pt>
+          <cx:pt idx="2">20</cx:pt>
+          <cx:pt idx="3">20</cx:pt>
+          <cx:pt idx="4">5</cx:pt>
+          <cx:pt idx="5">5</cx:pt>
+          <cx:pt idx="6">5</cx:pt>
+          <cx:pt idx="7">20</cx:pt>
+          <cx:pt idx="8">20</cx:pt>
+          <cx:pt idx="9">5</cx:pt>
+          <cx:pt idx="10">20</cx:pt>
+          <cx:pt idx="11">5</cx:pt>
+          <cx:pt idx="12">20</cx:pt>
+          <cx:pt idx="13">5</cx:pt>
+          <cx:pt idx="14">5</cx:pt>
+          <cx:pt idx="15">20</cx:pt>
+          <cx:pt idx="16">5</cx:pt>
+          <cx:pt idx="17">5</cx:pt>
+          <cx:pt idx="18">20</cx:pt>
+          <cx:pt idx="19">5</cx:pt>
+          <cx:pt idx="20">20</cx:pt>
+          <cx:pt idx="21">5</cx:pt>
+          <cx:pt idx="22">5</cx:pt>
+          <cx:pt idx="23">20</cx:pt>
+          <cx:pt idx="24">5</cx:pt>
+          <cx:pt idx="25">5</cx:pt>
+          <cx:pt idx="26">20</cx:pt>
+          <cx:pt idx="27">20</cx:pt>
+          <cx:pt idx="28">20</cx:pt>
+          <cx:pt idx="29">5</cx:pt>
+          <cx:pt idx="30">-1</cx:pt>
+          <cx:pt idx="31">-1</cx:pt>
+          <cx:pt idx="32">-1</cx:pt>
+          <cx:pt idx="33">-1</cx:pt>
+          <cx:pt idx="34">-1</cx:pt>
+          <cx:pt idx="35">-1</cx:pt>
+          <cx:pt idx="36">-1</cx:pt>
+          <cx:pt idx="37">-1</cx:pt>
+          <cx:pt idx="38">-1</cx:pt>
+          <cx:pt idx="39">-1</cx:pt>
+          <cx:pt idx="40">-1</cx:pt>
+          <cx:pt idx="41">-1</cx:pt>
+          <cx:pt idx="42">-1</cx:pt>
+          <cx:pt idx="43">-1</cx:pt>
+          <cx:pt idx="44">-1</cx:pt>
+        </cx:lvl>
+      </cx:strDim>
+      <cx:numDim type="val">
+        <cx:f>Tabelle1!$B$2:$B$46</cx:f>
+        <cx:lvl ptCount="45" formatCode="Standard">
+          <cx:pt idx="0">4</cx:pt>
+          <cx:pt idx="1">5</cx:pt>
+          <cx:pt idx="2">4</cx:pt>
+          <cx:pt idx="3">4</cx:pt>
+          <cx:pt idx="4">5</cx:pt>
+          <cx:pt idx="5">5</cx:pt>
+          <cx:pt idx="6">3</cx:pt>
+          <cx:pt idx="7">4</cx:pt>
+          <cx:pt idx="8">4</cx:pt>
+          <cx:pt idx="9">4</cx:pt>
+          <cx:pt idx="10">4</cx:pt>
+          <cx:pt idx="11">4</cx:pt>
+          <cx:pt idx="12">4</cx:pt>
+          <cx:pt idx="13">2</cx:pt>
+          <cx:pt idx="14">4</cx:pt>
+          <cx:pt idx="15">4</cx:pt>
+          <cx:pt idx="16">4</cx:pt>
+          <cx:pt idx="17">5</cx:pt>
+          <cx:pt idx="18">4</cx:pt>
+          <cx:pt idx="19">4</cx:pt>
+          <cx:pt idx="20">5</cx:pt>
+          <cx:pt idx="21">4</cx:pt>
+          <cx:pt idx="22">5</cx:pt>
+          <cx:pt idx="23">4</cx:pt>
+          <cx:pt idx="24">5</cx:pt>
+          <cx:pt idx="25">5</cx:pt>
+          <cx:pt idx="26">3</cx:pt>
+          <cx:pt idx="27">5</cx:pt>
+          <cx:pt idx="28">5</cx:pt>
+          <cx:pt idx="29">4</cx:pt>
+          <cx:pt idx="30">4</cx:pt>
+          <cx:pt idx="31">4</cx:pt>
+          <cx:pt idx="32">4</cx:pt>
+          <cx:pt idx="33">4</cx:pt>
+          <cx:pt idx="34">3</cx:pt>
+          <cx:pt idx="35">3</cx:pt>
+          <cx:pt idx="36">4</cx:pt>
+          <cx:pt idx="37">4</cx:pt>
+          <cx:pt idx="38">4</cx:pt>
+          <cx:pt idx="39">4</cx:pt>
+          <cx:pt idx="40">4</cx:pt>
+          <cx:pt idx="41">5</cx:pt>
+          <cx:pt idx="42">4</cx:pt>
+          <cx:pt idx="43">4</cx:pt>
+          <cx:pt idx="44">5</cx:pt>
+        </cx:lvl>
+      </cx:numDim>
+    </cx:data>
+    <cx:data id="1">
+      <cx:numDim type="val">
+        <cx:f>Tabelle1!$C$2:$C$46</cx:f>
+        <cx:lvl ptCount="45" formatCode="Standard">
+          <cx:pt idx="0">3</cx:pt>
+          <cx:pt idx="1">2</cx:pt>
+          <cx:pt idx="2">1</cx:pt>
+          <cx:pt idx="3">1</cx:pt>
+          <cx:pt idx="4">1</cx:pt>
+          <cx:pt idx="5">1</cx:pt>
+          <cx:pt idx="6">2</cx:pt>
+          <cx:pt idx="7">3</cx:pt>
+          <cx:pt idx="8">3</cx:pt>
+          <cx:pt idx="9">2</cx:pt>
+          <cx:pt idx="10">1</cx:pt>
+          <cx:pt idx="11">2</cx:pt>
+          <cx:pt idx="12">1</cx:pt>
+          <cx:pt idx="13">5</cx:pt>
+          <cx:pt idx="14">3</cx:pt>
+          <cx:pt idx="15">3</cx:pt>
+          <cx:pt idx="16">3</cx:pt>
+          <cx:pt idx="17">3</cx:pt>
+          <cx:pt idx="18">2</cx:pt>
+          <cx:pt idx="19">3</cx:pt>
+          <cx:pt idx="20">3</cx:pt>
+          <cx:pt idx="21">2</cx:pt>
+          <cx:pt idx="22">2</cx:pt>
+          <cx:pt idx="23">1</cx:pt>
+          <cx:pt idx="24">2</cx:pt>
+          <cx:pt idx="25">2</cx:pt>
+          <cx:pt idx="26">1</cx:pt>
+          <cx:pt idx="27">2</cx:pt>
+          <cx:pt idx="28">4</cx:pt>
+          <cx:pt idx="29">2</cx:pt>
+          <cx:pt idx="30">3</cx:pt>
+          <cx:pt idx="31">2</cx:pt>
+          <cx:pt idx="32">1</cx:pt>
+          <cx:pt idx="33">2</cx:pt>
+          <cx:pt idx="34">3</cx:pt>
+          <cx:pt idx="35">4</cx:pt>
+          <cx:pt idx="36">3</cx:pt>
+          <cx:pt idx="37">2</cx:pt>
+          <cx:pt idx="38">4</cx:pt>
+          <cx:pt idx="39">3</cx:pt>
+          <cx:pt idx="40">2</cx:pt>
+          <cx:pt idx="41">2</cx:pt>
+          <cx:pt idx="42">3</cx:pt>
+          <cx:pt idx="43">3</cx:pt>
+          <cx:pt idx="44">1</cx:pt>
+        </cx:lvl>
+      </cx:numDim>
+    </cx:data>
+    <cx:data id="2">
+      <cx:numDim type="val">
+        <cx:f>Tabelle1!$D$2:$D$46</cx:f>
+        <cx:lvl ptCount="45" formatCode="Standard">
+          <cx:pt idx="0">5</cx:pt>
+          <cx:pt idx="1">3</cx:pt>
+          <cx:pt idx="2">5</cx:pt>
+          <cx:pt idx="3">3</cx:pt>
+          <cx:pt idx="4">5</cx:pt>
+          <cx:pt idx="5">1</cx:pt>
+          <cx:pt idx="6">3</cx:pt>
+          <cx:pt idx="7">3</cx:pt>
+          <cx:pt idx="8">3</cx:pt>
+          <cx:pt idx="9">2</cx:pt>
+          <cx:pt idx="10">4</cx:pt>
+          <cx:pt idx="11">4</cx:pt>
+          <cx:pt idx="12">4</cx:pt>
+          <cx:pt idx="13">3</cx:pt>
+          <cx:pt idx="14">3</cx:pt>
+          <cx:pt idx="15">3</cx:pt>
+          <cx:pt idx="16">3</cx:pt>
+          <cx:pt idx="17">4</cx:pt>
+          <cx:pt idx="18">3</cx:pt>
+          <cx:pt idx="19">2</cx:pt>
+          <cx:pt idx="20">3</cx:pt>
+          <cx:pt idx="21">4</cx:pt>
+          <cx:pt idx="22">3</cx:pt>
+          <cx:pt idx="23">3</cx:pt>
+          <cx:pt idx="24">3</cx:pt>
+          <cx:pt idx="25">3</cx:pt>
+          <cx:pt idx="26">2</cx:pt>
+          <cx:pt idx="27">3</cx:pt>
+          <cx:pt idx="28">2</cx:pt>
+          <cx:pt idx="29">3</cx:pt>
+          <cx:pt idx="30">4</cx:pt>
+          <cx:pt idx="31">3</cx:pt>
+          <cx:pt idx="32">3</cx:pt>
+          <cx:pt idx="33">2</cx:pt>
+          <cx:pt idx="34">3</cx:pt>
+          <cx:pt idx="35">3</cx:pt>
+          <cx:pt idx="36">5</cx:pt>
+          <cx:pt idx="37">4</cx:pt>
+          <cx:pt idx="38">3</cx:pt>
+          <cx:pt idx="39">3</cx:pt>
+          <cx:pt idx="40">3</cx:pt>
+          <cx:pt idx="41">3</cx:pt>
+          <cx:pt idx="42">3</cx:pt>
+          <cx:pt idx="43">2</cx:pt>
+          <cx:pt idx="44">5</cx:pt>
+        </cx:lvl>
+      </cx:numDim>
+    </cx:data>
+    <cx:data id="3">
+      <cx:numDim type="val">
+        <cx:f>Tabelle1!$E$2:$E$46</cx:f>
+        <cx:lvl ptCount="45" formatCode="Standard">
+          <cx:pt idx="0">3</cx:pt>
+          <cx:pt idx="1">4</cx:pt>
+          <cx:pt idx="2">4</cx:pt>
+          <cx:pt idx="3">4</cx:pt>
+          <cx:pt idx="4">3</cx:pt>
+          <cx:pt idx="5">5</cx:pt>
+          <cx:pt idx="6">4</cx:pt>
+          <cx:pt idx="7">4</cx:pt>
+          <cx:pt idx="8">4</cx:pt>
+          <cx:pt idx="9">3</cx:pt>
+          <cx:pt idx="10">3</cx:pt>
+          <cx:pt idx="11">4</cx:pt>
+          <cx:pt idx="12">5</cx:pt>
+          <cx:pt idx="13">2</cx:pt>
+          <cx:pt idx="14">4</cx:pt>
+          <cx:pt idx="15">4</cx:pt>
+          <cx:pt idx="16">3</cx:pt>
+          <cx:pt idx="17">5</cx:pt>
+          <cx:pt idx="18">4</cx:pt>
+          <cx:pt idx="19">4</cx:pt>
+          <cx:pt idx="20">5</cx:pt>
+          <cx:pt idx="21">4</cx:pt>
+          <cx:pt idx="22">4</cx:pt>
+          <cx:pt idx="23">4</cx:pt>
+          <cx:pt idx="24">3</cx:pt>
+          <cx:pt idx="25">4</cx:pt>
+          <cx:pt idx="26">3</cx:pt>
+          <cx:pt idx="27">4</cx:pt>
+          <cx:pt idx="28">4</cx:pt>
+          <cx:pt idx="29">4</cx:pt>
+          <cx:pt idx="30">4</cx:pt>
+          <cx:pt idx="31">4</cx:pt>
+          <cx:pt idx="32">4</cx:pt>
+          <cx:pt idx="33">4</cx:pt>
+          <cx:pt idx="34">2</cx:pt>
+          <cx:pt idx="35">3</cx:pt>
+          <cx:pt idx="36">4</cx:pt>
+          <cx:pt idx="37">4</cx:pt>
+          <cx:pt idx="38">4</cx:pt>
+          <cx:pt idx="39">4</cx:pt>
+          <cx:pt idx="40">4</cx:pt>
+          <cx:pt idx="41">5</cx:pt>
+          <cx:pt idx="42">4</cx:pt>
+          <cx:pt idx="43">4</cx:pt>
+          <cx:pt idx="44">4</cx:pt>
+        </cx:lvl>
+      </cx:numDim>
+    </cx:data>
+    <cx:data id="4">
+      <cx:numDim type="val">
+        <cx:f>Tabelle1!$F$2:$F$46</cx:f>
+        <cx:lvl ptCount="45" formatCode="Standard">
+          <cx:pt idx="0">2</cx:pt>
+          <cx:pt idx="1">1</cx:pt>
+          <cx:pt idx="2">1</cx:pt>
+          <cx:pt idx="3">1</cx:pt>
+          <cx:pt idx="4">1</cx:pt>
+          <cx:pt idx="5">1</cx:pt>
+          <cx:pt idx="6">2</cx:pt>
+          <cx:pt idx="7">3</cx:pt>
+          <cx:pt idx="8">2</cx:pt>
+          <cx:pt idx="9">1</cx:pt>
+          <cx:pt idx="10">2</cx:pt>
+          <cx:pt idx="11">2</cx:pt>
+          <cx:pt idx="12">1</cx:pt>
+          <cx:pt idx="13">2</cx:pt>
+          <cx:pt idx="14">4</cx:pt>
+          <cx:pt idx="15">2</cx:pt>
+          <cx:pt idx="16">1</cx:pt>
+          <cx:pt idx="17">3</cx:pt>
+          <cx:pt idx="18">1</cx:pt>
+          <cx:pt idx="19">2</cx:pt>
+          <cx:pt idx="20">2</cx:pt>
+          <cx:pt idx="21">1</cx:pt>
+          <cx:pt idx="22">3</cx:pt>
+          <cx:pt idx="23">1</cx:pt>
+          <cx:pt idx="24">1</cx:pt>
+          <cx:pt idx="25">2</cx:pt>
+          <cx:pt idx="26">1</cx:pt>
+          <cx:pt idx="27">1</cx:pt>
+          <cx:pt idx="28">2</cx:pt>
+          <cx:pt idx="29">3</cx:pt>
+          <cx:pt idx="30">3</cx:pt>
+          <cx:pt idx="31">1</cx:pt>
+          <cx:pt idx="32">2</cx:pt>
+          <cx:pt idx="33">1</cx:pt>
+          <cx:pt idx="34">2</cx:pt>
+          <cx:pt idx="35">3</cx:pt>
+          <cx:pt idx="36">2</cx:pt>
+          <cx:pt idx="37">1</cx:pt>
+          <cx:pt idx="38">2</cx:pt>
+          <cx:pt idx="39">2</cx:pt>
+          <cx:pt idx="40">3</cx:pt>
+          <cx:pt idx="41">1</cx:pt>
+          <cx:pt idx="42">4</cx:pt>
+          <cx:pt idx="43">2</cx:pt>
+          <cx:pt idx="44">1</cx:pt>
+        </cx:lvl>
+      </cx:numDim>
+    </cx:data>
+    <cx:data id="5">
+      <cx:strDim type="cat">
+        <cx:f>Tabelle1!$A$2:$A$46</cx:f>
+        <cx:lvl ptCount="45">
+          <cx:pt idx="0">20</cx:pt>
+          <cx:pt idx="1">20</cx:pt>
+          <cx:pt idx="2">20</cx:pt>
+          <cx:pt idx="3">20</cx:pt>
+          <cx:pt idx="4">5</cx:pt>
+          <cx:pt idx="5">5</cx:pt>
+          <cx:pt idx="6">5</cx:pt>
+          <cx:pt idx="7">20</cx:pt>
+          <cx:pt idx="8">20</cx:pt>
+          <cx:pt idx="9">5</cx:pt>
+          <cx:pt idx="10">20</cx:pt>
+          <cx:pt idx="11">5</cx:pt>
+          <cx:pt idx="12">20</cx:pt>
+          <cx:pt idx="13">5</cx:pt>
+          <cx:pt idx="14">5</cx:pt>
+          <cx:pt idx="15">20</cx:pt>
+          <cx:pt idx="16">5</cx:pt>
+          <cx:pt idx="17">5</cx:pt>
+          <cx:pt idx="18">20</cx:pt>
+          <cx:pt idx="19">5</cx:pt>
+          <cx:pt idx="20">20</cx:pt>
+          <cx:pt idx="21">5</cx:pt>
+          <cx:pt idx="22">5</cx:pt>
+          <cx:pt idx="23">20</cx:pt>
+          <cx:pt idx="24">5</cx:pt>
+          <cx:pt idx="25">5</cx:pt>
+          <cx:pt idx="26">20</cx:pt>
+          <cx:pt idx="27">20</cx:pt>
+          <cx:pt idx="28">20</cx:pt>
+          <cx:pt idx="29">5</cx:pt>
+          <cx:pt idx="30">-1</cx:pt>
+          <cx:pt idx="31">-1</cx:pt>
+          <cx:pt idx="32">-1</cx:pt>
+          <cx:pt idx="33">-1</cx:pt>
+          <cx:pt idx="34">-1</cx:pt>
+          <cx:pt idx="35">-1</cx:pt>
+          <cx:pt idx="36">-1</cx:pt>
+          <cx:pt idx="37">-1</cx:pt>
+          <cx:pt idx="38">-1</cx:pt>
+          <cx:pt idx="39">-1</cx:pt>
+          <cx:pt idx="40">-1</cx:pt>
+          <cx:pt idx="41">-1</cx:pt>
+          <cx:pt idx="42">-1</cx:pt>
+          <cx:pt idx="43">-1</cx:pt>
+          <cx:pt idx="44">-1</cx:pt>
+        </cx:lvl>
+      </cx:strDim>
+      <cx:numDim type="val">
+        <cx:f>Tabelle1!$G$2:$G$46</cx:f>
+        <cx:lvl ptCount="45" formatCode="Standard">
+          <cx:pt idx="0">3</cx:pt>
+          <cx:pt idx="1">3</cx:pt>
+          <cx:pt idx="2">5</cx:pt>
+          <cx:pt idx="3">3</cx:pt>
+          <cx:pt idx="4">3</cx:pt>
+          <cx:pt idx="5">2</cx:pt>
+          <cx:pt idx="6">3</cx:pt>
+          <cx:pt idx="7">3</cx:pt>
+          <cx:pt idx="8">3</cx:pt>
+          <cx:pt idx="9">3</cx:pt>
+          <cx:pt idx="10">3</cx:pt>
+          <cx:pt idx="11">4</cx:pt>
+          <cx:pt idx="12">4</cx:pt>
+          <cx:pt idx="13">1</cx:pt>
+          <cx:pt idx="14">3</cx:pt>
+          <cx:pt idx="15">2</cx:pt>
+          <cx:pt idx="16">2</cx:pt>
+          <cx:pt idx="17">3</cx:pt>
+          <cx:pt idx="18">2</cx:pt>
+          <cx:pt idx="19">2</cx:pt>
+          <cx:pt idx="20">2</cx:pt>
+          <cx:pt idx="21">3</cx:pt>
+          <cx:pt idx="22">3</cx:pt>
+          <cx:pt idx="23">2</cx:pt>
+          <cx:pt idx="24">2</cx:pt>
+          <cx:pt idx="25">3</cx:pt>
+          <cx:pt idx="26">2</cx:pt>
+          <cx:pt idx="27">2</cx:pt>
+          <cx:pt idx="28">3</cx:pt>
+          <cx:pt idx="29">3</cx:pt>
+          <cx:pt idx="30">4</cx:pt>
+          <cx:pt idx="31">2</cx:pt>
+          <cx:pt idx="32">3</cx:pt>
+          <cx:pt idx="33">2</cx:pt>
+          <cx:pt idx="34">2</cx:pt>
+          <cx:pt idx="35">3</cx:pt>
+          <cx:pt idx="36">2</cx:pt>
+          <cx:pt idx="37">3</cx:pt>
+          <cx:pt idx="38">2</cx:pt>
+          <cx:pt idx="39">3</cx:pt>
+          <cx:pt idx="40">2</cx:pt>
+          <cx:pt idx="41">3</cx:pt>
+          <cx:pt idx="42">2</cx:pt>
+          <cx:pt idx="43">2</cx:pt>
+          <cx:pt idx="44">5</cx:pt>
+        </cx:lvl>
+      </cx:numDim>
+    </cx:data>
+  </cx:chartData>
+  <cx:chart>
+    <cx:title pos="t" align="ctr" overlay="0">
+      <cx:tx>
+        <cx:rich>
+          <a:bodyPr rot="0" spcFirstLastPara="1" vertOverflow="ellipsis" vert="horz" wrap="square" lIns="0" tIns="0" rIns="0" bIns="0" anchor="ctr" anchorCtr="1"/>
+          <a:lstStyle/>
+          <a:p>
+            <a:pPr algn="ctr">
+              <a:defRPr/>
+            </a:pPr>
+            <a:r>
+              <a:rPr lang="de-DE" sz="2000" dirty="0" smtClean="0">
+                <a:solidFill>
+                  <a:srgbClr val="44546A"/>
+                </a:solidFill>
+                <a:latin typeface="Futura Lt BT" panose="020B0402020204020303"/>
+              </a:rPr>
+              <a:t>SAM Ergebnisse</a:t>
+            </a:r>
+          </a:p>
+        </cx:rich>
+      </cx:tx>
+    </cx:title>
+    <cx:plotArea>
+      <cx:plotAreaRegion>
+        <cx:series layoutId="boxWhisker" uniqueId="{CC58AE55-BFF7-468A-A7E3-B588CF9A5CC5}" formatIdx="0">
+          <cx:tx>
+            <cx:txData>
+              <cx:f>Tabelle1!$B$1</cx:f>
+              <cx:v>SAM_pleasure_pre</cx:v>
+            </cx:txData>
+          </cx:tx>
+          <cx:spPr>
+            <a:solidFill>
+              <a:srgbClr val="3288BD"/>
+            </a:solidFill>
+            <a:ln>
+              <a:solidFill>
+                <a:srgbClr val="3288BD"/>
+              </a:solidFill>
+            </a:ln>
+          </cx:spPr>
+          <cx:dataId val="0"/>
+          <cx:layoutPr>
+            <cx:visibility meanLine="0" meanMarker="1" nonoutliers="0" outliers="1"/>
+            <cx:statistics quartileMethod="exclusive"/>
+          </cx:layoutPr>
+        </cx:series>
+        <cx:series layoutId="boxWhisker" uniqueId="{00000000-B00C-4E83-82C4-0B039529356D}">
+          <cx:tx>
+            <cx:txData>
+              <cx:f>Tabelle1!$C$1</cx:f>
+              <cx:v>SAM_arousal_pre</cx:v>
+            </cx:txData>
+          </cx:tx>
+          <cx:spPr>
+            <a:solidFill>
+              <a:srgbClr val="3288BD"/>
+            </a:solidFill>
+            <a:ln>
+              <a:solidFill>
+                <a:srgbClr val="3288BD"/>
+              </a:solidFill>
+            </a:ln>
+          </cx:spPr>
+          <cx:dataId val="1"/>
+          <cx:layoutPr>
+            <cx:statistics quartileMethod="exclusive"/>
+          </cx:layoutPr>
+        </cx:series>
+        <cx:series layoutId="boxWhisker" uniqueId="{00000001-B00C-4E83-82C4-0B039529356D}">
+          <cx:tx>
+            <cx:txData>
+              <cx:f>Tabelle1!$D$1</cx:f>
+              <cx:v>SAM_dominance_pre</cx:v>
+            </cx:txData>
+          </cx:tx>
+          <cx:spPr>
+            <a:solidFill>
+              <a:srgbClr val="D53E4F"/>
+            </a:solidFill>
+            <a:ln>
+              <a:solidFill>
+                <a:srgbClr val="D53E4F"/>
+              </a:solidFill>
+            </a:ln>
+          </cx:spPr>
+          <cx:dataId val="2"/>
+          <cx:layoutPr>
+            <cx:statistics quartileMethod="exclusive"/>
+          </cx:layoutPr>
+        </cx:series>
+        <cx:series layoutId="boxWhisker" uniqueId="{00000002-B00C-4E83-82C4-0B039529356D}">
+          <cx:tx>
+            <cx:txData>
+              <cx:f>Tabelle1!$E$1</cx:f>
+              <cx:v>SAM_pleasure_post</cx:v>
+            </cx:txData>
+          </cx:tx>
+          <cx:spPr>
+            <a:solidFill>
+              <a:srgbClr val="D53E4F"/>
+            </a:solidFill>
+            <a:ln>
+              <a:solidFill>
+                <a:srgbClr val="D53E4F"/>
+              </a:solidFill>
+            </a:ln>
+          </cx:spPr>
+          <cx:dataId val="3"/>
+          <cx:layoutPr>
+            <cx:statistics quartileMethod="exclusive"/>
+          </cx:layoutPr>
+        </cx:series>
+        <cx:series layoutId="boxWhisker" uniqueId="{00000003-B00C-4E83-82C4-0B039529356D}">
+          <cx:tx>
+            <cx:txData>
+              <cx:f>Tabelle1!$F$1</cx:f>
+              <cx:v>SAM_arousal_post</cx:v>
+            </cx:txData>
+          </cx:tx>
+          <cx:spPr>
+            <a:solidFill>
+              <a:srgbClr val="FC8D59"/>
+            </a:solidFill>
+            <a:ln>
+              <a:solidFill>
+                <a:srgbClr val="FC8D59"/>
+              </a:solidFill>
+            </a:ln>
+          </cx:spPr>
+          <cx:dataId val="4"/>
+          <cx:layoutPr>
+            <cx:statistics quartileMethod="exclusive"/>
+          </cx:layoutPr>
+        </cx:series>
+        <cx:series layoutId="boxWhisker" uniqueId="{00000004-B00C-4E83-82C4-0B039529356D}">
+          <cx:tx>
+            <cx:txData>
+              <cx:f>Tabelle1!$G$1</cx:f>
+              <cx:v>SAM_dominance_post</cx:v>
+            </cx:txData>
+          </cx:tx>
+          <cx:spPr>
+            <a:solidFill>
+              <a:srgbClr val="FC8D59"/>
+            </a:solidFill>
+            <a:ln>
+              <a:solidFill>
+                <a:srgbClr val="FC8D59"/>
+              </a:solidFill>
+            </a:ln>
+          </cx:spPr>
+          <cx:dataId val="5"/>
+          <cx:layoutPr>
+            <cx:statistics quartileMethod="exclusive"/>
+          </cx:layoutPr>
+        </cx:series>
+      </cx:plotAreaRegion>
+      <cx:axis id="0">
+        <cx:catScaling gapWidth="0.469999999"/>
+        <cx:tickLabels/>
+        <cx:txPr>
+          <a:bodyPr rot="-60000000" spcFirstLastPara="1" vertOverflow="ellipsis" vert="horz" wrap="square" lIns="0" tIns="0" rIns="0" bIns="0" anchor="ctr" anchorCtr="1"/>
+          <a:lstStyle/>
+          <a:p>
+            <a:pPr>
+              <a:defRPr>
+                <a:solidFill>
+                  <a:srgbClr val="44546A"/>
+                </a:solidFill>
+              </a:defRPr>
+            </a:pPr>
+            <a:endParaRPr lang="de-DE">
+              <a:solidFill>
+                <a:srgbClr val="44546A"/>
+              </a:solidFill>
+            </a:endParaRPr>
+          </a:p>
+        </cx:txPr>
+      </cx:axis>
+      <cx:axis id="1">
+        <cx:valScaling/>
+        <cx:majorGridlines>
+          <cx:spPr>
+            <a:effectLst>
+              <a:outerShdw blurRad="50800" dist="50800" algn="ctr" rotWithShape="0">
+                <a:srgbClr val="000000">
+                  <a:alpha val="43137"/>
+                </a:srgbClr>
+              </a:outerShdw>
+            </a:effectLst>
+          </cx:spPr>
+        </cx:majorGridlines>
+        <cx:tickLabels/>
+        <cx:txPr>
+          <a:bodyPr rot="-60000000" spcFirstLastPara="1" vertOverflow="ellipsis" vert="horz" wrap="square" lIns="0" tIns="0" rIns="0" bIns="0" anchor="ctr" anchorCtr="1"/>
+          <a:lstStyle/>
+          <a:p>
+            <a:pPr>
+              <a:defRPr>
+                <a:solidFill>
+                  <a:srgbClr val="44546A"/>
+                </a:solidFill>
+              </a:defRPr>
+            </a:pPr>
+            <a:endParaRPr lang="de-DE">
+              <a:solidFill>
+                <a:srgbClr val="44546A"/>
+              </a:solidFill>
+            </a:endParaRPr>
+          </a:p>
+        </cx:txPr>
+      </cx:axis>
+    </cx:plotArea>
+  </cx:chart>
+</cx:chartSpace>
+</file>
+
+<file path=ppt/charts/colors1.xml><?xml version="1.0" encoding="utf-8"?>
+<cs:colorStyle xmlns:cs="http://schemas.microsoft.com/office/drawing/2012/chartStyle" xmlns:a="http://schemas.openxmlformats.org/drawingml/2006/main" meth="cycle" id="10">
+  <a:schemeClr val="accent1"/>
+  <a:schemeClr val="accent2"/>
+  <a:schemeClr val="accent3"/>
+  <a:schemeClr val="accent4"/>
+  <a:schemeClr val="accent5"/>
+  <a:schemeClr val="accent6"/>
+  <cs:variation/>
+  <cs:variation>
+    <a:lumMod val="60000"/>
+  </cs:variation>
+  <cs:variation>
+    <a:lumMod val="80000"/>
+    <a:lumOff val="20000"/>
+  </cs:variation>
+  <cs:variation>
+    <a:lumMod val="80000"/>
+  </cs:variation>
+  <cs:variation>
+    <a:lumMod val="60000"/>
+    <a:lumOff val="40000"/>
+  </cs:variation>
+  <cs:variation>
+    <a:lumMod val="50000"/>
+  </cs:variation>
+  <cs:variation>
+    <a:lumMod val="70000"/>
+    <a:lumOff val="30000"/>
+  </cs:variation>
+  <cs:variation>
+    <a:lumMod val="70000"/>
+  </cs:variation>
+  <cs:variation>
+    <a:lumMod val="50000"/>
+    <a:lumOff val="50000"/>
+  </cs:variation>
+</cs:colorStyle>
+</file>
+
+<file path=ppt/charts/colors2.xml><?xml version="1.0" encoding="utf-8"?>
+<cs:colorStyle xmlns:cs="http://schemas.microsoft.com/office/drawing/2012/chartStyle" xmlns:a="http://schemas.openxmlformats.org/drawingml/2006/main" meth="cycle" id="10">
+  <a:schemeClr val="accent1"/>
+  <a:schemeClr val="accent2"/>
+  <a:schemeClr val="accent3"/>
+  <a:schemeClr val="accent4"/>
+  <a:schemeClr val="accent5"/>
+  <a:schemeClr val="accent6"/>
+  <cs:variation/>
+  <cs:variation>
+    <a:lumMod val="60000"/>
+  </cs:variation>
+  <cs:variation>
+    <a:lumMod val="80000"/>
+    <a:lumOff val="20000"/>
+  </cs:variation>
+  <cs:variation>
+    <a:lumMod val="80000"/>
+  </cs:variation>
+  <cs:variation>
+    <a:lumMod val="60000"/>
+    <a:lumOff val="40000"/>
+  </cs:variation>
+  <cs:variation>
+    <a:lumMod val="50000"/>
+  </cs:variation>
+  <cs:variation>
+    <a:lumMod val="70000"/>
+    <a:lumOff val="30000"/>
+  </cs:variation>
+  <cs:variation>
+    <a:lumMod val="70000"/>
+  </cs:variation>
+  <cs:variation>
+    <a:lumMod val="50000"/>
+    <a:lumOff val="50000"/>
+  </cs:variation>
+</cs:colorStyle>
+</file>
+
+<file path=ppt/charts/colors3.xml><?xml version="1.0" encoding="utf-8"?>
+<cs:colorStyle xmlns:cs="http://schemas.microsoft.com/office/drawing/2012/chartStyle" xmlns:a="http://schemas.openxmlformats.org/drawingml/2006/main" meth="cycle" id="10">
+  <a:schemeClr val="accent1"/>
+  <a:schemeClr val="accent2"/>
+  <a:schemeClr val="accent3"/>
+  <a:schemeClr val="accent4"/>
+  <a:schemeClr val="accent5"/>
+  <a:schemeClr val="accent6"/>
+  <cs:variation/>
+  <cs:variation>
+    <a:lumMod val="60000"/>
+  </cs:variation>
+  <cs:variation>
+    <a:lumMod val="80000"/>
+    <a:lumOff val="20000"/>
+  </cs:variation>
+  <cs:variation>
+    <a:lumMod val="80000"/>
+  </cs:variation>
+  <cs:variation>
+    <a:lumMod val="60000"/>
+    <a:lumOff val="40000"/>
+  </cs:variation>
+  <cs:variation>
+    <a:lumMod val="50000"/>
+  </cs:variation>
+  <cs:variation>
+    <a:lumMod val="70000"/>
+    <a:lumOff val="30000"/>
+  </cs:variation>
+  <cs:variation>
+    <a:lumMod val="70000"/>
+  </cs:variation>
+  <cs:variation>
+    <a:lumMod val="50000"/>
+    <a:lumOff val="50000"/>
+  </cs:variation>
+</cs:colorStyle>
+</file>
+
+<file path=ppt/charts/style1.xml><?xml version="1.0" encoding="utf-8"?>
+<cs:chartStyle xmlns:cs="http://schemas.microsoft.com/office/drawing/2012/chartStyle" xmlns:a="http://schemas.openxmlformats.org/drawingml/2006/main" id="255">
+  <cs:axisTitle>
+    <cs:lnRef idx="0"/>
+    <cs:fillRef idx="0"/>
+    <cs:effectRef idx="0"/>
+    <cs:fontRef idx="minor">
+      <a:schemeClr val="tx2"/>
+    </cs:fontRef>
+    <cs:defRPr sz="1197" b="1" kern="1200"/>
+  </cs:axisTitle>
+  <cs:categoryAxis>
+    <cs:lnRef idx="0"/>
+    <cs:fillRef idx="0"/>
+    <cs:effectRef idx="0"/>
+    <cs:fontRef idx="minor">
+      <a:schemeClr val="tx2"/>
+    </cs:fontRef>
+    <cs:spPr>
+      <a:ln w="9525" cap="flat" cmpd="sng" algn="ctr">
+        <a:solidFill>
+          <a:schemeClr val="tx2">
+            <a:lumMod val="15000"/>
+            <a:lumOff val="85000"/>
+          </a:schemeClr>
+        </a:solidFill>
+        <a:round/>
+      </a:ln>
+    </cs:spPr>
+    <cs:defRPr sz="1197" kern="1200"/>
+  </cs:categoryAxis>
+  <cs:chartArea mods="allowNoFillOverride allowNoLineOverride">
+    <cs:lnRef idx="0"/>
+    <cs:fillRef idx="0"/>
+    <cs:effectRef idx="0"/>
+    <cs:fontRef idx="minor">
+      <a:schemeClr val="tx2"/>
+    </cs:fontRef>
+    <cs:spPr>
+      <a:solidFill>
+        <a:schemeClr val="bg1"/>
+      </a:solidFill>
+      <a:ln w="9525" cap="flat" cmpd="sng" algn="ctr">
+        <a:solidFill>
+          <a:schemeClr val="tx2">
+            <a:lumMod val="15000"/>
+            <a:lumOff val="85000"/>
+          </a:schemeClr>
+        </a:solidFill>
+        <a:round/>
+      </a:ln>
+    </cs:spPr>
+    <cs:defRPr sz="1197" kern="1200"/>
+  </cs:chartArea>
+  <cs:dataLabel>
+    <cs:lnRef idx="0"/>
+    <cs:fillRef idx="0"/>
+    <cs:effectRef idx="0"/>
+    <cs:fontRef idx="minor">
+      <a:schemeClr val="tx2"/>
+    </cs:fontRef>
+    <cs:defRPr sz="1197" kern="1200"/>
+  </cs:dataLabel>
+  <cs:dataLabelCallout>
+    <cs:lnRef idx="0"/>
+    <cs:fillRef idx="0"/>
+    <cs:effectRef idx="0"/>
+    <cs:fontRef idx="minor">
+      <a:schemeClr val="dk2">
+        <a:lumMod val="75000"/>
+      </a:schemeClr>
+    </cs:fontRef>
+    <cs:spPr>
+      <a:solidFill>
+        <a:schemeClr val="lt1"/>
+      </a:solidFill>
+      <a:ln>
+        <a:solidFill>
+          <a:schemeClr val="dk1">
+            <a:lumMod val="25000"/>
+            <a:lumOff val="75000"/>
+          </a:schemeClr>
+        </a:solidFill>
+      </a:ln>
+    </cs:spPr>
+    <cs:defRPr sz="1197" kern="1200"/>
+    <cs:bodyPr rot="0" spcFirstLastPara="1" vertOverflow="clip" horzOverflow="clip" vert="horz" wrap="square" lIns="36576" tIns="18288" rIns="36576" bIns="18288" anchor="ctr" anchorCtr="1">
+      <a:spAutoFit/>
+    </cs:bodyPr>
+  </cs:dataLabelCallout>
+  <cs:dataPoint>
+    <cs:lnRef idx="0"/>
+    <cs:fillRef idx="3">
+      <cs:styleClr val="auto"/>
+    </cs:fillRef>
+    <cs:effectRef idx="2"/>
+    <cs:fontRef idx="minor">
+      <a:schemeClr val="tx2"/>
+    </cs:fontRef>
+  </cs:dataPoint>
+  <cs:dataPoint3D>
+    <cs:lnRef idx="0"/>
+    <cs:fillRef idx="3">
+      <cs:styleClr val="auto"/>
+    </cs:fillRef>
+    <cs:effectRef idx="2"/>
+    <cs:fontRef idx="minor">
+      <a:schemeClr val="tx2"/>
+    </cs:fontRef>
+  </cs:dataPoint3D>
+  <cs:dataPointLine>
+    <cs:lnRef idx="0">
+      <cs:styleClr val="auto"/>
+    </cs:lnRef>
+    <cs:fillRef idx="3"/>
+    <cs:effectRef idx="2"/>
+    <cs:fontRef idx="minor">
+      <a:schemeClr val="tx2"/>
+    </cs:fontRef>
+    <cs:spPr>
+      <a:ln w="31750" cap="rnd">
+        <a:solidFill>
+          <a:schemeClr val="phClr"/>
+        </a:solidFill>
+        <a:round/>
+      </a:ln>
+    </cs:spPr>
+  </cs:dataPointLine>
+  <cs:dataPointMarker>
+    <cs:lnRef idx="0"/>
+    <cs:fillRef idx="3">
+      <cs:styleClr val="auto"/>
+    </cs:fillRef>
+    <cs:effectRef idx="2"/>
+    <cs:fontRef idx="minor">
+      <a:schemeClr val="tx2"/>
+    </cs:fontRef>
+    <cs:spPr>
+      <a:ln w="12700">
+        <a:solidFill>
+          <a:schemeClr val="lt2"/>
+        </a:solidFill>
+        <a:round/>
+      </a:ln>
+    </cs:spPr>
+  </cs:dataPointMarker>
+  <cs:dataPointMarkerLayout symbol="circle" size="6"/>
+  <cs:dataPointWireframe>
+    <cs:lnRef idx="0">
+      <cs:styleClr val="auto"/>
+    </cs:lnRef>
+    <cs:fillRef idx="3"/>
+    <cs:effectRef idx="2"/>
+    <cs:fontRef idx="minor">
+      <a:schemeClr val="tx2"/>
+    </cs:fontRef>
+    <cs:spPr>
+      <a:ln w="9525" cap="rnd">
+        <a:solidFill>
+          <a:schemeClr val="phClr"/>
+        </a:solidFill>
+        <a:round/>
+      </a:ln>
+    </cs:spPr>
+  </cs:dataPointWireframe>
+  <cs:dataTable>
+    <cs:lnRef idx="0"/>
+    <cs:fillRef idx="0"/>
+    <cs:effectRef idx="0"/>
+    <cs:fontRef idx="minor">
+      <a:schemeClr val="tx2"/>
+    </cs:fontRef>
+    <cs:spPr>
+      <a:ln w="9525">
+        <a:solidFill>
+          <a:schemeClr val="tx2">
+            <a:lumMod val="15000"/>
+            <a:lumOff val="85000"/>
+          </a:schemeClr>
+        </a:solidFill>
+      </a:ln>
+    </cs:spPr>
+    <cs:defRPr sz="1197" kern="1200"/>
+  </cs:dataTable>
+  <cs:downBar>
+    <cs:lnRef idx="0"/>
+    <cs:fillRef idx="0"/>
+    <cs:effectRef idx="0"/>
+    <cs:fontRef idx="minor">
+      <a:schemeClr val="dk1"/>
+    </cs:fontRef>
+    <cs:spPr>
+      <a:solidFill>
+        <a:schemeClr val="dk1">
+          <a:lumMod val="65000"/>
+          <a:lumOff val="35000"/>
+        </a:schemeClr>
+      </a:solidFill>
+      <a:ln w="9525">
+        <a:solidFill>
+          <a:schemeClr val="tx1">
+            <a:lumMod val="65000"/>
+            <a:lumOff val="35000"/>
+          </a:schemeClr>
+        </a:solidFill>
+      </a:ln>
+    </cs:spPr>
+  </cs:downBar>
+  <cs:dropLine>
+    <cs:lnRef idx="0"/>
+    <cs:fillRef idx="0"/>
+    <cs:effectRef idx="0"/>
+    <cs:fontRef idx="minor">
+      <a:schemeClr val="tx2"/>
+    </cs:fontRef>
+    <cs:spPr>
+      <a:ln w="9525">
+        <a:solidFill>
+          <a:schemeClr val="tx2">
+            <a:lumMod val="60000"/>
+            <a:lumOff val="40000"/>
+          </a:schemeClr>
+        </a:solidFill>
+        <a:prstDash val="dash"/>
+      </a:ln>
+    </cs:spPr>
+  </cs:dropLine>
+  <cs:errorBar>
+    <cs:lnRef idx="0"/>
+    <cs:fillRef idx="0"/>
+    <cs:effectRef idx="0"/>
+    <cs:fontRef idx="minor">
+      <a:schemeClr val="tx2"/>
+    </cs:fontRef>
+    <cs:spPr>
+      <a:ln w="9525">
+        <a:solidFill>
+          <a:schemeClr val="tx2">
+            <a:lumMod val="75000"/>
+          </a:schemeClr>
+        </a:solidFill>
+        <a:round/>
+      </a:ln>
+    </cs:spPr>
+  </cs:errorBar>
+  <cs:floor>
+    <cs:lnRef idx="0"/>
+    <cs:fillRef idx="0"/>
+    <cs:effectRef idx="0"/>
+    <cs:fontRef idx="minor">
+      <a:schemeClr val="tx2"/>
+    </cs:fontRef>
+  </cs:floor>
+  <cs:gridlineMajor>
+    <cs:lnRef idx="0"/>
+    <cs:fillRef idx="0"/>
+    <cs:effectRef idx="0"/>
+    <cs:fontRef idx="minor">
+      <a:schemeClr val="tx2"/>
+    </cs:fontRef>
+    <cs:spPr>
+      <a:ln w="9525" cap="flat" cmpd="sng" algn="ctr">
+        <a:solidFill>
+          <a:schemeClr val="tx2">
+            <a:lumMod val="15000"/>
+            <a:lumOff val="85000"/>
+          </a:schemeClr>
+        </a:solidFill>
+        <a:round/>
+      </a:ln>
+    </cs:spPr>
+  </cs:gridlineMajor>
+  <cs:gridlineMinor>
+    <cs:lnRef idx="0"/>
+    <cs:fillRef idx="0"/>
+    <cs:effectRef idx="0"/>
+    <cs:fontRef idx="minor">
+      <a:schemeClr val="tx2"/>
+    </cs:fontRef>
+    <cs:spPr>
+      <a:ln>
+        <a:solidFill>
+          <a:schemeClr val="tx2">
+            <a:lumMod val="5000"/>
+            <a:lumOff val="95000"/>
+          </a:schemeClr>
+        </a:solidFill>
+      </a:ln>
+    </cs:spPr>
+  </cs:gridlineMinor>
+  <cs:hiLoLine>
+    <cs:lnRef idx="0"/>
+    <cs:fillRef idx="0"/>
+    <cs:effectRef idx="0"/>
+    <cs:fontRef idx="minor">
+      <a:schemeClr val="tx2"/>
+    </cs:fontRef>
+    <cs:spPr>
+      <a:ln w="9525">
+        <a:solidFill>
+          <a:schemeClr val="tx2">
+            <a:lumMod val="60000"/>
+            <a:lumOff val="40000"/>
+          </a:schemeClr>
+        </a:solidFill>
+        <a:prstDash val="dash"/>
+      </a:ln>
+    </cs:spPr>
+  </cs:hiLoLine>
+  <cs:leaderLine>
+    <cs:lnRef idx="0"/>
+    <cs:fillRef idx="0"/>
+    <cs:effectRef idx="0"/>
+    <cs:fontRef idx="minor">
+      <a:schemeClr val="tx2"/>
+    </cs:fontRef>
+    <cs:spPr>
+      <a:ln w="9525">
+        <a:solidFill>
+          <a:schemeClr val="tx2">
+            <a:lumMod val="35000"/>
+            <a:lumOff val="65000"/>
+          </a:schemeClr>
+        </a:solidFill>
+      </a:ln>
+    </cs:spPr>
+  </cs:leaderLine>
+  <cs:legend>
+    <cs:lnRef idx="0"/>
+    <cs:fillRef idx="0"/>
+    <cs:effectRef idx="0"/>
+    <cs:fontRef idx="minor">
+      <a:schemeClr val="tx2"/>
+    </cs:fontRef>
+    <cs:defRPr sz="1197" kern="1200"/>
+  </cs:legend>
+  <cs:plotArea>
+    <cs:lnRef idx="0"/>
+    <cs:fillRef idx="0"/>
+    <cs:effectRef idx="0"/>
+    <cs:fontRef idx="minor">
+      <a:schemeClr val="tx2"/>
+    </cs:fontRef>
+  </cs:plotArea>
+  <cs:plotArea3D>
+    <cs:lnRef idx="0"/>
+    <cs:fillRef idx="0"/>
+    <cs:effectRef idx="0"/>
+    <cs:fontRef idx="minor">
+      <a:schemeClr val="tx2"/>
+    </cs:fontRef>
+  </cs:plotArea3D>
+  <cs:seriesAxis>
+    <cs:lnRef idx="0"/>
+    <cs:fillRef idx="0"/>
+    <cs:effectRef idx="0"/>
+    <cs:fontRef idx="minor">
+      <a:schemeClr val="tx2"/>
+    </cs:fontRef>
+    <cs:spPr>
+      <a:ln w="9525" cap="flat" cmpd="sng" algn="ctr">
+        <a:solidFill>
+          <a:schemeClr val="tx2">
+            <a:lumMod val="15000"/>
+            <a:lumOff val="85000"/>
+          </a:schemeClr>
+        </a:solidFill>
+        <a:round/>
+      </a:ln>
+    </cs:spPr>
+    <cs:defRPr sz="1197" kern="1200"/>
+  </cs:seriesAxis>
+  <cs:seriesLine>
+    <cs:lnRef idx="0"/>
+    <cs:fillRef idx="0"/>
+    <cs:effectRef idx="0"/>
+    <cs:fontRef idx="minor">
+      <a:schemeClr val="tx2"/>
+    </cs:fontRef>
+    <cs:spPr>
+      <a:ln w="9525">
+        <a:solidFill>
+          <a:schemeClr val="tx2">
+            <a:lumMod val="60000"/>
+            <a:lumOff val="40000"/>
+          </a:schemeClr>
+        </a:solidFill>
+        <a:prstDash val="dash"/>
+      </a:ln>
+    </cs:spPr>
+  </cs:seriesLine>
+  <cs:title>
+    <cs:lnRef idx="0"/>
+    <cs:fillRef idx="0"/>
+    <cs:effectRef idx="0"/>
+    <cs:fontRef idx="minor">
+      <a:schemeClr val="tx2"/>
+    </cs:fontRef>
+    <cs:defRPr sz="2128" b="1" kern="1200"/>
+  </cs:title>
+  <cs:trendline>
+    <cs:lnRef idx="0">
+      <cs:styleClr val="auto"/>
+    </cs:lnRef>
+    <cs:fillRef idx="0"/>
+    <cs:effectRef idx="0"/>
+    <cs:fontRef idx="minor">
+      <a:schemeClr val="tx2"/>
+    </cs:fontRef>
+    <cs:spPr>
+      <a:ln w="19050" cap="rnd">
+        <a:solidFill>
+          <a:schemeClr val="phClr"/>
+        </a:solidFill>
+        <a:prstDash val="sysDash"/>
+      </a:ln>
+    </cs:spPr>
+  </cs:trendline>
+  <cs:trendlineLabel>
+    <cs:lnRef idx="0"/>
+    <cs:fillRef idx="0"/>
+    <cs:effectRef idx="0"/>
+    <cs:fontRef idx="minor">
+      <a:schemeClr val="tx2"/>
+    </cs:fontRef>
+    <cs:defRPr sz="1197" kern="1200"/>
+  </cs:trendlineLabel>
+  <cs:upBar>
+    <cs:lnRef idx="0"/>
+    <cs:fillRef idx="0"/>
+    <cs:effectRef idx="0"/>
+    <cs:fontRef idx="minor">
+      <a:schemeClr val="tx2"/>
+    </cs:fontRef>
+    <cs:spPr>
+      <a:solidFill>
+        <a:schemeClr val="lt1"/>
+      </a:solidFill>
+      <a:ln w="9525">
+        <a:solidFill>
+          <a:schemeClr val="tx1">
+            <a:lumMod val="15000"/>
+            <a:lumOff val="85000"/>
+          </a:schemeClr>
+        </a:solidFill>
+      </a:ln>
+    </cs:spPr>
+  </cs:upBar>
+  <cs:valueAxis>
+    <cs:lnRef idx="0"/>
+    <cs:fillRef idx="0"/>
+    <cs:effectRef idx="0"/>
+    <cs:fontRef idx="minor">
+      <a:schemeClr val="tx2"/>
+    </cs:fontRef>
+    <cs:defRPr sz="1197" kern="1200"/>
+  </cs:valueAxis>
+  <cs:wall>
+    <cs:lnRef idx="0"/>
+    <cs:fillRef idx="0"/>
+    <cs:effectRef idx="0"/>
+    <cs:fontRef idx="minor">
+      <a:schemeClr val="tx2"/>
+    </cs:fontRef>
+  </cs:wall>
+</cs:chartStyle>
+</file>
+
+<file path=ppt/charts/style2.xml><?xml version="1.0" encoding="utf-8"?>
+<cs:chartStyle xmlns:cs="http://schemas.microsoft.com/office/drawing/2012/chartStyle" xmlns:a="http://schemas.openxmlformats.org/drawingml/2006/main" id="406">
+  <cs:axisTitle>
+    <cs:lnRef idx="0"/>
+    <cs:fillRef idx="0"/>
+    <cs:effectRef idx="0"/>
+    <cs:fontRef idx="minor">
+      <a:schemeClr val="tx1">
+        <a:lumMod val="65000"/>
+        <a:lumOff val="35000"/>
+      </a:schemeClr>
+    </cs:fontRef>
+    <cs:defRPr sz="1197"/>
+  </cs:axisTitle>
+  <cs:categoryAxis>
+    <cs:lnRef idx="0"/>
+    <cs:fillRef idx="0"/>
+    <cs:effectRef idx="0"/>
+    <cs:fontRef idx="minor">
+      <a:schemeClr val="tx1">
+        <a:lumMod val="65000"/>
+        <a:lumOff val="35000"/>
+      </a:schemeClr>
+    </cs:fontRef>
+    <cs:spPr>
+      <a:ln w="9525" cap="flat" cmpd="sng" algn="ctr">
+        <a:solidFill>
+          <a:schemeClr val="tx1">
+            <a:lumMod val="15000"/>
+            <a:lumOff val="85000"/>
+          </a:schemeClr>
+        </a:solidFill>
+        <a:round/>
+      </a:ln>
+    </cs:spPr>
+    <cs:defRPr sz="1197" kern="1200"/>
+    <cs:bodyPr rot="-60000000" vert="horz"/>
+  </cs:categoryAxis>
+  <cs:chartArea mods="allowNoFillOverride allowNoLineOverride">
+    <cs:lnRef idx="0"/>
+    <cs:fillRef idx="0"/>
+    <cs:effectRef idx="0"/>
+    <cs:fontRef idx="minor">
+      <a:schemeClr val="tx1"/>
+    </cs:fontRef>
+    <cs:spPr>
+      <a:solidFill>
+        <a:schemeClr val="bg1"/>
+      </a:solidFill>
+      <a:ln w="9525" cap="flat" cmpd="sng" algn="ctr">
+        <a:solidFill>
+          <a:schemeClr val="tx1">
+            <a:lumMod val="15000"/>
+            <a:lumOff val="85000"/>
+          </a:schemeClr>
+        </a:solidFill>
+        <a:round/>
+      </a:ln>
+    </cs:spPr>
+    <cs:defRPr sz="1330" kern="1200"/>
+  </cs:chartArea>
+  <cs:dataLabel>
+    <cs:lnRef idx="0"/>
+    <cs:fillRef idx="0"/>
+    <cs:effectRef idx="0"/>
+    <cs:fontRef idx="minor">
+      <a:schemeClr val="tx1">
+        <a:lumMod val="65000"/>
+        <a:lumOff val="35000"/>
+      </a:schemeClr>
+    </cs:fontRef>
+    <cs:defRPr sz="1197"/>
+  </cs:dataLabel>
+  <cs:dataLabelCallout>
+    <cs:lnRef idx="0"/>
+    <cs:fillRef idx="0"/>
+    <cs:effectRef idx="0"/>
+    <cs:fontRef idx="minor">
+      <a:schemeClr val="tx1">
+        <a:lumMod val="65000"/>
+        <a:lumOff val="35000"/>
+      </a:schemeClr>
+    </cs:fontRef>
+    <cs:spPr>
+      <a:solidFill>
+        <a:schemeClr val="lt1"/>
+      </a:solidFill>
+      <a:ln>
+        <a:solidFill>
+          <a:schemeClr val="dk1">
+            <a:lumMod val="25000"/>
+            <a:lumOff val="75000"/>
+          </a:schemeClr>
+        </a:solidFill>
+      </a:ln>
+    </cs:spPr>
+    <cs:defRPr sz="1197"/>
+    <cs:bodyPr rot="0" spcFirstLastPara="1" vertOverflow="clip" horzOverflow="clip" vert="horz" wrap="square" lIns="36576" tIns="18288" rIns="36576" bIns="18288" anchor="ctr" anchorCtr="1">
+      <a:spAutoFit/>
+    </cs:bodyPr>
+  </cs:dataLabelCallout>
+  <cs:dataPoint>
+    <cs:lnRef idx="0">
+      <cs:styleClr val="auto"/>
+    </cs:lnRef>
+    <cs:fillRef idx="0">
+      <cs:styleClr val="auto"/>
+    </cs:fillRef>
+    <cs:effectRef idx="0"/>
+    <cs:fontRef idx="minor">
+      <a:schemeClr val="tx1"/>
+    </cs:fontRef>
+    <cs:spPr>
+      <a:solidFill>
+        <a:schemeClr val="phClr"/>
+      </a:solidFill>
+      <a:ln>
+        <a:solidFill>
+          <a:schemeClr val="phClr"/>
+        </a:solidFill>
+      </a:ln>
+    </cs:spPr>
+  </cs:dataPoint>
+  <cs:dataPoint3D>
+    <cs:lnRef idx="0"/>
+    <cs:fillRef idx="0">
+      <cs:styleClr val="auto"/>
+    </cs:fillRef>
+    <cs:effectRef idx="0"/>
+    <cs:fontRef idx="minor">
+      <a:schemeClr val="tx1"/>
+    </cs:fontRef>
+    <cs:spPr>
+      <a:solidFill>
+        <a:schemeClr val="phClr"/>
+      </a:solidFill>
+    </cs:spPr>
+  </cs:dataPoint3D>
+  <cs:dataPointLine>
+    <cs:lnRef idx="0">
+      <cs:styleClr val="auto"/>
+    </cs:lnRef>
+    <cs:fillRef idx="0"/>
+    <cs:effectRef idx="0"/>
+    <cs:fontRef idx="minor">
+      <a:schemeClr val="tx1"/>
+    </cs:fontRef>
+    <cs:spPr>
+      <a:ln w="28575" cap="rnd">
+        <a:solidFill>
+          <a:schemeClr val="phClr"/>
+        </a:solidFill>
+        <a:round/>
+      </a:ln>
+    </cs:spPr>
+  </cs:dataPointLine>
+  <cs:dataPointMarker>
+    <cs:lnRef idx="0"/>
+    <cs:fillRef idx="0">
+      <cs:styleClr val="auto"/>
+    </cs:fillRef>
+    <cs:effectRef idx="0"/>
+    <cs:fontRef idx="minor">
+      <a:schemeClr val="tx1"/>
+    </cs:fontRef>
+    <cs:spPr>
+      <a:solidFill>
+        <a:schemeClr val="phClr"/>
+      </a:solidFill>
+      <a:ln w="9525">
+        <a:solidFill>
+          <a:schemeClr val="lt1"/>
+        </a:solidFill>
+      </a:ln>
+    </cs:spPr>
+  </cs:dataPointMarker>
+  <cs:dataPointMarkerLayout symbol="circle" size="5"/>
+  <cs:dataPointWireframe>
+    <cs:lnRef idx="0">
+      <cs:styleClr val="auto"/>
+    </cs:lnRef>
+    <cs:fillRef idx="0"/>
+    <cs:effectRef idx="0"/>
+    <cs:fontRef idx="minor">
+      <a:schemeClr val="tx1"/>
+    </cs:fontRef>
+    <cs:spPr>
+      <a:ln w="28575" cap="rnd">
+        <a:solidFill>
+          <a:schemeClr val="phClr"/>
+        </a:solidFill>
+        <a:round/>
+      </a:ln>
+    </cs:spPr>
+  </cs:dataPointWireframe>
+  <cs:dataTable>
+    <cs:lnRef idx="0"/>
+    <cs:fillRef idx="0"/>
+    <cs:effectRef idx="0"/>
+    <cs:fontRef idx="minor">
+      <a:schemeClr val="tx1">
+        <a:lumMod val="65000"/>
+        <a:lumOff val="35000"/>
+      </a:schemeClr>
+    </cs:fontRef>
+    <cs:spPr>
+      <a:ln w="9525">
+        <a:solidFill>
+          <a:schemeClr val="tx1">
+            <a:lumMod val="15000"/>
+            <a:lumOff val="85000"/>
+          </a:schemeClr>
+        </a:solidFill>
+      </a:ln>
+    </cs:spPr>
+    <cs:defRPr sz="1197"/>
+  </cs:dataTable>
+  <cs:downBar>
+    <cs:lnRef idx="0"/>
+    <cs:fillRef idx="0"/>
+    <cs:effectRef idx="0"/>
+    <cs:fontRef idx="minor">
+      <a:schemeClr val="tx1"/>
+    </cs:fontRef>
+    <cs:spPr>
+      <a:solidFill>
+        <a:schemeClr val="dk1">
+          <a:lumMod val="75000"/>
+          <a:lumOff val="25000"/>
+        </a:schemeClr>
+      </a:solidFill>
+      <a:ln w="9525" cap="flat" cmpd="sng" algn="ctr">
+        <a:solidFill>
+          <a:schemeClr val="tx1">
+            <a:lumMod val="65000"/>
+            <a:lumOff val="35000"/>
+          </a:schemeClr>
+        </a:solidFill>
+        <a:round/>
+      </a:ln>
+    </cs:spPr>
+  </cs:downBar>
+  <cs:dropLine>
+    <cs:lnRef idx="0"/>
+    <cs:fillRef idx="0"/>
+    <cs:effectRef idx="0"/>
+    <cs:fontRef idx="minor">
+      <a:schemeClr val="tx1"/>
+    </cs:fontRef>
+  </cs:dropLine>
+  <cs:errorBar>
+    <cs:lnRef idx="0"/>
+    <cs:fillRef idx="0"/>
+    <cs:effectRef idx="0"/>
+    <cs:fontRef idx="minor">
+      <a:schemeClr val="tx1"/>
+    </cs:fontRef>
+  </cs:errorBar>
+  <cs:floor>
+    <cs:lnRef idx="0"/>
+    <cs:fillRef idx="0"/>
+    <cs:effectRef idx="0"/>
+    <cs:fontRef idx="minor">
+      <a:schemeClr val="tx1"/>
+    </cs:fontRef>
+  </cs:floor>
+  <cs:gridlineMajor>
+    <cs:lnRef idx="0"/>
+    <cs:fillRef idx="0"/>
+    <cs:effectRef idx="0"/>
+    <cs:fontRef idx="minor">
+      <a:schemeClr val="tx1"/>
+    </cs:fontRef>
+    <cs:spPr>
+      <a:ln w="9525" cap="flat" cmpd="sng" algn="ctr">
+        <a:solidFill>
+          <a:schemeClr val="tx1">
+            <a:lumMod val="15000"/>
+            <a:lumOff val="85000"/>
+          </a:schemeClr>
+        </a:solidFill>
+        <a:round/>
+      </a:ln>
+    </cs:spPr>
+  </cs:gridlineMajor>
+  <cs:gridlineMinor>
+    <cs:lnRef idx="0"/>
+    <cs:fillRef idx="0"/>
+    <cs:effectRef idx="0"/>
+    <cs:fontRef idx="minor">
+      <a:schemeClr val="tx1"/>
+    </cs:fontRef>
+    <cs:spPr>
+      <a:ln>
+        <a:solidFill>
+          <a:schemeClr val="tx1">
+            <a:lumMod val="15000"/>
+            <a:lumOff val="85000"/>
+            <a:lumOff val="10000"/>
+          </a:schemeClr>
+        </a:solidFill>
+      </a:ln>
+    </cs:spPr>
+  </cs:gridlineMinor>
+  <cs:hiLoLine>
+    <cs:lnRef idx="0"/>
+    <cs:fillRef idx="0"/>
+    <cs:effectRef idx="0"/>
+    <cs:fontRef idx="minor">
+      <a:schemeClr val="tx1"/>
+    </cs:fontRef>
+    <cs:spPr>
+      <a:ln w="9525" cap="flat" cmpd="sng" algn="ctr">
+        <a:solidFill>
+          <a:schemeClr val="tx1">
+            <a:lumMod val="75000"/>
+            <a:lumOff val="25000"/>
+          </a:schemeClr>
+        </a:solidFill>
+        <a:round/>
+      </a:ln>
+    </cs:spPr>
+  </cs:hiLoLine>
+  <cs:leaderLine>
+    <cs:lnRef idx="0"/>
+    <cs:fillRef idx="0"/>
+    <cs:effectRef idx="0"/>
+    <cs:fontRef idx="minor">
+      <a:schemeClr val="tx1"/>
+    </cs:fontRef>
+  </cs:leaderLine>
+  <cs:legend>
+    <cs:lnRef idx="0"/>
+    <cs:fillRef idx="0"/>
+    <cs:effectRef idx="0"/>
+    <cs:fontRef idx="minor">
+      <a:schemeClr val="tx1">
+        <a:lumMod val="65000"/>
+        <a:lumOff val="35000"/>
+      </a:schemeClr>
+    </cs:fontRef>
+    <cs:defRPr sz="1197"/>
+  </cs:legend>
+  <cs:plotArea mods="allowNoFillOverride allowNoLineOverride">
+    <cs:lnRef idx="0"/>
+    <cs:fillRef idx="0"/>
+    <cs:effectRef idx="0"/>
+    <cs:fontRef idx="minor">
+      <a:schemeClr val="tx1"/>
+    </cs:fontRef>
+  </cs:plotArea>
+  <cs:plotArea3D mods="allowNoFillOverride allowNoLineOverride">
+    <cs:lnRef idx="0"/>
+    <cs:fillRef idx="0"/>
+    <cs:effectRef idx="0"/>
+    <cs:fontRef idx="minor">
+      <a:schemeClr val="tx1"/>
+    </cs:fontRef>
+  </cs:plotArea3D>
+  <cs:seriesAxis>
+    <cs:lnRef idx="0"/>
+    <cs:fillRef idx="0"/>
+    <cs:effectRef idx="0"/>
+    <cs:fontRef idx="minor">
+      <a:schemeClr val="tx1">
+        <a:lumMod val="65000"/>
+        <a:lumOff val="35000"/>
+      </a:schemeClr>
+    </cs:fontRef>
+    <cs:spPr>
+      <a:ln w="9525" cap="flat" cmpd="sng" algn="ctr">
+        <a:solidFill>
+          <a:schemeClr val="tx1">
+            <a:lumMod val="15000"/>
+            <a:lumOff val="85000"/>
+          </a:schemeClr>
+        </a:solidFill>
+        <a:round/>
+      </a:ln>
+    </cs:spPr>
+    <cs:defRPr sz="1197"/>
+    <cs:bodyPr rot="-60000000" vert="horz"/>
+  </cs:seriesAxis>
+  <cs:seriesLine>
+    <cs:lnRef idx="0"/>
+    <cs:fillRef idx="0"/>
+    <cs:effectRef idx="0"/>
+    <cs:fontRef idx="minor">
+      <a:schemeClr val="tx1"/>
+    </cs:fontRef>
+    <cs:spPr>
+      <a:ln w="9525" cap="flat">
+        <a:solidFill>
+          <a:srgbClr val="D9D9D9"/>
+        </a:solidFill>
+        <a:round/>
+      </a:ln>
+    </cs:spPr>
+  </cs:seriesLine>
+  <cs:title>
+    <cs:lnRef idx="0"/>
+    <cs:fillRef idx="0"/>
+    <cs:effectRef idx="0"/>
+    <cs:fontRef idx="minor">
+      <a:schemeClr val="tx1">
+        <a:lumMod val="65000"/>
+        <a:lumOff val="35000"/>
+      </a:schemeClr>
+    </cs:fontRef>
+    <cs:defRPr sz="1862" b="0" kern="1200" spc="0" baseline="0"/>
+    <cs:bodyPr rot="0" vert="horz"/>
+  </cs:title>
+  <cs:trendline>
+    <cs:lnRef idx="0"/>
+    <cs:fillRef idx="0"/>
+    <cs:effectRef idx="0"/>
+    <cs:fontRef idx="minor">
+      <a:schemeClr val="tx1"/>
+    </cs:fontRef>
+    <cs:spPr>
+      <a:ln w="19050" cap="rnd">
+        <a:solidFill>
+          <a:schemeClr val="phClr"/>
+        </a:solidFill>
+        <a:prstDash val="sysDash"/>
+      </a:ln>
+    </cs:spPr>
+  </cs:trendline>
+  <cs:trendlineLabel>
+    <cs:lnRef idx="0"/>
+    <cs:fillRef idx="0"/>
+    <cs:effectRef idx="0"/>
+    <cs:fontRef idx="minor">
+      <a:schemeClr val="tx1">
+        <a:lumMod val="65000"/>
+        <a:lumOff val="35000"/>
+      </a:schemeClr>
+    </cs:fontRef>
+    <cs:defRPr sz="1197"/>
+  </cs:trendlineLabel>
+  <cs:upBar>
+    <cs:lnRef idx="0"/>
+    <cs:fillRef idx="0"/>
+    <cs:effectRef idx="0"/>
+    <cs:fontRef idx="minor">
+      <a:schemeClr val="tx1"/>
+    </cs:fontRef>
+    <cs:spPr>
+      <a:solidFill>
+        <a:schemeClr val="lt1"/>
+      </a:solidFill>
+      <a:ln w="9525" cap="flat" cmpd="sng" algn="ctr">
+        <a:solidFill>
+          <a:schemeClr val="tx1">
+            <a:lumMod val="65000"/>
+            <a:lumOff val="35000"/>
+          </a:schemeClr>
+        </a:solidFill>
+        <a:round/>
+      </a:ln>
+    </cs:spPr>
+  </cs:upBar>
+  <cs:valueAxis>
+    <cs:lnRef idx="0"/>
+    <cs:fillRef idx="0"/>
+    <cs:effectRef idx="0"/>
+    <cs:fontRef idx="minor">
+      <a:schemeClr val="tx1">
+        <a:lumMod val="65000"/>
+        <a:lumOff val="35000"/>
+      </a:schemeClr>
+    </cs:fontRef>
+    <cs:defRPr sz="1197" kern="1200"/>
+    <cs:bodyPr rot="-60000000" vert="horz"/>
+  </cs:valueAxis>
+  <cs:wall>
+    <cs:lnRef idx="0"/>
+    <cs:fillRef idx="0"/>
+    <cs:effectRef idx="0"/>
+    <cs:fontRef idx="minor">
+      <a:schemeClr val="tx1"/>
+    </cs:fontRef>
+  </cs:wall>
+</cs:chartStyle>
+</file>
+
+<file path=ppt/charts/style3.xml><?xml version="1.0" encoding="utf-8"?>
+<cs:chartStyle xmlns:cs="http://schemas.microsoft.com/office/drawing/2012/chartStyle" xmlns:a="http://schemas.openxmlformats.org/drawingml/2006/main" id="406">
+  <cs:axisTitle>
+    <cs:lnRef idx="0"/>
+    <cs:fillRef idx="0"/>
+    <cs:effectRef idx="0"/>
+    <cs:fontRef idx="minor">
+      <a:schemeClr val="tx1">
+        <a:lumMod val="65000"/>
+        <a:lumOff val="35000"/>
+      </a:schemeClr>
+    </cs:fontRef>
+    <cs:defRPr sz="1197"/>
+  </cs:axisTitle>
+  <cs:categoryAxis>
+    <cs:lnRef idx="0"/>
+    <cs:fillRef idx="0"/>
+    <cs:effectRef idx="0"/>
+    <cs:fontRef idx="minor">
+      <a:schemeClr val="tx1">
+        <a:lumMod val="65000"/>
+        <a:lumOff val="35000"/>
+      </a:schemeClr>
+    </cs:fontRef>
+    <cs:spPr>
+      <a:ln w="9525" cap="flat" cmpd="sng" algn="ctr">
+        <a:solidFill>
+          <a:schemeClr val="tx1">
+            <a:lumMod val="15000"/>
+            <a:lumOff val="85000"/>
+          </a:schemeClr>
+        </a:solidFill>
+        <a:round/>
+      </a:ln>
+    </cs:spPr>
+    <cs:defRPr sz="1197" kern="1200"/>
+    <cs:bodyPr rot="-60000000" vert="horz"/>
+  </cs:categoryAxis>
+  <cs:chartArea mods="allowNoFillOverride allowNoLineOverride">
+    <cs:lnRef idx="0"/>
+    <cs:fillRef idx="0"/>
+    <cs:effectRef idx="0"/>
+    <cs:fontRef idx="minor">
+      <a:schemeClr val="tx1"/>
+    </cs:fontRef>
+    <cs:spPr>
+      <a:solidFill>
+        <a:schemeClr val="bg1"/>
+      </a:solidFill>
+      <a:ln w="9525" cap="flat" cmpd="sng" algn="ctr">
+        <a:solidFill>
+          <a:schemeClr val="tx1">
+            <a:lumMod val="15000"/>
+            <a:lumOff val="85000"/>
+          </a:schemeClr>
+        </a:solidFill>
+        <a:round/>
+      </a:ln>
+    </cs:spPr>
+    <cs:defRPr sz="1330" kern="1200"/>
+  </cs:chartArea>
+  <cs:dataLabel>
+    <cs:lnRef idx="0"/>
+    <cs:fillRef idx="0"/>
+    <cs:effectRef idx="0"/>
+    <cs:fontRef idx="minor">
+      <a:schemeClr val="tx1">
+        <a:lumMod val="65000"/>
+        <a:lumOff val="35000"/>
+      </a:schemeClr>
+    </cs:fontRef>
+    <cs:defRPr sz="1197"/>
+  </cs:dataLabel>
+  <cs:dataLabelCallout>
+    <cs:lnRef idx="0"/>
+    <cs:fillRef idx="0"/>
+    <cs:effectRef idx="0"/>
+    <cs:fontRef idx="minor">
+      <a:schemeClr val="tx1">
+        <a:lumMod val="65000"/>
+        <a:lumOff val="35000"/>
+      </a:schemeClr>
+    </cs:fontRef>
+    <cs:spPr>
+      <a:solidFill>
+        <a:schemeClr val="lt1"/>
+      </a:solidFill>
+      <a:ln>
+        <a:solidFill>
+          <a:schemeClr val="dk1">
+            <a:lumMod val="25000"/>
+            <a:lumOff val="75000"/>
+          </a:schemeClr>
+        </a:solidFill>
+      </a:ln>
+    </cs:spPr>
+    <cs:defRPr sz="1197"/>
+    <cs:bodyPr rot="0" spcFirstLastPara="1" vertOverflow="clip" horzOverflow="clip" vert="horz" wrap="square" lIns="36576" tIns="18288" rIns="36576" bIns="18288" anchor="ctr" anchorCtr="1">
+      <a:spAutoFit/>
+    </cs:bodyPr>
+  </cs:dataLabelCallout>
+  <cs:dataPoint>
+    <cs:lnRef idx="0">
+      <cs:styleClr val="auto"/>
+    </cs:lnRef>
+    <cs:fillRef idx="0">
+      <cs:styleClr val="auto"/>
+    </cs:fillRef>
+    <cs:effectRef idx="0"/>
+    <cs:fontRef idx="minor">
+      <a:schemeClr val="tx1"/>
+    </cs:fontRef>
+    <cs:spPr>
+      <a:solidFill>
+        <a:schemeClr val="phClr"/>
+      </a:solidFill>
+      <a:ln>
+        <a:solidFill>
+          <a:schemeClr val="phClr"/>
+        </a:solidFill>
+      </a:ln>
+    </cs:spPr>
+  </cs:dataPoint>
+  <cs:dataPoint3D>
+    <cs:lnRef idx="0"/>
+    <cs:fillRef idx="0">
+      <cs:styleClr val="auto"/>
+    </cs:fillRef>
+    <cs:effectRef idx="0"/>
+    <cs:fontRef idx="minor">
+      <a:schemeClr val="tx1"/>
+    </cs:fontRef>
+    <cs:spPr>
+      <a:solidFill>
+        <a:schemeClr val="phClr"/>
+      </a:solidFill>
+    </cs:spPr>
+  </cs:dataPoint3D>
+  <cs:dataPointLine>
+    <cs:lnRef idx="0">
+      <cs:styleClr val="auto"/>
+    </cs:lnRef>
+    <cs:fillRef idx="0"/>
+    <cs:effectRef idx="0"/>
+    <cs:fontRef idx="minor">
+      <a:schemeClr val="tx1"/>
+    </cs:fontRef>
+    <cs:spPr>
+      <a:ln w="28575" cap="rnd">
+        <a:solidFill>
+          <a:schemeClr val="phClr"/>
+        </a:solidFill>
+        <a:round/>
+      </a:ln>
+    </cs:spPr>
+  </cs:dataPointLine>
+  <cs:dataPointMarker>
+    <cs:lnRef idx="0"/>
+    <cs:fillRef idx="0">
+      <cs:styleClr val="auto"/>
+    </cs:fillRef>
+    <cs:effectRef idx="0"/>
+    <cs:fontRef idx="minor">
+      <a:schemeClr val="tx1"/>
+    </cs:fontRef>
+    <cs:spPr>
+      <a:solidFill>
+        <a:schemeClr val="phClr"/>
+      </a:solidFill>
+      <a:ln w="9525">
+        <a:solidFill>
+          <a:schemeClr val="lt1"/>
+        </a:solidFill>
+      </a:ln>
+    </cs:spPr>
+  </cs:dataPointMarker>
+  <cs:dataPointMarkerLayout symbol="circle" size="5"/>
+  <cs:dataPointWireframe>
+    <cs:lnRef idx="0">
+      <cs:styleClr val="auto"/>
+    </cs:lnRef>
+    <cs:fillRef idx="0"/>
+    <cs:effectRef idx="0"/>
+    <cs:fontRef idx="minor">
+      <a:schemeClr val="tx1"/>
+    </cs:fontRef>
+    <cs:spPr>
+      <a:ln w="28575" cap="rnd">
+        <a:solidFill>
+          <a:schemeClr val="phClr"/>
+        </a:solidFill>
+        <a:round/>
+      </a:ln>
+    </cs:spPr>
+  </cs:dataPointWireframe>
+  <cs:dataTable>
+    <cs:lnRef idx="0"/>
+    <cs:fillRef idx="0"/>
+    <cs:effectRef idx="0"/>
+    <cs:fontRef idx="minor">
+      <a:schemeClr val="tx1">
+        <a:lumMod val="65000"/>
+        <a:lumOff val="35000"/>
+      </a:schemeClr>
+    </cs:fontRef>
+    <cs:spPr>
+      <a:ln w="9525">
+        <a:solidFill>
+          <a:schemeClr val="tx1">
+            <a:lumMod val="15000"/>
+            <a:lumOff val="85000"/>
+          </a:schemeClr>
+        </a:solidFill>
+      </a:ln>
+    </cs:spPr>
+    <cs:defRPr sz="1197"/>
+  </cs:dataTable>
+  <cs:downBar>
+    <cs:lnRef idx="0"/>
+    <cs:fillRef idx="0"/>
+    <cs:effectRef idx="0"/>
+    <cs:fontRef idx="minor">
+      <a:schemeClr val="tx1"/>
+    </cs:fontRef>
+    <cs:spPr>
+      <a:solidFill>
+        <a:schemeClr val="dk1">
+          <a:lumMod val="75000"/>
+          <a:lumOff val="25000"/>
+        </a:schemeClr>
+      </a:solidFill>
+      <a:ln w="9525" cap="flat" cmpd="sng" algn="ctr">
+        <a:solidFill>
+          <a:schemeClr val="tx1">
+            <a:lumMod val="65000"/>
+            <a:lumOff val="35000"/>
+          </a:schemeClr>
+        </a:solidFill>
+        <a:round/>
+      </a:ln>
+    </cs:spPr>
+  </cs:downBar>
+  <cs:dropLine>
+    <cs:lnRef idx="0"/>
+    <cs:fillRef idx="0"/>
+    <cs:effectRef idx="0"/>
+    <cs:fontRef idx="minor">
+      <a:schemeClr val="tx1"/>
+    </cs:fontRef>
+  </cs:dropLine>
+  <cs:errorBar>
+    <cs:lnRef idx="0"/>
+    <cs:fillRef idx="0"/>
+    <cs:effectRef idx="0"/>
+    <cs:fontRef idx="minor">
+      <a:schemeClr val="tx1"/>
+    </cs:fontRef>
+  </cs:errorBar>
+  <cs:floor>
+    <cs:lnRef idx="0"/>
+    <cs:fillRef idx="0"/>
+    <cs:effectRef idx="0"/>
+    <cs:fontRef idx="minor">
+      <a:schemeClr val="tx1"/>
+    </cs:fontRef>
+  </cs:floor>
+  <cs:gridlineMajor>
+    <cs:lnRef idx="0"/>
+    <cs:fillRef idx="0"/>
+    <cs:effectRef idx="0"/>
+    <cs:fontRef idx="minor">
+      <a:schemeClr val="tx1"/>
+    </cs:fontRef>
+    <cs:spPr>
+      <a:ln w="9525" cap="flat" cmpd="sng" algn="ctr">
+        <a:solidFill>
+          <a:schemeClr val="tx1">
+            <a:lumMod val="15000"/>
+            <a:lumOff val="85000"/>
+          </a:schemeClr>
+        </a:solidFill>
+        <a:round/>
+      </a:ln>
+    </cs:spPr>
+  </cs:gridlineMajor>
+  <cs:gridlineMinor>
+    <cs:lnRef idx="0"/>
+    <cs:fillRef idx="0"/>
+    <cs:effectRef idx="0"/>
+    <cs:fontRef idx="minor">
+      <a:schemeClr val="tx1"/>
+    </cs:fontRef>
+    <cs:spPr>
+      <a:ln>
+        <a:solidFill>
+          <a:schemeClr val="tx1">
+            <a:lumMod val="15000"/>
+            <a:lumOff val="85000"/>
+            <a:lumOff val="10000"/>
+          </a:schemeClr>
+        </a:solidFill>
+      </a:ln>
+    </cs:spPr>
+  </cs:gridlineMinor>
+  <cs:hiLoLine>
+    <cs:lnRef idx="0"/>
+    <cs:fillRef idx="0"/>
+    <cs:effectRef idx="0"/>
+    <cs:fontRef idx="minor">
+      <a:schemeClr val="tx1"/>
+    </cs:fontRef>
+    <cs:spPr>
+      <a:ln w="9525" cap="flat" cmpd="sng" algn="ctr">
+        <a:solidFill>
+          <a:schemeClr val="tx1">
+            <a:lumMod val="75000"/>
+            <a:lumOff val="25000"/>
+          </a:schemeClr>
+        </a:solidFill>
+        <a:round/>
+      </a:ln>
+    </cs:spPr>
+  </cs:hiLoLine>
+  <cs:leaderLine>
+    <cs:lnRef idx="0"/>
+    <cs:fillRef idx="0"/>
+    <cs:effectRef idx="0"/>
+    <cs:fontRef idx="minor">
+      <a:schemeClr val="tx1"/>
+    </cs:fontRef>
+  </cs:leaderLine>
+  <cs:legend>
+    <cs:lnRef idx="0"/>
+    <cs:fillRef idx="0"/>
+    <cs:effectRef idx="0"/>
+    <cs:fontRef idx="minor">
+      <a:schemeClr val="tx1">
+        <a:lumMod val="65000"/>
+        <a:lumOff val="35000"/>
+      </a:schemeClr>
+    </cs:fontRef>
+    <cs:defRPr sz="1197"/>
+  </cs:legend>
+  <cs:plotArea mods="allowNoFillOverride allowNoLineOverride">
+    <cs:lnRef idx="0"/>
+    <cs:fillRef idx="0"/>
+    <cs:effectRef idx="0"/>
+    <cs:fontRef idx="minor">
+      <a:schemeClr val="tx1"/>
+    </cs:fontRef>
+  </cs:plotArea>
+  <cs:plotArea3D mods="allowNoFillOverride allowNoLineOverride">
+    <cs:lnRef idx="0"/>
+    <cs:fillRef idx="0"/>
+    <cs:effectRef idx="0"/>
+    <cs:fontRef idx="minor">
+      <a:schemeClr val="tx1"/>
+    </cs:fontRef>
+  </cs:plotArea3D>
+  <cs:seriesAxis>
+    <cs:lnRef idx="0"/>
+    <cs:fillRef idx="0"/>
+    <cs:effectRef idx="0"/>
+    <cs:fontRef idx="minor">
+      <a:schemeClr val="tx1">
+        <a:lumMod val="65000"/>
+        <a:lumOff val="35000"/>
+      </a:schemeClr>
+    </cs:fontRef>
+    <cs:spPr>
+      <a:ln w="9525" cap="flat" cmpd="sng" algn="ctr">
+        <a:solidFill>
+          <a:schemeClr val="tx1">
+            <a:lumMod val="15000"/>
+            <a:lumOff val="85000"/>
+          </a:schemeClr>
+        </a:solidFill>
+        <a:round/>
+      </a:ln>
+    </cs:spPr>
+    <cs:defRPr sz="1197"/>
+    <cs:bodyPr rot="-60000000" vert="horz"/>
+  </cs:seriesAxis>
+  <cs:seriesLine>
+    <cs:lnRef idx="0"/>
+    <cs:fillRef idx="0"/>
+    <cs:effectRef idx="0"/>
+    <cs:fontRef idx="minor">
+      <a:schemeClr val="tx1"/>
+    </cs:fontRef>
+    <cs:spPr>
+      <a:ln w="9525" cap="flat">
+        <a:solidFill>
+          <a:srgbClr val="D9D9D9"/>
+        </a:solidFill>
+        <a:round/>
+      </a:ln>
+    </cs:spPr>
+  </cs:seriesLine>
+  <cs:title>
+    <cs:lnRef idx="0"/>
+    <cs:fillRef idx="0"/>
+    <cs:effectRef idx="0"/>
+    <cs:fontRef idx="minor">
+      <a:schemeClr val="tx1">
+        <a:lumMod val="65000"/>
+        <a:lumOff val="35000"/>
+      </a:schemeClr>
+    </cs:fontRef>
+    <cs:defRPr sz="1862" b="0" kern="1200" spc="0" baseline="0"/>
+    <cs:bodyPr rot="0" vert="horz"/>
+  </cs:title>
+  <cs:trendline>
+    <cs:lnRef idx="0"/>
+    <cs:fillRef idx="0"/>
+    <cs:effectRef idx="0"/>
+    <cs:fontRef idx="minor">
+      <a:schemeClr val="tx1"/>
+    </cs:fontRef>
+    <cs:spPr>
+      <a:ln w="19050" cap="rnd">
+        <a:solidFill>
+          <a:schemeClr val="phClr"/>
+        </a:solidFill>
+        <a:prstDash val="sysDash"/>
+      </a:ln>
+    </cs:spPr>
+  </cs:trendline>
+  <cs:trendlineLabel>
+    <cs:lnRef idx="0"/>
+    <cs:fillRef idx="0"/>
+    <cs:effectRef idx="0"/>
+    <cs:fontRef idx="minor">
+      <a:schemeClr val="tx1">
+        <a:lumMod val="65000"/>
+        <a:lumOff val="35000"/>
+      </a:schemeClr>
+    </cs:fontRef>
+    <cs:defRPr sz="1197"/>
+  </cs:trendlineLabel>
+  <cs:upBar>
+    <cs:lnRef idx="0"/>
+    <cs:fillRef idx="0"/>
+    <cs:effectRef idx="0"/>
+    <cs:fontRef idx="minor">
+      <a:schemeClr val="tx1"/>
+    </cs:fontRef>
+    <cs:spPr>
+      <a:solidFill>
+        <a:schemeClr val="lt1"/>
+      </a:solidFill>
+      <a:ln w="9525" cap="flat" cmpd="sng" algn="ctr">
+        <a:solidFill>
+          <a:schemeClr val="tx1">
+            <a:lumMod val="65000"/>
+            <a:lumOff val="35000"/>
+          </a:schemeClr>
+        </a:solidFill>
+        <a:round/>
+      </a:ln>
+    </cs:spPr>
+  </cs:upBar>
+  <cs:valueAxis>
+    <cs:lnRef idx="0"/>
+    <cs:fillRef idx="0"/>
+    <cs:effectRef idx="0"/>
+    <cs:fontRef idx="minor">
+      <a:schemeClr val="tx1">
+        <a:lumMod val="65000"/>
+        <a:lumOff val="35000"/>
+      </a:schemeClr>
+    </cs:fontRef>
+    <cs:defRPr sz="1197" kern="1200"/>
+    <cs:bodyPr rot="-60000000" vert="horz"/>
+  </cs:valueAxis>
+  <cs:wall>
+    <cs:lnRef idx="0"/>
+    <cs:fillRef idx="0"/>
+    <cs:effectRef idx="0"/>
+    <cs:fontRef idx="minor">
+      <a:schemeClr val="tx1"/>
+    </cs:fontRef>
+  </cs:wall>
+</cs:chartStyle>
 </file>
 
 <file path=ppt/notesMasters/notesMaster1.xml><?xml version="1.0" encoding="utf-8"?>
@@ -4806,15 +7485,7 @@
             </a:r>
             <a:r>
               <a:rPr lang="de-DE" dirty="0" smtClean="0"/>
-              <a:t>(</a:t>
-            </a:r>
-            <a:r>
-              <a:rPr lang="de-DE" dirty="0" smtClean="0"/>
-              <a:t>5</a:t>
-            </a:r>
-            <a:r>
-              <a:rPr lang="de-DE" dirty="0" smtClean="0"/>
-              <a:t>/5)</a:t>
+              <a:t>(5/5)</a:t>
             </a:r>
             <a:endParaRPr lang="de-DE" dirty="0"/>
           </a:p>
@@ -4910,81 +7581,180 @@
           </a:p>
         </p:txBody>
       </p:sp>
-      <p:sp>
-        <p:nvSpPr>
-          <p:cNvPr id="3" name="Inhaltsplatzhalter 2"/>
-          <p:cNvSpPr>
-            <a:spLocks noGrp="1"/>
-          </p:cNvSpPr>
+      <p:graphicFrame>
+        <p:nvGraphicFramePr>
+          <p:cNvPr id="8" name="Inhaltsplatzhalter 7"/>
+          <p:cNvGraphicFramePr>
+            <a:graphicFrameLocks noGrp="1"/>
+          </p:cNvGraphicFramePr>
           <p:nvPr>
             <p:ph idx="1"/>
-          </p:nvPr>
-        </p:nvSpPr>
-        <p:spPr/>
-        <p:txBody>
-          <a:bodyPr/>
+            <p:extLst>
+              <p:ext uri="{D42A27DB-BD31-4B8C-83A1-F6EECF244321}">
+                <p14:modId xmlns:p14="http://schemas.microsoft.com/office/powerpoint/2010/main" val="248010292"/>
+              </p:ext>
+            </p:extLst>
+          </p:nvPr>
+        </p:nvGraphicFramePr>
+        <p:xfrm>
+          <a:off x="411480" y="1825625"/>
+          <a:ext cx="3498850" cy="3101975"/>
+        </p:xfrm>
+        <a:graphic>
+          <a:graphicData uri="http://schemas.openxmlformats.org/drawingml/2006/chart">
+            <c:chart xmlns:c="http://schemas.openxmlformats.org/drawingml/2006/chart" xmlns:r="http://schemas.openxmlformats.org/officeDocument/2006/relationships" r:id="rId2"/>
+          </a:graphicData>
+        </a:graphic>
+      </p:graphicFrame>
+      <mc:AlternateContent xmlns:mc="http://schemas.openxmlformats.org/markup-compatibility/2006">
+        <mc:Choice xmlns:cx="http://schemas.microsoft.com/office/drawing/2014/chartex" Requires="cx">
+          <p:graphicFrame>
+            <p:nvGraphicFramePr>
+              <p:cNvPr id="15" name="Diagramm 14"/>
+              <p:cNvGraphicFramePr/>
+              <p:nvPr>
+                <p:extLst>
+                  <p:ext uri="{D42A27DB-BD31-4B8C-83A1-F6EECF244321}">
+                    <p14:modId xmlns:p14="http://schemas.microsoft.com/office/powerpoint/2010/main" val="210739064"/>
+                  </p:ext>
+                </p:extLst>
+              </p:nvPr>
+            </p:nvGraphicFramePr>
+            <p:xfrm>
+              <a:off x="4032297" y="1879200"/>
+              <a:ext cx="3350166" cy="3048400"/>
+            </p:xfrm>
+            <a:graphic>
+              <a:graphicData uri="http://schemas.microsoft.com/office/drawing/2014/chartex">
+                <c:chart xmlns:c="http://schemas.openxmlformats.org/drawingml/2006/chart" xmlns:r="http://schemas.openxmlformats.org/officeDocument/2006/relationships" r:id="rId3"/>
+              </a:graphicData>
+            </a:graphic>
+          </p:graphicFrame>
+        </mc:Choice>
+        <mc:Fallback>
+          <p:pic>
+            <p:nvPicPr>
+              <p:cNvPr id="15" name="Diagramm 14"/>
+              <p:cNvPicPr>
+                <a:picLocks noGrp="1" noRot="1" noChangeAspect="1" noMove="1" noResize="1" noEditPoints="1" noAdjustHandles="1" noChangeArrowheads="1" noChangeShapeType="1"/>
+              </p:cNvPicPr>
+              <p:nvPr/>
+            </p:nvPicPr>
+            <p:blipFill>
+              <a:blip r:embed="rId4"/>
+              <a:stretch>
+                <a:fillRect/>
+              </a:stretch>
+            </p:blipFill>
+            <p:spPr>
+              <a:xfrm>
+                <a:off x="4032297" y="1879200"/>
+                <a:ext cx="3350166" cy="3048400"/>
+              </a:xfrm>
+              <a:prstGeom prst="rect">
+                <a:avLst/>
+              </a:prstGeom>
+            </p:spPr>
+          </p:pic>
+        </mc:Fallback>
+      </mc:AlternateContent>
+      <mc:AlternateContent xmlns:mc="http://schemas.openxmlformats.org/markup-compatibility/2006">
+        <mc:Choice xmlns:cx="http://schemas.microsoft.com/office/drawing/2014/chartex" Requires="cx">
+          <p:graphicFrame>
+            <p:nvGraphicFramePr>
+              <p:cNvPr id="21" name="Diagramm 20"/>
+              <p:cNvGraphicFramePr/>
+              <p:nvPr>
+                <p:extLst>
+                  <p:ext uri="{D42A27DB-BD31-4B8C-83A1-F6EECF244321}">
+                    <p14:modId xmlns:p14="http://schemas.microsoft.com/office/powerpoint/2010/main" val="1989765849"/>
+                  </p:ext>
+                </p:extLst>
+              </p:nvPr>
+            </p:nvGraphicFramePr>
+            <p:xfrm>
+              <a:off x="8003634" y="1879200"/>
+              <a:ext cx="3350166" cy="3048400"/>
+            </p:xfrm>
+            <a:graphic>
+              <a:graphicData uri="http://schemas.microsoft.com/office/drawing/2014/chartex">
+                <c:chart xmlns:c="http://schemas.openxmlformats.org/drawingml/2006/chart" xmlns:r="http://schemas.openxmlformats.org/officeDocument/2006/relationships" r:id="rId5"/>
+              </a:graphicData>
+            </a:graphic>
+          </p:graphicFrame>
+        </mc:Choice>
+        <mc:Fallback>
+          <p:pic>
+            <p:nvPicPr>
+              <p:cNvPr id="21" name="Diagramm 20"/>
+              <p:cNvPicPr>
+                <a:picLocks noGrp="1" noRot="1" noChangeAspect="1" noMove="1" noResize="1" noEditPoints="1" noAdjustHandles="1" noChangeArrowheads="1" noChangeShapeType="1"/>
+              </p:cNvPicPr>
+              <p:nvPr/>
+            </p:nvPicPr>
+            <p:blipFill>
+              <a:blip r:embed="rId6"/>
+              <a:stretch>
+                <a:fillRect/>
+              </a:stretch>
+            </p:blipFill>
+            <p:spPr>
+              <a:xfrm>
+                <a:off x="8003634" y="1879200"/>
+                <a:ext cx="3350166" cy="3048400"/>
+              </a:xfrm>
+              <a:prstGeom prst="rect">
+                <a:avLst/>
+              </a:prstGeom>
+            </p:spPr>
+          </p:pic>
+        </mc:Fallback>
+      </mc:AlternateContent>
+      <p:sp>
+        <p:nvSpPr>
+          <p:cNvPr id="22" name="Textfeld 21"/>
+          <p:cNvSpPr txBox="1"/>
+          <p:nvPr/>
+        </p:nvSpPr>
+        <p:spPr>
+          <a:xfrm>
+            <a:off x="8336281" y="4927600"/>
+            <a:ext cx="2857500" cy="1477328"/>
+          </a:xfrm>
+          <a:prstGeom prst="rect">
+            <a:avLst/>
+          </a:prstGeom>
+          <a:noFill/>
+        </p:spPr>
+        <p:txBody>
+          <a:bodyPr wrap="square" rtlCol="0">
+            <a:spAutoFit/>
+          </a:bodyPr>
           <a:lstStyle/>
           <a:p>
             <a:r>
-              <a:rPr lang="de-DE" dirty="0"/>
-              <a:t>Demografisch (Alter, Erfahrung, Geschlecht)</a:t>
-            </a:r>
-          </a:p>
-          <a:p>
-            <a:r>
-              <a:rPr lang="de-DE" dirty="0"/>
-              <a:t>Umgebungsvariablen (Stuhleinstellungen)</a:t>
-            </a:r>
-          </a:p>
-          <a:p>
-            <a:r>
-              <a:rPr lang="de-DE" dirty="0"/>
-              <a:t>Dauer des </a:t>
-            </a:r>
-            <a:r>
-              <a:rPr lang="de-DE" dirty="0" err="1"/>
-              <a:t>Wecktons</a:t>
-            </a:r>
-            <a:r>
-              <a:rPr lang="de-DE" dirty="0"/>
-              <a:t> zum Abstellen</a:t>
-            </a:r>
-          </a:p>
-          <a:p>
-            <a:r>
-              <a:rPr lang="de-DE" dirty="0"/>
-              <a:t>Aufgabenergebnisse (Fehlerraten, Zeiten in Gruppen)</a:t>
-            </a:r>
-          </a:p>
-          <a:p>
-            <a:r>
-              <a:rPr lang="de-DE" dirty="0"/>
-              <a:t>Fragebögen (Sam, RSME)</a:t>
-            </a:r>
-          </a:p>
-          <a:p>
-            <a:r>
-              <a:rPr lang="de-DE" dirty="0"/>
-              <a:t>Schlafstatus</a:t>
-            </a:r>
-          </a:p>
-          <a:p>
-            <a:r>
-              <a:rPr lang="de-DE" dirty="0" err="1"/>
-              <a:t>Limesurvey</a:t>
-            </a:r>
-            <a:r>
-              <a:rPr lang="de-DE" dirty="0"/>
-              <a:t> (Müdigkeit vorher/</a:t>
-            </a:r>
-            <a:r>
-              <a:rPr lang="de-DE" dirty="0" err="1"/>
-              <a:t>nachehr</a:t>
-            </a:r>
-            <a:r>
-              <a:rPr lang="de-DE" dirty="0"/>
-              <a:t>, Aufgabenschwierigkeit, Komfort mit VR Brille, ..)</a:t>
-            </a:r>
+              <a:rPr lang="de-DE" dirty="0" smtClean="0">
+                <a:solidFill>
+                  <a:srgbClr val="FF00FF"/>
+                </a:solidFill>
+              </a:rPr>
+              <a:t>DIESE VISUALISIERUNG IST MIST. </a:t>
+            </a:r>
+          </a:p>
+          <a:p>
+            <a:r>
+              <a:rPr lang="de-DE" dirty="0" smtClean="0">
+                <a:solidFill>
+                  <a:srgbClr val="FF00FF"/>
+                </a:solidFill>
+              </a:rPr>
+              <a:t>Eigentlich müssen die zugrundeliegenden Daten angepasst werden</a:t>
+            </a:r>
+            <a:endParaRPr lang="de-DE" dirty="0">
+              <a:solidFill>
+                <a:srgbClr val="FF00FF"/>
+              </a:solidFill>
+            </a:endParaRPr>
           </a:p>
         </p:txBody>
       </p:sp>
@@ -5042,14 +7812,14 @@
           <a:p>
             <a:r>
               <a:rPr lang="de-DE" dirty="0"/>
-              <a:t>Diskussion</a:t>
-            </a:r>
-          </a:p>
-        </p:txBody>
-      </p:sp>
-      <p:sp>
-        <p:nvSpPr>
-          <p:cNvPr id="3" name="Inhaltsplatzhalter 2"/>
+              <a:t>Ergebnisse</a:t>
+            </a:r>
+          </a:p>
+        </p:txBody>
+      </p:sp>
+      <p:sp>
+        <p:nvSpPr>
+          <p:cNvPr id="4" name="Inhaltsplatzhalter 3"/>
           <p:cNvSpPr>
             <a:spLocks noGrp="1"/>
           </p:cNvSpPr>
@@ -5062,39 +7832,71 @@
           <a:bodyPr/>
           <a:lstStyle/>
           <a:p>
-            <a:r>
-              <a:rPr lang="de-DE" dirty="0" smtClean="0"/>
-              <a:t>Erfahrung und Demografie der Teilnehmer</a:t>
-            </a:r>
-          </a:p>
-          <a:p>
-            <a:pPr lvl="1"/>
-            <a:r>
-              <a:rPr lang="de-DE" dirty="0" smtClean="0"/>
-              <a:t>Vorhandene Affinität zur Technik</a:t>
-            </a:r>
-          </a:p>
-          <a:p>
-            <a:pPr lvl="1"/>
-            <a:r>
-              <a:rPr lang="de-DE" dirty="0" smtClean="0"/>
-              <a:t>Vorhandene VR Erfahrung</a:t>
-            </a:r>
-          </a:p>
-          <a:p>
-            <a:pPr lvl="1"/>
-            <a:r>
-              <a:rPr lang="de-DE" dirty="0" smtClean="0"/>
-              <a:t>Vorhandene Fahrerfahrung</a:t>
-            </a:r>
-            <a:endParaRPr lang="de-DE" dirty="0"/>
-          </a:p>
-        </p:txBody>
-      </p:sp>
+            <a:endParaRPr lang="de-DE"/>
+          </a:p>
+        </p:txBody>
+      </p:sp>
+      <p:graphicFrame>
+        <p:nvGraphicFramePr>
+          <p:cNvPr id="5" name="Objekt 4"/>
+          <p:cNvGraphicFramePr>
+            <a:graphicFrameLocks noChangeAspect="1"/>
+          </p:cNvGraphicFramePr>
+          <p:nvPr>
+            <p:extLst>
+              <p:ext uri="{D42A27DB-BD31-4B8C-83A1-F6EECF244321}">
+                <p14:modId xmlns:p14="http://schemas.microsoft.com/office/powerpoint/2010/main" val="3314982827"/>
+              </p:ext>
+            </p:extLst>
+          </p:nvPr>
+        </p:nvGraphicFramePr>
+        <p:xfrm>
+          <a:off x="972000" y="1386840"/>
+          <a:ext cx="8719200" cy="6228000"/>
+        </p:xfrm>
+        <a:graphic>
+          <a:graphicData uri="http://schemas.openxmlformats.org/presentationml/2006/ole">
+            <mc:AlternateContent xmlns:mc="http://schemas.openxmlformats.org/markup-compatibility/2006">
+              <mc:Choice xmlns:v="urn:schemas-microsoft-com:vml" Requires="v">
+                <p:oleObj spid="_x0000_s1026" name="Acrobat Document" r:id="rId3" imgW="4800253" imgH="3428735" progId="AcroExch.Document.7">
+                  <p:embed/>
+                </p:oleObj>
+              </mc:Choice>
+              <mc:Fallback>
+                <p:oleObj name="Acrobat Document" r:id="rId3" imgW="4800253" imgH="3428735" progId="AcroExch.Document.7">
+                  <p:embed/>
+                  <p:pic>
+                    <p:nvPicPr>
+                      <p:cNvPr id="0" name=""/>
+                      <p:cNvPicPr/>
+                      <p:nvPr/>
+                    </p:nvPicPr>
+                    <p:blipFill>
+                      <a:blip r:embed="rId4"/>
+                      <a:stretch>
+                        <a:fillRect/>
+                      </a:stretch>
+                    </p:blipFill>
+                    <p:spPr>
+                      <a:xfrm>
+                        <a:off x="972000" y="1386840"/>
+                        <a:ext cx="8719200" cy="6228000"/>
+                      </a:xfrm>
+                      <a:prstGeom prst="rect">
+                        <a:avLst/>
+                      </a:prstGeom>
+                    </p:spPr>
+                  </p:pic>
+                </p:oleObj>
+              </mc:Fallback>
+            </mc:AlternateContent>
+          </a:graphicData>
+        </a:graphic>
+      </p:graphicFrame>
     </p:spTree>
     <p:extLst>
       <p:ext uri="{BB962C8B-B14F-4D97-AF65-F5344CB8AC3E}">
-        <p14:creationId xmlns:p14="http://schemas.microsoft.com/office/powerpoint/2010/main" val="3554098313"/>
+        <p14:creationId xmlns:p14="http://schemas.microsoft.com/office/powerpoint/2010/main" val="2254292330"/>
       </p:ext>
     </p:extLst>
   </p:cSld>
@@ -5145,14 +7947,14 @@
           <a:p>
             <a:r>
               <a:rPr lang="de-DE" dirty="0"/>
-              <a:t>Diskussion</a:t>
-            </a:r>
-          </a:p>
-        </p:txBody>
-      </p:sp>
-      <p:sp>
-        <p:nvSpPr>
-          <p:cNvPr id="3" name="Inhaltsplatzhalter 2"/>
+              <a:t>Ergebnisse</a:t>
+            </a:r>
+          </a:p>
+        </p:txBody>
+      </p:sp>
+      <p:sp>
+        <p:nvSpPr>
+          <p:cNvPr id="4" name="Inhaltsplatzhalter 3"/>
           <p:cNvSpPr>
             <a:spLocks noGrp="1"/>
           </p:cNvSpPr>
@@ -5165,39 +7967,71 @@
           <a:bodyPr/>
           <a:lstStyle/>
           <a:p>
-            <a:r>
-              <a:rPr lang="de-DE" dirty="0" smtClean="0"/>
-              <a:t>Studiendurchführung</a:t>
-            </a:r>
-          </a:p>
-          <a:p>
-            <a:pPr lvl="1"/>
-            <a:r>
-              <a:rPr lang="de-DE" dirty="0" smtClean="0"/>
-              <a:t>Ort und Zeit</a:t>
-            </a:r>
-          </a:p>
-          <a:p>
-            <a:pPr lvl="1"/>
-            <a:r>
-              <a:rPr lang="de-DE" dirty="0" smtClean="0"/>
-              <a:t>‚Störende‘ Faktoren</a:t>
-            </a:r>
-          </a:p>
-          <a:p>
-            <a:pPr lvl="1"/>
-            <a:r>
-              <a:rPr lang="de-DE" dirty="0" smtClean="0"/>
-              <a:t>Realitätsnähe</a:t>
-            </a:r>
-            <a:endParaRPr lang="de-DE" dirty="0"/>
-          </a:p>
-        </p:txBody>
-      </p:sp>
+            <a:endParaRPr lang="de-DE"/>
+          </a:p>
+        </p:txBody>
+      </p:sp>
+      <p:graphicFrame>
+        <p:nvGraphicFramePr>
+          <p:cNvPr id="3" name="Objekt 2"/>
+          <p:cNvGraphicFramePr>
+            <a:graphicFrameLocks noChangeAspect="1"/>
+          </p:cNvGraphicFramePr>
+          <p:nvPr>
+            <p:extLst>
+              <p:ext uri="{D42A27DB-BD31-4B8C-83A1-F6EECF244321}">
+                <p14:modId xmlns:p14="http://schemas.microsoft.com/office/powerpoint/2010/main" val="832489196"/>
+              </p:ext>
+            </p:extLst>
+          </p:nvPr>
+        </p:nvGraphicFramePr>
+        <p:xfrm>
+          <a:off x="972000" y="1386000"/>
+          <a:ext cx="8719200" cy="6228000"/>
+        </p:xfrm>
+        <a:graphic>
+          <a:graphicData uri="http://schemas.openxmlformats.org/presentationml/2006/ole">
+            <mc:AlternateContent xmlns:mc="http://schemas.openxmlformats.org/markup-compatibility/2006">
+              <mc:Choice xmlns:v="urn:schemas-microsoft-com:vml" Requires="v">
+                <p:oleObj spid="_x0000_s2050" name="Acrobat Document" r:id="rId3" imgW="4800253" imgH="3428735" progId="AcroExch.Document.7">
+                  <p:embed/>
+                </p:oleObj>
+              </mc:Choice>
+              <mc:Fallback>
+                <p:oleObj name="Acrobat Document" r:id="rId3" imgW="4800253" imgH="3428735" progId="AcroExch.Document.7">
+                  <p:embed/>
+                  <p:pic>
+                    <p:nvPicPr>
+                      <p:cNvPr id="0" name=""/>
+                      <p:cNvPicPr/>
+                      <p:nvPr/>
+                    </p:nvPicPr>
+                    <p:blipFill>
+                      <a:blip r:embed="rId4"/>
+                      <a:stretch>
+                        <a:fillRect/>
+                      </a:stretch>
+                    </p:blipFill>
+                    <p:spPr>
+                      <a:xfrm>
+                        <a:off x="972000" y="1386000"/>
+                        <a:ext cx="8719200" cy="6228000"/>
+                      </a:xfrm>
+                      <a:prstGeom prst="rect">
+                        <a:avLst/>
+                      </a:prstGeom>
+                    </p:spPr>
+                  </p:pic>
+                </p:oleObj>
+              </mc:Fallback>
+            </mc:AlternateContent>
+          </a:graphicData>
+        </a:graphic>
+      </p:graphicFrame>
     </p:spTree>
     <p:extLst>
       <p:ext uri="{BB962C8B-B14F-4D97-AF65-F5344CB8AC3E}">
-        <p14:creationId xmlns:p14="http://schemas.microsoft.com/office/powerpoint/2010/main" val="1683365169"/>
+        <p14:creationId xmlns:p14="http://schemas.microsoft.com/office/powerpoint/2010/main" val="3303653968"/>
       </p:ext>
     </p:extLst>
   </p:cSld>
@@ -5248,14 +8082,14 @@
           <a:p>
             <a:r>
               <a:rPr lang="de-DE" dirty="0"/>
-              <a:t>Diskussion</a:t>
-            </a:r>
-          </a:p>
-        </p:txBody>
-      </p:sp>
-      <p:sp>
-        <p:nvSpPr>
-          <p:cNvPr id="3" name="Inhaltsplatzhalter 2"/>
+              <a:t>Ergebnisse</a:t>
+            </a:r>
+          </a:p>
+        </p:txBody>
+      </p:sp>
+      <p:sp>
+        <p:nvSpPr>
+          <p:cNvPr id="4" name="Inhaltsplatzhalter 3"/>
           <p:cNvSpPr>
             <a:spLocks noGrp="1"/>
           </p:cNvSpPr>
@@ -5268,32 +8102,71 @@
           <a:bodyPr/>
           <a:lstStyle/>
           <a:p>
-            <a:r>
-              <a:rPr lang="de-DE" dirty="0" smtClean="0"/>
-              <a:t>Aufgaben</a:t>
-            </a:r>
-          </a:p>
-          <a:p>
-            <a:pPr lvl="1"/>
-            <a:r>
-              <a:rPr lang="de-DE" dirty="0" smtClean="0"/>
-              <a:t>Aufgabenwahl</a:t>
-            </a:r>
-          </a:p>
-          <a:p>
-            <a:pPr lvl="1"/>
-            <a:r>
-              <a:rPr lang="de-DE" dirty="0" smtClean="0"/>
-              <a:t>Aufgabenbeschreibung</a:t>
-            </a:r>
-            <a:endParaRPr lang="de-DE" dirty="0"/>
-          </a:p>
-        </p:txBody>
-      </p:sp>
+            <a:endParaRPr lang="de-DE"/>
+          </a:p>
+        </p:txBody>
+      </p:sp>
+      <p:graphicFrame>
+        <p:nvGraphicFramePr>
+          <p:cNvPr id="5" name="Objekt 4"/>
+          <p:cNvGraphicFramePr>
+            <a:graphicFrameLocks noChangeAspect="1"/>
+          </p:cNvGraphicFramePr>
+          <p:nvPr>
+            <p:extLst>
+              <p:ext uri="{D42A27DB-BD31-4B8C-83A1-F6EECF244321}">
+                <p14:modId xmlns:p14="http://schemas.microsoft.com/office/powerpoint/2010/main" val="2606393692"/>
+              </p:ext>
+            </p:extLst>
+          </p:nvPr>
+        </p:nvGraphicFramePr>
+        <p:xfrm>
+          <a:off x="972000" y="1386840"/>
+          <a:ext cx="8719200" cy="6228000"/>
+        </p:xfrm>
+        <a:graphic>
+          <a:graphicData uri="http://schemas.openxmlformats.org/presentationml/2006/ole">
+            <mc:AlternateContent xmlns:mc="http://schemas.openxmlformats.org/markup-compatibility/2006">
+              <mc:Choice xmlns:v="urn:schemas-microsoft-com:vml" Requires="v">
+                <p:oleObj spid="_x0000_s3074" name="Acrobat Document" r:id="rId3" imgW="4800253" imgH="3428735" progId="AcroExch.Document.7">
+                  <p:embed/>
+                </p:oleObj>
+              </mc:Choice>
+              <mc:Fallback>
+                <p:oleObj name="Acrobat Document" r:id="rId3" imgW="4800253" imgH="3428735" progId="AcroExch.Document.7">
+                  <p:embed/>
+                  <p:pic>
+                    <p:nvPicPr>
+                      <p:cNvPr id="5" name="Objekt 4"/>
+                      <p:cNvPicPr/>
+                      <p:nvPr/>
+                    </p:nvPicPr>
+                    <p:blipFill>
+                      <a:blip r:embed="rId4"/>
+                      <a:stretch>
+                        <a:fillRect/>
+                      </a:stretch>
+                    </p:blipFill>
+                    <p:spPr>
+                      <a:xfrm>
+                        <a:off x="972000" y="1386840"/>
+                        <a:ext cx="8719200" cy="6228000"/>
+                      </a:xfrm>
+                      <a:prstGeom prst="rect">
+                        <a:avLst/>
+                      </a:prstGeom>
+                    </p:spPr>
+                  </p:pic>
+                </p:oleObj>
+              </mc:Fallback>
+            </mc:AlternateContent>
+          </a:graphicData>
+        </a:graphic>
+      </p:graphicFrame>
     </p:spTree>
     <p:extLst>
       <p:ext uri="{BB962C8B-B14F-4D97-AF65-F5344CB8AC3E}">
-        <p14:creationId xmlns:p14="http://schemas.microsoft.com/office/powerpoint/2010/main" val="2513655209"/>
+        <p14:creationId xmlns:p14="http://schemas.microsoft.com/office/powerpoint/2010/main" val="1919137672"/>
       </p:ext>
     </p:extLst>
   </p:cSld>
@@ -5344,7 +8217,7 @@
           <a:p>
             <a:r>
               <a:rPr lang="de-DE" dirty="0"/>
-              <a:t>Diskussion</a:t>
+              <a:t>Ergebnisse</a:t>
             </a:r>
           </a:p>
         </p:txBody>
@@ -5365,38 +8238,72 @@
           <a:lstStyle/>
           <a:p>
             <a:r>
-              <a:rPr lang="de-DE" dirty="0" smtClean="0"/>
-              <a:t>Zukunftsaussicht</a:t>
-            </a:r>
-          </a:p>
-          <a:p>
-            <a:pPr lvl="1"/>
-            <a:r>
-              <a:rPr lang="de-DE" dirty="0" smtClean="0"/>
-              <a:t>Demografie</a:t>
-            </a:r>
-          </a:p>
-          <a:p>
-            <a:pPr lvl="1"/>
-            <a:r>
-              <a:rPr lang="de-DE" dirty="0" smtClean="0"/>
-              <a:t>Studiendurchführung</a:t>
-            </a:r>
-          </a:p>
-          <a:p>
-            <a:pPr lvl="1"/>
-            <a:r>
-              <a:rPr lang="de-DE" dirty="0" smtClean="0"/>
-              <a:t>Aufgabenwahl</a:t>
-            </a:r>
-            <a:endParaRPr lang="de-DE" dirty="0"/>
+              <a:rPr lang="de-DE" dirty="0"/>
+              <a:t>Demografisch (Alter, Erfahrung, Geschlecht)</a:t>
+            </a:r>
+          </a:p>
+          <a:p>
+            <a:r>
+              <a:rPr lang="de-DE" dirty="0"/>
+              <a:t>Umgebungsvariablen (Stuhleinstellungen)</a:t>
+            </a:r>
+          </a:p>
+          <a:p>
+            <a:r>
+              <a:rPr lang="de-DE" dirty="0"/>
+              <a:t>Dauer des </a:t>
+            </a:r>
+            <a:r>
+              <a:rPr lang="de-DE" dirty="0" err="1"/>
+              <a:t>Wecktons</a:t>
+            </a:r>
+            <a:r>
+              <a:rPr lang="de-DE" dirty="0"/>
+              <a:t> zum Abstellen</a:t>
+            </a:r>
+          </a:p>
+          <a:p>
+            <a:r>
+              <a:rPr lang="de-DE" dirty="0"/>
+              <a:t>Aufgabenergebnisse (Fehlerraten, Zeiten in Gruppen)</a:t>
+            </a:r>
+          </a:p>
+          <a:p>
+            <a:r>
+              <a:rPr lang="de-DE" dirty="0"/>
+              <a:t>Fragebögen (Sam, RSME)</a:t>
+            </a:r>
+          </a:p>
+          <a:p>
+            <a:r>
+              <a:rPr lang="de-DE" dirty="0"/>
+              <a:t>Schlafstatus</a:t>
+            </a:r>
+          </a:p>
+          <a:p>
+            <a:r>
+              <a:rPr lang="de-DE" dirty="0" err="1"/>
+              <a:t>Limesurvey</a:t>
+            </a:r>
+            <a:r>
+              <a:rPr lang="de-DE" dirty="0"/>
+              <a:t> (Müdigkeit vorher/</a:t>
+            </a:r>
+            <a:r>
+              <a:rPr lang="de-DE" dirty="0" err="1"/>
+              <a:t>nachehr</a:t>
+            </a:r>
+            <a:r>
+              <a:rPr lang="de-DE" dirty="0"/>
+              <a:t>, Aufgabenschwierigkeit, Komfort mit VR Brille, ..)</a:t>
+            </a:r>
           </a:p>
         </p:txBody>
       </p:sp>
     </p:spTree>
     <p:extLst>
       <p:ext uri="{BB962C8B-B14F-4D97-AF65-F5344CB8AC3E}">
-        <p14:creationId xmlns:p14="http://schemas.microsoft.com/office/powerpoint/2010/main" val="397659059"/>
+        <p14:creationId xmlns:p14="http://schemas.microsoft.com/office/powerpoint/2010/main" val="2393554626"/>
       </p:ext>
     </p:extLst>
   </p:cSld>
@@ -5446,9 +8353,14 @@
           <a:lstStyle/>
           <a:p>
             <a:r>
-              <a:rPr lang="de-DE" dirty="0"/>
-              <a:t>Schlussfolgerung</a:t>
-            </a:r>
+              <a:rPr lang="de-DE" dirty="0" smtClean="0"/>
+              <a:t>Diskussion </a:t>
+            </a:r>
+            <a:r>
+              <a:rPr lang="de-DE" sz="2400" dirty="0" smtClean="0"/>
+              <a:t>(1/4)</a:t>
+            </a:r>
+            <a:endParaRPr lang="de-DE" sz="2400" dirty="0"/>
           </a:p>
         </p:txBody>
       </p:sp>
@@ -5468,38 +8380,49 @@
           <a:lstStyle/>
           <a:p>
             <a:r>
+              <a:rPr lang="de-DE" dirty="0" smtClean="0"/>
+              <a:t>Erfahrung und Demografie der Teilnehmer</a:t>
+            </a:r>
+          </a:p>
+          <a:p>
+            <a:pPr lvl="1"/>
+            <a:r>
+              <a:rPr lang="de-DE" dirty="0" smtClean="0"/>
+              <a:t>Vorhandene </a:t>
+            </a:r>
+            <a:r>
               <a:rPr lang="de-DE" dirty="0"/>
-              <a:t>VR</a:t>
-            </a:r>
-          </a:p>
-          <a:p>
+              <a:t>Affinität zur Technik</a:t>
+            </a:r>
+          </a:p>
+          <a:p>
+            <a:pPr lvl="1"/>
             <a:r>
               <a:rPr lang="de-DE" dirty="0"/>
-              <a:t>Hypothesen und Parameter und Gruppen</a:t>
-            </a:r>
-          </a:p>
-          <a:p>
+              <a:t>Vorhandene VR Erfahrung</a:t>
+            </a:r>
+          </a:p>
+          <a:p>
+            <a:pPr lvl="1"/>
             <a:r>
               <a:rPr lang="de-DE" dirty="0"/>
-              <a:t>Bewertung der Ergebnisse</a:t>
-            </a:r>
-          </a:p>
-          <a:p>
-            <a:r>
-              <a:rPr lang="de-DE"/>
-              <a:t>Zukünftige </a:t>
-            </a:r>
+              <a:t>Vorhandene Fahrerfahrung</a:t>
+            </a:r>
+          </a:p>
+          <a:p>
+            <a:pPr lvl="1"/>
             <a:r>
               <a:rPr lang="de-DE" dirty="0"/>
-              <a:t>Forschung</a:t>
-            </a:r>
+              <a:t>Vorhandener Bildungsstand</a:t>
+            </a:r>
+            <a:endParaRPr lang="de-DE" dirty="0"/>
           </a:p>
         </p:txBody>
       </p:sp>
     </p:spTree>
     <p:extLst>
       <p:ext uri="{BB962C8B-B14F-4D97-AF65-F5344CB8AC3E}">
-        <p14:creationId xmlns:p14="http://schemas.microsoft.com/office/powerpoint/2010/main" val="284220317"/>
+        <p14:creationId xmlns:p14="http://schemas.microsoft.com/office/powerpoint/2010/main" val="3554098313"/>
       </p:ext>
     </p:extLst>
   </p:cSld>
@@ -5622,6 +8545,438 @@
     <p:extLst>
       <p:ext uri="{BB962C8B-B14F-4D97-AF65-F5344CB8AC3E}">
         <p14:creationId xmlns:p14="http://schemas.microsoft.com/office/powerpoint/2010/main" val="2169765168"/>
+      </p:ext>
+    </p:extLst>
+  </p:cSld>
+  <p:clrMapOvr>
+    <a:masterClrMapping/>
+  </p:clrMapOvr>
+  <p:timing>
+    <p:tnLst>
+      <p:par>
+        <p:cTn id="1" dur="indefinite" restart="never" nodeType="tmRoot"/>
+      </p:par>
+    </p:tnLst>
+  </p:timing>
+</p:sld>
+</file>
+
+<file path=ppt/slides/slide20.xml><?xml version="1.0" encoding="utf-8"?>
+<p:sld xmlns:a="http://schemas.openxmlformats.org/drawingml/2006/main" xmlns:r="http://schemas.openxmlformats.org/officeDocument/2006/relationships" xmlns:p="http://schemas.openxmlformats.org/presentationml/2006/main">
+  <p:cSld>
+    <p:spTree>
+      <p:nvGrpSpPr>
+        <p:cNvPr id="1" name=""/>
+        <p:cNvGrpSpPr/>
+        <p:nvPr/>
+      </p:nvGrpSpPr>
+      <p:grpSpPr>
+        <a:xfrm>
+          <a:off x="0" y="0"/>
+          <a:ext cx="0" cy="0"/>
+          <a:chOff x="0" y="0"/>
+          <a:chExt cx="0" cy="0"/>
+        </a:xfrm>
+      </p:grpSpPr>
+      <p:sp>
+        <p:nvSpPr>
+          <p:cNvPr id="2" name="Titel 1"/>
+          <p:cNvSpPr>
+            <a:spLocks noGrp="1"/>
+          </p:cNvSpPr>
+          <p:nvPr>
+            <p:ph type="title"/>
+          </p:nvPr>
+        </p:nvSpPr>
+        <p:spPr/>
+        <p:txBody>
+          <a:bodyPr/>
+          <a:lstStyle/>
+          <a:p>
+            <a:r>
+              <a:rPr lang="de-DE" dirty="0"/>
+              <a:t>Diskussion </a:t>
+            </a:r>
+            <a:r>
+              <a:rPr lang="de-DE" sz="2400" dirty="0" smtClean="0"/>
+              <a:t>(2/4</a:t>
+            </a:r>
+            <a:r>
+              <a:rPr lang="de-DE" sz="2400" dirty="0"/>
+              <a:t>)</a:t>
+            </a:r>
+            <a:endParaRPr lang="de-DE" sz="2400" dirty="0"/>
+          </a:p>
+        </p:txBody>
+      </p:sp>
+      <p:sp>
+        <p:nvSpPr>
+          <p:cNvPr id="3" name="Inhaltsplatzhalter 2"/>
+          <p:cNvSpPr>
+            <a:spLocks noGrp="1"/>
+          </p:cNvSpPr>
+          <p:nvPr>
+            <p:ph idx="1"/>
+          </p:nvPr>
+        </p:nvSpPr>
+        <p:spPr/>
+        <p:txBody>
+          <a:bodyPr/>
+          <a:lstStyle/>
+          <a:p>
+            <a:r>
+              <a:rPr lang="de-DE" dirty="0" smtClean="0"/>
+              <a:t>Studiendurchführung</a:t>
+            </a:r>
+          </a:p>
+          <a:p>
+            <a:pPr lvl="1"/>
+            <a:r>
+              <a:rPr lang="de-DE" dirty="0" smtClean="0"/>
+              <a:t>Ort und Zeit</a:t>
+            </a:r>
+          </a:p>
+          <a:p>
+            <a:pPr lvl="1"/>
+            <a:r>
+              <a:rPr lang="de-DE" dirty="0" smtClean="0"/>
+              <a:t>‚Störende‘ Faktoren</a:t>
+            </a:r>
+          </a:p>
+          <a:p>
+            <a:pPr lvl="1"/>
+            <a:r>
+              <a:rPr lang="de-DE" dirty="0" smtClean="0"/>
+              <a:t>Realitätsnähe</a:t>
+            </a:r>
+            <a:endParaRPr lang="de-DE" dirty="0"/>
+          </a:p>
+        </p:txBody>
+      </p:sp>
+    </p:spTree>
+    <p:extLst>
+      <p:ext uri="{BB962C8B-B14F-4D97-AF65-F5344CB8AC3E}">
+        <p14:creationId xmlns:p14="http://schemas.microsoft.com/office/powerpoint/2010/main" val="1683365169"/>
+      </p:ext>
+    </p:extLst>
+  </p:cSld>
+  <p:clrMapOvr>
+    <a:masterClrMapping/>
+  </p:clrMapOvr>
+  <p:timing>
+    <p:tnLst>
+      <p:par>
+        <p:cTn id="1" dur="indefinite" restart="never" nodeType="tmRoot"/>
+      </p:par>
+    </p:tnLst>
+  </p:timing>
+</p:sld>
+</file>
+
+<file path=ppt/slides/slide21.xml><?xml version="1.0" encoding="utf-8"?>
+<p:sld xmlns:a="http://schemas.openxmlformats.org/drawingml/2006/main" xmlns:r="http://schemas.openxmlformats.org/officeDocument/2006/relationships" xmlns:p="http://schemas.openxmlformats.org/presentationml/2006/main">
+  <p:cSld>
+    <p:spTree>
+      <p:nvGrpSpPr>
+        <p:cNvPr id="1" name=""/>
+        <p:cNvGrpSpPr/>
+        <p:nvPr/>
+      </p:nvGrpSpPr>
+      <p:grpSpPr>
+        <a:xfrm>
+          <a:off x="0" y="0"/>
+          <a:ext cx="0" cy="0"/>
+          <a:chOff x="0" y="0"/>
+          <a:chExt cx="0" cy="0"/>
+        </a:xfrm>
+      </p:grpSpPr>
+      <p:sp>
+        <p:nvSpPr>
+          <p:cNvPr id="2" name="Titel 1"/>
+          <p:cNvSpPr>
+            <a:spLocks noGrp="1"/>
+          </p:cNvSpPr>
+          <p:nvPr>
+            <p:ph type="title"/>
+          </p:nvPr>
+        </p:nvSpPr>
+        <p:spPr/>
+        <p:txBody>
+          <a:bodyPr/>
+          <a:lstStyle/>
+          <a:p>
+            <a:r>
+              <a:rPr lang="de-DE" dirty="0"/>
+              <a:t>Diskussion </a:t>
+            </a:r>
+            <a:r>
+              <a:rPr lang="de-DE" sz="2400" dirty="0" smtClean="0"/>
+              <a:t>(3/4</a:t>
+            </a:r>
+            <a:r>
+              <a:rPr lang="de-DE" sz="2400" dirty="0"/>
+              <a:t>)</a:t>
+            </a:r>
+            <a:endParaRPr lang="de-DE" sz="2400" dirty="0"/>
+          </a:p>
+        </p:txBody>
+      </p:sp>
+      <p:sp>
+        <p:nvSpPr>
+          <p:cNvPr id="3" name="Inhaltsplatzhalter 2"/>
+          <p:cNvSpPr>
+            <a:spLocks noGrp="1"/>
+          </p:cNvSpPr>
+          <p:nvPr>
+            <p:ph idx="1"/>
+          </p:nvPr>
+        </p:nvSpPr>
+        <p:spPr/>
+        <p:txBody>
+          <a:bodyPr/>
+          <a:lstStyle/>
+          <a:p>
+            <a:r>
+              <a:rPr lang="de-DE" dirty="0" smtClean="0"/>
+              <a:t>Aufgaben</a:t>
+            </a:r>
+          </a:p>
+          <a:p>
+            <a:pPr lvl="1"/>
+            <a:r>
+              <a:rPr lang="de-DE" dirty="0" smtClean="0"/>
+              <a:t>Aufgabenwahl</a:t>
+            </a:r>
+          </a:p>
+          <a:p>
+            <a:pPr lvl="1"/>
+            <a:r>
+              <a:rPr lang="de-DE" dirty="0" smtClean="0"/>
+              <a:t>Aufgabenbeschreibung</a:t>
+            </a:r>
+            <a:endParaRPr lang="de-DE" dirty="0"/>
+          </a:p>
+        </p:txBody>
+      </p:sp>
+    </p:spTree>
+    <p:extLst>
+      <p:ext uri="{BB962C8B-B14F-4D97-AF65-F5344CB8AC3E}">
+        <p14:creationId xmlns:p14="http://schemas.microsoft.com/office/powerpoint/2010/main" val="2513655209"/>
+      </p:ext>
+    </p:extLst>
+  </p:cSld>
+  <p:clrMapOvr>
+    <a:masterClrMapping/>
+  </p:clrMapOvr>
+  <p:timing>
+    <p:tnLst>
+      <p:par>
+        <p:cTn id="1" dur="indefinite" restart="never" nodeType="tmRoot"/>
+      </p:par>
+    </p:tnLst>
+  </p:timing>
+</p:sld>
+</file>
+
+<file path=ppt/slides/slide22.xml><?xml version="1.0" encoding="utf-8"?>
+<p:sld xmlns:a="http://schemas.openxmlformats.org/drawingml/2006/main" xmlns:r="http://schemas.openxmlformats.org/officeDocument/2006/relationships" xmlns:p="http://schemas.openxmlformats.org/presentationml/2006/main">
+  <p:cSld>
+    <p:spTree>
+      <p:nvGrpSpPr>
+        <p:cNvPr id="1" name=""/>
+        <p:cNvGrpSpPr/>
+        <p:nvPr/>
+      </p:nvGrpSpPr>
+      <p:grpSpPr>
+        <a:xfrm>
+          <a:off x="0" y="0"/>
+          <a:ext cx="0" cy="0"/>
+          <a:chOff x="0" y="0"/>
+          <a:chExt cx="0" cy="0"/>
+        </a:xfrm>
+      </p:grpSpPr>
+      <p:sp>
+        <p:nvSpPr>
+          <p:cNvPr id="2" name="Titel 1"/>
+          <p:cNvSpPr>
+            <a:spLocks noGrp="1"/>
+          </p:cNvSpPr>
+          <p:nvPr>
+            <p:ph type="title"/>
+          </p:nvPr>
+        </p:nvSpPr>
+        <p:spPr/>
+        <p:txBody>
+          <a:bodyPr/>
+          <a:lstStyle/>
+          <a:p>
+            <a:r>
+              <a:rPr lang="de-DE" dirty="0"/>
+              <a:t>Diskussion </a:t>
+            </a:r>
+            <a:r>
+              <a:rPr lang="de-DE" sz="2400" dirty="0" smtClean="0"/>
+              <a:t>(4/4</a:t>
+            </a:r>
+            <a:r>
+              <a:rPr lang="de-DE" sz="2400" dirty="0"/>
+              <a:t>)</a:t>
+            </a:r>
+            <a:endParaRPr lang="de-DE" sz="2400" dirty="0"/>
+          </a:p>
+        </p:txBody>
+      </p:sp>
+      <p:sp>
+        <p:nvSpPr>
+          <p:cNvPr id="3" name="Inhaltsplatzhalter 2"/>
+          <p:cNvSpPr>
+            <a:spLocks noGrp="1"/>
+          </p:cNvSpPr>
+          <p:nvPr>
+            <p:ph idx="1"/>
+          </p:nvPr>
+        </p:nvSpPr>
+        <p:spPr/>
+        <p:txBody>
+          <a:bodyPr/>
+          <a:lstStyle/>
+          <a:p>
+            <a:r>
+              <a:rPr lang="de-DE" dirty="0" smtClean="0"/>
+              <a:t>Zukunftsaussicht</a:t>
+            </a:r>
+          </a:p>
+          <a:p>
+            <a:pPr lvl="1"/>
+            <a:r>
+              <a:rPr lang="de-DE" dirty="0" smtClean="0"/>
+              <a:t>Demografie</a:t>
+            </a:r>
+          </a:p>
+          <a:p>
+            <a:pPr lvl="1"/>
+            <a:r>
+              <a:rPr lang="de-DE" dirty="0" smtClean="0"/>
+              <a:t>Studiendurchführung</a:t>
+            </a:r>
+          </a:p>
+          <a:p>
+            <a:pPr lvl="1"/>
+            <a:r>
+              <a:rPr lang="de-DE" dirty="0" smtClean="0"/>
+              <a:t>Aufgabenwahl</a:t>
+            </a:r>
+            <a:endParaRPr lang="de-DE" dirty="0"/>
+          </a:p>
+        </p:txBody>
+      </p:sp>
+    </p:spTree>
+    <p:extLst>
+      <p:ext uri="{BB962C8B-B14F-4D97-AF65-F5344CB8AC3E}">
+        <p14:creationId xmlns:p14="http://schemas.microsoft.com/office/powerpoint/2010/main" val="397659059"/>
+      </p:ext>
+    </p:extLst>
+  </p:cSld>
+  <p:clrMapOvr>
+    <a:masterClrMapping/>
+  </p:clrMapOvr>
+  <p:timing>
+    <p:tnLst>
+      <p:par>
+        <p:cTn id="1" dur="indefinite" restart="never" nodeType="tmRoot"/>
+      </p:par>
+    </p:tnLst>
+  </p:timing>
+</p:sld>
+</file>
+
+<file path=ppt/slides/slide23.xml><?xml version="1.0" encoding="utf-8"?>
+<p:sld xmlns:a="http://schemas.openxmlformats.org/drawingml/2006/main" xmlns:r="http://schemas.openxmlformats.org/officeDocument/2006/relationships" xmlns:p="http://schemas.openxmlformats.org/presentationml/2006/main">
+  <p:cSld>
+    <p:spTree>
+      <p:nvGrpSpPr>
+        <p:cNvPr id="1" name=""/>
+        <p:cNvGrpSpPr/>
+        <p:nvPr/>
+      </p:nvGrpSpPr>
+      <p:grpSpPr>
+        <a:xfrm>
+          <a:off x="0" y="0"/>
+          <a:ext cx="0" cy="0"/>
+          <a:chOff x="0" y="0"/>
+          <a:chExt cx="0" cy="0"/>
+        </a:xfrm>
+      </p:grpSpPr>
+      <p:sp>
+        <p:nvSpPr>
+          <p:cNvPr id="2" name="Titel 1"/>
+          <p:cNvSpPr>
+            <a:spLocks noGrp="1"/>
+          </p:cNvSpPr>
+          <p:nvPr>
+            <p:ph type="title"/>
+          </p:nvPr>
+        </p:nvSpPr>
+        <p:spPr/>
+        <p:txBody>
+          <a:bodyPr/>
+          <a:lstStyle/>
+          <a:p>
+            <a:r>
+              <a:rPr lang="de-DE" dirty="0"/>
+              <a:t>Schlussfolgerung</a:t>
+            </a:r>
+          </a:p>
+        </p:txBody>
+      </p:sp>
+      <p:sp>
+        <p:nvSpPr>
+          <p:cNvPr id="3" name="Inhaltsplatzhalter 2"/>
+          <p:cNvSpPr>
+            <a:spLocks noGrp="1"/>
+          </p:cNvSpPr>
+          <p:nvPr>
+            <p:ph idx="1"/>
+          </p:nvPr>
+        </p:nvSpPr>
+        <p:spPr/>
+        <p:txBody>
+          <a:bodyPr/>
+          <a:lstStyle/>
+          <a:p>
+            <a:r>
+              <a:rPr lang="de-DE" dirty="0"/>
+              <a:t>VR</a:t>
+            </a:r>
+          </a:p>
+          <a:p>
+            <a:r>
+              <a:rPr lang="de-DE" dirty="0"/>
+              <a:t>Hypothesen und Parameter und Gruppen</a:t>
+            </a:r>
+          </a:p>
+          <a:p>
+            <a:r>
+              <a:rPr lang="de-DE" dirty="0"/>
+              <a:t>Bewertung der Ergebnisse</a:t>
+            </a:r>
+          </a:p>
+          <a:p>
+            <a:r>
+              <a:rPr lang="de-DE"/>
+              <a:t>Zukünftige </a:t>
+            </a:r>
+            <a:r>
+              <a:rPr lang="de-DE" dirty="0"/>
+              <a:t>Forschung</a:t>
+            </a:r>
+          </a:p>
+        </p:txBody>
+      </p:sp>
+    </p:spTree>
+    <p:extLst>
+      <p:ext uri="{BB962C8B-B14F-4D97-AF65-F5344CB8AC3E}">
+        <p14:creationId xmlns:p14="http://schemas.microsoft.com/office/powerpoint/2010/main" val="284220317"/>
       </p:ext>
     </p:extLst>
   </p:cSld>

--- a/presentation/Resync Studie.pptx
+++ b/presentation/Resync Studie.pptx
@@ -548,6 +548,11 @@
             <a:solidFill>
               <a:srgbClr val="FC8D59"/>
             </a:solidFill>
+            <a:ln>
+              <a:solidFill>
+                <a:srgbClr val="FC8D59"/>
+              </a:solidFill>
+            </a:ln>
           </cx:spPr>
           <cx:dataId val="0"/>
           <cx:layoutPr>
@@ -622,140 +627,133 @@
     <cx:externalData r:id="rId1" cx:autoUpdate="0"/>
     <cx:data id="0">
       <cx:strDim type="cat">
-        <cx:f>Tabelle1!$A$2:$A$46</cx:f>
-        <cx:lvl ptCount="45">
-          <cx:pt idx="0">20</cx:pt>
-          <cx:pt idx="1">20</cx:pt>
-          <cx:pt idx="2">20</cx:pt>
-          <cx:pt idx="3">20</cx:pt>
-          <cx:pt idx="4">5</cx:pt>
-          <cx:pt idx="5">5</cx:pt>
-          <cx:pt idx="6">5</cx:pt>
-          <cx:pt idx="7">20</cx:pt>
-          <cx:pt idx="8">20</cx:pt>
-          <cx:pt idx="9">5</cx:pt>
-          <cx:pt idx="10">20</cx:pt>
-          <cx:pt idx="11">5</cx:pt>
-          <cx:pt idx="12">20</cx:pt>
-          <cx:pt idx="13">5</cx:pt>
-          <cx:pt idx="14">5</cx:pt>
-          <cx:pt idx="15">20</cx:pt>
-          <cx:pt idx="16">5</cx:pt>
-          <cx:pt idx="17">5</cx:pt>
-          <cx:pt idx="18">20</cx:pt>
-          <cx:pt idx="19">5</cx:pt>
-          <cx:pt idx="20">20</cx:pt>
-          <cx:pt idx="21">5</cx:pt>
-          <cx:pt idx="22">5</cx:pt>
-          <cx:pt idx="23">20</cx:pt>
-          <cx:pt idx="24">5</cx:pt>
-          <cx:pt idx="25">5</cx:pt>
-          <cx:pt idx="26">20</cx:pt>
-          <cx:pt idx="27">20</cx:pt>
-          <cx:pt idx="28">20</cx:pt>
-          <cx:pt idx="29">5</cx:pt>
-          <cx:pt idx="30">-1</cx:pt>
-          <cx:pt idx="31">-1</cx:pt>
-          <cx:pt idx="32">-1</cx:pt>
-          <cx:pt idx="33">-1</cx:pt>
-          <cx:pt idx="34">-1</cx:pt>
-          <cx:pt idx="35">-1</cx:pt>
-          <cx:pt idx="36">-1</cx:pt>
-          <cx:pt idx="37">-1</cx:pt>
-          <cx:pt idx="38">-1</cx:pt>
-          <cx:pt idx="39">-1</cx:pt>
-          <cx:pt idx="40">-1</cx:pt>
-          <cx:pt idx="41">-1</cx:pt>
-          <cx:pt idx="42">-1</cx:pt>
-          <cx:pt idx="43">-1</cx:pt>
-          <cx:pt idx="44">-1</cx:pt>
+        <cx:f>Tabelle1!$A$2:$A$91</cx:f>
+        <cx:lvl ptCount="90">
+          <cx:pt idx="0">Pleasure (pre)</cx:pt>
+          <cx:pt idx="1">Pleasure (pre)</cx:pt>
+          <cx:pt idx="2">Pleasure (pre)</cx:pt>
+          <cx:pt idx="3">Pleasure (pre)</cx:pt>
+          <cx:pt idx="4">Pleasure (pre)</cx:pt>
+          <cx:pt idx="5">Pleasure (pre)</cx:pt>
+          <cx:pt idx="6">Pleasure (pre)</cx:pt>
+          <cx:pt idx="7">Pleasure (pre)</cx:pt>
+          <cx:pt idx="8">Pleasure (pre)</cx:pt>
+          <cx:pt idx="9">Pleasure (pre)</cx:pt>
+          <cx:pt idx="10">Pleasure (pre)</cx:pt>
+          <cx:pt idx="11">Pleasure (pre)</cx:pt>
+          <cx:pt idx="12">Pleasure (pre)</cx:pt>
+          <cx:pt idx="13">Pleasure (pre)</cx:pt>
+          <cx:pt idx="14">Pleasure (pre)</cx:pt>
+          <cx:pt idx="15">Pleasure (post)</cx:pt>
+          <cx:pt idx="16">Pleasure (post)</cx:pt>
+          <cx:pt idx="17">Pleasure (post)</cx:pt>
+          <cx:pt idx="18">Pleasure (post)</cx:pt>
+          <cx:pt idx="19">Pleasure (post)</cx:pt>
+          <cx:pt idx="20">Pleasure (post)</cx:pt>
+          <cx:pt idx="21">Pleasure (post)</cx:pt>
+          <cx:pt idx="22">Pleasure (post)</cx:pt>
+          <cx:pt idx="23">Pleasure (post)</cx:pt>
+          <cx:pt idx="24">Pleasure (post)</cx:pt>
+          <cx:pt idx="25">Pleasure (post)</cx:pt>
+          <cx:pt idx="26">Pleasure (post)</cx:pt>
+          <cx:pt idx="27">Pleasure (post)</cx:pt>
+          <cx:pt idx="28">Pleasure (post)</cx:pt>
+          <cx:pt idx="29">Pleasure (post)</cx:pt>
+          <cx:pt idx="30">Arousal (pre)</cx:pt>
+          <cx:pt idx="31">Arousal (pre)</cx:pt>
+          <cx:pt idx="32">Arousal (pre)</cx:pt>
+          <cx:pt idx="33">Arousal (pre)</cx:pt>
+          <cx:pt idx="34">Arousal (pre)</cx:pt>
+          <cx:pt idx="35">Arousal (pre)</cx:pt>
+          <cx:pt idx="36">Arousal (pre)</cx:pt>
+          <cx:pt idx="37">Arousal (pre)</cx:pt>
+          <cx:pt idx="38">Arousal (pre)</cx:pt>
+          <cx:pt idx="39">Arousal (pre)</cx:pt>
+          <cx:pt idx="40">Arousal (pre)</cx:pt>
+          <cx:pt idx="41">Arousal (pre)</cx:pt>
+          <cx:pt idx="42">Arousal (pre)</cx:pt>
+          <cx:pt idx="43">Arousal (pre)</cx:pt>
+          <cx:pt idx="44">Arousal (pre)</cx:pt>
+          <cx:pt idx="45">Arousal (post)</cx:pt>
+          <cx:pt idx="46">Arousal (post)</cx:pt>
+          <cx:pt idx="47">Arousal (post)</cx:pt>
+          <cx:pt idx="48">Arousal (post)</cx:pt>
+          <cx:pt idx="49">Arousal (post)</cx:pt>
+          <cx:pt idx="50">Arousal (post)</cx:pt>
+          <cx:pt idx="51">Arousal (post)</cx:pt>
+          <cx:pt idx="52">Arousal (post)</cx:pt>
+          <cx:pt idx="53">Arousal (post)</cx:pt>
+          <cx:pt idx="54">Arousal (post)</cx:pt>
+          <cx:pt idx="55">Arousal (post)</cx:pt>
+          <cx:pt idx="56">Arousal (post)</cx:pt>
+          <cx:pt idx="57">Arousal (post)</cx:pt>
+          <cx:pt idx="58">Arousal (post)</cx:pt>
+          <cx:pt idx="59">Arousal (post)</cx:pt>
+          <cx:pt idx="60">Dominance (pre)</cx:pt>
+          <cx:pt idx="61">Dominance (pre)</cx:pt>
+          <cx:pt idx="62">Dominance (pre)</cx:pt>
+          <cx:pt idx="63">Dominance (pre)</cx:pt>
+          <cx:pt idx="64">Dominance (pre)</cx:pt>
+          <cx:pt idx="65">Dominance (pre)</cx:pt>
+          <cx:pt idx="66">Dominance (pre)</cx:pt>
+          <cx:pt idx="67">Dominance (pre)</cx:pt>
+          <cx:pt idx="68">Dominance (pre)</cx:pt>
+          <cx:pt idx="69">Dominance (pre)</cx:pt>
+          <cx:pt idx="70">Dominance (pre)</cx:pt>
+          <cx:pt idx="71">Dominance (pre)</cx:pt>
+          <cx:pt idx="72">Dominance (pre)</cx:pt>
+          <cx:pt idx="73">Dominance (pre)</cx:pt>
+          <cx:pt idx="74">Dominance (pre)</cx:pt>
+          <cx:pt idx="75">Dominance (post)</cx:pt>
+          <cx:pt idx="76">Dominance (post)</cx:pt>
+          <cx:pt idx="77">Dominance (post)</cx:pt>
+          <cx:pt idx="78">Dominance (post)</cx:pt>
+          <cx:pt idx="79">Dominance (post)</cx:pt>
+          <cx:pt idx="80">Dominance (post)</cx:pt>
+          <cx:pt idx="81">Dominance (post)</cx:pt>
+          <cx:pt idx="82">Dominance (post)</cx:pt>
+          <cx:pt idx="83">Dominance (post)</cx:pt>
+          <cx:pt idx="84">Dominance (post)</cx:pt>
+          <cx:pt idx="85">Dominance (post)</cx:pt>
+          <cx:pt idx="86">Dominance (post)</cx:pt>
+          <cx:pt idx="87">Dominance (post)</cx:pt>
+          <cx:pt idx="88">Dominance (post)</cx:pt>
+          <cx:pt idx="89">Dominance (post)</cx:pt>
         </cx:lvl>
       </cx:strDim>
       <cx:numDim type="val">
-        <cx:f>Tabelle1!$B$2:$B$46</cx:f>
-        <cx:lvl ptCount="45" formatCode="Standard">
+        <cx:f>Tabelle1!$B$2:$B$91</cx:f>
+        <cx:lvl ptCount="90" formatCode="Standard">
           <cx:pt idx="0">4</cx:pt>
-          <cx:pt idx="1">5</cx:pt>
+          <cx:pt idx="1">4</cx:pt>
           <cx:pt idx="2">4</cx:pt>
           <cx:pt idx="3">4</cx:pt>
-          <cx:pt idx="4">5</cx:pt>
-          <cx:pt idx="5">5</cx:pt>
-          <cx:pt idx="6">3</cx:pt>
+          <cx:pt idx="4">3</cx:pt>
+          <cx:pt idx="5">3</cx:pt>
+          <cx:pt idx="6">4</cx:pt>
           <cx:pt idx="7">4</cx:pt>
           <cx:pt idx="8">4</cx:pt>
           <cx:pt idx="9">4</cx:pt>
           <cx:pt idx="10">4</cx:pt>
-          <cx:pt idx="11">4</cx:pt>
+          <cx:pt idx="11">5</cx:pt>
           <cx:pt idx="12">4</cx:pt>
-          <cx:pt idx="13">2</cx:pt>
-          <cx:pt idx="14">4</cx:pt>
+          <cx:pt idx="13">4</cx:pt>
+          <cx:pt idx="14">5</cx:pt>
           <cx:pt idx="15">4</cx:pt>
           <cx:pt idx="16">4</cx:pt>
-          <cx:pt idx="17">5</cx:pt>
+          <cx:pt idx="17">4</cx:pt>
           <cx:pt idx="18">4</cx:pt>
-          <cx:pt idx="19">4</cx:pt>
-          <cx:pt idx="20">5</cx:pt>
+          <cx:pt idx="19">2</cx:pt>
+          <cx:pt idx="20">3</cx:pt>
           <cx:pt idx="21">4</cx:pt>
-          <cx:pt idx="22">5</cx:pt>
+          <cx:pt idx="22">4</cx:pt>
           <cx:pt idx="23">4</cx:pt>
-          <cx:pt idx="24">5</cx:pt>
-          <cx:pt idx="25">5</cx:pt>
-          <cx:pt idx="26">3</cx:pt>
-          <cx:pt idx="27">5</cx:pt>
-          <cx:pt idx="28">5</cx:pt>
+          <cx:pt idx="24">4</cx:pt>
+          <cx:pt idx="25">4</cx:pt>
+          <cx:pt idx="26">5</cx:pt>
+          <cx:pt idx="27">4</cx:pt>
+          <cx:pt idx="28">4</cx:pt>
           <cx:pt idx="29">4</cx:pt>
-          <cx:pt idx="30">4</cx:pt>
-          <cx:pt idx="31">4</cx:pt>
-          <cx:pt idx="32">4</cx:pt>
-          <cx:pt idx="33">4</cx:pt>
-          <cx:pt idx="34">3</cx:pt>
-          <cx:pt idx="35">3</cx:pt>
-          <cx:pt idx="36">4</cx:pt>
-          <cx:pt idx="37">4</cx:pt>
-          <cx:pt idx="38">4</cx:pt>
-          <cx:pt idx="39">4</cx:pt>
-          <cx:pt idx="40">4</cx:pt>
-          <cx:pt idx="41">5</cx:pt>
-          <cx:pt idx="42">4</cx:pt>
-          <cx:pt idx="43">4</cx:pt>
-          <cx:pt idx="44">5</cx:pt>
-        </cx:lvl>
-      </cx:numDim>
-    </cx:data>
-    <cx:data id="1">
-      <cx:numDim type="val">
-        <cx:f>Tabelle1!$C$2:$C$46</cx:f>
-        <cx:lvl ptCount="45" formatCode="Standard">
-          <cx:pt idx="0">3</cx:pt>
-          <cx:pt idx="1">2</cx:pt>
-          <cx:pt idx="2">1</cx:pt>
-          <cx:pt idx="3">1</cx:pt>
-          <cx:pt idx="4">1</cx:pt>
-          <cx:pt idx="5">1</cx:pt>
-          <cx:pt idx="6">2</cx:pt>
-          <cx:pt idx="7">3</cx:pt>
-          <cx:pt idx="8">3</cx:pt>
-          <cx:pt idx="9">2</cx:pt>
-          <cx:pt idx="10">1</cx:pt>
-          <cx:pt idx="11">2</cx:pt>
-          <cx:pt idx="12">1</cx:pt>
-          <cx:pt idx="13">5</cx:pt>
-          <cx:pt idx="14">3</cx:pt>
-          <cx:pt idx="15">3</cx:pt>
-          <cx:pt idx="16">3</cx:pt>
-          <cx:pt idx="17">3</cx:pt>
-          <cx:pt idx="18">2</cx:pt>
-          <cx:pt idx="19">3</cx:pt>
-          <cx:pt idx="20">3</cx:pt>
-          <cx:pt idx="21">2</cx:pt>
-          <cx:pt idx="22">2</cx:pt>
-          <cx:pt idx="23">1</cx:pt>
-          <cx:pt idx="24">2</cx:pt>
-          <cx:pt idx="25">2</cx:pt>
-          <cx:pt idx="26">1</cx:pt>
-          <cx:pt idx="27">2</cx:pt>
-          <cx:pt idx="28">4</cx:pt>
-          <cx:pt idx="29">2</cx:pt>
           <cx:pt idx="30">3</cx:pt>
           <cx:pt idx="31">2</cx:pt>
           <cx:pt idx="32">1</cx:pt>
@@ -771,264 +769,435 @@
           <cx:pt idx="42">3</cx:pt>
           <cx:pt idx="43">3</cx:pt>
           <cx:pt idx="44">1</cx:pt>
+          <cx:pt idx="45">3</cx:pt>
+          <cx:pt idx="46">1</cx:pt>
+          <cx:pt idx="47">2</cx:pt>
+          <cx:pt idx="48">1</cx:pt>
+          <cx:pt idx="49">2</cx:pt>
+          <cx:pt idx="50">3</cx:pt>
+          <cx:pt idx="51">2</cx:pt>
+          <cx:pt idx="52">1</cx:pt>
+          <cx:pt idx="53">2</cx:pt>
+          <cx:pt idx="54">2</cx:pt>
+          <cx:pt idx="55">3</cx:pt>
+          <cx:pt idx="56">1</cx:pt>
+          <cx:pt idx="57">4</cx:pt>
+          <cx:pt idx="58">2</cx:pt>
+          <cx:pt idx="59">1</cx:pt>
+          <cx:pt idx="60">4</cx:pt>
+          <cx:pt idx="61">3</cx:pt>
+          <cx:pt idx="62">3</cx:pt>
+          <cx:pt idx="63">2</cx:pt>
+          <cx:pt idx="64">3</cx:pt>
+          <cx:pt idx="65">3</cx:pt>
+          <cx:pt idx="66">5</cx:pt>
+          <cx:pt idx="67">4</cx:pt>
+          <cx:pt idx="68">3</cx:pt>
+          <cx:pt idx="69">3</cx:pt>
+          <cx:pt idx="70">3</cx:pt>
+          <cx:pt idx="71">3</cx:pt>
+          <cx:pt idx="72">3</cx:pt>
+          <cx:pt idx="73">2</cx:pt>
+          <cx:pt idx="74">5</cx:pt>
+          <cx:pt idx="75">4</cx:pt>
+          <cx:pt idx="76">2</cx:pt>
+          <cx:pt idx="77">3</cx:pt>
+          <cx:pt idx="78">2</cx:pt>
+          <cx:pt idx="79">2</cx:pt>
+          <cx:pt idx="80">3</cx:pt>
+          <cx:pt idx="81">2</cx:pt>
+          <cx:pt idx="82">3</cx:pt>
+          <cx:pt idx="83">2</cx:pt>
+          <cx:pt idx="84">3</cx:pt>
+          <cx:pt idx="85">2</cx:pt>
+          <cx:pt idx="86">3</cx:pt>
+          <cx:pt idx="87">2</cx:pt>
+          <cx:pt idx="88">2</cx:pt>
+          <cx:pt idx="89">5</cx:pt>
+        </cx:lvl>
+      </cx:numDim>
+    </cx:data>
+    <cx:data id="1">
+      <cx:strDim type="cat">
+        <cx:f>Tabelle1!$A$2:$A$91</cx:f>
+        <cx:lvl ptCount="90">
+          <cx:pt idx="0">Pleasure (pre)</cx:pt>
+          <cx:pt idx="1">Pleasure (pre)</cx:pt>
+          <cx:pt idx="2">Pleasure (pre)</cx:pt>
+          <cx:pt idx="3">Pleasure (pre)</cx:pt>
+          <cx:pt idx="4">Pleasure (pre)</cx:pt>
+          <cx:pt idx="5">Pleasure (pre)</cx:pt>
+          <cx:pt idx="6">Pleasure (pre)</cx:pt>
+          <cx:pt idx="7">Pleasure (pre)</cx:pt>
+          <cx:pt idx="8">Pleasure (pre)</cx:pt>
+          <cx:pt idx="9">Pleasure (pre)</cx:pt>
+          <cx:pt idx="10">Pleasure (pre)</cx:pt>
+          <cx:pt idx="11">Pleasure (pre)</cx:pt>
+          <cx:pt idx="12">Pleasure (pre)</cx:pt>
+          <cx:pt idx="13">Pleasure (pre)</cx:pt>
+          <cx:pt idx="14">Pleasure (pre)</cx:pt>
+          <cx:pt idx="15">Pleasure (post)</cx:pt>
+          <cx:pt idx="16">Pleasure (post)</cx:pt>
+          <cx:pt idx="17">Pleasure (post)</cx:pt>
+          <cx:pt idx="18">Pleasure (post)</cx:pt>
+          <cx:pt idx="19">Pleasure (post)</cx:pt>
+          <cx:pt idx="20">Pleasure (post)</cx:pt>
+          <cx:pt idx="21">Pleasure (post)</cx:pt>
+          <cx:pt idx="22">Pleasure (post)</cx:pt>
+          <cx:pt idx="23">Pleasure (post)</cx:pt>
+          <cx:pt idx="24">Pleasure (post)</cx:pt>
+          <cx:pt idx="25">Pleasure (post)</cx:pt>
+          <cx:pt idx="26">Pleasure (post)</cx:pt>
+          <cx:pt idx="27">Pleasure (post)</cx:pt>
+          <cx:pt idx="28">Pleasure (post)</cx:pt>
+          <cx:pt idx="29">Pleasure (post)</cx:pt>
+          <cx:pt idx="30">Arousal (pre)</cx:pt>
+          <cx:pt idx="31">Arousal (pre)</cx:pt>
+          <cx:pt idx="32">Arousal (pre)</cx:pt>
+          <cx:pt idx="33">Arousal (pre)</cx:pt>
+          <cx:pt idx="34">Arousal (pre)</cx:pt>
+          <cx:pt idx="35">Arousal (pre)</cx:pt>
+          <cx:pt idx="36">Arousal (pre)</cx:pt>
+          <cx:pt idx="37">Arousal (pre)</cx:pt>
+          <cx:pt idx="38">Arousal (pre)</cx:pt>
+          <cx:pt idx="39">Arousal (pre)</cx:pt>
+          <cx:pt idx="40">Arousal (pre)</cx:pt>
+          <cx:pt idx="41">Arousal (pre)</cx:pt>
+          <cx:pt idx="42">Arousal (pre)</cx:pt>
+          <cx:pt idx="43">Arousal (pre)</cx:pt>
+          <cx:pt idx="44">Arousal (pre)</cx:pt>
+          <cx:pt idx="45">Arousal (post)</cx:pt>
+          <cx:pt idx="46">Arousal (post)</cx:pt>
+          <cx:pt idx="47">Arousal (post)</cx:pt>
+          <cx:pt idx="48">Arousal (post)</cx:pt>
+          <cx:pt idx="49">Arousal (post)</cx:pt>
+          <cx:pt idx="50">Arousal (post)</cx:pt>
+          <cx:pt idx="51">Arousal (post)</cx:pt>
+          <cx:pt idx="52">Arousal (post)</cx:pt>
+          <cx:pt idx="53">Arousal (post)</cx:pt>
+          <cx:pt idx="54">Arousal (post)</cx:pt>
+          <cx:pt idx="55">Arousal (post)</cx:pt>
+          <cx:pt idx="56">Arousal (post)</cx:pt>
+          <cx:pt idx="57">Arousal (post)</cx:pt>
+          <cx:pt idx="58">Arousal (post)</cx:pt>
+          <cx:pt idx="59">Arousal (post)</cx:pt>
+          <cx:pt idx="60">Dominance (pre)</cx:pt>
+          <cx:pt idx="61">Dominance (pre)</cx:pt>
+          <cx:pt idx="62">Dominance (pre)</cx:pt>
+          <cx:pt idx="63">Dominance (pre)</cx:pt>
+          <cx:pt idx="64">Dominance (pre)</cx:pt>
+          <cx:pt idx="65">Dominance (pre)</cx:pt>
+          <cx:pt idx="66">Dominance (pre)</cx:pt>
+          <cx:pt idx="67">Dominance (pre)</cx:pt>
+          <cx:pt idx="68">Dominance (pre)</cx:pt>
+          <cx:pt idx="69">Dominance (pre)</cx:pt>
+          <cx:pt idx="70">Dominance (pre)</cx:pt>
+          <cx:pt idx="71">Dominance (pre)</cx:pt>
+          <cx:pt idx="72">Dominance (pre)</cx:pt>
+          <cx:pt idx="73">Dominance (pre)</cx:pt>
+          <cx:pt idx="74">Dominance (pre)</cx:pt>
+          <cx:pt idx="75">Dominance (post)</cx:pt>
+          <cx:pt idx="76">Dominance (post)</cx:pt>
+          <cx:pt idx="77">Dominance (post)</cx:pt>
+          <cx:pt idx="78">Dominance (post)</cx:pt>
+          <cx:pt idx="79">Dominance (post)</cx:pt>
+          <cx:pt idx="80">Dominance (post)</cx:pt>
+          <cx:pt idx="81">Dominance (post)</cx:pt>
+          <cx:pt idx="82">Dominance (post)</cx:pt>
+          <cx:pt idx="83">Dominance (post)</cx:pt>
+          <cx:pt idx="84">Dominance (post)</cx:pt>
+          <cx:pt idx="85">Dominance (post)</cx:pt>
+          <cx:pt idx="86">Dominance (post)</cx:pt>
+          <cx:pt idx="87">Dominance (post)</cx:pt>
+          <cx:pt idx="88">Dominance (post)</cx:pt>
+          <cx:pt idx="89">Dominance (post)</cx:pt>
+        </cx:lvl>
+      </cx:strDim>
+      <cx:numDim type="val">
+        <cx:f>Tabelle1!$C$2:$C$91</cx:f>
+        <cx:lvl ptCount="90" formatCode="Standard">
+          <cx:pt idx="0">4</cx:pt>
+          <cx:pt idx="1">5</cx:pt>
+          <cx:pt idx="2">4</cx:pt>
+          <cx:pt idx="3">4</cx:pt>
+          <cx:pt idx="4">4</cx:pt>
+          <cx:pt idx="5">4</cx:pt>
+          <cx:pt idx="6">4</cx:pt>
+          <cx:pt idx="7">4</cx:pt>
+          <cx:pt idx="8">4</cx:pt>
+          <cx:pt idx="9">4</cx:pt>
+          <cx:pt idx="10">5</cx:pt>
+          <cx:pt idx="11">4</cx:pt>
+          <cx:pt idx="12">3</cx:pt>
+          <cx:pt idx="13">5</cx:pt>
+          <cx:pt idx="14">5</cx:pt>
+          <cx:pt idx="15">3</cx:pt>
+          <cx:pt idx="16">5</cx:pt>
+          <cx:pt idx="17">4</cx:pt>
+          <cx:pt idx="18">3</cx:pt>
+          <cx:pt idx="19">4</cx:pt>
+          <cx:pt idx="20">2</cx:pt>
+          <cx:pt idx="21">4</cx:pt>
+          <cx:pt idx="22">3</cx:pt>
+          <cx:pt idx="23">5</cx:pt>
+          <cx:pt idx="24">4</cx:pt>
+          <cx:pt idx="25">4</cx:pt>
+          <cx:pt idx="26">4</cx:pt>
+          <cx:pt idx="27">3</cx:pt>
+          <cx:pt idx="28">4</cx:pt>
+          <cx:pt idx="29">4</cx:pt>
+          <cx:pt idx="30">1</cx:pt>
+          <cx:pt idx="31">1</cx:pt>
+          <cx:pt idx="32">2</cx:pt>
+          <cx:pt idx="33">2</cx:pt>
+          <cx:pt idx="34">2</cx:pt>
+          <cx:pt idx="35">5</cx:pt>
+          <cx:pt idx="36">3</cx:pt>
+          <cx:pt idx="37">3</cx:pt>
+          <cx:pt idx="38">3</cx:pt>
+          <cx:pt idx="39">3</cx:pt>
+          <cx:pt idx="40">2</cx:pt>
+          <cx:pt idx="41">2</cx:pt>
+          <cx:pt idx="42">2</cx:pt>
+          <cx:pt idx="43">2</cx:pt>
+          <cx:pt idx="44">2</cx:pt>
+          <cx:pt idx="45">1</cx:pt>
+          <cx:pt idx="46">1</cx:pt>
+          <cx:pt idx="47">2</cx:pt>
+          <cx:pt idx="48">1</cx:pt>
+          <cx:pt idx="49">2</cx:pt>
+          <cx:pt idx="50">2</cx:pt>
+          <cx:pt idx="51">4</cx:pt>
+          <cx:pt idx="52">1</cx:pt>
+          <cx:pt idx="53">3</cx:pt>
+          <cx:pt idx="54">2</cx:pt>
+          <cx:pt idx="55">1</cx:pt>
+          <cx:pt idx="56">3</cx:pt>
+          <cx:pt idx="57">1</cx:pt>
+          <cx:pt idx="58">2</cx:pt>
+          <cx:pt idx="59">3</cx:pt>
+          <cx:pt idx="60">5</cx:pt>
+          <cx:pt idx="61">1</cx:pt>
+          <cx:pt idx="62">3</cx:pt>
+          <cx:pt idx="63">2</cx:pt>
+          <cx:pt idx="64">4</cx:pt>
+          <cx:pt idx="65">3</cx:pt>
+          <cx:pt idx="66">3</cx:pt>
+          <cx:pt idx="67">3</cx:pt>
+          <cx:pt idx="68">4</cx:pt>
+          <cx:pt idx="69">2</cx:pt>
+          <cx:pt idx="70">4</cx:pt>
+          <cx:pt idx="71">3</cx:pt>
+          <cx:pt idx="72">3</cx:pt>
+          <cx:pt idx="73">3</cx:pt>
+          <cx:pt idx="74">3</cx:pt>
+          <cx:pt idx="75">3</cx:pt>
+          <cx:pt idx="76">2</cx:pt>
+          <cx:pt idx="77">3</cx:pt>
+          <cx:pt idx="78">3</cx:pt>
+          <cx:pt idx="79">4</cx:pt>
+          <cx:pt idx="80">1</cx:pt>
+          <cx:pt idx="81">3</cx:pt>
+          <cx:pt idx="82">2</cx:pt>
+          <cx:pt idx="83">3</cx:pt>
+          <cx:pt idx="84">2</cx:pt>
+          <cx:pt idx="85">3</cx:pt>
+          <cx:pt idx="86">3</cx:pt>
+          <cx:pt idx="87">2</cx:pt>
+          <cx:pt idx="88">3</cx:pt>
+          <cx:pt idx="89">3</cx:pt>
         </cx:lvl>
       </cx:numDim>
     </cx:data>
     <cx:data id="2">
+      <cx:strDim type="cat">
+        <cx:f>Tabelle1!$A$2:$A$91</cx:f>
+        <cx:lvl ptCount="90">
+          <cx:pt idx="0">Pleasure (pre)</cx:pt>
+          <cx:pt idx="1">Pleasure (pre)</cx:pt>
+          <cx:pt idx="2">Pleasure (pre)</cx:pt>
+          <cx:pt idx="3">Pleasure (pre)</cx:pt>
+          <cx:pt idx="4">Pleasure (pre)</cx:pt>
+          <cx:pt idx="5">Pleasure (pre)</cx:pt>
+          <cx:pt idx="6">Pleasure (pre)</cx:pt>
+          <cx:pt idx="7">Pleasure (pre)</cx:pt>
+          <cx:pt idx="8">Pleasure (pre)</cx:pt>
+          <cx:pt idx="9">Pleasure (pre)</cx:pt>
+          <cx:pt idx="10">Pleasure (pre)</cx:pt>
+          <cx:pt idx="11">Pleasure (pre)</cx:pt>
+          <cx:pt idx="12">Pleasure (pre)</cx:pt>
+          <cx:pt idx="13">Pleasure (pre)</cx:pt>
+          <cx:pt idx="14">Pleasure (pre)</cx:pt>
+          <cx:pt idx="15">Pleasure (post)</cx:pt>
+          <cx:pt idx="16">Pleasure (post)</cx:pt>
+          <cx:pt idx="17">Pleasure (post)</cx:pt>
+          <cx:pt idx="18">Pleasure (post)</cx:pt>
+          <cx:pt idx="19">Pleasure (post)</cx:pt>
+          <cx:pt idx="20">Pleasure (post)</cx:pt>
+          <cx:pt idx="21">Pleasure (post)</cx:pt>
+          <cx:pt idx="22">Pleasure (post)</cx:pt>
+          <cx:pt idx="23">Pleasure (post)</cx:pt>
+          <cx:pt idx="24">Pleasure (post)</cx:pt>
+          <cx:pt idx="25">Pleasure (post)</cx:pt>
+          <cx:pt idx="26">Pleasure (post)</cx:pt>
+          <cx:pt idx="27">Pleasure (post)</cx:pt>
+          <cx:pt idx="28">Pleasure (post)</cx:pt>
+          <cx:pt idx="29">Pleasure (post)</cx:pt>
+          <cx:pt idx="30">Arousal (pre)</cx:pt>
+          <cx:pt idx="31">Arousal (pre)</cx:pt>
+          <cx:pt idx="32">Arousal (pre)</cx:pt>
+          <cx:pt idx="33">Arousal (pre)</cx:pt>
+          <cx:pt idx="34">Arousal (pre)</cx:pt>
+          <cx:pt idx="35">Arousal (pre)</cx:pt>
+          <cx:pt idx="36">Arousal (pre)</cx:pt>
+          <cx:pt idx="37">Arousal (pre)</cx:pt>
+          <cx:pt idx="38">Arousal (pre)</cx:pt>
+          <cx:pt idx="39">Arousal (pre)</cx:pt>
+          <cx:pt idx="40">Arousal (pre)</cx:pt>
+          <cx:pt idx="41">Arousal (pre)</cx:pt>
+          <cx:pt idx="42">Arousal (pre)</cx:pt>
+          <cx:pt idx="43">Arousal (pre)</cx:pt>
+          <cx:pt idx="44">Arousal (pre)</cx:pt>
+          <cx:pt idx="45">Arousal (post)</cx:pt>
+          <cx:pt idx="46">Arousal (post)</cx:pt>
+          <cx:pt idx="47">Arousal (post)</cx:pt>
+          <cx:pt idx="48">Arousal (post)</cx:pt>
+          <cx:pt idx="49">Arousal (post)</cx:pt>
+          <cx:pt idx="50">Arousal (post)</cx:pt>
+          <cx:pt idx="51">Arousal (post)</cx:pt>
+          <cx:pt idx="52">Arousal (post)</cx:pt>
+          <cx:pt idx="53">Arousal (post)</cx:pt>
+          <cx:pt idx="54">Arousal (post)</cx:pt>
+          <cx:pt idx="55">Arousal (post)</cx:pt>
+          <cx:pt idx="56">Arousal (post)</cx:pt>
+          <cx:pt idx="57">Arousal (post)</cx:pt>
+          <cx:pt idx="58">Arousal (post)</cx:pt>
+          <cx:pt idx="59">Arousal (post)</cx:pt>
+          <cx:pt idx="60">Dominance (pre)</cx:pt>
+          <cx:pt idx="61">Dominance (pre)</cx:pt>
+          <cx:pt idx="62">Dominance (pre)</cx:pt>
+          <cx:pt idx="63">Dominance (pre)</cx:pt>
+          <cx:pt idx="64">Dominance (pre)</cx:pt>
+          <cx:pt idx="65">Dominance (pre)</cx:pt>
+          <cx:pt idx="66">Dominance (pre)</cx:pt>
+          <cx:pt idx="67">Dominance (pre)</cx:pt>
+          <cx:pt idx="68">Dominance (pre)</cx:pt>
+          <cx:pt idx="69">Dominance (pre)</cx:pt>
+          <cx:pt idx="70">Dominance (pre)</cx:pt>
+          <cx:pt idx="71">Dominance (pre)</cx:pt>
+          <cx:pt idx="72">Dominance (pre)</cx:pt>
+          <cx:pt idx="73">Dominance (pre)</cx:pt>
+          <cx:pt idx="74">Dominance (pre)</cx:pt>
+          <cx:pt idx="75">Dominance (post)</cx:pt>
+          <cx:pt idx="76">Dominance (post)</cx:pt>
+          <cx:pt idx="77">Dominance (post)</cx:pt>
+          <cx:pt idx="78">Dominance (post)</cx:pt>
+          <cx:pt idx="79">Dominance (post)</cx:pt>
+          <cx:pt idx="80">Dominance (post)</cx:pt>
+          <cx:pt idx="81">Dominance (post)</cx:pt>
+          <cx:pt idx="82">Dominance (post)</cx:pt>
+          <cx:pt idx="83">Dominance (post)</cx:pt>
+          <cx:pt idx="84">Dominance (post)</cx:pt>
+          <cx:pt idx="85">Dominance (post)</cx:pt>
+          <cx:pt idx="86">Dominance (post)</cx:pt>
+          <cx:pt idx="87">Dominance (post)</cx:pt>
+          <cx:pt idx="88">Dominance (post)</cx:pt>
+          <cx:pt idx="89">Dominance (post)</cx:pt>
+        </cx:lvl>
+      </cx:strDim>
       <cx:numDim type="val">
-        <cx:f>Tabelle1!$D$2:$D$46</cx:f>
-        <cx:lvl ptCount="45" formatCode="Standard">
+        <cx:f>Tabelle1!$D$2:$D$91</cx:f>
+        <cx:lvl ptCount="90" formatCode="Standard">
           <cx:pt idx="0">5</cx:pt>
-          <cx:pt idx="1">3</cx:pt>
-          <cx:pt idx="2">5</cx:pt>
-          <cx:pt idx="3">3</cx:pt>
-          <cx:pt idx="4">5</cx:pt>
-          <cx:pt idx="5">1</cx:pt>
-          <cx:pt idx="6">3</cx:pt>
-          <cx:pt idx="7">3</cx:pt>
-          <cx:pt idx="8">3</cx:pt>
-          <cx:pt idx="9">2</cx:pt>
+          <cx:pt idx="1">5</cx:pt>
+          <cx:pt idx="2">3</cx:pt>
+          <cx:pt idx="3">4</cx:pt>
+          <cx:pt idx="4">4</cx:pt>
+          <cx:pt idx="5">2</cx:pt>
+          <cx:pt idx="6">4</cx:pt>
+          <cx:pt idx="7">4</cx:pt>
+          <cx:pt idx="8">5</cx:pt>
+          <cx:pt idx="9">4</cx:pt>
           <cx:pt idx="10">4</cx:pt>
-          <cx:pt idx="11">4</cx:pt>
-          <cx:pt idx="12">4</cx:pt>
-          <cx:pt idx="13">3</cx:pt>
-          <cx:pt idx="14">3</cx:pt>
+          <cx:pt idx="11">5</cx:pt>
+          <cx:pt idx="12">5</cx:pt>
+          <cx:pt idx="13">5</cx:pt>
+          <cx:pt idx="14">4</cx:pt>
           <cx:pt idx="15">3</cx:pt>
-          <cx:pt idx="16">3</cx:pt>
+          <cx:pt idx="16">4</cx:pt>
           <cx:pt idx="17">4</cx:pt>
-          <cx:pt idx="18">3</cx:pt>
-          <cx:pt idx="19">2</cx:pt>
-          <cx:pt idx="20">3</cx:pt>
-          <cx:pt idx="21">4</cx:pt>
-          <cx:pt idx="22">3</cx:pt>
-          <cx:pt idx="23">3</cx:pt>
-          <cx:pt idx="24">3</cx:pt>
-          <cx:pt idx="25">3</cx:pt>
-          <cx:pt idx="26">2</cx:pt>
+          <cx:pt idx="18">4</cx:pt>
+          <cx:pt idx="19">4</cx:pt>
+          <cx:pt idx="20">4</cx:pt>
+          <cx:pt idx="21">3</cx:pt>
+          <cx:pt idx="22">5</cx:pt>
+          <cx:pt idx="23">4</cx:pt>
+          <cx:pt idx="24">4</cx:pt>
+          <cx:pt idx="25">5</cx:pt>
+          <cx:pt idx="26">4</cx:pt>
           <cx:pt idx="27">3</cx:pt>
-          <cx:pt idx="28">2</cx:pt>
-          <cx:pt idx="29">3</cx:pt>
-          <cx:pt idx="30">4</cx:pt>
-          <cx:pt idx="31">3</cx:pt>
-          <cx:pt idx="32">3</cx:pt>
-          <cx:pt idx="33">2</cx:pt>
+          <cx:pt idx="28">4</cx:pt>
+          <cx:pt idx="29">4</cx:pt>
+          <cx:pt idx="30">3</cx:pt>
+          <cx:pt idx="31">2</cx:pt>
+          <cx:pt idx="32">1</cx:pt>
+          <cx:pt idx="33">1</cx:pt>
           <cx:pt idx="34">3</cx:pt>
           <cx:pt idx="35">3</cx:pt>
-          <cx:pt idx="36">5</cx:pt>
-          <cx:pt idx="37">4</cx:pt>
+          <cx:pt idx="36">1</cx:pt>
+          <cx:pt idx="37">1</cx:pt>
           <cx:pt idx="38">3</cx:pt>
-          <cx:pt idx="39">3</cx:pt>
-          <cx:pt idx="40">3</cx:pt>
-          <cx:pt idx="41">3</cx:pt>
-          <cx:pt idx="42">3</cx:pt>
-          <cx:pt idx="43">2</cx:pt>
-          <cx:pt idx="44">5</cx:pt>
-        </cx:lvl>
-      </cx:numDim>
-    </cx:data>
-    <cx:data id="3">
-      <cx:numDim type="val">
-        <cx:f>Tabelle1!$E$2:$E$46</cx:f>
-        <cx:lvl ptCount="45" formatCode="Standard">
-          <cx:pt idx="0">3</cx:pt>
-          <cx:pt idx="1">4</cx:pt>
-          <cx:pt idx="2">4</cx:pt>
-          <cx:pt idx="3">4</cx:pt>
-          <cx:pt idx="4">3</cx:pt>
-          <cx:pt idx="5">5</cx:pt>
-          <cx:pt idx="6">4</cx:pt>
-          <cx:pt idx="7">4</cx:pt>
-          <cx:pt idx="8">4</cx:pt>
-          <cx:pt idx="9">3</cx:pt>
-          <cx:pt idx="10">3</cx:pt>
-          <cx:pt idx="11">4</cx:pt>
-          <cx:pt idx="12">5</cx:pt>
-          <cx:pt idx="13">2</cx:pt>
-          <cx:pt idx="14">4</cx:pt>
-          <cx:pt idx="15">4</cx:pt>
-          <cx:pt idx="16">3</cx:pt>
-          <cx:pt idx="17">5</cx:pt>
-          <cx:pt idx="18">4</cx:pt>
-          <cx:pt idx="19">4</cx:pt>
-          <cx:pt idx="20">5</cx:pt>
-          <cx:pt idx="21">4</cx:pt>
-          <cx:pt idx="22">4</cx:pt>
-          <cx:pt idx="23">4</cx:pt>
-          <cx:pt idx="24">3</cx:pt>
-          <cx:pt idx="25">4</cx:pt>
-          <cx:pt idx="26">3</cx:pt>
-          <cx:pt idx="27">4</cx:pt>
-          <cx:pt idx="28">4</cx:pt>
-          <cx:pt idx="29">4</cx:pt>
-          <cx:pt idx="30">4</cx:pt>
-          <cx:pt idx="31">4</cx:pt>
-          <cx:pt idx="32">4</cx:pt>
-          <cx:pt idx="33">4</cx:pt>
-          <cx:pt idx="34">2</cx:pt>
-          <cx:pt idx="35">3</cx:pt>
-          <cx:pt idx="36">4</cx:pt>
-          <cx:pt idx="37">4</cx:pt>
-          <cx:pt idx="38">4</cx:pt>
-          <cx:pt idx="39">4</cx:pt>
-          <cx:pt idx="40">4</cx:pt>
-          <cx:pt idx="41">5</cx:pt>
-          <cx:pt idx="42">4</cx:pt>
-          <cx:pt idx="43">4</cx:pt>
-          <cx:pt idx="44">4</cx:pt>
-        </cx:lvl>
-      </cx:numDim>
-    </cx:data>
-    <cx:data id="4">
-      <cx:numDim type="val">
-        <cx:f>Tabelle1!$F$2:$F$46</cx:f>
-        <cx:lvl ptCount="45" formatCode="Standard">
-          <cx:pt idx="0">2</cx:pt>
-          <cx:pt idx="1">1</cx:pt>
-          <cx:pt idx="2">1</cx:pt>
-          <cx:pt idx="3">1</cx:pt>
-          <cx:pt idx="4">1</cx:pt>
-          <cx:pt idx="5">1</cx:pt>
-          <cx:pt idx="6">2</cx:pt>
-          <cx:pt idx="7">3</cx:pt>
-          <cx:pt idx="8">2</cx:pt>
-          <cx:pt idx="9">1</cx:pt>
-          <cx:pt idx="10">2</cx:pt>
-          <cx:pt idx="11">2</cx:pt>
-          <cx:pt idx="12">1</cx:pt>
-          <cx:pt idx="13">2</cx:pt>
-          <cx:pt idx="14">4</cx:pt>
-          <cx:pt idx="15">2</cx:pt>
-          <cx:pt idx="16">1</cx:pt>
-          <cx:pt idx="17">3</cx:pt>
-          <cx:pt idx="18">1</cx:pt>
-          <cx:pt idx="19">2</cx:pt>
-          <cx:pt idx="20">2</cx:pt>
-          <cx:pt idx="21">1</cx:pt>
-          <cx:pt idx="22">3</cx:pt>
-          <cx:pt idx="23">1</cx:pt>
-          <cx:pt idx="24">1</cx:pt>
-          <cx:pt idx="25">2</cx:pt>
-          <cx:pt idx="26">1</cx:pt>
-          <cx:pt idx="27">1</cx:pt>
-          <cx:pt idx="28">2</cx:pt>
-          <cx:pt idx="29">3</cx:pt>
-          <cx:pt idx="30">3</cx:pt>
-          <cx:pt idx="31">1</cx:pt>
-          <cx:pt idx="32">2</cx:pt>
-          <cx:pt idx="33">1</cx:pt>
-          <cx:pt idx="34">2</cx:pt>
-          <cx:pt idx="35">3</cx:pt>
-          <cx:pt idx="36">2</cx:pt>
-          <cx:pt idx="37">1</cx:pt>
-          <cx:pt idx="38">2</cx:pt>
           <cx:pt idx="39">2</cx:pt>
           <cx:pt idx="40">3</cx:pt>
           <cx:pt idx="41">1</cx:pt>
-          <cx:pt idx="42">4</cx:pt>
+          <cx:pt idx="42">1</cx:pt>
           <cx:pt idx="43">2</cx:pt>
-          <cx:pt idx="44">1</cx:pt>
-        </cx:lvl>
-      </cx:numDim>
-    </cx:data>
-    <cx:data id="5">
-      <cx:strDim type="cat">
-        <cx:f>Tabelle1!$A$2:$A$46</cx:f>
-        <cx:lvl ptCount="45">
-          <cx:pt idx="0">20</cx:pt>
-          <cx:pt idx="1">20</cx:pt>
-          <cx:pt idx="2">20</cx:pt>
-          <cx:pt idx="3">20</cx:pt>
-          <cx:pt idx="4">5</cx:pt>
-          <cx:pt idx="5">5</cx:pt>
-          <cx:pt idx="6">5</cx:pt>
-          <cx:pt idx="7">20</cx:pt>
-          <cx:pt idx="8">20</cx:pt>
-          <cx:pt idx="9">5</cx:pt>
-          <cx:pt idx="10">20</cx:pt>
-          <cx:pt idx="11">5</cx:pt>
-          <cx:pt idx="12">20</cx:pt>
-          <cx:pt idx="13">5</cx:pt>
-          <cx:pt idx="14">5</cx:pt>
-          <cx:pt idx="15">20</cx:pt>
-          <cx:pt idx="16">5</cx:pt>
-          <cx:pt idx="17">5</cx:pt>
-          <cx:pt idx="18">20</cx:pt>
-          <cx:pt idx="19">5</cx:pt>
-          <cx:pt idx="20">20</cx:pt>
-          <cx:pt idx="21">5</cx:pt>
-          <cx:pt idx="22">5</cx:pt>
-          <cx:pt idx="23">20</cx:pt>
-          <cx:pt idx="24">5</cx:pt>
-          <cx:pt idx="25">5</cx:pt>
-          <cx:pt idx="26">20</cx:pt>
-          <cx:pt idx="27">20</cx:pt>
-          <cx:pt idx="28">20</cx:pt>
-          <cx:pt idx="29">5</cx:pt>
-          <cx:pt idx="30">-1</cx:pt>
-          <cx:pt idx="31">-1</cx:pt>
-          <cx:pt idx="32">-1</cx:pt>
-          <cx:pt idx="33">-1</cx:pt>
-          <cx:pt idx="34">-1</cx:pt>
-          <cx:pt idx="35">-1</cx:pt>
-          <cx:pt idx="36">-1</cx:pt>
-          <cx:pt idx="37">-1</cx:pt>
-          <cx:pt idx="38">-1</cx:pt>
-          <cx:pt idx="39">-1</cx:pt>
-          <cx:pt idx="40">-1</cx:pt>
-          <cx:pt idx="41">-1</cx:pt>
-          <cx:pt idx="42">-1</cx:pt>
-          <cx:pt idx="43">-1</cx:pt>
-          <cx:pt idx="44">-1</cx:pt>
-        </cx:lvl>
-      </cx:strDim>
-      <cx:numDim type="val">
-        <cx:f>Tabelle1!$G$2:$G$46</cx:f>
-        <cx:lvl ptCount="45" formatCode="Standard">
-          <cx:pt idx="0">3</cx:pt>
-          <cx:pt idx="1">3</cx:pt>
-          <cx:pt idx="2">5</cx:pt>
-          <cx:pt idx="3">3</cx:pt>
-          <cx:pt idx="4">3</cx:pt>
-          <cx:pt idx="5">2</cx:pt>
-          <cx:pt idx="6">3</cx:pt>
-          <cx:pt idx="7">3</cx:pt>
-          <cx:pt idx="8">3</cx:pt>
-          <cx:pt idx="9">3</cx:pt>
-          <cx:pt idx="10">3</cx:pt>
-          <cx:pt idx="11">4</cx:pt>
-          <cx:pt idx="12">4</cx:pt>
-          <cx:pt idx="13">1</cx:pt>
-          <cx:pt idx="14">3</cx:pt>
-          <cx:pt idx="15">2</cx:pt>
-          <cx:pt idx="16">2</cx:pt>
-          <cx:pt idx="17">3</cx:pt>
-          <cx:pt idx="18">2</cx:pt>
-          <cx:pt idx="19">2</cx:pt>
-          <cx:pt idx="20">2</cx:pt>
-          <cx:pt idx="21">3</cx:pt>
-          <cx:pt idx="22">3</cx:pt>
-          <cx:pt idx="23">2</cx:pt>
-          <cx:pt idx="24">2</cx:pt>
-          <cx:pt idx="25">3</cx:pt>
-          <cx:pt idx="26">2</cx:pt>
-          <cx:pt idx="27">2</cx:pt>
-          <cx:pt idx="28">3</cx:pt>
-          <cx:pt idx="29">3</cx:pt>
-          <cx:pt idx="30">4</cx:pt>
-          <cx:pt idx="31">2</cx:pt>
-          <cx:pt idx="32">3</cx:pt>
-          <cx:pt idx="33">2</cx:pt>
-          <cx:pt idx="34">2</cx:pt>
-          <cx:pt idx="35">3</cx:pt>
-          <cx:pt idx="36">2</cx:pt>
-          <cx:pt idx="37">3</cx:pt>
-          <cx:pt idx="38">2</cx:pt>
-          <cx:pt idx="39">3</cx:pt>
-          <cx:pt idx="40">2</cx:pt>
-          <cx:pt idx="41">3</cx:pt>
-          <cx:pt idx="42">2</cx:pt>
-          <cx:pt idx="43">2</cx:pt>
-          <cx:pt idx="44">5</cx:pt>
+          <cx:pt idx="44">4</cx:pt>
+          <cx:pt idx="45">2</cx:pt>
+          <cx:pt idx="46">1</cx:pt>
+          <cx:pt idx="47">1</cx:pt>
+          <cx:pt idx="48">1</cx:pt>
+          <cx:pt idx="49">3</cx:pt>
+          <cx:pt idx="50">2</cx:pt>
+          <cx:pt idx="51">2</cx:pt>
+          <cx:pt idx="52">1</cx:pt>
+          <cx:pt idx="53">2</cx:pt>
+          <cx:pt idx="54">1</cx:pt>
+          <cx:pt idx="55">2</cx:pt>
+          <cx:pt idx="56">1</cx:pt>
+          <cx:pt idx="57">1</cx:pt>
+          <cx:pt idx="58">1</cx:pt>
+          <cx:pt idx="59">2</cx:pt>
+          <cx:pt idx="60">5</cx:pt>
+          <cx:pt idx="61">3</cx:pt>
+          <cx:pt idx="62">5</cx:pt>
+          <cx:pt idx="63">3</cx:pt>
+          <cx:pt idx="64">3</cx:pt>
+          <cx:pt idx="65">3</cx:pt>
+          <cx:pt idx="66">4</cx:pt>
+          <cx:pt idx="67">4</cx:pt>
+          <cx:pt idx="68">3</cx:pt>
+          <cx:pt idx="69">3</cx:pt>
+          <cx:pt idx="70">3</cx:pt>
+          <cx:pt idx="71">3</cx:pt>
+          <cx:pt idx="72">2</cx:pt>
+          <cx:pt idx="73">3</cx:pt>
+          <cx:pt idx="74">2</cx:pt>
+          <cx:pt idx="75">3</cx:pt>
+          <cx:pt idx="76">3</cx:pt>
+          <cx:pt idx="77">5</cx:pt>
+          <cx:pt idx="78">3</cx:pt>
+          <cx:pt idx="79">3</cx:pt>
+          <cx:pt idx="80">3</cx:pt>
+          <cx:pt idx="81">3</cx:pt>
+          <cx:pt idx="82">4</cx:pt>
+          <cx:pt idx="83">2</cx:pt>
+          <cx:pt idx="84">2</cx:pt>
+          <cx:pt idx="85">2</cx:pt>
+          <cx:pt idx="86">2</cx:pt>
+          <cx:pt idx="87">2</cx:pt>
+          <cx:pt idx="88">2</cx:pt>
+          <cx:pt idx="89">3</cx:pt>
         </cx:lvl>
       </cx:numDim>
     </cx:data>
@@ -1058,11 +1227,11 @@
     </cx:title>
     <cx:plotArea>
       <cx:plotAreaRegion>
-        <cx:series layoutId="boxWhisker" uniqueId="{CC58AE55-BFF7-468A-A7E3-B588CF9A5CC5}" formatIdx="0">
+        <cx:series layoutId="boxWhisker" uniqueId="{00000000-90B0-4515-B9A2-2CE9492DD0DD}">
           <cx:tx>
             <cx:txData>
               <cx:f>Tabelle1!$B$1</cx:f>
-              <cx:v>SAM_pleasure_pre</cx:v>
+              <cx:v>Alarm</cx:v>
             </cx:txData>
           </cx:tx>
           <cx:spPr>
@@ -1077,37 +1246,14 @@
           </cx:spPr>
           <cx:dataId val="0"/>
           <cx:layoutPr>
-            <cx:visibility meanLine="0" meanMarker="1" nonoutliers="0" outliers="1"/>
             <cx:statistics quartileMethod="exclusive"/>
           </cx:layoutPr>
         </cx:series>
-        <cx:series layoutId="boxWhisker" uniqueId="{00000000-B00C-4E83-82C4-0B039529356D}">
+        <cx:series layoutId="boxWhisker" uniqueId="{00000001-90B0-4515-B9A2-2CE9492DD0DD}">
           <cx:tx>
             <cx:txData>
               <cx:f>Tabelle1!$C$1</cx:f>
-              <cx:v>SAM_arousal_pre</cx:v>
-            </cx:txData>
-          </cx:tx>
-          <cx:spPr>
-            <a:solidFill>
-              <a:srgbClr val="3288BD"/>
-            </a:solidFill>
-            <a:ln>
-              <a:solidFill>
-                <a:srgbClr val="3288BD"/>
-              </a:solidFill>
-            </a:ln>
-          </cx:spPr>
-          <cx:dataId val="1"/>
-          <cx:layoutPr>
-            <cx:statistics quartileMethod="exclusive"/>
-          </cx:layoutPr>
-        </cx:series>
-        <cx:series layoutId="boxWhisker" uniqueId="{00000001-B00C-4E83-82C4-0B039529356D}">
-          <cx:tx>
-            <cx:txData>
-              <cx:f>Tabelle1!$D$1</cx:f>
-              <cx:v>SAM_dominance_pre</cx:v>
+              <cx:v>Fade 20</cx:v>
             </cx:txData>
           </cx:tx>
           <cx:spPr>
@@ -1120,38 +1266,16 @@
               </a:solidFill>
             </a:ln>
           </cx:spPr>
-          <cx:dataId val="2"/>
+          <cx:dataId val="1"/>
           <cx:layoutPr>
             <cx:statistics quartileMethod="exclusive"/>
           </cx:layoutPr>
         </cx:series>
-        <cx:series layoutId="boxWhisker" uniqueId="{00000002-B00C-4E83-82C4-0B039529356D}">
+        <cx:series layoutId="boxWhisker" uniqueId="{00000002-90B0-4515-B9A2-2CE9492DD0DD}">
           <cx:tx>
             <cx:txData>
-              <cx:f>Tabelle1!$E$1</cx:f>
-              <cx:v>SAM_pleasure_post</cx:v>
-            </cx:txData>
-          </cx:tx>
-          <cx:spPr>
-            <a:solidFill>
-              <a:srgbClr val="D53E4F"/>
-            </a:solidFill>
-            <a:ln>
-              <a:solidFill>
-                <a:srgbClr val="D53E4F"/>
-              </a:solidFill>
-            </a:ln>
-          </cx:spPr>
-          <cx:dataId val="3"/>
-          <cx:layoutPr>
-            <cx:statistics quartileMethod="exclusive"/>
-          </cx:layoutPr>
-        </cx:series>
-        <cx:series layoutId="boxWhisker" uniqueId="{00000003-B00C-4E83-82C4-0B039529356D}">
-          <cx:tx>
-            <cx:txData>
-              <cx:f>Tabelle1!$F$1</cx:f>
-              <cx:v>SAM_arousal_post</cx:v>
+              <cx:f>Tabelle1!$D$1</cx:f>
+              <cx:v>Fade 5</cx:v>
             </cx:txData>
           </cx:tx>
           <cx:spPr>
@@ -1164,29 +1288,7 @@
               </a:solidFill>
             </a:ln>
           </cx:spPr>
-          <cx:dataId val="4"/>
-          <cx:layoutPr>
-            <cx:statistics quartileMethod="exclusive"/>
-          </cx:layoutPr>
-        </cx:series>
-        <cx:series layoutId="boxWhisker" uniqueId="{00000004-B00C-4E83-82C4-0B039529356D}">
-          <cx:tx>
-            <cx:txData>
-              <cx:f>Tabelle1!$G$1</cx:f>
-              <cx:v>SAM_dominance_post</cx:v>
-            </cx:txData>
-          </cx:tx>
-          <cx:spPr>
-            <a:solidFill>
-              <a:srgbClr val="FC8D59"/>
-            </a:solidFill>
-            <a:ln>
-              <a:solidFill>
-                <a:srgbClr val="FC8D59"/>
-              </a:solidFill>
-            </a:ln>
-          </cx:spPr>
-          <cx:dataId val="5"/>
+          <cx:dataId val="2"/>
           <cx:layoutPr>
             <cx:statistics quartileMethod="exclusive"/>
           </cx:layoutPr>
@@ -7128,7 +7230,11 @@
           <a:p>
             <a:r>
               <a:rPr lang="de-DE" dirty="0"/>
-              <a:t>Aufgaben (2/4)</a:t>
+              <a:t>Aufgaben </a:t>
+            </a:r>
+            <a:r>
+              <a:rPr lang="de-DE" sz="2400" dirty="0"/>
+              <a:t>(2/4)</a:t>
             </a:r>
           </a:p>
         </p:txBody>
@@ -7221,7 +7327,11 @@
           <a:p>
             <a:r>
               <a:rPr lang="de-DE" dirty="0"/>
-              <a:t>Aufgaben (3/4)</a:t>
+              <a:t>Aufgaben </a:t>
+            </a:r>
+            <a:r>
+              <a:rPr lang="de-DE" sz="2400" dirty="0"/>
+              <a:t>(3/4)</a:t>
             </a:r>
           </a:p>
         </p:txBody>
@@ -7317,18 +7427,18 @@
               <a:t>Aufgaben </a:t>
             </a:r>
             <a:r>
-              <a:rPr lang="de-DE" dirty="0" smtClean="0"/>
+              <a:rPr lang="de-DE" sz="2400" dirty="0" smtClean="0"/>
               <a:t>(</a:t>
             </a:r>
             <a:r>
-              <a:rPr lang="de-DE" dirty="0"/>
+              <a:rPr lang="de-DE" sz="2400" dirty="0"/>
               <a:t>4</a:t>
             </a:r>
             <a:r>
-              <a:rPr lang="de-DE" dirty="0" smtClean="0"/>
+              <a:rPr lang="de-DE" sz="2400" dirty="0" smtClean="0"/>
               <a:t>/5)</a:t>
             </a:r>
-            <a:endParaRPr lang="de-DE" dirty="0"/>
+            <a:endParaRPr lang="de-DE" sz="2400" dirty="0"/>
           </a:p>
         </p:txBody>
       </p:sp>
@@ -7484,10 +7594,10 @@
               <a:t>Aufgaben </a:t>
             </a:r>
             <a:r>
-              <a:rPr lang="de-DE" dirty="0" smtClean="0"/>
+              <a:rPr lang="de-DE" sz="2400" dirty="0" smtClean="0"/>
               <a:t>(5/5)</a:t>
             </a:r>
-            <a:endParaRPr lang="de-DE" dirty="0"/>
+            <a:endParaRPr lang="de-DE" sz="2400" dirty="0"/>
           </a:p>
         </p:txBody>
       </p:sp>
@@ -7575,9 +7685,14 @@
           <a:lstStyle/>
           <a:p>
             <a:r>
-              <a:rPr lang="de-DE" dirty="0"/>
-              <a:t>Ergebnisse</a:t>
-            </a:r>
+              <a:rPr lang="de-DE" dirty="0" smtClean="0"/>
+              <a:t>Ergebnisse </a:t>
+            </a:r>
+            <a:r>
+              <a:rPr lang="de-DE" sz="2400" dirty="0" smtClean="0"/>
+              <a:t>(1/5)</a:t>
+            </a:r>
+            <a:endParaRPr lang="de-DE" sz="2400" dirty="0"/>
           </a:p>
         </p:txBody>
       </p:sp>
@@ -7615,7 +7730,7 @@
               <p:nvPr>
                 <p:extLst>
                   <p:ext uri="{D42A27DB-BD31-4B8C-83A1-F6EECF244321}">
-                    <p14:modId xmlns:p14="http://schemas.microsoft.com/office/powerpoint/2010/main" val="210739064"/>
+                    <p14:modId xmlns:p14="http://schemas.microsoft.com/office/powerpoint/2010/main" val="4221848938"/>
                   </p:ext>
                 </p:extLst>
               </p:nvPr>
@@ -7667,14 +7782,14 @@
               <p:nvPr>
                 <p:extLst>
                   <p:ext uri="{D42A27DB-BD31-4B8C-83A1-F6EECF244321}">
-                    <p14:modId xmlns:p14="http://schemas.microsoft.com/office/powerpoint/2010/main" val="1989765849"/>
+                    <p14:modId xmlns:p14="http://schemas.microsoft.com/office/powerpoint/2010/main" val="106344335"/>
                   </p:ext>
                 </p:extLst>
               </p:nvPr>
             </p:nvGraphicFramePr>
             <p:xfrm>
               <a:off x="8003634" y="1879200"/>
-              <a:ext cx="3350166" cy="3048400"/>
+              <a:ext cx="3350166" cy="3938400"/>
             </p:xfrm>
             <a:graphic>
               <a:graphicData uri="http://schemas.microsoft.com/office/drawing/2014/chartex">
@@ -7701,7 +7816,7 @@
             <p:spPr>
               <a:xfrm>
                 <a:off x="8003634" y="1879200"/>
-                <a:ext cx="3350166" cy="3048400"/>
+                <a:ext cx="3350166" cy="3938400"/>
               </a:xfrm>
               <a:prstGeom prst="rect">
                 <a:avLst/>
@@ -7710,54 +7825,6 @@
           </p:pic>
         </mc:Fallback>
       </mc:AlternateContent>
-      <p:sp>
-        <p:nvSpPr>
-          <p:cNvPr id="22" name="Textfeld 21"/>
-          <p:cNvSpPr txBox="1"/>
-          <p:nvPr/>
-        </p:nvSpPr>
-        <p:spPr>
-          <a:xfrm>
-            <a:off x="8336281" y="4927600"/>
-            <a:ext cx="2857500" cy="1477328"/>
-          </a:xfrm>
-          <a:prstGeom prst="rect">
-            <a:avLst/>
-          </a:prstGeom>
-          <a:noFill/>
-        </p:spPr>
-        <p:txBody>
-          <a:bodyPr wrap="square" rtlCol="0">
-            <a:spAutoFit/>
-          </a:bodyPr>
-          <a:lstStyle/>
-          <a:p>
-            <a:r>
-              <a:rPr lang="de-DE" dirty="0" smtClean="0">
-                <a:solidFill>
-                  <a:srgbClr val="FF00FF"/>
-                </a:solidFill>
-              </a:rPr>
-              <a:t>DIESE VISUALISIERUNG IST MIST. </a:t>
-            </a:r>
-          </a:p>
-          <a:p>
-            <a:r>
-              <a:rPr lang="de-DE" dirty="0" smtClean="0">
-                <a:solidFill>
-                  <a:srgbClr val="FF00FF"/>
-                </a:solidFill>
-              </a:rPr>
-              <a:t>Eigentlich müssen die zugrundeliegenden Daten angepasst werden</a:t>
-            </a:r>
-            <a:endParaRPr lang="de-DE" dirty="0">
-              <a:solidFill>
-                <a:srgbClr val="FF00FF"/>
-              </a:solidFill>
-            </a:endParaRPr>
-          </a:p>
-        </p:txBody>
-      </p:sp>
     </p:spTree>
     <p:extLst>
       <p:ext uri="{BB962C8B-B14F-4D97-AF65-F5344CB8AC3E}">
@@ -7811,9 +7878,18 @@
           <a:lstStyle/>
           <a:p>
             <a:r>
-              <a:rPr lang="de-DE" dirty="0"/>
-              <a:t>Ergebnisse</a:t>
-            </a:r>
+              <a:rPr lang="de-DE" dirty="0" smtClean="0"/>
+              <a:t>Ergebnisse </a:t>
+            </a:r>
+            <a:r>
+              <a:rPr lang="de-DE" sz="2400" dirty="0" smtClean="0"/>
+              <a:t>(2/5</a:t>
+            </a:r>
+            <a:r>
+              <a:rPr lang="de-DE" sz="2400" dirty="0"/>
+              <a:t>)</a:t>
+            </a:r>
+            <a:endParaRPr lang="de-DE" sz="2400" dirty="0"/>
           </a:p>
         </p:txBody>
       </p:sp>
@@ -7858,7 +7934,7 @@
           <a:graphicData uri="http://schemas.openxmlformats.org/presentationml/2006/ole">
             <mc:AlternateContent xmlns:mc="http://schemas.openxmlformats.org/markup-compatibility/2006">
               <mc:Choice xmlns:v="urn:schemas-microsoft-com:vml" Requires="v">
-                <p:oleObj spid="_x0000_s1026" name="Acrobat Document" r:id="rId3" imgW="4800253" imgH="3428735" progId="AcroExch.Document.7">
+                <p:oleObj spid="_x0000_s1031" name="Acrobat Document" r:id="rId3" imgW="4800253" imgH="3428735" progId="AcroExch.Document.7">
                   <p:embed/>
                 </p:oleObj>
               </mc:Choice>
@@ -7946,9 +8022,18 @@
           <a:lstStyle/>
           <a:p>
             <a:r>
-              <a:rPr lang="de-DE" dirty="0"/>
-              <a:t>Ergebnisse</a:t>
-            </a:r>
+              <a:rPr lang="de-DE" dirty="0" smtClean="0"/>
+              <a:t>Ergebnisse </a:t>
+            </a:r>
+            <a:r>
+              <a:rPr lang="de-DE" sz="2400" dirty="0" smtClean="0"/>
+              <a:t>(3/5</a:t>
+            </a:r>
+            <a:r>
+              <a:rPr lang="de-DE" sz="2400" dirty="0"/>
+              <a:t>)</a:t>
+            </a:r>
+            <a:endParaRPr lang="de-DE" sz="2400" dirty="0"/>
           </a:p>
         </p:txBody>
       </p:sp>
@@ -7993,7 +8078,7 @@
           <a:graphicData uri="http://schemas.openxmlformats.org/presentationml/2006/ole">
             <mc:AlternateContent xmlns:mc="http://schemas.openxmlformats.org/markup-compatibility/2006">
               <mc:Choice xmlns:v="urn:schemas-microsoft-com:vml" Requires="v">
-                <p:oleObj spid="_x0000_s2050" name="Acrobat Document" r:id="rId3" imgW="4800253" imgH="3428735" progId="AcroExch.Document.7">
+                <p:oleObj spid="_x0000_s2055" name="Acrobat Document" r:id="rId3" imgW="4800253" imgH="3428735" progId="AcroExch.Document.7">
                   <p:embed/>
                 </p:oleObj>
               </mc:Choice>
@@ -8081,9 +8166,18 @@
           <a:lstStyle/>
           <a:p>
             <a:r>
-              <a:rPr lang="de-DE" dirty="0"/>
-              <a:t>Ergebnisse</a:t>
-            </a:r>
+              <a:rPr lang="de-DE" dirty="0" smtClean="0"/>
+              <a:t>Ergebnisse </a:t>
+            </a:r>
+            <a:r>
+              <a:rPr lang="de-DE" sz="2400" dirty="0" smtClean="0"/>
+              <a:t>(4/5</a:t>
+            </a:r>
+            <a:r>
+              <a:rPr lang="de-DE" sz="2400" dirty="0"/>
+              <a:t>)</a:t>
+            </a:r>
+            <a:endParaRPr lang="de-DE" sz="2400" dirty="0"/>
           </a:p>
         </p:txBody>
       </p:sp>
@@ -8128,7 +8222,7 @@
           <a:graphicData uri="http://schemas.openxmlformats.org/presentationml/2006/ole">
             <mc:AlternateContent xmlns:mc="http://schemas.openxmlformats.org/markup-compatibility/2006">
               <mc:Choice xmlns:v="urn:schemas-microsoft-com:vml" Requires="v">
-                <p:oleObj spid="_x0000_s3074" name="Acrobat Document" r:id="rId3" imgW="4800253" imgH="3428735" progId="AcroExch.Document.7">
+                <p:oleObj spid="_x0000_s3079" name="Acrobat Document" r:id="rId3" imgW="4800253" imgH="3428735" progId="AcroExch.Document.7">
                   <p:embed/>
                 </p:oleObj>
               </mc:Choice>
@@ -8216,9 +8310,26 @@
           <a:lstStyle/>
           <a:p>
             <a:r>
-              <a:rPr lang="de-DE" dirty="0"/>
-              <a:t>Ergebnisse</a:t>
-            </a:r>
+              <a:rPr lang="de-DE" dirty="0" smtClean="0"/>
+              <a:t>Ergebnisse </a:t>
+            </a:r>
+            <a:r>
+              <a:rPr lang="de-DE" sz="2400" dirty="0" smtClean="0"/>
+              <a:t>(</a:t>
+            </a:r>
+            <a:r>
+              <a:rPr lang="de-DE" sz="2400" dirty="0"/>
+              <a:t>5</a:t>
+            </a:r>
+            <a:r>
+              <a:rPr lang="de-DE" sz="2400" dirty="0" smtClean="0"/>
+              <a:t>/5</a:t>
+            </a:r>
+            <a:r>
+              <a:rPr lang="de-DE" sz="2400" dirty="0"/>
+              <a:t>)</a:t>
+            </a:r>
+            <a:endParaRPr lang="de-DE" sz="2400" dirty="0"/>
           </a:p>
         </p:txBody>
       </p:sp>
@@ -8415,7 +8526,6 @@
               <a:rPr lang="de-DE" dirty="0"/>
               <a:t>Vorhandener Bildungsstand</a:t>
             </a:r>
-            <a:endParaRPr lang="de-DE" dirty="0"/>
           </a:p>
         </p:txBody>
       </p:sp>
@@ -8605,7 +8715,6 @@
               <a:rPr lang="de-DE" sz="2400" dirty="0"/>
               <a:t>)</a:t>
             </a:r>
-            <a:endParaRPr lang="de-DE" sz="2400" dirty="0"/>
           </a:p>
         </p:txBody>
       </p:sp>
@@ -8717,7 +8826,6 @@
               <a:rPr lang="de-DE" sz="2400" dirty="0"/>
               <a:t>)</a:t>
             </a:r>
-            <a:endParaRPr lang="de-DE" sz="2400" dirty="0"/>
           </a:p>
         </p:txBody>
       </p:sp>
@@ -8822,7 +8930,6 @@
               <a:rPr lang="de-DE" sz="2400" dirty="0"/>
               <a:t>)</a:t>
             </a:r>
-            <a:endParaRPr lang="de-DE" sz="2400" dirty="0"/>
           </a:p>
         </p:txBody>
       </p:sp>
@@ -10690,7 +10797,11 @@
           <a:p>
             <a:r>
               <a:rPr lang="de-DE" dirty="0"/>
-              <a:t>Aufgaben (1/4)</a:t>
+              <a:t>Aufgaben </a:t>
+            </a:r>
+            <a:r>
+              <a:rPr lang="de-DE" sz="2400" dirty="0"/>
+              <a:t>(1/4)</a:t>
             </a:r>
           </a:p>
         </p:txBody>

--- a/presentation/Resync Studie.pptx
+++ b/presentation/Resync Studie.pptx
@@ -23,8 +23,8 @@
     <p:sldId id="265" r:id="rId14"/>
     <p:sldId id="264" r:id="rId15"/>
     <p:sldId id="279" r:id="rId16"/>
-    <p:sldId id="283" r:id="rId17"/>
-    <p:sldId id="284" r:id="rId18"/>
+    <p:sldId id="285" r:id="rId17"/>
+    <p:sldId id="286" r:id="rId18"/>
     <p:sldId id="280" r:id="rId19"/>
     <p:sldId id="274" r:id="rId20"/>
     <p:sldId id="275" r:id="rId21"/>
@@ -364,7 +364,7 @@
               <a:solidFill>
                 <a:schemeClr val="tx2"/>
               </a:solidFill>
-              <a:latin typeface="+mn-lt"/>
+              <a:latin typeface="Futura Lt BT" panose="020B0402020204020303"/>
               <a:ea typeface="+mn-ea"/>
               <a:cs typeface="+mn-cs"/>
             </a:defRPr>
@@ -573,12 +573,16 @@
                 <a:solidFill>
                   <a:srgbClr val="44546A"/>
                 </a:solidFill>
+                <a:latin typeface="Futura Lt BT" panose="020B0402020204020303"/>
+                <a:ea typeface="Futura Lt BT" panose="020B0402020204020303"/>
+                <a:cs typeface="Futura Lt BT" panose="020B0402020204020303"/>
               </a:defRPr>
             </a:pPr>
             <a:endParaRPr lang="de-DE">
               <a:solidFill>
                 <a:srgbClr val="44546A"/>
               </a:solidFill>
+              <a:latin typeface="Futura Lt BT" panose="020B0402020204020303"/>
             </a:endParaRPr>
           </a:p>
         </cx:txPr>
@@ -606,12 +610,16 @@
                 <a:solidFill>
                   <a:srgbClr val="44546A"/>
                 </a:solidFill>
+                <a:latin typeface="Futura Lt BT" panose="020B0402020204020303"/>
+                <a:ea typeface="Futura Lt BT" panose="020B0402020204020303"/>
+                <a:cs typeface="Futura Lt BT" panose="020B0402020204020303"/>
               </a:defRPr>
             </a:pPr>
             <a:endParaRPr lang="de-DE">
               <a:solidFill>
                 <a:srgbClr val="44546A"/>
               </a:solidFill>
+              <a:latin typeface="Futura Lt BT" panose="020B0402020204020303"/>
             </a:endParaRPr>
           </a:p>
         </cx:txPr>
@@ -1306,12 +1314,16 @@
                 <a:solidFill>
                   <a:srgbClr val="44546A"/>
                 </a:solidFill>
+                <a:latin typeface="Futura Lt BT" panose="020B0402020204020303"/>
+                <a:ea typeface="Futura Lt BT" panose="020B0402020204020303"/>
+                <a:cs typeface="Futura Lt BT" panose="020B0402020204020303"/>
               </a:defRPr>
             </a:pPr>
             <a:endParaRPr lang="de-DE">
               <a:solidFill>
                 <a:srgbClr val="44546A"/>
               </a:solidFill>
+              <a:latin typeface="Futura Lt BT" panose="020B0402020204020303"/>
             </a:endParaRPr>
           </a:p>
         </cx:txPr>
@@ -1339,12 +1351,16 @@
                 <a:solidFill>
                   <a:srgbClr val="44546A"/>
                 </a:solidFill>
+                <a:latin typeface="Futura Lt BT" panose="020B0402020204020303"/>
+                <a:ea typeface="Futura Lt BT" panose="020B0402020204020303"/>
+                <a:cs typeface="Futura Lt BT" panose="020B0402020204020303"/>
               </a:defRPr>
             </a:pPr>
             <a:endParaRPr lang="de-DE">
               <a:solidFill>
                 <a:srgbClr val="44546A"/>
               </a:solidFill>
+              <a:latin typeface="Futura Lt BT" panose="020B0402020204020303"/>
             </a:endParaRPr>
           </a:p>
         </cx:txPr>
@@ -1352,6 +1368,1773 @@
     </cx:plotArea>
   </cx:chart>
 </cx:chartSpace>
+</file>
+
+<file path=ppt/charts/chart4.xml><?xml version="1.0" encoding="utf-8"?>
+<c:chartSpace xmlns:c="http://schemas.openxmlformats.org/drawingml/2006/chart" xmlns:a="http://schemas.openxmlformats.org/drawingml/2006/main" xmlns:r="http://schemas.openxmlformats.org/officeDocument/2006/relationships" xmlns:c16r2="http://schemas.microsoft.com/office/drawing/2015/06/chart">
+  <c:date1904 val="0"/>
+  <c:lang val="de-DE"/>
+  <c:roundedCorners val="0"/>
+  <mc:AlternateContent xmlns:mc="http://schemas.openxmlformats.org/markup-compatibility/2006">
+    <mc:Choice xmlns:c14="http://schemas.microsoft.com/office/drawing/2007/8/2/chart" Requires="c14">
+      <c14:style val="102"/>
+    </mc:Choice>
+    <mc:Fallback>
+      <c:style val="2"/>
+    </mc:Fallback>
+  </mc:AlternateContent>
+  <c:chart>
+    <c:title>
+      <c:tx>
+        <c:rich>
+          <a:bodyPr rot="0" spcFirstLastPara="1" vertOverflow="ellipsis" vert="horz" wrap="square" anchor="ctr" anchorCtr="1"/>
+          <a:lstStyle/>
+          <a:p>
+            <a:pPr>
+              <a:defRPr sz="1862" b="0" i="0" u="none" strike="noStrike" kern="1200" spc="0" baseline="0">
+                <a:solidFill>
+                  <a:schemeClr val="tx1">
+                    <a:lumMod val="65000"/>
+                    <a:lumOff val="35000"/>
+                  </a:schemeClr>
+                </a:solidFill>
+                <a:latin typeface="+mn-lt"/>
+                <a:ea typeface="+mn-ea"/>
+                <a:cs typeface="+mn-cs"/>
+              </a:defRPr>
+            </a:pPr>
+            <a:r>
+              <a:rPr lang="de-DE" sz="2000" dirty="0" smtClean="0">
+                <a:solidFill>
+                  <a:srgbClr val="44546A"/>
+                </a:solidFill>
+                <a:effectLst/>
+                <a:latin typeface="Futura Lt BT" panose="020B0402020204020303"/>
+              </a:rPr>
+              <a:t>Zeiten der ersten Aufgabe (in Sekunden)</a:t>
+            </a:r>
+            <a:endParaRPr lang="de-DE" dirty="0">
+              <a:solidFill>
+                <a:srgbClr val="44546A"/>
+              </a:solidFill>
+            </a:endParaRPr>
+          </a:p>
+        </c:rich>
+      </c:tx>
+      <c:layout/>
+      <c:overlay val="0"/>
+      <c:spPr>
+        <a:noFill/>
+        <a:ln>
+          <a:noFill/>
+        </a:ln>
+        <a:effectLst/>
+      </c:spPr>
+      <c:txPr>
+        <a:bodyPr rot="0" spcFirstLastPara="1" vertOverflow="ellipsis" vert="horz" wrap="square" anchor="ctr" anchorCtr="1"/>
+        <a:lstStyle/>
+        <a:p>
+          <a:pPr>
+            <a:defRPr sz="1862" b="0" i="0" u="none" strike="noStrike" kern="1200" spc="0" baseline="0">
+              <a:solidFill>
+                <a:schemeClr val="tx1">
+                  <a:lumMod val="65000"/>
+                  <a:lumOff val="35000"/>
+                </a:schemeClr>
+              </a:solidFill>
+              <a:latin typeface="+mn-lt"/>
+              <a:ea typeface="+mn-ea"/>
+              <a:cs typeface="+mn-cs"/>
+            </a:defRPr>
+          </a:pPr>
+          <a:endParaRPr lang="de-DE"/>
+        </a:p>
+      </c:txPr>
+    </c:title>
+    <c:autoTitleDeleted val="0"/>
+    <c:plotArea>
+      <c:layout/>
+      <c:lineChart>
+        <c:grouping val="standard"/>
+        <c:varyColors val="0"/>
+        <c:ser>
+          <c:idx val="0"/>
+          <c:order val="0"/>
+          <c:tx>
+            <c:strRef>
+              <c:f>Tabelle1!$B$1</c:f>
+              <c:strCache>
+                <c:ptCount val="1"/>
+                <c:pt idx="0">
+                  <c:v>Alarm</c:v>
+                </c:pt>
+              </c:strCache>
+            </c:strRef>
+          </c:tx>
+          <c:spPr>
+            <a:ln w="28575" cap="rnd">
+              <a:solidFill>
+                <a:srgbClr val="3288BD"/>
+              </a:solidFill>
+              <a:round/>
+            </a:ln>
+            <a:effectLst/>
+          </c:spPr>
+          <c:marker>
+            <c:symbol val="circle"/>
+            <c:size val="5"/>
+            <c:spPr>
+              <a:solidFill>
+                <a:srgbClr val="3288BD"/>
+              </a:solidFill>
+              <a:ln w="9525">
+                <a:solidFill>
+                  <a:srgbClr val="3288BD"/>
+                </a:solidFill>
+              </a:ln>
+              <a:effectLst/>
+            </c:spPr>
+          </c:marker>
+          <c:cat>
+            <c:strRef>
+              <c:f>Tabelle1!$A$2:$A$11</c:f>
+              <c:strCache>
+                <c:ptCount val="10"/>
+                <c:pt idx="0">
+                  <c:v>Subtask 1</c:v>
+                </c:pt>
+                <c:pt idx="1">
+                  <c:v>Subtask 2</c:v>
+                </c:pt>
+                <c:pt idx="2">
+                  <c:v>Subtask 3</c:v>
+                </c:pt>
+                <c:pt idx="3">
+                  <c:v>Subtask 4</c:v>
+                </c:pt>
+                <c:pt idx="4">
+                  <c:v>Subtask 5</c:v>
+                </c:pt>
+                <c:pt idx="5">
+                  <c:v>Subtask 6</c:v>
+                </c:pt>
+                <c:pt idx="6">
+                  <c:v>Subtask 7</c:v>
+                </c:pt>
+                <c:pt idx="7">
+                  <c:v>Subtask 8</c:v>
+                </c:pt>
+                <c:pt idx="8">
+                  <c:v>Subtask 9</c:v>
+                </c:pt>
+                <c:pt idx="9">
+                  <c:v>Subtask 10</c:v>
+                </c:pt>
+              </c:strCache>
+            </c:strRef>
+          </c:cat>
+          <c:val>
+            <c:numRef>
+              <c:f>Tabelle1!$B$2:$B$11</c:f>
+              <c:numCache>
+                <c:formatCode>General</c:formatCode>
+                <c:ptCount val="10"/>
+                <c:pt idx="0">
+                  <c:v>5.1580000000000004</c:v>
+                </c:pt>
+                <c:pt idx="1">
+                  <c:v>1.91</c:v>
+                </c:pt>
+                <c:pt idx="2">
+                  <c:v>4.3760000000000003</c:v>
+                </c:pt>
+                <c:pt idx="3">
+                  <c:v>1.544</c:v>
+                </c:pt>
+                <c:pt idx="4">
+                  <c:v>3.5209999999999999</c:v>
+                </c:pt>
+                <c:pt idx="5">
+                  <c:v>1.389</c:v>
+                </c:pt>
+                <c:pt idx="6">
+                  <c:v>1.466</c:v>
+                </c:pt>
+                <c:pt idx="7">
+                  <c:v>1.29</c:v>
+                </c:pt>
+                <c:pt idx="8">
+                  <c:v>1.022</c:v>
+                </c:pt>
+                <c:pt idx="9">
+                  <c:v>0.82199999999999995</c:v>
+                </c:pt>
+              </c:numCache>
+            </c:numRef>
+          </c:val>
+          <c:smooth val="0"/>
+          <c:extLst>
+            <c:ext xmlns:c16="http://schemas.microsoft.com/office/drawing/2014/chart" uri="{C3380CC4-5D6E-409C-BE32-E72D297353CC}">
+              <c16:uniqueId val="{00000000-CCF0-4841-8482-9B03BFCC19DA}"/>
+            </c:ext>
+          </c:extLst>
+        </c:ser>
+        <c:ser>
+          <c:idx val="1"/>
+          <c:order val="1"/>
+          <c:tx>
+            <c:strRef>
+              <c:f>Tabelle1!$C$1</c:f>
+              <c:strCache>
+                <c:ptCount val="1"/>
+                <c:pt idx="0">
+                  <c:v>Fade 20</c:v>
+                </c:pt>
+              </c:strCache>
+            </c:strRef>
+          </c:tx>
+          <c:spPr>
+            <a:ln w="28575" cap="rnd">
+              <a:solidFill>
+                <a:srgbClr val="D53E4F"/>
+              </a:solidFill>
+              <a:round/>
+            </a:ln>
+            <a:effectLst/>
+          </c:spPr>
+          <c:marker>
+            <c:symbol val="circle"/>
+            <c:size val="5"/>
+            <c:spPr>
+              <a:solidFill>
+                <a:srgbClr val="D53E4F"/>
+              </a:solidFill>
+              <a:ln w="9525">
+                <a:solidFill>
+                  <a:srgbClr val="D53E4F"/>
+                </a:solidFill>
+              </a:ln>
+              <a:effectLst/>
+            </c:spPr>
+          </c:marker>
+          <c:cat>
+            <c:strRef>
+              <c:f>Tabelle1!$A$2:$A$11</c:f>
+              <c:strCache>
+                <c:ptCount val="10"/>
+                <c:pt idx="0">
+                  <c:v>Subtask 1</c:v>
+                </c:pt>
+                <c:pt idx="1">
+                  <c:v>Subtask 2</c:v>
+                </c:pt>
+                <c:pt idx="2">
+                  <c:v>Subtask 3</c:v>
+                </c:pt>
+                <c:pt idx="3">
+                  <c:v>Subtask 4</c:v>
+                </c:pt>
+                <c:pt idx="4">
+                  <c:v>Subtask 5</c:v>
+                </c:pt>
+                <c:pt idx="5">
+                  <c:v>Subtask 6</c:v>
+                </c:pt>
+                <c:pt idx="6">
+                  <c:v>Subtask 7</c:v>
+                </c:pt>
+                <c:pt idx="7">
+                  <c:v>Subtask 8</c:v>
+                </c:pt>
+                <c:pt idx="8">
+                  <c:v>Subtask 9</c:v>
+                </c:pt>
+                <c:pt idx="9">
+                  <c:v>Subtask 10</c:v>
+                </c:pt>
+              </c:strCache>
+            </c:strRef>
+          </c:cat>
+          <c:val>
+            <c:numRef>
+              <c:f>Tabelle1!$C$2:$C$11</c:f>
+              <c:numCache>
+                <c:formatCode>General</c:formatCode>
+                <c:ptCount val="10"/>
+                <c:pt idx="0">
+                  <c:v>5.4489999999999998</c:v>
+                </c:pt>
+                <c:pt idx="1">
+                  <c:v>2.4660000000000002</c:v>
+                </c:pt>
+                <c:pt idx="2">
+                  <c:v>3.9569999999999999</c:v>
+                </c:pt>
+                <c:pt idx="3">
+                  <c:v>2.0880000000000001</c:v>
+                </c:pt>
+                <c:pt idx="4">
+                  <c:v>3.5419999999999998</c:v>
+                </c:pt>
+                <c:pt idx="5">
+                  <c:v>1.675</c:v>
+                </c:pt>
+                <c:pt idx="6">
+                  <c:v>1.9330000000000001</c:v>
+                </c:pt>
+                <c:pt idx="7">
+                  <c:v>1.8660000000000001</c:v>
+                </c:pt>
+                <c:pt idx="8">
+                  <c:v>1.2749999999999999</c:v>
+                </c:pt>
+                <c:pt idx="9">
+                  <c:v>0.96599999999999997</c:v>
+                </c:pt>
+              </c:numCache>
+            </c:numRef>
+          </c:val>
+          <c:smooth val="0"/>
+          <c:extLst>
+            <c:ext xmlns:c16="http://schemas.microsoft.com/office/drawing/2014/chart" uri="{C3380CC4-5D6E-409C-BE32-E72D297353CC}">
+              <c16:uniqueId val="{00000001-CCF0-4841-8482-9B03BFCC19DA}"/>
+            </c:ext>
+          </c:extLst>
+        </c:ser>
+        <c:ser>
+          <c:idx val="2"/>
+          <c:order val="2"/>
+          <c:tx>
+            <c:strRef>
+              <c:f>Tabelle1!$D$1</c:f>
+              <c:strCache>
+                <c:ptCount val="1"/>
+                <c:pt idx="0">
+                  <c:v>Fade 5</c:v>
+                </c:pt>
+              </c:strCache>
+            </c:strRef>
+          </c:tx>
+          <c:spPr>
+            <a:ln w="28575" cap="rnd">
+              <a:solidFill>
+                <a:srgbClr val="FC8D59"/>
+              </a:solidFill>
+              <a:round/>
+            </a:ln>
+            <a:effectLst/>
+          </c:spPr>
+          <c:marker>
+            <c:symbol val="circle"/>
+            <c:size val="5"/>
+            <c:spPr>
+              <a:solidFill>
+                <a:srgbClr val="FC8D59"/>
+              </a:solidFill>
+              <a:ln w="9525">
+                <a:solidFill>
+                  <a:srgbClr val="FC8D59"/>
+                </a:solidFill>
+              </a:ln>
+              <a:effectLst/>
+            </c:spPr>
+          </c:marker>
+          <c:cat>
+            <c:strRef>
+              <c:f>Tabelle1!$A$2:$A$11</c:f>
+              <c:strCache>
+                <c:ptCount val="10"/>
+                <c:pt idx="0">
+                  <c:v>Subtask 1</c:v>
+                </c:pt>
+                <c:pt idx="1">
+                  <c:v>Subtask 2</c:v>
+                </c:pt>
+                <c:pt idx="2">
+                  <c:v>Subtask 3</c:v>
+                </c:pt>
+                <c:pt idx="3">
+                  <c:v>Subtask 4</c:v>
+                </c:pt>
+                <c:pt idx="4">
+                  <c:v>Subtask 5</c:v>
+                </c:pt>
+                <c:pt idx="5">
+                  <c:v>Subtask 6</c:v>
+                </c:pt>
+                <c:pt idx="6">
+                  <c:v>Subtask 7</c:v>
+                </c:pt>
+                <c:pt idx="7">
+                  <c:v>Subtask 8</c:v>
+                </c:pt>
+                <c:pt idx="8">
+                  <c:v>Subtask 9</c:v>
+                </c:pt>
+                <c:pt idx="9">
+                  <c:v>Subtask 10</c:v>
+                </c:pt>
+              </c:strCache>
+            </c:strRef>
+          </c:cat>
+          <c:val>
+            <c:numRef>
+              <c:f>Tabelle1!$D$2:$D$11</c:f>
+              <c:numCache>
+                <c:formatCode>General</c:formatCode>
+                <c:ptCount val="10"/>
+                <c:pt idx="0">
+                  <c:v>6.0250000000000004</c:v>
+                </c:pt>
+                <c:pt idx="1">
+                  <c:v>2.8319999999999999</c:v>
+                </c:pt>
+                <c:pt idx="2">
+                  <c:v>4.4640000000000004</c:v>
+                </c:pt>
+                <c:pt idx="3">
+                  <c:v>1.677</c:v>
+                </c:pt>
+                <c:pt idx="4">
+                  <c:v>4.798</c:v>
+                </c:pt>
+                <c:pt idx="5">
+                  <c:v>1.3120000000000001</c:v>
+                </c:pt>
+                <c:pt idx="6">
+                  <c:v>1.4330000000000001</c:v>
+                </c:pt>
+                <c:pt idx="7">
+                  <c:v>1.389</c:v>
+                </c:pt>
+                <c:pt idx="8">
+                  <c:v>1.032</c:v>
+                </c:pt>
+                <c:pt idx="9">
+                  <c:v>0.86899999999999999</c:v>
+                </c:pt>
+              </c:numCache>
+            </c:numRef>
+          </c:val>
+          <c:smooth val="0"/>
+          <c:extLst>
+            <c:ext xmlns:c16="http://schemas.microsoft.com/office/drawing/2014/chart" uri="{C3380CC4-5D6E-409C-BE32-E72D297353CC}">
+              <c16:uniqueId val="{00000002-CCF0-4841-8482-9B03BFCC19DA}"/>
+            </c:ext>
+          </c:extLst>
+        </c:ser>
+        <c:dLbls>
+          <c:showLegendKey val="0"/>
+          <c:showVal val="0"/>
+          <c:showCatName val="0"/>
+          <c:showSerName val="0"/>
+          <c:showPercent val="0"/>
+          <c:showBubbleSize val="0"/>
+        </c:dLbls>
+        <c:marker val="1"/>
+        <c:smooth val="0"/>
+        <c:axId val="1653659568"/>
+        <c:axId val="1667856832"/>
+      </c:lineChart>
+      <c:catAx>
+        <c:axId val="1653659568"/>
+        <c:scaling>
+          <c:orientation val="minMax"/>
+        </c:scaling>
+        <c:delete val="0"/>
+        <c:axPos val="b"/>
+        <c:numFmt formatCode="General" sourceLinked="1"/>
+        <c:majorTickMark val="none"/>
+        <c:minorTickMark val="none"/>
+        <c:tickLblPos val="nextTo"/>
+        <c:spPr>
+          <a:noFill/>
+          <a:ln w="9525" cap="flat" cmpd="sng" algn="ctr">
+            <a:solidFill>
+              <a:schemeClr val="tx1">
+                <a:lumMod val="15000"/>
+                <a:lumOff val="85000"/>
+              </a:schemeClr>
+            </a:solidFill>
+            <a:round/>
+          </a:ln>
+          <a:effectLst/>
+        </c:spPr>
+        <c:txPr>
+          <a:bodyPr rot="-60000000" spcFirstLastPara="1" vertOverflow="ellipsis" vert="horz" wrap="square" anchor="ctr" anchorCtr="1"/>
+          <a:lstStyle/>
+          <a:p>
+            <a:pPr>
+              <a:defRPr sz="1197" b="0" i="0" u="none" strike="noStrike" kern="1200" baseline="0">
+                <a:solidFill>
+                  <a:srgbClr val="44546A"/>
+                </a:solidFill>
+                <a:latin typeface="Futura Lt BT" panose="020B0402020204020303"/>
+                <a:ea typeface="+mn-ea"/>
+                <a:cs typeface="+mn-cs"/>
+              </a:defRPr>
+            </a:pPr>
+            <a:endParaRPr lang="de-DE"/>
+          </a:p>
+        </c:txPr>
+        <c:crossAx val="1667856832"/>
+        <c:crosses val="autoZero"/>
+        <c:auto val="1"/>
+        <c:lblAlgn val="ctr"/>
+        <c:lblOffset val="100"/>
+        <c:noMultiLvlLbl val="0"/>
+      </c:catAx>
+      <c:valAx>
+        <c:axId val="1667856832"/>
+        <c:scaling>
+          <c:orientation val="minMax"/>
+        </c:scaling>
+        <c:delete val="0"/>
+        <c:axPos val="l"/>
+        <c:majorGridlines>
+          <c:spPr>
+            <a:ln w="9525" cap="flat" cmpd="sng" algn="ctr">
+              <a:solidFill>
+                <a:schemeClr val="tx1">
+                  <a:lumMod val="15000"/>
+                  <a:lumOff val="85000"/>
+                </a:schemeClr>
+              </a:solidFill>
+              <a:round/>
+            </a:ln>
+            <a:effectLst/>
+          </c:spPr>
+        </c:majorGridlines>
+        <c:numFmt formatCode="General" sourceLinked="1"/>
+        <c:majorTickMark val="none"/>
+        <c:minorTickMark val="none"/>
+        <c:tickLblPos val="nextTo"/>
+        <c:spPr>
+          <a:noFill/>
+          <a:ln>
+            <a:noFill/>
+          </a:ln>
+          <a:effectLst/>
+        </c:spPr>
+        <c:txPr>
+          <a:bodyPr rot="-60000000" spcFirstLastPara="1" vertOverflow="ellipsis" vert="horz" wrap="square" anchor="ctr" anchorCtr="1"/>
+          <a:lstStyle/>
+          <a:p>
+            <a:pPr>
+              <a:defRPr sz="1197" b="0" i="0" u="none" strike="noStrike" kern="1200" baseline="0">
+                <a:solidFill>
+                  <a:srgbClr val="44546A"/>
+                </a:solidFill>
+                <a:latin typeface="Futura Lt BT" panose="020B0402020204020303"/>
+                <a:ea typeface="+mn-ea"/>
+                <a:cs typeface="+mn-cs"/>
+              </a:defRPr>
+            </a:pPr>
+            <a:endParaRPr lang="de-DE"/>
+          </a:p>
+        </c:txPr>
+        <c:crossAx val="1653659568"/>
+        <c:crosses val="autoZero"/>
+        <c:crossBetween val="between"/>
+      </c:valAx>
+      <c:spPr>
+        <a:noFill/>
+        <a:ln>
+          <a:noFill/>
+        </a:ln>
+        <a:effectLst/>
+      </c:spPr>
+    </c:plotArea>
+    <c:legend>
+      <c:legendPos val="b"/>
+      <c:layout/>
+      <c:overlay val="0"/>
+      <c:spPr>
+        <a:noFill/>
+        <a:ln>
+          <a:noFill/>
+        </a:ln>
+        <a:effectLst/>
+      </c:spPr>
+      <c:txPr>
+        <a:bodyPr rot="0" spcFirstLastPara="1" vertOverflow="ellipsis" vert="horz" wrap="square" anchor="ctr" anchorCtr="1"/>
+        <a:lstStyle/>
+        <a:p>
+          <a:pPr>
+            <a:defRPr sz="1197" b="0" i="0" u="none" strike="noStrike" kern="1200" baseline="0">
+              <a:solidFill>
+                <a:srgbClr val="44546A"/>
+              </a:solidFill>
+              <a:latin typeface="Futura Lt BT" panose="020B0402020204020303"/>
+              <a:ea typeface="+mn-ea"/>
+              <a:cs typeface="+mn-cs"/>
+            </a:defRPr>
+          </a:pPr>
+          <a:endParaRPr lang="de-DE"/>
+        </a:p>
+      </c:txPr>
+    </c:legend>
+    <c:plotVisOnly val="1"/>
+    <c:dispBlanksAs val="gap"/>
+    <c:showDLblsOverMax val="0"/>
+  </c:chart>
+  <c:spPr>
+    <a:noFill/>
+    <a:ln>
+      <a:noFill/>
+    </a:ln>
+    <a:effectLst/>
+  </c:spPr>
+  <c:txPr>
+    <a:bodyPr/>
+    <a:lstStyle/>
+    <a:p>
+      <a:pPr>
+        <a:defRPr/>
+      </a:pPr>
+      <a:endParaRPr lang="de-DE"/>
+    </a:p>
+  </c:txPr>
+  <c:externalData r:id="rId3">
+    <c:autoUpdate val="0"/>
+  </c:externalData>
+</c:chartSpace>
+</file>
+
+<file path=ppt/charts/chart5.xml><?xml version="1.0" encoding="utf-8"?>
+<c:chartSpace xmlns:c="http://schemas.openxmlformats.org/drawingml/2006/chart" xmlns:a="http://schemas.openxmlformats.org/drawingml/2006/main" xmlns:r="http://schemas.openxmlformats.org/officeDocument/2006/relationships" xmlns:c16r2="http://schemas.microsoft.com/office/drawing/2015/06/chart">
+  <c:date1904 val="0"/>
+  <c:lang val="de-DE"/>
+  <c:roundedCorners val="0"/>
+  <mc:AlternateContent xmlns:mc="http://schemas.openxmlformats.org/markup-compatibility/2006">
+    <mc:Choice xmlns:c14="http://schemas.microsoft.com/office/drawing/2007/8/2/chart" Requires="c14">
+      <c14:style val="102"/>
+    </mc:Choice>
+    <mc:Fallback>
+      <c:style val="2"/>
+    </mc:Fallback>
+  </mc:AlternateContent>
+  <c:chart>
+    <c:title>
+      <c:tx>
+        <c:rich>
+          <a:bodyPr rot="0" spcFirstLastPara="1" vertOverflow="ellipsis" vert="horz" wrap="square" anchor="ctr" anchorCtr="1"/>
+          <a:lstStyle/>
+          <a:p>
+            <a:pPr>
+              <a:defRPr sz="1862" b="0" i="0" u="none" strike="noStrike" kern="1200" spc="0" baseline="0">
+                <a:solidFill>
+                  <a:schemeClr val="tx1">
+                    <a:lumMod val="65000"/>
+                    <a:lumOff val="35000"/>
+                  </a:schemeClr>
+                </a:solidFill>
+                <a:latin typeface="+mn-lt"/>
+                <a:ea typeface="+mn-ea"/>
+                <a:cs typeface="+mn-cs"/>
+              </a:defRPr>
+            </a:pPr>
+            <a:r>
+              <a:rPr lang="de-DE" sz="2000" dirty="0" smtClean="0">
+                <a:solidFill>
+                  <a:srgbClr val="44546A"/>
+                </a:solidFill>
+                <a:effectLst/>
+                <a:latin typeface="Futura Lt BT" panose="020B0402020204020303"/>
+              </a:rPr>
+              <a:t>Zeiten der zweiten Aufgabe (in Sekunden)</a:t>
+            </a:r>
+            <a:endParaRPr lang="de-DE" dirty="0">
+              <a:solidFill>
+                <a:srgbClr val="44546A"/>
+              </a:solidFill>
+            </a:endParaRPr>
+          </a:p>
+        </c:rich>
+      </c:tx>
+      <c:layout/>
+      <c:overlay val="0"/>
+      <c:spPr>
+        <a:noFill/>
+        <a:ln>
+          <a:noFill/>
+        </a:ln>
+        <a:effectLst/>
+      </c:spPr>
+      <c:txPr>
+        <a:bodyPr rot="0" spcFirstLastPara="1" vertOverflow="ellipsis" vert="horz" wrap="square" anchor="ctr" anchorCtr="1"/>
+        <a:lstStyle/>
+        <a:p>
+          <a:pPr>
+            <a:defRPr sz="1862" b="0" i="0" u="none" strike="noStrike" kern="1200" spc="0" baseline="0">
+              <a:solidFill>
+                <a:schemeClr val="tx1">
+                  <a:lumMod val="65000"/>
+                  <a:lumOff val="35000"/>
+                </a:schemeClr>
+              </a:solidFill>
+              <a:latin typeface="+mn-lt"/>
+              <a:ea typeface="+mn-ea"/>
+              <a:cs typeface="+mn-cs"/>
+            </a:defRPr>
+          </a:pPr>
+          <a:endParaRPr lang="de-DE"/>
+        </a:p>
+      </c:txPr>
+    </c:title>
+    <c:autoTitleDeleted val="0"/>
+    <c:plotArea>
+      <c:layout/>
+      <c:lineChart>
+        <c:grouping val="standard"/>
+        <c:varyColors val="0"/>
+        <c:ser>
+          <c:idx val="0"/>
+          <c:order val="0"/>
+          <c:tx>
+            <c:strRef>
+              <c:f>Tabelle1!$B$1</c:f>
+              <c:strCache>
+                <c:ptCount val="1"/>
+                <c:pt idx="0">
+                  <c:v>Alarm</c:v>
+                </c:pt>
+              </c:strCache>
+            </c:strRef>
+          </c:tx>
+          <c:spPr>
+            <a:ln w="28575" cap="rnd">
+              <a:solidFill>
+                <a:srgbClr val="3288BD"/>
+              </a:solidFill>
+              <a:round/>
+            </a:ln>
+            <a:effectLst/>
+          </c:spPr>
+          <c:marker>
+            <c:symbol val="circle"/>
+            <c:size val="5"/>
+            <c:spPr>
+              <a:solidFill>
+                <a:srgbClr val="3288BD"/>
+              </a:solidFill>
+              <a:ln w="9525">
+                <a:solidFill>
+                  <a:srgbClr val="3288BD"/>
+                </a:solidFill>
+              </a:ln>
+              <a:effectLst/>
+            </c:spPr>
+          </c:marker>
+          <c:cat>
+            <c:strRef>
+              <c:f>Tabelle1!$A$2:$A$11</c:f>
+              <c:strCache>
+                <c:ptCount val="10"/>
+                <c:pt idx="0">
+                  <c:v>Subtask 1</c:v>
+                </c:pt>
+                <c:pt idx="1">
+                  <c:v>Subtask 2</c:v>
+                </c:pt>
+                <c:pt idx="2">
+                  <c:v>Subtask 3</c:v>
+                </c:pt>
+                <c:pt idx="3">
+                  <c:v>Subtask 4</c:v>
+                </c:pt>
+                <c:pt idx="4">
+                  <c:v>Subtask 5</c:v>
+                </c:pt>
+                <c:pt idx="5">
+                  <c:v>Subtask 6</c:v>
+                </c:pt>
+                <c:pt idx="6">
+                  <c:v>Subtask 7</c:v>
+                </c:pt>
+                <c:pt idx="7">
+                  <c:v>Subtask 8</c:v>
+                </c:pt>
+                <c:pt idx="8">
+                  <c:v>Subtask 9</c:v>
+                </c:pt>
+                <c:pt idx="9">
+                  <c:v>Subtask 10</c:v>
+                </c:pt>
+              </c:strCache>
+            </c:strRef>
+          </c:cat>
+          <c:val>
+            <c:numRef>
+              <c:f>Tabelle1!$B$2:$B$11</c:f>
+              <c:numCache>
+                <c:formatCode>General</c:formatCode>
+                <c:ptCount val="10"/>
+                <c:pt idx="0">
+                  <c:v>2.9420000000000002</c:v>
+                </c:pt>
+                <c:pt idx="1">
+                  <c:v>1.867</c:v>
+                </c:pt>
+                <c:pt idx="2">
+                  <c:v>2.077</c:v>
+                </c:pt>
+                <c:pt idx="3">
+                  <c:v>1.9379999999999999</c:v>
+                </c:pt>
+                <c:pt idx="4">
+                  <c:v>1.7430000000000001</c:v>
+                </c:pt>
+                <c:pt idx="5">
+                  <c:v>1.722</c:v>
+                </c:pt>
+                <c:pt idx="6">
+                  <c:v>1.6339999999999999</c:v>
+                </c:pt>
+                <c:pt idx="7">
+                  <c:v>1.8109999999999999</c:v>
+                </c:pt>
+                <c:pt idx="8">
+                  <c:v>1.7849999999999999</c:v>
+                </c:pt>
+                <c:pt idx="9">
+                  <c:v>1.68</c:v>
+                </c:pt>
+              </c:numCache>
+            </c:numRef>
+          </c:val>
+          <c:smooth val="0"/>
+          <c:extLst>
+            <c:ext xmlns:c16="http://schemas.microsoft.com/office/drawing/2014/chart" uri="{C3380CC4-5D6E-409C-BE32-E72D297353CC}">
+              <c16:uniqueId val="{00000000-CCF0-4841-8482-9B03BFCC19DA}"/>
+            </c:ext>
+          </c:extLst>
+        </c:ser>
+        <c:ser>
+          <c:idx val="1"/>
+          <c:order val="1"/>
+          <c:tx>
+            <c:strRef>
+              <c:f>Tabelle1!$C$1</c:f>
+              <c:strCache>
+                <c:ptCount val="1"/>
+                <c:pt idx="0">
+                  <c:v>Fade 20</c:v>
+                </c:pt>
+              </c:strCache>
+            </c:strRef>
+          </c:tx>
+          <c:spPr>
+            <a:ln w="28575" cap="rnd">
+              <a:solidFill>
+                <a:srgbClr val="D53E4F"/>
+              </a:solidFill>
+              <a:round/>
+            </a:ln>
+            <a:effectLst/>
+          </c:spPr>
+          <c:marker>
+            <c:symbol val="circle"/>
+            <c:size val="5"/>
+            <c:spPr>
+              <a:solidFill>
+                <a:srgbClr val="D53E4F"/>
+              </a:solidFill>
+              <a:ln w="9525">
+                <a:solidFill>
+                  <a:srgbClr val="D53E4F"/>
+                </a:solidFill>
+              </a:ln>
+              <a:effectLst/>
+            </c:spPr>
+          </c:marker>
+          <c:cat>
+            <c:strRef>
+              <c:f>Tabelle1!$A$2:$A$11</c:f>
+              <c:strCache>
+                <c:ptCount val="10"/>
+                <c:pt idx="0">
+                  <c:v>Subtask 1</c:v>
+                </c:pt>
+                <c:pt idx="1">
+                  <c:v>Subtask 2</c:v>
+                </c:pt>
+                <c:pt idx="2">
+                  <c:v>Subtask 3</c:v>
+                </c:pt>
+                <c:pt idx="3">
+                  <c:v>Subtask 4</c:v>
+                </c:pt>
+                <c:pt idx="4">
+                  <c:v>Subtask 5</c:v>
+                </c:pt>
+                <c:pt idx="5">
+                  <c:v>Subtask 6</c:v>
+                </c:pt>
+                <c:pt idx="6">
+                  <c:v>Subtask 7</c:v>
+                </c:pt>
+                <c:pt idx="7">
+                  <c:v>Subtask 8</c:v>
+                </c:pt>
+                <c:pt idx="8">
+                  <c:v>Subtask 9</c:v>
+                </c:pt>
+                <c:pt idx="9">
+                  <c:v>Subtask 10</c:v>
+                </c:pt>
+              </c:strCache>
+            </c:strRef>
+          </c:cat>
+          <c:val>
+            <c:numRef>
+              <c:f>Tabelle1!$C$2:$C$11</c:f>
+              <c:numCache>
+                <c:formatCode>General</c:formatCode>
+                <c:ptCount val="10"/>
+                <c:pt idx="0">
+                  <c:v>3.0739999999999998</c:v>
+                </c:pt>
+                <c:pt idx="1">
+                  <c:v>2.3769999999999998</c:v>
+                </c:pt>
+                <c:pt idx="2">
+                  <c:v>1.81</c:v>
+                </c:pt>
+                <c:pt idx="3">
+                  <c:v>2.0219999999999998</c:v>
+                </c:pt>
+                <c:pt idx="4">
+                  <c:v>2.0099999999999998</c:v>
+                </c:pt>
+                <c:pt idx="5">
+                  <c:v>1.8089999999999999</c:v>
+                </c:pt>
+                <c:pt idx="6">
+                  <c:v>1.81</c:v>
+                </c:pt>
+                <c:pt idx="7">
+                  <c:v>1.7769999999999999</c:v>
+                </c:pt>
+                <c:pt idx="8">
+                  <c:v>1.6970000000000001</c:v>
+                </c:pt>
+                <c:pt idx="9">
+                  <c:v>1.833</c:v>
+                </c:pt>
+              </c:numCache>
+            </c:numRef>
+          </c:val>
+          <c:smooth val="0"/>
+          <c:extLst>
+            <c:ext xmlns:c16="http://schemas.microsoft.com/office/drawing/2014/chart" uri="{C3380CC4-5D6E-409C-BE32-E72D297353CC}">
+              <c16:uniqueId val="{00000001-CCF0-4841-8482-9B03BFCC19DA}"/>
+            </c:ext>
+          </c:extLst>
+        </c:ser>
+        <c:ser>
+          <c:idx val="2"/>
+          <c:order val="2"/>
+          <c:tx>
+            <c:strRef>
+              <c:f>Tabelle1!$D$1</c:f>
+              <c:strCache>
+                <c:ptCount val="1"/>
+                <c:pt idx="0">
+                  <c:v>Fade 5</c:v>
+                </c:pt>
+              </c:strCache>
+            </c:strRef>
+          </c:tx>
+          <c:spPr>
+            <a:ln w="28575" cap="rnd">
+              <a:solidFill>
+                <a:srgbClr val="FC8D59"/>
+              </a:solidFill>
+              <a:round/>
+            </a:ln>
+            <a:effectLst/>
+          </c:spPr>
+          <c:marker>
+            <c:symbol val="circle"/>
+            <c:size val="5"/>
+            <c:spPr>
+              <a:solidFill>
+                <a:srgbClr val="FC8D59"/>
+              </a:solidFill>
+              <a:ln w="9525">
+                <a:solidFill>
+                  <a:srgbClr val="FC8D59"/>
+                </a:solidFill>
+              </a:ln>
+              <a:effectLst/>
+            </c:spPr>
+          </c:marker>
+          <c:cat>
+            <c:strRef>
+              <c:f>Tabelle1!$A$2:$A$11</c:f>
+              <c:strCache>
+                <c:ptCount val="10"/>
+                <c:pt idx="0">
+                  <c:v>Subtask 1</c:v>
+                </c:pt>
+                <c:pt idx="1">
+                  <c:v>Subtask 2</c:v>
+                </c:pt>
+                <c:pt idx="2">
+                  <c:v>Subtask 3</c:v>
+                </c:pt>
+                <c:pt idx="3">
+                  <c:v>Subtask 4</c:v>
+                </c:pt>
+                <c:pt idx="4">
+                  <c:v>Subtask 5</c:v>
+                </c:pt>
+                <c:pt idx="5">
+                  <c:v>Subtask 6</c:v>
+                </c:pt>
+                <c:pt idx="6">
+                  <c:v>Subtask 7</c:v>
+                </c:pt>
+                <c:pt idx="7">
+                  <c:v>Subtask 8</c:v>
+                </c:pt>
+                <c:pt idx="8">
+                  <c:v>Subtask 9</c:v>
+                </c:pt>
+                <c:pt idx="9">
+                  <c:v>Subtask 10</c:v>
+                </c:pt>
+              </c:strCache>
+            </c:strRef>
+          </c:cat>
+          <c:val>
+            <c:numRef>
+              <c:f>Tabelle1!$D$2:$D$11</c:f>
+              <c:numCache>
+                <c:formatCode>General</c:formatCode>
+                <c:ptCount val="10"/>
+                <c:pt idx="0">
+                  <c:v>4.12</c:v>
+                </c:pt>
+                <c:pt idx="1">
+                  <c:v>2.1</c:v>
+                </c:pt>
+                <c:pt idx="2">
+                  <c:v>1.9770000000000001</c:v>
+                </c:pt>
+                <c:pt idx="3">
+                  <c:v>2.2090000000000001</c:v>
+                </c:pt>
+                <c:pt idx="4">
+                  <c:v>1.8879999999999999</c:v>
+                </c:pt>
+                <c:pt idx="5">
+                  <c:v>1.788</c:v>
+                </c:pt>
+                <c:pt idx="6">
+                  <c:v>1.9650000000000001</c:v>
+                </c:pt>
+                <c:pt idx="7">
+                  <c:v>1.579</c:v>
+                </c:pt>
+                <c:pt idx="8">
+                  <c:v>1.7110000000000001</c:v>
+                </c:pt>
+                <c:pt idx="9">
+                  <c:v>1.9770000000000001</c:v>
+                </c:pt>
+              </c:numCache>
+            </c:numRef>
+          </c:val>
+          <c:smooth val="0"/>
+          <c:extLst>
+            <c:ext xmlns:c16="http://schemas.microsoft.com/office/drawing/2014/chart" uri="{C3380CC4-5D6E-409C-BE32-E72D297353CC}">
+              <c16:uniqueId val="{00000002-CCF0-4841-8482-9B03BFCC19DA}"/>
+            </c:ext>
+          </c:extLst>
+        </c:ser>
+        <c:dLbls>
+          <c:showLegendKey val="0"/>
+          <c:showVal val="0"/>
+          <c:showCatName val="0"/>
+          <c:showSerName val="0"/>
+          <c:showPercent val="0"/>
+          <c:showBubbleSize val="0"/>
+        </c:dLbls>
+        <c:marker val="1"/>
+        <c:smooth val="0"/>
+        <c:axId val="1653659568"/>
+        <c:axId val="1667856832"/>
+      </c:lineChart>
+      <c:catAx>
+        <c:axId val="1653659568"/>
+        <c:scaling>
+          <c:orientation val="minMax"/>
+        </c:scaling>
+        <c:delete val="0"/>
+        <c:axPos val="b"/>
+        <c:numFmt formatCode="General" sourceLinked="1"/>
+        <c:majorTickMark val="none"/>
+        <c:minorTickMark val="none"/>
+        <c:tickLblPos val="nextTo"/>
+        <c:spPr>
+          <a:noFill/>
+          <a:ln w="9525" cap="flat" cmpd="sng" algn="ctr">
+            <a:solidFill>
+              <a:schemeClr val="tx1">
+                <a:lumMod val="15000"/>
+                <a:lumOff val="85000"/>
+              </a:schemeClr>
+            </a:solidFill>
+            <a:round/>
+          </a:ln>
+          <a:effectLst/>
+        </c:spPr>
+        <c:txPr>
+          <a:bodyPr rot="-60000000" spcFirstLastPara="1" vertOverflow="ellipsis" vert="horz" wrap="square" anchor="ctr" anchorCtr="1"/>
+          <a:lstStyle/>
+          <a:p>
+            <a:pPr>
+              <a:defRPr sz="1197" b="0" i="0" u="none" strike="noStrike" kern="1200" baseline="0">
+                <a:solidFill>
+                  <a:srgbClr val="44546A"/>
+                </a:solidFill>
+                <a:latin typeface="Futura Lt BT" panose="020B0402020204020303"/>
+                <a:ea typeface="+mn-ea"/>
+                <a:cs typeface="+mn-cs"/>
+              </a:defRPr>
+            </a:pPr>
+            <a:endParaRPr lang="de-DE"/>
+          </a:p>
+        </c:txPr>
+        <c:crossAx val="1667856832"/>
+        <c:crosses val="autoZero"/>
+        <c:auto val="1"/>
+        <c:lblAlgn val="ctr"/>
+        <c:lblOffset val="100"/>
+        <c:noMultiLvlLbl val="0"/>
+      </c:catAx>
+      <c:valAx>
+        <c:axId val="1667856832"/>
+        <c:scaling>
+          <c:orientation val="minMax"/>
+        </c:scaling>
+        <c:delete val="0"/>
+        <c:axPos val="l"/>
+        <c:majorGridlines>
+          <c:spPr>
+            <a:ln w="9525" cap="flat" cmpd="sng" algn="ctr">
+              <a:solidFill>
+                <a:schemeClr val="tx1">
+                  <a:lumMod val="15000"/>
+                  <a:lumOff val="85000"/>
+                </a:schemeClr>
+              </a:solidFill>
+              <a:round/>
+            </a:ln>
+            <a:effectLst/>
+          </c:spPr>
+        </c:majorGridlines>
+        <c:numFmt formatCode="General" sourceLinked="1"/>
+        <c:majorTickMark val="none"/>
+        <c:minorTickMark val="none"/>
+        <c:tickLblPos val="nextTo"/>
+        <c:spPr>
+          <a:noFill/>
+          <a:ln>
+            <a:noFill/>
+          </a:ln>
+          <a:effectLst/>
+        </c:spPr>
+        <c:txPr>
+          <a:bodyPr rot="-60000000" spcFirstLastPara="1" vertOverflow="ellipsis" vert="horz" wrap="square" anchor="ctr" anchorCtr="1"/>
+          <a:lstStyle/>
+          <a:p>
+            <a:pPr>
+              <a:defRPr sz="1197" b="0" i="0" u="none" strike="noStrike" kern="1200" baseline="0">
+                <a:solidFill>
+                  <a:srgbClr val="44546A"/>
+                </a:solidFill>
+                <a:latin typeface="Futura Lt BT" panose="020B0402020204020303"/>
+                <a:ea typeface="+mn-ea"/>
+                <a:cs typeface="+mn-cs"/>
+              </a:defRPr>
+            </a:pPr>
+            <a:endParaRPr lang="de-DE"/>
+          </a:p>
+        </c:txPr>
+        <c:crossAx val="1653659568"/>
+        <c:crosses val="autoZero"/>
+        <c:crossBetween val="between"/>
+      </c:valAx>
+      <c:spPr>
+        <a:noFill/>
+        <a:ln>
+          <a:noFill/>
+        </a:ln>
+        <a:effectLst/>
+      </c:spPr>
+    </c:plotArea>
+    <c:legend>
+      <c:legendPos val="b"/>
+      <c:layout/>
+      <c:overlay val="0"/>
+      <c:spPr>
+        <a:noFill/>
+        <a:ln>
+          <a:noFill/>
+        </a:ln>
+        <a:effectLst/>
+      </c:spPr>
+      <c:txPr>
+        <a:bodyPr rot="0" spcFirstLastPara="1" vertOverflow="ellipsis" vert="horz" wrap="square" anchor="ctr" anchorCtr="1"/>
+        <a:lstStyle/>
+        <a:p>
+          <a:pPr>
+            <a:defRPr sz="1197" b="0" i="0" u="none" strike="noStrike" kern="1200" baseline="0">
+              <a:solidFill>
+                <a:srgbClr val="44546A"/>
+              </a:solidFill>
+              <a:latin typeface="Futura Lt BT" panose="020B0402020204020303"/>
+              <a:ea typeface="+mn-ea"/>
+              <a:cs typeface="+mn-cs"/>
+            </a:defRPr>
+          </a:pPr>
+          <a:endParaRPr lang="de-DE"/>
+        </a:p>
+      </c:txPr>
+    </c:legend>
+    <c:plotVisOnly val="1"/>
+    <c:dispBlanksAs val="gap"/>
+    <c:showDLblsOverMax val="0"/>
+  </c:chart>
+  <c:spPr>
+    <a:noFill/>
+    <a:ln>
+      <a:noFill/>
+    </a:ln>
+    <a:effectLst/>
+  </c:spPr>
+  <c:txPr>
+    <a:bodyPr/>
+    <a:lstStyle/>
+    <a:p>
+      <a:pPr>
+        <a:defRPr/>
+      </a:pPr>
+      <a:endParaRPr lang="de-DE"/>
+    </a:p>
+  </c:txPr>
+  <c:externalData r:id="rId3">
+    <c:autoUpdate val="0"/>
+  </c:externalData>
+</c:chartSpace>
+</file>
+
+<file path=ppt/charts/chart6.xml><?xml version="1.0" encoding="utf-8"?>
+<c:chartSpace xmlns:c="http://schemas.openxmlformats.org/drawingml/2006/chart" xmlns:a="http://schemas.openxmlformats.org/drawingml/2006/main" xmlns:r="http://schemas.openxmlformats.org/officeDocument/2006/relationships" xmlns:c16r2="http://schemas.microsoft.com/office/drawing/2015/06/chart">
+  <c:date1904 val="0"/>
+  <c:lang val="de-DE"/>
+  <c:roundedCorners val="0"/>
+  <mc:AlternateContent xmlns:mc="http://schemas.openxmlformats.org/markup-compatibility/2006">
+    <mc:Choice xmlns:c14="http://schemas.microsoft.com/office/drawing/2007/8/2/chart" Requires="c14">
+      <c14:style val="102"/>
+    </mc:Choice>
+    <mc:Fallback>
+      <c:style val="2"/>
+    </mc:Fallback>
+  </mc:AlternateContent>
+  <c:chart>
+    <c:title>
+      <c:tx>
+        <c:rich>
+          <a:bodyPr rot="0" spcFirstLastPara="1" vertOverflow="ellipsis" vert="horz" wrap="square" anchor="ctr" anchorCtr="1"/>
+          <a:lstStyle/>
+          <a:p>
+            <a:pPr>
+              <a:defRPr sz="1862" b="0" i="0" u="none" strike="noStrike" kern="1200" spc="0" baseline="0">
+                <a:solidFill>
+                  <a:schemeClr val="tx1">
+                    <a:lumMod val="65000"/>
+                    <a:lumOff val="35000"/>
+                  </a:schemeClr>
+                </a:solidFill>
+                <a:latin typeface="+mn-lt"/>
+                <a:ea typeface="+mn-ea"/>
+                <a:cs typeface="+mn-cs"/>
+              </a:defRPr>
+            </a:pPr>
+            <a:r>
+              <a:rPr lang="de-DE" sz="2000" dirty="0" smtClean="0">
+                <a:solidFill>
+                  <a:srgbClr val="44546A"/>
+                </a:solidFill>
+                <a:effectLst/>
+                <a:latin typeface="Futura Lt BT" panose="020B0402020204020303"/>
+              </a:rPr>
+              <a:t>Zeiten der dritten Aufgabe (in Sekunden)</a:t>
+            </a:r>
+            <a:endParaRPr lang="de-DE" dirty="0">
+              <a:solidFill>
+                <a:srgbClr val="44546A"/>
+              </a:solidFill>
+            </a:endParaRPr>
+          </a:p>
+        </c:rich>
+      </c:tx>
+      <c:layout/>
+      <c:overlay val="0"/>
+      <c:spPr>
+        <a:noFill/>
+        <a:ln>
+          <a:noFill/>
+        </a:ln>
+        <a:effectLst/>
+      </c:spPr>
+      <c:txPr>
+        <a:bodyPr rot="0" spcFirstLastPara="1" vertOverflow="ellipsis" vert="horz" wrap="square" anchor="ctr" anchorCtr="1"/>
+        <a:lstStyle/>
+        <a:p>
+          <a:pPr>
+            <a:defRPr sz="1862" b="0" i="0" u="none" strike="noStrike" kern="1200" spc="0" baseline="0">
+              <a:solidFill>
+                <a:schemeClr val="tx1">
+                  <a:lumMod val="65000"/>
+                  <a:lumOff val="35000"/>
+                </a:schemeClr>
+              </a:solidFill>
+              <a:latin typeface="+mn-lt"/>
+              <a:ea typeface="+mn-ea"/>
+              <a:cs typeface="+mn-cs"/>
+            </a:defRPr>
+          </a:pPr>
+          <a:endParaRPr lang="de-DE"/>
+        </a:p>
+      </c:txPr>
+    </c:title>
+    <c:autoTitleDeleted val="0"/>
+    <c:plotArea>
+      <c:layout/>
+      <c:lineChart>
+        <c:grouping val="standard"/>
+        <c:varyColors val="0"/>
+        <c:ser>
+          <c:idx val="0"/>
+          <c:order val="0"/>
+          <c:tx>
+            <c:strRef>
+              <c:f>Tabelle1!$B$1</c:f>
+              <c:strCache>
+                <c:ptCount val="1"/>
+                <c:pt idx="0">
+                  <c:v>Alarm</c:v>
+                </c:pt>
+              </c:strCache>
+            </c:strRef>
+          </c:tx>
+          <c:spPr>
+            <a:ln w="28575" cap="rnd">
+              <a:solidFill>
+                <a:srgbClr val="3288BD"/>
+              </a:solidFill>
+              <a:round/>
+            </a:ln>
+            <a:effectLst/>
+          </c:spPr>
+          <c:marker>
+            <c:symbol val="circle"/>
+            <c:size val="5"/>
+            <c:spPr>
+              <a:solidFill>
+                <a:srgbClr val="3288BD"/>
+              </a:solidFill>
+              <a:ln w="9525">
+                <a:solidFill>
+                  <a:srgbClr val="3288BD"/>
+                </a:solidFill>
+              </a:ln>
+              <a:effectLst/>
+            </c:spPr>
+          </c:marker>
+          <c:cat>
+            <c:strRef>
+              <c:f>Tabelle1!$A$2:$A$4</c:f>
+              <c:strCache>
+                <c:ptCount val="3"/>
+                <c:pt idx="0">
+                  <c:v>Subtask 1</c:v>
+                </c:pt>
+                <c:pt idx="1">
+                  <c:v>Subtask 2</c:v>
+                </c:pt>
+                <c:pt idx="2">
+                  <c:v>Subtask 3</c:v>
+                </c:pt>
+              </c:strCache>
+            </c:strRef>
+          </c:cat>
+          <c:val>
+            <c:numRef>
+              <c:f>Tabelle1!$B$2:$B$4</c:f>
+              <c:numCache>
+                <c:formatCode>General</c:formatCode>
+                <c:ptCount val="3"/>
+                <c:pt idx="0">
+                  <c:v>7.7050000000000001</c:v>
+                </c:pt>
+                <c:pt idx="1">
+                  <c:v>9.5419999999999998</c:v>
+                </c:pt>
+                <c:pt idx="2">
+                  <c:v>10.162000000000001</c:v>
+                </c:pt>
+              </c:numCache>
+            </c:numRef>
+          </c:val>
+          <c:smooth val="0"/>
+          <c:extLst>
+            <c:ext xmlns:c16="http://schemas.microsoft.com/office/drawing/2014/chart" uri="{C3380CC4-5D6E-409C-BE32-E72D297353CC}">
+              <c16:uniqueId val="{00000000-CCF0-4841-8482-9B03BFCC19DA}"/>
+            </c:ext>
+          </c:extLst>
+        </c:ser>
+        <c:ser>
+          <c:idx val="1"/>
+          <c:order val="1"/>
+          <c:tx>
+            <c:strRef>
+              <c:f>Tabelle1!$C$1</c:f>
+              <c:strCache>
+                <c:ptCount val="1"/>
+                <c:pt idx="0">
+                  <c:v>Fade 20</c:v>
+                </c:pt>
+              </c:strCache>
+            </c:strRef>
+          </c:tx>
+          <c:spPr>
+            <a:ln w="28575" cap="rnd">
+              <a:solidFill>
+                <a:srgbClr val="D53E4F"/>
+              </a:solidFill>
+              <a:round/>
+            </a:ln>
+            <a:effectLst/>
+          </c:spPr>
+          <c:marker>
+            <c:symbol val="circle"/>
+            <c:size val="5"/>
+            <c:spPr>
+              <a:solidFill>
+                <a:srgbClr val="D53E4F"/>
+              </a:solidFill>
+              <a:ln w="9525">
+                <a:solidFill>
+                  <a:srgbClr val="D53E4F"/>
+                </a:solidFill>
+              </a:ln>
+              <a:effectLst/>
+            </c:spPr>
+          </c:marker>
+          <c:cat>
+            <c:strRef>
+              <c:f>Tabelle1!$A$2:$A$4</c:f>
+              <c:strCache>
+                <c:ptCount val="3"/>
+                <c:pt idx="0">
+                  <c:v>Subtask 1</c:v>
+                </c:pt>
+                <c:pt idx="1">
+                  <c:v>Subtask 2</c:v>
+                </c:pt>
+                <c:pt idx="2">
+                  <c:v>Subtask 3</c:v>
+                </c:pt>
+              </c:strCache>
+            </c:strRef>
+          </c:cat>
+          <c:val>
+            <c:numRef>
+              <c:f>Tabelle1!$C$2:$C$4</c:f>
+              <c:numCache>
+                <c:formatCode>General</c:formatCode>
+                <c:ptCount val="3"/>
+                <c:pt idx="0">
+                  <c:v>9.8940000000000001</c:v>
+                </c:pt>
+                <c:pt idx="1">
+                  <c:v>10.404999999999999</c:v>
+                </c:pt>
+                <c:pt idx="2">
+                  <c:v>8.7850000000000001</c:v>
+                </c:pt>
+              </c:numCache>
+            </c:numRef>
+          </c:val>
+          <c:smooth val="0"/>
+          <c:extLst>
+            <c:ext xmlns:c16="http://schemas.microsoft.com/office/drawing/2014/chart" uri="{C3380CC4-5D6E-409C-BE32-E72D297353CC}">
+              <c16:uniqueId val="{00000001-CCF0-4841-8482-9B03BFCC19DA}"/>
+            </c:ext>
+          </c:extLst>
+        </c:ser>
+        <c:ser>
+          <c:idx val="2"/>
+          <c:order val="2"/>
+          <c:tx>
+            <c:strRef>
+              <c:f>Tabelle1!$D$1</c:f>
+              <c:strCache>
+                <c:ptCount val="1"/>
+                <c:pt idx="0">
+                  <c:v>Fade 5</c:v>
+                </c:pt>
+              </c:strCache>
+            </c:strRef>
+          </c:tx>
+          <c:spPr>
+            <a:ln w="28575" cap="rnd">
+              <a:solidFill>
+                <a:srgbClr val="FC8D59"/>
+              </a:solidFill>
+              <a:round/>
+            </a:ln>
+            <a:effectLst/>
+          </c:spPr>
+          <c:marker>
+            <c:symbol val="circle"/>
+            <c:size val="5"/>
+            <c:spPr>
+              <a:solidFill>
+                <a:srgbClr val="FC8D59"/>
+              </a:solidFill>
+              <a:ln w="9525">
+                <a:solidFill>
+                  <a:srgbClr val="FC8D59"/>
+                </a:solidFill>
+              </a:ln>
+              <a:effectLst/>
+            </c:spPr>
+          </c:marker>
+          <c:cat>
+            <c:strRef>
+              <c:f>Tabelle1!$A$2:$A$4</c:f>
+              <c:strCache>
+                <c:ptCount val="3"/>
+                <c:pt idx="0">
+                  <c:v>Subtask 1</c:v>
+                </c:pt>
+                <c:pt idx="1">
+                  <c:v>Subtask 2</c:v>
+                </c:pt>
+                <c:pt idx="2">
+                  <c:v>Subtask 3</c:v>
+                </c:pt>
+              </c:strCache>
+            </c:strRef>
+          </c:cat>
+          <c:val>
+            <c:numRef>
+              <c:f>Tabelle1!$D$2:$D$4</c:f>
+              <c:numCache>
+                <c:formatCode>General</c:formatCode>
+                <c:ptCount val="3"/>
+                <c:pt idx="0">
+                  <c:v>9.9740000000000002</c:v>
+                </c:pt>
+                <c:pt idx="1">
+                  <c:v>9.984</c:v>
+                </c:pt>
+                <c:pt idx="2">
+                  <c:v>9.3849999999999998</c:v>
+                </c:pt>
+              </c:numCache>
+            </c:numRef>
+          </c:val>
+          <c:smooth val="0"/>
+          <c:extLst>
+            <c:ext xmlns:c16="http://schemas.microsoft.com/office/drawing/2014/chart" uri="{C3380CC4-5D6E-409C-BE32-E72D297353CC}">
+              <c16:uniqueId val="{00000002-CCF0-4841-8482-9B03BFCC19DA}"/>
+            </c:ext>
+          </c:extLst>
+        </c:ser>
+        <c:dLbls>
+          <c:showLegendKey val="0"/>
+          <c:showVal val="0"/>
+          <c:showCatName val="0"/>
+          <c:showSerName val="0"/>
+          <c:showPercent val="0"/>
+          <c:showBubbleSize val="0"/>
+        </c:dLbls>
+        <c:marker val="1"/>
+        <c:smooth val="0"/>
+        <c:axId val="1653659568"/>
+        <c:axId val="1667856832"/>
+      </c:lineChart>
+      <c:catAx>
+        <c:axId val="1653659568"/>
+        <c:scaling>
+          <c:orientation val="minMax"/>
+        </c:scaling>
+        <c:delete val="0"/>
+        <c:axPos val="b"/>
+        <c:numFmt formatCode="General" sourceLinked="1"/>
+        <c:majorTickMark val="none"/>
+        <c:minorTickMark val="none"/>
+        <c:tickLblPos val="nextTo"/>
+        <c:spPr>
+          <a:noFill/>
+          <a:ln w="9525" cap="flat" cmpd="sng" algn="ctr">
+            <a:solidFill>
+              <a:schemeClr val="tx1">
+                <a:lumMod val="15000"/>
+                <a:lumOff val="85000"/>
+              </a:schemeClr>
+            </a:solidFill>
+            <a:round/>
+          </a:ln>
+          <a:effectLst/>
+        </c:spPr>
+        <c:txPr>
+          <a:bodyPr rot="-60000000" spcFirstLastPara="1" vertOverflow="ellipsis" vert="horz" wrap="square" anchor="ctr" anchorCtr="1"/>
+          <a:lstStyle/>
+          <a:p>
+            <a:pPr>
+              <a:defRPr sz="1197" b="0" i="0" u="none" strike="noStrike" kern="1200" baseline="0">
+                <a:solidFill>
+                  <a:srgbClr val="44546A"/>
+                </a:solidFill>
+                <a:latin typeface="Futura Lt BT" panose="020B0402020204020303"/>
+                <a:ea typeface="+mn-ea"/>
+                <a:cs typeface="+mn-cs"/>
+              </a:defRPr>
+            </a:pPr>
+            <a:endParaRPr lang="de-DE"/>
+          </a:p>
+        </c:txPr>
+        <c:crossAx val="1667856832"/>
+        <c:crosses val="autoZero"/>
+        <c:auto val="1"/>
+        <c:lblAlgn val="ctr"/>
+        <c:lblOffset val="100"/>
+        <c:noMultiLvlLbl val="0"/>
+      </c:catAx>
+      <c:valAx>
+        <c:axId val="1667856832"/>
+        <c:scaling>
+          <c:orientation val="minMax"/>
+        </c:scaling>
+        <c:delete val="0"/>
+        <c:axPos val="l"/>
+        <c:majorGridlines>
+          <c:spPr>
+            <a:ln w="9525" cap="flat" cmpd="sng" algn="ctr">
+              <a:solidFill>
+                <a:schemeClr val="tx1">
+                  <a:lumMod val="15000"/>
+                  <a:lumOff val="85000"/>
+                </a:schemeClr>
+              </a:solidFill>
+              <a:round/>
+            </a:ln>
+            <a:effectLst/>
+          </c:spPr>
+        </c:majorGridlines>
+        <c:numFmt formatCode="General" sourceLinked="1"/>
+        <c:majorTickMark val="none"/>
+        <c:minorTickMark val="none"/>
+        <c:tickLblPos val="nextTo"/>
+        <c:spPr>
+          <a:noFill/>
+          <a:ln>
+            <a:noFill/>
+          </a:ln>
+          <a:effectLst/>
+        </c:spPr>
+        <c:txPr>
+          <a:bodyPr rot="-60000000" spcFirstLastPara="1" vertOverflow="ellipsis" vert="horz" wrap="square" anchor="ctr" anchorCtr="1"/>
+          <a:lstStyle/>
+          <a:p>
+            <a:pPr>
+              <a:defRPr sz="1197" b="0" i="0" u="none" strike="noStrike" kern="1200" baseline="0">
+                <a:solidFill>
+                  <a:srgbClr val="44546A"/>
+                </a:solidFill>
+                <a:latin typeface="Futura Lt BT" panose="020B0402020204020303"/>
+                <a:ea typeface="+mn-ea"/>
+                <a:cs typeface="+mn-cs"/>
+              </a:defRPr>
+            </a:pPr>
+            <a:endParaRPr lang="de-DE"/>
+          </a:p>
+        </c:txPr>
+        <c:crossAx val="1653659568"/>
+        <c:crosses val="autoZero"/>
+        <c:crossBetween val="between"/>
+      </c:valAx>
+      <c:spPr>
+        <a:noFill/>
+        <a:ln>
+          <a:noFill/>
+        </a:ln>
+        <a:effectLst/>
+      </c:spPr>
+    </c:plotArea>
+    <c:legend>
+      <c:legendPos val="b"/>
+      <c:layout/>
+      <c:overlay val="0"/>
+      <c:spPr>
+        <a:noFill/>
+        <a:ln>
+          <a:noFill/>
+        </a:ln>
+        <a:effectLst/>
+      </c:spPr>
+      <c:txPr>
+        <a:bodyPr rot="0" spcFirstLastPara="1" vertOverflow="ellipsis" vert="horz" wrap="square" anchor="ctr" anchorCtr="1"/>
+        <a:lstStyle/>
+        <a:p>
+          <a:pPr>
+            <a:defRPr sz="1197" b="0" i="0" u="none" strike="noStrike" kern="1200" baseline="0">
+              <a:solidFill>
+                <a:srgbClr val="44546A"/>
+              </a:solidFill>
+              <a:latin typeface="Futura Lt BT" panose="020B0402020204020303"/>
+              <a:ea typeface="+mn-ea"/>
+              <a:cs typeface="+mn-cs"/>
+            </a:defRPr>
+          </a:pPr>
+          <a:endParaRPr lang="de-DE"/>
+        </a:p>
+      </c:txPr>
+    </c:legend>
+    <c:plotVisOnly val="1"/>
+    <c:dispBlanksAs val="gap"/>
+    <c:showDLblsOverMax val="0"/>
+  </c:chart>
+  <c:spPr>
+    <a:noFill/>
+    <a:ln>
+      <a:noFill/>
+    </a:ln>
+    <a:effectLst/>
+  </c:spPr>
+  <c:txPr>
+    <a:bodyPr/>
+    <a:lstStyle/>
+    <a:p>
+      <a:pPr>
+        <a:defRPr/>
+      </a:pPr>
+      <a:endParaRPr lang="de-DE"/>
+    </a:p>
+  </c:txPr>
+  <c:externalData r:id="rId3">
+    <c:autoUpdate val="0"/>
+  </c:externalData>
+</c:chartSpace>
 </file>
 
 <file path=ppt/charts/colors1.xml><?xml version="1.0" encoding="utf-8"?>
@@ -1474,6 +3257,126 @@
 </cs:colorStyle>
 </file>
 
+<file path=ppt/charts/colors4.xml><?xml version="1.0" encoding="utf-8"?>
+<cs:colorStyle xmlns:cs="http://schemas.microsoft.com/office/drawing/2012/chartStyle" xmlns:a="http://schemas.openxmlformats.org/drawingml/2006/main" meth="cycle" id="10">
+  <a:schemeClr val="accent1"/>
+  <a:schemeClr val="accent2"/>
+  <a:schemeClr val="accent3"/>
+  <a:schemeClr val="accent4"/>
+  <a:schemeClr val="accent5"/>
+  <a:schemeClr val="accent6"/>
+  <cs:variation/>
+  <cs:variation>
+    <a:lumMod val="60000"/>
+  </cs:variation>
+  <cs:variation>
+    <a:lumMod val="80000"/>
+    <a:lumOff val="20000"/>
+  </cs:variation>
+  <cs:variation>
+    <a:lumMod val="80000"/>
+  </cs:variation>
+  <cs:variation>
+    <a:lumMod val="60000"/>
+    <a:lumOff val="40000"/>
+  </cs:variation>
+  <cs:variation>
+    <a:lumMod val="50000"/>
+  </cs:variation>
+  <cs:variation>
+    <a:lumMod val="70000"/>
+    <a:lumOff val="30000"/>
+  </cs:variation>
+  <cs:variation>
+    <a:lumMod val="70000"/>
+  </cs:variation>
+  <cs:variation>
+    <a:lumMod val="50000"/>
+    <a:lumOff val="50000"/>
+  </cs:variation>
+</cs:colorStyle>
+</file>
+
+<file path=ppt/charts/colors5.xml><?xml version="1.0" encoding="utf-8"?>
+<cs:colorStyle xmlns:cs="http://schemas.microsoft.com/office/drawing/2012/chartStyle" xmlns:a="http://schemas.openxmlformats.org/drawingml/2006/main" meth="cycle" id="10">
+  <a:schemeClr val="accent1"/>
+  <a:schemeClr val="accent2"/>
+  <a:schemeClr val="accent3"/>
+  <a:schemeClr val="accent4"/>
+  <a:schemeClr val="accent5"/>
+  <a:schemeClr val="accent6"/>
+  <cs:variation/>
+  <cs:variation>
+    <a:lumMod val="60000"/>
+  </cs:variation>
+  <cs:variation>
+    <a:lumMod val="80000"/>
+    <a:lumOff val="20000"/>
+  </cs:variation>
+  <cs:variation>
+    <a:lumMod val="80000"/>
+  </cs:variation>
+  <cs:variation>
+    <a:lumMod val="60000"/>
+    <a:lumOff val="40000"/>
+  </cs:variation>
+  <cs:variation>
+    <a:lumMod val="50000"/>
+  </cs:variation>
+  <cs:variation>
+    <a:lumMod val="70000"/>
+    <a:lumOff val="30000"/>
+  </cs:variation>
+  <cs:variation>
+    <a:lumMod val="70000"/>
+  </cs:variation>
+  <cs:variation>
+    <a:lumMod val="50000"/>
+    <a:lumOff val="50000"/>
+  </cs:variation>
+</cs:colorStyle>
+</file>
+
+<file path=ppt/charts/colors6.xml><?xml version="1.0" encoding="utf-8"?>
+<cs:colorStyle xmlns:cs="http://schemas.microsoft.com/office/drawing/2012/chartStyle" xmlns:a="http://schemas.openxmlformats.org/drawingml/2006/main" meth="cycle" id="10">
+  <a:schemeClr val="accent1"/>
+  <a:schemeClr val="accent2"/>
+  <a:schemeClr val="accent3"/>
+  <a:schemeClr val="accent4"/>
+  <a:schemeClr val="accent5"/>
+  <a:schemeClr val="accent6"/>
+  <cs:variation/>
+  <cs:variation>
+    <a:lumMod val="60000"/>
+  </cs:variation>
+  <cs:variation>
+    <a:lumMod val="80000"/>
+    <a:lumOff val="20000"/>
+  </cs:variation>
+  <cs:variation>
+    <a:lumMod val="80000"/>
+  </cs:variation>
+  <cs:variation>
+    <a:lumMod val="60000"/>
+    <a:lumOff val="40000"/>
+  </cs:variation>
+  <cs:variation>
+    <a:lumMod val="50000"/>
+  </cs:variation>
+  <cs:variation>
+    <a:lumMod val="70000"/>
+    <a:lumOff val="30000"/>
+  </cs:variation>
+  <cs:variation>
+    <a:lumMod val="70000"/>
+  </cs:variation>
+  <cs:variation>
+    <a:lumMod val="50000"/>
+    <a:lumOff val="50000"/>
+  </cs:variation>
+</cs:colorStyle>
+</file>
+
 <file path=ppt/charts/style1.xml><?xml version="1.0" encoding="utf-8"?>
 <cs:chartStyle xmlns:cs="http://schemas.microsoft.com/office/drawing/2012/chartStyle" xmlns:a="http://schemas.openxmlformats.org/drawingml/2006/main" id="255">
   <cs:axisTitle>
@@ -2910,6 +4813,1515 @@
     <cs:fontRef idx="minor">
       <a:schemeClr val="tx1"/>
     </cs:fontRef>
+  </cs:wall>
+</cs:chartStyle>
+</file>
+
+<file path=ppt/charts/style4.xml><?xml version="1.0" encoding="utf-8"?>
+<cs:chartStyle xmlns:cs="http://schemas.microsoft.com/office/drawing/2012/chartStyle" xmlns:a="http://schemas.openxmlformats.org/drawingml/2006/main" id="332">
+  <cs:axisTitle>
+    <cs:lnRef idx="0"/>
+    <cs:fillRef idx="0"/>
+    <cs:effectRef idx="0"/>
+    <cs:fontRef idx="minor">
+      <a:schemeClr val="tx1">
+        <a:lumMod val="65000"/>
+        <a:lumOff val="35000"/>
+      </a:schemeClr>
+    </cs:fontRef>
+    <cs:defRPr sz="1330" kern="1200"/>
+  </cs:axisTitle>
+  <cs:categoryAxis>
+    <cs:lnRef idx="0"/>
+    <cs:fillRef idx="0"/>
+    <cs:effectRef idx="0"/>
+    <cs:fontRef idx="minor">
+      <a:schemeClr val="tx1">
+        <a:lumMod val="65000"/>
+        <a:lumOff val="35000"/>
+      </a:schemeClr>
+    </cs:fontRef>
+    <cs:spPr>
+      <a:ln w="9525" cap="flat" cmpd="sng" algn="ctr">
+        <a:solidFill>
+          <a:schemeClr val="tx1">
+            <a:lumMod val="15000"/>
+            <a:lumOff val="85000"/>
+          </a:schemeClr>
+        </a:solidFill>
+        <a:round/>
+      </a:ln>
+    </cs:spPr>
+    <cs:defRPr sz="1197" kern="1200"/>
+  </cs:categoryAxis>
+  <cs:chartArea mods="allowNoFillOverride allowNoLineOverride">
+    <cs:lnRef idx="0"/>
+    <cs:fillRef idx="0"/>
+    <cs:effectRef idx="0"/>
+    <cs:fontRef idx="minor">
+      <a:schemeClr val="tx1"/>
+    </cs:fontRef>
+    <cs:spPr>
+      <a:solidFill>
+        <a:schemeClr val="bg1"/>
+      </a:solidFill>
+      <a:ln w="9525" cap="flat" cmpd="sng" algn="ctr">
+        <a:solidFill>
+          <a:schemeClr val="tx1">
+            <a:lumMod val="15000"/>
+            <a:lumOff val="85000"/>
+          </a:schemeClr>
+        </a:solidFill>
+        <a:round/>
+      </a:ln>
+    </cs:spPr>
+    <cs:defRPr sz="1330" kern="1200"/>
+  </cs:chartArea>
+  <cs:dataLabel>
+    <cs:lnRef idx="0"/>
+    <cs:fillRef idx="0"/>
+    <cs:effectRef idx="0"/>
+    <cs:fontRef idx="minor">
+      <a:schemeClr val="tx1">
+        <a:lumMod val="75000"/>
+        <a:lumOff val="25000"/>
+      </a:schemeClr>
+    </cs:fontRef>
+    <cs:defRPr sz="1197" kern="1200"/>
+  </cs:dataLabel>
+  <cs:dataLabelCallout>
+    <cs:lnRef idx="0"/>
+    <cs:fillRef idx="0"/>
+    <cs:effectRef idx="0"/>
+    <cs:fontRef idx="minor">
+      <a:schemeClr val="dk1">
+        <a:lumMod val="65000"/>
+        <a:lumOff val="35000"/>
+      </a:schemeClr>
+    </cs:fontRef>
+    <cs:spPr>
+      <a:solidFill>
+        <a:schemeClr val="lt1"/>
+      </a:solidFill>
+      <a:ln>
+        <a:solidFill>
+          <a:schemeClr val="dk1">
+            <a:lumMod val="25000"/>
+            <a:lumOff val="75000"/>
+          </a:schemeClr>
+        </a:solidFill>
+      </a:ln>
+    </cs:spPr>
+    <cs:defRPr sz="1197" kern="1200"/>
+    <cs:bodyPr rot="0" spcFirstLastPara="1" vertOverflow="clip" horzOverflow="clip" vert="horz" wrap="square" lIns="36576" tIns="18288" rIns="36576" bIns="18288" anchor="ctr" anchorCtr="1">
+      <a:spAutoFit/>
+    </cs:bodyPr>
+  </cs:dataLabelCallout>
+  <cs:dataPoint>
+    <cs:lnRef idx="0"/>
+    <cs:fillRef idx="1">
+      <cs:styleClr val="auto"/>
+    </cs:fillRef>
+    <cs:effectRef idx="0"/>
+    <cs:fontRef idx="minor">
+      <a:schemeClr val="tx1"/>
+    </cs:fontRef>
+  </cs:dataPoint>
+  <cs:dataPoint3D>
+    <cs:lnRef idx="0"/>
+    <cs:fillRef idx="1">
+      <cs:styleClr val="auto"/>
+    </cs:fillRef>
+    <cs:effectRef idx="0"/>
+    <cs:fontRef idx="minor">
+      <a:schemeClr val="tx1"/>
+    </cs:fontRef>
+  </cs:dataPoint3D>
+  <cs:dataPointLine>
+    <cs:lnRef idx="0">
+      <cs:styleClr val="auto"/>
+    </cs:lnRef>
+    <cs:fillRef idx="1"/>
+    <cs:effectRef idx="0"/>
+    <cs:fontRef idx="minor">
+      <a:schemeClr val="tx1"/>
+    </cs:fontRef>
+    <cs:spPr>
+      <a:ln w="28575" cap="rnd">
+        <a:solidFill>
+          <a:schemeClr val="phClr"/>
+        </a:solidFill>
+        <a:round/>
+      </a:ln>
+    </cs:spPr>
+  </cs:dataPointLine>
+  <cs:dataPointMarker>
+    <cs:lnRef idx="0">
+      <cs:styleClr val="auto"/>
+    </cs:lnRef>
+    <cs:fillRef idx="1">
+      <cs:styleClr val="auto"/>
+    </cs:fillRef>
+    <cs:effectRef idx="0"/>
+    <cs:fontRef idx="minor">
+      <a:schemeClr val="tx1"/>
+    </cs:fontRef>
+    <cs:spPr>
+      <a:ln w="9525">
+        <a:solidFill>
+          <a:schemeClr val="phClr"/>
+        </a:solidFill>
+      </a:ln>
+    </cs:spPr>
+  </cs:dataPointMarker>
+  <cs:dataPointMarkerLayout symbol="circle" size="5"/>
+  <cs:dataPointWireframe>
+    <cs:lnRef idx="0">
+      <cs:styleClr val="auto"/>
+    </cs:lnRef>
+    <cs:fillRef idx="1"/>
+    <cs:effectRef idx="0"/>
+    <cs:fontRef idx="minor">
+      <a:schemeClr val="tx1"/>
+    </cs:fontRef>
+    <cs:spPr>
+      <a:ln w="9525" cap="rnd">
+        <a:solidFill>
+          <a:schemeClr val="phClr"/>
+        </a:solidFill>
+        <a:round/>
+      </a:ln>
+    </cs:spPr>
+  </cs:dataPointWireframe>
+  <cs:dataTable>
+    <cs:lnRef idx="0"/>
+    <cs:fillRef idx="0"/>
+    <cs:effectRef idx="0"/>
+    <cs:fontRef idx="minor">
+      <a:schemeClr val="tx1">
+        <a:lumMod val="65000"/>
+        <a:lumOff val="35000"/>
+      </a:schemeClr>
+    </cs:fontRef>
+    <cs:spPr>
+      <a:noFill/>
+      <a:ln w="9525" cap="flat" cmpd="sng" algn="ctr">
+        <a:solidFill>
+          <a:schemeClr val="tx1">
+            <a:lumMod val="15000"/>
+            <a:lumOff val="85000"/>
+          </a:schemeClr>
+        </a:solidFill>
+        <a:round/>
+      </a:ln>
+    </cs:spPr>
+    <cs:defRPr sz="1197" kern="1200"/>
+  </cs:dataTable>
+  <cs:downBar>
+    <cs:lnRef idx="0"/>
+    <cs:fillRef idx="0"/>
+    <cs:effectRef idx="0"/>
+    <cs:fontRef idx="minor">
+      <a:schemeClr val="dk1"/>
+    </cs:fontRef>
+    <cs:spPr>
+      <a:solidFill>
+        <a:schemeClr val="dk1">
+          <a:lumMod val="65000"/>
+          <a:lumOff val="35000"/>
+        </a:schemeClr>
+      </a:solidFill>
+      <a:ln w="9525">
+        <a:solidFill>
+          <a:schemeClr val="tx1">
+            <a:lumMod val="65000"/>
+            <a:lumOff val="35000"/>
+          </a:schemeClr>
+        </a:solidFill>
+      </a:ln>
+    </cs:spPr>
+  </cs:downBar>
+  <cs:dropLine>
+    <cs:lnRef idx="0"/>
+    <cs:fillRef idx="0"/>
+    <cs:effectRef idx="0"/>
+    <cs:fontRef idx="minor">
+      <a:schemeClr val="tx1"/>
+    </cs:fontRef>
+    <cs:spPr>
+      <a:ln w="9525" cap="flat" cmpd="sng" algn="ctr">
+        <a:solidFill>
+          <a:schemeClr val="tx1">
+            <a:lumMod val="35000"/>
+            <a:lumOff val="65000"/>
+          </a:schemeClr>
+        </a:solidFill>
+        <a:round/>
+      </a:ln>
+    </cs:spPr>
+  </cs:dropLine>
+  <cs:errorBar>
+    <cs:lnRef idx="0"/>
+    <cs:fillRef idx="0"/>
+    <cs:effectRef idx="0"/>
+    <cs:fontRef idx="minor">
+      <a:schemeClr val="tx1"/>
+    </cs:fontRef>
+    <cs:spPr>
+      <a:ln w="9525" cap="flat" cmpd="sng" algn="ctr">
+        <a:solidFill>
+          <a:schemeClr val="tx1">
+            <a:lumMod val="65000"/>
+            <a:lumOff val="35000"/>
+          </a:schemeClr>
+        </a:solidFill>
+        <a:round/>
+      </a:ln>
+    </cs:spPr>
+  </cs:errorBar>
+  <cs:floor>
+    <cs:lnRef idx="0"/>
+    <cs:fillRef idx="0"/>
+    <cs:effectRef idx="0"/>
+    <cs:fontRef idx="minor">
+      <a:schemeClr val="tx1"/>
+    </cs:fontRef>
+    <cs:spPr>
+      <a:noFill/>
+      <a:ln>
+        <a:noFill/>
+      </a:ln>
+    </cs:spPr>
+  </cs:floor>
+  <cs:gridlineMajor>
+    <cs:lnRef idx="0"/>
+    <cs:fillRef idx="0"/>
+    <cs:effectRef idx="0"/>
+    <cs:fontRef idx="minor">
+      <a:schemeClr val="tx1"/>
+    </cs:fontRef>
+    <cs:spPr>
+      <a:ln w="9525" cap="flat" cmpd="sng" algn="ctr">
+        <a:solidFill>
+          <a:schemeClr val="tx1">
+            <a:lumMod val="15000"/>
+            <a:lumOff val="85000"/>
+          </a:schemeClr>
+        </a:solidFill>
+        <a:round/>
+      </a:ln>
+    </cs:spPr>
+  </cs:gridlineMajor>
+  <cs:gridlineMinor>
+    <cs:lnRef idx="0"/>
+    <cs:fillRef idx="0"/>
+    <cs:effectRef idx="0"/>
+    <cs:fontRef idx="minor">
+      <a:schemeClr val="tx1"/>
+    </cs:fontRef>
+    <cs:spPr>
+      <a:ln w="9525" cap="flat" cmpd="sng" algn="ctr">
+        <a:solidFill>
+          <a:schemeClr val="tx1">
+            <a:lumMod val="5000"/>
+            <a:lumOff val="95000"/>
+          </a:schemeClr>
+        </a:solidFill>
+        <a:round/>
+      </a:ln>
+    </cs:spPr>
+  </cs:gridlineMinor>
+  <cs:hiLoLine>
+    <cs:lnRef idx="0"/>
+    <cs:fillRef idx="0"/>
+    <cs:effectRef idx="0"/>
+    <cs:fontRef idx="minor">
+      <a:schemeClr val="tx1"/>
+    </cs:fontRef>
+    <cs:spPr>
+      <a:ln w="9525" cap="flat" cmpd="sng" algn="ctr">
+        <a:solidFill>
+          <a:schemeClr val="tx1">
+            <a:lumMod val="75000"/>
+            <a:lumOff val="25000"/>
+          </a:schemeClr>
+        </a:solidFill>
+        <a:round/>
+      </a:ln>
+    </cs:spPr>
+  </cs:hiLoLine>
+  <cs:leaderLine>
+    <cs:lnRef idx="0"/>
+    <cs:fillRef idx="0"/>
+    <cs:effectRef idx="0"/>
+    <cs:fontRef idx="minor">
+      <a:schemeClr val="tx1"/>
+    </cs:fontRef>
+    <cs:spPr>
+      <a:ln w="9525" cap="flat" cmpd="sng" algn="ctr">
+        <a:solidFill>
+          <a:schemeClr val="tx1">
+            <a:lumMod val="35000"/>
+            <a:lumOff val="65000"/>
+          </a:schemeClr>
+        </a:solidFill>
+        <a:round/>
+      </a:ln>
+    </cs:spPr>
+  </cs:leaderLine>
+  <cs:legend>
+    <cs:lnRef idx="0"/>
+    <cs:fillRef idx="0"/>
+    <cs:effectRef idx="0"/>
+    <cs:fontRef idx="minor">
+      <a:schemeClr val="tx1">
+        <a:lumMod val="65000"/>
+        <a:lumOff val="35000"/>
+      </a:schemeClr>
+    </cs:fontRef>
+    <cs:defRPr sz="1197" kern="1200"/>
+  </cs:legend>
+  <cs:plotArea mods="allowNoFillOverride allowNoLineOverride">
+    <cs:lnRef idx="0"/>
+    <cs:fillRef idx="0"/>
+    <cs:effectRef idx="0"/>
+    <cs:fontRef idx="minor">
+      <a:schemeClr val="tx1"/>
+    </cs:fontRef>
+  </cs:plotArea>
+  <cs:plotArea3D mods="allowNoFillOverride allowNoLineOverride">
+    <cs:lnRef idx="0"/>
+    <cs:fillRef idx="0"/>
+    <cs:effectRef idx="0"/>
+    <cs:fontRef idx="minor">
+      <a:schemeClr val="tx1"/>
+    </cs:fontRef>
+  </cs:plotArea3D>
+  <cs:seriesAxis>
+    <cs:lnRef idx="0"/>
+    <cs:fillRef idx="0"/>
+    <cs:effectRef idx="0"/>
+    <cs:fontRef idx="minor">
+      <a:schemeClr val="tx1">
+        <a:lumMod val="65000"/>
+        <a:lumOff val="35000"/>
+      </a:schemeClr>
+    </cs:fontRef>
+    <cs:defRPr sz="1197" kern="1200"/>
+  </cs:seriesAxis>
+  <cs:seriesLine>
+    <cs:lnRef idx="0"/>
+    <cs:fillRef idx="0"/>
+    <cs:effectRef idx="0"/>
+    <cs:fontRef idx="minor">
+      <a:schemeClr val="tx1"/>
+    </cs:fontRef>
+    <cs:spPr>
+      <a:ln w="9525" cap="flat" cmpd="sng" algn="ctr">
+        <a:solidFill>
+          <a:schemeClr val="tx1">
+            <a:lumMod val="35000"/>
+            <a:lumOff val="65000"/>
+          </a:schemeClr>
+        </a:solidFill>
+        <a:round/>
+      </a:ln>
+    </cs:spPr>
+  </cs:seriesLine>
+  <cs:title>
+    <cs:lnRef idx="0"/>
+    <cs:fillRef idx="0"/>
+    <cs:effectRef idx="0"/>
+    <cs:fontRef idx="minor">
+      <a:schemeClr val="tx1">
+        <a:lumMod val="65000"/>
+        <a:lumOff val="35000"/>
+      </a:schemeClr>
+    </cs:fontRef>
+    <cs:defRPr sz="1862" b="0" kern="1200" spc="0" baseline="0"/>
+  </cs:title>
+  <cs:trendline>
+    <cs:lnRef idx="0">
+      <cs:styleClr val="auto"/>
+    </cs:lnRef>
+    <cs:fillRef idx="0"/>
+    <cs:effectRef idx="0"/>
+    <cs:fontRef idx="minor">
+      <a:schemeClr val="tx1"/>
+    </cs:fontRef>
+    <cs:spPr>
+      <a:ln w="19050" cap="rnd">
+        <a:solidFill>
+          <a:schemeClr val="phClr"/>
+        </a:solidFill>
+        <a:prstDash val="sysDot"/>
+      </a:ln>
+    </cs:spPr>
+  </cs:trendline>
+  <cs:trendlineLabel>
+    <cs:lnRef idx="0"/>
+    <cs:fillRef idx="0"/>
+    <cs:effectRef idx="0"/>
+    <cs:fontRef idx="minor">
+      <a:schemeClr val="tx1">
+        <a:lumMod val="65000"/>
+        <a:lumOff val="35000"/>
+      </a:schemeClr>
+    </cs:fontRef>
+    <cs:defRPr sz="1197" kern="1200"/>
+  </cs:trendlineLabel>
+  <cs:upBar>
+    <cs:lnRef idx="0"/>
+    <cs:fillRef idx="0"/>
+    <cs:effectRef idx="0"/>
+    <cs:fontRef idx="minor">
+      <a:schemeClr val="dk1"/>
+    </cs:fontRef>
+    <cs:spPr>
+      <a:solidFill>
+        <a:schemeClr val="lt1"/>
+      </a:solidFill>
+      <a:ln w="9525">
+        <a:solidFill>
+          <a:schemeClr val="tx1">
+            <a:lumMod val="15000"/>
+            <a:lumOff val="85000"/>
+          </a:schemeClr>
+        </a:solidFill>
+      </a:ln>
+    </cs:spPr>
+  </cs:upBar>
+  <cs:valueAxis>
+    <cs:lnRef idx="0"/>
+    <cs:fillRef idx="0"/>
+    <cs:effectRef idx="0"/>
+    <cs:fontRef idx="minor">
+      <a:schemeClr val="tx1">
+        <a:lumMod val="65000"/>
+        <a:lumOff val="35000"/>
+      </a:schemeClr>
+    </cs:fontRef>
+    <cs:defRPr sz="1197" kern="1200"/>
+  </cs:valueAxis>
+  <cs:wall>
+    <cs:lnRef idx="0"/>
+    <cs:fillRef idx="0"/>
+    <cs:effectRef idx="0"/>
+    <cs:fontRef idx="minor">
+      <a:schemeClr val="tx1"/>
+    </cs:fontRef>
+    <cs:spPr>
+      <a:noFill/>
+      <a:ln>
+        <a:noFill/>
+      </a:ln>
+    </cs:spPr>
+  </cs:wall>
+</cs:chartStyle>
+</file>
+
+<file path=ppt/charts/style5.xml><?xml version="1.0" encoding="utf-8"?>
+<cs:chartStyle xmlns:cs="http://schemas.microsoft.com/office/drawing/2012/chartStyle" xmlns:a="http://schemas.openxmlformats.org/drawingml/2006/main" id="332">
+  <cs:axisTitle>
+    <cs:lnRef idx="0"/>
+    <cs:fillRef idx="0"/>
+    <cs:effectRef idx="0"/>
+    <cs:fontRef idx="minor">
+      <a:schemeClr val="tx1">
+        <a:lumMod val="65000"/>
+        <a:lumOff val="35000"/>
+      </a:schemeClr>
+    </cs:fontRef>
+    <cs:defRPr sz="1330" kern="1200"/>
+  </cs:axisTitle>
+  <cs:categoryAxis>
+    <cs:lnRef idx="0"/>
+    <cs:fillRef idx="0"/>
+    <cs:effectRef idx="0"/>
+    <cs:fontRef idx="minor">
+      <a:schemeClr val="tx1">
+        <a:lumMod val="65000"/>
+        <a:lumOff val="35000"/>
+      </a:schemeClr>
+    </cs:fontRef>
+    <cs:spPr>
+      <a:ln w="9525" cap="flat" cmpd="sng" algn="ctr">
+        <a:solidFill>
+          <a:schemeClr val="tx1">
+            <a:lumMod val="15000"/>
+            <a:lumOff val="85000"/>
+          </a:schemeClr>
+        </a:solidFill>
+        <a:round/>
+      </a:ln>
+    </cs:spPr>
+    <cs:defRPr sz="1197" kern="1200"/>
+  </cs:categoryAxis>
+  <cs:chartArea mods="allowNoFillOverride allowNoLineOverride">
+    <cs:lnRef idx="0"/>
+    <cs:fillRef idx="0"/>
+    <cs:effectRef idx="0"/>
+    <cs:fontRef idx="minor">
+      <a:schemeClr val="tx1"/>
+    </cs:fontRef>
+    <cs:spPr>
+      <a:solidFill>
+        <a:schemeClr val="bg1"/>
+      </a:solidFill>
+      <a:ln w="9525" cap="flat" cmpd="sng" algn="ctr">
+        <a:solidFill>
+          <a:schemeClr val="tx1">
+            <a:lumMod val="15000"/>
+            <a:lumOff val="85000"/>
+          </a:schemeClr>
+        </a:solidFill>
+        <a:round/>
+      </a:ln>
+    </cs:spPr>
+    <cs:defRPr sz="1330" kern="1200"/>
+  </cs:chartArea>
+  <cs:dataLabel>
+    <cs:lnRef idx="0"/>
+    <cs:fillRef idx="0"/>
+    <cs:effectRef idx="0"/>
+    <cs:fontRef idx="minor">
+      <a:schemeClr val="tx1">
+        <a:lumMod val="75000"/>
+        <a:lumOff val="25000"/>
+      </a:schemeClr>
+    </cs:fontRef>
+    <cs:defRPr sz="1197" kern="1200"/>
+  </cs:dataLabel>
+  <cs:dataLabelCallout>
+    <cs:lnRef idx="0"/>
+    <cs:fillRef idx="0"/>
+    <cs:effectRef idx="0"/>
+    <cs:fontRef idx="minor">
+      <a:schemeClr val="dk1">
+        <a:lumMod val="65000"/>
+        <a:lumOff val="35000"/>
+      </a:schemeClr>
+    </cs:fontRef>
+    <cs:spPr>
+      <a:solidFill>
+        <a:schemeClr val="lt1"/>
+      </a:solidFill>
+      <a:ln>
+        <a:solidFill>
+          <a:schemeClr val="dk1">
+            <a:lumMod val="25000"/>
+            <a:lumOff val="75000"/>
+          </a:schemeClr>
+        </a:solidFill>
+      </a:ln>
+    </cs:spPr>
+    <cs:defRPr sz="1197" kern="1200"/>
+    <cs:bodyPr rot="0" spcFirstLastPara="1" vertOverflow="clip" horzOverflow="clip" vert="horz" wrap="square" lIns="36576" tIns="18288" rIns="36576" bIns="18288" anchor="ctr" anchorCtr="1">
+      <a:spAutoFit/>
+    </cs:bodyPr>
+  </cs:dataLabelCallout>
+  <cs:dataPoint>
+    <cs:lnRef idx="0"/>
+    <cs:fillRef idx="1">
+      <cs:styleClr val="auto"/>
+    </cs:fillRef>
+    <cs:effectRef idx="0"/>
+    <cs:fontRef idx="minor">
+      <a:schemeClr val="tx1"/>
+    </cs:fontRef>
+  </cs:dataPoint>
+  <cs:dataPoint3D>
+    <cs:lnRef idx="0"/>
+    <cs:fillRef idx="1">
+      <cs:styleClr val="auto"/>
+    </cs:fillRef>
+    <cs:effectRef idx="0"/>
+    <cs:fontRef idx="minor">
+      <a:schemeClr val="tx1"/>
+    </cs:fontRef>
+  </cs:dataPoint3D>
+  <cs:dataPointLine>
+    <cs:lnRef idx="0">
+      <cs:styleClr val="auto"/>
+    </cs:lnRef>
+    <cs:fillRef idx="1"/>
+    <cs:effectRef idx="0"/>
+    <cs:fontRef idx="minor">
+      <a:schemeClr val="tx1"/>
+    </cs:fontRef>
+    <cs:spPr>
+      <a:ln w="28575" cap="rnd">
+        <a:solidFill>
+          <a:schemeClr val="phClr"/>
+        </a:solidFill>
+        <a:round/>
+      </a:ln>
+    </cs:spPr>
+  </cs:dataPointLine>
+  <cs:dataPointMarker>
+    <cs:lnRef idx="0">
+      <cs:styleClr val="auto"/>
+    </cs:lnRef>
+    <cs:fillRef idx="1">
+      <cs:styleClr val="auto"/>
+    </cs:fillRef>
+    <cs:effectRef idx="0"/>
+    <cs:fontRef idx="minor">
+      <a:schemeClr val="tx1"/>
+    </cs:fontRef>
+    <cs:spPr>
+      <a:ln w="9525">
+        <a:solidFill>
+          <a:schemeClr val="phClr"/>
+        </a:solidFill>
+      </a:ln>
+    </cs:spPr>
+  </cs:dataPointMarker>
+  <cs:dataPointMarkerLayout symbol="circle" size="5"/>
+  <cs:dataPointWireframe>
+    <cs:lnRef idx="0">
+      <cs:styleClr val="auto"/>
+    </cs:lnRef>
+    <cs:fillRef idx="1"/>
+    <cs:effectRef idx="0"/>
+    <cs:fontRef idx="minor">
+      <a:schemeClr val="tx1"/>
+    </cs:fontRef>
+    <cs:spPr>
+      <a:ln w="9525" cap="rnd">
+        <a:solidFill>
+          <a:schemeClr val="phClr"/>
+        </a:solidFill>
+        <a:round/>
+      </a:ln>
+    </cs:spPr>
+  </cs:dataPointWireframe>
+  <cs:dataTable>
+    <cs:lnRef idx="0"/>
+    <cs:fillRef idx="0"/>
+    <cs:effectRef idx="0"/>
+    <cs:fontRef idx="minor">
+      <a:schemeClr val="tx1">
+        <a:lumMod val="65000"/>
+        <a:lumOff val="35000"/>
+      </a:schemeClr>
+    </cs:fontRef>
+    <cs:spPr>
+      <a:noFill/>
+      <a:ln w="9525" cap="flat" cmpd="sng" algn="ctr">
+        <a:solidFill>
+          <a:schemeClr val="tx1">
+            <a:lumMod val="15000"/>
+            <a:lumOff val="85000"/>
+          </a:schemeClr>
+        </a:solidFill>
+        <a:round/>
+      </a:ln>
+    </cs:spPr>
+    <cs:defRPr sz="1197" kern="1200"/>
+  </cs:dataTable>
+  <cs:downBar>
+    <cs:lnRef idx="0"/>
+    <cs:fillRef idx="0"/>
+    <cs:effectRef idx="0"/>
+    <cs:fontRef idx="minor">
+      <a:schemeClr val="dk1"/>
+    </cs:fontRef>
+    <cs:spPr>
+      <a:solidFill>
+        <a:schemeClr val="dk1">
+          <a:lumMod val="65000"/>
+          <a:lumOff val="35000"/>
+        </a:schemeClr>
+      </a:solidFill>
+      <a:ln w="9525">
+        <a:solidFill>
+          <a:schemeClr val="tx1">
+            <a:lumMod val="65000"/>
+            <a:lumOff val="35000"/>
+          </a:schemeClr>
+        </a:solidFill>
+      </a:ln>
+    </cs:spPr>
+  </cs:downBar>
+  <cs:dropLine>
+    <cs:lnRef idx="0"/>
+    <cs:fillRef idx="0"/>
+    <cs:effectRef idx="0"/>
+    <cs:fontRef idx="minor">
+      <a:schemeClr val="tx1"/>
+    </cs:fontRef>
+    <cs:spPr>
+      <a:ln w="9525" cap="flat" cmpd="sng" algn="ctr">
+        <a:solidFill>
+          <a:schemeClr val="tx1">
+            <a:lumMod val="35000"/>
+            <a:lumOff val="65000"/>
+          </a:schemeClr>
+        </a:solidFill>
+        <a:round/>
+      </a:ln>
+    </cs:spPr>
+  </cs:dropLine>
+  <cs:errorBar>
+    <cs:lnRef idx="0"/>
+    <cs:fillRef idx="0"/>
+    <cs:effectRef idx="0"/>
+    <cs:fontRef idx="minor">
+      <a:schemeClr val="tx1"/>
+    </cs:fontRef>
+    <cs:spPr>
+      <a:ln w="9525" cap="flat" cmpd="sng" algn="ctr">
+        <a:solidFill>
+          <a:schemeClr val="tx1">
+            <a:lumMod val="65000"/>
+            <a:lumOff val="35000"/>
+          </a:schemeClr>
+        </a:solidFill>
+        <a:round/>
+      </a:ln>
+    </cs:spPr>
+  </cs:errorBar>
+  <cs:floor>
+    <cs:lnRef idx="0"/>
+    <cs:fillRef idx="0"/>
+    <cs:effectRef idx="0"/>
+    <cs:fontRef idx="minor">
+      <a:schemeClr val="tx1"/>
+    </cs:fontRef>
+    <cs:spPr>
+      <a:noFill/>
+      <a:ln>
+        <a:noFill/>
+      </a:ln>
+    </cs:spPr>
+  </cs:floor>
+  <cs:gridlineMajor>
+    <cs:lnRef idx="0"/>
+    <cs:fillRef idx="0"/>
+    <cs:effectRef idx="0"/>
+    <cs:fontRef idx="minor">
+      <a:schemeClr val="tx1"/>
+    </cs:fontRef>
+    <cs:spPr>
+      <a:ln w="9525" cap="flat" cmpd="sng" algn="ctr">
+        <a:solidFill>
+          <a:schemeClr val="tx1">
+            <a:lumMod val="15000"/>
+            <a:lumOff val="85000"/>
+          </a:schemeClr>
+        </a:solidFill>
+        <a:round/>
+      </a:ln>
+    </cs:spPr>
+  </cs:gridlineMajor>
+  <cs:gridlineMinor>
+    <cs:lnRef idx="0"/>
+    <cs:fillRef idx="0"/>
+    <cs:effectRef idx="0"/>
+    <cs:fontRef idx="minor">
+      <a:schemeClr val="tx1"/>
+    </cs:fontRef>
+    <cs:spPr>
+      <a:ln w="9525" cap="flat" cmpd="sng" algn="ctr">
+        <a:solidFill>
+          <a:schemeClr val="tx1">
+            <a:lumMod val="5000"/>
+            <a:lumOff val="95000"/>
+          </a:schemeClr>
+        </a:solidFill>
+        <a:round/>
+      </a:ln>
+    </cs:spPr>
+  </cs:gridlineMinor>
+  <cs:hiLoLine>
+    <cs:lnRef idx="0"/>
+    <cs:fillRef idx="0"/>
+    <cs:effectRef idx="0"/>
+    <cs:fontRef idx="minor">
+      <a:schemeClr val="tx1"/>
+    </cs:fontRef>
+    <cs:spPr>
+      <a:ln w="9525" cap="flat" cmpd="sng" algn="ctr">
+        <a:solidFill>
+          <a:schemeClr val="tx1">
+            <a:lumMod val="75000"/>
+            <a:lumOff val="25000"/>
+          </a:schemeClr>
+        </a:solidFill>
+        <a:round/>
+      </a:ln>
+    </cs:spPr>
+  </cs:hiLoLine>
+  <cs:leaderLine>
+    <cs:lnRef idx="0"/>
+    <cs:fillRef idx="0"/>
+    <cs:effectRef idx="0"/>
+    <cs:fontRef idx="minor">
+      <a:schemeClr val="tx1"/>
+    </cs:fontRef>
+    <cs:spPr>
+      <a:ln w="9525" cap="flat" cmpd="sng" algn="ctr">
+        <a:solidFill>
+          <a:schemeClr val="tx1">
+            <a:lumMod val="35000"/>
+            <a:lumOff val="65000"/>
+          </a:schemeClr>
+        </a:solidFill>
+        <a:round/>
+      </a:ln>
+    </cs:spPr>
+  </cs:leaderLine>
+  <cs:legend>
+    <cs:lnRef idx="0"/>
+    <cs:fillRef idx="0"/>
+    <cs:effectRef idx="0"/>
+    <cs:fontRef idx="minor">
+      <a:schemeClr val="tx1">
+        <a:lumMod val="65000"/>
+        <a:lumOff val="35000"/>
+      </a:schemeClr>
+    </cs:fontRef>
+    <cs:defRPr sz="1197" kern="1200"/>
+  </cs:legend>
+  <cs:plotArea mods="allowNoFillOverride allowNoLineOverride">
+    <cs:lnRef idx="0"/>
+    <cs:fillRef idx="0"/>
+    <cs:effectRef idx="0"/>
+    <cs:fontRef idx="minor">
+      <a:schemeClr val="tx1"/>
+    </cs:fontRef>
+  </cs:plotArea>
+  <cs:plotArea3D mods="allowNoFillOverride allowNoLineOverride">
+    <cs:lnRef idx="0"/>
+    <cs:fillRef idx="0"/>
+    <cs:effectRef idx="0"/>
+    <cs:fontRef idx="minor">
+      <a:schemeClr val="tx1"/>
+    </cs:fontRef>
+  </cs:plotArea3D>
+  <cs:seriesAxis>
+    <cs:lnRef idx="0"/>
+    <cs:fillRef idx="0"/>
+    <cs:effectRef idx="0"/>
+    <cs:fontRef idx="minor">
+      <a:schemeClr val="tx1">
+        <a:lumMod val="65000"/>
+        <a:lumOff val="35000"/>
+      </a:schemeClr>
+    </cs:fontRef>
+    <cs:defRPr sz="1197" kern="1200"/>
+  </cs:seriesAxis>
+  <cs:seriesLine>
+    <cs:lnRef idx="0"/>
+    <cs:fillRef idx="0"/>
+    <cs:effectRef idx="0"/>
+    <cs:fontRef idx="minor">
+      <a:schemeClr val="tx1"/>
+    </cs:fontRef>
+    <cs:spPr>
+      <a:ln w="9525" cap="flat" cmpd="sng" algn="ctr">
+        <a:solidFill>
+          <a:schemeClr val="tx1">
+            <a:lumMod val="35000"/>
+            <a:lumOff val="65000"/>
+          </a:schemeClr>
+        </a:solidFill>
+        <a:round/>
+      </a:ln>
+    </cs:spPr>
+  </cs:seriesLine>
+  <cs:title>
+    <cs:lnRef idx="0"/>
+    <cs:fillRef idx="0"/>
+    <cs:effectRef idx="0"/>
+    <cs:fontRef idx="minor">
+      <a:schemeClr val="tx1">
+        <a:lumMod val="65000"/>
+        <a:lumOff val="35000"/>
+      </a:schemeClr>
+    </cs:fontRef>
+    <cs:defRPr sz="1862" b="0" kern="1200" spc="0" baseline="0"/>
+  </cs:title>
+  <cs:trendline>
+    <cs:lnRef idx="0">
+      <cs:styleClr val="auto"/>
+    </cs:lnRef>
+    <cs:fillRef idx="0"/>
+    <cs:effectRef idx="0"/>
+    <cs:fontRef idx="minor">
+      <a:schemeClr val="tx1"/>
+    </cs:fontRef>
+    <cs:spPr>
+      <a:ln w="19050" cap="rnd">
+        <a:solidFill>
+          <a:schemeClr val="phClr"/>
+        </a:solidFill>
+        <a:prstDash val="sysDot"/>
+      </a:ln>
+    </cs:spPr>
+  </cs:trendline>
+  <cs:trendlineLabel>
+    <cs:lnRef idx="0"/>
+    <cs:fillRef idx="0"/>
+    <cs:effectRef idx="0"/>
+    <cs:fontRef idx="minor">
+      <a:schemeClr val="tx1">
+        <a:lumMod val="65000"/>
+        <a:lumOff val="35000"/>
+      </a:schemeClr>
+    </cs:fontRef>
+    <cs:defRPr sz="1197" kern="1200"/>
+  </cs:trendlineLabel>
+  <cs:upBar>
+    <cs:lnRef idx="0"/>
+    <cs:fillRef idx="0"/>
+    <cs:effectRef idx="0"/>
+    <cs:fontRef idx="minor">
+      <a:schemeClr val="dk1"/>
+    </cs:fontRef>
+    <cs:spPr>
+      <a:solidFill>
+        <a:schemeClr val="lt1"/>
+      </a:solidFill>
+      <a:ln w="9525">
+        <a:solidFill>
+          <a:schemeClr val="tx1">
+            <a:lumMod val="15000"/>
+            <a:lumOff val="85000"/>
+          </a:schemeClr>
+        </a:solidFill>
+      </a:ln>
+    </cs:spPr>
+  </cs:upBar>
+  <cs:valueAxis>
+    <cs:lnRef idx="0"/>
+    <cs:fillRef idx="0"/>
+    <cs:effectRef idx="0"/>
+    <cs:fontRef idx="minor">
+      <a:schemeClr val="tx1">
+        <a:lumMod val="65000"/>
+        <a:lumOff val="35000"/>
+      </a:schemeClr>
+    </cs:fontRef>
+    <cs:defRPr sz="1197" kern="1200"/>
+  </cs:valueAxis>
+  <cs:wall>
+    <cs:lnRef idx="0"/>
+    <cs:fillRef idx="0"/>
+    <cs:effectRef idx="0"/>
+    <cs:fontRef idx="minor">
+      <a:schemeClr val="tx1"/>
+    </cs:fontRef>
+    <cs:spPr>
+      <a:noFill/>
+      <a:ln>
+        <a:noFill/>
+      </a:ln>
+    </cs:spPr>
+  </cs:wall>
+</cs:chartStyle>
+</file>
+
+<file path=ppt/charts/style6.xml><?xml version="1.0" encoding="utf-8"?>
+<cs:chartStyle xmlns:cs="http://schemas.microsoft.com/office/drawing/2012/chartStyle" xmlns:a="http://schemas.openxmlformats.org/drawingml/2006/main" id="332">
+  <cs:axisTitle>
+    <cs:lnRef idx="0"/>
+    <cs:fillRef idx="0"/>
+    <cs:effectRef idx="0"/>
+    <cs:fontRef idx="minor">
+      <a:schemeClr val="tx1">
+        <a:lumMod val="65000"/>
+        <a:lumOff val="35000"/>
+      </a:schemeClr>
+    </cs:fontRef>
+    <cs:defRPr sz="1330" kern="1200"/>
+  </cs:axisTitle>
+  <cs:categoryAxis>
+    <cs:lnRef idx="0"/>
+    <cs:fillRef idx="0"/>
+    <cs:effectRef idx="0"/>
+    <cs:fontRef idx="minor">
+      <a:schemeClr val="tx1">
+        <a:lumMod val="65000"/>
+        <a:lumOff val="35000"/>
+      </a:schemeClr>
+    </cs:fontRef>
+    <cs:spPr>
+      <a:ln w="9525" cap="flat" cmpd="sng" algn="ctr">
+        <a:solidFill>
+          <a:schemeClr val="tx1">
+            <a:lumMod val="15000"/>
+            <a:lumOff val="85000"/>
+          </a:schemeClr>
+        </a:solidFill>
+        <a:round/>
+      </a:ln>
+    </cs:spPr>
+    <cs:defRPr sz="1197" kern="1200"/>
+  </cs:categoryAxis>
+  <cs:chartArea mods="allowNoFillOverride allowNoLineOverride">
+    <cs:lnRef idx="0"/>
+    <cs:fillRef idx="0"/>
+    <cs:effectRef idx="0"/>
+    <cs:fontRef idx="minor">
+      <a:schemeClr val="tx1"/>
+    </cs:fontRef>
+    <cs:spPr>
+      <a:solidFill>
+        <a:schemeClr val="bg1"/>
+      </a:solidFill>
+      <a:ln w="9525" cap="flat" cmpd="sng" algn="ctr">
+        <a:solidFill>
+          <a:schemeClr val="tx1">
+            <a:lumMod val="15000"/>
+            <a:lumOff val="85000"/>
+          </a:schemeClr>
+        </a:solidFill>
+        <a:round/>
+      </a:ln>
+    </cs:spPr>
+    <cs:defRPr sz="1330" kern="1200"/>
+  </cs:chartArea>
+  <cs:dataLabel>
+    <cs:lnRef idx="0"/>
+    <cs:fillRef idx="0"/>
+    <cs:effectRef idx="0"/>
+    <cs:fontRef idx="minor">
+      <a:schemeClr val="tx1">
+        <a:lumMod val="75000"/>
+        <a:lumOff val="25000"/>
+      </a:schemeClr>
+    </cs:fontRef>
+    <cs:defRPr sz="1197" kern="1200"/>
+  </cs:dataLabel>
+  <cs:dataLabelCallout>
+    <cs:lnRef idx="0"/>
+    <cs:fillRef idx="0"/>
+    <cs:effectRef idx="0"/>
+    <cs:fontRef idx="minor">
+      <a:schemeClr val="dk1">
+        <a:lumMod val="65000"/>
+        <a:lumOff val="35000"/>
+      </a:schemeClr>
+    </cs:fontRef>
+    <cs:spPr>
+      <a:solidFill>
+        <a:schemeClr val="lt1"/>
+      </a:solidFill>
+      <a:ln>
+        <a:solidFill>
+          <a:schemeClr val="dk1">
+            <a:lumMod val="25000"/>
+            <a:lumOff val="75000"/>
+          </a:schemeClr>
+        </a:solidFill>
+      </a:ln>
+    </cs:spPr>
+    <cs:defRPr sz="1197" kern="1200"/>
+    <cs:bodyPr rot="0" spcFirstLastPara="1" vertOverflow="clip" horzOverflow="clip" vert="horz" wrap="square" lIns="36576" tIns="18288" rIns="36576" bIns="18288" anchor="ctr" anchorCtr="1">
+      <a:spAutoFit/>
+    </cs:bodyPr>
+  </cs:dataLabelCallout>
+  <cs:dataPoint>
+    <cs:lnRef idx="0"/>
+    <cs:fillRef idx="1">
+      <cs:styleClr val="auto"/>
+    </cs:fillRef>
+    <cs:effectRef idx="0"/>
+    <cs:fontRef idx="minor">
+      <a:schemeClr val="tx1"/>
+    </cs:fontRef>
+  </cs:dataPoint>
+  <cs:dataPoint3D>
+    <cs:lnRef idx="0"/>
+    <cs:fillRef idx="1">
+      <cs:styleClr val="auto"/>
+    </cs:fillRef>
+    <cs:effectRef idx="0"/>
+    <cs:fontRef idx="minor">
+      <a:schemeClr val="tx1"/>
+    </cs:fontRef>
+  </cs:dataPoint3D>
+  <cs:dataPointLine>
+    <cs:lnRef idx="0">
+      <cs:styleClr val="auto"/>
+    </cs:lnRef>
+    <cs:fillRef idx="1"/>
+    <cs:effectRef idx="0"/>
+    <cs:fontRef idx="minor">
+      <a:schemeClr val="tx1"/>
+    </cs:fontRef>
+    <cs:spPr>
+      <a:ln w="28575" cap="rnd">
+        <a:solidFill>
+          <a:schemeClr val="phClr"/>
+        </a:solidFill>
+        <a:round/>
+      </a:ln>
+    </cs:spPr>
+  </cs:dataPointLine>
+  <cs:dataPointMarker>
+    <cs:lnRef idx="0">
+      <cs:styleClr val="auto"/>
+    </cs:lnRef>
+    <cs:fillRef idx="1">
+      <cs:styleClr val="auto"/>
+    </cs:fillRef>
+    <cs:effectRef idx="0"/>
+    <cs:fontRef idx="minor">
+      <a:schemeClr val="tx1"/>
+    </cs:fontRef>
+    <cs:spPr>
+      <a:ln w="9525">
+        <a:solidFill>
+          <a:schemeClr val="phClr"/>
+        </a:solidFill>
+      </a:ln>
+    </cs:spPr>
+  </cs:dataPointMarker>
+  <cs:dataPointMarkerLayout symbol="circle" size="5"/>
+  <cs:dataPointWireframe>
+    <cs:lnRef idx="0">
+      <cs:styleClr val="auto"/>
+    </cs:lnRef>
+    <cs:fillRef idx="1"/>
+    <cs:effectRef idx="0"/>
+    <cs:fontRef idx="minor">
+      <a:schemeClr val="tx1"/>
+    </cs:fontRef>
+    <cs:spPr>
+      <a:ln w="9525" cap="rnd">
+        <a:solidFill>
+          <a:schemeClr val="phClr"/>
+        </a:solidFill>
+        <a:round/>
+      </a:ln>
+    </cs:spPr>
+  </cs:dataPointWireframe>
+  <cs:dataTable>
+    <cs:lnRef idx="0"/>
+    <cs:fillRef idx="0"/>
+    <cs:effectRef idx="0"/>
+    <cs:fontRef idx="minor">
+      <a:schemeClr val="tx1">
+        <a:lumMod val="65000"/>
+        <a:lumOff val="35000"/>
+      </a:schemeClr>
+    </cs:fontRef>
+    <cs:spPr>
+      <a:noFill/>
+      <a:ln w="9525" cap="flat" cmpd="sng" algn="ctr">
+        <a:solidFill>
+          <a:schemeClr val="tx1">
+            <a:lumMod val="15000"/>
+            <a:lumOff val="85000"/>
+          </a:schemeClr>
+        </a:solidFill>
+        <a:round/>
+      </a:ln>
+    </cs:spPr>
+    <cs:defRPr sz="1197" kern="1200"/>
+  </cs:dataTable>
+  <cs:downBar>
+    <cs:lnRef idx="0"/>
+    <cs:fillRef idx="0"/>
+    <cs:effectRef idx="0"/>
+    <cs:fontRef idx="minor">
+      <a:schemeClr val="dk1"/>
+    </cs:fontRef>
+    <cs:spPr>
+      <a:solidFill>
+        <a:schemeClr val="dk1">
+          <a:lumMod val="65000"/>
+          <a:lumOff val="35000"/>
+        </a:schemeClr>
+      </a:solidFill>
+      <a:ln w="9525">
+        <a:solidFill>
+          <a:schemeClr val="tx1">
+            <a:lumMod val="65000"/>
+            <a:lumOff val="35000"/>
+          </a:schemeClr>
+        </a:solidFill>
+      </a:ln>
+    </cs:spPr>
+  </cs:downBar>
+  <cs:dropLine>
+    <cs:lnRef idx="0"/>
+    <cs:fillRef idx="0"/>
+    <cs:effectRef idx="0"/>
+    <cs:fontRef idx="minor">
+      <a:schemeClr val="tx1"/>
+    </cs:fontRef>
+    <cs:spPr>
+      <a:ln w="9525" cap="flat" cmpd="sng" algn="ctr">
+        <a:solidFill>
+          <a:schemeClr val="tx1">
+            <a:lumMod val="35000"/>
+            <a:lumOff val="65000"/>
+          </a:schemeClr>
+        </a:solidFill>
+        <a:round/>
+      </a:ln>
+    </cs:spPr>
+  </cs:dropLine>
+  <cs:errorBar>
+    <cs:lnRef idx="0"/>
+    <cs:fillRef idx="0"/>
+    <cs:effectRef idx="0"/>
+    <cs:fontRef idx="minor">
+      <a:schemeClr val="tx1"/>
+    </cs:fontRef>
+    <cs:spPr>
+      <a:ln w="9525" cap="flat" cmpd="sng" algn="ctr">
+        <a:solidFill>
+          <a:schemeClr val="tx1">
+            <a:lumMod val="65000"/>
+            <a:lumOff val="35000"/>
+          </a:schemeClr>
+        </a:solidFill>
+        <a:round/>
+      </a:ln>
+    </cs:spPr>
+  </cs:errorBar>
+  <cs:floor>
+    <cs:lnRef idx="0"/>
+    <cs:fillRef idx="0"/>
+    <cs:effectRef idx="0"/>
+    <cs:fontRef idx="minor">
+      <a:schemeClr val="tx1"/>
+    </cs:fontRef>
+    <cs:spPr>
+      <a:noFill/>
+      <a:ln>
+        <a:noFill/>
+      </a:ln>
+    </cs:spPr>
+  </cs:floor>
+  <cs:gridlineMajor>
+    <cs:lnRef idx="0"/>
+    <cs:fillRef idx="0"/>
+    <cs:effectRef idx="0"/>
+    <cs:fontRef idx="minor">
+      <a:schemeClr val="tx1"/>
+    </cs:fontRef>
+    <cs:spPr>
+      <a:ln w="9525" cap="flat" cmpd="sng" algn="ctr">
+        <a:solidFill>
+          <a:schemeClr val="tx1">
+            <a:lumMod val="15000"/>
+            <a:lumOff val="85000"/>
+          </a:schemeClr>
+        </a:solidFill>
+        <a:round/>
+      </a:ln>
+    </cs:spPr>
+  </cs:gridlineMajor>
+  <cs:gridlineMinor>
+    <cs:lnRef idx="0"/>
+    <cs:fillRef idx="0"/>
+    <cs:effectRef idx="0"/>
+    <cs:fontRef idx="minor">
+      <a:schemeClr val="tx1"/>
+    </cs:fontRef>
+    <cs:spPr>
+      <a:ln w="9525" cap="flat" cmpd="sng" algn="ctr">
+        <a:solidFill>
+          <a:schemeClr val="tx1">
+            <a:lumMod val="5000"/>
+            <a:lumOff val="95000"/>
+          </a:schemeClr>
+        </a:solidFill>
+        <a:round/>
+      </a:ln>
+    </cs:spPr>
+  </cs:gridlineMinor>
+  <cs:hiLoLine>
+    <cs:lnRef idx="0"/>
+    <cs:fillRef idx="0"/>
+    <cs:effectRef idx="0"/>
+    <cs:fontRef idx="minor">
+      <a:schemeClr val="tx1"/>
+    </cs:fontRef>
+    <cs:spPr>
+      <a:ln w="9525" cap="flat" cmpd="sng" algn="ctr">
+        <a:solidFill>
+          <a:schemeClr val="tx1">
+            <a:lumMod val="75000"/>
+            <a:lumOff val="25000"/>
+          </a:schemeClr>
+        </a:solidFill>
+        <a:round/>
+      </a:ln>
+    </cs:spPr>
+  </cs:hiLoLine>
+  <cs:leaderLine>
+    <cs:lnRef idx="0"/>
+    <cs:fillRef idx="0"/>
+    <cs:effectRef idx="0"/>
+    <cs:fontRef idx="minor">
+      <a:schemeClr val="tx1"/>
+    </cs:fontRef>
+    <cs:spPr>
+      <a:ln w="9525" cap="flat" cmpd="sng" algn="ctr">
+        <a:solidFill>
+          <a:schemeClr val="tx1">
+            <a:lumMod val="35000"/>
+            <a:lumOff val="65000"/>
+          </a:schemeClr>
+        </a:solidFill>
+        <a:round/>
+      </a:ln>
+    </cs:spPr>
+  </cs:leaderLine>
+  <cs:legend>
+    <cs:lnRef idx="0"/>
+    <cs:fillRef idx="0"/>
+    <cs:effectRef idx="0"/>
+    <cs:fontRef idx="minor">
+      <a:schemeClr val="tx1">
+        <a:lumMod val="65000"/>
+        <a:lumOff val="35000"/>
+      </a:schemeClr>
+    </cs:fontRef>
+    <cs:defRPr sz="1197" kern="1200"/>
+  </cs:legend>
+  <cs:plotArea mods="allowNoFillOverride allowNoLineOverride">
+    <cs:lnRef idx="0"/>
+    <cs:fillRef idx="0"/>
+    <cs:effectRef idx="0"/>
+    <cs:fontRef idx="minor">
+      <a:schemeClr val="tx1"/>
+    </cs:fontRef>
+  </cs:plotArea>
+  <cs:plotArea3D mods="allowNoFillOverride allowNoLineOverride">
+    <cs:lnRef idx="0"/>
+    <cs:fillRef idx="0"/>
+    <cs:effectRef idx="0"/>
+    <cs:fontRef idx="minor">
+      <a:schemeClr val="tx1"/>
+    </cs:fontRef>
+  </cs:plotArea3D>
+  <cs:seriesAxis>
+    <cs:lnRef idx="0"/>
+    <cs:fillRef idx="0"/>
+    <cs:effectRef idx="0"/>
+    <cs:fontRef idx="minor">
+      <a:schemeClr val="tx1">
+        <a:lumMod val="65000"/>
+        <a:lumOff val="35000"/>
+      </a:schemeClr>
+    </cs:fontRef>
+    <cs:defRPr sz="1197" kern="1200"/>
+  </cs:seriesAxis>
+  <cs:seriesLine>
+    <cs:lnRef idx="0"/>
+    <cs:fillRef idx="0"/>
+    <cs:effectRef idx="0"/>
+    <cs:fontRef idx="minor">
+      <a:schemeClr val="tx1"/>
+    </cs:fontRef>
+    <cs:spPr>
+      <a:ln w="9525" cap="flat" cmpd="sng" algn="ctr">
+        <a:solidFill>
+          <a:schemeClr val="tx1">
+            <a:lumMod val="35000"/>
+            <a:lumOff val="65000"/>
+          </a:schemeClr>
+        </a:solidFill>
+        <a:round/>
+      </a:ln>
+    </cs:spPr>
+  </cs:seriesLine>
+  <cs:title>
+    <cs:lnRef idx="0"/>
+    <cs:fillRef idx="0"/>
+    <cs:effectRef idx="0"/>
+    <cs:fontRef idx="minor">
+      <a:schemeClr val="tx1">
+        <a:lumMod val="65000"/>
+        <a:lumOff val="35000"/>
+      </a:schemeClr>
+    </cs:fontRef>
+    <cs:defRPr sz="1862" b="0" kern="1200" spc="0" baseline="0"/>
+  </cs:title>
+  <cs:trendline>
+    <cs:lnRef idx="0">
+      <cs:styleClr val="auto"/>
+    </cs:lnRef>
+    <cs:fillRef idx="0"/>
+    <cs:effectRef idx="0"/>
+    <cs:fontRef idx="minor">
+      <a:schemeClr val="tx1"/>
+    </cs:fontRef>
+    <cs:spPr>
+      <a:ln w="19050" cap="rnd">
+        <a:solidFill>
+          <a:schemeClr val="phClr"/>
+        </a:solidFill>
+        <a:prstDash val="sysDot"/>
+      </a:ln>
+    </cs:spPr>
+  </cs:trendline>
+  <cs:trendlineLabel>
+    <cs:lnRef idx="0"/>
+    <cs:fillRef idx="0"/>
+    <cs:effectRef idx="0"/>
+    <cs:fontRef idx="minor">
+      <a:schemeClr val="tx1">
+        <a:lumMod val="65000"/>
+        <a:lumOff val="35000"/>
+      </a:schemeClr>
+    </cs:fontRef>
+    <cs:defRPr sz="1197" kern="1200"/>
+  </cs:trendlineLabel>
+  <cs:upBar>
+    <cs:lnRef idx="0"/>
+    <cs:fillRef idx="0"/>
+    <cs:effectRef idx="0"/>
+    <cs:fontRef idx="minor">
+      <a:schemeClr val="dk1"/>
+    </cs:fontRef>
+    <cs:spPr>
+      <a:solidFill>
+        <a:schemeClr val="lt1"/>
+      </a:solidFill>
+      <a:ln w="9525">
+        <a:solidFill>
+          <a:schemeClr val="tx1">
+            <a:lumMod val="15000"/>
+            <a:lumOff val="85000"/>
+          </a:schemeClr>
+        </a:solidFill>
+      </a:ln>
+    </cs:spPr>
+  </cs:upBar>
+  <cs:valueAxis>
+    <cs:lnRef idx="0"/>
+    <cs:fillRef idx="0"/>
+    <cs:effectRef idx="0"/>
+    <cs:fontRef idx="minor">
+      <a:schemeClr val="tx1">
+        <a:lumMod val="65000"/>
+        <a:lumOff val="35000"/>
+      </a:schemeClr>
+    </cs:fontRef>
+    <cs:defRPr sz="1197" kern="1200"/>
+  </cs:valueAxis>
+  <cs:wall>
+    <cs:lnRef idx="0"/>
+    <cs:fillRef idx="0"/>
+    <cs:effectRef idx="0"/>
+    <cs:fontRef idx="minor">
+      <a:schemeClr val="tx1"/>
+    </cs:fontRef>
+    <cs:spPr>
+      <a:noFill/>
+      <a:ln>
+        <a:noFill/>
+      </a:ln>
+    </cs:spPr>
   </cs:wall>
 </cs:chartStyle>
 </file>
@@ -7706,7 +11118,7 @@
             <p:ph idx="1"/>
             <p:extLst>
               <p:ext uri="{D42A27DB-BD31-4B8C-83A1-F6EECF244321}">
-                <p14:modId xmlns:p14="http://schemas.microsoft.com/office/powerpoint/2010/main" val="248010292"/>
+                <p14:modId xmlns:p14="http://schemas.microsoft.com/office/powerpoint/2010/main" val="1870270125"/>
               </p:ext>
             </p:extLst>
           </p:nvPr>
@@ -7730,7 +11142,7 @@
               <p:nvPr>
                 <p:extLst>
                   <p:ext uri="{D42A27DB-BD31-4B8C-83A1-F6EECF244321}">
-                    <p14:modId xmlns:p14="http://schemas.microsoft.com/office/powerpoint/2010/main" val="4221848938"/>
+                    <p14:modId xmlns:p14="http://schemas.microsoft.com/office/powerpoint/2010/main" val="1147403612"/>
                   </p:ext>
                 </p:extLst>
               </p:nvPr>
@@ -7782,14 +11194,14 @@
               <p:nvPr>
                 <p:extLst>
                   <p:ext uri="{D42A27DB-BD31-4B8C-83A1-F6EECF244321}">
-                    <p14:modId xmlns:p14="http://schemas.microsoft.com/office/powerpoint/2010/main" val="106344335"/>
+                    <p14:modId xmlns:p14="http://schemas.microsoft.com/office/powerpoint/2010/main" val="2059168894"/>
                   </p:ext>
                 </p:extLst>
               </p:nvPr>
             </p:nvGraphicFramePr>
             <p:xfrm>
               <a:off x="8003634" y="1879200"/>
-              <a:ext cx="3350166" cy="3938400"/>
+              <a:ext cx="3350166" cy="4003200"/>
             </p:xfrm>
             <a:graphic>
               <a:graphicData uri="http://schemas.microsoft.com/office/drawing/2014/chartex">
@@ -7816,7 +11228,7 @@
             <p:spPr>
               <a:xfrm>
                 <a:off x="8003634" y="1879200"/>
-                <a:ext cx="3350166" cy="3938400"/>
+                <a:ext cx="3350166" cy="4003200"/>
               </a:xfrm>
               <a:prstGeom prst="rect">
                 <a:avLst/>
@@ -7893,79 +11305,28 @@
           </a:p>
         </p:txBody>
       </p:sp>
-      <p:sp>
-        <p:nvSpPr>
-          <p:cNvPr id="4" name="Inhaltsplatzhalter 3"/>
-          <p:cNvSpPr>
-            <a:spLocks noGrp="1"/>
-          </p:cNvSpPr>
+      <p:graphicFrame>
+        <p:nvGraphicFramePr>
+          <p:cNvPr id="7" name="Inhaltsplatzhalter 6"/>
+          <p:cNvGraphicFramePr>
+            <a:graphicFrameLocks noGrp="1"/>
+          </p:cNvGraphicFramePr>
           <p:nvPr>
             <p:ph idx="1"/>
-          </p:nvPr>
-        </p:nvSpPr>
-        <p:spPr/>
-        <p:txBody>
-          <a:bodyPr/>
-          <a:lstStyle/>
-          <a:p>
-            <a:endParaRPr lang="de-DE"/>
-          </a:p>
-        </p:txBody>
-      </p:sp>
-      <p:graphicFrame>
-        <p:nvGraphicFramePr>
-          <p:cNvPr id="5" name="Objekt 4"/>
-          <p:cNvGraphicFramePr>
-            <a:graphicFrameLocks noChangeAspect="1"/>
-          </p:cNvGraphicFramePr>
-          <p:nvPr>
             <p:extLst>
               <p:ext uri="{D42A27DB-BD31-4B8C-83A1-F6EECF244321}">
-                <p14:modId xmlns:p14="http://schemas.microsoft.com/office/powerpoint/2010/main" val="3314982827"/>
+                <p14:modId xmlns:p14="http://schemas.microsoft.com/office/powerpoint/2010/main" val="31603868"/>
               </p:ext>
             </p:extLst>
           </p:nvPr>
         </p:nvGraphicFramePr>
         <p:xfrm>
-          <a:off x="972000" y="1386840"/>
-          <a:ext cx="8719200" cy="6228000"/>
+          <a:off x="972000" y="1386000"/>
+          <a:ext cx="10231200" cy="5328000"/>
         </p:xfrm>
         <a:graphic>
-          <a:graphicData uri="http://schemas.openxmlformats.org/presentationml/2006/ole">
-            <mc:AlternateContent xmlns:mc="http://schemas.openxmlformats.org/markup-compatibility/2006">
-              <mc:Choice xmlns:v="urn:schemas-microsoft-com:vml" Requires="v">
-                <p:oleObj spid="_x0000_s1031" name="Acrobat Document" r:id="rId3" imgW="4800253" imgH="3428735" progId="AcroExch.Document.7">
-                  <p:embed/>
-                </p:oleObj>
-              </mc:Choice>
-              <mc:Fallback>
-                <p:oleObj name="Acrobat Document" r:id="rId3" imgW="4800253" imgH="3428735" progId="AcroExch.Document.7">
-                  <p:embed/>
-                  <p:pic>
-                    <p:nvPicPr>
-                      <p:cNvPr id="0" name=""/>
-                      <p:cNvPicPr/>
-                      <p:nvPr/>
-                    </p:nvPicPr>
-                    <p:blipFill>
-                      <a:blip r:embed="rId4"/>
-                      <a:stretch>
-                        <a:fillRect/>
-                      </a:stretch>
-                    </p:blipFill>
-                    <p:spPr>
-                      <a:xfrm>
-                        <a:off x="972000" y="1386840"/>
-                        <a:ext cx="8719200" cy="6228000"/>
-                      </a:xfrm>
-                      <a:prstGeom prst="rect">
-                        <a:avLst/>
-                      </a:prstGeom>
-                    </p:spPr>
-                  </p:pic>
-                </p:oleObj>
-              </mc:Fallback>
-            </mc:AlternateContent>
+          <a:graphicData uri="http://schemas.openxmlformats.org/drawingml/2006/chart">
+            <c:chart xmlns:c="http://schemas.openxmlformats.org/drawingml/2006/chart" xmlns:r="http://schemas.openxmlformats.org/officeDocument/2006/relationships" r:id="rId2"/>
           </a:graphicData>
         </a:graphic>
       </p:graphicFrame>
@@ -8037,86 +11398,35 @@
           </a:p>
         </p:txBody>
       </p:sp>
-      <p:sp>
-        <p:nvSpPr>
-          <p:cNvPr id="4" name="Inhaltsplatzhalter 3"/>
-          <p:cNvSpPr>
-            <a:spLocks noGrp="1"/>
-          </p:cNvSpPr>
+      <p:graphicFrame>
+        <p:nvGraphicFramePr>
+          <p:cNvPr id="7" name="Inhaltsplatzhalter 6"/>
+          <p:cNvGraphicFramePr>
+            <a:graphicFrameLocks noGrp="1"/>
+          </p:cNvGraphicFramePr>
           <p:nvPr>
             <p:ph idx="1"/>
-          </p:nvPr>
-        </p:nvSpPr>
-        <p:spPr/>
-        <p:txBody>
-          <a:bodyPr/>
-          <a:lstStyle/>
-          <a:p>
-            <a:endParaRPr lang="de-DE"/>
-          </a:p>
-        </p:txBody>
-      </p:sp>
-      <p:graphicFrame>
-        <p:nvGraphicFramePr>
-          <p:cNvPr id="3" name="Objekt 2"/>
-          <p:cNvGraphicFramePr>
-            <a:graphicFrameLocks noChangeAspect="1"/>
-          </p:cNvGraphicFramePr>
-          <p:nvPr>
             <p:extLst>
               <p:ext uri="{D42A27DB-BD31-4B8C-83A1-F6EECF244321}">
-                <p14:modId xmlns:p14="http://schemas.microsoft.com/office/powerpoint/2010/main" val="832489196"/>
+                <p14:modId xmlns:p14="http://schemas.microsoft.com/office/powerpoint/2010/main" val="3974189253"/>
               </p:ext>
             </p:extLst>
           </p:nvPr>
         </p:nvGraphicFramePr>
         <p:xfrm>
           <a:off x="972000" y="1386000"/>
-          <a:ext cx="8719200" cy="6228000"/>
+          <a:ext cx="10231200" cy="5328000"/>
         </p:xfrm>
         <a:graphic>
-          <a:graphicData uri="http://schemas.openxmlformats.org/presentationml/2006/ole">
-            <mc:AlternateContent xmlns:mc="http://schemas.openxmlformats.org/markup-compatibility/2006">
-              <mc:Choice xmlns:v="urn:schemas-microsoft-com:vml" Requires="v">
-                <p:oleObj spid="_x0000_s2055" name="Acrobat Document" r:id="rId3" imgW="4800253" imgH="3428735" progId="AcroExch.Document.7">
-                  <p:embed/>
-                </p:oleObj>
-              </mc:Choice>
-              <mc:Fallback>
-                <p:oleObj name="Acrobat Document" r:id="rId3" imgW="4800253" imgH="3428735" progId="AcroExch.Document.7">
-                  <p:embed/>
-                  <p:pic>
-                    <p:nvPicPr>
-                      <p:cNvPr id="0" name=""/>
-                      <p:cNvPicPr/>
-                      <p:nvPr/>
-                    </p:nvPicPr>
-                    <p:blipFill>
-                      <a:blip r:embed="rId4"/>
-                      <a:stretch>
-                        <a:fillRect/>
-                      </a:stretch>
-                    </p:blipFill>
-                    <p:spPr>
-                      <a:xfrm>
-                        <a:off x="972000" y="1386000"/>
-                        <a:ext cx="8719200" cy="6228000"/>
-                      </a:xfrm>
-                      <a:prstGeom prst="rect">
-                        <a:avLst/>
-                      </a:prstGeom>
-                    </p:spPr>
-                  </p:pic>
-                </p:oleObj>
-              </mc:Fallback>
-            </mc:AlternateContent>
+          <a:graphicData uri="http://schemas.openxmlformats.org/drawingml/2006/chart">
+            <c:chart xmlns:c="http://schemas.openxmlformats.org/drawingml/2006/chart" xmlns:r="http://schemas.openxmlformats.org/officeDocument/2006/relationships" r:id="rId2"/>
           </a:graphicData>
         </a:graphic>
       </p:graphicFrame>
     </p:spTree>
     <p:extLst>
       <p:ext uri="{BB962C8B-B14F-4D97-AF65-F5344CB8AC3E}">
-        <p14:creationId xmlns:p14="http://schemas.microsoft.com/office/powerpoint/2010/main" val="3303653968"/>
+        <p14:creationId xmlns:p14="http://schemas.microsoft.com/office/powerpoint/2010/main" val="762957527"/>
       </p:ext>
     </p:extLst>
   </p:cSld>
@@ -8181,86 +11491,35 @@
           </a:p>
         </p:txBody>
       </p:sp>
-      <p:sp>
-        <p:nvSpPr>
-          <p:cNvPr id="4" name="Inhaltsplatzhalter 3"/>
-          <p:cNvSpPr>
-            <a:spLocks noGrp="1"/>
-          </p:cNvSpPr>
+      <p:graphicFrame>
+        <p:nvGraphicFramePr>
+          <p:cNvPr id="7" name="Inhaltsplatzhalter 6"/>
+          <p:cNvGraphicFramePr>
+            <a:graphicFrameLocks noGrp="1"/>
+          </p:cNvGraphicFramePr>
           <p:nvPr>
             <p:ph idx="1"/>
-          </p:nvPr>
-        </p:nvSpPr>
-        <p:spPr/>
-        <p:txBody>
-          <a:bodyPr/>
-          <a:lstStyle/>
-          <a:p>
-            <a:endParaRPr lang="de-DE"/>
-          </a:p>
-        </p:txBody>
-      </p:sp>
-      <p:graphicFrame>
-        <p:nvGraphicFramePr>
-          <p:cNvPr id="5" name="Objekt 4"/>
-          <p:cNvGraphicFramePr>
-            <a:graphicFrameLocks noChangeAspect="1"/>
-          </p:cNvGraphicFramePr>
-          <p:nvPr>
             <p:extLst>
               <p:ext uri="{D42A27DB-BD31-4B8C-83A1-F6EECF244321}">
-                <p14:modId xmlns:p14="http://schemas.microsoft.com/office/powerpoint/2010/main" val="2606393692"/>
+                <p14:modId xmlns:p14="http://schemas.microsoft.com/office/powerpoint/2010/main" val="1906825942"/>
               </p:ext>
             </p:extLst>
           </p:nvPr>
         </p:nvGraphicFramePr>
         <p:xfrm>
-          <a:off x="972000" y="1386840"/>
-          <a:ext cx="8719200" cy="6228000"/>
+          <a:off x="972000" y="1386000"/>
+          <a:ext cx="10231200" cy="5328000"/>
         </p:xfrm>
         <a:graphic>
-          <a:graphicData uri="http://schemas.openxmlformats.org/presentationml/2006/ole">
-            <mc:AlternateContent xmlns:mc="http://schemas.openxmlformats.org/markup-compatibility/2006">
-              <mc:Choice xmlns:v="urn:schemas-microsoft-com:vml" Requires="v">
-                <p:oleObj spid="_x0000_s3079" name="Acrobat Document" r:id="rId3" imgW="4800253" imgH="3428735" progId="AcroExch.Document.7">
-                  <p:embed/>
-                </p:oleObj>
-              </mc:Choice>
-              <mc:Fallback>
-                <p:oleObj name="Acrobat Document" r:id="rId3" imgW="4800253" imgH="3428735" progId="AcroExch.Document.7">
-                  <p:embed/>
-                  <p:pic>
-                    <p:nvPicPr>
-                      <p:cNvPr id="5" name="Objekt 4"/>
-                      <p:cNvPicPr/>
-                      <p:nvPr/>
-                    </p:nvPicPr>
-                    <p:blipFill>
-                      <a:blip r:embed="rId4"/>
-                      <a:stretch>
-                        <a:fillRect/>
-                      </a:stretch>
-                    </p:blipFill>
-                    <p:spPr>
-                      <a:xfrm>
-                        <a:off x="972000" y="1386840"/>
-                        <a:ext cx="8719200" cy="6228000"/>
-                      </a:xfrm>
-                      <a:prstGeom prst="rect">
-                        <a:avLst/>
-                      </a:prstGeom>
-                    </p:spPr>
-                  </p:pic>
-                </p:oleObj>
-              </mc:Fallback>
-            </mc:AlternateContent>
+          <a:graphicData uri="http://schemas.openxmlformats.org/drawingml/2006/chart">
+            <c:chart xmlns:c="http://schemas.openxmlformats.org/drawingml/2006/chart" xmlns:r="http://schemas.openxmlformats.org/officeDocument/2006/relationships" r:id="rId2"/>
           </a:graphicData>
         </a:graphic>
       </p:graphicFrame>
     </p:spTree>
     <p:extLst>
       <p:ext uri="{BB962C8B-B14F-4D97-AF65-F5344CB8AC3E}">
-        <p14:creationId xmlns:p14="http://schemas.microsoft.com/office/powerpoint/2010/main" val="1919137672"/>
+        <p14:creationId xmlns:p14="http://schemas.microsoft.com/office/powerpoint/2010/main" val="2783193995"/>
       </p:ext>
     </p:extLst>
   </p:cSld>

--- a/presentation/Resync Studie.pptx
+++ b/presentation/Resync Studie.pptx
@@ -11133,8 +11133,8 @@
           </a:graphicData>
         </a:graphic>
       </p:graphicFrame>
-      <mc:AlternateContent xmlns:mc="http://schemas.openxmlformats.org/markup-compatibility/2006">
-        <mc:Choice xmlns:cx="http://schemas.microsoft.com/office/drawing/2014/chartex" Requires="cx">
+      <mc:AlternateContent xmlns:mc="http://schemas.openxmlformats.org/markup-compatibility/2006" xmlns:cx="http://schemas.microsoft.com/office/drawing/2014/chartex">
+        <mc:Choice Requires="cx">
           <p:graphicFrame>
             <p:nvGraphicFramePr>
               <p:cNvPr id="15" name="Diagramm 14"/>
@@ -11158,7 +11158,7 @@
             </a:graphic>
           </p:graphicFrame>
         </mc:Choice>
-        <mc:Fallback>
+        <mc:Fallback xmlns="">
           <p:pic>
             <p:nvPicPr>
               <p:cNvPr id="15" name="Diagramm 14"/>
@@ -11185,8 +11185,8 @@
           </p:pic>
         </mc:Fallback>
       </mc:AlternateContent>
-      <mc:AlternateContent xmlns:mc="http://schemas.openxmlformats.org/markup-compatibility/2006">
-        <mc:Choice xmlns:cx="http://schemas.microsoft.com/office/drawing/2014/chartex" Requires="cx">
+      <mc:AlternateContent xmlns:mc="http://schemas.openxmlformats.org/markup-compatibility/2006" xmlns:cx="http://schemas.microsoft.com/office/drawing/2014/chartex">
+        <mc:Choice Requires="cx">
           <p:graphicFrame>
             <p:nvGraphicFramePr>
               <p:cNvPr id="21" name="Diagramm 20"/>
@@ -11210,7 +11210,7 @@
             </a:graphic>
           </p:graphicFrame>
         </mc:Choice>
-        <mc:Fallback>
+        <mc:Fallback xmlns="">
           <p:pic>
             <p:nvPicPr>
               <p:cNvPr id="21" name="Diagramm 20"/>
@@ -11301,7 +11301,6 @@
               <a:rPr lang="de-DE" sz="2400" dirty="0"/>
               <a:t>)</a:t>
             </a:r>
-            <a:endParaRPr lang="de-DE" sz="2400" dirty="0"/>
           </a:p>
         </p:txBody>
       </p:sp>
@@ -11394,7 +11393,6 @@
               <a:rPr lang="de-DE" sz="2400" dirty="0"/>
               <a:t>)</a:t>
             </a:r>
-            <a:endParaRPr lang="de-DE" sz="2400" dirty="0"/>
           </a:p>
         </p:txBody>
       </p:sp>
@@ -11487,7 +11485,6 @@
               <a:rPr lang="de-DE" sz="2400" dirty="0"/>
               <a:t>)</a:t>
             </a:r>
-            <a:endParaRPr lang="de-DE" sz="2400" dirty="0"/>
           </a:p>
         </p:txBody>
       </p:sp>
@@ -11588,7 +11585,6 @@
               <a:rPr lang="de-DE" sz="2400" dirty="0"/>
               <a:t>)</a:t>
             </a:r>
-            <a:endParaRPr lang="de-DE" sz="2400" dirty="0"/>
           </a:p>
         </p:txBody>
       </p:sp>
@@ -13386,32 +13382,20 @@
               <a:buNone/>
             </a:pPr>
             <a:r>
-              <a:rPr lang="de-DE" sz="2000" dirty="0">
+              <a:rPr lang="de-DE" sz="2000" dirty="0" smtClean="0">
                 <a:solidFill>
                   <a:srgbClr val="CDB380"/>
                 </a:solidFill>
                 <a:latin typeface="Futura Lt BT" panose="020B0402020204020303" pitchFamily="34" charset="0"/>
               </a:rPr>
-              <a:t>5 </a:t>
-            </a:r>
-            <a:r>
-              <a:rPr lang="de-DE" sz="2000" dirty="0" err="1">
-                <a:solidFill>
-                  <a:srgbClr val="CDB380"/>
-                </a:solidFill>
-                <a:latin typeface="Futura Lt BT" panose="020B0402020204020303" pitchFamily="34" charset="0"/>
-              </a:rPr>
-              <a:t>seconds</a:t>
-            </a:r>
-            <a:r>
-              <a:rPr lang="de-DE" sz="2000" dirty="0">
-                <a:solidFill>
-                  <a:srgbClr val="CDB380"/>
-                </a:solidFill>
-                <a:latin typeface="Futura Lt BT" panose="020B0402020204020303" pitchFamily="34" charset="0"/>
-              </a:rPr>
-              <a:t> fade</a:t>
-            </a:r>
+              <a:t>Alarm</a:t>
+            </a:r>
+            <a:endParaRPr lang="de-DE" sz="2000" dirty="0">
+              <a:solidFill>
+                <a:srgbClr val="CDB380"/>
+              </a:solidFill>
+              <a:latin typeface="Futura Lt BT" panose="020B0402020204020303" pitchFamily="34" charset="0"/>
+            </a:endParaRPr>
           </a:p>
         </p:txBody>
       </p:sp>
@@ -13606,32 +13590,20 @@
               <a:buNone/>
             </a:pPr>
             <a:r>
-              <a:rPr lang="de-DE" sz="2000" dirty="0">
+              <a:rPr lang="de-DE" sz="2000" dirty="0" smtClean="0">
                 <a:solidFill>
                   <a:srgbClr val="CDB380"/>
                 </a:solidFill>
                 <a:latin typeface="Futura Lt BT" panose="020B0402020204020303" pitchFamily="34" charset="0"/>
               </a:rPr>
-              <a:t>20 </a:t>
-            </a:r>
-            <a:r>
-              <a:rPr lang="de-DE" sz="2000" dirty="0" err="1">
-                <a:solidFill>
-                  <a:srgbClr val="CDB380"/>
-                </a:solidFill>
-                <a:latin typeface="Futura Lt BT" panose="020B0402020204020303" pitchFamily="34" charset="0"/>
-              </a:rPr>
-              <a:t>seconds</a:t>
-            </a:r>
-            <a:r>
-              <a:rPr lang="de-DE" sz="2000" dirty="0">
-                <a:solidFill>
-                  <a:srgbClr val="CDB380"/>
-                </a:solidFill>
-                <a:latin typeface="Futura Lt BT" panose="020B0402020204020303" pitchFamily="34" charset="0"/>
-              </a:rPr>
-              <a:t> fade</a:t>
-            </a:r>
+              <a:t>Fade 20</a:t>
+            </a:r>
+            <a:endParaRPr lang="de-DE" sz="2000" dirty="0">
+              <a:solidFill>
+                <a:srgbClr val="CDB380"/>
+              </a:solidFill>
+              <a:latin typeface="Futura Lt BT" panose="020B0402020204020303" pitchFamily="34" charset="0"/>
+            </a:endParaRPr>
           </a:p>
         </p:txBody>
       </p:sp>
@@ -13831,13 +13803,13 @@
               <a:buNone/>
             </a:pPr>
             <a:r>
-              <a:rPr lang="de-DE" sz="2000" dirty="0" err="1">
+              <a:rPr lang="de-DE" sz="2000" dirty="0" smtClean="0">
                 <a:solidFill>
                   <a:srgbClr val="CDB380"/>
                 </a:solidFill>
                 <a:latin typeface="Futura Lt BT" panose="020B0402020204020303" pitchFamily="34" charset="0"/>
               </a:rPr>
-              <a:t>alarm</a:t>
+              <a:t>Fade 5</a:t>
             </a:r>
             <a:endParaRPr lang="de-DE" sz="2000" dirty="0">
               <a:solidFill>

--- a/presentation/Resync Studie.pptx
+++ b/presentation/Resync Studie.pptx
@@ -5,32 +5,47 @@
     <p:sldMasterId id="2147483648" r:id="rId1"/>
   </p:sldMasterIdLst>
   <p:notesMasterIdLst>
-    <p:notesMasterId r:id="rId25"/>
+    <p:notesMasterId r:id="rId40"/>
   </p:notesMasterIdLst>
   <p:sldIdLst>
     <p:sldId id="256" r:id="rId2"/>
-    <p:sldId id="268" r:id="rId3"/>
-    <p:sldId id="257" r:id="rId4"/>
-    <p:sldId id="258" r:id="rId5"/>
-    <p:sldId id="269" r:id="rId6"/>
-    <p:sldId id="270" r:id="rId7"/>
-    <p:sldId id="271" r:id="rId8"/>
-    <p:sldId id="259" r:id="rId9"/>
-    <p:sldId id="260" r:id="rId10"/>
-    <p:sldId id="273" r:id="rId11"/>
-    <p:sldId id="272" r:id="rId12"/>
-    <p:sldId id="278" r:id="rId13"/>
-    <p:sldId id="265" r:id="rId14"/>
-    <p:sldId id="264" r:id="rId15"/>
-    <p:sldId id="279" r:id="rId16"/>
+    <p:sldId id="257" r:id="rId3"/>
+    <p:sldId id="258" r:id="rId4"/>
+    <p:sldId id="269" r:id="rId5"/>
+    <p:sldId id="270" r:id="rId6"/>
+    <p:sldId id="260" r:id="rId7"/>
+    <p:sldId id="273" r:id="rId8"/>
+    <p:sldId id="272" r:id="rId9"/>
+    <p:sldId id="278" r:id="rId10"/>
+    <p:sldId id="259" r:id="rId11"/>
+    <p:sldId id="265" r:id="rId12"/>
+    <p:sldId id="264" r:id="rId13"/>
+    <p:sldId id="289" r:id="rId14"/>
+    <p:sldId id="279" r:id="rId15"/>
+    <p:sldId id="287" r:id="rId16"/>
     <p:sldId id="285" r:id="rId17"/>
-    <p:sldId id="286" r:id="rId18"/>
-    <p:sldId id="280" r:id="rId19"/>
-    <p:sldId id="274" r:id="rId20"/>
-    <p:sldId id="275" r:id="rId21"/>
-    <p:sldId id="276" r:id="rId22"/>
-    <p:sldId id="277" r:id="rId23"/>
-    <p:sldId id="267" r:id="rId24"/>
+    <p:sldId id="288" r:id="rId18"/>
+    <p:sldId id="286" r:id="rId19"/>
+    <p:sldId id="290" r:id="rId20"/>
+    <p:sldId id="280" r:id="rId21"/>
+    <p:sldId id="291" r:id="rId22"/>
+    <p:sldId id="292" r:id="rId23"/>
+    <p:sldId id="274" r:id="rId24"/>
+    <p:sldId id="275" r:id="rId25"/>
+    <p:sldId id="276" r:id="rId26"/>
+    <p:sldId id="277" r:id="rId27"/>
+    <p:sldId id="267" r:id="rId28"/>
+    <p:sldId id="293" r:id="rId29"/>
+    <p:sldId id="295" r:id="rId30"/>
+    <p:sldId id="294" r:id="rId31"/>
+    <p:sldId id="296" r:id="rId32"/>
+    <p:sldId id="297" r:id="rId33"/>
+    <p:sldId id="298" r:id="rId34"/>
+    <p:sldId id="299" r:id="rId35"/>
+    <p:sldId id="300" r:id="rId36"/>
+    <p:sldId id="301" r:id="rId37"/>
+    <p:sldId id="302" r:id="rId38"/>
+    <p:sldId id="303" r:id="rId39"/>
   </p:sldIdLst>
   <p:sldSz cx="12192000" cy="6858000"/>
   <p:notesSz cx="6858000" cy="9144000"/>
@@ -6408,7 +6423,7 @@
           <a:p>
             <a:fld id="{346CE5F2-0935-43F4-9601-8E8617C23CFE}" type="datetimeFigureOut">
               <a:rPr lang="de-DE" smtClean="0"/>
-              <a:t>18.01.2020</a:t>
+              <a:t>19.01.2020</a:t>
             </a:fld>
             <a:endParaRPr lang="de-DE"/>
           </a:p>
@@ -6741,7 +6756,7 @@
           <a:p>
             <a:fld id="{E122D142-E42D-4994-9E2C-07523AF9A7C9}" type="slidenum">
               <a:rPr lang="de-DE" smtClean="0"/>
-              <a:t>12</a:t>
+              <a:t>9</a:t>
             </a:fld>
             <a:endParaRPr lang="de-DE"/>
           </a:p>
@@ -6889,7 +6904,7 @@
           <a:p>
             <a:fld id="{41257651-B64F-43FB-9868-05B8EA16BD84}" type="datetimeFigureOut">
               <a:rPr lang="de-DE" smtClean="0"/>
-              <a:t>18.01.2020</a:t>
+              <a:t>19.01.2020</a:t>
             </a:fld>
             <a:endParaRPr lang="de-DE"/>
           </a:p>
@@ -7064,7 +7079,7 @@
           <a:p>
             <a:fld id="{41257651-B64F-43FB-9868-05B8EA16BD84}" type="datetimeFigureOut">
               <a:rPr lang="de-DE" smtClean="0"/>
-              <a:t>18.01.2020</a:t>
+              <a:t>19.01.2020</a:t>
             </a:fld>
             <a:endParaRPr lang="de-DE"/>
           </a:p>
@@ -7242,7 +7257,7 @@
           <a:p>
             <a:fld id="{41257651-B64F-43FB-9868-05B8EA16BD84}" type="datetimeFigureOut">
               <a:rPr lang="de-DE" smtClean="0"/>
-              <a:t>18.01.2020</a:t>
+              <a:t>19.01.2020</a:t>
             </a:fld>
             <a:endParaRPr lang="de-DE"/>
           </a:p>
@@ -7459,7 +7474,7 @@
           <a:p>
             <a:fld id="{41257651-B64F-43FB-9868-05B8EA16BD84}" type="datetimeFigureOut">
               <a:rPr lang="de-DE" smtClean="0"/>
-              <a:t>18.01.2020</a:t>
+              <a:t>19.01.2020</a:t>
             </a:fld>
             <a:endParaRPr lang="de-DE"/>
           </a:p>
@@ -7760,7 +7775,7 @@
           <a:p>
             <a:fld id="{41257651-B64F-43FB-9868-05B8EA16BD84}" type="datetimeFigureOut">
               <a:rPr lang="de-DE" smtClean="0"/>
-              <a:t>18.01.2020</a:t>
+              <a:t>19.01.2020</a:t>
             </a:fld>
             <a:endParaRPr lang="de-DE"/>
           </a:p>
@@ -7989,7 +8004,7 @@
           <a:p>
             <a:fld id="{41257651-B64F-43FB-9868-05B8EA16BD84}" type="datetimeFigureOut">
               <a:rPr lang="de-DE" smtClean="0"/>
-              <a:t>18.01.2020</a:t>
+              <a:t>19.01.2020</a:t>
             </a:fld>
             <a:endParaRPr lang="de-DE"/>
           </a:p>
@@ -8353,7 +8368,7 @@
           <a:p>
             <a:fld id="{41257651-B64F-43FB-9868-05B8EA16BD84}" type="datetimeFigureOut">
               <a:rPr lang="de-DE" smtClean="0"/>
-              <a:t>18.01.2020</a:t>
+              <a:t>19.01.2020</a:t>
             </a:fld>
             <a:endParaRPr lang="de-DE"/>
           </a:p>
@@ -8470,7 +8485,7 @@
           <a:p>
             <a:fld id="{41257651-B64F-43FB-9868-05B8EA16BD84}" type="datetimeFigureOut">
               <a:rPr lang="de-DE" smtClean="0"/>
-              <a:t>18.01.2020</a:t>
+              <a:t>19.01.2020</a:t>
             </a:fld>
             <a:endParaRPr lang="de-DE"/>
           </a:p>
@@ -8565,7 +8580,7 @@
           <a:p>
             <a:fld id="{41257651-B64F-43FB-9868-05B8EA16BD84}" type="datetimeFigureOut">
               <a:rPr lang="de-DE" smtClean="0"/>
-              <a:t>18.01.2020</a:t>
+              <a:t>19.01.2020</a:t>
             </a:fld>
             <a:endParaRPr lang="de-DE"/>
           </a:p>
@@ -8840,7 +8855,7 @@
           <a:p>
             <a:fld id="{41257651-B64F-43FB-9868-05B8EA16BD84}" type="datetimeFigureOut">
               <a:rPr lang="de-DE" smtClean="0"/>
-              <a:t>18.01.2020</a:t>
+              <a:t>19.01.2020</a:t>
             </a:fld>
             <a:endParaRPr lang="de-DE"/>
           </a:p>
@@ -9092,7 +9107,7 @@
           <a:p>
             <a:fld id="{41257651-B64F-43FB-9868-05B8EA16BD84}" type="datetimeFigureOut">
               <a:rPr lang="de-DE" smtClean="0"/>
-              <a:t>18.01.2020</a:t>
+              <a:t>19.01.2020</a:t>
             </a:fld>
             <a:endParaRPr lang="de-DE"/>
           </a:p>
@@ -9314,7 +9329,7 @@
             <a:fld id="{41257651-B64F-43FB-9868-05B8EA16BD84}" type="datetimeFigureOut">
               <a:rPr lang="de-DE" smtClean="0"/>
               <a:pPr/>
-              <a:t>18.01.2020</a:t>
+              <a:t>19.01.2020</a:t>
             </a:fld>
             <a:endParaRPr lang="de-DE"/>
           </a:p>
@@ -10642,2397 +10657,6 @@
           <a:p>
             <a:r>
               <a:rPr lang="de-DE" dirty="0"/>
-              <a:t>Aufgaben </a:t>
-            </a:r>
-            <a:r>
-              <a:rPr lang="de-DE" sz="2400" dirty="0"/>
-              <a:t>(2/4)</a:t>
-            </a:r>
-          </a:p>
-        </p:txBody>
-      </p:sp>
-      <p:pic>
-        <p:nvPicPr>
-          <p:cNvPr id="9" name="Inhaltsplatzhalter 8">
-            <a:extLst>
-              <a:ext uri="{FF2B5EF4-FFF2-40B4-BE49-F238E27FC236}">
-                <a16:creationId xmlns:a16="http://schemas.microsoft.com/office/drawing/2014/main" id="{5E2E5E09-3C09-46C6-861F-AE1C45040B82}"/>
-              </a:ext>
-            </a:extLst>
-          </p:cNvPr>
-          <p:cNvPicPr>
-            <a:picLocks noGrp="1" noChangeAspect="1"/>
-          </p:cNvPicPr>
-          <p:nvPr>
-            <p:ph idx="1"/>
-          </p:nvPr>
-        </p:nvPicPr>
-        <p:blipFill>
-          <a:blip r:embed="rId2">
-            <a:extLst>
-              <a:ext uri="{28A0092B-C50C-407E-A947-70E740481C1C}">
-                <a14:useLocalDpi xmlns:a14="http://schemas.microsoft.com/office/drawing/2010/main" val="0"/>
-              </a:ext>
-            </a:extLst>
-          </a:blip>
-          <a:srcRect/>
-          <a:stretch/>
-        </p:blipFill>
-        <p:spPr>
-          <a:xfrm>
-            <a:off x="1572016" y="1418096"/>
-            <a:ext cx="9047967" cy="5742598"/>
-          </a:xfrm>
-        </p:spPr>
-      </p:pic>
-    </p:spTree>
-    <p:extLst>
-      <p:ext uri="{BB962C8B-B14F-4D97-AF65-F5344CB8AC3E}">
-        <p14:creationId xmlns:p14="http://schemas.microsoft.com/office/powerpoint/2010/main" val="1151443220"/>
-      </p:ext>
-    </p:extLst>
-  </p:cSld>
-  <p:clrMapOvr>
-    <a:masterClrMapping/>
-  </p:clrMapOvr>
-  <p:timing>
-    <p:tnLst>
-      <p:par>
-        <p:cTn id="1" dur="indefinite" restart="never" nodeType="tmRoot"/>
-      </p:par>
-    </p:tnLst>
-  </p:timing>
-</p:sld>
-</file>
-
-<file path=ppt/slides/slide11.xml><?xml version="1.0" encoding="utf-8"?>
-<p:sld xmlns:a="http://schemas.openxmlformats.org/drawingml/2006/main" xmlns:r="http://schemas.openxmlformats.org/officeDocument/2006/relationships" xmlns:p="http://schemas.openxmlformats.org/presentationml/2006/main">
-  <p:cSld>
-    <p:spTree>
-      <p:nvGrpSpPr>
-        <p:cNvPr id="1" name=""/>
-        <p:cNvGrpSpPr/>
-        <p:nvPr/>
-      </p:nvGrpSpPr>
-      <p:grpSpPr>
-        <a:xfrm>
-          <a:off x="0" y="0"/>
-          <a:ext cx="0" cy="0"/>
-          <a:chOff x="0" y="0"/>
-          <a:chExt cx="0" cy="0"/>
-        </a:xfrm>
-      </p:grpSpPr>
-      <p:sp>
-        <p:nvSpPr>
-          <p:cNvPr id="2" name="Titel 1"/>
-          <p:cNvSpPr>
-            <a:spLocks noGrp="1"/>
-          </p:cNvSpPr>
-          <p:nvPr>
-            <p:ph type="title"/>
-          </p:nvPr>
-        </p:nvSpPr>
-        <p:spPr/>
-        <p:txBody>
-          <a:bodyPr/>
-          <a:lstStyle/>
-          <a:p>
-            <a:r>
-              <a:rPr lang="de-DE" dirty="0"/>
-              <a:t>Aufgaben </a:t>
-            </a:r>
-            <a:r>
-              <a:rPr lang="de-DE" sz="2400" dirty="0"/>
-              <a:t>(3/4)</a:t>
-            </a:r>
-          </a:p>
-        </p:txBody>
-      </p:sp>
-      <p:pic>
-        <p:nvPicPr>
-          <p:cNvPr id="9" name="Inhaltsplatzhalter 8">
-            <a:extLst>
-              <a:ext uri="{FF2B5EF4-FFF2-40B4-BE49-F238E27FC236}">
-                <a16:creationId xmlns:a16="http://schemas.microsoft.com/office/drawing/2014/main" id="{5E2E5E09-3C09-46C6-861F-AE1C45040B82}"/>
-              </a:ext>
-            </a:extLst>
-          </p:cNvPr>
-          <p:cNvPicPr>
-            <a:picLocks noGrp="1" noChangeAspect="1"/>
-          </p:cNvPicPr>
-          <p:nvPr>
-            <p:ph idx="1"/>
-          </p:nvPr>
-        </p:nvPicPr>
-        <p:blipFill>
-          <a:blip r:embed="rId2">
-            <a:extLst>
-              <a:ext uri="{28A0092B-C50C-407E-A947-70E740481C1C}">
-                <a14:useLocalDpi xmlns:a14="http://schemas.microsoft.com/office/drawing/2010/main" val="0"/>
-              </a:ext>
-            </a:extLst>
-          </a:blip>
-          <a:srcRect/>
-          <a:stretch/>
-        </p:blipFill>
-        <p:spPr>
-          <a:xfrm>
-            <a:off x="1572016" y="1418096"/>
-            <a:ext cx="9047967" cy="5742598"/>
-          </a:xfrm>
-        </p:spPr>
-      </p:pic>
-    </p:spTree>
-    <p:extLst>
-      <p:ext uri="{BB962C8B-B14F-4D97-AF65-F5344CB8AC3E}">
-        <p14:creationId xmlns:p14="http://schemas.microsoft.com/office/powerpoint/2010/main" val="763508232"/>
-      </p:ext>
-    </p:extLst>
-  </p:cSld>
-  <p:clrMapOvr>
-    <a:masterClrMapping/>
-  </p:clrMapOvr>
-  <p:timing>
-    <p:tnLst>
-      <p:par>
-        <p:cTn id="1" dur="indefinite" restart="never" nodeType="tmRoot"/>
-      </p:par>
-    </p:tnLst>
-  </p:timing>
-</p:sld>
-</file>
-
-<file path=ppt/slides/slide12.xml><?xml version="1.0" encoding="utf-8"?>
-<p:sld xmlns:a="http://schemas.openxmlformats.org/drawingml/2006/main" xmlns:r="http://schemas.openxmlformats.org/officeDocument/2006/relationships" xmlns:p="http://schemas.openxmlformats.org/presentationml/2006/main">
-  <p:cSld>
-    <p:spTree>
-      <p:nvGrpSpPr>
-        <p:cNvPr id="1" name=""/>
-        <p:cNvGrpSpPr/>
-        <p:nvPr/>
-      </p:nvGrpSpPr>
-      <p:grpSpPr>
-        <a:xfrm>
-          <a:off x="0" y="0"/>
-          <a:ext cx="0" cy="0"/>
-          <a:chOff x="0" y="0"/>
-          <a:chExt cx="0" cy="0"/>
-        </a:xfrm>
-      </p:grpSpPr>
-      <p:sp>
-        <p:nvSpPr>
-          <p:cNvPr id="2" name="Titel 1"/>
-          <p:cNvSpPr>
-            <a:spLocks noGrp="1"/>
-          </p:cNvSpPr>
-          <p:nvPr>
-            <p:ph type="title"/>
-          </p:nvPr>
-        </p:nvSpPr>
-        <p:spPr/>
-        <p:txBody>
-          <a:bodyPr/>
-          <a:lstStyle/>
-          <a:p>
-            <a:r>
-              <a:rPr lang="de-DE" dirty="0"/>
-              <a:t>Aufgaben </a:t>
-            </a:r>
-            <a:r>
-              <a:rPr lang="de-DE" sz="2400" dirty="0" smtClean="0"/>
-              <a:t>(</a:t>
-            </a:r>
-            <a:r>
-              <a:rPr lang="de-DE" sz="2400" dirty="0"/>
-              <a:t>4</a:t>
-            </a:r>
-            <a:r>
-              <a:rPr lang="de-DE" sz="2400" dirty="0" smtClean="0"/>
-              <a:t>/5)</a:t>
-            </a:r>
-            <a:endParaRPr lang="de-DE" sz="2400" dirty="0"/>
-          </a:p>
-        </p:txBody>
-      </p:sp>
-      <p:pic>
-        <p:nvPicPr>
-          <p:cNvPr id="4" name="Inhaltsplatzhalter 3"/>
-          <p:cNvPicPr>
-            <a:picLocks noGrp="1" noChangeAspect="1"/>
-          </p:cNvPicPr>
-          <p:nvPr>
-            <p:ph idx="1"/>
-          </p:nvPr>
-        </p:nvPicPr>
-        <p:blipFill>
-          <a:blip r:embed="rId3" cstate="print">
-            <a:extLst>
-              <a:ext uri="{28A0092B-C50C-407E-A947-70E740481C1C}">
-                <a14:useLocalDpi xmlns:a14="http://schemas.microsoft.com/office/drawing/2010/main" val="0"/>
-              </a:ext>
-            </a:extLst>
-          </a:blip>
-          <a:stretch>
-            <a:fillRect/>
-          </a:stretch>
-        </p:blipFill>
-        <p:spPr>
-          <a:xfrm>
-            <a:off x="1927432" y="1481294"/>
-            <a:ext cx="3970481" cy="2520000"/>
-          </a:xfrm>
-        </p:spPr>
-      </p:pic>
-      <p:pic>
-        <p:nvPicPr>
-          <p:cNvPr id="5" name="Grafik 4"/>
-          <p:cNvPicPr>
-            <a:picLocks noChangeAspect="1"/>
-          </p:cNvPicPr>
-          <p:nvPr/>
-        </p:nvPicPr>
-        <p:blipFill>
-          <a:blip r:embed="rId4" cstate="print">
-            <a:extLst>
-              <a:ext uri="{28A0092B-C50C-407E-A947-70E740481C1C}">
-                <a14:useLocalDpi xmlns:a14="http://schemas.microsoft.com/office/drawing/2010/main" val="0"/>
-              </a:ext>
-            </a:extLst>
-          </a:blip>
-          <a:stretch>
-            <a:fillRect/>
-          </a:stretch>
-        </p:blipFill>
-        <p:spPr>
-          <a:xfrm>
-            <a:off x="5971945" y="1481294"/>
-            <a:ext cx="3970481" cy="2520000"/>
-          </a:xfrm>
-          <a:prstGeom prst="rect">
-            <a:avLst/>
-          </a:prstGeom>
-        </p:spPr>
-      </p:pic>
-      <p:pic>
-        <p:nvPicPr>
-          <p:cNvPr id="6" name="Grafik 5"/>
-          <p:cNvPicPr>
-            <a:picLocks noChangeAspect="1"/>
-          </p:cNvPicPr>
-          <p:nvPr/>
-        </p:nvPicPr>
-        <p:blipFill>
-          <a:blip r:embed="rId5" cstate="print">
-            <a:extLst>
-              <a:ext uri="{28A0092B-C50C-407E-A947-70E740481C1C}">
-                <a14:useLocalDpi xmlns:a14="http://schemas.microsoft.com/office/drawing/2010/main" val="0"/>
-              </a:ext>
-            </a:extLst>
-          </a:blip>
-          <a:stretch>
-            <a:fillRect/>
-          </a:stretch>
-        </p:blipFill>
-        <p:spPr>
-          <a:xfrm>
-            <a:off x="1927432" y="4088130"/>
-            <a:ext cx="3970481" cy="2520000"/>
-          </a:xfrm>
-          <a:prstGeom prst="rect">
-            <a:avLst/>
-          </a:prstGeom>
-        </p:spPr>
-      </p:pic>
-    </p:spTree>
-    <p:extLst>
-      <p:ext uri="{BB962C8B-B14F-4D97-AF65-F5344CB8AC3E}">
-        <p14:creationId xmlns:p14="http://schemas.microsoft.com/office/powerpoint/2010/main" val="3637224668"/>
-      </p:ext>
-    </p:extLst>
-  </p:cSld>
-  <p:clrMapOvr>
-    <a:masterClrMapping/>
-  </p:clrMapOvr>
-  <p:timing>
-    <p:tnLst>
-      <p:par>
-        <p:cTn id="1" dur="indefinite" restart="never" nodeType="tmRoot"/>
-      </p:par>
-    </p:tnLst>
-  </p:timing>
-</p:sld>
-</file>
-
-<file path=ppt/slides/slide13.xml><?xml version="1.0" encoding="utf-8"?>
-<p:sld xmlns:a="http://schemas.openxmlformats.org/drawingml/2006/main" xmlns:r="http://schemas.openxmlformats.org/officeDocument/2006/relationships" xmlns:p="http://schemas.openxmlformats.org/presentationml/2006/main">
-  <p:cSld>
-    <p:spTree>
-      <p:nvGrpSpPr>
-        <p:cNvPr id="1" name=""/>
-        <p:cNvGrpSpPr/>
-        <p:nvPr/>
-      </p:nvGrpSpPr>
-      <p:grpSpPr>
-        <a:xfrm>
-          <a:off x="0" y="0"/>
-          <a:ext cx="0" cy="0"/>
-          <a:chOff x="0" y="0"/>
-          <a:chExt cx="0" cy="0"/>
-        </a:xfrm>
-      </p:grpSpPr>
-      <p:sp>
-        <p:nvSpPr>
-          <p:cNvPr id="5" name="Titel 4">
-            <a:extLst>
-              <a:ext uri="{FF2B5EF4-FFF2-40B4-BE49-F238E27FC236}">
-                <a16:creationId xmlns:a16="http://schemas.microsoft.com/office/drawing/2014/main" id="{D3B3AA58-6A5E-4BF4-8CA0-E6B0BBBF57BD}"/>
-              </a:ext>
-            </a:extLst>
-          </p:cNvPr>
-          <p:cNvSpPr>
-            <a:spLocks noGrp="1"/>
-          </p:cNvSpPr>
-          <p:nvPr>
-            <p:ph type="title"/>
-          </p:nvPr>
-        </p:nvSpPr>
-        <p:spPr/>
-        <p:txBody>
-          <a:bodyPr/>
-          <a:lstStyle/>
-          <a:p>
-            <a:r>
-              <a:rPr lang="de-DE" dirty="0"/>
-              <a:t>Aufgaben </a:t>
-            </a:r>
-            <a:r>
-              <a:rPr lang="de-DE" sz="2400" dirty="0" smtClean="0"/>
-              <a:t>(5/5)</a:t>
-            </a:r>
-            <a:endParaRPr lang="de-DE" sz="2400" dirty="0"/>
-          </a:p>
-        </p:txBody>
-      </p:sp>
-      <p:sp>
-        <p:nvSpPr>
-          <p:cNvPr id="3" name="Inhaltsplatzhalter 2">
-            <a:extLst>
-              <a:ext uri="{FF2B5EF4-FFF2-40B4-BE49-F238E27FC236}">
-                <a16:creationId xmlns:a16="http://schemas.microsoft.com/office/drawing/2014/main" id="{CA552B51-2B65-4706-BCBA-EFA42B1145C0}"/>
-              </a:ext>
-            </a:extLst>
-          </p:cNvPr>
-          <p:cNvSpPr>
-            <a:spLocks noGrp="1"/>
-          </p:cNvSpPr>
-          <p:nvPr>
-            <p:ph idx="1"/>
-          </p:nvPr>
-        </p:nvSpPr>
-        <p:spPr/>
-        <p:txBody>
-          <a:bodyPr/>
-          <a:lstStyle/>
-          <a:p>
-            <a:r>
-              <a:rPr lang="de-DE"/>
-              <a:t>Video</a:t>
-            </a:r>
-          </a:p>
-          <a:p>
-            <a:endParaRPr lang="de-DE"/>
-          </a:p>
-        </p:txBody>
-      </p:sp>
-    </p:spTree>
-    <p:extLst>
-      <p:ext uri="{BB962C8B-B14F-4D97-AF65-F5344CB8AC3E}">
-        <p14:creationId xmlns:p14="http://schemas.microsoft.com/office/powerpoint/2010/main" val="182811933"/>
-      </p:ext>
-    </p:extLst>
-  </p:cSld>
-  <p:clrMapOvr>
-    <a:masterClrMapping/>
-  </p:clrMapOvr>
-  <p:timing>
-    <p:tnLst>
-      <p:par>
-        <p:cTn id="1" dur="indefinite" restart="never" nodeType="tmRoot"/>
-      </p:par>
-    </p:tnLst>
-  </p:timing>
-</p:sld>
-</file>
-
-<file path=ppt/slides/slide14.xml><?xml version="1.0" encoding="utf-8"?>
-<p:sld xmlns:a="http://schemas.openxmlformats.org/drawingml/2006/main" xmlns:r="http://schemas.openxmlformats.org/officeDocument/2006/relationships" xmlns:p="http://schemas.openxmlformats.org/presentationml/2006/main">
-  <p:cSld>
-    <p:spTree>
-      <p:nvGrpSpPr>
-        <p:cNvPr id="1" name=""/>
-        <p:cNvGrpSpPr/>
-        <p:nvPr/>
-      </p:nvGrpSpPr>
-      <p:grpSpPr>
-        <a:xfrm>
-          <a:off x="0" y="0"/>
-          <a:ext cx="0" cy="0"/>
-          <a:chOff x="0" y="0"/>
-          <a:chExt cx="0" cy="0"/>
-        </a:xfrm>
-      </p:grpSpPr>
-      <p:sp>
-        <p:nvSpPr>
-          <p:cNvPr id="2" name="Titel 1"/>
-          <p:cNvSpPr>
-            <a:spLocks noGrp="1"/>
-          </p:cNvSpPr>
-          <p:nvPr>
-            <p:ph type="title"/>
-          </p:nvPr>
-        </p:nvSpPr>
-        <p:spPr/>
-        <p:txBody>
-          <a:bodyPr/>
-          <a:lstStyle/>
-          <a:p>
-            <a:r>
-              <a:rPr lang="de-DE" dirty="0" smtClean="0"/>
-              <a:t>Ergebnisse </a:t>
-            </a:r>
-            <a:r>
-              <a:rPr lang="de-DE" sz="2400" dirty="0" smtClean="0"/>
-              <a:t>(1/5)</a:t>
-            </a:r>
-            <a:endParaRPr lang="de-DE" sz="2400" dirty="0"/>
-          </a:p>
-        </p:txBody>
-      </p:sp>
-      <p:graphicFrame>
-        <p:nvGraphicFramePr>
-          <p:cNvPr id="8" name="Inhaltsplatzhalter 7"/>
-          <p:cNvGraphicFramePr>
-            <a:graphicFrameLocks noGrp="1"/>
-          </p:cNvGraphicFramePr>
-          <p:nvPr>
-            <p:ph idx="1"/>
-            <p:extLst>
-              <p:ext uri="{D42A27DB-BD31-4B8C-83A1-F6EECF244321}">
-                <p14:modId xmlns:p14="http://schemas.microsoft.com/office/powerpoint/2010/main" val="1870270125"/>
-              </p:ext>
-            </p:extLst>
-          </p:nvPr>
-        </p:nvGraphicFramePr>
-        <p:xfrm>
-          <a:off x="411480" y="1825625"/>
-          <a:ext cx="3498850" cy="3101975"/>
-        </p:xfrm>
-        <a:graphic>
-          <a:graphicData uri="http://schemas.openxmlformats.org/drawingml/2006/chart">
-            <c:chart xmlns:c="http://schemas.openxmlformats.org/drawingml/2006/chart" xmlns:r="http://schemas.openxmlformats.org/officeDocument/2006/relationships" r:id="rId2"/>
-          </a:graphicData>
-        </a:graphic>
-      </p:graphicFrame>
-      <mc:AlternateContent xmlns:mc="http://schemas.openxmlformats.org/markup-compatibility/2006" xmlns:cx="http://schemas.microsoft.com/office/drawing/2014/chartex">
-        <mc:Choice Requires="cx">
-          <p:graphicFrame>
-            <p:nvGraphicFramePr>
-              <p:cNvPr id="15" name="Diagramm 14"/>
-              <p:cNvGraphicFramePr/>
-              <p:nvPr>
-                <p:extLst>
-                  <p:ext uri="{D42A27DB-BD31-4B8C-83A1-F6EECF244321}">
-                    <p14:modId xmlns:p14="http://schemas.microsoft.com/office/powerpoint/2010/main" val="1147403612"/>
-                  </p:ext>
-                </p:extLst>
-              </p:nvPr>
-            </p:nvGraphicFramePr>
-            <p:xfrm>
-              <a:off x="4032297" y="1879200"/>
-              <a:ext cx="3350166" cy="3048400"/>
-            </p:xfrm>
-            <a:graphic>
-              <a:graphicData uri="http://schemas.microsoft.com/office/drawing/2014/chartex">
-                <c:chart xmlns:c="http://schemas.openxmlformats.org/drawingml/2006/chart" xmlns:r="http://schemas.openxmlformats.org/officeDocument/2006/relationships" r:id="rId3"/>
-              </a:graphicData>
-            </a:graphic>
-          </p:graphicFrame>
-        </mc:Choice>
-        <mc:Fallback xmlns="">
-          <p:pic>
-            <p:nvPicPr>
-              <p:cNvPr id="15" name="Diagramm 14"/>
-              <p:cNvPicPr>
-                <a:picLocks noGrp="1" noRot="1" noChangeAspect="1" noMove="1" noResize="1" noEditPoints="1" noAdjustHandles="1" noChangeArrowheads="1" noChangeShapeType="1"/>
-              </p:cNvPicPr>
-              <p:nvPr/>
-            </p:nvPicPr>
-            <p:blipFill>
-              <a:blip r:embed="rId4"/>
-              <a:stretch>
-                <a:fillRect/>
-              </a:stretch>
-            </p:blipFill>
-            <p:spPr>
-              <a:xfrm>
-                <a:off x="4032297" y="1879200"/>
-                <a:ext cx="3350166" cy="3048400"/>
-              </a:xfrm>
-              <a:prstGeom prst="rect">
-                <a:avLst/>
-              </a:prstGeom>
-            </p:spPr>
-          </p:pic>
-        </mc:Fallback>
-      </mc:AlternateContent>
-      <mc:AlternateContent xmlns:mc="http://schemas.openxmlformats.org/markup-compatibility/2006" xmlns:cx="http://schemas.microsoft.com/office/drawing/2014/chartex">
-        <mc:Choice Requires="cx">
-          <p:graphicFrame>
-            <p:nvGraphicFramePr>
-              <p:cNvPr id="21" name="Diagramm 20"/>
-              <p:cNvGraphicFramePr/>
-              <p:nvPr>
-                <p:extLst>
-                  <p:ext uri="{D42A27DB-BD31-4B8C-83A1-F6EECF244321}">
-                    <p14:modId xmlns:p14="http://schemas.microsoft.com/office/powerpoint/2010/main" val="2059168894"/>
-                  </p:ext>
-                </p:extLst>
-              </p:nvPr>
-            </p:nvGraphicFramePr>
-            <p:xfrm>
-              <a:off x="8003634" y="1879200"/>
-              <a:ext cx="3350166" cy="4003200"/>
-            </p:xfrm>
-            <a:graphic>
-              <a:graphicData uri="http://schemas.microsoft.com/office/drawing/2014/chartex">
-                <c:chart xmlns:c="http://schemas.openxmlformats.org/drawingml/2006/chart" xmlns:r="http://schemas.openxmlformats.org/officeDocument/2006/relationships" r:id="rId5"/>
-              </a:graphicData>
-            </a:graphic>
-          </p:graphicFrame>
-        </mc:Choice>
-        <mc:Fallback xmlns="">
-          <p:pic>
-            <p:nvPicPr>
-              <p:cNvPr id="21" name="Diagramm 20"/>
-              <p:cNvPicPr>
-                <a:picLocks noGrp="1" noRot="1" noChangeAspect="1" noMove="1" noResize="1" noEditPoints="1" noAdjustHandles="1" noChangeArrowheads="1" noChangeShapeType="1"/>
-              </p:cNvPicPr>
-              <p:nvPr/>
-            </p:nvPicPr>
-            <p:blipFill>
-              <a:blip r:embed="rId6"/>
-              <a:stretch>
-                <a:fillRect/>
-              </a:stretch>
-            </p:blipFill>
-            <p:spPr>
-              <a:xfrm>
-                <a:off x="8003634" y="1879200"/>
-                <a:ext cx="3350166" cy="4003200"/>
-              </a:xfrm>
-              <a:prstGeom prst="rect">
-                <a:avLst/>
-              </a:prstGeom>
-            </p:spPr>
-          </p:pic>
-        </mc:Fallback>
-      </mc:AlternateContent>
-    </p:spTree>
-    <p:extLst>
-      <p:ext uri="{BB962C8B-B14F-4D97-AF65-F5344CB8AC3E}">
-        <p14:creationId xmlns:p14="http://schemas.microsoft.com/office/powerpoint/2010/main" val="2021924618"/>
-      </p:ext>
-    </p:extLst>
-  </p:cSld>
-  <p:clrMapOvr>
-    <a:masterClrMapping/>
-  </p:clrMapOvr>
-  <p:timing>
-    <p:tnLst>
-      <p:par>
-        <p:cTn id="1" dur="indefinite" restart="never" nodeType="tmRoot"/>
-      </p:par>
-    </p:tnLst>
-  </p:timing>
-</p:sld>
-</file>
-
-<file path=ppt/slides/slide15.xml><?xml version="1.0" encoding="utf-8"?>
-<p:sld xmlns:a="http://schemas.openxmlformats.org/drawingml/2006/main" xmlns:r="http://schemas.openxmlformats.org/officeDocument/2006/relationships" xmlns:p="http://schemas.openxmlformats.org/presentationml/2006/main">
-  <p:cSld>
-    <p:spTree>
-      <p:nvGrpSpPr>
-        <p:cNvPr id="1" name=""/>
-        <p:cNvGrpSpPr/>
-        <p:nvPr/>
-      </p:nvGrpSpPr>
-      <p:grpSpPr>
-        <a:xfrm>
-          <a:off x="0" y="0"/>
-          <a:ext cx="0" cy="0"/>
-          <a:chOff x="0" y="0"/>
-          <a:chExt cx="0" cy="0"/>
-        </a:xfrm>
-      </p:grpSpPr>
-      <p:sp>
-        <p:nvSpPr>
-          <p:cNvPr id="2" name="Titel 1"/>
-          <p:cNvSpPr>
-            <a:spLocks noGrp="1"/>
-          </p:cNvSpPr>
-          <p:nvPr>
-            <p:ph type="title"/>
-          </p:nvPr>
-        </p:nvSpPr>
-        <p:spPr/>
-        <p:txBody>
-          <a:bodyPr/>
-          <a:lstStyle/>
-          <a:p>
-            <a:r>
-              <a:rPr lang="de-DE" dirty="0" smtClean="0"/>
-              <a:t>Ergebnisse </a:t>
-            </a:r>
-            <a:r>
-              <a:rPr lang="de-DE" sz="2400" dirty="0" smtClean="0"/>
-              <a:t>(2/5</a:t>
-            </a:r>
-            <a:r>
-              <a:rPr lang="de-DE" sz="2400" dirty="0"/>
-              <a:t>)</a:t>
-            </a:r>
-          </a:p>
-        </p:txBody>
-      </p:sp>
-      <p:graphicFrame>
-        <p:nvGraphicFramePr>
-          <p:cNvPr id="7" name="Inhaltsplatzhalter 6"/>
-          <p:cNvGraphicFramePr>
-            <a:graphicFrameLocks noGrp="1"/>
-          </p:cNvGraphicFramePr>
-          <p:nvPr>
-            <p:ph idx="1"/>
-            <p:extLst>
-              <p:ext uri="{D42A27DB-BD31-4B8C-83A1-F6EECF244321}">
-                <p14:modId xmlns:p14="http://schemas.microsoft.com/office/powerpoint/2010/main" val="31603868"/>
-              </p:ext>
-            </p:extLst>
-          </p:nvPr>
-        </p:nvGraphicFramePr>
-        <p:xfrm>
-          <a:off x="972000" y="1386000"/>
-          <a:ext cx="10231200" cy="5328000"/>
-        </p:xfrm>
-        <a:graphic>
-          <a:graphicData uri="http://schemas.openxmlformats.org/drawingml/2006/chart">
-            <c:chart xmlns:c="http://schemas.openxmlformats.org/drawingml/2006/chart" xmlns:r="http://schemas.openxmlformats.org/officeDocument/2006/relationships" r:id="rId2"/>
-          </a:graphicData>
-        </a:graphic>
-      </p:graphicFrame>
-    </p:spTree>
-    <p:extLst>
-      <p:ext uri="{BB962C8B-B14F-4D97-AF65-F5344CB8AC3E}">
-        <p14:creationId xmlns:p14="http://schemas.microsoft.com/office/powerpoint/2010/main" val="2254292330"/>
-      </p:ext>
-    </p:extLst>
-  </p:cSld>
-  <p:clrMapOvr>
-    <a:masterClrMapping/>
-  </p:clrMapOvr>
-  <p:timing>
-    <p:tnLst>
-      <p:par>
-        <p:cTn id="1" dur="indefinite" restart="never" nodeType="tmRoot"/>
-      </p:par>
-    </p:tnLst>
-  </p:timing>
-</p:sld>
-</file>
-
-<file path=ppt/slides/slide16.xml><?xml version="1.0" encoding="utf-8"?>
-<p:sld xmlns:a="http://schemas.openxmlformats.org/drawingml/2006/main" xmlns:r="http://schemas.openxmlformats.org/officeDocument/2006/relationships" xmlns:p="http://schemas.openxmlformats.org/presentationml/2006/main">
-  <p:cSld>
-    <p:spTree>
-      <p:nvGrpSpPr>
-        <p:cNvPr id="1" name=""/>
-        <p:cNvGrpSpPr/>
-        <p:nvPr/>
-      </p:nvGrpSpPr>
-      <p:grpSpPr>
-        <a:xfrm>
-          <a:off x="0" y="0"/>
-          <a:ext cx="0" cy="0"/>
-          <a:chOff x="0" y="0"/>
-          <a:chExt cx="0" cy="0"/>
-        </a:xfrm>
-      </p:grpSpPr>
-      <p:sp>
-        <p:nvSpPr>
-          <p:cNvPr id="2" name="Titel 1"/>
-          <p:cNvSpPr>
-            <a:spLocks noGrp="1"/>
-          </p:cNvSpPr>
-          <p:nvPr>
-            <p:ph type="title"/>
-          </p:nvPr>
-        </p:nvSpPr>
-        <p:spPr/>
-        <p:txBody>
-          <a:bodyPr/>
-          <a:lstStyle/>
-          <a:p>
-            <a:r>
-              <a:rPr lang="de-DE" dirty="0" smtClean="0"/>
-              <a:t>Ergebnisse </a:t>
-            </a:r>
-            <a:r>
-              <a:rPr lang="de-DE" sz="2400" dirty="0" smtClean="0"/>
-              <a:t>(3/5</a:t>
-            </a:r>
-            <a:r>
-              <a:rPr lang="de-DE" sz="2400" dirty="0"/>
-              <a:t>)</a:t>
-            </a:r>
-          </a:p>
-        </p:txBody>
-      </p:sp>
-      <p:graphicFrame>
-        <p:nvGraphicFramePr>
-          <p:cNvPr id="7" name="Inhaltsplatzhalter 6"/>
-          <p:cNvGraphicFramePr>
-            <a:graphicFrameLocks noGrp="1"/>
-          </p:cNvGraphicFramePr>
-          <p:nvPr>
-            <p:ph idx="1"/>
-            <p:extLst>
-              <p:ext uri="{D42A27DB-BD31-4B8C-83A1-F6EECF244321}">
-                <p14:modId xmlns:p14="http://schemas.microsoft.com/office/powerpoint/2010/main" val="3974189253"/>
-              </p:ext>
-            </p:extLst>
-          </p:nvPr>
-        </p:nvGraphicFramePr>
-        <p:xfrm>
-          <a:off x="972000" y="1386000"/>
-          <a:ext cx="10231200" cy="5328000"/>
-        </p:xfrm>
-        <a:graphic>
-          <a:graphicData uri="http://schemas.openxmlformats.org/drawingml/2006/chart">
-            <c:chart xmlns:c="http://schemas.openxmlformats.org/drawingml/2006/chart" xmlns:r="http://schemas.openxmlformats.org/officeDocument/2006/relationships" r:id="rId2"/>
-          </a:graphicData>
-        </a:graphic>
-      </p:graphicFrame>
-    </p:spTree>
-    <p:extLst>
-      <p:ext uri="{BB962C8B-B14F-4D97-AF65-F5344CB8AC3E}">
-        <p14:creationId xmlns:p14="http://schemas.microsoft.com/office/powerpoint/2010/main" val="762957527"/>
-      </p:ext>
-    </p:extLst>
-  </p:cSld>
-  <p:clrMapOvr>
-    <a:masterClrMapping/>
-  </p:clrMapOvr>
-  <p:timing>
-    <p:tnLst>
-      <p:par>
-        <p:cTn id="1" dur="indefinite" restart="never" nodeType="tmRoot"/>
-      </p:par>
-    </p:tnLst>
-  </p:timing>
-</p:sld>
-</file>
-
-<file path=ppt/slides/slide17.xml><?xml version="1.0" encoding="utf-8"?>
-<p:sld xmlns:a="http://schemas.openxmlformats.org/drawingml/2006/main" xmlns:r="http://schemas.openxmlformats.org/officeDocument/2006/relationships" xmlns:p="http://schemas.openxmlformats.org/presentationml/2006/main">
-  <p:cSld>
-    <p:spTree>
-      <p:nvGrpSpPr>
-        <p:cNvPr id="1" name=""/>
-        <p:cNvGrpSpPr/>
-        <p:nvPr/>
-      </p:nvGrpSpPr>
-      <p:grpSpPr>
-        <a:xfrm>
-          <a:off x="0" y="0"/>
-          <a:ext cx="0" cy="0"/>
-          <a:chOff x="0" y="0"/>
-          <a:chExt cx="0" cy="0"/>
-        </a:xfrm>
-      </p:grpSpPr>
-      <p:sp>
-        <p:nvSpPr>
-          <p:cNvPr id="2" name="Titel 1"/>
-          <p:cNvSpPr>
-            <a:spLocks noGrp="1"/>
-          </p:cNvSpPr>
-          <p:nvPr>
-            <p:ph type="title"/>
-          </p:nvPr>
-        </p:nvSpPr>
-        <p:spPr/>
-        <p:txBody>
-          <a:bodyPr/>
-          <a:lstStyle/>
-          <a:p>
-            <a:r>
-              <a:rPr lang="de-DE" dirty="0" smtClean="0"/>
-              <a:t>Ergebnisse </a:t>
-            </a:r>
-            <a:r>
-              <a:rPr lang="de-DE" sz="2400" dirty="0" smtClean="0"/>
-              <a:t>(4/5</a:t>
-            </a:r>
-            <a:r>
-              <a:rPr lang="de-DE" sz="2400" dirty="0"/>
-              <a:t>)</a:t>
-            </a:r>
-          </a:p>
-        </p:txBody>
-      </p:sp>
-      <p:graphicFrame>
-        <p:nvGraphicFramePr>
-          <p:cNvPr id="7" name="Inhaltsplatzhalter 6"/>
-          <p:cNvGraphicFramePr>
-            <a:graphicFrameLocks noGrp="1"/>
-          </p:cNvGraphicFramePr>
-          <p:nvPr>
-            <p:ph idx="1"/>
-            <p:extLst>
-              <p:ext uri="{D42A27DB-BD31-4B8C-83A1-F6EECF244321}">
-                <p14:modId xmlns:p14="http://schemas.microsoft.com/office/powerpoint/2010/main" val="1906825942"/>
-              </p:ext>
-            </p:extLst>
-          </p:nvPr>
-        </p:nvGraphicFramePr>
-        <p:xfrm>
-          <a:off x="972000" y="1386000"/>
-          <a:ext cx="10231200" cy="5328000"/>
-        </p:xfrm>
-        <a:graphic>
-          <a:graphicData uri="http://schemas.openxmlformats.org/drawingml/2006/chart">
-            <c:chart xmlns:c="http://schemas.openxmlformats.org/drawingml/2006/chart" xmlns:r="http://schemas.openxmlformats.org/officeDocument/2006/relationships" r:id="rId2"/>
-          </a:graphicData>
-        </a:graphic>
-      </p:graphicFrame>
-    </p:spTree>
-    <p:extLst>
-      <p:ext uri="{BB962C8B-B14F-4D97-AF65-F5344CB8AC3E}">
-        <p14:creationId xmlns:p14="http://schemas.microsoft.com/office/powerpoint/2010/main" val="2783193995"/>
-      </p:ext>
-    </p:extLst>
-  </p:cSld>
-  <p:clrMapOvr>
-    <a:masterClrMapping/>
-  </p:clrMapOvr>
-  <p:timing>
-    <p:tnLst>
-      <p:par>
-        <p:cTn id="1" dur="indefinite" restart="never" nodeType="tmRoot"/>
-      </p:par>
-    </p:tnLst>
-  </p:timing>
-</p:sld>
-</file>
-
-<file path=ppt/slides/slide18.xml><?xml version="1.0" encoding="utf-8"?>
-<p:sld xmlns:a="http://schemas.openxmlformats.org/drawingml/2006/main" xmlns:r="http://schemas.openxmlformats.org/officeDocument/2006/relationships" xmlns:p="http://schemas.openxmlformats.org/presentationml/2006/main">
-  <p:cSld>
-    <p:spTree>
-      <p:nvGrpSpPr>
-        <p:cNvPr id="1" name=""/>
-        <p:cNvGrpSpPr/>
-        <p:nvPr/>
-      </p:nvGrpSpPr>
-      <p:grpSpPr>
-        <a:xfrm>
-          <a:off x="0" y="0"/>
-          <a:ext cx="0" cy="0"/>
-          <a:chOff x="0" y="0"/>
-          <a:chExt cx="0" cy="0"/>
-        </a:xfrm>
-      </p:grpSpPr>
-      <p:sp>
-        <p:nvSpPr>
-          <p:cNvPr id="2" name="Titel 1"/>
-          <p:cNvSpPr>
-            <a:spLocks noGrp="1"/>
-          </p:cNvSpPr>
-          <p:nvPr>
-            <p:ph type="title"/>
-          </p:nvPr>
-        </p:nvSpPr>
-        <p:spPr/>
-        <p:txBody>
-          <a:bodyPr/>
-          <a:lstStyle/>
-          <a:p>
-            <a:r>
-              <a:rPr lang="de-DE" dirty="0" smtClean="0"/>
-              <a:t>Ergebnisse </a:t>
-            </a:r>
-            <a:r>
-              <a:rPr lang="de-DE" sz="2400" dirty="0" smtClean="0"/>
-              <a:t>(</a:t>
-            </a:r>
-            <a:r>
-              <a:rPr lang="de-DE" sz="2400" dirty="0"/>
-              <a:t>5</a:t>
-            </a:r>
-            <a:r>
-              <a:rPr lang="de-DE" sz="2400" dirty="0" smtClean="0"/>
-              <a:t>/5</a:t>
-            </a:r>
-            <a:r>
-              <a:rPr lang="de-DE" sz="2400" dirty="0"/>
-              <a:t>)</a:t>
-            </a:r>
-          </a:p>
-        </p:txBody>
-      </p:sp>
-      <p:sp>
-        <p:nvSpPr>
-          <p:cNvPr id="3" name="Inhaltsplatzhalter 2"/>
-          <p:cNvSpPr>
-            <a:spLocks noGrp="1"/>
-          </p:cNvSpPr>
-          <p:nvPr>
-            <p:ph idx="1"/>
-          </p:nvPr>
-        </p:nvSpPr>
-        <p:spPr/>
-        <p:txBody>
-          <a:bodyPr/>
-          <a:lstStyle/>
-          <a:p>
-            <a:r>
-              <a:rPr lang="de-DE" dirty="0"/>
-              <a:t>Demografisch (Alter, Erfahrung, Geschlecht)</a:t>
-            </a:r>
-          </a:p>
-          <a:p>
-            <a:r>
-              <a:rPr lang="de-DE" dirty="0"/>
-              <a:t>Umgebungsvariablen (Stuhleinstellungen)</a:t>
-            </a:r>
-          </a:p>
-          <a:p>
-            <a:r>
-              <a:rPr lang="de-DE" dirty="0"/>
-              <a:t>Dauer des </a:t>
-            </a:r>
-            <a:r>
-              <a:rPr lang="de-DE" dirty="0" err="1"/>
-              <a:t>Wecktons</a:t>
-            </a:r>
-            <a:r>
-              <a:rPr lang="de-DE" dirty="0"/>
-              <a:t> zum Abstellen</a:t>
-            </a:r>
-          </a:p>
-          <a:p>
-            <a:r>
-              <a:rPr lang="de-DE" dirty="0"/>
-              <a:t>Aufgabenergebnisse (Fehlerraten, Zeiten in Gruppen)</a:t>
-            </a:r>
-          </a:p>
-          <a:p>
-            <a:r>
-              <a:rPr lang="de-DE" dirty="0"/>
-              <a:t>Fragebögen (Sam, RSME)</a:t>
-            </a:r>
-          </a:p>
-          <a:p>
-            <a:r>
-              <a:rPr lang="de-DE" dirty="0"/>
-              <a:t>Schlafstatus</a:t>
-            </a:r>
-          </a:p>
-          <a:p>
-            <a:r>
-              <a:rPr lang="de-DE" dirty="0" err="1"/>
-              <a:t>Limesurvey</a:t>
-            </a:r>
-            <a:r>
-              <a:rPr lang="de-DE" dirty="0"/>
-              <a:t> (Müdigkeit vorher/</a:t>
-            </a:r>
-            <a:r>
-              <a:rPr lang="de-DE" dirty="0" err="1"/>
-              <a:t>nachehr</a:t>
-            </a:r>
-            <a:r>
-              <a:rPr lang="de-DE" dirty="0"/>
-              <a:t>, Aufgabenschwierigkeit, Komfort mit VR Brille, ..)</a:t>
-            </a:r>
-          </a:p>
-        </p:txBody>
-      </p:sp>
-    </p:spTree>
-    <p:extLst>
-      <p:ext uri="{BB962C8B-B14F-4D97-AF65-F5344CB8AC3E}">
-        <p14:creationId xmlns:p14="http://schemas.microsoft.com/office/powerpoint/2010/main" val="2393554626"/>
-      </p:ext>
-    </p:extLst>
-  </p:cSld>
-  <p:clrMapOvr>
-    <a:masterClrMapping/>
-  </p:clrMapOvr>
-  <p:timing>
-    <p:tnLst>
-      <p:par>
-        <p:cTn id="1" dur="indefinite" restart="never" nodeType="tmRoot"/>
-      </p:par>
-    </p:tnLst>
-  </p:timing>
-</p:sld>
-</file>
-
-<file path=ppt/slides/slide19.xml><?xml version="1.0" encoding="utf-8"?>
-<p:sld xmlns:a="http://schemas.openxmlformats.org/drawingml/2006/main" xmlns:r="http://schemas.openxmlformats.org/officeDocument/2006/relationships" xmlns:p="http://schemas.openxmlformats.org/presentationml/2006/main">
-  <p:cSld>
-    <p:spTree>
-      <p:nvGrpSpPr>
-        <p:cNvPr id="1" name=""/>
-        <p:cNvGrpSpPr/>
-        <p:nvPr/>
-      </p:nvGrpSpPr>
-      <p:grpSpPr>
-        <a:xfrm>
-          <a:off x="0" y="0"/>
-          <a:ext cx="0" cy="0"/>
-          <a:chOff x="0" y="0"/>
-          <a:chExt cx="0" cy="0"/>
-        </a:xfrm>
-      </p:grpSpPr>
-      <p:sp>
-        <p:nvSpPr>
-          <p:cNvPr id="2" name="Titel 1"/>
-          <p:cNvSpPr>
-            <a:spLocks noGrp="1"/>
-          </p:cNvSpPr>
-          <p:nvPr>
-            <p:ph type="title"/>
-          </p:nvPr>
-        </p:nvSpPr>
-        <p:spPr/>
-        <p:txBody>
-          <a:bodyPr/>
-          <a:lstStyle/>
-          <a:p>
-            <a:r>
-              <a:rPr lang="de-DE" dirty="0" smtClean="0"/>
-              <a:t>Diskussion </a:t>
-            </a:r>
-            <a:r>
-              <a:rPr lang="de-DE" sz="2400" dirty="0" smtClean="0"/>
-              <a:t>(1/4)</a:t>
-            </a:r>
-            <a:endParaRPr lang="de-DE" sz="2400" dirty="0"/>
-          </a:p>
-        </p:txBody>
-      </p:sp>
-      <p:sp>
-        <p:nvSpPr>
-          <p:cNvPr id="3" name="Inhaltsplatzhalter 2"/>
-          <p:cNvSpPr>
-            <a:spLocks noGrp="1"/>
-          </p:cNvSpPr>
-          <p:nvPr>
-            <p:ph idx="1"/>
-          </p:nvPr>
-        </p:nvSpPr>
-        <p:spPr/>
-        <p:txBody>
-          <a:bodyPr/>
-          <a:lstStyle/>
-          <a:p>
-            <a:r>
-              <a:rPr lang="de-DE" dirty="0" smtClean="0"/>
-              <a:t>Erfahrung und Demografie der Teilnehmer</a:t>
-            </a:r>
-          </a:p>
-          <a:p>
-            <a:pPr lvl="1"/>
-            <a:r>
-              <a:rPr lang="de-DE" dirty="0" smtClean="0"/>
-              <a:t>Vorhandene </a:t>
-            </a:r>
-            <a:r>
-              <a:rPr lang="de-DE" dirty="0"/>
-              <a:t>Affinität zur Technik</a:t>
-            </a:r>
-          </a:p>
-          <a:p>
-            <a:pPr lvl="1"/>
-            <a:r>
-              <a:rPr lang="de-DE" dirty="0"/>
-              <a:t>Vorhandene VR Erfahrung</a:t>
-            </a:r>
-          </a:p>
-          <a:p>
-            <a:pPr lvl="1"/>
-            <a:r>
-              <a:rPr lang="de-DE" dirty="0"/>
-              <a:t>Vorhandene Fahrerfahrung</a:t>
-            </a:r>
-          </a:p>
-          <a:p>
-            <a:pPr lvl="1"/>
-            <a:r>
-              <a:rPr lang="de-DE" dirty="0"/>
-              <a:t>Vorhandener Bildungsstand</a:t>
-            </a:r>
-          </a:p>
-        </p:txBody>
-      </p:sp>
-    </p:spTree>
-    <p:extLst>
-      <p:ext uri="{BB962C8B-B14F-4D97-AF65-F5344CB8AC3E}">
-        <p14:creationId xmlns:p14="http://schemas.microsoft.com/office/powerpoint/2010/main" val="3554098313"/>
-      </p:ext>
-    </p:extLst>
-  </p:cSld>
-  <p:clrMapOvr>
-    <a:masterClrMapping/>
-  </p:clrMapOvr>
-  <p:timing>
-    <p:tnLst>
-      <p:par>
-        <p:cTn id="1" dur="indefinite" restart="never" nodeType="tmRoot"/>
-      </p:par>
-    </p:tnLst>
-  </p:timing>
-</p:sld>
-</file>
-
-<file path=ppt/slides/slide2.xml><?xml version="1.0" encoding="utf-8"?>
-<p:sld xmlns:a="http://schemas.openxmlformats.org/drawingml/2006/main" xmlns:r="http://schemas.openxmlformats.org/officeDocument/2006/relationships" xmlns:p="http://schemas.openxmlformats.org/presentationml/2006/main">
-  <p:cSld>
-    <p:spTree>
-      <p:nvGrpSpPr>
-        <p:cNvPr id="1" name=""/>
-        <p:cNvGrpSpPr/>
-        <p:nvPr/>
-      </p:nvGrpSpPr>
-      <p:grpSpPr>
-        <a:xfrm>
-          <a:off x="0" y="0"/>
-          <a:ext cx="0" cy="0"/>
-          <a:chOff x="0" y="0"/>
-          <a:chExt cx="0" cy="0"/>
-        </a:xfrm>
-      </p:grpSpPr>
-      <p:sp>
-        <p:nvSpPr>
-          <p:cNvPr id="5" name="Titel 4">
-            <a:extLst>
-              <a:ext uri="{FF2B5EF4-FFF2-40B4-BE49-F238E27FC236}">
-                <a16:creationId xmlns:a16="http://schemas.microsoft.com/office/drawing/2014/main" id="{820900B0-7EDA-42CC-A5BF-AB23E78F04F3}"/>
-              </a:ext>
-            </a:extLst>
-          </p:cNvPr>
-          <p:cNvSpPr>
-            <a:spLocks noGrp="1"/>
-          </p:cNvSpPr>
-          <p:nvPr>
-            <p:ph type="title"/>
-          </p:nvPr>
-        </p:nvSpPr>
-        <p:spPr/>
-        <p:txBody>
-          <a:bodyPr/>
-          <a:lstStyle/>
-          <a:p>
-            <a:endParaRPr lang="de-DE"/>
-          </a:p>
-        </p:txBody>
-      </p:sp>
-      <p:sp>
-        <p:nvSpPr>
-          <p:cNvPr id="3" name="Inhaltsplatzhalter 2"/>
-          <p:cNvSpPr>
-            <a:spLocks noGrp="1"/>
-          </p:cNvSpPr>
-          <p:nvPr>
-            <p:ph idx="1"/>
-          </p:nvPr>
-        </p:nvSpPr>
-        <p:spPr/>
-        <p:txBody>
-          <a:bodyPr/>
-          <a:lstStyle/>
-          <a:p>
-            <a:r>
-              <a:rPr lang="de-DE" dirty="0">
-                <a:hlinkClick r:id="rId2" action="ppaction://hlinkfile"/>
-              </a:rPr>
-              <a:t>\\todo</a:t>
-            </a:r>
-            <a:r>
-              <a:rPr lang="de-DE" dirty="0"/>
-              <a:t>: </a:t>
-            </a:r>
-          </a:p>
-          <a:p>
-            <a:r>
-              <a:rPr lang="de-DE" dirty="0"/>
-              <a:t>gutes Hintergrund design</a:t>
-            </a:r>
-          </a:p>
-          <a:p>
-            <a:r>
-              <a:rPr lang="de-DE" dirty="0"/>
-              <a:t>Alles schön machen :3 :&gt;</a:t>
-            </a:r>
-          </a:p>
-          <a:p>
-            <a:r>
-              <a:rPr lang="de-DE" dirty="0"/>
-              <a:t>wer sagt was aufteilen</a:t>
-            </a:r>
-          </a:p>
-          <a:p>
-            <a:r>
-              <a:rPr lang="de-DE" dirty="0"/>
-              <a:t>Verwandte </a:t>
-            </a:r>
-            <a:r>
-              <a:rPr lang="de-DE" dirty="0" err="1"/>
-              <a:t>forschung</a:t>
-            </a:r>
-            <a:r>
-              <a:rPr lang="de-DE" dirty="0"/>
-              <a:t> in Motivation ansprechen?</a:t>
-            </a:r>
-          </a:p>
-        </p:txBody>
-      </p:sp>
-    </p:spTree>
-    <p:extLst>
-      <p:ext uri="{BB962C8B-B14F-4D97-AF65-F5344CB8AC3E}">
-        <p14:creationId xmlns:p14="http://schemas.microsoft.com/office/powerpoint/2010/main" val="2169765168"/>
-      </p:ext>
-    </p:extLst>
-  </p:cSld>
-  <p:clrMapOvr>
-    <a:masterClrMapping/>
-  </p:clrMapOvr>
-  <p:timing>
-    <p:tnLst>
-      <p:par>
-        <p:cTn id="1" dur="indefinite" restart="never" nodeType="tmRoot"/>
-      </p:par>
-    </p:tnLst>
-  </p:timing>
-</p:sld>
-</file>
-
-<file path=ppt/slides/slide20.xml><?xml version="1.0" encoding="utf-8"?>
-<p:sld xmlns:a="http://schemas.openxmlformats.org/drawingml/2006/main" xmlns:r="http://schemas.openxmlformats.org/officeDocument/2006/relationships" xmlns:p="http://schemas.openxmlformats.org/presentationml/2006/main">
-  <p:cSld>
-    <p:spTree>
-      <p:nvGrpSpPr>
-        <p:cNvPr id="1" name=""/>
-        <p:cNvGrpSpPr/>
-        <p:nvPr/>
-      </p:nvGrpSpPr>
-      <p:grpSpPr>
-        <a:xfrm>
-          <a:off x="0" y="0"/>
-          <a:ext cx="0" cy="0"/>
-          <a:chOff x="0" y="0"/>
-          <a:chExt cx="0" cy="0"/>
-        </a:xfrm>
-      </p:grpSpPr>
-      <p:sp>
-        <p:nvSpPr>
-          <p:cNvPr id="2" name="Titel 1"/>
-          <p:cNvSpPr>
-            <a:spLocks noGrp="1"/>
-          </p:cNvSpPr>
-          <p:nvPr>
-            <p:ph type="title"/>
-          </p:nvPr>
-        </p:nvSpPr>
-        <p:spPr/>
-        <p:txBody>
-          <a:bodyPr/>
-          <a:lstStyle/>
-          <a:p>
-            <a:r>
-              <a:rPr lang="de-DE" dirty="0"/>
-              <a:t>Diskussion </a:t>
-            </a:r>
-            <a:r>
-              <a:rPr lang="de-DE" sz="2400" dirty="0" smtClean="0"/>
-              <a:t>(2/4</a:t>
-            </a:r>
-            <a:r>
-              <a:rPr lang="de-DE" sz="2400" dirty="0"/>
-              <a:t>)</a:t>
-            </a:r>
-          </a:p>
-        </p:txBody>
-      </p:sp>
-      <p:sp>
-        <p:nvSpPr>
-          <p:cNvPr id="3" name="Inhaltsplatzhalter 2"/>
-          <p:cNvSpPr>
-            <a:spLocks noGrp="1"/>
-          </p:cNvSpPr>
-          <p:nvPr>
-            <p:ph idx="1"/>
-          </p:nvPr>
-        </p:nvSpPr>
-        <p:spPr/>
-        <p:txBody>
-          <a:bodyPr/>
-          <a:lstStyle/>
-          <a:p>
-            <a:r>
-              <a:rPr lang="de-DE" dirty="0" smtClean="0"/>
-              <a:t>Studiendurchführung</a:t>
-            </a:r>
-          </a:p>
-          <a:p>
-            <a:pPr lvl="1"/>
-            <a:r>
-              <a:rPr lang="de-DE" dirty="0" smtClean="0"/>
-              <a:t>Ort und Zeit</a:t>
-            </a:r>
-          </a:p>
-          <a:p>
-            <a:pPr lvl="1"/>
-            <a:r>
-              <a:rPr lang="de-DE" dirty="0" smtClean="0"/>
-              <a:t>‚Störende‘ Faktoren</a:t>
-            </a:r>
-          </a:p>
-          <a:p>
-            <a:pPr lvl="1"/>
-            <a:r>
-              <a:rPr lang="de-DE" dirty="0" smtClean="0"/>
-              <a:t>Realitätsnähe</a:t>
-            </a:r>
-            <a:endParaRPr lang="de-DE" dirty="0"/>
-          </a:p>
-        </p:txBody>
-      </p:sp>
-    </p:spTree>
-    <p:extLst>
-      <p:ext uri="{BB962C8B-B14F-4D97-AF65-F5344CB8AC3E}">
-        <p14:creationId xmlns:p14="http://schemas.microsoft.com/office/powerpoint/2010/main" val="1683365169"/>
-      </p:ext>
-    </p:extLst>
-  </p:cSld>
-  <p:clrMapOvr>
-    <a:masterClrMapping/>
-  </p:clrMapOvr>
-  <p:timing>
-    <p:tnLst>
-      <p:par>
-        <p:cTn id="1" dur="indefinite" restart="never" nodeType="tmRoot"/>
-      </p:par>
-    </p:tnLst>
-  </p:timing>
-</p:sld>
-</file>
-
-<file path=ppt/slides/slide21.xml><?xml version="1.0" encoding="utf-8"?>
-<p:sld xmlns:a="http://schemas.openxmlformats.org/drawingml/2006/main" xmlns:r="http://schemas.openxmlformats.org/officeDocument/2006/relationships" xmlns:p="http://schemas.openxmlformats.org/presentationml/2006/main">
-  <p:cSld>
-    <p:spTree>
-      <p:nvGrpSpPr>
-        <p:cNvPr id="1" name=""/>
-        <p:cNvGrpSpPr/>
-        <p:nvPr/>
-      </p:nvGrpSpPr>
-      <p:grpSpPr>
-        <a:xfrm>
-          <a:off x="0" y="0"/>
-          <a:ext cx="0" cy="0"/>
-          <a:chOff x="0" y="0"/>
-          <a:chExt cx="0" cy="0"/>
-        </a:xfrm>
-      </p:grpSpPr>
-      <p:sp>
-        <p:nvSpPr>
-          <p:cNvPr id="2" name="Titel 1"/>
-          <p:cNvSpPr>
-            <a:spLocks noGrp="1"/>
-          </p:cNvSpPr>
-          <p:nvPr>
-            <p:ph type="title"/>
-          </p:nvPr>
-        </p:nvSpPr>
-        <p:spPr/>
-        <p:txBody>
-          <a:bodyPr/>
-          <a:lstStyle/>
-          <a:p>
-            <a:r>
-              <a:rPr lang="de-DE" dirty="0"/>
-              <a:t>Diskussion </a:t>
-            </a:r>
-            <a:r>
-              <a:rPr lang="de-DE" sz="2400" dirty="0" smtClean="0"/>
-              <a:t>(3/4</a:t>
-            </a:r>
-            <a:r>
-              <a:rPr lang="de-DE" sz="2400" dirty="0"/>
-              <a:t>)</a:t>
-            </a:r>
-          </a:p>
-        </p:txBody>
-      </p:sp>
-      <p:sp>
-        <p:nvSpPr>
-          <p:cNvPr id="3" name="Inhaltsplatzhalter 2"/>
-          <p:cNvSpPr>
-            <a:spLocks noGrp="1"/>
-          </p:cNvSpPr>
-          <p:nvPr>
-            <p:ph idx="1"/>
-          </p:nvPr>
-        </p:nvSpPr>
-        <p:spPr/>
-        <p:txBody>
-          <a:bodyPr/>
-          <a:lstStyle/>
-          <a:p>
-            <a:r>
-              <a:rPr lang="de-DE" dirty="0" smtClean="0"/>
-              <a:t>Aufgaben</a:t>
-            </a:r>
-          </a:p>
-          <a:p>
-            <a:pPr lvl="1"/>
-            <a:r>
-              <a:rPr lang="de-DE" dirty="0" smtClean="0"/>
-              <a:t>Aufgabenwahl</a:t>
-            </a:r>
-          </a:p>
-          <a:p>
-            <a:pPr lvl="1"/>
-            <a:r>
-              <a:rPr lang="de-DE" dirty="0" smtClean="0"/>
-              <a:t>Aufgabenbeschreibung</a:t>
-            </a:r>
-            <a:endParaRPr lang="de-DE" dirty="0"/>
-          </a:p>
-        </p:txBody>
-      </p:sp>
-    </p:spTree>
-    <p:extLst>
-      <p:ext uri="{BB962C8B-B14F-4D97-AF65-F5344CB8AC3E}">
-        <p14:creationId xmlns:p14="http://schemas.microsoft.com/office/powerpoint/2010/main" val="2513655209"/>
-      </p:ext>
-    </p:extLst>
-  </p:cSld>
-  <p:clrMapOvr>
-    <a:masterClrMapping/>
-  </p:clrMapOvr>
-  <p:timing>
-    <p:tnLst>
-      <p:par>
-        <p:cTn id="1" dur="indefinite" restart="never" nodeType="tmRoot"/>
-      </p:par>
-    </p:tnLst>
-  </p:timing>
-</p:sld>
-</file>
-
-<file path=ppt/slides/slide22.xml><?xml version="1.0" encoding="utf-8"?>
-<p:sld xmlns:a="http://schemas.openxmlformats.org/drawingml/2006/main" xmlns:r="http://schemas.openxmlformats.org/officeDocument/2006/relationships" xmlns:p="http://schemas.openxmlformats.org/presentationml/2006/main">
-  <p:cSld>
-    <p:spTree>
-      <p:nvGrpSpPr>
-        <p:cNvPr id="1" name=""/>
-        <p:cNvGrpSpPr/>
-        <p:nvPr/>
-      </p:nvGrpSpPr>
-      <p:grpSpPr>
-        <a:xfrm>
-          <a:off x="0" y="0"/>
-          <a:ext cx="0" cy="0"/>
-          <a:chOff x="0" y="0"/>
-          <a:chExt cx="0" cy="0"/>
-        </a:xfrm>
-      </p:grpSpPr>
-      <p:sp>
-        <p:nvSpPr>
-          <p:cNvPr id="2" name="Titel 1"/>
-          <p:cNvSpPr>
-            <a:spLocks noGrp="1"/>
-          </p:cNvSpPr>
-          <p:nvPr>
-            <p:ph type="title"/>
-          </p:nvPr>
-        </p:nvSpPr>
-        <p:spPr/>
-        <p:txBody>
-          <a:bodyPr/>
-          <a:lstStyle/>
-          <a:p>
-            <a:r>
-              <a:rPr lang="de-DE" dirty="0"/>
-              <a:t>Diskussion </a:t>
-            </a:r>
-            <a:r>
-              <a:rPr lang="de-DE" sz="2400" dirty="0" smtClean="0"/>
-              <a:t>(4/4</a:t>
-            </a:r>
-            <a:r>
-              <a:rPr lang="de-DE" sz="2400" dirty="0"/>
-              <a:t>)</a:t>
-            </a:r>
-          </a:p>
-        </p:txBody>
-      </p:sp>
-      <p:sp>
-        <p:nvSpPr>
-          <p:cNvPr id="3" name="Inhaltsplatzhalter 2"/>
-          <p:cNvSpPr>
-            <a:spLocks noGrp="1"/>
-          </p:cNvSpPr>
-          <p:nvPr>
-            <p:ph idx="1"/>
-          </p:nvPr>
-        </p:nvSpPr>
-        <p:spPr/>
-        <p:txBody>
-          <a:bodyPr/>
-          <a:lstStyle/>
-          <a:p>
-            <a:r>
-              <a:rPr lang="de-DE" dirty="0" smtClean="0"/>
-              <a:t>Zukunftsaussicht</a:t>
-            </a:r>
-          </a:p>
-          <a:p>
-            <a:pPr lvl="1"/>
-            <a:r>
-              <a:rPr lang="de-DE" dirty="0" smtClean="0"/>
-              <a:t>Demografie</a:t>
-            </a:r>
-          </a:p>
-          <a:p>
-            <a:pPr lvl="1"/>
-            <a:r>
-              <a:rPr lang="de-DE" dirty="0" smtClean="0"/>
-              <a:t>Studiendurchführung</a:t>
-            </a:r>
-          </a:p>
-          <a:p>
-            <a:pPr lvl="1"/>
-            <a:r>
-              <a:rPr lang="de-DE" dirty="0" smtClean="0"/>
-              <a:t>Aufgabenwahl</a:t>
-            </a:r>
-            <a:endParaRPr lang="de-DE" dirty="0"/>
-          </a:p>
-        </p:txBody>
-      </p:sp>
-    </p:spTree>
-    <p:extLst>
-      <p:ext uri="{BB962C8B-B14F-4D97-AF65-F5344CB8AC3E}">
-        <p14:creationId xmlns:p14="http://schemas.microsoft.com/office/powerpoint/2010/main" val="397659059"/>
-      </p:ext>
-    </p:extLst>
-  </p:cSld>
-  <p:clrMapOvr>
-    <a:masterClrMapping/>
-  </p:clrMapOvr>
-  <p:timing>
-    <p:tnLst>
-      <p:par>
-        <p:cTn id="1" dur="indefinite" restart="never" nodeType="tmRoot"/>
-      </p:par>
-    </p:tnLst>
-  </p:timing>
-</p:sld>
-</file>
-
-<file path=ppt/slides/slide23.xml><?xml version="1.0" encoding="utf-8"?>
-<p:sld xmlns:a="http://schemas.openxmlformats.org/drawingml/2006/main" xmlns:r="http://schemas.openxmlformats.org/officeDocument/2006/relationships" xmlns:p="http://schemas.openxmlformats.org/presentationml/2006/main">
-  <p:cSld>
-    <p:spTree>
-      <p:nvGrpSpPr>
-        <p:cNvPr id="1" name=""/>
-        <p:cNvGrpSpPr/>
-        <p:nvPr/>
-      </p:nvGrpSpPr>
-      <p:grpSpPr>
-        <a:xfrm>
-          <a:off x="0" y="0"/>
-          <a:ext cx="0" cy="0"/>
-          <a:chOff x="0" y="0"/>
-          <a:chExt cx="0" cy="0"/>
-        </a:xfrm>
-      </p:grpSpPr>
-      <p:sp>
-        <p:nvSpPr>
-          <p:cNvPr id="2" name="Titel 1"/>
-          <p:cNvSpPr>
-            <a:spLocks noGrp="1"/>
-          </p:cNvSpPr>
-          <p:nvPr>
-            <p:ph type="title"/>
-          </p:nvPr>
-        </p:nvSpPr>
-        <p:spPr/>
-        <p:txBody>
-          <a:bodyPr/>
-          <a:lstStyle/>
-          <a:p>
-            <a:r>
-              <a:rPr lang="de-DE" dirty="0"/>
-              <a:t>Schlussfolgerung</a:t>
-            </a:r>
-          </a:p>
-        </p:txBody>
-      </p:sp>
-      <p:sp>
-        <p:nvSpPr>
-          <p:cNvPr id="3" name="Inhaltsplatzhalter 2"/>
-          <p:cNvSpPr>
-            <a:spLocks noGrp="1"/>
-          </p:cNvSpPr>
-          <p:nvPr>
-            <p:ph idx="1"/>
-          </p:nvPr>
-        </p:nvSpPr>
-        <p:spPr/>
-        <p:txBody>
-          <a:bodyPr/>
-          <a:lstStyle/>
-          <a:p>
-            <a:r>
-              <a:rPr lang="de-DE" dirty="0"/>
-              <a:t>VR</a:t>
-            </a:r>
-          </a:p>
-          <a:p>
-            <a:r>
-              <a:rPr lang="de-DE" dirty="0"/>
-              <a:t>Hypothesen und Parameter und Gruppen</a:t>
-            </a:r>
-          </a:p>
-          <a:p>
-            <a:r>
-              <a:rPr lang="de-DE" dirty="0"/>
-              <a:t>Bewertung der Ergebnisse</a:t>
-            </a:r>
-          </a:p>
-          <a:p>
-            <a:r>
-              <a:rPr lang="de-DE"/>
-              <a:t>Zukünftige </a:t>
-            </a:r>
-            <a:r>
-              <a:rPr lang="de-DE" dirty="0"/>
-              <a:t>Forschung</a:t>
-            </a:r>
-          </a:p>
-        </p:txBody>
-      </p:sp>
-    </p:spTree>
-    <p:extLst>
-      <p:ext uri="{BB962C8B-B14F-4D97-AF65-F5344CB8AC3E}">
-        <p14:creationId xmlns:p14="http://schemas.microsoft.com/office/powerpoint/2010/main" val="284220317"/>
-      </p:ext>
-    </p:extLst>
-  </p:cSld>
-  <p:clrMapOvr>
-    <a:masterClrMapping/>
-  </p:clrMapOvr>
-  <p:timing>
-    <p:tnLst>
-      <p:par>
-        <p:cTn id="1" dur="indefinite" restart="never" nodeType="tmRoot"/>
-      </p:par>
-    </p:tnLst>
-  </p:timing>
-</p:sld>
-</file>
-
-<file path=ppt/slides/slide3.xml><?xml version="1.0" encoding="utf-8"?>
-<p:sld xmlns:a="http://schemas.openxmlformats.org/drawingml/2006/main" xmlns:r="http://schemas.openxmlformats.org/officeDocument/2006/relationships" xmlns:p="http://schemas.openxmlformats.org/presentationml/2006/main">
-  <p:cSld>
-    <p:spTree>
-      <p:nvGrpSpPr>
-        <p:cNvPr id="1" name=""/>
-        <p:cNvGrpSpPr/>
-        <p:nvPr/>
-      </p:nvGrpSpPr>
-      <p:grpSpPr>
-        <a:xfrm>
-          <a:off x="0" y="0"/>
-          <a:ext cx="0" cy="0"/>
-          <a:chOff x="0" y="0"/>
-          <a:chExt cx="0" cy="0"/>
-        </a:xfrm>
-      </p:grpSpPr>
-      <p:sp>
-        <p:nvSpPr>
-          <p:cNvPr id="2" name="Titel 1"/>
-          <p:cNvSpPr>
-            <a:spLocks noGrp="1"/>
-          </p:cNvSpPr>
-          <p:nvPr>
-            <p:ph type="title"/>
-          </p:nvPr>
-        </p:nvSpPr>
-        <p:spPr/>
-        <p:txBody>
-          <a:bodyPr/>
-          <a:lstStyle/>
-          <a:p>
-            <a:r>
-              <a:rPr lang="de-DE" dirty="0"/>
-              <a:t>Übersicht</a:t>
-            </a:r>
-          </a:p>
-        </p:txBody>
-      </p:sp>
-      <p:sp>
-        <p:nvSpPr>
-          <p:cNvPr id="3" name="Inhaltsplatzhalter 2"/>
-          <p:cNvSpPr>
-            <a:spLocks noGrp="1"/>
-          </p:cNvSpPr>
-          <p:nvPr>
-            <p:ph idx="1"/>
-          </p:nvPr>
-        </p:nvSpPr>
-        <p:spPr/>
-        <p:txBody>
-          <a:bodyPr/>
-          <a:lstStyle/>
-          <a:p>
-            <a:r>
-              <a:rPr lang="de-DE" dirty="0"/>
-              <a:t>Motivation</a:t>
-            </a:r>
-          </a:p>
-          <a:p>
-            <a:r>
-              <a:rPr lang="de-DE" dirty="0"/>
-              <a:t>Herangehensweise</a:t>
-            </a:r>
-          </a:p>
-          <a:p>
-            <a:r>
-              <a:rPr lang="de-DE" dirty="0"/>
-              <a:t>Ergebnisse</a:t>
-            </a:r>
-          </a:p>
-          <a:p>
-            <a:r>
-              <a:rPr lang="de-DE" dirty="0"/>
-              <a:t>Diskussion</a:t>
-            </a:r>
-          </a:p>
-          <a:p>
-            <a:r>
-              <a:rPr lang="de-DE" dirty="0"/>
-              <a:t>Schlussfolgerung</a:t>
-            </a:r>
-          </a:p>
-          <a:p>
-            <a:endParaRPr lang="de-DE" dirty="0"/>
-          </a:p>
-        </p:txBody>
-      </p:sp>
-    </p:spTree>
-    <p:extLst>
-      <p:ext uri="{BB962C8B-B14F-4D97-AF65-F5344CB8AC3E}">
-        <p14:creationId xmlns:p14="http://schemas.microsoft.com/office/powerpoint/2010/main" val="2120641522"/>
-      </p:ext>
-    </p:extLst>
-  </p:cSld>
-  <p:clrMapOvr>
-    <a:masterClrMapping/>
-  </p:clrMapOvr>
-  <p:timing>
-    <p:tnLst>
-      <p:par>
-        <p:cTn id="1" dur="indefinite" restart="never" nodeType="tmRoot"/>
-      </p:par>
-    </p:tnLst>
-  </p:timing>
-</p:sld>
-</file>
-
-<file path=ppt/slides/slide4.xml><?xml version="1.0" encoding="utf-8"?>
-<p:sld xmlns:a="http://schemas.openxmlformats.org/drawingml/2006/main" xmlns:r="http://schemas.openxmlformats.org/officeDocument/2006/relationships" xmlns:p="http://schemas.openxmlformats.org/presentationml/2006/main">
-  <p:cSld>
-    <p:spTree>
-      <p:nvGrpSpPr>
-        <p:cNvPr id="1" name=""/>
-        <p:cNvGrpSpPr/>
-        <p:nvPr/>
-      </p:nvGrpSpPr>
-      <p:grpSpPr>
-        <a:xfrm>
-          <a:off x="0" y="0"/>
-          <a:ext cx="0" cy="0"/>
-          <a:chOff x="0" y="0"/>
-          <a:chExt cx="0" cy="0"/>
-        </a:xfrm>
-      </p:grpSpPr>
-      <p:sp>
-        <p:nvSpPr>
-          <p:cNvPr id="2" name="Titel 1"/>
-          <p:cNvSpPr>
-            <a:spLocks noGrp="1"/>
-          </p:cNvSpPr>
-          <p:nvPr>
-            <p:ph type="title"/>
-          </p:nvPr>
-        </p:nvSpPr>
-        <p:spPr/>
-        <p:txBody>
-          <a:bodyPr/>
-          <a:lstStyle/>
-          <a:p>
-            <a:r>
-              <a:rPr lang="de-DE" dirty="0"/>
-              <a:t>Motivation</a:t>
-            </a:r>
-          </a:p>
-        </p:txBody>
-      </p:sp>
-      <p:sp>
-        <p:nvSpPr>
-          <p:cNvPr id="4" name="Inhaltsplatzhalter 3"/>
-          <p:cNvSpPr>
-            <a:spLocks noGrp="1"/>
-          </p:cNvSpPr>
-          <p:nvPr>
-            <p:ph idx="1"/>
-          </p:nvPr>
-        </p:nvSpPr>
-        <p:spPr/>
-        <p:txBody>
-          <a:bodyPr>
-            <a:normAutofit fontScale="85000" lnSpcReduction="20000"/>
-          </a:bodyPr>
-          <a:lstStyle/>
-          <a:p>
-            <a:r>
-              <a:rPr lang="de-DE" dirty="0"/>
-              <a:t>Schnittstelle VR und Realität</a:t>
-            </a:r>
-          </a:p>
-          <a:p>
-            <a:r>
-              <a:rPr lang="de-DE" dirty="0"/>
-              <a:t>AR/VR fester Bestandteil im Alltag</a:t>
-            </a:r>
-          </a:p>
-          <a:p>
-            <a:r>
-              <a:rPr lang="de-DE" dirty="0"/>
-              <a:t>Smart-</a:t>
-            </a:r>
-            <a:r>
-              <a:rPr lang="de-DE" dirty="0" err="1"/>
-              <a:t>Mirrors</a:t>
-            </a:r>
-            <a:r>
-              <a:rPr lang="de-DE" dirty="0"/>
-              <a:t>, Head-</a:t>
-            </a:r>
-            <a:r>
-              <a:rPr lang="de-DE" dirty="0" err="1"/>
-              <a:t>Up</a:t>
-            </a:r>
-            <a:r>
-              <a:rPr lang="de-DE" dirty="0"/>
-              <a:t> Displays</a:t>
-            </a:r>
-          </a:p>
-          <a:p>
-            <a:r>
-              <a:rPr lang="de-DE" dirty="0"/>
-              <a:t>Autonomes Fahren</a:t>
-            </a:r>
-          </a:p>
-          <a:p>
-            <a:endParaRPr lang="de-DE" dirty="0"/>
-          </a:p>
-          <a:p>
-            <a:r>
-              <a:rPr lang="de-DE" dirty="0"/>
-              <a:t>Übergang Ruhephase und Arbeitsphase</a:t>
-            </a:r>
-          </a:p>
-          <a:p>
-            <a:r>
-              <a:rPr lang="de-DE" dirty="0"/>
-              <a:t>Leistungsfähigkeit nach Ruhephase</a:t>
-            </a:r>
-          </a:p>
-          <a:p>
-            <a:r>
-              <a:rPr lang="de-DE" dirty="0"/>
-              <a:t>Aufmerksamkeit, Wachsamkeit, Zuverlässigkeit</a:t>
-            </a:r>
-          </a:p>
-          <a:p>
-            <a:r>
-              <a:rPr lang="de-DE" dirty="0"/>
-              <a:t>Vorbereitung auf Aufgabe</a:t>
-            </a:r>
-          </a:p>
-          <a:p>
-            <a:endParaRPr lang="de-DE" dirty="0"/>
-          </a:p>
-          <a:p>
-            <a:r>
-              <a:rPr lang="de-DE" dirty="0">
-                <a:sym typeface="Wingdings" panose="05000000000000000000" pitchFamily="2" charset="2"/>
-              </a:rPr>
-              <a:t> </a:t>
-            </a:r>
-            <a:r>
-              <a:rPr lang="de-DE" dirty="0" err="1">
-                <a:sym typeface="Wingdings" panose="05000000000000000000" pitchFamily="2" charset="2"/>
-              </a:rPr>
-              <a:t>Paramter</a:t>
-            </a:r>
-            <a:r>
-              <a:rPr lang="de-DE" dirty="0">
-                <a:sym typeface="Wingdings" panose="05000000000000000000" pitchFamily="2" charset="2"/>
-              </a:rPr>
-              <a:t> Licht und Ton : </a:t>
-            </a:r>
-            <a:r>
-              <a:rPr lang="de-DE" dirty="0" err="1">
-                <a:sym typeface="Wingdings" panose="05000000000000000000" pitchFamily="2" charset="2"/>
-              </a:rPr>
-              <a:t>between</a:t>
-            </a:r>
-            <a:r>
-              <a:rPr lang="de-DE" dirty="0">
-                <a:sym typeface="Wingdings" panose="05000000000000000000" pitchFamily="2" charset="2"/>
-              </a:rPr>
-              <a:t> </a:t>
-            </a:r>
-            <a:r>
-              <a:rPr lang="de-DE" dirty="0" err="1">
-                <a:sym typeface="Wingdings" panose="05000000000000000000" pitchFamily="2" charset="2"/>
-              </a:rPr>
-              <a:t>subject</a:t>
-            </a:r>
-            <a:r>
-              <a:rPr lang="de-DE" dirty="0">
-                <a:sym typeface="Wingdings" panose="05000000000000000000" pitchFamily="2" charset="2"/>
-              </a:rPr>
-              <a:t> Studie</a:t>
-            </a:r>
-            <a:endParaRPr lang="de-DE" dirty="0"/>
-          </a:p>
-        </p:txBody>
-      </p:sp>
-    </p:spTree>
-    <p:extLst>
-      <p:ext uri="{BB962C8B-B14F-4D97-AF65-F5344CB8AC3E}">
-        <p14:creationId xmlns:p14="http://schemas.microsoft.com/office/powerpoint/2010/main" val="4180814680"/>
-      </p:ext>
-    </p:extLst>
-  </p:cSld>
-  <p:clrMapOvr>
-    <a:masterClrMapping/>
-  </p:clrMapOvr>
-  <p:timing>
-    <p:tnLst>
-      <p:par>
-        <p:cTn id="1" dur="indefinite" restart="never" nodeType="tmRoot"/>
-      </p:par>
-    </p:tnLst>
-  </p:timing>
-</p:sld>
-</file>
-
-<file path=ppt/slides/slide5.xml><?xml version="1.0" encoding="utf-8"?>
-<p:sld xmlns:a="http://schemas.openxmlformats.org/drawingml/2006/main" xmlns:r="http://schemas.openxmlformats.org/officeDocument/2006/relationships" xmlns:p="http://schemas.openxmlformats.org/presentationml/2006/main">
-  <p:cSld>
-    <p:spTree>
-      <p:nvGrpSpPr>
-        <p:cNvPr id="1" name=""/>
-        <p:cNvGrpSpPr/>
-        <p:nvPr/>
-      </p:nvGrpSpPr>
-      <p:grpSpPr>
-        <a:xfrm>
-          <a:off x="0" y="0"/>
-          <a:ext cx="0" cy="0"/>
-          <a:chOff x="0" y="0"/>
-          <a:chExt cx="0" cy="0"/>
-        </a:xfrm>
-      </p:grpSpPr>
-      <p:sp>
-        <p:nvSpPr>
-          <p:cNvPr id="2" name="Titel 1"/>
-          <p:cNvSpPr>
-            <a:spLocks noGrp="1"/>
-          </p:cNvSpPr>
-          <p:nvPr>
-            <p:ph type="title"/>
-          </p:nvPr>
-        </p:nvSpPr>
-        <p:spPr/>
-        <p:txBody>
-          <a:bodyPr/>
-          <a:lstStyle/>
-          <a:p>
-            <a:r>
-              <a:rPr lang="de-DE" dirty="0"/>
-              <a:t>Herangehensweise</a:t>
-            </a:r>
-          </a:p>
-        </p:txBody>
-      </p:sp>
-      <p:sp>
-        <p:nvSpPr>
-          <p:cNvPr id="3" name="Inhaltsplatzhalter 2"/>
-          <p:cNvSpPr>
-            <a:spLocks noGrp="1"/>
-          </p:cNvSpPr>
-          <p:nvPr>
-            <p:ph idx="1"/>
-          </p:nvPr>
-        </p:nvSpPr>
-        <p:spPr/>
-        <p:txBody>
-          <a:bodyPr/>
-          <a:lstStyle/>
-          <a:p>
-            <a:r>
-              <a:rPr lang="de-DE" dirty="0"/>
-              <a:t>VR Umgebung mit Kopfhörer</a:t>
-            </a:r>
-          </a:p>
-          <a:p>
-            <a:r>
-              <a:rPr lang="de-DE" dirty="0"/>
-              <a:t>Werte aufzeichnen Kopfbewegung, Zeiten </a:t>
-            </a:r>
-            <a:r>
-              <a:rPr lang="de-DE" dirty="0" err="1"/>
-              <a:t>etc</a:t>
-            </a:r>
-            <a:r>
-              <a:rPr lang="de-DE" dirty="0"/>
-              <a:t> -&gt; </a:t>
-            </a:r>
-            <a:r>
-              <a:rPr lang="de-DE" dirty="0" err="1"/>
-              <a:t>csv</a:t>
-            </a:r>
-            <a:r>
-              <a:rPr lang="de-DE" dirty="0"/>
-              <a:t> Format</a:t>
-            </a:r>
-          </a:p>
-          <a:p>
-            <a:r>
-              <a:rPr lang="de-DE" dirty="0"/>
-              <a:t>Gaming-Stuhl</a:t>
-            </a:r>
-          </a:p>
-          <a:p>
-            <a:r>
-              <a:rPr lang="de-DE" dirty="0"/>
-              <a:t>Fragebögen SAM und RSME in VR, andere </a:t>
-            </a:r>
-            <a:r>
-              <a:rPr lang="de-DE" dirty="0" err="1"/>
-              <a:t>limesurvey</a:t>
-            </a:r>
-            <a:endParaRPr lang="de-DE" dirty="0"/>
-          </a:p>
-          <a:p>
-            <a:r>
-              <a:rPr lang="de-DE" dirty="0"/>
-              <a:t>Python, R Skripte, SPSS </a:t>
-            </a:r>
-            <a:r>
-              <a:rPr lang="de-DE" dirty="0" err="1"/>
-              <a:t>etc</a:t>
-            </a:r>
-            <a:endParaRPr lang="de-DE" dirty="0"/>
-          </a:p>
-        </p:txBody>
-      </p:sp>
-    </p:spTree>
-    <p:extLst>
-      <p:ext uri="{BB962C8B-B14F-4D97-AF65-F5344CB8AC3E}">
-        <p14:creationId xmlns:p14="http://schemas.microsoft.com/office/powerpoint/2010/main" val="2126858546"/>
-      </p:ext>
-    </p:extLst>
-  </p:cSld>
-  <p:clrMapOvr>
-    <a:masterClrMapping/>
-  </p:clrMapOvr>
-  <p:timing>
-    <p:tnLst>
-      <p:par>
-        <p:cTn id="1" dur="indefinite" restart="never" nodeType="tmRoot"/>
-      </p:par>
-    </p:tnLst>
-  </p:timing>
-</p:sld>
-</file>
-
-<file path=ppt/slides/slide6.xml><?xml version="1.0" encoding="utf-8"?>
-<p:sld xmlns:a="http://schemas.openxmlformats.org/drawingml/2006/main" xmlns:r="http://schemas.openxmlformats.org/officeDocument/2006/relationships" xmlns:p="http://schemas.openxmlformats.org/presentationml/2006/main">
-  <p:cSld>
-    <p:spTree>
-      <p:nvGrpSpPr>
-        <p:cNvPr id="1" name=""/>
-        <p:cNvGrpSpPr/>
-        <p:nvPr/>
-      </p:nvGrpSpPr>
-      <p:grpSpPr>
-        <a:xfrm>
-          <a:off x="0" y="0"/>
-          <a:ext cx="0" cy="0"/>
-          <a:chOff x="0" y="0"/>
-          <a:chExt cx="0" cy="0"/>
-        </a:xfrm>
-      </p:grpSpPr>
-      <p:sp>
-        <p:nvSpPr>
-          <p:cNvPr id="2" name="Titel 1"/>
-          <p:cNvSpPr>
-            <a:spLocks noGrp="1"/>
-          </p:cNvSpPr>
-          <p:nvPr>
-            <p:ph type="title"/>
-          </p:nvPr>
-        </p:nvSpPr>
-        <p:spPr/>
-        <p:txBody>
-          <a:bodyPr/>
-          <a:lstStyle/>
-          <a:p>
-            <a:r>
-              <a:rPr lang="de-DE" dirty="0"/>
-              <a:t>Lösungsansatz</a:t>
-            </a:r>
-          </a:p>
-        </p:txBody>
-      </p:sp>
-      <p:sp>
-        <p:nvSpPr>
-          <p:cNvPr id="3" name="Inhaltsplatzhalter 2"/>
-          <p:cNvSpPr>
-            <a:spLocks noGrp="1"/>
-          </p:cNvSpPr>
-          <p:nvPr>
-            <p:ph idx="1"/>
-          </p:nvPr>
-        </p:nvSpPr>
-        <p:spPr/>
-        <p:txBody>
-          <a:bodyPr/>
-          <a:lstStyle/>
-          <a:p>
-            <a:r>
-              <a:rPr lang="de-DE" dirty="0"/>
-              <a:t>Übergang schläfriger Zustand, ohne kognitive Belastung, und wacher Zustand, in dem Aufgaben erledigt werden müssen</a:t>
-            </a:r>
-          </a:p>
-          <a:p>
-            <a:r>
-              <a:rPr lang="de-DE" dirty="0"/>
-              <a:t>Hypothesen</a:t>
-            </a:r>
-          </a:p>
-          <a:p>
-            <a:r>
-              <a:rPr lang="de-DE" dirty="0"/>
-              <a:t>Erfasste Parameter: Zeit, Fehlerrate, Blickrichtung</a:t>
-            </a:r>
-          </a:p>
-        </p:txBody>
-      </p:sp>
-    </p:spTree>
-    <p:extLst>
-      <p:ext uri="{BB962C8B-B14F-4D97-AF65-F5344CB8AC3E}">
-        <p14:creationId xmlns:p14="http://schemas.microsoft.com/office/powerpoint/2010/main" val="2101833021"/>
-      </p:ext>
-    </p:extLst>
-  </p:cSld>
-  <p:clrMapOvr>
-    <a:masterClrMapping/>
-  </p:clrMapOvr>
-  <p:timing>
-    <p:tnLst>
-      <p:par>
-        <p:cTn id="1" dur="indefinite" restart="never" nodeType="tmRoot"/>
-      </p:par>
-    </p:tnLst>
-  </p:timing>
-</p:sld>
-</file>
-
-<file path=ppt/slides/slide7.xml><?xml version="1.0" encoding="utf-8"?>
-<p:sld xmlns:a="http://schemas.openxmlformats.org/drawingml/2006/main" xmlns:r="http://schemas.openxmlformats.org/officeDocument/2006/relationships" xmlns:p="http://schemas.openxmlformats.org/presentationml/2006/main">
-  <p:cSld>
-    <p:spTree>
-      <p:nvGrpSpPr>
-        <p:cNvPr id="1" name=""/>
-        <p:cNvGrpSpPr/>
-        <p:nvPr/>
-      </p:nvGrpSpPr>
-      <p:grpSpPr>
-        <a:xfrm>
-          <a:off x="0" y="0"/>
-          <a:ext cx="0" cy="0"/>
-          <a:chOff x="0" y="0"/>
-          <a:chExt cx="0" cy="0"/>
-        </a:xfrm>
-      </p:grpSpPr>
-      <p:sp>
-        <p:nvSpPr>
-          <p:cNvPr id="2" name="Titel 1"/>
-          <p:cNvSpPr>
-            <a:spLocks noGrp="1"/>
-          </p:cNvSpPr>
-          <p:nvPr>
-            <p:ph type="title"/>
-          </p:nvPr>
-        </p:nvSpPr>
-        <p:spPr/>
-        <p:txBody>
-          <a:bodyPr/>
-          <a:lstStyle/>
-          <a:p>
-            <a:r>
-              <a:rPr lang="de-DE" dirty="0"/>
-              <a:t>Studiendesign</a:t>
-            </a:r>
-          </a:p>
-        </p:txBody>
-      </p:sp>
-      <p:sp>
-        <p:nvSpPr>
-          <p:cNvPr id="3" name="Inhaltsplatzhalter 2"/>
-          <p:cNvSpPr>
-            <a:spLocks noGrp="1"/>
-          </p:cNvSpPr>
-          <p:nvPr>
-            <p:ph idx="1"/>
-          </p:nvPr>
-        </p:nvSpPr>
-        <p:spPr/>
-        <p:txBody>
-          <a:bodyPr/>
-          <a:lstStyle/>
-          <a:p>
-            <a:r>
-              <a:rPr lang="de-DE" dirty="0"/>
-              <a:t>Studiendurchführung (Umgebung </a:t>
-            </a:r>
-            <a:r>
-              <a:rPr lang="de-DE" dirty="0" err="1"/>
-              <a:t>etc</a:t>
-            </a:r>
-            <a:r>
-              <a:rPr lang="de-DE" dirty="0"/>
-              <a:t>)</a:t>
-            </a:r>
-          </a:p>
-          <a:p>
-            <a:r>
-              <a:rPr lang="de-DE" dirty="0"/>
-              <a:t>Studienablauf : 1. Einführung 2. Ruhephase 3. Aufgaben 4. Fragebögen</a:t>
-            </a:r>
-          </a:p>
-          <a:p>
-            <a:r>
-              <a:rPr lang="de-DE" dirty="0"/>
-              <a:t>SAM und RSME (</a:t>
-            </a:r>
-            <a:r>
-              <a:rPr lang="de-DE" dirty="0" err="1"/>
-              <a:t>maybe</a:t>
-            </a:r>
-            <a:r>
-              <a:rPr lang="de-DE" dirty="0"/>
-              <a:t> mit </a:t>
-            </a:r>
-            <a:r>
-              <a:rPr lang="de-DE" dirty="0" err="1"/>
-              <a:t>pic</a:t>
-            </a:r>
-            <a:r>
-              <a:rPr lang="de-DE" dirty="0"/>
-              <a:t>)</a:t>
-            </a:r>
-          </a:p>
-          <a:p>
-            <a:endParaRPr lang="de-DE" dirty="0"/>
-          </a:p>
-        </p:txBody>
-      </p:sp>
-    </p:spTree>
-    <p:extLst>
-      <p:ext uri="{BB962C8B-B14F-4D97-AF65-F5344CB8AC3E}">
-        <p14:creationId xmlns:p14="http://schemas.microsoft.com/office/powerpoint/2010/main" val="4095961174"/>
-      </p:ext>
-    </p:extLst>
-  </p:cSld>
-  <p:clrMapOvr>
-    <a:masterClrMapping/>
-  </p:clrMapOvr>
-  <p:timing>
-    <p:tnLst>
-      <p:par>
-        <p:cTn id="1" dur="indefinite" restart="never" nodeType="tmRoot"/>
-      </p:par>
-    </p:tnLst>
-  </p:timing>
-</p:sld>
-</file>
-
-<file path=ppt/slides/slide8.xml><?xml version="1.0" encoding="utf-8"?>
-<p:sld xmlns:a="http://schemas.openxmlformats.org/drawingml/2006/main" xmlns:r="http://schemas.openxmlformats.org/officeDocument/2006/relationships" xmlns:p="http://schemas.openxmlformats.org/presentationml/2006/main">
-  <p:cSld>
-    <p:spTree>
-      <p:nvGrpSpPr>
-        <p:cNvPr id="1" name=""/>
-        <p:cNvGrpSpPr/>
-        <p:nvPr/>
-      </p:nvGrpSpPr>
-      <p:grpSpPr>
-        <a:xfrm>
-          <a:off x="0" y="0"/>
-          <a:ext cx="0" cy="0"/>
-          <a:chOff x="0" y="0"/>
-          <a:chExt cx="0" cy="0"/>
-        </a:xfrm>
-      </p:grpSpPr>
-      <p:sp>
-        <p:nvSpPr>
-          <p:cNvPr id="2" name="Titel 1"/>
-          <p:cNvSpPr>
-            <a:spLocks noGrp="1"/>
-          </p:cNvSpPr>
-          <p:nvPr>
-            <p:ph type="title"/>
-          </p:nvPr>
-        </p:nvSpPr>
-        <p:spPr/>
-        <p:txBody>
-          <a:bodyPr/>
-          <a:lstStyle/>
-          <a:p>
-            <a:r>
-              <a:rPr lang="de-DE" dirty="0"/>
               <a:t>45 Probanden in 3 Studiengruppen</a:t>
             </a:r>
           </a:p>
@@ -13820,6 +11444,79 @@
           </a:p>
         </p:txBody>
       </p:sp>
+      <p:sp>
+        <p:nvSpPr>
+          <p:cNvPr id="11" name="Titel 1"/>
+          <p:cNvSpPr txBox="1">
+            <a:spLocks/>
+          </p:cNvSpPr>
+          <p:nvPr/>
+        </p:nvSpPr>
+        <p:spPr>
+          <a:xfrm>
+            <a:off x="1046205" y="5532437"/>
+            <a:ext cx="10515600" cy="1325563"/>
+          </a:xfrm>
+          <a:prstGeom prst="rect">
+            <a:avLst/>
+          </a:prstGeom>
+        </p:spPr>
+        <p:txBody>
+          <a:bodyPr vert="horz" lIns="91440" tIns="45720" rIns="91440" bIns="45720" rtlCol="0" anchor="ctr">
+            <a:normAutofit/>
+          </a:bodyPr>
+          <a:lstStyle>
+            <a:lvl1pPr algn="l" defTabSz="914400" rtl="0" eaLnBrk="1" latinLnBrk="0" hangingPunct="1">
+              <a:lnSpc>
+                <a:spcPct val="90000"/>
+              </a:lnSpc>
+              <a:spcBef>
+                <a:spcPct val="0"/>
+              </a:spcBef>
+              <a:buNone/>
+              <a:defRPr sz="4400" kern="1200">
+                <a:solidFill>
+                  <a:srgbClr val="0D6F6E"/>
+                </a:solidFill>
+                <a:latin typeface="Futura Lt BT" panose="020B0402020204020303" pitchFamily="34" charset="0"/>
+                <a:ea typeface="+mj-ea"/>
+                <a:cs typeface="+mj-cs"/>
+              </a:defRPr>
+            </a:lvl1pPr>
+          </a:lstStyle>
+          <a:p>
+            <a:r>
+              <a:rPr lang="de-DE" sz="2000" dirty="0" smtClean="0">
+                <a:solidFill>
+                  <a:srgbClr val="FF0000"/>
+                </a:solidFill>
+              </a:rPr>
+              <a:t>Die Folie vielleicht nach Herangehensweise beim erklären der </a:t>
+            </a:r>
+            <a:r>
+              <a:rPr lang="de-DE" sz="2000" dirty="0" err="1" smtClean="0">
+                <a:solidFill>
+                  <a:srgbClr val="FF0000"/>
+                </a:solidFill>
+              </a:rPr>
+              <a:t>Paramter</a:t>
+            </a:r>
+            <a:r>
+              <a:rPr lang="de-DE" sz="2000" dirty="0" smtClean="0">
+                <a:solidFill>
+                  <a:srgbClr val="FF0000"/>
+                </a:solidFill>
+              </a:rPr>
+              <a:t> die wir untersuchen werden? </a:t>
+            </a:r>
+            <a:endParaRPr lang="de-DE" sz="2000" dirty="0">
+              <a:solidFill>
+                <a:srgbClr val="FF0000"/>
+              </a:solidFill>
+            </a:endParaRPr>
+          </a:p>
+        </p:txBody>
+      </p:sp>
     </p:spTree>
     <p:extLst>
       <p:ext uri="{BB962C8B-B14F-4D97-AF65-F5344CB8AC3E}">
@@ -13994,7 +11691,4814 @@
 </p:sld>
 </file>
 
-<file path=ppt/slides/slide9.xml><?xml version="1.0" encoding="utf-8"?>
+<file path=ppt/slides/slide11.xml><?xml version="1.0" encoding="utf-8"?>
+<p:sld xmlns:a="http://schemas.openxmlformats.org/drawingml/2006/main" xmlns:r="http://schemas.openxmlformats.org/officeDocument/2006/relationships" xmlns:p="http://schemas.openxmlformats.org/presentationml/2006/main">
+  <p:cSld>
+    <p:spTree>
+      <p:nvGrpSpPr>
+        <p:cNvPr id="1" name=""/>
+        <p:cNvGrpSpPr/>
+        <p:nvPr/>
+      </p:nvGrpSpPr>
+      <p:grpSpPr>
+        <a:xfrm>
+          <a:off x="0" y="0"/>
+          <a:ext cx="0" cy="0"/>
+          <a:chOff x="0" y="0"/>
+          <a:chExt cx="0" cy="0"/>
+        </a:xfrm>
+      </p:grpSpPr>
+      <p:sp>
+        <p:nvSpPr>
+          <p:cNvPr id="5" name="Titel 4">
+            <a:extLst>
+              <a:ext uri="{FF2B5EF4-FFF2-40B4-BE49-F238E27FC236}">
+                <a16:creationId xmlns:a16="http://schemas.microsoft.com/office/drawing/2014/main" id="{D3B3AA58-6A5E-4BF4-8CA0-E6B0BBBF57BD}"/>
+              </a:ext>
+            </a:extLst>
+          </p:cNvPr>
+          <p:cNvSpPr>
+            <a:spLocks noGrp="1"/>
+          </p:cNvSpPr>
+          <p:nvPr>
+            <p:ph type="title"/>
+          </p:nvPr>
+        </p:nvSpPr>
+        <p:spPr/>
+        <p:txBody>
+          <a:bodyPr/>
+          <a:lstStyle/>
+          <a:p>
+            <a:r>
+              <a:rPr lang="de-DE" dirty="0" smtClean="0"/>
+              <a:t>Video</a:t>
+            </a:r>
+            <a:endParaRPr lang="de-DE" sz="2400" dirty="0"/>
+          </a:p>
+        </p:txBody>
+      </p:sp>
+      <p:sp>
+        <p:nvSpPr>
+          <p:cNvPr id="3" name="Inhaltsplatzhalter 2">
+            <a:extLst>
+              <a:ext uri="{FF2B5EF4-FFF2-40B4-BE49-F238E27FC236}">
+                <a16:creationId xmlns:a16="http://schemas.microsoft.com/office/drawing/2014/main" id="{CA552B51-2B65-4706-BCBA-EFA42B1145C0}"/>
+              </a:ext>
+            </a:extLst>
+          </p:cNvPr>
+          <p:cNvSpPr>
+            <a:spLocks noGrp="1"/>
+          </p:cNvSpPr>
+          <p:nvPr>
+            <p:ph idx="1"/>
+          </p:nvPr>
+        </p:nvSpPr>
+        <p:spPr/>
+        <p:txBody>
+          <a:bodyPr/>
+          <a:lstStyle/>
+          <a:p>
+            <a:endParaRPr lang="de-DE" dirty="0"/>
+          </a:p>
+        </p:txBody>
+      </p:sp>
+    </p:spTree>
+    <p:extLst>
+      <p:ext uri="{BB962C8B-B14F-4D97-AF65-F5344CB8AC3E}">
+        <p14:creationId xmlns:p14="http://schemas.microsoft.com/office/powerpoint/2010/main" val="182811933"/>
+      </p:ext>
+    </p:extLst>
+  </p:cSld>
+  <p:clrMapOvr>
+    <a:masterClrMapping/>
+  </p:clrMapOvr>
+  <p:timing>
+    <p:tnLst>
+      <p:par>
+        <p:cTn id="1" dur="indefinite" restart="never" nodeType="tmRoot"/>
+      </p:par>
+    </p:tnLst>
+  </p:timing>
+</p:sld>
+</file>
+
+<file path=ppt/slides/slide12.xml><?xml version="1.0" encoding="utf-8"?>
+<p:sld xmlns:a="http://schemas.openxmlformats.org/drawingml/2006/main" xmlns:r="http://schemas.openxmlformats.org/officeDocument/2006/relationships" xmlns:p="http://schemas.openxmlformats.org/presentationml/2006/main">
+  <p:cSld>
+    <p:spTree>
+      <p:nvGrpSpPr>
+        <p:cNvPr id="1" name=""/>
+        <p:cNvGrpSpPr/>
+        <p:nvPr/>
+      </p:nvGrpSpPr>
+      <p:grpSpPr>
+        <a:xfrm>
+          <a:off x="0" y="0"/>
+          <a:ext cx="0" cy="0"/>
+          <a:chOff x="0" y="0"/>
+          <a:chExt cx="0" cy="0"/>
+        </a:xfrm>
+      </p:grpSpPr>
+      <p:sp>
+        <p:nvSpPr>
+          <p:cNvPr id="2" name="Titel 1"/>
+          <p:cNvSpPr>
+            <a:spLocks noGrp="1"/>
+          </p:cNvSpPr>
+          <p:nvPr>
+            <p:ph type="title"/>
+          </p:nvPr>
+        </p:nvSpPr>
+        <p:spPr/>
+        <p:txBody>
+          <a:bodyPr/>
+          <a:lstStyle/>
+          <a:p>
+            <a:r>
+              <a:rPr lang="de-DE" dirty="0" smtClean="0"/>
+              <a:t>Ergebnisse </a:t>
+            </a:r>
+            <a:r>
+              <a:rPr lang="de-DE" sz="2400" dirty="0" smtClean="0"/>
+              <a:t>(</a:t>
+            </a:r>
+            <a:r>
+              <a:rPr lang="de-DE" sz="2400" dirty="0" smtClean="0"/>
+              <a:t>1/11) </a:t>
+            </a:r>
+            <a:r>
+              <a:rPr lang="de-DE" sz="2400" dirty="0" smtClean="0">
+                <a:solidFill>
+                  <a:srgbClr val="FF0000"/>
+                </a:solidFill>
+              </a:rPr>
+              <a:t>hier SAM raus? Und weise </a:t>
+            </a:r>
+            <a:r>
+              <a:rPr lang="de-DE" sz="2400" dirty="0" err="1" smtClean="0">
+                <a:solidFill>
+                  <a:srgbClr val="FF0000"/>
+                </a:solidFill>
+              </a:rPr>
+              <a:t>schrift</a:t>
+            </a:r>
+            <a:r>
+              <a:rPr lang="de-DE" sz="2400" dirty="0" smtClean="0">
+                <a:solidFill>
+                  <a:srgbClr val="FF0000"/>
+                </a:solidFill>
+              </a:rPr>
+              <a:t> besser lesen?</a:t>
+            </a:r>
+            <a:endParaRPr lang="de-DE" sz="2400" dirty="0">
+              <a:solidFill>
+                <a:srgbClr val="FF0000"/>
+              </a:solidFill>
+            </a:endParaRPr>
+          </a:p>
+        </p:txBody>
+      </p:sp>
+      <p:graphicFrame>
+        <p:nvGraphicFramePr>
+          <p:cNvPr id="8" name="Inhaltsplatzhalter 7"/>
+          <p:cNvGraphicFramePr>
+            <a:graphicFrameLocks noGrp="1"/>
+          </p:cNvGraphicFramePr>
+          <p:nvPr>
+            <p:ph idx="1"/>
+            <p:extLst>
+              <p:ext uri="{D42A27DB-BD31-4B8C-83A1-F6EECF244321}">
+                <p14:modId xmlns:p14="http://schemas.microsoft.com/office/powerpoint/2010/main" val="1870270125"/>
+              </p:ext>
+            </p:extLst>
+          </p:nvPr>
+        </p:nvGraphicFramePr>
+        <p:xfrm>
+          <a:off x="411480" y="1825625"/>
+          <a:ext cx="3498850" cy="3101975"/>
+        </p:xfrm>
+        <a:graphic>
+          <a:graphicData uri="http://schemas.openxmlformats.org/drawingml/2006/chart">
+            <c:chart xmlns:c="http://schemas.openxmlformats.org/drawingml/2006/chart" xmlns:r="http://schemas.openxmlformats.org/officeDocument/2006/relationships" r:id="rId2"/>
+          </a:graphicData>
+        </a:graphic>
+      </p:graphicFrame>
+      <mc:AlternateContent xmlns:mc="http://schemas.openxmlformats.org/markup-compatibility/2006" xmlns:cx="http://schemas.microsoft.com/office/drawing/2014/chartex">
+        <mc:Choice Requires="cx">
+          <p:graphicFrame>
+            <p:nvGraphicFramePr>
+              <p:cNvPr id="15" name="Diagramm 14"/>
+              <p:cNvGraphicFramePr/>
+              <p:nvPr>
+                <p:extLst>
+                  <p:ext uri="{D42A27DB-BD31-4B8C-83A1-F6EECF244321}">
+                    <p14:modId xmlns:p14="http://schemas.microsoft.com/office/powerpoint/2010/main" val="1147403612"/>
+                  </p:ext>
+                </p:extLst>
+              </p:nvPr>
+            </p:nvGraphicFramePr>
+            <p:xfrm>
+              <a:off x="4032297" y="1879200"/>
+              <a:ext cx="3350166" cy="3048400"/>
+            </p:xfrm>
+            <a:graphic>
+              <a:graphicData uri="http://schemas.microsoft.com/office/drawing/2014/chartex">
+                <c:chart xmlns:c="http://schemas.openxmlformats.org/drawingml/2006/chart" xmlns:r="http://schemas.openxmlformats.org/officeDocument/2006/relationships" r:id="rId3"/>
+              </a:graphicData>
+            </a:graphic>
+          </p:graphicFrame>
+        </mc:Choice>
+        <mc:Fallback xmlns="">
+          <p:pic>
+            <p:nvPicPr>
+              <p:cNvPr id="15" name="Diagramm 14"/>
+              <p:cNvPicPr>
+                <a:picLocks noGrp="1" noRot="1" noChangeAspect="1" noMove="1" noResize="1" noEditPoints="1" noAdjustHandles="1" noChangeArrowheads="1" noChangeShapeType="1"/>
+              </p:cNvPicPr>
+              <p:nvPr/>
+            </p:nvPicPr>
+            <p:blipFill>
+              <a:blip r:embed="rId4"/>
+              <a:stretch>
+                <a:fillRect/>
+              </a:stretch>
+            </p:blipFill>
+            <p:spPr>
+              <a:xfrm>
+                <a:off x="4032297" y="1879200"/>
+                <a:ext cx="3350166" cy="3048400"/>
+              </a:xfrm>
+              <a:prstGeom prst="rect">
+                <a:avLst/>
+              </a:prstGeom>
+            </p:spPr>
+          </p:pic>
+        </mc:Fallback>
+      </mc:AlternateContent>
+      <mc:AlternateContent xmlns:mc="http://schemas.openxmlformats.org/markup-compatibility/2006" xmlns:cx="http://schemas.microsoft.com/office/drawing/2014/chartex">
+        <mc:Choice Requires="cx">
+          <p:graphicFrame>
+            <p:nvGraphicFramePr>
+              <p:cNvPr id="21" name="Diagramm 20"/>
+              <p:cNvGraphicFramePr/>
+              <p:nvPr>
+                <p:extLst>
+                  <p:ext uri="{D42A27DB-BD31-4B8C-83A1-F6EECF244321}">
+                    <p14:modId xmlns:p14="http://schemas.microsoft.com/office/powerpoint/2010/main" val="2059168894"/>
+                  </p:ext>
+                </p:extLst>
+              </p:nvPr>
+            </p:nvGraphicFramePr>
+            <p:xfrm>
+              <a:off x="8003634" y="1879200"/>
+              <a:ext cx="3350166" cy="4003200"/>
+            </p:xfrm>
+            <a:graphic>
+              <a:graphicData uri="http://schemas.microsoft.com/office/drawing/2014/chartex">
+                <c:chart xmlns:c="http://schemas.openxmlformats.org/drawingml/2006/chart" xmlns:r="http://schemas.openxmlformats.org/officeDocument/2006/relationships" r:id="rId5"/>
+              </a:graphicData>
+            </a:graphic>
+          </p:graphicFrame>
+        </mc:Choice>
+        <mc:Fallback xmlns="">
+          <p:pic>
+            <p:nvPicPr>
+              <p:cNvPr id="21" name="Diagramm 20"/>
+              <p:cNvPicPr>
+                <a:picLocks noGrp="1" noRot="1" noChangeAspect="1" noMove="1" noResize="1" noEditPoints="1" noAdjustHandles="1" noChangeArrowheads="1" noChangeShapeType="1"/>
+              </p:cNvPicPr>
+              <p:nvPr/>
+            </p:nvPicPr>
+            <p:blipFill>
+              <a:blip r:embed="rId6"/>
+              <a:stretch>
+                <a:fillRect/>
+              </a:stretch>
+            </p:blipFill>
+            <p:spPr>
+              <a:xfrm>
+                <a:off x="8003634" y="1879200"/>
+                <a:ext cx="3350166" cy="4003200"/>
+              </a:xfrm>
+              <a:prstGeom prst="rect">
+                <a:avLst/>
+              </a:prstGeom>
+            </p:spPr>
+          </p:pic>
+        </mc:Fallback>
+      </mc:AlternateContent>
+    </p:spTree>
+    <p:extLst>
+      <p:ext uri="{BB962C8B-B14F-4D97-AF65-F5344CB8AC3E}">
+        <p14:creationId xmlns:p14="http://schemas.microsoft.com/office/powerpoint/2010/main" val="2021924618"/>
+      </p:ext>
+    </p:extLst>
+  </p:cSld>
+  <p:clrMapOvr>
+    <a:masterClrMapping/>
+  </p:clrMapOvr>
+  <p:timing>
+    <p:tnLst>
+      <p:par>
+        <p:cTn id="1" dur="indefinite" restart="never" nodeType="tmRoot"/>
+      </p:par>
+    </p:tnLst>
+  </p:timing>
+</p:sld>
+</file>
+
+<file path=ppt/slides/slide13.xml><?xml version="1.0" encoding="utf-8"?>
+<p:sld xmlns:a="http://schemas.openxmlformats.org/drawingml/2006/main" xmlns:r="http://schemas.openxmlformats.org/officeDocument/2006/relationships" xmlns:p="http://schemas.openxmlformats.org/presentationml/2006/main">
+  <p:cSld>
+    <p:spTree>
+      <p:nvGrpSpPr>
+        <p:cNvPr id="1" name=""/>
+        <p:cNvGrpSpPr/>
+        <p:nvPr/>
+      </p:nvGrpSpPr>
+      <p:grpSpPr>
+        <a:xfrm>
+          <a:off x="0" y="0"/>
+          <a:ext cx="0" cy="0"/>
+          <a:chOff x="0" y="0"/>
+          <a:chExt cx="0" cy="0"/>
+        </a:xfrm>
+      </p:grpSpPr>
+      <p:sp>
+        <p:nvSpPr>
+          <p:cNvPr id="2" name="Titel 1"/>
+          <p:cNvSpPr>
+            <a:spLocks noGrp="1"/>
+          </p:cNvSpPr>
+          <p:nvPr>
+            <p:ph type="title"/>
+          </p:nvPr>
+        </p:nvSpPr>
+        <p:spPr/>
+        <p:txBody>
+          <a:bodyPr/>
+          <a:lstStyle/>
+          <a:p>
+            <a:r>
+              <a:rPr lang="de-DE" dirty="0" smtClean="0"/>
+              <a:t>Ergebnisse </a:t>
+            </a:r>
+            <a:r>
+              <a:rPr lang="de-DE" sz="2400" dirty="0" smtClean="0"/>
+              <a:t>(2/11)</a:t>
+            </a:r>
+            <a:endParaRPr lang="de-DE" sz="2400" dirty="0"/>
+          </a:p>
+        </p:txBody>
+      </p:sp>
+      <p:sp>
+        <p:nvSpPr>
+          <p:cNvPr id="3" name="Inhaltsplatzhalter 2"/>
+          <p:cNvSpPr>
+            <a:spLocks noGrp="1"/>
+          </p:cNvSpPr>
+          <p:nvPr>
+            <p:ph idx="1"/>
+          </p:nvPr>
+        </p:nvSpPr>
+        <p:spPr/>
+        <p:txBody>
+          <a:bodyPr/>
+          <a:lstStyle/>
+          <a:p>
+            <a:r>
+              <a:rPr lang="de-DE" dirty="0" smtClean="0"/>
+              <a:t>RSME</a:t>
+            </a:r>
+          </a:p>
+          <a:p>
+            <a:r>
+              <a:rPr lang="de-DE" dirty="0" smtClean="0"/>
+              <a:t>SAM</a:t>
+            </a:r>
+          </a:p>
+          <a:p>
+            <a:r>
+              <a:rPr lang="de-DE" dirty="0" smtClean="0"/>
+              <a:t>Stuhleinstellungen</a:t>
+            </a:r>
+          </a:p>
+          <a:p>
+            <a:r>
+              <a:rPr lang="de-DE" dirty="0" smtClean="0"/>
+              <a:t>Kopfbewegungen</a:t>
+            </a:r>
+          </a:p>
+          <a:p>
+            <a:r>
+              <a:rPr lang="de-DE" dirty="0" smtClean="0"/>
+              <a:t>Dauer des </a:t>
+            </a:r>
+            <a:r>
+              <a:rPr lang="de-DE" dirty="0" err="1" smtClean="0"/>
+              <a:t>Wecktons</a:t>
+            </a:r>
+            <a:r>
+              <a:rPr lang="de-DE" dirty="0"/>
+              <a:t> </a:t>
+            </a:r>
+            <a:r>
+              <a:rPr lang="de-DE" dirty="0" smtClean="0"/>
+              <a:t>Gruppe Alarm</a:t>
+            </a:r>
+          </a:p>
+          <a:p>
+            <a:r>
+              <a:rPr lang="de-DE" dirty="0" smtClean="0"/>
+              <a:t>…</a:t>
+            </a:r>
+          </a:p>
+        </p:txBody>
+      </p:sp>
+    </p:spTree>
+    <p:extLst>
+      <p:ext uri="{BB962C8B-B14F-4D97-AF65-F5344CB8AC3E}">
+        <p14:creationId xmlns:p14="http://schemas.microsoft.com/office/powerpoint/2010/main" val="3658954441"/>
+      </p:ext>
+    </p:extLst>
+  </p:cSld>
+  <p:clrMapOvr>
+    <a:masterClrMapping/>
+  </p:clrMapOvr>
+</p:sld>
+</file>
+
+<file path=ppt/slides/slide14.xml><?xml version="1.0" encoding="utf-8"?>
+<p:sld xmlns:a="http://schemas.openxmlformats.org/drawingml/2006/main" xmlns:r="http://schemas.openxmlformats.org/officeDocument/2006/relationships" xmlns:p="http://schemas.openxmlformats.org/presentationml/2006/main">
+  <p:cSld>
+    <p:spTree>
+      <p:nvGrpSpPr>
+        <p:cNvPr id="1" name=""/>
+        <p:cNvGrpSpPr/>
+        <p:nvPr/>
+      </p:nvGrpSpPr>
+      <p:grpSpPr>
+        <a:xfrm>
+          <a:off x="0" y="0"/>
+          <a:ext cx="0" cy="0"/>
+          <a:chOff x="0" y="0"/>
+          <a:chExt cx="0" cy="0"/>
+        </a:xfrm>
+      </p:grpSpPr>
+      <p:sp>
+        <p:nvSpPr>
+          <p:cNvPr id="2" name="Titel 1"/>
+          <p:cNvSpPr>
+            <a:spLocks noGrp="1"/>
+          </p:cNvSpPr>
+          <p:nvPr>
+            <p:ph type="title"/>
+          </p:nvPr>
+        </p:nvSpPr>
+        <p:spPr/>
+        <p:txBody>
+          <a:bodyPr/>
+          <a:lstStyle/>
+          <a:p>
+            <a:r>
+              <a:rPr lang="de-DE" dirty="0" smtClean="0"/>
+              <a:t>Ergebnisse </a:t>
+            </a:r>
+            <a:r>
+              <a:rPr lang="de-DE" sz="2400" dirty="0" smtClean="0"/>
+              <a:t>(3/11)</a:t>
+            </a:r>
+            <a:endParaRPr lang="de-DE" sz="2400" dirty="0"/>
+          </a:p>
+        </p:txBody>
+      </p:sp>
+      <p:graphicFrame>
+        <p:nvGraphicFramePr>
+          <p:cNvPr id="7" name="Inhaltsplatzhalter 6"/>
+          <p:cNvGraphicFramePr>
+            <a:graphicFrameLocks noGrp="1"/>
+          </p:cNvGraphicFramePr>
+          <p:nvPr>
+            <p:ph idx="1"/>
+            <p:extLst>
+              <p:ext uri="{D42A27DB-BD31-4B8C-83A1-F6EECF244321}">
+                <p14:modId xmlns:p14="http://schemas.microsoft.com/office/powerpoint/2010/main" val="31603868"/>
+              </p:ext>
+            </p:extLst>
+          </p:nvPr>
+        </p:nvGraphicFramePr>
+        <p:xfrm>
+          <a:off x="972000" y="1386000"/>
+          <a:ext cx="10231200" cy="5328000"/>
+        </p:xfrm>
+        <a:graphic>
+          <a:graphicData uri="http://schemas.openxmlformats.org/drawingml/2006/chart">
+            <c:chart xmlns:c="http://schemas.openxmlformats.org/drawingml/2006/chart" xmlns:r="http://schemas.openxmlformats.org/officeDocument/2006/relationships" r:id="rId2"/>
+          </a:graphicData>
+        </a:graphic>
+      </p:graphicFrame>
+    </p:spTree>
+    <p:extLst>
+      <p:ext uri="{BB962C8B-B14F-4D97-AF65-F5344CB8AC3E}">
+        <p14:creationId xmlns:p14="http://schemas.microsoft.com/office/powerpoint/2010/main" val="2254292330"/>
+      </p:ext>
+    </p:extLst>
+  </p:cSld>
+  <p:clrMapOvr>
+    <a:masterClrMapping/>
+  </p:clrMapOvr>
+  <p:timing>
+    <p:tnLst>
+      <p:par>
+        <p:cTn id="1" dur="indefinite" restart="never" nodeType="tmRoot"/>
+      </p:par>
+    </p:tnLst>
+  </p:timing>
+</p:sld>
+</file>
+
+<file path=ppt/slides/slide15.xml><?xml version="1.0" encoding="utf-8"?>
+<p:sld xmlns:a="http://schemas.openxmlformats.org/drawingml/2006/main" xmlns:r="http://schemas.openxmlformats.org/officeDocument/2006/relationships" xmlns:p="http://schemas.openxmlformats.org/presentationml/2006/main">
+  <p:cSld>
+    <p:spTree>
+      <p:nvGrpSpPr>
+        <p:cNvPr id="1" name=""/>
+        <p:cNvGrpSpPr/>
+        <p:nvPr/>
+      </p:nvGrpSpPr>
+      <p:grpSpPr>
+        <a:xfrm>
+          <a:off x="0" y="0"/>
+          <a:ext cx="0" cy="0"/>
+          <a:chOff x="0" y="0"/>
+          <a:chExt cx="0" cy="0"/>
+        </a:xfrm>
+      </p:grpSpPr>
+      <p:sp>
+        <p:nvSpPr>
+          <p:cNvPr id="2" name="Titel 1"/>
+          <p:cNvSpPr>
+            <a:spLocks noGrp="1"/>
+          </p:cNvSpPr>
+          <p:nvPr>
+            <p:ph type="title"/>
+          </p:nvPr>
+        </p:nvSpPr>
+        <p:spPr/>
+        <p:txBody>
+          <a:bodyPr/>
+          <a:lstStyle/>
+          <a:p>
+            <a:r>
+              <a:rPr lang="de-DE" dirty="0" smtClean="0"/>
+              <a:t>Ergebnisse </a:t>
+            </a:r>
+            <a:r>
+              <a:rPr lang="de-DE" sz="2400" dirty="0" smtClean="0"/>
+              <a:t>(4/11)</a:t>
+            </a:r>
+            <a:endParaRPr lang="de-DE" sz="2400" dirty="0"/>
+          </a:p>
+        </p:txBody>
+      </p:sp>
+      <p:sp>
+        <p:nvSpPr>
+          <p:cNvPr id="3" name="Inhaltsplatzhalter 2"/>
+          <p:cNvSpPr>
+            <a:spLocks noGrp="1"/>
+          </p:cNvSpPr>
+          <p:nvPr>
+            <p:ph idx="1"/>
+          </p:nvPr>
+        </p:nvSpPr>
+        <p:spPr/>
+        <p:txBody>
+          <a:bodyPr/>
+          <a:lstStyle/>
+          <a:p>
+            <a:r>
+              <a:rPr lang="de-DE" dirty="0" smtClean="0">
+                <a:solidFill>
+                  <a:srgbClr val="FF0000"/>
+                </a:solidFill>
+              </a:rPr>
+              <a:t>Hier Fehler Zeiten Aufgabe 1 Diagramm</a:t>
+            </a:r>
+            <a:endParaRPr lang="de-DE" dirty="0">
+              <a:solidFill>
+                <a:srgbClr val="FF0000"/>
+              </a:solidFill>
+            </a:endParaRPr>
+          </a:p>
+        </p:txBody>
+      </p:sp>
+    </p:spTree>
+    <p:extLst>
+      <p:ext uri="{BB962C8B-B14F-4D97-AF65-F5344CB8AC3E}">
+        <p14:creationId xmlns:p14="http://schemas.microsoft.com/office/powerpoint/2010/main" val="3720027322"/>
+      </p:ext>
+    </p:extLst>
+  </p:cSld>
+  <p:clrMapOvr>
+    <a:masterClrMapping/>
+  </p:clrMapOvr>
+  <p:timing>
+    <p:tnLst>
+      <p:par>
+        <p:cTn id="1" dur="indefinite" restart="never" nodeType="tmRoot"/>
+      </p:par>
+    </p:tnLst>
+  </p:timing>
+</p:sld>
+</file>
+
+<file path=ppt/slides/slide16.xml><?xml version="1.0" encoding="utf-8"?>
+<p:sld xmlns:a="http://schemas.openxmlformats.org/drawingml/2006/main" xmlns:r="http://schemas.openxmlformats.org/officeDocument/2006/relationships" xmlns:p="http://schemas.openxmlformats.org/presentationml/2006/main">
+  <p:cSld>
+    <p:spTree>
+      <p:nvGrpSpPr>
+        <p:cNvPr id="1" name=""/>
+        <p:cNvGrpSpPr/>
+        <p:nvPr/>
+      </p:nvGrpSpPr>
+      <p:grpSpPr>
+        <a:xfrm>
+          <a:off x="0" y="0"/>
+          <a:ext cx="0" cy="0"/>
+          <a:chOff x="0" y="0"/>
+          <a:chExt cx="0" cy="0"/>
+        </a:xfrm>
+      </p:grpSpPr>
+      <p:sp>
+        <p:nvSpPr>
+          <p:cNvPr id="2" name="Titel 1"/>
+          <p:cNvSpPr>
+            <a:spLocks noGrp="1"/>
+          </p:cNvSpPr>
+          <p:nvPr>
+            <p:ph type="title"/>
+          </p:nvPr>
+        </p:nvSpPr>
+        <p:spPr/>
+        <p:txBody>
+          <a:bodyPr/>
+          <a:lstStyle/>
+          <a:p>
+            <a:r>
+              <a:rPr lang="de-DE" dirty="0" smtClean="0"/>
+              <a:t>Ergebnisse </a:t>
+            </a:r>
+            <a:r>
+              <a:rPr lang="de-DE" sz="2400" dirty="0" smtClean="0"/>
+              <a:t>(5/11)</a:t>
+            </a:r>
+            <a:endParaRPr lang="de-DE" sz="2400" dirty="0"/>
+          </a:p>
+        </p:txBody>
+      </p:sp>
+      <p:graphicFrame>
+        <p:nvGraphicFramePr>
+          <p:cNvPr id="7" name="Inhaltsplatzhalter 6"/>
+          <p:cNvGraphicFramePr>
+            <a:graphicFrameLocks noGrp="1"/>
+          </p:cNvGraphicFramePr>
+          <p:nvPr>
+            <p:ph idx="1"/>
+            <p:extLst>
+              <p:ext uri="{D42A27DB-BD31-4B8C-83A1-F6EECF244321}">
+                <p14:modId xmlns:p14="http://schemas.microsoft.com/office/powerpoint/2010/main" val="3974189253"/>
+              </p:ext>
+            </p:extLst>
+          </p:nvPr>
+        </p:nvGraphicFramePr>
+        <p:xfrm>
+          <a:off x="972000" y="1386000"/>
+          <a:ext cx="10231200" cy="5328000"/>
+        </p:xfrm>
+        <a:graphic>
+          <a:graphicData uri="http://schemas.openxmlformats.org/drawingml/2006/chart">
+            <c:chart xmlns:c="http://schemas.openxmlformats.org/drawingml/2006/chart" xmlns:r="http://schemas.openxmlformats.org/officeDocument/2006/relationships" r:id="rId2"/>
+          </a:graphicData>
+        </a:graphic>
+      </p:graphicFrame>
+    </p:spTree>
+    <p:extLst>
+      <p:ext uri="{BB962C8B-B14F-4D97-AF65-F5344CB8AC3E}">
+        <p14:creationId xmlns:p14="http://schemas.microsoft.com/office/powerpoint/2010/main" val="762957527"/>
+      </p:ext>
+    </p:extLst>
+  </p:cSld>
+  <p:clrMapOvr>
+    <a:masterClrMapping/>
+  </p:clrMapOvr>
+  <p:timing>
+    <p:tnLst>
+      <p:par>
+        <p:cTn id="1" dur="indefinite" restart="never" nodeType="tmRoot"/>
+      </p:par>
+    </p:tnLst>
+  </p:timing>
+</p:sld>
+</file>
+
+<file path=ppt/slides/slide17.xml><?xml version="1.0" encoding="utf-8"?>
+<p:sld xmlns:a="http://schemas.openxmlformats.org/drawingml/2006/main" xmlns:r="http://schemas.openxmlformats.org/officeDocument/2006/relationships" xmlns:p="http://schemas.openxmlformats.org/presentationml/2006/main">
+  <p:cSld>
+    <p:spTree>
+      <p:nvGrpSpPr>
+        <p:cNvPr id="1" name=""/>
+        <p:cNvGrpSpPr/>
+        <p:nvPr/>
+      </p:nvGrpSpPr>
+      <p:grpSpPr>
+        <a:xfrm>
+          <a:off x="0" y="0"/>
+          <a:ext cx="0" cy="0"/>
+          <a:chOff x="0" y="0"/>
+          <a:chExt cx="0" cy="0"/>
+        </a:xfrm>
+      </p:grpSpPr>
+      <p:sp>
+        <p:nvSpPr>
+          <p:cNvPr id="2" name="Titel 1"/>
+          <p:cNvSpPr>
+            <a:spLocks noGrp="1"/>
+          </p:cNvSpPr>
+          <p:nvPr>
+            <p:ph type="title"/>
+          </p:nvPr>
+        </p:nvSpPr>
+        <p:spPr/>
+        <p:txBody>
+          <a:bodyPr/>
+          <a:lstStyle/>
+          <a:p>
+            <a:r>
+              <a:rPr lang="de-DE" dirty="0" smtClean="0"/>
+              <a:t>Ergebnisse </a:t>
+            </a:r>
+            <a:r>
+              <a:rPr lang="de-DE" sz="2400" dirty="0" smtClean="0"/>
+              <a:t>(6/11)</a:t>
+            </a:r>
+            <a:endParaRPr lang="de-DE" sz="2400" dirty="0"/>
+          </a:p>
+        </p:txBody>
+      </p:sp>
+      <p:sp>
+        <p:nvSpPr>
+          <p:cNvPr id="3" name="Inhaltsplatzhalter 2"/>
+          <p:cNvSpPr>
+            <a:spLocks noGrp="1"/>
+          </p:cNvSpPr>
+          <p:nvPr>
+            <p:ph idx="1"/>
+          </p:nvPr>
+        </p:nvSpPr>
+        <p:spPr/>
+        <p:txBody>
+          <a:bodyPr/>
+          <a:lstStyle/>
+          <a:p>
+            <a:r>
+              <a:rPr lang="de-DE" dirty="0" smtClean="0">
+                <a:solidFill>
+                  <a:srgbClr val="FF0000"/>
+                </a:solidFill>
+              </a:rPr>
+              <a:t>Hier Fehler Zeiten Aufgabe 2 Diagramm</a:t>
+            </a:r>
+            <a:endParaRPr lang="de-DE" dirty="0">
+              <a:solidFill>
+                <a:srgbClr val="FF0000"/>
+              </a:solidFill>
+            </a:endParaRPr>
+          </a:p>
+        </p:txBody>
+      </p:sp>
+    </p:spTree>
+    <p:extLst>
+      <p:ext uri="{BB962C8B-B14F-4D97-AF65-F5344CB8AC3E}">
+        <p14:creationId xmlns:p14="http://schemas.microsoft.com/office/powerpoint/2010/main" val="1344184110"/>
+      </p:ext>
+    </p:extLst>
+  </p:cSld>
+  <p:clrMapOvr>
+    <a:masterClrMapping/>
+  </p:clrMapOvr>
+  <p:timing>
+    <p:tnLst>
+      <p:par>
+        <p:cTn id="1" dur="indefinite" restart="never" nodeType="tmRoot"/>
+      </p:par>
+    </p:tnLst>
+  </p:timing>
+</p:sld>
+</file>
+
+<file path=ppt/slides/slide18.xml><?xml version="1.0" encoding="utf-8"?>
+<p:sld xmlns:a="http://schemas.openxmlformats.org/drawingml/2006/main" xmlns:r="http://schemas.openxmlformats.org/officeDocument/2006/relationships" xmlns:p="http://schemas.openxmlformats.org/presentationml/2006/main">
+  <p:cSld>
+    <p:spTree>
+      <p:nvGrpSpPr>
+        <p:cNvPr id="1" name=""/>
+        <p:cNvGrpSpPr/>
+        <p:nvPr/>
+      </p:nvGrpSpPr>
+      <p:grpSpPr>
+        <a:xfrm>
+          <a:off x="0" y="0"/>
+          <a:ext cx="0" cy="0"/>
+          <a:chOff x="0" y="0"/>
+          <a:chExt cx="0" cy="0"/>
+        </a:xfrm>
+      </p:grpSpPr>
+      <p:sp>
+        <p:nvSpPr>
+          <p:cNvPr id="2" name="Titel 1"/>
+          <p:cNvSpPr>
+            <a:spLocks noGrp="1"/>
+          </p:cNvSpPr>
+          <p:nvPr>
+            <p:ph type="title"/>
+          </p:nvPr>
+        </p:nvSpPr>
+        <p:spPr/>
+        <p:txBody>
+          <a:bodyPr/>
+          <a:lstStyle/>
+          <a:p>
+            <a:r>
+              <a:rPr lang="de-DE" dirty="0" smtClean="0"/>
+              <a:t>Ergebnisse </a:t>
+            </a:r>
+            <a:r>
+              <a:rPr lang="de-DE" sz="2400" dirty="0" smtClean="0"/>
+              <a:t>(7/11)</a:t>
+            </a:r>
+            <a:endParaRPr lang="de-DE" sz="2400" dirty="0"/>
+          </a:p>
+        </p:txBody>
+      </p:sp>
+      <p:graphicFrame>
+        <p:nvGraphicFramePr>
+          <p:cNvPr id="7" name="Inhaltsplatzhalter 6"/>
+          <p:cNvGraphicFramePr>
+            <a:graphicFrameLocks noGrp="1"/>
+          </p:cNvGraphicFramePr>
+          <p:nvPr>
+            <p:ph idx="1"/>
+            <p:extLst>
+              <p:ext uri="{D42A27DB-BD31-4B8C-83A1-F6EECF244321}">
+                <p14:modId xmlns:p14="http://schemas.microsoft.com/office/powerpoint/2010/main" val="1906825942"/>
+              </p:ext>
+            </p:extLst>
+          </p:nvPr>
+        </p:nvGraphicFramePr>
+        <p:xfrm>
+          <a:off x="972000" y="1386000"/>
+          <a:ext cx="10231200" cy="5328000"/>
+        </p:xfrm>
+        <a:graphic>
+          <a:graphicData uri="http://schemas.openxmlformats.org/drawingml/2006/chart">
+            <c:chart xmlns:c="http://schemas.openxmlformats.org/drawingml/2006/chart" xmlns:r="http://schemas.openxmlformats.org/officeDocument/2006/relationships" r:id="rId2"/>
+          </a:graphicData>
+        </a:graphic>
+      </p:graphicFrame>
+    </p:spTree>
+    <p:extLst>
+      <p:ext uri="{BB962C8B-B14F-4D97-AF65-F5344CB8AC3E}">
+        <p14:creationId xmlns:p14="http://schemas.microsoft.com/office/powerpoint/2010/main" val="2783193995"/>
+      </p:ext>
+    </p:extLst>
+  </p:cSld>
+  <p:clrMapOvr>
+    <a:masterClrMapping/>
+  </p:clrMapOvr>
+  <p:timing>
+    <p:tnLst>
+      <p:par>
+        <p:cTn id="1" dur="indefinite" restart="never" nodeType="tmRoot"/>
+      </p:par>
+    </p:tnLst>
+  </p:timing>
+</p:sld>
+</file>
+
+<file path=ppt/slides/slide19.xml><?xml version="1.0" encoding="utf-8"?>
+<p:sld xmlns:a="http://schemas.openxmlformats.org/drawingml/2006/main" xmlns:r="http://schemas.openxmlformats.org/officeDocument/2006/relationships" xmlns:p="http://schemas.openxmlformats.org/presentationml/2006/main">
+  <p:cSld>
+    <p:spTree>
+      <p:nvGrpSpPr>
+        <p:cNvPr id="1" name=""/>
+        <p:cNvGrpSpPr/>
+        <p:nvPr/>
+      </p:nvGrpSpPr>
+      <p:grpSpPr>
+        <a:xfrm>
+          <a:off x="0" y="0"/>
+          <a:ext cx="0" cy="0"/>
+          <a:chOff x="0" y="0"/>
+          <a:chExt cx="0" cy="0"/>
+        </a:xfrm>
+      </p:grpSpPr>
+      <p:sp>
+        <p:nvSpPr>
+          <p:cNvPr id="2" name="Titel 1"/>
+          <p:cNvSpPr>
+            <a:spLocks noGrp="1"/>
+          </p:cNvSpPr>
+          <p:nvPr>
+            <p:ph type="title"/>
+          </p:nvPr>
+        </p:nvSpPr>
+        <p:spPr/>
+        <p:txBody>
+          <a:bodyPr/>
+          <a:lstStyle/>
+          <a:p>
+            <a:r>
+              <a:rPr lang="de-DE" dirty="0" smtClean="0"/>
+              <a:t>Ergebnisse </a:t>
+            </a:r>
+            <a:r>
+              <a:rPr lang="de-DE" sz="2400" dirty="0" smtClean="0"/>
+              <a:t>(8/11)</a:t>
+            </a:r>
+            <a:endParaRPr lang="de-DE" sz="2400" dirty="0"/>
+          </a:p>
+        </p:txBody>
+      </p:sp>
+      <p:sp>
+        <p:nvSpPr>
+          <p:cNvPr id="3" name="Inhaltsplatzhalter 2"/>
+          <p:cNvSpPr>
+            <a:spLocks noGrp="1"/>
+          </p:cNvSpPr>
+          <p:nvPr>
+            <p:ph idx="1"/>
+          </p:nvPr>
+        </p:nvSpPr>
+        <p:spPr/>
+        <p:txBody>
+          <a:bodyPr/>
+          <a:lstStyle/>
+          <a:p>
+            <a:r>
+              <a:rPr lang="de-DE" dirty="0" smtClean="0">
+                <a:solidFill>
+                  <a:srgbClr val="FF0000"/>
+                </a:solidFill>
+              </a:rPr>
+              <a:t>Hier Fehler Zeiten Aufgabe 3 Diagramm</a:t>
+            </a:r>
+            <a:endParaRPr lang="de-DE" dirty="0">
+              <a:solidFill>
+                <a:srgbClr val="FF0000"/>
+              </a:solidFill>
+            </a:endParaRPr>
+          </a:p>
+        </p:txBody>
+      </p:sp>
+    </p:spTree>
+    <p:extLst>
+      <p:ext uri="{BB962C8B-B14F-4D97-AF65-F5344CB8AC3E}">
+        <p14:creationId xmlns:p14="http://schemas.microsoft.com/office/powerpoint/2010/main" val="3673922998"/>
+      </p:ext>
+    </p:extLst>
+  </p:cSld>
+  <p:clrMapOvr>
+    <a:masterClrMapping/>
+  </p:clrMapOvr>
+  <p:timing>
+    <p:tnLst>
+      <p:par>
+        <p:cTn id="1" dur="indefinite" restart="never" nodeType="tmRoot"/>
+      </p:par>
+    </p:tnLst>
+  </p:timing>
+</p:sld>
+</file>
+
+<file path=ppt/slides/slide2.xml><?xml version="1.0" encoding="utf-8"?>
+<p:sld xmlns:a="http://schemas.openxmlformats.org/drawingml/2006/main" xmlns:r="http://schemas.openxmlformats.org/officeDocument/2006/relationships" xmlns:p="http://schemas.openxmlformats.org/presentationml/2006/main">
+  <p:cSld>
+    <p:spTree>
+      <p:nvGrpSpPr>
+        <p:cNvPr id="1" name=""/>
+        <p:cNvGrpSpPr/>
+        <p:nvPr/>
+      </p:nvGrpSpPr>
+      <p:grpSpPr>
+        <a:xfrm>
+          <a:off x="0" y="0"/>
+          <a:ext cx="0" cy="0"/>
+          <a:chOff x="0" y="0"/>
+          <a:chExt cx="0" cy="0"/>
+        </a:xfrm>
+      </p:grpSpPr>
+      <p:sp>
+        <p:nvSpPr>
+          <p:cNvPr id="2" name="Titel 1"/>
+          <p:cNvSpPr>
+            <a:spLocks noGrp="1"/>
+          </p:cNvSpPr>
+          <p:nvPr>
+            <p:ph type="title"/>
+          </p:nvPr>
+        </p:nvSpPr>
+        <p:spPr/>
+        <p:txBody>
+          <a:bodyPr/>
+          <a:lstStyle/>
+          <a:p>
+            <a:r>
+              <a:rPr lang="de-DE" dirty="0"/>
+              <a:t>Übersicht</a:t>
+            </a:r>
+          </a:p>
+        </p:txBody>
+      </p:sp>
+      <p:sp>
+        <p:nvSpPr>
+          <p:cNvPr id="3" name="Inhaltsplatzhalter 2"/>
+          <p:cNvSpPr>
+            <a:spLocks noGrp="1"/>
+          </p:cNvSpPr>
+          <p:nvPr>
+            <p:ph idx="1"/>
+          </p:nvPr>
+        </p:nvSpPr>
+        <p:spPr/>
+        <p:txBody>
+          <a:bodyPr/>
+          <a:lstStyle/>
+          <a:p>
+            <a:r>
+              <a:rPr lang="de-DE" dirty="0" smtClean="0"/>
+              <a:t>Motivation</a:t>
+            </a:r>
+          </a:p>
+          <a:p>
+            <a:r>
+              <a:rPr lang="de-DE" dirty="0"/>
+              <a:t>Herangehensweise</a:t>
+            </a:r>
+          </a:p>
+          <a:p>
+            <a:r>
+              <a:rPr lang="de-DE" dirty="0" smtClean="0"/>
+              <a:t>Ergebnisse</a:t>
+            </a:r>
+            <a:endParaRPr lang="de-DE" dirty="0"/>
+          </a:p>
+          <a:p>
+            <a:r>
+              <a:rPr lang="de-DE" dirty="0"/>
+              <a:t>Diskussion</a:t>
+            </a:r>
+          </a:p>
+          <a:p>
+            <a:r>
+              <a:rPr lang="de-DE" dirty="0"/>
+              <a:t>Schlussfolgerung</a:t>
+            </a:r>
+          </a:p>
+          <a:p>
+            <a:endParaRPr lang="de-DE" dirty="0"/>
+          </a:p>
+        </p:txBody>
+      </p:sp>
+    </p:spTree>
+    <p:extLst>
+      <p:ext uri="{BB962C8B-B14F-4D97-AF65-F5344CB8AC3E}">
+        <p14:creationId xmlns:p14="http://schemas.microsoft.com/office/powerpoint/2010/main" val="2120641522"/>
+      </p:ext>
+    </p:extLst>
+  </p:cSld>
+  <p:clrMapOvr>
+    <a:masterClrMapping/>
+  </p:clrMapOvr>
+  <p:timing>
+    <p:tnLst>
+      <p:par>
+        <p:cTn id="1" dur="indefinite" restart="never" nodeType="tmRoot"/>
+      </p:par>
+    </p:tnLst>
+  </p:timing>
+</p:sld>
+</file>
+
+<file path=ppt/slides/slide20.xml><?xml version="1.0" encoding="utf-8"?>
+<p:sld xmlns:a="http://schemas.openxmlformats.org/drawingml/2006/main" xmlns:r="http://schemas.openxmlformats.org/officeDocument/2006/relationships" xmlns:p="http://schemas.openxmlformats.org/presentationml/2006/main">
+  <p:cSld>
+    <p:spTree>
+      <p:nvGrpSpPr>
+        <p:cNvPr id="1" name=""/>
+        <p:cNvGrpSpPr/>
+        <p:nvPr/>
+      </p:nvGrpSpPr>
+      <p:grpSpPr>
+        <a:xfrm>
+          <a:off x="0" y="0"/>
+          <a:ext cx="0" cy="0"/>
+          <a:chOff x="0" y="0"/>
+          <a:chExt cx="0" cy="0"/>
+        </a:xfrm>
+      </p:grpSpPr>
+      <p:sp>
+        <p:nvSpPr>
+          <p:cNvPr id="2" name="Titel 1"/>
+          <p:cNvSpPr>
+            <a:spLocks noGrp="1"/>
+          </p:cNvSpPr>
+          <p:nvPr>
+            <p:ph type="title"/>
+          </p:nvPr>
+        </p:nvSpPr>
+        <p:spPr/>
+        <p:txBody>
+          <a:bodyPr/>
+          <a:lstStyle/>
+          <a:p>
+            <a:r>
+              <a:rPr lang="de-DE" dirty="0" smtClean="0"/>
+              <a:t>Ergebnisse </a:t>
+            </a:r>
+            <a:r>
+              <a:rPr lang="de-DE" sz="2400" dirty="0" smtClean="0"/>
+              <a:t>(9/11)</a:t>
+            </a:r>
+            <a:endParaRPr lang="de-DE" sz="2400" dirty="0"/>
+          </a:p>
+        </p:txBody>
+      </p:sp>
+      <p:sp>
+        <p:nvSpPr>
+          <p:cNvPr id="3" name="Inhaltsplatzhalter 2"/>
+          <p:cNvSpPr>
+            <a:spLocks noGrp="1"/>
+          </p:cNvSpPr>
+          <p:nvPr>
+            <p:ph idx="1"/>
+          </p:nvPr>
+        </p:nvSpPr>
+        <p:spPr/>
+        <p:txBody>
+          <a:bodyPr/>
+          <a:lstStyle/>
+          <a:p>
+            <a:r>
+              <a:rPr lang="de-DE" dirty="0"/>
+              <a:t>Demografisch (Alter, Erfahrung, Geschlecht)</a:t>
+            </a:r>
+          </a:p>
+          <a:p>
+            <a:r>
+              <a:rPr lang="de-DE" dirty="0"/>
+              <a:t>Umgebungsvariablen (Stuhleinstellungen)</a:t>
+            </a:r>
+          </a:p>
+          <a:p>
+            <a:r>
+              <a:rPr lang="de-DE" dirty="0"/>
+              <a:t>Dauer des </a:t>
+            </a:r>
+            <a:r>
+              <a:rPr lang="de-DE" dirty="0" err="1"/>
+              <a:t>Wecktons</a:t>
+            </a:r>
+            <a:r>
+              <a:rPr lang="de-DE" dirty="0"/>
+              <a:t> zum Abstellen</a:t>
+            </a:r>
+          </a:p>
+          <a:p>
+            <a:r>
+              <a:rPr lang="de-DE" dirty="0"/>
+              <a:t>Aufgabenergebnisse (Fehlerraten, Zeiten in Gruppen)</a:t>
+            </a:r>
+          </a:p>
+          <a:p>
+            <a:r>
+              <a:rPr lang="de-DE" dirty="0"/>
+              <a:t>Fragebögen (Sam, RSME)</a:t>
+            </a:r>
+          </a:p>
+          <a:p>
+            <a:r>
+              <a:rPr lang="de-DE" dirty="0"/>
+              <a:t>Schlafstatus</a:t>
+            </a:r>
+          </a:p>
+          <a:p>
+            <a:r>
+              <a:rPr lang="de-DE" dirty="0" err="1"/>
+              <a:t>Limesurvey</a:t>
+            </a:r>
+            <a:r>
+              <a:rPr lang="de-DE" dirty="0"/>
+              <a:t> (Müdigkeit vorher/</a:t>
+            </a:r>
+            <a:r>
+              <a:rPr lang="de-DE" dirty="0" err="1"/>
+              <a:t>nachehr</a:t>
+            </a:r>
+            <a:r>
+              <a:rPr lang="de-DE" dirty="0"/>
+              <a:t>, Aufgabenschwierigkeit, Komfort mit VR Brille, ..)</a:t>
+            </a:r>
+          </a:p>
+        </p:txBody>
+      </p:sp>
+    </p:spTree>
+    <p:extLst>
+      <p:ext uri="{BB962C8B-B14F-4D97-AF65-F5344CB8AC3E}">
+        <p14:creationId xmlns:p14="http://schemas.microsoft.com/office/powerpoint/2010/main" val="2393554626"/>
+      </p:ext>
+    </p:extLst>
+  </p:cSld>
+  <p:clrMapOvr>
+    <a:masterClrMapping/>
+  </p:clrMapOvr>
+  <p:timing>
+    <p:tnLst>
+      <p:par>
+        <p:cTn id="1" dur="indefinite" restart="never" nodeType="tmRoot"/>
+      </p:par>
+    </p:tnLst>
+  </p:timing>
+</p:sld>
+</file>
+
+<file path=ppt/slides/slide21.xml><?xml version="1.0" encoding="utf-8"?>
+<p:sld xmlns:a="http://schemas.openxmlformats.org/drawingml/2006/main" xmlns:r="http://schemas.openxmlformats.org/officeDocument/2006/relationships" xmlns:p="http://schemas.openxmlformats.org/presentationml/2006/main">
+  <p:cSld>
+    <p:spTree>
+      <p:nvGrpSpPr>
+        <p:cNvPr id="1" name=""/>
+        <p:cNvGrpSpPr/>
+        <p:nvPr/>
+      </p:nvGrpSpPr>
+      <p:grpSpPr>
+        <a:xfrm>
+          <a:off x="0" y="0"/>
+          <a:ext cx="0" cy="0"/>
+          <a:chOff x="0" y="0"/>
+          <a:chExt cx="0" cy="0"/>
+        </a:xfrm>
+      </p:grpSpPr>
+      <p:sp>
+        <p:nvSpPr>
+          <p:cNvPr id="2" name="Titel 1"/>
+          <p:cNvSpPr>
+            <a:spLocks noGrp="1"/>
+          </p:cNvSpPr>
+          <p:nvPr>
+            <p:ph type="title"/>
+          </p:nvPr>
+        </p:nvSpPr>
+        <p:spPr/>
+        <p:txBody>
+          <a:bodyPr/>
+          <a:lstStyle/>
+          <a:p>
+            <a:r>
+              <a:rPr lang="de-DE" dirty="0" smtClean="0"/>
+              <a:t>Ergebnisse </a:t>
+            </a:r>
+            <a:r>
+              <a:rPr lang="de-DE" sz="2400" dirty="0" smtClean="0"/>
+              <a:t>(10/11)</a:t>
+            </a:r>
+            <a:endParaRPr lang="de-DE" sz="2400" dirty="0"/>
+          </a:p>
+        </p:txBody>
+      </p:sp>
+      <p:sp>
+        <p:nvSpPr>
+          <p:cNvPr id="3" name="Inhaltsplatzhalter 2"/>
+          <p:cNvSpPr>
+            <a:spLocks noGrp="1"/>
+          </p:cNvSpPr>
+          <p:nvPr>
+            <p:ph idx="1"/>
+          </p:nvPr>
+        </p:nvSpPr>
+        <p:spPr/>
+        <p:txBody>
+          <a:bodyPr/>
+          <a:lstStyle/>
+          <a:p>
+            <a:r>
+              <a:rPr lang="de-DE" dirty="0" smtClean="0">
+                <a:solidFill>
+                  <a:srgbClr val="FF0000"/>
+                </a:solidFill>
+              </a:rPr>
+              <a:t>Hier links geschlafen/nicht geschlafen/meditiert Diagramm</a:t>
+            </a:r>
+          </a:p>
+          <a:p>
+            <a:endParaRPr lang="de-DE" dirty="0">
+              <a:solidFill>
+                <a:srgbClr val="FF0000"/>
+              </a:solidFill>
+            </a:endParaRPr>
+          </a:p>
+          <a:p>
+            <a:r>
+              <a:rPr lang="de-DE" dirty="0">
+                <a:solidFill>
+                  <a:srgbClr val="FF0000"/>
+                </a:solidFill>
+              </a:rPr>
+              <a:t>Und rechts subjektive Schätzung der </a:t>
+            </a:r>
+            <a:r>
+              <a:rPr lang="de-DE" dirty="0" smtClean="0">
+                <a:solidFill>
+                  <a:srgbClr val="FF0000"/>
+                </a:solidFill>
+              </a:rPr>
+              <a:t>Schlafdauer</a:t>
+            </a:r>
+          </a:p>
+          <a:p>
+            <a:r>
+              <a:rPr lang="de-DE" dirty="0" smtClean="0">
+                <a:solidFill>
+                  <a:srgbClr val="FF0000"/>
+                </a:solidFill>
+              </a:rPr>
+              <a:t>(</a:t>
+            </a:r>
+            <a:r>
+              <a:rPr lang="de-DE" dirty="0" err="1" smtClean="0">
+                <a:solidFill>
+                  <a:srgbClr val="FF0000"/>
+                </a:solidFill>
+              </a:rPr>
+              <a:t>empfungen</a:t>
+            </a:r>
+            <a:r>
+              <a:rPr lang="de-DE" dirty="0" smtClean="0">
+                <a:solidFill>
+                  <a:srgbClr val="FF0000"/>
+                </a:solidFill>
+              </a:rPr>
+              <a:t> Schlafdauer unterteilt nach Gruppen?)</a:t>
+            </a:r>
+            <a:endParaRPr lang="de-DE" dirty="0">
+              <a:solidFill>
+                <a:srgbClr val="FF0000"/>
+              </a:solidFill>
+            </a:endParaRPr>
+          </a:p>
+          <a:p>
+            <a:endParaRPr lang="de-DE" dirty="0">
+              <a:solidFill>
+                <a:srgbClr val="FF0000"/>
+              </a:solidFill>
+            </a:endParaRPr>
+          </a:p>
+        </p:txBody>
+      </p:sp>
+    </p:spTree>
+    <p:extLst>
+      <p:ext uri="{BB962C8B-B14F-4D97-AF65-F5344CB8AC3E}">
+        <p14:creationId xmlns:p14="http://schemas.microsoft.com/office/powerpoint/2010/main" val="669866523"/>
+      </p:ext>
+    </p:extLst>
+  </p:cSld>
+  <p:clrMapOvr>
+    <a:masterClrMapping/>
+  </p:clrMapOvr>
+</p:sld>
+</file>
+
+<file path=ppt/slides/slide22.xml><?xml version="1.0" encoding="utf-8"?>
+<p:sld xmlns:a="http://schemas.openxmlformats.org/drawingml/2006/main" xmlns:r="http://schemas.openxmlformats.org/officeDocument/2006/relationships" xmlns:p="http://schemas.openxmlformats.org/presentationml/2006/main">
+  <p:cSld>
+    <p:spTree>
+      <p:nvGrpSpPr>
+        <p:cNvPr id="1" name=""/>
+        <p:cNvGrpSpPr/>
+        <p:nvPr/>
+      </p:nvGrpSpPr>
+      <p:grpSpPr>
+        <a:xfrm>
+          <a:off x="0" y="0"/>
+          <a:ext cx="0" cy="0"/>
+          <a:chOff x="0" y="0"/>
+          <a:chExt cx="0" cy="0"/>
+        </a:xfrm>
+      </p:grpSpPr>
+      <p:sp>
+        <p:nvSpPr>
+          <p:cNvPr id="2" name="Titel 1"/>
+          <p:cNvSpPr>
+            <a:spLocks noGrp="1"/>
+          </p:cNvSpPr>
+          <p:nvPr>
+            <p:ph type="title"/>
+          </p:nvPr>
+        </p:nvSpPr>
+        <p:spPr/>
+        <p:txBody>
+          <a:bodyPr/>
+          <a:lstStyle/>
+          <a:p>
+            <a:r>
+              <a:rPr lang="de-DE" dirty="0" smtClean="0"/>
+              <a:t>Ergebnisse </a:t>
+            </a:r>
+            <a:r>
+              <a:rPr lang="de-DE" sz="2400" dirty="0" smtClean="0"/>
+              <a:t>(11/11)</a:t>
+            </a:r>
+            <a:endParaRPr lang="de-DE" sz="2400" dirty="0"/>
+          </a:p>
+        </p:txBody>
+      </p:sp>
+      <p:sp>
+        <p:nvSpPr>
+          <p:cNvPr id="3" name="Inhaltsplatzhalter 2"/>
+          <p:cNvSpPr>
+            <a:spLocks noGrp="1"/>
+          </p:cNvSpPr>
+          <p:nvPr>
+            <p:ph idx="1"/>
+          </p:nvPr>
+        </p:nvSpPr>
+        <p:spPr/>
+        <p:txBody>
+          <a:bodyPr/>
+          <a:lstStyle/>
+          <a:p>
+            <a:r>
+              <a:rPr lang="de-DE" dirty="0" smtClean="0">
+                <a:solidFill>
+                  <a:srgbClr val="FF0000"/>
+                </a:solidFill>
+              </a:rPr>
+              <a:t>Hier links Übergang Schlafen </a:t>
+            </a:r>
+            <a:r>
+              <a:rPr lang="de-DE" dirty="0" err="1" smtClean="0">
+                <a:solidFill>
+                  <a:srgbClr val="FF0000"/>
+                </a:solidFill>
+              </a:rPr>
+              <a:t>transition</a:t>
+            </a:r>
+            <a:r>
+              <a:rPr lang="de-DE" dirty="0" smtClean="0">
+                <a:solidFill>
+                  <a:srgbClr val="FF0000"/>
+                </a:solidFill>
+              </a:rPr>
+              <a:t> </a:t>
+            </a:r>
+            <a:r>
+              <a:rPr lang="de-DE" dirty="0" err="1" smtClean="0">
+                <a:solidFill>
+                  <a:srgbClr val="FF0000"/>
+                </a:solidFill>
+              </a:rPr>
+              <a:t>sleep</a:t>
+            </a:r>
+            <a:r>
+              <a:rPr lang="de-DE" dirty="0" smtClean="0">
+                <a:solidFill>
+                  <a:srgbClr val="FF0000"/>
+                </a:solidFill>
+              </a:rPr>
+              <a:t> </a:t>
+            </a:r>
+            <a:r>
+              <a:rPr lang="de-DE" dirty="0" err="1" smtClean="0">
+                <a:solidFill>
+                  <a:srgbClr val="FF0000"/>
+                </a:solidFill>
+              </a:rPr>
+              <a:t>solving</a:t>
+            </a:r>
+            <a:r>
+              <a:rPr lang="de-DE" dirty="0" smtClean="0">
+                <a:solidFill>
+                  <a:srgbClr val="FF0000"/>
+                </a:solidFill>
+              </a:rPr>
+              <a:t> </a:t>
+            </a:r>
+            <a:r>
+              <a:rPr lang="de-DE" dirty="0" err="1" smtClean="0">
+                <a:solidFill>
+                  <a:srgbClr val="FF0000"/>
+                </a:solidFill>
+              </a:rPr>
+              <a:t>tasks</a:t>
+            </a:r>
+            <a:r>
+              <a:rPr lang="de-DE" dirty="0" smtClean="0">
+                <a:solidFill>
+                  <a:srgbClr val="FF0000"/>
+                </a:solidFill>
+              </a:rPr>
+              <a:t> Diagramm Balken</a:t>
+            </a:r>
+          </a:p>
+          <a:p>
+            <a:endParaRPr lang="de-DE" dirty="0">
+              <a:solidFill>
+                <a:srgbClr val="FF0000"/>
+              </a:solidFill>
+            </a:endParaRPr>
+          </a:p>
+        </p:txBody>
+      </p:sp>
+    </p:spTree>
+    <p:extLst>
+      <p:ext uri="{BB962C8B-B14F-4D97-AF65-F5344CB8AC3E}">
+        <p14:creationId xmlns:p14="http://schemas.microsoft.com/office/powerpoint/2010/main" val="3259930981"/>
+      </p:ext>
+    </p:extLst>
+  </p:cSld>
+  <p:clrMapOvr>
+    <a:masterClrMapping/>
+  </p:clrMapOvr>
+</p:sld>
+</file>
+
+<file path=ppt/slides/slide23.xml><?xml version="1.0" encoding="utf-8"?>
+<p:sld xmlns:a="http://schemas.openxmlformats.org/drawingml/2006/main" xmlns:r="http://schemas.openxmlformats.org/officeDocument/2006/relationships" xmlns:p="http://schemas.openxmlformats.org/presentationml/2006/main">
+  <p:cSld>
+    <p:spTree>
+      <p:nvGrpSpPr>
+        <p:cNvPr id="1" name=""/>
+        <p:cNvGrpSpPr/>
+        <p:nvPr/>
+      </p:nvGrpSpPr>
+      <p:grpSpPr>
+        <a:xfrm>
+          <a:off x="0" y="0"/>
+          <a:ext cx="0" cy="0"/>
+          <a:chOff x="0" y="0"/>
+          <a:chExt cx="0" cy="0"/>
+        </a:xfrm>
+      </p:grpSpPr>
+      <p:sp>
+        <p:nvSpPr>
+          <p:cNvPr id="2" name="Titel 1"/>
+          <p:cNvSpPr>
+            <a:spLocks noGrp="1"/>
+          </p:cNvSpPr>
+          <p:nvPr>
+            <p:ph type="title"/>
+          </p:nvPr>
+        </p:nvSpPr>
+        <p:spPr/>
+        <p:txBody>
+          <a:bodyPr/>
+          <a:lstStyle/>
+          <a:p>
+            <a:r>
+              <a:rPr lang="de-DE" dirty="0" smtClean="0"/>
+              <a:t>Diskussion </a:t>
+            </a:r>
+            <a:r>
+              <a:rPr lang="de-DE" sz="2400" dirty="0" smtClean="0"/>
+              <a:t>(1/4)</a:t>
+            </a:r>
+            <a:endParaRPr lang="de-DE" sz="2400" dirty="0"/>
+          </a:p>
+        </p:txBody>
+      </p:sp>
+      <p:sp>
+        <p:nvSpPr>
+          <p:cNvPr id="3" name="Inhaltsplatzhalter 2"/>
+          <p:cNvSpPr>
+            <a:spLocks noGrp="1"/>
+          </p:cNvSpPr>
+          <p:nvPr>
+            <p:ph idx="1"/>
+          </p:nvPr>
+        </p:nvSpPr>
+        <p:spPr/>
+        <p:txBody>
+          <a:bodyPr/>
+          <a:lstStyle/>
+          <a:p>
+            <a:r>
+              <a:rPr lang="de-DE" dirty="0" smtClean="0"/>
+              <a:t>Erfahrung und Demografie der Teilnehmer</a:t>
+            </a:r>
+          </a:p>
+          <a:p>
+            <a:pPr lvl="1"/>
+            <a:r>
+              <a:rPr lang="de-DE" dirty="0" smtClean="0"/>
+              <a:t>Vorhandene </a:t>
+            </a:r>
+            <a:r>
+              <a:rPr lang="de-DE" dirty="0"/>
+              <a:t>Affinität zur Technik</a:t>
+            </a:r>
+          </a:p>
+          <a:p>
+            <a:pPr lvl="1"/>
+            <a:r>
+              <a:rPr lang="de-DE" dirty="0"/>
+              <a:t>Vorhandene VR Erfahrung</a:t>
+            </a:r>
+          </a:p>
+          <a:p>
+            <a:pPr lvl="1"/>
+            <a:r>
+              <a:rPr lang="de-DE" dirty="0"/>
+              <a:t>Vorhandene Fahrerfahrung</a:t>
+            </a:r>
+          </a:p>
+          <a:p>
+            <a:pPr lvl="1"/>
+            <a:r>
+              <a:rPr lang="de-DE" dirty="0"/>
+              <a:t>Vorhandener Bildungsstand</a:t>
+            </a:r>
+          </a:p>
+        </p:txBody>
+      </p:sp>
+    </p:spTree>
+    <p:extLst>
+      <p:ext uri="{BB962C8B-B14F-4D97-AF65-F5344CB8AC3E}">
+        <p14:creationId xmlns:p14="http://schemas.microsoft.com/office/powerpoint/2010/main" val="3554098313"/>
+      </p:ext>
+    </p:extLst>
+  </p:cSld>
+  <p:clrMapOvr>
+    <a:masterClrMapping/>
+  </p:clrMapOvr>
+  <p:timing>
+    <p:tnLst>
+      <p:par>
+        <p:cTn id="1" dur="indefinite" restart="never" nodeType="tmRoot"/>
+      </p:par>
+    </p:tnLst>
+  </p:timing>
+</p:sld>
+</file>
+
+<file path=ppt/slides/slide24.xml><?xml version="1.0" encoding="utf-8"?>
+<p:sld xmlns:a="http://schemas.openxmlformats.org/drawingml/2006/main" xmlns:r="http://schemas.openxmlformats.org/officeDocument/2006/relationships" xmlns:p="http://schemas.openxmlformats.org/presentationml/2006/main">
+  <p:cSld>
+    <p:spTree>
+      <p:nvGrpSpPr>
+        <p:cNvPr id="1" name=""/>
+        <p:cNvGrpSpPr/>
+        <p:nvPr/>
+      </p:nvGrpSpPr>
+      <p:grpSpPr>
+        <a:xfrm>
+          <a:off x="0" y="0"/>
+          <a:ext cx="0" cy="0"/>
+          <a:chOff x="0" y="0"/>
+          <a:chExt cx="0" cy="0"/>
+        </a:xfrm>
+      </p:grpSpPr>
+      <p:sp>
+        <p:nvSpPr>
+          <p:cNvPr id="2" name="Titel 1"/>
+          <p:cNvSpPr>
+            <a:spLocks noGrp="1"/>
+          </p:cNvSpPr>
+          <p:nvPr>
+            <p:ph type="title"/>
+          </p:nvPr>
+        </p:nvSpPr>
+        <p:spPr/>
+        <p:txBody>
+          <a:bodyPr/>
+          <a:lstStyle/>
+          <a:p>
+            <a:r>
+              <a:rPr lang="de-DE" dirty="0"/>
+              <a:t>Diskussion </a:t>
+            </a:r>
+            <a:r>
+              <a:rPr lang="de-DE" sz="2400" dirty="0" smtClean="0"/>
+              <a:t>(2/4</a:t>
+            </a:r>
+            <a:r>
+              <a:rPr lang="de-DE" sz="2400" dirty="0"/>
+              <a:t>)</a:t>
+            </a:r>
+          </a:p>
+        </p:txBody>
+      </p:sp>
+      <p:sp>
+        <p:nvSpPr>
+          <p:cNvPr id="3" name="Inhaltsplatzhalter 2"/>
+          <p:cNvSpPr>
+            <a:spLocks noGrp="1"/>
+          </p:cNvSpPr>
+          <p:nvPr>
+            <p:ph idx="1"/>
+          </p:nvPr>
+        </p:nvSpPr>
+        <p:spPr/>
+        <p:txBody>
+          <a:bodyPr/>
+          <a:lstStyle/>
+          <a:p>
+            <a:r>
+              <a:rPr lang="de-DE" dirty="0" smtClean="0"/>
+              <a:t>Studiendurchführung</a:t>
+            </a:r>
+          </a:p>
+          <a:p>
+            <a:pPr lvl="1"/>
+            <a:r>
+              <a:rPr lang="de-DE" dirty="0" smtClean="0"/>
+              <a:t>Ort und Zeit</a:t>
+            </a:r>
+          </a:p>
+          <a:p>
+            <a:pPr lvl="1"/>
+            <a:r>
+              <a:rPr lang="de-DE" dirty="0" smtClean="0"/>
+              <a:t>‚Störende‘ Faktoren</a:t>
+            </a:r>
+          </a:p>
+          <a:p>
+            <a:pPr lvl="1"/>
+            <a:r>
+              <a:rPr lang="de-DE" dirty="0" smtClean="0"/>
+              <a:t>Realitätsnähe</a:t>
+            </a:r>
+            <a:endParaRPr lang="de-DE" dirty="0"/>
+          </a:p>
+        </p:txBody>
+      </p:sp>
+    </p:spTree>
+    <p:extLst>
+      <p:ext uri="{BB962C8B-B14F-4D97-AF65-F5344CB8AC3E}">
+        <p14:creationId xmlns:p14="http://schemas.microsoft.com/office/powerpoint/2010/main" val="1683365169"/>
+      </p:ext>
+    </p:extLst>
+  </p:cSld>
+  <p:clrMapOvr>
+    <a:masterClrMapping/>
+  </p:clrMapOvr>
+  <p:timing>
+    <p:tnLst>
+      <p:par>
+        <p:cTn id="1" dur="indefinite" restart="never" nodeType="tmRoot"/>
+      </p:par>
+    </p:tnLst>
+  </p:timing>
+</p:sld>
+</file>
+
+<file path=ppt/slides/slide25.xml><?xml version="1.0" encoding="utf-8"?>
+<p:sld xmlns:a="http://schemas.openxmlformats.org/drawingml/2006/main" xmlns:r="http://schemas.openxmlformats.org/officeDocument/2006/relationships" xmlns:p="http://schemas.openxmlformats.org/presentationml/2006/main">
+  <p:cSld>
+    <p:spTree>
+      <p:nvGrpSpPr>
+        <p:cNvPr id="1" name=""/>
+        <p:cNvGrpSpPr/>
+        <p:nvPr/>
+      </p:nvGrpSpPr>
+      <p:grpSpPr>
+        <a:xfrm>
+          <a:off x="0" y="0"/>
+          <a:ext cx="0" cy="0"/>
+          <a:chOff x="0" y="0"/>
+          <a:chExt cx="0" cy="0"/>
+        </a:xfrm>
+      </p:grpSpPr>
+      <p:sp>
+        <p:nvSpPr>
+          <p:cNvPr id="2" name="Titel 1"/>
+          <p:cNvSpPr>
+            <a:spLocks noGrp="1"/>
+          </p:cNvSpPr>
+          <p:nvPr>
+            <p:ph type="title"/>
+          </p:nvPr>
+        </p:nvSpPr>
+        <p:spPr/>
+        <p:txBody>
+          <a:bodyPr/>
+          <a:lstStyle/>
+          <a:p>
+            <a:r>
+              <a:rPr lang="de-DE" dirty="0"/>
+              <a:t>Diskussion </a:t>
+            </a:r>
+            <a:r>
+              <a:rPr lang="de-DE" sz="2400" dirty="0" smtClean="0"/>
+              <a:t>(3/4</a:t>
+            </a:r>
+            <a:r>
+              <a:rPr lang="de-DE" sz="2400" dirty="0"/>
+              <a:t>)</a:t>
+            </a:r>
+          </a:p>
+        </p:txBody>
+      </p:sp>
+      <p:sp>
+        <p:nvSpPr>
+          <p:cNvPr id="3" name="Inhaltsplatzhalter 2"/>
+          <p:cNvSpPr>
+            <a:spLocks noGrp="1"/>
+          </p:cNvSpPr>
+          <p:nvPr>
+            <p:ph idx="1"/>
+          </p:nvPr>
+        </p:nvSpPr>
+        <p:spPr/>
+        <p:txBody>
+          <a:bodyPr/>
+          <a:lstStyle/>
+          <a:p>
+            <a:r>
+              <a:rPr lang="de-DE" dirty="0" smtClean="0"/>
+              <a:t>Aufgaben</a:t>
+            </a:r>
+          </a:p>
+          <a:p>
+            <a:pPr lvl="1"/>
+            <a:r>
+              <a:rPr lang="de-DE" dirty="0" smtClean="0"/>
+              <a:t>Aufgabenwahl</a:t>
+            </a:r>
+          </a:p>
+          <a:p>
+            <a:pPr lvl="1"/>
+            <a:r>
+              <a:rPr lang="de-DE" dirty="0" smtClean="0"/>
+              <a:t>Aufgabenbeschreibung</a:t>
+            </a:r>
+            <a:endParaRPr lang="de-DE" dirty="0"/>
+          </a:p>
+        </p:txBody>
+      </p:sp>
+    </p:spTree>
+    <p:extLst>
+      <p:ext uri="{BB962C8B-B14F-4D97-AF65-F5344CB8AC3E}">
+        <p14:creationId xmlns:p14="http://schemas.microsoft.com/office/powerpoint/2010/main" val="2513655209"/>
+      </p:ext>
+    </p:extLst>
+  </p:cSld>
+  <p:clrMapOvr>
+    <a:masterClrMapping/>
+  </p:clrMapOvr>
+  <p:timing>
+    <p:tnLst>
+      <p:par>
+        <p:cTn id="1" dur="indefinite" restart="never" nodeType="tmRoot"/>
+      </p:par>
+    </p:tnLst>
+  </p:timing>
+</p:sld>
+</file>
+
+<file path=ppt/slides/slide26.xml><?xml version="1.0" encoding="utf-8"?>
+<p:sld xmlns:a="http://schemas.openxmlformats.org/drawingml/2006/main" xmlns:r="http://schemas.openxmlformats.org/officeDocument/2006/relationships" xmlns:p="http://schemas.openxmlformats.org/presentationml/2006/main">
+  <p:cSld>
+    <p:spTree>
+      <p:nvGrpSpPr>
+        <p:cNvPr id="1" name=""/>
+        <p:cNvGrpSpPr/>
+        <p:nvPr/>
+      </p:nvGrpSpPr>
+      <p:grpSpPr>
+        <a:xfrm>
+          <a:off x="0" y="0"/>
+          <a:ext cx="0" cy="0"/>
+          <a:chOff x="0" y="0"/>
+          <a:chExt cx="0" cy="0"/>
+        </a:xfrm>
+      </p:grpSpPr>
+      <p:sp>
+        <p:nvSpPr>
+          <p:cNvPr id="2" name="Titel 1"/>
+          <p:cNvSpPr>
+            <a:spLocks noGrp="1"/>
+          </p:cNvSpPr>
+          <p:nvPr>
+            <p:ph type="title"/>
+          </p:nvPr>
+        </p:nvSpPr>
+        <p:spPr/>
+        <p:txBody>
+          <a:bodyPr/>
+          <a:lstStyle/>
+          <a:p>
+            <a:r>
+              <a:rPr lang="de-DE" dirty="0"/>
+              <a:t>Diskussion </a:t>
+            </a:r>
+            <a:r>
+              <a:rPr lang="de-DE" sz="2400" dirty="0" smtClean="0"/>
+              <a:t>(4/4</a:t>
+            </a:r>
+            <a:r>
+              <a:rPr lang="de-DE" sz="2400" dirty="0"/>
+              <a:t>)</a:t>
+            </a:r>
+          </a:p>
+        </p:txBody>
+      </p:sp>
+      <p:sp>
+        <p:nvSpPr>
+          <p:cNvPr id="3" name="Inhaltsplatzhalter 2"/>
+          <p:cNvSpPr>
+            <a:spLocks noGrp="1"/>
+          </p:cNvSpPr>
+          <p:nvPr>
+            <p:ph idx="1"/>
+          </p:nvPr>
+        </p:nvSpPr>
+        <p:spPr/>
+        <p:txBody>
+          <a:bodyPr/>
+          <a:lstStyle/>
+          <a:p>
+            <a:r>
+              <a:rPr lang="de-DE" dirty="0" smtClean="0"/>
+              <a:t>Zukunftsaussicht</a:t>
+            </a:r>
+          </a:p>
+          <a:p>
+            <a:pPr lvl="1"/>
+            <a:r>
+              <a:rPr lang="de-DE" dirty="0" smtClean="0"/>
+              <a:t>Demografie</a:t>
+            </a:r>
+          </a:p>
+          <a:p>
+            <a:pPr lvl="1"/>
+            <a:r>
+              <a:rPr lang="de-DE" dirty="0" smtClean="0"/>
+              <a:t>Studiendurchführung</a:t>
+            </a:r>
+          </a:p>
+          <a:p>
+            <a:pPr lvl="1"/>
+            <a:r>
+              <a:rPr lang="de-DE" dirty="0" smtClean="0"/>
+              <a:t>Aufgabenwahl</a:t>
+            </a:r>
+            <a:endParaRPr lang="de-DE" dirty="0"/>
+          </a:p>
+        </p:txBody>
+      </p:sp>
+    </p:spTree>
+    <p:extLst>
+      <p:ext uri="{BB962C8B-B14F-4D97-AF65-F5344CB8AC3E}">
+        <p14:creationId xmlns:p14="http://schemas.microsoft.com/office/powerpoint/2010/main" val="397659059"/>
+      </p:ext>
+    </p:extLst>
+  </p:cSld>
+  <p:clrMapOvr>
+    <a:masterClrMapping/>
+  </p:clrMapOvr>
+  <p:timing>
+    <p:tnLst>
+      <p:par>
+        <p:cTn id="1" dur="indefinite" restart="never" nodeType="tmRoot"/>
+      </p:par>
+    </p:tnLst>
+  </p:timing>
+</p:sld>
+</file>
+
+<file path=ppt/slides/slide27.xml><?xml version="1.0" encoding="utf-8"?>
+<p:sld xmlns:a="http://schemas.openxmlformats.org/drawingml/2006/main" xmlns:r="http://schemas.openxmlformats.org/officeDocument/2006/relationships" xmlns:p="http://schemas.openxmlformats.org/presentationml/2006/main">
+  <p:cSld>
+    <p:spTree>
+      <p:nvGrpSpPr>
+        <p:cNvPr id="1" name=""/>
+        <p:cNvGrpSpPr/>
+        <p:nvPr/>
+      </p:nvGrpSpPr>
+      <p:grpSpPr>
+        <a:xfrm>
+          <a:off x="0" y="0"/>
+          <a:ext cx="0" cy="0"/>
+          <a:chOff x="0" y="0"/>
+          <a:chExt cx="0" cy="0"/>
+        </a:xfrm>
+      </p:grpSpPr>
+      <p:sp>
+        <p:nvSpPr>
+          <p:cNvPr id="2" name="Titel 1"/>
+          <p:cNvSpPr>
+            <a:spLocks noGrp="1"/>
+          </p:cNvSpPr>
+          <p:nvPr>
+            <p:ph type="title"/>
+          </p:nvPr>
+        </p:nvSpPr>
+        <p:spPr/>
+        <p:txBody>
+          <a:bodyPr/>
+          <a:lstStyle/>
+          <a:p>
+            <a:r>
+              <a:rPr lang="de-DE" dirty="0"/>
+              <a:t>Schlussfolgerung</a:t>
+            </a:r>
+          </a:p>
+        </p:txBody>
+      </p:sp>
+      <p:sp>
+        <p:nvSpPr>
+          <p:cNvPr id="3" name="Inhaltsplatzhalter 2"/>
+          <p:cNvSpPr>
+            <a:spLocks noGrp="1"/>
+          </p:cNvSpPr>
+          <p:nvPr>
+            <p:ph idx="1"/>
+          </p:nvPr>
+        </p:nvSpPr>
+        <p:spPr/>
+        <p:txBody>
+          <a:bodyPr/>
+          <a:lstStyle/>
+          <a:p>
+            <a:r>
+              <a:rPr lang="de-DE" dirty="0"/>
+              <a:t>VR</a:t>
+            </a:r>
+          </a:p>
+          <a:p>
+            <a:r>
+              <a:rPr lang="de-DE" dirty="0"/>
+              <a:t>Hypothesen und Parameter und Gruppen</a:t>
+            </a:r>
+          </a:p>
+          <a:p>
+            <a:r>
+              <a:rPr lang="de-DE" dirty="0"/>
+              <a:t>Bewertung der Ergebnisse</a:t>
+            </a:r>
+          </a:p>
+          <a:p>
+            <a:r>
+              <a:rPr lang="de-DE" dirty="0"/>
+              <a:t>Zukünftige Forschung</a:t>
+            </a:r>
+          </a:p>
+        </p:txBody>
+      </p:sp>
+    </p:spTree>
+    <p:extLst>
+      <p:ext uri="{BB962C8B-B14F-4D97-AF65-F5344CB8AC3E}">
+        <p14:creationId xmlns:p14="http://schemas.microsoft.com/office/powerpoint/2010/main" val="284220317"/>
+      </p:ext>
+    </p:extLst>
+  </p:cSld>
+  <p:clrMapOvr>
+    <a:masterClrMapping/>
+  </p:clrMapOvr>
+  <p:timing>
+    <p:tnLst>
+      <p:par>
+        <p:cTn id="1" dur="indefinite" restart="never" nodeType="tmRoot"/>
+      </p:par>
+    </p:tnLst>
+  </p:timing>
+</p:sld>
+</file>
+
+<file path=ppt/slides/slide28.xml><?xml version="1.0" encoding="utf-8"?>
+<p:sld xmlns:a="http://schemas.openxmlformats.org/drawingml/2006/main" xmlns:r="http://schemas.openxmlformats.org/officeDocument/2006/relationships" xmlns:p="http://schemas.openxmlformats.org/presentationml/2006/main">
+  <p:cSld>
+    <p:spTree>
+      <p:nvGrpSpPr>
+        <p:cNvPr id="1" name=""/>
+        <p:cNvGrpSpPr/>
+        <p:nvPr/>
+      </p:nvGrpSpPr>
+      <p:grpSpPr>
+        <a:xfrm>
+          <a:off x="0" y="0"/>
+          <a:ext cx="0" cy="0"/>
+          <a:chOff x="0" y="0"/>
+          <a:chExt cx="0" cy="0"/>
+        </a:xfrm>
+      </p:grpSpPr>
+      <p:sp>
+        <p:nvSpPr>
+          <p:cNvPr id="2" name="Titel 1"/>
+          <p:cNvSpPr>
+            <a:spLocks noGrp="1"/>
+          </p:cNvSpPr>
+          <p:nvPr>
+            <p:ph type="title"/>
+          </p:nvPr>
+        </p:nvSpPr>
+        <p:spPr/>
+        <p:txBody>
+          <a:bodyPr/>
+          <a:lstStyle/>
+          <a:p>
+            <a:endParaRPr lang="de-DE"/>
+          </a:p>
+        </p:txBody>
+      </p:sp>
+      <p:sp>
+        <p:nvSpPr>
+          <p:cNvPr id="3" name="Inhaltsplatzhalter 2"/>
+          <p:cNvSpPr>
+            <a:spLocks noGrp="1"/>
+          </p:cNvSpPr>
+          <p:nvPr>
+            <p:ph idx="1"/>
+          </p:nvPr>
+        </p:nvSpPr>
+        <p:spPr/>
+        <p:txBody>
+          <a:bodyPr/>
+          <a:lstStyle/>
+          <a:p>
+            <a:endParaRPr lang="de-DE"/>
+          </a:p>
+        </p:txBody>
+      </p:sp>
+      <p:sp>
+        <p:nvSpPr>
+          <p:cNvPr id="4" name="Rechteck 3"/>
+          <p:cNvSpPr/>
+          <p:nvPr/>
+        </p:nvSpPr>
+        <p:spPr>
+          <a:xfrm>
+            <a:off x="-55605" y="-61784"/>
+            <a:ext cx="12319686" cy="7037173"/>
+          </a:xfrm>
+          <a:prstGeom prst="rect">
+            <a:avLst/>
+          </a:prstGeom>
+          <a:solidFill>
+            <a:schemeClr val="bg2">
+              <a:lumMod val="10000"/>
+            </a:schemeClr>
+          </a:solidFill>
+        </p:spPr>
+        <p:style>
+          <a:lnRef idx="2">
+            <a:schemeClr val="accent1">
+              <a:shade val="50000"/>
+            </a:schemeClr>
+          </a:lnRef>
+          <a:fillRef idx="1">
+            <a:schemeClr val="accent1"/>
+          </a:fillRef>
+          <a:effectRef idx="0">
+            <a:schemeClr val="accent1"/>
+          </a:effectRef>
+          <a:fontRef idx="minor">
+            <a:schemeClr val="lt1"/>
+          </a:fontRef>
+        </p:style>
+        <p:txBody>
+          <a:bodyPr rtlCol="0" anchor="ctr"/>
+          <a:lstStyle/>
+          <a:p>
+            <a:pPr algn="ctr"/>
+            <a:endParaRPr lang="de-DE"/>
+          </a:p>
+        </p:txBody>
+      </p:sp>
+    </p:spTree>
+    <p:extLst>
+      <p:ext uri="{BB962C8B-B14F-4D97-AF65-F5344CB8AC3E}">
+        <p14:creationId xmlns:p14="http://schemas.microsoft.com/office/powerpoint/2010/main" val="1447009779"/>
+      </p:ext>
+    </p:extLst>
+  </p:cSld>
+  <p:clrMapOvr>
+    <a:masterClrMapping/>
+  </p:clrMapOvr>
+</p:sld>
+</file>
+
+<file path=ppt/slides/slide29.xml><?xml version="1.0" encoding="utf-8"?>
+<p:sld xmlns:a="http://schemas.openxmlformats.org/drawingml/2006/main" xmlns:r="http://schemas.openxmlformats.org/officeDocument/2006/relationships" xmlns:p="http://schemas.openxmlformats.org/presentationml/2006/main">
+  <p:cSld>
+    <p:spTree>
+      <p:nvGrpSpPr>
+        <p:cNvPr id="1" name=""/>
+        <p:cNvGrpSpPr/>
+        <p:nvPr/>
+      </p:nvGrpSpPr>
+      <p:grpSpPr>
+        <a:xfrm>
+          <a:off x="0" y="0"/>
+          <a:ext cx="0" cy="0"/>
+          <a:chOff x="0" y="0"/>
+          <a:chExt cx="0" cy="0"/>
+        </a:xfrm>
+      </p:grpSpPr>
+      <p:sp>
+        <p:nvSpPr>
+          <p:cNvPr id="2" name="Titel 1"/>
+          <p:cNvSpPr>
+            <a:spLocks noGrp="1"/>
+          </p:cNvSpPr>
+          <p:nvPr>
+            <p:ph type="title"/>
+          </p:nvPr>
+        </p:nvSpPr>
+        <p:spPr/>
+        <p:txBody>
+          <a:bodyPr/>
+          <a:lstStyle/>
+          <a:p>
+            <a:r>
+              <a:rPr lang="de-DE" dirty="0" smtClean="0"/>
+              <a:t>Anhang </a:t>
+            </a:r>
+            <a:r>
+              <a:rPr lang="de-DE" sz="2400" dirty="0" smtClean="0"/>
+              <a:t>(1/10)</a:t>
+            </a:r>
+            <a:endParaRPr lang="de-DE" sz="2400" dirty="0"/>
+          </a:p>
+        </p:txBody>
+      </p:sp>
+      <p:sp>
+        <p:nvSpPr>
+          <p:cNvPr id="3" name="Inhaltsplatzhalter 2"/>
+          <p:cNvSpPr>
+            <a:spLocks noGrp="1"/>
+          </p:cNvSpPr>
+          <p:nvPr>
+            <p:ph idx="1"/>
+          </p:nvPr>
+        </p:nvSpPr>
+        <p:spPr/>
+        <p:txBody>
+          <a:bodyPr/>
+          <a:lstStyle/>
+          <a:p>
+            <a:r>
+              <a:rPr lang="de-DE" dirty="0" smtClean="0">
+                <a:solidFill>
+                  <a:srgbClr val="FF0000"/>
+                </a:solidFill>
+              </a:rPr>
+              <a:t>Hier VR/AR Erfahrung</a:t>
+            </a:r>
+            <a:endParaRPr lang="de-DE" dirty="0">
+              <a:solidFill>
+                <a:srgbClr val="FF0000"/>
+              </a:solidFill>
+            </a:endParaRPr>
+          </a:p>
+        </p:txBody>
+      </p:sp>
+    </p:spTree>
+    <p:extLst>
+      <p:ext uri="{BB962C8B-B14F-4D97-AF65-F5344CB8AC3E}">
+        <p14:creationId xmlns:p14="http://schemas.microsoft.com/office/powerpoint/2010/main" val="2071044175"/>
+      </p:ext>
+    </p:extLst>
+  </p:cSld>
+  <p:clrMapOvr>
+    <a:masterClrMapping/>
+  </p:clrMapOvr>
+</p:sld>
+</file>
+
+<file path=ppt/slides/slide3.xml><?xml version="1.0" encoding="utf-8"?>
+<p:sld xmlns:a="http://schemas.openxmlformats.org/drawingml/2006/main" xmlns:r="http://schemas.openxmlformats.org/officeDocument/2006/relationships" xmlns:p="http://schemas.openxmlformats.org/presentationml/2006/main">
+  <p:cSld>
+    <p:spTree>
+      <p:nvGrpSpPr>
+        <p:cNvPr id="1" name=""/>
+        <p:cNvGrpSpPr/>
+        <p:nvPr/>
+      </p:nvGrpSpPr>
+      <p:grpSpPr>
+        <a:xfrm>
+          <a:off x="0" y="0"/>
+          <a:ext cx="0" cy="0"/>
+          <a:chOff x="0" y="0"/>
+          <a:chExt cx="0" cy="0"/>
+        </a:xfrm>
+      </p:grpSpPr>
+      <p:sp>
+        <p:nvSpPr>
+          <p:cNvPr id="2" name="Titel 1"/>
+          <p:cNvSpPr>
+            <a:spLocks noGrp="1"/>
+          </p:cNvSpPr>
+          <p:nvPr>
+            <p:ph type="title"/>
+          </p:nvPr>
+        </p:nvSpPr>
+        <p:spPr/>
+        <p:txBody>
+          <a:bodyPr/>
+          <a:lstStyle/>
+          <a:p>
+            <a:r>
+              <a:rPr lang="de-DE" dirty="0"/>
+              <a:t>Motivation</a:t>
+            </a:r>
+          </a:p>
+        </p:txBody>
+      </p:sp>
+      <p:sp>
+        <p:nvSpPr>
+          <p:cNvPr id="4" name="Inhaltsplatzhalter 3"/>
+          <p:cNvSpPr>
+            <a:spLocks noGrp="1"/>
+          </p:cNvSpPr>
+          <p:nvPr>
+            <p:ph idx="1"/>
+          </p:nvPr>
+        </p:nvSpPr>
+        <p:spPr/>
+        <p:txBody>
+          <a:bodyPr>
+            <a:normAutofit lnSpcReduction="10000"/>
+          </a:bodyPr>
+          <a:lstStyle/>
+          <a:p>
+            <a:r>
+              <a:rPr lang="de-DE" dirty="0"/>
+              <a:t>Schnittstelle VR und Realität</a:t>
+            </a:r>
+          </a:p>
+          <a:p>
+            <a:r>
+              <a:rPr lang="de-DE" dirty="0"/>
+              <a:t>AR/VR fester Bestandteil im Alltag</a:t>
+            </a:r>
+          </a:p>
+          <a:p>
+            <a:r>
+              <a:rPr lang="de-DE" dirty="0"/>
+              <a:t>Smart-</a:t>
+            </a:r>
+            <a:r>
+              <a:rPr lang="de-DE" dirty="0" err="1"/>
+              <a:t>Mirrors</a:t>
+            </a:r>
+            <a:r>
+              <a:rPr lang="de-DE" dirty="0"/>
+              <a:t>, Head-</a:t>
+            </a:r>
+            <a:r>
+              <a:rPr lang="de-DE" dirty="0" err="1"/>
+              <a:t>Up</a:t>
+            </a:r>
+            <a:r>
+              <a:rPr lang="de-DE" dirty="0"/>
+              <a:t> Displays</a:t>
+            </a:r>
+          </a:p>
+          <a:p>
+            <a:r>
+              <a:rPr lang="de-DE" dirty="0"/>
+              <a:t>Autonomes Fahren</a:t>
+            </a:r>
+          </a:p>
+          <a:p>
+            <a:endParaRPr lang="de-DE" dirty="0"/>
+          </a:p>
+          <a:p>
+            <a:r>
+              <a:rPr lang="de-DE" dirty="0"/>
+              <a:t>Übergang Ruhephase und Arbeitsphase</a:t>
+            </a:r>
+          </a:p>
+          <a:p>
+            <a:r>
+              <a:rPr lang="de-DE" dirty="0"/>
+              <a:t>Leistungsfähigkeit nach Ruhephase</a:t>
+            </a:r>
+          </a:p>
+          <a:p>
+            <a:r>
+              <a:rPr lang="de-DE" dirty="0"/>
+              <a:t>Aufmerksamkeit, Wachsamkeit, Zuverlässigkeit</a:t>
+            </a:r>
+          </a:p>
+          <a:p>
+            <a:r>
+              <a:rPr lang="de-DE" dirty="0"/>
+              <a:t>Vorbereitung auf Aufgabe</a:t>
+            </a:r>
+          </a:p>
+          <a:p>
+            <a:endParaRPr lang="de-DE" dirty="0"/>
+          </a:p>
+        </p:txBody>
+      </p:sp>
+    </p:spTree>
+    <p:extLst>
+      <p:ext uri="{BB962C8B-B14F-4D97-AF65-F5344CB8AC3E}">
+        <p14:creationId xmlns:p14="http://schemas.microsoft.com/office/powerpoint/2010/main" val="4180814680"/>
+      </p:ext>
+    </p:extLst>
+  </p:cSld>
+  <p:clrMapOvr>
+    <a:masterClrMapping/>
+  </p:clrMapOvr>
+  <p:timing>
+    <p:tnLst>
+      <p:par>
+        <p:cTn id="1" dur="indefinite" restart="never" nodeType="tmRoot"/>
+      </p:par>
+    </p:tnLst>
+  </p:timing>
+</p:sld>
+</file>
+
+<file path=ppt/slides/slide30.xml><?xml version="1.0" encoding="utf-8"?>
+<p:sld xmlns:a="http://schemas.openxmlformats.org/drawingml/2006/main" xmlns:r="http://schemas.openxmlformats.org/officeDocument/2006/relationships" xmlns:p="http://schemas.openxmlformats.org/presentationml/2006/main">
+  <p:cSld>
+    <p:spTree>
+      <p:nvGrpSpPr>
+        <p:cNvPr id="1" name=""/>
+        <p:cNvGrpSpPr/>
+        <p:nvPr/>
+      </p:nvGrpSpPr>
+      <p:grpSpPr>
+        <a:xfrm>
+          <a:off x="0" y="0"/>
+          <a:ext cx="0" cy="0"/>
+          <a:chOff x="0" y="0"/>
+          <a:chExt cx="0" cy="0"/>
+        </a:xfrm>
+      </p:grpSpPr>
+      <p:sp>
+        <p:nvSpPr>
+          <p:cNvPr id="2" name="Titel 1"/>
+          <p:cNvSpPr>
+            <a:spLocks noGrp="1"/>
+          </p:cNvSpPr>
+          <p:nvPr>
+            <p:ph type="title"/>
+          </p:nvPr>
+        </p:nvSpPr>
+        <p:spPr/>
+        <p:txBody>
+          <a:bodyPr/>
+          <a:lstStyle/>
+          <a:p>
+            <a:r>
+              <a:rPr lang="de-DE" dirty="0" smtClean="0"/>
+              <a:t>Anhang </a:t>
+            </a:r>
+            <a:r>
+              <a:rPr lang="de-DE" sz="2400" dirty="0" smtClean="0"/>
+              <a:t>(2/10)</a:t>
+            </a:r>
+            <a:endParaRPr lang="de-DE" sz="2400" dirty="0"/>
+          </a:p>
+        </p:txBody>
+      </p:sp>
+      <p:sp>
+        <p:nvSpPr>
+          <p:cNvPr id="3" name="Inhaltsplatzhalter 2"/>
+          <p:cNvSpPr>
+            <a:spLocks noGrp="1"/>
+          </p:cNvSpPr>
+          <p:nvPr>
+            <p:ph idx="1"/>
+          </p:nvPr>
+        </p:nvSpPr>
+        <p:spPr/>
+        <p:txBody>
+          <a:bodyPr/>
+          <a:lstStyle/>
+          <a:p>
+            <a:r>
+              <a:rPr lang="de-DE" dirty="0" smtClean="0">
+                <a:solidFill>
+                  <a:srgbClr val="FF0000"/>
+                </a:solidFill>
+              </a:rPr>
+              <a:t>hier SAM vorhernachher /RSME (nach Gruppen Tabelle)</a:t>
+            </a:r>
+            <a:endParaRPr lang="de-DE" dirty="0">
+              <a:solidFill>
+                <a:srgbClr val="FF0000"/>
+              </a:solidFill>
+            </a:endParaRPr>
+          </a:p>
+        </p:txBody>
+      </p:sp>
+    </p:spTree>
+    <p:extLst>
+      <p:ext uri="{BB962C8B-B14F-4D97-AF65-F5344CB8AC3E}">
+        <p14:creationId xmlns:p14="http://schemas.microsoft.com/office/powerpoint/2010/main" val="1368395424"/>
+      </p:ext>
+    </p:extLst>
+  </p:cSld>
+  <p:clrMapOvr>
+    <a:masterClrMapping/>
+  </p:clrMapOvr>
+</p:sld>
+</file>
+
+<file path=ppt/slides/slide31.xml><?xml version="1.0" encoding="utf-8"?>
+<p:sld xmlns:a="http://schemas.openxmlformats.org/drawingml/2006/main" xmlns:r="http://schemas.openxmlformats.org/officeDocument/2006/relationships" xmlns:p="http://schemas.openxmlformats.org/presentationml/2006/main">
+  <p:cSld>
+    <p:spTree>
+      <p:nvGrpSpPr>
+        <p:cNvPr id="1" name=""/>
+        <p:cNvGrpSpPr/>
+        <p:nvPr/>
+      </p:nvGrpSpPr>
+      <p:grpSpPr>
+        <a:xfrm>
+          <a:off x="0" y="0"/>
+          <a:ext cx="0" cy="0"/>
+          <a:chOff x="0" y="0"/>
+          <a:chExt cx="0" cy="0"/>
+        </a:xfrm>
+      </p:grpSpPr>
+      <p:sp>
+        <p:nvSpPr>
+          <p:cNvPr id="2" name="Titel 1"/>
+          <p:cNvSpPr>
+            <a:spLocks noGrp="1"/>
+          </p:cNvSpPr>
+          <p:nvPr>
+            <p:ph type="title"/>
+          </p:nvPr>
+        </p:nvSpPr>
+        <p:spPr/>
+        <p:txBody>
+          <a:bodyPr/>
+          <a:lstStyle/>
+          <a:p>
+            <a:r>
+              <a:rPr lang="de-DE" dirty="0" smtClean="0"/>
+              <a:t>Anhang </a:t>
+            </a:r>
+            <a:r>
+              <a:rPr lang="de-DE" sz="2400" dirty="0" smtClean="0"/>
+              <a:t>(3/10)</a:t>
+            </a:r>
+            <a:endParaRPr lang="de-DE" sz="2400" dirty="0"/>
+          </a:p>
+        </p:txBody>
+      </p:sp>
+      <p:sp>
+        <p:nvSpPr>
+          <p:cNvPr id="3" name="Inhaltsplatzhalter 2"/>
+          <p:cNvSpPr>
+            <a:spLocks noGrp="1"/>
+          </p:cNvSpPr>
+          <p:nvPr>
+            <p:ph idx="1"/>
+          </p:nvPr>
+        </p:nvSpPr>
+        <p:spPr/>
+        <p:txBody>
+          <a:bodyPr/>
+          <a:lstStyle/>
+          <a:p>
+            <a:r>
+              <a:rPr lang="de-DE" dirty="0" smtClean="0">
+                <a:solidFill>
+                  <a:srgbClr val="FF0000"/>
+                </a:solidFill>
+              </a:rPr>
+              <a:t>Hier links Stuhlgrafik, rechts Tabelle Stuhlwinkeleinstellungen</a:t>
+            </a:r>
+            <a:endParaRPr lang="de-DE" dirty="0">
+              <a:solidFill>
+                <a:srgbClr val="FF0000"/>
+              </a:solidFill>
+            </a:endParaRPr>
+          </a:p>
+        </p:txBody>
+      </p:sp>
+    </p:spTree>
+    <p:extLst>
+      <p:ext uri="{BB962C8B-B14F-4D97-AF65-F5344CB8AC3E}">
+        <p14:creationId xmlns:p14="http://schemas.microsoft.com/office/powerpoint/2010/main" val="1801311271"/>
+      </p:ext>
+    </p:extLst>
+  </p:cSld>
+  <p:clrMapOvr>
+    <a:masterClrMapping/>
+  </p:clrMapOvr>
+</p:sld>
+</file>
+
+<file path=ppt/slides/slide32.xml><?xml version="1.0" encoding="utf-8"?>
+<p:sld xmlns:a="http://schemas.openxmlformats.org/drawingml/2006/main" xmlns:r="http://schemas.openxmlformats.org/officeDocument/2006/relationships" xmlns:p="http://schemas.openxmlformats.org/presentationml/2006/main">
+  <p:cSld>
+    <p:spTree>
+      <p:nvGrpSpPr>
+        <p:cNvPr id="1" name=""/>
+        <p:cNvGrpSpPr/>
+        <p:nvPr/>
+      </p:nvGrpSpPr>
+      <p:grpSpPr>
+        <a:xfrm>
+          <a:off x="0" y="0"/>
+          <a:ext cx="0" cy="0"/>
+          <a:chOff x="0" y="0"/>
+          <a:chExt cx="0" cy="0"/>
+        </a:xfrm>
+      </p:grpSpPr>
+      <p:sp>
+        <p:nvSpPr>
+          <p:cNvPr id="2" name="Titel 1"/>
+          <p:cNvSpPr>
+            <a:spLocks noGrp="1"/>
+          </p:cNvSpPr>
+          <p:nvPr>
+            <p:ph type="title"/>
+          </p:nvPr>
+        </p:nvSpPr>
+        <p:spPr/>
+        <p:txBody>
+          <a:bodyPr/>
+          <a:lstStyle/>
+          <a:p>
+            <a:r>
+              <a:rPr lang="de-DE" dirty="0" smtClean="0"/>
+              <a:t>Anhang </a:t>
+            </a:r>
+            <a:r>
+              <a:rPr lang="de-DE" sz="2400" dirty="0" smtClean="0"/>
+              <a:t>(4/10)</a:t>
+            </a:r>
+            <a:endParaRPr lang="de-DE" sz="2400" dirty="0"/>
+          </a:p>
+        </p:txBody>
+      </p:sp>
+      <p:sp>
+        <p:nvSpPr>
+          <p:cNvPr id="3" name="Inhaltsplatzhalter 2"/>
+          <p:cNvSpPr>
+            <a:spLocks noGrp="1"/>
+          </p:cNvSpPr>
+          <p:nvPr>
+            <p:ph idx="1"/>
+          </p:nvPr>
+        </p:nvSpPr>
+        <p:spPr/>
+        <p:txBody>
+          <a:bodyPr/>
+          <a:lstStyle/>
+          <a:p>
+            <a:r>
+              <a:rPr lang="de-DE" dirty="0" smtClean="0">
+                <a:solidFill>
+                  <a:srgbClr val="FF0000"/>
+                </a:solidFill>
+              </a:rPr>
+              <a:t>Hier Dauer des </a:t>
+            </a:r>
+            <a:r>
+              <a:rPr lang="de-DE" dirty="0" err="1" smtClean="0">
+                <a:solidFill>
+                  <a:srgbClr val="FF0000"/>
+                </a:solidFill>
+              </a:rPr>
+              <a:t>Wecktons</a:t>
+            </a:r>
+            <a:endParaRPr lang="de-DE" dirty="0" smtClean="0">
+              <a:solidFill>
+                <a:srgbClr val="FF0000"/>
+              </a:solidFill>
+            </a:endParaRPr>
+          </a:p>
+          <a:p>
+            <a:r>
+              <a:rPr lang="de-DE" dirty="0" smtClean="0">
+                <a:solidFill>
+                  <a:srgbClr val="FF0000"/>
+                </a:solidFill>
+              </a:rPr>
+              <a:t>(Zu wenig für eine </a:t>
+            </a:r>
+            <a:r>
+              <a:rPr lang="de-DE" dirty="0" err="1" smtClean="0">
+                <a:solidFill>
+                  <a:srgbClr val="FF0000"/>
+                </a:solidFill>
+              </a:rPr>
+              <a:t>seite</a:t>
+            </a:r>
+            <a:r>
+              <a:rPr lang="de-DE" dirty="0" smtClean="0">
+                <a:solidFill>
+                  <a:srgbClr val="FF0000"/>
+                </a:solidFill>
+              </a:rPr>
+              <a:t> oder egal weil eh nur </a:t>
+            </a:r>
+            <a:r>
+              <a:rPr lang="de-DE" dirty="0" err="1" smtClean="0">
+                <a:solidFill>
+                  <a:srgbClr val="FF0000"/>
+                </a:solidFill>
+              </a:rPr>
+              <a:t>anhang</a:t>
+            </a:r>
+            <a:r>
+              <a:rPr lang="de-DE" dirty="0" smtClean="0">
+                <a:solidFill>
+                  <a:srgbClr val="FF0000"/>
+                </a:solidFill>
+              </a:rPr>
+              <a:t>?)</a:t>
+            </a:r>
+            <a:endParaRPr lang="de-DE" dirty="0">
+              <a:solidFill>
+                <a:srgbClr val="FF0000"/>
+              </a:solidFill>
+            </a:endParaRPr>
+          </a:p>
+        </p:txBody>
+      </p:sp>
+    </p:spTree>
+    <p:extLst>
+      <p:ext uri="{BB962C8B-B14F-4D97-AF65-F5344CB8AC3E}">
+        <p14:creationId xmlns:p14="http://schemas.microsoft.com/office/powerpoint/2010/main" val="134662178"/>
+      </p:ext>
+    </p:extLst>
+  </p:cSld>
+  <p:clrMapOvr>
+    <a:masterClrMapping/>
+  </p:clrMapOvr>
+</p:sld>
+</file>
+
+<file path=ppt/slides/slide33.xml><?xml version="1.0" encoding="utf-8"?>
+<p:sld xmlns:a="http://schemas.openxmlformats.org/drawingml/2006/main" xmlns:r="http://schemas.openxmlformats.org/officeDocument/2006/relationships" xmlns:p="http://schemas.openxmlformats.org/presentationml/2006/main">
+  <p:cSld>
+    <p:spTree>
+      <p:nvGrpSpPr>
+        <p:cNvPr id="1" name=""/>
+        <p:cNvGrpSpPr/>
+        <p:nvPr/>
+      </p:nvGrpSpPr>
+      <p:grpSpPr>
+        <a:xfrm>
+          <a:off x="0" y="0"/>
+          <a:ext cx="0" cy="0"/>
+          <a:chOff x="0" y="0"/>
+          <a:chExt cx="0" cy="0"/>
+        </a:xfrm>
+      </p:grpSpPr>
+      <p:sp>
+        <p:nvSpPr>
+          <p:cNvPr id="2" name="Titel 1"/>
+          <p:cNvSpPr>
+            <a:spLocks noGrp="1"/>
+          </p:cNvSpPr>
+          <p:nvPr>
+            <p:ph type="title"/>
+          </p:nvPr>
+        </p:nvSpPr>
+        <p:spPr/>
+        <p:txBody>
+          <a:bodyPr/>
+          <a:lstStyle/>
+          <a:p>
+            <a:r>
+              <a:rPr lang="de-DE" dirty="0" smtClean="0"/>
+              <a:t>Anhang </a:t>
+            </a:r>
+            <a:r>
+              <a:rPr lang="de-DE" sz="2400" dirty="0" smtClean="0"/>
+              <a:t>(5/10)</a:t>
+            </a:r>
+            <a:endParaRPr lang="de-DE" sz="2400" dirty="0"/>
+          </a:p>
+        </p:txBody>
+      </p:sp>
+      <p:sp>
+        <p:nvSpPr>
+          <p:cNvPr id="3" name="Inhaltsplatzhalter 2"/>
+          <p:cNvSpPr>
+            <a:spLocks noGrp="1"/>
+          </p:cNvSpPr>
+          <p:nvPr>
+            <p:ph idx="1"/>
+          </p:nvPr>
+        </p:nvSpPr>
+        <p:spPr/>
+        <p:txBody>
+          <a:bodyPr/>
+          <a:lstStyle/>
+          <a:p>
+            <a:r>
+              <a:rPr lang="de-DE" dirty="0" smtClean="0">
+                <a:solidFill>
+                  <a:srgbClr val="FF0000"/>
+                </a:solidFill>
+              </a:rPr>
+              <a:t>Hier vorher nachher müde Balkendiagramm</a:t>
+            </a:r>
+            <a:endParaRPr lang="de-DE" dirty="0">
+              <a:solidFill>
+                <a:srgbClr val="FF0000"/>
+              </a:solidFill>
+            </a:endParaRPr>
+          </a:p>
+        </p:txBody>
+      </p:sp>
+    </p:spTree>
+    <p:extLst>
+      <p:ext uri="{BB962C8B-B14F-4D97-AF65-F5344CB8AC3E}">
+        <p14:creationId xmlns:p14="http://schemas.microsoft.com/office/powerpoint/2010/main" val="4247055615"/>
+      </p:ext>
+    </p:extLst>
+  </p:cSld>
+  <p:clrMapOvr>
+    <a:masterClrMapping/>
+  </p:clrMapOvr>
+</p:sld>
+</file>
+
+<file path=ppt/slides/slide34.xml><?xml version="1.0" encoding="utf-8"?>
+<p:sld xmlns:a="http://schemas.openxmlformats.org/drawingml/2006/main" xmlns:r="http://schemas.openxmlformats.org/officeDocument/2006/relationships" xmlns:p="http://schemas.openxmlformats.org/presentationml/2006/main">
+  <p:cSld>
+    <p:spTree>
+      <p:nvGrpSpPr>
+        <p:cNvPr id="1" name=""/>
+        <p:cNvGrpSpPr/>
+        <p:nvPr/>
+      </p:nvGrpSpPr>
+      <p:grpSpPr>
+        <a:xfrm>
+          <a:off x="0" y="0"/>
+          <a:ext cx="0" cy="0"/>
+          <a:chOff x="0" y="0"/>
+          <a:chExt cx="0" cy="0"/>
+        </a:xfrm>
+      </p:grpSpPr>
+      <p:sp>
+        <p:nvSpPr>
+          <p:cNvPr id="2" name="Titel 1"/>
+          <p:cNvSpPr>
+            <a:spLocks noGrp="1"/>
+          </p:cNvSpPr>
+          <p:nvPr>
+            <p:ph type="title"/>
+          </p:nvPr>
+        </p:nvSpPr>
+        <p:spPr/>
+        <p:txBody>
+          <a:bodyPr/>
+          <a:lstStyle/>
+          <a:p>
+            <a:r>
+              <a:rPr lang="de-DE" dirty="0" smtClean="0"/>
+              <a:t>Anhang </a:t>
+            </a:r>
+            <a:r>
+              <a:rPr lang="de-DE" sz="2400" dirty="0" smtClean="0"/>
+              <a:t>(6/10)</a:t>
+            </a:r>
+            <a:endParaRPr lang="de-DE" sz="2400" dirty="0"/>
+          </a:p>
+        </p:txBody>
+      </p:sp>
+      <p:sp>
+        <p:nvSpPr>
+          <p:cNvPr id="3" name="Inhaltsplatzhalter 2"/>
+          <p:cNvSpPr>
+            <a:spLocks noGrp="1"/>
+          </p:cNvSpPr>
+          <p:nvPr>
+            <p:ph idx="1"/>
+          </p:nvPr>
+        </p:nvSpPr>
+        <p:spPr/>
+        <p:txBody>
+          <a:bodyPr/>
+          <a:lstStyle/>
+          <a:p>
+            <a:r>
+              <a:rPr lang="de-DE" dirty="0" smtClean="0">
+                <a:solidFill>
+                  <a:srgbClr val="FF0000"/>
+                </a:solidFill>
+              </a:rPr>
+              <a:t>Hier </a:t>
+            </a:r>
+            <a:r>
+              <a:rPr lang="de-DE" dirty="0" err="1" smtClean="0">
+                <a:solidFill>
+                  <a:srgbClr val="FF0000"/>
+                </a:solidFill>
+              </a:rPr>
+              <a:t>felt</a:t>
+            </a:r>
+            <a:r>
+              <a:rPr lang="de-DE" dirty="0" smtClean="0">
+                <a:solidFill>
+                  <a:srgbClr val="FF0000"/>
+                </a:solidFill>
+              </a:rPr>
+              <a:t> </a:t>
+            </a:r>
+            <a:r>
+              <a:rPr lang="de-DE" dirty="0" err="1" smtClean="0">
+                <a:solidFill>
+                  <a:srgbClr val="FF0000"/>
+                </a:solidFill>
+              </a:rPr>
+              <a:t>comfortable</a:t>
+            </a:r>
+            <a:r>
+              <a:rPr lang="de-DE" dirty="0" smtClean="0">
+                <a:solidFill>
+                  <a:srgbClr val="FF0000"/>
+                </a:solidFill>
+              </a:rPr>
+              <a:t> </a:t>
+            </a:r>
+            <a:r>
+              <a:rPr lang="de-DE" dirty="0" err="1" smtClean="0">
+                <a:solidFill>
+                  <a:srgbClr val="FF0000"/>
+                </a:solidFill>
+              </a:rPr>
+              <a:t>sleeping</a:t>
+            </a:r>
+            <a:r>
+              <a:rPr lang="de-DE" dirty="0" smtClean="0">
+                <a:solidFill>
+                  <a:srgbClr val="FF0000"/>
+                </a:solidFill>
+              </a:rPr>
+              <a:t> </a:t>
+            </a:r>
+            <a:r>
+              <a:rPr lang="de-DE" dirty="0" err="1" smtClean="0">
+                <a:solidFill>
+                  <a:srgbClr val="FF0000"/>
+                </a:solidFill>
+              </a:rPr>
+              <a:t>with</a:t>
+            </a:r>
+            <a:r>
+              <a:rPr lang="de-DE" dirty="0" smtClean="0">
+                <a:solidFill>
+                  <a:srgbClr val="FF0000"/>
+                </a:solidFill>
+              </a:rPr>
+              <a:t> VR</a:t>
+            </a:r>
+            <a:endParaRPr lang="de-DE" dirty="0">
+              <a:solidFill>
+                <a:srgbClr val="FF0000"/>
+              </a:solidFill>
+            </a:endParaRPr>
+          </a:p>
+        </p:txBody>
+      </p:sp>
+    </p:spTree>
+    <p:extLst>
+      <p:ext uri="{BB962C8B-B14F-4D97-AF65-F5344CB8AC3E}">
+        <p14:creationId xmlns:p14="http://schemas.microsoft.com/office/powerpoint/2010/main" val="394906128"/>
+      </p:ext>
+    </p:extLst>
+  </p:cSld>
+  <p:clrMapOvr>
+    <a:masterClrMapping/>
+  </p:clrMapOvr>
+</p:sld>
+</file>
+
+<file path=ppt/slides/slide35.xml><?xml version="1.0" encoding="utf-8"?>
+<p:sld xmlns:a="http://schemas.openxmlformats.org/drawingml/2006/main" xmlns:r="http://schemas.openxmlformats.org/officeDocument/2006/relationships" xmlns:p="http://schemas.openxmlformats.org/presentationml/2006/main">
+  <p:cSld>
+    <p:spTree>
+      <p:nvGrpSpPr>
+        <p:cNvPr id="1" name=""/>
+        <p:cNvGrpSpPr/>
+        <p:nvPr/>
+      </p:nvGrpSpPr>
+      <p:grpSpPr>
+        <a:xfrm>
+          <a:off x="0" y="0"/>
+          <a:ext cx="0" cy="0"/>
+          <a:chOff x="0" y="0"/>
+          <a:chExt cx="0" cy="0"/>
+        </a:xfrm>
+      </p:grpSpPr>
+      <p:sp>
+        <p:nvSpPr>
+          <p:cNvPr id="2" name="Titel 1"/>
+          <p:cNvSpPr>
+            <a:spLocks noGrp="1"/>
+          </p:cNvSpPr>
+          <p:nvPr>
+            <p:ph type="title"/>
+          </p:nvPr>
+        </p:nvSpPr>
+        <p:spPr/>
+        <p:txBody>
+          <a:bodyPr/>
+          <a:lstStyle/>
+          <a:p>
+            <a:r>
+              <a:rPr lang="de-DE" dirty="0" smtClean="0"/>
+              <a:t>Anhang </a:t>
+            </a:r>
+            <a:r>
+              <a:rPr lang="de-DE" sz="2400" dirty="0" smtClean="0"/>
+              <a:t>(7/10)</a:t>
+            </a:r>
+            <a:endParaRPr lang="de-DE" sz="2400" dirty="0"/>
+          </a:p>
+        </p:txBody>
+      </p:sp>
+      <p:sp>
+        <p:nvSpPr>
+          <p:cNvPr id="3" name="Inhaltsplatzhalter 2"/>
+          <p:cNvSpPr>
+            <a:spLocks noGrp="1"/>
+          </p:cNvSpPr>
+          <p:nvPr>
+            <p:ph idx="1"/>
+          </p:nvPr>
+        </p:nvSpPr>
+        <p:spPr/>
+        <p:txBody>
+          <a:bodyPr/>
+          <a:lstStyle/>
+          <a:p>
+            <a:r>
+              <a:rPr lang="de-DE" dirty="0" smtClean="0">
+                <a:solidFill>
+                  <a:srgbClr val="FF0000"/>
+                </a:solidFill>
+              </a:rPr>
+              <a:t>Can </a:t>
+            </a:r>
+            <a:r>
+              <a:rPr lang="de-DE" dirty="0" err="1" smtClean="0">
+                <a:solidFill>
+                  <a:srgbClr val="FF0000"/>
+                </a:solidFill>
+              </a:rPr>
+              <a:t>imagine</a:t>
+            </a:r>
+            <a:r>
+              <a:rPr lang="de-DE" dirty="0" smtClean="0">
+                <a:solidFill>
+                  <a:srgbClr val="FF0000"/>
+                </a:solidFill>
+              </a:rPr>
+              <a:t> </a:t>
+            </a:r>
+            <a:r>
+              <a:rPr lang="de-DE" dirty="0" err="1" smtClean="0">
+                <a:solidFill>
+                  <a:srgbClr val="FF0000"/>
+                </a:solidFill>
+              </a:rPr>
+              <a:t>woken</a:t>
+            </a:r>
+            <a:r>
+              <a:rPr lang="de-DE" dirty="0" smtClean="0">
+                <a:solidFill>
+                  <a:srgbClr val="FF0000"/>
+                </a:solidFill>
+              </a:rPr>
+              <a:t> </a:t>
+            </a:r>
+            <a:r>
+              <a:rPr lang="de-DE" dirty="0" err="1" smtClean="0">
+                <a:solidFill>
+                  <a:srgbClr val="FF0000"/>
+                </a:solidFill>
+              </a:rPr>
+              <a:t>up</a:t>
+            </a:r>
+            <a:r>
+              <a:rPr lang="de-DE" dirty="0" smtClean="0">
+                <a:solidFill>
+                  <a:srgbClr val="FF0000"/>
+                </a:solidFill>
+              </a:rPr>
+              <a:t> like </a:t>
+            </a:r>
+            <a:r>
+              <a:rPr lang="de-DE" dirty="0" err="1" smtClean="0">
+                <a:solidFill>
+                  <a:srgbClr val="FF0000"/>
+                </a:solidFill>
+              </a:rPr>
+              <a:t>this</a:t>
+            </a:r>
+            <a:r>
+              <a:rPr lang="de-DE" dirty="0" smtClean="0">
+                <a:solidFill>
+                  <a:srgbClr val="FF0000"/>
+                </a:solidFill>
+              </a:rPr>
+              <a:t> in </a:t>
+            </a:r>
+            <a:r>
+              <a:rPr lang="de-DE" dirty="0" err="1" smtClean="0">
+                <a:solidFill>
+                  <a:srgbClr val="FF0000"/>
+                </a:solidFill>
+              </a:rPr>
+              <a:t>situations</a:t>
+            </a:r>
+            <a:r>
+              <a:rPr lang="de-DE" dirty="0" smtClean="0">
+                <a:solidFill>
+                  <a:srgbClr val="FF0000"/>
+                </a:solidFill>
+              </a:rPr>
+              <a:t> </a:t>
+            </a:r>
+            <a:r>
+              <a:rPr lang="de-DE" dirty="0" err="1" smtClean="0">
+                <a:solidFill>
+                  <a:srgbClr val="FF0000"/>
+                </a:solidFill>
+              </a:rPr>
+              <a:t>blabla</a:t>
+            </a:r>
+            <a:endParaRPr lang="de-DE" dirty="0">
+              <a:solidFill>
+                <a:srgbClr val="FF0000"/>
+              </a:solidFill>
+            </a:endParaRPr>
+          </a:p>
+        </p:txBody>
+      </p:sp>
+    </p:spTree>
+    <p:extLst>
+      <p:ext uri="{BB962C8B-B14F-4D97-AF65-F5344CB8AC3E}">
+        <p14:creationId xmlns:p14="http://schemas.microsoft.com/office/powerpoint/2010/main" val="1424030833"/>
+      </p:ext>
+    </p:extLst>
+  </p:cSld>
+  <p:clrMapOvr>
+    <a:masterClrMapping/>
+  </p:clrMapOvr>
+</p:sld>
+</file>
+
+<file path=ppt/slides/slide36.xml><?xml version="1.0" encoding="utf-8"?>
+<p:sld xmlns:a="http://schemas.openxmlformats.org/drawingml/2006/main" xmlns:r="http://schemas.openxmlformats.org/officeDocument/2006/relationships" xmlns:p="http://schemas.openxmlformats.org/presentationml/2006/main">
+  <p:cSld>
+    <p:spTree>
+      <p:nvGrpSpPr>
+        <p:cNvPr id="1" name=""/>
+        <p:cNvGrpSpPr/>
+        <p:nvPr/>
+      </p:nvGrpSpPr>
+      <p:grpSpPr>
+        <a:xfrm>
+          <a:off x="0" y="0"/>
+          <a:ext cx="0" cy="0"/>
+          <a:chOff x="0" y="0"/>
+          <a:chExt cx="0" cy="0"/>
+        </a:xfrm>
+      </p:grpSpPr>
+      <p:sp>
+        <p:nvSpPr>
+          <p:cNvPr id="2" name="Titel 1"/>
+          <p:cNvSpPr>
+            <a:spLocks noGrp="1"/>
+          </p:cNvSpPr>
+          <p:nvPr>
+            <p:ph type="title"/>
+          </p:nvPr>
+        </p:nvSpPr>
+        <p:spPr/>
+        <p:txBody>
+          <a:bodyPr/>
+          <a:lstStyle/>
+          <a:p>
+            <a:r>
+              <a:rPr lang="de-DE" dirty="0" smtClean="0"/>
+              <a:t>Anhang </a:t>
+            </a:r>
+            <a:r>
+              <a:rPr lang="de-DE" sz="2400" dirty="0" smtClean="0"/>
+              <a:t>(8/10)</a:t>
+            </a:r>
+            <a:endParaRPr lang="de-DE" sz="2400" dirty="0"/>
+          </a:p>
+        </p:txBody>
+      </p:sp>
+      <p:sp>
+        <p:nvSpPr>
+          <p:cNvPr id="3" name="Inhaltsplatzhalter 2"/>
+          <p:cNvSpPr>
+            <a:spLocks noGrp="1"/>
+          </p:cNvSpPr>
+          <p:nvPr>
+            <p:ph idx="1"/>
+          </p:nvPr>
+        </p:nvSpPr>
+        <p:spPr/>
+        <p:txBody>
+          <a:bodyPr/>
+          <a:lstStyle/>
+          <a:p>
+            <a:r>
+              <a:rPr lang="de-DE" dirty="0" smtClean="0">
+                <a:solidFill>
+                  <a:srgbClr val="FF0000"/>
+                </a:solidFill>
+              </a:rPr>
+              <a:t>Hier permanent </a:t>
+            </a:r>
+            <a:r>
+              <a:rPr lang="de-DE" dirty="0" err="1" smtClean="0">
+                <a:solidFill>
+                  <a:srgbClr val="FF0000"/>
+                </a:solidFill>
+              </a:rPr>
+              <a:t>wearing</a:t>
+            </a:r>
+            <a:r>
+              <a:rPr lang="de-DE" dirty="0" smtClean="0">
+                <a:solidFill>
+                  <a:srgbClr val="FF0000"/>
+                </a:solidFill>
+              </a:rPr>
+              <a:t> VR Brille wenn die </a:t>
+            </a:r>
+            <a:r>
+              <a:rPr lang="de-DE" dirty="0" err="1" smtClean="0">
+                <a:solidFill>
+                  <a:srgbClr val="FF0000"/>
+                </a:solidFill>
+              </a:rPr>
+              <a:t>tiny</a:t>
+            </a:r>
+            <a:r>
+              <a:rPr lang="de-DE" dirty="0" smtClean="0">
+                <a:solidFill>
+                  <a:srgbClr val="FF0000"/>
+                </a:solidFill>
+              </a:rPr>
+              <a:t> und so sind</a:t>
+            </a:r>
+            <a:endParaRPr lang="de-DE" dirty="0">
+              <a:solidFill>
+                <a:srgbClr val="FF0000"/>
+              </a:solidFill>
+            </a:endParaRPr>
+          </a:p>
+        </p:txBody>
+      </p:sp>
+    </p:spTree>
+    <p:extLst>
+      <p:ext uri="{BB962C8B-B14F-4D97-AF65-F5344CB8AC3E}">
+        <p14:creationId xmlns:p14="http://schemas.microsoft.com/office/powerpoint/2010/main" val="1556204967"/>
+      </p:ext>
+    </p:extLst>
+  </p:cSld>
+  <p:clrMapOvr>
+    <a:masterClrMapping/>
+  </p:clrMapOvr>
+</p:sld>
+</file>
+
+<file path=ppt/slides/slide37.xml><?xml version="1.0" encoding="utf-8"?>
+<p:sld xmlns:a="http://schemas.openxmlformats.org/drawingml/2006/main" xmlns:r="http://schemas.openxmlformats.org/officeDocument/2006/relationships" xmlns:p="http://schemas.openxmlformats.org/presentationml/2006/main">
+  <p:cSld>
+    <p:spTree>
+      <p:nvGrpSpPr>
+        <p:cNvPr id="1" name=""/>
+        <p:cNvGrpSpPr/>
+        <p:nvPr/>
+      </p:nvGrpSpPr>
+      <p:grpSpPr>
+        <a:xfrm>
+          <a:off x="0" y="0"/>
+          <a:ext cx="0" cy="0"/>
+          <a:chOff x="0" y="0"/>
+          <a:chExt cx="0" cy="0"/>
+        </a:xfrm>
+      </p:grpSpPr>
+      <p:sp>
+        <p:nvSpPr>
+          <p:cNvPr id="2" name="Titel 1"/>
+          <p:cNvSpPr>
+            <a:spLocks noGrp="1"/>
+          </p:cNvSpPr>
+          <p:nvPr>
+            <p:ph type="title"/>
+          </p:nvPr>
+        </p:nvSpPr>
+        <p:spPr/>
+        <p:txBody>
+          <a:bodyPr/>
+          <a:lstStyle/>
+          <a:p>
+            <a:r>
+              <a:rPr lang="de-DE" dirty="0" smtClean="0"/>
+              <a:t>Anhang </a:t>
+            </a:r>
+            <a:r>
+              <a:rPr lang="de-DE" sz="2400" dirty="0" smtClean="0"/>
+              <a:t>(9/10)</a:t>
+            </a:r>
+            <a:endParaRPr lang="de-DE" sz="2400" dirty="0"/>
+          </a:p>
+        </p:txBody>
+      </p:sp>
+      <p:sp>
+        <p:nvSpPr>
+          <p:cNvPr id="3" name="Inhaltsplatzhalter 2"/>
+          <p:cNvSpPr>
+            <a:spLocks noGrp="1"/>
+          </p:cNvSpPr>
+          <p:nvPr>
+            <p:ph idx="1"/>
+          </p:nvPr>
+        </p:nvSpPr>
+        <p:spPr/>
+        <p:txBody>
+          <a:bodyPr>
+            <a:normAutofit fontScale="70000" lnSpcReduction="20000"/>
+          </a:bodyPr>
+          <a:lstStyle/>
+          <a:p>
+            <a:pPr marL="0" indent="0">
+              <a:buNone/>
+            </a:pPr>
+            <a:r>
+              <a:rPr lang="de-DE" dirty="0" smtClean="0">
+                <a:solidFill>
+                  <a:schemeClr val="bg2"/>
+                </a:solidFill>
+              </a:rPr>
+              <a:t>Anmerkungen und Hinweise von Studienteilnehmern:</a:t>
+            </a:r>
+          </a:p>
+          <a:p>
+            <a:pPr marL="0" indent="0">
+              <a:buNone/>
+            </a:pPr>
+            <a:endParaRPr lang="de-DE" dirty="0" smtClean="0">
+              <a:solidFill>
+                <a:schemeClr val="bg2"/>
+              </a:solidFill>
+            </a:endParaRPr>
+          </a:p>
+          <a:p>
+            <a:r>
+              <a:rPr lang="de-DE" dirty="0" smtClean="0">
+                <a:solidFill>
+                  <a:schemeClr val="bg2"/>
+                </a:solidFill>
+              </a:rPr>
+              <a:t>„Die </a:t>
+            </a:r>
+            <a:r>
+              <a:rPr lang="de-DE" dirty="0">
+                <a:solidFill>
+                  <a:schemeClr val="bg2"/>
+                </a:solidFill>
+              </a:rPr>
+              <a:t>Musik war sehr störend, um in einen Ruhezustand zu </a:t>
+            </a:r>
+            <a:r>
+              <a:rPr lang="de-DE" dirty="0" smtClean="0">
+                <a:solidFill>
+                  <a:schemeClr val="bg2"/>
+                </a:solidFill>
+              </a:rPr>
+              <a:t>kommen“</a:t>
+            </a:r>
+          </a:p>
+          <a:p>
+            <a:r>
+              <a:rPr lang="de-DE" dirty="0">
+                <a:solidFill>
+                  <a:schemeClr val="bg2"/>
+                </a:solidFill>
+              </a:rPr>
+              <a:t>„Die VR Umgebung war schön gestaltet, aber die rumschwebenden Partikel waren eher verwirrend, ich dachte ich kann mit diesen </a:t>
+            </a:r>
+            <a:r>
+              <a:rPr lang="de-DE" dirty="0" smtClean="0">
+                <a:solidFill>
+                  <a:schemeClr val="bg2"/>
+                </a:solidFill>
+              </a:rPr>
+              <a:t>interagieren“ </a:t>
+            </a:r>
+          </a:p>
+          <a:p>
+            <a:r>
+              <a:rPr lang="de-DE" dirty="0">
+                <a:solidFill>
+                  <a:schemeClr val="bg2"/>
+                </a:solidFill>
+              </a:rPr>
+              <a:t>„Der Stuhl war sehr entspannend und </a:t>
+            </a:r>
+            <a:r>
+              <a:rPr lang="de-DE" dirty="0" smtClean="0">
+                <a:solidFill>
+                  <a:schemeClr val="bg2"/>
+                </a:solidFill>
+              </a:rPr>
+              <a:t>bequem“</a:t>
+            </a:r>
+          </a:p>
+          <a:p>
+            <a:r>
+              <a:rPr lang="de-DE" dirty="0">
+                <a:solidFill>
+                  <a:schemeClr val="bg2"/>
+                </a:solidFill>
+              </a:rPr>
+              <a:t>„Es fiel mir schwer einzuschlafen, da ich zum 1. mal VR gemacht habe und dann neugierig </a:t>
+            </a:r>
+            <a:r>
+              <a:rPr lang="de-DE" dirty="0" smtClean="0">
+                <a:solidFill>
+                  <a:schemeClr val="bg2"/>
+                </a:solidFill>
+              </a:rPr>
+              <a:t>war“</a:t>
+            </a:r>
+          </a:p>
+          <a:p>
+            <a:r>
+              <a:rPr lang="de-DE" dirty="0">
+                <a:solidFill>
+                  <a:schemeClr val="bg2"/>
+                </a:solidFill>
+              </a:rPr>
+              <a:t>„Die Musik war sehr </a:t>
+            </a:r>
+            <a:r>
+              <a:rPr lang="de-DE" dirty="0" smtClean="0">
+                <a:solidFill>
+                  <a:schemeClr val="bg2"/>
+                </a:solidFill>
+              </a:rPr>
+              <a:t>angenehm“</a:t>
+            </a:r>
+          </a:p>
+          <a:p>
+            <a:r>
+              <a:rPr lang="de-DE" dirty="0">
+                <a:solidFill>
+                  <a:schemeClr val="bg2"/>
+                </a:solidFill>
+              </a:rPr>
+              <a:t>„Das lange gedrückt halten zur Interaktion war </a:t>
+            </a:r>
+            <a:r>
+              <a:rPr lang="de-DE" dirty="0" smtClean="0">
+                <a:solidFill>
+                  <a:schemeClr val="bg2"/>
+                </a:solidFill>
+              </a:rPr>
+              <a:t>störend“</a:t>
+            </a:r>
+          </a:p>
+          <a:p>
+            <a:r>
+              <a:rPr lang="de-DE" dirty="0" smtClean="0">
+                <a:solidFill>
+                  <a:schemeClr val="bg2"/>
+                </a:solidFill>
+              </a:rPr>
+              <a:t>„Haptisches </a:t>
+            </a:r>
+            <a:r>
+              <a:rPr lang="de-DE" dirty="0">
+                <a:solidFill>
+                  <a:schemeClr val="bg2"/>
+                </a:solidFill>
+              </a:rPr>
+              <a:t>Feedback durch Controller wäre gut </a:t>
+            </a:r>
+            <a:r>
+              <a:rPr lang="de-DE" dirty="0" smtClean="0">
+                <a:solidFill>
+                  <a:schemeClr val="bg2"/>
+                </a:solidFill>
+              </a:rPr>
+              <a:t>gewesen“</a:t>
+            </a:r>
+          </a:p>
+          <a:p>
+            <a:r>
+              <a:rPr lang="de-DE" dirty="0">
+                <a:solidFill>
+                  <a:schemeClr val="bg2"/>
+                </a:solidFill>
+              </a:rPr>
+              <a:t>„Die Brille war sehr </a:t>
+            </a:r>
+            <a:r>
+              <a:rPr lang="de-DE" dirty="0" smtClean="0">
+                <a:solidFill>
+                  <a:schemeClr val="bg2"/>
+                </a:solidFill>
+              </a:rPr>
+              <a:t>unangenehm“</a:t>
+            </a:r>
+          </a:p>
+          <a:p>
+            <a:r>
+              <a:rPr lang="de-DE" dirty="0" smtClean="0">
+                <a:solidFill>
+                  <a:schemeClr val="bg2"/>
+                </a:solidFill>
+              </a:rPr>
+              <a:t>…</a:t>
+            </a:r>
+            <a:endParaRPr lang="de-DE" dirty="0">
+              <a:solidFill>
+                <a:schemeClr val="bg2"/>
+              </a:solidFill>
+            </a:endParaRPr>
+          </a:p>
+        </p:txBody>
+      </p:sp>
+    </p:spTree>
+    <p:extLst>
+      <p:ext uri="{BB962C8B-B14F-4D97-AF65-F5344CB8AC3E}">
+        <p14:creationId xmlns:p14="http://schemas.microsoft.com/office/powerpoint/2010/main" val="3967900463"/>
+      </p:ext>
+    </p:extLst>
+  </p:cSld>
+  <p:clrMapOvr>
+    <a:masterClrMapping/>
+  </p:clrMapOvr>
+</p:sld>
+</file>
+
+<file path=ppt/slides/slide38.xml><?xml version="1.0" encoding="utf-8"?>
+<p:sld xmlns:a="http://schemas.openxmlformats.org/drawingml/2006/main" xmlns:r="http://schemas.openxmlformats.org/officeDocument/2006/relationships" xmlns:p="http://schemas.openxmlformats.org/presentationml/2006/main">
+  <p:cSld>
+    <p:spTree>
+      <p:nvGrpSpPr>
+        <p:cNvPr id="1" name=""/>
+        <p:cNvGrpSpPr/>
+        <p:nvPr/>
+      </p:nvGrpSpPr>
+      <p:grpSpPr>
+        <a:xfrm>
+          <a:off x="0" y="0"/>
+          <a:ext cx="0" cy="0"/>
+          <a:chOff x="0" y="0"/>
+          <a:chExt cx="0" cy="0"/>
+        </a:xfrm>
+      </p:grpSpPr>
+      <p:sp>
+        <p:nvSpPr>
+          <p:cNvPr id="2" name="Titel 1"/>
+          <p:cNvSpPr>
+            <a:spLocks noGrp="1"/>
+          </p:cNvSpPr>
+          <p:nvPr>
+            <p:ph type="title"/>
+          </p:nvPr>
+        </p:nvSpPr>
+        <p:spPr/>
+        <p:txBody>
+          <a:bodyPr/>
+          <a:lstStyle/>
+          <a:p>
+            <a:r>
+              <a:rPr lang="de-DE" dirty="0" smtClean="0"/>
+              <a:t>Anhang </a:t>
+            </a:r>
+            <a:r>
+              <a:rPr lang="de-DE" sz="2400" dirty="0" smtClean="0"/>
+              <a:t>(10/10)</a:t>
+            </a:r>
+            <a:endParaRPr lang="de-DE" sz="2400" dirty="0"/>
+          </a:p>
+        </p:txBody>
+      </p:sp>
+      <p:graphicFrame>
+        <p:nvGraphicFramePr>
+          <p:cNvPr id="4" name="Inhaltsplatzhalter 3"/>
+          <p:cNvGraphicFramePr>
+            <a:graphicFrameLocks noGrp="1"/>
+          </p:cNvGraphicFramePr>
+          <p:nvPr>
+            <p:ph idx="1"/>
+            <p:extLst>
+              <p:ext uri="{D42A27DB-BD31-4B8C-83A1-F6EECF244321}">
+                <p14:modId xmlns:p14="http://schemas.microsoft.com/office/powerpoint/2010/main" val="1057087736"/>
+              </p:ext>
+            </p:extLst>
+          </p:nvPr>
+        </p:nvGraphicFramePr>
+        <p:xfrm>
+          <a:off x="838200" y="1825625"/>
+          <a:ext cx="10515600" cy="4079240"/>
+        </p:xfrm>
+        <a:graphic>
+          <a:graphicData uri="http://schemas.openxmlformats.org/drawingml/2006/table">
+            <a:tbl>
+              <a:tblPr firstRow="1" bandRow="1">
+                <a:tableStyleId>{5C22544A-7EE6-4342-B048-85BDC9FD1C3A}</a:tableStyleId>
+              </a:tblPr>
+              <a:tblGrid>
+                <a:gridCol w="3505200">
+                  <a:extLst>
+                    <a:ext uri="{9D8B030D-6E8A-4147-A177-3AD203B41FA5}">
+                      <a16:colId xmlns:a16="http://schemas.microsoft.com/office/drawing/2014/main" val="3825499800"/>
+                    </a:ext>
+                  </a:extLst>
+                </a:gridCol>
+                <a:gridCol w="3505200">
+                  <a:extLst>
+                    <a:ext uri="{9D8B030D-6E8A-4147-A177-3AD203B41FA5}">
+                      <a16:colId xmlns:a16="http://schemas.microsoft.com/office/drawing/2014/main" val="3719112803"/>
+                    </a:ext>
+                  </a:extLst>
+                </a:gridCol>
+                <a:gridCol w="3505200">
+                  <a:extLst>
+                    <a:ext uri="{9D8B030D-6E8A-4147-A177-3AD203B41FA5}">
+                      <a16:colId xmlns:a16="http://schemas.microsoft.com/office/drawing/2014/main" val="2161126742"/>
+                    </a:ext>
+                  </a:extLst>
+                </a:gridCol>
+              </a:tblGrid>
+              <a:tr h="370840">
+                <a:tc>
+                  <a:txBody>
+                    <a:bodyPr/>
+                    <a:lstStyle/>
+                    <a:p>
+                      <a:r>
+                        <a:rPr lang="de-DE" dirty="0" smtClean="0">
+                          <a:solidFill>
+                            <a:schemeClr val="bg2"/>
+                          </a:solidFill>
+                          <a:latin typeface="Futura Lt BT" panose="020B0402020204020303"/>
+                        </a:rPr>
+                        <a:t>Studienfach</a:t>
+                      </a:r>
+                      <a:endParaRPr lang="de-DE" dirty="0">
+                        <a:solidFill>
+                          <a:schemeClr val="bg2"/>
+                        </a:solidFill>
+                        <a:latin typeface="Futura Lt BT" panose="020B0402020204020303"/>
+                      </a:endParaRPr>
+                    </a:p>
+                  </a:txBody>
+                  <a:tcPr>
+                    <a:solidFill>
+                      <a:schemeClr val="tx2"/>
+                    </a:solidFill>
+                  </a:tcPr>
+                </a:tc>
+                <a:tc>
+                  <a:txBody>
+                    <a:bodyPr/>
+                    <a:lstStyle/>
+                    <a:p>
+                      <a:r>
+                        <a:rPr lang="de-DE" dirty="0" err="1" smtClean="0">
+                          <a:solidFill>
+                            <a:schemeClr val="bg2"/>
+                          </a:solidFill>
+                          <a:latin typeface="Futura Lt BT" panose="020B0402020204020303"/>
+                        </a:rPr>
+                        <a:t>Absolutwerte</a:t>
+                      </a:r>
+                      <a:endParaRPr lang="de-DE" dirty="0">
+                        <a:solidFill>
+                          <a:schemeClr val="bg2"/>
+                        </a:solidFill>
+                        <a:latin typeface="Futura Lt BT" panose="020B0402020204020303"/>
+                      </a:endParaRPr>
+                    </a:p>
+                  </a:txBody>
+                  <a:tcPr>
+                    <a:solidFill>
+                      <a:schemeClr val="tx2"/>
+                    </a:solidFill>
+                  </a:tcPr>
+                </a:tc>
+                <a:tc>
+                  <a:txBody>
+                    <a:bodyPr/>
+                    <a:lstStyle/>
+                    <a:p>
+                      <a:r>
+                        <a:rPr lang="de-DE" dirty="0" smtClean="0">
+                          <a:solidFill>
+                            <a:schemeClr val="bg2"/>
+                          </a:solidFill>
+                          <a:latin typeface="Futura Lt BT" panose="020B0402020204020303"/>
+                        </a:rPr>
+                        <a:t>Prozentwerte</a:t>
+                      </a:r>
+                      <a:endParaRPr lang="de-DE" dirty="0">
+                        <a:solidFill>
+                          <a:schemeClr val="bg2"/>
+                        </a:solidFill>
+                        <a:latin typeface="Futura Lt BT" panose="020B0402020204020303"/>
+                      </a:endParaRPr>
+                    </a:p>
+                  </a:txBody>
+                  <a:tcPr>
+                    <a:solidFill>
+                      <a:schemeClr val="tx2"/>
+                    </a:solidFill>
+                  </a:tcPr>
+                </a:tc>
+                <a:extLst>
+                  <a:ext uri="{0D108BD9-81ED-4DB2-BD59-A6C34878D82A}">
+                    <a16:rowId xmlns:a16="http://schemas.microsoft.com/office/drawing/2014/main" val="3527237979"/>
+                  </a:ext>
+                </a:extLst>
+              </a:tr>
+              <a:tr h="370840">
+                <a:tc>
+                  <a:txBody>
+                    <a:bodyPr/>
+                    <a:lstStyle/>
+                    <a:p>
+                      <a:pPr algn="l"/>
+                      <a:r>
+                        <a:rPr lang="de-DE" dirty="0" smtClean="0">
+                          <a:latin typeface="Futura Lt BT" panose="020B0402020204020303"/>
+                        </a:rPr>
+                        <a:t>Biologie</a:t>
+                      </a:r>
+                      <a:endParaRPr lang="de-DE" dirty="0">
+                        <a:latin typeface="Futura Lt BT" panose="020B0402020204020303"/>
+                      </a:endParaRPr>
+                    </a:p>
+                  </a:txBody>
+                  <a:tcPr>
+                    <a:solidFill>
+                      <a:schemeClr val="tx2"/>
+                    </a:solidFill>
+                  </a:tcPr>
+                </a:tc>
+                <a:tc>
+                  <a:txBody>
+                    <a:bodyPr/>
+                    <a:lstStyle/>
+                    <a:p>
+                      <a:pPr algn="r"/>
+                      <a:r>
+                        <a:rPr lang="de-DE" dirty="0" smtClean="0">
+                          <a:latin typeface="Futura Lt BT" panose="020B0402020204020303"/>
+                        </a:rPr>
+                        <a:t>1</a:t>
+                      </a:r>
+                      <a:endParaRPr lang="de-DE" dirty="0">
+                        <a:latin typeface="Futura Lt BT" panose="020B0402020204020303"/>
+                      </a:endParaRPr>
+                    </a:p>
+                  </a:txBody>
+                  <a:tcPr>
+                    <a:solidFill>
+                      <a:schemeClr val="tx2"/>
+                    </a:solidFill>
+                  </a:tcPr>
+                </a:tc>
+                <a:tc>
+                  <a:txBody>
+                    <a:bodyPr/>
+                    <a:lstStyle/>
+                    <a:p>
+                      <a:pPr algn="r"/>
+                      <a:r>
+                        <a:rPr lang="de-DE" dirty="0" smtClean="0">
+                          <a:latin typeface="Futura Lt BT" panose="020B0402020204020303"/>
+                        </a:rPr>
+                        <a:t>2,2%</a:t>
+                      </a:r>
+                      <a:endParaRPr lang="de-DE" dirty="0">
+                        <a:latin typeface="Futura Lt BT" panose="020B0402020204020303"/>
+                      </a:endParaRPr>
+                    </a:p>
+                  </a:txBody>
+                  <a:tcPr>
+                    <a:solidFill>
+                      <a:schemeClr val="tx2"/>
+                    </a:solidFill>
+                  </a:tcPr>
+                </a:tc>
+                <a:extLst>
+                  <a:ext uri="{0D108BD9-81ED-4DB2-BD59-A6C34878D82A}">
+                    <a16:rowId xmlns:a16="http://schemas.microsoft.com/office/drawing/2014/main" val="2667351391"/>
+                  </a:ext>
+                </a:extLst>
+              </a:tr>
+              <a:tr h="370840">
+                <a:tc>
+                  <a:txBody>
+                    <a:bodyPr/>
+                    <a:lstStyle/>
+                    <a:p>
+                      <a:pPr algn="l"/>
+                      <a:r>
+                        <a:rPr lang="de-DE" dirty="0" smtClean="0">
+                          <a:latin typeface="Futura Lt BT" panose="020B0402020204020303"/>
+                        </a:rPr>
+                        <a:t>Informatik</a:t>
+                      </a:r>
+                      <a:endParaRPr lang="de-DE" dirty="0">
+                        <a:latin typeface="Futura Lt BT" panose="020B0402020204020303"/>
+                      </a:endParaRPr>
+                    </a:p>
+                  </a:txBody>
+                  <a:tcPr>
+                    <a:solidFill>
+                      <a:schemeClr val="tx2"/>
+                    </a:solidFill>
+                  </a:tcPr>
+                </a:tc>
+                <a:tc>
+                  <a:txBody>
+                    <a:bodyPr/>
+                    <a:lstStyle/>
+                    <a:p>
+                      <a:pPr algn="r"/>
+                      <a:r>
+                        <a:rPr lang="de-DE" dirty="0" smtClean="0">
+                          <a:latin typeface="Futura Lt BT" panose="020B0402020204020303"/>
+                        </a:rPr>
+                        <a:t>8</a:t>
+                      </a:r>
+                      <a:endParaRPr lang="de-DE" dirty="0">
+                        <a:latin typeface="Futura Lt BT" panose="020B0402020204020303"/>
+                      </a:endParaRPr>
+                    </a:p>
+                  </a:txBody>
+                  <a:tcPr>
+                    <a:solidFill>
+                      <a:schemeClr val="tx2"/>
+                    </a:solidFill>
+                  </a:tcPr>
+                </a:tc>
+                <a:tc>
+                  <a:txBody>
+                    <a:bodyPr/>
+                    <a:lstStyle/>
+                    <a:p>
+                      <a:pPr algn="r"/>
+                      <a:r>
+                        <a:rPr lang="de-DE" dirty="0" smtClean="0">
+                          <a:latin typeface="Futura Lt BT" panose="020B0402020204020303"/>
+                        </a:rPr>
+                        <a:t>17,8%</a:t>
+                      </a:r>
+                      <a:endParaRPr lang="de-DE" dirty="0">
+                        <a:latin typeface="Futura Lt BT" panose="020B0402020204020303"/>
+                      </a:endParaRPr>
+                    </a:p>
+                  </a:txBody>
+                  <a:tcPr>
+                    <a:solidFill>
+                      <a:schemeClr val="tx2"/>
+                    </a:solidFill>
+                  </a:tcPr>
+                </a:tc>
+                <a:extLst>
+                  <a:ext uri="{0D108BD9-81ED-4DB2-BD59-A6C34878D82A}">
+                    <a16:rowId xmlns:a16="http://schemas.microsoft.com/office/drawing/2014/main" val="1909838091"/>
+                  </a:ext>
+                </a:extLst>
+              </a:tr>
+              <a:tr h="370840">
+                <a:tc>
+                  <a:txBody>
+                    <a:bodyPr/>
+                    <a:lstStyle/>
+                    <a:p>
+                      <a:pPr algn="l"/>
+                      <a:r>
+                        <a:rPr lang="de-DE" dirty="0" smtClean="0">
+                          <a:latin typeface="Futura Lt BT" panose="020B0402020204020303"/>
+                        </a:rPr>
+                        <a:t>Informationssystemtechnik</a:t>
+                      </a:r>
+                      <a:endParaRPr lang="de-DE" dirty="0">
+                        <a:latin typeface="Futura Lt BT" panose="020B0402020204020303"/>
+                      </a:endParaRPr>
+                    </a:p>
+                  </a:txBody>
+                  <a:tcPr>
+                    <a:solidFill>
+                      <a:schemeClr val="tx2"/>
+                    </a:solidFill>
+                  </a:tcPr>
+                </a:tc>
+                <a:tc>
+                  <a:txBody>
+                    <a:bodyPr/>
+                    <a:lstStyle/>
+                    <a:p>
+                      <a:pPr algn="r"/>
+                      <a:r>
+                        <a:rPr lang="de-DE" dirty="0" smtClean="0">
+                          <a:latin typeface="Futura Lt BT" panose="020B0402020204020303"/>
+                        </a:rPr>
+                        <a:t>1</a:t>
+                      </a:r>
+                      <a:endParaRPr lang="de-DE" dirty="0">
+                        <a:latin typeface="Futura Lt BT" panose="020B0402020204020303"/>
+                      </a:endParaRPr>
+                    </a:p>
+                  </a:txBody>
+                  <a:tcPr>
+                    <a:solidFill>
+                      <a:schemeClr val="tx2"/>
+                    </a:solidFill>
+                  </a:tcPr>
+                </a:tc>
+                <a:tc>
+                  <a:txBody>
+                    <a:bodyPr/>
+                    <a:lstStyle/>
+                    <a:p>
+                      <a:pPr algn="r"/>
+                      <a:r>
+                        <a:rPr lang="de-DE" dirty="0" smtClean="0">
+                          <a:latin typeface="Futura Lt BT" panose="020B0402020204020303"/>
+                        </a:rPr>
+                        <a:t>2,2%</a:t>
+                      </a:r>
+                      <a:endParaRPr lang="de-DE" dirty="0">
+                        <a:latin typeface="Futura Lt BT" panose="020B0402020204020303"/>
+                      </a:endParaRPr>
+                    </a:p>
+                  </a:txBody>
+                  <a:tcPr>
+                    <a:solidFill>
+                      <a:schemeClr val="tx2"/>
+                    </a:solidFill>
+                  </a:tcPr>
+                </a:tc>
+                <a:extLst>
+                  <a:ext uri="{0D108BD9-81ED-4DB2-BD59-A6C34878D82A}">
+                    <a16:rowId xmlns:a16="http://schemas.microsoft.com/office/drawing/2014/main" val="605280906"/>
+                  </a:ext>
+                </a:extLst>
+              </a:tr>
+              <a:tr h="370840">
+                <a:tc>
+                  <a:txBody>
+                    <a:bodyPr/>
+                    <a:lstStyle/>
+                    <a:p>
+                      <a:pPr algn="l"/>
+                      <a:r>
+                        <a:rPr lang="de-DE" dirty="0" smtClean="0">
+                          <a:latin typeface="Futura Lt BT" panose="020B0402020204020303"/>
+                        </a:rPr>
+                        <a:t>Mathematik</a:t>
+                      </a:r>
+                      <a:endParaRPr lang="de-DE" dirty="0">
+                        <a:latin typeface="Futura Lt BT" panose="020B0402020204020303"/>
+                      </a:endParaRPr>
+                    </a:p>
+                  </a:txBody>
+                  <a:tcPr>
+                    <a:solidFill>
+                      <a:schemeClr val="tx2"/>
+                    </a:solidFill>
+                  </a:tcPr>
+                </a:tc>
+                <a:tc>
+                  <a:txBody>
+                    <a:bodyPr/>
+                    <a:lstStyle/>
+                    <a:p>
+                      <a:pPr algn="r"/>
+                      <a:r>
+                        <a:rPr lang="de-DE" dirty="0" smtClean="0">
+                          <a:latin typeface="Futura Lt BT" panose="020B0402020204020303"/>
+                        </a:rPr>
+                        <a:t>1</a:t>
+                      </a:r>
+                      <a:endParaRPr lang="de-DE" dirty="0">
+                        <a:latin typeface="Futura Lt BT" panose="020B0402020204020303"/>
+                      </a:endParaRPr>
+                    </a:p>
+                  </a:txBody>
+                  <a:tcPr>
+                    <a:solidFill>
+                      <a:schemeClr val="tx2"/>
+                    </a:solidFill>
+                  </a:tcPr>
+                </a:tc>
+                <a:tc>
+                  <a:txBody>
+                    <a:bodyPr/>
+                    <a:lstStyle/>
+                    <a:p>
+                      <a:pPr algn="r"/>
+                      <a:r>
+                        <a:rPr lang="de-DE" dirty="0" smtClean="0">
+                          <a:latin typeface="Futura Lt BT" panose="020B0402020204020303"/>
+                        </a:rPr>
+                        <a:t>2,2%</a:t>
+                      </a:r>
+                      <a:endParaRPr lang="de-DE" dirty="0">
+                        <a:latin typeface="Futura Lt BT" panose="020B0402020204020303"/>
+                      </a:endParaRPr>
+                    </a:p>
+                  </a:txBody>
+                  <a:tcPr>
+                    <a:solidFill>
+                      <a:schemeClr val="tx2"/>
+                    </a:solidFill>
+                  </a:tcPr>
+                </a:tc>
+                <a:extLst>
+                  <a:ext uri="{0D108BD9-81ED-4DB2-BD59-A6C34878D82A}">
+                    <a16:rowId xmlns:a16="http://schemas.microsoft.com/office/drawing/2014/main" val="291538057"/>
+                  </a:ext>
+                </a:extLst>
+              </a:tr>
+              <a:tr h="370840">
+                <a:tc>
+                  <a:txBody>
+                    <a:bodyPr/>
+                    <a:lstStyle/>
+                    <a:p>
+                      <a:pPr algn="l"/>
+                      <a:r>
+                        <a:rPr lang="de-DE" dirty="0" smtClean="0">
+                          <a:latin typeface="Futura Lt BT" panose="020B0402020204020303"/>
+                        </a:rPr>
+                        <a:t>Medieninformatik</a:t>
+                      </a:r>
+                      <a:endParaRPr lang="de-DE" dirty="0">
+                        <a:latin typeface="Futura Lt BT" panose="020B0402020204020303"/>
+                      </a:endParaRPr>
+                    </a:p>
+                  </a:txBody>
+                  <a:tcPr>
+                    <a:solidFill>
+                      <a:schemeClr val="tx2"/>
+                    </a:solidFill>
+                  </a:tcPr>
+                </a:tc>
+                <a:tc>
+                  <a:txBody>
+                    <a:bodyPr/>
+                    <a:lstStyle/>
+                    <a:p>
+                      <a:pPr algn="r"/>
+                      <a:r>
+                        <a:rPr lang="de-DE" dirty="0" smtClean="0">
+                          <a:latin typeface="Futura Lt BT" panose="020B0402020204020303"/>
+                        </a:rPr>
+                        <a:t>18</a:t>
+                      </a:r>
+                      <a:endParaRPr lang="de-DE" dirty="0">
+                        <a:latin typeface="Futura Lt BT" panose="020B0402020204020303"/>
+                      </a:endParaRPr>
+                    </a:p>
+                  </a:txBody>
+                  <a:tcPr>
+                    <a:solidFill>
+                      <a:schemeClr val="tx2"/>
+                    </a:solidFill>
+                  </a:tcPr>
+                </a:tc>
+                <a:tc>
+                  <a:txBody>
+                    <a:bodyPr/>
+                    <a:lstStyle/>
+                    <a:p>
+                      <a:pPr algn="r"/>
+                      <a:r>
+                        <a:rPr lang="de-DE" dirty="0" smtClean="0">
+                          <a:latin typeface="Futura Lt BT" panose="020B0402020204020303"/>
+                        </a:rPr>
+                        <a:t>40,0%</a:t>
+                      </a:r>
+                      <a:endParaRPr lang="de-DE" dirty="0">
+                        <a:latin typeface="Futura Lt BT" panose="020B0402020204020303"/>
+                      </a:endParaRPr>
+                    </a:p>
+                  </a:txBody>
+                  <a:tcPr>
+                    <a:solidFill>
+                      <a:schemeClr val="tx2"/>
+                    </a:solidFill>
+                  </a:tcPr>
+                </a:tc>
+                <a:extLst>
+                  <a:ext uri="{0D108BD9-81ED-4DB2-BD59-A6C34878D82A}">
+                    <a16:rowId xmlns:a16="http://schemas.microsoft.com/office/drawing/2014/main" val="116993570"/>
+                  </a:ext>
+                </a:extLst>
+              </a:tr>
+              <a:tr h="370840">
+                <a:tc>
+                  <a:txBody>
+                    <a:bodyPr/>
+                    <a:lstStyle/>
+                    <a:p>
+                      <a:pPr algn="l"/>
+                      <a:r>
+                        <a:rPr lang="de-DE" dirty="0" smtClean="0">
+                          <a:latin typeface="Futura Lt BT" panose="020B0402020204020303"/>
+                        </a:rPr>
+                        <a:t>Physik</a:t>
+                      </a:r>
+                      <a:endParaRPr lang="de-DE" dirty="0">
+                        <a:latin typeface="Futura Lt BT" panose="020B0402020204020303"/>
+                      </a:endParaRPr>
+                    </a:p>
+                  </a:txBody>
+                  <a:tcPr>
+                    <a:solidFill>
+                      <a:schemeClr val="tx2"/>
+                    </a:solidFill>
+                  </a:tcPr>
+                </a:tc>
+                <a:tc>
+                  <a:txBody>
+                    <a:bodyPr/>
+                    <a:lstStyle/>
+                    <a:p>
+                      <a:pPr algn="r"/>
+                      <a:r>
+                        <a:rPr lang="de-DE" dirty="0" smtClean="0">
+                          <a:latin typeface="Futura Lt BT" panose="020B0402020204020303"/>
+                        </a:rPr>
+                        <a:t>3</a:t>
+                      </a:r>
+                      <a:endParaRPr lang="de-DE" dirty="0">
+                        <a:latin typeface="Futura Lt BT" panose="020B0402020204020303"/>
+                      </a:endParaRPr>
+                    </a:p>
+                  </a:txBody>
+                  <a:tcPr>
+                    <a:solidFill>
+                      <a:schemeClr val="tx2"/>
+                    </a:solidFill>
+                  </a:tcPr>
+                </a:tc>
+                <a:tc>
+                  <a:txBody>
+                    <a:bodyPr/>
+                    <a:lstStyle/>
+                    <a:p>
+                      <a:pPr algn="r"/>
+                      <a:r>
+                        <a:rPr lang="de-DE" dirty="0" smtClean="0">
+                          <a:latin typeface="Futura Lt BT" panose="020B0402020204020303"/>
+                        </a:rPr>
+                        <a:t>6,7%</a:t>
+                      </a:r>
+                      <a:endParaRPr lang="de-DE" dirty="0">
+                        <a:latin typeface="Futura Lt BT" panose="020B0402020204020303"/>
+                      </a:endParaRPr>
+                    </a:p>
+                  </a:txBody>
+                  <a:tcPr>
+                    <a:solidFill>
+                      <a:schemeClr val="tx2"/>
+                    </a:solidFill>
+                  </a:tcPr>
+                </a:tc>
+                <a:extLst>
+                  <a:ext uri="{0D108BD9-81ED-4DB2-BD59-A6C34878D82A}">
+                    <a16:rowId xmlns:a16="http://schemas.microsoft.com/office/drawing/2014/main" val="3053305515"/>
+                  </a:ext>
+                </a:extLst>
+              </a:tr>
+              <a:tr h="370840">
+                <a:tc>
+                  <a:txBody>
+                    <a:bodyPr/>
+                    <a:lstStyle/>
+                    <a:p>
+                      <a:pPr algn="l"/>
+                      <a:r>
+                        <a:rPr lang="de-DE" dirty="0" smtClean="0">
+                          <a:latin typeface="Futura Lt BT" panose="020B0402020204020303"/>
+                        </a:rPr>
+                        <a:t>Psychologie</a:t>
+                      </a:r>
+                      <a:endParaRPr lang="de-DE" dirty="0">
+                        <a:latin typeface="Futura Lt BT" panose="020B0402020204020303"/>
+                      </a:endParaRPr>
+                    </a:p>
+                  </a:txBody>
+                  <a:tcPr>
+                    <a:solidFill>
+                      <a:schemeClr val="tx2"/>
+                    </a:solidFill>
+                  </a:tcPr>
+                </a:tc>
+                <a:tc>
+                  <a:txBody>
+                    <a:bodyPr/>
+                    <a:lstStyle/>
+                    <a:p>
+                      <a:pPr algn="r"/>
+                      <a:r>
+                        <a:rPr lang="de-DE" dirty="0" smtClean="0">
+                          <a:latin typeface="Futura Lt BT" panose="020B0402020204020303"/>
+                        </a:rPr>
+                        <a:t>2</a:t>
+                      </a:r>
+                      <a:endParaRPr lang="de-DE" dirty="0">
+                        <a:latin typeface="Futura Lt BT" panose="020B0402020204020303"/>
+                      </a:endParaRPr>
+                    </a:p>
+                  </a:txBody>
+                  <a:tcPr>
+                    <a:solidFill>
+                      <a:schemeClr val="tx2"/>
+                    </a:solidFill>
+                  </a:tcPr>
+                </a:tc>
+                <a:tc>
+                  <a:txBody>
+                    <a:bodyPr/>
+                    <a:lstStyle/>
+                    <a:p>
+                      <a:pPr algn="r"/>
+                      <a:r>
+                        <a:rPr lang="de-DE" dirty="0" smtClean="0">
+                          <a:latin typeface="Futura Lt BT" panose="020B0402020204020303"/>
+                        </a:rPr>
+                        <a:t>4,4%</a:t>
+                      </a:r>
+                      <a:endParaRPr lang="de-DE" dirty="0">
+                        <a:latin typeface="Futura Lt BT" panose="020B0402020204020303"/>
+                      </a:endParaRPr>
+                    </a:p>
+                  </a:txBody>
+                  <a:tcPr>
+                    <a:solidFill>
+                      <a:schemeClr val="tx2"/>
+                    </a:solidFill>
+                  </a:tcPr>
+                </a:tc>
+                <a:extLst>
+                  <a:ext uri="{0D108BD9-81ED-4DB2-BD59-A6C34878D82A}">
+                    <a16:rowId xmlns:a16="http://schemas.microsoft.com/office/drawing/2014/main" val="2189577626"/>
+                  </a:ext>
+                </a:extLst>
+              </a:tr>
+              <a:tr h="370840">
+                <a:tc>
+                  <a:txBody>
+                    <a:bodyPr/>
+                    <a:lstStyle/>
+                    <a:p>
+                      <a:pPr algn="l"/>
+                      <a:r>
+                        <a:rPr lang="de-DE" dirty="0" smtClean="0">
+                          <a:latin typeface="Futura Lt BT" panose="020B0402020204020303"/>
+                        </a:rPr>
+                        <a:t>Software Engineering</a:t>
+                      </a:r>
+                      <a:endParaRPr lang="de-DE" dirty="0">
+                        <a:latin typeface="Futura Lt BT" panose="020B0402020204020303"/>
+                      </a:endParaRPr>
+                    </a:p>
+                  </a:txBody>
+                  <a:tcPr>
+                    <a:solidFill>
+                      <a:schemeClr val="tx2"/>
+                    </a:solidFill>
+                  </a:tcPr>
+                </a:tc>
+                <a:tc>
+                  <a:txBody>
+                    <a:bodyPr/>
+                    <a:lstStyle/>
+                    <a:p>
+                      <a:pPr algn="r"/>
+                      <a:r>
+                        <a:rPr lang="de-DE" dirty="0" smtClean="0">
+                          <a:latin typeface="Futura Lt BT" panose="020B0402020204020303"/>
+                        </a:rPr>
+                        <a:t>8</a:t>
+                      </a:r>
+                      <a:endParaRPr lang="de-DE" dirty="0">
+                        <a:latin typeface="Futura Lt BT" panose="020B0402020204020303"/>
+                      </a:endParaRPr>
+                    </a:p>
+                  </a:txBody>
+                  <a:tcPr>
+                    <a:solidFill>
+                      <a:schemeClr val="tx2"/>
+                    </a:solidFill>
+                  </a:tcPr>
+                </a:tc>
+                <a:tc>
+                  <a:txBody>
+                    <a:bodyPr/>
+                    <a:lstStyle/>
+                    <a:p>
+                      <a:pPr algn="r"/>
+                      <a:r>
+                        <a:rPr lang="de-DE" dirty="0" smtClean="0">
+                          <a:latin typeface="Futura Lt BT" panose="020B0402020204020303"/>
+                        </a:rPr>
+                        <a:t>17,8%</a:t>
+                      </a:r>
+                      <a:endParaRPr lang="de-DE" dirty="0">
+                        <a:latin typeface="Futura Lt BT" panose="020B0402020204020303"/>
+                      </a:endParaRPr>
+                    </a:p>
+                  </a:txBody>
+                  <a:tcPr>
+                    <a:solidFill>
+                      <a:schemeClr val="tx2"/>
+                    </a:solidFill>
+                  </a:tcPr>
+                </a:tc>
+                <a:extLst>
+                  <a:ext uri="{0D108BD9-81ED-4DB2-BD59-A6C34878D82A}">
+                    <a16:rowId xmlns:a16="http://schemas.microsoft.com/office/drawing/2014/main" val="1352841563"/>
+                  </a:ext>
+                </a:extLst>
+              </a:tr>
+              <a:tr h="370840">
+                <a:tc>
+                  <a:txBody>
+                    <a:bodyPr/>
+                    <a:lstStyle/>
+                    <a:p>
+                      <a:pPr algn="l"/>
+                      <a:r>
+                        <a:rPr lang="de-DE" dirty="0" smtClean="0">
+                          <a:latin typeface="Futura Lt BT" panose="020B0402020204020303"/>
+                        </a:rPr>
+                        <a:t>Wirtschaftsmathematik</a:t>
+                      </a:r>
+                      <a:endParaRPr lang="de-DE" dirty="0">
+                        <a:latin typeface="Futura Lt BT" panose="020B0402020204020303"/>
+                      </a:endParaRPr>
+                    </a:p>
+                  </a:txBody>
+                  <a:tcPr>
+                    <a:solidFill>
+                      <a:schemeClr val="tx2"/>
+                    </a:solidFill>
+                  </a:tcPr>
+                </a:tc>
+                <a:tc>
+                  <a:txBody>
+                    <a:bodyPr/>
+                    <a:lstStyle/>
+                    <a:p>
+                      <a:pPr algn="r"/>
+                      <a:r>
+                        <a:rPr lang="de-DE" dirty="0" smtClean="0">
+                          <a:latin typeface="Futura Lt BT" panose="020B0402020204020303"/>
+                        </a:rPr>
+                        <a:t>1</a:t>
+                      </a:r>
+                      <a:endParaRPr lang="de-DE" dirty="0">
+                        <a:latin typeface="Futura Lt BT" panose="020B0402020204020303"/>
+                      </a:endParaRPr>
+                    </a:p>
+                  </a:txBody>
+                  <a:tcPr>
+                    <a:solidFill>
+                      <a:schemeClr val="tx2"/>
+                    </a:solidFill>
+                  </a:tcPr>
+                </a:tc>
+                <a:tc>
+                  <a:txBody>
+                    <a:bodyPr/>
+                    <a:lstStyle/>
+                    <a:p>
+                      <a:pPr algn="r"/>
+                      <a:r>
+                        <a:rPr lang="de-DE" dirty="0" smtClean="0">
+                          <a:latin typeface="Futura Lt BT" panose="020B0402020204020303"/>
+                        </a:rPr>
+                        <a:t>2,2%</a:t>
+                      </a:r>
+                      <a:endParaRPr lang="de-DE" dirty="0">
+                        <a:latin typeface="Futura Lt BT" panose="020B0402020204020303"/>
+                      </a:endParaRPr>
+                    </a:p>
+                  </a:txBody>
+                  <a:tcPr>
+                    <a:solidFill>
+                      <a:schemeClr val="tx2"/>
+                    </a:solidFill>
+                  </a:tcPr>
+                </a:tc>
+                <a:extLst>
+                  <a:ext uri="{0D108BD9-81ED-4DB2-BD59-A6C34878D82A}">
+                    <a16:rowId xmlns:a16="http://schemas.microsoft.com/office/drawing/2014/main" val="999634938"/>
+                  </a:ext>
+                </a:extLst>
+              </a:tr>
+              <a:tr h="370840">
+                <a:tc>
+                  <a:txBody>
+                    <a:bodyPr/>
+                    <a:lstStyle/>
+                    <a:p>
+                      <a:pPr algn="l"/>
+                      <a:r>
+                        <a:rPr lang="de-DE" dirty="0" smtClean="0">
+                          <a:latin typeface="Futura Lt BT" panose="020B0402020204020303"/>
+                        </a:rPr>
+                        <a:t>Wirtschaftsphysik</a:t>
+                      </a:r>
+                      <a:endParaRPr lang="de-DE" dirty="0">
+                        <a:latin typeface="Futura Lt BT" panose="020B0402020204020303"/>
+                      </a:endParaRPr>
+                    </a:p>
+                  </a:txBody>
+                  <a:tcPr>
+                    <a:solidFill>
+                      <a:schemeClr val="tx2"/>
+                    </a:solidFill>
+                  </a:tcPr>
+                </a:tc>
+                <a:tc>
+                  <a:txBody>
+                    <a:bodyPr/>
+                    <a:lstStyle/>
+                    <a:p>
+                      <a:pPr algn="r"/>
+                      <a:r>
+                        <a:rPr lang="de-DE" dirty="0" smtClean="0">
+                          <a:latin typeface="Futura Lt BT" panose="020B0402020204020303"/>
+                        </a:rPr>
+                        <a:t>2</a:t>
+                      </a:r>
+                      <a:endParaRPr lang="de-DE" dirty="0">
+                        <a:latin typeface="Futura Lt BT" panose="020B0402020204020303"/>
+                      </a:endParaRPr>
+                    </a:p>
+                  </a:txBody>
+                  <a:tcPr>
+                    <a:solidFill>
+                      <a:schemeClr val="tx2"/>
+                    </a:solidFill>
+                  </a:tcPr>
+                </a:tc>
+                <a:tc>
+                  <a:txBody>
+                    <a:bodyPr/>
+                    <a:lstStyle/>
+                    <a:p>
+                      <a:pPr algn="r"/>
+                      <a:r>
+                        <a:rPr lang="de-DE" dirty="0" smtClean="0">
+                          <a:latin typeface="Futura Lt BT" panose="020B0402020204020303"/>
+                        </a:rPr>
+                        <a:t>4,4%</a:t>
+                      </a:r>
+                      <a:endParaRPr lang="de-DE" dirty="0">
+                        <a:latin typeface="Futura Lt BT" panose="020B0402020204020303"/>
+                      </a:endParaRPr>
+                    </a:p>
+                  </a:txBody>
+                  <a:tcPr>
+                    <a:solidFill>
+                      <a:schemeClr val="tx2"/>
+                    </a:solidFill>
+                  </a:tcPr>
+                </a:tc>
+                <a:extLst>
+                  <a:ext uri="{0D108BD9-81ED-4DB2-BD59-A6C34878D82A}">
+                    <a16:rowId xmlns:a16="http://schemas.microsoft.com/office/drawing/2014/main" val="394632786"/>
+                  </a:ext>
+                </a:extLst>
+              </a:tr>
+            </a:tbl>
+          </a:graphicData>
+        </a:graphic>
+      </p:graphicFrame>
+    </p:spTree>
+    <p:extLst>
+      <p:ext uri="{BB962C8B-B14F-4D97-AF65-F5344CB8AC3E}">
+        <p14:creationId xmlns:p14="http://schemas.microsoft.com/office/powerpoint/2010/main" val="892320526"/>
+      </p:ext>
+    </p:extLst>
+  </p:cSld>
+  <p:clrMapOvr>
+    <a:masterClrMapping/>
+  </p:clrMapOvr>
+</p:sld>
+</file>
+
+<file path=ppt/slides/slide4.xml><?xml version="1.0" encoding="utf-8"?>
+<p:sld xmlns:a="http://schemas.openxmlformats.org/drawingml/2006/main" xmlns:r="http://schemas.openxmlformats.org/officeDocument/2006/relationships" xmlns:p="http://schemas.openxmlformats.org/presentationml/2006/main">
+  <p:cSld>
+    <p:spTree>
+      <p:nvGrpSpPr>
+        <p:cNvPr id="1" name=""/>
+        <p:cNvGrpSpPr/>
+        <p:nvPr/>
+      </p:nvGrpSpPr>
+      <p:grpSpPr>
+        <a:xfrm>
+          <a:off x="0" y="0"/>
+          <a:ext cx="0" cy="0"/>
+          <a:chOff x="0" y="0"/>
+          <a:chExt cx="0" cy="0"/>
+        </a:xfrm>
+      </p:grpSpPr>
+      <p:sp>
+        <p:nvSpPr>
+          <p:cNvPr id="2" name="Titel 1"/>
+          <p:cNvSpPr>
+            <a:spLocks noGrp="1"/>
+          </p:cNvSpPr>
+          <p:nvPr>
+            <p:ph type="title"/>
+          </p:nvPr>
+        </p:nvSpPr>
+        <p:spPr/>
+        <p:txBody>
+          <a:bodyPr/>
+          <a:lstStyle/>
+          <a:p>
+            <a:r>
+              <a:rPr lang="de-DE" dirty="0" smtClean="0"/>
+              <a:t>Herangehensweise </a:t>
+            </a:r>
+            <a:r>
+              <a:rPr lang="de-DE" sz="2400" dirty="0" smtClean="0"/>
+              <a:t>(1/2)</a:t>
+            </a:r>
+            <a:endParaRPr lang="de-DE" sz="2400" dirty="0"/>
+          </a:p>
+        </p:txBody>
+      </p:sp>
+      <p:sp>
+        <p:nvSpPr>
+          <p:cNvPr id="3" name="Inhaltsplatzhalter 2"/>
+          <p:cNvSpPr>
+            <a:spLocks noGrp="1"/>
+          </p:cNvSpPr>
+          <p:nvPr>
+            <p:ph idx="1"/>
+          </p:nvPr>
+        </p:nvSpPr>
+        <p:spPr/>
+        <p:txBody>
+          <a:bodyPr/>
+          <a:lstStyle/>
+          <a:p>
+            <a:r>
+              <a:rPr lang="de-DE" dirty="0">
+                <a:sym typeface="Wingdings" panose="05000000000000000000" pitchFamily="2" charset="2"/>
+              </a:rPr>
+              <a:t> </a:t>
+            </a:r>
+            <a:r>
+              <a:rPr lang="de-DE" dirty="0" err="1">
+                <a:sym typeface="Wingdings" panose="05000000000000000000" pitchFamily="2" charset="2"/>
+              </a:rPr>
+              <a:t>Paramter</a:t>
+            </a:r>
+            <a:r>
+              <a:rPr lang="de-DE" dirty="0">
+                <a:sym typeface="Wingdings" panose="05000000000000000000" pitchFamily="2" charset="2"/>
+              </a:rPr>
+              <a:t> Licht und Ton : </a:t>
+            </a:r>
+            <a:r>
+              <a:rPr lang="de-DE" dirty="0" err="1">
+                <a:sym typeface="Wingdings" panose="05000000000000000000" pitchFamily="2" charset="2"/>
+              </a:rPr>
+              <a:t>between</a:t>
+            </a:r>
+            <a:r>
+              <a:rPr lang="de-DE" dirty="0">
+                <a:sym typeface="Wingdings" panose="05000000000000000000" pitchFamily="2" charset="2"/>
+              </a:rPr>
+              <a:t> </a:t>
+            </a:r>
+            <a:r>
+              <a:rPr lang="de-DE" dirty="0" err="1">
+                <a:sym typeface="Wingdings" panose="05000000000000000000" pitchFamily="2" charset="2"/>
+              </a:rPr>
+              <a:t>subject</a:t>
+            </a:r>
+            <a:r>
+              <a:rPr lang="de-DE" dirty="0">
+                <a:sym typeface="Wingdings" panose="05000000000000000000" pitchFamily="2" charset="2"/>
+              </a:rPr>
+              <a:t> </a:t>
+            </a:r>
+            <a:r>
+              <a:rPr lang="de-DE" dirty="0" smtClean="0">
+                <a:sym typeface="Wingdings" panose="05000000000000000000" pitchFamily="2" charset="2"/>
+              </a:rPr>
+              <a:t>Studie</a:t>
+            </a:r>
+            <a:endParaRPr lang="de-DE" dirty="0" smtClean="0"/>
+          </a:p>
+          <a:p>
+            <a:r>
+              <a:rPr lang="de-DE" dirty="0" smtClean="0"/>
+              <a:t>VR </a:t>
+            </a:r>
+            <a:r>
+              <a:rPr lang="de-DE" dirty="0"/>
+              <a:t>Umgebung mit Kopfhörer</a:t>
+            </a:r>
+          </a:p>
+          <a:p>
+            <a:r>
+              <a:rPr lang="de-DE" dirty="0"/>
+              <a:t>Werte aufzeichnen Kopfbewegung, Zeiten </a:t>
+            </a:r>
+            <a:r>
+              <a:rPr lang="de-DE" dirty="0" err="1"/>
+              <a:t>etc</a:t>
+            </a:r>
+            <a:r>
+              <a:rPr lang="de-DE" dirty="0"/>
+              <a:t> -&gt; </a:t>
+            </a:r>
+            <a:r>
+              <a:rPr lang="de-DE" dirty="0" err="1"/>
+              <a:t>csv</a:t>
+            </a:r>
+            <a:r>
+              <a:rPr lang="de-DE" dirty="0"/>
+              <a:t> Format</a:t>
+            </a:r>
+          </a:p>
+          <a:p>
+            <a:r>
+              <a:rPr lang="de-DE" dirty="0" smtClean="0"/>
+              <a:t>Gaming-Stuhl</a:t>
+            </a:r>
+          </a:p>
+          <a:p>
+            <a:r>
+              <a:rPr lang="de-DE" dirty="0" smtClean="0"/>
+              <a:t>Python, R Skripte, SPSS </a:t>
+            </a:r>
+            <a:r>
+              <a:rPr lang="de-DE" dirty="0" err="1" smtClean="0"/>
+              <a:t>etc</a:t>
+            </a:r>
+            <a:endParaRPr lang="de-DE" dirty="0"/>
+          </a:p>
+        </p:txBody>
+      </p:sp>
+    </p:spTree>
+    <p:extLst>
+      <p:ext uri="{BB962C8B-B14F-4D97-AF65-F5344CB8AC3E}">
+        <p14:creationId xmlns:p14="http://schemas.microsoft.com/office/powerpoint/2010/main" val="2126858546"/>
+      </p:ext>
+    </p:extLst>
+  </p:cSld>
+  <p:clrMapOvr>
+    <a:masterClrMapping/>
+  </p:clrMapOvr>
+  <p:timing>
+    <p:tnLst>
+      <p:par>
+        <p:cTn id="1" dur="indefinite" restart="never" nodeType="tmRoot"/>
+      </p:par>
+    </p:tnLst>
+  </p:timing>
+</p:sld>
+</file>
+
+<file path=ppt/slides/slide5.xml><?xml version="1.0" encoding="utf-8"?>
+<p:sld xmlns:a="http://schemas.openxmlformats.org/drawingml/2006/main" xmlns:r="http://schemas.openxmlformats.org/officeDocument/2006/relationships" xmlns:p="http://schemas.openxmlformats.org/presentationml/2006/main">
+  <p:cSld>
+    <p:spTree>
+      <p:nvGrpSpPr>
+        <p:cNvPr id="1" name=""/>
+        <p:cNvGrpSpPr/>
+        <p:nvPr/>
+      </p:nvGrpSpPr>
+      <p:grpSpPr>
+        <a:xfrm>
+          <a:off x="0" y="0"/>
+          <a:ext cx="0" cy="0"/>
+          <a:chOff x="0" y="0"/>
+          <a:chExt cx="0" cy="0"/>
+        </a:xfrm>
+      </p:grpSpPr>
+      <p:sp>
+        <p:nvSpPr>
+          <p:cNvPr id="3" name="Inhaltsplatzhalter 2"/>
+          <p:cNvSpPr>
+            <a:spLocks noGrp="1"/>
+          </p:cNvSpPr>
+          <p:nvPr>
+            <p:ph idx="1"/>
+          </p:nvPr>
+        </p:nvSpPr>
+        <p:spPr/>
+        <p:txBody>
+          <a:bodyPr/>
+          <a:lstStyle/>
+          <a:p>
+            <a:r>
+              <a:rPr lang="de-DE" dirty="0" smtClean="0"/>
+              <a:t>Lösungsansatz</a:t>
+            </a:r>
+          </a:p>
+          <a:p>
+            <a:r>
+              <a:rPr lang="de-DE" dirty="0" smtClean="0"/>
+              <a:t>Übergang </a:t>
+            </a:r>
+            <a:r>
+              <a:rPr lang="de-DE" dirty="0"/>
+              <a:t>schläfriger Zustand, ohne kognitive Belastung, und wacher Zustand, in dem Aufgaben erledigt werden müssen</a:t>
+            </a:r>
+          </a:p>
+          <a:p>
+            <a:r>
+              <a:rPr lang="de-DE" dirty="0"/>
+              <a:t>Hypothesen</a:t>
+            </a:r>
+          </a:p>
+          <a:p>
+            <a:r>
+              <a:rPr lang="de-DE" dirty="0"/>
+              <a:t>Erfasste Parameter: Zeit, Fehlerrate, Blickrichtung</a:t>
+            </a:r>
+          </a:p>
+        </p:txBody>
+      </p:sp>
+      <p:sp>
+        <p:nvSpPr>
+          <p:cNvPr id="4" name="Titel 1"/>
+          <p:cNvSpPr>
+            <a:spLocks noGrp="1"/>
+          </p:cNvSpPr>
+          <p:nvPr>
+            <p:ph type="title"/>
+          </p:nvPr>
+        </p:nvSpPr>
+        <p:spPr/>
+        <p:txBody>
+          <a:bodyPr/>
+          <a:lstStyle/>
+          <a:p>
+            <a:r>
+              <a:rPr lang="de-DE" dirty="0" smtClean="0"/>
+              <a:t>Herangehensweise </a:t>
+            </a:r>
+            <a:r>
+              <a:rPr lang="de-DE" sz="2400" dirty="0" smtClean="0"/>
+              <a:t>(2/2)</a:t>
+            </a:r>
+            <a:endParaRPr lang="de-DE" sz="2400" dirty="0"/>
+          </a:p>
+        </p:txBody>
+      </p:sp>
+    </p:spTree>
+    <p:extLst>
+      <p:ext uri="{BB962C8B-B14F-4D97-AF65-F5344CB8AC3E}">
+        <p14:creationId xmlns:p14="http://schemas.microsoft.com/office/powerpoint/2010/main" val="2101833021"/>
+      </p:ext>
+    </p:extLst>
+  </p:cSld>
+  <p:clrMapOvr>
+    <a:masterClrMapping/>
+  </p:clrMapOvr>
+  <p:timing>
+    <p:tnLst>
+      <p:par>
+        <p:cTn id="1" dur="indefinite" restart="never" nodeType="tmRoot"/>
+      </p:par>
+    </p:tnLst>
+  </p:timing>
+</p:sld>
+</file>
+
+<file path=ppt/slides/slide6.xml><?xml version="1.0" encoding="utf-8"?>
 <p:sld xmlns:a="http://schemas.openxmlformats.org/drawingml/2006/main" xmlns:r="http://schemas.openxmlformats.org/officeDocument/2006/relationships" xmlns:p="http://schemas.openxmlformats.org/presentationml/2006/main">
   <p:cSld>
     <p:spTree>
@@ -14076,6 +16580,385 @@
     <p:extLst>
       <p:ext uri="{BB962C8B-B14F-4D97-AF65-F5344CB8AC3E}">
         <p14:creationId xmlns:p14="http://schemas.microsoft.com/office/powerpoint/2010/main" val="3104478461"/>
+      </p:ext>
+    </p:extLst>
+  </p:cSld>
+  <p:clrMapOvr>
+    <a:masterClrMapping/>
+  </p:clrMapOvr>
+  <p:timing>
+    <p:tnLst>
+      <p:par>
+        <p:cTn id="1" dur="indefinite" restart="never" nodeType="tmRoot"/>
+      </p:par>
+    </p:tnLst>
+  </p:timing>
+</p:sld>
+</file>
+
+<file path=ppt/slides/slide7.xml><?xml version="1.0" encoding="utf-8"?>
+<p:sld xmlns:a="http://schemas.openxmlformats.org/drawingml/2006/main" xmlns:r="http://schemas.openxmlformats.org/officeDocument/2006/relationships" xmlns:p="http://schemas.openxmlformats.org/presentationml/2006/main">
+  <p:cSld>
+    <p:spTree>
+      <p:nvGrpSpPr>
+        <p:cNvPr id="1" name=""/>
+        <p:cNvGrpSpPr/>
+        <p:nvPr/>
+      </p:nvGrpSpPr>
+      <p:grpSpPr>
+        <a:xfrm>
+          <a:off x="0" y="0"/>
+          <a:ext cx="0" cy="0"/>
+          <a:chOff x="0" y="0"/>
+          <a:chExt cx="0" cy="0"/>
+        </a:xfrm>
+      </p:grpSpPr>
+      <p:sp>
+        <p:nvSpPr>
+          <p:cNvPr id="2" name="Titel 1"/>
+          <p:cNvSpPr>
+            <a:spLocks noGrp="1"/>
+          </p:cNvSpPr>
+          <p:nvPr>
+            <p:ph type="title"/>
+          </p:nvPr>
+        </p:nvSpPr>
+        <p:spPr/>
+        <p:txBody>
+          <a:bodyPr/>
+          <a:lstStyle/>
+          <a:p>
+            <a:r>
+              <a:rPr lang="de-DE" dirty="0"/>
+              <a:t>Aufgaben </a:t>
+            </a:r>
+            <a:r>
+              <a:rPr lang="de-DE" sz="2400" dirty="0"/>
+              <a:t>(2/4)</a:t>
+            </a:r>
+          </a:p>
+        </p:txBody>
+      </p:sp>
+      <p:pic>
+        <p:nvPicPr>
+          <p:cNvPr id="9" name="Inhaltsplatzhalter 8">
+            <a:extLst>
+              <a:ext uri="{FF2B5EF4-FFF2-40B4-BE49-F238E27FC236}">
+                <a16:creationId xmlns:a16="http://schemas.microsoft.com/office/drawing/2014/main" id="{5E2E5E09-3C09-46C6-861F-AE1C45040B82}"/>
+              </a:ext>
+            </a:extLst>
+          </p:cNvPr>
+          <p:cNvPicPr>
+            <a:picLocks noGrp="1" noChangeAspect="1"/>
+          </p:cNvPicPr>
+          <p:nvPr>
+            <p:ph idx="1"/>
+          </p:nvPr>
+        </p:nvPicPr>
+        <p:blipFill>
+          <a:blip r:embed="rId2">
+            <a:extLst>
+              <a:ext uri="{28A0092B-C50C-407E-A947-70E740481C1C}">
+                <a14:useLocalDpi xmlns:a14="http://schemas.microsoft.com/office/drawing/2010/main" val="0"/>
+              </a:ext>
+            </a:extLst>
+          </a:blip>
+          <a:srcRect/>
+          <a:stretch/>
+        </p:blipFill>
+        <p:spPr>
+          <a:xfrm>
+            <a:off x="1572016" y="1418096"/>
+            <a:ext cx="9047967" cy="5742598"/>
+          </a:xfrm>
+        </p:spPr>
+      </p:pic>
+    </p:spTree>
+    <p:extLst>
+      <p:ext uri="{BB962C8B-B14F-4D97-AF65-F5344CB8AC3E}">
+        <p14:creationId xmlns:p14="http://schemas.microsoft.com/office/powerpoint/2010/main" val="1151443220"/>
+      </p:ext>
+    </p:extLst>
+  </p:cSld>
+  <p:clrMapOvr>
+    <a:masterClrMapping/>
+  </p:clrMapOvr>
+  <p:timing>
+    <p:tnLst>
+      <p:par>
+        <p:cTn id="1" dur="indefinite" restart="never" nodeType="tmRoot"/>
+      </p:par>
+    </p:tnLst>
+  </p:timing>
+</p:sld>
+</file>
+
+<file path=ppt/slides/slide8.xml><?xml version="1.0" encoding="utf-8"?>
+<p:sld xmlns:a="http://schemas.openxmlformats.org/drawingml/2006/main" xmlns:r="http://schemas.openxmlformats.org/officeDocument/2006/relationships" xmlns:p="http://schemas.openxmlformats.org/presentationml/2006/main">
+  <p:cSld>
+    <p:spTree>
+      <p:nvGrpSpPr>
+        <p:cNvPr id="1" name=""/>
+        <p:cNvGrpSpPr/>
+        <p:nvPr/>
+      </p:nvGrpSpPr>
+      <p:grpSpPr>
+        <a:xfrm>
+          <a:off x="0" y="0"/>
+          <a:ext cx="0" cy="0"/>
+          <a:chOff x="0" y="0"/>
+          <a:chExt cx="0" cy="0"/>
+        </a:xfrm>
+      </p:grpSpPr>
+      <p:sp>
+        <p:nvSpPr>
+          <p:cNvPr id="2" name="Titel 1"/>
+          <p:cNvSpPr>
+            <a:spLocks noGrp="1"/>
+          </p:cNvSpPr>
+          <p:nvPr>
+            <p:ph type="title"/>
+          </p:nvPr>
+        </p:nvSpPr>
+        <p:spPr/>
+        <p:txBody>
+          <a:bodyPr/>
+          <a:lstStyle/>
+          <a:p>
+            <a:r>
+              <a:rPr lang="de-DE" dirty="0"/>
+              <a:t>Aufgaben </a:t>
+            </a:r>
+            <a:r>
+              <a:rPr lang="de-DE" sz="2400" dirty="0"/>
+              <a:t>(3/4)</a:t>
+            </a:r>
+          </a:p>
+        </p:txBody>
+      </p:sp>
+      <p:pic>
+        <p:nvPicPr>
+          <p:cNvPr id="9" name="Inhaltsplatzhalter 8">
+            <a:extLst>
+              <a:ext uri="{FF2B5EF4-FFF2-40B4-BE49-F238E27FC236}">
+                <a16:creationId xmlns:a16="http://schemas.microsoft.com/office/drawing/2014/main" id="{5E2E5E09-3C09-46C6-861F-AE1C45040B82}"/>
+              </a:ext>
+            </a:extLst>
+          </p:cNvPr>
+          <p:cNvPicPr>
+            <a:picLocks noGrp="1" noChangeAspect="1"/>
+          </p:cNvPicPr>
+          <p:nvPr>
+            <p:ph idx="1"/>
+          </p:nvPr>
+        </p:nvPicPr>
+        <p:blipFill>
+          <a:blip r:embed="rId2">
+            <a:extLst>
+              <a:ext uri="{28A0092B-C50C-407E-A947-70E740481C1C}">
+                <a14:useLocalDpi xmlns:a14="http://schemas.microsoft.com/office/drawing/2010/main" val="0"/>
+              </a:ext>
+            </a:extLst>
+          </a:blip>
+          <a:srcRect/>
+          <a:stretch/>
+        </p:blipFill>
+        <p:spPr>
+          <a:xfrm>
+            <a:off x="1572016" y="1418096"/>
+            <a:ext cx="9047967" cy="5742598"/>
+          </a:xfrm>
+        </p:spPr>
+      </p:pic>
+    </p:spTree>
+    <p:extLst>
+      <p:ext uri="{BB962C8B-B14F-4D97-AF65-F5344CB8AC3E}">
+        <p14:creationId xmlns:p14="http://schemas.microsoft.com/office/powerpoint/2010/main" val="763508232"/>
+      </p:ext>
+    </p:extLst>
+  </p:cSld>
+  <p:clrMapOvr>
+    <a:masterClrMapping/>
+  </p:clrMapOvr>
+  <p:timing>
+    <p:tnLst>
+      <p:par>
+        <p:cTn id="1" dur="indefinite" restart="never" nodeType="tmRoot"/>
+      </p:par>
+    </p:tnLst>
+  </p:timing>
+</p:sld>
+</file>
+
+<file path=ppt/slides/slide9.xml><?xml version="1.0" encoding="utf-8"?>
+<p:sld xmlns:a="http://schemas.openxmlformats.org/drawingml/2006/main" xmlns:r="http://schemas.openxmlformats.org/officeDocument/2006/relationships" xmlns:p="http://schemas.openxmlformats.org/presentationml/2006/main">
+  <p:cSld>
+    <p:spTree>
+      <p:nvGrpSpPr>
+        <p:cNvPr id="1" name=""/>
+        <p:cNvGrpSpPr/>
+        <p:nvPr/>
+      </p:nvGrpSpPr>
+      <p:grpSpPr>
+        <a:xfrm>
+          <a:off x="0" y="0"/>
+          <a:ext cx="0" cy="0"/>
+          <a:chOff x="0" y="0"/>
+          <a:chExt cx="0" cy="0"/>
+        </a:xfrm>
+      </p:grpSpPr>
+      <p:sp>
+        <p:nvSpPr>
+          <p:cNvPr id="2" name="Titel 1"/>
+          <p:cNvSpPr>
+            <a:spLocks noGrp="1"/>
+          </p:cNvSpPr>
+          <p:nvPr>
+            <p:ph type="title"/>
+          </p:nvPr>
+        </p:nvSpPr>
+        <p:spPr/>
+        <p:txBody>
+          <a:bodyPr/>
+          <a:lstStyle/>
+          <a:p>
+            <a:r>
+              <a:rPr lang="de-DE" dirty="0"/>
+              <a:t>Aufgaben </a:t>
+            </a:r>
+            <a:r>
+              <a:rPr lang="de-DE" sz="2400" dirty="0" smtClean="0"/>
+              <a:t>(</a:t>
+            </a:r>
+            <a:r>
+              <a:rPr lang="de-DE" sz="2400" dirty="0" smtClean="0"/>
+              <a:t>4/4) </a:t>
+            </a:r>
+            <a:r>
+              <a:rPr lang="de-DE" sz="2400" dirty="0" smtClean="0">
+                <a:solidFill>
+                  <a:srgbClr val="FF0000"/>
+                </a:solidFill>
+              </a:rPr>
+              <a:t>das hier vielleicht rausmachen weil eh </a:t>
+            </a:r>
+            <a:r>
+              <a:rPr lang="de-DE" sz="2400" dirty="0" err="1" smtClean="0">
+                <a:solidFill>
+                  <a:srgbClr val="FF0000"/>
+                </a:solidFill>
+              </a:rPr>
+              <a:t>video</a:t>
+            </a:r>
+            <a:r>
+              <a:rPr lang="de-DE" sz="2400" dirty="0" smtClean="0">
+                <a:solidFill>
+                  <a:srgbClr val="FF0000"/>
+                </a:solidFill>
+              </a:rPr>
+              <a:t>?</a:t>
+            </a:r>
+            <a:endParaRPr lang="de-DE" sz="2400" dirty="0">
+              <a:solidFill>
+                <a:srgbClr val="FF0000"/>
+              </a:solidFill>
+            </a:endParaRPr>
+          </a:p>
+        </p:txBody>
+      </p:sp>
+      <p:pic>
+        <p:nvPicPr>
+          <p:cNvPr id="4" name="Inhaltsplatzhalter 3"/>
+          <p:cNvPicPr>
+            <a:picLocks noGrp="1" noChangeAspect="1"/>
+          </p:cNvPicPr>
+          <p:nvPr>
+            <p:ph idx="1"/>
+          </p:nvPr>
+        </p:nvPicPr>
+        <p:blipFill>
+          <a:blip r:embed="rId3" cstate="print">
+            <a:extLst>
+              <a:ext uri="{28A0092B-C50C-407E-A947-70E740481C1C}">
+                <a14:useLocalDpi xmlns:a14="http://schemas.microsoft.com/office/drawing/2010/main" val="0"/>
+              </a:ext>
+            </a:extLst>
+          </a:blip>
+          <a:stretch>
+            <a:fillRect/>
+          </a:stretch>
+        </p:blipFill>
+        <p:spPr>
+          <a:xfrm>
+            <a:off x="1927432" y="1481294"/>
+            <a:ext cx="3970481" cy="2520000"/>
+          </a:xfrm>
+        </p:spPr>
+      </p:pic>
+      <p:pic>
+        <p:nvPicPr>
+          <p:cNvPr id="5" name="Grafik 4"/>
+          <p:cNvPicPr>
+            <a:picLocks noChangeAspect="1"/>
+          </p:cNvPicPr>
+          <p:nvPr/>
+        </p:nvPicPr>
+        <p:blipFill>
+          <a:blip r:embed="rId4" cstate="print">
+            <a:extLst>
+              <a:ext uri="{28A0092B-C50C-407E-A947-70E740481C1C}">
+                <a14:useLocalDpi xmlns:a14="http://schemas.microsoft.com/office/drawing/2010/main" val="0"/>
+              </a:ext>
+            </a:extLst>
+          </a:blip>
+          <a:stretch>
+            <a:fillRect/>
+          </a:stretch>
+        </p:blipFill>
+        <p:spPr>
+          <a:xfrm>
+            <a:off x="5971945" y="1481294"/>
+            <a:ext cx="3970481" cy="2520000"/>
+          </a:xfrm>
+          <a:prstGeom prst="rect">
+            <a:avLst/>
+          </a:prstGeom>
+        </p:spPr>
+      </p:pic>
+      <p:pic>
+        <p:nvPicPr>
+          <p:cNvPr id="6" name="Grafik 5"/>
+          <p:cNvPicPr>
+            <a:picLocks noChangeAspect="1"/>
+          </p:cNvPicPr>
+          <p:nvPr/>
+        </p:nvPicPr>
+        <p:blipFill>
+          <a:blip r:embed="rId5" cstate="print">
+            <a:extLst>
+              <a:ext uri="{28A0092B-C50C-407E-A947-70E740481C1C}">
+                <a14:useLocalDpi xmlns:a14="http://schemas.microsoft.com/office/drawing/2010/main" val="0"/>
+              </a:ext>
+            </a:extLst>
+          </a:blip>
+          <a:stretch>
+            <a:fillRect/>
+          </a:stretch>
+        </p:blipFill>
+        <p:spPr>
+          <a:xfrm>
+            <a:off x="1927432" y="4088130"/>
+            <a:ext cx="3970481" cy="2520000"/>
+          </a:xfrm>
+          <a:prstGeom prst="rect">
+            <a:avLst/>
+          </a:prstGeom>
+        </p:spPr>
+      </p:pic>
+    </p:spTree>
+    <p:extLst>
+      <p:ext uri="{BB962C8B-B14F-4D97-AF65-F5344CB8AC3E}">
+        <p14:creationId xmlns:p14="http://schemas.microsoft.com/office/powerpoint/2010/main" val="3637224668"/>
       </p:ext>
     </p:extLst>
   </p:cSld>

--- a/presentation/Resync Studie.pptx
+++ b/presentation/Resync Studie.pptx
@@ -12063,7 +12063,9 @@
         </p:nvSpPr>
         <p:spPr/>
         <p:txBody>
-          <a:bodyPr/>
+          <a:bodyPr>
+            <a:normAutofit fontScale="55000" lnSpcReduction="20000"/>
+          </a:bodyPr>
           <a:lstStyle/>
           <a:p>
             <a:r>
@@ -12074,13 +12076,13 @@
           <a:p>
             <a:r>
               <a:rPr lang="de-DE" dirty="0" smtClean="0"/>
-              <a:t>SAM</a:t>
+              <a:t>SAM vor und nach der Ruhephase</a:t>
             </a:r>
           </a:p>
           <a:p>
             <a:r>
               <a:rPr lang="de-DE" dirty="0" smtClean="0"/>
-              <a:t>Stuhleinstellungen</a:t>
+              <a:t>Stuhlwinkeleinstellungen</a:t>
             </a:r>
           </a:p>
           <a:p>
@@ -12109,9 +12111,567 @@
           </a:p>
           <a:p>
             <a:r>
+              <a:rPr lang="de-DE" dirty="0"/>
+              <a:t>Fehlerraten und </a:t>
+            </a:r>
+            <a:r>
               <a:rPr lang="de-DE" dirty="0" smtClean="0"/>
-              <a:t>…</a:t>
-            </a:r>
+              <a:t>Zeiten der Aufgaben</a:t>
+            </a:r>
+          </a:p>
+          <a:p>
+            <a:r>
+              <a:rPr lang="de-DE" dirty="0" smtClean="0"/>
+              <a:t>Schlafstatus und subjektive Einschätzung der Schlafdauer</a:t>
+            </a:r>
+          </a:p>
+          <a:p>
+            <a:r>
+              <a:rPr lang="de-DE" dirty="0" smtClean="0"/>
+              <a:t>Demografische Ergebnisse</a:t>
+            </a:r>
+          </a:p>
+          <a:p>
+            <a:r>
+              <a:rPr lang="de-DE" dirty="0" smtClean="0"/>
+              <a:t>VR/AR Erfahrung</a:t>
+            </a:r>
+          </a:p>
+          <a:p>
+            <a:r>
+              <a:rPr lang="de-DE" dirty="0" smtClean="0"/>
+              <a:t>Fragebogen Inhalte:</a:t>
+            </a:r>
+          </a:p>
+          <a:p>
+            <a:pPr lvl="1"/>
+            <a:r>
+              <a:rPr lang="de-DE" dirty="0" smtClean="0"/>
+              <a:t>„I </a:t>
+            </a:r>
+            <a:r>
+              <a:rPr lang="de-DE" dirty="0" err="1" smtClean="0"/>
+              <a:t>felt</a:t>
+            </a:r>
+            <a:r>
+              <a:rPr lang="de-DE" dirty="0" smtClean="0"/>
+              <a:t> </a:t>
+            </a:r>
+            <a:r>
+              <a:rPr lang="de-DE" dirty="0" err="1" smtClean="0"/>
+              <a:t>tired</a:t>
+            </a:r>
+            <a:r>
+              <a:rPr lang="de-DE" dirty="0" smtClean="0"/>
+              <a:t> </a:t>
+            </a:r>
+            <a:r>
+              <a:rPr lang="de-DE" dirty="0" err="1" smtClean="0"/>
+              <a:t>before</a:t>
+            </a:r>
+            <a:r>
+              <a:rPr lang="de-DE" dirty="0" smtClean="0"/>
+              <a:t>/after </a:t>
+            </a:r>
+            <a:r>
+              <a:rPr lang="de-DE" dirty="0" err="1" smtClean="0"/>
+              <a:t>the</a:t>
+            </a:r>
+            <a:r>
+              <a:rPr lang="de-DE" dirty="0" smtClean="0"/>
+              <a:t> </a:t>
+            </a:r>
+            <a:r>
+              <a:rPr lang="de-DE" dirty="0" err="1" smtClean="0"/>
+              <a:t>experiment</a:t>
+            </a:r>
+            <a:r>
+              <a:rPr lang="de-DE" dirty="0" smtClean="0"/>
+              <a:t>.“</a:t>
+            </a:r>
+          </a:p>
+          <a:p>
+            <a:pPr lvl="1"/>
+            <a:r>
+              <a:rPr lang="de-DE" dirty="0" smtClean="0"/>
+              <a:t>„I </a:t>
+            </a:r>
+            <a:r>
+              <a:rPr lang="de-DE" dirty="0" err="1" smtClean="0"/>
+              <a:t>felt</a:t>
+            </a:r>
+            <a:r>
+              <a:rPr lang="de-DE" dirty="0" smtClean="0"/>
+              <a:t> </a:t>
+            </a:r>
+            <a:r>
+              <a:rPr lang="de-DE" dirty="0" err="1" smtClean="0"/>
+              <a:t>comfortable</a:t>
+            </a:r>
+            <a:r>
+              <a:rPr lang="de-DE" dirty="0" smtClean="0"/>
+              <a:t> </a:t>
+            </a:r>
+            <a:r>
+              <a:rPr lang="de-DE" dirty="0" err="1" smtClean="0"/>
+              <a:t>trying</a:t>
+            </a:r>
+            <a:r>
+              <a:rPr lang="de-DE" dirty="0" smtClean="0"/>
+              <a:t> </a:t>
+            </a:r>
+            <a:r>
+              <a:rPr lang="de-DE" dirty="0" err="1" smtClean="0"/>
+              <a:t>to</a:t>
+            </a:r>
+            <a:r>
+              <a:rPr lang="de-DE" dirty="0" smtClean="0"/>
+              <a:t> </a:t>
+            </a:r>
+            <a:r>
+              <a:rPr lang="de-DE" dirty="0" err="1" smtClean="0"/>
+              <a:t>sleep</a:t>
+            </a:r>
+            <a:r>
+              <a:rPr lang="de-DE" dirty="0"/>
+              <a:t> </a:t>
+            </a:r>
+            <a:r>
+              <a:rPr lang="de-DE" dirty="0" err="1" smtClean="0"/>
+              <a:t>with</a:t>
+            </a:r>
+            <a:r>
+              <a:rPr lang="de-DE" dirty="0" smtClean="0"/>
+              <a:t> a VR </a:t>
+            </a:r>
+            <a:r>
+              <a:rPr lang="de-DE" dirty="0" err="1" smtClean="0"/>
+              <a:t>head-mounted</a:t>
+            </a:r>
+            <a:r>
+              <a:rPr lang="de-DE" dirty="0" smtClean="0"/>
+              <a:t> </a:t>
+            </a:r>
+            <a:r>
+              <a:rPr lang="de-DE" dirty="0" err="1" smtClean="0"/>
+              <a:t>display</a:t>
+            </a:r>
+            <a:r>
+              <a:rPr lang="de-DE" dirty="0" smtClean="0"/>
+              <a:t>.“</a:t>
+            </a:r>
+          </a:p>
+          <a:p>
+            <a:pPr lvl="1"/>
+            <a:r>
+              <a:rPr lang="de-DE" dirty="0" smtClean="0"/>
+              <a:t>„The </a:t>
+            </a:r>
+            <a:r>
+              <a:rPr lang="de-DE" dirty="0" err="1" smtClean="0"/>
+              <a:t>transition</a:t>
+            </a:r>
+            <a:r>
+              <a:rPr lang="de-DE" dirty="0" smtClean="0"/>
+              <a:t> </a:t>
+            </a:r>
+            <a:r>
+              <a:rPr lang="de-DE" dirty="0" err="1" smtClean="0"/>
+              <a:t>from</a:t>
+            </a:r>
+            <a:r>
+              <a:rPr lang="de-DE" dirty="0" smtClean="0"/>
+              <a:t> </a:t>
+            </a:r>
+            <a:r>
+              <a:rPr lang="de-DE" dirty="0" err="1" smtClean="0"/>
+              <a:t>sleeping</a:t>
+            </a:r>
+            <a:r>
+              <a:rPr lang="de-DE" dirty="0" smtClean="0"/>
+              <a:t>/</a:t>
+            </a:r>
+            <a:r>
+              <a:rPr lang="de-DE" dirty="0" err="1" smtClean="0"/>
+              <a:t>resting</a:t>
+            </a:r>
+            <a:r>
+              <a:rPr lang="de-DE" dirty="0" smtClean="0"/>
+              <a:t> </a:t>
+            </a:r>
+            <a:r>
+              <a:rPr lang="de-DE" dirty="0" err="1" smtClean="0"/>
+              <a:t>to</a:t>
+            </a:r>
+            <a:r>
+              <a:rPr lang="de-DE" dirty="0" smtClean="0"/>
+              <a:t> </a:t>
+            </a:r>
+            <a:r>
+              <a:rPr lang="de-DE" dirty="0" err="1" smtClean="0"/>
+              <a:t>solving</a:t>
+            </a:r>
+            <a:r>
+              <a:rPr lang="de-DE" dirty="0" smtClean="0"/>
+              <a:t> </a:t>
+            </a:r>
+            <a:r>
+              <a:rPr lang="de-DE" dirty="0" err="1" smtClean="0"/>
+              <a:t>tasks</a:t>
+            </a:r>
+            <a:r>
+              <a:rPr lang="de-DE" dirty="0" smtClean="0"/>
+              <a:t> was easy </a:t>
+            </a:r>
+            <a:r>
+              <a:rPr lang="de-DE" dirty="0" err="1" smtClean="0"/>
+              <a:t>for</a:t>
+            </a:r>
+            <a:r>
+              <a:rPr lang="de-DE" dirty="0" smtClean="0"/>
+              <a:t> </a:t>
+            </a:r>
+            <a:r>
+              <a:rPr lang="de-DE" dirty="0" err="1" smtClean="0"/>
+              <a:t>me</a:t>
+            </a:r>
+            <a:r>
+              <a:rPr lang="de-DE" dirty="0" smtClean="0"/>
+              <a:t>.“</a:t>
+            </a:r>
+          </a:p>
+          <a:p>
+            <a:pPr lvl="1"/>
+            <a:r>
+              <a:rPr lang="de-DE" dirty="0" smtClean="0"/>
+              <a:t>„I </a:t>
+            </a:r>
+            <a:r>
+              <a:rPr lang="de-DE" dirty="0" err="1" smtClean="0"/>
+              <a:t>can</a:t>
+            </a:r>
+            <a:r>
+              <a:rPr lang="de-DE" dirty="0" smtClean="0"/>
+              <a:t> </a:t>
+            </a:r>
+            <a:r>
+              <a:rPr lang="de-DE" dirty="0" err="1" smtClean="0"/>
+              <a:t>imagine</a:t>
+            </a:r>
+            <a:r>
+              <a:rPr lang="de-DE" dirty="0"/>
+              <a:t> </a:t>
+            </a:r>
+            <a:r>
+              <a:rPr lang="de-DE" dirty="0" err="1" smtClean="0"/>
+              <a:t>being</a:t>
+            </a:r>
+            <a:r>
+              <a:rPr lang="de-DE" dirty="0" smtClean="0"/>
+              <a:t> </a:t>
+            </a:r>
+            <a:r>
+              <a:rPr lang="de-DE" dirty="0" err="1" smtClean="0"/>
+              <a:t>woken</a:t>
+            </a:r>
+            <a:r>
+              <a:rPr lang="de-DE" dirty="0" smtClean="0"/>
+              <a:t> </a:t>
+            </a:r>
+            <a:r>
+              <a:rPr lang="de-DE" dirty="0" err="1" smtClean="0"/>
+              <a:t>up</a:t>
+            </a:r>
+            <a:r>
+              <a:rPr lang="de-DE" dirty="0" smtClean="0"/>
+              <a:t> like in </a:t>
+            </a:r>
+            <a:r>
+              <a:rPr lang="de-DE" dirty="0" err="1" smtClean="0"/>
+              <a:t>the</a:t>
+            </a:r>
+            <a:r>
+              <a:rPr lang="de-DE" dirty="0" smtClean="0"/>
+              <a:t> </a:t>
+            </a:r>
+            <a:r>
+              <a:rPr lang="de-DE" dirty="0" err="1" smtClean="0"/>
+              <a:t>experiment</a:t>
+            </a:r>
+            <a:r>
+              <a:rPr lang="de-DE" dirty="0" smtClean="0"/>
+              <a:t> </a:t>
+            </a:r>
+            <a:r>
+              <a:rPr lang="de-DE" dirty="0" err="1" smtClean="0"/>
+              <a:t>to</a:t>
+            </a:r>
+            <a:r>
+              <a:rPr lang="de-DE" dirty="0" smtClean="0"/>
+              <a:t> </a:t>
+            </a:r>
+            <a:r>
+              <a:rPr lang="de-DE" dirty="0" err="1" smtClean="0"/>
+              <a:t>prepare</a:t>
+            </a:r>
+            <a:r>
+              <a:rPr lang="de-DE" dirty="0" smtClean="0"/>
+              <a:t> </a:t>
+            </a:r>
+            <a:r>
+              <a:rPr lang="de-DE" dirty="0" err="1" smtClean="0"/>
+              <a:t>for</a:t>
+            </a:r>
+            <a:r>
+              <a:rPr lang="de-DE" dirty="0" smtClean="0"/>
+              <a:t> </a:t>
+            </a:r>
+            <a:r>
+              <a:rPr lang="de-DE" dirty="0" err="1" smtClean="0"/>
+              <a:t>dangerous</a:t>
+            </a:r>
+            <a:r>
+              <a:rPr lang="de-DE" dirty="0" smtClean="0"/>
+              <a:t> </a:t>
+            </a:r>
+            <a:r>
+              <a:rPr lang="de-DE" dirty="0" err="1" smtClean="0"/>
+              <a:t>situations</a:t>
+            </a:r>
+            <a:r>
+              <a:rPr lang="de-DE" dirty="0" smtClean="0"/>
+              <a:t> (e.g. </a:t>
+            </a:r>
+            <a:r>
+              <a:rPr lang="de-DE" dirty="0" err="1" smtClean="0"/>
+              <a:t>take</a:t>
+            </a:r>
+            <a:r>
+              <a:rPr lang="de-DE" dirty="0" smtClean="0"/>
+              <a:t> </a:t>
+            </a:r>
+            <a:r>
+              <a:rPr lang="de-DE" dirty="0" err="1" smtClean="0"/>
+              <a:t>the</a:t>
+            </a:r>
+            <a:r>
+              <a:rPr lang="de-DE" dirty="0" smtClean="0"/>
+              <a:t> </a:t>
+            </a:r>
+            <a:r>
+              <a:rPr lang="de-DE" dirty="0" err="1" smtClean="0"/>
+              <a:t>control</a:t>
+            </a:r>
+            <a:r>
+              <a:rPr lang="de-DE" dirty="0" smtClean="0"/>
+              <a:t> </a:t>
+            </a:r>
+            <a:r>
+              <a:rPr lang="de-DE" dirty="0" err="1" smtClean="0"/>
+              <a:t>of</a:t>
+            </a:r>
+            <a:r>
+              <a:rPr lang="de-DE" dirty="0" smtClean="0"/>
+              <a:t> a </a:t>
+            </a:r>
+            <a:r>
+              <a:rPr lang="de-DE" dirty="0" err="1" smtClean="0"/>
+              <a:t>car</a:t>
+            </a:r>
+            <a:r>
+              <a:rPr lang="de-DE" dirty="0" smtClean="0"/>
+              <a:t>).“</a:t>
+            </a:r>
+          </a:p>
+          <a:p>
+            <a:pPr lvl="1"/>
+            <a:r>
+              <a:rPr lang="de-DE" dirty="0" smtClean="0"/>
+              <a:t>„I </a:t>
+            </a:r>
+            <a:r>
+              <a:rPr lang="de-DE" dirty="0" err="1" smtClean="0"/>
+              <a:t>can</a:t>
+            </a:r>
+            <a:r>
+              <a:rPr lang="de-DE" dirty="0" smtClean="0"/>
+              <a:t> </a:t>
+            </a:r>
+            <a:r>
+              <a:rPr lang="de-DE" dirty="0" err="1" smtClean="0"/>
+              <a:t>imagine</a:t>
+            </a:r>
+            <a:r>
+              <a:rPr lang="de-DE" dirty="0" smtClean="0"/>
+              <a:t> </a:t>
+            </a:r>
+            <a:r>
+              <a:rPr lang="de-DE" dirty="0" err="1" smtClean="0"/>
+              <a:t>wearing</a:t>
+            </a:r>
+            <a:r>
+              <a:rPr lang="de-DE" dirty="0" smtClean="0"/>
+              <a:t> a </a:t>
+            </a:r>
+            <a:r>
+              <a:rPr lang="de-DE" dirty="0" err="1" smtClean="0"/>
+              <a:t>head-mounted</a:t>
+            </a:r>
+            <a:r>
+              <a:rPr lang="de-DE" dirty="0" smtClean="0"/>
+              <a:t> </a:t>
+            </a:r>
+            <a:r>
+              <a:rPr lang="de-DE" dirty="0" err="1" smtClean="0"/>
+              <a:t>display</a:t>
+            </a:r>
+            <a:r>
+              <a:rPr lang="de-DE" dirty="0" smtClean="0"/>
+              <a:t> </a:t>
+            </a:r>
+            <a:r>
+              <a:rPr lang="de-DE" dirty="0" err="1" smtClean="0"/>
+              <a:t>permanently</a:t>
+            </a:r>
+            <a:r>
+              <a:rPr lang="de-DE" dirty="0" smtClean="0"/>
+              <a:t>, </a:t>
+            </a:r>
+            <a:r>
+              <a:rPr lang="de-DE" dirty="0" err="1" smtClean="0"/>
+              <a:t>if</a:t>
+            </a:r>
+            <a:r>
+              <a:rPr lang="de-DE" dirty="0" smtClean="0"/>
+              <a:t> </a:t>
+            </a:r>
+            <a:r>
+              <a:rPr lang="de-DE" dirty="0" err="1" smtClean="0"/>
+              <a:t>they</a:t>
+            </a:r>
+            <a:r>
+              <a:rPr lang="de-DE" dirty="0" smtClean="0"/>
+              <a:t> </a:t>
+            </a:r>
+            <a:r>
+              <a:rPr lang="de-DE" dirty="0" err="1" smtClean="0"/>
+              <a:t>become</a:t>
+            </a:r>
+            <a:r>
+              <a:rPr lang="de-DE" dirty="0" smtClean="0"/>
+              <a:t> </a:t>
+            </a:r>
+            <a:r>
+              <a:rPr lang="de-DE" dirty="0" err="1" smtClean="0"/>
+              <a:t>tiny</a:t>
+            </a:r>
+            <a:r>
+              <a:rPr lang="de-DE" dirty="0" smtClean="0"/>
+              <a:t> </a:t>
+            </a:r>
+            <a:r>
+              <a:rPr lang="de-DE" dirty="0" err="1" smtClean="0"/>
+              <a:t>and</a:t>
+            </a:r>
+            <a:r>
+              <a:rPr lang="de-DE" dirty="0" smtClean="0"/>
+              <a:t> </a:t>
+            </a:r>
+            <a:r>
+              <a:rPr lang="de-DE" dirty="0" err="1" smtClean="0"/>
+              <a:t>comfortable</a:t>
+            </a:r>
+            <a:r>
+              <a:rPr lang="de-DE" dirty="0" smtClean="0"/>
+              <a:t>.“</a:t>
+            </a:r>
+          </a:p>
+          <a:p>
+            <a:pPr lvl="1"/>
+            <a:r>
+              <a:rPr lang="de-DE" dirty="0" smtClean="0"/>
+              <a:t>„I </a:t>
+            </a:r>
+            <a:r>
+              <a:rPr lang="de-DE" dirty="0" err="1" smtClean="0"/>
+              <a:t>usually</a:t>
+            </a:r>
+            <a:r>
+              <a:rPr lang="de-DE" dirty="0" smtClean="0"/>
+              <a:t> </a:t>
+            </a:r>
+            <a:r>
+              <a:rPr lang="de-DE" dirty="0" err="1" smtClean="0"/>
+              <a:t>sleep</a:t>
+            </a:r>
+            <a:r>
+              <a:rPr lang="de-DE" dirty="0" smtClean="0"/>
+              <a:t> </a:t>
+            </a:r>
+            <a:r>
+              <a:rPr lang="de-DE" dirty="0" err="1" smtClean="0"/>
+              <a:t>with</a:t>
+            </a:r>
+            <a:r>
+              <a:rPr lang="de-DE" dirty="0" smtClean="0"/>
+              <a:t> a </a:t>
+            </a:r>
+            <a:r>
+              <a:rPr lang="de-DE" dirty="0" err="1" smtClean="0"/>
+              <a:t>sleep</a:t>
+            </a:r>
+            <a:r>
+              <a:rPr lang="de-DE" dirty="0" smtClean="0"/>
+              <a:t> </a:t>
+            </a:r>
+            <a:r>
+              <a:rPr lang="de-DE" dirty="0" err="1" smtClean="0"/>
+              <a:t>mask</a:t>
+            </a:r>
+            <a:r>
+              <a:rPr lang="de-DE" dirty="0" smtClean="0"/>
+              <a:t> on.“</a:t>
+            </a:r>
+          </a:p>
+          <a:p>
+            <a:pPr lvl="1"/>
+            <a:r>
+              <a:rPr lang="de-DE" dirty="0" smtClean="0"/>
+              <a:t>„I </a:t>
+            </a:r>
+            <a:r>
+              <a:rPr lang="de-DE" dirty="0" err="1" smtClean="0"/>
+              <a:t>have</a:t>
+            </a:r>
+            <a:r>
+              <a:rPr lang="de-DE" dirty="0" smtClean="0"/>
+              <a:t> </a:t>
+            </a:r>
+            <a:r>
+              <a:rPr lang="de-DE" dirty="0" err="1" smtClean="0"/>
+              <a:t>experience</a:t>
+            </a:r>
+            <a:r>
+              <a:rPr lang="de-DE" dirty="0" smtClean="0"/>
+              <a:t> </a:t>
+            </a:r>
+            <a:r>
+              <a:rPr lang="de-DE" dirty="0" err="1" smtClean="0"/>
+              <a:t>with</a:t>
+            </a:r>
+            <a:r>
+              <a:rPr lang="de-DE" dirty="0" smtClean="0"/>
+              <a:t> </a:t>
+            </a:r>
+            <a:r>
+              <a:rPr lang="de-DE" dirty="0" err="1" smtClean="0"/>
+              <a:t>meditation</a:t>
+            </a:r>
+            <a:r>
+              <a:rPr lang="de-DE" smtClean="0"/>
+              <a:t>.“</a:t>
+            </a:r>
+            <a:endParaRPr lang="de-DE" dirty="0" smtClean="0"/>
           </a:p>
         </p:txBody>
       </p:sp>

--- a/presentation/Resync Studie.pptx
+++ b/presentation/Resync Studie.pptx
@@ -5,7 +5,7 @@
     <p:sldMasterId id="2147483648" r:id="rId1"/>
   </p:sldMasterIdLst>
   <p:notesMasterIdLst>
-    <p:notesMasterId r:id="rId40"/>
+    <p:notesMasterId r:id="rId39"/>
   </p:notesMasterIdLst>
   <p:sldIdLst>
     <p:sldId id="256" r:id="rId2"/>
@@ -27,25 +27,24 @@
     <p:sldId id="288" r:id="rId18"/>
     <p:sldId id="286" r:id="rId19"/>
     <p:sldId id="290" r:id="rId20"/>
-    <p:sldId id="280" r:id="rId21"/>
-    <p:sldId id="291" r:id="rId22"/>
-    <p:sldId id="292" r:id="rId23"/>
-    <p:sldId id="274" r:id="rId24"/>
-    <p:sldId id="275" r:id="rId25"/>
-    <p:sldId id="276" r:id="rId26"/>
-    <p:sldId id="277" r:id="rId27"/>
-    <p:sldId id="267" r:id="rId28"/>
-    <p:sldId id="293" r:id="rId29"/>
-    <p:sldId id="295" r:id="rId30"/>
-    <p:sldId id="294" r:id="rId31"/>
-    <p:sldId id="296" r:id="rId32"/>
-    <p:sldId id="297" r:id="rId33"/>
-    <p:sldId id="298" r:id="rId34"/>
-    <p:sldId id="299" r:id="rId35"/>
-    <p:sldId id="300" r:id="rId36"/>
-    <p:sldId id="301" r:id="rId37"/>
-    <p:sldId id="302" r:id="rId38"/>
-    <p:sldId id="303" r:id="rId39"/>
+    <p:sldId id="291" r:id="rId21"/>
+    <p:sldId id="292" r:id="rId22"/>
+    <p:sldId id="274" r:id="rId23"/>
+    <p:sldId id="275" r:id="rId24"/>
+    <p:sldId id="276" r:id="rId25"/>
+    <p:sldId id="277" r:id="rId26"/>
+    <p:sldId id="267" r:id="rId27"/>
+    <p:sldId id="293" r:id="rId28"/>
+    <p:sldId id="295" r:id="rId29"/>
+    <p:sldId id="294" r:id="rId30"/>
+    <p:sldId id="296" r:id="rId31"/>
+    <p:sldId id="297" r:id="rId32"/>
+    <p:sldId id="298" r:id="rId33"/>
+    <p:sldId id="299" r:id="rId34"/>
+    <p:sldId id="300" r:id="rId35"/>
+    <p:sldId id="301" r:id="rId36"/>
+    <p:sldId id="302" r:id="rId37"/>
+    <p:sldId id="303" r:id="rId38"/>
   </p:sldIdLst>
   <p:sldSz cx="12192000" cy="6858000"/>
   <p:notesSz cx="6858000" cy="9144000"/>
@@ -12045,9 +12044,21 @@
             </a:r>
             <a:r>
               <a:rPr lang="de-DE" sz="2400" dirty="0" smtClean="0"/>
-              <a:t>(2/11)</a:t>
-            </a:r>
-            <a:endParaRPr lang="de-DE" sz="2400" dirty="0"/>
+              <a:t>(2/11) </a:t>
+            </a:r>
+            <a:r>
+              <a:rPr lang="de-DE" sz="2400" dirty="0" smtClean="0">
+                <a:solidFill>
+                  <a:srgbClr val="FF0000"/>
+                </a:solidFill>
+              </a:rPr>
+              <a:t>in wie weit das hier aufführen?</a:t>
+            </a:r>
+            <a:endParaRPr lang="de-DE" sz="2400" dirty="0">
+              <a:solidFill>
+                <a:srgbClr val="FF0000"/>
+              </a:solidFill>
+            </a:endParaRPr>
           </a:p>
         </p:txBody>
       </p:sp>
@@ -12068,30 +12079,51 @@
           </a:bodyPr>
           <a:lstStyle/>
           <a:p>
+            <a:pPr>
+              <a:buFontTx/>
+              <a:buChar char="-"/>
+            </a:pPr>
             <a:r>
               <a:rPr lang="de-DE" dirty="0" smtClean="0"/>
               <a:t>RSME</a:t>
             </a:r>
           </a:p>
           <a:p>
+            <a:pPr>
+              <a:buFontTx/>
+              <a:buChar char="-"/>
+            </a:pPr>
             <a:r>
               <a:rPr lang="de-DE" dirty="0" smtClean="0"/>
               <a:t>SAM vor und nach der Ruhephase</a:t>
             </a:r>
           </a:p>
           <a:p>
+            <a:pPr>
+              <a:buFontTx/>
+              <a:buChar char="-"/>
+            </a:pPr>
             <a:r>
               <a:rPr lang="de-DE" dirty="0" smtClean="0"/>
               <a:t>Stuhlwinkeleinstellungen</a:t>
             </a:r>
           </a:p>
           <a:p>
+            <a:pPr>
+              <a:buFontTx/>
+              <a:buChar char="-"/>
+            </a:pPr>
             <a:r>
               <a:rPr lang="de-DE" dirty="0" smtClean="0"/>
               <a:t>Kopfbewegungen</a:t>
             </a:r>
-          </a:p>
-          <a:p>
+            <a:endParaRPr lang="de-DE" dirty="0"/>
+          </a:p>
+          <a:p>
+            <a:pPr>
+              <a:buFontTx/>
+              <a:buChar char="-"/>
+            </a:pPr>
             <a:r>
               <a:rPr lang="de-DE" dirty="0" smtClean="0"/>
               <a:t>Dauer des </a:t>
@@ -12110,9 +12142,17 @@
             </a:r>
           </a:p>
           <a:p>
+            <a:pPr>
+              <a:buFontTx/>
+              <a:buChar char="-"/>
+            </a:pPr>
+            <a:r>
+              <a:rPr lang="de-DE" dirty="0" smtClean="0"/>
+              <a:t>Fehlerraten </a:t>
+            </a:r>
             <a:r>
               <a:rPr lang="de-DE" dirty="0"/>
-              <a:t>Fehlerraten und </a:t>
+              <a:t>und </a:t>
             </a:r>
             <a:r>
               <a:rPr lang="de-DE" dirty="0" smtClean="0"/>
@@ -12120,24 +12160,40 @@
             </a:r>
           </a:p>
           <a:p>
+            <a:pPr>
+              <a:buFontTx/>
+              <a:buChar char="-"/>
+            </a:pPr>
             <a:r>
               <a:rPr lang="de-DE" dirty="0" smtClean="0"/>
               <a:t>Schlafstatus und subjektive Einschätzung der Schlafdauer</a:t>
             </a:r>
           </a:p>
           <a:p>
+            <a:pPr>
+              <a:buFontTx/>
+              <a:buChar char="-"/>
+            </a:pPr>
             <a:r>
               <a:rPr lang="de-DE" dirty="0" smtClean="0"/>
               <a:t>Demografische Ergebnisse</a:t>
             </a:r>
           </a:p>
           <a:p>
+            <a:pPr>
+              <a:buFontTx/>
+              <a:buChar char="-"/>
+            </a:pPr>
             <a:r>
               <a:rPr lang="de-DE" dirty="0" smtClean="0"/>
               <a:t>VR/AR Erfahrung</a:t>
             </a:r>
           </a:p>
           <a:p>
+            <a:pPr>
+              <a:buFontTx/>
+              <a:buChar char="-"/>
+            </a:pPr>
             <a:r>
               <a:rPr lang="de-DE" dirty="0" smtClean="0"/>
               <a:t>Fragebogen Inhalte:</a:t>
@@ -12668,10 +12724,9 @@
               <a:t>meditation</a:t>
             </a:r>
             <a:r>
-              <a:rPr lang="de-DE" smtClean="0"/>
+              <a:rPr lang="de-DE" dirty="0" smtClean="0"/>
               <a:t>.“</a:t>
             </a:r>
-            <a:endParaRPr lang="de-DE" dirty="0" smtClean="0"/>
           </a:p>
         </p:txBody>
       </p:sp>
@@ -13294,35 +13349,57 @@
           <a:bodyPr/>
           <a:lstStyle/>
           <a:p>
+            <a:pPr marL="0" indent="0">
+              <a:buNone/>
+            </a:pPr>
             <a:r>
               <a:rPr lang="de-DE" dirty="0" smtClean="0"/>
-              <a:t>Motivation</a:t>
-            </a:r>
-          </a:p>
-          <a:p>
-            <a:r>
-              <a:rPr lang="de-DE" dirty="0"/>
-              <a:t>Herangehensweise</a:t>
-            </a:r>
-          </a:p>
-          <a:p>
+              <a:t>- Motivation</a:t>
+            </a:r>
+          </a:p>
+          <a:p>
+            <a:pPr marL="0" indent="0">
+              <a:buNone/>
+            </a:pPr>
             <a:r>
               <a:rPr lang="de-DE" dirty="0" smtClean="0"/>
-              <a:t>Ergebnisse</a:t>
+              <a:t>- Herangehensweise</a:t>
             </a:r>
             <a:endParaRPr lang="de-DE" dirty="0"/>
           </a:p>
           <a:p>
-            <a:r>
-              <a:rPr lang="de-DE" dirty="0"/>
-              <a:t>Diskussion</a:t>
-            </a:r>
-          </a:p>
-          <a:p>
-            <a:r>
-              <a:rPr lang="de-DE" dirty="0"/>
+            <a:pPr marL="0" indent="0">
+              <a:buNone/>
+            </a:pPr>
+            <a:r>
+              <a:rPr lang="de-DE" dirty="0" smtClean="0"/>
+              <a:t>- Ergebnisse</a:t>
+            </a:r>
+            <a:endParaRPr lang="de-DE" dirty="0"/>
+          </a:p>
+          <a:p>
+            <a:pPr marL="0" indent="0">
+              <a:buNone/>
+            </a:pPr>
+            <a:r>
+              <a:rPr lang="de-DE" dirty="0" smtClean="0"/>
+              <a:t>- Diskussion</a:t>
+            </a:r>
+            <a:endParaRPr lang="de-DE" dirty="0"/>
+          </a:p>
+          <a:p>
+            <a:pPr marL="0" indent="0">
+              <a:buNone/>
+            </a:pPr>
+            <a:r>
+              <a:rPr lang="de-DE" dirty="0" smtClean="0"/>
+              <a:t>- </a:t>
+            </a:r>
+            <a:r>
+              <a:rPr lang="de-DE" dirty="0" smtClean="0"/>
               <a:t>Schlussfolgerung</a:t>
             </a:r>
+            <a:endParaRPr lang="de-DE" dirty="0"/>
           </a:p>
           <a:p>
             <a:endParaRPr lang="de-DE" dirty="0"/>
@@ -13387,7 +13464,7 @@
             </a:r>
             <a:r>
               <a:rPr lang="de-DE" sz="2400" dirty="0" smtClean="0"/>
-              <a:t>(9/11)</a:t>
+              <a:t>(10/11)</a:t>
             </a:r>
             <a:endParaRPr lang="de-DE" sz="2400" dirty="0"/>
           </a:p>
@@ -13409,85 +13486,89 @@
           <a:lstStyle/>
           <a:p>
             <a:r>
-              <a:rPr lang="de-DE" dirty="0"/>
-              <a:t>Demografisch (Alter, Erfahrung, Geschlecht)</a:t>
-            </a:r>
-          </a:p>
-          <a:p>
-            <a:r>
-              <a:rPr lang="de-DE" dirty="0"/>
-              <a:t>Umgebungsvariablen (Stuhleinstellungen)</a:t>
-            </a:r>
-          </a:p>
-          <a:p>
-            <a:r>
-              <a:rPr lang="de-DE" dirty="0"/>
-              <a:t>Dauer des </a:t>
-            </a:r>
-            <a:r>
-              <a:rPr lang="de-DE" dirty="0" err="1"/>
-              <a:t>Wecktons</a:t>
-            </a:r>
-            <a:r>
-              <a:rPr lang="de-DE" dirty="0"/>
-              <a:t> zum Abstellen</a:t>
-            </a:r>
-          </a:p>
-          <a:p>
-            <a:r>
-              <a:rPr lang="de-DE" dirty="0"/>
-              <a:t>Aufgabenergebnisse (Fehlerraten, Zeiten in Gruppen)</a:t>
-            </a:r>
-          </a:p>
-          <a:p>
-            <a:r>
-              <a:rPr lang="de-DE" dirty="0"/>
-              <a:t>Fragebögen (Sam, RSME)</a:t>
-            </a:r>
-          </a:p>
-          <a:p>
-            <a:r>
-              <a:rPr lang="de-DE" dirty="0"/>
-              <a:t>Schlafstatus</a:t>
-            </a:r>
-          </a:p>
-          <a:p>
-            <a:r>
-              <a:rPr lang="de-DE" dirty="0" err="1"/>
-              <a:t>Limesurvey</a:t>
-            </a:r>
-            <a:r>
-              <a:rPr lang="de-DE" dirty="0"/>
-              <a:t> (Müdigkeit vorher/</a:t>
-            </a:r>
-            <a:r>
-              <a:rPr lang="de-DE" dirty="0" err="1"/>
-              <a:t>nachehr</a:t>
-            </a:r>
-            <a:r>
-              <a:rPr lang="de-DE" dirty="0"/>
-              <a:t>, Aufgabenschwierigkeit, Komfort mit VR Brille, ..)</a:t>
-            </a:r>
+              <a:rPr lang="de-DE" dirty="0" smtClean="0">
+                <a:solidFill>
+                  <a:srgbClr val="FF0000"/>
+                </a:solidFill>
+              </a:rPr>
+              <a:t>Hier links geschlafen/nicht geschlafen/meditiert Diagramm</a:t>
+            </a:r>
+          </a:p>
+          <a:p>
+            <a:endParaRPr lang="de-DE" dirty="0">
+              <a:solidFill>
+                <a:srgbClr val="FF0000"/>
+              </a:solidFill>
+            </a:endParaRPr>
+          </a:p>
+          <a:p>
+            <a:r>
+              <a:rPr lang="de-DE" dirty="0">
+                <a:solidFill>
+                  <a:srgbClr val="FF0000"/>
+                </a:solidFill>
+              </a:rPr>
+              <a:t>Und rechts subjektive Schätzung der </a:t>
+            </a:r>
+            <a:r>
+              <a:rPr lang="de-DE" dirty="0" smtClean="0">
+                <a:solidFill>
+                  <a:srgbClr val="FF0000"/>
+                </a:solidFill>
+              </a:rPr>
+              <a:t>Schlafdauer</a:t>
+            </a:r>
+          </a:p>
+          <a:p>
+            <a:r>
+              <a:rPr lang="de-DE" dirty="0" smtClean="0">
+                <a:solidFill>
+                  <a:srgbClr val="FF0000"/>
+                </a:solidFill>
+              </a:rPr>
+              <a:t>(</a:t>
+            </a:r>
+            <a:r>
+              <a:rPr lang="de-DE" dirty="0" err="1" smtClean="0">
+                <a:solidFill>
+                  <a:srgbClr val="FF0000"/>
+                </a:solidFill>
+              </a:rPr>
+              <a:t>empfungen</a:t>
+            </a:r>
+            <a:r>
+              <a:rPr lang="de-DE" dirty="0" smtClean="0">
+                <a:solidFill>
+                  <a:srgbClr val="FF0000"/>
+                </a:solidFill>
+              </a:rPr>
+              <a:t> Schlafdauer unterteilt nach Gruppen?)</a:t>
+            </a:r>
+            <a:endParaRPr lang="de-DE" dirty="0">
+              <a:solidFill>
+                <a:srgbClr val="FF0000"/>
+              </a:solidFill>
+            </a:endParaRPr>
+          </a:p>
+          <a:p>
+            <a:endParaRPr lang="de-DE" dirty="0">
+              <a:solidFill>
+                <a:srgbClr val="FF0000"/>
+              </a:solidFill>
+            </a:endParaRPr>
           </a:p>
         </p:txBody>
       </p:sp>
     </p:spTree>
     <p:extLst>
       <p:ext uri="{BB962C8B-B14F-4D97-AF65-F5344CB8AC3E}">
-        <p14:creationId xmlns:p14="http://schemas.microsoft.com/office/powerpoint/2010/main" val="2393554626"/>
+        <p14:creationId xmlns:p14="http://schemas.microsoft.com/office/powerpoint/2010/main" val="669866523"/>
       </p:ext>
     </p:extLst>
   </p:cSld>
   <p:clrMapOvr>
     <a:masterClrMapping/>
   </p:clrMapOvr>
-  <p:timing>
-    <p:tnLst>
-      <p:par>
-        <p:cTn id="1" dur="indefinite" restart="never" nodeType="tmRoot"/>
-      </p:par>
-    </p:tnLst>
-  </p:timing>
 </p:sld>
 </file>
 
@@ -13529,7 +13610,7 @@
             </a:r>
             <a:r>
               <a:rPr lang="de-DE" sz="2400" dirty="0" smtClean="0"/>
-              <a:t>(10/11)</a:t>
+              <a:t>(11/11)</a:t>
             </a:r>
             <a:endParaRPr lang="de-DE" sz="2400" dirty="0"/>
           </a:p>
@@ -13556,7 +13637,71 @@
                   <a:srgbClr val="FF0000"/>
                 </a:solidFill>
               </a:rPr>
-              <a:t>Hier links geschlafen/nicht geschlafen/meditiert Diagramm</a:t>
+              <a:t>Hier links Übergang Schlafen </a:t>
+            </a:r>
+            <a:r>
+              <a:rPr lang="de-DE" dirty="0" err="1" smtClean="0">
+                <a:solidFill>
+                  <a:srgbClr val="FF0000"/>
+                </a:solidFill>
+              </a:rPr>
+              <a:t>transition</a:t>
+            </a:r>
+            <a:r>
+              <a:rPr lang="de-DE" dirty="0" smtClean="0">
+                <a:solidFill>
+                  <a:srgbClr val="FF0000"/>
+                </a:solidFill>
+              </a:rPr>
+              <a:t> </a:t>
+            </a:r>
+            <a:r>
+              <a:rPr lang="de-DE" dirty="0" err="1" smtClean="0">
+                <a:solidFill>
+                  <a:srgbClr val="FF0000"/>
+                </a:solidFill>
+              </a:rPr>
+              <a:t>sleep</a:t>
+            </a:r>
+            <a:r>
+              <a:rPr lang="de-DE" dirty="0" smtClean="0">
+                <a:solidFill>
+                  <a:srgbClr val="FF0000"/>
+                </a:solidFill>
+              </a:rPr>
+              <a:t> </a:t>
+            </a:r>
+            <a:r>
+              <a:rPr lang="de-DE" dirty="0" err="1" smtClean="0">
+                <a:solidFill>
+                  <a:srgbClr val="FF0000"/>
+                </a:solidFill>
+              </a:rPr>
+              <a:t>solving</a:t>
+            </a:r>
+            <a:r>
+              <a:rPr lang="de-DE" dirty="0" smtClean="0">
+                <a:solidFill>
+                  <a:srgbClr val="FF0000"/>
+                </a:solidFill>
+              </a:rPr>
+              <a:t> </a:t>
+            </a:r>
+            <a:r>
+              <a:rPr lang="de-DE" dirty="0" err="1" smtClean="0">
+                <a:solidFill>
+                  <a:srgbClr val="FF0000"/>
+                </a:solidFill>
+              </a:rPr>
+              <a:t>tasks</a:t>
+            </a:r>
+            <a:r>
+              <a:rPr lang="de-DE" dirty="0" smtClean="0">
+                <a:solidFill>
+                  <a:srgbClr val="FF0000"/>
+                </a:solidFill>
+              </a:rPr>
+              <a:t> Diagramm Balken</a:t>
             </a:r>
           </a:p>
           <a:p>
@@ -13566,68 +13711,12 @@
               </a:solidFill>
             </a:endParaRPr>
           </a:p>
-          <a:p>
-            <a:r>
-              <a:rPr lang="de-DE" dirty="0">
-                <a:solidFill>
-                  <a:srgbClr val="FF0000"/>
-                </a:solidFill>
-              </a:rPr>
-              <a:t>Und rechts subjektive Schätzung der </a:t>
-            </a:r>
-            <a:r>
-              <a:rPr lang="de-DE" dirty="0" smtClean="0">
-                <a:solidFill>
-                  <a:srgbClr val="FF0000"/>
-                </a:solidFill>
-              </a:rPr>
-              <a:t>Schlafdauer</a:t>
-            </a:r>
-          </a:p>
-          <a:p>
-            <a:r>
-              <a:rPr lang="de-DE" dirty="0" smtClean="0">
-                <a:solidFill>
-                  <a:srgbClr val="FF0000"/>
-                </a:solidFill>
-              </a:rPr>
-              <a:t>(</a:t>
-            </a:r>
-            <a:r>
-              <a:rPr lang="de-DE" dirty="0" err="1" smtClean="0">
-                <a:solidFill>
-                  <a:srgbClr val="FF0000"/>
-                </a:solidFill>
-              </a:rPr>
-              <a:t>empfungen</a:t>
-            </a:r>
-            <a:r>
-              <a:rPr lang="de-DE" dirty="0" smtClean="0">
-                <a:solidFill>
-                  <a:srgbClr val="FF0000"/>
-                </a:solidFill>
-              </a:rPr>
-              <a:t> Schlafdauer unterteilt nach Gruppen?)</a:t>
-            </a:r>
-            <a:endParaRPr lang="de-DE" dirty="0">
-              <a:solidFill>
-                <a:srgbClr val="FF0000"/>
-              </a:solidFill>
-            </a:endParaRPr>
-          </a:p>
-          <a:p>
-            <a:endParaRPr lang="de-DE" dirty="0">
-              <a:solidFill>
-                <a:srgbClr val="FF0000"/>
-              </a:solidFill>
-            </a:endParaRPr>
-          </a:p>
         </p:txBody>
       </p:sp>
     </p:spTree>
     <p:extLst>
       <p:ext uri="{BB962C8B-B14F-4D97-AF65-F5344CB8AC3E}">
-        <p14:creationId xmlns:p14="http://schemas.microsoft.com/office/powerpoint/2010/main" val="669866523"/>
+        <p14:creationId xmlns:p14="http://schemas.microsoft.com/office/powerpoint/2010/main" val="3259930981"/>
       </p:ext>
     </p:extLst>
   </p:cSld>
@@ -13671,11 +13760,11 @@
           <a:p>
             <a:r>
               <a:rPr lang="de-DE" dirty="0" smtClean="0"/>
-              <a:t>Ergebnisse </a:t>
+              <a:t>Diskussion </a:t>
             </a:r>
             <a:r>
               <a:rPr lang="de-DE" sz="2400" dirty="0" smtClean="0"/>
-              <a:t>(11/11)</a:t>
+              <a:t>(1/4)</a:t>
             </a:r>
             <a:endParaRPr lang="de-DE" sz="2400" dirty="0"/>
           </a:p>
@@ -13696,98 +13785,69 @@
           <a:bodyPr/>
           <a:lstStyle/>
           <a:p>
-            <a:r>
-              <a:rPr lang="de-DE" dirty="0" smtClean="0">
-                <a:solidFill>
-                  <a:srgbClr val="FF0000"/>
-                </a:solidFill>
-              </a:rPr>
-              <a:t>Hier links Übergang Schlafen </a:t>
-            </a:r>
-            <a:r>
-              <a:rPr lang="de-DE" dirty="0" err="1" smtClean="0">
-                <a:solidFill>
-                  <a:srgbClr val="FF0000"/>
-                </a:solidFill>
-              </a:rPr>
-              <a:t>transition</a:t>
-            </a:r>
-            <a:r>
-              <a:rPr lang="de-DE" dirty="0" smtClean="0">
-                <a:solidFill>
-                  <a:srgbClr val="FF0000"/>
-                </a:solidFill>
-              </a:rPr>
-              <a:t> </a:t>
-            </a:r>
-            <a:r>
-              <a:rPr lang="de-DE" dirty="0" err="1" smtClean="0">
-                <a:solidFill>
-                  <a:srgbClr val="FF0000"/>
-                </a:solidFill>
-              </a:rPr>
-              <a:t>sleep</a:t>
-            </a:r>
-            <a:r>
-              <a:rPr lang="de-DE" dirty="0" smtClean="0">
-                <a:solidFill>
-                  <a:srgbClr val="FF0000"/>
-                </a:solidFill>
-              </a:rPr>
-              <a:t> </a:t>
-            </a:r>
-            <a:r>
-              <a:rPr lang="de-DE" dirty="0" err="1" smtClean="0">
-                <a:solidFill>
-                  <a:srgbClr val="FF0000"/>
-                </a:solidFill>
-              </a:rPr>
-              <a:t>solving</a:t>
-            </a:r>
-            <a:r>
-              <a:rPr lang="de-DE" dirty="0" smtClean="0">
-                <a:solidFill>
-                  <a:srgbClr val="FF0000"/>
-                </a:solidFill>
-              </a:rPr>
-              <a:t> </a:t>
-            </a:r>
-            <a:r>
-              <a:rPr lang="de-DE" dirty="0" err="1" smtClean="0">
-                <a:solidFill>
-                  <a:srgbClr val="FF0000"/>
-                </a:solidFill>
-              </a:rPr>
-              <a:t>tasks</a:t>
-            </a:r>
-            <a:r>
-              <a:rPr lang="de-DE" dirty="0" smtClean="0">
-                <a:solidFill>
-                  <a:srgbClr val="FF0000"/>
-                </a:solidFill>
-              </a:rPr>
-              <a:t> Diagramm Balken</a:t>
-            </a:r>
-          </a:p>
-          <a:p>
-            <a:endParaRPr lang="de-DE" dirty="0">
-              <a:solidFill>
-                <a:srgbClr val="FF0000"/>
-              </a:solidFill>
-            </a:endParaRPr>
+            <a:pPr marL="0" indent="0">
+              <a:buNone/>
+            </a:pPr>
+            <a:r>
+              <a:rPr lang="de-DE" dirty="0" smtClean="0"/>
+              <a:t>- Erfahrung </a:t>
+            </a:r>
+            <a:r>
+              <a:rPr lang="de-DE" dirty="0" smtClean="0"/>
+              <a:t>und Demografie der Teilnehmer</a:t>
+            </a:r>
+          </a:p>
+          <a:p>
+            <a:pPr lvl="1"/>
+            <a:r>
+              <a:rPr lang="de-DE" dirty="0" smtClean="0"/>
+              <a:t>Vorhandene </a:t>
+            </a:r>
+            <a:r>
+              <a:rPr lang="de-DE" dirty="0"/>
+              <a:t>Affinität zur Technik</a:t>
+            </a:r>
+          </a:p>
+          <a:p>
+            <a:pPr lvl="1"/>
+            <a:r>
+              <a:rPr lang="de-DE" dirty="0"/>
+              <a:t>Vorhandene VR Erfahrung</a:t>
+            </a:r>
+          </a:p>
+          <a:p>
+            <a:pPr lvl="1"/>
+            <a:r>
+              <a:rPr lang="de-DE" dirty="0"/>
+              <a:t>Vorhandene Fahrerfahrung</a:t>
+            </a:r>
+          </a:p>
+          <a:p>
+            <a:pPr lvl="1"/>
+            <a:r>
+              <a:rPr lang="de-DE" dirty="0"/>
+              <a:t>Vorhandener Bildungsstand</a:t>
+            </a:r>
           </a:p>
         </p:txBody>
       </p:sp>
     </p:spTree>
     <p:extLst>
       <p:ext uri="{BB962C8B-B14F-4D97-AF65-F5344CB8AC3E}">
-        <p14:creationId xmlns:p14="http://schemas.microsoft.com/office/powerpoint/2010/main" val="3259930981"/>
+        <p14:creationId xmlns:p14="http://schemas.microsoft.com/office/powerpoint/2010/main" val="3554098313"/>
       </p:ext>
     </p:extLst>
   </p:cSld>
   <p:clrMapOvr>
     <a:masterClrMapping/>
   </p:clrMapOvr>
+  <p:timing>
+    <p:tnLst>
+      <p:par>
+        <p:cTn id="1" dur="indefinite" restart="never" nodeType="tmRoot"/>
+      </p:par>
+    </p:tnLst>
+  </p:timing>
 </p:sld>
 </file>
 
@@ -13824,14 +13884,17 @@
           <a:lstStyle/>
           <a:p>
             <a:r>
-              <a:rPr lang="de-DE" dirty="0" smtClean="0"/>
+              <a:rPr lang="de-DE" dirty="0"/>
               <a:t>Diskussion </a:t>
             </a:r>
             <a:r>
               <a:rPr lang="de-DE" sz="2400" dirty="0" smtClean="0"/>
-              <a:t>(1/4)</a:t>
-            </a:r>
-            <a:endParaRPr lang="de-DE" sz="2400" dirty="0"/>
+              <a:t>(2/4</a:t>
+            </a:r>
+            <a:r>
+              <a:rPr lang="de-DE" sz="2400" dirty="0"/>
+              <a:t>)</a:t>
+            </a:r>
           </a:p>
         </p:txBody>
       </p:sp>
@@ -13850,49 +13913,43 @@
           <a:bodyPr/>
           <a:lstStyle/>
           <a:p>
+            <a:pPr marL="0" indent="0">
+              <a:buNone/>
+            </a:pPr>
             <a:r>
               <a:rPr lang="de-DE" dirty="0" smtClean="0"/>
-              <a:t>Erfahrung und Demografie der Teilnehmer</a:t>
-            </a:r>
+              <a:t>- Studiendurchführung</a:t>
+            </a:r>
+            <a:endParaRPr lang="de-DE" dirty="0" smtClean="0"/>
           </a:p>
           <a:p>
             <a:pPr lvl="1"/>
             <a:r>
               <a:rPr lang="de-DE" dirty="0" smtClean="0"/>
-              <a:t>Vorhandene </a:t>
-            </a:r>
-            <a:r>
-              <a:rPr lang="de-DE" dirty="0"/>
-              <a:t>Affinität zur Technik</a:t>
+              <a:t>Ort und Zeit</a:t>
             </a:r>
           </a:p>
           <a:p>
             <a:pPr lvl="1"/>
             <a:r>
-              <a:rPr lang="de-DE" dirty="0"/>
-              <a:t>Vorhandene VR Erfahrung</a:t>
+              <a:rPr lang="de-DE" dirty="0" smtClean="0"/>
+              <a:t>‚Störende‘ Faktoren</a:t>
             </a:r>
           </a:p>
           <a:p>
             <a:pPr lvl="1"/>
             <a:r>
-              <a:rPr lang="de-DE" dirty="0"/>
-              <a:t>Vorhandene Fahrerfahrung</a:t>
-            </a:r>
-          </a:p>
-          <a:p>
-            <a:pPr lvl="1"/>
-            <a:r>
-              <a:rPr lang="de-DE" dirty="0"/>
-              <a:t>Vorhandener Bildungsstand</a:t>
-            </a:r>
+              <a:rPr lang="de-DE" dirty="0" smtClean="0"/>
+              <a:t>Realitätsnähe</a:t>
+            </a:r>
+            <a:endParaRPr lang="de-DE" dirty="0"/>
           </a:p>
         </p:txBody>
       </p:sp>
     </p:spTree>
     <p:extLst>
       <p:ext uri="{BB962C8B-B14F-4D97-AF65-F5344CB8AC3E}">
-        <p14:creationId xmlns:p14="http://schemas.microsoft.com/office/powerpoint/2010/main" val="3554098313"/>
+        <p14:creationId xmlns:p14="http://schemas.microsoft.com/office/powerpoint/2010/main" val="1683365169"/>
       </p:ext>
     </p:extLst>
   </p:cSld>
@@ -13947,7 +14004,7 @@
             </a:r>
             <a:r>
               <a:rPr lang="de-DE" sz="2400" dirty="0" smtClean="0"/>
-              <a:t>(2/4</a:t>
+              <a:t>(3/4</a:t>
             </a:r>
             <a:r>
               <a:rPr lang="de-DE" sz="2400" dirty="0"/>
@@ -13971,30 +14028,27 @@
           <a:bodyPr/>
           <a:lstStyle/>
           <a:p>
+            <a:pPr marL="0" indent="0">
+              <a:buNone/>
+            </a:pPr>
             <a:r>
               <a:rPr lang="de-DE" dirty="0" smtClean="0"/>
-              <a:t>Studiendurchführung</a:t>
-            </a:r>
+              <a:t>- Aufgaben</a:t>
+            </a:r>
+            <a:endParaRPr lang="de-DE" dirty="0" smtClean="0"/>
           </a:p>
           <a:p>
             <a:pPr lvl="1"/>
             <a:r>
               <a:rPr lang="de-DE" dirty="0" smtClean="0"/>
-              <a:t>Ort und Zeit</a:t>
+              <a:t>Aufgabenwahl</a:t>
             </a:r>
           </a:p>
           <a:p>
             <a:pPr lvl="1"/>
             <a:r>
               <a:rPr lang="de-DE" dirty="0" smtClean="0"/>
-              <a:t>‚Störende‘ Faktoren</a:t>
-            </a:r>
-          </a:p>
-          <a:p>
-            <a:pPr lvl="1"/>
-            <a:r>
-              <a:rPr lang="de-DE" dirty="0" smtClean="0"/>
-              <a:t>Realitätsnähe</a:t>
+              <a:t>Aufgabenbeschreibung</a:t>
             </a:r>
             <a:endParaRPr lang="de-DE" dirty="0"/>
           </a:p>
@@ -14003,7 +14057,7 @@
     </p:spTree>
     <p:extLst>
       <p:ext uri="{BB962C8B-B14F-4D97-AF65-F5344CB8AC3E}">
-        <p14:creationId xmlns:p14="http://schemas.microsoft.com/office/powerpoint/2010/main" val="1683365169"/>
+        <p14:creationId xmlns:p14="http://schemas.microsoft.com/office/powerpoint/2010/main" val="2513655209"/>
       </p:ext>
     </p:extLst>
   </p:cSld>
@@ -14058,7 +14112,7 @@
             </a:r>
             <a:r>
               <a:rPr lang="de-DE" sz="2400" dirty="0" smtClean="0"/>
-              <a:t>(3/4</a:t>
+              <a:t>(4/4</a:t>
             </a:r>
             <a:r>
               <a:rPr lang="de-DE" sz="2400" dirty="0"/>
@@ -14082,9 +14136,27 @@
           <a:bodyPr/>
           <a:lstStyle/>
           <a:p>
+            <a:pPr marL="0" indent="0">
+              <a:buNone/>
+            </a:pPr>
             <a:r>
               <a:rPr lang="de-DE" dirty="0" smtClean="0"/>
-              <a:t>Aufgaben</a:t>
+              <a:t>- Zukunftsaussicht</a:t>
+            </a:r>
+            <a:endParaRPr lang="de-DE" dirty="0" smtClean="0"/>
+          </a:p>
+          <a:p>
+            <a:pPr lvl="1"/>
+            <a:r>
+              <a:rPr lang="de-DE" dirty="0" smtClean="0"/>
+              <a:t>Demografie</a:t>
+            </a:r>
+          </a:p>
+          <a:p>
+            <a:pPr lvl="1"/>
+            <a:r>
+              <a:rPr lang="de-DE" dirty="0" smtClean="0"/>
+              <a:t>Studiendurchführung</a:t>
             </a:r>
           </a:p>
           <a:p>
@@ -14092,13 +14164,6 @@
             <a:r>
               <a:rPr lang="de-DE" dirty="0" smtClean="0"/>
               <a:t>Aufgabenwahl</a:t>
-            </a:r>
-          </a:p>
-          <a:p>
-            <a:pPr lvl="1"/>
-            <a:r>
-              <a:rPr lang="de-DE" dirty="0" smtClean="0"/>
-              <a:t>Aufgabenbeschreibung</a:t>
             </a:r>
             <a:endParaRPr lang="de-DE" dirty="0"/>
           </a:p>
@@ -14107,7 +14172,7 @@
     </p:spTree>
     <p:extLst>
       <p:ext uri="{BB962C8B-B14F-4D97-AF65-F5344CB8AC3E}">
-        <p14:creationId xmlns:p14="http://schemas.microsoft.com/office/powerpoint/2010/main" val="2513655209"/>
+        <p14:creationId xmlns:p14="http://schemas.microsoft.com/office/powerpoint/2010/main" val="397659059"/>
       </p:ext>
     </p:extLst>
   </p:cSld>
@@ -14158,15 +14223,7 @@
           <a:p>
             <a:r>
               <a:rPr lang="de-DE" dirty="0"/>
-              <a:t>Diskussion </a:t>
-            </a:r>
-            <a:r>
-              <a:rPr lang="de-DE" sz="2400" dirty="0" smtClean="0"/>
-              <a:t>(4/4</a:t>
-            </a:r>
-            <a:r>
-              <a:rPr lang="de-DE" sz="2400" dirty="0"/>
-              <a:t>)</a:t>
+              <a:t>Schlussfolgerung</a:t>
             </a:r>
           </a:p>
         </p:txBody>
@@ -14186,39 +14243,71 @@
           <a:bodyPr/>
           <a:lstStyle/>
           <a:p>
+            <a:pPr>
+              <a:buFontTx/>
+              <a:buChar char="-"/>
+            </a:pPr>
             <a:r>
               <a:rPr lang="de-DE" dirty="0" smtClean="0"/>
-              <a:t>Zukunftsaussicht</a:t>
-            </a:r>
-          </a:p>
-          <a:p>
-            <a:pPr lvl="1"/>
+              <a:t>VR</a:t>
+            </a:r>
+          </a:p>
+          <a:p>
+            <a:pPr>
+              <a:buFontTx/>
+              <a:buChar char="-"/>
+            </a:pPr>
             <a:r>
               <a:rPr lang="de-DE" dirty="0" smtClean="0"/>
-              <a:t>Demografie</a:t>
-            </a:r>
-          </a:p>
-          <a:p>
-            <a:pPr lvl="1"/>
+              <a:t>Hypothesen </a:t>
+            </a:r>
+            <a:r>
+              <a:rPr lang="de-DE" dirty="0"/>
+              <a:t>und Parameter und </a:t>
+            </a:r>
             <a:r>
               <a:rPr lang="de-DE" dirty="0" smtClean="0"/>
-              <a:t>Studiendurchführung</a:t>
-            </a:r>
-          </a:p>
-          <a:p>
-            <a:pPr lvl="1"/>
+              <a:t>Gruppen</a:t>
+            </a:r>
+          </a:p>
+          <a:p>
+            <a:pPr>
+              <a:buFontTx/>
+              <a:buChar char="-"/>
+            </a:pPr>
             <a:r>
               <a:rPr lang="de-DE" dirty="0" smtClean="0"/>
-              <a:t>Aufgabenwahl</a:t>
-            </a:r>
-            <a:endParaRPr lang="de-DE" dirty="0"/>
+              <a:t>Bewertung </a:t>
+            </a:r>
+            <a:r>
+              <a:rPr lang="de-DE" dirty="0"/>
+              <a:t>der </a:t>
+            </a:r>
+            <a:r>
+              <a:rPr lang="de-DE" dirty="0" smtClean="0"/>
+              <a:t>Ergebnisse</a:t>
+            </a:r>
+          </a:p>
+          <a:p>
+            <a:pPr>
+              <a:buFontTx/>
+              <a:buChar char="-"/>
+            </a:pPr>
+            <a:r>
+              <a:rPr lang="de-DE" dirty="0" smtClean="0"/>
+              <a:t>Zukünftige </a:t>
+            </a:r>
+            <a:r>
+              <a:rPr lang="de-DE" dirty="0"/>
+              <a:t>Forschung</a:t>
+            </a:r>
           </a:p>
         </p:txBody>
       </p:sp>
     </p:spTree>
     <p:extLst>
       <p:ext uri="{BB962C8B-B14F-4D97-AF65-F5344CB8AC3E}">
-        <p14:creationId xmlns:p14="http://schemas.microsoft.com/office/powerpoint/2010/main" val="397659059"/>
+        <p14:creationId xmlns:p14="http://schemas.microsoft.com/office/powerpoint/2010/main" val="284220317"/>
       </p:ext>
     </p:extLst>
   </p:cSld>
@@ -14267,105 +14356,6 @@
           <a:bodyPr/>
           <a:lstStyle/>
           <a:p>
-            <a:r>
-              <a:rPr lang="de-DE" dirty="0"/>
-              <a:t>Schlussfolgerung</a:t>
-            </a:r>
-          </a:p>
-        </p:txBody>
-      </p:sp>
-      <p:sp>
-        <p:nvSpPr>
-          <p:cNvPr id="3" name="Inhaltsplatzhalter 2"/>
-          <p:cNvSpPr>
-            <a:spLocks noGrp="1"/>
-          </p:cNvSpPr>
-          <p:nvPr>
-            <p:ph idx="1"/>
-          </p:nvPr>
-        </p:nvSpPr>
-        <p:spPr/>
-        <p:txBody>
-          <a:bodyPr/>
-          <a:lstStyle/>
-          <a:p>
-            <a:r>
-              <a:rPr lang="de-DE" dirty="0"/>
-              <a:t>VR</a:t>
-            </a:r>
-          </a:p>
-          <a:p>
-            <a:r>
-              <a:rPr lang="de-DE" dirty="0"/>
-              <a:t>Hypothesen und Parameter und Gruppen</a:t>
-            </a:r>
-          </a:p>
-          <a:p>
-            <a:r>
-              <a:rPr lang="de-DE" dirty="0"/>
-              <a:t>Bewertung der Ergebnisse</a:t>
-            </a:r>
-          </a:p>
-          <a:p>
-            <a:r>
-              <a:rPr lang="de-DE" dirty="0"/>
-              <a:t>Zukünftige Forschung</a:t>
-            </a:r>
-          </a:p>
-        </p:txBody>
-      </p:sp>
-    </p:spTree>
-    <p:extLst>
-      <p:ext uri="{BB962C8B-B14F-4D97-AF65-F5344CB8AC3E}">
-        <p14:creationId xmlns:p14="http://schemas.microsoft.com/office/powerpoint/2010/main" val="284220317"/>
-      </p:ext>
-    </p:extLst>
-  </p:cSld>
-  <p:clrMapOvr>
-    <a:masterClrMapping/>
-  </p:clrMapOvr>
-  <p:timing>
-    <p:tnLst>
-      <p:par>
-        <p:cTn id="1" dur="indefinite" restart="never" nodeType="tmRoot"/>
-      </p:par>
-    </p:tnLst>
-  </p:timing>
-</p:sld>
-</file>
-
-<file path=ppt/slides/slide28.xml><?xml version="1.0" encoding="utf-8"?>
-<p:sld xmlns:a="http://schemas.openxmlformats.org/drawingml/2006/main" xmlns:r="http://schemas.openxmlformats.org/officeDocument/2006/relationships" xmlns:p="http://schemas.openxmlformats.org/presentationml/2006/main">
-  <p:cSld>
-    <p:spTree>
-      <p:nvGrpSpPr>
-        <p:cNvPr id="1" name=""/>
-        <p:cNvGrpSpPr/>
-        <p:nvPr/>
-      </p:nvGrpSpPr>
-      <p:grpSpPr>
-        <a:xfrm>
-          <a:off x="0" y="0"/>
-          <a:ext cx="0" cy="0"/>
-          <a:chOff x="0" y="0"/>
-          <a:chExt cx="0" cy="0"/>
-        </a:xfrm>
-      </p:grpSpPr>
-      <p:sp>
-        <p:nvSpPr>
-          <p:cNvPr id="2" name="Titel 1"/>
-          <p:cNvSpPr>
-            <a:spLocks noGrp="1"/>
-          </p:cNvSpPr>
-          <p:nvPr>
-            <p:ph type="title"/>
-          </p:nvPr>
-        </p:nvSpPr>
-        <p:spPr/>
-        <p:txBody>
-          <a:bodyPr/>
-          <a:lstStyle/>
-          <a:p>
             <a:endParaRPr lang="de-DE"/>
           </a:p>
         </p:txBody>
@@ -14447,6 +14437,94 @@
 </p:sld>
 </file>
 
+<file path=ppt/slides/slide28.xml><?xml version="1.0" encoding="utf-8"?>
+<p:sld xmlns:a="http://schemas.openxmlformats.org/drawingml/2006/main" xmlns:r="http://schemas.openxmlformats.org/officeDocument/2006/relationships" xmlns:p="http://schemas.openxmlformats.org/presentationml/2006/main">
+  <p:cSld>
+    <p:spTree>
+      <p:nvGrpSpPr>
+        <p:cNvPr id="1" name=""/>
+        <p:cNvGrpSpPr/>
+        <p:nvPr/>
+      </p:nvGrpSpPr>
+      <p:grpSpPr>
+        <a:xfrm>
+          <a:off x="0" y="0"/>
+          <a:ext cx="0" cy="0"/>
+          <a:chOff x="0" y="0"/>
+          <a:chExt cx="0" cy="0"/>
+        </a:xfrm>
+      </p:grpSpPr>
+      <p:sp>
+        <p:nvSpPr>
+          <p:cNvPr id="2" name="Titel 1"/>
+          <p:cNvSpPr>
+            <a:spLocks noGrp="1"/>
+          </p:cNvSpPr>
+          <p:nvPr>
+            <p:ph type="title"/>
+          </p:nvPr>
+        </p:nvSpPr>
+        <p:spPr/>
+        <p:txBody>
+          <a:bodyPr/>
+          <a:lstStyle/>
+          <a:p>
+            <a:r>
+              <a:rPr lang="de-DE" dirty="0" smtClean="0"/>
+              <a:t>Anhang </a:t>
+            </a:r>
+            <a:r>
+              <a:rPr lang="de-DE" sz="2400" dirty="0" smtClean="0"/>
+              <a:t>(1/10)</a:t>
+            </a:r>
+            <a:endParaRPr lang="de-DE" sz="2400" dirty="0"/>
+          </a:p>
+        </p:txBody>
+      </p:sp>
+      <p:sp>
+        <p:nvSpPr>
+          <p:cNvPr id="3" name="Inhaltsplatzhalter 2"/>
+          <p:cNvSpPr>
+            <a:spLocks noGrp="1"/>
+          </p:cNvSpPr>
+          <p:nvPr>
+            <p:ph idx="1"/>
+          </p:nvPr>
+        </p:nvSpPr>
+        <p:spPr/>
+        <p:txBody>
+          <a:bodyPr/>
+          <a:lstStyle/>
+          <a:p>
+            <a:r>
+              <a:rPr lang="de-DE" dirty="0" smtClean="0">
+                <a:solidFill>
+                  <a:srgbClr val="FF0000"/>
+                </a:solidFill>
+              </a:rPr>
+              <a:t>Hier VR/AR Erfahrung</a:t>
+            </a:r>
+            <a:endParaRPr lang="de-DE" dirty="0">
+              <a:solidFill>
+                <a:srgbClr val="FF0000"/>
+              </a:solidFill>
+            </a:endParaRPr>
+          </a:p>
+        </p:txBody>
+      </p:sp>
+    </p:spTree>
+    <p:extLst>
+      <p:ext uri="{BB962C8B-B14F-4D97-AF65-F5344CB8AC3E}">
+        <p14:creationId xmlns:p14="http://schemas.microsoft.com/office/powerpoint/2010/main" val="2071044175"/>
+      </p:ext>
+    </p:extLst>
+  </p:cSld>
+  <p:clrMapOvr>
+    <a:masterClrMapping/>
+  </p:clrMapOvr>
+</p:sld>
+</file>
+
 <file path=ppt/slides/slide29.xml><?xml version="1.0" encoding="utf-8"?>
 <p:sld xmlns:a="http://schemas.openxmlformats.org/drawingml/2006/main" xmlns:r="http://schemas.openxmlformats.org/officeDocument/2006/relationships" xmlns:p="http://schemas.openxmlformats.org/presentationml/2006/main">
   <p:cSld>
@@ -14485,7 +14563,7 @@
             </a:r>
             <a:r>
               <a:rPr lang="de-DE" sz="2400" dirty="0" smtClean="0"/>
-              <a:t>(1/10)</a:t>
+              <a:t>(2/10)</a:t>
             </a:r>
             <a:endParaRPr lang="de-DE" sz="2400" dirty="0"/>
           </a:p>
@@ -14512,7 +14590,7 @@
                   <a:srgbClr val="FF0000"/>
                 </a:solidFill>
               </a:rPr>
-              <a:t>Hier VR/AR Erfahrung</a:t>
+              <a:t>hier SAM vorhernachher /RSME (nach Gruppen Tabelle)</a:t>
             </a:r>
             <a:endParaRPr lang="de-DE" dirty="0">
               <a:solidFill>
@@ -14525,7 +14603,7 @@
     </p:spTree>
     <p:extLst>
       <p:ext uri="{BB962C8B-B14F-4D97-AF65-F5344CB8AC3E}">
-        <p14:creationId xmlns:p14="http://schemas.microsoft.com/office/powerpoint/2010/main" val="2071044175"/>
+        <p14:creationId xmlns:p14="http://schemas.microsoft.com/office/powerpoint/2010/main" val="1368395424"/>
       </p:ext>
     </p:extLst>
   </p:cSld>
@@ -14591,24 +14669,41 @@
           </a:bodyPr>
           <a:lstStyle/>
           <a:p>
+            <a:pPr marL="0" indent="0">
+              <a:buNone/>
+            </a:pPr>
+            <a:r>
+              <a:rPr lang="de-DE" dirty="0" smtClean="0"/>
+              <a:t>- Schnittstelle </a:t>
+            </a:r>
             <a:r>
               <a:rPr lang="de-DE" dirty="0"/>
-              <a:t>Schnittstelle VR und Realität</a:t>
-            </a:r>
-          </a:p>
-          <a:p>
+              <a:t>VR und Realität</a:t>
+            </a:r>
+          </a:p>
+          <a:p>
+            <a:pPr marL="0" indent="0">
+              <a:buNone/>
+            </a:pPr>
+            <a:r>
+              <a:rPr lang="de-DE" dirty="0" smtClean="0"/>
+              <a:t>- AR/VR </a:t>
+            </a:r>
             <a:r>
               <a:rPr lang="de-DE" dirty="0"/>
-              <a:t>AR/VR fester Bestandteil im Alltag</a:t>
-            </a:r>
-          </a:p>
-          <a:p>
-            <a:r>
-              <a:rPr lang="de-DE" dirty="0"/>
-              <a:t>Smart-</a:t>
-            </a:r>
-            <a:r>
-              <a:rPr lang="de-DE" dirty="0" err="1"/>
+              <a:t>fester Bestandteil im Alltag</a:t>
+            </a:r>
+          </a:p>
+          <a:p>
+            <a:pPr marL="0" indent="0">
+              <a:buNone/>
+            </a:pPr>
+            <a:r>
+              <a:rPr lang="de-DE" dirty="0" smtClean="0"/>
+              <a:t>- Smart-</a:t>
+            </a:r>
+            <a:r>
+              <a:rPr lang="de-DE" dirty="0" err="1" smtClean="0"/>
               <a:t>Mirrors</a:t>
             </a:r>
             <a:r>
@@ -14625,36 +14720,77 @@
             </a:r>
           </a:p>
           <a:p>
+            <a:pPr marL="0" indent="0">
+              <a:buNone/>
+            </a:pPr>
+            <a:r>
+              <a:rPr lang="de-DE" dirty="0" smtClean="0"/>
+              <a:t>- Autonomes </a:t>
+            </a:r>
             <a:r>
               <a:rPr lang="de-DE" dirty="0"/>
-              <a:t>Autonomes Fahren</a:t>
+              <a:t>Fahren</a:t>
             </a:r>
           </a:p>
           <a:p>
             <a:endParaRPr lang="de-DE" dirty="0"/>
           </a:p>
           <a:p>
+            <a:pPr marL="0" indent="0">
+              <a:buNone/>
+            </a:pPr>
+            <a:r>
+              <a:rPr lang="de-DE" dirty="0" smtClean="0"/>
+              <a:t>- Übergang </a:t>
+            </a:r>
             <a:r>
               <a:rPr lang="de-DE" dirty="0"/>
-              <a:t>Übergang Ruhephase und Arbeitsphase</a:t>
-            </a:r>
-          </a:p>
-          <a:p>
+              <a:t>Ruhephase und Arbeitsphase</a:t>
+            </a:r>
+          </a:p>
+          <a:p>
+            <a:pPr>
+              <a:buFontTx/>
+              <a:buChar char="-"/>
+            </a:pPr>
+            <a:r>
+              <a:rPr lang="de-DE" dirty="0" smtClean="0"/>
+              <a:t>Leistungsfähigkeit </a:t>
+            </a:r>
             <a:r>
               <a:rPr lang="de-DE" dirty="0"/>
-              <a:t>Leistungsfähigkeit nach Ruhephase</a:t>
-            </a:r>
-          </a:p>
-          <a:p>
+              <a:t>nach </a:t>
+            </a:r>
+            <a:r>
+              <a:rPr lang="de-DE" dirty="0" smtClean="0"/>
+              <a:t>Ruhephase</a:t>
+            </a:r>
+          </a:p>
+          <a:p>
+            <a:pPr>
+              <a:buFontTx/>
+              <a:buChar char="-"/>
+            </a:pPr>
+            <a:r>
+              <a:rPr lang="de-DE" dirty="0" smtClean="0"/>
+              <a:t>Aufmerksamkeit</a:t>
+            </a:r>
             <a:r>
               <a:rPr lang="de-DE" dirty="0"/>
-              <a:t>Aufmerksamkeit, Wachsamkeit, Zuverlässigkeit</a:t>
-            </a:r>
-          </a:p>
-          <a:p>
+              <a:t>, Wachsamkeit, Zuverlässigkeit</a:t>
+            </a:r>
+          </a:p>
+          <a:p>
+            <a:pPr marL="0" indent="0">
+              <a:buNone/>
+            </a:pPr>
+            <a:r>
+              <a:rPr lang="de-DE" dirty="0" smtClean="0"/>
+              <a:t>- Vorbereitung </a:t>
+            </a:r>
             <a:r>
               <a:rPr lang="de-DE" dirty="0"/>
-              <a:t>Vorbereitung auf Aufgabe</a:t>
+              <a:t>auf Aufgabe</a:t>
             </a:r>
           </a:p>
           <a:p>
@@ -14720,7 +14856,7 @@
             </a:r>
             <a:r>
               <a:rPr lang="de-DE" sz="2400" dirty="0" smtClean="0"/>
-              <a:t>(2/10)</a:t>
+              <a:t>(3/10)</a:t>
             </a:r>
             <a:endParaRPr lang="de-DE" sz="2400" dirty="0"/>
           </a:p>
@@ -14747,7 +14883,7 @@
                   <a:srgbClr val="FF0000"/>
                 </a:solidFill>
               </a:rPr>
-              <a:t>hier SAM vorhernachher /RSME (nach Gruppen Tabelle)</a:t>
+              <a:t>Hier links Stuhlgrafik, rechts Tabelle Stuhlwinkeleinstellungen</a:t>
             </a:r>
             <a:endParaRPr lang="de-DE" dirty="0">
               <a:solidFill>
@@ -14760,7 +14896,7 @@
     </p:spTree>
     <p:extLst>
       <p:ext uri="{BB962C8B-B14F-4D97-AF65-F5344CB8AC3E}">
-        <p14:creationId xmlns:p14="http://schemas.microsoft.com/office/powerpoint/2010/main" val="1368395424"/>
+        <p14:creationId xmlns:p14="http://schemas.microsoft.com/office/powerpoint/2010/main" val="1801311271"/>
       </p:ext>
     </p:extLst>
   </p:cSld>
@@ -14808,7 +14944,7 @@
             </a:r>
             <a:r>
               <a:rPr lang="de-DE" sz="2400" dirty="0" smtClean="0"/>
-              <a:t>(3/10)</a:t>
+              <a:t>(4/10)</a:t>
             </a:r>
             <a:endParaRPr lang="de-DE" sz="2400" dirty="0"/>
           </a:p>
@@ -14835,7 +14971,62 @@
                   <a:srgbClr val="FF0000"/>
                 </a:solidFill>
               </a:rPr>
-              <a:t>Hier links Stuhlgrafik, rechts Tabelle Stuhlwinkeleinstellungen</a:t>
+              <a:t>Hier Dauer des </a:t>
+            </a:r>
+            <a:r>
+              <a:rPr lang="de-DE" dirty="0" err="1" smtClean="0">
+                <a:solidFill>
+                  <a:srgbClr val="FF0000"/>
+                </a:solidFill>
+              </a:rPr>
+              <a:t>Wecktons</a:t>
+            </a:r>
+            <a:endParaRPr lang="de-DE" dirty="0" smtClean="0">
+              <a:solidFill>
+                <a:srgbClr val="FF0000"/>
+              </a:solidFill>
+            </a:endParaRPr>
+          </a:p>
+          <a:p>
+            <a:r>
+              <a:rPr lang="de-DE" dirty="0" smtClean="0">
+                <a:solidFill>
+                  <a:srgbClr val="FF0000"/>
+                </a:solidFill>
+              </a:rPr>
+              <a:t>(Zu wenig für eine </a:t>
+            </a:r>
+            <a:r>
+              <a:rPr lang="de-DE" dirty="0" err="1" smtClean="0">
+                <a:solidFill>
+                  <a:srgbClr val="FF0000"/>
+                </a:solidFill>
+              </a:rPr>
+              <a:t>seite</a:t>
+            </a:r>
+            <a:r>
+              <a:rPr lang="de-DE" dirty="0" smtClean="0">
+                <a:solidFill>
+                  <a:srgbClr val="FF0000"/>
+                </a:solidFill>
+              </a:rPr>
+              <a:t> oder egal weil eh nur </a:t>
+            </a:r>
+            <a:r>
+              <a:rPr lang="de-DE" dirty="0" err="1" smtClean="0">
+                <a:solidFill>
+                  <a:srgbClr val="FF0000"/>
+                </a:solidFill>
+              </a:rPr>
+              <a:t>anhang</a:t>
+            </a:r>
+            <a:r>
+              <a:rPr lang="de-DE" dirty="0" smtClean="0">
+                <a:solidFill>
+                  <a:srgbClr val="FF0000"/>
+                </a:solidFill>
+              </a:rPr>
+              <a:t>?)</a:t>
             </a:r>
             <a:endParaRPr lang="de-DE" dirty="0">
               <a:solidFill>
@@ -14848,7 +15039,7 @@
     </p:spTree>
     <p:extLst>
       <p:ext uri="{BB962C8B-B14F-4D97-AF65-F5344CB8AC3E}">
-        <p14:creationId xmlns:p14="http://schemas.microsoft.com/office/powerpoint/2010/main" val="1801311271"/>
+        <p14:creationId xmlns:p14="http://schemas.microsoft.com/office/powerpoint/2010/main" val="134662178"/>
       </p:ext>
     </p:extLst>
   </p:cSld>
@@ -14896,7 +15087,7 @@
             </a:r>
             <a:r>
               <a:rPr lang="de-DE" sz="2400" dirty="0" smtClean="0"/>
-              <a:t>(4/10)</a:t>
+              <a:t>(5/10)</a:t>
             </a:r>
             <a:endParaRPr lang="de-DE" sz="2400" dirty="0"/>
           </a:p>
@@ -14923,62 +15114,7 @@
                   <a:srgbClr val="FF0000"/>
                 </a:solidFill>
               </a:rPr>
-              <a:t>Hier Dauer des </a:t>
-            </a:r>
-            <a:r>
-              <a:rPr lang="de-DE" dirty="0" err="1" smtClean="0">
-                <a:solidFill>
-                  <a:srgbClr val="FF0000"/>
-                </a:solidFill>
-              </a:rPr>
-              <a:t>Wecktons</a:t>
-            </a:r>
-            <a:endParaRPr lang="de-DE" dirty="0" smtClean="0">
-              <a:solidFill>
-                <a:srgbClr val="FF0000"/>
-              </a:solidFill>
-            </a:endParaRPr>
-          </a:p>
-          <a:p>
-            <a:r>
-              <a:rPr lang="de-DE" dirty="0" smtClean="0">
-                <a:solidFill>
-                  <a:srgbClr val="FF0000"/>
-                </a:solidFill>
-              </a:rPr>
-              <a:t>(Zu wenig für eine </a:t>
-            </a:r>
-            <a:r>
-              <a:rPr lang="de-DE" dirty="0" err="1" smtClean="0">
-                <a:solidFill>
-                  <a:srgbClr val="FF0000"/>
-                </a:solidFill>
-              </a:rPr>
-              <a:t>seite</a:t>
-            </a:r>
-            <a:r>
-              <a:rPr lang="de-DE" dirty="0" smtClean="0">
-                <a:solidFill>
-                  <a:srgbClr val="FF0000"/>
-                </a:solidFill>
-              </a:rPr>
-              <a:t> oder egal weil eh nur </a:t>
-            </a:r>
-            <a:r>
-              <a:rPr lang="de-DE" dirty="0" err="1" smtClean="0">
-                <a:solidFill>
-                  <a:srgbClr val="FF0000"/>
-                </a:solidFill>
-              </a:rPr>
-              <a:t>anhang</a:t>
-            </a:r>
-            <a:r>
-              <a:rPr lang="de-DE" dirty="0" smtClean="0">
-                <a:solidFill>
-                  <a:srgbClr val="FF0000"/>
-                </a:solidFill>
-              </a:rPr>
-              <a:t>?)</a:t>
+              <a:t>Hier vorher nachher müde Balkendiagramm</a:t>
             </a:r>
             <a:endParaRPr lang="de-DE" dirty="0">
               <a:solidFill>
@@ -14991,7 +15127,7 @@
     </p:spTree>
     <p:extLst>
       <p:ext uri="{BB962C8B-B14F-4D97-AF65-F5344CB8AC3E}">
-        <p14:creationId xmlns:p14="http://schemas.microsoft.com/office/powerpoint/2010/main" val="134662178"/>
+        <p14:creationId xmlns:p14="http://schemas.microsoft.com/office/powerpoint/2010/main" val="4247055615"/>
       </p:ext>
     </p:extLst>
   </p:cSld>
@@ -15039,7 +15175,7 @@
             </a:r>
             <a:r>
               <a:rPr lang="de-DE" sz="2400" dirty="0" smtClean="0"/>
-              <a:t>(5/10)</a:t>
+              <a:t>(6/10)</a:t>
             </a:r>
             <a:endParaRPr lang="de-DE" sz="2400" dirty="0"/>
           </a:p>
@@ -15066,7 +15202,71 @@
                   <a:srgbClr val="FF0000"/>
                 </a:solidFill>
               </a:rPr>
-              <a:t>Hier vorher nachher müde Balkendiagramm</a:t>
+              <a:t>Hier </a:t>
+            </a:r>
+            <a:r>
+              <a:rPr lang="de-DE" dirty="0" err="1" smtClean="0">
+                <a:solidFill>
+                  <a:srgbClr val="FF0000"/>
+                </a:solidFill>
+              </a:rPr>
+              <a:t>felt</a:t>
+            </a:r>
+            <a:r>
+              <a:rPr lang="de-DE" dirty="0" smtClean="0">
+                <a:solidFill>
+                  <a:srgbClr val="FF0000"/>
+                </a:solidFill>
+              </a:rPr>
+              <a:t> </a:t>
+            </a:r>
+            <a:r>
+              <a:rPr lang="de-DE" dirty="0" err="1" smtClean="0">
+                <a:solidFill>
+                  <a:srgbClr val="FF0000"/>
+                </a:solidFill>
+              </a:rPr>
+              <a:t>comfortable</a:t>
+            </a:r>
+            <a:r>
+              <a:rPr lang="de-DE" dirty="0" smtClean="0">
+                <a:solidFill>
+                  <a:srgbClr val="FF0000"/>
+                </a:solidFill>
+              </a:rPr>
+              <a:t> </a:t>
+            </a:r>
+            <a:r>
+              <a:rPr lang="de-DE" dirty="0" err="1" smtClean="0">
+                <a:solidFill>
+                  <a:srgbClr val="FF0000"/>
+                </a:solidFill>
+              </a:rPr>
+              <a:t>sleeping</a:t>
+            </a:r>
+            <a:r>
+              <a:rPr lang="de-DE" dirty="0" smtClean="0">
+                <a:solidFill>
+                  <a:srgbClr val="FF0000"/>
+                </a:solidFill>
+              </a:rPr>
+              <a:t> </a:t>
+            </a:r>
+            <a:r>
+              <a:rPr lang="de-DE" dirty="0" err="1" smtClean="0">
+                <a:solidFill>
+                  <a:srgbClr val="FF0000"/>
+                </a:solidFill>
+              </a:rPr>
+              <a:t>with</a:t>
+            </a:r>
+            <a:r>
+              <a:rPr lang="de-DE" dirty="0" smtClean="0">
+                <a:solidFill>
+                  <a:srgbClr val="FF0000"/>
+                </a:solidFill>
+              </a:rPr>
+              <a:t> VR</a:t>
             </a:r>
             <a:endParaRPr lang="de-DE" dirty="0">
               <a:solidFill>
@@ -15079,7 +15279,7 @@
     </p:spTree>
     <p:extLst>
       <p:ext uri="{BB962C8B-B14F-4D97-AF65-F5344CB8AC3E}">
-        <p14:creationId xmlns:p14="http://schemas.microsoft.com/office/powerpoint/2010/main" val="4247055615"/>
+        <p14:creationId xmlns:p14="http://schemas.microsoft.com/office/powerpoint/2010/main" val="394906128"/>
       </p:ext>
     </p:extLst>
   </p:cSld>
@@ -15127,7 +15327,7 @@
             </a:r>
             <a:r>
               <a:rPr lang="de-DE" sz="2400" dirty="0" smtClean="0"/>
-              <a:t>(6/10)</a:t>
+              <a:t>(7/10)</a:t>
             </a:r>
             <a:endParaRPr lang="de-DE" sz="2400" dirty="0"/>
           </a:p>
@@ -15154,7 +15354,7 @@
                   <a:srgbClr val="FF0000"/>
                 </a:solidFill>
               </a:rPr>
-              <a:t>Hier </a:t>
+              <a:t>Can </a:t>
             </a:r>
             <a:r>
               <a:rPr lang="de-DE" dirty="0" err="1" smtClean="0">
@@ -15162,7 +15362,7 @@
                   <a:srgbClr val="FF0000"/>
                 </a:solidFill>
               </a:rPr>
-              <a:t>felt</a:t>
+              <a:t>imagine</a:t>
             </a:r>
             <a:r>
               <a:rPr lang="de-DE" dirty="0" smtClean="0">
@@ -15178,7 +15378,7 @@
                   <a:srgbClr val="FF0000"/>
                 </a:solidFill>
               </a:rPr>
-              <a:t>comfortable</a:t>
+              <a:t>woken</a:t>
             </a:r>
             <a:r>
               <a:rPr lang="de-DE" dirty="0" smtClean="0">
@@ -15194,7 +15394,39 @@
                   <a:srgbClr val="FF0000"/>
                 </a:solidFill>
               </a:rPr>
-              <a:t>sleeping</a:t>
+              <a:t>up</a:t>
+            </a:r>
+            <a:r>
+              <a:rPr lang="de-DE" dirty="0" smtClean="0">
+                <a:solidFill>
+                  <a:srgbClr val="FF0000"/>
+                </a:solidFill>
+              </a:rPr>
+              <a:t> like </a:t>
+            </a:r>
+            <a:r>
+              <a:rPr lang="de-DE" dirty="0" err="1" smtClean="0">
+                <a:solidFill>
+                  <a:srgbClr val="FF0000"/>
+                </a:solidFill>
+              </a:rPr>
+              <a:t>this</a:t>
+            </a:r>
+            <a:r>
+              <a:rPr lang="de-DE" dirty="0" smtClean="0">
+                <a:solidFill>
+                  <a:srgbClr val="FF0000"/>
+                </a:solidFill>
+              </a:rPr>
+              <a:t> in </a:t>
+            </a:r>
+            <a:r>
+              <a:rPr lang="de-DE" dirty="0" err="1" smtClean="0">
+                <a:solidFill>
+                  <a:srgbClr val="FF0000"/>
+                </a:solidFill>
+              </a:rPr>
+              <a:t>situations</a:t>
             </a:r>
             <a:r>
               <a:rPr lang="de-DE" dirty="0" smtClean="0">
@@ -15210,15 +15442,7 @@
                   <a:srgbClr val="FF0000"/>
                 </a:solidFill>
               </a:rPr>
-              <a:t>with</a:t>
-            </a:r>
-            <a:r>
-              <a:rPr lang="de-DE" dirty="0" smtClean="0">
-                <a:solidFill>
-                  <a:srgbClr val="FF0000"/>
-                </a:solidFill>
-              </a:rPr>
-              <a:t> VR</a:t>
+              <a:t>blabla</a:t>
             </a:r>
             <a:endParaRPr lang="de-DE" dirty="0">
               <a:solidFill>
@@ -15231,7 +15455,7 @@
     </p:spTree>
     <p:extLst>
       <p:ext uri="{BB962C8B-B14F-4D97-AF65-F5344CB8AC3E}">
-        <p14:creationId xmlns:p14="http://schemas.microsoft.com/office/powerpoint/2010/main" val="394906128"/>
+        <p14:creationId xmlns:p14="http://schemas.microsoft.com/office/powerpoint/2010/main" val="1424030833"/>
       </p:ext>
     </p:extLst>
   </p:cSld>
@@ -15279,7 +15503,7 @@
             </a:r>
             <a:r>
               <a:rPr lang="de-DE" sz="2400" dirty="0" smtClean="0"/>
-              <a:t>(7/10)</a:t>
+              <a:t>(8/10)</a:t>
             </a:r>
             <a:endParaRPr lang="de-DE" sz="2400" dirty="0"/>
           </a:p>
@@ -15306,7 +15530,7 @@
                   <a:srgbClr val="FF0000"/>
                 </a:solidFill>
               </a:rPr>
-              <a:t>Can </a:t>
+              <a:t>Hier permanent </a:t>
             </a:r>
             <a:r>
               <a:rPr lang="de-DE" dirty="0" err="1" smtClean="0">
@@ -15314,7 +15538,7 @@
                   <a:srgbClr val="FF0000"/>
                 </a:solidFill>
               </a:rPr>
-              <a:t>imagine</a:t>
+              <a:t>wearing</a:t>
             </a:r>
             <a:r>
               <a:rPr lang="de-DE" dirty="0" smtClean="0">
@@ -15322,7 +15546,7 @@
                   <a:srgbClr val="FF0000"/>
                 </a:solidFill>
               </a:rPr>
-              <a:t> </a:t>
+              <a:t> VR Brille wenn die </a:t>
             </a:r>
             <a:r>
               <a:rPr lang="de-DE" dirty="0" err="1" smtClean="0">
@@ -15330,7 +15554,7 @@
                   <a:srgbClr val="FF0000"/>
                 </a:solidFill>
               </a:rPr>
-              <a:t>woken</a:t>
+              <a:t>tiny</a:t>
             </a:r>
             <a:r>
               <a:rPr lang="de-DE" dirty="0" smtClean="0">
@@ -15338,63 +15562,7 @@
                   <a:srgbClr val="FF0000"/>
                 </a:solidFill>
               </a:rPr>
-              <a:t> </a:t>
-            </a:r>
-            <a:r>
-              <a:rPr lang="de-DE" dirty="0" err="1" smtClean="0">
-                <a:solidFill>
-                  <a:srgbClr val="FF0000"/>
-                </a:solidFill>
-              </a:rPr>
-              <a:t>up</a:t>
-            </a:r>
-            <a:r>
-              <a:rPr lang="de-DE" dirty="0" smtClean="0">
-                <a:solidFill>
-                  <a:srgbClr val="FF0000"/>
-                </a:solidFill>
-              </a:rPr>
-              <a:t> like </a:t>
-            </a:r>
-            <a:r>
-              <a:rPr lang="de-DE" dirty="0" err="1" smtClean="0">
-                <a:solidFill>
-                  <a:srgbClr val="FF0000"/>
-                </a:solidFill>
-              </a:rPr>
-              <a:t>this</a:t>
-            </a:r>
-            <a:r>
-              <a:rPr lang="de-DE" dirty="0" smtClean="0">
-                <a:solidFill>
-                  <a:srgbClr val="FF0000"/>
-                </a:solidFill>
-              </a:rPr>
-              <a:t> in </a:t>
-            </a:r>
-            <a:r>
-              <a:rPr lang="de-DE" dirty="0" err="1" smtClean="0">
-                <a:solidFill>
-                  <a:srgbClr val="FF0000"/>
-                </a:solidFill>
-              </a:rPr>
-              <a:t>situations</a:t>
-            </a:r>
-            <a:r>
-              <a:rPr lang="de-DE" dirty="0" smtClean="0">
-                <a:solidFill>
-                  <a:srgbClr val="FF0000"/>
-                </a:solidFill>
-              </a:rPr>
-              <a:t> </a:t>
-            </a:r>
-            <a:r>
-              <a:rPr lang="de-DE" dirty="0" err="1" smtClean="0">
-                <a:solidFill>
-                  <a:srgbClr val="FF0000"/>
-                </a:solidFill>
-              </a:rPr>
-              <a:t>blabla</a:t>
+              <a:t> und so sind</a:t>
             </a:r>
             <a:endParaRPr lang="de-DE" dirty="0">
               <a:solidFill>
@@ -15407,7 +15575,7 @@
     </p:spTree>
     <p:extLst>
       <p:ext uri="{BB962C8B-B14F-4D97-AF65-F5344CB8AC3E}">
-        <p14:creationId xmlns:p14="http://schemas.microsoft.com/office/powerpoint/2010/main" val="1424030833"/>
+        <p14:creationId xmlns:p14="http://schemas.microsoft.com/office/powerpoint/2010/main" val="1556204967"/>
       </p:ext>
     </p:extLst>
   </p:cSld>
@@ -15455,126 +15623,6 @@
             </a:r>
             <a:r>
               <a:rPr lang="de-DE" sz="2400" dirty="0" smtClean="0"/>
-              <a:t>(8/10)</a:t>
-            </a:r>
-            <a:endParaRPr lang="de-DE" sz="2400" dirty="0"/>
-          </a:p>
-        </p:txBody>
-      </p:sp>
-      <p:sp>
-        <p:nvSpPr>
-          <p:cNvPr id="3" name="Inhaltsplatzhalter 2"/>
-          <p:cNvSpPr>
-            <a:spLocks noGrp="1"/>
-          </p:cNvSpPr>
-          <p:nvPr>
-            <p:ph idx="1"/>
-          </p:nvPr>
-        </p:nvSpPr>
-        <p:spPr/>
-        <p:txBody>
-          <a:bodyPr/>
-          <a:lstStyle/>
-          <a:p>
-            <a:r>
-              <a:rPr lang="de-DE" dirty="0" smtClean="0">
-                <a:solidFill>
-                  <a:srgbClr val="FF0000"/>
-                </a:solidFill>
-              </a:rPr>
-              <a:t>Hier permanent </a:t>
-            </a:r>
-            <a:r>
-              <a:rPr lang="de-DE" dirty="0" err="1" smtClean="0">
-                <a:solidFill>
-                  <a:srgbClr val="FF0000"/>
-                </a:solidFill>
-              </a:rPr>
-              <a:t>wearing</a:t>
-            </a:r>
-            <a:r>
-              <a:rPr lang="de-DE" dirty="0" smtClean="0">
-                <a:solidFill>
-                  <a:srgbClr val="FF0000"/>
-                </a:solidFill>
-              </a:rPr>
-              <a:t> VR Brille wenn die </a:t>
-            </a:r>
-            <a:r>
-              <a:rPr lang="de-DE" dirty="0" err="1" smtClean="0">
-                <a:solidFill>
-                  <a:srgbClr val="FF0000"/>
-                </a:solidFill>
-              </a:rPr>
-              <a:t>tiny</a:t>
-            </a:r>
-            <a:r>
-              <a:rPr lang="de-DE" dirty="0" smtClean="0">
-                <a:solidFill>
-                  <a:srgbClr val="FF0000"/>
-                </a:solidFill>
-              </a:rPr>
-              <a:t> und so sind</a:t>
-            </a:r>
-            <a:endParaRPr lang="de-DE" dirty="0">
-              <a:solidFill>
-                <a:srgbClr val="FF0000"/>
-              </a:solidFill>
-            </a:endParaRPr>
-          </a:p>
-        </p:txBody>
-      </p:sp>
-    </p:spTree>
-    <p:extLst>
-      <p:ext uri="{BB962C8B-B14F-4D97-AF65-F5344CB8AC3E}">
-        <p14:creationId xmlns:p14="http://schemas.microsoft.com/office/powerpoint/2010/main" val="1556204967"/>
-      </p:ext>
-    </p:extLst>
-  </p:cSld>
-  <p:clrMapOvr>
-    <a:masterClrMapping/>
-  </p:clrMapOvr>
-</p:sld>
-</file>
-
-<file path=ppt/slides/slide37.xml><?xml version="1.0" encoding="utf-8"?>
-<p:sld xmlns:a="http://schemas.openxmlformats.org/drawingml/2006/main" xmlns:r="http://schemas.openxmlformats.org/officeDocument/2006/relationships" xmlns:p="http://schemas.openxmlformats.org/presentationml/2006/main">
-  <p:cSld>
-    <p:spTree>
-      <p:nvGrpSpPr>
-        <p:cNvPr id="1" name=""/>
-        <p:cNvGrpSpPr/>
-        <p:nvPr/>
-      </p:nvGrpSpPr>
-      <p:grpSpPr>
-        <a:xfrm>
-          <a:off x="0" y="0"/>
-          <a:ext cx="0" cy="0"/>
-          <a:chOff x="0" y="0"/>
-          <a:chExt cx="0" cy="0"/>
-        </a:xfrm>
-      </p:grpSpPr>
-      <p:sp>
-        <p:nvSpPr>
-          <p:cNvPr id="2" name="Titel 1"/>
-          <p:cNvSpPr>
-            <a:spLocks noGrp="1"/>
-          </p:cNvSpPr>
-          <p:nvPr>
-            <p:ph type="title"/>
-          </p:nvPr>
-        </p:nvSpPr>
-        <p:spPr/>
-        <p:txBody>
-          <a:bodyPr/>
-          <a:lstStyle/>
-          <a:p>
-            <a:r>
-              <a:rPr lang="de-DE" dirty="0" smtClean="0"/>
-              <a:t>Anhang </a:t>
-            </a:r>
-            <a:r>
-              <a:rPr lang="de-DE" sz="2400" dirty="0" smtClean="0"/>
               <a:t>(9/10)</a:t>
             </a:r>
             <a:endParaRPr lang="de-DE" sz="2400" dirty="0"/>
@@ -15621,6 +15669,10 @@
             </a:endParaRPr>
           </a:p>
           <a:p>
+            <a:pPr>
+              <a:buFontTx/>
+              <a:buChar char="-"/>
+            </a:pPr>
             <a:r>
               <a:rPr lang="de-DE" dirty="0" smtClean="0">
                 <a:solidFill>
@@ -15647,13 +15699,25 @@
             </a:r>
           </a:p>
           <a:p>
+            <a:pPr>
+              <a:buFontTx/>
+              <a:buChar char="-"/>
+            </a:pPr>
+            <a:r>
+              <a:rPr lang="de-DE" dirty="0" smtClean="0">
+                <a:solidFill>
+                  <a:schemeClr val="bg2"/>
+                </a:solidFill>
+              </a:rPr>
+              <a:t>„</a:t>
+            </a:r>
             <a:r>
               <a:rPr lang="de-DE" dirty="0">
                 <a:solidFill>
                   <a:schemeClr val="bg2"/>
                 </a:solidFill>
               </a:rPr>
-              <a:t>„Die VR Umgebung war schön gestaltet, aber die rumschwebenden Partikel waren eher verwirrend, ich dachte ich kann mit diesen </a:t>
+              <a:t>Die VR Umgebung war schön gestaltet, aber die rumschwebenden Partikel waren eher verwirrend, ich dachte ich kann mit diesen </a:t>
             </a:r>
             <a:r>
               <a:rPr lang="de-DE" dirty="0" smtClean="0">
@@ -15665,13 +15729,25 @@
             </a:r>
           </a:p>
           <a:p>
+            <a:pPr>
+              <a:buFontTx/>
+              <a:buChar char="-"/>
+            </a:pPr>
+            <a:r>
+              <a:rPr lang="de-DE" dirty="0" smtClean="0">
+                <a:solidFill>
+                  <a:schemeClr val="bg2"/>
+                </a:solidFill>
+              </a:rPr>
+              <a:t>„</a:t>
+            </a:r>
             <a:r>
               <a:rPr lang="de-DE" dirty="0">
                 <a:solidFill>
                   <a:schemeClr val="bg2"/>
                 </a:solidFill>
               </a:rPr>
-              <a:t>„Der Stuhl war sehr entspannend und </a:t>
+              <a:t>Der Stuhl war sehr entspannend und </a:t>
             </a:r>
             <a:r>
               <a:rPr lang="de-DE" dirty="0" smtClean="0">
@@ -15683,13 +15759,25 @@
             </a:r>
           </a:p>
           <a:p>
+            <a:pPr>
+              <a:buFontTx/>
+              <a:buChar char="-"/>
+            </a:pPr>
+            <a:r>
+              <a:rPr lang="de-DE" dirty="0" smtClean="0">
+                <a:solidFill>
+                  <a:schemeClr val="bg2"/>
+                </a:solidFill>
+              </a:rPr>
+              <a:t>„</a:t>
+            </a:r>
             <a:r>
               <a:rPr lang="de-DE" dirty="0">
                 <a:solidFill>
                   <a:schemeClr val="bg2"/>
                 </a:solidFill>
               </a:rPr>
-              <a:t>„Es fiel mir schwer einzuschlafen, da ich zum 1. mal VR gemacht habe und dann neugierig </a:t>
+              <a:t>Es fiel mir schwer einzuschlafen, da ich zum 1. mal VR gemacht habe und dann neugierig </a:t>
             </a:r>
             <a:r>
               <a:rPr lang="de-DE" dirty="0" smtClean="0">
@@ -15701,13 +15789,25 @@
             </a:r>
           </a:p>
           <a:p>
+            <a:pPr>
+              <a:buFontTx/>
+              <a:buChar char="-"/>
+            </a:pPr>
+            <a:r>
+              <a:rPr lang="de-DE" dirty="0" smtClean="0">
+                <a:solidFill>
+                  <a:schemeClr val="bg2"/>
+                </a:solidFill>
+              </a:rPr>
+              <a:t>„</a:t>
+            </a:r>
             <a:r>
               <a:rPr lang="de-DE" dirty="0">
                 <a:solidFill>
                   <a:schemeClr val="bg2"/>
                 </a:solidFill>
               </a:rPr>
-              <a:t>„Die Musik war sehr </a:t>
+              <a:t>Die Musik war sehr </a:t>
             </a:r>
             <a:r>
               <a:rPr lang="de-DE" dirty="0" smtClean="0">
@@ -15719,13 +15819,25 @@
             </a:r>
           </a:p>
           <a:p>
+            <a:pPr>
+              <a:buFontTx/>
+              <a:buChar char="-"/>
+            </a:pPr>
+            <a:r>
+              <a:rPr lang="de-DE" dirty="0" smtClean="0">
+                <a:solidFill>
+                  <a:schemeClr val="bg2"/>
+                </a:solidFill>
+              </a:rPr>
+              <a:t>„</a:t>
+            </a:r>
             <a:r>
               <a:rPr lang="de-DE" dirty="0">
                 <a:solidFill>
                   <a:schemeClr val="bg2"/>
                 </a:solidFill>
               </a:rPr>
-              <a:t>„Das lange gedrückt halten zur Interaktion war </a:t>
+              <a:t>Das lange gedrückt halten zur Interaktion war </a:t>
             </a:r>
             <a:r>
               <a:rPr lang="de-DE" dirty="0" smtClean="0">
@@ -15737,6 +15849,10 @@
             </a:r>
           </a:p>
           <a:p>
+            <a:pPr>
+              <a:buFontTx/>
+              <a:buChar char="-"/>
+            </a:pPr>
             <a:r>
               <a:rPr lang="de-DE" dirty="0" smtClean="0">
                 <a:solidFill>
@@ -15763,16 +15879,28 @@
             </a:r>
           </a:p>
           <a:p>
+            <a:pPr>
+              <a:buFontTx/>
+              <a:buChar char="-"/>
+            </a:pPr>
+            <a:r>
+              <a:rPr lang="de-DE" smtClean="0">
+                <a:solidFill>
+                  <a:schemeClr val="bg2"/>
+                </a:solidFill>
+              </a:rPr>
+              <a:t>„</a:t>
+            </a:r>
             <a:r>
               <a:rPr lang="de-DE" dirty="0">
                 <a:solidFill>
                   <a:schemeClr val="bg2"/>
                 </a:solidFill>
               </a:rPr>
-              <a:t>„Die Brille war sehr </a:t>
-            </a:r>
-            <a:r>
-              <a:rPr lang="de-DE" dirty="0" smtClean="0">
+              <a:t>Die Brille war sehr </a:t>
+            </a:r>
+            <a:r>
+              <a:rPr lang="de-DE" smtClean="0">
                 <a:solidFill>
                   <a:schemeClr val="bg2"/>
                 </a:solidFill>
@@ -15781,8 +15909,12 @@
             </a:r>
           </a:p>
           <a:p>
-            <a:r>
-              <a:rPr lang="de-DE" dirty="0" smtClean="0">
+            <a:pPr>
+              <a:buFontTx/>
+              <a:buChar char="-"/>
+            </a:pPr>
+            <a:r>
+              <a:rPr lang="de-DE" smtClean="0">
                 <a:solidFill>
                   <a:schemeClr val="bg2"/>
                 </a:solidFill>
@@ -15810,7 +15942,7 @@
 </p:sld>
 </file>
 
-<file path=ppt/slides/slide38.xml><?xml version="1.0" encoding="utf-8"?>
+<file path=ppt/slides/slide37.xml><?xml version="1.0" encoding="utf-8"?>
 <p:sld xmlns:a="http://schemas.openxmlformats.org/drawingml/2006/main" xmlns:r="http://schemas.openxmlformats.org/officeDocument/2006/relationships" xmlns:p="http://schemas.openxmlformats.org/presentationml/2006/main">
   <p:cSld>
     <p:spTree>
@@ -16829,11 +16961,14 @@
           <a:bodyPr/>
           <a:lstStyle/>
           <a:p>
-            <a:r>
-              <a:rPr lang="de-DE" dirty="0">
+            <a:pPr marL="0" indent="0">
+              <a:buNone/>
+            </a:pPr>
+            <a:r>
+              <a:rPr lang="de-DE" dirty="0" smtClean="0">
                 <a:sym typeface="Wingdings" panose="05000000000000000000" pitchFamily="2" charset="2"/>
               </a:rPr>
-              <a:t> </a:t>
+              <a:t>-  </a:t>
             </a:r>
             <a:r>
               <a:rPr lang="de-DE" dirty="0" err="1">
@@ -16880,9 +17015,12 @@
             <a:endParaRPr lang="de-DE" dirty="0" smtClean="0"/>
           </a:p>
           <a:p>
+            <a:pPr marL="0" indent="0">
+              <a:buNone/>
+            </a:pPr>
             <a:r>
               <a:rPr lang="de-DE" dirty="0" smtClean="0"/>
-              <a:t>VR </a:t>
+              <a:t>- VR </a:t>
             </a:r>
             <a:r>
               <a:rPr lang="de-DE" dirty="0"/>
@@ -16890,9 +17028,16 @@
             </a:r>
           </a:p>
           <a:p>
+            <a:pPr marL="0" indent="0">
+              <a:buNone/>
+            </a:pPr>
+            <a:r>
+              <a:rPr lang="de-DE" dirty="0" smtClean="0"/>
+              <a:t>- Werte </a:t>
+            </a:r>
             <a:r>
               <a:rPr lang="de-DE" dirty="0"/>
-              <a:t>Werte aufzeichnen Kopfbewegung, Zeiten </a:t>
+              <a:t>aufzeichnen Kopfbewegung, Zeiten </a:t>
             </a:r>
             <a:r>
               <a:rPr lang="de-DE" dirty="0" err="1"/>
@@ -16912,15 +17057,21 @@
             </a:r>
           </a:p>
           <a:p>
+            <a:pPr marL="0" indent="0">
+              <a:buNone/>
+            </a:pPr>
             <a:r>
               <a:rPr lang="de-DE" dirty="0" smtClean="0"/>
-              <a:t>Gaming-Stuhl</a:t>
-            </a:r>
-          </a:p>
-          <a:p>
+              <a:t>- Gaming-Stuhl</a:t>
+            </a:r>
+          </a:p>
+          <a:p>
+            <a:pPr marL="0" indent="0">
+              <a:buNone/>
+            </a:pPr>
             <a:r>
               <a:rPr lang="de-DE" dirty="0" smtClean="0"/>
-              <a:t>Python, R Skripte, SPSS </a:t>
+              <a:t>- Python, R Skripte, SPSS </a:t>
             </a:r>
             <a:r>
               <a:rPr lang="de-DE" dirty="0" err="1" smtClean="0"/>
@@ -16982,31 +17133,55 @@
           <a:bodyPr/>
           <a:lstStyle/>
           <a:p>
+            <a:pPr marL="0" indent="0">
+              <a:buNone/>
+            </a:pPr>
             <a:r>
               <a:rPr lang="de-DE" dirty="0" smtClean="0"/>
-              <a:t>Lösungsansatz</a:t>
-            </a:r>
-          </a:p>
-          <a:p>
+              <a:t>- Lösungsansatz</a:t>
+            </a:r>
+          </a:p>
+          <a:p>
+            <a:pPr>
+              <a:buFontTx/>
+              <a:buChar char="-"/>
+            </a:pPr>
             <a:r>
               <a:rPr lang="de-DE" dirty="0" smtClean="0"/>
               <a:t>Übergang </a:t>
             </a:r>
             <a:r>
               <a:rPr lang="de-DE" dirty="0"/>
-              <a:t>schläfriger Zustand, ohne kognitive Belastung, und wacher Zustand, in dem Aufgaben erledigt werden müssen</a:t>
-            </a:r>
-          </a:p>
-          <a:p>
+              <a:t>schläfriger Zustand, ohne kognitive Belastung, und wacher Zustand, in dem Aufgaben erledigt werden </a:t>
+            </a:r>
+            <a:r>
+              <a:rPr lang="de-DE" dirty="0" smtClean="0"/>
+              <a:t>müssen</a:t>
+            </a:r>
+          </a:p>
+          <a:p>
+            <a:pPr>
+              <a:buFontTx/>
+              <a:buChar char="-"/>
+            </a:pPr>
+            <a:r>
+              <a:rPr lang="de-DE" dirty="0" smtClean="0"/>
+              <a:t>Hypothesen</a:t>
+            </a:r>
+            <a:endParaRPr lang="de-DE" dirty="0"/>
+          </a:p>
+          <a:p>
+            <a:pPr>
+              <a:buFontTx/>
+              <a:buChar char="-"/>
+            </a:pPr>
+            <a:r>
+              <a:rPr lang="de-DE" dirty="0" smtClean="0"/>
+              <a:t>Erfasste </a:t>
+            </a:r>
             <a:r>
               <a:rPr lang="de-DE" dirty="0"/>
-              <a:t>Hypothesen</a:t>
-            </a:r>
-          </a:p>
-          <a:p>
-            <a:r>
-              <a:rPr lang="de-DE" dirty="0"/>
-              <a:t>Erfasste Parameter: Zeit, Fehlerrate, Blickrichtung</a:t>
+              <a:t>Parameter: Zeit, Fehlerrate, Blickrichtung</a:t>
             </a:r>
           </a:p>
         </p:txBody>

--- a/presentation/Resync Studie.pptx
+++ b/presentation/Resync Studie.pptx
@@ -11,13 +11,13 @@
     <p:sldId id="256" r:id="rId2"/>
     <p:sldId id="257" r:id="rId3"/>
     <p:sldId id="258" r:id="rId4"/>
-    <p:sldId id="269" r:id="rId5"/>
-    <p:sldId id="270" r:id="rId6"/>
-    <p:sldId id="260" r:id="rId7"/>
-    <p:sldId id="273" r:id="rId8"/>
-    <p:sldId id="272" r:id="rId9"/>
-    <p:sldId id="278" r:id="rId10"/>
-    <p:sldId id="259" r:id="rId11"/>
+    <p:sldId id="310" r:id="rId5"/>
+    <p:sldId id="309" r:id="rId6"/>
+    <p:sldId id="259" r:id="rId7"/>
+    <p:sldId id="260" r:id="rId8"/>
+    <p:sldId id="273" r:id="rId9"/>
+    <p:sldId id="272" r:id="rId10"/>
+    <p:sldId id="278" r:id="rId11"/>
     <p:sldId id="265" r:id="rId12"/>
     <p:sldId id="264" r:id="rId13"/>
     <p:sldId id="289" r:id="rId14"/>
@@ -194,6 +194,7 @@
           </a:p>
         </c:rich>
       </c:tx>
+      <c:layout/>
       <c:overlay val="0"/>
       <c:spPr>
         <a:noFill/>
@@ -360,6 +361,7 @@
     </c:plotArea>
     <c:legend>
       <c:legendPos val="b"/>
+      <c:layout/>
       <c:overlay val="0"/>
       <c:spPr>
         <a:noFill/>
@@ -814,6 +816,7 @@
     </c:legend>
     <c:plotVisOnly val="1"/>
     <c:dispBlanksAs val="gap"/>
+    <c:showDLblsOverMax val="0"/>
     <c:extLst>
       <c:ext xmlns:c16r3="http://schemas.microsoft.com/office/drawing/2017/03/chart" uri="{56B9EC1D-385E-4148-901F-78D8002777C0}">
         <c16r3:dataDisplayOptions16>
@@ -821,7 +824,6 @@
         </c16r3:dataDisplayOptions16>
       </c:ext>
     </c:extLst>
-    <c:showDLblsOverMax val="0"/>
   </c:chart>
   <c:spPr>
     <a:noFill/>
@@ -897,6 +899,7 @@
           </a:p>
         </c:rich>
       </c:tx>
+      <c:layout/>
       <c:overlay val="0"/>
       <c:spPr>
         <a:noFill/>
@@ -1422,6 +1425,7 @@
     </c:plotArea>
     <c:legend>
       <c:legendPos val="b"/>
+      <c:layout/>
       <c:overlay val="0"/>
       <c:spPr>
         <a:noFill/>
@@ -1526,6 +1530,7 @@
           </a:p>
         </c:rich>
       </c:tx>
+      <c:layout/>
       <c:overlay val="0"/>
       <c:spPr>
         <a:noFill/>
@@ -2403,6 +2408,7 @@
     </c:plotArea>
     <c:legend>
       <c:legendPos val="b"/>
+      <c:layout/>
       <c:overlay val="0"/>
       <c:spPr>
         <a:noFill/>
@@ -2507,6 +2513,7 @@
           </a:p>
         </c:rich>
       </c:tx>
+      <c:layout/>
       <c:overlay val="0"/>
       <c:spPr>
         <a:noFill/>
@@ -3032,6 +3039,7 @@
     </c:plotArea>
     <c:legend>
       <c:legendPos val="b"/>
+      <c:layout/>
       <c:overlay val="0"/>
       <c:spPr>
         <a:noFill/>
@@ -3136,6 +3144,7 @@
           </a:p>
         </c:rich>
       </c:tx>
+      <c:layout/>
       <c:overlay val="0"/>
       <c:spPr>
         <a:noFill/>
@@ -4013,6 +4022,7 @@
     </c:plotArea>
     <c:legend>
       <c:legendPos val="b"/>
+      <c:layout/>
       <c:overlay val="0"/>
       <c:spPr>
         <a:noFill/>
@@ -4117,6 +4127,7 @@
           </a:p>
         </c:rich>
       </c:tx>
+      <c:layout/>
       <c:overlay val="0"/>
       <c:spPr>
         <a:noFill/>
@@ -4516,6 +4527,7 @@
     </c:plotArea>
     <c:legend>
       <c:legendPos val="b"/>
+      <c:layout/>
       <c:overlay val="0"/>
       <c:spPr>
         <a:noFill/>
@@ -4620,6 +4632,7 @@
           </a:p>
         </c:rich>
       </c:tx>
+      <c:layout/>
       <c:overlay val="0"/>
       <c:spPr>
         <a:noFill/>
@@ -5497,6 +5510,7 @@
     </c:plotArea>
     <c:legend>
       <c:legendPos val="b"/>
+      <c:layout/>
       <c:overlay val="0"/>
       <c:spPr>
         <a:noFill/>
@@ -5592,6 +5606,7 @@
           </a:p>
         </c:rich>
       </c:tx>
+      <c:layout/>
       <c:overlay val="0"/>
       <c:spPr>
         <a:noFill/>
@@ -5782,6 +5797,7 @@
     </c:plotArea>
     <c:legend>
       <c:legendPos val="b"/>
+      <c:layout/>
       <c:overlay val="0"/>
       <c:spPr>
         <a:noFill/>
@@ -6376,6 +6392,7 @@
     </c:plotArea>
     <c:legend>
       <c:legendPos val="b"/>
+      <c:layout/>
       <c:overlay val="0"/>
       <c:spPr>
         <a:noFill/>
@@ -6407,6 +6424,7 @@
     </c:legend>
     <c:plotVisOnly val="1"/>
     <c:dispBlanksAs val="gap"/>
+    <c:showDLblsOverMax val="0"/>
     <c:extLst>
       <c:ext xmlns:c16r3="http://schemas.microsoft.com/office/drawing/2017/03/chart" uri="{56B9EC1D-385E-4148-901F-78D8002777C0}">
         <c16r3:dataDisplayOptions16>
@@ -6414,7 +6432,6 @@
         </c16r3:dataDisplayOptions16>
       </c:ext>
     </c:extLst>
-    <c:showDLblsOverMax val="0"/>
   </c:chart>
   <c:spPr>
     <a:noFill/>
@@ -7821,86 +7838,6 @@
 </cs:colorStyle>
 </file>
 
-<file path=ppt/charts/colors12.xml><?xml version="1.0" encoding="utf-8"?>
-<cs:colorStyle xmlns:cs="http://schemas.microsoft.com/office/drawing/2012/chartStyle" xmlns:a="http://schemas.openxmlformats.org/drawingml/2006/main" meth="cycle" id="10">
-  <a:schemeClr val="accent1"/>
-  <a:schemeClr val="accent2"/>
-  <a:schemeClr val="accent3"/>
-  <a:schemeClr val="accent4"/>
-  <a:schemeClr val="accent5"/>
-  <a:schemeClr val="accent6"/>
-  <cs:variation/>
-  <cs:variation>
-    <a:lumMod val="60000"/>
-  </cs:variation>
-  <cs:variation>
-    <a:lumMod val="80000"/>
-    <a:lumOff val="20000"/>
-  </cs:variation>
-  <cs:variation>
-    <a:lumMod val="80000"/>
-  </cs:variation>
-  <cs:variation>
-    <a:lumMod val="60000"/>
-    <a:lumOff val="40000"/>
-  </cs:variation>
-  <cs:variation>
-    <a:lumMod val="50000"/>
-  </cs:variation>
-  <cs:variation>
-    <a:lumMod val="70000"/>
-    <a:lumOff val="30000"/>
-  </cs:variation>
-  <cs:variation>
-    <a:lumMod val="70000"/>
-  </cs:variation>
-  <cs:variation>
-    <a:lumMod val="50000"/>
-    <a:lumOff val="50000"/>
-  </cs:variation>
-</cs:colorStyle>
-</file>
-
-<file path=ppt/charts/colors13.xml><?xml version="1.0" encoding="utf-8"?>
-<cs:colorStyle xmlns:cs="http://schemas.microsoft.com/office/drawing/2012/chartStyle" xmlns:a="http://schemas.openxmlformats.org/drawingml/2006/main" meth="cycle" id="10">
-  <a:schemeClr val="accent1"/>
-  <a:schemeClr val="accent2"/>
-  <a:schemeClr val="accent3"/>
-  <a:schemeClr val="accent4"/>
-  <a:schemeClr val="accent5"/>
-  <a:schemeClr val="accent6"/>
-  <cs:variation/>
-  <cs:variation>
-    <a:lumMod val="60000"/>
-  </cs:variation>
-  <cs:variation>
-    <a:lumMod val="80000"/>
-    <a:lumOff val="20000"/>
-  </cs:variation>
-  <cs:variation>
-    <a:lumMod val="80000"/>
-  </cs:variation>
-  <cs:variation>
-    <a:lumMod val="60000"/>
-    <a:lumOff val="40000"/>
-  </cs:variation>
-  <cs:variation>
-    <a:lumMod val="50000"/>
-  </cs:variation>
-  <cs:variation>
-    <a:lumMod val="70000"/>
-    <a:lumOff val="30000"/>
-  </cs:variation>
-  <cs:variation>
-    <a:lumMod val="70000"/>
-  </cs:variation>
-  <cs:variation>
-    <a:lumMod val="50000"/>
-    <a:lumOff val="50000"/>
-  </cs:variation>
-</cs:colorStyle>
-</file>
-
 <file path=ppt/charts/colors2.xml><?xml version="1.0" encoding="utf-8"?>
 <cs:colorStyle xmlns:cs="http://schemas.microsoft.com/office/drawing/2012/chartStyle" xmlns:a="http://schemas.openxmlformats.org/drawingml/2006/main" meth="cycle" id="10">
   <a:schemeClr val="accent1"/>
@@ -7941,7 +7878,87 @@
 </cs:colorStyle>
 </file>
 
+<file path=ppt/charts/colors20.xml><?xml version="1.0" encoding="utf-8"?>
+<cs:colorStyle xmlns:cs="http://schemas.microsoft.com/office/drawing/2012/chartStyle" xmlns:a="http://schemas.openxmlformats.org/drawingml/2006/main" meth="cycle" id="10">
+  <a:schemeClr val="accent1"/>
+  <a:schemeClr val="accent2"/>
+  <a:schemeClr val="accent3"/>
+  <a:schemeClr val="accent4"/>
+  <a:schemeClr val="accent5"/>
+  <a:schemeClr val="accent6"/>
+  <cs:variation/>
+  <cs:variation>
+    <a:lumMod val="60000"/>
+  </cs:variation>
+  <cs:variation>
+    <a:lumMod val="80000"/>
+    <a:lumOff val="20000"/>
+  </cs:variation>
+  <cs:variation>
+    <a:lumMod val="80000"/>
+  </cs:variation>
+  <cs:variation>
+    <a:lumMod val="60000"/>
+    <a:lumOff val="40000"/>
+  </cs:variation>
+  <cs:variation>
+    <a:lumMod val="50000"/>
+  </cs:variation>
+  <cs:variation>
+    <a:lumMod val="70000"/>
+    <a:lumOff val="30000"/>
+  </cs:variation>
+  <cs:variation>
+    <a:lumMod val="70000"/>
+  </cs:variation>
+  <cs:variation>
+    <a:lumMod val="50000"/>
+    <a:lumOff val="50000"/>
+  </cs:variation>
+</cs:colorStyle>
+</file>
+
 <file path=ppt/charts/colors3.xml><?xml version="1.0" encoding="utf-8"?>
+<cs:colorStyle xmlns:cs="http://schemas.microsoft.com/office/drawing/2012/chartStyle" xmlns:a="http://schemas.openxmlformats.org/drawingml/2006/main" meth="cycle" id="10">
+  <a:schemeClr val="accent1"/>
+  <a:schemeClr val="accent2"/>
+  <a:schemeClr val="accent3"/>
+  <a:schemeClr val="accent4"/>
+  <a:schemeClr val="accent5"/>
+  <a:schemeClr val="accent6"/>
+  <cs:variation/>
+  <cs:variation>
+    <a:lumMod val="60000"/>
+  </cs:variation>
+  <cs:variation>
+    <a:lumMod val="80000"/>
+    <a:lumOff val="20000"/>
+  </cs:variation>
+  <cs:variation>
+    <a:lumMod val="80000"/>
+  </cs:variation>
+  <cs:variation>
+    <a:lumMod val="60000"/>
+    <a:lumOff val="40000"/>
+  </cs:variation>
+  <cs:variation>
+    <a:lumMod val="50000"/>
+  </cs:variation>
+  <cs:variation>
+    <a:lumMod val="70000"/>
+    <a:lumOff val="30000"/>
+  </cs:variation>
+  <cs:variation>
+    <a:lumMod val="70000"/>
+  </cs:variation>
+  <cs:variation>
+    <a:lumMod val="50000"/>
+    <a:lumOff val="50000"/>
+  </cs:variation>
+</cs:colorStyle>
+</file>
+
+<file path=ppt/charts/colors30.xml><?xml version="1.0" encoding="utf-8"?>
 <cs:colorStyle xmlns:cs="http://schemas.microsoft.com/office/drawing/2012/chartStyle" xmlns:a="http://schemas.openxmlformats.org/drawingml/2006/main" meth="cycle" id="10">
   <a:schemeClr val="accent1"/>
   <a:schemeClr val="accent2"/>
@@ -8690,27 +8707,33 @@
 </file>
 
 <file path=ppt/charts/style10.xml><?xml version="1.0" encoding="utf-8"?>
-<cs:chartStyle xmlns:cs="http://schemas.microsoft.com/office/drawing/2012/chartStyle" xmlns:a="http://schemas.openxmlformats.org/drawingml/2006/main" id="255">
+<cs:chartStyle xmlns:cs="http://schemas.microsoft.com/office/drawing/2012/chartStyle" xmlns:a="http://schemas.openxmlformats.org/drawingml/2006/main" id="201">
   <cs:axisTitle>
     <cs:lnRef idx="0"/>
     <cs:fillRef idx="0"/>
     <cs:effectRef idx="0"/>
     <cs:fontRef idx="minor">
-      <a:schemeClr val="tx2"/>
-    </cs:fontRef>
-    <cs:defRPr sz="1197" b="1" kern="1200"/>
+      <a:schemeClr val="tx1">
+        <a:lumMod val="65000"/>
+        <a:lumOff val="35000"/>
+      </a:schemeClr>
+    </cs:fontRef>
+    <cs:defRPr sz="1330" kern="1200"/>
   </cs:axisTitle>
   <cs:categoryAxis>
     <cs:lnRef idx="0"/>
     <cs:fillRef idx="0"/>
     <cs:effectRef idx="0"/>
     <cs:fontRef idx="minor">
-      <a:schemeClr val="tx2"/>
+      <a:schemeClr val="tx1">
+        <a:lumMod val="65000"/>
+        <a:lumOff val="35000"/>
+      </a:schemeClr>
     </cs:fontRef>
     <cs:spPr>
       <a:ln w="9525" cap="flat" cmpd="sng" algn="ctr">
         <a:solidFill>
-          <a:schemeClr val="tx2">
+          <a:schemeClr val="tx1">
             <a:lumMod val="15000"/>
             <a:lumOff val="85000"/>
           </a:schemeClr>
@@ -8725,7 +8748,7 @@
     <cs:fillRef idx="0"/>
     <cs:effectRef idx="0"/>
     <cs:fontRef idx="minor">
-      <a:schemeClr val="tx2"/>
+      <a:schemeClr val="tx1"/>
     </cs:fontRef>
     <cs:spPr>
       <a:solidFill>
@@ -8733,7 +8756,7 @@
       </a:solidFill>
       <a:ln w="9525" cap="flat" cmpd="sng" algn="ctr">
         <a:solidFill>
-          <a:schemeClr val="tx2">
+          <a:schemeClr val="tx1">
             <a:lumMod val="15000"/>
             <a:lumOff val="85000"/>
           </a:schemeClr>
@@ -8741,14 +8764,17 @@
         <a:round/>
       </a:ln>
     </cs:spPr>
-    <cs:defRPr sz="1197" kern="1200"/>
+    <cs:defRPr sz="1330" kern="1200"/>
   </cs:chartArea>
   <cs:dataLabel>
     <cs:lnRef idx="0"/>
     <cs:fillRef idx="0"/>
     <cs:effectRef idx="0"/>
     <cs:fontRef idx="minor">
-      <a:schemeClr val="tx2"/>
+      <a:schemeClr val="tx1">
+        <a:lumMod val="75000"/>
+        <a:lumOff val="25000"/>
+      </a:schemeClr>
     </cs:fontRef>
     <cs:defRPr sz="1197" kern="1200"/>
   </cs:dataLabel>
@@ -8757,8 +8783,9 @@
     <cs:fillRef idx="0"/>
     <cs:effectRef idx="0"/>
     <cs:fontRef idx="minor">
-      <a:schemeClr val="dk2">
-        <a:lumMod val="75000"/>
+      <a:schemeClr val="dk1">
+        <a:lumMod val="65000"/>
+        <a:lumOff val="35000"/>
       </a:schemeClr>
     </cs:fontRef>
     <cs:spPr>
@@ -8781,35 +8808,35 @@
   </cs:dataLabelCallout>
   <cs:dataPoint>
     <cs:lnRef idx="0"/>
-    <cs:fillRef idx="3">
+    <cs:fillRef idx="1">
       <cs:styleClr val="auto"/>
     </cs:fillRef>
-    <cs:effectRef idx="2"/>
-    <cs:fontRef idx="minor">
-      <a:schemeClr val="tx2"/>
+    <cs:effectRef idx="0"/>
+    <cs:fontRef idx="minor">
+      <a:schemeClr val="tx1"/>
     </cs:fontRef>
   </cs:dataPoint>
   <cs:dataPoint3D>
     <cs:lnRef idx="0"/>
-    <cs:fillRef idx="3">
+    <cs:fillRef idx="1">
       <cs:styleClr val="auto"/>
     </cs:fillRef>
-    <cs:effectRef idx="2"/>
-    <cs:fontRef idx="minor">
-      <a:schemeClr val="tx2"/>
+    <cs:effectRef idx="0"/>
+    <cs:fontRef idx="minor">
+      <a:schemeClr val="tx1"/>
     </cs:fontRef>
   </cs:dataPoint3D>
   <cs:dataPointLine>
     <cs:lnRef idx="0">
       <cs:styleClr val="auto"/>
     </cs:lnRef>
-    <cs:fillRef idx="3"/>
-    <cs:effectRef idx="2"/>
-    <cs:fontRef idx="minor">
-      <a:schemeClr val="tx2"/>
+    <cs:fillRef idx="1"/>
+    <cs:effectRef idx="0"/>
+    <cs:fontRef idx="minor">
+      <a:schemeClr val="tx1"/>
     </cs:fontRef>
     <cs:spPr>
-      <a:ln w="31750" cap="rnd">
+      <a:ln w="28575" cap="rnd">
         <a:solidFill>
           <a:schemeClr val="phClr"/>
         </a:solidFill>
@@ -8818,32 +8845,33 @@
     </cs:spPr>
   </cs:dataPointLine>
   <cs:dataPointMarker>
-    <cs:lnRef idx="0"/>
-    <cs:fillRef idx="3">
+    <cs:lnRef idx="0">
+      <cs:styleClr val="auto"/>
+    </cs:lnRef>
+    <cs:fillRef idx="1">
       <cs:styleClr val="auto"/>
     </cs:fillRef>
-    <cs:effectRef idx="2"/>
-    <cs:fontRef idx="minor">
-      <a:schemeClr val="tx2"/>
+    <cs:effectRef idx="0"/>
+    <cs:fontRef idx="minor">
+      <a:schemeClr val="tx1"/>
     </cs:fontRef>
     <cs:spPr>
-      <a:ln w="12700">
+      <a:ln w="9525">
         <a:solidFill>
-          <a:schemeClr val="lt2"/>
+          <a:schemeClr val="phClr"/>
         </a:solidFill>
-        <a:round/>
       </a:ln>
     </cs:spPr>
   </cs:dataPointMarker>
-  <cs:dataPointMarkerLayout symbol="circle" size="6"/>
+  <cs:dataPointMarkerLayout symbol="circle" size="5"/>
   <cs:dataPointWireframe>
     <cs:lnRef idx="0">
       <cs:styleClr val="auto"/>
     </cs:lnRef>
-    <cs:fillRef idx="3"/>
-    <cs:effectRef idx="2"/>
-    <cs:fontRef idx="minor">
-      <a:schemeClr val="tx2"/>
+    <cs:fillRef idx="1"/>
+    <cs:effectRef idx="0"/>
+    <cs:fontRef idx="minor">
+      <a:schemeClr val="tx1"/>
     </cs:fontRef>
     <cs:spPr>
       <a:ln w="9525" cap="rnd">
@@ -8859,16 +8887,21 @@
     <cs:fillRef idx="0"/>
     <cs:effectRef idx="0"/>
     <cs:fontRef idx="minor">
-      <a:schemeClr val="tx2"/>
+      <a:schemeClr val="tx1">
+        <a:lumMod val="65000"/>
+        <a:lumOff val="35000"/>
+      </a:schemeClr>
     </cs:fontRef>
     <cs:spPr>
-      <a:ln w="9525">
+      <a:noFill/>
+      <a:ln w="9525" cap="flat" cmpd="sng" algn="ctr">
         <a:solidFill>
-          <a:schemeClr val="tx2">
+          <a:schemeClr val="tx1">
             <a:lumMod val="15000"/>
             <a:lumOff val="85000"/>
           </a:schemeClr>
         </a:solidFill>
+        <a:round/>
       </a:ln>
     </cs:spPr>
     <cs:defRPr sz="1197" kern="1200"/>
@@ -8902,17 +8935,17 @@
     <cs:fillRef idx="0"/>
     <cs:effectRef idx="0"/>
     <cs:fontRef idx="minor">
-      <a:schemeClr val="tx2"/>
+      <a:schemeClr val="tx1"/>
     </cs:fontRef>
     <cs:spPr>
-      <a:ln w="9525">
+      <a:ln w="9525" cap="flat" cmpd="sng" algn="ctr">
         <a:solidFill>
-          <a:schemeClr val="tx2">
-            <a:lumMod val="60000"/>
-            <a:lumOff val="40000"/>
+          <a:schemeClr val="tx1">
+            <a:lumMod val="35000"/>
+            <a:lumOff val="65000"/>
           </a:schemeClr>
         </a:solidFill>
-        <a:prstDash val="dash"/>
+        <a:round/>
       </a:ln>
     </cs:spPr>
   </cs:dropLine>
@@ -8921,13 +8954,14 @@
     <cs:fillRef idx="0"/>
     <cs:effectRef idx="0"/>
     <cs:fontRef idx="minor">
-      <a:schemeClr val="tx2"/>
+      <a:schemeClr val="tx1"/>
     </cs:fontRef>
     <cs:spPr>
-      <a:ln w="9525">
+      <a:ln w="9525" cap="flat" cmpd="sng" algn="ctr">
         <a:solidFill>
-          <a:schemeClr val="tx2">
-            <a:lumMod val="75000"/>
+          <a:schemeClr val="tx1">
+            <a:lumMod val="65000"/>
+            <a:lumOff val="35000"/>
           </a:schemeClr>
         </a:solidFill>
         <a:round/>
@@ -8939,20 +8973,26 @@
     <cs:fillRef idx="0"/>
     <cs:effectRef idx="0"/>
     <cs:fontRef idx="minor">
-      <a:schemeClr val="tx2"/>
-    </cs:fontRef>
+      <a:schemeClr val="tx1"/>
+    </cs:fontRef>
+    <cs:spPr>
+      <a:noFill/>
+      <a:ln>
+        <a:noFill/>
+      </a:ln>
+    </cs:spPr>
   </cs:floor>
   <cs:gridlineMajor>
     <cs:lnRef idx="0"/>
     <cs:fillRef idx="0"/>
     <cs:effectRef idx="0"/>
     <cs:fontRef idx="minor">
-      <a:schemeClr val="tx2"/>
+      <a:schemeClr val="tx1"/>
     </cs:fontRef>
     <cs:spPr>
       <a:ln w="9525" cap="flat" cmpd="sng" algn="ctr">
         <a:solidFill>
-          <a:schemeClr val="tx2">
+          <a:schemeClr val="tx1">
             <a:lumMod val="15000"/>
             <a:lumOff val="85000"/>
           </a:schemeClr>
@@ -8966,99 +9006,96 @@
     <cs:fillRef idx="0"/>
     <cs:effectRef idx="0"/>
     <cs:fontRef idx="minor">
-      <a:schemeClr val="tx2"/>
-    </cs:fontRef>
-    <cs:spPr>
-      <a:ln>
-        <a:solidFill>
-          <a:schemeClr val="tx2">
-            <a:lumMod val="5000"/>
-            <a:lumOff val="95000"/>
-          </a:schemeClr>
-        </a:solidFill>
-      </a:ln>
-    </cs:spPr>
-  </cs:gridlineMinor>
-  <cs:hiLoLine>
-    <cs:lnRef idx="0"/>
-    <cs:fillRef idx="0"/>
-    <cs:effectRef idx="0"/>
-    <cs:fontRef idx="minor">
-      <a:schemeClr val="tx2"/>
-    </cs:fontRef>
-    <cs:spPr>
-      <a:ln w="9525">
-        <a:solidFill>
-          <a:schemeClr val="tx2">
-            <a:lumMod val="60000"/>
-            <a:lumOff val="40000"/>
-          </a:schemeClr>
-        </a:solidFill>
-        <a:prstDash val="dash"/>
-      </a:ln>
-    </cs:spPr>
-  </cs:hiLoLine>
-  <cs:leaderLine>
-    <cs:lnRef idx="0"/>
-    <cs:fillRef idx="0"/>
-    <cs:effectRef idx="0"/>
-    <cs:fontRef idx="minor">
-      <a:schemeClr val="tx2"/>
-    </cs:fontRef>
-    <cs:spPr>
-      <a:ln w="9525">
-        <a:solidFill>
-          <a:schemeClr val="tx2">
-            <a:lumMod val="35000"/>
-            <a:lumOff val="65000"/>
-          </a:schemeClr>
-        </a:solidFill>
-      </a:ln>
-    </cs:spPr>
-  </cs:leaderLine>
-  <cs:legend>
-    <cs:lnRef idx="0"/>
-    <cs:fillRef idx="0"/>
-    <cs:effectRef idx="0"/>
-    <cs:fontRef idx="minor">
-      <a:schemeClr val="tx2"/>
-    </cs:fontRef>
-    <cs:defRPr sz="1197" kern="1200"/>
-  </cs:legend>
-  <cs:plotArea>
-    <cs:lnRef idx="0"/>
-    <cs:fillRef idx="0"/>
-    <cs:effectRef idx="0"/>
-    <cs:fontRef idx="minor">
-      <a:schemeClr val="tx2"/>
-    </cs:fontRef>
-  </cs:plotArea>
-  <cs:plotArea3D>
-    <cs:lnRef idx="0"/>
-    <cs:fillRef idx="0"/>
-    <cs:effectRef idx="0"/>
-    <cs:fontRef idx="minor">
-      <a:schemeClr val="tx2"/>
-    </cs:fontRef>
-  </cs:plotArea3D>
-  <cs:seriesAxis>
-    <cs:lnRef idx="0"/>
-    <cs:fillRef idx="0"/>
-    <cs:effectRef idx="0"/>
-    <cs:fontRef idx="minor">
-      <a:schemeClr val="tx2"/>
+      <a:schemeClr val="tx1"/>
     </cs:fontRef>
     <cs:spPr>
       <a:ln w="9525" cap="flat" cmpd="sng" algn="ctr">
         <a:solidFill>
-          <a:schemeClr val="tx2">
-            <a:lumMod val="15000"/>
-            <a:lumOff val="85000"/>
+          <a:schemeClr val="tx1">
+            <a:lumMod val="5000"/>
+            <a:lumOff val="95000"/>
           </a:schemeClr>
         </a:solidFill>
         <a:round/>
       </a:ln>
     </cs:spPr>
+  </cs:gridlineMinor>
+  <cs:hiLoLine>
+    <cs:lnRef idx="0"/>
+    <cs:fillRef idx="0"/>
+    <cs:effectRef idx="0"/>
+    <cs:fontRef idx="minor">
+      <a:schemeClr val="tx1"/>
+    </cs:fontRef>
+    <cs:spPr>
+      <a:ln w="9525" cap="flat" cmpd="sng" algn="ctr">
+        <a:solidFill>
+          <a:schemeClr val="tx1">
+            <a:lumMod val="75000"/>
+            <a:lumOff val="25000"/>
+          </a:schemeClr>
+        </a:solidFill>
+        <a:round/>
+      </a:ln>
+    </cs:spPr>
+  </cs:hiLoLine>
+  <cs:leaderLine>
+    <cs:lnRef idx="0"/>
+    <cs:fillRef idx="0"/>
+    <cs:effectRef idx="0"/>
+    <cs:fontRef idx="minor">
+      <a:schemeClr val="tx1"/>
+    </cs:fontRef>
+    <cs:spPr>
+      <a:ln w="9525" cap="flat" cmpd="sng" algn="ctr">
+        <a:solidFill>
+          <a:schemeClr val="tx1">
+            <a:lumMod val="35000"/>
+            <a:lumOff val="65000"/>
+          </a:schemeClr>
+        </a:solidFill>
+        <a:round/>
+      </a:ln>
+    </cs:spPr>
+  </cs:leaderLine>
+  <cs:legend>
+    <cs:lnRef idx="0"/>
+    <cs:fillRef idx="0"/>
+    <cs:effectRef idx="0"/>
+    <cs:fontRef idx="minor">
+      <a:schemeClr val="tx1">
+        <a:lumMod val="65000"/>
+        <a:lumOff val="35000"/>
+      </a:schemeClr>
+    </cs:fontRef>
+    <cs:defRPr sz="1197" kern="1200"/>
+  </cs:legend>
+  <cs:plotArea mods="allowNoFillOverride allowNoLineOverride">
+    <cs:lnRef idx="0"/>
+    <cs:fillRef idx="0"/>
+    <cs:effectRef idx="0"/>
+    <cs:fontRef idx="minor">
+      <a:schemeClr val="tx1"/>
+    </cs:fontRef>
+  </cs:plotArea>
+  <cs:plotArea3D mods="allowNoFillOverride allowNoLineOverride">
+    <cs:lnRef idx="0"/>
+    <cs:fillRef idx="0"/>
+    <cs:effectRef idx="0"/>
+    <cs:fontRef idx="minor">
+      <a:schemeClr val="tx1"/>
+    </cs:fontRef>
+  </cs:plotArea3D>
+  <cs:seriesAxis>
+    <cs:lnRef idx="0"/>
+    <cs:fillRef idx="0"/>
+    <cs:effectRef idx="0"/>
+    <cs:fontRef idx="minor">
+      <a:schemeClr val="tx1">
+        <a:lumMod val="65000"/>
+        <a:lumOff val="35000"/>
+      </a:schemeClr>
+    </cs:fontRef>
     <cs:defRPr sz="1197" kern="1200"/>
   </cs:seriesAxis>
   <cs:seriesLine>
@@ -9066,17 +9103,17 @@
     <cs:fillRef idx="0"/>
     <cs:effectRef idx="0"/>
     <cs:fontRef idx="minor">
-      <a:schemeClr val="tx2"/>
+      <a:schemeClr val="tx1"/>
     </cs:fontRef>
     <cs:spPr>
-      <a:ln w="9525">
+      <a:ln w="9525" cap="flat" cmpd="sng" algn="ctr">
         <a:solidFill>
-          <a:schemeClr val="tx2">
-            <a:lumMod val="60000"/>
-            <a:lumOff val="40000"/>
+          <a:schemeClr val="tx1">
+            <a:lumMod val="35000"/>
+            <a:lumOff val="65000"/>
           </a:schemeClr>
         </a:solidFill>
-        <a:prstDash val="dash"/>
+        <a:round/>
       </a:ln>
     </cs:spPr>
   </cs:seriesLine>
@@ -9085,9 +9122,12 @@
     <cs:fillRef idx="0"/>
     <cs:effectRef idx="0"/>
     <cs:fontRef idx="minor">
-      <a:schemeClr val="tx2"/>
-    </cs:fontRef>
-    <cs:defRPr sz="2128" b="1" kern="1200"/>
+      <a:schemeClr val="tx1">
+        <a:lumMod val="65000"/>
+        <a:lumOff val="35000"/>
+      </a:schemeClr>
+    </cs:fontRef>
+    <cs:defRPr sz="1862" b="0" kern="1200" spc="0" baseline="0"/>
   </cs:title>
   <cs:trendline>
     <cs:lnRef idx="0">
@@ -9096,14 +9136,14 @@
     <cs:fillRef idx="0"/>
     <cs:effectRef idx="0"/>
     <cs:fontRef idx="minor">
-      <a:schemeClr val="tx2"/>
+      <a:schemeClr val="tx1"/>
     </cs:fontRef>
     <cs:spPr>
       <a:ln w="19050" cap="rnd">
         <a:solidFill>
           <a:schemeClr val="phClr"/>
         </a:solidFill>
-        <a:prstDash val="sysDash"/>
+        <a:prstDash val="sysDot"/>
       </a:ln>
     </cs:spPr>
   </cs:trendline>
@@ -9112,7 +9152,10 @@
     <cs:fillRef idx="0"/>
     <cs:effectRef idx="0"/>
     <cs:fontRef idx="minor">
-      <a:schemeClr val="tx2"/>
+      <a:schemeClr val="tx1">
+        <a:lumMod val="65000"/>
+        <a:lumOff val="35000"/>
+      </a:schemeClr>
     </cs:fontRef>
     <cs:defRPr sz="1197" kern="1200"/>
   </cs:trendlineLabel>
@@ -9121,7 +9164,7 @@
     <cs:fillRef idx="0"/>
     <cs:effectRef idx="0"/>
     <cs:fontRef idx="minor">
-      <a:schemeClr val="tx2"/>
+      <a:schemeClr val="dk1"/>
     </cs:fontRef>
     <cs:spPr>
       <a:solidFill>
@@ -9142,7 +9185,10 @@
     <cs:fillRef idx="0"/>
     <cs:effectRef idx="0"/>
     <cs:fontRef idx="minor">
-      <a:schemeClr val="tx2"/>
+      <a:schemeClr val="tx1">
+        <a:lumMod val="65000"/>
+        <a:lumOff val="35000"/>
+      </a:schemeClr>
     </cs:fontRef>
     <cs:defRPr sz="1197" kern="1200"/>
   </cs:valueAxis>
@@ -9151,8 +9197,14 @@
     <cs:fillRef idx="0"/>
     <cs:effectRef idx="0"/>
     <cs:fontRef idx="minor">
-      <a:schemeClr val="tx2"/>
-    </cs:fontRef>
+      <a:schemeClr val="tx1"/>
+    </cs:fontRef>
+    <cs:spPr>
+      <a:noFill/>
+      <a:ln>
+        <a:noFill/>
+      </a:ln>
+    </cs:spPr>
   </cs:wall>
 </cs:chartStyle>
 </file>
@@ -9643,8 +9695,8 @@
 </cs:chartStyle>
 </file>
 
-<file path=ppt/charts/style12.xml><?xml version="1.0" encoding="utf-8"?>
-<cs:chartStyle xmlns:cs="http://schemas.microsoft.com/office/drawing/2012/chartStyle" xmlns:a="http://schemas.openxmlformats.org/drawingml/2006/main" id="201">
+<file path=ppt/charts/style2.xml><?xml version="1.0" encoding="utf-8"?>
+<cs:chartStyle xmlns:cs="http://schemas.microsoft.com/office/drawing/2012/chartStyle" xmlns:a="http://schemas.openxmlformats.org/drawingml/2006/main" id="332">
   <cs:axisTitle>
     <cs:lnRef idx="0"/>
     <cs:fillRef idx="0"/>
@@ -10146,510 +10198,7 @@
 </cs:chartStyle>
 </file>
 
-<file path=ppt/charts/style13.xml><?xml version="1.0" encoding="utf-8"?>
-<cs:chartStyle xmlns:cs="http://schemas.microsoft.com/office/drawing/2012/chartStyle" xmlns:a="http://schemas.openxmlformats.org/drawingml/2006/main" id="201">
-  <cs:axisTitle>
-    <cs:lnRef idx="0"/>
-    <cs:fillRef idx="0"/>
-    <cs:effectRef idx="0"/>
-    <cs:fontRef idx="minor">
-      <a:schemeClr val="tx1">
-        <a:lumMod val="65000"/>
-        <a:lumOff val="35000"/>
-      </a:schemeClr>
-    </cs:fontRef>
-    <cs:defRPr sz="1330" kern="1200"/>
-  </cs:axisTitle>
-  <cs:categoryAxis>
-    <cs:lnRef idx="0"/>
-    <cs:fillRef idx="0"/>
-    <cs:effectRef idx="0"/>
-    <cs:fontRef idx="minor">
-      <a:schemeClr val="tx1">
-        <a:lumMod val="65000"/>
-        <a:lumOff val="35000"/>
-      </a:schemeClr>
-    </cs:fontRef>
-    <cs:spPr>
-      <a:ln w="9525" cap="flat" cmpd="sng" algn="ctr">
-        <a:solidFill>
-          <a:schemeClr val="tx1">
-            <a:lumMod val="15000"/>
-            <a:lumOff val="85000"/>
-          </a:schemeClr>
-        </a:solidFill>
-        <a:round/>
-      </a:ln>
-    </cs:spPr>
-    <cs:defRPr sz="1197" kern="1200"/>
-  </cs:categoryAxis>
-  <cs:chartArea mods="allowNoFillOverride allowNoLineOverride">
-    <cs:lnRef idx="0"/>
-    <cs:fillRef idx="0"/>
-    <cs:effectRef idx="0"/>
-    <cs:fontRef idx="minor">
-      <a:schemeClr val="tx1"/>
-    </cs:fontRef>
-    <cs:spPr>
-      <a:solidFill>
-        <a:schemeClr val="bg1"/>
-      </a:solidFill>
-      <a:ln w="9525" cap="flat" cmpd="sng" algn="ctr">
-        <a:solidFill>
-          <a:schemeClr val="tx1">
-            <a:lumMod val="15000"/>
-            <a:lumOff val="85000"/>
-          </a:schemeClr>
-        </a:solidFill>
-        <a:round/>
-      </a:ln>
-    </cs:spPr>
-    <cs:defRPr sz="1330" kern="1200"/>
-  </cs:chartArea>
-  <cs:dataLabel>
-    <cs:lnRef idx="0"/>
-    <cs:fillRef idx="0"/>
-    <cs:effectRef idx="0"/>
-    <cs:fontRef idx="minor">
-      <a:schemeClr val="tx1">
-        <a:lumMod val="75000"/>
-        <a:lumOff val="25000"/>
-      </a:schemeClr>
-    </cs:fontRef>
-    <cs:defRPr sz="1197" kern="1200"/>
-  </cs:dataLabel>
-  <cs:dataLabelCallout>
-    <cs:lnRef idx="0"/>
-    <cs:fillRef idx="0"/>
-    <cs:effectRef idx="0"/>
-    <cs:fontRef idx="minor">
-      <a:schemeClr val="dk1">
-        <a:lumMod val="65000"/>
-        <a:lumOff val="35000"/>
-      </a:schemeClr>
-    </cs:fontRef>
-    <cs:spPr>
-      <a:solidFill>
-        <a:schemeClr val="lt1"/>
-      </a:solidFill>
-      <a:ln>
-        <a:solidFill>
-          <a:schemeClr val="dk1">
-            <a:lumMod val="25000"/>
-            <a:lumOff val="75000"/>
-          </a:schemeClr>
-        </a:solidFill>
-      </a:ln>
-    </cs:spPr>
-    <cs:defRPr sz="1197" kern="1200"/>
-    <cs:bodyPr rot="0" spcFirstLastPara="1" vertOverflow="clip" horzOverflow="clip" vert="horz" wrap="square" lIns="36576" tIns="18288" rIns="36576" bIns="18288" anchor="ctr" anchorCtr="1">
-      <a:spAutoFit/>
-    </cs:bodyPr>
-  </cs:dataLabelCallout>
-  <cs:dataPoint>
-    <cs:lnRef idx="0"/>
-    <cs:fillRef idx="1">
-      <cs:styleClr val="auto"/>
-    </cs:fillRef>
-    <cs:effectRef idx="0"/>
-    <cs:fontRef idx="minor">
-      <a:schemeClr val="tx1"/>
-    </cs:fontRef>
-  </cs:dataPoint>
-  <cs:dataPoint3D>
-    <cs:lnRef idx="0"/>
-    <cs:fillRef idx="1">
-      <cs:styleClr val="auto"/>
-    </cs:fillRef>
-    <cs:effectRef idx="0"/>
-    <cs:fontRef idx="minor">
-      <a:schemeClr val="tx1"/>
-    </cs:fontRef>
-  </cs:dataPoint3D>
-  <cs:dataPointLine>
-    <cs:lnRef idx="0">
-      <cs:styleClr val="auto"/>
-    </cs:lnRef>
-    <cs:fillRef idx="1"/>
-    <cs:effectRef idx="0"/>
-    <cs:fontRef idx="minor">
-      <a:schemeClr val="tx1"/>
-    </cs:fontRef>
-    <cs:spPr>
-      <a:ln w="28575" cap="rnd">
-        <a:solidFill>
-          <a:schemeClr val="phClr"/>
-        </a:solidFill>
-        <a:round/>
-      </a:ln>
-    </cs:spPr>
-  </cs:dataPointLine>
-  <cs:dataPointMarker>
-    <cs:lnRef idx="0">
-      <cs:styleClr val="auto"/>
-    </cs:lnRef>
-    <cs:fillRef idx="1">
-      <cs:styleClr val="auto"/>
-    </cs:fillRef>
-    <cs:effectRef idx="0"/>
-    <cs:fontRef idx="minor">
-      <a:schemeClr val="tx1"/>
-    </cs:fontRef>
-    <cs:spPr>
-      <a:ln w="9525">
-        <a:solidFill>
-          <a:schemeClr val="phClr"/>
-        </a:solidFill>
-      </a:ln>
-    </cs:spPr>
-  </cs:dataPointMarker>
-  <cs:dataPointMarkerLayout symbol="circle" size="5"/>
-  <cs:dataPointWireframe>
-    <cs:lnRef idx="0">
-      <cs:styleClr val="auto"/>
-    </cs:lnRef>
-    <cs:fillRef idx="1"/>
-    <cs:effectRef idx="0"/>
-    <cs:fontRef idx="minor">
-      <a:schemeClr val="tx1"/>
-    </cs:fontRef>
-    <cs:spPr>
-      <a:ln w="9525" cap="rnd">
-        <a:solidFill>
-          <a:schemeClr val="phClr"/>
-        </a:solidFill>
-        <a:round/>
-      </a:ln>
-    </cs:spPr>
-  </cs:dataPointWireframe>
-  <cs:dataTable>
-    <cs:lnRef idx="0"/>
-    <cs:fillRef idx="0"/>
-    <cs:effectRef idx="0"/>
-    <cs:fontRef idx="minor">
-      <a:schemeClr val="tx1">
-        <a:lumMod val="65000"/>
-        <a:lumOff val="35000"/>
-      </a:schemeClr>
-    </cs:fontRef>
-    <cs:spPr>
-      <a:noFill/>
-      <a:ln w="9525" cap="flat" cmpd="sng" algn="ctr">
-        <a:solidFill>
-          <a:schemeClr val="tx1">
-            <a:lumMod val="15000"/>
-            <a:lumOff val="85000"/>
-          </a:schemeClr>
-        </a:solidFill>
-        <a:round/>
-      </a:ln>
-    </cs:spPr>
-    <cs:defRPr sz="1197" kern="1200"/>
-  </cs:dataTable>
-  <cs:downBar>
-    <cs:lnRef idx="0"/>
-    <cs:fillRef idx="0"/>
-    <cs:effectRef idx="0"/>
-    <cs:fontRef idx="minor">
-      <a:schemeClr val="dk1"/>
-    </cs:fontRef>
-    <cs:spPr>
-      <a:solidFill>
-        <a:schemeClr val="dk1">
-          <a:lumMod val="65000"/>
-          <a:lumOff val="35000"/>
-        </a:schemeClr>
-      </a:solidFill>
-      <a:ln w="9525">
-        <a:solidFill>
-          <a:schemeClr val="tx1">
-            <a:lumMod val="65000"/>
-            <a:lumOff val="35000"/>
-          </a:schemeClr>
-        </a:solidFill>
-      </a:ln>
-    </cs:spPr>
-  </cs:downBar>
-  <cs:dropLine>
-    <cs:lnRef idx="0"/>
-    <cs:fillRef idx="0"/>
-    <cs:effectRef idx="0"/>
-    <cs:fontRef idx="minor">
-      <a:schemeClr val="tx1"/>
-    </cs:fontRef>
-    <cs:spPr>
-      <a:ln w="9525" cap="flat" cmpd="sng" algn="ctr">
-        <a:solidFill>
-          <a:schemeClr val="tx1">
-            <a:lumMod val="35000"/>
-            <a:lumOff val="65000"/>
-          </a:schemeClr>
-        </a:solidFill>
-        <a:round/>
-      </a:ln>
-    </cs:spPr>
-  </cs:dropLine>
-  <cs:errorBar>
-    <cs:lnRef idx="0"/>
-    <cs:fillRef idx="0"/>
-    <cs:effectRef idx="0"/>
-    <cs:fontRef idx="minor">
-      <a:schemeClr val="tx1"/>
-    </cs:fontRef>
-    <cs:spPr>
-      <a:ln w="9525" cap="flat" cmpd="sng" algn="ctr">
-        <a:solidFill>
-          <a:schemeClr val="tx1">
-            <a:lumMod val="65000"/>
-            <a:lumOff val="35000"/>
-          </a:schemeClr>
-        </a:solidFill>
-        <a:round/>
-      </a:ln>
-    </cs:spPr>
-  </cs:errorBar>
-  <cs:floor>
-    <cs:lnRef idx="0"/>
-    <cs:fillRef idx="0"/>
-    <cs:effectRef idx="0"/>
-    <cs:fontRef idx="minor">
-      <a:schemeClr val="tx1"/>
-    </cs:fontRef>
-    <cs:spPr>
-      <a:noFill/>
-      <a:ln>
-        <a:noFill/>
-      </a:ln>
-    </cs:spPr>
-  </cs:floor>
-  <cs:gridlineMajor>
-    <cs:lnRef idx="0"/>
-    <cs:fillRef idx="0"/>
-    <cs:effectRef idx="0"/>
-    <cs:fontRef idx="minor">
-      <a:schemeClr val="tx1"/>
-    </cs:fontRef>
-    <cs:spPr>
-      <a:ln w="9525" cap="flat" cmpd="sng" algn="ctr">
-        <a:solidFill>
-          <a:schemeClr val="tx1">
-            <a:lumMod val="15000"/>
-            <a:lumOff val="85000"/>
-          </a:schemeClr>
-        </a:solidFill>
-        <a:round/>
-      </a:ln>
-    </cs:spPr>
-  </cs:gridlineMajor>
-  <cs:gridlineMinor>
-    <cs:lnRef idx="0"/>
-    <cs:fillRef idx="0"/>
-    <cs:effectRef idx="0"/>
-    <cs:fontRef idx="minor">
-      <a:schemeClr val="tx1"/>
-    </cs:fontRef>
-    <cs:spPr>
-      <a:ln w="9525" cap="flat" cmpd="sng" algn="ctr">
-        <a:solidFill>
-          <a:schemeClr val="tx1">
-            <a:lumMod val="5000"/>
-            <a:lumOff val="95000"/>
-          </a:schemeClr>
-        </a:solidFill>
-        <a:round/>
-      </a:ln>
-    </cs:spPr>
-  </cs:gridlineMinor>
-  <cs:hiLoLine>
-    <cs:lnRef idx="0"/>
-    <cs:fillRef idx="0"/>
-    <cs:effectRef idx="0"/>
-    <cs:fontRef idx="minor">
-      <a:schemeClr val="tx1"/>
-    </cs:fontRef>
-    <cs:spPr>
-      <a:ln w="9525" cap="flat" cmpd="sng" algn="ctr">
-        <a:solidFill>
-          <a:schemeClr val="tx1">
-            <a:lumMod val="75000"/>
-            <a:lumOff val="25000"/>
-          </a:schemeClr>
-        </a:solidFill>
-        <a:round/>
-      </a:ln>
-    </cs:spPr>
-  </cs:hiLoLine>
-  <cs:leaderLine>
-    <cs:lnRef idx="0"/>
-    <cs:fillRef idx="0"/>
-    <cs:effectRef idx="0"/>
-    <cs:fontRef idx="minor">
-      <a:schemeClr val="tx1"/>
-    </cs:fontRef>
-    <cs:spPr>
-      <a:ln w="9525" cap="flat" cmpd="sng" algn="ctr">
-        <a:solidFill>
-          <a:schemeClr val="tx1">
-            <a:lumMod val="35000"/>
-            <a:lumOff val="65000"/>
-          </a:schemeClr>
-        </a:solidFill>
-        <a:round/>
-      </a:ln>
-    </cs:spPr>
-  </cs:leaderLine>
-  <cs:legend>
-    <cs:lnRef idx="0"/>
-    <cs:fillRef idx="0"/>
-    <cs:effectRef idx="0"/>
-    <cs:fontRef idx="minor">
-      <a:schemeClr val="tx1">
-        <a:lumMod val="65000"/>
-        <a:lumOff val="35000"/>
-      </a:schemeClr>
-    </cs:fontRef>
-    <cs:defRPr sz="1197" kern="1200"/>
-  </cs:legend>
-  <cs:plotArea mods="allowNoFillOverride allowNoLineOverride">
-    <cs:lnRef idx="0"/>
-    <cs:fillRef idx="0"/>
-    <cs:effectRef idx="0"/>
-    <cs:fontRef idx="minor">
-      <a:schemeClr val="tx1"/>
-    </cs:fontRef>
-  </cs:plotArea>
-  <cs:plotArea3D mods="allowNoFillOverride allowNoLineOverride">
-    <cs:lnRef idx="0"/>
-    <cs:fillRef idx="0"/>
-    <cs:effectRef idx="0"/>
-    <cs:fontRef idx="minor">
-      <a:schemeClr val="tx1"/>
-    </cs:fontRef>
-  </cs:plotArea3D>
-  <cs:seriesAxis>
-    <cs:lnRef idx="0"/>
-    <cs:fillRef idx="0"/>
-    <cs:effectRef idx="0"/>
-    <cs:fontRef idx="minor">
-      <a:schemeClr val="tx1">
-        <a:lumMod val="65000"/>
-        <a:lumOff val="35000"/>
-      </a:schemeClr>
-    </cs:fontRef>
-    <cs:defRPr sz="1197" kern="1200"/>
-  </cs:seriesAxis>
-  <cs:seriesLine>
-    <cs:lnRef idx="0"/>
-    <cs:fillRef idx="0"/>
-    <cs:effectRef idx="0"/>
-    <cs:fontRef idx="minor">
-      <a:schemeClr val="tx1"/>
-    </cs:fontRef>
-    <cs:spPr>
-      <a:ln w="9525" cap="flat" cmpd="sng" algn="ctr">
-        <a:solidFill>
-          <a:schemeClr val="tx1">
-            <a:lumMod val="35000"/>
-            <a:lumOff val="65000"/>
-          </a:schemeClr>
-        </a:solidFill>
-        <a:round/>
-      </a:ln>
-    </cs:spPr>
-  </cs:seriesLine>
-  <cs:title>
-    <cs:lnRef idx="0"/>
-    <cs:fillRef idx="0"/>
-    <cs:effectRef idx="0"/>
-    <cs:fontRef idx="minor">
-      <a:schemeClr val="tx1">
-        <a:lumMod val="65000"/>
-        <a:lumOff val="35000"/>
-      </a:schemeClr>
-    </cs:fontRef>
-    <cs:defRPr sz="1862" b="0" kern="1200" spc="0" baseline="0"/>
-  </cs:title>
-  <cs:trendline>
-    <cs:lnRef idx="0">
-      <cs:styleClr val="auto"/>
-    </cs:lnRef>
-    <cs:fillRef idx="0"/>
-    <cs:effectRef idx="0"/>
-    <cs:fontRef idx="minor">
-      <a:schemeClr val="tx1"/>
-    </cs:fontRef>
-    <cs:spPr>
-      <a:ln w="19050" cap="rnd">
-        <a:solidFill>
-          <a:schemeClr val="phClr"/>
-        </a:solidFill>
-        <a:prstDash val="sysDot"/>
-      </a:ln>
-    </cs:spPr>
-  </cs:trendline>
-  <cs:trendlineLabel>
-    <cs:lnRef idx="0"/>
-    <cs:fillRef idx="0"/>
-    <cs:effectRef idx="0"/>
-    <cs:fontRef idx="minor">
-      <a:schemeClr val="tx1">
-        <a:lumMod val="65000"/>
-        <a:lumOff val="35000"/>
-      </a:schemeClr>
-    </cs:fontRef>
-    <cs:defRPr sz="1197" kern="1200"/>
-  </cs:trendlineLabel>
-  <cs:upBar>
-    <cs:lnRef idx="0"/>
-    <cs:fillRef idx="0"/>
-    <cs:effectRef idx="0"/>
-    <cs:fontRef idx="minor">
-      <a:schemeClr val="dk1"/>
-    </cs:fontRef>
-    <cs:spPr>
-      <a:solidFill>
-        <a:schemeClr val="lt1"/>
-      </a:solidFill>
-      <a:ln w="9525">
-        <a:solidFill>
-          <a:schemeClr val="tx1">
-            <a:lumMod val="15000"/>
-            <a:lumOff val="85000"/>
-          </a:schemeClr>
-        </a:solidFill>
-      </a:ln>
-    </cs:spPr>
-  </cs:upBar>
-  <cs:valueAxis>
-    <cs:lnRef idx="0"/>
-    <cs:fillRef idx="0"/>
-    <cs:effectRef idx="0"/>
-    <cs:fontRef idx="minor">
-      <a:schemeClr val="tx1">
-        <a:lumMod val="65000"/>
-        <a:lumOff val="35000"/>
-      </a:schemeClr>
-    </cs:fontRef>
-    <cs:defRPr sz="1197" kern="1200"/>
-  </cs:valueAxis>
-  <cs:wall>
-    <cs:lnRef idx="0"/>
-    <cs:fillRef idx="0"/>
-    <cs:effectRef idx="0"/>
-    <cs:fontRef idx="minor">
-      <a:schemeClr val="tx1"/>
-    </cs:fontRef>
-    <cs:spPr>
-      <a:noFill/>
-      <a:ln>
-        <a:noFill/>
-      </a:ln>
-    </cs:spPr>
-  </cs:wall>
-</cs:chartStyle>
-</file>
-
-<file path=ppt/charts/style2.xml><?xml version="1.0" encoding="utf-8"?>
+<file path=ppt/charts/style20.xml><?xml version="1.0" encoding="utf-8"?>
 <cs:chartStyle xmlns:cs="http://schemas.microsoft.com/office/drawing/2012/chartStyle" xmlns:a="http://schemas.openxmlformats.org/drawingml/2006/main" id="406">
   <cs:axisTitle>
     <cs:lnRef idx="0"/>
@@ -11136,6 +10685,509 @@
 </file>
 
 <file path=ppt/charts/style3.xml><?xml version="1.0" encoding="utf-8"?>
+<cs:chartStyle xmlns:cs="http://schemas.microsoft.com/office/drawing/2012/chartStyle" xmlns:a="http://schemas.openxmlformats.org/drawingml/2006/main" id="332">
+  <cs:axisTitle>
+    <cs:lnRef idx="0"/>
+    <cs:fillRef idx="0"/>
+    <cs:effectRef idx="0"/>
+    <cs:fontRef idx="minor">
+      <a:schemeClr val="tx1">
+        <a:lumMod val="65000"/>
+        <a:lumOff val="35000"/>
+      </a:schemeClr>
+    </cs:fontRef>
+    <cs:defRPr sz="1330" kern="1200"/>
+  </cs:axisTitle>
+  <cs:categoryAxis>
+    <cs:lnRef idx="0"/>
+    <cs:fillRef idx="0"/>
+    <cs:effectRef idx="0"/>
+    <cs:fontRef idx="minor">
+      <a:schemeClr val="tx1">
+        <a:lumMod val="65000"/>
+        <a:lumOff val="35000"/>
+      </a:schemeClr>
+    </cs:fontRef>
+    <cs:spPr>
+      <a:ln w="9525" cap="flat" cmpd="sng" algn="ctr">
+        <a:solidFill>
+          <a:schemeClr val="tx1">
+            <a:lumMod val="15000"/>
+            <a:lumOff val="85000"/>
+          </a:schemeClr>
+        </a:solidFill>
+        <a:round/>
+      </a:ln>
+    </cs:spPr>
+    <cs:defRPr sz="1197" kern="1200"/>
+  </cs:categoryAxis>
+  <cs:chartArea mods="allowNoFillOverride allowNoLineOverride">
+    <cs:lnRef idx="0"/>
+    <cs:fillRef idx="0"/>
+    <cs:effectRef idx="0"/>
+    <cs:fontRef idx="minor">
+      <a:schemeClr val="tx1"/>
+    </cs:fontRef>
+    <cs:spPr>
+      <a:solidFill>
+        <a:schemeClr val="bg1"/>
+      </a:solidFill>
+      <a:ln w="9525" cap="flat" cmpd="sng" algn="ctr">
+        <a:solidFill>
+          <a:schemeClr val="tx1">
+            <a:lumMod val="15000"/>
+            <a:lumOff val="85000"/>
+          </a:schemeClr>
+        </a:solidFill>
+        <a:round/>
+      </a:ln>
+    </cs:spPr>
+    <cs:defRPr sz="1330" kern="1200"/>
+  </cs:chartArea>
+  <cs:dataLabel>
+    <cs:lnRef idx="0"/>
+    <cs:fillRef idx="0"/>
+    <cs:effectRef idx="0"/>
+    <cs:fontRef idx="minor">
+      <a:schemeClr val="tx1">
+        <a:lumMod val="75000"/>
+        <a:lumOff val="25000"/>
+      </a:schemeClr>
+    </cs:fontRef>
+    <cs:defRPr sz="1197" kern="1200"/>
+  </cs:dataLabel>
+  <cs:dataLabelCallout>
+    <cs:lnRef idx="0"/>
+    <cs:fillRef idx="0"/>
+    <cs:effectRef idx="0"/>
+    <cs:fontRef idx="minor">
+      <a:schemeClr val="dk1">
+        <a:lumMod val="65000"/>
+        <a:lumOff val="35000"/>
+      </a:schemeClr>
+    </cs:fontRef>
+    <cs:spPr>
+      <a:solidFill>
+        <a:schemeClr val="lt1"/>
+      </a:solidFill>
+      <a:ln>
+        <a:solidFill>
+          <a:schemeClr val="dk1">
+            <a:lumMod val="25000"/>
+            <a:lumOff val="75000"/>
+          </a:schemeClr>
+        </a:solidFill>
+      </a:ln>
+    </cs:spPr>
+    <cs:defRPr sz="1197" kern="1200"/>
+    <cs:bodyPr rot="0" spcFirstLastPara="1" vertOverflow="clip" horzOverflow="clip" vert="horz" wrap="square" lIns="36576" tIns="18288" rIns="36576" bIns="18288" anchor="ctr" anchorCtr="1">
+      <a:spAutoFit/>
+    </cs:bodyPr>
+  </cs:dataLabelCallout>
+  <cs:dataPoint>
+    <cs:lnRef idx="0"/>
+    <cs:fillRef idx="1">
+      <cs:styleClr val="auto"/>
+    </cs:fillRef>
+    <cs:effectRef idx="0"/>
+    <cs:fontRef idx="minor">
+      <a:schemeClr val="tx1"/>
+    </cs:fontRef>
+  </cs:dataPoint>
+  <cs:dataPoint3D>
+    <cs:lnRef idx="0"/>
+    <cs:fillRef idx="1">
+      <cs:styleClr val="auto"/>
+    </cs:fillRef>
+    <cs:effectRef idx="0"/>
+    <cs:fontRef idx="minor">
+      <a:schemeClr val="tx1"/>
+    </cs:fontRef>
+  </cs:dataPoint3D>
+  <cs:dataPointLine>
+    <cs:lnRef idx="0">
+      <cs:styleClr val="auto"/>
+    </cs:lnRef>
+    <cs:fillRef idx="1"/>
+    <cs:effectRef idx="0"/>
+    <cs:fontRef idx="minor">
+      <a:schemeClr val="tx1"/>
+    </cs:fontRef>
+    <cs:spPr>
+      <a:ln w="28575" cap="rnd">
+        <a:solidFill>
+          <a:schemeClr val="phClr"/>
+        </a:solidFill>
+        <a:round/>
+      </a:ln>
+    </cs:spPr>
+  </cs:dataPointLine>
+  <cs:dataPointMarker>
+    <cs:lnRef idx="0">
+      <cs:styleClr val="auto"/>
+    </cs:lnRef>
+    <cs:fillRef idx="1">
+      <cs:styleClr val="auto"/>
+    </cs:fillRef>
+    <cs:effectRef idx="0"/>
+    <cs:fontRef idx="minor">
+      <a:schemeClr val="tx1"/>
+    </cs:fontRef>
+    <cs:spPr>
+      <a:ln w="9525">
+        <a:solidFill>
+          <a:schemeClr val="phClr"/>
+        </a:solidFill>
+      </a:ln>
+    </cs:spPr>
+  </cs:dataPointMarker>
+  <cs:dataPointMarkerLayout symbol="circle" size="5"/>
+  <cs:dataPointWireframe>
+    <cs:lnRef idx="0">
+      <cs:styleClr val="auto"/>
+    </cs:lnRef>
+    <cs:fillRef idx="1"/>
+    <cs:effectRef idx="0"/>
+    <cs:fontRef idx="minor">
+      <a:schemeClr val="tx1"/>
+    </cs:fontRef>
+    <cs:spPr>
+      <a:ln w="9525" cap="rnd">
+        <a:solidFill>
+          <a:schemeClr val="phClr"/>
+        </a:solidFill>
+        <a:round/>
+      </a:ln>
+    </cs:spPr>
+  </cs:dataPointWireframe>
+  <cs:dataTable>
+    <cs:lnRef idx="0"/>
+    <cs:fillRef idx="0"/>
+    <cs:effectRef idx="0"/>
+    <cs:fontRef idx="minor">
+      <a:schemeClr val="tx1">
+        <a:lumMod val="65000"/>
+        <a:lumOff val="35000"/>
+      </a:schemeClr>
+    </cs:fontRef>
+    <cs:spPr>
+      <a:noFill/>
+      <a:ln w="9525" cap="flat" cmpd="sng" algn="ctr">
+        <a:solidFill>
+          <a:schemeClr val="tx1">
+            <a:lumMod val="15000"/>
+            <a:lumOff val="85000"/>
+          </a:schemeClr>
+        </a:solidFill>
+        <a:round/>
+      </a:ln>
+    </cs:spPr>
+    <cs:defRPr sz="1197" kern="1200"/>
+  </cs:dataTable>
+  <cs:downBar>
+    <cs:lnRef idx="0"/>
+    <cs:fillRef idx="0"/>
+    <cs:effectRef idx="0"/>
+    <cs:fontRef idx="minor">
+      <a:schemeClr val="dk1"/>
+    </cs:fontRef>
+    <cs:spPr>
+      <a:solidFill>
+        <a:schemeClr val="dk1">
+          <a:lumMod val="65000"/>
+          <a:lumOff val="35000"/>
+        </a:schemeClr>
+      </a:solidFill>
+      <a:ln w="9525">
+        <a:solidFill>
+          <a:schemeClr val="tx1">
+            <a:lumMod val="65000"/>
+            <a:lumOff val="35000"/>
+          </a:schemeClr>
+        </a:solidFill>
+      </a:ln>
+    </cs:spPr>
+  </cs:downBar>
+  <cs:dropLine>
+    <cs:lnRef idx="0"/>
+    <cs:fillRef idx="0"/>
+    <cs:effectRef idx="0"/>
+    <cs:fontRef idx="minor">
+      <a:schemeClr val="tx1"/>
+    </cs:fontRef>
+    <cs:spPr>
+      <a:ln w="9525" cap="flat" cmpd="sng" algn="ctr">
+        <a:solidFill>
+          <a:schemeClr val="tx1">
+            <a:lumMod val="35000"/>
+            <a:lumOff val="65000"/>
+          </a:schemeClr>
+        </a:solidFill>
+        <a:round/>
+      </a:ln>
+    </cs:spPr>
+  </cs:dropLine>
+  <cs:errorBar>
+    <cs:lnRef idx="0"/>
+    <cs:fillRef idx="0"/>
+    <cs:effectRef idx="0"/>
+    <cs:fontRef idx="minor">
+      <a:schemeClr val="tx1"/>
+    </cs:fontRef>
+    <cs:spPr>
+      <a:ln w="9525" cap="flat" cmpd="sng" algn="ctr">
+        <a:solidFill>
+          <a:schemeClr val="tx1">
+            <a:lumMod val="65000"/>
+            <a:lumOff val="35000"/>
+          </a:schemeClr>
+        </a:solidFill>
+        <a:round/>
+      </a:ln>
+    </cs:spPr>
+  </cs:errorBar>
+  <cs:floor>
+    <cs:lnRef idx="0"/>
+    <cs:fillRef idx="0"/>
+    <cs:effectRef idx="0"/>
+    <cs:fontRef idx="minor">
+      <a:schemeClr val="tx1"/>
+    </cs:fontRef>
+    <cs:spPr>
+      <a:noFill/>
+      <a:ln>
+        <a:noFill/>
+      </a:ln>
+    </cs:spPr>
+  </cs:floor>
+  <cs:gridlineMajor>
+    <cs:lnRef idx="0"/>
+    <cs:fillRef idx="0"/>
+    <cs:effectRef idx="0"/>
+    <cs:fontRef idx="minor">
+      <a:schemeClr val="tx1"/>
+    </cs:fontRef>
+    <cs:spPr>
+      <a:ln w="9525" cap="flat" cmpd="sng" algn="ctr">
+        <a:solidFill>
+          <a:schemeClr val="tx1">
+            <a:lumMod val="15000"/>
+            <a:lumOff val="85000"/>
+          </a:schemeClr>
+        </a:solidFill>
+        <a:round/>
+      </a:ln>
+    </cs:spPr>
+  </cs:gridlineMajor>
+  <cs:gridlineMinor>
+    <cs:lnRef idx="0"/>
+    <cs:fillRef idx="0"/>
+    <cs:effectRef idx="0"/>
+    <cs:fontRef idx="minor">
+      <a:schemeClr val="tx1"/>
+    </cs:fontRef>
+    <cs:spPr>
+      <a:ln w="9525" cap="flat" cmpd="sng" algn="ctr">
+        <a:solidFill>
+          <a:schemeClr val="tx1">
+            <a:lumMod val="5000"/>
+            <a:lumOff val="95000"/>
+          </a:schemeClr>
+        </a:solidFill>
+        <a:round/>
+      </a:ln>
+    </cs:spPr>
+  </cs:gridlineMinor>
+  <cs:hiLoLine>
+    <cs:lnRef idx="0"/>
+    <cs:fillRef idx="0"/>
+    <cs:effectRef idx="0"/>
+    <cs:fontRef idx="minor">
+      <a:schemeClr val="tx1"/>
+    </cs:fontRef>
+    <cs:spPr>
+      <a:ln w="9525" cap="flat" cmpd="sng" algn="ctr">
+        <a:solidFill>
+          <a:schemeClr val="tx1">
+            <a:lumMod val="75000"/>
+            <a:lumOff val="25000"/>
+          </a:schemeClr>
+        </a:solidFill>
+        <a:round/>
+      </a:ln>
+    </cs:spPr>
+  </cs:hiLoLine>
+  <cs:leaderLine>
+    <cs:lnRef idx="0"/>
+    <cs:fillRef idx="0"/>
+    <cs:effectRef idx="0"/>
+    <cs:fontRef idx="minor">
+      <a:schemeClr val="tx1"/>
+    </cs:fontRef>
+    <cs:spPr>
+      <a:ln w="9525" cap="flat" cmpd="sng" algn="ctr">
+        <a:solidFill>
+          <a:schemeClr val="tx1">
+            <a:lumMod val="35000"/>
+            <a:lumOff val="65000"/>
+          </a:schemeClr>
+        </a:solidFill>
+        <a:round/>
+      </a:ln>
+    </cs:spPr>
+  </cs:leaderLine>
+  <cs:legend>
+    <cs:lnRef idx="0"/>
+    <cs:fillRef idx="0"/>
+    <cs:effectRef idx="0"/>
+    <cs:fontRef idx="minor">
+      <a:schemeClr val="tx1">
+        <a:lumMod val="65000"/>
+        <a:lumOff val="35000"/>
+      </a:schemeClr>
+    </cs:fontRef>
+    <cs:defRPr sz="1197" kern="1200"/>
+  </cs:legend>
+  <cs:plotArea mods="allowNoFillOverride allowNoLineOverride">
+    <cs:lnRef idx="0"/>
+    <cs:fillRef idx="0"/>
+    <cs:effectRef idx="0"/>
+    <cs:fontRef idx="minor">
+      <a:schemeClr val="tx1"/>
+    </cs:fontRef>
+  </cs:plotArea>
+  <cs:plotArea3D mods="allowNoFillOverride allowNoLineOverride">
+    <cs:lnRef idx="0"/>
+    <cs:fillRef idx="0"/>
+    <cs:effectRef idx="0"/>
+    <cs:fontRef idx="minor">
+      <a:schemeClr val="tx1"/>
+    </cs:fontRef>
+  </cs:plotArea3D>
+  <cs:seriesAxis>
+    <cs:lnRef idx="0"/>
+    <cs:fillRef idx="0"/>
+    <cs:effectRef idx="0"/>
+    <cs:fontRef idx="minor">
+      <a:schemeClr val="tx1">
+        <a:lumMod val="65000"/>
+        <a:lumOff val="35000"/>
+      </a:schemeClr>
+    </cs:fontRef>
+    <cs:defRPr sz="1197" kern="1200"/>
+  </cs:seriesAxis>
+  <cs:seriesLine>
+    <cs:lnRef idx="0"/>
+    <cs:fillRef idx="0"/>
+    <cs:effectRef idx="0"/>
+    <cs:fontRef idx="minor">
+      <a:schemeClr val="tx1"/>
+    </cs:fontRef>
+    <cs:spPr>
+      <a:ln w="9525" cap="flat" cmpd="sng" algn="ctr">
+        <a:solidFill>
+          <a:schemeClr val="tx1">
+            <a:lumMod val="35000"/>
+            <a:lumOff val="65000"/>
+          </a:schemeClr>
+        </a:solidFill>
+        <a:round/>
+      </a:ln>
+    </cs:spPr>
+  </cs:seriesLine>
+  <cs:title>
+    <cs:lnRef idx="0"/>
+    <cs:fillRef idx="0"/>
+    <cs:effectRef idx="0"/>
+    <cs:fontRef idx="minor">
+      <a:schemeClr val="tx1">
+        <a:lumMod val="65000"/>
+        <a:lumOff val="35000"/>
+      </a:schemeClr>
+    </cs:fontRef>
+    <cs:defRPr sz="1862" b="0" kern="1200" spc="0" baseline="0"/>
+  </cs:title>
+  <cs:trendline>
+    <cs:lnRef idx="0">
+      <cs:styleClr val="auto"/>
+    </cs:lnRef>
+    <cs:fillRef idx="0"/>
+    <cs:effectRef idx="0"/>
+    <cs:fontRef idx="minor">
+      <a:schemeClr val="tx1"/>
+    </cs:fontRef>
+    <cs:spPr>
+      <a:ln w="19050" cap="rnd">
+        <a:solidFill>
+          <a:schemeClr val="phClr"/>
+        </a:solidFill>
+        <a:prstDash val="sysDot"/>
+      </a:ln>
+    </cs:spPr>
+  </cs:trendline>
+  <cs:trendlineLabel>
+    <cs:lnRef idx="0"/>
+    <cs:fillRef idx="0"/>
+    <cs:effectRef idx="0"/>
+    <cs:fontRef idx="minor">
+      <a:schemeClr val="tx1">
+        <a:lumMod val="65000"/>
+        <a:lumOff val="35000"/>
+      </a:schemeClr>
+    </cs:fontRef>
+    <cs:defRPr sz="1197" kern="1200"/>
+  </cs:trendlineLabel>
+  <cs:upBar>
+    <cs:lnRef idx="0"/>
+    <cs:fillRef idx="0"/>
+    <cs:effectRef idx="0"/>
+    <cs:fontRef idx="minor">
+      <a:schemeClr val="dk1"/>
+    </cs:fontRef>
+    <cs:spPr>
+      <a:solidFill>
+        <a:schemeClr val="lt1"/>
+      </a:solidFill>
+      <a:ln w="9525">
+        <a:solidFill>
+          <a:schemeClr val="tx1">
+            <a:lumMod val="15000"/>
+            <a:lumOff val="85000"/>
+          </a:schemeClr>
+        </a:solidFill>
+      </a:ln>
+    </cs:spPr>
+  </cs:upBar>
+  <cs:valueAxis>
+    <cs:lnRef idx="0"/>
+    <cs:fillRef idx="0"/>
+    <cs:effectRef idx="0"/>
+    <cs:fontRef idx="minor">
+      <a:schemeClr val="tx1">
+        <a:lumMod val="65000"/>
+        <a:lumOff val="35000"/>
+      </a:schemeClr>
+    </cs:fontRef>
+    <cs:defRPr sz="1197" kern="1200"/>
+  </cs:valueAxis>
+  <cs:wall>
+    <cs:lnRef idx="0"/>
+    <cs:fillRef idx="0"/>
+    <cs:effectRef idx="0"/>
+    <cs:fontRef idx="minor">
+      <a:schemeClr val="tx1"/>
+    </cs:fontRef>
+    <cs:spPr>
+      <a:noFill/>
+      <a:ln>
+        <a:noFill/>
+      </a:ln>
+    </cs:spPr>
+  </cs:wall>
+</cs:chartStyle>
+</file>
+
+<file path=ppt/charts/style30.xml><?xml version="1.0" encoding="utf-8"?>
 <cs:chartStyle xmlns:cs="http://schemas.microsoft.com/office/drawing/2012/chartStyle" xmlns:a="http://schemas.openxmlformats.org/drawingml/2006/main" id="406">
   <cs:axisTitle>
     <cs:lnRef idx="0"/>
@@ -13634,33 +13686,27 @@
 </file>
 
 <file path=ppt/charts/style8.xml><?xml version="1.0" encoding="utf-8"?>
-<cs:chartStyle xmlns:cs="http://schemas.microsoft.com/office/drawing/2012/chartStyle" xmlns:a="http://schemas.openxmlformats.org/drawingml/2006/main" id="332">
+<cs:chartStyle xmlns:cs="http://schemas.microsoft.com/office/drawing/2012/chartStyle" xmlns:a="http://schemas.openxmlformats.org/drawingml/2006/main" id="255">
   <cs:axisTitle>
     <cs:lnRef idx="0"/>
     <cs:fillRef idx="0"/>
     <cs:effectRef idx="0"/>
     <cs:fontRef idx="minor">
-      <a:schemeClr val="tx1">
-        <a:lumMod val="65000"/>
-        <a:lumOff val="35000"/>
-      </a:schemeClr>
-    </cs:fontRef>
-    <cs:defRPr sz="1330" kern="1200"/>
+      <a:schemeClr val="tx2"/>
+    </cs:fontRef>
+    <cs:defRPr sz="1197" b="1" kern="1200"/>
   </cs:axisTitle>
   <cs:categoryAxis>
     <cs:lnRef idx="0"/>
     <cs:fillRef idx="0"/>
     <cs:effectRef idx="0"/>
     <cs:fontRef idx="minor">
-      <a:schemeClr val="tx1">
-        <a:lumMod val="65000"/>
-        <a:lumOff val="35000"/>
-      </a:schemeClr>
+      <a:schemeClr val="tx2"/>
     </cs:fontRef>
     <cs:spPr>
       <a:ln w="9525" cap="flat" cmpd="sng" algn="ctr">
         <a:solidFill>
-          <a:schemeClr val="tx1">
+          <a:schemeClr val="tx2">
             <a:lumMod val="15000"/>
             <a:lumOff val="85000"/>
           </a:schemeClr>
@@ -13675,7 +13721,7 @@
     <cs:fillRef idx="0"/>
     <cs:effectRef idx="0"/>
     <cs:fontRef idx="minor">
-      <a:schemeClr val="tx1"/>
+      <a:schemeClr val="tx2"/>
     </cs:fontRef>
     <cs:spPr>
       <a:solidFill>
@@ -13683,7 +13729,7 @@
       </a:solidFill>
       <a:ln w="9525" cap="flat" cmpd="sng" algn="ctr">
         <a:solidFill>
-          <a:schemeClr val="tx1">
+          <a:schemeClr val="tx2">
             <a:lumMod val="15000"/>
             <a:lumOff val="85000"/>
           </a:schemeClr>
@@ -13691,17 +13737,14 @@
         <a:round/>
       </a:ln>
     </cs:spPr>
-    <cs:defRPr sz="1330" kern="1200"/>
+    <cs:defRPr sz="1197" kern="1200"/>
   </cs:chartArea>
   <cs:dataLabel>
     <cs:lnRef idx="0"/>
     <cs:fillRef idx="0"/>
     <cs:effectRef idx="0"/>
     <cs:fontRef idx="minor">
-      <a:schemeClr val="tx1">
-        <a:lumMod val="75000"/>
-        <a:lumOff val="25000"/>
-      </a:schemeClr>
+      <a:schemeClr val="tx2"/>
     </cs:fontRef>
     <cs:defRPr sz="1197" kern="1200"/>
   </cs:dataLabel>
@@ -13710,9 +13753,8 @@
     <cs:fillRef idx="0"/>
     <cs:effectRef idx="0"/>
     <cs:fontRef idx="minor">
-      <a:schemeClr val="dk1">
-        <a:lumMod val="65000"/>
-        <a:lumOff val="35000"/>
+      <a:schemeClr val="dk2">
+        <a:lumMod val="75000"/>
       </a:schemeClr>
     </cs:fontRef>
     <cs:spPr>
@@ -13735,35 +13777,35 @@
   </cs:dataLabelCallout>
   <cs:dataPoint>
     <cs:lnRef idx="0"/>
-    <cs:fillRef idx="1">
+    <cs:fillRef idx="3">
       <cs:styleClr val="auto"/>
     </cs:fillRef>
-    <cs:effectRef idx="0"/>
-    <cs:fontRef idx="minor">
-      <a:schemeClr val="tx1"/>
+    <cs:effectRef idx="2"/>
+    <cs:fontRef idx="minor">
+      <a:schemeClr val="tx2"/>
     </cs:fontRef>
   </cs:dataPoint>
   <cs:dataPoint3D>
     <cs:lnRef idx="0"/>
-    <cs:fillRef idx="1">
+    <cs:fillRef idx="3">
       <cs:styleClr val="auto"/>
     </cs:fillRef>
-    <cs:effectRef idx="0"/>
-    <cs:fontRef idx="minor">
-      <a:schemeClr val="tx1"/>
+    <cs:effectRef idx="2"/>
+    <cs:fontRef idx="minor">
+      <a:schemeClr val="tx2"/>
     </cs:fontRef>
   </cs:dataPoint3D>
   <cs:dataPointLine>
     <cs:lnRef idx="0">
       <cs:styleClr val="auto"/>
     </cs:lnRef>
-    <cs:fillRef idx="1"/>
-    <cs:effectRef idx="0"/>
-    <cs:fontRef idx="minor">
-      <a:schemeClr val="tx1"/>
+    <cs:fillRef idx="3"/>
+    <cs:effectRef idx="2"/>
+    <cs:fontRef idx="minor">
+      <a:schemeClr val="tx2"/>
     </cs:fontRef>
     <cs:spPr>
-      <a:ln w="28575" cap="rnd">
+      <a:ln w="31750" cap="rnd">
         <a:solidFill>
           <a:schemeClr val="phClr"/>
         </a:solidFill>
@@ -13772,33 +13814,32 @@
     </cs:spPr>
   </cs:dataPointLine>
   <cs:dataPointMarker>
-    <cs:lnRef idx="0">
-      <cs:styleClr val="auto"/>
-    </cs:lnRef>
-    <cs:fillRef idx="1">
+    <cs:lnRef idx="0"/>
+    <cs:fillRef idx="3">
       <cs:styleClr val="auto"/>
     </cs:fillRef>
-    <cs:effectRef idx="0"/>
-    <cs:fontRef idx="minor">
-      <a:schemeClr val="tx1"/>
+    <cs:effectRef idx="2"/>
+    <cs:fontRef idx="minor">
+      <a:schemeClr val="tx2"/>
     </cs:fontRef>
     <cs:spPr>
-      <a:ln w="9525">
+      <a:ln w="12700">
         <a:solidFill>
-          <a:schemeClr val="phClr"/>
+          <a:schemeClr val="lt2"/>
         </a:solidFill>
+        <a:round/>
       </a:ln>
     </cs:spPr>
   </cs:dataPointMarker>
-  <cs:dataPointMarkerLayout symbol="circle" size="5"/>
+  <cs:dataPointMarkerLayout symbol="circle" size="6"/>
   <cs:dataPointWireframe>
     <cs:lnRef idx="0">
       <cs:styleClr val="auto"/>
     </cs:lnRef>
-    <cs:fillRef idx="1"/>
-    <cs:effectRef idx="0"/>
-    <cs:fontRef idx="minor">
-      <a:schemeClr val="tx1"/>
+    <cs:fillRef idx="3"/>
+    <cs:effectRef idx="2"/>
+    <cs:fontRef idx="minor">
+      <a:schemeClr val="tx2"/>
     </cs:fontRef>
     <cs:spPr>
       <a:ln w="9525" cap="rnd">
@@ -13814,21 +13855,16 @@
     <cs:fillRef idx="0"/>
     <cs:effectRef idx="0"/>
     <cs:fontRef idx="minor">
-      <a:schemeClr val="tx1">
-        <a:lumMod val="65000"/>
-        <a:lumOff val="35000"/>
-      </a:schemeClr>
+      <a:schemeClr val="tx2"/>
     </cs:fontRef>
     <cs:spPr>
-      <a:noFill/>
-      <a:ln w="9525" cap="flat" cmpd="sng" algn="ctr">
+      <a:ln w="9525">
         <a:solidFill>
-          <a:schemeClr val="tx1">
+          <a:schemeClr val="tx2">
             <a:lumMod val="15000"/>
             <a:lumOff val="85000"/>
           </a:schemeClr>
         </a:solidFill>
-        <a:round/>
       </a:ln>
     </cs:spPr>
     <cs:defRPr sz="1197" kern="1200"/>
@@ -13862,17 +13898,17 @@
     <cs:fillRef idx="0"/>
     <cs:effectRef idx="0"/>
     <cs:fontRef idx="minor">
-      <a:schemeClr val="tx1"/>
+      <a:schemeClr val="tx2"/>
     </cs:fontRef>
     <cs:spPr>
-      <a:ln w="9525" cap="flat" cmpd="sng" algn="ctr">
+      <a:ln w="9525">
         <a:solidFill>
-          <a:schemeClr val="tx1">
-            <a:lumMod val="35000"/>
-            <a:lumOff val="65000"/>
+          <a:schemeClr val="tx2">
+            <a:lumMod val="60000"/>
+            <a:lumOff val="40000"/>
           </a:schemeClr>
         </a:solidFill>
-        <a:round/>
+        <a:prstDash val="dash"/>
       </a:ln>
     </cs:spPr>
   </cs:dropLine>
@@ -13881,14 +13917,13 @@
     <cs:fillRef idx="0"/>
     <cs:effectRef idx="0"/>
     <cs:fontRef idx="minor">
-      <a:schemeClr val="tx1"/>
+      <a:schemeClr val="tx2"/>
     </cs:fontRef>
     <cs:spPr>
-      <a:ln w="9525" cap="flat" cmpd="sng" algn="ctr">
+      <a:ln w="9525">
         <a:solidFill>
-          <a:schemeClr val="tx1">
-            <a:lumMod val="65000"/>
-            <a:lumOff val="35000"/>
+          <a:schemeClr val="tx2">
+            <a:lumMod val="75000"/>
           </a:schemeClr>
         </a:solidFill>
         <a:round/>
@@ -13900,26 +13935,20 @@
     <cs:fillRef idx="0"/>
     <cs:effectRef idx="0"/>
     <cs:fontRef idx="minor">
-      <a:schemeClr val="tx1"/>
-    </cs:fontRef>
-    <cs:spPr>
-      <a:noFill/>
-      <a:ln>
-        <a:noFill/>
-      </a:ln>
-    </cs:spPr>
+      <a:schemeClr val="tx2"/>
+    </cs:fontRef>
   </cs:floor>
   <cs:gridlineMajor>
     <cs:lnRef idx="0"/>
     <cs:fillRef idx="0"/>
     <cs:effectRef idx="0"/>
     <cs:fontRef idx="minor">
-      <a:schemeClr val="tx1"/>
+      <a:schemeClr val="tx2"/>
     </cs:fontRef>
     <cs:spPr>
       <a:ln w="9525" cap="flat" cmpd="sng" algn="ctr">
         <a:solidFill>
-          <a:schemeClr val="tx1">
+          <a:schemeClr val="tx2">
             <a:lumMod val="15000"/>
             <a:lumOff val="85000"/>
           </a:schemeClr>
@@ -13933,96 +13962,99 @@
     <cs:fillRef idx="0"/>
     <cs:effectRef idx="0"/>
     <cs:fontRef idx="minor">
-      <a:schemeClr val="tx1"/>
+      <a:schemeClr val="tx2"/>
+    </cs:fontRef>
+    <cs:spPr>
+      <a:ln>
+        <a:solidFill>
+          <a:schemeClr val="tx2">
+            <a:lumMod val="5000"/>
+            <a:lumOff val="95000"/>
+          </a:schemeClr>
+        </a:solidFill>
+      </a:ln>
+    </cs:spPr>
+  </cs:gridlineMinor>
+  <cs:hiLoLine>
+    <cs:lnRef idx="0"/>
+    <cs:fillRef idx="0"/>
+    <cs:effectRef idx="0"/>
+    <cs:fontRef idx="minor">
+      <a:schemeClr val="tx2"/>
+    </cs:fontRef>
+    <cs:spPr>
+      <a:ln w="9525">
+        <a:solidFill>
+          <a:schemeClr val="tx2">
+            <a:lumMod val="60000"/>
+            <a:lumOff val="40000"/>
+          </a:schemeClr>
+        </a:solidFill>
+        <a:prstDash val="dash"/>
+      </a:ln>
+    </cs:spPr>
+  </cs:hiLoLine>
+  <cs:leaderLine>
+    <cs:lnRef idx="0"/>
+    <cs:fillRef idx="0"/>
+    <cs:effectRef idx="0"/>
+    <cs:fontRef idx="minor">
+      <a:schemeClr val="tx2"/>
+    </cs:fontRef>
+    <cs:spPr>
+      <a:ln w="9525">
+        <a:solidFill>
+          <a:schemeClr val="tx2">
+            <a:lumMod val="35000"/>
+            <a:lumOff val="65000"/>
+          </a:schemeClr>
+        </a:solidFill>
+      </a:ln>
+    </cs:spPr>
+  </cs:leaderLine>
+  <cs:legend>
+    <cs:lnRef idx="0"/>
+    <cs:fillRef idx="0"/>
+    <cs:effectRef idx="0"/>
+    <cs:fontRef idx="minor">
+      <a:schemeClr val="tx2"/>
+    </cs:fontRef>
+    <cs:defRPr sz="1197" kern="1200"/>
+  </cs:legend>
+  <cs:plotArea>
+    <cs:lnRef idx="0"/>
+    <cs:fillRef idx="0"/>
+    <cs:effectRef idx="0"/>
+    <cs:fontRef idx="minor">
+      <a:schemeClr val="tx2"/>
+    </cs:fontRef>
+  </cs:plotArea>
+  <cs:plotArea3D>
+    <cs:lnRef idx="0"/>
+    <cs:fillRef idx="0"/>
+    <cs:effectRef idx="0"/>
+    <cs:fontRef idx="minor">
+      <a:schemeClr val="tx2"/>
+    </cs:fontRef>
+  </cs:plotArea3D>
+  <cs:seriesAxis>
+    <cs:lnRef idx="0"/>
+    <cs:fillRef idx="0"/>
+    <cs:effectRef idx="0"/>
+    <cs:fontRef idx="minor">
+      <a:schemeClr val="tx2"/>
     </cs:fontRef>
     <cs:spPr>
       <a:ln w="9525" cap="flat" cmpd="sng" algn="ctr">
         <a:solidFill>
-          <a:schemeClr val="tx1">
-            <a:lumMod val="5000"/>
-            <a:lumOff val="95000"/>
+          <a:schemeClr val="tx2">
+            <a:lumMod val="15000"/>
+            <a:lumOff val="85000"/>
           </a:schemeClr>
         </a:solidFill>
         <a:round/>
       </a:ln>
     </cs:spPr>
-  </cs:gridlineMinor>
-  <cs:hiLoLine>
-    <cs:lnRef idx="0"/>
-    <cs:fillRef idx="0"/>
-    <cs:effectRef idx="0"/>
-    <cs:fontRef idx="minor">
-      <a:schemeClr val="tx1"/>
-    </cs:fontRef>
-    <cs:spPr>
-      <a:ln w="9525" cap="flat" cmpd="sng" algn="ctr">
-        <a:solidFill>
-          <a:schemeClr val="tx1">
-            <a:lumMod val="75000"/>
-            <a:lumOff val="25000"/>
-          </a:schemeClr>
-        </a:solidFill>
-        <a:round/>
-      </a:ln>
-    </cs:spPr>
-  </cs:hiLoLine>
-  <cs:leaderLine>
-    <cs:lnRef idx="0"/>
-    <cs:fillRef idx="0"/>
-    <cs:effectRef idx="0"/>
-    <cs:fontRef idx="minor">
-      <a:schemeClr val="tx1"/>
-    </cs:fontRef>
-    <cs:spPr>
-      <a:ln w="9525" cap="flat" cmpd="sng" algn="ctr">
-        <a:solidFill>
-          <a:schemeClr val="tx1">
-            <a:lumMod val="35000"/>
-            <a:lumOff val="65000"/>
-          </a:schemeClr>
-        </a:solidFill>
-        <a:round/>
-      </a:ln>
-    </cs:spPr>
-  </cs:leaderLine>
-  <cs:legend>
-    <cs:lnRef idx="0"/>
-    <cs:fillRef idx="0"/>
-    <cs:effectRef idx="0"/>
-    <cs:fontRef idx="minor">
-      <a:schemeClr val="tx1">
-        <a:lumMod val="65000"/>
-        <a:lumOff val="35000"/>
-      </a:schemeClr>
-    </cs:fontRef>
-    <cs:defRPr sz="1197" kern="1200"/>
-  </cs:legend>
-  <cs:plotArea mods="allowNoFillOverride allowNoLineOverride">
-    <cs:lnRef idx="0"/>
-    <cs:fillRef idx="0"/>
-    <cs:effectRef idx="0"/>
-    <cs:fontRef idx="minor">
-      <a:schemeClr val="tx1"/>
-    </cs:fontRef>
-  </cs:plotArea>
-  <cs:plotArea3D mods="allowNoFillOverride allowNoLineOverride">
-    <cs:lnRef idx="0"/>
-    <cs:fillRef idx="0"/>
-    <cs:effectRef idx="0"/>
-    <cs:fontRef idx="minor">
-      <a:schemeClr val="tx1"/>
-    </cs:fontRef>
-  </cs:plotArea3D>
-  <cs:seriesAxis>
-    <cs:lnRef idx="0"/>
-    <cs:fillRef idx="0"/>
-    <cs:effectRef idx="0"/>
-    <cs:fontRef idx="minor">
-      <a:schemeClr val="tx1">
-        <a:lumMod val="65000"/>
-        <a:lumOff val="35000"/>
-      </a:schemeClr>
-    </cs:fontRef>
     <cs:defRPr sz="1197" kern="1200"/>
   </cs:seriesAxis>
   <cs:seriesLine>
@@ -14030,17 +14062,17 @@
     <cs:fillRef idx="0"/>
     <cs:effectRef idx="0"/>
     <cs:fontRef idx="minor">
-      <a:schemeClr val="tx1"/>
+      <a:schemeClr val="tx2"/>
     </cs:fontRef>
     <cs:spPr>
-      <a:ln w="9525" cap="flat" cmpd="sng" algn="ctr">
+      <a:ln w="9525">
         <a:solidFill>
-          <a:schemeClr val="tx1">
-            <a:lumMod val="35000"/>
-            <a:lumOff val="65000"/>
+          <a:schemeClr val="tx2">
+            <a:lumMod val="60000"/>
+            <a:lumOff val="40000"/>
           </a:schemeClr>
         </a:solidFill>
-        <a:round/>
+        <a:prstDash val="dash"/>
       </a:ln>
     </cs:spPr>
   </cs:seriesLine>
@@ -14049,12 +14081,9 @@
     <cs:fillRef idx="0"/>
     <cs:effectRef idx="0"/>
     <cs:fontRef idx="minor">
-      <a:schemeClr val="tx1">
-        <a:lumMod val="65000"/>
-        <a:lumOff val="35000"/>
-      </a:schemeClr>
-    </cs:fontRef>
-    <cs:defRPr sz="1862" b="0" kern="1200" spc="0" baseline="0"/>
+      <a:schemeClr val="tx2"/>
+    </cs:fontRef>
+    <cs:defRPr sz="2128" b="1" kern="1200"/>
   </cs:title>
   <cs:trendline>
     <cs:lnRef idx="0">
@@ -14063,14 +14092,14 @@
     <cs:fillRef idx="0"/>
     <cs:effectRef idx="0"/>
     <cs:fontRef idx="minor">
-      <a:schemeClr val="tx1"/>
+      <a:schemeClr val="tx2"/>
     </cs:fontRef>
     <cs:spPr>
       <a:ln w="19050" cap="rnd">
         <a:solidFill>
           <a:schemeClr val="phClr"/>
         </a:solidFill>
-        <a:prstDash val="sysDot"/>
+        <a:prstDash val="sysDash"/>
       </a:ln>
     </cs:spPr>
   </cs:trendline>
@@ -14079,10 +14108,7 @@
     <cs:fillRef idx="0"/>
     <cs:effectRef idx="0"/>
     <cs:fontRef idx="minor">
-      <a:schemeClr val="tx1">
-        <a:lumMod val="65000"/>
-        <a:lumOff val="35000"/>
-      </a:schemeClr>
+      <a:schemeClr val="tx2"/>
     </cs:fontRef>
     <cs:defRPr sz="1197" kern="1200"/>
   </cs:trendlineLabel>
@@ -14091,7 +14117,7 @@
     <cs:fillRef idx="0"/>
     <cs:effectRef idx="0"/>
     <cs:fontRef idx="minor">
-      <a:schemeClr val="dk1"/>
+      <a:schemeClr val="tx2"/>
     </cs:fontRef>
     <cs:spPr>
       <a:solidFill>
@@ -14112,10 +14138,7 @@
     <cs:fillRef idx="0"/>
     <cs:effectRef idx="0"/>
     <cs:fontRef idx="minor">
-      <a:schemeClr val="tx1">
-        <a:lumMod val="65000"/>
-        <a:lumOff val="35000"/>
-      </a:schemeClr>
+      <a:schemeClr val="tx2"/>
     </cs:fontRef>
     <cs:defRPr sz="1197" kern="1200"/>
   </cs:valueAxis>
@@ -14124,20 +14147,14 @@
     <cs:fillRef idx="0"/>
     <cs:effectRef idx="0"/>
     <cs:fontRef idx="minor">
-      <a:schemeClr val="tx1"/>
-    </cs:fontRef>
-    <cs:spPr>
-      <a:noFill/>
-      <a:ln>
-        <a:noFill/>
-      </a:ln>
-    </cs:spPr>
+      <a:schemeClr val="tx2"/>
+    </cs:fontRef>
   </cs:wall>
 </cs:chartStyle>
 </file>
 
 <file path=ppt/charts/style9.xml><?xml version="1.0" encoding="utf-8"?>
-<cs:chartStyle xmlns:cs="http://schemas.microsoft.com/office/drawing/2012/chartStyle" xmlns:a="http://schemas.openxmlformats.org/drawingml/2006/main" id="332">
+<cs:chartStyle xmlns:cs="http://schemas.microsoft.com/office/drawing/2012/chartStyle" xmlns:a="http://schemas.openxmlformats.org/drawingml/2006/main" id="201">
   <cs:axisTitle>
     <cs:lnRef idx="0"/>
     <cs:fillRef idx="0"/>
@@ -15053,7 +15070,7 @@
           <a:p>
             <a:fld id="{E122D142-E42D-4994-9E2C-07523AF9A7C9}" type="slidenum">
               <a:rPr lang="de-DE" smtClean="0"/>
-              <a:t>9</a:t>
+              <a:t>10</a:t>
             </a:fld>
             <a:endParaRPr lang="de-DE"/>
           </a:p>
@@ -18889,6 +18906,13 @@
   <p:clrMapOvr>
     <a:masterClrMapping/>
   </p:clrMapOvr>
+  <p:timing>
+    <p:tnLst>
+      <p:par>
+        <p:cTn id="1" dur="indefinite" restart="never" nodeType="tmRoot"/>
+      </p:par>
+    </p:tnLst>
+  </p:timing>
 </p:sld>
 </file>
 
@@ -18926,847 +18950,132 @@
           <a:p>
             <a:r>
               <a:rPr lang="de-DE" dirty="0"/>
-              <a:t>45 Probanden in 3 Studiengruppen</a:t>
+              <a:t>Aufgaben </a:t>
+            </a:r>
+            <a:r>
+              <a:rPr lang="de-DE" sz="2400" dirty="0"/>
+              <a:t>(4/4) </a:t>
+            </a:r>
+            <a:r>
+              <a:rPr lang="de-DE" sz="2400" dirty="0">
+                <a:solidFill>
+                  <a:srgbClr val="FF0000"/>
+                </a:solidFill>
+              </a:rPr>
+              <a:t>das hier vielleicht rausmachen weil eh </a:t>
+            </a:r>
+            <a:r>
+              <a:rPr lang="de-DE" sz="2400" dirty="0" err="1">
+                <a:solidFill>
+                  <a:srgbClr val="FF0000"/>
+                </a:solidFill>
+              </a:rPr>
+              <a:t>video</a:t>
+            </a:r>
+            <a:r>
+              <a:rPr lang="de-DE" sz="2400" dirty="0">
+                <a:solidFill>
+                  <a:srgbClr val="FF0000"/>
+                </a:solidFill>
+              </a:rPr>
+              <a:t>?</a:t>
             </a:r>
           </a:p>
         </p:txBody>
       </p:sp>
-      <p:sp>
-        <p:nvSpPr>
-          <p:cNvPr id="6" name="Rechteck 5"/>
-          <p:cNvSpPr/>
-          <p:nvPr/>
-        </p:nvSpPr>
+      <p:pic>
+        <p:nvPicPr>
+          <p:cNvPr id="4" name="Inhaltsplatzhalter 3"/>
+          <p:cNvPicPr>
+            <a:picLocks noGrp="1" noChangeAspect="1"/>
+          </p:cNvPicPr>
+          <p:nvPr>
+            <p:ph idx="1"/>
+          </p:nvPr>
+        </p:nvPicPr>
+        <p:blipFill>
+          <a:blip r:embed="rId3" cstate="print">
+            <a:extLst>
+              <a:ext uri="{28A0092B-C50C-407E-A947-70E740481C1C}">
+                <a14:useLocalDpi xmlns:a14="http://schemas.microsoft.com/office/drawing/2010/main" val="0"/>
+              </a:ext>
+            </a:extLst>
+          </a:blip>
+          <a:stretch>
+            <a:fillRect/>
+          </a:stretch>
+        </p:blipFill>
         <p:spPr>
           <a:xfrm>
-            <a:off x="958241" y="2450757"/>
-            <a:ext cx="3060000" cy="2880000"/>
+            <a:off x="1927432" y="1481294"/>
+            <a:ext cx="3970481" cy="2520000"/>
           </a:xfrm>
-          <a:prstGeom prst="rect">
-            <a:avLst/>
-          </a:prstGeom>
-          <a:solidFill>
-            <a:srgbClr val="3288BD"/>
-          </a:solidFill>
-          <a:ln>
-            <a:noFill/>
-          </a:ln>
         </p:spPr>
-        <p:style>
-          <a:lnRef idx="2">
-            <a:schemeClr val="accent1">
-              <a:shade val="50000"/>
-            </a:schemeClr>
-          </a:lnRef>
-          <a:fillRef idx="1">
-            <a:schemeClr val="accent1"/>
-          </a:fillRef>
-          <a:effectRef idx="0">
-            <a:schemeClr val="accent1"/>
-          </a:effectRef>
-          <a:fontRef idx="minor">
-            <a:schemeClr val="lt1"/>
-          </a:fontRef>
-        </p:style>
-        <p:txBody>
-          <a:bodyPr rtlCol="0" anchor="ctr"/>
-          <a:lstStyle/>
-          <a:p>
-            <a:pPr algn="ctr"/>
-            <a:endParaRPr lang="de-DE">
-              <a:solidFill>
-                <a:srgbClr val="FF0000"/>
-              </a:solidFill>
-              <a:latin typeface="Futura Lt BT" panose="020B0402020204020303" pitchFamily="34" charset="0"/>
-            </a:endParaRPr>
-          </a:p>
-        </p:txBody>
-      </p:sp>
-      <p:sp>
-        <p:nvSpPr>
-          <p:cNvPr id="7" name="Rechteck 6"/>
-          <p:cNvSpPr/>
+      </p:pic>
+      <p:pic>
+        <p:nvPicPr>
+          <p:cNvPr id="5" name="Grafik 4"/>
+          <p:cNvPicPr>
+            <a:picLocks noChangeAspect="1"/>
+          </p:cNvPicPr>
           <p:nvPr/>
-        </p:nvSpPr>
+        </p:nvPicPr>
+        <p:blipFill>
+          <a:blip r:embed="rId4" cstate="print">
+            <a:extLst>
+              <a:ext uri="{28A0092B-C50C-407E-A947-70E740481C1C}">
+                <a14:useLocalDpi xmlns:a14="http://schemas.microsoft.com/office/drawing/2010/main" val="0"/>
+              </a:ext>
+            </a:extLst>
+          </a:blip>
+          <a:stretch>
+            <a:fillRect/>
+          </a:stretch>
+        </p:blipFill>
         <p:spPr>
           <a:xfrm>
-            <a:off x="4018241" y="2450757"/>
-            <a:ext cx="3060000" cy="2880000"/>
-          </a:xfrm>
-          <a:prstGeom prst="rect">
-            <a:avLst/>
-          </a:prstGeom>
-          <a:solidFill>
-            <a:srgbClr val="D53E4F"/>
-          </a:solidFill>
-          <a:ln>
-            <a:noFill/>
-          </a:ln>
-        </p:spPr>
-        <p:style>
-          <a:lnRef idx="2">
-            <a:schemeClr val="accent1">
-              <a:shade val="50000"/>
-            </a:schemeClr>
-          </a:lnRef>
-          <a:fillRef idx="1">
-            <a:schemeClr val="accent1"/>
-          </a:fillRef>
-          <a:effectRef idx="0">
-            <a:schemeClr val="accent1"/>
-          </a:effectRef>
-          <a:fontRef idx="minor">
-            <a:schemeClr val="lt1"/>
-          </a:fontRef>
-        </p:style>
-        <p:txBody>
-          <a:bodyPr rtlCol="0" anchor="ctr"/>
-          <a:lstStyle/>
-          <a:p>
-            <a:pPr algn="ctr"/>
-            <a:endParaRPr lang="de-DE">
-              <a:solidFill>
-                <a:srgbClr val="FF0000"/>
-              </a:solidFill>
-              <a:latin typeface="Futura Lt BT" panose="020B0402020204020303" pitchFamily="34" charset="0"/>
-            </a:endParaRPr>
-          </a:p>
-        </p:txBody>
-      </p:sp>
-      <p:sp>
-        <p:nvSpPr>
-          <p:cNvPr id="8" name="Rechteck 7"/>
-          <p:cNvSpPr/>
-          <p:nvPr/>
-        </p:nvSpPr>
-        <p:spPr>
-          <a:xfrm>
-            <a:off x="7078241" y="2450757"/>
-            <a:ext cx="3060000" cy="2880000"/>
-          </a:xfrm>
-          <a:prstGeom prst="rect">
-            <a:avLst/>
-          </a:prstGeom>
-          <a:solidFill>
-            <a:srgbClr val="FC8D59"/>
-          </a:solidFill>
-          <a:ln>
-            <a:noFill/>
-          </a:ln>
-        </p:spPr>
-        <p:style>
-          <a:lnRef idx="2">
-            <a:schemeClr val="accent1">
-              <a:shade val="50000"/>
-            </a:schemeClr>
-          </a:lnRef>
-          <a:fillRef idx="1">
-            <a:schemeClr val="accent1"/>
-          </a:fillRef>
-          <a:effectRef idx="0">
-            <a:schemeClr val="accent1"/>
-          </a:effectRef>
-          <a:fontRef idx="minor">
-            <a:schemeClr val="lt1"/>
-          </a:fontRef>
-        </p:style>
-        <p:txBody>
-          <a:bodyPr rtlCol="0" anchor="ctr"/>
-          <a:lstStyle/>
-          <a:p>
-            <a:pPr algn="ctr"/>
-            <a:endParaRPr lang="de-DE" dirty="0">
-              <a:solidFill>
-                <a:srgbClr val="FF0000"/>
-              </a:solidFill>
-              <a:latin typeface="Futura Lt BT" panose="020B0402020204020303" pitchFamily="34" charset="0"/>
-            </a:endParaRPr>
-          </a:p>
-        </p:txBody>
-      </p:sp>
-      <p:sp>
-        <p:nvSpPr>
-          <p:cNvPr id="9" name="Inhaltsplatzhalter 4"/>
-          <p:cNvSpPr txBox="1">
-            <a:spLocks/>
-          </p:cNvSpPr>
-          <p:nvPr/>
-        </p:nvSpPr>
-        <p:spPr>
-          <a:xfrm>
-            <a:off x="958241" y="2119637"/>
-            <a:ext cx="2386913" cy="360000"/>
+            <a:off x="5971945" y="1481294"/>
+            <a:ext cx="3970481" cy="2520000"/>
           </a:xfrm>
           <a:prstGeom prst="rect">
             <a:avLst/>
           </a:prstGeom>
         </p:spPr>
-        <p:txBody>
-          <a:bodyPr vert="horz" lIns="91440" tIns="45720" rIns="91440" bIns="45720" rtlCol="0">
-            <a:normAutofit lnSpcReduction="10000"/>
-          </a:bodyPr>
-          <a:lstStyle>
-            <a:lvl1pPr marL="228600" indent="-228600" algn="l" defTabSz="914400" rtl="0" eaLnBrk="1" latinLnBrk="0" hangingPunct="1">
-              <a:lnSpc>
-                <a:spcPct val="90000"/>
-              </a:lnSpc>
-              <a:spcBef>
-                <a:spcPts val="1000"/>
-              </a:spcBef>
-              <a:buFont typeface="Arial" panose="020B0604020202020204" pitchFamily="34" charset="0"/>
-              <a:buChar char="•"/>
-              <a:defRPr sz="2800" kern="1200">
-                <a:solidFill>
-                  <a:schemeClr val="tx1"/>
-                </a:solidFill>
-                <a:latin typeface="+mn-lt"/>
-                <a:ea typeface="+mn-ea"/>
-                <a:cs typeface="+mn-cs"/>
-              </a:defRPr>
-            </a:lvl1pPr>
-            <a:lvl2pPr marL="685800" indent="-228600" algn="l" defTabSz="914400" rtl="0" eaLnBrk="1" latinLnBrk="0" hangingPunct="1">
-              <a:lnSpc>
-                <a:spcPct val="90000"/>
-              </a:lnSpc>
-              <a:spcBef>
-                <a:spcPts val="500"/>
-              </a:spcBef>
-              <a:buFont typeface="Arial" panose="020B0604020202020204" pitchFamily="34" charset="0"/>
-              <a:buChar char="•"/>
-              <a:defRPr sz="2400" kern="1200">
-                <a:solidFill>
-                  <a:schemeClr val="tx1"/>
-                </a:solidFill>
-                <a:latin typeface="+mn-lt"/>
-                <a:ea typeface="+mn-ea"/>
-                <a:cs typeface="+mn-cs"/>
-              </a:defRPr>
-            </a:lvl2pPr>
-            <a:lvl3pPr marL="1143000" indent="-228600" algn="l" defTabSz="914400" rtl="0" eaLnBrk="1" latinLnBrk="0" hangingPunct="1">
-              <a:lnSpc>
-                <a:spcPct val="90000"/>
-              </a:lnSpc>
-              <a:spcBef>
-                <a:spcPts val="500"/>
-              </a:spcBef>
-              <a:buFont typeface="Arial" panose="020B0604020202020204" pitchFamily="34" charset="0"/>
-              <a:buChar char="•"/>
-              <a:defRPr sz="2000" kern="1200">
-                <a:solidFill>
-                  <a:schemeClr val="tx1"/>
-                </a:solidFill>
-                <a:latin typeface="+mn-lt"/>
-                <a:ea typeface="+mn-ea"/>
-                <a:cs typeface="+mn-cs"/>
-              </a:defRPr>
-            </a:lvl3pPr>
-            <a:lvl4pPr marL="1600200" indent="-228600" algn="l" defTabSz="914400" rtl="0" eaLnBrk="1" latinLnBrk="0" hangingPunct="1">
-              <a:lnSpc>
-                <a:spcPct val="90000"/>
-              </a:lnSpc>
-              <a:spcBef>
-                <a:spcPts val="500"/>
-              </a:spcBef>
-              <a:buFont typeface="Arial" panose="020B0604020202020204" pitchFamily="34" charset="0"/>
-              <a:buChar char="•"/>
-              <a:defRPr sz="1800" kern="1200">
-                <a:solidFill>
-                  <a:schemeClr val="tx1"/>
-                </a:solidFill>
-                <a:latin typeface="+mn-lt"/>
-                <a:ea typeface="+mn-ea"/>
-                <a:cs typeface="+mn-cs"/>
-              </a:defRPr>
-            </a:lvl4pPr>
-            <a:lvl5pPr marL="2057400" indent="-228600" algn="l" defTabSz="914400" rtl="0" eaLnBrk="1" latinLnBrk="0" hangingPunct="1">
-              <a:lnSpc>
-                <a:spcPct val="90000"/>
-              </a:lnSpc>
-              <a:spcBef>
-                <a:spcPts val="500"/>
-              </a:spcBef>
-              <a:buFont typeface="Arial" panose="020B0604020202020204" pitchFamily="34" charset="0"/>
-              <a:buChar char="•"/>
-              <a:defRPr sz="1800" kern="1200">
-                <a:solidFill>
-                  <a:schemeClr val="tx1"/>
-                </a:solidFill>
-                <a:latin typeface="+mn-lt"/>
-                <a:ea typeface="+mn-ea"/>
-                <a:cs typeface="+mn-cs"/>
-              </a:defRPr>
-            </a:lvl5pPr>
-            <a:lvl6pPr marL="2514600" indent="-228600" algn="l" defTabSz="914400" rtl="0" eaLnBrk="1" latinLnBrk="0" hangingPunct="1">
-              <a:lnSpc>
-                <a:spcPct val="90000"/>
-              </a:lnSpc>
-              <a:spcBef>
-                <a:spcPts val="500"/>
-              </a:spcBef>
-              <a:buFont typeface="Arial" panose="020B0604020202020204" pitchFamily="34" charset="0"/>
-              <a:buChar char="•"/>
-              <a:defRPr sz="1800" kern="1200">
-                <a:solidFill>
-                  <a:schemeClr val="tx1"/>
-                </a:solidFill>
-                <a:latin typeface="+mn-lt"/>
-                <a:ea typeface="+mn-ea"/>
-                <a:cs typeface="+mn-cs"/>
-              </a:defRPr>
-            </a:lvl6pPr>
-            <a:lvl7pPr marL="2971800" indent="-228600" algn="l" defTabSz="914400" rtl="0" eaLnBrk="1" latinLnBrk="0" hangingPunct="1">
-              <a:lnSpc>
-                <a:spcPct val="90000"/>
-              </a:lnSpc>
-              <a:spcBef>
-                <a:spcPts val="500"/>
-              </a:spcBef>
-              <a:buFont typeface="Arial" panose="020B0604020202020204" pitchFamily="34" charset="0"/>
-              <a:buChar char="•"/>
-              <a:defRPr sz="1800" kern="1200">
-                <a:solidFill>
-                  <a:schemeClr val="tx1"/>
-                </a:solidFill>
-                <a:latin typeface="+mn-lt"/>
-                <a:ea typeface="+mn-ea"/>
-                <a:cs typeface="+mn-cs"/>
-              </a:defRPr>
-            </a:lvl7pPr>
-            <a:lvl8pPr marL="3429000" indent="-228600" algn="l" defTabSz="914400" rtl="0" eaLnBrk="1" latinLnBrk="0" hangingPunct="1">
-              <a:lnSpc>
-                <a:spcPct val="90000"/>
-              </a:lnSpc>
-              <a:spcBef>
-                <a:spcPts val="500"/>
-              </a:spcBef>
-              <a:buFont typeface="Arial" panose="020B0604020202020204" pitchFamily="34" charset="0"/>
-              <a:buChar char="•"/>
-              <a:defRPr sz="1800" kern="1200">
-                <a:solidFill>
-                  <a:schemeClr val="tx1"/>
-                </a:solidFill>
-                <a:latin typeface="+mn-lt"/>
-                <a:ea typeface="+mn-ea"/>
-                <a:cs typeface="+mn-cs"/>
-              </a:defRPr>
-            </a:lvl8pPr>
-            <a:lvl9pPr marL="3886200" indent="-228600" algn="l" defTabSz="914400" rtl="0" eaLnBrk="1" latinLnBrk="0" hangingPunct="1">
-              <a:lnSpc>
-                <a:spcPct val="90000"/>
-              </a:lnSpc>
-              <a:spcBef>
-                <a:spcPts val="500"/>
-              </a:spcBef>
-              <a:buFont typeface="Arial" panose="020B0604020202020204" pitchFamily="34" charset="0"/>
-              <a:buChar char="•"/>
-              <a:defRPr sz="1800" kern="1200">
-                <a:solidFill>
-                  <a:schemeClr val="tx1"/>
-                </a:solidFill>
-                <a:latin typeface="+mn-lt"/>
-                <a:ea typeface="+mn-ea"/>
-                <a:cs typeface="+mn-cs"/>
-              </a:defRPr>
-            </a:lvl9pPr>
-          </a:lstStyle>
-          <a:p>
-            <a:pPr marL="0" indent="0">
-              <a:buFont typeface="Arial" panose="020B0604020202020204" pitchFamily="34" charset="0"/>
-              <a:buNone/>
-            </a:pPr>
-            <a:r>
-              <a:rPr lang="de-DE" sz="2000" dirty="0">
-                <a:solidFill>
-                  <a:srgbClr val="CDB380"/>
-                </a:solidFill>
-                <a:latin typeface="Futura Lt BT" panose="020B0402020204020303" pitchFamily="34" charset="0"/>
-              </a:rPr>
-              <a:t>Alarm</a:t>
-            </a:r>
-          </a:p>
-        </p:txBody>
-      </p:sp>
-      <p:sp>
-        <p:nvSpPr>
-          <p:cNvPr id="10" name="Inhaltsplatzhalter 4"/>
-          <p:cNvSpPr txBox="1">
-            <a:spLocks/>
-          </p:cNvSpPr>
+      </p:pic>
+      <p:pic>
+        <p:nvPicPr>
+          <p:cNvPr id="6" name="Grafik 5"/>
+          <p:cNvPicPr>
+            <a:picLocks noChangeAspect="1"/>
+          </p:cNvPicPr>
           <p:nvPr/>
-        </p:nvSpPr>
+        </p:nvPicPr>
+        <p:blipFill>
+          <a:blip r:embed="rId5" cstate="print">
+            <a:extLst>
+              <a:ext uri="{28A0092B-C50C-407E-A947-70E740481C1C}">
+                <a14:useLocalDpi xmlns:a14="http://schemas.microsoft.com/office/drawing/2010/main" val="0"/>
+              </a:ext>
+            </a:extLst>
+          </a:blip>
+          <a:stretch>
+            <a:fillRect/>
+          </a:stretch>
+        </p:blipFill>
         <p:spPr>
           <a:xfrm>
-            <a:off x="4018241" y="2119637"/>
-            <a:ext cx="2458995" cy="360000"/>
+            <a:off x="1927432" y="4088130"/>
+            <a:ext cx="3970481" cy="2520000"/>
           </a:xfrm>
           <a:prstGeom prst="rect">
             <a:avLst/>
           </a:prstGeom>
         </p:spPr>
-        <p:txBody>
-          <a:bodyPr vert="horz" lIns="91440" tIns="45720" rIns="91440" bIns="45720" rtlCol="0">
-            <a:normAutofit lnSpcReduction="10000"/>
-          </a:bodyPr>
-          <a:lstStyle>
-            <a:lvl1pPr marL="228600" indent="-228600" algn="l" defTabSz="914400" rtl="0" eaLnBrk="1" latinLnBrk="0" hangingPunct="1">
-              <a:lnSpc>
-                <a:spcPct val="90000"/>
-              </a:lnSpc>
-              <a:spcBef>
-                <a:spcPts val="1000"/>
-              </a:spcBef>
-              <a:buFont typeface="Arial" panose="020B0604020202020204" pitchFamily="34" charset="0"/>
-              <a:buChar char="•"/>
-              <a:defRPr sz="2800" kern="1200">
-                <a:solidFill>
-                  <a:schemeClr val="tx1"/>
-                </a:solidFill>
-                <a:latin typeface="+mn-lt"/>
-                <a:ea typeface="+mn-ea"/>
-                <a:cs typeface="+mn-cs"/>
-              </a:defRPr>
-            </a:lvl1pPr>
-            <a:lvl2pPr marL="685800" indent="-228600" algn="l" defTabSz="914400" rtl="0" eaLnBrk="1" latinLnBrk="0" hangingPunct="1">
-              <a:lnSpc>
-                <a:spcPct val="90000"/>
-              </a:lnSpc>
-              <a:spcBef>
-                <a:spcPts val="500"/>
-              </a:spcBef>
-              <a:buFont typeface="Arial" panose="020B0604020202020204" pitchFamily="34" charset="0"/>
-              <a:buChar char="•"/>
-              <a:defRPr sz="2400" kern="1200">
-                <a:solidFill>
-                  <a:schemeClr val="tx1"/>
-                </a:solidFill>
-                <a:latin typeface="+mn-lt"/>
-                <a:ea typeface="+mn-ea"/>
-                <a:cs typeface="+mn-cs"/>
-              </a:defRPr>
-            </a:lvl2pPr>
-            <a:lvl3pPr marL="1143000" indent="-228600" algn="l" defTabSz="914400" rtl="0" eaLnBrk="1" latinLnBrk="0" hangingPunct="1">
-              <a:lnSpc>
-                <a:spcPct val="90000"/>
-              </a:lnSpc>
-              <a:spcBef>
-                <a:spcPts val="500"/>
-              </a:spcBef>
-              <a:buFont typeface="Arial" panose="020B0604020202020204" pitchFamily="34" charset="0"/>
-              <a:buChar char="•"/>
-              <a:defRPr sz="2000" kern="1200">
-                <a:solidFill>
-                  <a:schemeClr val="tx1"/>
-                </a:solidFill>
-                <a:latin typeface="+mn-lt"/>
-                <a:ea typeface="+mn-ea"/>
-                <a:cs typeface="+mn-cs"/>
-              </a:defRPr>
-            </a:lvl3pPr>
-            <a:lvl4pPr marL="1600200" indent="-228600" algn="l" defTabSz="914400" rtl="0" eaLnBrk="1" latinLnBrk="0" hangingPunct="1">
-              <a:lnSpc>
-                <a:spcPct val="90000"/>
-              </a:lnSpc>
-              <a:spcBef>
-                <a:spcPts val="500"/>
-              </a:spcBef>
-              <a:buFont typeface="Arial" panose="020B0604020202020204" pitchFamily="34" charset="0"/>
-              <a:buChar char="•"/>
-              <a:defRPr sz="1800" kern="1200">
-                <a:solidFill>
-                  <a:schemeClr val="tx1"/>
-                </a:solidFill>
-                <a:latin typeface="+mn-lt"/>
-                <a:ea typeface="+mn-ea"/>
-                <a:cs typeface="+mn-cs"/>
-              </a:defRPr>
-            </a:lvl4pPr>
-            <a:lvl5pPr marL="2057400" indent="-228600" algn="l" defTabSz="914400" rtl="0" eaLnBrk="1" latinLnBrk="0" hangingPunct="1">
-              <a:lnSpc>
-                <a:spcPct val="90000"/>
-              </a:lnSpc>
-              <a:spcBef>
-                <a:spcPts val="500"/>
-              </a:spcBef>
-              <a:buFont typeface="Arial" panose="020B0604020202020204" pitchFamily="34" charset="0"/>
-              <a:buChar char="•"/>
-              <a:defRPr sz="1800" kern="1200">
-                <a:solidFill>
-                  <a:schemeClr val="tx1"/>
-                </a:solidFill>
-                <a:latin typeface="+mn-lt"/>
-                <a:ea typeface="+mn-ea"/>
-                <a:cs typeface="+mn-cs"/>
-              </a:defRPr>
-            </a:lvl5pPr>
-            <a:lvl6pPr marL="2514600" indent="-228600" algn="l" defTabSz="914400" rtl="0" eaLnBrk="1" latinLnBrk="0" hangingPunct="1">
-              <a:lnSpc>
-                <a:spcPct val="90000"/>
-              </a:lnSpc>
-              <a:spcBef>
-                <a:spcPts val="500"/>
-              </a:spcBef>
-              <a:buFont typeface="Arial" panose="020B0604020202020204" pitchFamily="34" charset="0"/>
-              <a:buChar char="•"/>
-              <a:defRPr sz="1800" kern="1200">
-                <a:solidFill>
-                  <a:schemeClr val="tx1"/>
-                </a:solidFill>
-                <a:latin typeface="+mn-lt"/>
-                <a:ea typeface="+mn-ea"/>
-                <a:cs typeface="+mn-cs"/>
-              </a:defRPr>
-            </a:lvl6pPr>
-            <a:lvl7pPr marL="2971800" indent="-228600" algn="l" defTabSz="914400" rtl="0" eaLnBrk="1" latinLnBrk="0" hangingPunct="1">
-              <a:lnSpc>
-                <a:spcPct val="90000"/>
-              </a:lnSpc>
-              <a:spcBef>
-                <a:spcPts val="500"/>
-              </a:spcBef>
-              <a:buFont typeface="Arial" panose="020B0604020202020204" pitchFamily="34" charset="0"/>
-              <a:buChar char="•"/>
-              <a:defRPr sz="1800" kern="1200">
-                <a:solidFill>
-                  <a:schemeClr val="tx1"/>
-                </a:solidFill>
-                <a:latin typeface="+mn-lt"/>
-                <a:ea typeface="+mn-ea"/>
-                <a:cs typeface="+mn-cs"/>
-              </a:defRPr>
-            </a:lvl7pPr>
-            <a:lvl8pPr marL="3429000" indent="-228600" algn="l" defTabSz="914400" rtl="0" eaLnBrk="1" latinLnBrk="0" hangingPunct="1">
-              <a:lnSpc>
-                <a:spcPct val="90000"/>
-              </a:lnSpc>
-              <a:spcBef>
-                <a:spcPts val="500"/>
-              </a:spcBef>
-              <a:buFont typeface="Arial" panose="020B0604020202020204" pitchFamily="34" charset="0"/>
-              <a:buChar char="•"/>
-              <a:defRPr sz="1800" kern="1200">
-                <a:solidFill>
-                  <a:schemeClr val="tx1"/>
-                </a:solidFill>
-                <a:latin typeface="+mn-lt"/>
-                <a:ea typeface="+mn-ea"/>
-                <a:cs typeface="+mn-cs"/>
-              </a:defRPr>
-            </a:lvl8pPr>
-            <a:lvl9pPr marL="3886200" indent="-228600" algn="l" defTabSz="914400" rtl="0" eaLnBrk="1" latinLnBrk="0" hangingPunct="1">
-              <a:lnSpc>
-                <a:spcPct val="90000"/>
-              </a:lnSpc>
-              <a:spcBef>
-                <a:spcPts val="500"/>
-              </a:spcBef>
-              <a:buFont typeface="Arial" panose="020B0604020202020204" pitchFamily="34" charset="0"/>
-              <a:buChar char="•"/>
-              <a:defRPr sz="1800" kern="1200">
-                <a:solidFill>
-                  <a:schemeClr val="tx1"/>
-                </a:solidFill>
-                <a:latin typeface="+mn-lt"/>
-                <a:ea typeface="+mn-ea"/>
-                <a:cs typeface="+mn-cs"/>
-              </a:defRPr>
-            </a:lvl9pPr>
-          </a:lstStyle>
-          <a:p>
-            <a:pPr marL="0" indent="0">
-              <a:buFont typeface="Arial" panose="020B0604020202020204" pitchFamily="34" charset="0"/>
-              <a:buNone/>
-            </a:pPr>
-            <a:r>
-              <a:rPr lang="de-DE" sz="2000" dirty="0">
-                <a:solidFill>
-                  <a:srgbClr val="CDB380"/>
-                </a:solidFill>
-                <a:latin typeface="Futura Lt BT" panose="020B0402020204020303" pitchFamily="34" charset="0"/>
-              </a:rPr>
-              <a:t>Fade 20</a:t>
-            </a:r>
-          </a:p>
-        </p:txBody>
-      </p:sp>
-      <p:sp>
-        <p:nvSpPr>
-          <p:cNvPr id="15" name="Inhaltsplatzhalter 4">
-            <a:extLst>
-              <a:ext uri="{FF2B5EF4-FFF2-40B4-BE49-F238E27FC236}">
-                <a16:creationId xmlns:a16="http://schemas.microsoft.com/office/drawing/2014/main" id="{2B5225F9-A453-4D73-AE00-35BF68CAE4BB}"/>
-              </a:ext>
-            </a:extLst>
-          </p:cNvPr>
-          <p:cNvSpPr txBox="1">
-            <a:spLocks/>
-          </p:cNvSpPr>
-          <p:nvPr/>
-        </p:nvSpPr>
-        <p:spPr>
-          <a:xfrm>
-            <a:off x="7078241" y="2119637"/>
-            <a:ext cx="2458995" cy="360000"/>
-          </a:xfrm>
-          <a:prstGeom prst="rect">
-            <a:avLst/>
-          </a:prstGeom>
-        </p:spPr>
-        <p:txBody>
-          <a:bodyPr vert="horz" lIns="91440" tIns="45720" rIns="91440" bIns="45720" rtlCol="0">
-            <a:normAutofit lnSpcReduction="10000"/>
-          </a:bodyPr>
-          <a:lstStyle>
-            <a:lvl1pPr marL="228600" indent="-228600" algn="l" defTabSz="914400" rtl="0" eaLnBrk="1" latinLnBrk="0" hangingPunct="1">
-              <a:lnSpc>
-                <a:spcPct val="90000"/>
-              </a:lnSpc>
-              <a:spcBef>
-                <a:spcPts val="1000"/>
-              </a:spcBef>
-              <a:buFont typeface="Arial" panose="020B0604020202020204" pitchFamily="34" charset="0"/>
-              <a:buChar char="•"/>
-              <a:defRPr sz="2800" kern="1200">
-                <a:solidFill>
-                  <a:schemeClr val="tx1"/>
-                </a:solidFill>
-                <a:latin typeface="+mn-lt"/>
-                <a:ea typeface="+mn-ea"/>
-                <a:cs typeface="+mn-cs"/>
-              </a:defRPr>
-            </a:lvl1pPr>
-            <a:lvl2pPr marL="685800" indent="-228600" algn="l" defTabSz="914400" rtl="0" eaLnBrk="1" latinLnBrk="0" hangingPunct="1">
-              <a:lnSpc>
-                <a:spcPct val="90000"/>
-              </a:lnSpc>
-              <a:spcBef>
-                <a:spcPts val="500"/>
-              </a:spcBef>
-              <a:buFont typeface="Arial" panose="020B0604020202020204" pitchFamily="34" charset="0"/>
-              <a:buChar char="•"/>
-              <a:defRPr sz="2400" kern="1200">
-                <a:solidFill>
-                  <a:schemeClr val="tx1"/>
-                </a:solidFill>
-                <a:latin typeface="+mn-lt"/>
-                <a:ea typeface="+mn-ea"/>
-                <a:cs typeface="+mn-cs"/>
-              </a:defRPr>
-            </a:lvl2pPr>
-            <a:lvl3pPr marL="1143000" indent="-228600" algn="l" defTabSz="914400" rtl="0" eaLnBrk="1" latinLnBrk="0" hangingPunct="1">
-              <a:lnSpc>
-                <a:spcPct val="90000"/>
-              </a:lnSpc>
-              <a:spcBef>
-                <a:spcPts val="500"/>
-              </a:spcBef>
-              <a:buFont typeface="Arial" panose="020B0604020202020204" pitchFamily="34" charset="0"/>
-              <a:buChar char="•"/>
-              <a:defRPr sz="2000" kern="1200">
-                <a:solidFill>
-                  <a:schemeClr val="tx1"/>
-                </a:solidFill>
-                <a:latin typeface="+mn-lt"/>
-                <a:ea typeface="+mn-ea"/>
-                <a:cs typeface="+mn-cs"/>
-              </a:defRPr>
-            </a:lvl3pPr>
-            <a:lvl4pPr marL="1600200" indent="-228600" algn="l" defTabSz="914400" rtl="0" eaLnBrk="1" latinLnBrk="0" hangingPunct="1">
-              <a:lnSpc>
-                <a:spcPct val="90000"/>
-              </a:lnSpc>
-              <a:spcBef>
-                <a:spcPts val="500"/>
-              </a:spcBef>
-              <a:buFont typeface="Arial" panose="020B0604020202020204" pitchFamily="34" charset="0"/>
-              <a:buChar char="•"/>
-              <a:defRPr sz="1800" kern="1200">
-                <a:solidFill>
-                  <a:schemeClr val="tx1"/>
-                </a:solidFill>
-                <a:latin typeface="+mn-lt"/>
-                <a:ea typeface="+mn-ea"/>
-                <a:cs typeface="+mn-cs"/>
-              </a:defRPr>
-            </a:lvl4pPr>
-            <a:lvl5pPr marL="2057400" indent="-228600" algn="l" defTabSz="914400" rtl="0" eaLnBrk="1" latinLnBrk="0" hangingPunct="1">
-              <a:lnSpc>
-                <a:spcPct val="90000"/>
-              </a:lnSpc>
-              <a:spcBef>
-                <a:spcPts val="500"/>
-              </a:spcBef>
-              <a:buFont typeface="Arial" panose="020B0604020202020204" pitchFamily="34" charset="0"/>
-              <a:buChar char="•"/>
-              <a:defRPr sz="1800" kern="1200">
-                <a:solidFill>
-                  <a:schemeClr val="tx1"/>
-                </a:solidFill>
-                <a:latin typeface="+mn-lt"/>
-                <a:ea typeface="+mn-ea"/>
-                <a:cs typeface="+mn-cs"/>
-              </a:defRPr>
-            </a:lvl5pPr>
-            <a:lvl6pPr marL="2514600" indent="-228600" algn="l" defTabSz="914400" rtl="0" eaLnBrk="1" latinLnBrk="0" hangingPunct="1">
-              <a:lnSpc>
-                <a:spcPct val="90000"/>
-              </a:lnSpc>
-              <a:spcBef>
-                <a:spcPts val="500"/>
-              </a:spcBef>
-              <a:buFont typeface="Arial" panose="020B0604020202020204" pitchFamily="34" charset="0"/>
-              <a:buChar char="•"/>
-              <a:defRPr sz="1800" kern="1200">
-                <a:solidFill>
-                  <a:schemeClr val="tx1"/>
-                </a:solidFill>
-                <a:latin typeface="+mn-lt"/>
-                <a:ea typeface="+mn-ea"/>
-                <a:cs typeface="+mn-cs"/>
-              </a:defRPr>
-            </a:lvl6pPr>
-            <a:lvl7pPr marL="2971800" indent="-228600" algn="l" defTabSz="914400" rtl="0" eaLnBrk="1" latinLnBrk="0" hangingPunct="1">
-              <a:lnSpc>
-                <a:spcPct val="90000"/>
-              </a:lnSpc>
-              <a:spcBef>
-                <a:spcPts val="500"/>
-              </a:spcBef>
-              <a:buFont typeface="Arial" panose="020B0604020202020204" pitchFamily="34" charset="0"/>
-              <a:buChar char="•"/>
-              <a:defRPr sz="1800" kern="1200">
-                <a:solidFill>
-                  <a:schemeClr val="tx1"/>
-                </a:solidFill>
-                <a:latin typeface="+mn-lt"/>
-                <a:ea typeface="+mn-ea"/>
-                <a:cs typeface="+mn-cs"/>
-              </a:defRPr>
-            </a:lvl7pPr>
-            <a:lvl8pPr marL="3429000" indent="-228600" algn="l" defTabSz="914400" rtl="0" eaLnBrk="1" latinLnBrk="0" hangingPunct="1">
-              <a:lnSpc>
-                <a:spcPct val="90000"/>
-              </a:lnSpc>
-              <a:spcBef>
-                <a:spcPts val="500"/>
-              </a:spcBef>
-              <a:buFont typeface="Arial" panose="020B0604020202020204" pitchFamily="34" charset="0"/>
-              <a:buChar char="•"/>
-              <a:defRPr sz="1800" kern="1200">
-                <a:solidFill>
-                  <a:schemeClr val="tx1"/>
-                </a:solidFill>
-                <a:latin typeface="+mn-lt"/>
-                <a:ea typeface="+mn-ea"/>
-                <a:cs typeface="+mn-cs"/>
-              </a:defRPr>
-            </a:lvl8pPr>
-            <a:lvl9pPr marL="3886200" indent="-228600" algn="l" defTabSz="914400" rtl="0" eaLnBrk="1" latinLnBrk="0" hangingPunct="1">
-              <a:lnSpc>
-                <a:spcPct val="90000"/>
-              </a:lnSpc>
-              <a:spcBef>
-                <a:spcPts val="500"/>
-              </a:spcBef>
-              <a:buFont typeface="Arial" panose="020B0604020202020204" pitchFamily="34" charset="0"/>
-              <a:buChar char="•"/>
-              <a:defRPr sz="1800" kern="1200">
-                <a:solidFill>
-                  <a:schemeClr val="tx1"/>
-                </a:solidFill>
-                <a:latin typeface="+mn-lt"/>
-                <a:ea typeface="+mn-ea"/>
-                <a:cs typeface="+mn-cs"/>
-              </a:defRPr>
-            </a:lvl9pPr>
-          </a:lstStyle>
-          <a:p>
-            <a:pPr marL="0" indent="0">
-              <a:buNone/>
-            </a:pPr>
-            <a:r>
-              <a:rPr lang="de-DE" sz="2000" dirty="0">
-                <a:solidFill>
-                  <a:srgbClr val="CDB380"/>
-                </a:solidFill>
-                <a:latin typeface="Futura Lt BT" panose="020B0402020204020303" pitchFamily="34" charset="0"/>
-              </a:rPr>
-              <a:t>Fade 5</a:t>
-            </a:r>
-          </a:p>
-        </p:txBody>
-      </p:sp>
-      <p:sp>
-        <p:nvSpPr>
-          <p:cNvPr id="11" name="Titel 1"/>
-          <p:cNvSpPr txBox="1">
-            <a:spLocks/>
-          </p:cNvSpPr>
-          <p:nvPr/>
-        </p:nvSpPr>
-        <p:spPr>
-          <a:xfrm>
-            <a:off x="1046205" y="5532437"/>
-            <a:ext cx="10515600" cy="1325563"/>
-          </a:xfrm>
-          <a:prstGeom prst="rect">
-            <a:avLst/>
-          </a:prstGeom>
-        </p:spPr>
-        <p:txBody>
-          <a:bodyPr vert="horz" lIns="91440" tIns="45720" rIns="91440" bIns="45720" rtlCol="0" anchor="ctr">
-            <a:normAutofit/>
-          </a:bodyPr>
-          <a:lstStyle>
-            <a:lvl1pPr algn="l" defTabSz="914400" rtl="0" eaLnBrk="1" latinLnBrk="0" hangingPunct="1">
-              <a:lnSpc>
-                <a:spcPct val="90000"/>
-              </a:lnSpc>
-              <a:spcBef>
-                <a:spcPct val="0"/>
-              </a:spcBef>
-              <a:buNone/>
-              <a:defRPr sz="4400" kern="1200">
-                <a:solidFill>
-                  <a:srgbClr val="0D6F6E"/>
-                </a:solidFill>
-                <a:latin typeface="Futura Lt BT" panose="020B0402020204020303" pitchFamily="34" charset="0"/>
-                <a:ea typeface="+mj-ea"/>
-                <a:cs typeface="+mj-cs"/>
-              </a:defRPr>
-            </a:lvl1pPr>
-          </a:lstStyle>
-          <a:p>
-            <a:r>
-              <a:rPr lang="de-DE" sz="2000" dirty="0">
-                <a:solidFill>
-                  <a:srgbClr val="FF0000"/>
-                </a:solidFill>
-              </a:rPr>
-              <a:t>Die Folie vielleicht nach Herangehensweise beim erklären der </a:t>
-            </a:r>
-            <a:r>
-              <a:rPr lang="de-DE" sz="2000" dirty="0" err="1">
-                <a:solidFill>
-                  <a:srgbClr val="FF0000"/>
-                </a:solidFill>
-              </a:rPr>
-              <a:t>Paramter</a:t>
-            </a:r>
-            <a:r>
-              <a:rPr lang="de-DE" sz="2000" dirty="0">
-                <a:solidFill>
-                  <a:srgbClr val="FF0000"/>
-                </a:solidFill>
-              </a:rPr>
-              <a:t> die wir untersuchen werden? </a:t>
-            </a:r>
-          </a:p>
-        </p:txBody>
-      </p:sp>
+      </p:pic>
     </p:spTree>
     <p:extLst>
       <p:ext uri="{BB962C8B-B14F-4D97-AF65-F5344CB8AC3E}">
-        <p14:creationId xmlns:p14="http://schemas.microsoft.com/office/powerpoint/2010/main" val="2784682653"/>
+        <p14:creationId xmlns:p14="http://schemas.microsoft.com/office/powerpoint/2010/main" val="3637224668"/>
       </p:ext>
     </p:extLst>
   </p:cSld>
@@ -19776,163 +19085,9 @@
   <p:timing>
     <p:tnLst>
       <p:par>
-        <p:cTn id="1" dur="indefinite" restart="never" nodeType="tmRoot">
-          <p:childTnLst>
-            <p:seq concurrent="1" nextAc="seek">
-              <p:cTn id="2" dur="indefinite" nodeType="mainSeq">
-                <p:childTnLst>
-                  <p:par>
-                    <p:cTn id="3" fill="hold">
-                      <p:stCondLst>
-                        <p:cond delay="indefinite"/>
-                        <p:cond evt="onBegin" delay="0">
-                          <p:tn val="2"/>
-                        </p:cond>
-                      </p:stCondLst>
-                      <p:childTnLst>
-                        <p:par>
-                          <p:cTn id="4" fill="hold">
-                            <p:stCondLst>
-                              <p:cond delay="0"/>
-                            </p:stCondLst>
-                            <p:childTnLst>
-                              <p:par>
-                                <p:cTn id="5" presetID="22" presetClass="entr" presetSubtype="8" fill="hold" grpId="0" nodeType="withEffect">
-                                  <p:stCondLst>
-                                    <p:cond delay="0"/>
-                                  </p:stCondLst>
-                                  <p:childTnLst>
-                                    <p:set>
-                                      <p:cBhvr>
-                                        <p:cTn id="6" dur="1" fill="hold">
-                                          <p:stCondLst>
-                                            <p:cond delay="0"/>
-                                          </p:stCondLst>
-                                        </p:cTn>
-                                        <p:tgtEl>
-                                          <p:spTgt spid="6"/>
-                                        </p:tgtEl>
-                                        <p:attrNameLst>
-                                          <p:attrName>style.visibility</p:attrName>
-                                        </p:attrNameLst>
-                                      </p:cBhvr>
-                                      <p:to>
-                                        <p:strVal val="visible"/>
-                                      </p:to>
-                                    </p:set>
-                                    <p:animEffect transition="in" filter="wipe(left)">
-                                      <p:cBhvr>
-                                        <p:cTn id="7" dur="400"/>
-                                        <p:tgtEl>
-                                          <p:spTgt spid="6"/>
-                                        </p:tgtEl>
-                                      </p:cBhvr>
-                                    </p:animEffect>
-                                  </p:childTnLst>
-                                </p:cTn>
-                              </p:par>
-                              <p:par>
-                                <p:cTn id="8" presetID="22" presetClass="entr" presetSubtype="8" fill="hold" grpId="0" nodeType="withEffect">
-                                  <p:stCondLst>
-                                    <p:cond delay="100"/>
-                                  </p:stCondLst>
-                                  <p:childTnLst>
-                                    <p:set>
-                                      <p:cBhvr>
-                                        <p:cTn id="9" dur="1" fill="hold">
-                                          <p:stCondLst>
-                                            <p:cond delay="0"/>
-                                          </p:stCondLst>
-                                        </p:cTn>
-                                        <p:tgtEl>
-                                          <p:spTgt spid="7"/>
-                                        </p:tgtEl>
-                                        <p:attrNameLst>
-                                          <p:attrName>style.visibility</p:attrName>
-                                        </p:attrNameLst>
-                                      </p:cBhvr>
-                                      <p:to>
-                                        <p:strVal val="visible"/>
-                                      </p:to>
-                                    </p:set>
-                                    <p:animEffect transition="in" filter="wipe(left)">
-                                      <p:cBhvr>
-                                        <p:cTn id="10" dur="400"/>
-                                        <p:tgtEl>
-                                          <p:spTgt spid="7"/>
-                                        </p:tgtEl>
-                                      </p:cBhvr>
-                                    </p:animEffect>
-                                  </p:childTnLst>
-                                </p:cTn>
-                              </p:par>
-                              <p:par>
-                                <p:cTn id="11" presetID="22" presetClass="entr" presetSubtype="8" fill="hold" grpId="0" nodeType="withEffect">
-                                  <p:stCondLst>
-                                    <p:cond delay="200"/>
-                                  </p:stCondLst>
-                                  <p:childTnLst>
-                                    <p:set>
-                                      <p:cBhvr>
-                                        <p:cTn id="12" dur="1" fill="hold">
-                                          <p:stCondLst>
-                                            <p:cond delay="0"/>
-                                          </p:stCondLst>
-                                        </p:cTn>
-                                        <p:tgtEl>
-                                          <p:spTgt spid="8"/>
-                                        </p:tgtEl>
-                                        <p:attrNameLst>
-                                          <p:attrName>style.visibility</p:attrName>
-                                        </p:attrNameLst>
-                                      </p:cBhvr>
-                                      <p:to>
-                                        <p:strVal val="visible"/>
-                                      </p:to>
-                                    </p:set>
-                                    <p:animEffect transition="in" filter="wipe(left)">
-                                      <p:cBhvr>
-                                        <p:cTn id="13" dur="400"/>
-                                        <p:tgtEl>
-                                          <p:spTgt spid="8"/>
-                                        </p:tgtEl>
-                                      </p:cBhvr>
-                                    </p:animEffect>
-                                  </p:childTnLst>
-                                </p:cTn>
-                              </p:par>
-                            </p:childTnLst>
-                          </p:cTn>
-                        </p:par>
-                      </p:childTnLst>
-                    </p:cTn>
-                  </p:par>
-                </p:childTnLst>
-              </p:cTn>
-              <p:prevCondLst>
-                <p:cond evt="onPrev" delay="0">
-                  <p:tgtEl>
-                    <p:sldTgt/>
-                  </p:tgtEl>
-                </p:cond>
-              </p:prevCondLst>
-              <p:nextCondLst>
-                <p:cond evt="onNext" delay="0">
-                  <p:tgtEl>
-                    <p:sldTgt/>
-                  </p:tgtEl>
-                </p:cond>
-              </p:nextCondLst>
-            </p:seq>
-          </p:childTnLst>
-        </p:cTn>
+        <p:cTn id="1" dur="indefinite" restart="never" nodeType="tmRoot"/>
       </p:par>
     </p:tnLst>
-    <p:bldLst>
-      <p:bldP spid="6" grpId="0" animBg="1"/>
-      <p:bldP spid="7" grpId="0" animBg="1"/>
-      <p:bldP spid="8" grpId="0" animBg="1"/>
-    </p:bldLst>
   </p:timing>
 </p:sld>
 </file>
@@ -20018,6 +19173,13 @@
   <p:clrMapOvr>
     <a:masterClrMapping/>
   </p:clrMapOvr>
+  <p:timing>
+    <p:tnLst>
+      <p:par>
+        <p:cTn id="1" dur="indefinite" restart="never" nodeType="tmRoot"/>
+      </p:par>
+    </p:tnLst>
+  </p:timing>
 </p:sld>
 </file>
 
@@ -20114,7 +19276,7 @@
         </a:graphic>
       </p:graphicFrame>
       <mc:AlternateContent xmlns:mc="http://schemas.openxmlformats.org/markup-compatibility/2006">
-        <mc:Choice xmlns:cx1="http://schemas.microsoft.com/office/drawing/2015/9/8/chartex" Requires="cx1">
+        <mc:Choice xmlns:cx1="http://schemas.microsoft.com/office/drawing/2015/9/8/chartex" xmlns="" Requires="cx1">
           <p:graphicFrame>
             <p:nvGraphicFramePr>
               <p:cNvPr id="15" name="Diagramm 14"/>
@@ -20166,7 +19328,7 @@
         </mc:Fallback>
       </mc:AlternateContent>
       <mc:AlternateContent xmlns:mc="http://schemas.openxmlformats.org/markup-compatibility/2006">
-        <mc:Choice xmlns:cx1="http://schemas.microsoft.com/office/drawing/2015/9/8/chartex" Requires="cx1">
+        <mc:Choice xmlns:cx1="http://schemas.microsoft.com/office/drawing/2015/9/8/chartex" xmlns="" Requires="cx1">
           <p:graphicFrame>
             <p:nvGraphicFramePr>
               <p:cNvPr id="21" name="Diagramm 20"/>
@@ -20227,6 +19389,13 @@
   <p:clrMapOvr>
     <a:masterClrMapping/>
   </p:clrMapOvr>
+  <p:timing>
+    <p:tnLst>
+      <p:par>
+        <p:cTn id="1" dur="indefinite" restart="never" nodeType="tmRoot"/>
+      </p:par>
+    </p:tnLst>
+  </p:timing>
 </p:sld>
 </file>
 
@@ -21345,6 +20514,13 @@
   <p:clrMapOvr>
     <a:masterClrMapping/>
   </p:clrMapOvr>
+  <p:timing>
+    <p:tnLst>
+      <p:par>
+        <p:cTn id="1" dur="indefinite" restart="never" nodeType="tmRoot"/>
+      </p:par>
+    </p:tnLst>
+  </p:timing>
 </p:sld>
 </file>
 
@@ -21426,6 +20602,13 @@
   <p:clrMapOvr>
     <a:masterClrMapping/>
   </p:clrMapOvr>
+  <p:timing>
+    <p:tnLst>
+      <p:par>
+        <p:cTn id="1" dur="indefinite" restart="never" nodeType="tmRoot"/>
+      </p:par>
+    </p:tnLst>
+  </p:timing>
 </p:sld>
 </file>
 
@@ -21507,6 +20690,13 @@
   <p:clrMapOvr>
     <a:masterClrMapping/>
   </p:clrMapOvr>
+  <p:timing>
+    <p:tnLst>
+      <p:par>
+        <p:cTn id="1" dur="indefinite" restart="never" nodeType="tmRoot"/>
+      </p:par>
+    </p:tnLst>
+  </p:timing>
 </p:sld>
 </file>
 
@@ -21588,6 +20778,13 @@
   <p:clrMapOvr>
     <a:masterClrMapping/>
   </p:clrMapOvr>
+  <p:timing>
+    <p:tnLst>
+      <p:par>
+        <p:cTn id="1" dur="indefinite" restart="never" nodeType="tmRoot"/>
+      </p:par>
+    </p:tnLst>
+  </p:timing>
 </p:sld>
 </file>
 
@@ -21669,6 +20866,13 @@
   <p:clrMapOvr>
     <a:masterClrMapping/>
   </p:clrMapOvr>
+  <p:timing>
+    <p:tnLst>
+      <p:par>
+        <p:cTn id="1" dur="indefinite" restart="never" nodeType="tmRoot"/>
+      </p:par>
+    </p:tnLst>
+  </p:timing>
 </p:sld>
 </file>
 
@@ -21750,6 +20954,13 @@
   <p:clrMapOvr>
     <a:masterClrMapping/>
   </p:clrMapOvr>
+  <p:timing>
+    <p:tnLst>
+      <p:par>
+        <p:cTn id="1" dur="indefinite" restart="never" nodeType="tmRoot"/>
+      </p:par>
+    </p:tnLst>
+  </p:timing>
 </p:sld>
 </file>
 
@@ -21831,6 +21042,13 @@
   <p:clrMapOvr>
     <a:masterClrMapping/>
   </p:clrMapOvr>
+  <p:timing>
+    <p:tnLst>
+      <p:par>
+        <p:cTn id="1" dur="indefinite" restart="never" nodeType="tmRoot"/>
+      </p:par>
+    </p:tnLst>
+  </p:timing>
 </p:sld>
 </file>
 
@@ -21947,6 +21165,13 @@
   <p:clrMapOvr>
     <a:masterClrMapping/>
   </p:clrMapOvr>
+  <p:timing>
+    <p:tnLst>
+      <p:par>
+        <p:cTn id="1" dur="indefinite" restart="never" nodeType="tmRoot"/>
+      </p:par>
+    </p:tnLst>
+  </p:timing>
 </p:sld>
 </file>
 
@@ -22024,7 +21249,7 @@
         </a:graphic>
       </p:graphicFrame>
       <mc:AlternateContent xmlns:mc="http://schemas.openxmlformats.org/markup-compatibility/2006">
-        <mc:Choice xmlns:cx1="http://schemas.microsoft.com/office/drawing/2015/9/8/chartex" Requires="cx1">
+        <mc:Choice xmlns:cx1="http://schemas.microsoft.com/office/drawing/2015/9/8/chartex" xmlns="" Requires="cx1">
           <p:graphicFrame>
             <p:nvGraphicFramePr>
               <p:cNvPr id="8" name="Diagramm 7">
@@ -22097,6 +21322,13 @@
   <p:clrMapOvr>
     <a:masterClrMapping/>
   </p:clrMapOvr>
+  <p:timing>
+    <p:tnLst>
+      <p:par>
+        <p:cTn id="1" dur="indefinite" restart="never" nodeType="tmRoot"/>
+      </p:par>
+    </p:tnLst>
+  </p:timing>
 </p:sld>
 </file>
 
@@ -22181,6 +21413,13 @@
   <p:clrMapOvr>
     <a:masterClrMapping/>
   </p:clrMapOvr>
+  <p:timing>
+    <p:tnLst>
+      <p:par>
+        <p:cTn id="1" dur="indefinite" restart="never" nodeType="tmRoot"/>
+      </p:par>
+    </p:tnLst>
+  </p:timing>
 </p:sld>
 </file>
 
@@ -22287,6 +21526,13 @@
   <p:clrMapOvr>
     <a:masterClrMapping/>
   </p:clrMapOvr>
+  <p:timing>
+    <p:tnLst>
+      <p:par>
+        <p:cTn id="1" dur="indefinite" restart="never" nodeType="tmRoot"/>
+      </p:par>
+    </p:tnLst>
+  </p:timing>
 </p:sld>
 </file>
 
@@ -22386,6 +21632,13 @@
   <p:clrMapOvr>
     <a:masterClrMapping/>
   </p:clrMapOvr>
+  <p:timing>
+    <p:tnLst>
+      <p:par>
+        <p:cTn id="1" dur="indefinite" restart="never" nodeType="tmRoot"/>
+      </p:par>
+    </p:tnLst>
+  </p:timing>
 </p:sld>
 </file>
 
@@ -22478,6 +21731,13 @@
   <p:clrMapOvr>
     <a:masterClrMapping/>
   </p:clrMapOvr>
+  <p:timing>
+    <p:tnLst>
+      <p:par>
+        <p:cTn id="1" dur="indefinite" restart="never" nodeType="tmRoot"/>
+      </p:par>
+    </p:tnLst>
+  </p:timing>
 </p:sld>
 </file>
 
@@ -22573,6 +21833,13 @@
   <p:clrMapOvr>
     <a:masterClrMapping/>
   </p:clrMapOvr>
+  <p:timing>
+    <p:tnLst>
+      <p:par>
+        <p:cTn id="1" dur="indefinite" restart="never" nodeType="tmRoot"/>
+      </p:par>
+    </p:tnLst>
+  </p:timing>
 </p:sld>
 </file>
 
@@ -22665,6 +21932,13 @@
   <p:clrMapOvr>
     <a:masterClrMapping/>
   </p:clrMapOvr>
+  <p:timing>
+    <p:tnLst>
+      <p:par>
+        <p:cTn id="1" dur="indefinite" restart="never" nodeType="tmRoot"/>
+      </p:par>
+    </p:tnLst>
+  </p:timing>
 </p:sld>
 </file>
 
@@ -22778,6 +22052,13 @@
   <p:clrMapOvr>
     <a:masterClrMapping/>
   </p:clrMapOvr>
+  <p:timing>
+    <p:tnLst>
+      <p:par>
+        <p:cTn id="1" dur="indefinite" restart="never" nodeType="tmRoot"/>
+      </p:par>
+    </p:tnLst>
+  </p:timing>
 </p:sld>
 </file>
 
@@ -22860,6 +22141,13 @@
   <p:clrMapOvr>
     <a:masterClrMapping/>
   </p:clrMapOvr>
+  <p:timing>
+    <p:tnLst>
+      <p:par>
+        <p:cTn id="1" dur="indefinite" restart="never" nodeType="tmRoot"/>
+      </p:par>
+    </p:tnLst>
+  </p:timing>
 </p:sld>
 </file>
 
@@ -22942,6 +22230,13 @@
   <p:clrMapOvr>
     <a:masterClrMapping/>
   </p:clrMapOvr>
+  <p:timing>
+    <p:tnLst>
+      <p:par>
+        <p:cTn id="1" dur="indefinite" restart="never" nodeType="tmRoot"/>
+      </p:par>
+    </p:tnLst>
+  </p:timing>
 </p:sld>
 </file>
 
@@ -22997,7 +22292,7 @@
         <p:spPr/>
         <p:txBody>
           <a:bodyPr>
-            <a:normAutofit lnSpcReduction="10000"/>
+            <a:normAutofit/>
           </a:bodyPr>
           <a:lstStyle/>
           <a:p>
@@ -23006,7 +22301,11 @@
             </a:pPr>
             <a:r>
               <a:rPr lang="de-DE" dirty="0"/>
-              <a:t>- Schnittstelle VR und Realität</a:t>
+              <a:t>- </a:t>
+            </a:r>
+            <a:r>
+              <a:rPr lang="de-DE" dirty="0" smtClean="0"/>
+              <a:t>Autonomes Fahren der Stufe 4</a:t>
             </a:r>
           </a:p>
           <a:p>
@@ -23014,8 +22313,12 @@
               <a:buNone/>
             </a:pPr>
             <a:r>
+              <a:rPr lang="de-DE" dirty="0" smtClean="0"/>
+              <a:t>- Schnittstelle </a:t>
+            </a:r>
+            <a:r>
               <a:rPr lang="de-DE" dirty="0"/>
-              <a:t>- AR/VR fester Bestandteil im Alltag</a:t>
+              <a:t>VR und Realität</a:t>
             </a:r>
           </a:p>
           <a:p>
@@ -23024,55 +22327,28 @@
             </a:pPr>
             <a:r>
               <a:rPr lang="de-DE" dirty="0"/>
-              <a:t>- Smart-</a:t>
-            </a:r>
-            <a:r>
-              <a:rPr lang="de-DE" dirty="0" err="1"/>
-              <a:t>Mirrors</a:t>
+              <a:t>- AR/VR </a:t>
+            </a:r>
+            <a:r>
+              <a:rPr lang="de-DE" dirty="0" smtClean="0"/>
+              <a:t>möglicher fester </a:t>
             </a:r>
             <a:r>
               <a:rPr lang="de-DE" dirty="0"/>
-              <a:t>, Head-</a:t>
-            </a:r>
-            <a:r>
-              <a:rPr lang="de-DE" dirty="0" err="1"/>
-              <a:t>Up</a:t>
-            </a:r>
-            <a:r>
-              <a:rPr lang="de-DE" dirty="0"/>
-              <a:t> Displays</a:t>
-            </a:r>
-          </a:p>
-          <a:p>
-            <a:pPr marL="0" indent="0">
-              <a:buNone/>
-            </a:pPr>
-            <a:r>
-              <a:rPr lang="de-DE" dirty="0"/>
-              <a:t>- Autonomes Fahren</a:t>
-            </a:r>
-          </a:p>
-          <a:p>
+              <a:t>Bestandteil im </a:t>
+            </a:r>
+            <a:r>
+              <a:rPr lang="de-DE" dirty="0" smtClean="0"/>
+              <a:t>Alltag der Zukunft</a:t>
+            </a:r>
             <a:endParaRPr lang="de-DE" dirty="0"/>
-          </a:p>
-          <a:p>
-            <a:pPr marL="0" indent="0">
-              <a:buNone/>
-            </a:pPr>
-            <a:r>
-              <a:rPr lang="de-DE" dirty="0"/>
-              <a:t>- Übergang Ruhephase und Arbeitsphase</a:t>
-            </a:r>
           </a:p>
           <a:p>
             <a:pPr>
               <a:buFontTx/>
               <a:buChar char="-"/>
             </a:pPr>
-            <a:r>
-              <a:rPr lang="de-DE" dirty="0"/>
-              <a:t>Leistungsfähigkeit nach Ruhephase</a:t>
-            </a:r>
+            <a:endParaRPr lang="de-DE" dirty="0" smtClean="0"/>
           </a:p>
           <a:p>
             <a:pPr>
@@ -23080,9 +22356,28 @@
               <a:buChar char="-"/>
             </a:pPr>
             <a:r>
+              <a:rPr lang="de-DE" dirty="0" smtClean="0"/>
+              <a:t>Leistungsfähigkeit </a:t>
+            </a:r>
+            <a:r>
               <a:rPr lang="de-DE" dirty="0"/>
-              <a:t>Aufmerksamkeit, Wachsamkeit, Zuverlässigkeit</a:t>
-            </a:r>
+              <a:t>nach Ruhephase</a:t>
+            </a:r>
+          </a:p>
+          <a:p>
+            <a:pPr>
+              <a:buFontTx/>
+              <a:buChar char="-"/>
+            </a:pPr>
+            <a:r>
+              <a:rPr lang="de-DE" dirty="0"/>
+              <a:t>Aufmerksamkeit, Wachsamkeit, </a:t>
+            </a:r>
+            <a:r>
+              <a:rPr lang="de-DE" dirty="0" smtClean="0"/>
+              <a:t>Zuverlässigkeit des Fahrers</a:t>
+            </a:r>
+            <a:endParaRPr lang="de-DE" dirty="0"/>
           </a:p>
           <a:p>
             <a:pPr marL="0" indent="0">
@@ -23090,7 +22385,15 @@
             </a:pPr>
             <a:r>
               <a:rPr lang="de-DE" dirty="0"/>
-              <a:t>- Vorbereitung auf Aufgabe</a:t>
+              <a:t>- </a:t>
+            </a:r>
+            <a:r>
+              <a:rPr lang="de-DE" dirty="0" smtClean="0"/>
+              <a:t>Gegebenenfalls Vorbereitung </a:t>
+            </a:r>
+            <a:r>
+              <a:rPr lang="de-DE" dirty="0"/>
+              <a:t>auf Aufgabe</a:t>
             </a:r>
           </a:p>
           <a:p>
@@ -23108,6 +22411,13 @@
   <p:clrMapOvr>
     <a:masterClrMapping/>
   </p:clrMapOvr>
+  <p:timing>
+    <p:tnLst>
+      <p:par>
+        <p:cTn id="1" dur="indefinite" restart="never" nodeType="tmRoot"/>
+      </p:par>
+    </p:tnLst>
+  </p:timing>
 </p:sld>
 </file>
 
@@ -23180,6 +22490,63 @@
           </a:p>
         </p:txBody>
       </p:sp>
+      <p:graphicFrame>
+        <p:nvGraphicFramePr>
+          <p:cNvPr id="4" name="Objekt 3"/>
+          <p:cNvGraphicFramePr>
+            <a:graphicFrameLocks noChangeAspect="1"/>
+          </p:cNvGraphicFramePr>
+          <p:nvPr>
+            <p:extLst>
+              <p:ext uri="{D42A27DB-BD31-4B8C-83A1-F6EECF244321}">
+                <p14:modId xmlns:p14="http://schemas.microsoft.com/office/powerpoint/2010/main" val="4088418120"/>
+              </p:ext>
+            </p:extLst>
+          </p:nvPr>
+        </p:nvGraphicFramePr>
+        <p:xfrm>
+          <a:off x="1025300" y="2098205"/>
+          <a:ext cx="5070700" cy="4457269"/>
+        </p:xfrm>
+        <a:graphic>
+          <a:graphicData uri="http://schemas.openxmlformats.org/presentationml/2006/ole">
+            <mc:AlternateContent xmlns:mc="http://schemas.openxmlformats.org/markup-compatibility/2006">
+              <mc:Choice xmlns:v="urn:schemas-microsoft-com:vml" Requires="v">
+                <p:oleObj spid="_x0000_s1032" name="Acrobat Document" r:id="rId3" imgW="7800763" imgH="6857824" progId="AcroExch.Document.7">
+                  <p:embed/>
+                </p:oleObj>
+              </mc:Choice>
+              <mc:Fallback>
+                <p:oleObj name="Acrobat Document" r:id="rId3" imgW="7800763" imgH="6857824" progId="AcroExch.Document.7">
+                  <p:embed/>
+                  <p:pic>
+                    <p:nvPicPr>
+                      <p:cNvPr id="0" name=""/>
+                      <p:cNvPicPr/>
+                      <p:nvPr/>
+                    </p:nvPicPr>
+                    <p:blipFill>
+                      <a:blip r:embed="rId4"/>
+                      <a:stretch>
+                        <a:fillRect/>
+                      </a:stretch>
+                    </p:blipFill>
+                    <p:spPr>
+                      <a:xfrm>
+                        <a:off x="1025300" y="2098205"/>
+                        <a:ext cx="5070700" cy="4457269"/>
+                      </a:xfrm>
+                      <a:prstGeom prst="rect">
+                        <a:avLst/>
+                      </a:prstGeom>
+                    </p:spPr>
+                  </p:pic>
+                </p:oleObj>
+              </mc:Fallback>
+            </mc:AlternateContent>
+          </a:graphicData>
+        </a:graphic>
+      </p:graphicFrame>
     </p:spTree>
     <p:extLst>
       <p:ext uri="{BB962C8B-B14F-4D97-AF65-F5344CB8AC3E}">
@@ -25062,13 +24429,14 @@
           <a:lstStyle/>
           <a:p>
             <a:r>
-              <a:rPr lang="de-DE" dirty="0"/>
+              <a:rPr lang="de-DE" dirty="0" smtClean="0"/>
               <a:t>Herangehensweise </a:t>
             </a:r>
             <a:r>
-              <a:rPr lang="de-DE" sz="2400" dirty="0"/>
-              <a:t>(1/2)</a:t>
-            </a:r>
+              <a:rPr lang="de-DE" sz="2400" dirty="0" smtClean="0"/>
+              <a:t>(1/2) </a:t>
+            </a:r>
+            <a:endParaRPr lang="de-DE" sz="2400" dirty="0"/>
           </a:p>
         </p:txBody>
       </p:sp>
@@ -25087,107 +24455,114 @@
           <a:bodyPr/>
           <a:lstStyle/>
           <a:p>
+            <a:pPr>
+              <a:buFontTx/>
+              <a:buChar char="-"/>
+            </a:pPr>
+            <a:r>
+              <a:rPr lang="de-DE" dirty="0" smtClean="0">
+                <a:sym typeface="Wingdings" panose="05000000000000000000" pitchFamily="2" charset="2"/>
+              </a:rPr>
+              <a:t>Umgebungsaufbau</a:t>
+            </a:r>
+          </a:p>
+          <a:p>
+            <a:pPr lvl="1">
+              <a:buFontTx/>
+              <a:buChar char="-"/>
+            </a:pPr>
+            <a:r>
+              <a:rPr lang="de-DE" dirty="0" smtClean="0">
+                <a:sym typeface="Wingdings" panose="05000000000000000000" pitchFamily="2" charset="2"/>
+              </a:rPr>
+              <a:t>Entspannende VR-Umgebung</a:t>
+            </a:r>
+            <a:endParaRPr lang="de-DE" dirty="0">
+              <a:sym typeface="Wingdings" panose="05000000000000000000" pitchFamily="2" charset="2"/>
+            </a:endParaRPr>
+          </a:p>
+          <a:p>
+            <a:pPr lvl="1">
+              <a:buFontTx/>
+              <a:buChar char="-"/>
+            </a:pPr>
+            <a:r>
+              <a:rPr lang="de-DE" dirty="0" smtClean="0">
+                <a:sym typeface="Wingdings" panose="05000000000000000000" pitchFamily="2" charset="2"/>
+              </a:rPr>
+              <a:t>Meditative Musik</a:t>
+            </a:r>
+          </a:p>
+          <a:p>
+            <a:pPr lvl="1">
+              <a:buFontTx/>
+              <a:buChar char="-"/>
+            </a:pPr>
+            <a:r>
+              <a:rPr lang="de-DE" dirty="0" smtClean="0"/>
+              <a:t>Bequemer Gaming-Stuhl</a:t>
+            </a:r>
+          </a:p>
+          <a:p>
+            <a:pPr lvl="1">
+              <a:buFontTx/>
+              <a:buChar char="-"/>
+            </a:pPr>
+            <a:r>
+              <a:rPr lang="de-DE" dirty="0" smtClean="0"/>
+              <a:t>Raum </a:t>
+            </a:r>
+            <a:r>
+              <a:rPr lang="de-DE" dirty="0"/>
+              <a:t>mit angenehmer </a:t>
+            </a:r>
+            <a:r>
+              <a:rPr lang="de-DE" dirty="0" smtClean="0"/>
+              <a:t>Atmosphäre</a:t>
+            </a:r>
+            <a:endParaRPr lang="de-DE" dirty="0" smtClean="0">
+              <a:sym typeface="Wingdings" panose="05000000000000000000" pitchFamily="2" charset="2"/>
+            </a:endParaRPr>
+          </a:p>
+          <a:p>
+            <a:pPr>
+              <a:buFontTx/>
+              <a:buChar char="-"/>
+            </a:pPr>
+            <a:endParaRPr lang="de-DE" dirty="0" smtClean="0"/>
+          </a:p>
+          <a:p>
             <a:pPr marL="0" indent="0">
               <a:buNone/>
             </a:pPr>
             <a:r>
-              <a:rPr lang="de-DE" dirty="0">
-                <a:sym typeface="Wingdings" panose="05000000000000000000" pitchFamily="2" charset="2"/>
-              </a:rPr>
-              <a:t>-  </a:t>
-            </a:r>
-            <a:r>
-              <a:rPr lang="de-DE" dirty="0" err="1">
-                <a:sym typeface="Wingdings" panose="05000000000000000000" pitchFamily="2" charset="2"/>
-              </a:rPr>
-              <a:t>Paramter</a:t>
-            </a:r>
-            <a:r>
-              <a:rPr lang="de-DE" dirty="0">
-                <a:sym typeface="Wingdings" panose="05000000000000000000" pitchFamily="2" charset="2"/>
-              </a:rPr>
-              <a:t> Licht und Ton : </a:t>
-            </a:r>
-            <a:r>
-              <a:rPr lang="de-DE" dirty="0" err="1">
-                <a:sym typeface="Wingdings" panose="05000000000000000000" pitchFamily="2" charset="2"/>
-              </a:rPr>
-              <a:t>between</a:t>
-            </a:r>
-            <a:r>
-              <a:rPr lang="de-DE" dirty="0">
-                <a:sym typeface="Wingdings" panose="05000000000000000000" pitchFamily="2" charset="2"/>
-              </a:rPr>
-              <a:t> </a:t>
-            </a:r>
-            <a:r>
-              <a:rPr lang="de-DE" dirty="0" err="1">
-                <a:sym typeface="Wingdings" panose="05000000000000000000" pitchFamily="2" charset="2"/>
-              </a:rPr>
-              <a:t>subject</a:t>
-            </a:r>
-            <a:r>
-              <a:rPr lang="de-DE" dirty="0">
-                <a:sym typeface="Wingdings" panose="05000000000000000000" pitchFamily="2" charset="2"/>
-              </a:rPr>
-              <a:t> Studie</a:t>
-            </a:r>
-            <a:endParaRPr lang="de-DE" dirty="0"/>
+              <a:rPr lang="de-DE" dirty="0" smtClean="0"/>
+              <a:t>- </a:t>
+            </a:r>
+            <a:r>
+              <a:rPr lang="de-DE" dirty="0"/>
+              <a:t>Werte aufzeichnen Kopfbewegung, </a:t>
+            </a:r>
+            <a:r>
+              <a:rPr lang="de-DE" dirty="0" smtClean="0"/>
+              <a:t>Zeiten, Fehlerquote</a:t>
+            </a:r>
           </a:p>
           <a:p>
             <a:pPr marL="0" indent="0">
               <a:buNone/>
             </a:pPr>
             <a:r>
+              <a:rPr lang="de-DE" dirty="0" smtClean="0"/>
+              <a:t>- </a:t>
+            </a:r>
+            <a:r>
               <a:rPr lang="de-DE" dirty="0"/>
-              <a:t>- VR Umgebung mit Kopfhörer</a:t>
-            </a:r>
-          </a:p>
-          <a:p>
-            <a:pPr marL="0" indent="0">
-              <a:buNone/>
-            </a:pPr>
-            <a:r>
-              <a:rPr lang="de-DE" dirty="0"/>
-              <a:t>- Werte aufzeichnen Kopfbewegung, Zeiten </a:t>
-            </a:r>
-            <a:r>
-              <a:rPr lang="de-DE" dirty="0" err="1"/>
-              <a:t>etc</a:t>
-            </a:r>
-            <a:r>
-              <a:rPr lang="de-DE" dirty="0"/>
-              <a:t> -&gt; </a:t>
-            </a:r>
-            <a:r>
-              <a:rPr lang="de-DE" dirty="0" err="1"/>
-              <a:t>csv</a:t>
-            </a:r>
-            <a:r>
-              <a:rPr lang="de-DE" dirty="0"/>
-              <a:t> Format</a:t>
-            </a:r>
-          </a:p>
-          <a:p>
-            <a:pPr marL="0" indent="0">
-              <a:buNone/>
-            </a:pPr>
-            <a:r>
-              <a:rPr lang="de-DE" dirty="0"/>
-              <a:t>- Gaming-Stuhl</a:t>
-            </a:r>
-          </a:p>
-          <a:p>
-            <a:pPr marL="0" indent="0">
-              <a:buNone/>
-            </a:pPr>
-            <a:r>
-              <a:rPr lang="de-DE" dirty="0"/>
-              <a:t>- Python, R Skripte, SPSS </a:t>
-            </a:r>
-            <a:r>
-              <a:rPr lang="de-DE" dirty="0" err="1"/>
-              <a:t>etc</a:t>
+              <a:t>Python, R Skripte, </a:t>
+            </a:r>
+            <a:r>
+              <a:rPr lang="de-DE" dirty="0" smtClean="0"/>
+              <a:t>SPSS</a:t>
             </a:r>
             <a:endParaRPr lang="de-DE" dirty="0"/>
           </a:p>
@@ -25196,13 +24571,20 @@
     </p:spTree>
     <p:extLst>
       <p:ext uri="{BB962C8B-B14F-4D97-AF65-F5344CB8AC3E}">
-        <p14:creationId xmlns:p14="http://schemas.microsoft.com/office/powerpoint/2010/main" val="2126858546"/>
+        <p14:creationId xmlns:p14="http://schemas.microsoft.com/office/powerpoint/2010/main" val="43824325"/>
       </p:ext>
     </p:extLst>
   </p:cSld>
   <p:clrMapOvr>
     <a:masterClrMapping/>
   </p:clrMapOvr>
+  <p:timing>
+    <p:tnLst>
+      <p:par>
+        <p:cTn id="1" dur="indefinite" restart="never" nodeType="tmRoot"/>
+      </p:par>
+    </p:tnLst>
+  </p:timing>
 </p:sld>
 </file>
 
@@ -25225,6 +24607,33 @@
       </p:grpSpPr>
       <p:sp>
         <p:nvSpPr>
+          <p:cNvPr id="2" name="Titel 1"/>
+          <p:cNvSpPr>
+            <a:spLocks noGrp="1"/>
+          </p:cNvSpPr>
+          <p:nvPr>
+            <p:ph type="title"/>
+          </p:nvPr>
+        </p:nvSpPr>
+        <p:spPr/>
+        <p:txBody>
+          <a:bodyPr/>
+          <a:lstStyle/>
+          <a:p>
+            <a:r>
+              <a:rPr lang="de-DE" dirty="0" smtClean="0"/>
+              <a:t>Herangehensweise </a:t>
+            </a:r>
+            <a:r>
+              <a:rPr lang="de-DE" sz="2400" dirty="0" smtClean="0"/>
+              <a:t>(2/2) </a:t>
+            </a:r>
+            <a:endParaRPr lang="de-DE" sz="2400" dirty="0"/>
+          </a:p>
+        </p:txBody>
+      </p:sp>
+      <p:sp>
+        <p:nvSpPr>
           <p:cNvPr id="3" name="Inhaltsplatzhalter 2"/>
           <p:cNvSpPr>
             <a:spLocks noGrp="1"/>
@@ -25238,49 +24647,111 @@
           <a:bodyPr/>
           <a:lstStyle/>
           <a:p>
-            <a:pPr marL="0" indent="0">
-              <a:buNone/>
-            </a:pPr>
-            <a:r>
-              <a:rPr lang="de-DE" dirty="0"/>
-              <a:t>- Lösungsansatz</a:t>
-            </a:r>
-          </a:p>
-          <a:p>
-            <a:pPr>
-              <a:buFontTx/>
-              <a:buChar char="-"/>
-            </a:pPr>
-            <a:r>
-              <a:rPr lang="de-DE" dirty="0"/>
-              <a:t>Übergang schläfriger Zustand, ohne kognitive Belastung, und wacher Zustand, in dem Aufgaben erledigt werden müssen</a:t>
-            </a:r>
-          </a:p>
-          <a:p>
-            <a:pPr>
-              <a:buFontTx/>
-              <a:buChar char="-"/>
-            </a:pPr>
-            <a:r>
-              <a:rPr lang="de-DE" dirty="0"/>
-              <a:t>Hypothesen</a:t>
-            </a:r>
-          </a:p>
-          <a:p>
-            <a:pPr>
-              <a:buFontTx/>
-              <a:buChar char="-"/>
-            </a:pPr>
-            <a:r>
-              <a:rPr lang="de-DE" dirty="0"/>
-              <a:t>Erfasste Parameter: Zeit, Fehlerrate, Blickrichtung</a:t>
+            <a:r>
+              <a:rPr lang="de-DE" dirty="0" smtClean="0">
+                <a:sym typeface="Wingdings" panose="05000000000000000000" pitchFamily="2" charset="2"/>
+              </a:rPr>
+              <a:t> </a:t>
+            </a:r>
+            <a:r>
+              <a:rPr lang="de-DE" dirty="0" err="1" smtClean="0">
+                <a:sym typeface="Wingdings" panose="05000000000000000000" pitchFamily="2" charset="2"/>
+              </a:rPr>
+              <a:t>Paramter</a:t>
+            </a:r>
+            <a:r>
+              <a:rPr lang="de-DE" dirty="0" smtClean="0">
+                <a:sym typeface="Wingdings" panose="05000000000000000000" pitchFamily="2" charset="2"/>
+              </a:rPr>
+              <a:t> Licht und Ton</a:t>
+            </a:r>
+          </a:p>
+          <a:p>
+            <a:pPr lvl="1"/>
+            <a:r>
+              <a:rPr lang="de-DE" dirty="0" err="1" smtClean="0">
+                <a:sym typeface="Wingdings" panose="05000000000000000000" pitchFamily="2" charset="2"/>
+              </a:rPr>
+              <a:t>between</a:t>
+            </a:r>
+            <a:r>
+              <a:rPr lang="de-DE" dirty="0" smtClean="0">
+                <a:sym typeface="Wingdings" panose="05000000000000000000" pitchFamily="2" charset="2"/>
+              </a:rPr>
+              <a:t> </a:t>
+            </a:r>
+            <a:r>
+              <a:rPr lang="de-DE" dirty="0" err="1" smtClean="0">
+                <a:sym typeface="Wingdings" panose="05000000000000000000" pitchFamily="2" charset="2"/>
+              </a:rPr>
+              <a:t>subject</a:t>
+            </a:r>
+            <a:r>
+              <a:rPr lang="de-DE" dirty="0" smtClean="0">
+                <a:sym typeface="Wingdings" panose="05000000000000000000" pitchFamily="2" charset="2"/>
+              </a:rPr>
+              <a:t> Studie</a:t>
+            </a:r>
+          </a:p>
+          <a:p>
+            <a:pPr lvl="1"/>
+            <a:endParaRPr lang="de-DE" dirty="0" smtClean="0"/>
+          </a:p>
+          <a:p>
+            <a:r>
+              <a:rPr lang="de-DE" dirty="0" smtClean="0"/>
+              <a:t> Werte aufzeichnen</a:t>
+            </a:r>
+          </a:p>
+          <a:p>
+            <a:pPr lvl="1"/>
+            <a:r>
+              <a:rPr lang="de-DE" dirty="0" smtClean="0"/>
+              <a:t>Kopfbewegung, Zeiten, Fehlerquote</a:t>
             </a:r>
           </a:p>
         </p:txBody>
       </p:sp>
+    </p:spTree>
+    <p:extLst>
+      <p:ext uri="{BB962C8B-B14F-4D97-AF65-F5344CB8AC3E}">
+        <p14:creationId xmlns:p14="http://schemas.microsoft.com/office/powerpoint/2010/main" val="321190723"/>
+      </p:ext>
+    </p:extLst>
+  </p:cSld>
+  <p:clrMapOvr>
+    <a:masterClrMapping/>
+  </p:clrMapOvr>
+  <p:timing>
+    <p:tnLst>
+      <p:par>
+        <p:cTn id="1" dur="indefinite" restart="never" nodeType="tmRoot"/>
+      </p:par>
+    </p:tnLst>
+  </p:timing>
+</p:sld>
+</file>
+
+<file path=ppt/slides/slide6.xml><?xml version="1.0" encoding="utf-8"?>
+<p:sld xmlns:a="http://schemas.openxmlformats.org/drawingml/2006/main" xmlns:r="http://schemas.openxmlformats.org/officeDocument/2006/relationships" xmlns:p="http://schemas.openxmlformats.org/presentationml/2006/main">
+  <p:cSld>
+    <p:spTree>
+      <p:nvGrpSpPr>
+        <p:cNvPr id="1" name=""/>
+        <p:cNvGrpSpPr/>
+        <p:nvPr/>
+      </p:nvGrpSpPr>
+      <p:grpSpPr>
+        <a:xfrm>
+          <a:off x="0" y="0"/>
+          <a:ext cx="0" cy="0"/>
+          <a:chOff x="0" y="0"/>
+          <a:chExt cx="0" cy="0"/>
+        </a:xfrm>
+      </p:grpSpPr>
       <p:sp>
         <p:nvSpPr>
-          <p:cNvPr id="4" name="Titel 1"/>
+          <p:cNvPr id="2" name="Titel 1"/>
           <p:cNvSpPr>
             <a:spLocks noGrp="1"/>
           </p:cNvSpPr>
@@ -25295,29 +24766,968 @@
           <a:p>
             <a:r>
               <a:rPr lang="de-DE" dirty="0"/>
-              <a:t>Herangehensweise </a:t>
-            </a:r>
-            <a:r>
-              <a:rPr lang="de-DE" sz="2400" dirty="0"/>
-              <a:t>(2/2)</a:t>
-            </a:r>
+              <a:t>45 Probanden in 3 Studiengruppen</a:t>
+            </a:r>
+          </a:p>
+        </p:txBody>
+      </p:sp>
+      <p:sp>
+        <p:nvSpPr>
+          <p:cNvPr id="6" name="Rechteck 5"/>
+          <p:cNvSpPr/>
+          <p:nvPr/>
+        </p:nvSpPr>
+        <p:spPr>
+          <a:xfrm>
+            <a:off x="958241" y="2450757"/>
+            <a:ext cx="3060000" cy="2880000"/>
+          </a:xfrm>
+          <a:prstGeom prst="rect">
+            <a:avLst/>
+          </a:prstGeom>
+          <a:solidFill>
+            <a:srgbClr val="3288BD"/>
+          </a:solidFill>
+          <a:ln>
+            <a:noFill/>
+          </a:ln>
+        </p:spPr>
+        <p:style>
+          <a:lnRef idx="2">
+            <a:schemeClr val="accent1">
+              <a:shade val="50000"/>
+            </a:schemeClr>
+          </a:lnRef>
+          <a:fillRef idx="1">
+            <a:schemeClr val="accent1"/>
+          </a:fillRef>
+          <a:effectRef idx="0">
+            <a:schemeClr val="accent1"/>
+          </a:effectRef>
+          <a:fontRef idx="minor">
+            <a:schemeClr val="lt1"/>
+          </a:fontRef>
+        </p:style>
+        <p:txBody>
+          <a:bodyPr rtlCol="0" anchor="ctr"/>
+          <a:lstStyle/>
+          <a:p>
+            <a:pPr algn="ctr"/>
+            <a:endParaRPr lang="de-DE">
+              <a:solidFill>
+                <a:srgbClr val="FF0000"/>
+              </a:solidFill>
+              <a:latin typeface="Futura Lt BT" panose="020B0402020204020303" pitchFamily="34" charset="0"/>
+            </a:endParaRPr>
+          </a:p>
+        </p:txBody>
+      </p:sp>
+      <p:sp>
+        <p:nvSpPr>
+          <p:cNvPr id="7" name="Rechteck 6"/>
+          <p:cNvSpPr/>
+          <p:nvPr/>
+        </p:nvSpPr>
+        <p:spPr>
+          <a:xfrm>
+            <a:off x="4018241" y="2450757"/>
+            <a:ext cx="3060000" cy="2880000"/>
+          </a:xfrm>
+          <a:prstGeom prst="rect">
+            <a:avLst/>
+          </a:prstGeom>
+          <a:solidFill>
+            <a:srgbClr val="D53E4F"/>
+          </a:solidFill>
+          <a:ln>
+            <a:noFill/>
+          </a:ln>
+        </p:spPr>
+        <p:style>
+          <a:lnRef idx="2">
+            <a:schemeClr val="accent1">
+              <a:shade val="50000"/>
+            </a:schemeClr>
+          </a:lnRef>
+          <a:fillRef idx="1">
+            <a:schemeClr val="accent1"/>
+          </a:fillRef>
+          <a:effectRef idx="0">
+            <a:schemeClr val="accent1"/>
+          </a:effectRef>
+          <a:fontRef idx="minor">
+            <a:schemeClr val="lt1"/>
+          </a:fontRef>
+        </p:style>
+        <p:txBody>
+          <a:bodyPr rtlCol="0" anchor="ctr"/>
+          <a:lstStyle/>
+          <a:p>
+            <a:pPr algn="ctr"/>
+            <a:endParaRPr lang="de-DE">
+              <a:solidFill>
+                <a:srgbClr val="FF0000"/>
+              </a:solidFill>
+              <a:latin typeface="Futura Lt BT" panose="020B0402020204020303" pitchFamily="34" charset="0"/>
+            </a:endParaRPr>
+          </a:p>
+        </p:txBody>
+      </p:sp>
+      <p:sp>
+        <p:nvSpPr>
+          <p:cNvPr id="8" name="Rechteck 7"/>
+          <p:cNvSpPr/>
+          <p:nvPr/>
+        </p:nvSpPr>
+        <p:spPr>
+          <a:xfrm>
+            <a:off x="7078241" y="2450757"/>
+            <a:ext cx="3060000" cy="2880000"/>
+          </a:xfrm>
+          <a:prstGeom prst="rect">
+            <a:avLst/>
+          </a:prstGeom>
+          <a:solidFill>
+            <a:srgbClr val="FC8D59"/>
+          </a:solidFill>
+          <a:ln>
+            <a:noFill/>
+          </a:ln>
+        </p:spPr>
+        <p:style>
+          <a:lnRef idx="2">
+            <a:schemeClr val="accent1">
+              <a:shade val="50000"/>
+            </a:schemeClr>
+          </a:lnRef>
+          <a:fillRef idx="1">
+            <a:schemeClr val="accent1"/>
+          </a:fillRef>
+          <a:effectRef idx="0">
+            <a:schemeClr val="accent1"/>
+          </a:effectRef>
+          <a:fontRef idx="minor">
+            <a:schemeClr val="lt1"/>
+          </a:fontRef>
+        </p:style>
+        <p:txBody>
+          <a:bodyPr rtlCol="0" anchor="ctr"/>
+          <a:lstStyle/>
+          <a:p>
+            <a:pPr algn="ctr"/>
+            <a:endParaRPr lang="de-DE" dirty="0">
+              <a:solidFill>
+                <a:srgbClr val="FF0000"/>
+              </a:solidFill>
+              <a:latin typeface="Futura Lt BT" panose="020B0402020204020303" pitchFamily="34" charset="0"/>
+            </a:endParaRPr>
+          </a:p>
+        </p:txBody>
+      </p:sp>
+      <p:sp>
+        <p:nvSpPr>
+          <p:cNvPr id="9" name="Inhaltsplatzhalter 4"/>
+          <p:cNvSpPr txBox="1">
+            <a:spLocks/>
+          </p:cNvSpPr>
+          <p:nvPr/>
+        </p:nvSpPr>
+        <p:spPr>
+          <a:xfrm>
+            <a:off x="958241" y="2119637"/>
+            <a:ext cx="2386913" cy="360000"/>
+          </a:xfrm>
+          <a:prstGeom prst="rect">
+            <a:avLst/>
+          </a:prstGeom>
+        </p:spPr>
+        <p:txBody>
+          <a:bodyPr vert="horz" lIns="91440" tIns="45720" rIns="91440" bIns="45720" rtlCol="0">
+            <a:normAutofit lnSpcReduction="10000"/>
+          </a:bodyPr>
+          <a:lstStyle>
+            <a:lvl1pPr marL="228600" indent="-228600" algn="l" defTabSz="914400" rtl="0" eaLnBrk="1" latinLnBrk="0" hangingPunct="1">
+              <a:lnSpc>
+                <a:spcPct val="90000"/>
+              </a:lnSpc>
+              <a:spcBef>
+                <a:spcPts val="1000"/>
+              </a:spcBef>
+              <a:buFont typeface="Arial" panose="020B0604020202020204" pitchFamily="34" charset="0"/>
+              <a:buChar char="•"/>
+              <a:defRPr sz="2800" kern="1200">
+                <a:solidFill>
+                  <a:schemeClr val="tx1"/>
+                </a:solidFill>
+                <a:latin typeface="+mn-lt"/>
+                <a:ea typeface="+mn-ea"/>
+                <a:cs typeface="+mn-cs"/>
+              </a:defRPr>
+            </a:lvl1pPr>
+            <a:lvl2pPr marL="685800" indent="-228600" algn="l" defTabSz="914400" rtl="0" eaLnBrk="1" latinLnBrk="0" hangingPunct="1">
+              <a:lnSpc>
+                <a:spcPct val="90000"/>
+              </a:lnSpc>
+              <a:spcBef>
+                <a:spcPts val="500"/>
+              </a:spcBef>
+              <a:buFont typeface="Arial" panose="020B0604020202020204" pitchFamily="34" charset="0"/>
+              <a:buChar char="•"/>
+              <a:defRPr sz="2400" kern="1200">
+                <a:solidFill>
+                  <a:schemeClr val="tx1"/>
+                </a:solidFill>
+                <a:latin typeface="+mn-lt"/>
+                <a:ea typeface="+mn-ea"/>
+                <a:cs typeface="+mn-cs"/>
+              </a:defRPr>
+            </a:lvl2pPr>
+            <a:lvl3pPr marL="1143000" indent="-228600" algn="l" defTabSz="914400" rtl="0" eaLnBrk="1" latinLnBrk="0" hangingPunct="1">
+              <a:lnSpc>
+                <a:spcPct val="90000"/>
+              </a:lnSpc>
+              <a:spcBef>
+                <a:spcPts val="500"/>
+              </a:spcBef>
+              <a:buFont typeface="Arial" panose="020B0604020202020204" pitchFamily="34" charset="0"/>
+              <a:buChar char="•"/>
+              <a:defRPr sz="2000" kern="1200">
+                <a:solidFill>
+                  <a:schemeClr val="tx1"/>
+                </a:solidFill>
+                <a:latin typeface="+mn-lt"/>
+                <a:ea typeface="+mn-ea"/>
+                <a:cs typeface="+mn-cs"/>
+              </a:defRPr>
+            </a:lvl3pPr>
+            <a:lvl4pPr marL="1600200" indent="-228600" algn="l" defTabSz="914400" rtl="0" eaLnBrk="1" latinLnBrk="0" hangingPunct="1">
+              <a:lnSpc>
+                <a:spcPct val="90000"/>
+              </a:lnSpc>
+              <a:spcBef>
+                <a:spcPts val="500"/>
+              </a:spcBef>
+              <a:buFont typeface="Arial" panose="020B0604020202020204" pitchFamily="34" charset="0"/>
+              <a:buChar char="•"/>
+              <a:defRPr sz="1800" kern="1200">
+                <a:solidFill>
+                  <a:schemeClr val="tx1"/>
+                </a:solidFill>
+                <a:latin typeface="+mn-lt"/>
+                <a:ea typeface="+mn-ea"/>
+                <a:cs typeface="+mn-cs"/>
+              </a:defRPr>
+            </a:lvl4pPr>
+            <a:lvl5pPr marL="2057400" indent="-228600" algn="l" defTabSz="914400" rtl="0" eaLnBrk="1" latinLnBrk="0" hangingPunct="1">
+              <a:lnSpc>
+                <a:spcPct val="90000"/>
+              </a:lnSpc>
+              <a:spcBef>
+                <a:spcPts val="500"/>
+              </a:spcBef>
+              <a:buFont typeface="Arial" panose="020B0604020202020204" pitchFamily="34" charset="0"/>
+              <a:buChar char="•"/>
+              <a:defRPr sz="1800" kern="1200">
+                <a:solidFill>
+                  <a:schemeClr val="tx1"/>
+                </a:solidFill>
+                <a:latin typeface="+mn-lt"/>
+                <a:ea typeface="+mn-ea"/>
+                <a:cs typeface="+mn-cs"/>
+              </a:defRPr>
+            </a:lvl5pPr>
+            <a:lvl6pPr marL="2514600" indent="-228600" algn="l" defTabSz="914400" rtl="0" eaLnBrk="1" latinLnBrk="0" hangingPunct="1">
+              <a:lnSpc>
+                <a:spcPct val="90000"/>
+              </a:lnSpc>
+              <a:spcBef>
+                <a:spcPts val="500"/>
+              </a:spcBef>
+              <a:buFont typeface="Arial" panose="020B0604020202020204" pitchFamily="34" charset="0"/>
+              <a:buChar char="•"/>
+              <a:defRPr sz="1800" kern="1200">
+                <a:solidFill>
+                  <a:schemeClr val="tx1"/>
+                </a:solidFill>
+                <a:latin typeface="+mn-lt"/>
+                <a:ea typeface="+mn-ea"/>
+                <a:cs typeface="+mn-cs"/>
+              </a:defRPr>
+            </a:lvl6pPr>
+            <a:lvl7pPr marL="2971800" indent="-228600" algn="l" defTabSz="914400" rtl="0" eaLnBrk="1" latinLnBrk="0" hangingPunct="1">
+              <a:lnSpc>
+                <a:spcPct val="90000"/>
+              </a:lnSpc>
+              <a:spcBef>
+                <a:spcPts val="500"/>
+              </a:spcBef>
+              <a:buFont typeface="Arial" panose="020B0604020202020204" pitchFamily="34" charset="0"/>
+              <a:buChar char="•"/>
+              <a:defRPr sz="1800" kern="1200">
+                <a:solidFill>
+                  <a:schemeClr val="tx1"/>
+                </a:solidFill>
+                <a:latin typeface="+mn-lt"/>
+                <a:ea typeface="+mn-ea"/>
+                <a:cs typeface="+mn-cs"/>
+              </a:defRPr>
+            </a:lvl7pPr>
+            <a:lvl8pPr marL="3429000" indent="-228600" algn="l" defTabSz="914400" rtl="0" eaLnBrk="1" latinLnBrk="0" hangingPunct="1">
+              <a:lnSpc>
+                <a:spcPct val="90000"/>
+              </a:lnSpc>
+              <a:spcBef>
+                <a:spcPts val="500"/>
+              </a:spcBef>
+              <a:buFont typeface="Arial" panose="020B0604020202020204" pitchFamily="34" charset="0"/>
+              <a:buChar char="•"/>
+              <a:defRPr sz="1800" kern="1200">
+                <a:solidFill>
+                  <a:schemeClr val="tx1"/>
+                </a:solidFill>
+                <a:latin typeface="+mn-lt"/>
+                <a:ea typeface="+mn-ea"/>
+                <a:cs typeface="+mn-cs"/>
+              </a:defRPr>
+            </a:lvl8pPr>
+            <a:lvl9pPr marL="3886200" indent="-228600" algn="l" defTabSz="914400" rtl="0" eaLnBrk="1" latinLnBrk="0" hangingPunct="1">
+              <a:lnSpc>
+                <a:spcPct val="90000"/>
+              </a:lnSpc>
+              <a:spcBef>
+                <a:spcPts val="500"/>
+              </a:spcBef>
+              <a:buFont typeface="Arial" panose="020B0604020202020204" pitchFamily="34" charset="0"/>
+              <a:buChar char="•"/>
+              <a:defRPr sz="1800" kern="1200">
+                <a:solidFill>
+                  <a:schemeClr val="tx1"/>
+                </a:solidFill>
+                <a:latin typeface="+mn-lt"/>
+                <a:ea typeface="+mn-ea"/>
+                <a:cs typeface="+mn-cs"/>
+              </a:defRPr>
+            </a:lvl9pPr>
+          </a:lstStyle>
+          <a:p>
+            <a:pPr marL="0" indent="0">
+              <a:buFont typeface="Arial" panose="020B0604020202020204" pitchFamily="34" charset="0"/>
+              <a:buNone/>
+            </a:pPr>
+            <a:r>
+              <a:rPr lang="de-DE" sz="2000" dirty="0" smtClean="0">
+                <a:solidFill>
+                  <a:srgbClr val="CDB380"/>
+                </a:solidFill>
+                <a:latin typeface="Futura Lt BT" panose="020B0402020204020303" pitchFamily="34" charset="0"/>
+              </a:rPr>
+              <a:t>„Alarm“</a:t>
+            </a:r>
+            <a:endParaRPr lang="de-DE" sz="2000" dirty="0">
+              <a:solidFill>
+                <a:srgbClr val="CDB380"/>
+              </a:solidFill>
+              <a:latin typeface="Futura Lt BT" panose="020B0402020204020303" pitchFamily="34" charset="0"/>
+            </a:endParaRPr>
+          </a:p>
+        </p:txBody>
+      </p:sp>
+      <p:sp>
+        <p:nvSpPr>
+          <p:cNvPr id="10" name="Inhaltsplatzhalter 4"/>
+          <p:cNvSpPr txBox="1">
+            <a:spLocks/>
+          </p:cNvSpPr>
+          <p:nvPr/>
+        </p:nvSpPr>
+        <p:spPr>
+          <a:xfrm>
+            <a:off x="4018241" y="2119637"/>
+            <a:ext cx="2458995" cy="360000"/>
+          </a:xfrm>
+          <a:prstGeom prst="rect">
+            <a:avLst/>
+          </a:prstGeom>
+        </p:spPr>
+        <p:txBody>
+          <a:bodyPr vert="horz" lIns="91440" tIns="45720" rIns="91440" bIns="45720" rtlCol="0">
+            <a:normAutofit lnSpcReduction="10000"/>
+          </a:bodyPr>
+          <a:lstStyle>
+            <a:lvl1pPr marL="228600" indent="-228600" algn="l" defTabSz="914400" rtl="0" eaLnBrk="1" latinLnBrk="0" hangingPunct="1">
+              <a:lnSpc>
+                <a:spcPct val="90000"/>
+              </a:lnSpc>
+              <a:spcBef>
+                <a:spcPts val="1000"/>
+              </a:spcBef>
+              <a:buFont typeface="Arial" panose="020B0604020202020204" pitchFamily="34" charset="0"/>
+              <a:buChar char="•"/>
+              <a:defRPr sz="2800" kern="1200">
+                <a:solidFill>
+                  <a:schemeClr val="tx1"/>
+                </a:solidFill>
+                <a:latin typeface="+mn-lt"/>
+                <a:ea typeface="+mn-ea"/>
+                <a:cs typeface="+mn-cs"/>
+              </a:defRPr>
+            </a:lvl1pPr>
+            <a:lvl2pPr marL="685800" indent="-228600" algn="l" defTabSz="914400" rtl="0" eaLnBrk="1" latinLnBrk="0" hangingPunct="1">
+              <a:lnSpc>
+                <a:spcPct val="90000"/>
+              </a:lnSpc>
+              <a:spcBef>
+                <a:spcPts val="500"/>
+              </a:spcBef>
+              <a:buFont typeface="Arial" panose="020B0604020202020204" pitchFamily="34" charset="0"/>
+              <a:buChar char="•"/>
+              <a:defRPr sz="2400" kern="1200">
+                <a:solidFill>
+                  <a:schemeClr val="tx1"/>
+                </a:solidFill>
+                <a:latin typeface="+mn-lt"/>
+                <a:ea typeface="+mn-ea"/>
+                <a:cs typeface="+mn-cs"/>
+              </a:defRPr>
+            </a:lvl2pPr>
+            <a:lvl3pPr marL="1143000" indent="-228600" algn="l" defTabSz="914400" rtl="0" eaLnBrk="1" latinLnBrk="0" hangingPunct="1">
+              <a:lnSpc>
+                <a:spcPct val="90000"/>
+              </a:lnSpc>
+              <a:spcBef>
+                <a:spcPts val="500"/>
+              </a:spcBef>
+              <a:buFont typeface="Arial" panose="020B0604020202020204" pitchFamily="34" charset="0"/>
+              <a:buChar char="•"/>
+              <a:defRPr sz="2000" kern="1200">
+                <a:solidFill>
+                  <a:schemeClr val="tx1"/>
+                </a:solidFill>
+                <a:latin typeface="+mn-lt"/>
+                <a:ea typeface="+mn-ea"/>
+                <a:cs typeface="+mn-cs"/>
+              </a:defRPr>
+            </a:lvl3pPr>
+            <a:lvl4pPr marL="1600200" indent="-228600" algn="l" defTabSz="914400" rtl="0" eaLnBrk="1" latinLnBrk="0" hangingPunct="1">
+              <a:lnSpc>
+                <a:spcPct val="90000"/>
+              </a:lnSpc>
+              <a:spcBef>
+                <a:spcPts val="500"/>
+              </a:spcBef>
+              <a:buFont typeface="Arial" panose="020B0604020202020204" pitchFamily="34" charset="0"/>
+              <a:buChar char="•"/>
+              <a:defRPr sz="1800" kern="1200">
+                <a:solidFill>
+                  <a:schemeClr val="tx1"/>
+                </a:solidFill>
+                <a:latin typeface="+mn-lt"/>
+                <a:ea typeface="+mn-ea"/>
+                <a:cs typeface="+mn-cs"/>
+              </a:defRPr>
+            </a:lvl4pPr>
+            <a:lvl5pPr marL="2057400" indent="-228600" algn="l" defTabSz="914400" rtl="0" eaLnBrk="1" latinLnBrk="0" hangingPunct="1">
+              <a:lnSpc>
+                <a:spcPct val="90000"/>
+              </a:lnSpc>
+              <a:spcBef>
+                <a:spcPts val="500"/>
+              </a:spcBef>
+              <a:buFont typeface="Arial" panose="020B0604020202020204" pitchFamily="34" charset="0"/>
+              <a:buChar char="•"/>
+              <a:defRPr sz="1800" kern="1200">
+                <a:solidFill>
+                  <a:schemeClr val="tx1"/>
+                </a:solidFill>
+                <a:latin typeface="+mn-lt"/>
+                <a:ea typeface="+mn-ea"/>
+                <a:cs typeface="+mn-cs"/>
+              </a:defRPr>
+            </a:lvl5pPr>
+            <a:lvl6pPr marL="2514600" indent="-228600" algn="l" defTabSz="914400" rtl="0" eaLnBrk="1" latinLnBrk="0" hangingPunct="1">
+              <a:lnSpc>
+                <a:spcPct val="90000"/>
+              </a:lnSpc>
+              <a:spcBef>
+                <a:spcPts val="500"/>
+              </a:spcBef>
+              <a:buFont typeface="Arial" panose="020B0604020202020204" pitchFamily="34" charset="0"/>
+              <a:buChar char="•"/>
+              <a:defRPr sz="1800" kern="1200">
+                <a:solidFill>
+                  <a:schemeClr val="tx1"/>
+                </a:solidFill>
+                <a:latin typeface="+mn-lt"/>
+                <a:ea typeface="+mn-ea"/>
+                <a:cs typeface="+mn-cs"/>
+              </a:defRPr>
+            </a:lvl6pPr>
+            <a:lvl7pPr marL="2971800" indent="-228600" algn="l" defTabSz="914400" rtl="0" eaLnBrk="1" latinLnBrk="0" hangingPunct="1">
+              <a:lnSpc>
+                <a:spcPct val="90000"/>
+              </a:lnSpc>
+              <a:spcBef>
+                <a:spcPts val="500"/>
+              </a:spcBef>
+              <a:buFont typeface="Arial" panose="020B0604020202020204" pitchFamily="34" charset="0"/>
+              <a:buChar char="•"/>
+              <a:defRPr sz="1800" kern="1200">
+                <a:solidFill>
+                  <a:schemeClr val="tx1"/>
+                </a:solidFill>
+                <a:latin typeface="+mn-lt"/>
+                <a:ea typeface="+mn-ea"/>
+                <a:cs typeface="+mn-cs"/>
+              </a:defRPr>
+            </a:lvl7pPr>
+            <a:lvl8pPr marL="3429000" indent="-228600" algn="l" defTabSz="914400" rtl="0" eaLnBrk="1" latinLnBrk="0" hangingPunct="1">
+              <a:lnSpc>
+                <a:spcPct val="90000"/>
+              </a:lnSpc>
+              <a:spcBef>
+                <a:spcPts val="500"/>
+              </a:spcBef>
+              <a:buFont typeface="Arial" panose="020B0604020202020204" pitchFamily="34" charset="0"/>
+              <a:buChar char="•"/>
+              <a:defRPr sz="1800" kern="1200">
+                <a:solidFill>
+                  <a:schemeClr val="tx1"/>
+                </a:solidFill>
+                <a:latin typeface="+mn-lt"/>
+                <a:ea typeface="+mn-ea"/>
+                <a:cs typeface="+mn-cs"/>
+              </a:defRPr>
+            </a:lvl8pPr>
+            <a:lvl9pPr marL="3886200" indent="-228600" algn="l" defTabSz="914400" rtl="0" eaLnBrk="1" latinLnBrk="0" hangingPunct="1">
+              <a:lnSpc>
+                <a:spcPct val="90000"/>
+              </a:lnSpc>
+              <a:spcBef>
+                <a:spcPts val="500"/>
+              </a:spcBef>
+              <a:buFont typeface="Arial" panose="020B0604020202020204" pitchFamily="34" charset="0"/>
+              <a:buChar char="•"/>
+              <a:defRPr sz="1800" kern="1200">
+                <a:solidFill>
+                  <a:schemeClr val="tx1"/>
+                </a:solidFill>
+                <a:latin typeface="+mn-lt"/>
+                <a:ea typeface="+mn-ea"/>
+                <a:cs typeface="+mn-cs"/>
+              </a:defRPr>
+            </a:lvl9pPr>
+          </a:lstStyle>
+          <a:p>
+            <a:pPr marL="0" indent="0">
+              <a:buFont typeface="Arial" panose="020B0604020202020204" pitchFamily="34" charset="0"/>
+              <a:buNone/>
+            </a:pPr>
+            <a:r>
+              <a:rPr lang="de-DE" sz="2000" dirty="0" smtClean="0">
+                <a:solidFill>
+                  <a:srgbClr val="CDB380"/>
+                </a:solidFill>
+                <a:latin typeface="Futura Lt BT" panose="020B0402020204020303" pitchFamily="34" charset="0"/>
+              </a:rPr>
+              <a:t>„Fade 20“</a:t>
+            </a:r>
+            <a:endParaRPr lang="de-DE" sz="2000" dirty="0">
+              <a:solidFill>
+                <a:srgbClr val="CDB380"/>
+              </a:solidFill>
+              <a:latin typeface="Futura Lt BT" panose="020B0402020204020303" pitchFamily="34" charset="0"/>
+            </a:endParaRPr>
+          </a:p>
+        </p:txBody>
+      </p:sp>
+      <p:sp>
+        <p:nvSpPr>
+          <p:cNvPr id="15" name="Inhaltsplatzhalter 4">
+            <a:extLst>
+              <a:ext uri="{FF2B5EF4-FFF2-40B4-BE49-F238E27FC236}">
+                <a16:creationId xmlns:a16="http://schemas.microsoft.com/office/drawing/2014/main" id="{2B5225F9-A453-4D73-AE00-35BF68CAE4BB}"/>
+              </a:ext>
+            </a:extLst>
+          </p:cNvPr>
+          <p:cNvSpPr txBox="1">
+            <a:spLocks/>
+          </p:cNvSpPr>
+          <p:nvPr/>
+        </p:nvSpPr>
+        <p:spPr>
+          <a:xfrm>
+            <a:off x="7078241" y="2119637"/>
+            <a:ext cx="2458995" cy="360000"/>
+          </a:xfrm>
+          <a:prstGeom prst="rect">
+            <a:avLst/>
+          </a:prstGeom>
+        </p:spPr>
+        <p:txBody>
+          <a:bodyPr vert="horz" lIns="91440" tIns="45720" rIns="91440" bIns="45720" rtlCol="0">
+            <a:normAutofit lnSpcReduction="10000"/>
+          </a:bodyPr>
+          <a:lstStyle>
+            <a:lvl1pPr marL="228600" indent="-228600" algn="l" defTabSz="914400" rtl="0" eaLnBrk="1" latinLnBrk="0" hangingPunct="1">
+              <a:lnSpc>
+                <a:spcPct val="90000"/>
+              </a:lnSpc>
+              <a:spcBef>
+                <a:spcPts val="1000"/>
+              </a:spcBef>
+              <a:buFont typeface="Arial" panose="020B0604020202020204" pitchFamily="34" charset="0"/>
+              <a:buChar char="•"/>
+              <a:defRPr sz="2800" kern="1200">
+                <a:solidFill>
+                  <a:schemeClr val="tx1"/>
+                </a:solidFill>
+                <a:latin typeface="+mn-lt"/>
+                <a:ea typeface="+mn-ea"/>
+                <a:cs typeface="+mn-cs"/>
+              </a:defRPr>
+            </a:lvl1pPr>
+            <a:lvl2pPr marL="685800" indent="-228600" algn="l" defTabSz="914400" rtl="0" eaLnBrk="1" latinLnBrk="0" hangingPunct="1">
+              <a:lnSpc>
+                <a:spcPct val="90000"/>
+              </a:lnSpc>
+              <a:spcBef>
+                <a:spcPts val="500"/>
+              </a:spcBef>
+              <a:buFont typeface="Arial" panose="020B0604020202020204" pitchFamily="34" charset="0"/>
+              <a:buChar char="•"/>
+              <a:defRPr sz="2400" kern="1200">
+                <a:solidFill>
+                  <a:schemeClr val="tx1"/>
+                </a:solidFill>
+                <a:latin typeface="+mn-lt"/>
+                <a:ea typeface="+mn-ea"/>
+                <a:cs typeface="+mn-cs"/>
+              </a:defRPr>
+            </a:lvl2pPr>
+            <a:lvl3pPr marL="1143000" indent="-228600" algn="l" defTabSz="914400" rtl="0" eaLnBrk="1" latinLnBrk="0" hangingPunct="1">
+              <a:lnSpc>
+                <a:spcPct val="90000"/>
+              </a:lnSpc>
+              <a:spcBef>
+                <a:spcPts val="500"/>
+              </a:spcBef>
+              <a:buFont typeface="Arial" panose="020B0604020202020204" pitchFamily="34" charset="0"/>
+              <a:buChar char="•"/>
+              <a:defRPr sz="2000" kern="1200">
+                <a:solidFill>
+                  <a:schemeClr val="tx1"/>
+                </a:solidFill>
+                <a:latin typeface="+mn-lt"/>
+                <a:ea typeface="+mn-ea"/>
+                <a:cs typeface="+mn-cs"/>
+              </a:defRPr>
+            </a:lvl3pPr>
+            <a:lvl4pPr marL="1600200" indent="-228600" algn="l" defTabSz="914400" rtl="0" eaLnBrk="1" latinLnBrk="0" hangingPunct="1">
+              <a:lnSpc>
+                <a:spcPct val="90000"/>
+              </a:lnSpc>
+              <a:spcBef>
+                <a:spcPts val="500"/>
+              </a:spcBef>
+              <a:buFont typeface="Arial" panose="020B0604020202020204" pitchFamily="34" charset="0"/>
+              <a:buChar char="•"/>
+              <a:defRPr sz="1800" kern="1200">
+                <a:solidFill>
+                  <a:schemeClr val="tx1"/>
+                </a:solidFill>
+                <a:latin typeface="+mn-lt"/>
+                <a:ea typeface="+mn-ea"/>
+                <a:cs typeface="+mn-cs"/>
+              </a:defRPr>
+            </a:lvl4pPr>
+            <a:lvl5pPr marL="2057400" indent="-228600" algn="l" defTabSz="914400" rtl="0" eaLnBrk="1" latinLnBrk="0" hangingPunct="1">
+              <a:lnSpc>
+                <a:spcPct val="90000"/>
+              </a:lnSpc>
+              <a:spcBef>
+                <a:spcPts val="500"/>
+              </a:spcBef>
+              <a:buFont typeface="Arial" panose="020B0604020202020204" pitchFamily="34" charset="0"/>
+              <a:buChar char="•"/>
+              <a:defRPr sz="1800" kern="1200">
+                <a:solidFill>
+                  <a:schemeClr val="tx1"/>
+                </a:solidFill>
+                <a:latin typeface="+mn-lt"/>
+                <a:ea typeface="+mn-ea"/>
+                <a:cs typeface="+mn-cs"/>
+              </a:defRPr>
+            </a:lvl5pPr>
+            <a:lvl6pPr marL="2514600" indent="-228600" algn="l" defTabSz="914400" rtl="0" eaLnBrk="1" latinLnBrk="0" hangingPunct="1">
+              <a:lnSpc>
+                <a:spcPct val="90000"/>
+              </a:lnSpc>
+              <a:spcBef>
+                <a:spcPts val="500"/>
+              </a:spcBef>
+              <a:buFont typeface="Arial" panose="020B0604020202020204" pitchFamily="34" charset="0"/>
+              <a:buChar char="•"/>
+              <a:defRPr sz="1800" kern="1200">
+                <a:solidFill>
+                  <a:schemeClr val="tx1"/>
+                </a:solidFill>
+                <a:latin typeface="+mn-lt"/>
+                <a:ea typeface="+mn-ea"/>
+                <a:cs typeface="+mn-cs"/>
+              </a:defRPr>
+            </a:lvl6pPr>
+            <a:lvl7pPr marL="2971800" indent="-228600" algn="l" defTabSz="914400" rtl="0" eaLnBrk="1" latinLnBrk="0" hangingPunct="1">
+              <a:lnSpc>
+                <a:spcPct val="90000"/>
+              </a:lnSpc>
+              <a:spcBef>
+                <a:spcPts val="500"/>
+              </a:spcBef>
+              <a:buFont typeface="Arial" panose="020B0604020202020204" pitchFamily="34" charset="0"/>
+              <a:buChar char="•"/>
+              <a:defRPr sz="1800" kern="1200">
+                <a:solidFill>
+                  <a:schemeClr val="tx1"/>
+                </a:solidFill>
+                <a:latin typeface="+mn-lt"/>
+                <a:ea typeface="+mn-ea"/>
+                <a:cs typeface="+mn-cs"/>
+              </a:defRPr>
+            </a:lvl7pPr>
+            <a:lvl8pPr marL="3429000" indent="-228600" algn="l" defTabSz="914400" rtl="0" eaLnBrk="1" latinLnBrk="0" hangingPunct="1">
+              <a:lnSpc>
+                <a:spcPct val="90000"/>
+              </a:lnSpc>
+              <a:spcBef>
+                <a:spcPts val="500"/>
+              </a:spcBef>
+              <a:buFont typeface="Arial" panose="020B0604020202020204" pitchFamily="34" charset="0"/>
+              <a:buChar char="•"/>
+              <a:defRPr sz="1800" kern="1200">
+                <a:solidFill>
+                  <a:schemeClr val="tx1"/>
+                </a:solidFill>
+                <a:latin typeface="+mn-lt"/>
+                <a:ea typeface="+mn-ea"/>
+                <a:cs typeface="+mn-cs"/>
+              </a:defRPr>
+            </a:lvl8pPr>
+            <a:lvl9pPr marL="3886200" indent="-228600" algn="l" defTabSz="914400" rtl="0" eaLnBrk="1" latinLnBrk="0" hangingPunct="1">
+              <a:lnSpc>
+                <a:spcPct val="90000"/>
+              </a:lnSpc>
+              <a:spcBef>
+                <a:spcPts val="500"/>
+              </a:spcBef>
+              <a:buFont typeface="Arial" panose="020B0604020202020204" pitchFamily="34" charset="0"/>
+              <a:buChar char="•"/>
+              <a:defRPr sz="1800" kern="1200">
+                <a:solidFill>
+                  <a:schemeClr val="tx1"/>
+                </a:solidFill>
+                <a:latin typeface="+mn-lt"/>
+                <a:ea typeface="+mn-ea"/>
+                <a:cs typeface="+mn-cs"/>
+              </a:defRPr>
+            </a:lvl9pPr>
+          </a:lstStyle>
+          <a:p>
+            <a:pPr marL="0" indent="0">
+              <a:buNone/>
+            </a:pPr>
+            <a:r>
+              <a:rPr lang="de-DE" sz="2000" dirty="0" smtClean="0">
+                <a:solidFill>
+                  <a:srgbClr val="CDB380"/>
+                </a:solidFill>
+                <a:latin typeface="Futura Lt BT" panose="020B0402020204020303" pitchFamily="34" charset="0"/>
+              </a:rPr>
+              <a:t>„Fade 5“</a:t>
+            </a:r>
+            <a:endParaRPr lang="de-DE" sz="2000" dirty="0">
+              <a:solidFill>
+                <a:srgbClr val="CDB380"/>
+              </a:solidFill>
+              <a:latin typeface="Futura Lt BT" panose="020B0402020204020303" pitchFamily="34" charset="0"/>
+            </a:endParaRPr>
           </a:p>
         </p:txBody>
       </p:sp>
     </p:spTree>
     <p:extLst>
       <p:ext uri="{BB962C8B-B14F-4D97-AF65-F5344CB8AC3E}">
-        <p14:creationId xmlns:p14="http://schemas.microsoft.com/office/powerpoint/2010/main" val="2101833021"/>
+        <p14:creationId xmlns:p14="http://schemas.microsoft.com/office/powerpoint/2010/main" val="2784682653"/>
       </p:ext>
     </p:extLst>
   </p:cSld>
   <p:clrMapOvr>
     <a:masterClrMapping/>
   </p:clrMapOvr>
+  <p:timing>
+    <p:tnLst>
+      <p:par>
+        <p:cTn id="1" dur="indefinite" restart="never" nodeType="tmRoot">
+          <p:childTnLst>
+            <p:seq concurrent="1" nextAc="seek">
+              <p:cTn id="2" dur="indefinite" nodeType="mainSeq">
+                <p:childTnLst>
+                  <p:par>
+                    <p:cTn id="3" fill="hold">
+                      <p:stCondLst>
+                        <p:cond delay="indefinite"/>
+                        <p:cond evt="onBegin" delay="0">
+                          <p:tn val="2"/>
+                        </p:cond>
+                      </p:stCondLst>
+                      <p:childTnLst>
+                        <p:par>
+                          <p:cTn id="4" fill="hold">
+                            <p:stCondLst>
+                              <p:cond delay="0"/>
+                            </p:stCondLst>
+                            <p:childTnLst>
+                              <p:par>
+                                <p:cTn id="5" presetID="22" presetClass="entr" presetSubtype="8" fill="hold" grpId="0" nodeType="withEffect">
+                                  <p:stCondLst>
+                                    <p:cond delay="0"/>
+                                  </p:stCondLst>
+                                  <p:childTnLst>
+                                    <p:set>
+                                      <p:cBhvr>
+                                        <p:cTn id="6" dur="1" fill="hold">
+                                          <p:stCondLst>
+                                            <p:cond delay="0"/>
+                                          </p:stCondLst>
+                                        </p:cTn>
+                                        <p:tgtEl>
+                                          <p:spTgt spid="6"/>
+                                        </p:tgtEl>
+                                        <p:attrNameLst>
+                                          <p:attrName>style.visibility</p:attrName>
+                                        </p:attrNameLst>
+                                      </p:cBhvr>
+                                      <p:to>
+                                        <p:strVal val="visible"/>
+                                      </p:to>
+                                    </p:set>
+                                    <p:animEffect transition="in" filter="wipe(left)">
+                                      <p:cBhvr>
+                                        <p:cTn id="7" dur="400"/>
+                                        <p:tgtEl>
+                                          <p:spTgt spid="6"/>
+                                        </p:tgtEl>
+                                      </p:cBhvr>
+                                    </p:animEffect>
+                                  </p:childTnLst>
+                                </p:cTn>
+                              </p:par>
+                              <p:par>
+                                <p:cTn id="8" presetID="22" presetClass="entr" presetSubtype="8" fill="hold" grpId="0" nodeType="withEffect">
+                                  <p:stCondLst>
+                                    <p:cond delay="100"/>
+                                  </p:stCondLst>
+                                  <p:childTnLst>
+                                    <p:set>
+                                      <p:cBhvr>
+                                        <p:cTn id="9" dur="1" fill="hold">
+                                          <p:stCondLst>
+                                            <p:cond delay="0"/>
+                                          </p:stCondLst>
+                                        </p:cTn>
+                                        <p:tgtEl>
+                                          <p:spTgt spid="7"/>
+                                        </p:tgtEl>
+                                        <p:attrNameLst>
+                                          <p:attrName>style.visibility</p:attrName>
+                                        </p:attrNameLst>
+                                      </p:cBhvr>
+                                      <p:to>
+                                        <p:strVal val="visible"/>
+                                      </p:to>
+                                    </p:set>
+                                    <p:animEffect transition="in" filter="wipe(left)">
+                                      <p:cBhvr>
+                                        <p:cTn id="10" dur="400"/>
+                                        <p:tgtEl>
+                                          <p:spTgt spid="7"/>
+                                        </p:tgtEl>
+                                      </p:cBhvr>
+                                    </p:animEffect>
+                                  </p:childTnLst>
+                                </p:cTn>
+                              </p:par>
+                              <p:par>
+                                <p:cTn id="11" presetID="22" presetClass="entr" presetSubtype="8" fill="hold" grpId="0" nodeType="withEffect">
+                                  <p:stCondLst>
+                                    <p:cond delay="200"/>
+                                  </p:stCondLst>
+                                  <p:childTnLst>
+                                    <p:set>
+                                      <p:cBhvr>
+                                        <p:cTn id="12" dur="1" fill="hold">
+                                          <p:stCondLst>
+                                            <p:cond delay="0"/>
+                                          </p:stCondLst>
+                                        </p:cTn>
+                                        <p:tgtEl>
+                                          <p:spTgt spid="8"/>
+                                        </p:tgtEl>
+                                        <p:attrNameLst>
+                                          <p:attrName>style.visibility</p:attrName>
+                                        </p:attrNameLst>
+                                      </p:cBhvr>
+                                      <p:to>
+                                        <p:strVal val="visible"/>
+                                      </p:to>
+                                    </p:set>
+                                    <p:animEffect transition="in" filter="wipe(left)">
+                                      <p:cBhvr>
+                                        <p:cTn id="13" dur="400"/>
+                                        <p:tgtEl>
+                                          <p:spTgt spid="8"/>
+                                        </p:tgtEl>
+                                      </p:cBhvr>
+                                    </p:animEffect>
+                                  </p:childTnLst>
+                                </p:cTn>
+                              </p:par>
+                            </p:childTnLst>
+                          </p:cTn>
+                        </p:par>
+                      </p:childTnLst>
+                    </p:cTn>
+                  </p:par>
+                </p:childTnLst>
+              </p:cTn>
+              <p:prevCondLst>
+                <p:cond evt="onPrev" delay="0">
+                  <p:tgtEl>
+                    <p:sldTgt/>
+                  </p:tgtEl>
+                </p:cond>
+              </p:prevCondLst>
+              <p:nextCondLst>
+                <p:cond evt="onNext" delay="0">
+                  <p:tgtEl>
+                    <p:sldTgt/>
+                  </p:tgtEl>
+                </p:cond>
+              </p:nextCondLst>
+            </p:seq>
+          </p:childTnLst>
+        </p:cTn>
+      </p:par>
+    </p:tnLst>
+    <p:bldLst>
+      <p:bldP spid="6" grpId="0" animBg="1"/>
+      <p:bldP spid="7" grpId="0" animBg="1"/>
+      <p:bldP spid="8" grpId="0" animBg="1"/>
+    </p:bldLst>
+  </p:timing>
 </p:sld>
 </file>
 
-<file path=ppt/slides/slide6.xml><?xml version="1.0" encoding="utf-8"?>
+<file path=ppt/slides/slide7.xml><?xml version="1.0" encoding="utf-8"?>
 <p:sld xmlns:a="http://schemas.openxmlformats.org/drawingml/2006/main" xmlns:r="http://schemas.openxmlformats.org/officeDocument/2006/relationships" xmlns:p="http://schemas.openxmlformats.org/presentationml/2006/main">
   <p:cSld>
     <p:spTree>
@@ -25405,10 +25815,17 @@
   <p:clrMapOvr>
     <a:masterClrMapping/>
   </p:clrMapOvr>
+  <p:timing>
+    <p:tnLst>
+      <p:par>
+        <p:cTn id="1" dur="indefinite" restart="never" nodeType="tmRoot"/>
+      </p:par>
+    </p:tnLst>
+  </p:timing>
 </p:sld>
 </file>
 
-<file path=ppt/slides/slide7.xml><?xml version="1.0" encoding="utf-8"?>
+<file path=ppt/slides/slide8.xml><?xml version="1.0" encoding="utf-8"?>
 <p:sld xmlns:a="http://schemas.openxmlformats.org/drawingml/2006/main" xmlns:r="http://schemas.openxmlformats.org/officeDocument/2006/relationships" xmlns:p="http://schemas.openxmlformats.org/presentationml/2006/main">
   <p:cSld>
     <p:spTree>
@@ -25495,10 +25912,17 @@
   <p:clrMapOvr>
     <a:masterClrMapping/>
   </p:clrMapOvr>
+  <p:timing>
+    <p:tnLst>
+      <p:par>
+        <p:cTn id="1" dur="indefinite" restart="never" nodeType="tmRoot"/>
+      </p:par>
+    </p:tnLst>
+  </p:timing>
 </p:sld>
 </file>
 
-<file path=ppt/slides/slide8.xml><?xml version="1.0" encoding="utf-8"?>
+<file path=ppt/slides/slide9.xml><?xml version="1.0" encoding="utf-8"?>
 <p:sld xmlns:a="http://schemas.openxmlformats.org/drawingml/2006/main" xmlns:r="http://schemas.openxmlformats.org/officeDocument/2006/relationships" xmlns:p="http://schemas.openxmlformats.org/presentationml/2006/main">
   <p:cSld>
     <p:spTree>
@@ -25585,175 +26009,13 @@
   <p:clrMapOvr>
     <a:masterClrMapping/>
   </p:clrMapOvr>
-</p:sld>
-</file>
-
-<file path=ppt/slides/slide9.xml><?xml version="1.0" encoding="utf-8"?>
-<p:sld xmlns:a="http://schemas.openxmlformats.org/drawingml/2006/main" xmlns:r="http://schemas.openxmlformats.org/officeDocument/2006/relationships" xmlns:p="http://schemas.openxmlformats.org/presentationml/2006/main">
-  <p:cSld>
-    <p:spTree>
-      <p:nvGrpSpPr>
-        <p:cNvPr id="1" name=""/>
-        <p:cNvGrpSpPr/>
-        <p:nvPr/>
-      </p:nvGrpSpPr>
-      <p:grpSpPr>
-        <a:xfrm>
-          <a:off x="0" y="0"/>
-          <a:ext cx="0" cy="0"/>
-          <a:chOff x="0" y="0"/>
-          <a:chExt cx="0" cy="0"/>
-        </a:xfrm>
-      </p:grpSpPr>
-      <p:sp>
-        <p:nvSpPr>
-          <p:cNvPr id="2" name="Titel 1"/>
-          <p:cNvSpPr>
-            <a:spLocks noGrp="1"/>
-          </p:cNvSpPr>
-          <p:nvPr>
-            <p:ph type="title"/>
-          </p:nvPr>
-        </p:nvSpPr>
-        <p:spPr/>
-        <p:txBody>
-          <a:bodyPr/>
-          <a:lstStyle/>
-          <a:p>
-            <a:r>
-              <a:rPr lang="de-DE" dirty="0"/>
-              <a:t>Aufgaben </a:t>
-            </a:r>
-            <a:r>
-              <a:rPr lang="de-DE" sz="2400" dirty="0"/>
-              <a:t>(4/4) </a:t>
-            </a:r>
-            <a:r>
-              <a:rPr lang="de-DE" sz="2400" dirty="0">
-                <a:solidFill>
-                  <a:srgbClr val="FF0000"/>
-                </a:solidFill>
-              </a:rPr>
-              <a:t>das hier vielleicht rausmachen weil eh </a:t>
-            </a:r>
-            <a:r>
-              <a:rPr lang="de-DE" sz="2400" dirty="0" err="1">
-                <a:solidFill>
-                  <a:srgbClr val="FF0000"/>
-                </a:solidFill>
-              </a:rPr>
-              <a:t>video</a:t>
-            </a:r>
-            <a:r>
-              <a:rPr lang="de-DE" sz="2400" dirty="0">
-                <a:solidFill>
-                  <a:srgbClr val="FF0000"/>
-                </a:solidFill>
-              </a:rPr>
-              <a:t>?</a:t>
-            </a:r>
-          </a:p>
-        </p:txBody>
-      </p:sp>
-      <p:pic>
-        <p:nvPicPr>
-          <p:cNvPr id="4" name="Inhaltsplatzhalter 3"/>
-          <p:cNvPicPr>
-            <a:picLocks noGrp="1" noChangeAspect="1"/>
-          </p:cNvPicPr>
-          <p:nvPr>
-            <p:ph idx="1"/>
-          </p:nvPr>
-        </p:nvPicPr>
-        <p:blipFill>
-          <a:blip r:embed="rId3" cstate="print">
-            <a:extLst>
-              <a:ext uri="{28A0092B-C50C-407E-A947-70E740481C1C}">
-                <a14:useLocalDpi xmlns:a14="http://schemas.microsoft.com/office/drawing/2010/main" val="0"/>
-              </a:ext>
-            </a:extLst>
-          </a:blip>
-          <a:stretch>
-            <a:fillRect/>
-          </a:stretch>
-        </p:blipFill>
-        <p:spPr>
-          <a:xfrm>
-            <a:off x="1927432" y="1481294"/>
-            <a:ext cx="3970481" cy="2520000"/>
-          </a:xfrm>
-        </p:spPr>
-      </p:pic>
-      <p:pic>
-        <p:nvPicPr>
-          <p:cNvPr id="5" name="Grafik 4"/>
-          <p:cNvPicPr>
-            <a:picLocks noChangeAspect="1"/>
-          </p:cNvPicPr>
-          <p:nvPr/>
-        </p:nvPicPr>
-        <p:blipFill>
-          <a:blip r:embed="rId4" cstate="print">
-            <a:extLst>
-              <a:ext uri="{28A0092B-C50C-407E-A947-70E740481C1C}">
-                <a14:useLocalDpi xmlns:a14="http://schemas.microsoft.com/office/drawing/2010/main" val="0"/>
-              </a:ext>
-            </a:extLst>
-          </a:blip>
-          <a:stretch>
-            <a:fillRect/>
-          </a:stretch>
-        </p:blipFill>
-        <p:spPr>
-          <a:xfrm>
-            <a:off x="5971945" y="1481294"/>
-            <a:ext cx="3970481" cy="2520000"/>
-          </a:xfrm>
-          <a:prstGeom prst="rect">
-            <a:avLst/>
-          </a:prstGeom>
-        </p:spPr>
-      </p:pic>
-      <p:pic>
-        <p:nvPicPr>
-          <p:cNvPr id="6" name="Grafik 5"/>
-          <p:cNvPicPr>
-            <a:picLocks noChangeAspect="1"/>
-          </p:cNvPicPr>
-          <p:nvPr/>
-        </p:nvPicPr>
-        <p:blipFill>
-          <a:blip r:embed="rId5" cstate="print">
-            <a:extLst>
-              <a:ext uri="{28A0092B-C50C-407E-A947-70E740481C1C}">
-                <a14:useLocalDpi xmlns:a14="http://schemas.microsoft.com/office/drawing/2010/main" val="0"/>
-              </a:ext>
-            </a:extLst>
-          </a:blip>
-          <a:stretch>
-            <a:fillRect/>
-          </a:stretch>
-        </p:blipFill>
-        <p:spPr>
-          <a:xfrm>
-            <a:off x="1927432" y="4088130"/>
-            <a:ext cx="3970481" cy="2520000"/>
-          </a:xfrm>
-          <a:prstGeom prst="rect">
-            <a:avLst/>
-          </a:prstGeom>
-        </p:spPr>
-      </p:pic>
-    </p:spTree>
-    <p:extLst>
-      <p:ext uri="{BB962C8B-B14F-4D97-AF65-F5344CB8AC3E}">
-        <p14:creationId xmlns:p14="http://schemas.microsoft.com/office/powerpoint/2010/main" val="3637224668"/>
-      </p:ext>
-    </p:extLst>
-  </p:cSld>
-  <p:clrMapOvr>
-    <a:masterClrMapping/>
-  </p:clrMapOvr>
+  <p:timing>
+    <p:tnLst>
+      <p:par>
+        <p:cTn id="1" dur="indefinite" restart="never" nodeType="tmRoot"/>
+      </p:par>
+    </p:tnLst>
+  </p:timing>
 </p:sld>
 </file>
 

--- a/presentation/Resync Studie.pptx
+++ b/presentation/Resync Studie.pptx
@@ -178,7 +178,7 @@
             <a:pPr>
               <a:defRPr sz="2128" b="1" i="0" u="none" strike="noStrike" kern="1200" baseline="0">
                 <a:solidFill>
-                  <a:schemeClr val="tx2"/>
+                  <a:srgbClr val="E7E6E6"/>
                 </a:solidFill>
                 <a:latin typeface="+mn-lt"/>
                 <a:ea typeface="+mn-ea"/>
@@ -187,11 +187,17 @@
             </a:pPr>
             <a:r>
               <a:rPr lang="en-US" sz="2000" b="0" dirty="0" err="1">
+                <a:solidFill>
+                  <a:srgbClr val="E7E6E6"/>
+                </a:solidFill>
                 <a:latin typeface="Futura Lt BT" panose="020B0402020204020303"/>
               </a:rPr>
               <a:t>Geschlecht</a:t>
             </a:r>
             <a:endParaRPr lang="en-US" b="0" dirty="0">
+              <a:solidFill>
+                <a:srgbClr val="E7E6E6"/>
+              </a:solidFill>
               <a:latin typeface="Futura Lt BT" panose="020B0402020204020303"/>
             </a:endParaRPr>
           </a:p>
@@ -212,7 +218,7 @@
           <a:pPr>
             <a:defRPr sz="2128" b="1" i="0" u="none" strike="noStrike" kern="1200" baseline="0">
               <a:solidFill>
-                <a:schemeClr val="tx2"/>
+                <a:srgbClr val="E7E6E6"/>
               </a:solidFill>
               <a:latin typeface="+mn-lt"/>
               <a:ea typeface="+mn-ea"/>
@@ -378,7 +384,7 @@
           <a:pPr>
             <a:defRPr sz="1197" b="0" i="0" u="none" strike="noStrike" kern="1200" baseline="0">
               <a:solidFill>
-                <a:schemeClr val="tx2"/>
+                <a:srgbClr val="E7E6E6"/>
               </a:solidFill>
               <a:latin typeface="Futura Lt BT" panose="020B0402020204020303"/>
               <a:ea typeface="+mn-ea"/>
@@ -6149,10 +6155,7 @@
             <a:pPr>
               <a:defRPr sz="1862" b="0" i="0" u="none" strike="noStrike" kern="1200" spc="0" baseline="0">
                 <a:solidFill>
-                  <a:schemeClr val="tx1">
-                    <a:lumMod val="65000"/>
-                    <a:lumOff val="35000"/>
-                  </a:schemeClr>
+                  <a:srgbClr val="E7E6E6"/>
                 </a:solidFill>
                 <a:latin typeface="+mn-lt"/>
                 <a:ea typeface="+mn-ea"/>
@@ -6162,17 +6165,35 @@
             <a:r>
               <a:rPr lang="de-DE" sz="2000" dirty="0">
                 <a:solidFill>
-                  <a:srgbClr val="44546A"/>
+                  <a:srgbClr val="E7E6E6"/>
                 </a:solidFill>
                 <a:effectLst/>
-                <a:latin typeface="Futura Lt BT" panose="020B0402020204020303"/>
+                <a:latin typeface="Futura Lt BT" panose="020B0402020204020303" pitchFamily="34" charset="0"/>
               </a:rPr>
-              <a:t>Zeiten der ersten Aufgabe (in Sekunden)</a:t>
+              <a:t>Zeiten </a:t>
+            </a:r>
+            <a:r>
+              <a:rPr lang="de-DE" sz="1862" b="0" i="0" u="none" strike="noStrike" baseline="0" dirty="0">
+                <a:effectLst/>
+                <a:latin typeface="Futura Lt BT" panose="020B0402020204020303" pitchFamily="34" charset="0"/>
+              </a:rPr>
+              <a:t>der Teilaufgaben </a:t>
+            </a:r>
+            <a:r>
+              <a:rPr lang="de-DE" sz="2000" dirty="0">
+                <a:solidFill>
+                  <a:srgbClr val="E7E6E6"/>
+                </a:solidFill>
+                <a:effectLst/>
+                <a:latin typeface="Futura Lt BT" panose="020B0402020204020303" pitchFamily="34" charset="0"/>
+              </a:rPr>
+              <a:t>der ersten Aufgabe (in Sekunden)</a:t>
             </a:r>
             <a:endParaRPr lang="de-DE" dirty="0">
               <a:solidFill>
-                <a:srgbClr val="44546A"/>
+                <a:srgbClr val="E7E6E6"/>
               </a:solidFill>
+              <a:latin typeface="Futura Lt BT" panose="020B0402020204020303" pitchFamily="34" charset="0"/>
             </a:endParaRPr>
           </a:p>
         </c:rich>
@@ -6192,10 +6213,7 @@
           <a:pPr>
             <a:defRPr sz="1862" b="0" i="0" u="none" strike="noStrike" kern="1200" spc="0" baseline="0">
               <a:solidFill>
-                <a:schemeClr val="tx1">
-                  <a:lumMod val="65000"/>
-                  <a:lumOff val="35000"/>
-                </a:schemeClr>
+                <a:srgbClr val="E7E6E6"/>
               </a:solidFill>
               <a:latin typeface="+mn-lt"/>
               <a:ea typeface="+mn-ea"/>
@@ -6622,7 +6640,7 @@
             <a:pPr>
               <a:defRPr sz="1197" b="0" i="0" u="none" strike="noStrike" kern="1200" baseline="0">
                 <a:solidFill>
-                  <a:srgbClr val="44546A"/>
+                  <a:srgbClr val="E7E6E6"/>
                 </a:solidFill>
                 <a:latin typeface="Futura Lt BT" panose="020B0402020204020303"/>
                 <a:ea typeface="+mn-ea"/>
@@ -6678,7 +6696,7 @@
             <a:pPr>
               <a:defRPr sz="1197" b="0" i="0" u="none" strike="noStrike" kern="1200" baseline="0">
                 <a:solidFill>
-                  <a:srgbClr val="44546A"/>
+                  <a:srgbClr val="E7E6E6"/>
                 </a:solidFill>
                 <a:latin typeface="Futura Lt BT" panose="020B0402020204020303"/>
                 <a:ea typeface="+mn-ea"/>
@@ -6717,7 +6735,7 @@
           <a:pPr>
             <a:defRPr sz="1197" b="0" i="0" u="none" strike="noStrike" kern="1200" baseline="0">
               <a:solidFill>
-                <a:srgbClr val="44546A"/>
+                <a:srgbClr val="E7E6E6"/>
               </a:solidFill>
               <a:latin typeface="Futura Lt BT" panose="020B0402020204020303"/>
               <a:ea typeface="+mn-ea"/>
@@ -6778,10 +6796,7 @@
             <a:pPr>
               <a:defRPr sz="1862" b="0" i="0" u="none" strike="noStrike" kern="1200" spc="0" baseline="0">
                 <a:solidFill>
-                  <a:schemeClr val="tx1">
-                    <a:lumMod val="65000"/>
-                    <a:lumOff val="35000"/>
-                  </a:schemeClr>
+                  <a:srgbClr val="E7E6E6"/>
                 </a:solidFill>
                 <a:latin typeface="+mn-lt"/>
                 <a:ea typeface="+mn-ea"/>
@@ -6791,16 +6806,36 @@
             <a:r>
               <a:rPr lang="de-DE" sz="2000" dirty="0">
                 <a:solidFill>
-                  <a:srgbClr val="44546A"/>
+                  <a:srgbClr val="E7E6E6"/>
                 </a:solidFill>
                 <a:effectLst/>
                 <a:latin typeface="Futura Lt BT" panose="020B0402020204020303"/>
               </a:rPr>
-              <a:t>Zeiten der ersten Aufgabe (in Sekunden)</a:t>
+              <a:t>Zeiten und gemachte</a:t>
+            </a:r>
+            <a:r>
+              <a:rPr lang="de-DE" sz="2000" baseline="0" dirty="0">
+                <a:solidFill>
+                  <a:srgbClr val="E7E6E6"/>
+                </a:solidFill>
+                <a:effectLst/>
+                <a:latin typeface="Futura Lt BT" panose="020B0402020204020303"/>
+              </a:rPr>
+              <a:t> Fehler</a:t>
+            </a:r>
+            <a:r>
+              <a:rPr lang="de-DE" sz="2000" dirty="0">
+                <a:solidFill>
+                  <a:srgbClr val="E7E6E6"/>
+                </a:solidFill>
+                <a:effectLst/>
+                <a:latin typeface="Futura Lt BT" panose="020B0402020204020303"/>
+              </a:rPr>
+              <a:t> der ersten Aufgabe (in Sekunden)</a:t>
             </a:r>
             <a:endParaRPr lang="de-DE" dirty="0">
               <a:solidFill>
-                <a:srgbClr val="44546A"/>
+                <a:srgbClr val="E7E6E6"/>
               </a:solidFill>
             </a:endParaRPr>
           </a:p>
@@ -6821,10 +6856,7 @@
           <a:pPr>
             <a:defRPr sz="1862" b="0" i="0" u="none" strike="noStrike" kern="1200" spc="0" baseline="0">
               <a:solidFill>
-                <a:schemeClr val="tx1">
-                  <a:lumMod val="65000"/>
-                  <a:lumOff val="35000"/>
-                </a:schemeClr>
+                <a:srgbClr val="E7E6E6"/>
               </a:solidFill>
               <a:latin typeface="+mn-lt"/>
               <a:ea typeface="+mn-ea"/>
@@ -7606,7 +7638,7 @@
             <a:pPr>
               <a:defRPr sz="1197" b="0" i="0" u="none" strike="noStrike" kern="1200" baseline="0">
                 <a:solidFill>
-                  <a:srgbClr val="44546A"/>
+                  <a:srgbClr val="E7E6E6"/>
                 </a:solidFill>
                 <a:latin typeface="Futura Lt BT" panose="020B0402020204020303"/>
                 <a:ea typeface="+mn-ea"/>
@@ -7659,7 +7691,7 @@
             <a:pPr>
               <a:defRPr sz="1197" b="0" i="0" u="none" strike="noStrike" kern="1200" baseline="0">
                 <a:solidFill>
-                  <a:srgbClr val="44546A"/>
+                  <a:srgbClr val="E7E6E6"/>
                 </a:solidFill>
                 <a:latin typeface="Futura Lt BT" panose="020B0402020204020303"/>
                 <a:ea typeface="+mn-ea"/>
@@ -7698,7 +7730,7 @@
           <a:pPr>
             <a:defRPr sz="1197" b="0" i="0" u="none" strike="noStrike" kern="1200" baseline="0">
               <a:solidFill>
-                <a:srgbClr val="44546A"/>
+                <a:srgbClr val="E7E6E6"/>
               </a:solidFill>
               <a:latin typeface="Futura Lt BT" panose="020B0402020204020303"/>
               <a:ea typeface="+mn-ea"/>
@@ -7759,10 +7791,7 @@
             <a:pPr>
               <a:defRPr sz="1862" b="0" i="0" u="none" strike="noStrike" kern="1200" spc="0" baseline="0">
                 <a:solidFill>
-                  <a:schemeClr val="tx1">
-                    <a:lumMod val="65000"/>
-                    <a:lumOff val="35000"/>
-                  </a:schemeClr>
+                  <a:srgbClr val="E7E6E6"/>
                 </a:solidFill>
                 <a:latin typeface="+mn-lt"/>
                 <a:ea typeface="+mn-ea"/>
@@ -7772,16 +7801,36 @@
             <a:r>
               <a:rPr lang="de-DE" sz="2000" dirty="0">
                 <a:solidFill>
-                  <a:srgbClr val="44546A"/>
+                  <a:srgbClr val="E7E6E6"/>
                 </a:solidFill>
                 <a:effectLst/>
                 <a:latin typeface="Futura Lt BT" panose="020B0402020204020303"/>
               </a:rPr>
-              <a:t>Zeiten der zweiten Aufgabe (in Sekunden)</a:t>
+              <a:t>Zeiten der Teilaufgaben der</a:t>
+            </a:r>
+            <a:r>
+              <a:rPr lang="de-DE" sz="2000" baseline="0" dirty="0">
+                <a:solidFill>
+                  <a:srgbClr val="E7E6E6"/>
+                </a:solidFill>
+                <a:effectLst/>
+                <a:latin typeface="Futura Lt BT" panose="020B0402020204020303"/>
+              </a:rPr>
+              <a:t> zweiten Aufgabe</a:t>
+            </a:r>
+            <a:r>
+              <a:rPr lang="de-DE" sz="2000" dirty="0">
+                <a:solidFill>
+                  <a:srgbClr val="E7E6E6"/>
+                </a:solidFill>
+                <a:effectLst/>
+                <a:latin typeface="Futura Lt BT" panose="020B0402020204020303"/>
+              </a:rPr>
+              <a:t> (in Sekunden)</a:t>
             </a:r>
             <a:endParaRPr lang="de-DE" dirty="0">
               <a:solidFill>
-                <a:srgbClr val="44546A"/>
+                <a:srgbClr val="E7E6E6"/>
               </a:solidFill>
             </a:endParaRPr>
           </a:p>
@@ -7802,10 +7851,7 @@
           <a:pPr>
             <a:defRPr sz="1862" b="0" i="0" u="none" strike="noStrike" kern="1200" spc="0" baseline="0">
               <a:solidFill>
-                <a:schemeClr val="tx1">
-                  <a:lumMod val="65000"/>
-                  <a:lumOff val="35000"/>
-                </a:schemeClr>
+                <a:srgbClr val="E7E6E6"/>
               </a:solidFill>
               <a:latin typeface="+mn-lt"/>
               <a:ea typeface="+mn-ea"/>
@@ -8232,7 +8278,7 @@
             <a:pPr>
               <a:defRPr sz="1197" b="0" i="0" u="none" strike="noStrike" kern="1200" baseline="0">
                 <a:solidFill>
-                  <a:srgbClr val="44546A"/>
+                  <a:srgbClr val="E7E6E6"/>
                 </a:solidFill>
                 <a:latin typeface="Futura Lt BT" panose="020B0402020204020303"/>
                 <a:ea typeface="+mn-ea"/>
@@ -8288,7 +8334,7 @@
             <a:pPr>
               <a:defRPr sz="1197" b="0" i="0" u="none" strike="noStrike" kern="1200" baseline="0">
                 <a:solidFill>
-                  <a:srgbClr val="44546A"/>
+                  <a:srgbClr val="E7E6E6"/>
                 </a:solidFill>
                 <a:latin typeface="Futura Lt BT" panose="020B0402020204020303"/>
                 <a:ea typeface="+mn-ea"/>
@@ -8327,7 +8373,7 @@
           <a:pPr>
             <a:defRPr sz="1197" b="0" i="0" u="none" strike="noStrike" kern="1200" baseline="0">
               <a:solidFill>
-                <a:srgbClr val="44546A"/>
+                <a:srgbClr val="E7E6E6"/>
               </a:solidFill>
               <a:latin typeface="Futura Lt BT" panose="020B0402020204020303"/>
               <a:ea typeface="+mn-ea"/>
@@ -8388,10 +8434,7 @@
             <a:pPr>
               <a:defRPr sz="1862" b="0" i="0" u="none" strike="noStrike" kern="1200" spc="0" baseline="0">
                 <a:solidFill>
-                  <a:schemeClr val="tx1">
-                    <a:lumMod val="65000"/>
-                    <a:lumOff val="35000"/>
-                  </a:schemeClr>
+                  <a:srgbClr val="E7E6E6"/>
                 </a:solidFill>
                 <a:latin typeface="+mn-lt"/>
                 <a:ea typeface="+mn-ea"/>
@@ -8401,16 +8444,16 @@
             <a:r>
               <a:rPr lang="de-DE" sz="2000" dirty="0">
                 <a:solidFill>
-                  <a:srgbClr val="44546A"/>
+                  <a:srgbClr val="E7E6E6"/>
                 </a:solidFill>
                 <a:effectLst/>
                 <a:latin typeface="Futura Lt BT" panose="020B0402020204020303"/>
               </a:rPr>
-              <a:t>Zeiten der ersten Aufgabe (in Sekunden)</a:t>
+              <a:t>Zeiten und gemachte Fehler der zweiten Aufgabe (in Sekunden)</a:t>
             </a:r>
             <a:endParaRPr lang="de-DE" dirty="0">
               <a:solidFill>
-                <a:srgbClr val="44546A"/>
+                <a:srgbClr val="E7E6E6"/>
               </a:solidFill>
             </a:endParaRPr>
           </a:p>
@@ -8431,10 +8474,7 @@
           <a:pPr>
             <a:defRPr sz="1862" b="0" i="0" u="none" strike="noStrike" kern="1200" spc="0" baseline="0">
               <a:solidFill>
-                <a:schemeClr val="tx1">
-                  <a:lumMod val="65000"/>
-                  <a:lumOff val="35000"/>
-                </a:schemeClr>
+                <a:srgbClr val="E7E6E6"/>
               </a:solidFill>
               <a:latin typeface="+mn-lt"/>
               <a:ea typeface="+mn-ea"/>
@@ -9216,7 +9256,7 @@
             <a:pPr>
               <a:defRPr sz="1197" b="0" i="0" u="none" strike="noStrike" kern="1200" baseline="0">
                 <a:solidFill>
-                  <a:srgbClr val="44546A"/>
+                  <a:srgbClr val="E7E6E6"/>
                 </a:solidFill>
                 <a:latin typeface="Futura Lt BT" panose="020B0402020204020303"/>
                 <a:ea typeface="+mn-ea"/>
@@ -9269,7 +9309,7 @@
             <a:pPr>
               <a:defRPr sz="1197" b="0" i="0" u="none" strike="noStrike" kern="1200" baseline="0">
                 <a:solidFill>
-                  <a:srgbClr val="44546A"/>
+                  <a:srgbClr val="E7E6E6"/>
                 </a:solidFill>
                 <a:latin typeface="Futura Lt BT" panose="020B0402020204020303"/>
                 <a:ea typeface="+mn-ea"/>
@@ -9308,7 +9348,7 @@
           <a:pPr>
             <a:defRPr sz="1197" b="0" i="0" u="none" strike="noStrike" kern="1200" baseline="0">
               <a:solidFill>
-                <a:srgbClr val="44546A"/>
+                <a:srgbClr val="E7E6E6"/>
               </a:solidFill>
               <a:latin typeface="Futura Lt BT" panose="020B0402020204020303"/>
               <a:ea typeface="+mn-ea"/>
@@ -9369,10 +9409,7 @@
             <a:pPr>
               <a:defRPr sz="1862" b="0" i="0" u="none" strike="noStrike" kern="1200" spc="0" baseline="0">
                 <a:solidFill>
-                  <a:schemeClr val="tx1">
-                    <a:lumMod val="65000"/>
-                    <a:lumOff val="35000"/>
-                  </a:schemeClr>
+                  <a:srgbClr val="E7E6E6"/>
                 </a:solidFill>
                 <a:latin typeface="+mn-lt"/>
                 <a:ea typeface="+mn-ea"/>
@@ -9381,19 +9418,10 @@
             </a:pPr>
             <a:r>
               <a:rPr lang="de-DE" sz="2000" dirty="0">
-                <a:solidFill>
-                  <a:srgbClr val="44546A"/>
-                </a:solidFill>
-                <a:effectLst/>
-                <a:latin typeface="Futura Lt BT" panose="020B0402020204020303"/>
+                <a:latin typeface="Futura Lt BT" panose="020B0402020204020303" pitchFamily="34" charset="0"/>
               </a:rPr>
-              <a:t>Zeiten der dritten Aufgabe (in Sekunden)</a:t>
+              <a:t>Zeiten der Teilaufgaben der dritten Aufgabe (in Sekunden)</a:t>
             </a:r>
-            <a:endParaRPr lang="de-DE" dirty="0">
-              <a:solidFill>
-                <a:srgbClr val="44546A"/>
-              </a:solidFill>
-            </a:endParaRPr>
           </a:p>
         </c:rich>
       </c:tx>
@@ -9412,10 +9440,7 @@
           <a:pPr>
             <a:defRPr sz="1862" b="0" i="0" u="none" strike="noStrike" kern="1200" spc="0" baseline="0">
               <a:solidFill>
-                <a:schemeClr val="tx1">
-                  <a:lumMod val="65000"/>
-                  <a:lumOff val="35000"/>
-                </a:schemeClr>
+                <a:srgbClr val="E7E6E6"/>
               </a:solidFill>
               <a:latin typeface="+mn-lt"/>
               <a:ea typeface="+mn-ea"/>
@@ -9716,9 +9741,9 @@
             <a:pPr>
               <a:defRPr sz="1197" b="0" i="0" u="none" strike="noStrike" kern="1200" baseline="0">
                 <a:solidFill>
-                  <a:srgbClr val="44546A"/>
+                  <a:srgbClr val="E7E6E6"/>
                 </a:solidFill>
-                <a:latin typeface="Futura Lt BT" panose="020B0402020204020303"/>
+                <a:latin typeface="Futura Lt BT" panose="020B0402020204020303" pitchFamily="34" charset="0"/>
                 <a:ea typeface="+mn-ea"/>
                 <a:cs typeface="+mn-cs"/>
               </a:defRPr>
@@ -9772,9 +9797,9 @@
             <a:pPr>
               <a:defRPr sz="1197" b="0" i="0" u="none" strike="noStrike" kern="1200" baseline="0">
                 <a:solidFill>
-                  <a:srgbClr val="44546A"/>
+                  <a:srgbClr val="E7E6E6"/>
                 </a:solidFill>
-                <a:latin typeface="Futura Lt BT" panose="020B0402020204020303"/>
+                <a:latin typeface="Futura Lt BT" panose="020B0402020204020303" pitchFamily="34" charset="0"/>
                 <a:ea typeface="+mn-ea"/>
                 <a:cs typeface="+mn-cs"/>
               </a:defRPr>
@@ -9811,9 +9836,9 @@
           <a:pPr>
             <a:defRPr sz="1197" b="0" i="0" u="none" strike="noStrike" kern="1200" baseline="0">
               <a:solidFill>
-                <a:srgbClr val="44546A"/>
+                <a:srgbClr val="E7E6E6"/>
               </a:solidFill>
-              <a:latin typeface="Futura Lt BT" panose="020B0402020204020303"/>
+              <a:latin typeface="Futura Lt BT" panose="020B0402020204020303" pitchFamily="34" charset="0"/>
               <a:ea typeface="+mn-ea"/>
               <a:cs typeface="+mn-cs"/>
             </a:defRPr>
@@ -9838,7 +9863,11 @@
     <a:lstStyle/>
     <a:p>
       <a:pPr>
-        <a:defRPr/>
+        <a:defRPr>
+          <a:solidFill>
+            <a:srgbClr val="E7E6E6"/>
+          </a:solidFill>
+        </a:defRPr>
       </a:pPr>
       <a:endParaRPr lang="de-DE"/>
     </a:p>
@@ -9872,10 +9901,7 @@
             <a:pPr>
               <a:defRPr sz="1862" b="0" i="0" u="none" strike="noStrike" kern="1200" spc="0" baseline="0">
                 <a:solidFill>
-                  <a:schemeClr val="tx1">
-                    <a:lumMod val="65000"/>
-                    <a:lumOff val="35000"/>
-                  </a:schemeClr>
+                  <a:srgbClr val="E7E6E6"/>
                 </a:solidFill>
                 <a:latin typeface="+mn-lt"/>
                 <a:ea typeface="+mn-ea"/>
@@ -9883,19 +9909,30 @@
               </a:defRPr>
             </a:pPr>
             <a:r>
+              <a:rPr lang="de-DE" sz="2000" b="0" i="0" u="none" strike="noStrike" baseline="0" dirty="0">
+                <a:solidFill>
+                  <a:srgbClr val="E7E6E6"/>
+                </a:solidFill>
+                <a:effectLst/>
+                <a:latin typeface="Futura Lt BT" panose="020B0402020204020303" pitchFamily="34" charset="0"/>
+              </a:rPr>
+              <a:t>Zeiten und gemachte Fehler</a:t>
+            </a:r>
+            <a:r>
               <a:rPr lang="de-DE" sz="2000" dirty="0">
                 <a:solidFill>
-                  <a:srgbClr val="44546A"/>
+                  <a:srgbClr val="E7E6E6"/>
                 </a:solidFill>
                 <a:effectLst/>
-                <a:latin typeface="Futura Lt BT" panose="020B0402020204020303"/>
+                <a:latin typeface="Futura Lt BT" panose="020B0402020204020303" pitchFamily="34" charset="0"/>
               </a:rPr>
-              <a:t>Zeiten der ersten Aufgabe (in Sekunden)</a:t>
+              <a:t> der dritten Aufgabe (in Sekunden)</a:t>
             </a:r>
-            <a:endParaRPr lang="de-DE" dirty="0">
+            <a:endParaRPr lang="de-DE" sz="2000" dirty="0">
               <a:solidFill>
-                <a:srgbClr val="44546A"/>
+                <a:srgbClr val="E7E6E6"/>
               </a:solidFill>
+              <a:latin typeface="Futura Lt BT" panose="020B0402020204020303" pitchFamily="34" charset="0"/>
             </a:endParaRPr>
           </a:p>
         </c:rich>
@@ -9915,10 +9952,7 @@
           <a:pPr>
             <a:defRPr sz="1862" b="0" i="0" u="none" strike="noStrike" kern="1200" spc="0" baseline="0">
               <a:solidFill>
-                <a:schemeClr val="tx1">
-                  <a:lumMod val="65000"/>
-                  <a:lumOff val="35000"/>
-                </a:schemeClr>
+                <a:srgbClr val="E7E6E6"/>
               </a:solidFill>
               <a:latin typeface="+mn-lt"/>
               <a:ea typeface="+mn-ea"/>
@@ -10700,7 +10734,7 @@
             <a:pPr>
               <a:defRPr sz="1197" b="0" i="0" u="none" strike="noStrike" kern="1200" baseline="0">
                 <a:solidFill>
-                  <a:srgbClr val="44546A"/>
+                  <a:srgbClr val="E7E6E6"/>
                 </a:solidFill>
                 <a:latin typeface="Futura Lt BT" panose="020B0402020204020303"/>
                 <a:ea typeface="+mn-ea"/>
@@ -10753,7 +10787,7 @@
             <a:pPr>
               <a:defRPr sz="1197" b="0" i="0" u="none" strike="noStrike" kern="1200" baseline="0">
                 <a:solidFill>
-                  <a:srgbClr val="44546A"/>
+                  <a:srgbClr val="E7E6E6"/>
                 </a:solidFill>
                 <a:latin typeface="Futura Lt BT" panose="020B0402020204020303"/>
                 <a:ea typeface="+mn-ea"/>
@@ -10792,7 +10826,7 @@
           <a:pPr>
             <a:defRPr sz="1197" b="0" i="0" u="none" strike="noStrike" kern="1200" baseline="0">
               <a:solidFill>
-                <a:srgbClr val="44546A"/>
+                <a:srgbClr val="E7E6E6"/>
               </a:solidFill>
               <a:latin typeface="Futura Lt BT" panose="020B0402020204020303"/>
               <a:ea typeface="+mn-ea"/>
@@ -10853,7 +10887,7 @@
             <a:pPr>
               <a:defRPr sz="2128" b="1" i="0" u="none" strike="noStrike" kern="1200" baseline="0">
                 <a:solidFill>
-                  <a:schemeClr val="tx2"/>
+                  <a:srgbClr val="E7E6E6"/>
                 </a:solidFill>
                 <a:latin typeface="+mn-lt"/>
                 <a:ea typeface="+mn-ea"/>
@@ -10862,13 +10896,22 @@
             </a:pPr>
             <a:r>
               <a:rPr lang="en-US" sz="2000" b="0" dirty="0" err="1">
+                <a:solidFill>
+                  <a:srgbClr val="E7E6E6"/>
+                </a:solidFill>
                 <a:latin typeface="Futura Lt BT" panose="020B0402020204020303"/>
               </a:rPr>
-              <a:t>Geschlecht</a:t>
+              <a:t>Schlaf</a:t>
             </a:r>
-            <a:endParaRPr lang="en-US" b="0" dirty="0">
-              <a:latin typeface="Futura Lt BT" panose="020B0402020204020303"/>
-            </a:endParaRPr>
+            <a:r>
+              <a:rPr lang="en-US" sz="2000" b="0" dirty="0">
+                <a:solidFill>
+                  <a:srgbClr val="E7E6E6"/>
+                </a:solidFill>
+                <a:latin typeface="Futura Lt BT" panose="020B0402020204020303"/>
+              </a:rPr>
+              <a:t>-Status</a:t>
+            </a:r>
           </a:p>
         </c:rich>
       </c:tx>
@@ -10887,7 +10930,7 @@
           <a:pPr>
             <a:defRPr sz="2128" b="1" i="0" u="none" strike="noStrike" kern="1200" baseline="0">
               <a:solidFill>
-                <a:schemeClr val="tx2"/>
+                <a:srgbClr val="E7E6E6"/>
               </a:solidFill>
               <a:latin typeface="+mn-lt"/>
               <a:ea typeface="+mn-ea"/>
@@ -11077,7 +11120,7 @@
           <a:pPr>
             <a:defRPr sz="1197" b="0" i="0" u="none" strike="noStrike" kern="1200" baseline="0">
               <a:solidFill>
-                <a:schemeClr val="tx2"/>
+                <a:srgbClr val="E7E6E6"/>
               </a:solidFill>
               <a:latin typeface="Futura Lt BT" panose="020B0402020204020303"/>
               <a:ea typeface="+mn-ea"/>
@@ -11570,12 +11613,9 @@
             <a:pPr>
               <a:defRPr sz="1197" b="0" i="0" u="none" strike="noStrike" kern="1200" baseline="0">
                 <a:solidFill>
-                  <a:schemeClr val="tx1">
-                    <a:lumMod val="65000"/>
-                    <a:lumOff val="35000"/>
-                  </a:schemeClr>
+                  <a:srgbClr val="E7E6E6"/>
                 </a:solidFill>
-                <a:latin typeface="+mn-lt"/>
+                <a:latin typeface="Futura Lt BT" panose="020B0402020204020303" pitchFamily="34" charset="0"/>
                 <a:ea typeface="+mn-ea"/>
                 <a:cs typeface="+mn-cs"/>
               </a:defRPr>
@@ -11629,12 +11669,9 @@
             <a:pPr>
               <a:defRPr sz="1197" b="0" i="0" u="none" strike="noStrike" kern="1200" baseline="0">
                 <a:solidFill>
-                  <a:schemeClr val="tx1">
-                    <a:lumMod val="65000"/>
-                    <a:lumOff val="35000"/>
-                  </a:schemeClr>
+                  <a:srgbClr val="E7E6E6"/>
                 </a:solidFill>
-                <a:latin typeface="+mn-lt"/>
+                <a:latin typeface="Futura Lt BT" panose="020B0402020204020303" pitchFamily="34" charset="0"/>
                 <a:ea typeface="+mn-ea"/>
                 <a:cs typeface="+mn-cs"/>
               </a:defRPr>
@@ -11671,12 +11708,9 @@
           <a:pPr>
             <a:defRPr sz="1197" b="0" i="0" u="none" strike="noStrike" kern="1200" baseline="0">
               <a:solidFill>
-                <a:schemeClr val="tx1">
-                  <a:lumMod val="65000"/>
-                  <a:lumOff val="35000"/>
-                </a:schemeClr>
+                <a:srgbClr val="E7E6E6"/>
               </a:solidFill>
-              <a:latin typeface="+mn-lt"/>
+              <a:latin typeface="Futura Lt BT" panose="020B0402020204020303" pitchFamily="34" charset="0"/>
               <a:ea typeface="+mn-ea"/>
               <a:cs typeface="+mn-cs"/>
             </a:defRPr>
@@ -11837,12 +11871,16 @@
         <a:lstStyle/>
         <a:p>
           <a:pPr algn="ctr">
-            <a:defRPr/>
+            <a:defRPr>
+              <a:solidFill>
+                <a:srgbClr val="E7E6E6"/>
+              </a:solidFill>
+            </a:defRPr>
           </a:pPr>
           <a:r>
             <a:rPr lang="de-DE" sz="2000" dirty="0">
               <a:solidFill>
-                <a:srgbClr val="44546A"/>
+                <a:srgbClr val="E7E6E6"/>
               </a:solidFill>
               <a:latin typeface="Futura Lt BT" panose="020B0402020204020303"/>
             </a:rPr>
@@ -11887,7 +11925,7 @@
             <a:pPr>
               <a:defRPr>
                 <a:solidFill>
-                  <a:srgbClr val="44546A"/>
+                  <a:srgbClr val="E7E6E6"/>
                 </a:solidFill>
                 <a:latin typeface="Futura Lt BT" panose="020B0402020204020303"/>
                 <a:ea typeface="Futura Lt BT" panose="020B0402020204020303"/>
@@ -11896,7 +11934,7 @@
             </a:pPr>
             <a:endParaRPr lang="de-DE">
               <a:solidFill>
-                <a:srgbClr val="44546A"/>
+                <a:srgbClr val="E7E6E6"/>
               </a:solidFill>
               <a:latin typeface="Futura Lt BT" panose="020B0402020204020303"/>
             </a:endParaRPr>
@@ -11924,7 +11962,7 @@
             <a:pPr>
               <a:defRPr>
                 <a:solidFill>
-                  <a:srgbClr val="44546A"/>
+                  <a:srgbClr val="E7E6E6"/>
                 </a:solidFill>
                 <a:latin typeface="Futura Lt BT" panose="020B0402020204020303"/>
                 <a:ea typeface="Futura Lt BT" panose="020B0402020204020303"/>
@@ -11933,7 +11971,7 @@
             </a:pPr>
             <a:endParaRPr lang="de-DE">
               <a:solidFill>
-                <a:srgbClr val="44546A"/>
+                <a:srgbClr val="E7E6E6"/>
               </a:solidFill>
               <a:latin typeface="Futura Lt BT" panose="020B0402020204020303"/>
             </a:endParaRPr>
@@ -12088,12 +12126,16 @@
         <a:lstStyle/>
         <a:p>
           <a:pPr algn="ctr">
-            <a:defRPr/>
+            <a:defRPr>
+              <a:solidFill>
+                <a:srgbClr val="E7E6E6"/>
+              </a:solidFill>
+            </a:defRPr>
           </a:pPr>
           <a:r>
             <a:rPr lang="de-DE" sz="2000" dirty="0">
               <a:solidFill>
-                <a:srgbClr val="44546A"/>
+                <a:srgbClr val="E7E6E6"/>
               </a:solidFill>
               <a:latin typeface="Futura Lt BT" panose="020B0402020204020303"/>
             </a:rPr>
@@ -12182,7 +12224,7 @@
             <a:pPr>
               <a:defRPr>
                 <a:solidFill>
-                  <a:srgbClr val="44546A"/>
+                  <a:srgbClr val="E7E6E6"/>
                 </a:solidFill>
                 <a:latin typeface="Futura Lt BT" panose="020B0402020204020303"/>
                 <a:ea typeface="Futura Lt BT" panose="020B0402020204020303"/>
@@ -12191,7 +12233,7 @@
             </a:pPr>
             <a:endParaRPr lang="de-DE">
               <a:solidFill>
-                <a:srgbClr val="44546A"/>
+                <a:srgbClr val="E7E6E6"/>
               </a:solidFill>
               <a:latin typeface="Futura Lt BT" panose="020B0402020204020303"/>
             </a:endParaRPr>
@@ -12219,7 +12261,7 @@
             <a:pPr>
               <a:defRPr>
                 <a:solidFill>
-                  <a:srgbClr val="44546A"/>
+                  <a:srgbClr val="E7E6E6"/>
                 </a:solidFill>
                 <a:latin typeface="Futura Lt BT" panose="020B0402020204020303"/>
                 <a:ea typeface="Futura Lt BT" panose="020B0402020204020303"/>
@@ -12228,7 +12270,7 @@
             </a:pPr>
             <a:endParaRPr lang="de-DE">
               <a:solidFill>
-                <a:srgbClr val="44546A"/>
+                <a:srgbClr val="E7E6E6"/>
               </a:solidFill>
               <a:latin typeface="Futura Lt BT" panose="020B0402020204020303"/>
             </a:endParaRPr>
@@ -26944,6 +26986,258 @@
 </file>
 
 <file path=ppt/slideLayouts/slideLayout10.xml><?xml version="1.0" encoding="utf-8"?>
+<p:sldLayout xmlns:a="http://schemas.openxmlformats.org/drawingml/2006/main" xmlns:r="http://schemas.openxmlformats.org/officeDocument/2006/relationships" xmlns:p="http://schemas.openxmlformats.org/presentationml/2006/main" type="picTx" preserve="1">
+  <p:cSld name="Bild mit Überschrift">
+    <p:spTree>
+      <p:nvGrpSpPr>
+        <p:cNvPr id="1" name=""/>
+        <p:cNvGrpSpPr/>
+        <p:nvPr/>
+      </p:nvGrpSpPr>
+      <p:grpSpPr>
+        <a:xfrm>
+          <a:off x="0" y="0"/>
+          <a:ext cx="0" cy="0"/>
+          <a:chOff x="0" y="0"/>
+          <a:chExt cx="0" cy="0"/>
+        </a:xfrm>
+      </p:grpSpPr>
+      <p:sp>
+        <p:nvSpPr>
+          <p:cNvPr id="2" name="Titel 1"/>
+          <p:cNvSpPr>
+            <a:spLocks noGrp="1"/>
+          </p:cNvSpPr>
+          <p:nvPr>
+            <p:ph type="title"/>
+          </p:nvPr>
+        </p:nvSpPr>
+        <p:spPr>
+          <a:xfrm>
+            <a:off x="839788" y="457200"/>
+            <a:ext cx="3932237" cy="1600200"/>
+          </a:xfrm>
+        </p:spPr>
+        <p:txBody>
+          <a:bodyPr anchor="b"/>
+          <a:lstStyle>
+            <a:lvl1pPr>
+              <a:defRPr sz="3200"/>
+            </a:lvl1pPr>
+          </a:lstStyle>
+          <a:p>
+            <a:r>
+              <a:rPr lang="de-DE"/>
+              <a:t>Titelmasterformat durch Klicken bearbeiten</a:t>
+            </a:r>
+          </a:p>
+        </p:txBody>
+      </p:sp>
+      <p:sp>
+        <p:nvSpPr>
+          <p:cNvPr id="3" name="Bildplatzhalter 2"/>
+          <p:cNvSpPr>
+            <a:spLocks noGrp="1"/>
+          </p:cNvSpPr>
+          <p:nvPr>
+            <p:ph type="pic" idx="1"/>
+          </p:nvPr>
+        </p:nvSpPr>
+        <p:spPr>
+          <a:xfrm>
+            <a:off x="5183188" y="987425"/>
+            <a:ext cx="6172200" cy="4873625"/>
+          </a:xfrm>
+        </p:spPr>
+        <p:txBody>
+          <a:bodyPr/>
+          <a:lstStyle>
+            <a:lvl1pPr marL="0" indent="0">
+              <a:buNone/>
+              <a:defRPr sz="3200"/>
+            </a:lvl1pPr>
+            <a:lvl2pPr marL="457200" indent="0">
+              <a:buNone/>
+              <a:defRPr sz="2800"/>
+            </a:lvl2pPr>
+            <a:lvl3pPr marL="914400" indent="0">
+              <a:buNone/>
+              <a:defRPr sz="2400"/>
+            </a:lvl3pPr>
+            <a:lvl4pPr marL="1371600" indent="0">
+              <a:buNone/>
+              <a:defRPr sz="2000"/>
+            </a:lvl4pPr>
+            <a:lvl5pPr marL="1828800" indent="0">
+              <a:buNone/>
+              <a:defRPr sz="2000"/>
+            </a:lvl5pPr>
+            <a:lvl6pPr marL="2286000" indent="0">
+              <a:buNone/>
+              <a:defRPr sz="2000"/>
+            </a:lvl6pPr>
+            <a:lvl7pPr marL="2743200" indent="0">
+              <a:buNone/>
+              <a:defRPr sz="2000"/>
+            </a:lvl7pPr>
+            <a:lvl8pPr marL="3200400" indent="0">
+              <a:buNone/>
+              <a:defRPr sz="2000"/>
+            </a:lvl8pPr>
+            <a:lvl9pPr marL="3657600" indent="0">
+              <a:buNone/>
+              <a:defRPr sz="2000"/>
+            </a:lvl9pPr>
+          </a:lstStyle>
+          <a:p>
+            <a:endParaRPr lang="de-DE"/>
+          </a:p>
+        </p:txBody>
+      </p:sp>
+      <p:sp>
+        <p:nvSpPr>
+          <p:cNvPr id="4" name="Textplatzhalter 3"/>
+          <p:cNvSpPr>
+            <a:spLocks noGrp="1"/>
+          </p:cNvSpPr>
+          <p:nvPr>
+            <p:ph type="body" sz="half" idx="2"/>
+          </p:nvPr>
+        </p:nvSpPr>
+        <p:spPr>
+          <a:xfrm>
+            <a:off x="839788" y="2057400"/>
+            <a:ext cx="3932237" cy="3811588"/>
+          </a:xfrm>
+        </p:spPr>
+        <p:txBody>
+          <a:bodyPr/>
+          <a:lstStyle>
+            <a:lvl1pPr marL="0" indent="0">
+              <a:buNone/>
+              <a:defRPr sz="1600"/>
+            </a:lvl1pPr>
+            <a:lvl2pPr marL="457200" indent="0">
+              <a:buNone/>
+              <a:defRPr sz="1400"/>
+            </a:lvl2pPr>
+            <a:lvl3pPr marL="914400" indent="0">
+              <a:buNone/>
+              <a:defRPr sz="1200"/>
+            </a:lvl3pPr>
+            <a:lvl4pPr marL="1371600" indent="0">
+              <a:buNone/>
+              <a:defRPr sz="1000"/>
+            </a:lvl4pPr>
+            <a:lvl5pPr marL="1828800" indent="0">
+              <a:buNone/>
+              <a:defRPr sz="1000"/>
+            </a:lvl5pPr>
+            <a:lvl6pPr marL="2286000" indent="0">
+              <a:buNone/>
+              <a:defRPr sz="1000"/>
+            </a:lvl6pPr>
+            <a:lvl7pPr marL="2743200" indent="0">
+              <a:buNone/>
+              <a:defRPr sz="1000"/>
+            </a:lvl7pPr>
+            <a:lvl8pPr marL="3200400" indent="0">
+              <a:buNone/>
+              <a:defRPr sz="1000"/>
+            </a:lvl8pPr>
+            <a:lvl9pPr marL="3657600" indent="0">
+              <a:buNone/>
+              <a:defRPr sz="1000"/>
+            </a:lvl9pPr>
+          </a:lstStyle>
+          <a:p>
+            <a:pPr lvl="0"/>
+            <a:r>
+              <a:rPr lang="de-DE"/>
+              <a:t>Formatvorlagen des Textmasters bearbeiten</a:t>
+            </a:r>
+          </a:p>
+        </p:txBody>
+      </p:sp>
+      <p:sp>
+        <p:nvSpPr>
+          <p:cNvPr id="5" name="Datumsplatzhalter 4"/>
+          <p:cNvSpPr>
+            <a:spLocks noGrp="1"/>
+          </p:cNvSpPr>
+          <p:nvPr>
+            <p:ph type="dt" sz="half" idx="10"/>
+          </p:nvPr>
+        </p:nvSpPr>
+        <p:spPr/>
+        <p:txBody>
+          <a:bodyPr/>
+          <a:lstStyle/>
+          <a:p>
+            <a:fld id="{41257651-B64F-43FB-9868-05B8EA16BD84}" type="datetimeFigureOut">
+              <a:rPr lang="de-DE" smtClean="0"/>
+              <a:t>20.01.2020</a:t>
+            </a:fld>
+            <a:endParaRPr lang="de-DE"/>
+          </a:p>
+        </p:txBody>
+      </p:sp>
+      <p:sp>
+        <p:nvSpPr>
+          <p:cNvPr id="6" name="Fußzeilenplatzhalter 5"/>
+          <p:cNvSpPr>
+            <a:spLocks noGrp="1"/>
+          </p:cNvSpPr>
+          <p:nvPr>
+            <p:ph type="ftr" sz="quarter" idx="11"/>
+          </p:nvPr>
+        </p:nvSpPr>
+        <p:spPr/>
+        <p:txBody>
+          <a:bodyPr/>
+          <a:lstStyle/>
+          <a:p>
+            <a:endParaRPr lang="de-DE"/>
+          </a:p>
+        </p:txBody>
+      </p:sp>
+      <p:sp>
+        <p:nvSpPr>
+          <p:cNvPr id="7" name="Foliennummernplatzhalter 6"/>
+          <p:cNvSpPr>
+            <a:spLocks noGrp="1"/>
+          </p:cNvSpPr>
+          <p:nvPr>
+            <p:ph type="sldNum" sz="quarter" idx="12"/>
+          </p:nvPr>
+        </p:nvSpPr>
+        <p:spPr/>
+        <p:txBody>
+          <a:bodyPr/>
+          <a:lstStyle/>
+          <a:p>
+            <a:fld id="{108E1901-7B93-4501-9C96-12B6809ED28B}" type="slidenum">
+              <a:rPr lang="de-DE" smtClean="0"/>
+              <a:t>‹Nr.›</a:t>
+            </a:fld>
+            <a:endParaRPr lang="de-DE"/>
+          </a:p>
+        </p:txBody>
+      </p:sp>
+    </p:spTree>
+    <p:extLst>
+      <p:ext uri="{BB962C8B-B14F-4D97-AF65-F5344CB8AC3E}">
+        <p14:creationId xmlns:p14="http://schemas.microsoft.com/office/powerpoint/2010/main" val="3793059069"/>
+      </p:ext>
+    </p:extLst>
+  </p:cSld>
+  <p:clrMapOvr>
+    <a:masterClrMapping/>
+  </p:clrMapOvr>
+</p:sldLayout>
+</file>
+
+<file path=ppt/slideLayouts/slideLayout11.xml><?xml version="1.0" encoding="utf-8"?>
 <p:sldLayout xmlns:a="http://schemas.openxmlformats.org/drawingml/2006/main" xmlns:r="http://schemas.openxmlformats.org/officeDocument/2006/relationships" xmlns:p="http://schemas.openxmlformats.org/presentationml/2006/main" type="vertTx" preserve="1">
   <p:cSld name="Titel und vertikaler Text">
     <p:spTree>
@@ -27111,7 +27405,7 @@
 </p:sldLayout>
 </file>
 
-<file path=ppt/slideLayouts/slideLayout11.xml><?xml version="1.0" encoding="utf-8"?>
+<file path=ppt/slideLayouts/slideLayout12.xml><?xml version="1.0" encoding="utf-8"?>
 <p:sldLayout xmlns:a="http://schemas.openxmlformats.org/drawingml/2006/main" xmlns:r="http://schemas.openxmlformats.org/officeDocument/2006/relationships" xmlns:p="http://schemas.openxmlformats.org/presentationml/2006/main" type="vertTitleAndTx" preserve="1">
   <p:cSld name="Vertikaler Titel und Text">
     <p:spTree>
@@ -27542,6 +27836,875 @@
           </a:fontRef>
         </p:style>
       </p:cxnSp>
+      <p:sp>
+        <p:nvSpPr>
+          <p:cNvPr id="8" name="Ellipse 7">
+            <a:extLst>
+              <a:ext uri="{FF2B5EF4-FFF2-40B4-BE49-F238E27FC236}">
+                <a16:creationId xmlns:a16="http://schemas.microsoft.com/office/drawing/2014/main" id="{86805579-9CDD-4B67-9C57-4CDF3BF05DFA}"/>
+              </a:ext>
+            </a:extLst>
+          </p:cNvPr>
+          <p:cNvSpPr/>
+          <p:nvPr userDrawn="1"/>
+        </p:nvSpPr>
+        <p:spPr>
+          <a:xfrm>
+            <a:off x="266400" y="1260000"/>
+            <a:ext cx="108000" cy="108000"/>
+          </a:xfrm>
+          <a:prstGeom prst="ellipse">
+            <a:avLst/>
+          </a:prstGeom>
+          <a:gradFill flip="none" rotWithShape="1">
+            <a:gsLst>
+              <a:gs pos="0">
+                <a:schemeClr val="accent4">
+                  <a:lumMod val="89000"/>
+                  <a:alpha val="79000"/>
+                </a:schemeClr>
+              </a:gs>
+              <a:gs pos="23000">
+                <a:schemeClr val="accent4">
+                  <a:lumMod val="89000"/>
+                  <a:alpha val="64000"/>
+                </a:schemeClr>
+              </a:gs>
+              <a:gs pos="69000">
+                <a:schemeClr val="accent4">
+                  <a:lumMod val="75000"/>
+                  <a:alpha val="19000"/>
+                </a:schemeClr>
+              </a:gs>
+              <a:gs pos="100000">
+                <a:schemeClr val="accent4">
+                  <a:lumMod val="70000"/>
+                  <a:alpha val="0"/>
+                </a:schemeClr>
+              </a:gs>
+            </a:gsLst>
+            <a:path path="circle">
+              <a:fillToRect l="50000" t="50000" r="50000" b="50000"/>
+            </a:path>
+            <a:tileRect/>
+          </a:gradFill>
+          <a:ln>
+            <a:noFill/>
+          </a:ln>
+        </p:spPr>
+        <p:style>
+          <a:lnRef idx="2">
+            <a:schemeClr val="accent1">
+              <a:shade val="50000"/>
+            </a:schemeClr>
+          </a:lnRef>
+          <a:fillRef idx="1">
+            <a:schemeClr val="accent1"/>
+          </a:fillRef>
+          <a:effectRef idx="0">
+            <a:schemeClr val="accent1"/>
+          </a:effectRef>
+          <a:fontRef idx="minor">
+            <a:schemeClr val="lt1"/>
+          </a:fontRef>
+        </p:style>
+        <p:txBody>
+          <a:bodyPr rtlCol="0" anchor="ctr"/>
+          <a:lstStyle/>
+          <a:p>
+            <a:pPr algn="ctr"/>
+            <a:endParaRPr lang="de-DE"/>
+          </a:p>
+        </p:txBody>
+      </p:sp>
+      <p:sp>
+        <p:nvSpPr>
+          <p:cNvPr id="10" name="Ellipse 9">
+            <a:extLst>
+              <a:ext uri="{FF2B5EF4-FFF2-40B4-BE49-F238E27FC236}">
+                <a16:creationId xmlns:a16="http://schemas.microsoft.com/office/drawing/2014/main" id="{348568CF-6E2A-4263-B1D8-4998F48911EF}"/>
+              </a:ext>
+            </a:extLst>
+          </p:cNvPr>
+          <p:cNvSpPr/>
+          <p:nvPr userDrawn="1"/>
+        </p:nvSpPr>
+        <p:spPr>
+          <a:xfrm>
+            <a:off x="10808400" y="2802000"/>
+            <a:ext cx="108000" cy="108000"/>
+          </a:xfrm>
+          <a:prstGeom prst="ellipse">
+            <a:avLst/>
+          </a:prstGeom>
+          <a:gradFill flip="none" rotWithShape="1">
+            <a:gsLst>
+              <a:gs pos="0">
+                <a:schemeClr val="accent4">
+                  <a:lumMod val="89000"/>
+                  <a:alpha val="79000"/>
+                </a:schemeClr>
+              </a:gs>
+              <a:gs pos="23000">
+                <a:schemeClr val="accent4">
+                  <a:lumMod val="89000"/>
+                  <a:alpha val="64000"/>
+                </a:schemeClr>
+              </a:gs>
+              <a:gs pos="69000">
+                <a:schemeClr val="accent4">
+                  <a:lumMod val="75000"/>
+                  <a:alpha val="19000"/>
+                </a:schemeClr>
+              </a:gs>
+              <a:gs pos="100000">
+                <a:schemeClr val="accent4">
+                  <a:lumMod val="70000"/>
+                  <a:alpha val="0"/>
+                </a:schemeClr>
+              </a:gs>
+            </a:gsLst>
+            <a:path path="circle">
+              <a:fillToRect l="50000" t="50000" r="50000" b="50000"/>
+            </a:path>
+            <a:tileRect/>
+          </a:gradFill>
+          <a:ln>
+            <a:noFill/>
+          </a:ln>
+        </p:spPr>
+        <p:style>
+          <a:lnRef idx="2">
+            <a:schemeClr val="accent1">
+              <a:shade val="50000"/>
+            </a:schemeClr>
+          </a:lnRef>
+          <a:fillRef idx="1">
+            <a:schemeClr val="accent1"/>
+          </a:fillRef>
+          <a:effectRef idx="0">
+            <a:schemeClr val="accent1"/>
+          </a:effectRef>
+          <a:fontRef idx="minor">
+            <a:schemeClr val="lt1"/>
+          </a:fontRef>
+        </p:style>
+        <p:txBody>
+          <a:bodyPr rtlCol="0" anchor="ctr"/>
+          <a:lstStyle/>
+          <a:p>
+            <a:pPr algn="ctr"/>
+            <a:endParaRPr lang="de-DE"/>
+          </a:p>
+        </p:txBody>
+      </p:sp>
+      <p:sp>
+        <p:nvSpPr>
+          <p:cNvPr id="11" name="Ellipse 10">
+            <a:extLst>
+              <a:ext uri="{FF2B5EF4-FFF2-40B4-BE49-F238E27FC236}">
+                <a16:creationId xmlns:a16="http://schemas.microsoft.com/office/drawing/2014/main" id="{2ABA803E-E1DC-4FA4-A0B5-7295281774C8}"/>
+              </a:ext>
+            </a:extLst>
+          </p:cNvPr>
+          <p:cNvSpPr/>
+          <p:nvPr userDrawn="1"/>
+        </p:nvSpPr>
+        <p:spPr>
+          <a:xfrm>
+            <a:off x="2745608" y="5754778"/>
+            <a:ext cx="45719" cy="45719"/>
+          </a:xfrm>
+          <a:prstGeom prst="ellipse">
+            <a:avLst/>
+          </a:prstGeom>
+          <a:gradFill flip="none" rotWithShape="1">
+            <a:gsLst>
+              <a:gs pos="0">
+                <a:schemeClr val="accent4">
+                  <a:lumMod val="89000"/>
+                  <a:alpha val="79000"/>
+                </a:schemeClr>
+              </a:gs>
+              <a:gs pos="23000">
+                <a:schemeClr val="accent4">
+                  <a:lumMod val="89000"/>
+                  <a:alpha val="64000"/>
+                </a:schemeClr>
+              </a:gs>
+              <a:gs pos="69000">
+                <a:schemeClr val="accent4">
+                  <a:lumMod val="75000"/>
+                  <a:alpha val="19000"/>
+                </a:schemeClr>
+              </a:gs>
+              <a:gs pos="100000">
+                <a:schemeClr val="accent4">
+                  <a:lumMod val="70000"/>
+                  <a:alpha val="0"/>
+                </a:schemeClr>
+              </a:gs>
+            </a:gsLst>
+            <a:path path="circle">
+              <a:fillToRect l="50000" t="50000" r="50000" b="50000"/>
+            </a:path>
+            <a:tileRect/>
+          </a:gradFill>
+          <a:ln>
+            <a:noFill/>
+          </a:ln>
+        </p:spPr>
+        <p:style>
+          <a:lnRef idx="2">
+            <a:schemeClr val="accent1">
+              <a:shade val="50000"/>
+            </a:schemeClr>
+          </a:lnRef>
+          <a:fillRef idx="1">
+            <a:schemeClr val="accent1"/>
+          </a:fillRef>
+          <a:effectRef idx="0">
+            <a:schemeClr val="accent1"/>
+          </a:effectRef>
+          <a:fontRef idx="minor">
+            <a:schemeClr val="lt1"/>
+          </a:fontRef>
+        </p:style>
+        <p:txBody>
+          <a:bodyPr rtlCol="0" anchor="ctr"/>
+          <a:lstStyle/>
+          <a:p>
+            <a:pPr algn="ctr"/>
+            <a:endParaRPr lang="de-DE"/>
+          </a:p>
+        </p:txBody>
+      </p:sp>
+      <p:sp>
+        <p:nvSpPr>
+          <p:cNvPr id="12" name="Ellipse 11">
+            <a:extLst>
+              <a:ext uri="{FF2B5EF4-FFF2-40B4-BE49-F238E27FC236}">
+                <a16:creationId xmlns:a16="http://schemas.microsoft.com/office/drawing/2014/main" id="{4FA81D88-4AB0-4A6B-B1CA-46921134CCB5}"/>
+              </a:ext>
+            </a:extLst>
+          </p:cNvPr>
+          <p:cNvSpPr/>
+          <p:nvPr userDrawn="1"/>
+        </p:nvSpPr>
+        <p:spPr>
+          <a:xfrm>
+            <a:off x="8556600" y="1413164"/>
+            <a:ext cx="62836" cy="62836"/>
+          </a:xfrm>
+          <a:prstGeom prst="ellipse">
+            <a:avLst/>
+          </a:prstGeom>
+          <a:gradFill flip="none" rotWithShape="1">
+            <a:gsLst>
+              <a:gs pos="0">
+                <a:schemeClr val="accent4">
+                  <a:lumMod val="89000"/>
+                  <a:alpha val="79000"/>
+                </a:schemeClr>
+              </a:gs>
+              <a:gs pos="23000">
+                <a:schemeClr val="accent4">
+                  <a:lumMod val="89000"/>
+                  <a:alpha val="64000"/>
+                </a:schemeClr>
+              </a:gs>
+              <a:gs pos="69000">
+                <a:schemeClr val="accent4">
+                  <a:lumMod val="75000"/>
+                  <a:alpha val="19000"/>
+                </a:schemeClr>
+              </a:gs>
+              <a:gs pos="100000">
+                <a:schemeClr val="accent4">
+                  <a:lumMod val="70000"/>
+                  <a:alpha val="0"/>
+                </a:schemeClr>
+              </a:gs>
+            </a:gsLst>
+            <a:path path="circle">
+              <a:fillToRect l="50000" t="50000" r="50000" b="50000"/>
+            </a:path>
+            <a:tileRect/>
+          </a:gradFill>
+          <a:ln>
+            <a:noFill/>
+          </a:ln>
+        </p:spPr>
+        <p:style>
+          <a:lnRef idx="2">
+            <a:schemeClr val="accent1">
+              <a:shade val="50000"/>
+            </a:schemeClr>
+          </a:lnRef>
+          <a:fillRef idx="1">
+            <a:schemeClr val="accent1"/>
+          </a:fillRef>
+          <a:effectRef idx="0">
+            <a:schemeClr val="accent1"/>
+          </a:effectRef>
+          <a:fontRef idx="minor">
+            <a:schemeClr val="lt1"/>
+          </a:fontRef>
+        </p:style>
+        <p:txBody>
+          <a:bodyPr rtlCol="0" anchor="ctr"/>
+          <a:lstStyle/>
+          <a:p>
+            <a:pPr algn="ctr"/>
+            <a:endParaRPr lang="de-DE"/>
+          </a:p>
+        </p:txBody>
+      </p:sp>
+      <p:sp>
+        <p:nvSpPr>
+          <p:cNvPr id="13" name="Ellipse 12">
+            <a:extLst>
+              <a:ext uri="{FF2B5EF4-FFF2-40B4-BE49-F238E27FC236}">
+                <a16:creationId xmlns:a16="http://schemas.microsoft.com/office/drawing/2014/main" id="{B1097F10-2B04-4EB5-936E-4761DC875A06}"/>
+              </a:ext>
+            </a:extLst>
+          </p:cNvPr>
+          <p:cNvSpPr/>
+          <p:nvPr userDrawn="1"/>
+        </p:nvSpPr>
+        <p:spPr>
+          <a:xfrm>
+            <a:off x="5784915" y="2657247"/>
+            <a:ext cx="68835" cy="68835"/>
+          </a:xfrm>
+          <a:prstGeom prst="ellipse">
+            <a:avLst/>
+          </a:prstGeom>
+          <a:gradFill flip="none" rotWithShape="1">
+            <a:gsLst>
+              <a:gs pos="0">
+                <a:srgbClr val="FF00FF">
+                  <a:alpha val="83000"/>
+                </a:srgbClr>
+              </a:gs>
+              <a:gs pos="23000">
+                <a:srgbClr val="FF00FF">
+                  <a:alpha val="46000"/>
+                </a:srgbClr>
+              </a:gs>
+              <a:gs pos="69000">
+                <a:srgbClr val="FF00FF">
+                  <a:alpha val="20000"/>
+                  <a:lumMod val="82000"/>
+                </a:srgbClr>
+              </a:gs>
+              <a:gs pos="100000">
+                <a:srgbClr val="FF00FF">
+                  <a:lumMod val="58000"/>
+                  <a:alpha val="0"/>
+                </a:srgbClr>
+              </a:gs>
+            </a:gsLst>
+            <a:path path="circle">
+              <a:fillToRect l="50000" t="50000" r="50000" b="50000"/>
+            </a:path>
+            <a:tileRect/>
+          </a:gradFill>
+          <a:ln>
+            <a:noFill/>
+          </a:ln>
+        </p:spPr>
+        <p:style>
+          <a:lnRef idx="2">
+            <a:schemeClr val="accent1">
+              <a:shade val="50000"/>
+            </a:schemeClr>
+          </a:lnRef>
+          <a:fillRef idx="1">
+            <a:schemeClr val="accent1"/>
+          </a:fillRef>
+          <a:effectRef idx="0">
+            <a:schemeClr val="accent1"/>
+          </a:effectRef>
+          <a:fontRef idx="minor">
+            <a:schemeClr val="lt1"/>
+          </a:fontRef>
+        </p:style>
+        <p:txBody>
+          <a:bodyPr rtlCol="0" anchor="ctr"/>
+          <a:lstStyle/>
+          <a:p>
+            <a:pPr algn="ctr"/>
+            <a:endParaRPr lang="de-DE"/>
+          </a:p>
+        </p:txBody>
+      </p:sp>
+      <p:sp>
+        <p:nvSpPr>
+          <p:cNvPr id="14" name="Ellipse 13">
+            <a:extLst>
+              <a:ext uri="{FF2B5EF4-FFF2-40B4-BE49-F238E27FC236}">
+                <a16:creationId xmlns:a16="http://schemas.microsoft.com/office/drawing/2014/main" id="{766A5638-0B66-4B54-A762-8880DCFE1B5F}"/>
+              </a:ext>
+            </a:extLst>
+          </p:cNvPr>
+          <p:cNvSpPr/>
+          <p:nvPr userDrawn="1"/>
+        </p:nvSpPr>
+        <p:spPr>
+          <a:xfrm>
+            <a:off x="10337865" y="5800497"/>
+            <a:ext cx="68835" cy="68835"/>
+          </a:xfrm>
+          <a:prstGeom prst="ellipse">
+            <a:avLst/>
+          </a:prstGeom>
+          <a:gradFill flip="none" rotWithShape="1">
+            <a:gsLst>
+              <a:gs pos="0">
+                <a:srgbClr val="FF00FF">
+                  <a:alpha val="83000"/>
+                </a:srgbClr>
+              </a:gs>
+              <a:gs pos="23000">
+                <a:srgbClr val="FF00FF">
+                  <a:alpha val="46000"/>
+                </a:srgbClr>
+              </a:gs>
+              <a:gs pos="69000">
+                <a:srgbClr val="FF00FF">
+                  <a:alpha val="20000"/>
+                  <a:lumMod val="82000"/>
+                </a:srgbClr>
+              </a:gs>
+              <a:gs pos="100000">
+                <a:srgbClr val="FF00FF">
+                  <a:lumMod val="58000"/>
+                  <a:alpha val="0"/>
+                </a:srgbClr>
+              </a:gs>
+            </a:gsLst>
+            <a:path path="circle">
+              <a:fillToRect l="50000" t="50000" r="50000" b="50000"/>
+            </a:path>
+            <a:tileRect/>
+          </a:gradFill>
+          <a:ln>
+            <a:noFill/>
+          </a:ln>
+        </p:spPr>
+        <p:style>
+          <a:lnRef idx="2">
+            <a:schemeClr val="accent1">
+              <a:shade val="50000"/>
+            </a:schemeClr>
+          </a:lnRef>
+          <a:fillRef idx="1">
+            <a:schemeClr val="accent1"/>
+          </a:fillRef>
+          <a:effectRef idx="0">
+            <a:schemeClr val="accent1"/>
+          </a:effectRef>
+          <a:fontRef idx="minor">
+            <a:schemeClr val="lt1"/>
+          </a:fontRef>
+        </p:style>
+        <p:txBody>
+          <a:bodyPr rtlCol="0" anchor="ctr"/>
+          <a:lstStyle/>
+          <a:p>
+            <a:pPr algn="ctr"/>
+            <a:endParaRPr lang="de-DE"/>
+          </a:p>
+        </p:txBody>
+      </p:sp>
+      <p:sp>
+        <p:nvSpPr>
+          <p:cNvPr id="15" name="Ellipse 14">
+            <a:extLst>
+              <a:ext uri="{FF2B5EF4-FFF2-40B4-BE49-F238E27FC236}">
+                <a16:creationId xmlns:a16="http://schemas.microsoft.com/office/drawing/2014/main" id="{AD57A9EE-D028-4FB9-9529-A97FDEC4DD34}"/>
+              </a:ext>
+            </a:extLst>
+          </p:cNvPr>
+          <p:cNvSpPr/>
+          <p:nvPr userDrawn="1"/>
+        </p:nvSpPr>
+        <p:spPr>
+          <a:xfrm>
+            <a:off x="2091120" y="5175657"/>
+            <a:ext cx="68835" cy="68835"/>
+          </a:xfrm>
+          <a:prstGeom prst="ellipse">
+            <a:avLst/>
+          </a:prstGeom>
+          <a:gradFill flip="none" rotWithShape="1">
+            <a:gsLst>
+              <a:gs pos="0">
+                <a:srgbClr val="FF00FF">
+                  <a:alpha val="83000"/>
+                </a:srgbClr>
+              </a:gs>
+              <a:gs pos="23000">
+                <a:srgbClr val="FF00FF">
+                  <a:alpha val="46000"/>
+                </a:srgbClr>
+              </a:gs>
+              <a:gs pos="69000">
+                <a:srgbClr val="FF00FF">
+                  <a:alpha val="20000"/>
+                  <a:lumMod val="82000"/>
+                </a:srgbClr>
+              </a:gs>
+              <a:gs pos="100000">
+                <a:srgbClr val="FF00FF">
+                  <a:lumMod val="58000"/>
+                  <a:alpha val="0"/>
+                </a:srgbClr>
+              </a:gs>
+            </a:gsLst>
+            <a:path path="circle">
+              <a:fillToRect l="50000" t="50000" r="50000" b="50000"/>
+            </a:path>
+            <a:tileRect/>
+          </a:gradFill>
+          <a:ln>
+            <a:noFill/>
+          </a:ln>
+        </p:spPr>
+        <p:style>
+          <a:lnRef idx="2">
+            <a:schemeClr val="accent1">
+              <a:shade val="50000"/>
+            </a:schemeClr>
+          </a:lnRef>
+          <a:fillRef idx="1">
+            <a:schemeClr val="accent1"/>
+          </a:fillRef>
+          <a:effectRef idx="0">
+            <a:schemeClr val="accent1"/>
+          </a:effectRef>
+          <a:fontRef idx="minor">
+            <a:schemeClr val="lt1"/>
+          </a:fontRef>
+        </p:style>
+        <p:txBody>
+          <a:bodyPr rtlCol="0" anchor="ctr"/>
+          <a:lstStyle/>
+          <a:p>
+            <a:pPr algn="ctr"/>
+            <a:endParaRPr lang="de-DE"/>
+          </a:p>
+        </p:txBody>
+      </p:sp>
+      <p:sp>
+        <p:nvSpPr>
+          <p:cNvPr id="16" name="Ellipse 15">
+            <a:extLst>
+              <a:ext uri="{FF2B5EF4-FFF2-40B4-BE49-F238E27FC236}">
+                <a16:creationId xmlns:a16="http://schemas.microsoft.com/office/drawing/2014/main" id="{E0FEA8DB-7287-43F3-922E-7CC8210AA48A}"/>
+              </a:ext>
+            </a:extLst>
+          </p:cNvPr>
+          <p:cNvSpPr/>
+          <p:nvPr userDrawn="1"/>
+        </p:nvSpPr>
+        <p:spPr>
+          <a:xfrm>
+            <a:off x="9008175" y="5027067"/>
+            <a:ext cx="45719" cy="45719"/>
+          </a:xfrm>
+          <a:prstGeom prst="ellipse">
+            <a:avLst/>
+          </a:prstGeom>
+          <a:gradFill flip="none" rotWithShape="1">
+            <a:gsLst>
+              <a:gs pos="0">
+                <a:srgbClr val="00FFCC">
+                  <a:alpha val="77000"/>
+                </a:srgbClr>
+              </a:gs>
+              <a:gs pos="23000">
+                <a:srgbClr val="00FFCC">
+                  <a:alpha val="44000"/>
+                </a:srgbClr>
+              </a:gs>
+              <a:gs pos="70000">
+                <a:srgbClr val="00FFCC">
+                  <a:alpha val="19000"/>
+                </a:srgbClr>
+              </a:gs>
+              <a:gs pos="100000">
+                <a:srgbClr val="00FFCC">
+                  <a:alpha val="0"/>
+                </a:srgbClr>
+              </a:gs>
+            </a:gsLst>
+            <a:path path="circle">
+              <a:fillToRect l="50000" t="50000" r="50000" b="50000"/>
+            </a:path>
+            <a:tileRect/>
+          </a:gradFill>
+          <a:ln>
+            <a:noFill/>
+          </a:ln>
+        </p:spPr>
+        <p:style>
+          <a:lnRef idx="2">
+            <a:schemeClr val="accent1">
+              <a:shade val="50000"/>
+            </a:schemeClr>
+          </a:lnRef>
+          <a:fillRef idx="1">
+            <a:schemeClr val="accent1"/>
+          </a:fillRef>
+          <a:effectRef idx="0">
+            <a:schemeClr val="accent1"/>
+          </a:effectRef>
+          <a:fontRef idx="minor">
+            <a:schemeClr val="lt1"/>
+          </a:fontRef>
+        </p:style>
+        <p:txBody>
+          <a:bodyPr rtlCol="0" anchor="ctr"/>
+          <a:lstStyle/>
+          <a:p>
+            <a:pPr algn="ctr"/>
+            <a:endParaRPr lang="de-DE"/>
+          </a:p>
+        </p:txBody>
+      </p:sp>
+      <p:sp>
+        <p:nvSpPr>
+          <p:cNvPr id="17" name="Ellipse 16">
+            <a:extLst>
+              <a:ext uri="{FF2B5EF4-FFF2-40B4-BE49-F238E27FC236}">
+                <a16:creationId xmlns:a16="http://schemas.microsoft.com/office/drawing/2014/main" id="{A3D78680-7987-44AE-A039-D12874F56AC8}"/>
+              </a:ext>
+            </a:extLst>
+          </p:cNvPr>
+          <p:cNvSpPr/>
+          <p:nvPr userDrawn="1"/>
+        </p:nvSpPr>
+        <p:spPr>
+          <a:xfrm>
+            <a:off x="7645465" y="2887140"/>
+            <a:ext cx="45719" cy="45719"/>
+          </a:xfrm>
+          <a:prstGeom prst="ellipse">
+            <a:avLst/>
+          </a:prstGeom>
+          <a:gradFill flip="none" rotWithShape="1">
+            <a:gsLst>
+              <a:gs pos="0">
+                <a:srgbClr val="00FFCC">
+                  <a:alpha val="77000"/>
+                </a:srgbClr>
+              </a:gs>
+              <a:gs pos="23000">
+                <a:srgbClr val="00FFCC">
+                  <a:alpha val="44000"/>
+                </a:srgbClr>
+              </a:gs>
+              <a:gs pos="70000">
+                <a:srgbClr val="00FFCC">
+                  <a:alpha val="19000"/>
+                </a:srgbClr>
+              </a:gs>
+              <a:gs pos="100000">
+                <a:srgbClr val="00FFCC">
+                  <a:alpha val="0"/>
+                </a:srgbClr>
+              </a:gs>
+            </a:gsLst>
+            <a:path path="circle">
+              <a:fillToRect l="50000" t="50000" r="50000" b="50000"/>
+            </a:path>
+            <a:tileRect/>
+          </a:gradFill>
+          <a:ln>
+            <a:noFill/>
+          </a:ln>
+        </p:spPr>
+        <p:style>
+          <a:lnRef idx="2">
+            <a:schemeClr val="accent1">
+              <a:shade val="50000"/>
+            </a:schemeClr>
+          </a:lnRef>
+          <a:fillRef idx="1">
+            <a:schemeClr val="accent1"/>
+          </a:fillRef>
+          <a:effectRef idx="0">
+            <a:schemeClr val="accent1"/>
+          </a:effectRef>
+          <a:fontRef idx="minor">
+            <a:schemeClr val="lt1"/>
+          </a:fontRef>
+        </p:style>
+        <p:txBody>
+          <a:bodyPr rtlCol="0" anchor="ctr"/>
+          <a:lstStyle/>
+          <a:p>
+            <a:pPr algn="ctr"/>
+            <a:endParaRPr lang="de-DE"/>
+          </a:p>
+        </p:txBody>
+      </p:sp>
+      <p:sp>
+        <p:nvSpPr>
+          <p:cNvPr id="18" name="Ellipse 17">
+            <a:extLst>
+              <a:ext uri="{FF2B5EF4-FFF2-40B4-BE49-F238E27FC236}">
+                <a16:creationId xmlns:a16="http://schemas.microsoft.com/office/drawing/2014/main" id="{91F7A306-8D04-4734-AFFD-5E4F035AAB71}"/>
+              </a:ext>
+            </a:extLst>
+          </p:cNvPr>
+          <p:cNvSpPr/>
+          <p:nvPr userDrawn="1"/>
+        </p:nvSpPr>
+        <p:spPr>
+          <a:xfrm>
+            <a:off x="1080000" y="1800000"/>
+            <a:ext cx="45719" cy="45719"/>
+          </a:xfrm>
+          <a:prstGeom prst="ellipse">
+            <a:avLst/>
+          </a:prstGeom>
+          <a:gradFill flip="none" rotWithShape="1">
+            <a:gsLst>
+              <a:gs pos="0">
+                <a:srgbClr val="00FFCC">
+                  <a:alpha val="77000"/>
+                </a:srgbClr>
+              </a:gs>
+              <a:gs pos="23000">
+                <a:srgbClr val="00FFCC">
+                  <a:alpha val="44000"/>
+                </a:srgbClr>
+              </a:gs>
+              <a:gs pos="70000">
+                <a:srgbClr val="00FFCC">
+                  <a:alpha val="19000"/>
+                </a:srgbClr>
+              </a:gs>
+              <a:gs pos="100000">
+                <a:srgbClr val="00FFCC">
+                  <a:alpha val="0"/>
+                </a:srgbClr>
+              </a:gs>
+            </a:gsLst>
+            <a:path path="circle">
+              <a:fillToRect l="50000" t="50000" r="50000" b="50000"/>
+            </a:path>
+            <a:tileRect/>
+          </a:gradFill>
+          <a:ln>
+            <a:noFill/>
+          </a:ln>
+        </p:spPr>
+        <p:style>
+          <a:lnRef idx="2">
+            <a:schemeClr val="accent1">
+              <a:shade val="50000"/>
+            </a:schemeClr>
+          </a:lnRef>
+          <a:fillRef idx="1">
+            <a:schemeClr val="accent1"/>
+          </a:fillRef>
+          <a:effectRef idx="0">
+            <a:schemeClr val="accent1"/>
+          </a:effectRef>
+          <a:fontRef idx="minor">
+            <a:schemeClr val="lt1"/>
+          </a:fontRef>
+        </p:style>
+        <p:txBody>
+          <a:bodyPr rtlCol="0" anchor="ctr"/>
+          <a:lstStyle/>
+          <a:p>
+            <a:pPr algn="ctr"/>
+            <a:endParaRPr lang="de-DE"/>
+          </a:p>
+        </p:txBody>
+      </p:sp>
+      <p:sp>
+        <p:nvSpPr>
+          <p:cNvPr id="19" name="Ellipse 18">
+            <a:extLst>
+              <a:ext uri="{FF2B5EF4-FFF2-40B4-BE49-F238E27FC236}">
+                <a16:creationId xmlns:a16="http://schemas.microsoft.com/office/drawing/2014/main" id="{57DA1755-E9A1-49EB-8A89-21E618FBB5B1}"/>
+              </a:ext>
+            </a:extLst>
+          </p:cNvPr>
+          <p:cNvSpPr/>
+          <p:nvPr userDrawn="1"/>
+        </p:nvSpPr>
+        <p:spPr>
+          <a:xfrm>
+            <a:off x="4320000" y="720000"/>
+            <a:ext cx="45719" cy="45719"/>
+          </a:xfrm>
+          <a:prstGeom prst="ellipse">
+            <a:avLst/>
+          </a:prstGeom>
+          <a:gradFill flip="none" rotWithShape="1">
+            <a:gsLst>
+              <a:gs pos="0">
+                <a:srgbClr val="00FFCC">
+                  <a:alpha val="77000"/>
+                </a:srgbClr>
+              </a:gs>
+              <a:gs pos="23000">
+                <a:srgbClr val="00FFCC">
+                  <a:alpha val="44000"/>
+                </a:srgbClr>
+              </a:gs>
+              <a:gs pos="70000">
+                <a:srgbClr val="00FFCC">
+                  <a:alpha val="19000"/>
+                </a:srgbClr>
+              </a:gs>
+              <a:gs pos="100000">
+                <a:srgbClr val="00FFCC">
+                  <a:alpha val="0"/>
+                </a:srgbClr>
+              </a:gs>
+            </a:gsLst>
+            <a:path path="circle">
+              <a:fillToRect l="50000" t="50000" r="50000" b="50000"/>
+            </a:path>
+            <a:tileRect/>
+          </a:gradFill>
+          <a:ln>
+            <a:noFill/>
+          </a:ln>
+        </p:spPr>
+        <p:style>
+          <a:lnRef idx="2">
+            <a:schemeClr val="accent1">
+              <a:shade val="50000"/>
+            </a:schemeClr>
+          </a:lnRef>
+          <a:fillRef idx="1">
+            <a:schemeClr val="accent1"/>
+          </a:fillRef>
+          <a:effectRef idx="0">
+            <a:schemeClr val="accent1"/>
+          </a:effectRef>
+          <a:fontRef idx="minor">
+            <a:schemeClr val="lt1"/>
+          </a:fontRef>
+        </p:style>
+        <p:txBody>
+          <a:bodyPr rtlCol="0" anchor="ctr"/>
+          <a:lstStyle/>
+          <a:p>
+            <a:pPr algn="ctr"/>
+            <a:endParaRPr lang="de-DE"/>
+          </a:p>
+        </p:txBody>
+      </p:sp>
     </p:spTree>
     <p:extLst>
       <p:ext uri="{BB962C8B-B14F-4D97-AF65-F5344CB8AC3E}">
@@ -27556,6 +28719,272 @@
 </file>
 
 <file path=ppt/slideLayouts/slideLayout3.xml><?xml version="1.0" encoding="utf-8"?>
+<p:sldLayout xmlns:a="http://schemas.openxmlformats.org/drawingml/2006/main" xmlns:r="http://schemas.openxmlformats.org/officeDocument/2006/relationships" xmlns:p="http://schemas.openxmlformats.org/presentationml/2006/main" type="obj" preserve="1">
+  <p:cSld name="1_Titel und Inhalt">
+    <p:spTree>
+      <p:nvGrpSpPr>
+        <p:cNvPr id="1" name=""/>
+        <p:cNvGrpSpPr/>
+        <p:nvPr/>
+      </p:nvGrpSpPr>
+      <p:grpSpPr>
+        <a:xfrm>
+          <a:off x="0" y="0"/>
+          <a:ext cx="0" cy="0"/>
+          <a:chOff x="0" y="0"/>
+          <a:chExt cx="0" cy="0"/>
+        </a:xfrm>
+      </p:grpSpPr>
+      <p:sp>
+        <p:nvSpPr>
+          <p:cNvPr id="2" name="Titel 1"/>
+          <p:cNvSpPr>
+            <a:spLocks noGrp="1"/>
+          </p:cNvSpPr>
+          <p:nvPr>
+            <p:ph type="title"/>
+          </p:nvPr>
+        </p:nvSpPr>
+        <p:spPr/>
+        <p:txBody>
+          <a:bodyPr/>
+          <a:lstStyle>
+            <a:lvl1pPr>
+              <a:defRPr>
+                <a:solidFill>
+                  <a:srgbClr val="0D6F6E"/>
+                </a:solidFill>
+              </a:defRPr>
+            </a:lvl1pPr>
+          </a:lstStyle>
+          <a:p>
+            <a:r>
+              <a:rPr lang="de-DE" dirty="0"/>
+              <a:t>Titelmasterformat durch Klicken bearbeiten</a:t>
+            </a:r>
+          </a:p>
+        </p:txBody>
+      </p:sp>
+      <p:sp>
+        <p:nvSpPr>
+          <p:cNvPr id="3" name="Inhaltsplatzhalter 2"/>
+          <p:cNvSpPr>
+            <a:spLocks noGrp="1"/>
+          </p:cNvSpPr>
+          <p:nvPr>
+            <p:ph idx="1"/>
+          </p:nvPr>
+        </p:nvSpPr>
+        <p:spPr/>
+        <p:txBody>
+          <a:bodyPr/>
+          <a:lstStyle>
+            <a:lvl1pPr marL="228600" indent="-228600">
+              <a:buClr>
+                <a:srgbClr val="E8DDCB"/>
+              </a:buClr>
+              <a:buFont typeface="Symbol" panose="05050102010706020507" pitchFamily="18" charset="2"/>
+              <a:buChar char="-"/>
+              <a:defRPr/>
+            </a:lvl1pPr>
+            <a:lvl2pPr marL="685800" indent="-228600">
+              <a:buClr>
+                <a:srgbClr val="E8DDCB"/>
+              </a:buClr>
+              <a:buFont typeface="Symbol" panose="05050102010706020507" pitchFamily="18" charset="2"/>
+              <a:buChar char="-"/>
+              <a:defRPr/>
+            </a:lvl2pPr>
+            <a:lvl3pPr marL="1143000" indent="-228600">
+              <a:buClr>
+                <a:srgbClr val="E8DDCB"/>
+              </a:buClr>
+              <a:buFont typeface="Symbol" panose="05050102010706020507" pitchFamily="18" charset="2"/>
+              <a:buChar char="-"/>
+              <a:defRPr/>
+            </a:lvl3pPr>
+            <a:lvl4pPr marL="1600200" indent="-228600">
+              <a:buClr>
+                <a:srgbClr val="E8DDCB"/>
+              </a:buClr>
+              <a:buFont typeface="Symbol" panose="05050102010706020507" pitchFamily="18" charset="2"/>
+              <a:buChar char="-"/>
+              <a:defRPr/>
+            </a:lvl4pPr>
+            <a:lvl5pPr marL="2057400" indent="-228600">
+              <a:buClr>
+                <a:srgbClr val="E8DDCB"/>
+              </a:buClr>
+              <a:buFont typeface="Symbol" panose="05050102010706020507" pitchFamily="18" charset="2"/>
+              <a:buChar char="-"/>
+              <a:defRPr/>
+            </a:lvl5pPr>
+          </a:lstStyle>
+          <a:p>
+            <a:pPr lvl="0"/>
+            <a:r>
+              <a:rPr lang="de-DE" dirty="0"/>
+              <a:t>Formatvorlagen des Textmasters bearbeiten</a:t>
+            </a:r>
+          </a:p>
+          <a:p>
+            <a:pPr lvl="1"/>
+            <a:r>
+              <a:rPr lang="de-DE" dirty="0"/>
+              <a:t>Zweite Ebene</a:t>
+            </a:r>
+          </a:p>
+          <a:p>
+            <a:pPr lvl="2"/>
+            <a:r>
+              <a:rPr lang="de-DE" dirty="0"/>
+              <a:t>Dritte Ebene</a:t>
+            </a:r>
+          </a:p>
+          <a:p>
+            <a:pPr lvl="3"/>
+            <a:r>
+              <a:rPr lang="de-DE" dirty="0"/>
+              <a:t>Vierte Ebene</a:t>
+            </a:r>
+          </a:p>
+          <a:p>
+            <a:pPr lvl="4"/>
+            <a:r>
+              <a:rPr lang="de-DE" dirty="0"/>
+              <a:t>Fünfte Ebene</a:t>
+            </a:r>
+          </a:p>
+        </p:txBody>
+      </p:sp>
+      <p:sp>
+        <p:nvSpPr>
+          <p:cNvPr id="4" name="Datumsplatzhalter 3"/>
+          <p:cNvSpPr>
+            <a:spLocks noGrp="1"/>
+          </p:cNvSpPr>
+          <p:nvPr>
+            <p:ph type="dt" sz="half" idx="10"/>
+          </p:nvPr>
+        </p:nvSpPr>
+        <p:spPr/>
+        <p:txBody>
+          <a:bodyPr/>
+          <a:lstStyle/>
+          <a:p>
+            <a:fld id="{41257651-B64F-43FB-9868-05B8EA16BD84}" type="datetimeFigureOut">
+              <a:rPr lang="de-DE" smtClean="0"/>
+              <a:t>20.01.2020</a:t>
+            </a:fld>
+            <a:endParaRPr lang="de-DE"/>
+          </a:p>
+        </p:txBody>
+      </p:sp>
+      <p:sp>
+        <p:nvSpPr>
+          <p:cNvPr id="5" name="Fußzeilenplatzhalter 4"/>
+          <p:cNvSpPr>
+            <a:spLocks noGrp="1"/>
+          </p:cNvSpPr>
+          <p:nvPr>
+            <p:ph type="ftr" sz="quarter" idx="11"/>
+          </p:nvPr>
+        </p:nvSpPr>
+        <p:spPr/>
+        <p:txBody>
+          <a:bodyPr/>
+          <a:lstStyle/>
+          <a:p>
+            <a:endParaRPr lang="de-DE"/>
+          </a:p>
+        </p:txBody>
+      </p:sp>
+      <p:sp>
+        <p:nvSpPr>
+          <p:cNvPr id="6" name="Foliennummernplatzhalter 5"/>
+          <p:cNvSpPr>
+            <a:spLocks noGrp="1"/>
+          </p:cNvSpPr>
+          <p:nvPr>
+            <p:ph type="sldNum" sz="quarter" idx="12"/>
+          </p:nvPr>
+        </p:nvSpPr>
+        <p:spPr/>
+        <p:txBody>
+          <a:bodyPr/>
+          <a:lstStyle/>
+          <a:p>
+            <a:fld id="{108E1901-7B93-4501-9C96-12B6809ED28B}" type="slidenum">
+              <a:rPr lang="de-DE" smtClean="0"/>
+              <a:t>‹Nr.›</a:t>
+            </a:fld>
+            <a:endParaRPr lang="de-DE"/>
+          </a:p>
+        </p:txBody>
+      </p:sp>
+      <p:cxnSp>
+        <p:nvCxnSpPr>
+          <p:cNvPr id="9" name="Gerader Verbinder 8">
+            <a:extLst>
+              <a:ext uri="{FF2B5EF4-FFF2-40B4-BE49-F238E27FC236}">
+                <a16:creationId xmlns:a16="http://schemas.microsoft.com/office/drawing/2014/main" id="{0D546910-4736-4FE3-9936-AE372EE789DA}"/>
+              </a:ext>
+            </a:extLst>
+          </p:cNvPr>
+          <p:cNvCxnSpPr/>
+          <p:nvPr userDrawn="1"/>
+        </p:nvCxnSpPr>
+        <p:spPr>
+          <a:xfrm>
+            <a:off x="0" y="1283918"/>
+            <a:ext cx="7509353" cy="0"/>
+          </a:xfrm>
+          <a:prstGeom prst="line">
+            <a:avLst/>
+          </a:prstGeom>
+          <a:ln w="57150">
+            <a:gradFill>
+              <a:gsLst>
+                <a:gs pos="100000">
+                  <a:srgbClr val="BF9659"/>
+                </a:gs>
+                <a:gs pos="0">
+                  <a:srgbClr val="CDB380"/>
+                </a:gs>
+              </a:gsLst>
+              <a:lin ang="5400000" scaled="1"/>
+            </a:gradFill>
+          </a:ln>
+        </p:spPr>
+        <p:style>
+          <a:lnRef idx="1">
+            <a:schemeClr val="accent1"/>
+          </a:lnRef>
+          <a:fillRef idx="0">
+            <a:schemeClr val="accent1"/>
+          </a:fillRef>
+          <a:effectRef idx="0">
+            <a:schemeClr val="accent1"/>
+          </a:effectRef>
+          <a:fontRef idx="minor">
+            <a:schemeClr val="tx1"/>
+          </a:fontRef>
+        </p:style>
+      </p:cxnSp>
+    </p:spTree>
+    <p:extLst>
+      <p:ext uri="{BB962C8B-B14F-4D97-AF65-F5344CB8AC3E}">
+        <p14:creationId xmlns:p14="http://schemas.microsoft.com/office/powerpoint/2010/main" val="342926809"/>
+      </p:ext>
+    </p:extLst>
+  </p:cSld>
+  <p:clrMapOvr>
+    <a:masterClrMapping/>
+  </p:clrMapOvr>
+</p:sldLayout>
+</file>
+
+<file path=ppt/slideLayouts/slideLayout4.xml><?xml version="1.0" encoding="utf-8"?>
 <p:sldLayout xmlns:a="http://schemas.openxmlformats.org/drawingml/2006/main" xmlns:r="http://schemas.openxmlformats.org/officeDocument/2006/relationships" xmlns:p="http://schemas.openxmlformats.org/presentationml/2006/main" type="secHead" preserve="1">
   <p:cSld name="Abschnitts-&#10;überschrift">
     <p:spTree>
@@ -27800,7 +29229,7 @@
 </p:sldLayout>
 </file>
 
-<file path=ppt/slideLayouts/slideLayout4.xml><?xml version="1.0" encoding="utf-8"?>
+<file path=ppt/slideLayouts/slideLayout5.xml><?xml version="1.0" encoding="utf-8"?>
 <p:sldLayout xmlns:a="http://schemas.openxmlformats.org/drawingml/2006/main" xmlns:r="http://schemas.openxmlformats.org/officeDocument/2006/relationships" xmlns:p="http://schemas.openxmlformats.org/presentationml/2006/main" type="twoObj" preserve="1">
   <p:cSld name="Zwei Inhalte">
     <p:spTree>
@@ -28029,7 +29458,7 @@
 </p:sldLayout>
 </file>
 
-<file path=ppt/slideLayouts/slideLayout5.xml><?xml version="1.0" encoding="utf-8"?>
+<file path=ppt/slideLayouts/slideLayout6.xml><?xml version="1.0" encoding="utf-8"?>
 <p:sldLayout xmlns:a="http://schemas.openxmlformats.org/drawingml/2006/main" xmlns:r="http://schemas.openxmlformats.org/officeDocument/2006/relationships" xmlns:p="http://schemas.openxmlformats.org/presentationml/2006/main" type="twoTxTwoObj" preserve="1">
   <p:cSld name="Vergleich">
     <p:spTree>
@@ -28393,7 +29822,7 @@
 </p:sldLayout>
 </file>
 
-<file path=ppt/slideLayouts/slideLayout6.xml><?xml version="1.0" encoding="utf-8"?>
+<file path=ppt/slideLayouts/slideLayout7.xml><?xml version="1.0" encoding="utf-8"?>
 <p:sldLayout xmlns:a="http://schemas.openxmlformats.org/drawingml/2006/main" xmlns:r="http://schemas.openxmlformats.org/officeDocument/2006/relationships" xmlns:p="http://schemas.openxmlformats.org/presentationml/2006/main" type="titleOnly" preserve="1">
   <p:cSld name="Nur Titel">
     <p:spTree>
@@ -28510,7 +29939,7 @@
 </p:sldLayout>
 </file>
 
-<file path=ppt/slideLayouts/slideLayout7.xml><?xml version="1.0" encoding="utf-8"?>
+<file path=ppt/slideLayouts/slideLayout8.xml><?xml version="1.0" encoding="utf-8"?>
 <p:sldLayout xmlns:a="http://schemas.openxmlformats.org/drawingml/2006/main" xmlns:r="http://schemas.openxmlformats.org/officeDocument/2006/relationships" xmlns:p="http://schemas.openxmlformats.org/presentationml/2006/main" type="blank" preserve="1">
   <p:cSld name="Leer">
     <p:spTree>
@@ -28605,7 +30034,7 @@
 </p:sldLayout>
 </file>
 
-<file path=ppt/slideLayouts/slideLayout8.xml><?xml version="1.0" encoding="utf-8"?>
+<file path=ppt/slideLayouts/slideLayout9.xml><?xml version="1.0" encoding="utf-8"?>
 <p:sldLayout xmlns:a="http://schemas.openxmlformats.org/drawingml/2006/main" xmlns:r="http://schemas.openxmlformats.org/officeDocument/2006/relationships" xmlns:p="http://schemas.openxmlformats.org/presentationml/2006/main" type="objTx" preserve="1">
   <p:cSld name="Inhalt mit Überschrift">
     <p:spTree>
@@ -28880,258 +30309,6 @@
 </p:sldLayout>
 </file>
 
-<file path=ppt/slideLayouts/slideLayout9.xml><?xml version="1.0" encoding="utf-8"?>
-<p:sldLayout xmlns:a="http://schemas.openxmlformats.org/drawingml/2006/main" xmlns:r="http://schemas.openxmlformats.org/officeDocument/2006/relationships" xmlns:p="http://schemas.openxmlformats.org/presentationml/2006/main" type="picTx" preserve="1">
-  <p:cSld name="Bild mit Überschrift">
-    <p:spTree>
-      <p:nvGrpSpPr>
-        <p:cNvPr id="1" name=""/>
-        <p:cNvGrpSpPr/>
-        <p:nvPr/>
-      </p:nvGrpSpPr>
-      <p:grpSpPr>
-        <a:xfrm>
-          <a:off x="0" y="0"/>
-          <a:ext cx="0" cy="0"/>
-          <a:chOff x="0" y="0"/>
-          <a:chExt cx="0" cy="0"/>
-        </a:xfrm>
-      </p:grpSpPr>
-      <p:sp>
-        <p:nvSpPr>
-          <p:cNvPr id="2" name="Titel 1"/>
-          <p:cNvSpPr>
-            <a:spLocks noGrp="1"/>
-          </p:cNvSpPr>
-          <p:nvPr>
-            <p:ph type="title"/>
-          </p:nvPr>
-        </p:nvSpPr>
-        <p:spPr>
-          <a:xfrm>
-            <a:off x="839788" y="457200"/>
-            <a:ext cx="3932237" cy="1600200"/>
-          </a:xfrm>
-        </p:spPr>
-        <p:txBody>
-          <a:bodyPr anchor="b"/>
-          <a:lstStyle>
-            <a:lvl1pPr>
-              <a:defRPr sz="3200"/>
-            </a:lvl1pPr>
-          </a:lstStyle>
-          <a:p>
-            <a:r>
-              <a:rPr lang="de-DE"/>
-              <a:t>Titelmasterformat durch Klicken bearbeiten</a:t>
-            </a:r>
-          </a:p>
-        </p:txBody>
-      </p:sp>
-      <p:sp>
-        <p:nvSpPr>
-          <p:cNvPr id="3" name="Bildplatzhalter 2"/>
-          <p:cNvSpPr>
-            <a:spLocks noGrp="1"/>
-          </p:cNvSpPr>
-          <p:nvPr>
-            <p:ph type="pic" idx="1"/>
-          </p:nvPr>
-        </p:nvSpPr>
-        <p:spPr>
-          <a:xfrm>
-            <a:off x="5183188" y="987425"/>
-            <a:ext cx="6172200" cy="4873625"/>
-          </a:xfrm>
-        </p:spPr>
-        <p:txBody>
-          <a:bodyPr/>
-          <a:lstStyle>
-            <a:lvl1pPr marL="0" indent="0">
-              <a:buNone/>
-              <a:defRPr sz="3200"/>
-            </a:lvl1pPr>
-            <a:lvl2pPr marL="457200" indent="0">
-              <a:buNone/>
-              <a:defRPr sz="2800"/>
-            </a:lvl2pPr>
-            <a:lvl3pPr marL="914400" indent="0">
-              <a:buNone/>
-              <a:defRPr sz="2400"/>
-            </a:lvl3pPr>
-            <a:lvl4pPr marL="1371600" indent="0">
-              <a:buNone/>
-              <a:defRPr sz="2000"/>
-            </a:lvl4pPr>
-            <a:lvl5pPr marL="1828800" indent="0">
-              <a:buNone/>
-              <a:defRPr sz="2000"/>
-            </a:lvl5pPr>
-            <a:lvl6pPr marL="2286000" indent="0">
-              <a:buNone/>
-              <a:defRPr sz="2000"/>
-            </a:lvl6pPr>
-            <a:lvl7pPr marL="2743200" indent="0">
-              <a:buNone/>
-              <a:defRPr sz="2000"/>
-            </a:lvl7pPr>
-            <a:lvl8pPr marL="3200400" indent="0">
-              <a:buNone/>
-              <a:defRPr sz="2000"/>
-            </a:lvl8pPr>
-            <a:lvl9pPr marL="3657600" indent="0">
-              <a:buNone/>
-              <a:defRPr sz="2000"/>
-            </a:lvl9pPr>
-          </a:lstStyle>
-          <a:p>
-            <a:endParaRPr lang="de-DE"/>
-          </a:p>
-        </p:txBody>
-      </p:sp>
-      <p:sp>
-        <p:nvSpPr>
-          <p:cNvPr id="4" name="Textplatzhalter 3"/>
-          <p:cNvSpPr>
-            <a:spLocks noGrp="1"/>
-          </p:cNvSpPr>
-          <p:nvPr>
-            <p:ph type="body" sz="half" idx="2"/>
-          </p:nvPr>
-        </p:nvSpPr>
-        <p:spPr>
-          <a:xfrm>
-            <a:off x="839788" y="2057400"/>
-            <a:ext cx="3932237" cy="3811588"/>
-          </a:xfrm>
-        </p:spPr>
-        <p:txBody>
-          <a:bodyPr/>
-          <a:lstStyle>
-            <a:lvl1pPr marL="0" indent="0">
-              <a:buNone/>
-              <a:defRPr sz="1600"/>
-            </a:lvl1pPr>
-            <a:lvl2pPr marL="457200" indent="0">
-              <a:buNone/>
-              <a:defRPr sz="1400"/>
-            </a:lvl2pPr>
-            <a:lvl3pPr marL="914400" indent="0">
-              <a:buNone/>
-              <a:defRPr sz="1200"/>
-            </a:lvl3pPr>
-            <a:lvl4pPr marL="1371600" indent="0">
-              <a:buNone/>
-              <a:defRPr sz="1000"/>
-            </a:lvl4pPr>
-            <a:lvl5pPr marL="1828800" indent="0">
-              <a:buNone/>
-              <a:defRPr sz="1000"/>
-            </a:lvl5pPr>
-            <a:lvl6pPr marL="2286000" indent="0">
-              <a:buNone/>
-              <a:defRPr sz="1000"/>
-            </a:lvl6pPr>
-            <a:lvl7pPr marL="2743200" indent="0">
-              <a:buNone/>
-              <a:defRPr sz="1000"/>
-            </a:lvl7pPr>
-            <a:lvl8pPr marL="3200400" indent="0">
-              <a:buNone/>
-              <a:defRPr sz="1000"/>
-            </a:lvl8pPr>
-            <a:lvl9pPr marL="3657600" indent="0">
-              <a:buNone/>
-              <a:defRPr sz="1000"/>
-            </a:lvl9pPr>
-          </a:lstStyle>
-          <a:p>
-            <a:pPr lvl="0"/>
-            <a:r>
-              <a:rPr lang="de-DE"/>
-              <a:t>Formatvorlagen des Textmasters bearbeiten</a:t>
-            </a:r>
-          </a:p>
-        </p:txBody>
-      </p:sp>
-      <p:sp>
-        <p:nvSpPr>
-          <p:cNvPr id="5" name="Datumsplatzhalter 4"/>
-          <p:cNvSpPr>
-            <a:spLocks noGrp="1"/>
-          </p:cNvSpPr>
-          <p:nvPr>
-            <p:ph type="dt" sz="half" idx="10"/>
-          </p:nvPr>
-        </p:nvSpPr>
-        <p:spPr/>
-        <p:txBody>
-          <a:bodyPr/>
-          <a:lstStyle/>
-          <a:p>
-            <a:fld id="{41257651-B64F-43FB-9868-05B8EA16BD84}" type="datetimeFigureOut">
-              <a:rPr lang="de-DE" smtClean="0"/>
-              <a:t>20.01.2020</a:t>
-            </a:fld>
-            <a:endParaRPr lang="de-DE"/>
-          </a:p>
-        </p:txBody>
-      </p:sp>
-      <p:sp>
-        <p:nvSpPr>
-          <p:cNvPr id="6" name="Fußzeilenplatzhalter 5"/>
-          <p:cNvSpPr>
-            <a:spLocks noGrp="1"/>
-          </p:cNvSpPr>
-          <p:nvPr>
-            <p:ph type="ftr" sz="quarter" idx="11"/>
-          </p:nvPr>
-        </p:nvSpPr>
-        <p:spPr/>
-        <p:txBody>
-          <a:bodyPr/>
-          <a:lstStyle/>
-          <a:p>
-            <a:endParaRPr lang="de-DE"/>
-          </a:p>
-        </p:txBody>
-      </p:sp>
-      <p:sp>
-        <p:nvSpPr>
-          <p:cNvPr id="7" name="Foliennummernplatzhalter 6"/>
-          <p:cNvSpPr>
-            <a:spLocks noGrp="1"/>
-          </p:cNvSpPr>
-          <p:nvPr>
-            <p:ph type="sldNum" sz="quarter" idx="12"/>
-          </p:nvPr>
-        </p:nvSpPr>
-        <p:spPr/>
-        <p:txBody>
-          <a:bodyPr/>
-          <a:lstStyle/>
-          <a:p>
-            <a:fld id="{108E1901-7B93-4501-9C96-12B6809ED28B}" type="slidenum">
-              <a:rPr lang="de-DE" smtClean="0"/>
-              <a:t>‹Nr.›</a:t>
-            </a:fld>
-            <a:endParaRPr lang="de-DE"/>
-          </a:p>
-        </p:txBody>
-      </p:sp>
-    </p:spTree>
-    <p:extLst>
-      <p:ext uri="{BB962C8B-B14F-4D97-AF65-F5344CB8AC3E}">
-        <p14:creationId xmlns:p14="http://schemas.microsoft.com/office/powerpoint/2010/main" val="3793059069"/>
-      </p:ext>
-    </p:extLst>
-  </p:cSld>
-  <p:clrMapOvr>
-    <a:masterClrMapping/>
-  </p:clrMapOvr>
-</p:sldLayout>
-</file>
-
 <file path=ppt/slideMasters/slideMaster1.xml><?xml version="1.0" encoding="utf-8"?>
 <p:sldMaster xmlns:a="http://schemas.openxmlformats.org/drawingml/2006/main" xmlns:r="http://schemas.openxmlformats.org/officeDocument/2006/relationships" xmlns:p="http://schemas.openxmlformats.org/presentationml/2006/main">
   <p:cSld>
@@ -29376,809 +30553,6 @@
           </a:p>
         </p:txBody>
       </p:sp>
-      <p:sp>
-        <p:nvSpPr>
-          <p:cNvPr id="7" name="Ellipse 6"/>
-          <p:cNvSpPr/>
-          <p:nvPr userDrawn="1"/>
-        </p:nvSpPr>
-        <p:spPr>
-          <a:xfrm>
-            <a:off x="266400" y="1260000"/>
-            <a:ext cx="108000" cy="108000"/>
-          </a:xfrm>
-          <a:prstGeom prst="ellipse">
-            <a:avLst/>
-          </a:prstGeom>
-          <a:gradFill flip="none" rotWithShape="1">
-            <a:gsLst>
-              <a:gs pos="0">
-                <a:schemeClr val="accent4">
-                  <a:lumMod val="89000"/>
-                  <a:alpha val="79000"/>
-                </a:schemeClr>
-              </a:gs>
-              <a:gs pos="23000">
-                <a:schemeClr val="accent4">
-                  <a:lumMod val="89000"/>
-                  <a:alpha val="64000"/>
-                </a:schemeClr>
-              </a:gs>
-              <a:gs pos="69000">
-                <a:schemeClr val="accent4">
-                  <a:lumMod val="75000"/>
-                  <a:alpha val="19000"/>
-                </a:schemeClr>
-              </a:gs>
-              <a:gs pos="100000">
-                <a:schemeClr val="accent4">
-                  <a:lumMod val="70000"/>
-                  <a:alpha val="0"/>
-                </a:schemeClr>
-              </a:gs>
-            </a:gsLst>
-            <a:path path="circle">
-              <a:fillToRect l="50000" t="50000" r="50000" b="50000"/>
-            </a:path>
-            <a:tileRect/>
-          </a:gradFill>
-          <a:ln>
-            <a:noFill/>
-          </a:ln>
-        </p:spPr>
-        <p:style>
-          <a:lnRef idx="2">
-            <a:schemeClr val="accent1">
-              <a:shade val="50000"/>
-            </a:schemeClr>
-          </a:lnRef>
-          <a:fillRef idx="1">
-            <a:schemeClr val="accent1"/>
-          </a:fillRef>
-          <a:effectRef idx="0">
-            <a:schemeClr val="accent1"/>
-          </a:effectRef>
-          <a:fontRef idx="minor">
-            <a:schemeClr val="lt1"/>
-          </a:fontRef>
-        </p:style>
-        <p:txBody>
-          <a:bodyPr rtlCol="0" anchor="ctr"/>
-          <a:lstStyle/>
-          <a:p>
-            <a:pPr algn="ctr"/>
-            <a:endParaRPr lang="de-DE"/>
-          </a:p>
-        </p:txBody>
-      </p:sp>
-      <p:sp>
-        <p:nvSpPr>
-          <p:cNvPr id="8" name="Ellipse 7"/>
-          <p:cNvSpPr/>
-          <p:nvPr userDrawn="1"/>
-        </p:nvSpPr>
-        <p:spPr>
-          <a:xfrm>
-            <a:off x="10808400" y="2802000"/>
-            <a:ext cx="108000" cy="108000"/>
-          </a:xfrm>
-          <a:prstGeom prst="ellipse">
-            <a:avLst/>
-          </a:prstGeom>
-          <a:gradFill flip="none" rotWithShape="1">
-            <a:gsLst>
-              <a:gs pos="0">
-                <a:schemeClr val="accent4">
-                  <a:lumMod val="89000"/>
-                  <a:alpha val="79000"/>
-                </a:schemeClr>
-              </a:gs>
-              <a:gs pos="23000">
-                <a:schemeClr val="accent4">
-                  <a:lumMod val="89000"/>
-                  <a:alpha val="64000"/>
-                </a:schemeClr>
-              </a:gs>
-              <a:gs pos="69000">
-                <a:schemeClr val="accent4">
-                  <a:lumMod val="75000"/>
-                  <a:alpha val="19000"/>
-                </a:schemeClr>
-              </a:gs>
-              <a:gs pos="100000">
-                <a:schemeClr val="accent4">
-                  <a:lumMod val="70000"/>
-                  <a:alpha val="0"/>
-                </a:schemeClr>
-              </a:gs>
-            </a:gsLst>
-            <a:path path="circle">
-              <a:fillToRect l="50000" t="50000" r="50000" b="50000"/>
-            </a:path>
-            <a:tileRect/>
-          </a:gradFill>
-          <a:ln>
-            <a:noFill/>
-          </a:ln>
-        </p:spPr>
-        <p:style>
-          <a:lnRef idx="2">
-            <a:schemeClr val="accent1">
-              <a:shade val="50000"/>
-            </a:schemeClr>
-          </a:lnRef>
-          <a:fillRef idx="1">
-            <a:schemeClr val="accent1"/>
-          </a:fillRef>
-          <a:effectRef idx="0">
-            <a:schemeClr val="accent1"/>
-          </a:effectRef>
-          <a:fontRef idx="minor">
-            <a:schemeClr val="lt1"/>
-          </a:fontRef>
-        </p:style>
-        <p:txBody>
-          <a:bodyPr rtlCol="0" anchor="ctr"/>
-          <a:lstStyle/>
-          <a:p>
-            <a:pPr algn="ctr"/>
-            <a:endParaRPr lang="de-DE"/>
-          </a:p>
-        </p:txBody>
-      </p:sp>
-      <p:sp>
-        <p:nvSpPr>
-          <p:cNvPr id="9" name="Ellipse 8"/>
-          <p:cNvSpPr/>
-          <p:nvPr userDrawn="1"/>
-        </p:nvSpPr>
-        <p:spPr>
-          <a:xfrm>
-            <a:off x="2745608" y="5754778"/>
-            <a:ext cx="45719" cy="45719"/>
-          </a:xfrm>
-          <a:prstGeom prst="ellipse">
-            <a:avLst/>
-          </a:prstGeom>
-          <a:gradFill flip="none" rotWithShape="1">
-            <a:gsLst>
-              <a:gs pos="0">
-                <a:schemeClr val="accent4">
-                  <a:lumMod val="89000"/>
-                  <a:alpha val="79000"/>
-                </a:schemeClr>
-              </a:gs>
-              <a:gs pos="23000">
-                <a:schemeClr val="accent4">
-                  <a:lumMod val="89000"/>
-                  <a:alpha val="64000"/>
-                </a:schemeClr>
-              </a:gs>
-              <a:gs pos="69000">
-                <a:schemeClr val="accent4">
-                  <a:lumMod val="75000"/>
-                  <a:alpha val="19000"/>
-                </a:schemeClr>
-              </a:gs>
-              <a:gs pos="100000">
-                <a:schemeClr val="accent4">
-                  <a:lumMod val="70000"/>
-                  <a:alpha val="0"/>
-                </a:schemeClr>
-              </a:gs>
-            </a:gsLst>
-            <a:path path="circle">
-              <a:fillToRect l="50000" t="50000" r="50000" b="50000"/>
-            </a:path>
-            <a:tileRect/>
-          </a:gradFill>
-          <a:ln>
-            <a:noFill/>
-          </a:ln>
-        </p:spPr>
-        <p:style>
-          <a:lnRef idx="2">
-            <a:schemeClr val="accent1">
-              <a:shade val="50000"/>
-            </a:schemeClr>
-          </a:lnRef>
-          <a:fillRef idx="1">
-            <a:schemeClr val="accent1"/>
-          </a:fillRef>
-          <a:effectRef idx="0">
-            <a:schemeClr val="accent1"/>
-          </a:effectRef>
-          <a:fontRef idx="minor">
-            <a:schemeClr val="lt1"/>
-          </a:fontRef>
-        </p:style>
-        <p:txBody>
-          <a:bodyPr rtlCol="0" anchor="ctr"/>
-          <a:lstStyle/>
-          <a:p>
-            <a:pPr algn="ctr"/>
-            <a:endParaRPr lang="de-DE"/>
-          </a:p>
-        </p:txBody>
-      </p:sp>
-      <p:sp>
-        <p:nvSpPr>
-          <p:cNvPr id="10" name="Ellipse 9"/>
-          <p:cNvSpPr/>
-          <p:nvPr userDrawn="1"/>
-        </p:nvSpPr>
-        <p:spPr>
-          <a:xfrm>
-            <a:off x="8556600" y="1413164"/>
-            <a:ext cx="62836" cy="62836"/>
-          </a:xfrm>
-          <a:prstGeom prst="ellipse">
-            <a:avLst/>
-          </a:prstGeom>
-          <a:gradFill flip="none" rotWithShape="1">
-            <a:gsLst>
-              <a:gs pos="0">
-                <a:schemeClr val="accent4">
-                  <a:lumMod val="89000"/>
-                  <a:alpha val="79000"/>
-                </a:schemeClr>
-              </a:gs>
-              <a:gs pos="23000">
-                <a:schemeClr val="accent4">
-                  <a:lumMod val="89000"/>
-                  <a:alpha val="64000"/>
-                </a:schemeClr>
-              </a:gs>
-              <a:gs pos="69000">
-                <a:schemeClr val="accent4">
-                  <a:lumMod val="75000"/>
-                  <a:alpha val="19000"/>
-                </a:schemeClr>
-              </a:gs>
-              <a:gs pos="100000">
-                <a:schemeClr val="accent4">
-                  <a:lumMod val="70000"/>
-                  <a:alpha val="0"/>
-                </a:schemeClr>
-              </a:gs>
-            </a:gsLst>
-            <a:path path="circle">
-              <a:fillToRect l="50000" t="50000" r="50000" b="50000"/>
-            </a:path>
-            <a:tileRect/>
-          </a:gradFill>
-          <a:ln>
-            <a:noFill/>
-          </a:ln>
-        </p:spPr>
-        <p:style>
-          <a:lnRef idx="2">
-            <a:schemeClr val="accent1">
-              <a:shade val="50000"/>
-            </a:schemeClr>
-          </a:lnRef>
-          <a:fillRef idx="1">
-            <a:schemeClr val="accent1"/>
-          </a:fillRef>
-          <a:effectRef idx="0">
-            <a:schemeClr val="accent1"/>
-          </a:effectRef>
-          <a:fontRef idx="minor">
-            <a:schemeClr val="lt1"/>
-          </a:fontRef>
-        </p:style>
-        <p:txBody>
-          <a:bodyPr rtlCol="0" anchor="ctr"/>
-          <a:lstStyle/>
-          <a:p>
-            <a:pPr algn="ctr"/>
-            <a:endParaRPr lang="de-DE"/>
-          </a:p>
-        </p:txBody>
-      </p:sp>
-      <p:sp>
-        <p:nvSpPr>
-          <p:cNvPr id="11" name="Ellipse 10"/>
-          <p:cNvSpPr/>
-          <p:nvPr userDrawn="1"/>
-        </p:nvSpPr>
-        <p:spPr>
-          <a:xfrm>
-            <a:off x="5784915" y="2657247"/>
-            <a:ext cx="68835" cy="68835"/>
-          </a:xfrm>
-          <a:prstGeom prst="ellipse">
-            <a:avLst/>
-          </a:prstGeom>
-          <a:gradFill flip="none" rotWithShape="1">
-            <a:gsLst>
-              <a:gs pos="0">
-                <a:srgbClr val="FF00FF">
-                  <a:alpha val="83000"/>
-                </a:srgbClr>
-              </a:gs>
-              <a:gs pos="23000">
-                <a:srgbClr val="FF00FF">
-                  <a:alpha val="46000"/>
-                </a:srgbClr>
-              </a:gs>
-              <a:gs pos="69000">
-                <a:srgbClr val="FF00FF">
-                  <a:alpha val="20000"/>
-                  <a:lumMod val="82000"/>
-                </a:srgbClr>
-              </a:gs>
-              <a:gs pos="100000">
-                <a:srgbClr val="FF00FF">
-                  <a:lumMod val="58000"/>
-                  <a:alpha val="0"/>
-                </a:srgbClr>
-              </a:gs>
-            </a:gsLst>
-            <a:path path="circle">
-              <a:fillToRect l="50000" t="50000" r="50000" b="50000"/>
-            </a:path>
-            <a:tileRect/>
-          </a:gradFill>
-          <a:ln>
-            <a:noFill/>
-          </a:ln>
-        </p:spPr>
-        <p:style>
-          <a:lnRef idx="2">
-            <a:schemeClr val="accent1">
-              <a:shade val="50000"/>
-            </a:schemeClr>
-          </a:lnRef>
-          <a:fillRef idx="1">
-            <a:schemeClr val="accent1"/>
-          </a:fillRef>
-          <a:effectRef idx="0">
-            <a:schemeClr val="accent1"/>
-          </a:effectRef>
-          <a:fontRef idx="minor">
-            <a:schemeClr val="lt1"/>
-          </a:fontRef>
-        </p:style>
-        <p:txBody>
-          <a:bodyPr rtlCol="0" anchor="ctr"/>
-          <a:lstStyle/>
-          <a:p>
-            <a:pPr algn="ctr"/>
-            <a:endParaRPr lang="de-DE"/>
-          </a:p>
-        </p:txBody>
-      </p:sp>
-      <p:sp>
-        <p:nvSpPr>
-          <p:cNvPr id="12" name="Ellipse 11"/>
-          <p:cNvSpPr/>
-          <p:nvPr userDrawn="1"/>
-        </p:nvSpPr>
-        <p:spPr>
-          <a:xfrm>
-            <a:off x="10337865" y="5800497"/>
-            <a:ext cx="68835" cy="68835"/>
-          </a:xfrm>
-          <a:prstGeom prst="ellipse">
-            <a:avLst/>
-          </a:prstGeom>
-          <a:gradFill flip="none" rotWithShape="1">
-            <a:gsLst>
-              <a:gs pos="0">
-                <a:srgbClr val="FF00FF">
-                  <a:alpha val="83000"/>
-                </a:srgbClr>
-              </a:gs>
-              <a:gs pos="23000">
-                <a:srgbClr val="FF00FF">
-                  <a:alpha val="46000"/>
-                </a:srgbClr>
-              </a:gs>
-              <a:gs pos="69000">
-                <a:srgbClr val="FF00FF">
-                  <a:alpha val="20000"/>
-                  <a:lumMod val="82000"/>
-                </a:srgbClr>
-              </a:gs>
-              <a:gs pos="100000">
-                <a:srgbClr val="FF00FF">
-                  <a:lumMod val="58000"/>
-                  <a:alpha val="0"/>
-                </a:srgbClr>
-              </a:gs>
-            </a:gsLst>
-            <a:path path="circle">
-              <a:fillToRect l="50000" t="50000" r="50000" b="50000"/>
-            </a:path>
-            <a:tileRect/>
-          </a:gradFill>
-          <a:ln>
-            <a:noFill/>
-          </a:ln>
-        </p:spPr>
-        <p:style>
-          <a:lnRef idx="2">
-            <a:schemeClr val="accent1">
-              <a:shade val="50000"/>
-            </a:schemeClr>
-          </a:lnRef>
-          <a:fillRef idx="1">
-            <a:schemeClr val="accent1"/>
-          </a:fillRef>
-          <a:effectRef idx="0">
-            <a:schemeClr val="accent1"/>
-          </a:effectRef>
-          <a:fontRef idx="minor">
-            <a:schemeClr val="lt1"/>
-          </a:fontRef>
-        </p:style>
-        <p:txBody>
-          <a:bodyPr rtlCol="0" anchor="ctr"/>
-          <a:lstStyle/>
-          <a:p>
-            <a:pPr algn="ctr"/>
-            <a:endParaRPr lang="de-DE"/>
-          </a:p>
-        </p:txBody>
-      </p:sp>
-      <p:sp>
-        <p:nvSpPr>
-          <p:cNvPr id="13" name="Ellipse 12"/>
-          <p:cNvSpPr/>
-          <p:nvPr userDrawn="1"/>
-        </p:nvSpPr>
-        <p:spPr>
-          <a:xfrm>
-            <a:off x="2091120" y="5175657"/>
-            <a:ext cx="68835" cy="68835"/>
-          </a:xfrm>
-          <a:prstGeom prst="ellipse">
-            <a:avLst/>
-          </a:prstGeom>
-          <a:gradFill flip="none" rotWithShape="1">
-            <a:gsLst>
-              <a:gs pos="0">
-                <a:srgbClr val="FF00FF">
-                  <a:alpha val="83000"/>
-                </a:srgbClr>
-              </a:gs>
-              <a:gs pos="23000">
-                <a:srgbClr val="FF00FF">
-                  <a:alpha val="46000"/>
-                </a:srgbClr>
-              </a:gs>
-              <a:gs pos="69000">
-                <a:srgbClr val="FF00FF">
-                  <a:alpha val="20000"/>
-                  <a:lumMod val="82000"/>
-                </a:srgbClr>
-              </a:gs>
-              <a:gs pos="100000">
-                <a:srgbClr val="FF00FF">
-                  <a:lumMod val="58000"/>
-                  <a:alpha val="0"/>
-                </a:srgbClr>
-              </a:gs>
-            </a:gsLst>
-            <a:path path="circle">
-              <a:fillToRect l="50000" t="50000" r="50000" b="50000"/>
-            </a:path>
-            <a:tileRect/>
-          </a:gradFill>
-          <a:ln>
-            <a:noFill/>
-          </a:ln>
-        </p:spPr>
-        <p:style>
-          <a:lnRef idx="2">
-            <a:schemeClr val="accent1">
-              <a:shade val="50000"/>
-            </a:schemeClr>
-          </a:lnRef>
-          <a:fillRef idx="1">
-            <a:schemeClr val="accent1"/>
-          </a:fillRef>
-          <a:effectRef idx="0">
-            <a:schemeClr val="accent1"/>
-          </a:effectRef>
-          <a:fontRef idx="minor">
-            <a:schemeClr val="lt1"/>
-          </a:fontRef>
-        </p:style>
-        <p:txBody>
-          <a:bodyPr rtlCol="0" anchor="ctr"/>
-          <a:lstStyle/>
-          <a:p>
-            <a:pPr algn="ctr"/>
-            <a:endParaRPr lang="de-DE"/>
-          </a:p>
-        </p:txBody>
-      </p:sp>
-      <p:sp>
-        <p:nvSpPr>
-          <p:cNvPr id="14" name="Ellipse 13"/>
-          <p:cNvSpPr/>
-          <p:nvPr userDrawn="1"/>
-        </p:nvSpPr>
-        <p:spPr>
-          <a:xfrm>
-            <a:off x="9008175" y="5027067"/>
-            <a:ext cx="45719" cy="45719"/>
-          </a:xfrm>
-          <a:prstGeom prst="ellipse">
-            <a:avLst/>
-          </a:prstGeom>
-          <a:gradFill flip="none" rotWithShape="1">
-            <a:gsLst>
-              <a:gs pos="0">
-                <a:srgbClr val="00FFCC">
-                  <a:alpha val="77000"/>
-                </a:srgbClr>
-              </a:gs>
-              <a:gs pos="23000">
-                <a:srgbClr val="00FFCC">
-                  <a:alpha val="44000"/>
-                </a:srgbClr>
-              </a:gs>
-              <a:gs pos="70000">
-                <a:srgbClr val="00FFCC">
-                  <a:alpha val="19000"/>
-                </a:srgbClr>
-              </a:gs>
-              <a:gs pos="100000">
-                <a:srgbClr val="00FFCC">
-                  <a:alpha val="0"/>
-                </a:srgbClr>
-              </a:gs>
-            </a:gsLst>
-            <a:path path="circle">
-              <a:fillToRect l="50000" t="50000" r="50000" b="50000"/>
-            </a:path>
-            <a:tileRect/>
-          </a:gradFill>
-          <a:ln>
-            <a:noFill/>
-          </a:ln>
-        </p:spPr>
-        <p:style>
-          <a:lnRef idx="2">
-            <a:schemeClr val="accent1">
-              <a:shade val="50000"/>
-            </a:schemeClr>
-          </a:lnRef>
-          <a:fillRef idx="1">
-            <a:schemeClr val="accent1"/>
-          </a:fillRef>
-          <a:effectRef idx="0">
-            <a:schemeClr val="accent1"/>
-          </a:effectRef>
-          <a:fontRef idx="minor">
-            <a:schemeClr val="lt1"/>
-          </a:fontRef>
-        </p:style>
-        <p:txBody>
-          <a:bodyPr rtlCol="0" anchor="ctr"/>
-          <a:lstStyle/>
-          <a:p>
-            <a:pPr algn="ctr"/>
-            <a:endParaRPr lang="de-DE"/>
-          </a:p>
-        </p:txBody>
-      </p:sp>
-      <p:sp>
-        <p:nvSpPr>
-          <p:cNvPr id="15" name="Ellipse 14"/>
-          <p:cNvSpPr/>
-          <p:nvPr userDrawn="1"/>
-        </p:nvSpPr>
-        <p:spPr>
-          <a:xfrm>
-            <a:off x="7645465" y="2887140"/>
-            <a:ext cx="45719" cy="45719"/>
-          </a:xfrm>
-          <a:prstGeom prst="ellipse">
-            <a:avLst/>
-          </a:prstGeom>
-          <a:gradFill flip="none" rotWithShape="1">
-            <a:gsLst>
-              <a:gs pos="0">
-                <a:srgbClr val="00FFCC">
-                  <a:alpha val="77000"/>
-                </a:srgbClr>
-              </a:gs>
-              <a:gs pos="23000">
-                <a:srgbClr val="00FFCC">
-                  <a:alpha val="44000"/>
-                </a:srgbClr>
-              </a:gs>
-              <a:gs pos="70000">
-                <a:srgbClr val="00FFCC">
-                  <a:alpha val="19000"/>
-                </a:srgbClr>
-              </a:gs>
-              <a:gs pos="100000">
-                <a:srgbClr val="00FFCC">
-                  <a:alpha val="0"/>
-                </a:srgbClr>
-              </a:gs>
-            </a:gsLst>
-            <a:path path="circle">
-              <a:fillToRect l="50000" t="50000" r="50000" b="50000"/>
-            </a:path>
-            <a:tileRect/>
-          </a:gradFill>
-          <a:ln>
-            <a:noFill/>
-          </a:ln>
-        </p:spPr>
-        <p:style>
-          <a:lnRef idx="2">
-            <a:schemeClr val="accent1">
-              <a:shade val="50000"/>
-            </a:schemeClr>
-          </a:lnRef>
-          <a:fillRef idx="1">
-            <a:schemeClr val="accent1"/>
-          </a:fillRef>
-          <a:effectRef idx="0">
-            <a:schemeClr val="accent1"/>
-          </a:effectRef>
-          <a:fontRef idx="minor">
-            <a:schemeClr val="lt1"/>
-          </a:fontRef>
-        </p:style>
-        <p:txBody>
-          <a:bodyPr rtlCol="0" anchor="ctr"/>
-          <a:lstStyle/>
-          <a:p>
-            <a:pPr algn="ctr"/>
-            <a:endParaRPr lang="de-DE"/>
-          </a:p>
-        </p:txBody>
-      </p:sp>
-      <p:sp>
-        <p:nvSpPr>
-          <p:cNvPr id="16" name="Ellipse 15"/>
-          <p:cNvSpPr/>
-          <p:nvPr userDrawn="1"/>
-        </p:nvSpPr>
-        <p:spPr>
-          <a:xfrm>
-            <a:off x="1080000" y="1800000"/>
-            <a:ext cx="45719" cy="45719"/>
-          </a:xfrm>
-          <a:prstGeom prst="ellipse">
-            <a:avLst/>
-          </a:prstGeom>
-          <a:gradFill flip="none" rotWithShape="1">
-            <a:gsLst>
-              <a:gs pos="0">
-                <a:srgbClr val="00FFCC">
-                  <a:alpha val="77000"/>
-                </a:srgbClr>
-              </a:gs>
-              <a:gs pos="23000">
-                <a:srgbClr val="00FFCC">
-                  <a:alpha val="44000"/>
-                </a:srgbClr>
-              </a:gs>
-              <a:gs pos="70000">
-                <a:srgbClr val="00FFCC">
-                  <a:alpha val="19000"/>
-                </a:srgbClr>
-              </a:gs>
-              <a:gs pos="100000">
-                <a:srgbClr val="00FFCC">
-                  <a:alpha val="0"/>
-                </a:srgbClr>
-              </a:gs>
-            </a:gsLst>
-            <a:path path="circle">
-              <a:fillToRect l="50000" t="50000" r="50000" b="50000"/>
-            </a:path>
-            <a:tileRect/>
-          </a:gradFill>
-          <a:ln>
-            <a:noFill/>
-          </a:ln>
-        </p:spPr>
-        <p:style>
-          <a:lnRef idx="2">
-            <a:schemeClr val="accent1">
-              <a:shade val="50000"/>
-            </a:schemeClr>
-          </a:lnRef>
-          <a:fillRef idx="1">
-            <a:schemeClr val="accent1"/>
-          </a:fillRef>
-          <a:effectRef idx="0">
-            <a:schemeClr val="accent1"/>
-          </a:effectRef>
-          <a:fontRef idx="minor">
-            <a:schemeClr val="lt1"/>
-          </a:fontRef>
-        </p:style>
-        <p:txBody>
-          <a:bodyPr rtlCol="0" anchor="ctr"/>
-          <a:lstStyle/>
-          <a:p>
-            <a:pPr algn="ctr"/>
-            <a:endParaRPr lang="de-DE"/>
-          </a:p>
-        </p:txBody>
-      </p:sp>
-      <p:sp>
-        <p:nvSpPr>
-          <p:cNvPr id="17" name="Ellipse 16"/>
-          <p:cNvSpPr/>
-          <p:nvPr userDrawn="1"/>
-        </p:nvSpPr>
-        <p:spPr>
-          <a:xfrm>
-            <a:off x="4320000" y="720000"/>
-            <a:ext cx="45719" cy="45719"/>
-          </a:xfrm>
-          <a:prstGeom prst="ellipse">
-            <a:avLst/>
-          </a:prstGeom>
-          <a:gradFill flip="none" rotWithShape="1">
-            <a:gsLst>
-              <a:gs pos="0">
-                <a:srgbClr val="00FFCC">
-                  <a:alpha val="77000"/>
-                </a:srgbClr>
-              </a:gs>
-              <a:gs pos="23000">
-                <a:srgbClr val="00FFCC">
-                  <a:alpha val="44000"/>
-                </a:srgbClr>
-              </a:gs>
-              <a:gs pos="70000">
-                <a:srgbClr val="00FFCC">
-                  <a:alpha val="19000"/>
-                </a:srgbClr>
-              </a:gs>
-              <a:gs pos="100000">
-                <a:srgbClr val="00FFCC">
-                  <a:alpha val="0"/>
-                </a:srgbClr>
-              </a:gs>
-            </a:gsLst>
-            <a:path path="circle">
-              <a:fillToRect l="50000" t="50000" r="50000" b="50000"/>
-            </a:path>
-            <a:tileRect/>
-          </a:gradFill>
-          <a:ln>
-            <a:noFill/>
-          </a:ln>
-        </p:spPr>
-        <p:style>
-          <a:lnRef idx="2">
-            <a:schemeClr val="accent1">
-              <a:shade val="50000"/>
-            </a:schemeClr>
-          </a:lnRef>
-          <a:fillRef idx="1">
-            <a:schemeClr val="accent1"/>
-          </a:fillRef>
-          <a:effectRef idx="0">
-            <a:schemeClr val="accent1"/>
-          </a:effectRef>
-          <a:fontRef idx="minor">
-            <a:schemeClr val="lt1"/>
-          </a:fontRef>
-        </p:style>
-        <p:txBody>
-          <a:bodyPr rtlCol="0" anchor="ctr"/>
-          <a:lstStyle/>
-          <a:p>
-            <a:pPr algn="ctr"/>
-            <a:endParaRPr lang="de-DE"/>
-          </a:p>
-        </p:txBody>
-      </p:sp>
     </p:spTree>
     <p:extLst>
       <p:ext uri="{BB962C8B-B14F-4D97-AF65-F5344CB8AC3E}">
@@ -30190,15 +30564,16 @@
   <p:sldLayoutIdLst>
     <p:sldLayoutId id="2147483649" r:id="rId1"/>
     <p:sldLayoutId id="2147483650" r:id="rId2"/>
-    <p:sldLayoutId id="2147483651" r:id="rId3"/>
-    <p:sldLayoutId id="2147483652" r:id="rId4"/>
-    <p:sldLayoutId id="2147483653" r:id="rId5"/>
-    <p:sldLayoutId id="2147483654" r:id="rId6"/>
-    <p:sldLayoutId id="2147483655" r:id="rId7"/>
-    <p:sldLayoutId id="2147483656" r:id="rId8"/>
-    <p:sldLayoutId id="2147483657" r:id="rId9"/>
-    <p:sldLayoutId id="2147483658" r:id="rId10"/>
-    <p:sldLayoutId id="2147483659" r:id="rId11"/>
+    <p:sldLayoutId id="2147483660" r:id="rId3"/>
+    <p:sldLayoutId id="2147483651" r:id="rId4"/>
+    <p:sldLayoutId id="2147483652" r:id="rId5"/>
+    <p:sldLayoutId id="2147483653" r:id="rId6"/>
+    <p:sldLayoutId id="2147483654" r:id="rId7"/>
+    <p:sldLayoutId id="2147483655" r:id="rId8"/>
+    <p:sldLayoutId id="2147483656" r:id="rId9"/>
+    <p:sldLayoutId id="2147483657" r:id="rId10"/>
+    <p:sldLayoutId id="2147483658" r:id="rId11"/>
+    <p:sldLayoutId id="2147483659" r:id="rId12"/>
   </p:sldLayoutIdLst>
   <p:txStyles>
     <p:titleStyle>
@@ -30524,7 +30899,7 @@
           <a:p>
             <a:r>
               <a:rPr lang="de-DE" dirty="0" err="1"/>
-              <a:t>Resync</a:t>
+              <a:t>ReSync</a:t>
             </a:r>
             <a:endParaRPr lang="de-DE" dirty="0"/>
           </a:p>
@@ -30546,7 +30921,12 @@
             <p:ph type="subTitle" idx="1"/>
           </p:nvPr>
         </p:nvSpPr>
-        <p:spPr/>
+        <p:spPr>
+          <a:xfrm>
+            <a:off x="3684530" y="3602038"/>
+            <a:ext cx="4822940" cy="462658"/>
+          </a:xfrm>
+        </p:spPr>
         <p:txBody>
           <a:bodyPr>
             <a:normAutofit/>
@@ -30557,6 +30937,1232 @@
               <a:rPr lang="de-DE" sz="1800" dirty="0"/>
               <a:t>Die Überführung ins Bewusstsein</a:t>
             </a:r>
+          </a:p>
+        </p:txBody>
+      </p:sp>
+      <p:sp>
+        <p:nvSpPr>
+          <p:cNvPr id="4" name="Ellipse 3">
+            <a:extLst>
+              <a:ext uri="{FF2B5EF4-FFF2-40B4-BE49-F238E27FC236}">
+                <a16:creationId xmlns:a16="http://schemas.microsoft.com/office/drawing/2014/main" id="{1A645762-413A-449F-974F-D912709954CD}"/>
+              </a:ext>
+            </a:extLst>
+          </p:cNvPr>
+          <p:cNvSpPr/>
+          <p:nvPr/>
+        </p:nvSpPr>
+        <p:spPr>
+          <a:xfrm>
+            <a:off x="10808400" y="2802000"/>
+            <a:ext cx="108000" cy="108000"/>
+          </a:xfrm>
+          <a:prstGeom prst="ellipse">
+            <a:avLst/>
+          </a:prstGeom>
+          <a:gradFill flip="none" rotWithShape="1">
+            <a:gsLst>
+              <a:gs pos="0">
+                <a:schemeClr val="accent4">
+                  <a:lumMod val="89000"/>
+                  <a:alpha val="79000"/>
+                </a:schemeClr>
+              </a:gs>
+              <a:gs pos="23000">
+                <a:schemeClr val="accent4">
+                  <a:lumMod val="89000"/>
+                  <a:alpha val="64000"/>
+                </a:schemeClr>
+              </a:gs>
+              <a:gs pos="69000">
+                <a:schemeClr val="accent4">
+                  <a:lumMod val="75000"/>
+                  <a:alpha val="19000"/>
+                </a:schemeClr>
+              </a:gs>
+              <a:gs pos="100000">
+                <a:schemeClr val="accent4">
+                  <a:lumMod val="70000"/>
+                  <a:alpha val="0"/>
+                </a:schemeClr>
+              </a:gs>
+            </a:gsLst>
+            <a:path path="circle">
+              <a:fillToRect l="50000" t="50000" r="50000" b="50000"/>
+            </a:path>
+            <a:tileRect/>
+          </a:gradFill>
+          <a:ln>
+            <a:noFill/>
+          </a:ln>
+        </p:spPr>
+        <p:style>
+          <a:lnRef idx="2">
+            <a:schemeClr val="accent1">
+              <a:shade val="50000"/>
+            </a:schemeClr>
+          </a:lnRef>
+          <a:fillRef idx="1">
+            <a:schemeClr val="accent1"/>
+          </a:fillRef>
+          <a:effectRef idx="0">
+            <a:schemeClr val="accent1"/>
+          </a:effectRef>
+          <a:fontRef idx="minor">
+            <a:schemeClr val="lt1"/>
+          </a:fontRef>
+        </p:style>
+        <p:txBody>
+          <a:bodyPr rtlCol="0" anchor="ctr"/>
+          <a:lstStyle/>
+          <a:p>
+            <a:pPr algn="ctr"/>
+            <a:endParaRPr lang="de-DE"/>
+          </a:p>
+        </p:txBody>
+      </p:sp>
+      <p:sp>
+        <p:nvSpPr>
+          <p:cNvPr id="5" name="Ellipse 4">
+            <a:extLst>
+              <a:ext uri="{FF2B5EF4-FFF2-40B4-BE49-F238E27FC236}">
+                <a16:creationId xmlns:a16="http://schemas.microsoft.com/office/drawing/2014/main" id="{1A2190B4-A5E8-49A3-B498-F4E011C12A7C}"/>
+              </a:ext>
+            </a:extLst>
+          </p:cNvPr>
+          <p:cNvSpPr/>
+          <p:nvPr/>
+        </p:nvSpPr>
+        <p:spPr>
+          <a:xfrm>
+            <a:off x="2745608" y="5754778"/>
+            <a:ext cx="45719" cy="45719"/>
+          </a:xfrm>
+          <a:prstGeom prst="ellipse">
+            <a:avLst/>
+          </a:prstGeom>
+          <a:gradFill flip="none" rotWithShape="1">
+            <a:gsLst>
+              <a:gs pos="0">
+                <a:schemeClr val="accent4">
+                  <a:lumMod val="89000"/>
+                  <a:alpha val="79000"/>
+                </a:schemeClr>
+              </a:gs>
+              <a:gs pos="23000">
+                <a:schemeClr val="accent4">
+                  <a:lumMod val="89000"/>
+                  <a:alpha val="64000"/>
+                </a:schemeClr>
+              </a:gs>
+              <a:gs pos="69000">
+                <a:schemeClr val="accent4">
+                  <a:lumMod val="75000"/>
+                  <a:alpha val="19000"/>
+                </a:schemeClr>
+              </a:gs>
+              <a:gs pos="100000">
+                <a:schemeClr val="accent4">
+                  <a:lumMod val="70000"/>
+                  <a:alpha val="0"/>
+                </a:schemeClr>
+              </a:gs>
+            </a:gsLst>
+            <a:path path="circle">
+              <a:fillToRect l="50000" t="50000" r="50000" b="50000"/>
+            </a:path>
+            <a:tileRect/>
+          </a:gradFill>
+          <a:ln>
+            <a:noFill/>
+          </a:ln>
+        </p:spPr>
+        <p:style>
+          <a:lnRef idx="2">
+            <a:schemeClr val="accent1">
+              <a:shade val="50000"/>
+            </a:schemeClr>
+          </a:lnRef>
+          <a:fillRef idx="1">
+            <a:schemeClr val="accent1"/>
+          </a:fillRef>
+          <a:effectRef idx="0">
+            <a:schemeClr val="accent1"/>
+          </a:effectRef>
+          <a:fontRef idx="minor">
+            <a:schemeClr val="lt1"/>
+          </a:fontRef>
+        </p:style>
+        <p:txBody>
+          <a:bodyPr rtlCol="0" anchor="ctr"/>
+          <a:lstStyle/>
+          <a:p>
+            <a:pPr algn="ctr"/>
+            <a:endParaRPr lang="de-DE"/>
+          </a:p>
+        </p:txBody>
+      </p:sp>
+      <p:sp>
+        <p:nvSpPr>
+          <p:cNvPr id="7" name="Ellipse 6">
+            <a:extLst>
+              <a:ext uri="{FF2B5EF4-FFF2-40B4-BE49-F238E27FC236}">
+                <a16:creationId xmlns:a16="http://schemas.microsoft.com/office/drawing/2014/main" id="{FDEA465C-EC31-4FCA-B0FC-5ED4D19F0BF4}"/>
+              </a:ext>
+            </a:extLst>
+          </p:cNvPr>
+          <p:cNvSpPr/>
+          <p:nvPr/>
+        </p:nvSpPr>
+        <p:spPr>
+          <a:xfrm>
+            <a:off x="8556600" y="1413164"/>
+            <a:ext cx="62836" cy="62836"/>
+          </a:xfrm>
+          <a:prstGeom prst="ellipse">
+            <a:avLst/>
+          </a:prstGeom>
+          <a:gradFill flip="none" rotWithShape="1">
+            <a:gsLst>
+              <a:gs pos="0">
+                <a:schemeClr val="accent4">
+                  <a:lumMod val="89000"/>
+                  <a:alpha val="79000"/>
+                </a:schemeClr>
+              </a:gs>
+              <a:gs pos="23000">
+                <a:schemeClr val="accent4">
+                  <a:lumMod val="89000"/>
+                  <a:alpha val="64000"/>
+                </a:schemeClr>
+              </a:gs>
+              <a:gs pos="69000">
+                <a:schemeClr val="accent4">
+                  <a:lumMod val="75000"/>
+                  <a:alpha val="19000"/>
+                </a:schemeClr>
+              </a:gs>
+              <a:gs pos="100000">
+                <a:schemeClr val="accent4">
+                  <a:lumMod val="70000"/>
+                  <a:alpha val="0"/>
+                </a:schemeClr>
+              </a:gs>
+            </a:gsLst>
+            <a:path path="circle">
+              <a:fillToRect l="50000" t="50000" r="50000" b="50000"/>
+            </a:path>
+            <a:tileRect/>
+          </a:gradFill>
+          <a:ln>
+            <a:noFill/>
+          </a:ln>
+        </p:spPr>
+        <p:style>
+          <a:lnRef idx="2">
+            <a:schemeClr val="accent1">
+              <a:shade val="50000"/>
+            </a:schemeClr>
+          </a:lnRef>
+          <a:fillRef idx="1">
+            <a:schemeClr val="accent1"/>
+          </a:fillRef>
+          <a:effectRef idx="0">
+            <a:schemeClr val="accent1"/>
+          </a:effectRef>
+          <a:fontRef idx="minor">
+            <a:schemeClr val="lt1"/>
+          </a:fontRef>
+        </p:style>
+        <p:txBody>
+          <a:bodyPr rtlCol="0" anchor="ctr"/>
+          <a:lstStyle/>
+          <a:p>
+            <a:pPr algn="ctr"/>
+            <a:endParaRPr lang="de-DE"/>
+          </a:p>
+        </p:txBody>
+      </p:sp>
+      <p:sp>
+        <p:nvSpPr>
+          <p:cNvPr id="8" name="Ellipse 7">
+            <a:extLst>
+              <a:ext uri="{FF2B5EF4-FFF2-40B4-BE49-F238E27FC236}">
+                <a16:creationId xmlns:a16="http://schemas.microsoft.com/office/drawing/2014/main" id="{5AEA21E5-9CE6-442E-B032-99A6ACA8A0AC}"/>
+              </a:ext>
+            </a:extLst>
+          </p:cNvPr>
+          <p:cNvSpPr/>
+          <p:nvPr/>
+        </p:nvSpPr>
+        <p:spPr>
+          <a:xfrm>
+            <a:off x="5784915" y="2657247"/>
+            <a:ext cx="68835" cy="68835"/>
+          </a:xfrm>
+          <a:prstGeom prst="ellipse">
+            <a:avLst/>
+          </a:prstGeom>
+          <a:gradFill flip="none" rotWithShape="1">
+            <a:gsLst>
+              <a:gs pos="0">
+                <a:srgbClr val="FF00FF">
+                  <a:alpha val="83000"/>
+                </a:srgbClr>
+              </a:gs>
+              <a:gs pos="23000">
+                <a:srgbClr val="FF00FF">
+                  <a:alpha val="46000"/>
+                </a:srgbClr>
+              </a:gs>
+              <a:gs pos="69000">
+                <a:srgbClr val="FF00FF">
+                  <a:alpha val="20000"/>
+                  <a:lumMod val="82000"/>
+                </a:srgbClr>
+              </a:gs>
+              <a:gs pos="100000">
+                <a:srgbClr val="FF00FF">
+                  <a:lumMod val="58000"/>
+                  <a:alpha val="0"/>
+                </a:srgbClr>
+              </a:gs>
+            </a:gsLst>
+            <a:path path="circle">
+              <a:fillToRect l="50000" t="50000" r="50000" b="50000"/>
+            </a:path>
+            <a:tileRect/>
+          </a:gradFill>
+          <a:ln>
+            <a:noFill/>
+          </a:ln>
+        </p:spPr>
+        <p:style>
+          <a:lnRef idx="2">
+            <a:schemeClr val="accent1">
+              <a:shade val="50000"/>
+            </a:schemeClr>
+          </a:lnRef>
+          <a:fillRef idx="1">
+            <a:schemeClr val="accent1"/>
+          </a:fillRef>
+          <a:effectRef idx="0">
+            <a:schemeClr val="accent1"/>
+          </a:effectRef>
+          <a:fontRef idx="minor">
+            <a:schemeClr val="lt1"/>
+          </a:fontRef>
+        </p:style>
+        <p:txBody>
+          <a:bodyPr rtlCol="0" anchor="ctr"/>
+          <a:lstStyle/>
+          <a:p>
+            <a:pPr algn="ctr"/>
+            <a:endParaRPr lang="de-DE"/>
+          </a:p>
+        </p:txBody>
+      </p:sp>
+      <p:sp>
+        <p:nvSpPr>
+          <p:cNvPr id="9" name="Ellipse 8">
+            <a:extLst>
+              <a:ext uri="{FF2B5EF4-FFF2-40B4-BE49-F238E27FC236}">
+                <a16:creationId xmlns:a16="http://schemas.microsoft.com/office/drawing/2014/main" id="{EC87AAB1-5BD3-4D6D-9DEE-561F99C350E2}"/>
+              </a:ext>
+            </a:extLst>
+          </p:cNvPr>
+          <p:cNvSpPr/>
+          <p:nvPr/>
+        </p:nvSpPr>
+        <p:spPr>
+          <a:xfrm>
+            <a:off x="10337865" y="5800497"/>
+            <a:ext cx="68835" cy="68835"/>
+          </a:xfrm>
+          <a:prstGeom prst="ellipse">
+            <a:avLst/>
+          </a:prstGeom>
+          <a:gradFill flip="none" rotWithShape="1">
+            <a:gsLst>
+              <a:gs pos="0">
+                <a:srgbClr val="FF00FF">
+                  <a:alpha val="83000"/>
+                </a:srgbClr>
+              </a:gs>
+              <a:gs pos="23000">
+                <a:srgbClr val="FF00FF">
+                  <a:alpha val="46000"/>
+                </a:srgbClr>
+              </a:gs>
+              <a:gs pos="69000">
+                <a:srgbClr val="FF00FF">
+                  <a:alpha val="20000"/>
+                  <a:lumMod val="82000"/>
+                </a:srgbClr>
+              </a:gs>
+              <a:gs pos="100000">
+                <a:srgbClr val="FF00FF">
+                  <a:lumMod val="58000"/>
+                  <a:alpha val="0"/>
+                </a:srgbClr>
+              </a:gs>
+            </a:gsLst>
+            <a:path path="circle">
+              <a:fillToRect l="50000" t="50000" r="50000" b="50000"/>
+            </a:path>
+            <a:tileRect/>
+          </a:gradFill>
+          <a:ln>
+            <a:noFill/>
+          </a:ln>
+        </p:spPr>
+        <p:style>
+          <a:lnRef idx="2">
+            <a:schemeClr val="accent1">
+              <a:shade val="50000"/>
+            </a:schemeClr>
+          </a:lnRef>
+          <a:fillRef idx="1">
+            <a:schemeClr val="accent1"/>
+          </a:fillRef>
+          <a:effectRef idx="0">
+            <a:schemeClr val="accent1"/>
+          </a:effectRef>
+          <a:fontRef idx="minor">
+            <a:schemeClr val="lt1"/>
+          </a:fontRef>
+        </p:style>
+        <p:txBody>
+          <a:bodyPr rtlCol="0" anchor="ctr"/>
+          <a:lstStyle/>
+          <a:p>
+            <a:pPr algn="ctr"/>
+            <a:endParaRPr lang="de-DE"/>
+          </a:p>
+        </p:txBody>
+      </p:sp>
+      <p:sp>
+        <p:nvSpPr>
+          <p:cNvPr id="10" name="Ellipse 9">
+            <a:extLst>
+              <a:ext uri="{FF2B5EF4-FFF2-40B4-BE49-F238E27FC236}">
+                <a16:creationId xmlns:a16="http://schemas.microsoft.com/office/drawing/2014/main" id="{024E8F53-0C5B-47DE-8FE0-97473A25D5A2}"/>
+              </a:ext>
+            </a:extLst>
+          </p:cNvPr>
+          <p:cNvSpPr/>
+          <p:nvPr/>
+        </p:nvSpPr>
+        <p:spPr>
+          <a:xfrm>
+            <a:off x="2091120" y="5175657"/>
+            <a:ext cx="68835" cy="68835"/>
+          </a:xfrm>
+          <a:prstGeom prst="ellipse">
+            <a:avLst/>
+          </a:prstGeom>
+          <a:gradFill flip="none" rotWithShape="1">
+            <a:gsLst>
+              <a:gs pos="0">
+                <a:srgbClr val="FF00FF">
+                  <a:alpha val="83000"/>
+                </a:srgbClr>
+              </a:gs>
+              <a:gs pos="23000">
+                <a:srgbClr val="FF00FF">
+                  <a:alpha val="46000"/>
+                </a:srgbClr>
+              </a:gs>
+              <a:gs pos="69000">
+                <a:srgbClr val="FF00FF">
+                  <a:alpha val="20000"/>
+                  <a:lumMod val="82000"/>
+                </a:srgbClr>
+              </a:gs>
+              <a:gs pos="100000">
+                <a:srgbClr val="FF00FF">
+                  <a:lumMod val="58000"/>
+                  <a:alpha val="0"/>
+                </a:srgbClr>
+              </a:gs>
+            </a:gsLst>
+            <a:path path="circle">
+              <a:fillToRect l="50000" t="50000" r="50000" b="50000"/>
+            </a:path>
+            <a:tileRect/>
+          </a:gradFill>
+          <a:ln>
+            <a:noFill/>
+          </a:ln>
+        </p:spPr>
+        <p:style>
+          <a:lnRef idx="2">
+            <a:schemeClr val="accent1">
+              <a:shade val="50000"/>
+            </a:schemeClr>
+          </a:lnRef>
+          <a:fillRef idx="1">
+            <a:schemeClr val="accent1"/>
+          </a:fillRef>
+          <a:effectRef idx="0">
+            <a:schemeClr val="accent1"/>
+          </a:effectRef>
+          <a:fontRef idx="minor">
+            <a:schemeClr val="lt1"/>
+          </a:fontRef>
+        </p:style>
+        <p:txBody>
+          <a:bodyPr rtlCol="0" anchor="ctr"/>
+          <a:lstStyle/>
+          <a:p>
+            <a:pPr algn="ctr"/>
+            <a:endParaRPr lang="de-DE"/>
+          </a:p>
+        </p:txBody>
+      </p:sp>
+      <p:sp>
+        <p:nvSpPr>
+          <p:cNvPr id="11" name="Ellipse 10">
+            <a:extLst>
+              <a:ext uri="{FF2B5EF4-FFF2-40B4-BE49-F238E27FC236}">
+                <a16:creationId xmlns:a16="http://schemas.microsoft.com/office/drawing/2014/main" id="{EE38639E-176F-49A9-A182-68296C9E24F6}"/>
+              </a:ext>
+            </a:extLst>
+          </p:cNvPr>
+          <p:cNvSpPr/>
+          <p:nvPr/>
+        </p:nvSpPr>
+        <p:spPr>
+          <a:xfrm>
+            <a:off x="9008175" y="5027067"/>
+            <a:ext cx="45719" cy="45719"/>
+          </a:xfrm>
+          <a:prstGeom prst="ellipse">
+            <a:avLst/>
+          </a:prstGeom>
+          <a:gradFill flip="none" rotWithShape="1">
+            <a:gsLst>
+              <a:gs pos="0">
+                <a:srgbClr val="00FFCC">
+                  <a:alpha val="77000"/>
+                </a:srgbClr>
+              </a:gs>
+              <a:gs pos="23000">
+                <a:srgbClr val="00FFCC">
+                  <a:alpha val="44000"/>
+                </a:srgbClr>
+              </a:gs>
+              <a:gs pos="70000">
+                <a:srgbClr val="00FFCC">
+                  <a:alpha val="19000"/>
+                </a:srgbClr>
+              </a:gs>
+              <a:gs pos="100000">
+                <a:srgbClr val="00FFCC">
+                  <a:alpha val="0"/>
+                </a:srgbClr>
+              </a:gs>
+            </a:gsLst>
+            <a:path path="circle">
+              <a:fillToRect l="50000" t="50000" r="50000" b="50000"/>
+            </a:path>
+            <a:tileRect/>
+          </a:gradFill>
+          <a:ln>
+            <a:noFill/>
+          </a:ln>
+        </p:spPr>
+        <p:style>
+          <a:lnRef idx="2">
+            <a:schemeClr val="accent1">
+              <a:shade val="50000"/>
+            </a:schemeClr>
+          </a:lnRef>
+          <a:fillRef idx="1">
+            <a:schemeClr val="accent1"/>
+          </a:fillRef>
+          <a:effectRef idx="0">
+            <a:schemeClr val="accent1"/>
+          </a:effectRef>
+          <a:fontRef idx="minor">
+            <a:schemeClr val="lt1"/>
+          </a:fontRef>
+        </p:style>
+        <p:txBody>
+          <a:bodyPr rtlCol="0" anchor="ctr"/>
+          <a:lstStyle/>
+          <a:p>
+            <a:pPr algn="ctr"/>
+            <a:endParaRPr lang="de-DE"/>
+          </a:p>
+        </p:txBody>
+      </p:sp>
+      <p:sp>
+        <p:nvSpPr>
+          <p:cNvPr id="12" name="Ellipse 11">
+            <a:extLst>
+              <a:ext uri="{FF2B5EF4-FFF2-40B4-BE49-F238E27FC236}">
+                <a16:creationId xmlns:a16="http://schemas.microsoft.com/office/drawing/2014/main" id="{B988B5F4-1F73-414C-BC3F-250119418D00}"/>
+              </a:ext>
+            </a:extLst>
+          </p:cNvPr>
+          <p:cNvSpPr/>
+          <p:nvPr/>
+        </p:nvSpPr>
+        <p:spPr>
+          <a:xfrm>
+            <a:off x="7645465" y="2887140"/>
+            <a:ext cx="45719" cy="45719"/>
+          </a:xfrm>
+          <a:prstGeom prst="ellipse">
+            <a:avLst/>
+          </a:prstGeom>
+          <a:gradFill flip="none" rotWithShape="1">
+            <a:gsLst>
+              <a:gs pos="0">
+                <a:srgbClr val="00FFCC">
+                  <a:alpha val="77000"/>
+                </a:srgbClr>
+              </a:gs>
+              <a:gs pos="23000">
+                <a:srgbClr val="00FFCC">
+                  <a:alpha val="44000"/>
+                </a:srgbClr>
+              </a:gs>
+              <a:gs pos="70000">
+                <a:srgbClr val="00FFCC">
+                  <a:alpha val="19000"/>
+                </a:srgbClr>
+              </a:gs>
+              <a:gs pos="100000">
+                <a:srgbClr val="00FFCC">
+                  <a:alpha val="0"/>
+                </a:srgbClr>
+              </a:gs>
+            </a:gsLst>
+            <a:path path="circle">
+              <a:fillToRect l="50000" t="50000" r="50000" b="50000"/>
+            </a:path>
+            <a:tileRect/>
+          </a:gradFill>
+          <a:ln>
+            <a:noFill/>
+          </a:ln>
+        </p:spPr>
+        <p:style>
+          <a:lnRef idx="2">
+            <a:schemeClr val="accent1">
+              <a:shade val="50000"/>
+            </a:schemeClr>
+          </a:lnRef>
+          <a:fillRef idx="1">
+            <a:schemeClr val="accent1"/>
+          </a:fillRef>
+          <a:effectRef idx="0">
+            <a:schemeClr val="accent1"/>
+          </a:effectRef>
+          <a:fontRef idx="minor">
+            <a:schemeClr val="lt1"/>
+          </a:fontRef>
+        </p:style>
+        <p:txBody>
+          <a:bodyPr rtlCol="0" anchor="ctr"/>
+          <a:lstStyle/>
+          <a:p>
+            <a:pPr algn="ctr"/>
+            <a:endParaRPr lang="de-DE"/>
+          </a:p>
+        </p:txBody>
+      </p:sp>
+      <p:sp>
+        <p:nvSpPr>
+          <p:cNvPr id="13" name="Ellipse 12">
+            <a:extLst>
+              <a:ext uri="{FF2B5EF4-FFF2-40B4-BE49-F238E27FC236}">
+                <a16:creationId xmlns:a16="http://schemas.microsoft.com/office/drawing/2014/main" id="{1943CEEB-56A2-4473-9516-56CBB3FB2432}"/>
+              </a:ext>
+            </a:extLst>
+          </p:cNvPr>
+          <p:cNvSpPr/>
+          <p:nvPr/>
+        </p:nvSpPr>
+        <p:spPr>
+          <a:xfrm>
+            <a:off x="1080000" y="1800000"/>
+            <a:ext cx="45719" cy="45719"/>
+          </a:xfrm>
+          <a:prstGeom prst="ellipse">
+            <a:avLst/>
+          </a:prstGeom>
+          <a:gradFill flip="none" rotWithShape="1">
+            <a:gsLst>
+              <a:gs pos="0">
+                <a:srgbClr val="00FFCC">
+                  <a:alpha val="77000"/>
+                </a:srgbClr>
+              </a:gs>
+              <a:gs pos="23000">
+                <a:srgbClr val="00FFCC">
+                  <a:alpha val="44000"/>
+                </a:srgbClr>
+              </a:gs>
+              <a:gs pos="70000">
+                <a:srgbClr val="00FFCC">
+                  <a:alpha val="19000"/>
+                </a:srgbClr>
+              </a:gs>
+              <a:gs pos="100000">
+                <a:srgbClr val="00FFCC">
+                  <a:alpha val="0"/>
+                </a:srgbClr>
+              </a:gs>
+            </a:gsLst>
+            <a:path path="circle">
+              <a:fillToRect l="50000" t="50000" r="50000" b="50000"/>
+            </a:path>
+            <a:tileRect/>
+          </a:gradFill>
+          <a:ln>
+            <a:noFill/>
+          </a:ln>
+        </p:spPr>
+        <p:style>
+          <a:lnRef idx="2">
+            <a:schemeClr val="accent1">
+              <a:shade val="50000"/>
+            </a:schemeClr>
+          </a:lnRef>
+          <a:fillRef idx="1">
+            <a:schemeClr val="accent1"/>
+          </a:fillRef>
+          <a:effectRef idx="0">
+            <a:schemeClr val="accent1"/>
+          </a:effectRef>
+          <a:fontRef idx="minor">
+            <a:schemeClr val="lt1"/>
+          </a:fontRef>
+        </p:style>
+        <p:txBody>
+          <a:bodyPr rtlCol="0" anchor="ctr"/>
+          <a:lstStyle/>
+          <a:p>
+            <a:pPr algn="ctr"/>
+            <a:endParaRPr lang="de-DE"/>
+          </a:p>
+        </p:txBody>
+      </p:sp>
+      <p:sp>
+        <p:nvSpPr>
+          <p:cNvPr id="14" name="Ellipse 13">
+            <a:extLst>
+              <a:ext uri="{FF2B5EF4-FFF2-40B4-BE49-F238E27FC236}">
+                <a16:creationId xmlns:a16="http://schemas.microsoft.com/office/drawing/2014/main" id="{BB5364AD-4748-4B0A-8646-083BD9401933}"/>
+              </a:ext>
+            </a:extLst>
+          </p:cNvPr>
+          <p:cNvSpPr/>
+          <p:nvPr/>
+        </p:nvSpPr>
+        <p:spPr>
+          <a:xfrm>
+            <a:off x="4320000" y="720000"/>
+            <a:ext cx="45719" cy="45719"/>
+          </a:xfrm>
+          <a:prstGeom prst="ellipse">
+            <a:avLst/>
+          </a:prstGeom>
+          <a:gradFill flip="none" rotWithShape="1">
+            <a:gsLst>
+              <a:gs pos="0">
+                <a:srgbClr val="00FFCC">
+                  <a:alpha val="77000"/>
+                </a:srgbClr>
+              </a:gs>
+              <a:gs pos="23000">
+                <a:srgbClr val="00FFCC">
+                  <a:alpha val="44000"/>
+                </a:srgbClr>
+              </a:gs>
+              <a:gs pos="70000">
+                <a:srgbClr val="00FFCC">
+                  <a:alpha val="19000"/>
+                </a:srgbClr>
+              </a:gs>
+              <a:gs pos="100000">
+                <a:srgbClr val="00FFCC">
+                  <a:alpha val="0"/>
+                </a:srgbClr>
+              </a:gs>
+            </a:gsLst>
+            <a:path path="circle">
+              <a:fillToRect l="50000" t="50000" r="50000" b="50000"/>
+            </a:path>
+            <a:tileRect/>
+          </a:gradFill>
+          <a:ln>
+            <a:noFill/>
+          </a:ln>
+        </p:spPr>
+        <p:style>
+          <a:lnRef idx="2">
+            <a:schemeClr val="accent1">
+              <a:shade val="50000"/>
+            </a:schemeClr>
+          </a:lnRef>
+          <a:fillRef idx="1">
+            <a:schemeClr val="accent1"/>
+          </a:fillRef>
+          <a:effectRef idx="0">
+            <a:schemeClr val="accent1"/>
+          </a:effectRef>
+          <a:fontRef idx="minor">
+            <a:schemeClr val="lt1"/>
+          </a:fontRef>
+        </p:style>
+        <p:txBody>
+          <a:bodyPr rtlCol="0" anchor="ctr"/>
+          <a:lstStyle/>
+          <a:p>
+            <a:pPr algn="ctr"/>
+            <a:endParaRPr lang="de-DE"/>
+          </a:p>
+        </p:txBody>
+      </p:sp>
+      <p:sp>
+        <p:nvSpPr>
+          <p:cNvPr id="15" name="Untertitel 5">
+            <a:extLst>
+              <a:ext uri="{FF2B5EF4-FFF2-40B4-BE49-F238E27FC236}">
+                <a16:creationId xmlns:a16="http://schemas.microsoft.com/office/drawing/2014/main" id="{A5348520-17DF-4218-99BD-1206C2AC3064}"/>
+              </a:ext>
+            </a:extLst>
+          </p:cNvPr>
+          <p:cNvSpPr txBox="1">
+            <a:spLocks/>
+          </p:cNvSpPr>
+          <p:nvPr/>
+        </p:nvSpPr>
+        <p:spPr>
+          <a:xfrm>
+            <a:off x="144029" y="5244492"/>
+            <a:ext cx="4822940" cy="1357811"/>
+          </a:xfrm>
+          <a:prstGeom prst="rect">
+            <a:avLst/>
+          </a:prstGeom>
+        </p:spPr>
+        <p:txBody>
+          <a:bodyPr vert="horz" lIns="91440" tIns="45720" rIns="91440" bIns="45720" rtlCol="0">
+            <a:normAutofit/>
+          </a:bodyPr>
+          <a:lstStyle>
+            <a:lvl1pPr marL="0" indent="0" algn="ctr" defTabSz="914400" rtl="0" eaLnBrk="1" latinLnBrk="0" hangingPunct="1">
+              <a:lnSpc>
+                <a:spcPct val="90000"/>
+              </a:lnSpc>
+              <a:spcBef>
+                <a:spcPts val="1000"/>
+              </a:spcBef>
+              <a:buFont typeface="Futura Lt BT" panose="020B0402020204020303" pitchFamily="34" charset="0"/>
+              <a:buNone/>
+              <a:defRPr sz="2400" kern="1200">
+                <a:solidFill>
+                  <a:srgbClr val="E8DDCB"/>
+                </a:solidFill>
+                <a:latin typeface="Futura Lt BT" panose="020B0402020204020303" pitchFamily="34" charset="0"/>
+                <a:ea typeface="+mn-ea"/>
+                <a:cs typeface="+mn-cs"/>
+              </a:defRPr>
+            </a:lvl1pPr>
+            <a:lvl2pPr marL="457200" indent="0" algn="ctr" defTabSz="914400" rtl="0" eaLnBrk="1" latinLnBrk="0" hangingPunct="1">
+              <a:lnSpc>
+                <a:spcPct val="90000"/>
+              </a:lnSpc>
+              <a:spcBef>
+                <a:spcPts val="500"/>
+              </a:spcBef>
+              <a:buFont typeface="Futura Lt BT" panose="020B0402020204020303" pitchFamily="34" charset="0"/>
+              <a:buNone/>
+              <a:defRPr sz="2000" kern="1200">
+                <a:solidFill>
+                  <a:srgbClr val="E8DDCB"/>
+                </a:solidFill>
+                <a:latin typeface="Futura Lt BT" panose="020B0402020204020303" pitchFamily="34" charset="0"/>
+                <a:ea typeface="+mn-ea"/>
+                <a:cs typeface="+mn-cs"/>
+              </a:defRPr>
+            </a:lvl2pPr>
+            <a:lvl3pPr marL="914400" indent="0" algn="ctr" defTabSz="914400" rtl="0" eaLnBrk="1" latinLnBrk="0" hangingPunct="1">
+              <a:lnSpc>
+                <a:spcPct val="90000"/>
+              </a:lnSpc>
+              <a:spcBef>
+                <a:spcPts val="500"/>
+              </a:spcBef>
+              <a:buFont typeface="Futura Lt BT" panose="020B0402020204020303" pitchFamily="34" charset="0"/>
+              <a:buNone/>
+              <a:defRPr sz="1800" kern="1200">
+                <a:solidFill>
+                  <a:srgbClr val="E8DDCB"/>
+                </a:solidFill>
+                <a:latin typeface="Futura Lt BT" panose="020B0402020204020303" pitchFamily="34" charset="0"/>
+                <a:ea typeface="+mn-ea"/>
+                <a:cs typeface="+mn-cs"/>
+              </a:defRPr>
+            </a:lvl3pPr>
+            <a:lvl4pPr marL="1371600" indent="0" algn="ctr" defTabSz="914400" rtl="0" eaLnBrk="1" latinLnBrk="0" hangingPunct="1">
+              <a:lnSpc>
+                <a:spcPct val="90000"/>
+              </a:lnSpc>
+              <a:spcBef>
+                <a:spcPts val="500"/>
+              </a:spcBef>
+              <a:buFont typeface="Futura Lt BT" panose="020B0402020204020303" pitchFamily="34" charset="0"/>
+              <a:buNone/>
+              <a:defRPr sz="1600" kern="1200">
+                <a:solidFill>
+                  <a:srgbClr val="E8DDCB"/>
+                </a:solidFill>
+                <a:latin typeface="Futura Lt BT" panose="020B0402020204020303" pitchFamily="34" charset="0"/>
+                <a:ea typeface="+mn-ea"/>
+                <a:cs typeface="+mn-cs"/>
+              </a:defRPr>
+            </a:lvl4pPr>
+            <a:lvl5pPr marL="1828800" indent="0" algn="ctr" defTabSz="914400" rtl="0" eaLnBrk="1" latinLnBrk="0" hangingPunct="1">
+              <a:lnSpc>
+                <a:spcPct val="90000"/>
+              </a:lnSpc>
+              <a:spcBef>
+                <a:spcPts val="500"/>
+              </a:spcBef>
+              <a:buFont typeface="Futura Lt BT" panose="020B0402020204020303" pitchFamily="34" charset="0"/>
+              <a:buNone/>
+              <a:defRPr sz="1600" kern="1200">
+                <a:solidFill>
+                  <a:srgbClr val="E8DDCB"/>
+                </a:solidFill>
+                <a:latin typeface="Futura Lt BT" panose="020B0402020204020303" pitchFamily="34" charset="0"/>
+                <a:ea typeface="+mn-ea"/>
+                <a:cs typeface="+mn-cs"/>
+              </a:defRPr>
+            </a:lvl5pPr>
+            <a:lvl6pPr marL="2286000" indent="0" algn="ctr" defTabSz="914400" rtl="0" eaLnBrk="1" latinLnBrk="0" hangingPunct="1">
+              <a:lnSpc>
+                <a:spcPct val="90000"/>
+              </a:lnSpc>
+              <a:spcBef>
+                <a:spcPts val="500"/>
+              </a:spcBef>
+              <a:buFont typeface="Arial" panose="020B0604020202020204" pitchFamily="34" charset="0"/>
+              <a:buNone/>
+              <a:defRPr sz="1600" kern="1200">
+                <a:solidFill>
+                  <a:schemeClr val="tx1"/>
+                </a:solidFill>
+                <a:latin typeface="+mn-lt"/>
+                <a:ea typeface="+mn-ea"/>
+                <a:cs typeface="+mn-cs"/>
+              </a:defRPr>
+            </a:lvl6pPr>
+            <a:lvl7pPr marL="2743200" indent="0" algn="ctr" defTabSz="914400" rtl="0" eaLnBrk="1" latinLnBrk="0" hangingPunct="1">
+              <a:lnSpc>
+                <a:spcPct val="90000"/>
+              </a:lnSpc>
+              <a:spcBef>
+                <a:spcPts val="500"/>
+              </a:spcBef>
+              <a:buFont typeface="Arial" panose="020B0604020202020204" pitchFamily="34" charset="0"/>
+              <a:buNone/>
+              <a:defRPr sz="1600" kern="1200">
+                <a:solidFill>
+                  <a:schemeClr val="tx1"/>
+                </a:solidFill>
+                <a:latin typeface="+mn-lt"/>
+                <a:ea typeface="+mn-ea"/>
+                <a:cs typeface="+mn-cs"/>
+              </a:defRPr>
+            </a:lvl7pPr>
+            <a:lvl8pPr marL="3200400" indent="0" algn="ctr" defTabSz="914400" rtl="0" eaLnBrk="1" latinLnBrk="0" hangingPunct="1">
+              <a:lnSpc>
+                <a:spcPct val="90000"/>
+              </a:lnSpc>
+              <a:spcBef>
+                <a:spcPts val="500"/>
+              </a:spcBef>
+              <a:buFont typeface="Arial" panose="020B0604020202020204" pitchFamily="34" charset="0"/>
+              <a:buNone/>
+              <a:defRPr sz="1600" kern="1200">
+                <a:solidFill>
+                  <a:schemeClr val="tx1"/>
+                </a:solidFill>
+                <a:latin typeface="+mn-lt"/>
+                <a:ea typeface="+mn-ea"/>
+                <a:cs typeface="+mn-cs"/>
+              </a:defRPr>
+            </a:lvl8pPr>
+            <a:lvl9pPr marL="3657600" indent="0" algn="ctr" defTabSz="914400" rtl="0" eaLnBrk="1" latinLnBrk="0" hangingPunct="1">
+              <a:lnSpc>
+                <a:spcPct val="90000"/>
+              </a:lnSpc>
+              <a:spcBef>
+                <a:spcPts val="500"/>
+              </a:spcBef>
+              <a:buFont typeface="Arial" panose="020B0604020202020204" pitchFamily="34" charset="0"/>
+              <a:buNone/>
+              <a:defRPr sz="1600" kern="1200">
+                <a:solidFill>
+                  <a:schemeClr val="tx1"/>
+                </a:solidFill>
+                <a:latin typeface="+mn-lt"/>
+                <a:ea typeface="+mn-ea"/>
+                <a:cs typeface="+mn-cs"/>
+              </a:defRPr>
+            </a:lvl9pPr>
+          </a:lstStyle>
+          <a:p>
+            <a:pPr algn="l"/>
+            <a:r>
+              <a:rPr lang="de-DE" sz="1600" b="1" dirty="0"/>
+              <a:t>Anwendungsfach MCI – Universität Ulm</a:t>
+            </a:r>
+          </a:p>
+          <a:p>
+            <a:pPr algn="l"/>
+            <a:r>
+              <a:rPr lang="de-DE" sz="1600" dirty="0"/>
+              <a:t>Böhm, Sabrina</a:t>
+            </a:r>
+          </a:p>
+          <a:p>
+            <a:pPr algn="l"/>
+            <a:r>
+              <a:rPr lang="de-DE" sz="1600" dirty="0"/>
+              <a:t>Porta, Luca</a:t>
+            </a:r>
+          </a:p>
+          <a:p>
+            <a:pPr algn="l"/>
+            <a:r>
+              <a:rPr lang="de-DE" sz="1600" dirty="0"/>
+              <a:t>Lahmann, Tobias</a:t>
+            </a:r>
+          </a:p>
+          <a:p>
+            <a:pPr algn="l"/>
+            <a:endParaRPr lang="de-DE" sz="1600" dirty="0"/>
+          </a:p>
+        </p:txBody>
+      </p:sp>
+      <p:sp>
+        <p:nvSpPr>
+          <p:cNvPr id="16" name="Untertitel 5">
+            <a:extLst>
+              <a:ext uri="{FF2B5EF4-FFF2-40B4-BE49-F238E27FC236}">
+                <a16:creationId xmlns:a16="http://schemas.microsoft.com/office/drawing/2014/main" id="{D4835072-67BA-4E14-A7BE-C1CE5C3A1E72}"/>
+              </a:ext>
+            </a:extLst>
+          </p:cNvPr>
+          <p:cNvSpPr txBox="1">
+            <a:spLocks/>
+          </p:cNvSpPr>
+          <p:nvPr/>
+        </p:nvSpPr>
+        <p:spPr>
+          <a:xfrm>
+            <a:off x="7034922" y="5244491"/>
+            <a:ext cx="4822940" cy="1357811"/>
+          </a:xfrm>
+          <a:prstGeom prst="rect">
+            <a:avLst/>
+          </a:prstGeom>
+        </p:spPr>
+        <p:txBody>
+          <a:bodyPr vert="horz" lIns="91440" tIns="45720" rIns="91440" bIns="45720" rtlCol="0">
+            <a:normAutofit/>
+          </a:bodyPr>
+          <a:lstStyle>
+            <a:lvl1pPr marL="0" indent="0" algn="ctr" defTabSz="914400" rtl="0" eaLnBrk="1" latinLnBrk="0" hangingPunct="1">
+              <a:lnSpc>
+                <a:spcPct val="90000"/>
+              </a:lnSpc>
+              <a:spcBef>
+                <a:spcPts val="1000"/>
+              </a:spcBef>
+              <a:buFont typeface="Futura Lt BT" panose="020B0402020204020303" pitchFamily="34" charset="0"/>
+              <a:buNone/>
+              <a:defRPr sz="2400" kern="1200">
+                <a:solidFill>
+                  <a:srgbClr val="E8DDCB"/>
+                </a:solidFill>
+                <a:latin typeface="Futura Lt BT" panose="020B0402020204020303" pitchFamily="34" charset="0"/>
+                <a:ea typeface="+mn-ea"/>
+                <a:cs typeface="+mn-cs"/>
+              </a:defRPr>
+            </a:lvl1pPr>
+            <a:lvl2pPr marL="457200" indent="0" algn="ctr" defTabSz="914400" rtl="0" eaLnBrk="1" latinLnBrk="0" hangingPunct="1">
+              <a:lnSpc>
+                <a:spcPct val="90000"/>
+              </a:lnSpc>
+              <a:spcBef>
+                <a:spcPts val="500"/>
+              </a:spcBef>
+              <a:buFont typeface="Futura Lt BT" panose="020B0402020204020303" pitchFamily="34" charset="0"/>
+              <a:buNone/>
+              <a:defRPr sz="2000" kern="1200">
+                <a:solidFill>
+                  <a:srgbClr val="E8DDCB"/>
+                </a:solidFill>
+                <a:latin typeface="Futura Lt BT" panose="020B0402020204020303" pitchFamily="34" charset="0"/>
+                <a:ea typeface="+mn-ea"/>
+                <a:cs typeface="+mn-cs"/>
+              </a:defRPr>
+            </a:lvl2pPr>
+            <a:lvl3pPr marL="914400" indent="0" algn="ctr" defTabSz="914400" rtl="0" eaLnBrk="1" latinLnBrk="0" hangingPunct="1">
+              <a:lnSpc>
+                <a:spcPct val="90000"/>
+              </a:lnSpc>
+              <a:spcBef>
+                <a:spcPts val="500"/>
+              </a:spcBef>
+              <a:buFont typeface="Futura Lt BT" panose="020B0402020204020303" pitchFamily="34" charset="0"/>
+              <a:buNone/>
+              <a:defRPr sz="1800" kern="1200">
+                <a:solidFill>
+                  <a:srgbClr val="E8DDCB"/>
+                </a:solidFill>
+                <a:latin typeface="Futura Lt BT" panose="020B0402020204020303" pitchFamily="34" charset="0"/>
+                <a:ea typeface="+mn-ea"/>
+                <a:cs typeface="+mn-cs"/>
+              </a:defRPr>
+            </a:lvl3pPr>
+            <a:lvl4pPr marL="1371600" indent="0" algn="ctr" defTabSz="914400" rtl="0" eaLnBrk="1" latinLnBrk="0" hangingPunct="1">
+              <a:lnSpc>
+                <a:spcPct val="90000"/>
+              </a:lnSpc>
+              <a:spcBef>
+                <a:spcPts val="500"/>
+              </a:spcBef>
+              <a:buFont typeface="Futura Lt BT" panose="020B0402020204020303" pitchFamily="34" charset="0"/>
+              <a:buNone/>
+              <a:defRPr sz="1600" kern="1200">
+                <a:solidFill>
+                  <a:srgbClr val="E8DDCB"/>
+                </a:solidFill>
+                <a:latin typeface="Futura Lt BT" panose="020B0402020204020303" pitchFamily="34" charset="0"/>
+                <a:ea typeface="+mn-ea"/>
+                <a:cs typeface="+mn-cs"/>
+              </a:defRPr>
+            </a:lvl4pPr>
+            <a:lvl5pPr marL="1828800" indent="0" algn="ctr" defTabSz="914400" rtl="0" eaLnBrk="1" latinLnBrk="0" hangingPunct="1">
+              <a:lnSpc>
+                <a:spcPct val="90000"/>
+              </a:lnSpc>
+              <a:spcBef>
+                <a:spcPts val="500"/>
+              </a:spcBef>
+              <a:buFont typeface="Futura Lt BT" panose="020B0402020204020303" pitchFamily="34" charset="0"/>
+              <a:buNone/>
+              <a:defRPr sz="1600" kern="1200">
+                <a:solidFill>
+                  <a:srgbClr val="E8DDCB"/>
+                </a:solidFill>
+                <a:latin typeface="Futura Lt BT" panose="020B0402020204020303" pitchFamily="34" charset="0"/>
+                <a:ea typeface="+mn-ea"/>
+                <a:cs typeface="+mn-cs"/>
+              </a:defRPr>
+            </a:lvl5pPr>
+            <a:lvl6pPr marL="2286000" indent="0" algn="ctr" defTabSz="914400" rtl="0" eaLnBrk="1" latinLnBrk="0" hangingPunct="1">
+              <a:lnSpc>
+                <a:spcPct val="90000"/>
+              </a:lnSpc>
+              <a:spcBef>
+                <a:spcPts val="500"/>
+              </a:spcBef>
+              <a:buFont typeface="Arial" panose="020B0604020202020204" pitchFamily="34" charset="0"/>
+              <a:buNone/>
+              <a:defRPr sz="1600" kern="1200">
+                <a:solidFill>
+                  <a:schemeClr val="tx1"/>
+                </a:solidFill>
+                <a:latin typeface="+mn-lt"/>
+                <a:ea typeface="+mn-ea"/>
+                <a:cs typeface="+mn-cs"/>
+              </a:defRPr>
+            </a:lvl6pPr>
+            <a:lvl7pPr marL="2743200" indent="0" algn="ctr" defTabSz="914400" rtl="0" eaLnBrk="1" latinLnBrk="0" hangingPunct="1">
+              <a:lnSpc>
+                <a:spcPct val="90000"/>
+              </a:lnSpc>
+              <a:spcBef>
+                <a:spcPts val="500"/>
+              </a:spcBef>
+              <a:buFont typeface="Arial" panose="020B0604020202020204" pitchFamily="34" charset="0"/>
+              <a:buNone/>
+              <a:defRPr sz="1600" kern="1200">
+                <a:solidFill>
+                  <a:schemeClr val="tx1"/>
+                </a:solidFill>
+                <a:latin typeface="+mn-lt"/>
+                <a:ea typeface="+mn-ea"/>
+                <a:cs typeface="+mn-cs"/>
+              </a:defRPr>
+            </a:lvl7pPr>
+            <a:lvl8pPr marL="3200400" indent="0" algn="ctr" defTabSz="914400" rtl="0" eaLnBrk="1" latinLnBrk="0" hangingPunct="1">
+              <a:lnSpc>
+                <a:spcPct val="90000"/>
+              </a:lnSpc>
+              <a:spcBef>
+                <a:spcPts val="500"/>
+              </a:spcBef>
+              <a:buFont typeface="Arial" panose="020B0604020202020204" pitchFamily="34" charset="0"/>
+              <a:buNone/>
+              <a:defRPr sz="1600" kern="1200">
+                <a:solidFill>
+                  <a:schemeClr val="tx1"/>
+                </a:solidFill>
+                <a:latin typeface="+mn-lt"/>
+                <a:ea typeface="+mn-ea"/>
+                <a:cs typeface="+mn-cs"/>
+              </a:defRPr>
+            </a:lvl8pPr>
+            <a:lvl9pPr marL="3657600" indent="0" algn="ctr" defTabSz="914400" rtl="0" eaLnBrk="1" latinLnBrk="0" hangingPunct="1">
+              <a:lnSpc>
+                <a:spcPct val="90000"/>
+              </a:lnSpc>
+              <a:spcBef>
+                <a:spcPts val="500"/>
+              </a:spcBef>
+              <a:buFont typeface="Arial" panose="020B0604020202020204" pitchFamily="34" charset="0"/>
+              <a:buNone/>
+              <a:defRPr sz="1600" kern="1200">
+                <a:solidFill>
+                  <a:schemeClr val="tx1"/>
+                </a:solidFill>
+                <a:latin typeface="+mn-lt"/>
+                <a:ea typeface="+mn-ea"/>
+                <a:cs typeface="+mn-cs"/>
+              </a:defRPr>
+            </a:lvl9pPr>
+          </a:lstStyle>
+          <a:p>
+            <a:pPr algn="r"/>
+            <a:endParaRPr lang="de-DE" sz="1600" b="1" dirty="0"/>
+          </a:p>
+          <a:p>
+            <a:pPr algn="r"/>
+            <a:endParaRPr lang="de-DE" sz="1600" b="1" dirty="0"/>
+          </a:p>
+          <a:p>
+            <a:pPr algn="r"/>
+            <a:endParaRPr lang="de-DE" sz="1600" b="1" dirty="0"/>
+          </a:p>
+          <a:p>
+            <a:pPr algn="r"/>
+            <a:r>
+              <a:rPr lang="de-DE" sz="1600" b="1" dirty="0"/>
+              <a:t>21.01.2020</a:t>
+            </a:r>
+            <a:endParaRPr lang="de-DE" sz="1600" dirty="0"/>
           </a:p>
         </p:txBody>
       </p:sp>
@@ -30611,32 +32217,13 @@
             </a:r>
             <a:r>
               <a:rPr lang="de-DE" sz="2400" dirty="0"/>
-              <a:t>(4/4) </a:t>
+              <a:t>(4/4)</a:t>
             </a:r>
-            <a:r>
-              <a:rPr lang="de-DE" sz="2400" dirty="0">
-                <a:solidFill>
-                  <a:srgbClr val="FF0000"/>
-                </a:solidFill>
-              </a:rPr>
-              <a:t>das hier vielleicht rausmachen weil eh </a:t>
-            </a:r>
-            <a:r>
-              <a:rPr lang="de-DE" sz="2400" dirty="0" err="1">
-                <a:solidFill>
-                  <a:srgbClr val="FF0000"/>
-                </a:solidFill>
-              </a:rPr>
-              <a:t>video</a:t>
-            </a:r>
-            <a:r>
-              <a:rPr lang="de-DE" sz="2400" dirty="0">
-                <a:solidFill>
-                  <a:srgbClr val="FF0000"/>
-                </a:solidFill>
-              </a:rPr>
-              <a:t>?</a:t>
-            </a:r>
+            <a:endParaRPr lang="de-DE" sz="2400" dirty="0">
+              <a:solidFill>
+                <a:srgbClr val="FF0000"/>
+              </a:solidFill>
+            </a:endParaRPr>
           </a:p>
         </p:txBody>
       </p:sp>
@@ -30685,14 +32272,13 @@
               </a:ext>
             </a:extLst>
           </a:blip>
-          <a:stretch>
-            <a:fillRect/>
-          </a:stretch>
+          <a:srcRect/>
+          <a:stretch/>
         </p:blipFill>
         <p:spPr>
           <a:xfrm>
             <a:off x="5971945" y="1481294"/>
-            <a:ext cx="3970481" cy="2520000"/>
+            <a:ext cx="3970481" cy="2519999"/>
           </a:xfrm>
           <a:prstGeom prst="rect">
             <a:avLst/>
@@ -30715,20 +32301,622 @@
               </a:ext>
             </a:extLst>
           </a:blip>
-          <a:stretch>
-            <a:fillRect/>
-          </a:stretch>
+          <a:srcRect/>
+          <a:stretch/>
         </p:blipFill>
         <p:spPr>
           <a:xfrm>
-            <a:off x="1927432" y="4088130"/>
-            <a:ext cx="3970481" cy="2520000"/>
+            <a:off x="3948735" y="4088130"/>
+            <a:ext cx="3970481" cy="2519999"/>
           </a:xfrm>
           <a:prstGeom prst="rect">
             <a:avLst/>
           </a:prstGeom>
         </p:spPr>
       </p:pic>
+      <p:sp>
+        <p:nvSpPr>
+          <p:cNvPr id="7" name="Untertitel 5">
+            <a:extLst>
+              <a:ext uri="{FF2B5EF4-FFF2-40B4-BE49-F238E27FC236}">
+                <a16:creationId xmlns:a16="http://schemas.microsoft.com/office/drawing/2014/main" id="{1E04E7B7-A20B-4882-92A0-4920961F7E50}"/>
+              </a:ext>
+            </a:extLst>
+          </p:cNvPr>
+          <p:cNvSpPr txBox="1">
+            <a:spLocks/>
+          </p:cNvSpPr>
+          <p:nvPr/>
+        </p:nvSpPr>
+        <p:spPr>
+          <a:xfrm>
+            <a:off x="1889854" y="3731984"/>
+            <a:ext cx="2742156" cy="288099"/>
+          </a:xfrm>
+          <a:prstGeom prst="rect">
+            <a:avLst/>
+          </a:prstGeom>
+        </p:spPr>
+        <p:txBody>
+          <a:bodyPr vert="horz" lIns="91440" tIns="45720" rIns="91440" bIns="45720" rtlCol="0">
+            <a:normAutofit/>
+          </a:bodyPr>
+          <a:lstStyle>
+            <a:lvl1pPr marL="0" indent="0" algn="ctr" defTabSz="914400" rtl="0" eaLnBrk="1" latinLnBrk="0" hangingPunct="1">
+              <a:lnSpc>
+                <a:spcPct val="90000"/>
+              </a:lnSpc>
+              <a:spcBef>
+                <a:spcPts val="1000"/>
+              </a:spcBef>
+              <a:buFont typeface="Futura Lt BT" panose="020B0402020204020303" pitchFamily="34" charset="0"/>
+              <a:buNone/>
+              <a:defRPr sz="2400" kern="1200">
+                <a:solidFill>
+                  <a:srgbClr val="E8DDCB"/>
+                </a:solidFill>
+                <a:latin typeface="Futura Lt BT" panose="020B0402020204020303" pitchFamily="34" charset="0"/>
+                <a:ea typeface="+mn-ea"/>
+                <a:cs typeface="+mn-cs"/>
+              </a:defRPr>
+            </a:lvl1pPr>
+            <a:lvl2pPr marL="457200" indent="0" algn="ctr" defTabSz="914400" rtl="0" eaLnBrk="1" latinLnBrk="0" hangingPunct="1">
+              <a:lnSpc>
+                <a:spcPct val="90000"/>
+              </a:lnSpc>
+              <a:spcBef>
+                <a:spcPts val="500"/>
+              </a:spcBef>
+              <a:buFont typeface="Futura Lt BT" panose="020B0402020204020303" pitchFamily="34" charset="0"/>
+              <a:buNone/>
+              <a:defRPr sz="2000" kern="1200">
+                <a:solidFill>
+                  <a:srgbClr val="E8DDCB"/>
+                </a:solidFill>
+                <a:latin typeface="Futura Lt BT" panose="020B0402020204020303" pitchFamily="34" charset="0"/>
+                <a:ea typeface="+mn-ea"/>
+                <a:cs typeface="+mn-cs"/>
+              </a:defRPr>
+            </a:lvl2pPr>
+            <a:lvl3pPr marL="914400" indent="0" algn="ctr" defTabSz="914400" rtl="0" eaLnBrk="1" latinLnBrk="0" hangingPunct="1">
+              <a:lnSpc>
+                <a:spcPct val="90000"/>
+              </a:lnSpc>
+              <a:spcBef>
+                <a:spcPts val="500"/>
+              </a:spcBef>
+              <a:buFont typeface="Futura Lt BT" panose="020B0402020204020303" pitchFamily="34" charset="0"/>
+              <a:buNone/>
+              <a:defRPr sz="1800" kern="1200">
+                <a:solidFill>
+                  <a:srgbClr val="E8DDCB"/>
+                </a:solidFill>
+                <a:latin typeface="Futura Lt BT" panose="020B0402020204020303" pitchFamily="34" charset="0"/>
+                <a:ea typeface="+mn-ea"/>
+                <a:cs typeface="+mn-cs"/>
+              </a:defRPr>
+            </a:lvl3pPr>
+            <a:lvl4pPr marL="1371600" indent="0" algn="ctr" defTabSz="914400" rtl="0" eaLnBrk="1" latinLnBrk="0" hangingPunct="1">
+              <a:lnSpc>
+                <a:spcPct val="90000"/>
+              </a:lnSpc>
+              <a:spcBef>
+                <a:spcPts val="500"/>
+              </a:spcBef>
+              <a:buFont typeface="Futura Lt BT" panose="020B0402020204020303" pitchFamily="34" charset="0"/>
+              <a:buNone/>
+              <a:defRPr sz="1600" kern="1200">
+                <a:solidFill>
+                  <a:srgbClr val="E8DDCB"/>
+                </a:solidFill>
+                <a:latin typeface="Futura Lt BT" panose="020B0402020204020303" pitchFamily="34" charset="0"/>
+                <a:ea typeface="+mn-ea"/>
+                <a:cs typeface="+mn-cs"/>
+              </a:defRPr>
+            </a:lvl4pPr>
+            <a:lvl5pPr marL="1828800" indent="0" algn="ctr" defTabSz="914400" rtl="0" eaLnBrk="1" latinLnBrk="0" hangingPunct="1">
+              <a:lnSpc>
+                <a:spcPct val="90000"/>
+              </a:lnSpc>
+              <a:spcBef>
+                <a:spcPts val="500"/>
+              </a:spcBef>
+              <a:buFont typeface="Futura Lt BT" panose="020B0402020204020303" pitchFamily="34" charset="0"/>
+              <a:buNone/>
+              <a:defRPr sz="1600" kern="1200">
+                <a:solidFill>
+                  <a:srgbClr val="E8DDCB"/>
+                </a:solidFill>
+                <a:latin typeface="Futura Lt BT" panose="020B0402020204020303" pitchFamily="34" charset="0"/>
+                <a:ea typeface="+mn-ea"/>
+                <a:cs typeface="+mn-cs"/>
+              </a:defRPr>
+            </a:lvl5pPr>
+            <a:lvl6pPr marL="2286000" indent="0" algn="ctr" defTabSz="914400" rtl="0" eaLnBrk="1" latinLnBrk="0" hangingPunct="1">
+              <a:lnSpc>
+                <a:spcPct val="90000"/>
+              </a:lnSpc>
+              <a:spcBef>
+                <a:spcPts val="500"/>
+              </a:spcBef>
+              <a:buFont typeface="Arial" panose="020B0604020202020204" pitchFamily="34" charset="0"/>
+              <a:buNone/>
+              <a:defRPr sz="1600" kern="1200">
+                <a:solidFill>
+                  <a:schemeClr val="tx1"/>
+                </a:solidFill>
+                <a:latin typeface="+mn-lt"/>
+                <a:ea typeface="+mn-ea"/>
+                <a:cs typeface="+mn-cs"/>
+              </a:defRPr>
+            </a:lvl6pPr>
+            <a:lvl7pPr marL="2743200" indent="0" algn="ctr" defTabSz="914400" rtl="0" eaLnBrk="1" latinLnBrk="0" hangingPunct="1">
+              <a:lnSpc>
+                <a:spcPct val="90000"/>
+              </a:lnSpc>
+              <a:spcBef>
+                <a:spcPts val="500"/>
+              </a:spcBef>
+              <a:buFont typeface="Arial" panose="020B0604020202020204" pitchFamily="34" charset="0"/>
+              <a:buNone/>
+              <a:defRPr sz="1600" kern="1200">
+                <a:solidFill>
+                  <a:schemeClr val="tx1"/>
+                </a:solidFill>
+                <a:latin typeface="+mn-lt"/>
+                <a:ea typeface="+mn-ea"/>
+                <a:cs typeface="+mn-cs"/>
+              </a:defRPr>
+            </a:lvl7pPr>
+            <a:lvl8pPr marL="3200400" indent="0" algn="ctr" defTabSz="914400" rtl="0" eaLnBrk="1" latinLnBrk="0" hangingPunct="1">
+              <a:lnSpc>
+                <a:spcPct val="90000"/>
+              </a:lnSpc>
+              <a:spcBef>
+                <a:spcPts val="500"/>
+              </a:spcBef>
+              <a:buFont typeface="Arial" panose="020B0604020202020204" pitchFamily="34" charset="0"/>
+              <a:buNone/>
+              <a:defRPr sz="1600" kern="1200">
+                <a:solidFill>
+                  <a:schemeClr val="tx1"/>
+                </a:solidFill>
+                <a:latin typeface="+mn-lt"/>
+                <a:ea typeface="+mn-ea"/>
+                <a:cs typeface="+mn-cs"/>
+              </a:defRPr>
+            </a:lvl8pPr>
+            <a:lvl9pPr marL="3657600" indent="0" algn="ctr" defTabSz="914400" rtl="0" eaLnBrk="1" latinLnBrk="0" hangingPunct="1">
+              <a:lnSpc>
+                <a:spcPct val="90000"/>
+              </a:lnSpc>
+              <a:spcBef>
+                <a:spcPts val="500"/>
+              </a:spcBef>
+              <a:buFont typeface="Arial" panose="020B0604020202020204" pitchFamily="34" charset="0"/>
+              <a:buNone/>
+              <a:defRPr sz="1600" kern="1200">
+                <a:solidFill>
+                  <a:schemeClr val="tx1"/>
+                </a:solidFill>
+                <a:latin typeface="+mn-lt"/>
+                <a:ea typeface="+mn-ea"/>
+                <a:cs typeface="+mn-cs"/>
+              </a:defRPr>
+            </a:lvl9pPr>
+          </a:lstStyle>
+          <a:p>
+            <a:pPr algn="l"/>
+            <a:r>
+              <a:rPr lang="de-DE" sz="1400" b="1" dirty="0"/>
+              <a:t>VR Umgebung – Aufgabe 1</a:t>
+            </a:r>
+            <a:endParaRPr lang="de-DE" sz="1400" dirty="0"/>
+          </a:p>
+        </p:txBody>
+      </p:sp>
+      <p:sp>
+        <p:nvSpPr>
+          <p:cNvPr id="8" name="Untertitel 5">
+            <a:extLst>
+              <a:ext uri="{FF2B5EF4-FFF2-40B4-BE49-F238E27FC236}">
+                <a16:creationId xmlns:a16="http://schemas.microsoft.com/office/drawing/2014/main" id="{0E23E563-DFC7-4E85-A292-3E5CBFB5B91C}"/>
+              </a:ext>
+            </a:extLst>
+          </p:cNvPr>
+          <p:cNvSpPr txBox="1">
+            <a:spLocks/>
+          </p:cNvSpPr>
+          <p:nvPr/>
+        </p:nvSpPr>
+        <p:spPr>
+          <a:xfrm>
+            <a:off x="3912672" y="6320031"/>
+            <a:ext cx="2742156" cy="288099"/>
+          </a:xfrm>
+          <a:prstGeom prst="rect">
+            <a:avLst/>
+          </a:prstGeom>
+        </p:spPr>
+        <p:txBody>
+          <a:bodyPr vert="horz" lIns="91440" tIns="45720" rIns="91440" bIns="45720" rtlCol="0">
+            <a:normAutofit/>
+          </a:bodyPr>
+          <a:lstStyle>
+            <a:lvl1pPr marL="0" indent="0" algn="ctr" defTabSz="914400" rtl="0" eaLnBrk="1" latinLnBrk="0" hangingPunct="1">
+              <a:lnSpc>
+                <a:spcPct val="90000"/>
+              </a:lnSpc>
+              <a:spcBef>
+                <a:spcPts val="1000"/>
+              </a:spcBef>
+              <a:buFont typeface="Futura Lt BT" panose="020B0402020204020303" pitchFamily="34" charset="0"/>
+              <a:buNone/>
+              <a:defRPr sz="2400" kern="1200">
+                <a:solidFill>
+                  <a:srgbClr val="E8DDCB"/>
+                </a:solidFill>
+                <a:latin typeface="Futura Lt BT" panose="020B0402020204020303" pitchFamily="34" charset="0"/>
+                <a:ea typeface="+mn-ea"/>
+                <a:cs typeface="+mn-cs"/>
+              </a:defRPr>
+            </a:lvl1pPr>
+            <a:lvl2pPr marL="457200" indent="0" algn="ctr" defTabSz="914400" rtl="0" eaLnBrk="1" latinLnBrk="0" hangingPunct="1">
+              <a:lnSpc>
+                <a:spcPct val="90000"/>
+              </a:lnSpc>
+              <a:spcBef>
+                <a:spcPts val="500"/>
+              </a:spcBef>
+              <a:buFont typeface="Futura Lt BT" panose="020B0402020204020303" pitchFamily="34" charset="0"/>
+              <a:buNone/>
+              <a:defRPr sz="2000" kern="1200">
+                <a:solidFill>
+                  <a:srgbClr val="E8DDCB"/>
+                </a:solidFill>
+                <a:latin typeface="Futura Lt BT" panose="020B0402020204020303" pitchFamily="34" charset="0"/>
+                <a:ea typeface="+mn-ea"/>
+                <a:cs typeface="+mn-cs"/>
+              </a:defRPr>
+            </a:lvl2pPr>
+            <a:lvl3pPr marL="914400" indent="0" algn="ctr" defTabSz="914400" rtl="0" eaLnBrk="1" latinLnBrk="0" hangingPunct="1">
+              <a:lnSpc>
+                <a:spcPct val="90000"/>
+              </a:lnSpc>
+              <a:spcBef>
+                <a:spcPts val="500"/>
+              </a:spcBef>
+              <a:buFont typeface="Futura Lt BT" panose="020B0402020204020303" pitchFamily="34" charset="0"/>
+              <a:buNone/>
+              <a:defRPr sz="1800" kern="1200">
+                <a:solidFill>
+                  <a:srgbClr val="E8DDCB"/>
+                </a:solidFill>
+                <a:latin typeface="Futura Lt BT" panose="020B0402020204020303" pitchFamily="34" charset="0"/>
+                <a:ea typeface="+mn-ea"/>
+                <a:cs typeface="+mn-cs"/>
+              </a:defRPr>
+            </a:lvl3pPr>
+            <a:lvl4pPr marL="1371600" indent="0" algn="ctr" defTabSz="914400" rtl="0" eaLnBrk="1" latinLnBrk="0" hangingPunct="1">
+              <a:lnSpc>
+                <a:spcPct val="90000"/>
+              </a:lnSpc>
+              <a:spcBef>
+                <a:spcPts val="500"/>
+              </a:spcBef>
+              <a:buFont typeface="Futura Lt BT" panose="020B0402020204020303" pitchFamily="34" charset="0"/>
+              <a:buNone/>
+              <a:defRPr sz="1600" kern="1200">
+                <a:solidFill>
+                  <a:srgbClr val="E8DDCB"/>
+                </a:solidFill>
+                <a:latin typeface="Futura Lt BT" panose="020B0402020204020303" pitchFamily="34" charset="0"/>
+                <a:ea typeface="+mn-ea"/>
+                <a:cs typeface="+mn-cs"/>
+              </a:defRPr>
+            </a:lvl4pPr>
+            <a:lvl5pPr marL="1828800" indent="0" algn="ctr" defTabSz="914400" rtl="0" eaLnBrk="1" latinLnBrk="0" hangingPunct="1">
+              <a:lnSpc>
+                <a:spcPct val="90000"/>
+              </a:lnSpc>
+              <a:spcBef>
+                <a:spcPts val="500"/>
+              </a:spcBef>
+              <a:buFont typeface="Futura Lt BT" panose="020B0402020204020303" pitchFamily="34" charset="0"/>
+              <a:buNone/>
+              <a:defRPr sz="1600" kern="1200">
+                <a:solidFill>
+                  <a:srgbClr val="E8DDCB"/>
+                </a:solidFill>
+                <a:latin typeface="Futura Lt BT" panose="020B0402020204020303" pitchFamily="34" charset="0"/>
+                <a:ea typeface="+mn-ea"/>
+                <a:cs typeface="+mn-cs"/>
+              </a:defRPr>
+            </a:lvl5pPr>
+            <a:lvl6pPr marL="2286000" indent="0" algn="ctr" defTabSz="914400" rtl="0" eaLnBrk="1" latinLnBrk="0" hangingPunct="1">
+              <a:lnSpc>
+                <a:spcPct val="90000"/>
+              </a:lnSpc>
+              <a:spcBef>
+                <a:spcPts val="500"/>
+              </a:spcBef>
+              <a:buFont typeface="Arial" panose="020B0604020202020204" pitchFamily="34" charset="0"/>
+              <a:buNone/>
+              <a:defRPr sz="1600" kern="1200">
+                <a:solidFill>
+                  <a:schemeClr val="tx1"/>
+                </a:solidFill>
+                <a:latin typeface="+mn-lt"/>
+                <a:ea typeface="+mn-ea"/>
+                <a:cs typeface="+mn-cs"/>
+              </a:defRPr>
+            </a:lvl6pPr>
+            <a:lvl7pPr marL="2743200" indent="0" algn="ctr" defTabSz="914400" rtl="0" eaLnBrk="1" latinLnBrk="0" hangingPunct="1">
+              <a:lnSpc>
+                <a:spcPct val="90000"/>
+              </a:lnSpc>
+              <a:spcBef>
+                <a:spcPts val="500"/>
+              </a:spcBef>
+              <a:buFont typeface="Arial" panose="020B0604020202020204" pitchFamily="34" charset="0"/>
+              <a:buNone/>
+              <a:defRPr sz="1600" kern="1200">
+                <a:solidFill>
+                  <a:schemeClr val="tx1"/>
+                </a:solidFill>
+                <a:latin typeface="+mn-lt"/>
+                <a:ea typeface="+mn-ea"/>
+                <a:cs typeface="+mn-cs"/>
+              </a:defRPr>
+            </a:lvl7pPr>
+            <a:lvl8pPr marL="3200400" indent="0" algn="ctr" defTabSz="914400" rtl="0" eaLnBrk="1" latinLnBrk="0" hangingPunct="1">
+              <a:lnSpc>
+                <a:spcPct val="90000"/>
+              </a:lnSpc>
+              <a:spcBef>
+                <a:spcPts val="500"/>
+              </a:spcBef>
+              <a:buFont typeface="Arial" panose="020B0604020202020204" pitchFamily="34" charset="0"/>
+              <a:buNone/>
+              <a:defRPr sz="1600" kern="1200">
+                <a:solidFill>
+                  <a:schemeClr val="tx1"/>
+                </a:solidFill>
+                <a:latin typeface="+mn-lt"/>
+                <a:ea typeface="+mn-ea"/>
+                <a:cs typeface="+mn-cs"/>
+              </a:defRPr>
+            </a:lvl8pPr>
+            <a:lvl9pPr marL="3657600" indent="0" algn="ctr" defTabSz="914400" rtl="0" eaLnBrk="1" latinLnBrk="0" hangingPunct="1">
+              <a:lnSpc>
+                <a:spcPct val="90000"/>
+              </a:lnSpc>
+              <a:spcBef>
+                <a:spcPts val="500"/>
+              </a:spcBef>
+              <a:buFont typeface="Arial" panose="020B0604020202020204" pitchFamily="34" charset="0"/>
+              <a:buNone/>
+              <a:defRPr sz="1600" kern="1200">
+                <a:solidFill>
+                  <a:schemeClr val="tx1"/>
+                </a:solidFill>
+                <a:latin typeface="+mn-lt"/>
+                <a:ea typeface="+mn-ea"/>
+                <a:cs typeface="+mn-cs"/>
+              </a:defRPr>
+            </a:lvl9pPr>
+          </a:lstStyle>
+          <a:p>
+            <a:pPr algn="l"/>
+            <a:r>
+              <a:rPr lang="de-DE" sz="1400" b="1" dirty="0"/>
+              <a:t>VR Umgebung – Aufgabe 3</a:t>
+            </a:r>
+            <a:endParaRPr lang="de-DE" sz="1400" dirty="0"/>
+          </a:p>
+        </p:txBody>
+      </p:sp>
+      <p:sp>
+        <p:nvSpPr>
+          <p:cNvPr id="9" name="Untertitel 5">
+            <a:extLst>
+              <a:ext uri="{FF2B5EF4-FFF2-40B4-BE49-F238E27FC236}">
+                <a16:creationId xmlns:a16="http://schemas.microsoft.com/office/drawing/2014/main" id="{923301A5-B268-48E0-9D77-D5094D4E37F6}"/>
+              </a:ext>
+            </a:extLst>
+          </p:cNvPr>
+          <p:cNvSpPr txBox="1">
+            <a:spLocks/>
+          </p:cNvSpPr>
+          <p:nvPr/>
+        </p:nvSpPr>
+        <p:spPr>
+          <a:xfrm>
+            <a:off x="5971945" y="3701765"/>
+            <a:ext cx="2742156" cy="288099"/>
+          </a:xfrm>
+          <a:prstGeom prst="rect">
+            <a:avLst/>
+          </a:prstGeom>
+        </p:spPr>
+        <p:txBody>
+          <a:bodyPr vert="horz" lIns="91440" tIns="45720" rIns="91440" bIns="45720" rtlCol="0">
+            <a:normAutofit/>
+          </a:bodyPr>
+          <a:lstStyle>
+            <a:lvl1pPr marL="0" indent="0" algn="ctr" defTabSz="914400" rtl="0" eaLnBrk="1" latinLnBrk="0" hangingPunct="1">
+              <a:lnSpc>
+                <a:spcPct val="90000"/>
+              </a:lnSpc>
+              <a:spcBef>
+                <a:spcPts val="1000"/>
+              </a:spcBef>
+              <a:buFont typeface="Futura Lt BT" panose="020B0402020204020303" pitchFamily="34" charset="0"/>
+              <a:buNone/>
+              <a:defRPr sz="2400" kern="1200">
+                <a:solidFill>
+                  <a:srgbClr val="E8DDCB"/>
+                </a:solidFill>
+                <a:latin typeface="Futura Lt BT" panose="020B0402020204020303" pitchFamily="34" charset="0"/>
+                <a:ea typeface="+mn-ea"/>
+                <a:cs typeface="+mn-cs"/>
+              </a:defRPr>
+            </a:lvl1pPr>
+            <a:lvl2pPr marL="457200" indent="0" algn="ctr" defTabSz="914400" rtl="0" eaLnBrk="1" latinLnBrk="0" hangingPunct="1">
+              <a:lnSpc>
+                <a:spcPct val="90000"/>
+              </a:lnSpc>
+              <a:spcBef>
+                <a:spcPts val="500"/>
+              </a:spcBef>
+              <a:buFont typeface="Futura Lt BT" panose="020B0402020204020303" pitchFamily="34" charset="0"/>
+              <a:buNone/>
+              <a:defRPr sz="2000" kern="1200">
+                <a:solidFill>
+                  <a:srgbClr val="E8DDCB"/>
+                </a:solidFill>
+                <a:latin typeface="Futura Lt BT" panose="020B0402020204020303" pitchFamily="34" charset="0"/>
+                <a:ea typeface="+mn-ea"/>
+                <a:cs typeface="+mn-cs"/>
+              </a:defRPr>
+            </a:lvl2pPr>
+            <a:lvl3pPr marL="914400" indent="0" algn="ctr" defTabSz="914400" rtl="0" eaLnBrk="1" latinLnBrk="0" hangingPunct="1">
+              <a:lnSpc>
+                <a:spcPct val="90000"/>
+              </a:lnSpc>
+              <a:spcBef>
+                <a:spcPts val="500"/>
+              </a:spcBef>
+              <a:buFont typeface="Futura Lt BT" panose="020B0402020204020303" pitchFamily="34" charset="0"/>
+              <a:buNone/>
+              <a:defRPr sz="1800" kern="1200">
+                <a:solidFill>
+                  <a:srgbClr val="E8DDCB"/>
+                </a:solidFill>
+                <a:latin typeface="Futura Lt BT" panose="020B0402020204020303" pitchFamily="34" charset="0"/>
+                <a:ea typeface="+mn-ea"/>
+                <a:cs typeface="+mn-cs"/>
+              </a:defRPr>
+            </a:lvl3pPr>
+            <a:lvl4pPr marL="1371600" indent="0" algn="ctr" defTabSz="914400" rtl="0" eaLnBrk="1" latinLnBrk="0" hangingPunct="1">
+              <a:lnSpc>
+                <a:spcPct val="90000"/>
+              </a:lnSpc>
+              <a:spcBef>
+                <a:spcPts val="500"/>
+              </a:spcBef>
+              <a:buFont typeface="Futura Lt BT" panose="020B0402020204020303" pitchFamily="34" charset="0"/>
+              <a:buNone/>
+              <a:defRPr sz="1600" kern="1200">
+                <a:solidFill>
+                  <a:srgbClr val="E8DDCB"/>
+                </a:solidFill>
+                <a:latin typeface="Futura Lt BT" panose="020B0402020204020303" pitchFamily="34" charset="0"/>
+                <a:ea typeface="+mn-ea"/>
+                <a:cs typeface="+mn-cs"/>
+              </a:defRPr>
+            </a:lvl4pPr>
+            <a:lvl5pPr marL="1828800" indent="0" algn="ctr" defTabSz="914400" rtl="0" eaLnBrk="1" latinLnBrk="0" hangingPunct="1">
+              <a:lnSpc>
+                <a:spcPct val="90000"/>
+              </a:lnSpc>
+              <a:spcBef>
+                <a:spcPts val="500"/>
+              </a:spcBef>
+              <a:buFont typeface="Futura Lt BT" panose="020B0402020204020303" pitchFamily="34" charset="0"/>
+              <a:buNone/>
+              <a:defRPr sz="1600" kern="1200">
+                <a:solidFill>
+                  <a:srgbClr val="E8DDCB"/>
+                </a:solidFill>
+                <a:latin typeface="Futura Lt BT" panose="020B0402020204020303" pitchFamily="34" charset="0"/>
+                <a:ea typeface="+mn-ea"/>
+                <a:cs typeface="+mn-cs"/>
+              </a:defRPr>
+            </a:lvl5pPr>
+            <a:lvl6pPr marL="2286000" indent="0" algn="ctr" defTabSz="914400" rtl="0" eaLnBrk="1" latinLnBrk="0" hangingPunct="1">
+              <a:lnSpc>
+                <a:spcPct val="90000"/>
+              </a:lnSpc>
+              <a:spcBef>
+                <a:spcPts val="500"/>
+              </a:spcBef>
+              <a:buFont typeface="Arial" panose="020B0604020202020204" pitchFamily="34" charset="0"/>
+              <a:buNone/>
+              <a:defRPr sz="1600" kern="1200">
+                <a:solidFill>
+                  <a:schemeClr val="tx1"/>
+                </a:solidFill>
+                <a:latin typeface="+mn-lt"/>
+                <a:ea typeface="+mn-ea"/>
+                <a:cs typeface="+mn-cs"/>
+              </a:defRPr>
+            </a:lvl6pPr>
+            <a:lvl7pPr marL="2743200" indent="0" algn="ctr" defTabSz="914400" rtl="0" eaLnBrk="1" latinLnBrk="0" hangingPunct="1">
+              <a:lnSpc>
+                <a:spcPct val="90000"/>
+              </a:lnSpc>
+              <a:spcBef>
+                <a:spcPts val="500"/>
+              </a:spcBef>
+              <a:buFont typeface="Arial" panose="020B0604020202020204" pitchFamily="34" charset="0"/>
+              <a:buNone/>
+              <a:defRPr sz="1600" kern="1200">
+                <a:solidFill>
+                  <a:schemeClr val="tx1"/>
+                </a:solidFill>
+                <a:latin typeface="+mn-lt"/>
+                <a:ea typeface="+mn-ea"/>
+                <a:cs typeface="+mn-cs"/>
+              </a:defRPr>
+            </a:lvl7pPr>
+            <a:lvl8pPr marL="3200400" indent="0" algn="ctr" defTabSz="914400" rtl="0" eaLnBrk="1" latinLnBrk="0" hangingPunct="1">
+              <a:lnSpc>
+                <a:spcPct val="90000"/>
+              </a:lnSpc>
+              <a:spcBef>
+                <a:spcPts val="500"/>
+              </a:spcBef>
+              <a:buFont typeface="Arial" panose="020B0604020202020204" pitchFamily="34" charset="0"/>
+              <a:buNone/>
+              <a:defRPr sz="1600" kern="1200">
+                <a:solidFill>
+                  <a:schemeClr val="tx1"/>
+                </a:solidFill>
+                <a:latin typeface="+mn-lt"/>
+                <a:ea typeface="+mn-ea"/>
+                <a:cs typeface="+mn-cs"/>
+              </a:defRPr>
+            </a:lvl8pPr>
+            <a:lvl9pPr marL="3657600" indent="0" algn="ctr" defTabSz="914400" rtl="0" eaLnBrk="1" latinLnBrk="0" hangingPunct="1">
+              <a:lnSpc>
+                <a:spcPct val="90000"/>
+              </a:lnSpc>
+              <a:spcBef>
+                <a:spcPts val="500"/>
+              </a:spcBef>
+              <a:buFont typeface="Arial" panose="020B0604020202020204" pitchFamily="34" charset="0"/>
+              <a:buNone/>
+              <a:defRPr sz="1600" kern="1200">
+                <a:solidFill>
+                  <a:schemeClr val="tx1"/>
+                </a:solidFill>
+                <a:latin typeface="+mn-lt"/>
+                <a:ea typeface="+mn-ea"/>
+                <a:cs typeface="+mn-cs"/>
+              </a:defRPr>
+            </a:lvl9pPr>
+          </a:lstStyle>
+          <a:p>
+            <a:pPr algn="l"/>
+            <a:r>
+              <a:rPr lang="de-DE" sz="1400" b="1" dirty="0"/>
+              <a:t>VR Umgebung – Aufgabe 2</a:t>
+            </a:r>
+            <a:endParaRPr lang="de-DE" sz="1400" dirty="0"/>
+          </a:p>
+        </p:txBody>
+      </p:sp>
     </p:spTree>
     <p:extLst>
       <p:ext uri="{BB962C8B-B14F-4D97-AF65-F5344CB8AC3E}">
@@ -30864,32 +33052,13 @@
             </a:r>
             <a:r>
               <a:rPr lang="de-DE" sz="2400" dirty="0"/>
-              <a:t>(1/11) </a:t>
+              <a:t>(1/10)</a:t>
             </a:r>
-            <a:r>
-              <a:rPr lang="de-DE" sz="2400" dirty="0">
-                <a:solidFill>
-                  <a:srgbClr val="FF0000"/>
-                </a:solidFill>
-              </a:rPr>
-              <a:t>hier SAM raus? Und weise </a:t>
-            </a:r>
-            <a:r>
-              <a:rPr lang="de-DE" sz="2400" dirty="0" err="1">
-                <a:solidFill>
-                  <a:srgbClr val="FF0000"/>
-                </a:solidFill>
-              </a:rPr>
-              <a:t>schrift</a:t>
-            </a:r>
-            <a:r>
-              <a:rPr lang="de-DE" sz="2400" dirty="0">
-                <a:solidFill>
-                  <a:srgbClr val="FF0000"/>
-                </a:solidFill>
-              </a:rPr>
-              <a:t> besser lesen?</a:t>
-            </a:r>
+            <a:endParaRPr lang="de-DE" sz="2400" dirty="0">
+              <a:solidFill>
+                <a:srgbClr val="FF0000"/>
+              </a:solidFill>
+            </a:endParaRPr>
           </a:p>
         </p:txBody>
       </p:sp>
@@ -30903,13 +33072,13 @@
             <p:ph idx="1"/>
             <p:extLst>
               <p:ext uri="{D42A27DB-BD31-4B8C-83A1-F6EECF244321}">
-                <p14:modId xmlns:p14="http://schemas.microsoft.com/office/powerpoint/2010/main" val="3935245720"/>
+                <p14:modId xmlns:p14="http://schemas.microsoft.com/office/powerpoint/2010/main" val="672510911"/>
               </p:ext>
             </p:extLst>
           </p:nvPr>
         </p:nvGraphicFramePr>
         <p:xfrm>
-          <a:off x="411479" y="1825625"/>
+          <a:off x="411479" y="1386000"/>
           <a:ext cx="4628353" cy="4103358"/>
         </p:xfrm>
         <a:graphic>
@@ -30927,13 +33096,13 @@
               <p:nvPr>
                 <p:extLst>
                   <p:ext uri="{D42A27DB-BD31-4B8C-83A1-F6EECF244321}">
-                    <p14:modId xmlns:p14="http://schemas.microsoft.com/office/powerpoint/2010/main" val="2005454907"/>
+                    <p14:modId xmlns:p14="http://schemas.microsoft.com/office/powerpoint/2010/main" val="4265027621"/>
                   </p:ext>
                 </p:extLst>
               </p:nvPr>
             </p:nvGraphicFramePr>
             <p:xfrm>
-              <a:off x="5861100" y="1879199"/>
+              <a:off x="5861100" y="1386000"/>
               <a:ext cx="5148917" cy="3979341"/>
             </p:xfrm>
             <a:graphic>
@@ -30960,7 +33129,7 @@
             </p:blipFill>
             <p:spPr>
               <a:xfrm>
-                <a:off x="5861100" y="1879199"/>
+                <a:off x="5861100" y="1386000"/>
                 <a:ext cx="5148917" cy="3979341"/>
               </a:xfrm>
               <a:prstGeom prst="rect">
@@ -31026,7 +33195,7 @@
             </a:r>
             <a:r>
               <a:rPr lang="de-DE" sz="2400" dirty="0"/>
-              <a:t>(2/11)</a:t>
+              <a:t>(2/10)</a:t>
             </a:r>
           </a:p>
         </p:txBody>
@@ -32139,7 +34308,7 @@
             </a:r>
             <a:r>
               <a:rPr lang="de-DE" sz="2400" dirty="0"/>
-              <a:t>(3/11)</a:t>
+              <a:t>(3/10)</a:t>
             </a:r>
           </a:p>
         </p:txBody>
@@ -32154,14 +34323,14 @@
             <p:ph idx="1"/>
             <p:extLst>
               <p:ext uri="{D42A27DB-BD31-4B8C-83A1-F6EECF244321}">
-                <p14:modId xmlns:p14="http://schemas.microsoft.com/office/powerpoint/2010/main" val="31603868"/>
+                <p14:modId xmlns:p14="http://schemas.microsoft.com/office/powerpoint/2010/main" val="2430511300"/>
               </p:ext>
             </p:extLst>
           </p:nvPr>
         </p:nvGraphicFramePr>
         <p:xfrm>
           <a:off x="972000" y="1386000"/>
-          <a:ext cx="10231200" cy="5328000"/>
+          <a:ext cx="10515600" cy="5328000"/>
         </p:xfrm>
         <a:graphic>
           <a:graphicData uri="http://schemas.openxmlformats.org/drawingml/2006/chart">
@@ -32220,7 +34389,7 @@
             </a:r>
             <a:r>
               <a:rPr lang="de-DE" sz="2400" dirty="0"/>
-              <a:t>(4/11)</a:t>
+              <a:t>(4/10)</a:t>
             </a:r>
           </a:p>
         </p:txBody>
@@ -32235,14 +34404,14 @@
             <p:ph idx="1"/>
             <p:extLst>
               <p:ext uri="{D42A27DB-BD31-4B8C-83A1-F6EECF244321}">
-                <p14:modId xmlns:p14="http://schemas.microsoft.com/office/powerpoint/2010/main" val="1695569394"/>
+                <p14:modId xmlns:p14="http://schemas.microsoft.com/office/powerpoint/2010/main" val="177951333"/>
               </p:ext>
             </p:extLst>
           </p:nvPr>
         </p:nvGraphicFramePr>
         <p:xfrm>
           <a:off x="972000" y="1386000"/>
-          <a:ext cx="10231200" cy="5328000"/>
+          <a:ext cx="10515600" cy="5328000"/>
         </p:xfrm>
         <a:graphic>
           <a:graphicData uri="http://schemas.openxmlformats.org/drawingml/2006/chart">
@@ -32301,7 +34470,7 @@
             </a:r>
             <a:r>
               <a:rPr lang="de-DE" sz="2400" dirty="0"/>
-              <a:t>(5/11)</a:t>
+              <a:t>(5/10)</a:t>
             </a:r>
           </a:p>
         </p:txBody>
@@ -32316,14 +34485,14 @@
             <p:ph idx="1"/>
             <p:extLst>
               <p:ext uri="{D42A27DB-BD31-4B8C-83A1-F6EECF244321}">
-                <p14:modId xmlns:p14="http://schemas.microsoft.com/office/powerpoint/2010/main" val="3974189253"/>
+                <p14:modId xmlns:p14="http://schemas.microsoft.com/office/powerpoint/2010/main" val="3181712552"/>
               </p:ext>
             </p:extLst>
           </p:nvPr>
         </p:nvGraphicFramePr>
         <p:xfrm>
           <a:off x="972000" y="1386000"/>
-          <a:ext cx="10231200" cy="5328000"/>
+          <a:ext cx="10515600" cy="5328000"/>
         </p:xfrm>
         <a:graphic>
           <a:graphicData uri="http://schemas.openxmlformats.org/drawingml/2006/chart">
@@ -32382,7 +34551,7 @@
             </a:r>
             <a:r>
               <a:rPr lang="de-DE" sz="2400" dirty="0"/>
-              <a:t>(6/11)</a:t>
+              <a:t>(6/10)</a:t>
             </a:r>
           </a:p>
         </p:txBody>
@@ -32397,14 +34566,14 @@
             <p:ph idx="1"/>
             <p:extLst>
               <p:ext uri="{D42A27DB-BD31-4B8C-83A1-F6EECF244321}">
-                <p14:modId xmlns:p14="http://schemas.microsoft.com/office/powerpoint/2010/main" val="118216766"/>
+                <p14:modId xmlns:p14="http://schemas.microsoft.com/office/powerpoint/2010/main" val="3612310530"/>
               </p:ext>
             </p:extLst>
           </p:nvPr>
         </p:nvGraphicFramePr>
         <p:xfrm>
           <a:off x="972000" y="1386000"/>
-          <a:ext cx="10231200" cy="5328000"/>
+          <a:ext cx="10515600" cy="5328000"/>
         </p:xfrm>
         <a:graphic>
           <a:graphicData uri="http://schemas.openxmlformats.org/drawingml/2006/chart">
@@ -32463,7 +34632,7 @@
             </a:r>
             <a:r>
               <a:rPr lang="de-DE" sz="2400" dirty="0"/>
-              <a:t>(7/11)</a:t>
+              <a:t>(7/10)</a:t>
             </a:r>
           </a:p>
         </p:txBody>
@@ -32478,14 +34647,14 @@
             <p:ph idx="1"/>
             <p:extLst>
               <p:ext uri="{D42A27DB-BD31-4B8C-83A1-F6EECF244321}">
-                <p14:modId xmlns:p14="http://schemas.microsoft.com/office/powerpoint/2010/main" val="1906825942"/>
+                <p14:modId xmlns:p14="http://schemas.microsoft.com/office/powerpoint/2010/main" val="905604088"/>
               </p:ext>
             </p:extLst>
           </p:nvPr>
         </p:nvGraphicFramePr>
         <p:xfrm>
           <a:off x="972000" y="1386000"/>
-          <a:ext cx="10231200" cy="5328000"/>
+          <a:ext cx="10515600" cy="5328000"/>
         </p:xfrm>
         <a:graphic>
           <a:graphicData uri="http://schemas.openxmlformats.org/drawingml/2006/chart">
@@ -32544,7 +34713,7 @@
             </a:r>
             <a:r>
               <a:rPr lang="de-DE" sz="2400" dirty="0"/>
-              <a:t>(8/11)</a:t>
+              <a:t>(8/10)</a:t>
             </a:r>
           </a:p>
         </p:txBody>
@@ -32559,14 +34728,14 @@
             <p:ph idx="1"/>
             <p:extLst>
               <p:ext uri="{D42A27DB-BD31-4B8C-83A1-F6EECF244321}">
-                <p14:modId xmlns:p14="http://schemas.microsoft.com/office/powerpoint/2010/main" val="1498212430"/>
+                <p14:modId xmlns:p14="http://schemas.microsoft.com/office/powerpoint/2010/main" val="4011127821"/>
               </p:ext>
             </p:extLst>
           </p:nvPr>
         </p:nvGraphicFramePr>
         <p:xfrm>
           <a:off x="972000" y="1386000"/>
-          <a:ext cx="10231200" cy="5328000"/>
+          <a:ext cx="10515600" cy="5328000"/>
         </p:xfrm>
         <a:graphic>
           <a:graphicData uri="http://schemas.openxmlformats.org/drawingml/2006/chart">
@@ -32741,7 +34910,7 @@
             </a:r>
             <a:r>
               <a:rPr lang="de-DE" sz="2400" dirty="0"/>
-              <a:t>(9/11)</a:t>
+              <a:t>(9/10)</a:t>
             </a:r>
           </a:p>
         </p:txBody>
@@ -32761,14 +34930,14 @@
           <p:nvPr>
             <p:extLst>
               <p:ext uri="{D42A27DB-BD31-4B8C-83A1-F6EECF244321}">
-                <p14:modId xmlns:p14="http://schemas.microsoft.com/office/powerpoint/2010/main" val="4022488861"/>
+                <p14:modId xmlns:p14="http://schemas.microsoft.com/office/powerpoint/2010/main" val="1956546038"/>
               </p:ext>
             </p:extLst>
           </p:nvPr>
         </p:nvGraphicFramePr>
         <p:xfrm>
-          <a:off x="411480" y="1825625"/>
-          <a:ext cx="3498850" cy="3101975"/>
+          <a:off x="411480" y="1386000"/>
+          <a:ext cx="4575566" cy="4056559"/>
         </p:xfrm>
         <a:graphic>
           <a:graphicData uri="http://schemas.openxmlformats.org/drawingml/2006/chart">
@@ -32776,8 +34945,8 @@
           </a:graphicData>
         </a:graphic>
       </p:graphicFrame>
-      <mc:AlternateContent xmlns:mc="http://schemas.openxmlformats.org/markup-compatibility/2006" xmlns:cx1="http://schemas.microsoft.com/office/drawing/2015/9/8/chartex">
-        <mc:Choice Requires="cx1">
+      <mc:AlternateContent xmlns:mc="http://schemas.openxmlformats.org/markup-compatibility/2006">
+        <mc:Choice xmlns:cx1="http://schemas.microsoft.com/office/drawing/2015/9/8/chartex" Requires="cx1">
           <p:graphicFrame>
             <p:nvGraphicFramePr>
               <p:cNvPr id="8" name="Diagramm 7">
@@ -32791,14 +34960,14 @@
               <p:nvPr>
                 <p:extLst>
                   <p:ext uri="{D42A27DB-BD31-4B8C-83A1-F6EECF244321}">
-                    <p14:modId xmlns:p14="http://schemas.microsoft.com/office/powerpoint/2010/main" val="3789077156"/>
+                    <p14:modId xmlns:p14="http://schemas.microsoft.com/office/powerpoint/2010/main" val="3252493460"/>
                   </p:ext>
                 </p:extLst>
               </p:nvPr>
             </p:nvGraphicFramePr>
             <p:xfrm>
-              <a:off x="5098093" y="1825625"/>
-              <a:ext cx="6255707" cy="3257722"/>
+              <a:off x="5705605" y="1386000"/>
+              <a:ext cx="5648195" cy="3956351"/>
             </p:xfrm>
             <a:graphic>
               <a:graphicData uri="http://schemas.microsoft.com/office/drawing/2014/chartex">
@@ -32807,7 +34976,7 @@
             </a:graphic>
           </p:graphicFrame>
         </mc:Choice>
-        <mc:Fallback xmlns="">
+        <mc:Fallback>
           <p:pic>
             <p:nvPicPr>
               <p:cNvPr id="8" name="Diagramm 7">
@@ -32830,8 +34999,8 @@
             </p:blipFill>
             <p:spPr>
               <a:xfrm>
-                <a:off x="5098093" y="1825625"/>
-                <a:ext cx="6255707" cy="3257722"/>
+                <a:off x="5705605" y="1386000"/>
+                <a:ext cx="5648195" cy="3956351"/>
               </a:xfrm>
               <a:prstGeom prst="rect">
                 <a:avLst/>
@@ -32891,7 +35060,7 @@
             </a:r>
             <a:r>
               <a:rPr lang="de-DE" sz="2400" dirty="0"/>
-              <a:t>(11/11)</a:t>
+              <a:t>(10/10)</a:t>
             </a:r>
           </a:p>
         </p:txBody>
@@ -32909,7 +35078,7 @@
           <p:nvPr>
             <p:extLst>
               <p:ext uri="{D42A27DB-BD31-4B8C-83A1-F6EECF244321}">
-                <p14:modId xmlns:p14="http://schemas.microsoft.com/office/powerpoint/2010/main" val="821396096"/>
+                <p14:modId xmlns:p14="http://schemas.microsoft.com/office/powerpoint/2010/main" val="3618903465"/>
               </p:ext>
             </p:extLst>
           </p:nvPr>
@@ -33268,7 +35437,11 @@
           <a:p>
             <a:r>
               <a:rPr lang="de-DE" dirty="0"/>
-              <a:t>Diskussion (4/4)</a:t>
+              <a:t>Diskussion </a:t>
+            </a:r>
+            <a:r>
+              <a:rPr lang="de-DE" sz="2400" dirty="0"/>
+              <a:t>(4/4)</a:t>
             </a:r>
           </a:p>
         </p:txBody>
@@ -33384,25 +35557,41 @@
           <a:lstStyle/>
           <a:p>
             <a:r>
-              <a:rPr lang="de-DE" dirty="0"/>
+              <a:rPr lang="de-DE" dirty="0">
+                <a:solidFill>
+                  <a:srgbClr val="FF00FF"/>
+                </a:solidFill>
+              </a:rPr>
               <a:t> VR</a:t>
             </a:r>
           </a:p>
           <a:p>
             <a:r>
-              <a:rPr lang="de-DE" dirty="0"/>
+              <a:rPr lang="de-DE" dirty="0">
+                <a:solidFill>
+                  <a:srgbClr val="FF00FF"/>
+                </a:solidFill>
+              </a:rPr>
               <a:t> Hypothesen und Parameter und Gruppen</a:t>
             </a:r>
           </a:p>
           <a:p>
             <a:r>
-              <a:rPr lang="de-DE" dirty="0"/>
+              <a:rPr lang="de-DE" dirty="0">
+                <a:solidFill>
+                  <a:srgbClr val="FF00FF"/>
+                </a:solidFill>
+              </a:rPr>
               <a:t> Bewertung der Ergebnisse</a:t>
             </a:r>
           </a:p>
           <a:p>
             <a:r>
-              <a:rPr lang="de-DE" dirty="0"/>
+              <a:rPr lang="de-DE" dirty="0">
+                <a:solidFill>
+                  <a:srgbClr val="FF00FF"/>
+                </a:solidFill>
+              </a:rPr>
               <a:t> Zukünftige Forschung</a:t>
             </a:r>
           </a:p>
@@ -33517,7 +35706,15 @@
           <a:lstStyle/>
           <a:p>
             <a:pPr algn="ctr"/>
-            <a:endParaRPr lang="de-DE"/>
+            <a:r>
+              <a:rPr lang="de-DE" sz="2400" dirty="0">
+                <a:solidFill>
+                  <a:srgbClr val="E7E6E6"/>
+                </a:solidFill>
+                <a:latin typeface="Futura Lt BT" panose="020B0402020204020303" pitchFamily="34" charset="0"/>
+              </a:rPr>
+              <a:t>Danke</a:t>
+            </a:r>
           </a:p>
         </p:txBody>
       </p:sp>
@@ -33777,7 +35974,7 @@
           <a:graphicData uri="http://schemas.openxmlformats.org/presentationml/2006/ole">
             <mc:AlternateContent xmlns:mc="http://schemas.openxmlformats.org/markup-compatibility/2006">
               <mc:Choice xmlns:v="urn:schemas-microsoft-com:vml" Requires="v">
-                <p:oleObj spid="_x0000_s1037" name="Acrobat Document" r:id="rId3" imgW="7800763" imgH="6857824" progId="AcroExch.Document.7">
+                <p:oleObj spid="_x0000_s1054" name="Acrobat Document" r:id="rId3" imgW="7800763" imgH="6857824" progId="AcroExch.Document.7">
                   <p:embed/>
                 </p:oleObj>
               </mc:Choice>
@@ -34889,28 +37086,12 @@
               <a:buChar char="-"/>
             </a:pPr>
             <a:r>
-              <a:rPr lang="de-DE">
-                <a:solidFill>
-                  <a:schemeClr val="bg2"/>
-                </a:solidFill>
-              </a:rPr>
-              <a:t>„</a:t>
-            </a:r>
-            <a:r>
               <a:rPr lang="de-DE" dirty="0">
                 <a:solidFill>
                   <a:schemeClr val="bg2"/>
                 </a:solidFill>
               </a:rPr>
-              <a:t>Die Brille war sehr </a:t>
-            </a:r>
-            <a:r>
-              <a:rPr lang="de-DE">
-                <a:solidFill>
-                  <a:schemeClr val="bg2"/>
-                </a:solidFill>
-              </a:rPr>
-              <a:t>unangenehm“</a:t>
+              <a:t>„Die Brille war sehr unangenehm“</a:t>
             </a:r>
           </a:p>
           <a:p>
@@ -34919,18 +37100,13 @@
               <a:buChar char="-"/>
             </a:pPr>
             <a:r>
-              <a:rPr lang="de-DE">
+              <a:rPr lang="de-DE" dirty="0">
                 <a:solidFill>
                   <a:schemeClr val="bg2"/>
                 </a:solidFill>
               </a:rPr>
               <a:t>…</a:t>
             </a:r>
-            <a:endParaRPr lang="de-DE" dirty="0">
-              <a:solidFill>
-                <a:schemeClr val="bg2"/>
-              </a:solidFill>
-            </a:endParaRPr>
           </a:p>
         </p:txBody>
       </p:sp>
@@ -35153,7 +37329,7 @@
             <p:ph idx="1"/>
             <p:extLst>
               <p:ext uri="{D42A27DB-BD31-4B8C-83A1-F6EECF244321}">
-                <p14:modId xmlns:p14="http://schemas.microsoft.com/office/powerpoint/2010/main" val="1057087736"/>
+                <p14:modId xmlns:p14="http://schemas.microsoft.com/office/powerpoint/2010/main" val="2341354332"/>
               </p:ext>
             </p:extLst>
           </p:nvPr>
@@ -35200,7 +37376,7 @@
                       <a:r>
                         <a:rPr lang="de-DE" dirty="0">
                           <a:solidFill>
-                            <a:schemeClr val="bg2"/>
+                            <a:srgbClr val="E7E6E6"/>
                           </a:solidFill>
                           <a:latin typeface="Futura Lt BT" panose="020B0402020204020303"/>
                         </a:rPr>
@@ -35210,7 +37386,9 @@
                   </a:txBody>
                   <a:tcPr>
                     <a:solidFill>
-                      <a:schemeClr val="tx2"/>
+                      <a:schemeClr val="tx2">
+                        <a:lumMod val="75000"/>
+                      </a:schemeClr>
                     </a:solidFill>
                   </a:tcPr>
                 </a:tc>
@@ -35222,7 +37400,7 @@
                       <a:r>
                         <a:rPr lang="de-DE" dirty="0" err="1">
                           <a:solidFill>
-                            <a:schemeClr val="bg2"/>
+                            <a:srgbClr val="E7E6E6"/>
                           </a:solidFill>
                           <a:latin typeface="Futura Lt BT" panose="020B0402020204020303"/>
                         </a:rPr>
@@ -35230,7 +37408,7 @@
                       </a:r>
                       <a:endParaRPr lang="de-DE" dirty="0">
                         <a:solidFill>
-                          <a:schemeClr val="bg2"/>
+                          <a:srgbClr val="E7E6E6"/>
                         </a:solidFill>
                         <a:latin typeface="Futura Lt BT" panose="020B0402020204020303"/>
                       </a:endParaRPr>
@@ -35238,7 +37416,9 @@
                   </a:txBody>
                   <a:tcPr>
                     <a:solidFill>
-                      <a:schemeClr val="tx2"/>
+                      <a:schemeClr val="tx2">
+                        <a:lumMod val="75000"/>
+                      </a:schemeClr>
                     </a:solidFill>
                   </a:tcPr>
                 </a:tc>
@@ -35250,7 +37430,7 @@
                       <a:r>
                         <a:rPr lang="de-DE" dirty="0">
                           <a:solidFill>
-                            <a:schemeClr val="bg2"/>
+                            <a:srgbClr val="E7E6E6"/>
                           </a:solidFill>
                           <a:latin typeface="Futura Lt BT" panose="020B0402020204020303"/>
                         </a:rPr>
@@ -35260,7 +37440,9 @@
                   </a:txBody>
                   <a:tcPr>
                     <a:solidFill>
-                      <a:schemeClr val="tx2"/>
+                      <a:schemeClr val="tx2">
+                        <a:lumMod val="75000"/>
+                      </a:schemeClr>
                     </a:solidFill>
                   </a:tcPr>
                 </a:tc>
@@ -35279,6 +37461,9 @@
                       <a:pPr algn="l"/>
                       <a:r>
                         <a:rPr lang="de-DE" dirty="0">
+                          <a:solidFill>
+                            <a:srgbClr val="E7E6E6"/>
+                          </a:solidFill>
                           <a:latin typeface="Futura Lt BT" panose="020B0402020204020303"/>
                         </a:rPr>
                         <a:t>Biologie</a:t>
@@ -35287,7 +37472,9 @@
                   </a:txBody>
                   <a:tcPr>
                     <a:solidFill>
-                      <a:schemeClr val="tx2"/>
+                      <a:schemeClr val="tx2">
+                        <a:lumMod val="75000"/>
+                      </a:schemeClr>
                     </a:solidFill>
                   </a:tcPr>
                 </a:tc>
@@ -35299,6 +37486,9 @@
                       <a:pPr algn="r"/>
                       <a:r>
                         <a:rPr lang="de-DE" dirty="0">
+                          <a:solidFill>
+                            <a:srgbClr val="E7E6E6"/>
+                          </a:solidFill>
                           <a:latin typeface="Futura Lt BT" panose="020B0402020204020303"/>
                         </a:rPr>
                         <a:t>1</a:t>
@@ -35307,7 +37497,9 @@
                   </a:txBody>
                   <a:tcPr>
                     <a:solidFill>
-                      <a:schemeClr val="tx2"/>
+                      <a:schemeClr val="tx2">
+                        <a:lumMod val="75000"/>
+                      </a:schemeClr>
                     </a:solidFill>
                   </a:tcPr>
                 </a:tc>
@@ -35319,6 +37511,9 @@
                       <a:pPr algn="r"/>
                       <a:r>
                         <a:rPr lang="de-DE" dirty="0">
+                          <a:solidFill>
+                            <a:srgbClr val="E7E6E6"/>
+                          </a:solidFill>
                           <a:latin typeface="Futura Lt BT" panose="020B0402020204020303"/>
                         </a:rPr>
                         <a:t>2,2%</a:t>
@@ -35327,7 +37522,9 @@
                   </a:txBody>
                   <a:tcPr>
                     <a:solidFill>
-                      <a:schemeClr val="tx2"/>
+                      <a:schemeClr val="tx2">
+                        <a:lumMod val="75000"/>
+                      </a:schemeClr>
                     </a:solidFill>
                   </a:tcPr>
                 </a:tc>
@@ -35346,6 +37543,9 @@
                       <a:pPr algn="l"/>
                       <a:r>
                         <a:rPr lang="de-DE" dirty="0">
+                          <a:solidFill>
+                            <a:srgbClr val="E7E6E6"/>
+                          </a:solidFill>
                           <a:latin typeface="Futura Lt BT" panose="020B0402020204020303"/>
                         </a:rPr>
                         <a:t>Informatik</a:t>
@@ -35354,7 +37554,9 @@
                   </a:txBody>
                   <a:tcPr>
                     <a:solidFill>
-                      <a:schemeClr val="tx2"/>
+                      <a:schemeClr val="tx2">
+                        <a:lumMod val="75000"/>
+                      </a:schemeClr>
                     </a:solidFill>
                   </a:tcPr>
                 </a:tc>
@@ -35366,6 +37568,9 @@
                       <a:pPr algn="r"/>
                       <a:r>
                         <a:rPr lang="de-DE" dirty="0">
+                          <a:solidFill>
+                            <a:srgbClr val="E7E6E6"/>
+                          </a:solidFill>
                           <a:latin typeface="Futura Lt BT" panose="020B0402020204020303"/>
                         </a:rPr>
                         <a:t>8</a:t>
@@ -35374,7 +37579,9 @@
                   </a:txBody>
                   <a:tcPr>
                     <a:solidFill>
-                      <a:schemeClr val="tx2"/>
+                      <a:schemeClr val="tx2">
+                        <a:lumMod val="75000"/>
+                      </a:schemeClr>
                     </a:solidFill>
                   </a:tcPr>
                 </a:tc>
@@ -35386,6 +37593,9 @@
                       <a:pPr algn="r"/>
                       <a:r>
                         <a:rPr lang="de-DE" dirty="0">
+                          <a:solidFill>
+                            <a:srgbClr val="E7E6E6"/>
+                          </a:solidFill>
                           <a:latin typeface="Futura Lt BT" panose="020B0402020204020303"/>
                         </a:rPr>
                         <a:t>17,8%</a:t>
@@ -35394,7 +37604,9 @@
                   </a:txBody>
                   <a:tcPr>
                     <a:solidFill>
-                      <a:schemeClr val="tx2"/>
+                      <a:schemeClr val="tx2">
+                        <a:lumMod val="75000"/>
+                      </a:schemeClr>
                     </a:solidFill>
                   </a:tcPr>
                 </a:tc>
@@ -35413,6 +37625,9 @@
                       <a:pPr algn="l"/>
                       <a:r>
                         <a:rPr lang="de-DE" dirty="0">
+                          <a:solidFill>
+                            <a:srgbClr val="E7E6E6"/>
+                          </a:solidFill>
                           <a:latin typeface="Futura Lt BT" panose="020B0402020204020303"/>
                         </a:rPr>
                         <a:t>Informationssystemtechnik</a:t>
@@ -35421,7 +37636,9 @@
                   </a:txBody>
                   <a:tcPr>
                     <a:solidFill>
-                      <a:schemeClr val="tx2"/>
+                      <a:schemeClr val="tx2">
+                        <a:lumMod val="75000"/>
+                      </a:schemeClr>
                     </a:solidFill>
                   </a:tcPr>
                 </a:tc>
@@ -35433,6 +37650,9 @@
                       <a:pPr algn="r"/>
                       <a:r>
                         <a:rPr lang="de-DE" dirty="0">
+                          <a:solidFill>
+                            <a:srgbClr val="E7E6E6"/>
+                          </a:solidFill>
                           <a:latin typeface="Futura Lt BT" panose="020B0402020204020303"/>
                         </a:rPr>
                         <a:t>1</a:t>
@@ -35441,7 +37661,9 @@
                   </a:txBody>
                   <a:tcPr>
                     <a:solidFill>
-                      <a:schemeClr val="tx2"/>
+                      <a:schemeClr val="tx2">
+                        <a:lumMod val="75000"/>
+                      </a:schemeClr>
                     </a:solidFill>
                   </a:tcPr>
                 </a:tc>
@@ -35453,6 +37675,9 @@
                       <a:pPr algn="r"/>
                       <a:r>
                         <a:rPr lang="de-DE" dirty="0">
+                          <a:solidFill>
+                            <a:srgbClr val="E7E6E6"/>
+                          </a:solidFill>
                           <a:latin typeface="Futura Lt BT" panose="020B0402020204020303"/>
                         </a:rPr>
                         <a:t>2,2%</a:t>
@@ -35461,7 +37686,9 @@
                   </a:txBody>
                   <a:tcPr>
                     <a:solidFill>
-                      <a:schemeClr val="tx2"/>
+                      <a:schemeClr val="tx2">
+                        <a:lumMod val="75000"/>
+                      </a:schemeClr>
                     </a:solidFill>
                   </a:tcPr>
                 </a:tc>
@@ -35480,6 +37707,9 @@
                       <a:pPr algn="l"/>
                       <a:r>
                         <a:rPr lang="de-DE" dirty="0">
+                          <a:solidFill>
+                            <a:srgbClr val="E7E6E6"/>
+                          </a:solidFill>
                           <a:latin typeface="Futura Lt BT" panose="020B0402020204020303"/>
                         </a:rPr>
                         <a:t>Mathematik</a:t>
@@ -35488,7 +37718,9 @@
                   </a:txBody>
                   <a:tcPr>
                     <a:solidFill>
-                      <a:schemeClr val="tx2"/>
+                      <a:schemeClr val="tx2">
+                        <a:lumMod val="75000"/>
+                      </a:schemeClr>
                     </a:solidFill>
                   </a:tcPr>
                 </a:tc>
@@ -35500,6 +37732,9 @@
                       <a:pPr algn="r"/>
                       <a:r>
                         <a:rPr lang="de-DE" dirty="0">
+                          <a:solidFill>
+                            <a:srgbClr val="E7E6E6"/>
+                          </a:solidFill>
                           <a:latin typeface="Futura Lt BT" panose="020B0402020204020303"/>
                         </a:rPr>
                         <a:t>1</a:t>
@@ -35508,7 +37743,9 @@
                   </a:txBody>
                   <a:tcPr>
                     <a:solidFill>
-                      <a:schemeClr val="tx2"/>
+                      <a:schemeClr val="tx2">
+                        <a:lumMod val="75000"/>
+                      </a:schemeClr>
                     </a:solidFill>
                   </a:tcPr>
                 </a:tc>
@@ -35520,6 +37757,9 @@
                       <a:pPr algn="r"/>
                       <a:r>
                         <a:rPr lang="de-DE" dirty="0">
+                          <a:solidFill>
+                            <a:srgbClr val="E7E6E6"/>
+                          </a:solidFill>
                           <a:latin typeface="Futura Lt BT" panose="020B0402020204020303"/>
                         </a:rPr>
                         <a:t>2,2%</a:t>
@@ -35528,7 +37768,9 @@
                   </a:txBody>
                   <a:tcPr>
                     <a:solidFill>
-                      <a:schemeClr val="tx2"/>
+                      <a:schemeClr val="tx2">
+                        <a:lumMod val="75000"/>
+                      </a:schemeClr>
                     </a:solidFill>
                   </a:tcPr>
                 </a:tc>
@@ -35547,6 +37789,9 @@
                       <a:pPr algn="l"/>
                       <a:r>
                         <a:rPr lang="de-DE" dirty="0">
+                          <a:solidFill>
+                            <a:srgbClr val="E7E6E6"/>
+                          </a:solidFill>
                           <a:latin typeface="Futura Lt BT" panose="020B0402020204020303"/>
                         </a:rPr>
                         <a:t>Medieninformatik</a:t>
@@ -35555,7 +37800,9 @@
                   </a:txBody>
                   <a:tcPr>
                     <a:solidFill>
-                      <a:schemeClr val="tx2"/>
+                      <a:schemeClr val="tx2">
+                        <a:lumMod val="75000"/>
+                      </a:schemeClr>
                     </a:solidFill>
                   </a:tcPr>
                 </a:tc>
@@ -35567,6 +37814,9 @@
                       <a:pPr algn="r"/>
                       <a:r>
                         <a:rPr lang="de-DE" dirty="0">
+                          <a:solidFill>
+                            <a:srgbClr val="E7E6E6"/>
+                          </a:solidFill>
                           <a:latin typeface="Futura Lt BT" panose="020B0402020204020303"/>
                         </a:rPr>
                         <a:t>18</a:t>
@@ -35575,7 +37825,9 @@
                   </a:txBody>
                   <a:tcPr>
                     <a:solidFill>
-                      <a:schemeClr val="tx2"/>
+                      <a:schemeClr val="tx2">
+                        <a:lumMod val="75000"/>
+                      </a:schemeClr>
                     </a:solidFill>
                   </a:tcPr>
                 </a:tc>
@@ -35587,6 +37839,9 @@
                       <a:pPr algn="r"/>
                       <a:r>
                         <a:rPr lang="de-DE" dirty="0">
+                          <a:solidFill>
+                            <a:srgbClr val="E7E6E6"/>
+                          </a:solidFill>
                           <a:latin typeface="Futura Lt BT" panose="020B0402020204020303"/>
                         </a:rPr>
                         <a:t>40,0%</a:t>
@@ -35595,7 +37850,9 @@
                   </a:txBody>
                   <a:tcPr>
                     <a:solidFill>
-                      <a:schemeClr val="tx2"/>
+                      <a:schemeClr val="tx2">
+                        <a:lumMod val="75000"/>
+                      </a:schemeClr>
                     </a:solidFill>
                   </a:tcPr>
                 </a:tc>
@@ -35614,6 +37871,9 @@
                       <a:pPr algn="l"/>
                       <a:r>
                         <a:rPr lang="de-DE" dirty="0">
+                          <a:solidFill>
+                            <a:srgbClr val="E7E6E6"/>
+                          </a:solidFill>
                           <a:latin typeface="Futura Lt BT" panose="020B0402020204020303"/>
                         </a:rPr>
                         <a:t>Physik</a:t>
@@ -35622,7 +37882,9 @@
                   </a:txBody>
                   <a:tcPr>
                     <a:solidFill>
-                      <a:schemeClr val="tx2"/>
+                      <a:schemeClr val="tx2">
+                        <a:lumMod val="75000"/>
+                      </a:schemeClr>
                     </a:solidFill>
                   </a:tcPr>
                 </a:tc>
@@ -35634,6 +37896,9 @@
                       <a:pPr algn="r"/>
                       <a:r>
                         <a:rPr lang="de-DE" dirty="0">
+                          <a:solidFill>
+                            <a:srgbClr val="E7E6E6"/>
+                          </a:solidFill>
                           <a:latin typeface="Futura Lt BT" panose="020B0402020204020303"/>
                         </a:rPr>
                         <a:t>3</a:t>
@@ -35642,7 +37907,9 @@
                   </a:txBody>
                   <a:tcPr>
                     <a:solidFill>
-                      <a:schemeClr val="tx2"/>
+                      <a:schemeClr val="tx2">
+                        <a:lumMod val="75000"/>
+                      </a:schemeClr>
                     </a:solidFill>
                   </a:tcPr>
                 </a:tc>
@@ -35654,6 +37921,9 @@
                       <a:pPr algn="r"/>
                       <a:r>
                         <a:rPr lang="de-DE" dirty="0">
+                          <a:solidFill>
+                            <a:srgbClr val="E7E6E6"/>
+                          </a:solidFill>
                           <a:latin typeface="Futura Lt BT" panose="020B0402020204020303"/>
                         </a:rPr>
                         <a:t>6,7%</a:t>
@@ -35662,7 +37932,9 @@
                   </a:txBody>
                   <a:tcPr>
                     <a:solidFill>
-                      <a:schemeClr val="tx2"/>
+                      <a:schemeClr val="tx2">
+                        <a:lumMod val="75000"/>
+                      </a:schemeClr>
                     </a:solidFill>
                   </a:tcPr>
                 </a:tc>
@@ -35681,6 +37953,9 @@
                       <a:pPr algn="l"/>
                       <a:r>
                         <a:rPr lang="de-DE" dirty="0">
+                          <a:solidFill>
+                            <a:srgbClr val="E7E6E6"/>
+                          </a:solidFill>
                           <a:latin typeface="Futura Lt BT" panose="020B0402020204020303"/>
                         </a:rPr>
                         <a:t>Psychologie</a:t>
@@ -35689,7 +37964,9 @@
                   </a:txBody>
                   <a:tcPr>
                     <a:solidFill>
-                      <a:schemeClr val="tx2"/>
+                      <a:schemeClr val="tx2">
+                        <a:lumMod val="75000"/>
+                      </a:schemeClr>
                     </a:solidFill>
                   </a:tcPr>
                 </a:tc>
@@ -35701,6 +37978,9 @@
                       <a:pPr algn="r"/>
                       <a:r>
                         <a:rPr lang="de-DE" dirty="0">
+                          <a:solidFill>
+                            <a:srgbClr val="E7E6E6"/>
+                          </a:solidFill>
                           <a:latin typeface="Futura Lt BT" panose="020B0402020204020303"/>
                         </a:rPr>
                         <a:t>2</a:t>
@@ -35709,7 +37989,9 @@
                   </a:txBody>
                   <a:tcPr>
                     <a:solidFill>
-                      <a:schemeClr val="tx2"/>
+                      <a:schemeClr val="tx2">
+                        <a:lumMod val="75000"/>
+                      </a:schemeClr>
                     </a:solidFill>
                   </a:tcPr>
                 </a:tc>
@@ -35721,6 +38003,9 @@
                       <a:pPr algn="r"/>
                       <a:r>
                         <a:rPr lang="de-DE" dirty="0">
+                          <a:solidFill>
+                            <a:srgbClr val="E7E6E6"/>
+                          </a:solidFill>
                           <a:latin typeface="Futura Lt BT" panose="020B0402020204020303"/>
                         </a:rPr>
                         <a:t>4,4%</a:t>
@@ -35729,7 +38014,9 @@
                   </a:txBody>
                   <a:tcPr>
                     <a:solidFill>
-                      <a:schemeClr val="tx2"/>
+                      <a:schemeClr val="tx2">
+                        <a:lumMod val="75000"/>
+                      </a:schemeClr>
                     </a:solidFill>
                   </a:tcPr>
                 </a:tc>
@@ -35748,6 +38035,9 @@
                       <a:pPr algn="l"/>
                       <a:r>
                         <a:rPr lang="de-DE" dirty="0">
+                          <a:solidFill>
+                            <a:srgbClr val="E7E6E6"/>
+                          </a:solidFill>
                           <a:latin typeface="Futura Lt BT" panose="020B0402020204020303"/>
                         </a:rPr>
                         <a:t>Software Engineering</a:t>
@@ -35756,7 +38046,9 @@
                   </a:txBody>
                   <a:tcPr>
                     <a:solidFill>
-                      <a:schemeClr val="tx2"/>
+                      <a:schemeClr val="tx2">
+                        <a:lumMod val="75000"/>
+                      </a:schemeClr>
                     </a:solidFill>
                   </a:tcPr>
                 </a:tc>
@@ -35768,6 +38060,9 @@
                       <a:pPr algn="r"/>
                       <a:r>
                         <a:rPr lang="de-DE" dirty="0">
+                          <a:solidFill>
+                            <a:srgbClr val="E7E6E6"/>
+                          </a:solidFill>
                           <a:latin typeface="Futura Lt BT" panose="020B0402020204020303"/>
                         </a:rPr>
                         <a:t>8</a:t>
@@ -35776,7 +38071,9 @@
                   </a:txBody>
                   <a:tcPr>
                     <a:solidFill>
-                      <a:schemeClr val="tx2"/>
+                      <a:schemeClr val="tx2">
+                        <a:lumMod val="75000"/>
+                      </a:schemeClr>
                     </a:solidFill>
                   </a:tcPr>
                 </a:tc>
@@ -35788,6 +38085,9 @@
                       <a:pPr algn="r"/>
                       <a:r>
                         <a:rPr lang="de-DE" dirty="0">
+                          <a:solidFill>
+                            <a:srgbClr val="E7E6E6"/>
+                          </a:solidFill>
                           <a:latin typeface="Futura Lt BT" panose="020B0402020204020303"/>
                         </a:rPr>
                         <a:t>17,8%</a:t>
@@ -35796,7 +38096,9 @@
                   </a:txBody>
                   <a:tcPr>
                     <a:solidFill>
-                      <a:schemeClr val="tx2"/>
+                      <a:schemeClr val="tx2">
+                        <a:lumMod val="75000"/>
+                      </a:schemeClr>
                     </a:solidFill>
                   </a:tcPr>
                 </a:tc>
@@ -35815,6 +38117,9 @@
                       <a:pPr algn="l"/>
                       <a:r>
                         <a:rPr lang="de-DE" dirty="0">
+                          <a:solidFill>
+                            <a:srgbClr val="E7E6E6"/>
+                          </a:solidFill>
                           <a:latin typeface="Futura Lt BT" panose="020B0402020204020303"/>
                         </a:rPr>
                         <a:t>Wirtschaftsmathematik</a:t>
@@ -35823,7 +38128,9 @@
                   </a:txBody>
                   <a:tcPr>
                     <a:solidFill>
-                      <a:schemeClr val="tx2"/>
+                      <a:schemeClr val="tx2">
+                        <a:lumMod val="75000"/>
+                      </a:schemeClr>
                     </a:solidFill>
                   </a:tcPr>
                 </a:tc>
@@ -35835,6 +38142,9 @@
                       <a:pPr algn="r"/>
                       <a:r>
                         <a:rPr lang="de-DE" dirty="0">
+                          <a:solidFill>
+                            <a:srgbClr val="E7E6E6"/>
+                          </a:solidFill>
                           <a:latin typeface="Futura Lt BT" panose="020B0402020204020303"/>
                         </a:rPr>
                         <a:t>1</a:t>
@@ -35843,7 +38153,9 @@
                   </a:txBody>
                   <a:tcPr>
                     <a:solidFill>
-                      <a:schemeClr val="tx2"/>
+                      <a:schemeClr val="tx2">
+                        <a:lumMod val="75000"/>
+                      </a:schemeClr>
                     </a:solidFill>
                   </a:tcPr>
                 </a:tc>
@@ -35855,6 +38167,9 @@
                       <a:pPr algn="r"/>
                       <a:r>
                         <a:rPr lang="de-DE" dirty="0">
+                          <a:solidFill>
+                            <a:srgbClr val="E7E6E6"/>
+                          </a:solidFill>
                           <a:latin typeface="Futura Lt BT" panose="020B0402020204020303"/>
                         </a:rPr>
                         <a:t>2,2%</a:t>
@@ -35863,7 +38178,9 @@
                   </a:txBody>
                   <a:tcPr>
                     <a:solidFill>
-                      <a:schemeClr val="tx2"/>
+                      <a:schemeClr val="tx2">
+                        <a:lumMod val="75000"/>
+                      </a:schemeClr>
                     </a:solidFill>
                   </a:tcPr>
                 </a:tc>
@@ -35882,6 +38199,9 @@
                       <a:pPr algn="l"/>
                       <a:r>
                         <a:rPr lang="de-DE" dirty="0">
+                          <a:solidFill>
+                            <a:srgbClr val="E7E6E6"/>
+                          </a:solidFill>
                           <a:latin typeface="Futura Lt BT" panose="020B0402020204020303"/>
                         </a:rPr>
                         <a:t>Wirtschaftsphysik</a:t>
@@ -35890,7 +38210,9 @@
                   </a:txBody>
                   <a:tcPr>
                     <a:solidFill>
-                      <a:schemeClr val="tx2"/>
+                      <a:schemeClr val="tx2">
+                        <a:lumMod val="75000"/>
+                      </a:schemeClr>
                     </a:solidFill>
                   </a:tcPr>
                 </a:tc>
@@ -35902,6 +38224,9 @@
                       <a:pPr algn="r"/>
                       <a:r>
                         <a:rPr lang="de-DE" dirty="0">
+                          <a:solidFill>
+                            <a:srgbClr val="E7E6E6"/>
+                          </a:solidFill>
                           <a:latin typeface="Futura Lt BT" panose="020B0402020204020303"/>
                         </a:rPr>
                         <a:t>2</a:t>
@@ -35910,7 +38235,9 @@
                   </a:txBody>
                   <a:tcPr>
                     <a:solidFill>
-                      <a:schemeClr val="tx2"/>
+                      <a:schemeClr val="tx2">
+                        <a:lumMod val="75000"/>
+                      </a:schemeClr>
                     </a:solidFill>
                   </a:tcPr>
                 </a:tc>
@@ -35922,6 +38249,9 @@
                       <a:pPr algn="r"/>
                       <a:r>
                         <a:rPr lang="de-DE" dirty="0">
+                          <a:solidFill>
+                            <a:srgbClr val="E7E6E6"/>
+                          </a:solidFill>
                           <a:latin typeface="Futura Lt BT" panose="020B0402020204020303"/>
                         </a:rPr>
                         <a:t>4,4%</a:t>
@@ -35930,7 +38260,9 @@
                   </a:txBody>
                   <a:tcPr>
                     <a:solidFill>
-                      <a:schemeClr val="tx2"/>
+                      <a:schemeClr val="tx2">
+                        <a:lumMod val="75000"/>
+                      </a:schemeClr>
                     </a:solidFill>
                   </a:tcPr>
                 </a:tc>

--- a/presentation/Resync Studie.pptx
+++ b/presentation/Resync Studie.pptx
@@ -5,7 +5,7 @@
     <p:sldMasterId id="2147483648" r:id="rId1"/>
   </p:sldMasterIdLst>
   <p:notesMasterIdLst>
-    <p:notesMasterId r:id="rId43"/>
+    <p:notesMasterId r:id="rId40"/>
   </p:notesMasterIdLst>
   <p:sldIdLst>
     <p:sldId id="256" r:id="rId2"/>
@@ -39,16 +39,13 @@
     <p:sldId id="296" r:id="rId30"/>
     <p:sldId id="297" r:id="rId31"/>
     <p:sldId id="311" r:id="rId32"/>
-    <p:sldId id="312" r:id="rId33"/>
-    <p:sldId id="313" r:id="rId34"/>
-    <p:sldId id="314" r:id="rId35"/>
-    <p:sldId id="315" r:id="rId36"/>
-    <p:sldId id="316" r:id="rId37"/>
-    <p:sldId id="317" r:id="rId38"/>
-    <p:sldId id="318" r:id="rId39"/>
-    <p:sldId id="302" r:id="rId40"/>
-    <p:sldId id="303" r:id="rId41"/>
-    <p:sldId id="308" r:id="rId42"/>
+    <p:sldId id="313" r:id="rId33"/>
+    <p:sldId id="314" r:id="rId34"/>
+    <p:sldId id="317" r:id="rId35"/>
+    <p:sldId id="318" r:id="rId36"/>
+    <p:sldId id="302" r:id="rId37"/>
+    <p:sldId id="303" r:id="rId38"/>
+    <p:sldId id="308" r:id="rId39"/>
   </p:sldIdLst>
   <p:sldSz cx="12192000" cy="6858000"/>
   <p:notesSz cx="6858000" cy="9144000"/>
@@ -307,6 +304,59 @@
               </c:ext>
             </c:extLst>
           </c:dPt>
+          <c:dLbls>
+            <c:spPr>
+              <a:noFill/>
+              <a:ln>
+                <a:noFill/>
+              </a:ln>
+              <a:effectLst/>
+            </c:spPr>
+            <c:txPr>
+              <a:bodyPr rot="0" spcFirstLastPara="1" vertOverflow="ellipsis" vert="horz" wrap="square" lIns="38100" tIns="19050" rIns="38100" bIns="19050" anchor="ctr" anchorCtr="1">
+                <a:spAutoFit/>
+              </a:bodyPr>
+              <a:lstStyle/>
+              <a:p>
+                <a:pPr>
+                  <a:defRPr sz="1400" b="0" i="0" u="none" strike="noStrike" kern="1200" baseline="0">
+                    <a:solidFill>
+                      <a:srgbClr val="E7E6E6"/>
+                    </a:solidFill>
+                    <a:latin typeface="Futura Lt BT" panose="020B0402020204020303" pitchFamily="34" charset="0"/>
+                    <a:ea typeface="+mn-ea"/>
+                    <a:cs typeface="+mn-cs"/>
+                  </a:defRPr>
+                </a:pPr>
+                <a:endParaRPr lang="de-DE"/>
+              </a:p>
+            </c:txPr>
+            <c:dLblPos val="outEnd"/>
+            <c:showLegendKey val="0"/>
+            <c:showVal val="0"/>
+            <c:showCatName val="0"/>
+            <c:showSerName val="0"/>
+            <c:showPercent val="1"/>
+            <c:showBubbleSize val="0"/>
+            <c:separator>; </c:separator>
+            <c:showLeaderLines val="1"/>
+            <c:leaderLines>
+              <c:spPr>
+                <a:ln w="9525">
+                  <a:solidFill>
+                    <a:schemeClr val="tx2">
+                      <a:lumMod val="35000"/>
+                      <a:lumOff val="65000"/>
+                    </a:schemeClr>
+                  </a:solidFill>
+                </a:ln>
+                <a:effectLst/>
+              </c:spPr>
+            </c:leaderLines>
+            <c:extLst>
+              <c:ext xmlns:c15="http://schemas.microsoft.com/office/drawing/2012/chart" uri="{CE6537A1-D6FC-4f65-9D91-7224C49458BB}"/>
+            </c:extLst>
+          </c:dLbls>
           <c:cat>
             <c:strRef>
               <c:f>Tabelle1!$A$2:$A$4</c:f>
@@ -885,8 +935,8 @@
     <c:plotArea>
       <c:layout/>
       <c:barChart>
-        <c:barDir val="col"/>
-        <c:grouping val="clustered"/>
+        <c:barDir val="bar"/>
+        <c:grouping val="stacked"/>
         <c:varyColors val="0"/>
         <c:ser>
           <c:idx val="0"/>
@@ -914,23 +964,29 @@
           <c:invertIfNegative val="0"/>
           <c:cat>
             <c:strRef>
-              <c:f>Tabelle1!$A$2</c:f>
+              <c:f>Tabelle1!$A$2:$A$3</c:f>
               <c:strCache>
-                <c:ptCount val="1"/>
+                <c:ptCount val="2"/>
                 <c:pt idx="0">
                   <c:v>Tired Before</c:v>
+                </c:pt>
+                <c:pt idx="1">
+                  <c:v>Tired After</c:v>
                 </c:pt>
               </c:strCache>
             </c:strRef>
           </c:cat>
           <c:val>
             <c:numRef>
-              <c:f>Tabelle1!$B$2</c:f>
+              <c:f>Tabelle1!$B$2:$B$3</c:f>
               <c:numCache>
-                <c:formatCode>General</c:formatCode>
-                <c:ptCount val="1"/>
+                <c:formatCode>0.00</c:formatCode>
+                <c:ptCount val="2"/>
                 <c:pt idx="0">
-                  <c:v>1</c:v>
+                  <c:v>2.2222222222222223E-2</c:v>
+                </c:pt>
+                <c:pt idx="1">
+                  <c:v>4.4444444444444446E-2</c:v>
                 </c:pt>
               </c:numCache>
             </c:numRef>
@@ -967,23 +1023,29 @@
           <c:invertIfNegative val="0"/>
           <c:cat>
             <c:strRef>
-              <c:f>Tabelle1!$A$2</c:f>
+              <c:f>Tabelle1!$A$2:$A$3</c:f>
               <c:strCache>
-                <c:ptCount val="1"/>
+                <c:ptCount val="2"/>
                 <c:pt idx="0">
                   <c:v>Tired Before</c:v>
+                </c:pt>
+                <c:pt idx="1">
+                  <c:v>Tired After</c:v>
                 </c:pt>
               </c:strCache>
             </c:strRef>
           </c:cat>
           <c:val>
             <c:numRef>
-              <c:f>Tabelle1!$C$2</c:f>
+              <c:f>Tabelle1!$C$2:$C$3</c:f>
               <c:numCache>
-                <c:formatCode>General</c:formatCode>
-                <c:ptCount val="1"/>
+                <c:formatCode>0.00</c:formatCode>
+                <c:ptCount val="2"/>
                 <c:pt idx="0">
-                  <c:v>6</c:v>
+                  <c:v>0.13333333333333333</c:v>
+                </c:pt>
+                <c:pt idx="1">
+                  <c:v>0.26666666666666666</c:v>
                 </c:pt>
               </c:numCache>
             </c:numRef>
@@ -1020,23 +1082,29 @@
           <c:invertIfNegative val="0"/>
           <c:cat>
             <c:strRef>
-              <c:f>Tabelle1!$A$2</c:f>
+              <c:f>Tabelle1!$A$2:$A$3</c:f>
               <c:strCache>
-                <c:ptCount val="1"/>
+                <c:ptCount val="2"/>
                 <c:pt idx="0">
                   <c:v>Tired Before</c:v>
+                </c:pt>
+                <c:pt idx="1">
+                  <c:v>Tired After</c:v>
                 </c:pt>
               </c:strCache>
             </c:strRef>
           </c:cat>
           <c:val>
             <c:numRef>
-              <c:f>Tabelle1!$D$2</c:f>
+              <c:f>Tabelle1!$D$2:$D$3</c:f>
               <c:numCache>
-                <c:formatCode>General</c:formatCode>
-                <c:ptCount val="1"/>
+                <c:formatCode>0.00</c:formatCode>
+                <c:ptCount val="2"/>
                 <c:pt idx="0">
-                  <c:v>9</c:v>
+                  <c:v>0.2</c:v>
+                </c:pt>
+                <c:pt idx="1">
+                  <c:v>0.37777777777777777</c:v>
                 </c:pt>
               </c:numCache>
             </c:numRef>
@@ -1092,23 +1160,29 @@
           </c:dPt>
           <c:cat>
             <c:strRef>
-              <c:f>Tabelle1!$A$2</c:f>
+              <c:f>Tabelle1!$A$2:$A$3</c:f>
               <c:strCache>
-                <c:ptCount val="1"/>
+                <c:ptCount val="2"/>
                 <c:pt idx="0">
                   <c:v>Tired Before</c:v>
+                </c:pt>
+                <c:pt idx="1">
+                  <c:v>Tired After</c:v>
                 </c:pt>
               </c:strCache>
             </c:strRef>
           </c:cat>
           <c:val>
             <c:numRef>
-              <c:f>Tabelle1!$E$2</c:f>
+              <c:f>Tabelle1!$E$2:$E$3</c:f>
               <c:numCache>
-                <c:formatCode>General</c:formatCode>
-                <c:ptCount val="1"/>
+                <c:formatCode>0.00</c:formatCode>
+                <c:ptCount val="2"/>
                 <c:pt idx="0">
-                  <c:v>5</c:v>
+                  <c:v>0.1111111111111111</c:v>
+                </c:pt>
+                <c:pt idx="1">
+                  <c:v>0.1111111111111111</c:v>
                 </c:pt>
               </c:numCache>
             </c:numRef>
@@ -1145,23 +1219,29 @@
           <c:invertIfNegative val="0"/>
           <c:cat>
             <c:strRef>
-              <c:f>Tabelle1!$A$2</c:f>
+              <c:f>Tabelle1!$A$2:$A$3</c:f>
               <c:strCache>
-                <c:ptCount val="1"/>
+                <c:ptCount val="2"/>
                 <c:pt idx="0">
                   <c:v>Tired Before</c:v>
+                </c:pt>
+                <c:pt idx="1">
+                  <c:v>Tired After</c:v>
                 </c:pt>
               </c:strCache>
             </c:strRef>
           </c:cat>
           <c:val>
             <c:numRef>
-              <c:f>Tabelle1!$F$2</c:f>
+              <c:f>Tabelle1!$F$2:$F$3</c:f>
               <c:numCache>
-                <c:formatCode>General</c:formatCode>
-                <c:ptCount val="1"/>
+                <c:formatCode>0.00</c:formatCode>
+                <c:ptCount val="2"/>
                 <c:pt idx="0">
-                  <c:v>8</c:v>
+                  <c:v>0.17777777777777778</c:v>
+                </c:pt>
+                <c:pt idx="1">
+                  <c:v>6.6666666666666666E-2</c:v>
                 </c:pt>
               </c:numCache>
             </c:numRef>
@@ -1198,23 +1278,29 @@
           <c:invertIfNegative val="0"/>
           <c:cat>
             <c:strRef>
-              <c:f>Tabelle1!$A$2</c:f>
+              <c:f>Tabelle1!$A$2:$A$3</c:f>
               <c:strCache>
-                <c:ptCount val="1"/>
+                <c:ptCount val="2"/>
                 <c:pt idx="0">
                   <c:v>Tired Before</c:v>
+                </c:pt>
+                <c:pt idx="1">
+                  <c:v>Tired After</c:v>
                 </c:pt>
               </c:strCache>
             </c:strRef>
           </c:cat>
           <c:val>
             <c:numRef>
-              <c:f>Tabelle1!$G$2</c:f>
+              <c:f>Tabelle1!$G$2:$G$3</c:f>
               <c:numCache>
-                <c:formatCode>General</c:formatCode>
-                <c:ptCount val="1"/>
+                <c:formatCode>0.00</c:formatCode>
+                <c:ptCount val="2"/>
                 <c:pt idx="0">
-                  <c:v>13</c:v>
+                  <c:v>0.28888888888888886</c:v>
+                </c:pt>
+                <c:pt idx="1">
+                  <c:v>0.1111111111111111</c:v>
                 </c:pt>
               </c:numCache>
             </c:numRef>
@@ -1251,23 +1337,29 @@
           <c:invertIfNegative val="0"/>
           <c:cat>
             <c:strRef>
-              <c:f>Tabelle1!$A$2</c:f>
+              <c:f>Tabelle1!$A$2:$A$3</c:f>
               <c:strCache>
-                <c:ptCount val="1"/>
+                <c:ptCount val="2"/>
                 <c:pt idx="0">
                   <c:v>Tired Before</c:v>
+                </c:pt>
+                <c:pt idx="1">
+                  <c:v>Tired After</c:v>
                 </c:pt>
               </c:strCache>
             </c:strRef>
           </c:cat>
           <c:val>
             <c:numRef>
-              <c:f>Tabelle1!$H$2</c:f>
+              <c:f>Tabelle1!$H$2:$H$3</c:f>
               <c:numCache>
-                <c:formatCode>General</c:formatCode>
-                <c:ptCount val="1"/>
+                <c:formatCode>0.00</c:formatCode>
+                <c:ptCount val="2"/>
                 <c:pt idx="0">
-                  <c:v>3</c:v>
+                  <c:v>6.6666666666666666E-2</c:v>
+                </c:pt>
+                <c:pt idx="1">
+                  <c:v>2.2222222222222223E-2</c:v>
                 </c:pt>
               </c:numCache>
             </c:numRef>
@@ -1287,7 +1379,7 @@
           <c:showBubbleSize val="0"/>
         </c:dLbls>
         <c:gapWidth val="219"/>
-        <c:overlap val="-27"/>
+        <c:overlap val="100"/>
         <c:axId val="541402800"/>
         <c:axId val="541403128"/>
       </c:barChart>
@@ -1297,7 +1389,7 @@
           <c:orientation val="minMax"/>
         </c:scaling>
         <c:delete val="0"/>
-        <c:axPos val="b"/>
+        <c:axPos val="l"/>
         <c:numFmt formatCode="General" sourceLinked="1"/>
         <c:majorTickMark val="none"/>
         <c:minorTickMark val="none"/>
@@ -1322,12 +1414,9 @@
             <a:pPr>
               <a:defRPr sz="1197" b="0" i="0" u="none" strike="noStrike" kern="1200" baseline="0">
                 <a:solidFill>
-                  <a:schemeClr val="tx1">
-                    <a:lumMod val="65000"/>
-                    <a:lumOff val="35000"/>
-                  </a:schemeClr>
+                  <a:srgbClr val="E7E6E6"/>
                 </a:solidFill>
-                <a:latin typeface="+mn-lt"/>
+                <a:latin typeface="Futura Lt BT" panose="020B0402020204020303" pitchFamily="34" charset="0"/>
                 <a:ea typeface="+mn-ea"/>
                 <a:cs typeface="+mn-cs"/>
               </a:defRPr>
@@ -1346,9 +1435,10 @@
         <c:axId val="541403128"/>
         <c:scaling>
           <c:orientation val="minMax"/>
+          <c:max val="1"/>
         </c:scaling>
         <c:delete val="0"/>
-        <c:axPos val="l"/>
+        <c:axPos val="b"/>
         <c:majorGridlines>
           <c:spPr>
             <a:ln w="9525" cap="flat" cmpd="sng" algn="ctr">
@@ -1363,7 +1453,7 @@
             <a:effectLst/>
           </c:spPr>
         </c:majorGridlines>
-        <c:numFmt formatCode="General" sourceLinked="1"/>
+        <c:numFmt formatCode="0.00" sourceLinked="1"/>
         <c:majorTickMark val="none"/>
         <c:minorTickMark val="none"/>
         <c:tickLblPos val="nextTo"/>
@@ -1381,12 +1471,9 @@
             <a:pPr>
               <a:defRPr sz="1197" b="0" i="0" u="none" strike="noStrike" kern="1200" baseline="0">
                 <a:solidFill>
-                  <a:schemeClr val="tx1">
-                    <a:lumMod val="65000"/>
-                    <a:lumOff val="35000"/>
-                  </a:schemeClr>
+                  <a:srgbClr val="E7E6E6"/>
                 </a:solidFill>
-                <a:latin typeface="+mn-lt"/>
+                <a:latin typeface="Futura Lt BT" panose="020B0402020204020303" pitchFamily="34" charset="0"/>
                 <a:ea typeface="+mn-ea"/>
                 <a:cs typeface="+mn-cs"/>
               </a:defRPr>
@@ -1423,12 +1510,9 @@
           <a:pPr>
             <a:defRPr sz="1197" b="0" i="0" u="none" strike="noStrike" kern="1200" baseline="0">
               <a:solidFill>
-                <a:schemeClr val="tx1">
-                  <a:lumMod val="65000"/>
-                  <a:lumOff val="35000"/>
-                </a:schemeClr>
+                <a:srgbClr val="E7E6E6"/>
               </a:solidFill>
-              <a:latin typeface="+mn-lt"/>
+              <a:latin typeface="Futura Lt BT" panose="020B0402020204020303" pitchFamily="34" charset="0"/>
               <a:ea typeface="+mn-ea"/>
               <a:cs typeface="+mn-cs"/>
             </a:defRPr>
@@ -1522,7 +1606,7 @@
               <c:strCache>
                 <c:ptCount val="1"/>
                 <c:pt idx="0">
-                  <c:v>Tired After</c:v>
+                  <c:v>Comfortable Sleeping</c:v>
                 </c:pt>
               </c:strCache>
             </c:strRef>
@@ -1534,7 +1618,7 @@
                 <c:formatCode>General</c:formatCode>
                 <c:ptCount val="1"/>
                 <c:pt idx="0">
-                  <c:v>2</c:v>
+                  <c:v>4</c:v>
                 </c:pt>
               </c:numCache>
             </c:numRef>
@@ -1575,7 +1659,7 @@
               <c:strCache>
                 <c:ptCount val="1"/>
                 <c:pt idx="0">
-                  <c:v>Tired After</c:v>
+                  <c:v>Comfortable Sleeping</c:v>
                 </c:pt>
               </c:strCache>
             </c:strRef>
@@ -1587,7 +1671,7 @@
                 <c:formatCode>General</c:formatCode>
                 <c:ptCount val="1"/>
                 <c:pt idx="0">
-                  <c:v>12</c:v>
+                  <c:v>17</c:v>
                 </c:pt>
               </c:numCache>
             </c:numRef>
@@ -1628,7 +1712,7 @@
               <c:strCache>
                 <c:ptCount val="1"/>
                 <c:pt idx="0">
-                  <c:v>Tired After</c:v>
+                  <c:v>Comfortable Sleeping</c:v>
                 </c:pt>
               </c:strCache>
             </c:strRef>
@@ -1640,7 +1724,7 @@
                 <c:formatCode>General</c:formatCode>
                 <c:ptCount val="1"/>
                 <c:pt idx="0">
-                  <c:v>17</c:v>
+                  <c:v>10</c:v>
                 </c:pt>
               </c:numCache>
             </c:numRef>
@@ -1700,7 +1784,7 @@
               <c:strCache>
                 <c:ptCount val="1"/>
                 <c:pt idx="0">
-                  <c:v>Tired After</c:v>
+                  <c:v>Comfortable Sleeping</c:v>
                 </c:pt>
               </c:strCache>
             </c:strRef>
@@ -1712,7 +1796,7 @@
                 <c:formatCode>General</c:formatCode>
                 <c:ptCount val="1"/>
                 <c:pt idx="0">
-                  <c:v>5</c:v>
+                  <c:v>1</c:v>
                 </c:pt>
               </c:numCache>
             </c:numRef>
@@ -1753,7 +1837,7 @@
               <c:strCache>
                 <c:ptCount val="1"/>
                 <c:pt idx="0">
-                  <c:v>Tired After</c:v>
+                  <c:v>Comfortable Sleeping</c:v>
                 </c:pt>
               </c:strCache>
             </c:strRef>
@@ -1765,7 +1849,7 @@
                 <c:formatCode>General</c:formatCode>
                 <c:ptCount val="1"/>
                 <c:pt idx="0">
-                  <c:v>3</c:v>
+                  <c:v>9</c:v>
                 </c:pt>
               </c:numCache>
             </c:numRef>
@@ -1806,7 +1890,7 @@
               <c:strCache>
                 <c:ptCount val="1"/>
                 <c:pt idx="0">
-                  <c:v>Tired After</c:v>
+                  <c:v>Comfortable Sleeping</c:v>
                 </c:pt>
               </c:strCache>
             </c:strRef>
@@ -1818,7 +1902,7 @@
                 <c:formatCode>General</c:formatCode>
                 <c:ptCount val="1"/>
                 <c:pt idx="0">
-                  <c:v>5</c:v>
+                  <c:v>3</c:v>
                 </c:pt>
               </c:numCache>
             </c:numRef>
@@ -1859,7 +1943,7 @@
               <c:strCache>
                 <c:ptCount val="1"/>
                 <c:pt idx="0">
-                  <c:v>Tired After</c:v>
+                  <c:v>Comfortable Sleeping</c:v>
                 </c:pt>
               </c:strCache>
             </c:strRef>
@@ -2126,7 +2210,7 @@
               <c:strCache>
                 <c:ptCount val="1"/>
                 <c:pt idx="0">
-                  <c:v>Comfortable Sleeping</c:v>
+                  <c:v>Not Comfortable Sleeping</c:v>
                 </c:pt>
               </c:strCache>
             </c:strRef>
@@ -2138,7 +2222,7 @@
                 <c:formatCode>General</c:formatCode>
                 <c:ptCount val="1"/>
                 <c:pt idx="0">
-                  <c:v>4</c:v>
+                  <c:v>2</c:v>
                 </c:pt>
               </c:numCache>
             </c:numRef>
@@ -2179,7 +2263,7 @@
               <c:strCache>
                 <c:ptCount val="1"/>
                 <c:pt idx="0">
-                  <c:v>Comfortable Sleeping</c:v>
+                  <c:v>Not Comfortable Sleeping</c:v>
                 </c:pt>
               </c:strCache>
             </c:strRef>
@@ -2191,7 +2275,7 @@
                 <c:formatCode>General</c:formatCode>
                 <c:ptCount val="1"/>
                 <c:pt idx="0">
-                  <c:v>17</c:v>
+                  <c:v>3</c:v>
                 </c:pt>
               </c:numCache>
             </c:numRef>
@@ -2232,7 +2316,7 @@
               <c:strCache>
                 <c:ptCount val="1"/>
                 <c:pt idx="0">
-                  <c:v>Comfortable Sleeping</c:v>
+                  <c:v>Not Comfortable Sleeping</c:v>
                 </c:pt>
               </c:strCache>
             </c:strRef>
@@ -2244,7 +2328,7 @@
                 <c:formatCode>General</c:formatCode>
                 <c:ptCount val="1"/>
                 <c:pt idx="0">
-                  <c:v>10</c:v>
+                  <c:v>7</c:v>
                 </c:pt>
               </c:numCache>
             </c:numRef>
@@ -2304,7 +2388,7 @@
               <c:strCache>
                 <c:ptCount val="1"/>
                 <c:pt idx="0">
-                  <c:v>Comfortable Sleeping</c:v>
+                  <c:v>Not Comfortable Sleeping</c:v>
                 </c:pt>
               </c:strCache>
             </c:strRef>
@@ -2316,7 +2400,7 @@
                 <c:formatCode>General</c:formatCode>
                 <c:ptCount val="1"/>
                 <c:pt idx="0">
-                  <c:v>1</c:v>
+                  <c:v>5</c:v>
                 </c:pt>
               </c:numCache>
             </c:numRef>
@@ -2357,7 +2441,7 @@
               <c:strCache>
                 <c:ptCount val="1"/>
                 <c:pt idx="0">
-                  <c:v>Comfortable Sleeping</c:v>
+                  <c:v>Not Comfortable Sleeping</c:v>
                 </c:pt>
               </c:strCache>
             </c:strRef>
@@ -2369,7 +2453,7 @@
                 <c:formatCode>General</c:formatCode>
                 <c:ptCount val="1"/>
                 <c:pt idx="0">
-                  <c:v>9</c:v>
+                  <c:v>8</c:v>
                 </c:pt>
               </c:numCache>
             </c:numRef>
@@ -2410,7 +2494,7 @@
               <c:strCache>
                 <c:ptCount val="1"/>
                 <c:pt idx="0">
-                  <c:v>Comfortable Sleeping</c:v>
+                  <c:v>Not Comfortable Sleeping</c:v>
                 </c:pt>
               </c:strCache>
             </c:strRef>
@@ -2422,7 +2506,7 @@
                 <c:formatCode>General</c:formatCode>
                 <c:ptCount val="1"/>
                 <c:pt idx="0">
-                  <c:v>3</c:v>
+                  <c:v>17</c:v>
                 </c:pt>
               </c:numCache>
             </c:numRef>
@@ -2463,7 +2547,7 @@
               <c:strCache>
                 <c:ptCount val="1"/>
                 <c:pt idx="0">
-                  <c:v>Comfortable Sleeping</c:v>
+                  <c:v>Not Comfortable Sleeping</c:v>
                 </c:pt>
               </c:strCache>
             </c:strRef>
@@ -2475,7 +2559,7 @@
                 <c:formatCode>General</c:formatCode>
                 <c:ptCount val="1"/>
                 <c:pt idx="0">
-                  <c:v>1</c:v>
+                  <c:v>3</c:v>
                 </c:pt>
               </c:numCache>
             </c:numRef>
@@ -2730,7 +2814,7 @@
               <c:strCache>
                 <c:ptCount val="1"/>
                 <c:pt idx="0">
-                  <c:v>Not Comfortable Sleeping</c:v>
+                  <c:v>Imagine Waking Up</c:v>
                 </c:pt>
               </c:strCache>
             </c:strRef>
@@ -2742,7 +2826,7 @@
                 <c:formatCode>General</c:formatCode>
                 <c:ptCount val="1"/>
                 <c:pt idx="0">
-                  <c:v>2</c:v>
+                  <c:v>0</c:v>
                 </c:pt>
               </c:numCache>
             </c:numRef>
@@ -2783,7 +2867,7 @@
               <c:strCache>
                 <c:ptCount val="1"/>
                 <c:pt idx="0">
-                  <c:v>Not Comfortable Sleeping</c:v>
+                  <c:v>Imagine Waking Up</c:v>
                 </c:pt>
               </c:strCache>
             </c:strRef>
@@ -2795,7 +2879,7 @@
                 <c:formatCode>General</c:formatCode>
                 <c:ptCount val="1"/>
                 <c:pt idx="0">
-                  <c:v>3</c:v>
+                  <c:v>14</c:v>
                 </c:pt>
               </c:numCache>
             </c:numRef>
@@ -2836,7 +2920,7 @@
               <c:strCache>
                 <c:ptCount val="1"/>
                 <c:pt idx="0">
-                  <c:v>Not Comfortable Sleeping</c:v>
+                  <c:v>Imagine Waking Up</c:v>
                 </c:pt>
               </c:strCache>
             </c:strRef>
@@ -2848,7 +2932,7 @@
                 <c:formatCode>General</c:formatCode>
                 <c:ptCount val="1"/>
                 <c:pt idx="0">
-                  <c:v>7</c:v>
+                  <c:v>5</c:v>
                 </c:pt>
               </c:numCache>
             </c:numRef>
@@ -2908,7 +2992,7 @@
               <c:strCache>
                 <c:ptCount val="1"/>
                 <c:pt idx="0">
-                  <c:v>Not Comfortable Sleeping</c:v>
+                  <c:v>Imagine Waking Up</c:v>
                 </c:pt>
               </c:strCache>
             </c:strRef>
@@ -2920,7 +3004,7 @@
                 <c:formatCode>General</c:formatCode>
                 <c:ptCount val="1"/>
                 <c:pt idx="0">
-                  <c:v>5</c:v>
+                  <c:v>7</c:v>
                 </c:pt>
               </c:numCache>
             </c:numRef>
@@ -2961,7 +3045,7 @@
               <c:strCache>
                 <c:ptCount val="1"/>
                 <c:pt idx="0">
-                  <c:v>Not Comfortable Sleeping</c:v>
+                  <c:v>Imagine Waking Up</c:v>
                 </c:pt>
               </c:strCache>
             </c:strRef>
@@ -2973,7 +3057,7 @@
                 <c:formatCode>General</c:formatCode>
                 <c:ptCount val="1"/>
                 <c:pt idx="0">
-                  <c:v>8</c:v>
+                  <c:v>7</c:v>
                 </c:pt>
               </c:numCache>
             </c:numRef>
@@ -3014,7 +3098,7 @@
               <c:strCache>
                 <c:ptCount val="1"/>
                 <c:pt idx="0">
-                  <c:v>Not Comfortable Sleeping</c:v>
+                  <c:v>Imagine Waking Up</c:v>
                 </c:pt>
               </c:strCache>
             </c:strRef>
@@ -3026,7 +3110,7 @@
                 <c:formatCode>General</c:formatCode>
                 <c:ptCount val="1"/>
                 <c:pt idx="0">
-                  <c:v>17</c:v>
+                  <c:v>10</c:v>
                 </c:pt>
               </c:numCache>
             </c:numRef>
@@ -3067,7 +3151,7 @@
               <c:strCache>
                 <c:ptCount val="1"/>
                 <c:pt idx="0">
-                  <c:v>Not Comfortable Sleeping</c:v>
+                  <c:v>Imagine Waking Up</c:v>
                 </c:pt>
               </c:strCache>
             </c:strRef>
@@ -3079,7 +3163,7 @@
                 <c:formatCode>General</c:formatCode>
                 <c:ptCount val="1"/>
                 <c:pt idx="0">
-                  <c:v>3</c:v>
+                  <c:v>2</c:v>
                 </c:pt>
               </c:numCache>
             </c:numRef>
@@ -3334,7 +3418,7 @@
               <c:strCache>
                 <c:ptCount val="1"/>
                 <c:pt idx="0">
-                  <c:v>Transition Easy</c:v>
+                  <c:v>Permanent Wearing</c:v>
                 </c:pt>
               </c:strCache>
             </c:strRef>
@@ -3346,7 +3430,7 @@
                 <c:formatCode>General</c:formatCode>
                 <c:ptCount val="1"/>
                 <c:pt idx="0">
-                  <c:v>3</c:v>
+                  <c:v>5</c:v>
                 </c:pt>
               </c:numCache>
             </c:numRef>
@@ -3387,7 +3471,7 @@
               <c:strCache>
                 <c:ptCount val="1"/>
                 <c:pt idx="0">
-                  <c:v>Transition Easy</c:v>
+                  <c:v>Permanent Wearing</c:v>
                 </c:pt>
               </c:strCache>
             </c:strRef>
@@ -3399,7 +3483,7 @@
                 <c:formatCode>General</c:formatCode>
                 <c:ptCount val="1"/>
                 <c:pt idx="0">
-                  <c:v>18</c:v>
+                  <c:v>12</c:v>
                 </c:pt>
               </c:numCache>
             </c:numRef>
@@ -3440,7 +3524,7 @@
               <c:strCache>
                 <c:ptCount val="1"/>
                 <c:pt idx="0">
-                  <c:v>Transition Easy</c:v>
+                  <c:v>Permanent Wearing</c:v>
                 </c:pt>
               </c:strCache>
             </c:strRef>
@@ -3452,7 +3536,7 @@
                 <c:formatCode>General</c:formatCode>
                 <c:ptCount val="1"/>
                 <c:pt idx="0">
-                  <c:v>11</c:v>
+                  <c:v>10</c:v>
                 </c:pt>
               </c:numCache>
             </c:numRef>
@@ -3512,7 +3596,7 @@
               <c:strCache>
                 <c:ptCount val="1"/>
                 <c:pt idx="0">
-                  <c:v>Transition Easy</c:v>
+                  <c:v>Permanent Wearing</c:v>
                 </c:pt>
               </c:strCache>
             </c:strRef>
@@ -3524,7 +3608,7 @@
                 <c:formatCode>General</c:formatCode>
                 <c:ptCount val="1"/>
                 <c:pt idx="0">
-                  <c:v>3</c:v>
+                  <c:v>1</c:v>
                 </c:pt>
               </c:numCache>
             </c:numRef>
@@ -3565,7 +3649,7 @@
               <c:strCache>
                 <c:ptCount val="1"/>
                 <c:pt idx="0">
-                  <c:v>Transition Easy</c:v>
+                  <c:v>Permanent Wearing</c:v>
                 </c:pt>
               </c:strCache>
             </c:strRef>
@@ -3577,7 +3661,7 @@
                 <c:formatCode>General</c:formatCode>
                 <c:ptCount val="1"/>
                 <c:pt idx="0">
-                  <c:v>6</c:v>
+                  <c:v>4</c:v>
                 </c:pt>
               </c:numCache>
             </c:numRef>
@@ -3618,7 +3702,7 @@
               <c:strCache>
                 <c:ptCount val="1"/>
                 <c:pt idx="0">
-                  <c:v>Transition Easy</c:v>
+                  <c:v>Permanent Wearing</c:v>
                 </c:pt>
               </c:strCache>
             </c:strRef>
@@ -3630,7 +3714,7 @@
                 <c:formatCode>General</c:formatCode>
                 <c:ptCount val="1"/>
                 <c:pt idx="0">
-                  <c:v>3</c:v>
+                  <c:v>10</c:v>
                 </c:pt>
               </c:numCache>
             </c:numRef>
@@ -3671,7 +3755,7 @@
               <c:strCache>
                 <c:ptCount val="1"/>
                 <c:pt idx="0">
-                  <c:v>Transition Easy</c:v>
+                  <c:v>Permanent Wearing</c:v>
                 </c:pt>
               </c:strCache>
             </c:strRef>
@@ -3683,7 +3767,7 @@
                 <c:formatCode>General</c:formatCode>
                 <c:ptCount val="1"/>
                 <c:pt idx="0">
-                  <c:v>1</c:v>
+                  <c:v>3</c:v>
                 </c:pt>
               </c:numCache>
             </c:numRef>
@@ -3888,1818 +3972,6 @@
 </file>
 
 <file path=ppt/charts/chart16.xml><?xml version="1.0" encoding="utf-8"?>
-<c:chartSpace xmlns:c="http://schemas.openxmlformats.org/drawingml/2006/chart" xmlns:a="http://schemas.openxmlformats.org/drawingml/2006/main" xmlns:r="http://schemas.openxmlformats.org/officeDocument/2006/relationships" xmlns:c16r2="http://schemas.microsoft.com/office/drawing/2015/06/chart">
-  <c:date1904 val="0"/>
-  <c:lang val="de-DE"/>
-  <c:roundedCorners val="0"/>
-  <mc:AlternateContent xmlns:mc="http://schemas.openxmlformats.org/markup-compatibility/2006">
-    <mc:Choice xmlns:c14="http://schemas.microsoft.com/office/drawing/2007/8/2/chart" Requires="c14">
-      <c14:style val="102"/>
-    </mc:Choice>
-    <mc:Fallback>
-      <c:style val="2"/>
-    </mc:Fallback>
-  </mc:AlternateContent>
-  <c:chart>
-    <c:autoTitleDeleted val="0"/>
-    <c:plotArea>
-      <c:layout/>
-      <c:barChart>
-        <c:barDir val="col"/>
-        <c:grouping val="clustered"/>
-        <c:varyColors val="0"/>
-        <c:ser>
-          <c:idx val="0"/>
-          <c:order val="0"/>
-          <c:tx>
-            <c:strRef>
-              <c:f>Tabelle1!$B$1</c:f>
-              <c:strCache>
-                <c:ptCount val="1"/>
-                <c:pt idx="0">
-                  <c:v>Strongly Agree</c:v>
-                </c:pt>
-              </c:strCache>
-            </c:strRef>
-          </c:tx>
-          <c:spPr>
-            <a:solidFill>
-              <a:srgbClr val="D53E4F"/>
-            </a:solidFill>
-            <a:ln>
-              <a:noFill/>
-            </a:ln>
-            <a:effectLst/>
-          </c:spPr>
-          <c:invertIfNegative val="0"/>
-          <c:cat>
-            <c:strRef>
-              <c:f>Tabelle1!$A$2</c:f>
-              <c:strCache>
-                <c:ptCount val="1"/>
-                <c:pt idx="0">
-                  <c:v>Transition Hard</c:v>
-                </c:pt>
-              </c:strCache>
-            </c:strRef>
-          </c:cat>
-          <c:val>
-            <c:numRef>
-              <c:f>Tabelle1!$B$2</c:f>
-              <c:numCache>
-                <c:formatCode>General</c:formatCode>
-                <c:ptCount val="1"/>
-                <c:pt idx="0">
-                  <c:v>1</c:v>
-                </c:pt>
-              </c:numCache>
-            </c:numRef>
-          </c:val>
-          <c:extLst>
-            <c:ext xmlns:c16="http://schemas.microsoft.com/office/drawing/2014/chart" uri="{C3380CC4-5D6E-409C-BE32-E72D297353CC}">
-              <c16:uniqueId val="{00000000-07F1-4617-9BBE-92892D58BD61}"/>
-            </c:ext>
-          </c:extLst>
-        </c:ser>
-        <c:ser>
-          <c:idx val="1"/>
-          <c:order val="1"/>
-          <c:tx>
-            <c:strRef>
-              <c:f>Tabelle1!$C$1</c:f>
-              <c:strCache>
-                <c:ptCount val="1"/>
-                <c:pt idx="0">
-                  <c:v>Agree</c:v>
-                </c:pt>
-              </c:strCache>
-            </c:strRef>
-          </c:tx>
-          <c:spPr>
-            <a:solidFill>
-              <a:schemeClr val="accent2"/>
-            </a:solidFill>
-            <a:ln>
-              <a:noFill/>
-            </a:ln>
-            <a:effectLst/>
-          </c:spPr>
-          <c:invertIfNegative val="0"/>
-          <c:cat>
-            <c:strRef>
-              <c:f>Tabelle1!$A$2</c:f>
-              <c:strCache>
-                <c:ptCount val="1"/>
-                <c:pt idx="0">
-                  <c:v>Transition Hard</c:v>
-                </c:pt>
-              </c:strCache>
-            </c:strRef>
-          </c:cat>
-          <c:val>
-            <c:numRef>
-              <c:f>Tabelle1!$C$2</c:f>
-              <c:numCache>
-                <c:formatCode>General</c:formatCode>
-                <c:ptCount val="1"/>
-                <c:pt idx="0">
-                  <c:v>7</c:v>
-                </c:pt>
-              </c:numCache>
-            </c:numRef>
-          </c:val>
-          <c:extLst>
-            <c:ext xmlns:c16="http://schemas.microsoft.com/office/drawing/2014/chart" uri="{C3380CC4-5D6E-409C-BE32-E72D297353CC}">
-              <c16:uniqueId val="{00000003-07F1-4617-9BBE-92892D58BD61}"/>
-            </c:ext>
-          </c:extLst>
-        </c:ser>
-        <c:ser>
-          <c:idx val="2"/>
-          <c:order val="2"/>
-          <c:tx>
-            <c:strRef>
-              <c:f>Tabelle1!$D$1</c:f>
-              <c:strCache>
-                <c:ptCount val="1"/>
-                <c:pt idx="0">
-                  <c:v>Somewhat Agree</c:v>
-                </c:pt>
-              </c:strCache>
-            </c:strRef>
-          </c:tx>
-          <c:spPr>
-            <a:solidFill>
-              <a:srgbClr val="FEE08B"/>
-            </a:solidFill>
-            <a:ln>
-              <a:noFill/>
-            </a:ln>
-            <a:effectLst/>
-          </c:spPr>
-          <c:invertIfNegative val="0"/>
-          <c:cat>
-            <c:strRef>
-              <c:f>Tabelle1!$A$2</c:f>
-              <c:strCache>
-                <c:ptCount val="1"/>
-                <c:pt idx="0">
-                  <c:v>Transition Hard</c:v>
-                </c:pt>
-              </c:strCache>
-            </c:strRef>
-          </c:cat>
-          <c:val>
-            <c:numRef>
-              <c:f>Tabelle1!$D$2</c:f>
-              <c:numCache>
-                <c:formatCode>General</c:formatCode>
-                <c:ptCount val="1"/>
-                <c:pt idx="0">
-                  <c:v>5</c:v>
-                </c:pt>
-              </c:numCache>
-            </c:numRef>
-          </c:val>
-          <c:extLst>
-            <c:ext xmlns:c16="http://schemas.microsoft.com/office/drawing/2014/chart" uri="{C3380CC4-5D6E-409C-BE32-E72D297353CC}">
-              <c16:uniqueId val="{00000004-07F1-4617-9BBE-92892D58BD61}"/>
-            </c:ext>
-          </c:extLst>
-        </c:ser>
-        <c:ser>
-          <c:idx val="3"/>
-          <c:order val="3"/>
-          <c:tx>
-            <c:strRef>
-              <c:f>Tabelle1!$E$1</c:f>
-              <c:strCache>
-                <c:ptCount val="1"/>
-                <c:pt idx="0">
-                  <c:v>Neither Agree nor Disagree</c:v>
-                </c:pt>
-              </c:strCache>
-            </c:strRef>
-          </c:tx>
-          <c:spPr>
-            <a:solidFill>
-              <a:schemeClr val="accent4"/>
-            </a:solidFill>
-            <a:ln>
-              <a:noFill/>
-            </a:ln>
-            <a:effectLst/>
-          </c:spPr>
-          <c:invertIfNegative val="0"/>
-          <c:dPt>
-            <c:idx val="0"/>
-            <c:invertIfNegative val="0"/>
-            <c:bubble3D val="0"/>
-            <c:spPr>
-              <a:solidFill>
-                <a:srgbClr val="FFFFBF"/>
-              </a:solidFill>
-              <a:ln>
-                <a:noFill/>
-              </a:ln>
-              <a:effectLst/>
-            </c:spPr>
-            <c:extLst>
-              <c:ext xmlns:c16="http://schemas.microsoft.com/office/drawing/2014/chart" uri="{C3380CC4-5D6E-409C-BE32-E72D297353CC}">
-                <c16:uniqueId val="{0000000B-07F1-4617-9BBE-92892D58BD61}"/>
-              </c:ext>
-            </c:extLst>
-          </c:dPt>
-          <c:cat>
-            <c:strRef>
-              <c:f>Tabelle1!$A$2</c:f>
-              <c:strCache>
-                <c:ptCount val="1"/>
-                <c:pt idx="0">
-                  <c:v>Transition Hard</c:v>
-                </c:pt>
-              </c:strCache>
-            </c:strRef>
-          </c:cat>
-          <c:val>
-            <c:numRef>
-              <c:f>Tabelle1!$E$2</c:f>
-              <c:numCache>
-                <c:formatCode>General</c:formatCode>
-                <c:ptCount val="1"/>
-                <c:pt idx="0">
-                  <c:v>6</c:v>
-                </c:pt>
-              </c:numCache>
-            </c:numRef>
-          </c:val>
-          <c:extLst>
-            <c:ext xmlns:c16="http://schemas.microsoft.com/office/drawing/2014/chart" uri="{C3380CC4-5D6E-409C-BE32-E72D297353CC}">
-              <c16:uniqueId val="{00000005-07F1-4617-9BBE-92892D58BD61}"/>
-            </c:ext>
-          </c:extLst>
-        </c:ser>
-        <c:ser>
-          <c:idx val="4"/>
-          <c:order val="4"/>
-          <c:tx>
-            <c:strRef>
-              <c:f>Tabelle1!$F$1</c:f>
-              <c:strCache>
-                <c:ptCount val="1"/>
-                <c:pt idx="0">
-                  <c:v>Somewhat Disagree</c:v>
-                </c:pt>
-              </c:strCache>
-            </c:strRef>
-          </c:tx>
-          <c:spPr>
-            <a:solidFill>
-              <a:srgbClr val="E6F598"/>
-            </a:solidFill>
-            <a:ln>
-              <a:noFill/>
-            </a:ln>
-            <a:effectLst/>
-          </c:spPr>
-          <c:invertIfNegative val="0"/>
-          <c:cat>
-            <c:strRef>
-              <c:f>Tabelle1!$A$2</c:f>
-              <c:strCache>
-                <c:ptCount val="1"/>
-                <c:pt idx="0">
-                  <c:v>Transition Hard</c:v>
-                </c:pt>
-              </c:strCache>
-            </c:strRef>
-          </c:cat>
-          <c:val>
-            <c:numRef>
-              <c:f>Tabelle1!$F$2</c:f>
-              <c:numCache>
-                <c:formatCode>General</c:formatCode>
-                <c:ptCount val="1"/>
-                <c:pt idx="0">
-                  <c:v>11</c:v>
-                </c:pt>
-              </c:numCache>
-            </c:numRef>
-          </c:val>
-          <c:extLst>
-            <c:ext xmlns:c16="http://schemas.microsoft.com/office/drawing/2014/chart" uri="{C3380CC4-5D6E-409C-BE32-E72D297353CC}">
-              <c16:uniqueId val="{00000008-07F1-4617-9BBE-92892D58BD61}"/>
-            </c:ext>
-          </c:extLst>
-        </c:ser>
-        <c:ser>
-          <c:idx val="5"/>
-          <c:order val="5"/>
-          <c:tx>
-            <c:strRef>
-              <c:f>Tabelle1!$G$1</c:f>
-              <c:strCache>
-                <c:ptCount val="1"/>
-                <c:pt idx="0">
-                  <c:v>Disagree</c:v>
-                </c:pt>
-              </c:strCache>
-            </c:strRef>
-          </c:tx>
-          <c:spPr>
-            <a:solidFill>
-              <a:srgbClr val="99D594"/>
-            </a:solidFill>
-            <a:ln>
-              <a:noFill/>
-            </a:ln>
-            <a:effectLst/>
-          </c:spPr>
-          <c:invertIfNegative val="0"/>
-          <c:cat>
-            <c:strRef>
-              <c:f>Tabelle1!$A$2</c:f>
-              <c:strCache>
-                <c:ptCount val="1"/>
-                <c:pt idx="0">
-                  <c:v>Transition Hard</c:v>
-                </c:pt>
-              </c:strCache>
-            </c:strRef>
-          </c:cat>
-          <c:val>
-            <c:numRef>
-              <c:f>Tabelle1!$G$2</c:f>
-              <c:numCache>
-                <c:formatCode>General</c:formatCode>
-                <c:ptCount val="1"/>
-                <c:pt idx="0">
-                  <c:v>12</c:v>
-                </c:pt>
-              </c:numCache>
-            </c:numRef>
-          </c:val>
-          <c:extLst>
-            <c:ext xmlns:c16="http://schemas.microsoft.com/office/drawing/2014/chart" uri="{C3380CC4-5D6E-409C-BE32-E72D297353CC}">
-              <c16:uniqueId val="{00000009-07F1-4617-9BBE-92892D58BD61}"/>
-            </c:ext>
-          </c:extLst>
-        </c:ser>
-        <c:ser>
-          <c:idx val="6"/>
-          <c:order val="6"/>
-          <c:tx>
-            <c:strRef>
-              <c:f>Tabelle1!$H$1</c:f>
-              <c:strCache>
-                <c:ptCount val="1"/>
-                <c:pt idx="0">
-                  <c:v>Strongly Disagree</c:v>
-                </c:pt>
-              </c:strCache>
-            </c:strRef>
-          </c:tx>
-          <c:spPr>
-            <a:solidFill>
-              <a:srgbClr val="3288BD"/>
-            </a:solidFill>
-            <a:ln>
-              <a:noFill/>
-            </a:ln>
-            <a:effectLst/>
-          </c:spPr>
-          <c:invertIfNegative val="0"/>
-          <c:cat>
-            <c:strRef>
-              <c:f>Tabelle1!$A$2</c:f>
-              <c:strCache>
-                <c:ptCount val="1"/>
-                <c:pt idx="0">
-                  <c:v>Transition Hard</c:v>
-                </c:pt>
-              </c:strCache>
-            </c:strRef>
-          </c:cat>
-          <c:val>
-            <c:numRef>
-              <c:f>Tabelle1!$H$2</c:f>
-              <c:numCache>
-                <c:formatCode>General</c:formatCode>
-                <c:ptCount val="1"/>
-                <c:pt idx="0">
-                  <c:v>3</c:v>
-                </c:pt>
-              </c:numCache>
-            </c:numRef>
-          </c:val>
-          <c:extLst>
-            <c:ext xmlns:c16="http://schemas.microsoft.com/office/drawing/2014/chart" uri="{C3380CC4-5D6E-409C-BE32-E72D297353CC}">
-              <c16:uniqueId val="{0000000A-07F1-4617-9BBE-92892D58BD61}"/>
-            </c:ext>
-          </c:extLst>
-        </c:ser>
-        <c:dLbls>
-          <c:showLegendKey val="0"/>
-          <c:showVal val="0"/>
-          <c:showCatName val="0"/>
-          <c:showSerName val="0"/>
-          <c:showPercent val="0"/>
-          <c:showBubbleSize val="0"/>
-        </c:dLbls>
-        <c:gapWidth val="219"/>
-        <c:overlap val="-27"/>
-        <c:axId val="541402800"/>
-        <c:axId val="541403128"/>
-      </c:barChart>
-      <c:catAx>
-        <c:axId val="541402800"/>
-        <c:scaling>
-          <c:orientation val="minMax"/>
-        </c:scaling>
-        <c:delete val="0"/>
-        <c:axPos val="b"/>
-        <c:numFmt formatCode="General" sourceLinked="1"/>
-        <c:majorTickMark val="none"/>
-        <c:minorTickMark val="none"/>
-        <c:tickLblPos val="nextTo"/>
-        <c:spPr>
-          <a:noFill/>
-          <a:ln w="9525" cap="flat" cmpd="sng" algn="ctr">
-            <a:solidFill>
-              <a:schemeClr val="tx1">
-                <a:lumMod val="15000"/>
-                <a:lumOff val="85000"/>
-              </a:schemeClr>
-            </a:solidFill>
-            <a:round/>
-          </a:ln>
-          <a:effectLst/>
-        </c:spPr>
-        <c:txPr>
-          <a:bodyPr rot="-60000000" spcFirstLastPara="1" vertOverflow="ellipsis" vert="horz" wrap="square" anchor="ctr" anchorCtr="1"/>
-          <a:lstStyle/>
-          <a:p>
-            <a:pPr>
-              <a:defRPr sz="1197" b="0" i="0" u="none" strike="noStrike" kern="1200" baseline="0">
-                <a:solidFill>
-                  <a:schemeClr val="tx1">
-                    <a:lumMod val="65000"/>
-                    <a:lumOff val="35000"/>
-                  </a:schemeClr>
-                </a:solidFill>
-                <a:latin typeface="+mn-lt"/>
-                <a:ea typeface="+mn-ea"/>
-                <a:cs typeface="+mn-cs"/>
-              </a:defRPr>
-            </a:pPr>
-            <a:endParaRPr lang="de-DE"/>
-          </a:p>
-        </c:txPr>
-        <c:crossAx val="541403128"/>
-        <c:crosses val="autoZero"/>
-        <c:auto val="1"/>
-        <c:lblAlgn val="ctr"/>
-        <c:lblOffset val="100"/>
-        <c:noMultiLvlLbl val="0"/>
-      </c:catAx>
-      <c:valAx>
-        <c:axId val="541403128"/>
-        <c:scaling>
-          <c:orientation val="minMax"/>
-        </c:scaling>
-        <c:delete val="0"/>
-        <c:axPos val="l"/>
-        <c:majorGridlines>
-          <c:spPr>
-            <a:ln w="9525" cap="flat" cmpd="sng" algn="ctr">
-              <a:solidFill>
-                <a:schemeClr val="tx1">
-                  <a:lumMod val="15000"/>
-                  <a:lumOff val="85000"/>
-                </a:schemeClr>
-              </a:solidFill>
-              <a:round/>
-            </a:ln>
-            <a:effectLst/>
-          </c:spPr>
-        </c:majorGridlines>
-        <c:numFmt formatCode="General" sourceLinked="1"/>
-        <c:majorTickMark val="none"/>
-        <c:minorTickMark val="none"/>
-        <c:tickLblPos val="nextTo"/>
-        <c:spPr>
-          <a:noFill/>
-          <a:ln>
-            <a:noFill/>
-          </a:ln>
-          <a:effectLst/>
-        </c:spPr>
-        <c:txPr>
-          <a:bodyPr rot="-60000000" spcFirstLastPara="1" vertOverflow="ellipsis" vert="horz" wrap="square" anchor="ctr" anchorCtr="1"/>
-          <a:lstStyle/>
-          <a:p>
-            <a:pPr>
-              <a:defRPr sz="1197" b="0" i="0" u="none" strike="noStrike" kern="1200" baseline="0">
-                <a:solidFill>
-                  <a:schemeClr val="tx1">
-                    <a:lumMod val="65000"/>
-                    <a:lumOff val="35000"/>
-                  </a:schemeClr>
-                </a:solidFill>
-                <a:latin typeface="+mn-lt"/>
-                <a:ea typeface="+mn-ea"/>
-                <a:cs typeface="+mn-cs"/>
-              </a:defRPr>
-            </a:pPr>
-            <a:endParaRPr lang="de-DE"/>
-          </a:p>
-        </c:txPr>
-        <c:crossAx val="541402800"/>
-        <c:crosses val="autoZero"/>
-        <c:crossBetween val="between"/>
-      </c:valAx>
-      <c:spPr>
-        <a:noFill/>
-        <a:ln>
-          <a:noFill/>
-        </a:ln>
-        <a:effectLst/>
-      </c:spPr>
-    </c:plotArea>
-    <c:legend>
-      <c:legendPos val="b"/>
-      <c:overlay val="0"/>
-      <c:spPr>
-        <a:noFill/>
-        <a:ln>
-          <a:noFill/>
-        </a:ln>
-        <a:effectLst/>
-      </c:spPr>
-      <c:txPr>
-        <a:bodyPr rot="0" spcFirstLastPara="1" vertOverflow="ellipsis" vert="horz" wrap="square" anchor="ctr" anchorCtr="1"/>
-        <a:lstStyle/>
-        <a:p>
-          <a:pPr>
-            <a:defRPr sz="1197" b="0" i="0" u="none" strike="noStrike" kern="1200" baseline="0">
-              <a:solidFill>
-                <a:schemeClr val="tx1">
-                  <a:lumMod val="65000"/>
-                  <a:lumOff val="35000"/>
-                </a:schemeClr>
-              </a:solidFill>
-              <a:latin typeface="+mn-lt"/>
-              <a:ea typeface="+mn-ea"/>
-              <a:cs typeface="+mn-cs"/>
-            </a:defRPr>
-          </a:pPr>
-          <a:endParaRPr lang="de-DE"/>
-        </a:p>
-      </c:txPr>
-    </c:legend>
-    <c:plotVisOnly val="1"/>
-    <c:dispBlanksAs val="gap"/>
-    <c:extLst>
-      <c:ext xmlns:c16r3="http://schemas.microsoft.com/office/drawing/2017/03/chart" uri="{56B9EC1D-385E-4148-901F-78D8002777C0}">
-        <c16r3:dataDisplayOptions16>
-          <c16r3:dispNaAsBlank val="1"/>
-        </c16r3:dataDisplayOptions16>
-      </c:ext>
-    </c:extLst>
-    <c:showDLblsOverMax val="0"/>
-  </c:chart>
-  <c:spPr>
-    <a:noFill/>
-    <a:ln>
-      <a:noFill/>
-    </a:ln>
-    <a:effectLst/>
-  </c:spPr>
-  <c:txPr>
-    <a:bodyPr/>
-    <a:lstStyle/>
-    <a:p>
-      <a:pPr>
-        <a:defRPr/>
-      </a:pPr>
-      <a:endParaRPr lang="de-DE"/>
-    </a:p>
-  </c:txPr>
-  <c:externalData r:id="rId3">
-    <c:autoUpdate val="0"/>
-  </c:externalData>
-</c:chartSpace>
-</file>
-
-<file path=ppt/charts/chart17.xml><?xml version="1.0" encoding="utf-8"?>
-<c:chartSpace xmlns:c="http://schemas.openxmlformats.org/drawingml/2006/chart" xmlns:a="http://schemas.openxmlformats.org/drawingml/2006/main" xmlns:r="http://schemas.openxmlformats.org/officeDocument/2006/relationships" xmlns:c16r2="http://schemas.microsoft.com/office/drawing/2015/06/chart">
-  <c:date1904 val="0"/>
-  <c:lang val="de-DE"/>
-  <c:roundedCorners val="0"/>
-  <mc:AlternateContent xmlns:mc="http://schemas.openxmlformats.org/markup-compatibility/2006">
-    <mc:Choice xmlns:c14="http://schemas.microsoft.com/office/drawing/2007/8/2/chart" Requires="c14">
-      <c14:style val="102"/>
-    </mc:Choice>
-    <mc:Fallback>
-      <c:style val="2"/>
-    </mc:Fallback>
-  </mc:AlternateContent>
-  <c:chart>
-    <c:autoTitleDeleted val="0"/>
-    <c:plotArea>
-      <c:layout/>
-      <c:barChart>
-        <c:barDir val="col"/>
-        <c:grouping val="clustered"/>
-        <c:varyColors val="0"/>
-        <c:ser>
-          <c:idx val="0"/>
-          <c:order val="0"/>
-          <c:tx>
-            <c:strRef>
-              <c:f>Tabelle1!$B$1</c:f>
-              <c:strCache>
-                <c:ptCount val="1"/>
-                <c:pt idx="0">
-                  <c:v>Strongly Agree</c:v>
-                </c:pt>
-              </c:strCache>
-            </c:strRef>
-          </c:tx>
-          <c:spPr>
-            <a:solidFill>
-              <a:srgbClr val="D53E4F"/>
-            </a:solidFill>
-            <a:ln>
-              <a:noFill/>
-            </a:ln>
-            <a:effectLst/>
-          </c:spPr>
-          <c:invertIfNegative val="0"/>
-          <c:cat>
-            <c:strRef>
-              <c:f>Tabelle1!$A$2</c:f>
-              <c:strCache>
-                <c:ptCount val="1"/>
-                <c:pt idx="0">
-                  <c:v>Imagine Waking Up</c:v>
-                </c:pt>
-              </c:strCache>
-            </c:strRef>
-          </c:cat>
-          <c:val>
-            <c:numRef>
-              <c:f>Tabelle1!$B$2</c:f>
-              <c:numCache>
-                <c:formatCode>General</c:formatCode>
-                <c:ptCount val="1"/>
-                <c:pt idx="0">
-                  <c:v>0</c:v>
-                </c:pt>
-              </c:numCache>
-            </c:numRef>
-          </c:val>
-          <c:extLst>
-            <c:ext xmlns:c16="http://schemas.microsoft.com/office/drawing/2014/chart" uri="{C3380CC4-5D6E-409C-BE32-E72D297353CC}">
-              <c16:uniqueId val="{00000000-07F1-4617-9BBE-92892D58BD61}"/>
-            </c:ext>
-          </c:extLst>
-        </c:ser>
-        <c:ser>
-          <c:idx val="1"/>
-          <c:order val="1"/>
-          <c:tx>
-            <c:strRef>
-              <c:f>Tabelle1!$C$1</c:f>
-              <c:strCache>
-                <c:ptCount val="1"/>
-                <c:pt idx="0">
-                  <c:v>Agree</c:v>
-                </c:pt>
-              </c:strCache>
-            </c:strRef>
-          </c:tx>
-          <c:spPr>
-            <a:solidFill>
-              <a:schemeClr val="accent2"/>
-            </a:solidFill>
-            <a:ln>
-              <a:noFill/>
-            </a:ln>
-            <a:effectLst/>
-          </c:spPr>
-          <c:invertIfNegative val="0"/>
-          <c:cat>
-            <c:strRef>
-              <c:f>Tabelle1!$A$2</c:f>
-              <c:strCache>
-                <c:ptCount val="1"/>
-                <c:pt idx="0">
-                  <c:v>Imagine Waking Up</c:v>
-                </c:pt>
-              </c:strCache>
-            </c:strRef>
-          </c:cat>
-          <c:val>
-            <c:numRef>
-              <c:f>Tabelle1!$C$2</c:f>
-              <c:numCache>
-                <c:formatCode>General</c:formatCode>
-                <c:ptCount val="1"/>
-                <c:pt idx="0">
-                  <c:v>14</c:v>
-                </c:pt>
-              </c:numCache>
-            </c:numRef>
-          </c:val>
-          <c:extLst>
-            <c:ext xmlns:c16="http://schemas.microsoft.com/office/drawing/2014/chart" uri="{C3380CC4-5D6E-409C-BE32-E72D297353CC}">
-              <c16:uniqueId val="{00000003-07F1-4617-9BBE-92892D58BD61}"/>
-            </c:ext>
-          </c:extLst>
-        </c:ser>
-        <c:ser>
-          <c:idx val="2"/>
-          <c:order val="2"/>
-          <c:tx>
-            <c:strRef>
-              <c:f>Tabelle1!$D$1</c:f>
-              <c:strCache>
-                <c:ptCount val="1"/>
-                <c:pt idx="0">
-                  <c:v>Somewhat Agree</c:v>
-                </c:pt>
-              </c:strCache>
-            </c:strRef>
-          </c:tx>
-          <c:spPr>
-            <a:solidFill>
-              <a:srgbClr val="FEE08B"/>
-            </a:solidFill>
-            <a:ln>
-              <a:noFill/>
-            </a:ln>
-            <a:effectLst/>
-          </c:spPr>
-          <c:invertIfNegative val="0"/>
-          <c:cat>
-            <c:strRef>
-              <c:f>Tabelle1!$A$2</c:f>
-              <c:strCache>
-                <c:ptCount val="1"/>
-                <c:pt idx="0">
-                  <c:v>Imagine Waking Up</c:v>
-                </c:pt>
-              </c:strCache>
-            </c:strRef>
-          </c:cat>
-          <c:val>
-            <c:numRef>
-              <c:f>Tabelle1!$D$2</c:f>
-              <c:numCache>
-                <c:formatCode>General</c:formatCode>
-                <c:ptCount val="1"/>
-                <c:pt idx="0">
-                  <c:v>5</c:v>
-                </c:pt>
-              </c:numCache>
-            </c:numRef>
-          </c:val>
-          <c:extLst>
-            <c:ext xmlns:c16="http://schemas.microsoft.com/office/drawing/2014/chart" uri="{C3380CC4-5D6E-409C-BE32-E72D297353CC}">
-              <c16:uniqueId val="{00000004-07F1-4617-9BBE-92892D58BD61}"/>
-            </c:ext>
-          </c:extLst>
-        </c:ser>
-        <c:ser>
-          <c:idx val="3"/>
-          <c:order val="3"/>
-          <c:tx>
-            <c:strRef>
-              <c:f>Tabelle1!$E$1</c:f>
-              <c:strCache>
-                <c:ptCount val="1"/>
-                <c:pt idx="0">
-                  <c:v>Neither Agree nor Disagree</c:v>
-                </c:pt>
-              </c:strCache>
-            </c:strRef>
-          </c:tx>
-          <c:spPr>
-            <a:solidFill>
-              <a:schemeClr val="accent4"/>
-            </a:solidFill>
-            <a:ln>
-              <a:noFill/>
-            </a:ln>
-            <a:effectLst/>
-          </c:spPr>
-          <c:invertIfNegative val="0"/>
-          <c:dPt>
-            <c:idx val="0"/>
-            <c:invertIfNegative val="0"/>
-            <c:bubble3D val="0"/>
-            <c:spPr>
-              <a:solidFill>
-                <a:srgbClr val="FFFFBF"/>
-              </a:solidFill>
-              <a:ln>
-                <a:noFill/>
-              </a:ln>
-              <a:effectLst/>
-            </c:spPr>
-            <c:extLst>
-              <c:ext xmlns:c16="http://schemas.microsoft.com/office/drawing/2014/chart" uri="{C3380CC4-5D6E-409C-BE32-E72D297353CC}">
-                <c16:uniqueId val="{0000000B-07F1-4617-9BBE-92892D58BD61}"/>
-              </c:ext>
-            </c:extLst>
-          </c:dPt>
-          <c:cat>
-            <c:strRef>
-              <c:f>Tabelle1!$A$2</c:f>
-              <c:strCache>
-                <c:ptCount val="1"/>
-                <c:pt idx="0">
-                  <c:v>Imagine Waking Up</c:v>
-                </c:pt>
-              </c:strCache>
-            </c:strRef>
-          </c:cat>
-          <c:val>
-            <c:numRef>
-              <c:f>Tabelle1!$E$2</c:f>
-              <c:numCache>
-                <c:formatCode>General</c:formatCode>
-                <c:ptCount val="1"/>
-                <c:pt idx="0">
-                  <c:v>7</c:v>
-                </c:pt>
-              </c:numCache>
-            </c:numRef>
-          </c:val>
-          <c:extLst>
-            <c:ext xmlns:c16="http://schemas.microsoft.com/office/drawing/2014/chart" uri="{C3380CC4-5D6E-409C-BE32-E72D297353CC}">
-              <c16:uniqueId val="{00000005-07F1-4617-9BBE-92892D58BD61}"/>
-            </c:ext>
-          </c:extLst>
-        </c:ser>
-        <c:ser>
-          <c:idx val="4"/>
-          <c:order val="4"/>
-          <c:tx>
-            <c:strRef>
-              <c:f>Tabelle1!$F$1</c:f>
-              <c:strCache>
-                <c:ptCount val="1"/>
-                <c:pt idx="0">
-                  <c:v>Somewhat Disagree</c:v>
-                </c:pt>
-              </c:strCache>
-            </c:strRef>
-          </c:tx>
-          <c:spPr>
-            <a:solidFill>
-              <a:srgbClr val="E6F598"/>
-            </a:solidFill>
-            <a:ln>
-              <a:noFill/>
-            </a:ln>
-            <a:effectLst/>
-          </c:spPr>
-          <c:invertIfNegative val="0"/>
-          <c:cat>
-            <c:strRef>
-              <c:f>Tabelle1!$A$2</c:f>
-              <c:strCache>
-                <c:ptCount val="1"/>
-                <c:pt idx="0">
-                  <c:v>Imagine Waking Up</c:v>
-                </c:pt>
-              </c:strCache>
-            </c:strRef>
-          </c:cat>
-          <c:val>
-            <c:numRef>
-              <c:f>Tabelle1!$F$2</c:f>
-              <c:numCache>
-                <c:formatCode>General</c:formatCode>
-                <c:ptCount val="1"/>
-                <c:pt idx="0">
-                  <c:v>7</c:v>
-                </c:pt>
-              </c:numCache>
-            </c:numRef>
-          </c:val>
-          <c:extLst>
-            <c:ext xmlns:c16="http://schemas.microsoft.com/office/drawing/2014/chart" uri="{C3380CC4-5D6E-409C-BE32-E72D297353CC}">
-              <c16:uniqueId val="{00000008-07F1-4617-9BBE-92892D58BD61}"/>
-            </c:ext>
-          </c:extLst>
-        </c:ser>
-        <c:ser>
-          <c:idx val="5"/>
-          <c:order val="5"/>
-          <c:tx>
-            <c:strRef>
-              <c:f>Tabelle1!$G$1</c:f>
-              <c:strCache>
-                <c:ptCount val="1"/>
-                <c:pt idx="0">
-                  <c:v>Disagree</c:v>
-                </c:pt>
-              </c:strCache>
-            </c:strRef>
-          </c:tx>
-          <c:spPr>
-            <a:solidFill>
-              <a:srgbClr val="99D594"/>
-            </a:solidFill>
-            <a:ln>
-              <a:noFill/>
-            </a:ln>
-            <a:effectLst/>
-          </c:spPr>
-          <c:invertIfNegative val="0"/>
-          <c:cat>
-            <c:strRef>
-              <c:f>Tabelle1!$A$2</c:f>
-              <c:strCache>
-                <c:ptCount val="1"/>
-                <c:pt idx="0">
-                  <c:v>Imagine Waking Up</c:v>
-                </c:pt>
-              </c:strCache>
-            </c:strRef>
-          </c:cat>
-          <c:val>
-            <c:numRef>
-              <c:f>Tabelle1!$G$2</c:f>
-              <c:numCache>
-                <c:formatCode>General</c:formatCode>
-                <c:ptCount val="1"/>
-                <c:pt idx="0">
-                  <c:v>10</c:v>
-                </c:pt>
-              </c:numCache>
-            </c:numRef>
-          </c:val>
-          <c:extLst>
-            <c:ext xmlns:c16="http://schemas.microsoft.com/office/drawing/2014/chart" uri="{C3380CC4-5D6E-409C-BE32-E72D297353CC}">
-              <c16:uniqueId val="{00000009-07F1-4617-9BBE-92892D58BD61}"/>
-            </c:ext>
-          </c:extLst>
-        </c:ser>
-        <c:ser>
-          <c:idx val="6"/>
-          <c:order val="6"/>
-          <c:tx>
-            <c:strRef>
-              <c:f>Tabelle1!$H$1</c:f>
-              <c:strCache>
-                <c:ptCount val="1"/>
-                <c:pt idx="0">
-                  <c:v>Strongly Disagree</c:v>
-                </c:pt>
-              </c:strCache>
-            </c:strRef>
-          </c:tx>
-          <c:spPr>
-            <a:solidFill>
-              <a:srgbClr val="3288BD"/>
-            </a:solidFill>
-            <a:ln>
-              <a:noFill/>
-            </a:ln>
-            <a:effectLst/>
-          </c:spPr>
-          <c:invertIfNegative val="0"/>
-          <c:cat>
-            <c:strRef>
-              <c:f>Tabelle1!$A$2</c:f>
-              <c:strCache>
-                <c:ptCount val="1"/>
-                <c:pt idx="0">
-                  <c:v>Imagine Waking Up</c:v>
-                </c:pt>
-              </c:strCache>
-            </c:strRef>
-          </c:cat>
-          <c:val>
-            <c:numRef>
-              <c:f>Tabelle1!$H$2</c:f>
-              <c:numCache>
-                <c:formatCode>General</c:formatCode>
-                <c:ptCount val="1"/>
-                <c:pt idx="0">
-                  <c:v>2</c:v>
-                </c:pt>
-              </c:numCache>
-            </c:numRef>
-          </c:val>
-          <c:extLst>
-            <c:ext xmlns:c16="http://schemas.microsoft.com/office/drawing/2014/chart" uri="{C3380CC4-5D6E-409C-BE32-E72D297353CC}">
-              <c16:uniqueId val="{0000000A-07F1-4617-9BBE-92892D58BD61}"/>
-            </c:ext>
-          </c:extLst>
-        </c:ser>
-        <c:dLbls>
-          <c:showLegendKey val="0"/>
-          <c:showVal val="0"/>
-          <c:showCatName val="0"/>
-          <c:showSerName val="0"/>
-          <c:showPercent val="0"/>
-          <c:showBubbleSize val="0"/>
-        </c:dLbls>
-        <c:gapWidth val="219"/>
-        <c:overlap val="-27"/>
-        <c:axId val="541402800"/>
-        <c:axId val="541403128"/>
-      </c:barChart>
-      <c:catAx>
-        <c:axId val="541402800"/>
-        <c:scaling>
-          <c:orientation val="minMax"/>
-        </c:scaling>
-        <c:delete val="0"/>
-        <c:axPos val="b"/>
-        <c:numFmt formatCode="General" sourceLinked="1"/>
-        <c:majorTickMark val="none"/>
-        <c:minorTickMark val="none"/>
-        <c:tickLblPos val="nextTo"/>
-        <c:spPr>
-          <a:noFill/>
-          <a:ln w="9525" cap="flat" cmpd="sng" algn="ctr">
-            <a:solidFill>
-              <a:schemeClr val="tx1">
-                <a:lumMod val="15000"/>
-                <a:lumOff val="85000"/>
-              </a:schemeClr>
-            </a:solidFill>
-            <a:round/>
-          </a:ln>
-          <a:effectLst/>
-        </c:spPr>
-        <c:txPr>
-          <a:bodyPr rot="-60000000" spcFirstLastPara="1" vertOverflow="ellipsis" vert="horz" wrap="square" anchor="ctr" anchorCtr="1"/>
-          <a:lstStyle/>
-          <a:p>
-            <a:pPr>
-              <a:defRPr sz="1197" b="0" i="0" u="none" strike="noStrike" kern="1200" baseline="0">
-                <a:solidFill>
-                  <a:schemeClr val="tx1">
-                    <a:lumMod val="65000"/>
-                    <a:lumOff val="35000"/>
-                  </a:schemeClr>
-                </a:solidFill>
-                <a:latin typeface="+mn-lt"/>
-                <a:ea typeface="+mn-ea"/>
-                <a:cs typeface="+mn-cs"/>
-              </a:defRPr>
-            </a:pPr>
-            <a:endParaRPr lang="de-DE"/>
-          </a:p>
-        </c:txPr>
-        <c:crossAx val="541403128"/>
-        <c:crosses val="autoZero"/>
-        <c:auto val="1"/>
-        <c:lblAlgn val="ctr"/>
-        <c:lblOffset val="100"/>
-        <c:noMultiLvlLbl val="0"/>
-      </c:catAx>
-      <c:valAx>
-        <c:axId val="541403128"/>
-        <c:scaling>
-          <c:orientation val="minMax"/>
-        </c:scaling>
-        <c:delete val="0"/>
-        <c:axPos val="l"/>
-        <c:majorGridlines>
-          <c:spPr>
-            <a:ln w="9525" cap="flat" cmpd="sng" algn="ctr">
-              <a:solidFill>
-                <a:schemeClr val="tx1">
-                  <a:lumMod val="15000"/>
-                  <a:lumOff val="85000"/>
-                </a:schemeClr>
-              </a:solidFill>
-              <a:round/>
-            </a:ln>
-            <a:effectLst/>
-          </c:spPr>
-        </c:majorGridlines>
-        <c:numFmt formatCode="General" sourceLinked="1"/>
-        <c:majorTickMark val="none"/>
-        <c:minorTickMark val="none"/>
-        <c:tickLblPos val="nextTo"/>
-        <c:spPr>
-          <a:noFill/>
-          <a:ln>
-            <a:noFill/>
-          </a:ln>
-          <a:effectLst/>
-        </c:spPr>
-        <c:txPr>
-          <a:bodyPr rot="-60000000" spcFirstLastPara="1" vertOverflow="ellipsis" vert="horz" wrap="square" anchor="ctr" anchorCtr="1"/>
-          <a:lstStyle/>
-          <a:p>
-            <a:pPr>
-              <a:defRPr sz="1197" b="0" i="0" u="none" strike="noStrike" kern="1200" baseline="0">
-                <a:solidFill>
-                  <a:schemeClr val="tx1">
-                    <a:lumMod val="65000"/>
-                    <a:lumOff val="35000"/>
-                  </a:schemeClr>
-                </a:solidFill>
-                <a:latin typeface="+mn-lt"/>
-                <a:ea typeface="+mn-ea"/>
-                <a:cs typeface="+mn-cs"/>
-              </a:defRPr>
-            </a:pPr>
-            <a:endParaRPr lang="de-DE"/>
-          </a:p>
-        </c:txPr>
-        <c:crossAx val="541402800"/>
-        <c:crosses val="autoZero"/>
-        <c:crossBetween val="between"/>
-      </c:valAx>
-      <c:spPr>
-        <a:noFill/>
-        <a:ln>
-          <a:noFill/>
-        </a:ln>
-        <a:effectLst/>
-      </c:spPr>
-    </c:plotArea>
-    <c:legend>
-      <c:legendPos val="b"/>
-      <c:overlay val="0"/>
-      <c:spPr>
-        <a:noFill/>
-        <a:ln>
-          <a:noFill/>
-        </a:ln>
-        <a:effectLst/>
-      </c:spPr>
-      <c:txPr>
-        <a:bodyPr rot="0" spcFirstLastPara="1" vertOverflow="ellipsis" vert="horz" wrap="square" anchor="ctr" anchorCtr="1"/>
-        <a:lstStyle/>
-        <a:p>
-          <a:pPr>
-            <a:defRPr sz="1197" b="0" i="0" u="none" strike="noStrike" kern="1200" baseline="0">
-              <a:solidFill>
-                <a:schemeClr val="tx1">
-                  <a:lumMod val="65000"/>
-                  <a:lumOff val="35000"/>
-                </a:schemeClr>
-              </a:solidFill>
-              <a:latin typeface="+mn-lt"/>
-              <a:ea typeface="+mn-ea"/>
-              <a:cs typeface="+mn-cs"/>
-            </a:defRPr>
-          </a:pPr>
-          <a:endParaRPr lang="de-DE"/>
-        </a:p>
-      </c:txPr>
-    </c:legend>
-    <c:plotVisOnly val="1"/>
-    <c:dispBlanksAs val="gap"/>
-    <c:extLst>
-      <c:ext xmlns:c16r3="http://schemas.microsoft.com/office/drawing/2017/03/chart" uri="{56B9EC1D-385E-4148-901F-78D8002777C0}">
-        <c16r3:dataDisplayOptions16>
-          <c16r3:dispNaAsBlank val="1"/>
-        </c16r3:dataDisplayOptions16>
-      </c:ext>
-    </c:extLst>
-    <c:showDLblsOverMax val="0"/>
-  </c:chart>
-  <c:spPr>
-    <a:noFill/>
-    <a:ln>
-      <a:noFill/>
-    </a:ln>
-    <a:effectLst/>
-  </c:spPr>
-  <c:txPr>
-    <a:bodyPr/>
-    <a:lstStyle/>
-    <a:p>
-      <a:pPr>
-        <a:defRPr/>
-      </a:pPr>
-      <a:endParaRPr lang="de-DE"/>
-    </a:p>
-  </c:txPr>
-  <c:externalData r:id="rId3">
-    <c:autoUpdate val="0"/>
-  </c:externalData>
-</c:chartSpace>
-</file>
-
-<file path=ppt/charts/chart18.xml><?xml version="1.0" encoding="utf-8"?>
-<c:chartSpace xmlns:c="http://schemas.openxmlformats.org/drawingml/2006/chart" xmlns:a="http://schemas.openxmlformats.org/drawingml/2006/main" xmlns:r="http://schemas.openxmlformats.org/officeDocument/2006/relationships" xmlns:c16r2="http://schemas.microsoft.com/office/drawing/2015/06/chart">
-  <c:date1904 val="0"/>
-  <c:lang val="de-DE"/>
-  <c:roundedCorners val="0"/>
-  <mc:AlternateContent xmlns:mc="http://schemas.openxmlformats.org/markup-compatibility/2006">
-    <mc:Choice xmlns:c14="http://schemas.microsoft.com/office/drawing/2007/8/2/chart" Requires="c14">
-      <c14:style val="102"/>
-    </mc:Choice>
-    <mc:Fallback>
-      <c:style val="2"/>
-    </mc:Fallback>
-  </mc:AlternateContent>
-  <c:chart>
-    <c:autoTitleDeleted val="0"/>
-    <c:plotArea>
-      <c:layout/>
-      <c:barChart>
-        <c:barDir val="col"/>
-        <c:grouping val="clustered"/>
-        <c:varyColors val="0"/>
-        <c:ser>
-          <c:idx val="0"/>
-          <c:order val="0"/>
-          <c:tx>
-            <c:strRef>
-              <c:f>Tabelle1!$B$1</c:f>
-              <c:strCache>
-                <c:ptCount val="1"/>
-                <c:pt idx="0">
-                  <c:v>Strongly Agree</c:v>
-                </c:pt>
-              </c:strCache>
-            </c:strRef>
-          </c:tx>
-          <c:spPr>
-            <a:solidFill>
-              <a:srgbClr val="D53E4F"/>
-            </a:solidFill>
-            <a:ln>
-              <a:noFill/>
-            </a:ln>
-            <a:effectLst/>
-          </c:spPr>
-          <c:invertIfNegative val="0"/>
-          <c:cat>
-            <c:strRef>
-              <c:f>Tabelle1!$A$2</c:f>
-              <c:strCache>
-                <c:ptCount val="1"/>
-                <c:pt idx="0">
-                  <c:v>Permanent Wearing</c:v>
-                </c:pt>
-              </c:strCache>
-            </c:strRef>
-          </c:cat>
-          <c:val>
-            <c:numRef>
-              <c:f>Tabelle1!$B$2</c:f>
-              <c:numCache>
-                <c:formatCode>General</c:formatCode>
-                <c:ptCount val="1"/>
-                <c:pt idx="0">
-                  <c:v>5</c:v>
-                </c:pt>
-              </c:numCache>
-            </c:numRef>
-          </c:val>
-          <c:extLst>
-            <c:ext xmlns:c16="http://schemas.microsoft.com/office/drawing/2014/chart" uri="{C3380CC4-5D6E-409C-BE32-E72D297353CC}">
-              <c16:uniqueId val="{00000000-07F1-4617-9BBE-92892D58BD61}"/>
-            </c:ext>
-          </c:extLst>
-        </c:ser>
-        <c:ser>
-          <c:idx val="1"/>
-          <c:order val="1"/>
-          <c:tx>
-            <c:strRef>
-              <c:f>Tabelle1!$C$1</c:f>
-              <c:strCache>
-                <c:ptCount val="1"/>
-                <c:pt idx="0">
-                  <c:v>Agree</c:v>
-                </c:pt>
-              </c:strCache>
-            </c:strRef>
-          </c:tx>
-          <c:spPr>
-            <a:solidFill>
-              <a:schemeClr val="accent2"/>
-            </a:solidFill>
-            <a:ln>
-              <a:noFill/>
-            </a:ln>
-            <a:effectLst/>
-          </c:spPr>
-          <c:invertIfNegative val="0"/>
-          <c:cat>
-            <c:strRef>
-              <c:f>Tabelle1!$A$2</c:f>
-              <c:strCache>
-                <c:ptCount val="1"/>
-                <c:pt idx="0">
-                  <c:v>Permanent Wearing</c:v>
-                </c:pt>
-              </c:strCache>
-            </c:strRef>
-          </c:cat>
-          <c:val>
-            <c:numRef>
-              <c:f>Tabelle1!$C$2</c:f>
-              <c:numCache>
-                <c:formatCode>General</c:formatCode>
-                <c:ptCount val="1"/>
-                <c:pt idx="0">
-                  <c:v>12</c:v>
-                </c:pt>
-              </c:numCache>
-            </c:numRef>
-          </c:val>
-          <c:extLst>
-            <c:ext xmlns:c16="http://schemas.microsoft.com/office/drawing/2014/chart" uri="{C3380CC4-5D6E-409C-BE32-E72D297353CC}">
-              <c16:uniqueId val="{00000003-07F1-4617-9BBE-92892D58BD61}"/>
-            </c:ext>
-          </c:extLst>
-        </c:ser>
-        <c:ser>
-          <c:idx val="2"/>
-          <c:order val="2"/>
-          <c:tx>
-            <c:strRef>
-              <c:f>Tabelle1!$D$1</c:f>
-              <c:strCache>
-                <c:ptCount val="1"/>
-                <c:pt idx="0">
-                  <c:v>Somewhat Agree</c:v>
-                </c:pt>
-              </c:strCache>
-            </c:strRef>
-          </c:tx>
-          <c:spPr>
-            <a:solidFill>
-              <a:srgbClr val="FEE08B"/>
-            </a:solidFill>
-            <a:ln>
-              <a:noFill/>
-            </a:ln>
-            <a:effectLst/>
-          </c:spPr>
-          <c:invertIfNegative val="0"/>
-          <c:cat>
-            <c:strRef>
-              <c:f>Tabelle1!$A$2</c:f>
-              <c:strCache>
-                <c:ptCount val="1"/>
-                <c:pt idx="0">
-                  <c:v>Permanent Wearing</c:v>
-                </c:pt>
-              </c:strCache>
-            </c:strRef>
-          </c:cat>
-          <c:val>
-            <c:numRef>
-              <c:f>Tabelle1!$D$2</c:f>
-              <c:numCache>
-                <c:formatCode>General</c:formatCode>
-                <c:ptCount val="1"/>
-                <c:pt idx="0">
-                  <c:v>10</c:v>
-                </c:pt>
-              </c:numCache>
-            </c:numRef>
-          </c:val>
-          <c:extLst>
-            <c:ext xmlns:c16="http://schemas.microsoft.com/office/drawing/2014/chart" uri="{C3380CC4-5D6E-409C-BE32-E72D297353CC}">
-              <c16:uniqueId val="{00000004-07F1-4617-9BBE-92892D58BD61}"/>
-            </c:ext>
-          </c:extLst>
-        </c:ser>
-        <c:ser>
-          <c:idx val="3"/>
-          <c:order val="3"/>
-          <c:tx>
-            <c:strRef>
-              <c:f>Tabelle1!$E$1</c:f>
-              <c:strCache>
-                <c:ptCount val="1"/>
-                <c:pt idx="0">
-                  <c:v>Neither Agree nor Disagree</c:v>
-                </c:pt>
-              </c:strCache>
-            </c:strRef>
-          </c:tx>
-          <c:spPr>
-            <a:solidFill>
-              <a:schemeClr val="accent4"/>
-            </a:solidFill>
-            <a:ln>
-              <a:noFill/>
-            </a:ln>
-            <a:effectLst/>
-          </c:spPr>
-          <c:invertIfNegative val="0"/>
-          <c:dPt>
-            <c:idx val="0"/>
-            <c:invertIfNegative val="0"/>
-            <c:bubble3D val="0"/>
-            <c:spPr>
-              <a:solidFill>
-                <a:srgbClr val="FFFFBF"/>
-              </a:solidFill>
-              <a:ln>
-                <a:noFill/>
-              </a:ln>
-              <a:effectLst/>
-            </c:spPr>
-            <c:extLst>
-              <c:ext xmlns:c16="http://schemas.microsoft.com/office/drawing/2014/chart" uri="{C3380CC4-5D6E-409C-BE32-E72D297353CC}">
-                <c16:uniqueId val="{0000000B-07F1-4617-9BBE-92892D58BD61}"/>
-              </c:ext>
-            </c:extLst>
-          </c:dPt>
-          <c:cat>
-            <c:strRef>
-              <c:f>Tabelle1!$A$2</c:f>
-              <c:strCache>
-                <c:ptCount val="1"/>
-                <c:pt idx="0">
-                  <c:v>Permanent Wearing</c:v>
-                </c:pt>
-              </c:strCache>
-            </c:strRef>
-          </c:cat>
-          <c:val>
-            <c:numRef>
-              <c:f>Tabelle1!$E$2</c:f>
-              <c:numCache>
-                <c:formatCode>General</c:formatCode>
-                <c:ptCount val="1"/>
-                <c:pt idx="0">
-                  <c:v>1</c:v>
-                </c:pt>
-              </c:numCache>
-            </c:numRef>
-          </c:val>
-          <c:extLst>
-            <c:ext xmlns:c16="http://schemas.microsoft.com/office/drawing/2014/chart" uri="{C3380CC4-5D6E-409C-BE32-E72D297353CC}">
-              <c16:uniqueId val="{00000005-07F1-4617-9BBE-92892D58BD61}"/>
-            </c:ext>
-          </c:extLst>
-        </c:ser>
-        <c:ser>
-          <c:idx val="4"/>
-          <c:order val="4"/>
-          <c:tx>
-            <c:strRef>
-              <c:f>Tabelle1!$F$1</c:f>
-              <c:strCache>
-                <c:ptCount val="1"/>
-                <c:pt idx="0">
-                  <c:v>Somewhat Disagree</c:v>
-                </c:pt>
-              </c:strCache>
-            </c:strRef>
-          </c:tx>
-          <c:spPr>
-            <a:solidFill>
-              <a:srgbClr val="E6F598"/>
-            </a:solidFill>
-            <a:ln>
-              <a:noFill/>
-            </a:ln>
-            <a:effectLst/>
-          </c:spPr>
-          <c:invertIfNegative val="0"/>
-          <c:cat>
-            <c:strRef>
-              <c:f>Tabelle1!$A$2</c:f>
-              <c:strCache>
-                <c:ptCount val="1"/>
-                <c:pt idx="0">
-                  <c:v>Permanent Wearing</c:v>
-                </c:pt>
-              </c:strCache>
-            </c:strRef>
-          </c:cat>
-          <c:val>
-            <c:numRef>
-              <c:f>Tabelle1!$F$2</c:f>
-              <c:numCache>
-                <c:formatCode>General</c:formatCode>
-                <c:ptCount val="1"/>
-                <c:pt idx="0">
-                  <c:v>4</c:v>
-                </c:pt>
-              </c:numCache>
-            </c:numRef>
-          </c:val>
-          <c:extLst>
-            <c:ext xmlns:c16="http://schemas.microsoft.com/office/drawing/2014/chart" uri="{C3380CC4-5D6E-409C-BE32-E72D297353CC}">
-              <c16:uniqueId val="{00000008-07F1-4617-9BBE-92892D58BD61}"/>
-            </c:ext>
-          </c:extLst>
-        </c:ser>
-        <c:ser>
-          <c:idx val="5"/>
-          <c:order val="5"/>
-          <c:tx>
-            <c:strRef>
-              <c:f>Tabelle1!$G$1</c:f>
-              <c:strCache>
-                <c:ptCount val="1"/>
-                <c:pt idx="0">
-                  <c:v>Disagree</c:v>
-                </c:pt>
-              </c:strCache>
-            </c:strRef>
-          </c:tx>
-          <c:spPr>
-            <a:solidFill>
-              <a:srgbClr val="99D594"/>
-            </a:solidFill>
-            <a:ln>
-              <a:noFill/>
-            </a:ln>
-            <a:effectLst/>
-          </c:spPr>
-          <c:invertIfNegative val="0"/>
-          <c:cat>
-            <c:strRef>
-              <c:f>Tabelle1!$A$2</c:f>
-              <c:strCache>
-                <c:ptCount val="1"/>
-                <c:pt idx="0">
-                  <c:v>Permanent Wearing</c:v>
-                </c:pt>
-              </c:strCache>
-            </c:strRef>
-          </c:cat>
-          <c:val>
-            <c:numRef>
-              <c:f>Tabelle1!$G$2</c:f>
-              <c:numCache>
-                <c:formatCode>General</c:formatCode>
-                <c:ptCount val="1"/>
-                <c:pt idx="0">
-                  <c:v>10</c:v>
-                </c:pt>
-              </c:numCache>
-            </c:numRef>
-          </c:val>
-          <c:extLst>
-            <c:ext xmlns:c16="http://schemas.microsoft.com/office/drawing/2014/chart" uri="{C3380CC4-5D6E-409C-BE32-E72D297353CC}">
-              <c16:uniqueId val="{00000009-07F1-4617-9BBE-92892D58BD61}"/>
-            </c:ext>
-          </c:extLst>
-        </c:ser>
-        <c:ser>
-          <c:idx val="6"/>
-          <c:order val="6"/>
-          <c:tx>
-            <c:strRef>
-              <c:f>Tabelle1!$H$1</c:f>
-              <c:strCache>
-                <c:ptCount val="1"/>
-                <c:pt idx="0">
-                  <c:v>Strongly Disagree</c:v>
-                </c:pt>
-              </c:strCache>
-            </c:strRef>
-          </c:tx>
-          <c:spPr>
-            <a:solidFill>
-              <a:srgbClr val="3288BD"/>
-            </a:solidFill>
-            <a:ln>
-              <a:noFill/>
-            </a:ln>
-            <a:effectLst/>
-          </c:spPr>
-          <c:invertIfNegative val="0"/>
-          <c:cat>
-            <c:strRef>
-              <c:f>Tabelle1!$A$2</c:f>
-              <c:strCache>
-                <c:ptCount val="1"/>
-                <c:pt idx="0">
-                  <c:v>Permanent Wearing</c:v>
-                </c:pt>
-              </c:strCache>
-            </c:strRef>
-          </c:cat>
-          <c:val>
-            <c:numRef>
-              <c:f>Tabelle1!$H$2</c:f>
-              <c:numCache>
-                <c:formatCode>General</c:formatCode>
-                <c:ptCount val="1"/>
-                <c:pt idx="0">
-                  <c:v>3</c:v>
-                </c:pt>
-              </c:numCache>
-            </c:numRef>
-          </c:val>
-          <c:extLst>
-            <c:ext xmlns:c16="http://schemas.microsoft.com/office/drawing/2014/chart" uri="{C3380CC4-5D6E-409C-BE32-E72D297353CC}">
-              <c16:uniqueId val="{0000000A-07F1-4617-9BBE-92892D58BD61}"/>
-            </c:ext>
-          </c:extLst>
-        </c:ser>
-        <c:dLbls>
-          <c:showLegendKey val="0"/>
-          <c:showVal val="0"/>
-          <c:showCatName val="0"/>
-          <c:showSerName val="0"/>
-          <c:showPercent val="0"/>
-          <c:showBubbleSize val="0"/>
-        </c:dLbls>
-        <c:gapWidth val="219"/>
-        <c:overlap val="-27"/>
-        <c:axId val="541402800"/>
-        <c:axId val="541403128"/>
-      </c:barChart>
-      <c:catAx>
-        <c:axId val="541402800"/>
-        <c:scaling>
-          <c:orientation val="minMax"/>
-        </c:scaling>
-        <c:delete val="0"/>
-        <c:axPos val="b"/>
-        <c:numFmt formatCode="General" sourceLinked="1"/>
-        <c:majorTickMark val="none"/>
-        <c:minorTickMark val="none"/>
-        <c:tickLblPos val="nextTo"/>
-        <c:spPr>
-          <a:noFill/>
-          <a:ln w="9525" cap="flat" cmpd="sng" algn="ctr">
-            <a:solidFill>
-              <a:schemeClr val="tx1">
-                <a:lumMod val="15000"/>
-                <a:lumOff val="85000"/>
-              </a:schemeClr>
-            </a:solidFill>
-            <a:round/>
-          </a:ln>
-          <a:effectLst/>
-        </c:spPr>
-        <c:txPr>
-          <a:bodyPr rot="-60000000" spcFirstLastPara="1" vertOverflow="ellipsis" vert="horz" wrap="square" anchor="ctr" anchorCtr="1"/>
-          <a:lstStyle/>
-          <a:p>
-            <a:pPr>
-              <a:defRPr sz="1197" b="0" i="0" u="none" strike="noStrike" kern="1200" baseline="0">
-                <a:solidFill>
-                  <a:schemeClr val="tx1">
-                    <a:lumMod val="65000"/>
-                    <a:lumOff val="35000"/>
-                  </a:schemeClr>
-                </a:solidFill>
-                <a:latin typeface="+mn-lt"/>
-                <a:ea typeface="+mn-ea"/>
-                <a:cs typeface="+mn-cs"/>
-              </a:defRPr>
-            </a:pPr>
-            <a:endParaRPr lang="de-DE"/>
-          </a:p>
-        </c:txPr>
-        <c:crossAx val="541403128"/>
-        <c:crosses val="autoZero"/>
-        <c:auto val="1"/>
-        <c:lblAlgn val="ctr"/>
-        <c:lblOffset val="100"/>
-        <c:noMultiLvlLbl val="0"/>
-      </c:catAx>
-      <c:valAx>
-        <c:axId val="541403128"/>
-        <c:scaling>
-          <c:orientation val="minMax"/>
-        </c:scaling>
-        <c:delete val="0"/>
-        <c:axPos val="l"/>
-        <c:majorGridlines>
-          <c:spPr>
-            <a:ln w="9525" cap="flat" cmpd="sng" algn="ctr">
-              <a:solidFill>
-                <a:schemeClr val="tx1">
-                  <a:lumMod val="15000"/>
-                  <a:lumOff val="85000"/>
-                </a:schemeClr>
-              </a:solidFill>
-              <a:round/>
-            </a:ln>
-            <a:effectLst/>
-          </c:spPr>
-        </c:majorGridlines>
-        <c:numFmt formatCode="General" sourceLinked="1"/>
-        <c:majorTickMark val="none"/>
-        <c:minorTickMark val="none"/>
-        <c:tickLblPos val="nextTo"/>
-        <c:spPr>
-          <a:noFill/>
-          <a:ln>
-            <a:noFill/>
-          </a:ln>
-          <a:effectLst/>
-        </c:spPr>
-        <c:txPr>
-          <a:bodyPr rot="-60000000" spcFirstLastPara="1" vertOverflow="ellipsis" vert="horz" wrap="square" anchor="ctr" anchorCtr="1"/>
-          <a:lstStyle/>
-          <a:p>
-            <a:pPr>
-              <a:defRPr sz="1197" b="0" i="0" u="none" strike="noStrike" kern="1200" baseline="0">
-                <a:solidFill>
-                  <a:schemeClr val="tx1">
-                    <a:lumMod val="65000"/>
-                    <a:lumOff val="35000"/>
-                  </a:schemeClr>
-                </a:solidFill>
-                <a:latin typeface="+mn-lt"/>
-                <a:ea typeface="+mn-ea"/>
-                <a:cs typeface="+mn-cs"/>
-              </a:defRPr>
-            </a:pPr>
-            <a:endParaRPr lang="de-DE"/>
-          </a:p>
-        </c:txPr>
-        <c:crossAx val="541402800"/>
-        <c:crosses val="autoZero"/>
-        <c:crossBetween val="between"/>
-      </c:valAx>
-      <c:spPr>
-        <a:noFill/>
-        <a:ln>
-          <a:noFill/>
-        </a:ln>
-        <a:effectLst/>
-      </c:spPr>
-    </c:plotArea>
-    <c:legend>
-      <c:legendPos val="b"/>
-      <c:overlay val="0"/>
-      <c:spPr>
-        <a:noFill/>
-        <a:ln>
-          <a:noFill/>
-        </a:ln>
-        <a:effectLst/>
-      </c:spPr>
-      <c:txPr>
-        <a:bodyPr rot="0" spcFirstLastPara="1" vertOverflow="ellipsis" vert="horz" wrap="square" anchor="ctr" anchorCtr="1"/>
-        <a:lstStyle/>
-        <a:p>
-          <a:pPr>
-            <a:defRPr sz="1197" b="0" i="0" u="none" strike="noStrike" kern="1200" baseline="0">
-              <a:solidFill>
-                <a:schemeClr val="tx1">
-                  <a:lumMod val="65000"/>
-                  <a:lumOff val="35000"/>
-                </a:schemeClr>
-              </a:solidFill>
-              <a:latin typeface="+mn-lt"/>
-              <a:ea typeface="+mn-ea"/>
-              <a:cs typeface="+mn-cs"/>
-            </a:defRPr>
-          </a:pPr>
-          <a:endParaRPr lang="de-DE"/>
-        </a:p>
-      </c:txPr>
-    </c:legend>
-    <c:plotVisOnly val="1"/>
-    <c:dispBlanksAs val="gap"/>
-    <c:extLst>
-      <c:ext xmlns:c16r3="http://schemas.microsoft.com/office/drawing/2017/03/chart" uri="{56B9EC1D-385E-4148-901F-78D8002777C0}">
-        <c16r3:dataDisplayOptions16>
-          <c16r3:dispNaAsBlank val="1"/>
-        </c16r3:dataDisplayOptions16>
-      </c:ext>
-    </c:extLst>
-    <c:showDLblsOverMax val="0"/>
-  </c:chart>
-  <c:spPr>
-    <a:noFill/>
-    <a:ln>
-      <a:noFill/>
-    </a:ln>
-    <a:effectLst/>
-  </c:spPr>
-  <c:txPr>
-    <a:bodyPr/>
-    <a:lstStyle/>
-    <a:p>
-      <a:pPr>
-        <a:defRPr/>
-      </a:pPr>
-      <a:endParaRPr lang="de-DE"/>
-    </a:p>
-  </c:txPr>
-  <c:externalData r:id="rId3">
-    <c:autoUpdate val="0"/>
-  </c:externalData>
-</c:chartSpace>
-</file>
-
-<file path=ppt/charts/chart19.xml><?xml version="1.0" encoding="utf-8"?>
 <c:chartSpace xmlns:c="http://schemas.openxmlformats.org/drawingml/2006/chart" xmlns:a="http://schemas.openxmlformats.org/drawingml/2006/main" xmlns:r="http://schemas.openxmlformats.org/officeDocument/2006/relationships" xmlns:c16r2="http://schemas.microsoft.com/office/drawing/2015/06/chart">
   <c:date1904 val="0"/>
   <c:lang val="de-DE"/>
@@ -6901,7 +5173,7 @@
               <a:solidFill>
                 <a:srgbClr val="3288BD"/>
               </a:solidFill>
-              <a:ln w="9525">
+              <a:ln w="63500">
                 <a:solidFill>
                   <a:srgbClr val="3288BD"/>
                 </a:solidFill>
@@ -7142,7 +5414,7 @@
               <a:solidFill>
                 <a:srgbClr val="D53E4F"/>
               </a:solidFill>
-              <a:ln w="9525">
+              <a:ln w="63500">
                 <a:solidFill>
                   <a:srgbClr val="D53E4F"/>
                 </a:solidFill>
@@ -7383,7 +5655,7 @@
               <a:solidFill>
                 <a:srgbClr val="FC8D59"/>
               </a:solidFill>
-              <a:ln w="9525">
+              <a:ln w="63500">
                 <a:solidFill>
                   <a:srgbClr val="FC8D59"/>
                 </a:solidFill>
@@ -8519,7 +6791,7 @@
               <a:solidFill>
                 <a:srgbClr val="3288BD"/>
               </a:solidFill>
-              <a:ln w="9525">
+              <a:ln w="63500">
                 <a:solidFill>
                   <a:srgbClr val="3288BD"/>
                 </a:solidFill>
@@ -8760,7 +7032,7 @@
               <a:solidFill>
                 <a:srgbClr val="D53E4F"/>
               </a:solidFill>
-              <a:ln w="9525">
+              <a:ln w="63500">
                 <a:solidFill>
                   <a:srgbClr val="D53E4F"/>
                 </a:solidFill>
@@ -9001,7 +7273,7 @@
               <a:solidFill>
                 <a:srgbClr val="FC8D59"/>
               </a:solidFill>
-              <a:ln w="9525">
+              <a:ln w="63500">
                 <a:solidFill>
                   <a:srgbClr val="FC8D59"/>
                 </a:solidFill>
@@ -9997,7 +8269,7 @@
               <a:solidFill>
                 <a:srgbClr val="3288BD"/>
               </a:solidFill>
-              <a:ln w="9525">
+              <a:ln w="63500">
                 <a:solidFill>
                   <a:srgbClr val="3288BD"/>
                 </a:solidFill>
@@ -10238,7 +8510,7 @@
               <a:solidFill>
                 <a:srgbClr val="D53E4F"/>
               </a:solidFill>
-              <a:ln w="9525">
+              <a:ln w="63500">
                 <a:solidFill>
                   <a:srgbClr val="D53E4F"/>
                 </a:solidFill>
@@ -10479,7 +8751,7 @@
               <a:solidFill>
                 <a:srgbClr val="FC8D59"/>
               </a:solidFill>
-              <a:ln w="9525">
+              <a:ln w="63500">
                 <a:solidFill>
                   <a:srgbClr val="FC8D59"/>
                 </a:solidFill>
@@ -11037,6 +9309,58 @@
               </c:ext>
             </c:extLst>
           </c:dPt>
+          <c:dLbls>
+            <c:spPr>
+              <a:noFill/>
+              <a:ln>
+                <a:noFill/>
+              </a:ln>
+              <a:effectLst/>
+            </c:spPr>
+            <c:txPr>
+              <a:bodyPr rot="0" spcFirstLastPara="1" vertOverflow="ellipsis" vert="horz" wrap="square" lIns="38100" tIns="19050" rIns="38100" bIns="19050" anchor="ctr" anchorCtr="1">
+                <a:spAutoFit/>
+              </a:bodyPr>
+              <a:lstStyle/>
+              <a:p>
+                <a:pPr>
+                  <a:defRPr sz="1400" b="0" i="0" u="none" strike="noStrike" kern="1200" baseline="0">
+                    <a:solidFill>
+                      <a:srgbClr val="E7E6E6"/>
+                    </a:solidFill>
+                    <a:latin typeface="Futura Lt BT" panose="020B0402020204020303" pitchFamily="34" charset="0"/>
+                    <a:ea typeface="+mn-ea"/>
+                    <a:cs typeface="+mn-cs"/>
+                  </a:defRPr>
+                </a:pPr>
+                <a:endParaRPr lang="de-DE"/>
+              </a:p>
+            </c:txPr>
+            <c:dLblPos val="outEnd"/>
+            <c:showLegendKey val="0"/>
+            <c:showVal val="0"/>
+            <c:showCatName val="0"/>
+            <c:showSerName val="0"/>
+            <c:showPercent val="1"/>
+            <c:showBubbleSize val="0"/>
+            <c:showLeaderLines val="1"/>
+            <c:leaderLines>
+              <c:spPr>
+                <a:ln w="9525">
+                  <a:solidFill>
+                    <a:schemeClr val="tx2">
+                      <a:lumMod val="35000"/>
+                      <a:lumOff val="65000"/>
+                    </a:schemeClr>
+                  </a:solidFill>
+                </a:ln>
+                <a:effectLst/>
+              </c:spPr>
+            </c:leaderLines>
+            <c:extLst>
+              <c:ext xmlns:c15="http://schemas.microsoft.com/office/drawing/2012/chart" uri="{CE6537A1-D6FC-4f65-9D91-7224C49458BB}"/>
+            </c:extLst>
+          </c:dLbls>
           <c:cat>
             <c:strRef>
               <c:f>Tabelle1!$A$2:$A$5</c:f>
@@ -11176,8 +9500,8 @@
     <c:plotArea>
       <c:layout/>
       <c:barChart>
-        <c:barDir val="col"/>
-        <c:grouping val="clustered"/>
+        <c:barDir val="bar"/>
+        <c:grouping val="stacked"/>
         <c:varyColors val="0"/>
         <c:ser>
           <c:idx val="0"/>
@@ -11205,23 +9529,29 @@
           <c:invertIfNegative val="0"/>
           <c:cat>
             <c:strRef>
-              <c:f>Tabelle1!$A$2</c:f>
+              <c:f>Tabelle1!$A$2:$A$3</c:f>
               <c:strCache>
-                <c:ptCount val="1"/>
+                <c:ptCount val="2"/>
                 <c:pt idx="0">
                   <c:v>Transition Easy</c:v>
+                </c:pt>
+                <c:pt idx="1">
+                  <c:v>Transition Hard</c:v>
                 </c:pt>
               </c:strCache>
             </c:strRef>
           </c:cat>
           <c:val>
             <c:numRef>
-              <c:f>Tabelle1!$B$2</c:f>
+              <c:f>Tabelle1!$B$2:$B$3</c:f>
               <c:numCache>
-                <c:formatCode>General</c:formatCode>
-                <c:ptCount val="1"/>
+                <c:formatCode>0.00</c:formatCode>
+                <c:ptCount val="2"/>
                 <c:pt idx="0">
-                  <c:v>3</c:v>
+                  <c:v>6.6666666666666666E-2</c:v>
+                </c:pt>
+                <c:pt idx="1">
+                  <c:v>2.2222222222222223E-2</c:v>
                 </c:pt>
               </c:numCache>
             </c:numRef>
@@ -11258,23 +9588,29 @@
           <c:invertIfNegative val="0"/>
           <c:cat>
             <c:strRef>
-              <c:f>Tabelle1!$A$2</c:f>
+              <c:f>Tabelle1!$A$2:$A$3</c:f>
               <c:strCache>
-                <c:ptCount val="1"/>
+                <c:ptCount val="2"/>
                 <c:pt idx="0">
                   <c:v>Transition Easy</c:v>
+                </c:pt>
+                <c:pt idx="1">
+                  <c:v>Transition Hard</c:v>
                 </c:pt>
               </c:strCache>
             </c:strRef>
           </c:cat>
           <c:val>
             <c:numRef>
-              <c:f>Tabelle1!$C$2</c:f>
+              <c:f>Tabelle1!$C$2:$C$3</c:f>
               <c:numCache>
-                <c:formatCode>General</c:formatCode>
-                <c:ptCount val="1"/>
+                <c:formatCode>0.00</c:formatCode>
+                <c:ptCount val="2"/>
                 <c:pt idx="0">
-                  <c:v>18</c:v>
+                  <c:v>0.4</c:v>
+                </c:pt>
+                <c:pt idx="1">
+                  <c:v>0.15555555555555556</c:v>
                 </c:pt>
               </c:numCache>
             </c:numRef>
@@ -11311,23 +9647,29 @@
           <c:invertIfNegative val="0"/>
           <c:cat>
             <c:strRef>
-              <c:f>Tabelle1!$A$2</c:f>
+              <c:f>Tabelle1!$A$2:$A$3</c:f>
               <c:strCache>
-                <c:ptCount val="1"/>
+                <c:ptCount val="2"/>
                 <c:pt idx="0">
                   <c:v>Transition Easy</c:v>
+                </c:pt>
+                <c:pt idx="1">
+                  <c:v>Transition Hard</c:v>
                 </c:pt>
               </c:strCache>
             </c:strRef>
           </c:cat>
           <c:val>
             <c:numRef>
-              <c:f>Tabelle1!$D$2</c:f>
+              <c:f>Tabelle1!$D$2:$D$3</c:f>
               <c:numCache>
-                <c:formatCode>General</c:formatCode>
-                <c:ptCount val="1"/>
+                <c:formatCode>0.00</c:formatCode>
+                <c:ptCount val="2"/>
                 <c:pt idx="0">
-                  <c:v>11</c:v>
+                  <c:v>0.24444444444444444</c:v>
+                </c:pt>
+                <c:pt idx="1">
+                  <c:v>0.1111111111111111</c:v>
                 </c:pt>
               </c:numCache>
             </c:numRef>
@@ -11383,23 +9725,29 @@
           </c:dPt>
           <c:cat>
             <c:strRef>
-              <c:f>Tabelle1!$A$2</c:f>
+              <c:f>Tabelle1!$A$2:$A$3</c:f>
               <c:strCache>
-                <c:ptCount val="1"/>
+                <c:ptCount val="2"/>
                 <c:pt idx="0">
                   <c:v>Transition Easy</c:v>
+                </c:pt>
+                <c:pt idx="1">
+                  <c:v>Transition Hard</c:v>
                 </c:pt>
               </c:strCache>
             </c:strRef>
           </c:cat>
           <c:val>
             <c:numRef>
-              <c:f>Tabelle1!$E$2</c:f>
+              <c:f>Tabelle1!$E$2:$E$3</c:f>
               <c:numCache>
-                <c:formatCode>General</c:formatCode>
-                <c:ptCount val="1"/>
+                <c:formatCode>0.00</c:formatCode>
+                <c:ptCount val="2"/>
                 <c:pt idx="0">
-                  <c:v>3</c:v>
+                  <c:v>6.6666666666666666E-2</c:v>
+                </c:pt>
+                <c:pt idx="1">
+                  <c:v>0.13333333333333333</c:v>
                 </c:pt>
               </c:numCache>
             </c:numRef>
@@ -11436,23 +9784,29 @@
           <c:invertIfNegative val="0"/>
           <c:cat>
             <c:strRef>
-              <c:f>Tabelle1!$A$2</c:f>
+              <c:f>Tabelle1!$A$2:$A$3</c:f>
               <c:strCache>
-                <c:ptCount val="1"/>
+                <c:ptCount val="2"/>
                 <c:pt idx="0">
                   <c:v>Transition Easy</c:v>
+                </c:pt>
+                <c:pt idx="1">
+                  <c:v>Transition Hard</c:v>
                 </c:pt>
               </c:strCache>
             </c:strRef>
           </c:cat>
           <c:val>
             <c:numRef>
-              <c:f>Tabelle1!$F$2</c:f>
+              <c:f>Tabelle1!$F$2:$F$3</c:f>
               <c:numCache>
-                <c:formatCode>General</c:formatCode>
-                <c:ptCount val="1"/>
+                <c:formatCode>0.00</c:formatCode>
+                <c:ptCount val="2"/>
                 <c:pt idx="0">
-                  <c:v>6</c:v>
+                  <c:v>0.13333333333333333</c:v>
+                </c:pt>
+                <c:pt idx="1">
+                  <c:v>0.24444444444444444</c:v>
                 </c:pt>
               </c:numCache>
             </c:numRef>
@@ -11489,23 +9843,29 @@
           <c:invertIfNegative val="0"/>
           <c:cat>
             <c:strRef>
-              <c:f>Tabelle1!$A$2</c:f>
+              <c:f>Tabelle1!$A$2:$A$3</c:f>
               <c:strCache>
-                <c:ptCount val="1"/>
+                <c:ptCount val="2"/>
                 <c:pt idx="0">
                   <c:v>Transition Easy</c:v>
+                </c:pt>
+                <c:pt idx="1">
+                  <c:v>Transition Hard</c:v>
                 </c:pt>
               </c:strCache>
             </c:strRef>
           </c:cat>
           <c:val>
             <c:numRef>
-              <c:f>Tabelle1!$G$2</c:f>
+              <c:f>Tabelle1!$G$2:$G$3</c:f>
               <c:numCache>
-                <c:formatCode>General</c:formatCode>
-                <c:ptCount val="1"/>
+                <c:formatCode>0.00</c:formatCode>
+                <c:ptCount val="2"/>
                 <c:pt idx="0">
-                  <c:v>3</c:v>
+                  <c:v>6.6666666666666666E-2</c:v>
+                </c:pt>
+                <c:pt idx="1">
+                  <c:v>0.26666666666666666</c:v>
                 </c:pt>
               </c:numCache>
             </c:numRef>
@@ -11542,23 +9902,29 @@
           <c:invertIfNegative val="0"/>
           <c:cat>
             <c:strRef>
-              <c:f>Tabelle1!$A$2</c:f>
+              <c:f>Tabelle1!$A$2:$A$3</c:f>
               <c:strCache>
-                <c:ptCount val="1"/>
+                <c:ptCount val="2"/>
                 <c:pt idx="0">
                   <c:v>Transition Easy</c:v>
+                </c:pt>
+                <c:pt idx="1">
+                  <c:v>Transition Hard</c:v>
                 </c:pt>
               </c:strCache>
             </c:strRef>
           </c:cat>
           <c:val>
             <c:numRef>
-              <c:f>Tabelle1!$H$2</c:f>
+              <c:f>Tabelle1!$H$2:$H$3</c:f>
               <c:numCache>
-                <c:formatCode>General</c:formatCode>
-                <c:ptCount val="1"/>
+                <c:formatCode>0.00</c:formatCode>
+                <c:ptCount val="2"/>
                 <c:pt idx="0">
-                  <c:v>1</c:v>
+                  <c:v>2.2222222222222223E-2</c:v>
+                </c:pt>
+                <c:pt idx="1">
+                  <c:v>6.6666666666666666E-2</c:v>
                 </c:pt>
               </c:numCache>
             </c:numRef>
@@ -11578,7 +9944,7 @@
           <c:showBubbleSize val="0"/>
         </c:dLbls>
         <c:gapWidth val="219"/>
-        <c:overlap val="-27"/>
+        <c:overlap val="100"/>
         <c:axId val="541402800"/>
         <c:axId val="541403128"/>
       </c:barChart>
@@ -11588,7 +9954,7 @@
           <c:orientation val="minMax"/>
         </c:scaling>
         <c:delete val="0"/>
-        <c:axPos val="b"/>
+        <c:axPos val="l"/>
         <c:numFmt formatCode="General" sourceLinked="1"/>
         <c:majorTickMark val="none"/>
         <c:minorTickMark val="none"/>
@@ -11634,9 +10000,10 @@
         <c:axId val="541403128"/>
         <c:scaling>
           <c:orientation val="minMax"/>
+          <c:max val="1"/>
         </c:scaling>
         <c:delete val="0"/>
-        <c:axPos val="l"/>
+        <c:axPos val="b"/>
         <c:majorGridlines>
           <c:spPr>
             <a:ln w="9525" cap="flat" cmpd="sng" algn="ctr">
@@ -11651,7 +10018,7 @@
             <a:effectLst/>
           </c:spPr>
         </c:majorGridlines>
-        <c:numFmt formatCode="General" sourceLinked="1"/>
+        <c:numFmt formatCode="General" sourceLinked="0"/>
         <c:majorTickMark val="none"/>
         <c:minorTickMark val="none"/>
         <c:tickLblPos val="nextTo"/>
@@ -11908,6 +10275,30 @@
               </a:solidFill>
             </a:ln>
           </cx:spPr>
+          <cx:dataLabels>
+            <cx:numFmt formatCode="Standard" sourceLinked="0"/>
+            <cx:txPr>
+              <a:bodyPr spcFirstLastPara="1" vertOverflow="ellipsis" horzOverflow="overflow" wrap="square" lIns="0" tIns="0" rIns="0" bIns="0" anchor="ctr" anchorCtr="1"/>
+              <a:lstStyle/>
+              <a:p>
+                <a:pPr algn="ctr" rtl="0">
+                  <a:defRPr>
+                    <a:solidFill>
+                      <a:srgbClr val="E7E6E6"/>
+                    </a:solidFill>
+                  </a:defRPr>
+                </a:pPr>
+                <a:endParaRPr lang="de-DE" sz="1197" b="0" i="0" u="none" strike="noStrike" baseline="0">
+                  <a:solidFill>
+                    <a:srgbClr val="E7E6E6"/>
+                  </a:solidFill>
+                  <a:latin typeface="Calibri" panose="020F0502020204030204"/>
+                </a:endParaRPr>
+              </a:p>
+            </cx:txPr>
+            <cx:visibility seriesName="0" categoryName="0" value="0"/>
+            <cx:separator>, </cx:separator>
+          </cx:dataLabels>
           <cx:dataId val="0"/>
           <cx:layoutPr>
             <cx:visibility meanLine="0" meanMarker="1" nonoutliers="0" outliers="1"/>
@@ -13371,25 +11762,28 @@
   <cx:chart>
     <cx:title pos="t" align="ctr" overlay="0">
       <cx:tx>
-        <cx:rich>
-          <a:bodyPr rot="0" spcFirstLastPara="1" vertOverflow="ellipsis" vert="horz" wrap="square" lIns="0" tIns="0" rIns="0" bIns="0" anchor="ctr" anchorCtr="1"/>
-          <a:lstStyle/>
-          <a:p>
-            <a:pPr algn="ctr">
-              <a:defRPr/>
-            </a:pPr>
-            <a:r>
-              <a:rPr lang="de-DE" sz="2000" dirty="0">
-                <a:solidFill>
-                  <a:srgbClr val="44546A"/>
-                </a:solidFill>
-                <a:latin typeface="Futura Lt BT" panose="020B0402020204020303"/>
-              </a:rPr>
-              <a:t>Dauer des Alarmtons der „Alarm“ Gruppe</a:t>
-            </a:r>
-          </a:p>
-        </cx:rich>
+        <cx:txData>
+          <cx:v>Dauer des Alarmtons der „Alarm“ Gruppe</cx:v>
+        </cx:txData>
       </cx:tx>
+      <cx:txPr>
+        <a:bodyPr rot="0" spcFirstLastPara="1" vertOverflow="ellipsis" vert="horz" wrap="square" lIns="0" tIns="0" rIns="0" bIns="0" anchor="ctr" anchorCtr="1"/>
+        <a:lstStyle/>
+        <a:p>
+          <a:pPr algn="ctr">
+            <a:defRPr/>
+          </a:pPr>
+          <a:r>
+            <a:rPr lang="de-DE" sz="2000" dirty="0">
+              <a:solidFill>
+                <a:srgbClr val="44546A"/>
+              </a:solidFill>
+              <a:latin typeface="Futura Lt BT" panose="020B0402020204020303"/>
+            </a:rPr>
+            <a:t>Dauer des Alarmtons der „Alarm“ Gruppe</a:t>
+          </a:r>
+        </a:p>
+      </cx:txPr>
     </cx:title>
     <cx:plotArea>
       <cx:plotAreaRegion>
@@ -14045,126 +12439,6 @@
 </cs:colorStyle>
 </file>
 
-<file path=ppt/charts/colors22.xml><?xml version="1.0" encoding="utf-8"?>
-<cs:colorStyle xmlns:cs="http://schemas.microsoft.com/office/drawing/2012/chartStyle" xmlns:a="http://schemas.openxmlformats.org/drawingml/2006/main" meth="cycle" id="10">
-  <a:schemeClr val="accent1"/>
-  <a:schemeClr val="accent2"/>
-  <a:schemeClr val="accent3"/>
-  <a:schemeClr val="accent4"/>
-  <a:schemeClr val="accent5"/>
-  <a:schemeClr val="accent6"/>
-  <cs:variation/>
-  <cs:variation>
-    <a:lumMod val="60000"/>
-  </cs:variation>
-  <cs:variation>
-    <a:lumMod val="80000"/>
-    <a:lumOff val="20000"/>
-  </cs:variation>
-  <cs:variation>
-    <a:lumMod val="80000"/>
-  </cs:variation>
-  <cs:variation>
-    <a:lumMod val="60000"/>
-    <a:lumOff val="40000"/>
-  </cs:variation>
-  <cs:variation>
-    <a:lumMod val="50000"/>
-  </cs:variation>
-  <cs:variation>
-    <a:lumMod val="70000"/>
-    <a:lumOff val="30000"/>
-  </cs:variation>
-  <cs:variation>
-    <a:lumMod val="70000"/>
-  </cs:variation>
-  <cs:variation>
-    <a:lumMod val="50000"/>
-    <a:lumOff val="50000"/>
-  </cs:variation>
-</cs:colorStyle>
-</file>
-
-<file path=ppt/charts/colors23.xml><?xml version="1.0" encoding="utf-8"?>
-<cs:colorStyle xmlns:cs="http://schemas.microsoft.com/office/drawing/2012/chartStyle" xmlns:a="http://schemas.openxmlformats.org/drawingml/2006/main" meth="cycle" id="10">
-  <a:schemeClr val="accent1"/>
-  <a:schemeClr val="accent2"/>
-  <a:schemeClr val="accent3"/>
-  <a:schemeClr val="accent4"/>
-  <a:schemeClr val="accent5"/>
-  <a:schemeClr val="accent6"/>
-  <cs:variation/>
-  <cs:variation>
-    <a:lumMod val="60000"/>
-  </cs:variation>
-  <cs:variation>
-    <a:lumMod val="80000"/>
-    <a:lumOff val="20000"/>
-  </cs:variation>
-  <cs:variation>
-    <a:lumMod val="80000"/>
-  </cs:variation>
-  <cs:variation>
-    <a:lumMod val="60000"/>
-    <a:lumOff val="40000"/>
-  </cs:variation>
-  <cs:variation>
-    <a:lumMod val="50000"/>
-  </cs:variation>
-  <cs:variation>
-    <a:lumMod val="70000"/>
-    <a:lumOff val="30000"/>
-  </cs:variation>
-  <cs:variation>
-    <a:lumMod val="70000"/>
-  </cs:variation>
-  <cs:variation>
-    <a:lumMod val="50000"/>
-    <a:lumOff val="50000"/>
-  </cs:variation>
-</cs:colorStyle>
-</file>
-
-<file path=ppt/charts/colors24.xml><?xml version="1.0" encoding="utf-8"?>
-<cs:colorStyle xmlns:cs="http://schemas.microsoft.com/office/drawing/2012/chartStyle" xmlns:a="http://schemas.openxmlformats.org/drawingml/2006/main" meth="cycle" id="10">
-  <a:schemeClr val="accent1"/>
-  <a:schemeClr val="accent2"/>
-  <a:schemeClr val="accent3"/>
-  <a:schemeClr val="accent4"/>
-  <a:schemeClr val="accent5"/>
-  <a:schemeClr val="accent6"/>
-  <cs:variation/>
-  <cs:variation>
-    <a:lumMod val="60000"/>
-  </cs:variation>
-  <cs:variation>
-    <a:lumMod val="80000"/>
-    <a:lumOff val="20000"/>
-  </cs:variation>
-  <cs:variation>
-    <a:lumMod val="80000"/>
-  </cs:variation>
-  <cs:variation>
-    <a:lumMod val="60000"/>
-    <a:lumOff val="40000"/>
-  </cs:variation>
-  <cs:variation>
-    <a:lumMod val="50000"/>
-  </cs:variation>
-  <cs:variation>
-    <a:lumMod val="70000"/>
-    <a:lumOff val="30000"/>
-  </cs:variation>
-  <cs:variation>
-    <a:lumMod val="70000"/>
-  </cs:variation>
-  <cs:variation>
-    <a:lumMod val="50000"/>
-    <a:lumOff val="50000"/>
-  </cs:variation>
-</cs:colorStyle>
-</file>
-
 <file path=ppt/charts/colors3.xml><?xml version="1.0" encoding="utf-8"?>
 <cs:colorStyle xmlns:cs="http://schemas.microsoft.com/office/drawing/2012/chartStyle" xmlns:a="http://schemas.openxmlformats.org/drawingml/2006/main" meth="cycle" id="10">
   <a:schemeClr val="accent1"/>
@@ -20865,1515 +19139,6 @@
 </file>
 
 <file path=ppt/charts/style21.xml><?xml version="1.0" encoding="utf-8"?>
-<cs:chartStyle xmlns:cs="http://schemas.microsoft.com/office/drawing/2012/chartStyle" xmlns:a="http://schemas.openxmlformats.org/drawingml/2006/main" id="201">
-  <cs:axisTitle>
-    <cs:lnRef idx="0"/>
-    <cs:fillRef idx="0"/>
-    <cs:effectRef idx="0"/>
-    <cs:fontRef idx="minor">
-      <a:schemeClr val="tx1">
-        <a:lumMod val="65000"/>
-        <a:lumOff val="35000"/>
-      </a:schemeClr>
-    </cs:fontRef>
-    <cs:defRPr sz="1330" kern="1200"/>
-  </cs:axisTitle>
-  <cs:categoryAxis>
-    <cs:lnRef idx="0"/>
-    <cs:fillRef idx="0"/>
-    <cs:effectRef idx="0"/>
-    <cs:fontRef idx="minor">
-      <a:schemeClr val="tx1">
-        <a:lumMod val="65000"/>
-        <a:lumOff val="35000"/>
-      </a:schemeClr>
-    </cs:fontRef>
-    <cs:spPr>
-      <a:ln w="9525" cap="flat" cmpd="sng" algn="ctr">
-        <a:solidFill>
-          <a:schemeClr val="tx1">
-            <a:lumMod val="15000"/>
-            <a:lumOff val="85000"/>
-          </a:schemeClr>
-        </a:solidFill>
-        <a:round/>
-      </a:ln>
-    </cs:spPr>
-    <cs:defRPr sz="1197" kern="1200"/>
-  </cs:categoryAxis>
-  <cs:chartArea mods="allowNoFillOverride allowNoLineOverride">
-    <cs:lnRef idx="0"/>
-    <cs:fillRef idx="0"/>
-    <cs:effectRef idx="0"/>
-    <cs:fontRef idx="minor">
-      <a:schemeClr val="tx1"/>
-    </cs:fontRef>
-    <cs:spPr>
-      <a:solidFill>
-        <a:schemeClr val="bg1"/>
-      </a:solidFill>
-      <a:ln w="9525" cap="flat" cmpd="sng" algn="ctr">
-        <a:solidFill>
-          <a:schemeClr val="tx1">
-            <a:lumMod val="15000"/>
-            <a:lumOff val="85000"/>
-          </a:schemeClr>
-        </a:solidFill>
-        <a:round/>
-      </a:ln>
-    </cs:spPr>
-    <cs:defRPr sz="1330" kern="1200"/>
-  </cs:chartArea>
-  <cs:dataLabel>
-    <cs:lnRef idx="0"/>
-    <cs:fillRef idx="0"/>
-    <cs:effectRef idx="0"/>
-    <cs:fontRef idx="minor">
-      <a:schemeClr val="tx1">
-        <a:lumMod val="75000"/>
-        <a:lumOff val="25000"/>
-      </a:schemeClr>
-    </cs:fontRef>
-    <cs:defRPr sz="1197" kern="1200"/>
-  </cs:dataLabel>
-  <cs:dataLabelCallout>
-    <cs:lnRef idx="0"/>
-    <cs:fillRef idx="0"/>
-    <cs:effectRef idx="0"/>
-    <cs:fontRef idx="minor">
-      <a:schemeClr val="dk1">
-        <a:lumMod val="65000"/>
-        <a:lumOff val="35000"/>
-      </a:schemeClr>
-    </cs:fontRef>
-    <cs:spPr>
-      <a:solidFill>
-        <a:schemeClr val="lt1"/>
-      </a:solidFill>
-      <a:ln>
-        <a:solidFill>
-          <a:schemeClr val="dk1">
-            <a:lumMod val="25000"/>
-            <a:lumOff val="75000"/>
-          </a:schemeClr>
-        </a:solidFill>
-      </a:ln>
-    </cs:spPr>
-    <cs:defRPr sz="1197" kern="1200"/>
-    <cs:bodyPr rot="0" spcFirstLastPara="1" vertOverflow="clip" horzOverflow="clip" vert="horz" wrap="square" lIns="36576" tIns="18288" rIns="36576" bIns="18288" anchor="ctr" anchorCtr="1">
-      <a:spAutoFit/>
-    </cs:bodyPr>
-  </cs:dataLabelCallout>
-  <cs:dataPoint>
-    <cs:lnRef idx="0"/>
-    <cs:fillRef idx="1">
-      <cs:styleClr val="auto"/>
-    </cs:fillRef>
-    <cs:effectRef idx="0"/>
-    <cs:fontRef idx="minor">
-      <a:schemeClr val="tx1"/>
-    </cs:fontRef>
-  </cs:dataPoint>
-  <cs:dataPoint3D>
-    <cs:lnRef idx="0"/>
-    <cs:fillRef idx="1">
-      <cs:styleClr val="auto"/>
-    </cs:fillRef>
-    <cs:effectRef idx="0"/>
-    <cs:fontRef idx="minor">
-      <a:schemeClr val="tx1"/>
-    </cs:fontRef>
-  </cs:dataPoint3D>
-  <cs:dataPointLine>
-    <cs:lnRef idx="0">
-      <cs:styleClr val="auto"/>
-    </cs:lnRef>
-    <cs:fillRef idx="1"/>
-    <cs:effectRef idx="0"/>
-    <cs:fontRef idx="minor">
-      <a:schemeClr val="tx1"/>
-    </cs:fontRef>
-    <cs:spPr>
-      <a:ln w="28575" cap="rnd">
-        <a:solidFill>
-          <a:schemeClr val="phClr"/>
-        </a:solidFill>
-        <a:round/>
-      </a:ln>
-    </cs:spPr>
-  </cs:dataPointLine>
-  <cs:dataPointMarker>
-    <cs:lnRef idx="0">
-      <cs:styleClr val="auto"/>
-    </cs:lnRef>
-    <cs:fillRef idx="1">
-      <cs:styleClr val="auto"/>
-    </cs:fillRef>
-    <cs:effectRef idx="0"/>
-    <cs:fontRef idx="minor">
-      <a:schemeClr val="tx1"/>
-    </cs:fontRef>
-    <cs:spPr>
-      <a:ln w="9525">
-        <a:solidFill>
-          <a:schemeClr val="phClr"/>
-        </a:solidFill>
-      </a:ln>
-    </cs:spPr>
-  </cs:dataPointMarker>
-  <cs:dataPointMarkerLayout symbol="circle" size="5"/>
-  <cs:dataPointWireframe>
-    <cs:lnRef idx="0">
-      <cs:styleClr val="auto"/>
-    </cs:lnRef>
-    <cs:fillRef idx="1"/>
-    <cs:effectRef idx="0"/>
-    <cs:fontRef idx="minor">
-      <a:schemeClr val="tx1"/>
-    </cs:fontRef>
-    <cs:spPr>
-      <a:ln w="9525" cap="rnd">
-        <a:solidFill>
-          <a:schemeClr val="phClr"/>
-        </a:solidFill>
-        <a:round/>
-      </a:ln>
-    </cs:spPr>
-  </cs:dataPointWireframe>
-  <cs:dataTable>
-    <cs:lnRef idx="0"/>
-    <cs:fillRef idx="0"/>
-    <cs:effectRef idx="0"/>
-    <cs:fontRef idx="minor">
-      <a:schemeClr val="tx1">
-        <a:lumMod val="65000"/>
-        <a:lumOff val="35000"/>
-      </a:schemeClr>
-    </cs:fontRef>
-    <cs:spPr>
-      <a:noFill/>
-      <a:ln w="9525" cap="flat" cmpd="sng" algn="ctr">
-        <a:solidFill>
-          <a:schemeClr val="tx1">
-            <a:lumMod val="15000"/>
-            <a:lumOff val="85000"/>
-          </a:schemeClr>
-        </a:solidFill>
-        <a:round/>
-      </a:ln>
-    </cs:spPr>
-    <cs:defRPr sz="1197" kern="1200"/>
-  </cs:dataTable>
-  <cs:downBar>
-    <cs:lnRef idx="0"/>
-    <cs:fillRef idx="0"/>
-    <cs:effectRef idx="0"/>
-    <cs:fontRef idx="minor">
-      <a:schemeClr val="dk1"/>
-    </cs:fontRef>
-    <cs:spPr>
-      <a:solidFill>
-        <a:schemeClr val="dk1">
-          <a:lumMod val="65000"/>
-          <a:lumOff val="35000"/>
-        </a:schemeClr>
-      </a:solidFill>
-      <a:ln w="9525">
-        <a:solidFill>
-          <a:schemeClr val="tx1">
-            <a:lumMod val="65000"/>
-            <a:lumOff val="35000"/>
-          </a:schemeClr>
-        </a:solidFill>
-      </a:ln>
-    </cs:spPr>
-  </cs:downBar>
-  <cs:dropLine>
-    <cs:lnRef idx="0"/>
-    <cs:fillRef idx="0"/>
-    <cs:effectRef idx="0"/>
-    <cs:fontRef idx="minor">
-      <a:schemeClr val="tx1"/>
-    </cs:fontRef>
-    <cs:spPr>
-      <a:ln w="9525" cap="flat" cmpd="sng" algn="ctr">
-        <a:solidFill>
-          <a:schemeClr val="tx1">
-            <a:lumMod val="35000"/>
-            <a:lumOff val="65000"/>
-          </a:schemeClr>
-        </a:solidFill>
-        <a:round/>
-      </a:ln>
-    </cs:spPr>
-  </cs:dropLine>
-  <cs:errorBar>
-    <cs:lnRef idx="0"/>
-    <cs:fillRef idx="0"/>
-    <cs:effectRef idx="0"/>
-    <cs:fontRef idx="minor">
-      <a:schemeClr val="tx1"/>
-    </cs:fontRef>
-    <cs:spPr>
-      <a:ln w="9525" cap="flat" cmpd="sng" algn="ctr">
-        <a:solidFill>
-          <a:schemeClr val="tx1">
-            <a:lumMod val="65000"/>
-            <a:lumOff val="35000"/>
-          </a:schemeClr>
-        </a:solidFill>
-        <a:round/>
-      </a:ln>
-    </cs:spPr>
-  </cs:errorBar>
-  <cs:floor>
-    <cs:lnRef idx="0"/>
-    <cs:fillRef idx="0"/>
-    <cs:effectRef idx="0"/>
-    <cs:fontRef idx="minor">
-      <a:schemeClr val="tx1"/>
-    </cs:fontRef>
-    <cs:spPr>
-      <a:noFill/>
-      <a:ln>
-        <a:noFill/>
-      </a:ln>
-    </cs:spPr>
-  </cs:floor>
-  <cs:gridlineMajor>
-    <cs:lnRef idx="0"/>
-    <cs:fillRef idx="0"/>
-    <cs:effectRef idx="0"/>
-    <cs:fontRef idx="minor">
-      <a:schemeClr val="tx1"/>
-    </cs:fontRef>
-    <cs:spPr>
-      <a:ln w="9525" cap="flat" cmpd="sng" algn="ctr">
-        <a:solidFill>
-          <a:schemeClr val="tx1">
-            <a:lumMod val="15000"/>
-            <a:lumOff val="85000"/>
-          </a:schemeClr>
-        </a:solidFill>
-        <a:round/>
-      </a:ln>
-    </cs:spPr>
-  </cs:gridlineMajor>
-  <cs:gridlineMinor>
-    <cs:lnRef idx="0"/>
-    <cs:fillRef idx="0"/>
-    <cs:effectRef idx="0"/>
-    <cs:fontRef idx="minor">
-      <a:schemeClr val="tx1"/>
-    </cs:fontRef>
-    <cs:spPr>
-      <a:ln w="9525" cap="flat" cmpd="sng" algn="ctr">
-        <a:solidFill>
-          <a:schemeClr val="tx1">
-            <a:lumMod val="5000"/>
-            <a:lumOff val="95000"/>
-          </a:schemeClr>
-        </a:solidFill>
-        <a:round/>
-      </a:ln>
-    </cs:spPr>
-  </cs:gridlineMinor>
-  <cs:hiLoLine>
-    <cs:lnRef idx="0"/>
-    <cs:fillRef idx="0"/>
-    <cs:effectRef idx="0"/>
-    <cs:fontRef idx="minor">
-      <a:schemeClr val="tx1"/>
-    </cs:fontRef>
-    <cs:spPr>
-      <a:ln w="9525" cap="flat" cmpd="sng" algn="ctr">
-        <a:solidFill>
-          <a:schemeClr val="tx1">
-            <a:lumMod val="75000"/>
-            <a:lumOff val="25000"/>
-          </a:schemeClr>
-        </a:solidFill>
-        <a:round/>
-      </a:ln>
-    </cs:spPr>
-  </cs:hiLoLine>
-  <cs:leaderLine>
-    <cs:lnRef idx="0"/>
-    <cs:fillRef idx="0"/>
-    <cs:effectRef idx="0"/>
-    <cs:fontRef idx="minor">
-      <a:schemeClr val="tx1"/>
-    </cs:fontRef>
-    <cs:spPr>
-      <a:ln w="9525" cap="flat" cmpd="sng" algn="ctr">
-        <a:solidFill>
-          <a:schemeClr val="tx1">
-            <a:lumMod val="35000"/>
-            <a:lumOff val="65000"/>
-          </a:schemeClr>
-        </a:solidFill>
-        <a:round/>
-      </a:ln>
-    </cs:spPr>
-  </cs:leaderLine>
-  <cs:legend>
-    <cs:lnRef idx="0"/>
-    <cs:fillRef idx="0"/>
-    <cs:effectRef idx="0"/>
-    <cs:fontRef idx="minor">
-      <a:schemeClr val="tx1">
-        <a:lumMod val="65000"/>
-        <a:lumOff val="35000"/>
-      </a:schemeClr>
-    </cs:fontRef>
-    <cs:defRPr sz="1197" kern="1200"/>
-  </cs:legend>
-  <cs:plotArea mods="allowNoFillOverride allowNoLineOverride">
-    <cs:lnRef idx="0"/>
-    <cs:fillRef idx="0"/>
-    <cs:effectRef idx="0"/>
-    <cs:fontRef idx="minor">
-      <a:schemeClr val="tx1"/>
-    </cs:fontRef>
-  </cs:plotArea>
-  <cs:plotArea3D mods="allowNoFillOverride allowNoLineOverride">
-    <cs:lnRef idx="0"/>
-    <cs:fillRef idx="0"/>
-    <cs:effectRef idx="0"/>
-    <cs:fontRef idx="minor">
-      <a:schemeClr val="tx1"/>
-    </cs:fontRef>
-  </cs:plotArea3D>
-  <cs:seriesAxis>
-    <cs:lnRef idx="0"/>
-    <cs:fillRef idx="0"/>
-    <cs:effectRef idx="0"/>
-    <cs:fontRef idx="minor">
-      <a:schemeClr val="tx1">
-        <a:lumMod val="65000"/>
-        <a:lumOff val="35000"/>
-      </a:schemeClr>
-    </cs:fontRef>
-    <cs:defRPr sz="1197" kern="1200"/>
-  </cs:seriesAxis>
-  <cs:seriesLine>
-    <cs:lnRef idx="0"/>
-    <cs:fillRef idx="0"/>
-    <cs:effectRef idx="0"/>
-    <cs:fontRef idx="minor">
-      <a:schemeClr val="tx1"/>
-    </cs:fontRef>
-    <cs:spPr>
-      <a:ln w="9525" cap="flat" cmpd="sng" algn="ctr">
-        <a:solidFill>
-          <a:schemeClr val="tx1">
-            <a:lumMod val="35000"/>
-            <a:lumOff val="65000"/>
-          </a:schemeClr>
-        </a:solidFill>
-        <a:round/>
-      </a:ln>
-    </cs:spPr>
-  </cs:seriesLine>
-  <cs:title>
-    <cs:lnRef idx="0"/>
-    <cs:fillRef idx="0"/>
-    <cs:effectRef idx="0"/>
-    <cs:fontRef idx="minor">
-      <a:schemeClr val="tx1">
-        <a:lumMod val="65000"/>
-        <a:lumOff val="35000"/>
-      </a:schemeClr>
-    </cs:fontRef>
-    <cs:defRPr sz="1862" b="0" kern="1200" spc="0" baseline="0"/>
-  </cs:title>
-  <cs:trendline>
-    <cs:lnRef idx="0">
-      <cs:styleClr val="auto"/>
-    </cs:lnRef>
-    <cs:fillRef idx="0"/>
-    <cs:effectRef idx="0"/>
-    <cs:fontRef idx="minor">
-      <a:schemeClr val="tx1"/>
-    </cs:fontRef>
-    <cs:spPr>
-      <a:ln w="19050" cap="rnd">
-        <a:solidFill>
-          <a:schemeClr val="phClr"/>
-        </a:solidFill>
-        <a:prstDash val="sysDot"/>
-      </a:ln>
-    </cs:spPr>
-  </cs:trendline>
-  <cs:trendlineLabel>
-    <cs:lnRef idx="0"/>
-    <cs:fillRef idx="0"/>
-    <cs:effectRef idx="0"/>
-    <cs:fontRef idx="minor">
-      <a:schemeClr val="tx1">
-        <a:lumMod val="65000"/>
-        <a:lumOff val="35000"/>
-      </a:schemeClr>
-    </cs:fontRef>
-    <cs:defRPr sz="1197" kern="1200"/>
-  </cs:trendlineLabel>
-  <cs:upBar>
-    <cs:lnRef idx="0"/>
-    <cs:fillRef idx="0"/>
-    <cs:effectRef idx="0"/>
-    <cs:fontRef idx="minor">
-      <a:schemeClr val="dk1"/>
-    </cs:fontRef>
-    <cs:spPr>
-      <a:solidFill>
-        <a:schemeClr val="lt1"/>
-      </a:solidFill>
-      <a:ln w="9525">
-        <a:solidFill>
-          <a:schemeClr val="tx1">
-            <a:lumMod val="15000"/>
-            <a:lumOff val="85000"/>
-          </a:schemeClr>
-        </a:solidFill>
-      </a:ln>
-    </cs:spPr>
-  </cs:upBar>
-  <cs:valueAxis>
-    <cs:lnRef idx="0"/>
-    <cs:fillRef idx="0"/>
-    <cs:effectRef idx="0"/>
-    <cs:fontRef idx="minor">
-      <a:schemeClr val="tx1">
-        <a:lumMod val="65000"/>
-        <a:lumOff val="35000"/>
-      </a:schemeClr>
-    </cs:fontRef>
-    <cs:defRPr sz="1197" kern="1200"/>
-  </cs:valueAxis>
-  <cs:wall>
-    <cs:lnRef idx="0"/>
-    <cs:fillRef idx="0"/>
-    <cs:effectRef idx="0"/>
-    <cs:fontRef idx="minor">
-      <a:schemeClr val="tx1"/>
-    </cs:fontRef>
-    <cs:spPr>
-      <a:noFill/>
-      <a:ln>
-        <a:noFill/>
-      </a:ln>
-    </cs:spPr>
-  </cs:wall>
-</cs:chartStyle>
-</file>
-
-<file path=ppt/charts/style22.xml><?xml version="1.0" encoding="utf-8"?>
-<cs:chartStyle xmlns:cs="http://schemas.microsoft.com/office/drawing/2012/chartStyle" xmlns:a="http://schemas.openxmlformats.org/drawingml/2006/main" id="201">
-  <cs:axisTitle>
-    <cs:lnRef idx="0"/>
-    <cs:fillRef idx="0"/>
-    <cs:effectRef idx="0"/>
-    <cs:fontRef idx="minor">
-      <a:schemeClr val="tx1">
-        <a:lumMod val="65000"/>
-        <a:lumOff val="35000"/>
-      </a:schemeClr>
-    </cs:fontRef>
-    <cs:defRPr sz="1330" kern="1200"/>
-  </cs:axisTitle>
-  <cs:categoryAxis>
-    <cs:lnRef idx="0"/>
-    <cs:fillRef idx="0"/>
-    <cs:effectRef idx="0"/>
-    <cs:fontRef idx="minor">
-      <a:schemeClr val="tx1">
-        <a:lumMod val="65000"/>
-        <a:lumOff val="35000"/>
-      </a:schemeClr>
-    </cs:fontRef>
-    <cs:spPr>
-      <a:ln w="9525" cap="flat" cmpd="sng" algn="ctr">
-        <a:solidFill>
-          <a:schemeClr val="tx1">
-            <a:lumMod val="15000"/>
-            <a:lumOff val="85000"/>
-          </a:schemeClr>
-        </a:solidFill>
-        <a:round/>
-      </a:ln>
-    </cs:spPr>
-    <cs:defRPr sz="1197" kern="1200"/>
-  </cs:categoryAxis>
-  <cs:chartArea mods="allowNoFillOverride allowNoLineOverride">
-    <cs:lnRef idx="0"/>
-    <cs:fillRef idx="0"/>
-    <cs:effectRef idx="0"/>
-    <cs:fontRef idx="minor">
-      <a:schemeClr val="tx1"/>
-    </cs:fontRef>
-    <cs:spPr>
-      <a:solidFill>
-        <a:schemeClr val="bg1"/>
-      </a:solidFill>
-      <a:ln w="9525" cap="flat" cmpd="sng" algn="ctr">
-        <a:solidFill>
-          <a:schemeClr val="tx1">
-            <a:lumMod val="15000"/>
-            <a:lumOff val="85000"/>
-          </a:schemeClr>
-        </a:solidFill>
-        <a:round/>
-      </a:ln>
-    </cs:spPr>
-    <cs:defRPr sz="1330" kern="1200"/>
-  </cs:chartArea>
-  <cs:dataLabel>
-    <cs:lnRef idx="0"/>
-    <cs:fillRef idx="0"/>
-    <cs:effectRef idx="0"/>
-    <cs:fontRef idx="minor">
-      <a:schemeClr val="tx1">
-        <a:lumMod val="75000"/>
-        <a:lumOff val="25000"/>
-      </a:schemeClr>
-    </cs:fontRef>
-    <cs:defRPr sz="1197" kern="1200"/>
-  </cs:dataLabel>
-  <cs:dataLabelCallout>
-    <cs:lnRef idx="0"/>
-    <cs:fillRef idx="0"/>
-    <cs:effectRef idx="0"/>
-    <cs:fontRef idx="minor">
-      <a:schemeClr val="dk1">
-        <a:lumMod val="65000"/>
-        <a:lumOff val="35000"/>
-      </a:schemeClr>
-    </cs:fontRef>
-    <cs:spPr>
-      <a:solidFill>
-        <a:schemeClr val="lt1"/>
-      </a:solidFill>
-      <a:ln>
-        <a:solidFill>
-          <a:schemeClr val="dk1">
-            <a:lumMod val="25000"/>
-            <a:lumOff val="75000"/>
-          </a:schemeClr>
-        </a:solidFill>
-      </a:ln>
-    </cs:spPr>
-    <cs:defRPr sz="1197" kern="1200"/>
-    <cs:bodyPr rot="0" spcFirstLastPara="1" vertOverflow="clip" horzOverflow="clip" vert="horz" wrap="square" lIns="36576" tIns="18288" rIns="36576" bIns="18288" anchor="ctr" anchorCtr="1">
-      <a:spAutoFit/>
-    </cs:bodyPr>
-  </cs:dataLabelCallout>
-  <cs:dataPoint>
-    <cs:lnRef idx="0"/>
-    <cs:fillRef idx="1">
-      <cs:styleClr val="auto"/>
-    </cs:fillRef>
-    <cs:effectRef idx="0"/>
-    <cs:fontRef idx="minor">
-      <a:schemeClr val="tx1"/>
-    </cs:fontRef>
-  </cs:dataPoint>
-  <cs:dataPoint3D>
-    <cs:lnRef idx="0"/>
-    <cs:fillRef idx="1">
-      <cs:styleClr val="auto"/>
-    </cs:fillRef>
-    <cs:effectRef idx="0"/>
-    <cs:fontRef idx="minor">
-      <a:schemeClr val="tx1"/>
-    </cs:fontRef>
-  </cs:dataPoint3D>
-  <cs:dataPointLine>
-    <cs:lnRef idx="0">
-      <cs:styleClr val="auto"/>
-    </cs:lnRef>
-    <cs:fillRef idx="1"/>
-    <cs:effectRef idx="0"/>
-    <cs:fontRef idx="minor">
-      <a:schemeClr val="tx1"/>
-    </cs:fontRef>
-    <cs:spPr>
-      <a:ln w="28575" cap="rnd">
-        <a:solidFill>
-          <a:schemeClr val="phClr"/>
-        </a:solidFill>
-        <a:round/>
-      </a:ln>
-    </cs:spPr>
-  </cs:dataPointLine>
-  <cs:dataPointMarker>
-    <cs:lnRef idx="0">
-      <cs:styleClr val="auto"/>
-    </cs:lnRef>
-    <cs:fillRef idx="1">
-      <cs:styleClr val="auto"/>
-    </cs:fillRef>
-    <cs:effectRef idx="0"/>
-    <cs:fontRef idx="minor">
-      <a:schemeClr val="tx1"/>
-    </cs:fontRef>
-    <cs:spPr>
-      <a:ln w="9525">
-        <a:solidFill>
-          <a:schemeClr val="phClr"/>
-        </a:solidFill>
-      </a:ln>
-    </cs:spPr>
-  </cs:dataPointMarker>
-  <cs:dataPointMarkerLayout symbol="circle" size="5"/>
-  <cs:dataPointWireframe>
-    <cs:lnRef idx="0">
-      <cs:styleClr val="auto"/>
-    </cs:lnRef>
-    <cs:fillRef idx="1"/>
-    <cs:effectRef idx="0"/>
-    <cs:fontRef idx="minor">
-      <a:schemeClr val="tx1"/>
-    </cs:fontRef>
-    <cs:spPr>
-      <a:ln w="9525" cap="rnd">
-        <a:solidFill>
-          <a:schemeClr val="phClr"/>
-        </a:solidFill>
-        <a:round/>
-      </a:ln>
-    </cs:spPr>
-  </cs:dataPointWireframe>
-  <cs:dataTable>
-    <cs:lnRef idx="0"/>
-    <cs:fillRef idx="0"/>
-    <cs:effectRef idx="0"/>
-    <cs:fontRef idx="minor">
-      <a:schemeClr val="tx1">
-        <a:lumMod val="65000"/>
-        <a:lumOff val="35000"/>
-      </a:schemeClr>
-    </cs:fontRef>
-    <cs:spPr>
-      <a:noFill/>
-      <a:ln w="9525" cap="flat" cmpd="sng" algn="ctr">
-        <a:solidFill>
-          <a:schemeClr val="tx1">
-            <a:lumMod val="15000"/>
-            <a:lumOff val="85000"/>
-          </a:schemeClr>
-        </a:solidFill>
-        <a:round/>
-      </a:ln>
-    </cs:spPr>
-    <cs:defRPr sz="1197" kern="1200"/>
-  </cs:dataTable>
-  <cs:downBar>
-    <cs:lnRef idx="0"/>
-    <cs:fillRef idx="0"/>
-    <cs:effectRef idx="0"/>
-    <cs:fontRef idx="minor">
-      <a:schemeClr val="dk1"/>
-    </cs:fontRef>
-    <cs:spPr>
-      <a:solidFill>
-        <a:schemeClr val="dk1">
-          <a:lumMod val="65000"/>
-          <a:lumOff val="35000"/>
-        </a:schemeClr>
-      </a:solidFill>
-      <a:ln w="9525">
-        <a:solidFill>
-          <a:schemeClr val="tx1">
-            <a:lumMod val="65000"/>
-            <a:lumOff val="35000"/>
-          </a:schemeClr>
-        </a:solidFill>
-      </a:ln>
-    </cs:spPr>
-  </cs:downBar>
-  <cs:dropLine>
-    <cs:lnRef idx="0"/>
-    <cs:fillRef idx="0"/>
-    <cs:effectRef idx="0"/>
-    <cs:fontRef idx="minor">
-      <a:schemeClr val="tx1"/>
-    </cs:fontRef>
-    <cs:spPr>
-      <a:ln w="9525" cap="flat" cmpd="sng" algn="ctr">
-        <a:solidFill>
-          <a:schemeClr val="tx1">
-            <a:lumMod val="35000"/>
-            <a:lumOff val="65000"/>
-          </a:schemeClr>
-        </a:solidFill>
-        <a:round/>
-      </a:ln>
-    </cs:spPr>
-  </cs:dropLine>
-  <cs:errorBar>
-    <cs:lnRef idx="0"/>
-    <cs:fillRef idx="0"/>
-    <cs:effectRef idx="0"/>
-    <cs:fontRef idx="minor">
-      <a:schemeClr val="tx1"/>
-    </cs:fontRef>
-    <cs:spPr>
-      <a:ln w="9525" cap="flat" cmpd="sng" algn="ctr">
-        <a:solidFill>
-          <a:schemeClr val="tx1">
-            <a:lumMod val="65000"/>
-            <a:lumOff val="35000"/>
-          </a:schemeClr>
-        </a:solidFill>
-        <a:round/>
-      </a:ln>
-    </cs:spPr>
-  </cs:errorBar>
-  <cs:floor>
-    <cs:lnRef idx="0"/>
-    <cs:fillRef idx="0"/>
-    <cs:effectRef idx="0"/>
-    <cs:fontRef idx="minor">
-      <a:schemeClr val="tx1"/>
-    </cs:fontRef>
-    <cs:spPr>
-      <a:noFill/>
-      <a:ln>
-        <a:noFill/>
-      </a:ln>
-    </cs:spPr>
-  </cs:floor>
-  <cs:gridlineMajor>
-    <cs:lnRef idx="0"/>
-    <cs:fillRef idx="0"/>
-    <cs:effectRef idx="0"/>
-    <cs:fontRef idx="minor">
-      <a:schemeClr val="tx1"/>
-    </cs:fontRef>
-    <cs:spPr>
-      <a:ln w="9525" cap="flat" cmpd="sng" algn="ctr">
-        <a:solidFill>
-          <a:schemeClr val="tx1">
-            <a:lumMod val="15000"/>
-            <a:lumOff val="85000"/>
-          </a:schemeClr>
-        </a:solidFill>
-        <a:round/>
-      </a:ln>
-    </cs:spPr>
-  </cs:gridlineMajor>
-  <cs:gridlineMinor>
-    <cs:lnRef idx="0"/>
-    <cs:fillRef idx="0"/>
-    <cs:effectRef idx="0"/>
-    <cs:fontRef idx="minor">
-      <a:schemeClr val="tx1"/>
-    </cs:fontRef>
-    <cs:spPr>
-      <a:ln w="9525" cap="flat" cmpd="sng" algn="ctr">
-        <a:solidFill>
-          <a:schemeClr val="tx1">
-            <a:lumMod val="5000"/>
-            <a:lumOff val="95000"/>
-          </a:schemeClr>
-        </a:solidFill>
-        <a:round/>
-      </a:ln>
-    </cs:spPr>
-  </cs:gridlineMinor>
-  <cs:hiLoLine>
-    <cs:lnRef idx="0"/>
-    <cs:fillRef idx="0"/>
-    <cs:effectRef idx="0"/>
-    <cs:fontRef idx="minor">
-      <a:schemeClr val="tx1"/>
-    </cs:fontRef>
-    <cs:spPr>
-      <a:ln w="9525" cap="flat" cmpd="sng" algn="ctr">
-        <a:solidFill>
-          <a:schemeClr val="tx1">
-            <a:lumMod val="75000"/>
-            <a:lumOff val="25000"/>
-          </a:schemeClr>
-        </a:solidFill>
-        <a:round/>
-      </a:ln>
-    </cs:spPr>
-  </cs:hiLoLine>
-  <cs:leaderLine>
-    <cs:lnRef idx="0"/>
-    <cs:fillRef idx="0"/>
-    <cs:effectRef idx="0"/>
-    <cs:fontRef idx="minor">
-      <a:schemeClr val="tx1"/>
-    </cs:fontRef>
-    <cs:spPr>
-      <a:ln w="9525" cap="flat" cmpd="sng" algn="ctr">
-        <a:solidFill>
-          <a:schemeClr val="tx1">
-            <a:lumMod val="35000"/>
-            <a:lumOff val="65000"/>
-          </a:schemeClr>
-        </a:solidFill>
-        <a:round/>
-      </a:ln>
-    </cs:spPr>
-  </cs:leaderLine>
-  <cs:legend>
-    <cs:lnRef idx="0"/>
-    <cs:fillRef idx="0"/>
-    <cs:effectRef idx="0"/>
-    <cs:fontRef idx="minor">
-      <a:schemeClr val="tx1">
-        <a:lumMod val="65000"/>
-        <a:lumOff val="35000"/>
-      </a:schemeClr>
-    </cs:fontRef>
-    <cs:defRPr sz="1197" kern="1200"/>
-  </cs:legend>
-  <cs:plotArea mods="allowNoFillOverride allowNoLineOverride">
-    <cs:lnRef idx="0"/>
-    <cs:fillRef idx="0"/>
-    <cs:effectRef idx="0"/>
-    <cs:fontRef idx="minor">
-      <a:schemeClr val="tx1"/>
-    </cs:fontRef>
-  </cs:plotArea>
-  <cs:plotArea3D mods="allowNoFillOverride allowNoLineOverride">
-    <cs:lnRef idx="0"/>
-    <cs:fillRef idx="0"/>
-    <cs:effectRef idx="0"/>
-    <cs:fontRef idx="minor">
-      <a:schemeClr val="tx1"/>
-    </cs:fontRef>
-  </cs:plotArea3D>
-  <cs:seriesAxis>
-    <cs:lnRef idx="0"/>
-    <cs:fillRef idx="0"/>
-    <cs:effectRef idx="0"/>
-    <cs:fontRef idx="minor">
-      <a:schemeClr val="tx1">
-        <a:lumMod val="65000"/>
-        <a:lumOff val="35000"/>
-      </a:schemeClr>
-    </cs:fontRef>
-    <cs:defRPr sz="1197" kern="1200"/>
-  </cs:seriesAxis>
-  <cs:seriesLine>
-    <cs:lnRef idx="0"/>
-    <cs:fillRef idx="0"/>
-    <cs:effectRef idx="0"/>
-    <cs:fontRef idx="minor">
-      <a:schemeClr val="tx1"/>
-    </cs:fontRef>
-    <cs:spPr>
-      <a:ln w="9525" cap="flat" cmpd="sng" algn="ctr">
-        <a:solidFill>
-          <a:schemeClr val="tx1">
-            <a:lumMod val="35000"/>
-            <a:lumOff val="65000"/>
-          </a:schemeClr>
-        </a:solidFill>
-        <a:round/>
-      </a:ln>
-    </cs:spPr>
-  </cs:seriesLine>
-  <cs:title>
-    <cs:lnRef idx="0"/>
-    <cs:fillRef idx="0"/>
-    <cs:effectRef idx="0"/>
-    <cs:fontRef idx="minor">
-      <a:schemeClr val="tx1">
-        <a:lumMod val="65000"/>
-        <a:lumOff val="35000"/>
-      </a:schemeClr>
-    </cs:fontRef>
-    <cs:defRPr sz="1862" b="0" kern="1200" spc="0" baseline="0"/>
-  </cs:title>
-  <cs:trendline>
-    <cs:lnRef idx="0">
-      <cs:styleClr val="auto"/>
-    </cs:lnRef>
-    <cs:fillRef idx="0"/>
-    <cs:effectRef idx="0"/>
-    <cs:fontRef idx="minor">
-      <a:schemeClr val="tx1"/>
-    </cs:fontRef>
-    <cs:spPr>
-      <a:ln w="19050" cap="rnd">
-        <a:solidFill>
-          <a:schemeClr val="phClr"/>
-        </a:solidFill>
-        <a:prstDash val="sysDot"/>
-      </a:ln>
-    </cs:spPr>
-  </cs:trendline>
-  <cs:trendlineLabel>
-    <cs:lnRef idx="0"/>
-    <cs:fillRef idx="0"/>
-    <cs:effectRef idx="0"/>
-    <cs:fontRef idx="minor">
-      <a:schemeClr val="tx1">
-        <a:lumMod val="65000"/>
-        <a:lumOff val="35000"/>
-      </a:schemeClr>
-    </cs:fontRef>
-    <cs:defRPr sz="1197" kern="1200"/>
-  </cs:trendlineLabel>
-  <cs:upBar>
-    <cs:lnRef idx="0"/>
-    <cs:fillRef idx="0"/>
-    <cs:effectRef idx="0"/>
-    <cs:fontRef idx="minor">
-      <a:schemeClr val="dk1"/>
-    </cs:fontRef>
-    <cs:spPr>
-      <a:solidFill>
-        <a:schemeClr val="lt1"/>
-      </a:solidFill>
-      <a:ln w="9525">
-        <a:solidFill>
-          <a:schemeClr val="tx1">
-            <a:lumMod val="15000"/>
-            <a:lumOff val="85000"/>
-          </a:schemeClr>
-        </a:solidFill>
-      </a:ln>
-    </cs:spPr>
-  </cs:upBar>
-  <cs:valueAxis>
-    <cs:lnRef idx="0"/>
-    <cs:fillRef idx="0"/>
-    <cs:effectRef idx="0"/>
-    <cs:fontRef idx="minor">
-      <a:schemeClr val="tx1">
-        <a:lumMod val="65000"/>
-        <a:lumOff val="35000"/>
-      </a:schemeClr>
-    </cs:fontRef>
-    <cs:defRPr sz="1197" kern="1200"/>
-  </cs:valueAxis>
-  <cs:wall>
-    <cs:lnRef idx="0"/>
-    <cs:fillRef idx="0"/>
-    <cs:effectRef idx="0"/>
-    <cs:fontRef idx="minor">
-      <a:schemeClr val="tx1"/>
-    </cs:fontRef>
-    <cs:spPr>
-      <a:noFill/>
-      <a:ln>
-        <a:noFill/>
-      </a:ln>
-    </cs:spPr>
-  </cs:wall>
-</cs:chartStyle>
-</file>
-
-<file path=ppt/charts/style23.xml><?xml version="1.0" encoding="utf-8"?>
-<cs:chartStyle xmlns:cs="http://schemas.microsoft.com/office/drawing/2012/chartStyle" xmlns:a="http://schemas.openxmlformats.org/drawingml/2006/main" id="201">
-  <cs:axisTitle>
-    <cs:lnRef idx="0"/>
-    <cs:fillRef idx="0"/>
-    <cs:effectRef idx="0"/>
-    <cs:fontRef idx="minor">
-      <a:schemeClr val="tx1">
-        <a:lumMod val="65000"/>
-        <a:lumOff val="35000"/>
-      </a:schemeClr>
-    </cs:fontRef>
-    <cs:defRPr sz="1330" kern="1200"/>
-  </cs:axisTitle>
-  <cs:categoryAxis>
-    <cs:lnRef idx="0"/>
-    <cs:fillRef idx="0"/>
-    <cs:effectRef idx="0"/>
-    <cs:fontRef idx="minor">
-      <a:schemeClr val="tx1">
-        <a:lumMod val="65000"/>
-        <a:lumOff val="35000"/>
-      </a:schemeClr>
-    </cs:fontRef>
-    <cs:spPr>
-      <a:ln w="9525" cap="flat" cmpd="sng" algn="ctr">
-        <a:solidFill>
-          <a:schemeClr val="tx1">
-            <a:lumMod val="15000"/>
-            <a:lumOff val="85000"/>
-          </a:schemeClr>
-        </a:solidFill>
-        <a:round/>
-      </a:ln>
-    </cs:spPr>
-    <cs:defRPr sz="1197" kern="1200"/>
-  </cs:categoryAxis>
-  <cs:chartArea mods="allowNoFillOverride allowNoLineOverride">
-    <cs:lnRef idx="0"/>
-    <cs:fillRef idx="0"/>
-    <cs:effectRef idx="0"/>
-    <cs:fontRef idx="minor">
-      <a:schemeClr val="tx1"/>
-    </cs:fontRef>
-    <cs:spPr>
-      <a:solidFill>
-        <a:schemeClr val="bg1"/>
-      </a:solidFill>
-      <a:ln w="9525" cap="flat" cmpd="sng" algn="ctr">
-        <a:solidFill>
-          <a:schemeClr val="tx1">
-            <a:lumMod val="15000"/>
-            <a:lumOff val="85000"/>
-          </a:schemeClr>
-        </a:solidFill>
-        <a:round/>
-      </a:ln>
-    </cs:spPr>
-    <cs:defRPr sz="1330" kern="1200"/>
-  </cs:chartArea>
-  <cs:dataLabel>
-    <cs:lnRef idx="0"/>
-    <cs:fillRef idx="0"/>
-    <cs:effectRef idx="0"/>
-    <cs:fontRef idx="minor">
-      <a:schemeClr val="tx1">
-        <a:lumMod val="75000"/>
-        <a:lumOff val="25000"/>
-      </a:schemeClr>
-    </cs:fontRef>
-    <cs:defRPr sz="1197" kern="1200"/>
-  </cs:dataLabel>
-  <cs:dataLabelCallout>
-    <cs:lnRef idx="0"/>
-    <cs:fillRef idx="0"/>
-    <cs:effectRef idx="0"/>
-    <cs:fontRef idx="minor">
-      <a:schemeClr val="dk1">
-        <a:lumMod val="65000"/>
-        <a:lumOff val="35000"/>
-      </a:schemeClr>
-    </cs:fontRef>
-    <cs:spPr>
-      <a:solidFill>
-        <a:schemeClr val="lt1"/>
-      </a:solidFill>
-      <a:ln>
-        <a:solidFill>
-          <a:schemeClr val="dk1">
-            <a:lumMod val="25000"/>
-            <a:lumOff val="75000"/>
-          </a:schemeClr>
-        </a:solidFill>
-      </a:ln>
-    </cs:spPr>
-    <cs:defRPr sz="1197" kern="1200"/>
-    <cs:bodyPr rot="0" spcFirstLastPara="1" vertOverflow="clip" horzOverflow="clip" vert="horz" wrap="square" lIns="36576" tIns="18288" rIns="36576" bIns="18288" anchor="ctr" anchorCtr="1">
-      <a:spAutoFit/>
-    </cs:bodyPr>
-  </cs:dataLabelCallout>
-  <cs:dataPoint>
-    <cs:lnRef idx="0"/>
-    <cs:fillRef idx="1">
-      <cs:styleClr val="auto"/>
-    </cs:fillRef>
-    <cs:effectRef idx="0"/>
-    <cs:fontRef idx="minor">
-      <a:schemeClr val="tx1"/>
-    </cs:fontRef>
-  </cs:dataPoint>
-  <cs:dataPoint3D>
-    <cs:lnRef idx="0"/>
-    <cs:fillRef idx="1">
-      <cs:styleClr val="auto"/>
-    </cs:fillRef>
-    <cs:effectRef idx="0"/>
-    <cs:fontRef idx="minor">
-      <a:schemeClr val="tx1"/>
-    </cs:fontRef>
-  </cs:dataPoint3D>
-  <cs:dataPointLine>
-    <cs:lnRef idx="0">
-      <cs:styleClr val="auto"/>
-    </cs:lnRef>
-    <cs:fillRef idx="1"/>
-    <cs:effectRef idx="0"/>
-    <cs:fontRef idx="minor">
-      <a:schemeClr val="tx1"/>
-    </cs:fontRef>
-    <cs:spPr>
-      <a:ln w="28575" cap="rnd">
-        <a:solidFill>
-          <a:schemeClr val="phClr"/>
-        </a:solidFill>
-        <a:round/>
-      </a:ln>
-    </cs:spPr>
-  </cs:dataPointLine>
-  <cs:dataPointMarker>
-    <cs:lnRef idx="0">
-      <cs:styleClr val="auto"/>
-    </cs:lnRef>
-    <cs:fillRef idx="1">
-      <cs:styleClr val="auto"/>
-    </cs:fillRef>
-    <cs:effectRef idx="0"/>
-    <cs:fontRef idx="minor">
-      <a:schemeClr val="tx1"/>
-    </cs:fontRef>
-    <cs:spPr>
-      <a:ln w="9525">
-        <a:solidFill>
-          <a:schemeClr val="phClr"/>
-        </a:solidFill>
-      </a:ln>
-    </cs:spPr>
-  </cs:dataPointMarker>
-  <cs:dataPointMarkerLayout symbol="circle" size="5"/>
-  <cs:dataPointWireframe>
-    <cs:lnRef idx="0">
-      <cs:styleClr val="auto"/>
-    </cs:lnRef>
-    <cs:fillRef idx="1"/>
-    <cs:effectRef idx="0"/>
-    <cs:fontRef idx="minor">
-      <a:schemeClr val="tx1"/>
-    </cs:fontRef>
-    <cs:spPr>
-      <a:ln w="9525" cap="rnd">
-        <a:solidFill>
-          <a:schemeClr val="phClr"/>
-        </a:solidFill>
-        <a:round/>
-      </a:ln>
-    </cs:spPr>
-  </cs:dataPointWireframe>
-  <cs:dataTable>
-    <cs:lnRef idx="0"/>
-    <cs:fillRef idx="0"/>
-    <cs:effectRef idx="0"/>
-    <cs:fontRef idx="minor">
-      <a:schemeClr val="tx1">
-        <a:lumMod val="65000"/>
-        <a:lumOff val="35000"/>
-      </a:schemeClr>
-    </cs:fontRef>
-    <cs:spPr>
-      <a:noFill/>
-      <a:ln w="9525" cap="flat" cmpd="sng" algn="ctr">
-        <a:solidFill>
-          <a:schemeClr val="tx1">
-            <a:lumMod val="15000"/>
-            <a:lumOff val="85000"/>
-          </a:schemeClr>
-        </a:solidFill>
-        <a:round/>
-      </a:ln>
-    </cs:spPr>
-    <cs:defRPr sz="1197" kern="1200"/>
-  </cs:dataTable>
-  <cs:downBar>
-    <cs:lnRef idx="0"/>
-    <cs:fillRef idx="0"/>
-    <cs:effectRef idx="0"/>
-    <cs:fontRef idx="minor">
-      <a:schemeClr val="dk1"/>
-    </cs:fontRef>
-    <cs:spPr>
-      <a:solidFill>
-        <a:schemeClr val="dk1">
-          <a:lumMod val="65000"/>
-          <a:lumOff val="35000"/>
-        </a:schemeClr>
-      </a:solidFill>
-      <a:ln w="9525">
-        <a:solidFill>
-          <a:schemeClr val="tx1">
-            <a:lumMod val="65000"/>
-            <a:lumOff val="35000"/>
-          </a:schemeClr>
-        </a:solidFill>
-      </a:ln>
-    </cs:spPr>
-  </cs:downBar>
-  <cs:dropLine>
-    <cs:lnRef idx="0"/>
-    <cs:fillRef idx="0"/>
-    <cs:effectRef idx="0"/>
-    <cs:fontRef idx="minor">
-      <a:schemeClr val="tx1"/>
-    </cs:fontRef>
-    <cs:spPr>
-      <a:ln w="9525" cap="flat" cmpd="sng" algn="ctr">
-        <a:solidFill>
-          <a:schemeClr val="tx1">
-            <a:lumMod val="35000"/>
-            <a:lumOff val="65000"/>
-          </a:schemeClr>
-        </a:solidFill>
-        <a:round/>
-      </a:ln>
-    </cs:spPr>
-  </cs:dropLine>
-  <cs:errorBar>
-    <cs:lnRef idx="0"/>
-    <cs:fillRef idx="0"/>
-    <cs:effectRef idx="0"/>
-    <cs:fontRef idx="minor">
-      <a:schemeClr val="tx1"/>
-    </cs:fontRef>
-    <cs:spPr>
-      <a:ln w="9525" cap="flat" cmpd="sng" algn="ctr">
-        <a:solidFill>
-          <a:schemeClr val="tx1">
-            <a:lumMod val="65000"/>
-            <a:lumOff val="35000"/>
-          </a:schemeClr>
-        </a:solidFill>
-        <a:round/>
-      </a:ln>
-    </cs:spPr>
-  </cs:errorBar>
-  <cs:floor>
-    <cs:lnRef idx="0"/>
-    <cs:fillRef idx="0"/>
-    <cs:effectRef idx="0"/>
-    <cs:fontRef idx="minor">
-      <a:schemeClr val="tx1"/>
-    </cs:fontRef>
-    <cs:spPr>
-      <a:noFill/>
-      <a:ln>
-        <a:noFill/>
-      </a:ln>
-    </cs:spPr>
-  </cs:floor>
-  <cs:gridlineMajor>
-    <cs:lnRef idx="0"/>
-    <cs:fillRef idx="0"/>
-    <cs:effectRef idx="0"/>
-    <cs:fontRef idx="minor">
-      <a:schemeClr val="tx1"/>
-    </cs:fontRef>
-    <cs:spPr>
-      <a:ln w="9525" cap="flat" cmpd="sng" algn="ctr">
-        <a:solidFill>
-          <a:schemeClr val="tx1">
-            <a:lumMod val="15000"/>
-            <a:lumOff val="85000"/>
-          </a:schemeClr>
-        </a:solidFill>
-        <a:round/>
-      </a:ln>
-    </cs:spPr>
-  </cs:gridlineMajor>
-  <cs:gridlineMinor>
-    <cs:lnRef idx="0"/>
-    <cs:fillRef idx="0"/>
-    <cs:effectRef idx="0"/>
-    <cs:fontRef idx="minor">
-      <a:schemeClr val="tx1"/>
-    </cs:fontRef>
-    <cs:spPr>
-      <a:ln w="9525" cap="flat" cmpd="sng" algn="ctr">
-        <a:solidFill>
-          <a:schemeClr val="tx1">
-            <a:lumMod val="5000"/>
-            <a:lumOff val="95000"/>
-          </a:schemeClr>
-        </a:solidFill>
-        <a:round/>
-      </a:ln>
-    </cs:spPr>
-  </cs:gridlineMinor>
-  <cs:hiLoLine>
-    <cs:lnRef idx="0"/>
-    <cs:fillRef idx="0"/>
-    <cs:effectRef idx="0"/>
-    <cs:fontRef idx="minor">
-      <a:schemeClr val="tx1"/>
-    </cs:fontRef>
-    <cs:spPr>
-      <a:ln w="9525" cap="flat" cmpd="sng" algn="ctr">
-        <a:solidFill>
-          <a:schemeClr val="tx1">
-            <a:lumMod val="75000"/>
-            <a:lumOff val="25000"/>
-          </a:schemeClr>
-        </a:solidFill>
-        <a:round/>
-      </a:ln>
-    </cs:spPr>
-  </cs:hiLoLine>
-  <cs:leaderLine>
-    <cs:lnRef idx="0"/>
-    <cs:fillRef idx="0"/>
-    <cs:effectRef idx="0"/>
-    <cs:fontRef idx="minor">
-      <a:schemeClr val="tx1"/>
-    </cs:fontRef>
-    <cs:spPr>
-      <a:ln w="9525" cap="flat" cmpd="sng" algn="ctr">
-        <a:solidFill>
-          <a:schemeClr val="tx1">
-            <a:lumMod val="35000"/>
-            <a:lumOff val="65000"/>
-          </a:schemeClr>
-        </a:solidFill>
-        <a:round/>
-      </a:ln>
-    </cs:spPr>
-  </cs:leaderLine>
-  <cs:legend>
-    <cs:lnRef idx="0"/>
-    <cs:fillRef idx="0"/>
-    <cs:effectRef idx="0"/>
-    <cs:fontRef idx="minor">
-      <a:schemeClr val="tx1">
-        <a:lumMod val="65000"/>
-        <a:lumOff val="35000"/>
-      </a:schemeClr>
-    </cs:fontRef>
-    <cs:defRPr sz="1197" kern="1200"/>
-  </cs:legend>
-  <cs:plotArea mods="allowNoFillOverride allowNoLineOverride">
-    <cs:lnRef idx="0"/>
-    <cs:fillRef idx="0"/>
-    <cs:effectRef idx="0"/>
-    <cs:fontRef idx="minor">
-      <a:schemeClr val="tx1"/>
-    </cs:fontRef>
-  </cs:plotArea>
-  <cs:plotArea3D mods="allowNoFillOverride allowNoLineOverride">
-    <cs:lnRef idx="0"/>
-    <cs:fillRef idx="0"/>
-    <cs:effectRef idx="0"/>
-    <cs:fontRef idx="minor">
-      <a:schemeClr val="tx1"/>
-    </cs:fontRef>
-  </cs:plotArea3D>
-  <cs:seriesAxis>
-    <cs:lnRef idx="0"/>
-    <cs:fillRef idx="0"/>
-    <cs:effectRef idx="0"/>
-    <cs:fontRef idx="minor">
-      <a:schemeClr val="tx1">
-        <a:lumMod val="65000"/>
-        <a:lumOff val="35000"/>
-      </a:schemeClr>
-    </cs:fontRef>
-    <cs:defRPr sz="1197" kern="1200"/>
-  </cs:seriesAxis>
-  <cs:seriesLine>
-    <cs:lnRef idx="0"/>
-    <cs:fillRef idx="0"/>
-    <cs:effectRef idx="0"/>
-    <cs:fontRef idx="minor">
-      <a:schemeClr val="tx1"/>
-    </cs:fontRef>
-    <cs:spPr>
-      <a:ln w="9525" cap="flat" cmpd="sng" algn="ctr">
-        <a:solidFill>
-          <a:schemeClr val="tx1">
-            <a:lumMod val="35000"/>
-            <a:lumOff val="65000"/>
-          </a:schemeClr>
-        </a:solidFill>
-        <a:round/>
-      </a:ln>
-    </cs:spPr>
-  </cs:seriesLine>
-  <cs:title>
-    <cs:lnRef idx="0"/>
-    <cs:fillRef idx="0"/>
-    <cs:effectRef idx="0"/>
-    <cs:fontRef idx="minor">
-      <a:schemeClr val="tx1">
-        <a:lumMod val="65000"/>
-        <a:lumOff val="35000"/>
-      </a:schemeClr>
-    </cs:fontRef>
-    <cs:defRPr sz="1862" b="0" kern="1200" spc="0" baseline="0"/>
-  </cs:title>
-  <cs:trendline>
-    <cs:lnRef idx="0">
-      <cs:styleClr val="auto"/>
-    </cs:lnRef>
-    <cs:fillRef idx="0"/>
-    <cs:effectRef idx="0"/>
-    <cs:fontRef idx="minor">
-      <a:schemeClr val="tx1"/>
-    </cs:fontRef>
-    <cs:spPr>
-      <a:ln w="19050" cap="rnd">
-        <a:solidFill>
-          <a:schemeClr val="phClr"/>
-        </a:solidFill>
-        <a:prstDash val="sysDot"/>
-      </a:ln>
-    </cs:spPr>
-  </cs:trendline>
-  <cs:trendlineLabel>
-    <cs:lnRef idx="0"/>
-    <cs:fillRef idx="0"/>
-    <cs:effectRef idx="0"/>
-    <cs:fontRef idx="minor">
-      <a:schemeClr val="tx1">
-        <a:lumMod val="65000"/>
-        <a:lumOff val="35000"/>
-      </a:schemeClr>
-    </cs:fontRef>
-    <cs:defRPr sz="1197" kern="1200"/>
-  </cs:trendlineLabel>
-  <cs:upBar>
-    <cs:lnRef idx="0"/>
-    <cs:fillRef idx="0"/>
-    <cs:effectRef idx="0"/>
-    <cs:fontRef idx="minor">
-      <a:schemeClr val="dk1"/>
-    </cs:fontRef>
-    <cs:spPr>
-      <a:solidFill>
-        <a:schemeClr val="lt1"/>
-      </a:solidFill>
-      <a:ln w="9525">
-        <a:solidFill>
-          <a:schemeClr val="tx1">
-            <a:lumMod val="15000"/>
-            <a:lumOff val="85000"/>
-          </a:schemeClr>
-        </a:solidFill>
-      </a:ln>
-    </cs:spPr>
-  </cs:upBar>
-  <cs:valueAxis>
-    <cs:lnRef idx="0"/>
-    <cs:fillRef idx="0"/>
-    <cs:effectRef idx="0"/>
-    <cs:fontRef idx="minor">
-      <a:schemeClr val="tx1">
-        <a:lumMod val="65000"/>
-        <a:lumOff val="35000"/>
-      </a:schemeClr>
-    </cs:fontRef>
-    <cs:defRPr sz="1197" kern="1200"/>
-  </cs:valueAxis>
-  <cs:wall>
-    <cs:lnRef idx="0"/>
-    <cs:fillRef idx="0"/>
-    <cs:effectRef idx="0"/>
-    <cs:fontRef idx="minor">
-      <a:schemeClr val="tx1"/>
-    </cs:fontRef>
-    <cs:spPr>
-      <a:noFill/>
-      <a:ln>
-        <a:noFill/>
-      </a:ln>
-    </cs:spPr>
-  </cs:wall>
-</cs:chartStyle>
-</file>
-
-<file path=ppt/charts/style24.xml><?xml version="1.0" encoding="utf-8"?>
 <cs:chartStyle xmlns:cs="http://schemas.microsoft.com/office/drawing/2012/chartStyle" xmlns:a="http://schemas.openxmlformats.org/drawingml/2006/main" id="201">
   <cs:axisTitle>
     <cs:lnRef idx="0"/>
@@ -33072,7 +29837,7 @@
             <p:ph idx="1"/>
             <p:extLst>
               <p:ext uri="{D42A27DB-BD31-4B8C-83A1-F6EECF244321}">
-                <p14:modId xmlns:p14="http://schemas.microsoft.com/office/powerpoint/2010/main" val="672510911"/>
+                <p14:modId xmlns:p14="http://schemas.microsoft.com/office/powerpoint/2010/main" val="1434058667"/>
               </p:ext>
             </p:extLst>
           </p:nvPr>
@@ -33096,7 +29861,7 @@
               <p:nvPr>
                 <p:extLst>
                   <p:ext uri="{D42A27DB-BD31-4B8C-83A1-F6EECF244321}">
-                    <p14:modId xmlns:p14="http://schemas.microsoft.com/office/powerpoint/2010/main" val="4265027621"/>
+                    <p14:modId xmlns:p14="http://schemas.microsoft.com/office/powerpoint/2010/main" val="1678816699"/>
                   </p:ext>
                 </p:extLst>
               </p:nvPr>
@@ -34404,7 +31169,7 @@
             <p:ph idx="1"/>
             <p:extLst>
               <p:ext uri="{D42A27DB-BD31-4B8C-83A1-F6EECF244321}">
-                <p14:modId xmlns:p14="http://schemas.microsoft.com/office/powerpoint/2010/main" val="177951333"/>
+                <p14:modId xmlns:p14="http://schemas.microsoft.com/office/powerpoint/2010/main" val="3516524558"/>
               </p:ext>
             </p:extLst>
           </p:nvPr>
@@ -34566,7 +31331,7 @@
             <p:ph idx="1"/>
             <p:extLst>
               <p:ext uri="{D42A27DB-BD31-4B8C-83A1-F6EECF244321}">
-                <p14:modId xmlns:p14="http://schemas.microsoft.com/office/powerpoint/2010/main" val="3612310530"/>
+                <p14:modId xmlns:p14="http://schemas.microsoft.com/office/powerpoint/2010/main" val="4135203695"/>
               </p:ext>
             </p:extLst>
           </p:nvPr>
@@ -34728,7 +31493,7 @@
             <p:ph idx="1"/>
             <p:extLst>
               <p:ext uri="{D42A27DB-BD31-4B8C-83A1-F6EECF244321}">
-                <p14:modId xmlns:p14="http://schemas.microsoft.com/office/powerpoint/2010/main" val="4011127821"/>
+                <p14:modId xmlns:p14="http://schemas.microsoft.com/office/powerpoint/2010/main" val="888279380"/>
               </p:ext>
             </p:extLst>
           </p:nvPr>
@@ -34930,7 +31695,7 @@
           <p:nvPr>
             <p:extLst>
               <p:ext uri="{D42A27DB-BD31-4B8C-83A1-F6EECF244321}">
-                <p14:modId xmlns:p14="http://schemas.microsoft.com/office/powerpoint/2010/main" val="1956546038"/>
+                <p14:modId xmlns:p14="http://schemas.microsoft.com/office/powerpoint/2010/main" val="3874732963"/>
               </p:ext>
             </p:extLst>
           </p:nvPr>
@@ -34945,8 +31710,8 @@
           </a:graphicData>
         </a:graphic>
       </p:graphicFrame>
-      <mc:AlternateContent xmlns:mc="http://schemas.openxmlformats.org/markup-compatibility/2006">
-        <mc:Choice xmlns:cx1="http://schemas.microsoft.com/office/drawing/2015/9/8/chartex" Requires="cx1">
+      <mc:AlternateContent xmlns:mc="http://schemas.openxmlformats.org/markup-compatibility/2006" xmlns:cx1="http://schemas.microsoft.com/office/drawing/2015/9/8/chartex">
+        <mc:Choice Requires="cx1">
           <p:graphicFrame>
             <p:nvGraphicFramePr>
               <p:cNvPr id="8" name="Diagramm 7">
@@ -34976,7 +31741,7 @@
             </a:graphic>
           </p:graphicFrame>
         </mc:Choice>
-        <mc:Fallback>
+        <mc:Fallback xmlns="">
           <p:pic>
             <p:nvPicPr>
               <p:cNvPr id="8" name="Diagramm 7">
@@ -35009,6 +31774,190 @@
           </p:pic>
         </mc:Fallback>
       </mc:AlternateContent>
+      <p:grpSp>
+        <p:nvGrpSpPr>
+          <p:cNvPr id="11" name="Gruppieren 10">
+            <a:extLst>
+              <a:ext uri="{FF2B5EF4-FFF2-40B4-BE49-F238E27FC236}">
+                <a16:creationId xmlns:a16="http://schemas.microsoft.com/office/drawing/2014/main" id="{2C9299A3-244C-43AE-BA54-97C4CF6BA58E}"/>
+              </a:ext>
+            </a:extLst>
+          </p:cNvPr>
+          <p:cNvGrpSpPr/>
+          <p:nvPr/>
+        </p:nvGrpSpPr>
+        <p:grpSpPr>
+          <a:xfrm>
+            <a:off x="7408803" y="1844842"/>
+            <a:ext cx="2419660" cy="425140"/>
+            <a:chOff x="7408803" y="1844842"/>
+            <a:chExt cx="2419660" cy="425140"/>
+          </a:xfrm>
+        </p:grpSpPr>
+        <p:cxnSp>
+          <p:nvCxnSpPr>
+            <p:cNvPr id="5" name="Gerader Verbinder 4">
+              <a:extLst>
+                <a:ext uri="{FF2B5EF4-FFF2-40B4-BE49-F238E27FC236}">
+                  <a16:creationId xmlns:a16="http://schemas.microsoft.com/office/drawing/2014/main" id="{F847399A-1D5E-4198-BCB3-594E10511461}"/>
+                </a:ext>
+              </a:extLst>
+            </p:cNvPr>
+            <p:cNvCxnSpPr/>
+            <p:nvPr/>
+          </p:nvCxnSpPr>
+          <p:spPr>
+            <a:xfrm>
+              <a:off x="7411453" y="2160000"/>
+              <a:ext cx="2417010" cy="0"/>
+            </a:xfrm>
+            <a:prstGeom prst="line">
+              <a:avLst/>
+            </a:prstGeom>
+            <a:ln w="19050">
+              <a:solidFill>
+                <a:srgbClr val="E7E6E6"/>
+              </a:solidFill>
+            </a:ln>
+          </p:spPr>
+          <p:style>
+            <a:lnRef idx="1">
+              <a:schemeClr val="accent1"/>
+            </a:lnRef>
+            <a:fillRef idx="0">
+              <a:schemeClr val="accent1"/>
+            </a:fillRef>
+            <a:effectRef idx="0">
+              <a:schemeClr val="accent1"/>
+            </a:effectRef>
+            <a:fontRef idx="minor">
+              <a:schemeClr val="tx1"/>
+            </a:fontRef>
+          </p:style>
+        </p:cxnSp>
+        <p:sp>
+          <p:nvSpPr>
+            <p:cNvPr id="6" name="Textfeld 5">
+              <a:extLst>
+                <a:ext uri="{FF2B5EF4-FFF2-40B4-BE49-F238E27FC236}">
+                  <a16:creationId xmlns:a16="http://schemas.microsoft.com/office/drawing/2014/main" id="{84B0C0D8-36D2-4D78-BB94-4577BC5BC08B}"/>
+                </a:ext>
+              </a:extLst>
+            </p:cNvPr>
+            <p:cNvSpPr txBox="1"/>
+            <p:nvPr/>
+          </p:nvSpPr>
+          <p:spPr>
+            <a:xfrm>
+              <a:off x="7913988" y="1844842"/>
+              <a:ext cx="1231427" cy="369332"/>
+            </a:xfrm>
+            <a:prstGeom prst="rect">
+              <a:avLst/>
+            </a:prstGeom>
+            <a:noFill/>
+          </p:spPr>
+          <p:txBody>
+            <a:bodyPr wrap="none" rtlCol="0">
+              <a:spAutoFit/>
+            </a:bodyPr>
+            <a:lstStyle/>
+            <a:p>
+              <a:r>
+                <a:rPr lang="de-DE" dirty="0">
+                  <a:solidFill>
+                    <a:srgbClr val="E7E6E6"/>
+                  </a:solidFill>
+                  <a:latin typeface="Futura Lt BT" panose="020B0402020204020303" pitchFamily="34" charset="0"/>
+                </a:rPr>
+                <a:t>p = 0,037</a:t>
+              </a:r>
+            </a:p>
+          </p:txBody>
+        </p:sp>
+        <p:cxnSp>
+          <p:nvCxnSpPr>
+            <p:cNvPr id="9" name="Gerader Verbinder 8">
+              <a:extLst>
+                <a:ext uri="{FF2B5EF4-FFF2-40B4-BE49-F238E27FC236}">
+                  <a16:creationId xmlns:a16="http://schemas.microsoft.com/office/drawing/2014/main" id="{7EA9FD41-3225-44C6-BA42-7AFEA3EA9863}"/>
+                </a:ext>
+              </a:extLst>
+            </p:cNvPr>
+            <p:cNvCxnSpPr/>
+            <p:nvPr/>
+          </p:nvCxnSpPr>
+          <p:spPr>
+            <a:xfrm>
+              <a:off x="7408803" y="2152050"/>
+              <a:ext cx="0" cy="112632"/>
+            </a:xfrm>
+            <a:prstGeom prst="line">
+              <a:avLst/>
+            </a:prstGeom>
+            <a:ln w="19050">
+              <a:solidFill>
+                <a:srgbClr val="E7E6E6"/>
+              </a:solidFill>
+            </a:ln>
+          </p:spPr>
+          <p:style>
+            <a:lnRef idx="1">
+              <a:schemeClr val="accent1"/>
+            </a:lnRef>
+            <a:fillRef idx="0">
+              <a:schemeClr val="accent1"/>
+            </a:fillRef>
+            <a:effectRef idx="0">
+              <a:schemeClr val="accent1"/>
+            </a:effectRef>
+            <a:fontRef idx="minor">
+              <a:schemeClr val="tx1"/>
+            </a:fontRef>
+          </p:style>
+        </p:cxnSp>
+        <p:cxnSp>
+          <p:nvCxnSpPr>
+            <p:cNvPr id="10" name="Gerader Verbinder 9">
+              <a:extLst>
+                <a:ext uri="{FF2B5EF4-FFF2-40B4-BE49-F238E27FC236}">
+                  <a16:creationId xmlns:a16="http://schemas.microsoft.com/office/drawing/2014/main" id="{70B20F7B-8AA6-4A3E-ACA1-E5697D40DD0E}"/>
+                </a:ext>
+              </a:extLst>
+            </p:cNvPr>
+            <p:cNvCxnSpPr/>
+            <p:nvPr/>
+          </p:nvCxnSpPr>
+          <p:spPr>
+            <a:xfrm>
+              <a:off x="9820513" y="2157350"/>
+              <a:ext cx="0" cy="112632"/>
+            </a:xfrm>
+            <a:prstGeom prst="line">
+              <a:avLst/>
+            </a:prstGeom>
+            <a:ln w="19050">
+              <a:solidFill>
+                <a:srgbClr val="E7E6E6"/>
+              </a:solidFill>
+            </a:ln>
+          </p:spPr>
+          <p:style>
+            <a:lnRef idx="1">
+              <a:schemeClr val="accent1"/>
+            </a:lnRef>
+            <a:fillRef idx="0">
+              <a:schemeClr val="accent1"/>
+            </a:fillRef>
+            <a:effectRef idx="0">
+              <a:schemeClr val="accent1"/>
+            </a:effectRef>
+            <a:fontRef idx="minor">
+              <a:schemeClr val="tx1"/>
+            </a:fontRef>
+          </p:style>
+        </p:cxnSp>
+      </p:grpSp>
     </p:spTree>
     <p:extLst>
       <p:ext uri="{BB962C8B-B14F-4D97-AF65-F5344CB8AC3E}">
@@ -35078,7 +32027,7 @@
           <p:nvPr>
             <p:extLst>
               <p:ext uri="{D42A27DB-BD31-4B8C-83A1-F6EECF244321}">
-                <p14:modId xmlns:p14="http://schemas.microsoft.com/office/powerpoint/2010/main" val="3618903465"/>
+                <p14:modId xmlns:p14="http://schemas.microsoft.com/office/powerpoint/2010/main" val="3783654600"/>
               </p:ext>
             </p:extLst>
           </p:nvPr>
@@ -35771,8 +32720,8 @@
           </a:p>
         </p:txBody>
       </p:sp>
-      <mc:AlternateContent xmlns:mc="http://schemas.openxmlformats.org/markup-compatibility/2006">
-        <mc:Choice xmlns:cx1="http://schemas.microsoft.com/office/drawing/2015/9/8/chartex" Requires="cx1">
+      <mc:AlternateContent xmlns:mc="http://schemas.openxmlformats.org/markup-compatibility/2006" xmlns:cx1="http://schemas.microsoft.com/office/drawing/2015/9/8/chartex">
+        <mc:Choice Requires="cx1">
           <p:graphicFrame>
             <p:nvGraphicFramePr>
               <p:cNvPr id="4" name="Diagramm 3">
@@ -35802,7 +32751,7 @@
             </a:graphic>
           </p:graphicFrame>
         </mc:Choice>
-        <mc:Fallback>
+        <mc:Fallback xmlns="">
           <p:pic>
             <p:nvPicPr>
               <p:cNvPr id="4" name="Diagramm 3">
@@ -35835,8 +32784,8 @@
           </p:pic>
         </mc:Fallback>
       </mc:AlternateContent>
-      <mc:AlternateContent xmlns:mc="http://schemas.openxmlformats.org/markup-compatibility/2006">
-        <mc:Choice xmlns:cx1="http://schemas.microsoft.com/office/drawing/2015/9/8/chartex" Requires="cx1">
+      <mc:AlternateContent xmlns:mc="http://schemas.openxmlformats.org/markup-compatibility/2006" xmlns:cx1="http://schemas.microsoft.com/office/drawing/2015/9/8/chartex">
+        <mc:Choice Requires="cx1">
           <p:graphicFrame>
             <p:nvGraphicFramePr>
               <p:cNvPr id="5" name="Diagramm 4">
@@ -35866,7 +32815,7 @@
             </a:graphic>
           </p:graphicFrame>
         </mc:Choice>
-        <mc:Fallback>
+        <mc:Fallback xmlns="">
           <p:pic>
             <p:nvPicPr>
               <p:cNvPr id="5" name="Diagramm 4">
@@ -35974,7 +32923,7 @@
           <a:graphicData uri="http://schemas.openxmlformats.org/presentationml/2006/ole">
             <mc:AlternateContent xmlns:mc="http://schemas.openxmlformats.org/markup-compatibility/2006">
               <mc:Choice xmlns:v="urn:schemas-microsoft-com:vml" Requires="v">
-                <p:oleObj spid="_x0000_s1054" name="Acrobat Document" r:id="rId3" imgW="7800763" imgH="6857824" progId="AcroExch.Document.7">
+                <p:oleObj spid="_x0000_s1062" name="Acrobat Document" r:id="rId3" imgW="7800763" imgH="6857824" progId="AcroExch.Document.7">
                   <p:embed/>
                 </p:oleObj>
               </mc:Choice>
@@ -36226,8 +33175,8 @@
           </a:p>
         </p:txBody>
       </p:sp>
-      <mc:AlternateContent xmlns:mc="http://schemas.openxmlformats.org/markup-compatibility/2006">
-        <mc:Choice xmlns:cx1="http://schemas.microsoft.com/office/drawing/2015/9/8/chartex" Requires="cx1">
+      <mc:AlternateContent xmlns:mc="http://schemas.openxmlformats.org/markup-compatibility/2006" xmlns:cx1="http://schemas.microsoft.com/office/drawing/2015/9/8/chartex">
+        <mc:Choice Requires="cx1">
           <p:graphicFrame>
             <p:nvGraphicFramePr>
               <p:cNvPr id="4" name="Diagramm 3">
@@ -36257,7 +33206,7 @@
             </a:graphic>
           </p:graphicFrame>
         </mc:Choice>
-        <mc:Fallback>
+        <mc:Fallback xmlns="">
           <p:pic>
             <p:nvPicPr>
               <p:cNvPr id="4" name="Diagramm 3">
@@ -36353,7 +33302,13 @@
             </a:extLst>
           </p:cNvPr>
           <p:cNvGraphicFramePr/>
-          <p:nvPr/>
+          <p:nvPr>
+            <p:extLst>
+              <p:ext uri="{D42A27DB-BD31-4B8C-83A1-F6EECF244321}">
+                <p14:modId xmlns:p14="http://schemas.microsoft.com/office/powerpoint/2010/main" val="1041074680"/>
+              </p:ext>
+            </p:extLst>
+          </p:nvPr>
         </p:nvGraphicFramePr>
         <p:xfrm>
           <a:off x="972000" y="1386000"/>
@@ -36443,7 +33398,7 @@
     </p:spTree>
     <p:extLst>
       <p:ext uri="{BB962C8B-B14F-4D97-AF65-F5344CB8AC3E}">
-        <p14:creationId xmlns:p14="http://schemas.microsoft.com/office/powerpoint/2010/main" val="2856764800"/>
+        <p14:creationId xmlns:p14="http://schemas.microsoft.com/office/powerpoint/2010/main" val="35932926"/>
       </p:ext>
     </p:extLst>
   </p:cSld>
@@ -36518,7 +33473,7 @@
     </p:spTree>
     <p:extLst>
       <p:ext uri="{BB962C8B-B14F-4D97-AF65-F5344CB8AC3E}">
-        <p14:creationId xmlns:p14="http://schemas.microsoft.com/office/powerpoint/2010/main" val="35932926"/>
+        <p14:creationId xmlns:p14="http://schemas.microsoft.com/office/powerpoint/2010/main" val="3802279686"/>
       </p:ext>
     </p:extLst>
   </p:cSld>
@@ -36593,7 +33548,7 @@
     </p:spTree>
     <p:extLst>
       <p:ext uri="{BB962C8B-B14F-4D97-AF65-F5344CB8AC3E}">
-        <p14:creationId xmlns:p14="http://schemas.microsoft.com/office/powerpoint/2010/main" val="3802279686"/>
+        <p14:creationId xmlns:p14="http://schemas.microsoft.com/office/powerpoint/2010/main" val="421677624"/>
       </p:ext>
     </p:extLst>
   </p:cSld>
@@ -36668,7 +33623,7 @@
     </p:spTree>
     <p:extLst>
       <p:ext uri="{BB962C8B-B14F-4D97-AF65-F5344CB8AC3E}">
-        <p14:creationId xmlns:p14="http://schemas.microsoft.com/office/powerpoint/2010/main" val="3280093455"/>
+        <p14:creationId xmlns:p14="http://schemas.microsoft.com/office/powerpoint/2010/main" val="2898455319"/>
       </p:ext>
     </p:extLst>
   </p:cSld>
@@ -36679,231 +33634,6 @@
 </file>
 
 <file path=ppt/slides/slide36.xml><?xml version="1.0" encoding="utf-8"?>
-<p:sld xmlns:a="http://schemas.openxmlformats.org/drawingml/2006/main" xmlns:r="http://schemas.openxmlformats.org/officeDocument/2006/relationships" xmlns:p="http://schemas.openxmlformats.org/presentationml/2006/main">
-  <p:cSld>
-    <p:spTree>
-      <p:nvGrpSpPr>
-        <p:cNvPr id="1" name=""/>
-        <p:cNvGrpSpPr/>
-        <p:nvPr/>
-      </p:nvGrpSpPr>
-      <p:grpSpPr>
-        <a:xfrm>
-          <a:off x="0" y="0"/>
-          <a:ext cx="0" cy="0"/>
-          <a:chOff x="0" y="0"/>
-          <a:chExt cx="0" cy="0"/>
-        </a:xfrm>
-      </p:grpSpPr>
-      <p:sp>
-        <p:nvSpPr>
-          <p:cNvPr id="2" name="Titel 1"/>
-          <p:cNvSpPr>
-            <a:spLocks noGrp="1"/>
-          </p:cNvSpPr>
-          <p:nvPr>
-            <p:ph type="title"/>
-          </p:nvPr>
-        </p:nvSpPr>
-        <p:spPr/>
-        <p:txBody>
-          <a:bodyPr/>
-          <a:lstStyle/>
-          <a:p>
-            <a:r>
-              <a:rPr lang="de-DE" dirty="0"/>
-              <a:t>Anhang</a:t>
-            </a:r>
-            <a:endParaRPr lang="de-DE" sz="2400" dirty="0"/>
-          </a:p>
-        </p:txBody>
-      </p:sp>
-      <p:graphicFrame>
-        <p:nvGraphicFramePr>
-          <p:cNvPr id="6" name="Diagramm 5">
-            <a:extLst>
-              <a:ext uri="{FF2B5EF4-FFF2-40B4-BE49-F238E27FC236}">
-                <a16:creationId xmlns:a16="http://schemas.microsoft.com/office/drawing/2014/main" id="{DBCFAF42-02C9-49CC-91C6-959D58DC2DF5}"/>
-              </a:ext>
-            </a:extLst>
-          </p:cNvPr>
-          <p:cNvGraphicFramePr/>
-          <p:nvPr/>
-        </p:nvGraphicFramePr>
-        <p:xfrm>
-          <a:off x="972000" y="1386000"/>
-          <a:ext cx="10231200" cy="5328000"/>
-        </p:xfrm>
-        <a:graphic>
-          <a:graphicData uri="http://schemas.openxmlformats.org/drawingml/2006/chart">
-            <c:chart xmlns:c="http://schemas.openxmlformats.org/drawingml/2006/chart" xmlns:r="http://schemas.openxmlformats.org/officeDocument/2006/relationships" r:id="rId2"/>
-          </a:graphicData>
-        </a:graphic>
-      </p:graphicFrame>
-    </p:spTree>
-    <p:extLst>
-      <p:ext uri="{BB962C8B-B14F-4D97-AF65-F5344CB8AC3E}">
-        <p14:creationId xmlns:p14="http://schemas.microsoft.com/office/powerpoint/2010/main" val="704575690"/>
-      </p:ext>
-    </p:extLst>
-  </p:cSld>
-  <p:clrMapOvr>
-    <a:masterClrMapping/>
-  </p:clrMapOvr>
-</p:sld>
-</file>
-
-<file path=ppt/slides/slide37.xml><?xml version="1.0" encoding="utf-8"?>
-<p:sld xmlns:a="http://schemas.openxmlformats.org/drawingml/2006/main" xmlns:r="http://schemas.openxmlformats.org/officeDocument/2006/relationships" xmlns:p="http://schemas.openxmlformats.org/presentationml/2006/main">
-  <p:cSld>
-    <p:spTree>
-      <p:nvGrpSpPr>
-        <p:cNvPr id="1" name=""/>
-        <p:cNvGrpSpPr/>
-        <p:nvPr/>
-      </p:nvGrpSpPr>
-      <p:grpSpPr>
-        <a:xfrm>
-          <a:off x="0" y="0"/>
-          <a:ext cx="0" cy="0"/>
-          <a:chOff x="0" y="0"/>
-          <a:chExt cx="0" cy="0"/>
-        </a:xfrm>
-      </p:grpSpPr>
-      <p:sp>
-        <p:nvSpPr>
-          <p:cNvPr id="2" name="Titel 1"/>
-          <p:cNvSpPr>
-            <a:spLocks noGrp="1"/>
-          </p:cNvSpPr>
-          <p:nvPr>
-            <p:ph type="title"/>
-          </p:nvPr>
-        </p:nvSpPr>
-        <p:spPr/>
-        <p:txBody>
-          <a:bodyPr/>
-          <a:lstStyle/>
-          <a:p>
-            <a:r>
-              <a:rPr lang="de-DE" dirty="0"/>
-              <a:t>Anhang</a:t>
-            </a:r>
-            <a:endParaRPr lang="de-DE" sz="2400" dirty="0"/>
-          </a:p>
-        </p:txBody>
-      </p:sp>
-      <p:graphicFrame>
-        <p:nvGraphicFramePr>
-          <p:cNvPr id="6" name="Diagramm 5">
-            <a:extLst>
-              <a:ext uri="{FF2B5EF4-FFF2-40B4-BE49-F238E27FC236}">
-                <a16:creationId xmlns:a16="http://schemas.microsoft.com/office/drawing/2014/main" id="{DBCFAF42-02C9-49CC-91C6-959D58DC2DF5}"/>
-              </a:ext>
-            </a:extLst>
-          </p:cNvPr>
-          <p:cNvGraphicFramePr/>
-          <p:nvPr/>
-        </p:nvGraphicFramePr>
-        <p:xfrm>
-          <a:off x="972000" y="1386000"/>
-          <a:ext cx="10231200" cy="5328000"/>
-        </p:xfrm>
-        <a:graphic>
-          <a:graphicData uri="http://schemas.openxmlformats.org/drawingml/2006/chart">
-            <c:chart xmlns:c="http://schemas.openxmlformats.org/drawingml/2006/chart" xmlns:r="http://schemas.openxmlformats.org/officeDocument/2006/relationships" r:id="rId2"/>
-          </a:graphicData>
-        </a:graphic>
-      </p:graphicFrame>
-    </p:spTree>
-    <p:extLst>
-      <p:ext uri="{BB962C8B-B14F-4D97-AF65-F5344CB8AC3E}">
-        <p14:creationId xmlns:p14="http://schemas.microsoft.com/office/powerpoint/2010/main" val="421677624"/>
-      </p:ext>
-    </p:extLst>
-  </p:cSld>
-  <p:clrMapOvr>
-    <a:masterClrMapping/>
-  </p:clrMapOvr>
-</p:sld>
-</file>
-
-<file path=ppt/slides/slide38.xml><?xml version="1.0" encoding="utf-8"?>
-<p:sld xmlns:a="http://schemas.openxmlformats.org/drawingml/2006/main" xmlns:r="http://schemas.openxmlformats.org/officeDocument/2006/relationships" xmlns:p="http://schemas.openxmlformats.org/presentationml/2006/main">
-  <p:cSld>
-    <p:spTree>
-      <p:nvGrpSpPr>
-        <p:cNvPr id="1" name=""/>
-        <p:cNvGrpSpPr/>
-        <p:nvPr/>
-      </p:nvGrpSpPr>
-      <p:grpSpPr>
-        <a:xfrm>
-          <a:off x="0" y="0"/>
-          <a:ext cx="0" cy="0"/>
-          <a:chOff x="0" y="0"/>
-          <a:chExt cx="0" cy="0"/>
-        </a:xfrm>
-      </p:grpSpPr>
-      <p:sp>
-        <p:nvSpPr>
-          <p:cNvPr id="2" name="Titel 1"/>
-          <p:cNvSpPr>
-            <a:spLocks noGrp="1"/>
-          </p:cNvSpPr>
-          <p:nvPr>
-            <p:ph type="title"/>
-          </p:nvPr>
-        </p:nvSpPr>
-        <p:spPr/>
-        <p:txBody>
-          <a:bodyPr/>
-          <a:lstStyle/>
-          <a:p>
-            <a:r>
-              <a:rPr lang="de-DE" dirty="0"/>
-              <a:t>Anhang</a:t>
-            </a:r>
-            <a:endParaRPr lang="de-DE" sz="2400" dirty="0"/>
-          </a:p>
-        </p:txBody>
-      </p:sp>
-      <p:graphicFrame>
-        <p:nvGraphicFramePr>
-          <p:cNvPr id="6" name="Diagramm 5">
-            <a:extLst>
-              <a:ext uri="{FF2B5EF4-FFF2-40B4-BE49-F238E27FC236}">
-                <a16:creationId xmlns:a16="http://schemas.microsoft.com/office/drawing/2014/main" id="{DBCFAF42-02C9-49CC-91C6-959D58DC2DF5}"/>
-              </a:ext>
-            </a:extLst>
-          </p:cNvPr>
-          <p:cNvGraphicFramePr/>
-          <p:nvPr/>
-        </p:nvGraphicFramePr>
-        <p:xfrm>
-          <a:off x="972000" y="1386000"/>
-          <a:ext cx="10231200" cy="5328000"/>
-        </p:xfrm>
-        <a:graphic>
-          <a:graphicData uri="http://schemas.openxmlformats.org/drawingml/2006/chart">
-            <c:chart xmlns:c="http://schemas.openxmlformats.org/drawingml/2006/chart" xmlns:r="http://schemas.openxmlformats.org/officeDocument/2006/relationships" r:id="rId2"/>
-          </a:graphicData>
-        </a:graphic>
-      </p:graphicFrame>
-    </p:spTree>
-    <p:extLst>
-      <p:ext uri="{BB962C8B-B14F-4D97-AF65-F5344CB8AC3E}">
-        <p14:creationId xmlns:p14="http://schemas.microsoft.com/office/powerpoint/2010/main" val="2898455319"/>
-      </p:ext>
-    </p:extLst>
-  </p:cSld>
-  <p:clrMapOvr>
-    <a:masterClrMapping/>
-  </p:clrMapOvr>
-</p:sld>
-</file>
-
-<file path=ppt/slides/slide39.xml><?xml version="1.0" encoding="utf-8"?>
 <p:sld xmlns:a="http://schemas.openxmlformats.org/drawingml/2006/main" xmlns:r="http://schemas.openxmlformats.org/officeDocument/2006/relationships" xmlns:p="http://schemas.openxmlformats.org/presentationml/2006/main">
   <p:cSld>
     <p:spTree>
@@ -37123,163 +33853,7 @@
 </p:sld>
 </file>
 
-<file path=ppt/slides/slide4.xml><?xml version="1.0" encoding="utf-8"?>
-<p:sld xmlns:a="http://schemas.openxmlformats.org/drawingml/2006/main" xmlns:r="http://schemas.openxmlformats.org/officeDocument/2006/relationships" xmlns:p="http://schemas.openxmlformats.org/presentationml/2006/main">
-  <p:cSld>
-    <p:spTree>
-      <p:nvGrpSpPr>
-        <p:cNvPr id="1" name=""/>
-        <p:cNvGrpSpPr/>
-        <p:nvPr/>
-      </p:nvGrpSpPr>
-      <p:grpSpPr>
-        <a:xfrm>
-          <a:off x="0" y="0"/>
-          <a:ext cx="0" cy="0"/>
-          <a:chOff x="0" y="0"/>
-          <a:chExt cx="0" cy="0"/>
-        </a:xfrm>
-      </p:grpSpPr>
-      <p:sp>
-        <p:nvSpPr>
-          <p:cNvPr id="2" name="Titel 1"/>
-          <p:cNvSpPr>
-            <a:spLocks noGrp="1"/>
-          </p:cNvSpPr>
-          <p:nvPr>
-            <p:ph type="title"/>
-          </p:nvPr>
-        </p:nvSpPr>
-        <p:spPr/>
-        <p:txBody>
-          <a:bodyPr/>
-          <a:lstStyle/>
-          <a:p>
-            <a:r>
-              <a:rPr lang="de-DE" dirty="0"/>
-              <a:t>Herangehensweise </a:t>
-            </a:r>
-            <a:r>
-              <a:rPr lang="de-DE" sz="2400" dirty="0"/>
-              <a:t>(1/2) </a:t>
-            </a:r>
-          </a:p>
-        </p:txBody>
-      </p:sp>
-      <p:sp>
-        <p:nvSpPr>
-          <p:cNvPr id="3" name="Inhaltsplatzhalter 2"/>
-          <p:cNvSpPr>
-            <a:spLocks noGrp="1"/>
-          </p:cNvSpPr>
-          <p:nvPr>
-            <p:ph idx="1"/>
-          </p:nvPr>
-        </p:nvSpPr>
-        <p:spPr/>
-        <p:txBody>
-          <a:bodyPr/>
-          <a:lstStyle/>
-          <a:p>
-            <a:pPr>
-              <a:buFontTx/>
-              <a:buChar char="-"/>
-            </a:pPr>
-            <a:r>
-              <a:rPr lang="de-DE" dirty="0">
-                <a:sym typeface="Wingdings" panose="05000000000000000000" pitchFamily="2" charset="2"/>
-              </a:rPr>
-              <a:t>Umgebungsaufbau</a:t>
-            </a:r>
-          </a:p>
-          <a:p>
-            <a:pPr lvl="1">
-              <a:buFontTx/>
-              <a:buChar char="-"/>
-            </a:pPr>
-            <a:r>
-              <a:rPr lang="de-DE" dirty="0">
-                <a:sym typeface="Wingdings" panose="05000000000000000000" pitchFamily="2" charset="2"/>
-              </a:rPr>
-              <a:t>Entspannende VR-Umgebung</a:t>
-            </a:r>
-          </a:p>
-          <a:p>
-            <a:pPr lvl="1">
-              <a:buFontTx/>
-              <a:buChar char="-"/>
-            </a:pPr>
-            <a:r>
-              <a:rPr lang="de-DE" dirty="0">
-                <a:sym typeface="Wingdings" panose="05000000000000000000" pitchFamily="2" charset="2"/>
-              </a:rPr>
-              <a:t>Meditative Musik</a:t>
-            </a:r>
-          </a:p>
-          <a:p>
-            <a:pPr lvl="1">
-              <a:buFontTx/>
-              <a:buChar char="-"/>
-            </a:pPr>
-            <a:r>
-              <a:rPr lang="de-DE" dirty="0"/>
-              <a:t>Bequemer Gaming-Stuhl</a:t>
-            </a:r>
-          </a:p>
-          <a:p>
-            <a:pPr lvl="1">
-              <a:buFontTx/>
-              <a:buChar char="-"/>
-            </a:pPr>
-            <a:r>
-              <a:rPr lang="de-DE" dirty="0"/>
-              <a:t>Raum mit angenehmer Atmosphäre</a:t>
-            </a:r>
-            <a:endParaRPr lang="de-DE" dirty="0">
-              <a:sym typeface="Wingdings" panose="05000000000000000000" pitchFamily="2" charset="2"/>
-            </a:endParaRPr>
-          </a:p>
-          <a:p>
-            <a:pPr>
-              <a:buFontTx/>
-              <a:buChar char="-"/>
-            </a:pPr>
-            <a:endParaRPr lang="de-DE" dirty="0"/>
-          </a:p>
-          <a:p>
-            <a:pPr marL="0" indent="0">
-              <a:buNone/>
-            </a:pPr>
-            <a:r>
-              <a:rPr lang="de-DE" dirty="0"/>
-              <a:t>- Werte aufzeichnen Kopfbewegung, Zeiten, Fehlerquote</a:t>
-            </a:r>
-          </a:p>
-          <a:p>
-            <a:pPr marL="0" indent="0">
-              <a:buNone/>
-            </a:pPr>
-            <a:r>
-              <a:rPr lang="de-DE" dirty="0"/>
-              <a:t>- Python, R Skripte, SPSS</a:t>
-            </a:r>
-          </a:p>
-        </p:txBody>
-      </p:sp>
-    </p:spTree>
-    <p:extLst>
-      <p:ext uri="{BB962C8B-B14F-4D97-AF65-F5344CB8AC3E}">
-        <p14:creationId xmlns:p14="http://schemas.microsoft.com/office/powerpoint/2010/main" val="43824325"/>
-      </p:ext>
-    </p:extLst>
-  </p:cSld>
-  <p:clrMapOvr>
-    <a:masterClrMapping/>
-  </p:clrMapOvr>
-</p:sld>
-</file>
-
-<file path=ppt/slides/slide40.xml><?xml version="1.0" encoding="utf-8"?>
+<file path=ppt/slides/slide37.xml><?xml version="1.0" encoding="utf-8"?>
 <p:sld xmlns:a="http://schemas.openxmlformats.org/drawingml/2006/main" xmlns:r="http://schemas.openxmlformats.org/officeDocument/2006/relationships" xmlns:p="http://schemas.openxmlformats.org/presentationml/2006/main">
   <p:cSld>
     <p:spTree>
@@ -38289,7 +34863,7 @@
 </p:sld>
 </file>
 
-<file path=ppt/slides/slide41.xml><?xml version="1.0" encoding="utf-8"?>
+<file path=ppt/slides/slide38.xml><?xml version="1.0" encoding="utf-8"?>
 <p:sld xmlns:a="http://schemas.openxmlformats.org/drawingml/2006/main" xmlns:r="http://schemas.openxmlformats.org/officeDocument/2006/relationships" xmlns:p="http://schemas.openxmlformats.org/presentationml/2006/main">
   <p:cSld>
     <p:spTree>
@@ -38361,6 +34935,162 @@
     <p:extLst>
       <p:ext uri="{BB962C8B-B14F-4D97-AF65-F5344CB8AC3E}">
         <p14:creationId xmlns:p14="http://schemas.microsoft.com/office/powerpoint/2010/main" val="1447332695"/>
+      </p:ext>
+    </p:extLst>
+  </p:cSld>
+  <p:clrMapOvr>
+    <a:masterClrMapping/>
+  </p:clrMapOvr>
+</p:sld>
+</file>
+
+<file path=ppt/slides/slide4.xml><?xml version="1.0" encoding="utf-8"?>
+<p:sld xmlns:a="http://schemas.openxmlformats.org/drawingml/2006/main" xmlns:r="http://schemas.openxmlformats.org/officeDocument/2006/relationships" xmlns:p="http://schemas.openxmlformats.org/presentationml/2006/main">
+  <p:cSld>
+    <p:spTree>
+      <p:nvGrpSpPr>
+        <p:cNvPr id="1" name=""/>
+        <p:cNvGrpSpPr/>
+        <p:nvPr/>
+      </p:nvGrpSpPr>
+      <p:grpSpPr>
+        <a:xfrm>
+          <a:off x="0" y="0"/>
+          <a:ext cx="0" cy="0"/>
+          <a:chOff x="0" y="0"/>
+          <a:chExt cx="0" cy="0"/>
+        </a:xfrm>
+      </p:grpSpPr>
+      <p:sp>
+        <p:nvSpPr>
+          <p:cNvPr id="2" name="Titel 1"/>
+          <p:cNvSpPr>
+            <a:spLocks noGrp="1"/>
+          </p:cNvSpPr>
+          <p:nvPr>
+            <p:ph type="title"/>
+          </p:nvPr>
+        </p:nvSpPr>
+        <p:spPr/>
+        <p:txBody>
+          <a:bodyPr/>
+          <a:lstStyle/>
+          <a:p>
+            <a:r>
+              <a:rPr lang="de-DE" dirty="0"/>
+              <a:t>Herangehensweise </a:t>
+            </a:r>
+            <a:r>
+              <a:rPr lang="de-DE" sz="2400" dirty="0"/>
+              <a:t>(1/2) </a:t>
+            </a:r>
+          </a:p>
+        </p:txBody>
+      </p:sp>
+      <p:sp>
+        <p:nvSpPr>
+          <p:cNvPr id="3" name="Inhaltsplatzhalter 2"/>
+          <p:cNvSpPr>
+            <a:spLocks noGrp="1"/>
+          </p:cNvSpPr>
+          <p:nvPr>
+            <p:ph idx="1"/>
+          </p:nvPr>
+        </p:nvSpPr>
+        <p:spPr/>
+        <p:txBody>
+          <a:bodyPr/>
+          <a:lstStyle/>
+          <a:p>
+            <a:pPr>
+              <a:buFontTx/>
+              <a:buChar char="-"/>
+            </a:pPr>
+            <a:r>
+              <a:rPr lang="de-DE" dirty="0">
+                <a:sym typeface="Wingdings" panose="05000000000000000000" pitchFamily="2" charset="2"/>
+              </a:rPr>
+              <a:t>Umgebungsaufbau</a:t>
+            </a:r>
+          </a:p>
+          <a:p>
+            <a:pPr lvl="1">
+              <a:buFontTx/>
+              <a:buChar char="-"/>
+            </a:pPr>
+            <a:r>
+              <a:rPr lang="de-DE" dirty="0">
+                <a:sym typeface="Wingdings" panose="05000000000000000000" pitchFamily="2" charset="2"/>
+              </a:rPr>
+              <a:t>Entspannende VR-Umgebung</a:t>
+            </a:r>
+          </a:p>
+          <a:p>
+            <a:pPr lvl="1">
+              <a:buFontTx/>
+              <a:buChar char="-"/>
+            </a:pPr>
+            <a:r>
+              <a:rPr lang="de-DE" dirty="0">
+                <a:sym typeface="Wingdings" panose="05000000000000000000" pitchFamily="2" charset="2"/>
+              </a:rPr>
+              <a:t>Meditative Musik</a:t>
+            </a:r>
+          </a:p>
+          <a:p>
+            <a:pPr lvl="1">
+              <a:buFontTx/>
+              <a:buChar char="-"/>
+            </a:pPr>
+            <a:r>
+              <a:rPr lang="de-DE" dirty="0"/>
+              <a:t>Bequemer Gaming-Stuhl</a:t>
+            </a:r>
+          </a:p>
+          <a:p>
+            <a:pPr lvl="1">
+              <a:buFontTx/>
+              <a:buChar char="-"/>
+            </a:pPr>
+            <a:r>
+              <a:rPr lang="de-DE" dirty="0"/>
+              <a:t>Raum mit angenehmer Atmosphäre</a:t>
+            </a:r>
+            <a:endParaRPr lang="de-DE" dirty="0">
+              <a:sym typeface="Wingdings" panose="05000000000000000000" pitchFamily="2" charset="2"/>
+            </a:endParaRPr>
+          </a:p>
+          <a:p>
+            <a:pPr>
+              <a:buFontTx/>
+              <a:buChar char="-"/>
+            </a:pPr>
+            <a:endParaRPr lang="de-DE" dirty="0"/>
+          </a:p>
+          <a:p>
+            <a:pPr marL="0" indent="0">
+              <a:buNone/>
+            </a:pPr>
+            <a:r>
+              <a:rPr lang="de-DE" dirty="0"/>
+              <a:t>- Werte aufzeichnen Kopfbewegung, Zeiten, Fehlerquote</a:t>
+            </a:r>
+          </a:p>
+          <a:p>
+            <a:pPr marL="0" indent="0">
+              <a:buNone/>
+            </a:pPr>
+            <a:r>
+              <a:rPr lang="de-DE" dirty="0"/>
+              <a:t>- Python, R Skripte, SPSS</a:t>
+            </a:r>
+          </a:p>
+        </p:txBody>
+      </p:sp>
+    </p:spTree>
+    <p:extLst>
+      <p:ext uri="{BB962C8B-B14F-4D97-AF65-F5344CB8AC3E}">
+        <p14:creationId xmlns:p14="http://schemas.microsoft.com/office/powerpoint/2010/main" val="43824325"/>
       </p:ext>
     </p:extLst>
   </p:cSld>

--- a/presentation/Resync Studie.pptx
+++ b/presentation/Resync Studie.pptx
@@ -200,6 +200,7 @@
           </a:p>
         </c:rich>
       </c:tx>
+      <c:layout/>
       <c:overlay val="0"/>
       <c:spPr>
         <a:noFill/>
@@ -354,7 +355,9 @@
               </c:spPr>
             </c:leaderLines>
             <c:extLst>
-              <c:ext xmlns:c15="http://schemas.microsoft.com/office/drawing/2012/chart" uri="{CE6537A1-D6FC-4f65-9D91-7224C49458BB}"/>
+              <c:ext xmlns:c15="http://schemas.microsoft.com/office/drawing/2012/chart" uri="{CE6537A1-D6FC-4f65-9D91-7224C49458BB}">
+                <c15:layout/>
+              </c:ext>
             </c:extLst>
           </c:dLbls>
           <c:cat>
@@ -419,6 +422,7 @@
     </c:plotArea>
     <c:legend>
       <c:legendPos val="b"/>
+      <c:layout/>
       <c:overlay val="0"/>
       <c:spPr>
         <a:noFill/>
@@ -885,6 +889,7 @@
     </c:legend>
     <c:plotVisOnly val="1"/>
     <c:dispBlanksAs val="gap"/>
+    <c:showDLblsOverMax val="0"/>
     <c:extLst>
       <c:ext xmlns:c16r3="http://schemas.microsoft.com/office/drawing/2017/03/chart" uri="{56B9EC1D-385E-4148-901F-78D8002777C0}">
         <c16r3:dataDisplayOptions16>
@@ -892,7 +897,6 @@
         </c16r3:dataDisplayOptions16>
       </c:ext>
     </c:extLst>
-    <c:showDLblsOverMax val="0"/>
   </c:chart>
   <c:spPr>
     <a:noFill/>
@@ -1523,6 +1527,7 @@
     </c:legend>
     <c:plotVisOnly val="1"/>
     <c:dispBlanksAs val="gap"/>
+    <c:showDLblsOverMax val="0"/>
     <c:extLst>
       <c:ext xmlns:c16r3="http://schemas.microsoft.com/office/drawing/2017/03/chart" uri="{56B9EC1D-385E-4148-901F-78D8002777C0}">
         <c16r3:dataDisplayOptions16>
@@ -1530,7 +1535,6 @@
         </c16r3:dataDisplayOptions16>
       </c:ext>
     </c:extLst>
-    <c:showDLblsOverMax val="0"/>
   </c:chart>
   <c:spPr>
     <a:noFill/>
@@ -2127,6 +2131,7 @@
     </c:legend>
     <c:plotVisOnly val="1"/>
     <c:dispBlanksAs val="gap"/>
+    <c:showDLblsOverMax val="0"/>
     <c:extLst>
       <c:ext xmlns:c16r3="http://schemas.microsoft.com/office/drawing/2017/03/chart" uri="{56B9EC1D-385E-4148-901F-78D8002777C0}">
         <c16r3:dataDisplayOptions16>
@@ -2134,7 +2139,6 @@
         </c16r3:dataDisplayOptions16>
       </c:ext>
     </c:extLst>
-    <c:showDLblsOverMax val="0"/>
   </c:chart>
   <c:spPr>
     <a:noFill/>
@@ -2731,6 +2735,7 @@
     </c:legend>
     <c:plotVisOnly val="1"/>
     <c:dispBlanksAs val="gap"/>
+    <c:showDLblsOverMax val="0"/>
     <c:extLst>
       <c:ext xmlns:c16r3="http://schemas.microsoft.com/office/drawing/2017/03/chart" uri="{56B9EC1D-385E-4148-901F-78D8002777C0}">
         <c16r3:dataDisplayOptions16>
@@ -2738,7 +2743,6 @@
         </c16r3:dataDisplayOptions16>
       </c:ext>
     </c:extLst>
-    <c:showDLblsOverMax val="0"/>
   </c:chart>
   <c:spPr>
     <a:noFill/>
@@ -3335,6 +3339,7 @@
     </c:legend>
     <c:plotVisOnly val="1"/>
     <c:dispBlanksAs val="gap"/>
+    <c:showDLblsOverMax val="0"/>
     <c:extLst>
       <c:ext xmlns:c16r3="http://schemas.microsoft.com/office/drawing/2017/03/chart" uri="{56B9EC1D-385E-4148-901F-78D8002777C0}">
         <c16r3:dataDisplayOptions16>
@@ -3342,7 +3347,6 @@
         </c16r3:dataDisplayOptions16>
       </c:ext>
     </c:extLst>
-    <c:showDLblsOverMax val="0"/>
   </c:chart>
   <c:spPr>
     <a:noFill/>
@@ -3939,6 +3943,7 @@
     </c:legend>
     <c:plotVisOnly val="1"/>
     <c:dispBlanksAs val="gap"/>
+    <c:showDLblsOverMax val="0"/>
     <c:extLst>
       <c:ext xmlns:c16r3="http://schemas.microsoft.com/office/drawing/2017/03/chart" uri="{56B9EC1D-385E-4148-901F-78D8002777C0}">
         <c16r3:dataDisplayOptions16>
@@ -3946,7 +3951,6 @@
         </c16r3:dataDisplayOptions16>
       </c:ext>
     </c:extLst>
-    <c:showDLblsOverMax val="0"/>
   </c:chart>
   <c:spPr>
     <a:noFill/>
@@ -4372,6 +4376,7 @@
     </c:legend>
     <c:plotVisOnly val="1"/>
     <c:dispBlanksAs val="gap"/>
+    <c:showDLblsOverMax val="0"/>
     <c:extLst>
       <c:ext xmlns:c16r3="http://schemas.microsoft.com/office/drawing/2017/03/chart" uri="{56B9EC1D-385E-4148-901F-78D8002777C0}">
         <c16r3:dataDisplayOptions16>
@@ -4379,7 +4384,6 @@
         </c16r3:dataDisplayOptions16>
       </c:ext>
     </c:extLst>
-    <c:showDLblsOverMax val="0"/>
   </c:chart>
   <c:spPr>
     <a:noFill/>
@@ -4470,6 +4474,7 @@
           </a:p>
         </c:rich>
       </c:tx>
+      <c:layout/>
       <c:overlay val="0"/>
       <c:spPr>
         <a:noFill/>
@@ -4992,6 +4997,7 @@
     </c:plotArea>
     <c:legend>
       <c:legendPos val="b"/>
+      <c:layout/>
       <c:overlay val="0"/>
       <c:spPr>
         <a:noFill/>
@@ -5113,6 +5119,7 @@
           </a:p>
         </c:rich>
       </c:tx>
+      <c:layout/>
       <c:overlay val="0"/>
       <c:spPr>
         <a:noFill/>
@@ -5883,6 +5890,7 @@
         <c:axId val="1653659568"/>
         <c:scaling>
           <c:orientation val="minMax"/>
+          <c:max val="45"/>
         </c:scaling>
         <c:delete val="0"/>
         <c:axPos val="b"/>
@@ -5987,6 +5995,7 @@
     </c:plotArea>
     <c:legend>
       <c:legendPos val="b"/>
+      <c:layout/>
       <c:overlay val="0"/>
       <c:spPr>
         <a:noFill/>
@@ -6108,6 +6117,7 @@
           </a:p>
         </c:rich>
       </c:tx>
+      <c:layout/>
       <c:overlay val="0"/>
       <c:spPr>
         <a:noFill/>
@@ -6630,6 +6640,7 @@
     </c:plotArea>
     <c:legend>
       <c:legendPos val="b"/>
+      <c:layout/>
       <c:overlay val="0"/>
       <c:spPr>
         <a:noFill/>
@@ -6731,6 +6742,7 @@
           </a:p>
         </c:rich>
       </c:tx>
+      <c:layout/>
       <c:overlay val="0"/>
       <c:spPr>
         <a:noFill/>
@@ -7501,6 +7513,7 @@
         <c:axId val="1653659568"/>
         <c:scaling>
           <c:orientation val="minMax"/>
+          <c:max val="10"/>
         </c:scaling>
         <c:delete val="0"/>
         <c:axPos val="b"/>
@@ -7605,6 +7618,7 @@
     </c:plotArea>
     <c:legend>
       <c:legendPos val="b"/>
+      <c:layout/>
       <c:overlay val="0"/>
       <c:spPr>
         <a:noFill/>
@@ -7697,6 +7711,7 @@
           </a:p>
         </c:rich>
       </c:tx>
+      <c:layout/>
       <c:overlay val="0"/>
       <c:spPr>
         <a:noFill/>
@@ -8093,6 +8108,7 @@
     </c:plotArea>
     <c:legend>
       <c:legendPos val="b"/>
+      <c:layout/>
       <c:overlay val="0"/>
       <c:spPr>
         <a:noFill/>
@@ -8209,6 +8225,7 @@
           </a:p>
         </c:rich>
       </c:tx>
+      <c:layout/>
       <c:overlay val="0"/>
       <c:spPr>
         <a:noFill/>
@@ -8979,6 +8996,7 @@
         <c:axId val="1653659568"/>
         <c:scaling>
           <c:orientation val="minMax"/>
+          <c:max val="3"/>
         </c:scaling>
         <c:delete val="0"/>
         <c:axPos val="b"/>
@@ -9019,6 +9037,7 @@
         <c:crossAx val="1667856832"/>
         <c:crosses val="autoZero"/>
         <c:crossBetween val="midCat"/>
+        <c:majorUnit val="1"/>
       </c:valAx>
       <c:valAx>
         <c:axId val="1667856832"/>
@@ -9083,6 +9102,7 @@
     </c:plotArea>
     <c:legend>
       <c:legendPos val="b"/>
+      <c:layout/>
       <c:overlay val="0"/>
       <c:spPr>
         <a:noFill/>
@@ -9187,6 +9207,7 @@
           </a:p>
         </c:rich>
       </c:tx>
+      <c:layout/>
       <c:overlay val="0"/>
       <c:spPr>
         <a:noFill/>
@@ -9358,7 +9379,9 @@
               </c:spPr>
             </c:leaderLines>
             <c:extLst>
-              <c:ext xmlns:c15="http://schemas.microsoft.com/office/drawing/2012/chart" uri="{CE6537A1-D6FC-4f65-9D91-7224C49458BB}"/>
+              <c:ext xmlns:c15="http://schemas.microsoft.com/office/drawing/2012/chart" uri="{CE6537A1-D6FC-4f65-9D91-7224C49458BB}">
+                <c15:layout/>
+              </c:ext>
             </c:extLst>
           </c:dLbls>
           <c:cat>
@@ -9429,6 +9452,7 @@
     </c:plotArea>
     <c:legend>
       <c:legendPos val="b"/>
+      <c:layout/>
       <c:overlay val="0"/>
       <c:spPr>
         <a:noFill/>
@@ -10088,6 +10112,7 @@
     </c:legend>
     <c:plotVisOnly val="1"/>
     <c:dispBlanksAs val="gap"/>
+    <c:showDLblsOverMax val="0"/>
     <c:extLst>
       <c:ext xmlns:c16r3="http://schemas.microsoft.com/office/drawing/2017/03/chart" uri="{56B9EC1D-385E-4148-901F-78D8002777C0}">
         <c16r3:dataDisplayOptions16>
@@ -10095,7 +10120,6 @@
         </c16r3:dataDisplayOptions16>
       </c:ext>
     </c:extLst>
-    <c:showDLblsOverMax val="0"/>
   </c:chart>
   <c:spPr>
     <a:noFill/>
@@ -11959,6 +11983,46 @@
 </cs:colorStyle>
 </file>
 
+<file path=ppt/charts/colors100.xml><?xml version="1.0" encoding="utf-8"?>
+<cs:colorStyle xmlns:cs="http://schemas.microsoft.com/office/drawing/2012/chartStyle" xmlns:a="http://schemas.openxmlformats.org/drawingml/2006/main" meth="cycle" id="10">
+  <a:schemeClr val="accent1"/>
+  <a:schemeClr val="accent2"/>
+  <a:schemeClr val="accent3"/>
+  <a:schemeClr val="accent4"/>
+  <a:schemeClr val="accent5"/>
+  <a:schemeClr val="accent6"/>
+  <cs:variation/>
+  <cs:variation>
+    <a:lumMod val="60000"/>
+  </cs:variation>
+  <cs:variation>
+    <a:lumMod val="80000"/>
+    <a:lumOff val="20000"/>
+  </cs:variation>
+  <cs:variation>
+    <a:lumMod val="80000"/>
+  </cs:variation>
+  <cs:variation>
+    <a:lumMod val="60000"/>
+    <a:lumOff val="40000"/>
+  </cs:variation>
+  <cs:variation>
+    <a:lumMod val="50000"/>
+  </cs:variation>
+  <cs:variation>
+    <a:lumMod val="70000"/>
+    <a:lumOff val="30000"/>
+  </cs:variation>
+  <cs:variation>
+    <a:lumMod val="70000"/>
+  </cs:variation>
+  <cs:variation>
+    <a:lumMod val="50000"/>
+    <a:lumOff val="50000"/>
+  </cs:variation>
+</cs:colorStyle>
+</file>
+
 <file path=ppt/charts/colors11.xml><?xml version="1.0" encoding="utf-8"?>
 <cs:colorStyle xmlns:cs="http://schemas.microsoft.com/office/drawing/2012/chartStyle" xmlns:a="http://schemas.openxmlformats.org/drawingml/2006/main" meth="cycle" id="10">
   <a:schemeClr val="accent1"/>
@@ -12039,7 +12103,87 @@
 </cs:colorStyle>
 </file>
 
+<file path=ppt/charts/colors120.xml><?xml version="1.0" encoding="utf-8"?>
+<cs:colorStyle xmlns:cs="http://schemas.microsoft.com/office/drawing/2012/chartStyle" xmlns:a="http://schemas.openxmlformats.org/drawingml/2006/main" meth="cycle" id="10">
+  <a:schemeClr val="accent1"/>
+  <a:schemeClr val="accent2"/>
+  <a:schemeClr val="accent3"/>
+  <a:schemeClr val="accent4"/>
+  <a:schemeClr val="accent5"/>
+  <a:schemeClr val="accent6"/>
+  <cs:variation/>
+  <cs:variation>
+    <a:lumMod val="60000"/>
+  </cs:variation>
+  <cs:variation>
+    <a:lumMod val="80000"/>
+    <a:lumOff val="20000"/>
+  </cs:variation>
+  <cs:variation>
+    <a:lumMod val="80000"/>
+  </cs:variation>
+  <cs:variation>
+    <a:lumMod val="60000"/>
+    <a:lumOff val="40000"/>
+  </cs:variation>
+  <cs:variation>
+    <a:lumMod val="50000"/>
+  </cs:variation>
+  <cs:variation>
+    <a:lumMod val="70000"/>
+    <a:lumOff val="30000"/>
+  </cs:variation>
+  <cs:variation>
+    <a:lumMod val="70000"/>
+  </cs:variation>
+  <cs:variation>
+    <a:lumMod val="50000"/>
+    <a:lumOff val="50000"/>
+  </cs:variation>
+</cs:colorStyle>
+</file>
+
 <file path=ppt/charts/colors13.xml><?xml version="1.0" encoding="utf-8"?>
+<cs:colorStyle xmlns:cs="http://schemas.microsoft.com/office/drawing/2012/chartStyle" xmlns:a="http://schemas.openxmlformats.org/drawingml/2006/main" meth="cycle" id="10">
+  <a:schemeClr val="accent1"/>
+  <a:schemeClr val="accent2"/>
+  <a:schemeClr val="accent3"/>
+  <a:schemeClr val="accent4"/>
+  <a:schemeClr val="accent5"/>
+  <a:schemeClr val="accent6"/>
+  <cs:variation/>
+  <cs:variation>
+    <a:lumMod val="60000"/>
+  </cs:variation>
+  <cs:variation>
+    <a:lumMod val="80000"/>
+    <a:lumOff val="20000"/>
+  </cs:variation>
+  <cs:variation>
+    <a:lumMod val="80000"/>
+  </cs:variation>
+  <cs:variation>
+    <a:lumMod val="60000"/>
+    <a:lumOff val="40000"/>
+  </cs:variation>
+  <cs:variation>
+    <a:lumMod val="50000"/>
+  </cs:variation>
+  <cs:variation>
+    <a:lumMod val="70000"/>
+    <a:lumOff val="30000"/>
+  </cs:variation>
+  <cs:variation>
+    <a:lumMod val="70000"/>
+  </cs:variation>
+  <cs:variation>
+    <a:lumMod val="50000"/>
+    <a:lumOff val="50000"/>
+  </cs:variation>
+</cs:colorStyle>
+</file>
+
+<file path=ppt/charts/colors130.xml><?xml version="1.0" encoding="utf-8"?>
 <cs:colorStyle xmlns:cs="http://schemas.microsoft.com/office/drawing/2012/chartStyle" xmlns:a="http://schemas.openxmlformats.org/drawingml/2006/main" meth="cycle" id="10">
   <a:schemeClr val="accent1"/>
   <a:schemeClr val="accent2"/>
@@ -12159,7 +12303,7 @@
 </cs:colorStyle>
 </file>
 
-<file path=ppt/charts/colors16.xml><?xml version="1.0" encoding="utf-8"?>
+<file path=ppt/charts/colors150.xml><?xml version="1.0" encoding="utf-8"?>
 <cs:colorStyle xmlns:cs="http://schemas.microsoft.com/office/drawing/2012/chartStyle" xmlns:a="http://schemas.openxmlformats.org/drawingml/2006/main" meth="cycle" id="10">
   <a:schemeClr val="accent1"/>
   <a:schemeClr val="accent2"/>
@@ -12199,87 +12343,7 @@
 </cs:colorStyle>
 </file>
 
-<file path=ppt/charts/colors17.xml><?xml version="1.0" encoding="utf-8"?>
-<cs:colorStyle xmlns:cs="http://schemas.microsoft.com/office/drawing/2012/chartStyle" xmlns:a="http://schemas.openxmlformats.org/drawingml/2006/main" meth="cycle" id="10">
-  <a:schemeClr val="accent1"/>
-  <a:schemeClr val="accent2"/>
-  <a:schemeClr val="accent3"/>
-  <a:schemeClr val="accent4"/>
-  <a:schemeClr val="accent5"/>
-  <a:schemeClr val="accent6"/>
-  <cs:variation/>
-  <cs:variation>
-    <a:lumMod val="60000"/>
-  </cs:variation>
-  <cs:variation>
-    <a:lumMod val="80000"/>
-    <a:lumOff val="20000"/>
-  </cs:variation>
-  <cs:variation>
-    <a:lumMod val="80000"/>
-  </cs:variation>
-  <cs:variation>
-    <a:lumMod val="60000"/>
-    <a:lumOff val="40000"/>
-  </cs:variation>
-  <cs:variation>
-    <a:lumMod val="50000"/>
-  </cs:variation>
-  <cs:variation>
-    <a:lumMod val="70000"/>
-    <a:lumOff val="30000"/>
-  </cs:variation>
-  <cs:variation>
-    <a:lumMod val="70000"/>
-  </cs:variation>
-  <cs:variation>
-    <a:lumMod val="50000"/>
-    <a:lumOff val="50000"/>
-  </cs:variation>
-</cs:colorStyle>
-</file>
-
-<file path=ppt/charts/colors18.xml><?xml version="1.0" encoding="utf-8"?>
-<cs:colorStyle xmlns:cs="http://schemas.microsoft.com/office/drawing/2012/chartStyle" xmlns:a="http://schemas.openxmlformats.org/drawingml/2006/main" meth="cycle" id="10">
-  <a:schemeClr val="accent1"/>
-  <a:schemeClr val="accent2"/>
-  <a:schemeClr val="accent3"/>
-  <a:schemeClr val="accent4"/>
-  <a:schemeClr val="accent5"/>
-  <a:schemeClr val="accent6"/>
-  <cs:variation/>
-  <cs:variation>
-    <a:lumMod val="60000"/>
-  </cs:variation>
-  <cs:variation>
-    <a:lumMod val="80000"/>
-    <a:lumOff val="20000"/>
-  </cs:variation>
-  <cs:variation>
-    <a:lumMod val="80000"/>
-  </cs:variation>
-  <cs:variation>
-    <a:lumMod val="60000"/>
-    <a:lumOff val="40000"/>
-  </cs:variation>
-  <cs:variation>
-    <a:lumMod val="50000"/>
-  </cs:variation>
-  <cs:variation>
-    <a:lumMod val="70000"/>
-    <a:lumOff val="30000"/>
-  </cs:variation>
-  <cs:variation>
-    <a:lumMod val="70000"/>
-  </cs:variation>
-  <cs:variation>
-    <a:lumMod val="50000"/>
-    <a:lumOff val="50000"/>
-  </cs:variation>
-</cs:colorStyle>
-</file>
-
-<file path=ppt/charts/colors19.xml><?xml version="1.0" encoding="utf-8"?>
+<file path=ppt/charts/colors16.xml><?xml version="1.0" encoding="utf-8"?>
 <cs:colorStyle xmlns:cs="http://schemas.microsoft.com/office/drawing/2012/chartStyle" xmlns:a="http://schemas.openxmlformats.org/drawingml/2006/main" meth="cycle" id="10">
   <a:schemeClr val="accent1"/>
   <a:schemeClr val="accent2"/>
@@ -12360,46 +12424,6 @@
 </file>
 
 <file path=ppt/charts/colors20.xml><?xml version="1.0" encoding="utf-8"?>
-<cs:colorStyle xmlns:cs="http://schemas.microsoft.com/office/drawing/2012/chartStyle" xmlns:a="http://schemas.openxmlformats.org/drawingml/2006/main" meth="cycle" id="10">
-  <a:schemeClr val="accent1"/>
-  <a:schemeClr val="accent2"/>
-  <a:schemeClr val="accent3"/>
-  <a:schemeClr val="accent4"/>
-  <a:schemeClr val="accent5"/>
-  <a:schemeClr val="accent6"/>
-  <cs:variation/>
-  <cs:variation>
-    <a:lumMod val="60000"/>
-  </cs:variation>
-  <cs:variation>
-    <a:lumMod val="80000"/>
-    <a:lumOff val="20000"/>
-  </cs:variation>
-  <cs:variation>
-    <a:lumMod val="80000"/>
-  </cs:variation>
-  <cs:variation>
-    <a:lumMod val="60000"/>
-    <a:lumOff val="40000"/>
-  </cs:variation>
-  <cs:variation>
-    <a:lumMod val="50000"/>
-  </cs:variation>
-  <cs:variation>
-    <a:lumMod val="70000"/>
-    <a:lumOff val="30000"/>
-  </cs:variation>
-  <cs:variation>
-    <a:lumMod val="70000"/>
-  </cs:variation>
-  <cs:variation>
-    <a:lumMod val="50000"/>
-    <a:lumOff val="50000"/>
-  </cs:variation>
-</cs:colorStyle>
-</file>
-
-<file path=ppt/charts/colors21.xml><?xml version="1.0" encoding="utf-8"?>
 <cs:colorStyle xmlns:cs="http://schemas.microsoft.com/office/drawing/2012/chartStyle" xmlns:a="http://schemas.openxmlformats.org/drawingml/2006/main" meth="cycle" id="10">
   <a:schemeClr val="accent1"/>
   <a:schemeClr val="accent2"/>
@@ -13188,6 +13212,509 @@
 </file>
 
 <file path=ppt/charts/style10.xml><?xml version="1.0" encoding="utf-8"?>
+<cs:chartStyle xmlns:cs="http://schemas.microsoft.com/office/drawing/2012/chartStyle" xmlns:a="http://schemas.openxmlformats.org/drawingml/2006/main" id="201">
+  <cs:axisTitle>
+    <cs:lnRef idx="0"/>
+    <cs:fillRef idx="0"/>
+    <cs:effectRef idx="0"/>
+    <cs:fontRef idx="minor">
+      <a:schemeClr val="tx1">
+        <a:lumMod val="65000"/>
+        <a:lumOff val="35000"/>
+      </a:schemeClr>
+    </cs:fontRef>
+    <cs:defRPr sz="1330" kern="1200"/>
+  </cs:axisTitle>
+  <cs:categoryAxis>
+    <cs:lnRef idx="0"/>
+    <cs:fillRef idx="0"/>
+    <cs:effectRef idx="0"/>
+    <cs:fontRef idx="minor">
+      <a:schemeClr val="tx1">
+        <a:lumMod val="65000"/>
+        <a:lumOff val="35000"/>
+      </a:schemeClr>
+    </cs:fontRef>
+    <cs:spPr>
+      <a:ln w="9525" cap="flat" cmpd="sng" algn="ctr">
+        <a:solidFill>
+          <a:schemeClr val="tx1">
+            <a:lumMod val="15000"/>
+            <a:lumOff val="85000"/>
+          </a:schemeClr>
+        </a:solidFill>
+        <a:round/>
+      </a:ln>
+    </cs:spPr>
+    <cs:defRPr sz="1197" kern="1200"/>
+  </cs:categoryAxis>
+  <cs:chartArea mods="allowNoFillOverride allowNoLineOverride">
+    <cs:lnRef idx="0"/>
+    <cs:fillRef idx="0"/>
+    <cs:effectRef idx="0"/>
+    <cs:fontRef idx="minor">
+      <a:schemeClr val="tx1"/>
+    </cs:fontRef>
+    <cs:spPr>
+      <a:solidFill>
+        <a:schemeClr val="bg1"/>
+      </a:solidFill>
+      <a:ln w="9525" cap="flat" cmpd="sng" algn="ctr">
+        <a:solidFill>
+          <a:schemeClr val="tx1">
+            <a:lumMod val="15000"/>
+            <a:lumOff val="85000"/>
+          </a:schemeClr>
+        </a:solidFill>
+        <a:round/>
+      </a:ln>
+    </cs:spPr>
+    <cs:defRPr sz="1330" kern="1200"/>
+  </cs:chartArea>
+  <cs:dataLabel>
+    <cs:lnRef idx="0"/>
+    <cs:fillRef idx="0"/>
+    <cs:effectRef idx="0"/>
+    <cs:fontRef idx="minor">
+      <a:schemeClr val="tx1">
+        <a:lumMod val="75000"/>
+        <a:lumOff val="25000"/>
+      </a:schemeClr>
+    </cs:fontRef>
+    <cs:defRPr sz="1197" kern="1200"/>
+  </cs:dataLabel>
+  <cs:dataLabelCallout>
+    <cs:lnRef idx="0"/>
+    <cs:fillRef idx="0"/>
+    <cs:effectRef idx="0"/>
+    <cs:fontRef idx="minor">
+      <a:schemeClr val="dk1">
+        <a:lumMod val="65000"/>
+        <a:lumOff val="35000"/>
+      </a:schemeClr>
+    </cs:fontRef>
+    <cs:spPr>
+      <a:solidFill>
+        <a:schemeClr val="lt1"/>
+      </a:solidFill>
+      <a:ln>
+        <a:solidFill>
+          <a:schemeClr val="dk1">
+            <a:lumMod val="25000"/>
+            <a:lumOff val="75000"/>
+          </a:schemeClr>
+        </a:solidFill>
+      </a:ln>
+    </cs:spPr>
+    <cs:defRPr sz="1197" kern="1200"/>
+    <cs:bodyPr rot="0" spcFirstLastPara="1" vertOverflow="clip" horzOverflow="clip" vert="horz" wrap="square" lIns="36576" tIns="18288" rIns="36576" bIns="18288" anchor="ctr" anchorCtr="1">
+      <a:spAutoFit/>
+    </cs:bodyPr>
+  </cs:dataLabelCallout>
+  <cs:dataPoint>
+    <cs:lnRef idx="0"/>
+    <cs:fillRef idx="1">
+      <cs:styleClr val="auto"/>
+    </cs:fillRef>
+    <cs:effectRef idx="0"/>
+    <cs:fontRef idx="minor">
+      <a:schemeClr val="tx1"/>
+    </cs:fontRef>
+  </cs:dataPoint>
+  <cs:dataPoint3D>
+    <cs:lnRef idx="0"/>
+    <cs:fillRef idx="1">
+      <cs:styleClr val="auto"/>
+    </cs:fillRef>
+    <cs:effectRef idx="0"/>
+    <cs:fontRef idx="minor">
+      <a:schemeClr val="tx1"/>
+    </cs:fontRef>
+  </cs:dataPoint3D>
+  <cs:dataPointLine>
+    <cs:lnRef idx="0">
+      <cs:styleClr val="auto"/>
+    </cs:lnRef>
+    <cs:fillRef idx="1"/>
+    <cs:effectRef idx="0"/>
+    <cs:fontRef idx="minor">
+      <a:schemeClr val="tx1"/>
+    </cs:fontRef>
+    <cs:spPr>
+      <a:ln w="28575" cap="rnd">
+        <a:solidFill>
+          <a:schemeClr val="phClr"/>
+        </a:solidFill>
+        <a:round/>
+      </a:ln>
+    </cs:spPr>
+  </cs:dataPointLine>
+  <cs:dataPointMarker>
+    <cs:lnRef idx="0">
+      <cs:styleClr val="auto"/>
+    </cs:lnRef>
+    <cs:fillRef idx="1">
+      <cs:styleClr val="auto"/>
+    </cs:fillRef>
+    <cs:effectRef idx="0"/>
+    <cs:fontRef idx="minor">
+      <a:schemeClr val="tx1"/>
+    </cs:fontRef>
+    <cs:spPr>
+      <a:ln w="9525">
+        <a:solidFill>
+          <a:schemeClr val="phClr"/>
+        </a:solidFill>
+      </a:ln>
+    </cs:spPr>
+  </cs:dataPointMarker>
+  <cs:dataPointMarkerLayout symbol="circle" size="5"/>
+  <cs:dataPointWireframe>
+    <cs:lnRef idx="0">
+      <cs:styleClr val="auto"/>
+    </cs:lnRef>
+    <cs:fillRef idx="1"/>
+    <cs:effectRef idx="0"/>
+    <cs:fontRef idx="minor">
+      <a:schemeClr val="tx1"/>
+    </cs:fontRef>
+    <cs:spPr>
+      <a:ln w="9525" cap="rnd">
+        <a:solidFill>
+          <a:schemeClr val="phClr"/>
+        </a:solidFill>
+        <a:round/>
+      </a:ln>
+    </cs:spPr>
+  </cs:dataPointWireframe>
+  <cs:dataTable>
+    <cs:lnRef idx="0"/>
+    <cs:fillRef idx="0"/>
+    <cs:effectRef idx="0"/>
+    <cs:fontRef idx="minor">
+      <a:schemeClr val="tx1">
+        <a:lumMod val="65000"/>
+        <a:lumOff val="35000"/>
+      </a:schemeClr>
+    </cs:fontRef>
+    <cs:spPr>
+      <a:noFill/>
+      <a:ln w="9525" cap="flat" cmpd="sng" algn="ctr">
+        <a:solidFill>
+          <a:schemeClr val="tx1">
+            <a:lumMod val="15000"/>
+            <a:lumOff val="85000"/>
+          </a:schemeClr>
+        </a:solidFill>
+        <a:round/>
+      </a:ln>
+    </cs:spPr>
+    <cs:defRPr sz="1197" kern="1200"/>
+  </cs:dataTable>
+  <cs:downBar>
+    <cs:lnRef idx="0"/>
+    <cs:fillRef idx="0"/>
+    <cs:effectRef idx="0"/>
+    <cs:fontRef idx="minor">
+      <a:schemeClr val="dk1"/>
+    </cs:fontRef>
+    <cs:spPr>
+      <a:solidFill>
+        <a:schemeClr val="dk1">
+          <a:lumMod val="65000"/>
+          <a:lumOff val="35000"/>
+        </a:schemeClr>
+      </a:solidFill>
+      <a:ln w="9525">
+        <a:solidFill>
+          <a:schemeClr val="tx1">
+            <a:lumMod val="65000"/>
+            <a:lumOff val="35000"/>
+          </a:schemeClr>
+        </a:solidFill>
+      </a:ln>
+    </cs:spPr>
+  </cs:downBar>
+  <cs:dropLine>
+    <cs:lnRef idx="0"/>
+    <cs:fillRef idx="0"/>
+    <cs:effectRef idx="0"/>
+    <cs:fontRef idx="minor">
+      <a:schemeClr val="tx1"/>
+    </cs:fontRef>
+    <cs:spPr>
+      <a:ln w="9525" cap="flat" cmpd="sng" algn="ctr">
+        <a:solidFill>
+          <a:schemeClr val="tx1">
+            <a:lumMod val="35000"/>
+            <a:lumOff val="65000"/>
+          </a:schemeClr>
+        </a:solidFill>
+        <a:round/>
+      </a:ln>
+    </cs:spPr>
+  </cs:dropLine>
+  <cs:errorBar>
+    <cs:lnRef idx="0"/>
+    <cs:fillRef idx="0"/>
+    <cs:effectRef idx="0"/>
+    <cs:fontRef idx="minor">
+      <a:schemeClr val="tx1"/>
+    </cs:fontRef>
+    <cs:spPr>
+      <a:ln w="9525" cap="flat" cmpd="sng" algn="ctr">
+        <a:solidFill>
+          <a:schemeClr val="tx1">
+            <a:lumMod val="65000"/>
+            <a:lumOff val="35000"/>
+          </a:schemeClr>
+        </a:solidFill>
+        <a:round/>
+      </a:ln>
+    </cs:spPr>
+  </cs:errorBar>
+  <cs:floor>
+    <cs:lnRef idx="0"/>
+    <cs:fillRef idx="0"/>
+    <cs:effectRef idx="0"/>
+    <cs:fontRef idx="minor">
+      <a:schemeClr val="tx1"/>
+    </cs:fontRef>
+    <cs:spPr>
+      <a:noFill/>
+      <a:ln>
+        <a:noFill/>
+      </a:ln>
+    </cs:spPr>
+  </cs:floor>
+  <cs:gridlineMajor>
+    <cs:lnRef idx="0"/>
+    <cs:fillRef idx="0"/>
+    <cs:effectRef idx="0"/>
+    <cs:fontRef idx="minor">
+      <a:schemeClr val="tx1"/>
+    </cs:fontRef>
+    <cs:spPr>
+      <a:ln w="9525" cap="flat" cmpd="sng" algn="ctr">
+        <a:solidFill>
+          <a:schemeClr val="tx1">
+            <a:lumMod val="15000"/>
+            <a:lumOff val="85000"/>
+          </a:schemeClr>
+        </a:solidFill>
+        <a:round/>
+      </a:ln>
+    </cs:spPr>
+  </cs:gridlineMajor>
+  <cs:gridlineMinor>
+    <cs:lnRef idx="0"/>
+    <cs:fillRef idx="0"/>
+    <cs:effectRef idx="0"/>
+    <cs:fontRef idx="minor">
+      <a:schemeClr val="tx1"/>
+    </cs:fontRef>
+    <cs:spPr>
+      <a:ln w="9525" cap="flat" cmpd="sng" algn="ctr">
+        <a:solidFill>
+          <a:schemeClr val="tx1">
+            <a:lumMod val="5000"/>
+            <a:lumOff val="95000"/>
+          </a:schemeClr>
+        </a:solidFill>
+        <a:round/>
+      </a:ln>
+    </cs:spPr>
+  </cs:gridlineMinor>
+  <cs:hiLoLine>
+    <cs:lnRef idx="0"/>
+    <cs:fillRef idx="0"/>
+    <cs:effectRef idx="0"/>
+    <cs:fontRef idx="minor">
+      <a:schemeClr val="tx1"/>
+    </cs:fontRef>
+    <cs:spPr>
+      <a:ln w="9525" cap="flat" cmpd="sng" algn="ctr">
+        <a:solidFill>
+          <a:schemeClr val="tx1">
+            <a:lumMod val="75000"/>
+            <a:lumOff val="25000"/>
+          </a:schemeClr>
+        </a:solidFill>
+        <a:round/>
+      </a:ln>
+    </cs:spPr>
+  </cs:hiLoLine>
+  <cs:leaderLine>
+    <cs:lnRef idx="0"/>
+    <cs:fillRef idx="0"/>
+    <cs:effectRef idx="0"/>
+    <cs:fontRef idx="minor">
+      <a:schemeClr val="tx1"/>
+    </cs:fontRef>
+    <cs:spPr>
+      <a:ln w="9525" cap="flat" cmpd="sng" algn="ctr">
+        <a:solidFill>
+          <a:schemeClr val="tx1">
+            <a:lumMod val="35000"/>
+            <a:lumOff val="65000"/>
+          </a:schemeClr>
+        </a:solidFill>
+        <a:round/>
+      </a:ln>
+    </cs:spPr>
+  </cs:leaderLine>
+  <cs:legend>
+    <cs:lnRef idx="0"/>
+    <cs:fillRef idx="0"/>
+    <cs:effectRef idx="0"/>
+    <cs:fontRef idx="minor">
+      <a:schemeClr val="tx1">
+        <a:lumMod val="65000"/>
+        <a:lumOff val="35000"/>
+      </a:schemeClr>
+    </cs:fontRef>
+    <cs:defRPr sz="1197" kern="1200"/>
+  </cs:legend>
+  <cs:plotArea mods="allowNoFillOverride allowNoLineOverride">
+    <cs:lnRef idx="0"/>
+    <cs:fillRef idx="0"/>
+    <cs:effectRef idx="0"/>
+    <cs:fontRef idx="minor">
+      <a:schemeClr val="tx1"/>
+    </cs:fontRef>
+  </cs:plotArea>
+  <cs:plotArea3D mods="allowNoFillOverride allowNoLineOverride">
+    <cs:lnRef idx="0"/>
+    <cs:fillRef idx="0"/>
+    <cs:effectRef idx="0"/>
+    <cs:fontRef idx="minor">
+      <a:schemeClr val="tx1"/>
+    </cs:fontRef>
+  </cs:plotArea3D>
+  <cs:seriesAxis>
+    <cs:lnRef idx="0"/>
+    <cs:fillRef idx="0"/>
+    <cs:effectRef idx="0"/>
+    <cs:fontRef idx="minor">
+      <a:schemeClr val="tx1">
+        <a:lumMod val="65000"/>
+        <a:lumOff val="35000"/>
+      </a:schemeClr>
+    </cs:fontRef>
+    <cs:defRPr sz="1197" kern="1200"/>
+  </cs:seriesAxis>
+  <cs:seriesLine>
+    <cs:lnRef idx="0"/>
+    <cs:fillRef idx="0"/>
+    <cs:effectRef idx="0"/>
+    <cs:fontRef idx="minor">
+      <a:schemeClr val="tx1"/>
+    </cs:fontRef>
+    <cs:spPr>
+      <a:ln w="9525" cap="flat" cmpd="sng" algn="ctr">
+        <a:solidFill>
+          <a:schemeClr val="tx1">
+            <a:lumMod val="35000"/>
+            <a:lumOff val="65000"/>
+          </a:schemeClr>
+        </a:solidFill>
+        <a:round/>
+      </a:ln>
+    </cs:spPr>
+  </cs:seriesLine>
+  <cs:title>
+    <cs:lnRef idx="0"/>
+    <cs:fillRef idx="0"/>
+    <cs:effectRef idx="0"/>
+    <cs:fontRef idx="minor">
+      <a:schemeClr val="tx1">
+        <a:lumMod val="65000"/>
+        <a:lumOff val="35000"/>
+      </a:schemeClr>
+    </cs:fontRef>
+    <cs:defRPr sz="1862" b="0" kern="1200" spc="0" baseline="0"/>
+  </cs:title>
+  <cs:trendline>
+    <cs:lnRef idx="0">
+      <cs:styleClr val="auto"/>
+    </cs:lnRef>
+    <cs:fillRef idx="0"/>
+    <cs:effectRef idx="0"/>
+    <cs:fontRef idx="minor">
+      <a:schemeClr val="tx1"/>
+    </cs:fontRef>
+    <cs:spPr>
+      <a:ln w="19050" cap="rnd">
+        <a:solidFill>
+          <a:schemeClr val="phClr"/>
+        </a:solidFill>
+        <a:prstDash val="sysDot"/>
+      </a:ln>
+    </cs:spPr>
+  </cs:trendline>
+  <cs:trendlineLabel>
+    <cs:lnRef idx="0"/>
+    <cs:fillRef idx="0"/>
+    <cs:effectRef idx="0"/>
+    <cs:fontRef idx="minor">
+      <a:schemeClr val="tx1">
+        <a:lumMod val="65000"/>
+        <a:lumOff val="35000"/>
+      </a:schemeClr>
+    </cs:fontRef>
+    <cs:defRPr sz="1197" kern="1200"/>
+  </cs:trendlineLabel>
+  <cs:upBar>
+    <cs:lnRef idx="0"/>
+    <cs:fillRef idx="0"/>
+    <cs:effectRef idx="0"/>
+    <cs:fontRef idx="minor">
+      <a:schemeClr val="dk1"/>
+    </cs:fontRef>
+    <cs:spPr>
+      <a:solidFill>
+        <a:schemeClr val="lt1"/>
+      </a:solidFill>
+      <a:ln w="9525">
+        <a:solidFill>
+          <a:schemeClr val="tx1">
+            <a:lumMod val="15000"/>
+            <a:lumOff val="85000"/>
+          </a:schemeClr>
+        </a:solidFill>
+      </a:ln>
+    </cs:spPr>
+  </cs:upBar>
+  <cs:valueAxis>
+    <cs:lnRef idx="0"/>
+    <cs:fillRef idx="0"/>
+    <cs:effectRef idx="0"/>
+    <cs:fontRef idx="minor">
+      <a:schemeClr val="tx1">
+        <a:lumMod val="65000"/>
+        <a:lumOff val="35000"/>
+      </a:schemeClr>
+    </cs:fontRef>
+    <cs:defRPr sz="1197" kern="1200"/>
+  </cs:valueAxis>
+  <cs:wall>
+    <cs:lnRef idx="0"/>
+    <cs:fillRef idx="0"/>
+    <cs:effectRef idx="0"/>
+    <cs:fontRef idx="minor">
+      <a:schemeClr val="tx1"/>
+    </cs:fontRef>
+    <cs:spPr>
+      <a:noFill/>
+      <a:ln>
+        <a:noFill/>
+      </a:ln>
+    </cs:spPr>
+  </cs:wall>
+</cs:chartStyle>
+</file>
+
+<file path=ppt/charts/style100.xml><?xml version="1.0" encoding="utf-8"?>
 <cs:chartStyle xmlns:cs="http://schemas.microsoft.com/office/drawing/2012/chartStyle" xmlns:a="http://schemas.openxmlformats.org/drawingml/2006/main" id="406">
   <cs:axisTitle>
     <cs:lnRef idx="0"/>
@@ -14177,6 +14704,509 @@
 </file>
 
 <file path=ppt/charts/style12.xml><?xml version="1.0" encoding="utf-8"?>
+<cs:chartStyle xmlns:cs="http://schemas.microsoft.com/office/drawing/2012/chartStyle" xmlns:a="http://schemas.openxmlformats.org/drawingml/2006/main" id="201">
+  <cs:axisTitle>
+    <cs:lnRef idx="0"/>
+    <cs:fillRef idx="0"/>
+    <cs:effectRef idx="0"/>
+    <cs:fontRef idx="minor">
+      <a:schemeClr val="tx1">
+        <a:lumMod val="65000"/>
+        <a:lumOff val="35000"/>
+      </a:schemeClr>
+    </cs:fontRef>
+    <cs:defRPr sz="1330" kern="1200"/>
+  </cs:axisTitle>
+  <cs:categoryAxis>
+    <cs:lnRef idx="0"/>
+    <cs:fillRef idx="0"/>
+    <cs:effectRef idx="0"/>
+    <cs:fontRef idx="minor">
+      <a:schemeClr val="tx1">
+        <a:lumMod val="65000"/>
+        <a:lumOff val="35000"/>
+      </a:schemeClr>
+    </cs:fontRef>
+    <cs:spPr>
+      <a:ln w="9525" cap="flat" cmpd="sng" algn="ctr">
+        <a:solidFill>
+          <a:schemeClr val="tx1">
+            <a:lumMod val="15000"/>
+            <a:lumOff val="85000"/>
+          </a:schemeClr>
+        </a:solidFill>
+        <a:round/>
+      </a:ln>
+    </cs:spPr>
+    <cs:defRPr sz="1197" kern="1200"/>
+  </cs:categoryAxis>
+  <cs:chartArea mods="allowNoFillOverride allowNoLineOverride">
+    <cs:lnRef idx="0"/>
+    <cs:fillRef idx="0"/>
+    <cs:effectRef idx="0"/>
+    <cs:fontRef idx="minor">
+      <a:schemeClr val="tx1"/>
+    </cs:fontRef>
+    <cs:spPr>
+      <a:solidFill>
+        <a:schemeClr val="bg1"/>
+      </a:solidFill>
+      <a:ln w="9525" cap="flat" cmpd="sng" algn="ctr">
+        <a:solidFill>
+          <a:schemeClr val="tx1">
+            <a:lumMod val="15000"/>
+            <a:lumOff val="85000"/>
+          </a:schemeClr>
+        </a:solidFill>
+        <a:round/>
+      </a:ln>
+    </cs:spPr>
+    <cs:defRPr sz="1330" kern="1200"/>
+  </cs:chartArea>
+  <cs:dataLabel>
+    <cs:lnRef idx="0"/>
+    <cs:fillRef idx="0"/>
+    <cs:effectRef idx="0"/>
+    <cs:fontRef idx="minor">
+      <a:schemeClr val="tx1">
+        <a:lumMod val="75000"/>
+        <a:lumOff val="25000"/>
+      </a:schemeClr>
+    </cs:fontRef>
+    <cs:defRPr sz="1197" kern="1200"/>
+  </cs:dataLabel>
+  <cs:dataLabelCallout>
+    <cs:lnRef idx="0"/>
+    <cs:fillRef idx="0"/>
+    <cs:effectRef idx="0"/>
+    <cs:fontRef idx="minor">
+      <a:schemeClr val="dk1">
+        <a:lumMod val="65000"/>
+        <a:lumOff val="35000"/>
+      </a:schemeClr>
+    </cs:fontRef>
+    <cs:spPr>
+      <a:solidFill>
+        <a:schemeClr val="lt1"/>
+      </a:solidFill>
+      <a:ln>
+        <a:solidFill>
+          <a:schemeClr val="dk1">
+            <a:lumMod val="25000"/>
+            <a:lumOff val="75000"/>
+          </a:schemeClr>
+        </a:solidFill>
+      </a:ln>
+    </cs:spPr>
+    <cs:defRPr sz="1197" kern="1200"/>
+    <cs:bodyPr rot="0" spcFirstLastPara="1" vertOverflow="clip" horzOverflow="clip" vert="horz" wrap="square" lIns="36576" tIns="18288" rIns="36576" bIns="18288" anchor="ctr" anchorCtr="1">
+      <a:spAutoFit/>
+    </cs:bodyPr>
+  </cs:dataLabelCallout>
+  <cs:dataPoint>
+    <cs:lnRef idx="0"/>
+    <cs:fillRef idx="1">
+      <cs:styleClr val="auto"/>
+    </cs:fillRef>
+    <cs:effectRef idx="0"/>
+    <cs:fontRef idx="minor">
+      <a:schemeClr val="tx1"/>
+    </cs:fontRef>
+  </cs:dataPoint>
+  <cs:dataPoint3D>
+    <cs:lnRef idx="0"/>
+    <cs:fillRef idx="1">
+      <cs:styleClr val="auto"/>
+    </cs:fillRef>
+    <cs:effectRef idx="0"/>
+    <cs:fontRef idx="minor">
+      <a:schemeClr val="tx1"/>
+    </cs:fontRef>
+  </cs:dataPoint3D>
+  <cs:dataPointLine>
+    <cs:lnRef idx="0">
+      <cs:styleClr val="auto"/>
+    </cs:lnRef>
+    <cs:fillRef idx="1"/>
+    <cs:effectRef idx="0"/>
+    <cs:fontRef idx="minor">
+      <a:schemeClr val="tx1"/>
+    </cs:fontRef>
+    <cs:spPr>
+      <a:ln w="28575" cap="rnd">
+        <a:solidFill>
+          <a:schemeClr val="phClr"/>
+        </a:solidFill>
+        <a:round/>
+      </a:ln>
+    </cs:spPr>
+  </cs:dataPointLine>
+  <cs:dataPointMarker>
+    <cs:lnRef idx="0">
+      <cs:styleClr val="auto"/>
+    </cs:lnRef>
+    <cs:fillRef idx="1">
+      <cs:styleClr val="auto"/>
+    </cs:fillRef>
+    <cs:effectRef idx="0"/>
+    <cs:fontRef idx="minor">
+      <a:schemeClr val="tx1"/>
+    </cs:fontRef>
+    <cs:spPr>
+      <a:ln w="9525">
+        <a:solidFill>
+          <a:schemeClr val="phClr"/>
+        </a:solidFill>
+      </a:ln>
+    </cs:spPr>
+  </cs:dataPointMarker>
+  <cs:dataPointMarkerLayout symbol="circle" size="5"/>
+  <cs:dataPointWireframe>
+    <cs:lnRef idx="0">
+      <cs:styleClr val="auto"/>
+    </cs:lnRef>
+    <cs:fillRef idx="1"/>
+    <cs:effectRef idx="0"/>
+    <cs:fontRef idx="minor">
+      <a:schemeClr val="tx1"/>
+    </cs:fontRef>
+    <cs:spPr>
+      <a:ln w="9525" cap="rnd">
+        <a:solidFill>
+          <a:schemeClr val="phClr"/>
+        </a:solidFill>
+        <a:round/>
+      </a:ln>
+    </cs:spPr>
+  </cs:dataPointWireframe>
+  <cs:dataTable>
+    <cs:lnRef idx="0"/>
+    <cs:fillRef idx="0"/>
+    <cs:effectRef idx="0"/>
+    <cs:fontRef idx="minor">
+      <a:schemeClr val="tx1">
+        <a:lumMod val="65000"/>
+        <a:lumOff val="35000"/>
+      </a:schemeClr>
+    </cs:fontRef>
+    <cs:spPr>
+      <a:noFill/>
+      <a:ln w="9525" cap="flat" cmpd="sng" algn="ctr">
+        <a:solidFill>
+          <a:schemeClr val="tx1">
+            <a:lumMod val="15000"/>
+            <a:lumOff val="85000"/>
+          </a:schemeClr>
+        </a:solidFill>
+        <a:round/>
+      </a:ln>
+    </cs:spPr>
+    <cs:defRPr sz="1197" kern="1200"/>
+  </cs:dataTable>
+  <cs:downBar>
+    <cs:lnRef idx="0"/>
+    <cs:fillRef idx="0"/>
+    <cs:effectRef idx="0"/>
+    <cs:fontRef idx="minor">
+      <a:schemeClr val="dk1"/>
+    </cs:fontRef>
+    <cs:spPr>
+      <a:solidFill>
+        <a:schemeClr val="dk1">
+          <a:lumMod val="65000"/>
+          <a:lumOff val="35000"/>
+        </a:schemeClr>
+      </a:solidFill>
+      <a:ln w="9525">
+        <a:solidFill>
+          <a:schemeClr val="tx1">
+            <a:lumMod val="65000"/>
+            <a:lumOff val="35000"/>
+          </a:schemeClr>
+        </a:solidFill>
+      </a:ln>
+    </cs:spPr>
+  </cs:downBar>
+  <cs:dropLine>
+    <cs:lnRef idx="0"/>
+    <cs:fillRef idx="0"/>
+    <cs:effectRef idx="0"/>
+    <cs:fontRef idx="minor">
+      <a:schemeClr val="tx1"/>
+    </cs:fontRef>
+    <cs:spPr>
+      <a:ln w="9525" cap="flat" cmpd="sng" algn="ctr">
+        <a:solidFill>
+          <a:schemeClr val="tx1">
+            <a:lumMod val="35000"/>
+            <a:lumOff val="65000"/>
+          </a:schemeClr>
+        </a:solidFill>
+        <a:round/>
+      </a:ln>
+    </cs:spPr>
+  </cs:dropLine>
+  <cs:errorBar>
+    <cs:lnRef idx="0"/>
+    <cs:fillRef idx="0"/>
+    <cs:effectRef idx="0"/>
+    <cs:fontRef idx="minor">
+      <a:schemeClr val="tx1"/>
+    </cs:fontRef>
+    <cs:spPr>
+      <a:ln w="9525" cap="flat" cmpd="sng" algn="ctr">
+        <a:solidFill>
+          <a:schemeClr val="tx1">
+            <a:lumMod val="65000"/>
+            <a:lumOff val="35000"/>
+          </a:schemeClr>
+        </a:solidFill>
+        <a:round/>
+      </a:ln>
+    </cs:spPr>
+  </cs:errorBar>
+  <cs:floor>
+    <cs:lnRef idx="0"/>
+    <cs:fillRef idx="0"/>
+    <cs:effectRef idx="0"/>
+    <cs:fontRef idx="minor">
+      <a:schemeClr val="tx1"/>
+    </cs:fontRef>
+    <cs:spPr>
+      <a:noFill/>
+      <a:ln>
+        <a:noFill/>
+      </a:ln>
+    </cs:spPr>
+  </cs:floor>
+  <cs:gridlineMajor>
+    <cs:lnRef idx="0"/>
+    <cs:fillRef idx="0"/>
+    <cs:effectRef idx="0"/>
+    <cs:fontRef idx="minor">
+      <a:schemeClr val="tx1"/>
+    </cs:fontRef>
+    <cs:spPr>
+      <a:ln w="9525" cap="flat" cmpd="sng" algn="ctr">
+        <a:solidFill>
+          <a:schemeClr val="tx1">
+            <a:lumMod val="15000"/>
+            <a:lumOff val="85000"/>
+          </a:schemeClr>
+        </a:solidFill>
+        <a:round/>
+      </a:ln>
+    </cs:spPr>
+  </cs:gridlineMajor>
+  <cs:gridlineMinor>
+    <cs:lnRef idx="0"/>
+    <cs:fillRef idx="0"/>
+    <cs:effectRef idx="0"/>
+    <cs:fontRef idx="minor">
+      <a:schemeClr val="tx1"/>
+    </cs:fontRef>
+    <cs:spPr>
+      <a:ln w="9525" cap="flat" cmpd="sng" algn="ctr">
+        <a:solidFill>
+          <a:schemeClr val="tx1">
+            <a:lumMod val="5000"/>
+            <a:lumOff val="95000"/>
+          </a:schemeClr>
+        </a:solidFill>
+        <a:round/>
+      </a:ln>
+    </cs:spPr>
+  </cs:gridlineMinor>
+  <cs:hiLoLine>
+    <cs:lnRef idx="0"/>
+    <cs:fillRef idx="0"/>
+    <cs:effectRef idx="0"/>
+    <cs:fontRef idx="minor">
+      <a:schemeClr val="tx1"/>
+    </cs:fontRef>
+    <cs:spPr>
+      <a:ln w="9525" cap="flat" cmpd="sng" algn="ctr">
+        <a:solidFill>
+          <a:schemeClr val="tx1">
+            <a:lumMod val="75000"/>
+            <a:lumOff val="25000"/>
+          </a:schemeClr>
+        </a:solidFill>
+        <a:round/>
+      </a:ln>
+    </cs:spPr>
+  </cs:hiLoLine>
+  <cs:leaderLine>
+    <cs:lnRef idx="0"/>
+    <cs:fillRef idx="0"/>
+    <cs:effectRef idx="0"/>
+    <cs:fontRef idx="minor">
+      <a:schemeClr val="tx1"/>
+    </cs:fontRef>
+    <cs:spPr>
+      <a:ln w="9525" cap="flat" cmpd="sng" algn="ctr">
+        <a:solidFill>
+          <a:schemeClr val="tx1">
+            <a:lumMod val="35000"/>
+            <a:lumOff val="65000"/>
+          </a:schemeClr>
+        </a:solidFill>
+        <a:round/>
+      </a:ln>
+    </cs:spPr>
+  </cs:leaderLine>
+  <cs:legend>
+    <cs:lnRef idx="0"/>
+    <cs:fillRef idx="0"/>
+    <cs:effectRef idx="0"/>
+    <cs:fontRef idx="minor">
+      <a:schemeClr val="tx1">
+        <a:lumMod val="65000"/>
+        <a:lumOff val="35000"/>
+      </a:schemeClr>
+    </cs:fontRef>
+    <cs:defRPr sz="1197" kern="1200"/>
+  </cs:legend>
+  <cs:plotArea mods="allowNoFillOverride allowNoLineOverride">
+    <cs:lnRef idx="0"/>
+    <cs:fillRef idx="0"/>
+    <cs:effectRef idx="0"/>
+    <cs:fontRef idx="minor">
+      <a:schemeClr val="tx1"/>
+    </cs:fontRef>
+  </cs:plotArea>
+  <cs:plotArea3D mods="allowNoFillOverride allowNoLineOverride">
+    <cs:lnRef idx="0"/>
+    <cs:fillRef idx="0"/>
+    <cs:effectRef idx="0"/>
+    <cs:fontRef idx="minor">
+      <a:schemeClr val="tx1"/>
+    </cs:fontRef>
+  </cs:plotArea3D>
+  <cs:seriesAxis>
+    <cs:lnRef idx="0"/>
+    <cs:fillRef idx="0"/>
+    <cs:effectRef idx="0"/>
+    <cs:fontRef idx="minor">
+      <a:schemeClr val="tx1">
+        <a:lumMod val="65000"/>
+        <a:lumOff val="35000"/>
+      </a:schemeClr>
+    </cs:fontRef>
+    <cs:defRPr sz="1197" kern="1200"/>
+  </cs:seriesAxis>
+  <cs:seriesLine>
+    <cs:lnRef idx="0"/>
+    <cs:fillRef idx="0"/>
+    <cs:effectRef idx="0"/>
+    <cs:fontRef idx="minor">
+      <a:schemeClr val="tx1"/>
+    </cs:fontRef>
+    <cs:spPr>
+      <a:ln w="9525" cap="flat" cmpd="sng" algn="ctr">
+        <a:solidFill>
+          <a:schemeClr val="tx1">
+            <a:lumMod val="35000"/>
+            <a:lumOff val="65000"/>
+          </a:schemeClr>
+        </a:solidFill>
+        <a:round/>
+      </a:ln>
+    </cs:spPr>
+  </cs:seriesLine>
+  <cs:title>
+    <cs:lnRef idx="0"/>
+    <cs:fillRef idx="0"/>
+    <cs:effectRef idx="0"/>
+    <cs:fontRef idx="minor">
+      <a:schemeClr val="tx1">
+        <a:lumMod val="65000"/>
+        <a:lumOff val="35000"/>
+      </a:schemeClr>
+    </cs:fontRef>
+    <cs:defRPr sz="1862" b="0" kern="1200" spc="0" baseline="0"/>
+  </cs:title>
+  <cs:trendline>
+    <cs:lnRef idx="0">
+      <cs:styleClr val="auto"/>
+    </cs:lnRef>
+    <cs:fillRef idx="0"/>
+    <cs:effectRef idx="0"/>
+    <cs:fontRef idx="minor">
+      <a:schemeClr val="tx1"/>
+    </cs:fontRef>
+    <cs:spPr>
+      <a:ln w="19050" cap="rnd">
+        <a:solidFill>
+          <a:schemeClr val="phClr"/>
+        </a:solidFill>
+        <a:prstDash val="sysDot"/>
+      </a:ln>
+    </cs:spPr>
+  </cs:trendline>
+  <cs:trendlineLabel>
+    <cs:lnRef idx="0"/>
+    <cs:fillRef idx="0"/>
+    <cs:effectRef idx="0"/>
+    <cs:fontRef idx="minor">
+      <a:schemeClr val="tx1">
+        <a:lumMod val="65000"/>
+        <a:lumOff val="35000"/>
+      </a:schemeClr>
+    </cs:fontRef>
+    <cs:defRPr sz="1197" kern="1200"/>
+  </cs:trendlineLabel>
+  <cs:upBar>
+    <cs:lnRef idx="0"/>
+    <cs:fillRef idx="0"/>
+    <cs:effectRef idx="0"/>
+    <cs:fontRef idx="minor">
+      <a:schemeClr val="dk1"/>
+    </cs:fontRef>
+    <cs:spPr>
+      <a:solidFill>
+        <a:schemeClr val="lt1"/>
+      </a:solidFill>
+      <a:ln w="9525">
+        <a:solidFill>
+          <a:schemeClr val="tx1">
+            <a:lumMod val="15000"/>
+            <a:lumOff val="85000"/>
+          </a:schemeClr>
+        </a:solidFill>
+      </a:ln>
+    </cs:spPr>
+  </cs:upBar>
+  <cs:valueAxis>
+    <cs:lnRef idx="0"/>
+    <cs:fillRef idx="0"/>
+    <cs:effectRef idx="0"/>
+    <cs:fontRef idx="minor">
+      <a:schemeClr val="tx1">
+        <a:lumMod val="65000"/>
+        <a:lumOff val="35000"/>
+      </a:schemeClr>
+    </cs:fontRef>
+    <cs:defRPr sz="1197" kern="1200"/>
+  </cs:valueAxis>
+  <cs:wall>
+    <cs:lnRef idx="0"/>
+    <cs:fillRef idx="0"/>
+    <cs:effectRef idx="0"/>
+    <cs:fontRef idx="minor">
+      <a:schemeClr val="tx1"/>
+    </cs:fontRef>
+    <cs:spPr>
+      <a:noFill/>
+      <a:ln>
+        <a:noFill/>
+      </a:ln>
+    </cs:spPr>
+  </cs:wall>
+</cs:chartStyle>
+</file>
+
+<file path=ppt/charts/style120.xml><?xml version="1.0" encoding="utf-8"?>
 <cs:chartStyle xmlns:cs="http://schemas.microsoft.com/office/drawing/2012/chartStyle" xmlns:a="http://schemas.openxmlformats.org/drawingml/2006/main" id="406">
   <cs:axisTitle>
     <cs:lnRef idx="0"/>
@@ -14663,6 +15693,509 @@
 </file>
 
 <file path=ppt/charts/style13.xml><?xml version="1.0" encoding="utf-8"?>
+<cs:chartStyle xmlns:cs="http://schemas.microsoft.com/office/drawing/2012/chartStyle" xmlns:a="http://schemas.openxmlformats.org/drawingml/2006/main" id="201">
+  <cs:axisTitle>
+    <cs:lnRef idx="0"/>
+    <cs:fillRef idx="0"/>
+    <cs:effectRef idx="0"/>
+    <cs:fontRef idx="minor">
+      <a:schemeClr val="tx1">
+        <a:lumMod val="65000"/>
+        <a:lumOff val="35000"/>
+      </a:schemeClr>
+    </cs:fontRef>
+    <cs:defRPr sz="1330" kern="1200"/>
+  </cs:axisTitle>
+  <cs:categoryAxis>
+    <cs:lnRef idx="0"/>
+    <cs:fillRef idx="0"/>
+    <cs:effectRef idx="0"/>
+    <cs:fontRef idx="minor">
+      <a:schemeClr val="tx1">
+        <a:lumMod val="65000"/>
+        <a:lumOff val="35000"/>
+      </a:schemeClr>
+    </cs:fontRef>
+    <cs:spPr>
+      <a:ln w="9525" cap="flat" cmpd="sng" algn="ctr">
+        <a:solidFill>
+          <a:schemeClr val="tx1">
+            <a:lumMod val="15000"/>
+            <a:lumOff val="85000"/>
+          </a:schemeClr>
+        </a:solidFill>
+        <a:round/>
+      </a:ln>
+    </cs:spPr>
+    <cs:defRPr sz="1197" kern="1200"/>
+  </cs:categoryAxis>
+  <cs:chartArea mods="allowNoFillOverride allowNoLineOverride">
+    <cs:lnRef idx="0"/>
+    <cs:fillRef idx="0"/>
+    <cs:effectRef idx="0"/>
+    <cs:fontRef idx="minor">
+      <a:schemeClr val="tx1"/>
+    </cs:fontRef>
+    <cs:spPr>
+      <a:solidFill>
+        <a:schemeClr val="bg1"/>
+      </a:solidFill>
+      <a:ln w="9525" cap="flat" cmpd="sng" algn="ctr">
+        <a:solidFill>
+          <a:schemeClr val="tx1">
+            <a:lumMod val="15000"/>
+            <a:lumOff val="85000"/>
+          </a:schemeClr>
+        </a:solidFill>
+        <a:round/>
+      </a:ln>
+    </cs:spPr>
+    <cs:defRPr sz="1330" kern="1200"/>
+  </cs:chartArea>
+  <cs:dataLabel>
+    <cs:lnRef idx="0"/>
+    <cs:fillRef idx="0"/>
+    <cs:effectRef idx="0"/>
+    <cs:fontRef idx="minor">
+      <a:schemeClr val="tx1">
+        <a:lumMod val="75000"/>
+        <a:lumOff val="25000"/>
+      </a:schemeClr>
+    </cs:fontRef>
+    <cs:defRPr sz="1197" kern="1200"/>
+  </cs:dataLabel>
+  <cs:dataLabelCallout>
+    <cs:lnRef idx="0"/>
+    <cs:fillRef idx="0"/>
+    <cs:effectRef idx="0"/>
+    <cs:fontRef idx="minor">
+      <a:schemeClr val="dk1">
+        <a:lumMod val="65000"/>
+        <a:lumOff val="35000"/>
+      </a:schemeClr>
+    </cs:fontRef>
+    <cs:spPr>
+      <a:solidFill>
+        <a:schemeClr val="lt1"/>
+      </a:solidFill>
+      <a:ln>
+        <a:solidFill>
+          <a:schemeClr val="dk1">
+            <a:lumMod val="25000"/>
+            <a:lumOff val="75000"/>
+          </a:schemeClr>
+        </a:solidFill>
+      </a:ln>
+    </cs:spPr>
+    <cs:defRPr sz="1197" kern="1200"/>
+    <cs:bodyPr rot="0" spcFirstLastPara="1" vertOverflow="clip" horzOverflow="clip" vert="horz" wrap="square" lIns="36576" tIns="18288" rIns="36576" bIns="18288" anchor="ctr" anchorCtr="1">
+      <a:spAutoFit/>
+    </cs:bodyPr>
+  </cs:dataLabelCallout>
+  <cs:dataPoint>
+    <cs:lnRef idx="0"/>
+    <cs:fillRef idx="1">
+      <cs:styleClr val="auto"/>
+    </cs:fillRef>
+    <cs:effectRef idx="0"/>
+    <cs:fontRef idx="minor">
+      <a:schemeClr val="tx1"/>
+    </cs:fontRef>
+  </cs:dataPoint>
+  <cs:dataPoint3D>
+    <cs:lnRef idx="0"/>
+    <cs:fillRef idx="1">
+      <cs:styleClr val="auto"/>
+    </cs:fillRef>
+    <cs:effectRef idx="0"/>
+    <cs:fontRef idx="minor">
+      <a:schemeClr val="tx1"/>
+    </cs:fontRef>
+  </cs:dataPoint3D>
+  <cs:dataPointLine>
+    <cs:lnRef idx="0">
+      <cs:styleClr val="auto"/>
+    </cs:lnRef>
+    <cs:fillRef idx="1"/>
+    <cs:effectRef idx="0"/>
+    <cs:fontRef idx="minor">
+      <a:schemeClr val="tx1"/>
+    </cs:fontRef>
+    <cs:spPr>
+      <a:ln w="28575" cap="rnd">
+        <a:solidFill>
+          <a:schemeClr val="phClr"/>
+        </a:solidFill>
+        <a:round/>
+      </a:ln>
+    </cs:spPr>
+  </cs:dataPointLine>
+  <cs:dataPointMarker>
+    <cs:lnRef idx="0">
+      <cs:styleClr val="auto"/>
+    </cs:lnRef>
+    <cs:fillRef idx="1">
+      <cs:styleClr val="auto"/>
+    </cs:fillRef>
+    <cs:effectRef idx="0"/>
+    <cs:fontRef idx="minor">
+      <a:schemeClr val="tx1"/>
+    </cs:fontRef>
+    <cs:spPr>
+      <a:ln w="9525">
+        <a:solidFill>
+          <a:schemeClr val="phClr"/>
+        </a:solidFill>
+      </a:ln>
+    </cs:spPr>
+  </cs:dataPointMarker>
+  <cs:dataPointMarkerLayout symbol="circle" size="5"/>
+  <cs:dataPointWireframe>
+    <cs:lnRef idx="0">
+      <cs:styleClr val="auto"/>
+    </cs:lnRef>
+    <cs:fillRef idx="1"/>
+    <cs:effectRef idx="0"/>
+    <cs:fontRef idx="minor">
+      <a:schemeClr val="tx1"/>
+    </cs:fontRef>
+    <cs:spPr>
+      <a:ln w="9525" cap="rnd">
+        <a:solidFill>
+          <a:schemeClr val="phClr"/>
+        </a:solidFill>
+        <a:round/>
+      </a:ln>
+    </cs:spPr>
+  </cs:dataPointWireframe>
+  <cs:dataTable>
+    <cs:lnRef idx="0"/>
+    <cs:fillRef idx="0"/>
+    <cs:effectRef idx="0"/>
+    <cs:fontRef idx="minor">
+      <a:schemeClr val="tx1">
+        <a:lumMod val="65000"/>
+        <a:lumOff val="35000"/>
+      </a:schemeClr>
+    </cs:fontRef>
+    <cs:spPr>
+      <a:noFill/>
+      <a:ln w="9525" cap="flat" cmpd="sng" algn="ctr">
+        <a:solidFill>
+          <a:schemeClr val="tx1">
+            <a:lumMod val="15000"/>
+            <a:lumOff val="85000"/>
+          </a:schemeClr>
+        </a:solidFill>
+        <a:round/>
+      </a:ln>
+    </cs:spPr>
+    <cs:defRPr sz="1197" kern="1200"/>
+  </cs:dataTable>
+  <cs:downBar>
+    <cs:lnRef idx="0"/>
+    <cs:fillRef idx="0"/>
+    <cs:effectRef idx="0"/>
+    <cs:fontRef idx="minor">
+      <a:schemeClr val="dk1"/>
+    </cs:fontRef>
+    <cs:spPr>
+      <a:solidFill>
+        <a:schemeClr val="dk1">
+          <a:lumMod val="65000"/>
+          <a:lumOff val="35000"/>
+        </a:schemeClr>
+      </a:solidFill>
+      <a:ln w="9525">
+        <a:solidFill>
+          <a:schemeClr val="tx1">
+            <a:lumMod val="65000"/>
+            <a:lumOff val="35000"/>
+          </a:schemeClr>
+        </a:solidFill>
+      </a:ln>
+    </cs:spPr>
+  </cs:downBar>
+  <cs:dropLine>
+    <cs:lnRef idx="0"/>
+    <cs:fillRef idx="0"/>
+    <cs:effectRef idx="0"/>
+    <cs:fontRef idx="minor">
+      <a:schemeClr val="tx1"/>
+    </cs:fontRef>
+    <cs:spPr>
+      <a:ln w="9525" cap="flat" cmpd="sng" algn="ctr">
+        <a:solidFill>
+          <a:schemeClr val="tx1">
+            <a:lumMod val="35000"/>
+            <a:lumOff val="65000"/>
+          </a:schemeClr>
+        </a:solidFill>
+        <a:round/>
+      </a:ln>
+    </cs:spPr>
+  </cs:dropLine>
+  <cs:errorBar>
+    <cs:lnRef idx="0"/>
+    <cs:fillRef idx="0"/>
+    <cs:effectRef idx="0"/>
+    <cs:fontRef idx="minor">
+      <a:schemeClr val="tx1"/>
+    </cs:fontRef>
+    <cs:spPr>
+      <a:ln w="9525" cap="flat" cmpd="sng" algn="ctr">
+        <a:solidFill>
+          <a:schemeClr val="tx1">
+            <a:lumMod val="65000"/>
+            <a:lumOff val="35000"/>
+          </a:schemeClr>
+        </a:solidFill>
+        <a:round/>
+      </a:ln>
+    </cs:spPr>
+  </cs:errorBar>
+  <cs:floor>
+    <cs:lnRef idx="0"/>
+    <cs:fillRef idx="0"/>
+    <cs:effectRef idx="0"/>
+    <cs:fontRef idx="minor">
+      <a:schemeClr val="tx1"/>
+    </cs:fontRef>
+    <cs:spPr>
+      <a:noFill/>
+      <a:ln>
+        <a:noFill/>
+      </a:ln>
+    </cs:spPr>
+  </cs:floor>
+  <cs:gridlineMajor>
+    <cs:lnRef idx="0"/>
+    <cs:fillRef idx="0"/>
+    <cs:effectRef idx="0"/>
+    <cs:fontRef idx="minor">
+      <a:schemeClr val="tx1"/>
+    </cs:fontRef>
+    <cs:spPr>
+      <a:ln w="9525" cap="flat" cmpd="sng" algn="ctr">
+        <a:solidFill>
+          <a:schemeClr val="tx1">
+            <a:lumMod val="15000"/>
+            <a:lumOff val="85000"/>
+          </a:schemeClr>
+        </a:solidFill>
+        <a:round/>
+      </a:ln>
+    </cs:spPr>
+  </cs:gridlineMajor>
+  <cs:gridlineMinor>
+    <cs:lnRef idx="0"/>
+    <cs:fillRef idx="0"/>
+    <cs:effectRef idx="0"/>
+    <cs:fontRef idx="minor">
+      <a:schemeClr val="tx1"/>
+    </cs:fontRef>
+    <cs:spPr>
+      <a:ln w="9525" cap="flat" cmpd="sng" algn="ctr">
+        <a:solidFill>
+          <a:schemeClr val="tx1">
+            <a:lumMod val="5000"/>
+            <a:lumOff val="95000"/>
+          </a:schemeClr>
+        </a:solidFill>
+        <a:round/>
+      </a:ln>
+    </cs:spPr>
+  </cs:gridlineMinor>
+  <cs:hiLoLine>
+    <cs:lnRef idx="0"/>
+    <cs:fillRef idx="0"/>
+    <cs:effectRef idx="0"/>
+    <cs:fontRef idx="minor">
+      <a:schemeClr val="tx1"/>
+    </cs:fontRef>
+    <cs:spPr>
+      <a:ln w="9525" cap="flat" cmpd="sng" algn="ctr">
+        <a:solidFill>
+          <a:schemeClr val="tx1">
+            <a:lumMod val="75000"/>
+            <a:lumOff val="25000"/>
+          </a:schemeClr>
+        </a:solidFill>
+        <a:round/>
+      </a:ln>
+    </cs:spPr>
+  </cs:hiLoLine>
+  <cs:leaderLine>
+    <cs:lnRef idx="0"/>
+    <cs:fillRef idx="0"/>
+    <cs:effectRef idx="0"/>
+    <cs:fontRef idx="minor">
+      <a:schemeClr val="tx1"/>
+    </cs:fontRef>
+    <cs:spPr>
+      <a:ln w="9525" cap="flat" cmpd="sng" algn="ctr">
+        <a:solidFill>
+          <a:schemeClr val="tx1">
+            <a:lumMod val="35000"/>
+            <a:lumOff val="65000"/>
+          </a:schemeClr>
+        </a:solidFill>
+        <a:round/>
+      </a:ln>
+    </cs:spPr>
+  </cs:leaderLine>
+  <cs:legend>
+    <cs:lnRef idx="0"/>
+    <cs:fillRef idx="0"/>
+    <cs:effectRef idx="0"/>
+    <cs:fontRef idx="minor">
+      <a:schemeClr val="tx1">
+        <a:lumMod val="65000"/>
+        <a:lumOff val="35000"/>
+      </a:schemeClr>
+    </cs:fontRef>
+    <cs:defRPr sz="1197" kern="1200"/>
+  </cs:legend>
+  <cs:plotArea mods="allowNoFillOverride allowNoLineOverride">
+    <cs:lnRef idx="0"/>
+    <cs:fillRef idx="0"/>
+    <cs:effectRef idx="0"/>
+    <cs:fontRef idx="minor">
+      <a:schemeClr val="tx1"/>
+    </cs:fontRef>
+  </cs:plotArea>
+  <cs:plotArea3D mods="allowNoFillOverride allowNoLineOverride">
+    <cs:lnRef idx="0"/>
+    <cs:fillRef idx="0"/>
+    <cs:effectRef idx="0"/>
+    <cs:fontRef idx="minor">
+      <a:schemeClr val="tx1"/>
+    </cs:fontRef>
+  </cs:plotArea3D>
+  <cs:seriesAxis>
+    <cs:lnRef idx="0"/>
+    <cs:fillRef idx="0"/>
+    <cs:effectRef idx="0"/>
+    <cs:fontRef idx="minor">
+      <a:schemeClr val="tx1">
+        <a:lumMod val="65000"/>
+        <a:lumOff val="35000"/>
+      </a:schemeClr>
+    </cs:fontRef>
+    <cs:defRPr sz="1197" kern="1200"/>
+  </cs:seriesAxis>
+  <cs:seriesLine>
+    <cs:lnRef idx="0"/>
+    <cs:fillRef idx="0"/>
+    <cs:effectRef idx="0"/>
+    <cs:fontRef idx="minor">
+      <a:schemeClr val="tx1"/>
+    </cs:fontRef>
+    <cs:spPr>
+      <a:ln w="9525" cap="flat" cmpd="sng" algn="ctr">
+        <a:solidFill>
+          <a:schemeClr val="tx1">
+            <a:lumMod val="35000"/>
+            <a:lumOff val="65000"/>
+          </a:schemeClr>
+        </a:solidFill>
+        <a:round/>
+      </a:ln>
+    </cs:spPr>
+  </cs:seriesLine>
+  <cs:title>
+    <cs:lnRef idx="0"/>
+    <cs:fillRef idx="0"/>
+    <cs:effectRef idx="0"/>
+    <cs:fontRef idx="minor">
+      <a:schemeClr val="tx1">
+        <a:lumMod val="65000"/>
+        <a:lumOff val="35000"/>
+      </a:schemeClr>
+    </cs:fontRef>
+    <cs:defRPr sz="1862" b="0" kern="1200" spc="0" baseline="0"/>
+  </cs:title>
+  <cs:trendline>
+    <cs:lnRef idx="0">
+      <cs:styleClr val="auto"/>
+    </cs:lnRef>
+    <cs:fillRef idx="0"/>
+    <cs:effectRef idx="0"/>
+    <cs:fontRef idx="minor">
+      <a:schemeClr val="tx1"/>
+    </cs:fontRef>
+    <cs:spPr>
+      <a:ln w="19050" cap="rnd">
+        <a:solidFill>
+          <a:schemeClr val="phClr"/>
+        </a:solidFill>
+        <a:prstDash val="sysDot"/>
+      </a:ln>
+    </cs:spPr>
+  </cs:trendline>
+  <cs:trendlineLabel>
+    <cs:lnRef idx="0"/>
+    <cs:fillRef idx="0"/>
+    <cs:effectRef idx="0"/>
+    <cs:fontRef idx="minor">
+      <a:schemeClr val="tx1">
+        <a:lumMod val="65000"/>
+        <a:lumOff val="35000"/>
+      </a:schemeClr>
+    </cs:fontRef>
+    <cs:defRPr sz="1197" kern="1200"/>
+  </cs:trendlineLabel>
+  <cs:upBar>
+    <cs:lnRef idx="0"/>
+    <cs:fillRef idx="0"/>
+    <cs:effectRef idx="0"/>
+    <cs:fontRef idx="minor">
+      <a:schemeClr val="dk1"/>
+    </cs:fontRef>
+    <cs:spPr>
+      <a:solidFill>
+        <a:schemeClr val="lt1"/>
+      </a:solidFill>
+      <a:ln w="9525">
+        <a:solidFill>
+          <a:schemeClr val="tx1">
+            <a:lumMod val="15000"/>
+            <a:lumOff val="85000"/>
+          </a:schemeClr>
+        </a:solidFill>
+      </a:ln>
+    </cs:spPr>
+  </cs:upBar>
+  <cs:valueAxis>
+    <cs:lnRef idx="0"/>
+    <cs:fillRef idx="0"/>
+    <cs:effectRef idx="0"/>
+    <cs:fontRef idx="minor">
+      <a:schemeClr val="tx1">
+        <a:lumMod val="65000"/>
+        <a:lumOff val="35000"/>
+      </a:schemeClr>
+    </cs:fontRef>
+    <cs:defRPr sz="1197" kern="1200"/>
+  </cs:valueAxis>
+  <cs:wall>
+    <cs:lnRef idx="0"/>
+    <cs:fillRef idx="0"/>
+    <cs:effectRef idx="0"/>
+    <cs:fontRef idx="minor">
+      <a:schemeClr val="tx1"/>
+    </cs:fontRef>
+    <cs:spPr>
+      <a:noFill/>
+      <a:ln>
+        <a:noFill/>
+      </a:ln>
+    </cs:spPr>
+  </cs:wall>
+</cs:chartStyle>
+</file>
+
+<file path=ppt/charts/style130.xml><?xml version="1.0" encoding="utf-8"?>
 <cs:chartStyle xmlns:cs="http://schemas.microsoft.com/office/drawing/2012/chartStyle" xmlns:a="http://schemas.openxmlformats.org/drawingml/2006/main" id="406">
   <cs:axisTitle>
     <cs:lnRef idx="0"/>
@@ -15652,6 +17185,509 @@
 </file>
 
 <file path=ppt/charts/style15.xml><?xml version="1.0" encoding="utf-8"?>
+<cs:chartStyle xmlns:cs="http://schemas.microsoft.com/office/drawing/2012/chartStyle" xmlns:a="http://schemas.openxmlformats.org/drawingml/2006/main" id="201">
+  <cs:axisTitle>
+    <cs:lnRef idx="0"/>
+    <cs:fillRef idx="0"/>
+    <cs:effectRef idx="0"/>
+    <cs:fontRef idx="minor">
+      <a:schemeClr val="tx1">
+        <a:lumMod val="65000"/>
+        <a:lumOff val="35000"/>
+      </a:schemeClr>
+    </cs:fontRef>
+    <cs:defRPr sz="1330" kern="1200"/>
+  </cs:axisTitle>
+  <cs:categoryAxis>
+    <cs:lnRef idx="0"/>
+    <cs:fillRef idx="0"/>
+    <cs:effectRef idx="0"/>
+    <cs:fontRef idx="minor">
+      <a:schemeClr val="tx1">
+        <a:lumMod val="65000"/>
+        <a:lumOff val="35000"/>
+      </a:schemeClr>
+    </cs:fontRef>
+    <cs:spPr>
+      <a:ln w="9525" cap="flat" cmpd="sng" algn="ctr">
+        <a:solidFill>
+          <a:schemeClr val="tx1">
+            <a:lumMod val="15000"/>
+            <a:lumOff val="85000"/>
+          </a:schemeClr>
+        </a:solidFill>
+        <a:round/>
+      </a:ln>
+    </cs:spPr>
+    <cs:defRPr sz="1197" kern="1200"/>
+  </cs:categoryAxis>
+  <cs:chartArea mods="allowNoFillOverride allowNoLineOverride">
+    <cs:lnRef idx="0"/>
+    <cs:fillRef idx="0"/>
+    <cs:effectRef idx="0"/>
+    <cs:fontRef idx="minor">
+      <a:schemeClr val="tx1"/>
+    </cs:fontRef>
+    <cs:spPr>
+      <a:solidFill>
+        <a:schemeClr val="bg1"/>
+      </a:solidFill>
+      <a:ln w="9525" cap="flat" cmpd="sng" algn="ctr">
+        <a:solidFill>
+          <a:schemeClr val="tx1">
+            <a:lumMod val="15000"/>
+            <a:lumOff val="85000"/>
+          </a:schemeClr>
+        </a:solidFill>
+        <a:round/>
+      </a:ln>
+    </cs:spPr>
+    <cs:defRPr sz="1330" kern="1200"/>
+  </cs:chartArea>
+  <cs:dataLabel>
+    <cs:lnRef idx="0"/>
+    <cs:fillRef idx="0"/>
+    <cs:effectRef idx="0"/>
+    <cs:fontRef idx="minor">
+      <a:schemeClr val="tx1">
+        <a:lumMod val="75000"/>
+        <a:lumOff val="25000"/>
+      </a:schemeClr>
+    </cs:fontRef>
+    <cs:defRPr sz="1197" kern="1200"/>
+  </cs:dataLabel>
+  <cs:dataLabelCallout>
+    <cs:lnRef idx="0"/>
+    <cs:fillRef idx="0"/>
+    <cs:effectRef idx="0"/>
+    <cs:fontRef idx="minor">
+      <a:schemeClr val="dk1">
+        <a:lumMod val="65000"/>
+        <a:lumOff val="35000"/>
+      </a:schemeClr>
+    </cs:fontRef>
+    <cs:spPr>
+      <a:solidFill>
+        <a:schemeClr val="lt1"/>
+      </a:solidFill>
+      <a:ln>
+        <a:solidFill>
+          <a:schemeClr val="dk1">
+            <a:lumMod val="25000"/>
+            <a:lumOff val="75000"/>
+          </a:schemeClr>
+        </a:solidFill>
+      </a:ln>
+    </cs:spPr>
+    <cs:defRPr sz="1197" kern="1200"/>
+    <cs:bodyPr rot="0" spcFirstLastPara="1" vertOverflow="clip" horzOverflow="clip" vert="horz" wrap="square" lIns="36576" tIns="18288" rIns="36576" bIns="18288" anchor="ctr" anchorCtr="1">
+      <a:spAutoFit/>
+    </cs:bodyPr>
+  </cs:dataLabelCallout>
+  <cs:dataPoint>
+    <cs:lnRef idx="0"/>
+    <cs:fillRef idx="1">
+      <cs:styleClr val="auto"/>
+    </cs:fillRef>
+    <cs:effectRef idx="0"/>
+    <cs:fontRef idx="minor">
+      <a:schemeClr val="tx1"/>
+    </cs:fontRef>
+  </cs:dataPoint>
+  <cs:dataPoint3D>
+    <cs:lnRef idx="0"/>
+    <cs:fillRef idx="1">
+      <cs:styleClr val="auto"/>
+    </cs:fillRef>
+    <cs:effectRef idx="0"/>
+    <cs:fontRef idx="minor">
+      <a:schemeClr val="tx1"/>
+    </cs:fontRef>
+  </cs:dataPoint3D>
+  <cs:dataPointLine>
+    <cs:lnRef idx="0">
+      <cs:styleClr val="auto"/>
+    </cs:lnRef>
+    <cs:fillRef idx="1"/>
+    <cs:effectRef idx="0"/>
+    <cs:fontRef idx="minor">
+      <a:schemeClr val="tx1"/>
+    </cs:fontRef>
+    <cs:spPr>
+      <a:ln w="28575" cap="rnd">
+        <a:solidFill>
+          <a:schemeClr val="phClr"/>
+        </a:solidFill>
+        <a:round/>
+      </a:ln>
+    </cs:spPr>
+  </cs:dataPointLine>
+  <cs:dataPointMarker>
+    <cs:lnRef idx="0">
+      <cs:styleClr val="auto"/>
+    </cs:lnRef>
+    <cs:fillRef idx="1">
+      <cs:styleClr val="auto"/>
+    </cs:fillRef>
+    <cs:effectRef idx="0"/>
+    <cs:fontRef idx="minor">
+      <a:schemeClr val="tx1"/>
+    </cs:fontRef>
+    <cs:spPr>
+      <a:ln w="9525">
+        <a:solidFill>
+          <a:schemeClr val="phClr"/>
+        </a:solidFill>
+      </a:ln>
+    </cs:spPr>
+  </cs:dataPointMarker>
+  <cs:dataPointMarkerLayout symbol="circle" size="5"/>
+  <cs:dataPointWireframe>
+    <cs:lnRef idx="0">
+      <cs:styleClr val="auto"/>
+    </cs:lnRef>
+    <cs:fillRef idx="1"/>
+    <cs:effectRef idx="0"/>
+    <cs:fontRef idx="minor">
+      <a:schemeClr val="tx1"/>
+    </cs:fontRef>
+    <cs:spPr>
+      <a:ln w="9525" cap="rnd">
+        <a:solidFill>
+          <a:schemeClr val="phClr"/>
+        </a:solidFill>
+        <a:round/>
+      </a:ln>
+    </cs:spPr>
+  </cs:dataPointWireframe>
+  <cs:dataTable>
+    <cs:lnRef idx="0"/>
+    <cs:fillRef idx="0"/>
+    <cs:effectRef idx="0"/>
+    <cs:fontRef idx="minor">
+      <a:schemeClr val="tx1">
+        <a:lumMod val="65000"/>
+        <a:lumOff val="35000"/>
+      </a:schemeClr>
+    </cs:fontRef>
+    <cs:spPr>
+      <a:noFill/>
+      <a:ln w="9525" cap="flat" cmpd="sng" algn="ctr">
+        <a:solidFill>
+          <a:schemeClr val="tx1">
+            <a:lumMod val="15000"/>
+            <a:lumOff val="85000"/>
+          </a:schemeClr>
+        </a:solidFill>
+        <a:round/>
+      </a:ln>
+    </cs:spPr>
+    <cs:defRPr sz="1197" kern="1200"/>
+  </cs:dataTable>
+  <cs:downBar>
+    <cs:lnRef idx="0"/>
+    <cs:fillRef idx="0"/>
+    <cs:effectRef idx="0"/>
+    <cs:fontRef idx="minor">
+      <a:schemeClr val="dk1"/>
+    </cs:fontRef>
+    <cs:spPr>
+      <a:solidFill>
+        <a:schemeClr val="dk1">
+          <a:lumMod val="65000"/>
+          <a:lumOff val="35000"/>
+        </a:schemeClr>
+      </a:solidFill>
+      <a:ln w="9525">
+        <a:solidFill>
+          <a:schemeClr val="tx1">
+            <a:lumMod val="65000"/>
+            <a:lumOff val="35000"/>
+          </a:schemeClr>
+        </a:solidFill>
+      </a:ln>
+    </cs:spPr>
+  </cs:downBar>
+  <cs:dropLine>
+    <cs:lnRef idx="0"/>
+    <cs:fillRef idx="0"/>
+    <cs:effectRef idx="0"/>
+    <cs:fontRef idx="minor">
+      <a:schemeClr val="tx1"/>
+    </cs:fontRef>
+    <cs:spPr>
+      <a:ln w="9525" cap="flat" cmpd="sng" algn="ctr">
+        <a:solidFill>
+          <a:schemeClr val="tx1">
+            <a:lumMod val="35000"/>
+            <a:lumOff val="65000"/>
+          </a:schemeClr>
+        </a:solidFill>
+        <a:round/>
+      </a:ln>
+    </cs:spPr>
+  </cs:dropLine>
+  <cs:errorBar>
+    <cs:lnRef idx="0"/>
+    <cs:fillRef idx="0"/>
+    <cs:effectRef idx="0"/>
+    <cs:fontRef idx="minor">
+      <a:schemeClr val="tx1"/>
+    </cs:fontRef>
+    <cs:spPr>
+      <a:ln w="9525" cap="flat" cmpd="sng" algn="ctr">
+        <a:solidFill>
+          <a:schemeClr val="tx1">
+            <a:lumMod val="65000"/>
+            <a:lumOff val="35000"/>
+          </a:schemeClr>
+        </a:solidFill>
+        <a:round/>
+      </a:ln>
+    </cs:spPr>
+  </cs:errorBar>
+  <cs:floor>
+    <cs:lnRef idx="0"/>
+    <cs:fillRef idx="0"/>
+    <cs:effectRef idx="0"/>
+    <cs:fontRef idx="minor">
+      <a:schemeClr val="tx1"/>
+    </cs:fontRef>
+    <cs:spPr>
+      <a:noFill/>
+      <a:ln>
+        <a:noFill/>
+      </a:ln>
+    </cs:spPr>
+  </cs:floor>
+  <cs:gridlineMajor>
+    <cs:lnRef idx="0"/>
+    <cs:fillRef idx="0"/>
+    <cs:effectRef idx="0"/>
+    <cs:fontRef idx="minor">
+      <a:schemeClr val="tx1"/>
+    </cs:fontRef>
+    <cs:spPr>
+      <a:ln w="9525" cap="flat" cmpd="sng" algn="ctr">
+        <a:solidFill>
+          <a:schemeClr val="tx1">
+            <a:lumMod val="15000"/>
+            <a:lumOff val="85000"/>
+          </a:schemeClr>
+        </a:solidFill>
+        <a:round/>
+      </a:ln>
+    </cs:spPr>
+  </cs:gridlineMajor>
+  <cs:gridlineMinor>
+    <cs:lnRef idx="0"/>
+    <cs:fillRef idx="0"/>
+    <cs:effectRef idx="0"/>
+    <cs:fontRef idx="minor">
+      <a:schemeClr val="tx1"/>
+    </cs:fontRef>
+    <cs:spPr>
+      <a:ln w="9525" cap="flat" cmpd="sng" algn="ctr">
+        <a:solidFill>
+          <a:schemeClr val="tx1">
+            <a:lumMod val="5000"/>
+            <a:lumOff val="95000"/>
+          </a:schemeClr>
+        </a:solidFill>
+        <a:round/>
+      </a:ln>
+    </cs:spPr>
+  </cs:gridlineMinor>
+  <cs:hiLoLine>
+    <cs:lnRef idx="0"/>
+    <cs:fillRef idx="0"/>
+    <cs:effectRef idx="0"/>
+    <cs:fontRef idx="minor">
+      <a:schemeClr val="tx1"/>
+    </cs:fontRef>
+    <cs:spPr>
+      <a:ln w="9525" cap="flat" cmpd="sng" algn="ctr">
+        <a:solidFill>
+          <a:schemeClr val="tx1">
+            <a:lumMod val="75000"/>
+            <a:lumOff val="25000"/>
+          </a:schemeClr>
+        </a:solidFill>
+        <a:round/>
+      </a:ln>
+    </cs:spPr>
+  </cs:hiLoLine>
+  <cs:leaderLine>
+    <cs:lnRef idx="0"/>
+    <cs:fillRef idx="0"/>
+    <cs:effectRef idx="0"/>
+    <cs:fontRef idx="minor">
+      <a:schemeClr val="tx1"/>
+    </cs:fontRef>
+    <cs:spPr>
+      <a:ln w="9525" cap="flat" cmpd="sng" algn="ctr">
+        <a:solidFill>
+          <a:schemeClr val="tx1">
+            <a:lumMod val="35000"/>
+            <a:lumOff val="65000"/>
+          </a:schemeClr>
+        </a:solidFill>
+        <a:round/>
+      </a:ln>
+    </cs:spPr>
+  </cs:leaderLine>
+  <cs:legend>
+    <cs:lnRef idx="0"/>
+    <cs:fillRef idx="0"/>
+    <cs:effectRef idx="0"/>
+    <cs:fontRef idx="minor">
+      <a:schemeClr val="tx1">
+        <a:lumMod val="65000"/>
+        <a:lumOff val="35000"/>
+      </a:schemeClr>
+    </cs:fontRef>
+    <cs:defRPr sz="1197" kern="1200"/>
+  </cs:legend>
+  <cs:plotArea mods="allowNoFillOverride allowNoLineOverride">
+    <cs:lnRef idx="0"/>
+    <cs:fillRef idx="0"/>
+    <cs:effectRef idx="0"/>
+    <cs:fontRef idx="minor">
+      <a:schemeClr val="tx1"/>
+    </cs:fontRef>
+  </cs:plotArea>
+  <cs:plotArea3D mods="allowNoFillOverride allowNoLineOverride">
+    <cs:lnRef idx="0"/>
+    <cs:fillRef idx="0"/>
+    <cs:effectRef idx="0"/>
+    <cs:fontRef idx="minor">
+      <a:schemeClr val="tx1"/>
+    </cs:fontRef>
+  </cs:plotArea3D>
+  <cs:seriesAxis>
+    <cs:lnRef idx="0"/>
+    <cs:fillRef idx="0"/>
+    <cs:effectRef idx="0"/>
+    <cs:fontRef idx="minor">
+      <a:schemeClr val="tx1">
+        <a:lumMod val="65000"/>
+        <a:lumOff val="35000"/>
+      </a:schemeClr>
+    </cs:fontRef>
+    <cs:defRPr sz="1197" kern="1200"/>
+  </cs:seriesAxis>
+  <cs:seriesLine>
+    <cs:lnRef idx="0"/>
+    <cs:fillRef idx="0"/>
+    <cs:effectRef idx="0"/>
+    <cs:fontRef idx="minor">
+      <a:schemeClr val="tx1"/>
+    </cs:fontRef>
+    <cs:spPr>
+      <a:ln w="9525" cap="flat" cmpd="sng" algn="ctr">
+        <a:solidFill>
+          <a:schemeClr val="tx1">
+            <a:lumMod val="35000"/>
+            <a:lumOff val="65000"/>
+          </a:schemeClr>
+        </a:solidFill>
+        <a:round/>
+      </a:ln>
+    </cs:spPr>
+  </cs:seriesLine>
+  <cs:title>
+    <cs:lnRef idx="0"/>
+    <cs:fillRef idx="0"/>
+    <cs:effectRef idx="0"/>
+    <cs:fontRef idx="minor">
+      <a:schemeClr val="tx1">
+        <a:lumMod val="65000"/>
+        <a:lumOff val="35000"/>
+      </a:schemeClr>
+    </cs:fontRef>
+    <cs:defRPr sz="1862" b="0" kern="1200" spc="0" baseline="0"/>
+  </cs:title>
+  <cs:trendline>
+    <cs:lnRef idx="0">
+      <cs:styleClr val="auto"/>
+    </cs:lnRef>
+    <cs:fillRef idx="0"/>
+    <cs:effectRef idx="0"/>
+    <cs:fontRef idx="minor">
+      <a:schemeClr val="tx1"/>
+    </cs:fontRef>
+    <cs:spPr>
+      <a:ln w="19050" cap="rnd">
+        <a:solidFill>
+          <a:schemeClr val="phClr"/>
+        </a:solidFill>
+        <a:prstDash val="sysDot"/>
+      </a:ln>
+    </cs:spPr>
+  </cs:trendline>
+  <cs:trendlineLabel>
+    <cs:lnRef idx="0"/>
+    <cs:fillRef idx="0"/>
+    <cs:effectRef idx="0"/>
+    <cs:fontRef idx="minor">
+      <a:schemeClr val="tx1">
+        <a:lumMod val="65000"/>
+        <a:lumOff val="35000"/>
+      </a:schemeClr>
+    </cs:fontRef>
+    <cs:defRPr sz="1197" kern="1200"/>
+  </cs:trendlineLabel>
+  <cs:upBar>
+    <cs:lnRef idx="0"/>
+    <cs:fillRef idx="0"/>
+    <cs:effectRef idx="0"/>
+    <cs:fontRef idx="minor">
+      <a:schemeClr val="dk1"/>
+    </cs:fontRef>
+    <cs:spPr>
+      <a:solidFill>
+        <a:schemeClr val="lt1"/>
+      </a:solidFill>
+      <a:ln w="9525">
+        <a:solidFill>
+          <a:schemeClr val="tx1">
+            <a:lumMod val="15000"/>
+            <a:lumOff val="85000"/>
+          </a:schemeClr>
+        </a:solidFill>
+      </a:ln>
+    </cs:spPr>
+  </cs:upBar>
+  <cs:valueAxis>
+    <cs:lnRef idx="0"/>
+    <cs:fillRef idx="0"/>
+    <cs:effectRef idx="0"/>
+    <cs:fontRef idx="minor">
+      <a:schemeClr val="tx1">
+        <a:lumMod val="65000"/>
+        <a:lumOff val="35000"/>
+      </a:schemeClr>
+    </cs:fontRef>
+    <cs:defRPr sz="1197" kern="1200"/>
+  </cs:valueAxis>
+  <cs:wall>
+    <cs:lnRef idx="0"/>
+    <cs:fillRef idx="0"/>
+    <cs:effectRef idx="0"/>
+    <cs:fontRef idx="minor">
+      <a:schemeClr val="tx1"/>
+    </cs:fontRef>
+    <cs:spPr>
+      <a:noFill/>
+      <a:ln>
+        <a:noFill/>
+      </a:ln>
+    </cs:spPr>
+  </cs:wall>
+</cs:chartStyle>
+</file>
+
+<file path=ppt/charts/style150.xml><?xml version="1.0" encoding="utf-8"?>
 <cs:chartStyle xmlns:cs="http://schemas.microsoft.com/office/drawing/2012/chartStyle" xmlns:a="http://schemas.openxmlformats.org/drawingml/2006/main" id="406">
   <cs:axisTitle>
     <cs:lnRef idx="0"/>
@@ -16640,8 +18676,8 @@
 </cs:chartStyle>
 </file>
 
-<file path=ppt/charts/style17.xml><?xml version="1.0" encoding="utf-8"?>
-<cs:chartStyle xmlns:cs="http://schemas.microsoft.com/office/drawing/2012/chartStyle" xmlns:a="http://schemas.openxmlformats.org/drawingml/2006/main" id="201">
+<file path=ppt/charts/style2.xml><?xml version="1.0" encoding="utf-8"?>
+<cs:chartStyle xmlns:cs="http://schemas.microsoft.com/office/drawing/2012/chartStyle" xmlns:a="http://schemas.openxmlformats.org/drawingml/2006/main" id="332">
   <cs:axisTitle>
     <cs:lnRef idx="0"/>
     <cs:fillRef idx="0"/>
@@ -17143,1013 +19179,7 @@
 </cs:chartStyle>
 </file>
 
-<file path=ppt/charts/style18.xml><?xml version="1.0" encoding="utf-8"?>
-<cs:chartStyle xmlns:cs="http://schemas.microsoft.com/office/drawing/2012/chartStyle" xmlns:a="http://schemas.openxmlformats.org/drawingml/2006/main" id="201">
-  <cs:axisTitle>
-    <cs:lnRef idx="0"/>
-    <cs:fillRef idx="0"/>
-    <cs:effectRef idx="0"/>
-    <cs:fontRef idx="minor">
-      <a:schemeClr val="tx1">
-        <a:lumMod val="65000"/>
-        <a:lumOff val="35000"/>
-      </a:schemeClr>
-    </cs:fontRef>
-    <cs:defRPr sz="1330" kern="1200"/>
-  </cs:axisTitle>
-  <cs:categoryAxis>
-    <cs:lnRef idx="0"/>
-    <cs:fillRef idx="0"/>
-    <cs:effectRef idx="0"/>
-    <cs:fontRef idx="minor">
-      <a:schemeClr val="tx1">
-        <a:lumMod val="65000"/>
-        <a:lumOff val="35000"/>
-      </a:schemeClr>
-    </cs:fontRef>
-    <cs:spPr>
-      <a:ln w="9525" cap="flat" cmpd="sng" algn="ctr">
-        <a:solidFill>
-          <a:schemeClr val="tx1">
-            <a:lumMod val="15000"/>
-            <a:lumOff val="85000"/>
-          </a:schemeClr>
-        </a:solidFill>
-        <a:round/>
-      </a:ln>
-    </cs:spPr>
-    <cs:defRPr sz="1197" kern="1200"/>
-  </cs:categoryAxis>
-  <cs:chartArea mods="allowNoFillOverride allowNoLineOverride">
-    <cs:lnRef idx="0"/>
-    <cs:fillRef idx="0"/>
-    <cs:effectRef idx="0"/>
-    <cs:fontRef idx="minor">
-      <a:schemeClr val="tx1"/>
-    </cs:fontRef>
-    <cs:spPr>
-      <a:solidFill>
-        <a:schemeClr val="bg1"/>
-      </a:solidFill>
-      <a:ln w="9525" cap="flat" cmpd="sng" algn="ctr">
-        <a:solidFill>
-          <a:schemeClr val="tx1">
-            <a:lumMod val="15000"/>
-            <a:lumOff val="85000"/>
-          </a:schemeClr>
-        </a:solidFill>
-        <a:round/>
-      </a:ln>
-    </cs:spPr>
-    <cs:defRPr sz="1330" kern="1200"/>
-  </cs:chartArea>
-  <cs:dataLabel>
-    <cs:lnRef idx="0"/>
-    <cs:fillRef idx="0"/>
-    <cs:effectRef idx="0"/>
-    <cs:fontRef idx="minor">
-      <a:schemeClr val="tx1">
-        <a:lumMod val="75000"/>
-        <a:lumOff val="25000"/>
-      </a:schemeClr>
-    </cs:fontRef>
-    <cs:defRPr sz="1197" kern="1200"/>
-  </cs:dataLabel>
-  <cs:dataLabelCallout>
-    <cs:lnRef idx="0"/>
-    <cs:fillRef idx="0"/>
-    <cs:effectRef idx="0"/>
-    <cs:fontRef idx="minor">
-      <a:schemeClr val="dk1">
-        <a:lumMod val="65000"/>
-        <a:lumOff val="35000"/>
-      </a:schemeClr>
-    </cs:fontRef>
-    <cs:spPr>
-      <a:solidFill>
-        <a:schemeClr val="lt1"/>
-      </a:solidFill>
-      <a:ln>
-        <a:solidFill>
-          <a:schemeClr val="dk1">
-            <a:lumMod val="25000"/>
-            <a:lumOff val="75000"/>
-          </a:schemeClr>
-        </a:solidFill>
-      </a:ln>
-    </cs:spPr>
-    <cs:defRPr sz="1197" kern="1200"/>
-    <cs:bodyPr rot="0" spcFirstLastPara="1" vertOverflow="clip" horzOverflow="clip" vert="horz" wrap="square" lIns="36576" tIns="18288" rIns="36576" bIns="18288" anchor="ctr" anchorCtr="1">
-      <a:spAutoFit/>
-    </cs:bodyPr>
-  </cs:dataLabelCallout>
-  <cs:dataPoint>
-    <cs:lnRef idx="0"/>
-    <cs:fillRef idx="1">
-      <cs:styleClr val="auto"/>
-    </cs:fillRef>
-    <cs:effectRef idx="0"/>
-    <cs:fontRef idx="minor">
-      <a:schemeClr val="tx1"/>
-    </cs:fontRef>
-  </cs:dataPoint>
-  <cs:dataPoint3D>
-    <cs:lnRef idx="0"/>
-    <cs:fillRef idx="1">
-      <cs:styleClr val="auto"/>
-    </cs:fillRef>
-    <cs:effectRef idx="0"/>
-    <cs:fontRef idx="minor">
-      <a:schemeClr val="tx1"/>
-    </cs:fontRef>
-  </cs:dataPoint3D>
-  <cs:dataPointLine>
-    <cs:lnRef idx="0">
-      <cs:styleClr val="auto"/>
-    </cs:lnRef>
-    <cs:fillRef idx="1"/>
-    <cs:effectRef idx="0"/>
-    <cs:fontRef idx="minor">
-      <a:schemeClr val="tx1"/>
-    </cs:fontRef>
-    <cs:spPr>
-      <a:ln w="28575" cap="rnd">
-        <a:solidFill>
-          <a:schemeClr val="phClr"/>
-        </a:solidFill>
-        <a:round/>
-      </a:ln>
-    </cs:spPr>
-  </cs:dataPointLine>
-  <cs:dataPointMarker>
-    <cs:lnRef idx="0">
-      <cs:styleClr val="auto"/>
-    </cs:lnRef>
-    <cs:fillRef idx="1">
-      <cs:styleClr val="auto"/>
-    </cs:fillRef>
-    <cs:effectRef idx="0"/>
-    <cs:fontRef idx="minor">
-      <a:schemeClr val="tx1"/>
-    </cs:fontRef>
-    <cs:spPr>
-      <a:ln w="9525">
-        <a:solidFill>
-          <a:schemeClr val="phClr"/>
-        </a:solidFill>
-      </a:ln>
-    </cs:spPr>
-  </cs:dataPointMarker>
-  <cs:dataPointMarkerLayout symbol="circle" size="5"/>
-  <cs:dataPointWireframe>
-    <cs:lnRef idx="0">
-      <cs:styleClr val="auto"/>
-    </cs:lnRef>
-    <cs:fillRef idx="1"/>
-    <cs:effectRef idx="0"/>
-    <cs:fontRef idx="minor">
-      <a:schemeClr val="tx1"/>
-    </cs:fontRef>
-    <cs:spPr>
-      <a:ln w="9525" cap="rnd">
-        <a:solidFill>
-          <a:schemeClr val="phClr"/>
-        </a:solidFill>
-        <a:round/>
-      </a:ln>
-    </cs:spPr>
-  </cs:dataPointWireframe>
-  <cs:dataTable>
-    <cs:lnRef idx="0"/>
-    <cs:fillRef idx="0"/>
-    <cs:effectRef idx="0"/>
-    <cs:fontRef idx="minor">
-      <a:schemeClr val="tx1">
-        <a:lumMod val="65000"/>
-        <a:lumOff val="35000"/>
-      </a:schemeClr>
-    </cs:fontRef>
-    <cs:spPr>
-      <a:noFill/>
-      <a:ln w="9525" cap="flat" cmpd="sng" algn="ctr">
-        <a:solidFill>
-          <a:schemeClr val="tx1">
-            <a:lumMod val="15000"/>
-            <a:lumOff val="85000"/>
-          </a:schemeClr>
-        </a:solidFill>
-        <a:round/>
-      </a:ln>
-    </cs:spPr>
-    <cs:defRPr sz="1197" kern="1200"/>
-  </cs:dataTable>
-  <cs:downBar>
-    <cs:lnRef idx="0"/>
-    <cs:fillRef idx="0"/>
-    <cs:effectRef idx="0"/>
-    <cs:fontRef idx="minor">
-      <a:schemeClr val="dk1"/>
-    </cs:fontRef>
-    <cs:spPr>
-      <a:solidFill>
-        <a:schemeClr val="dk1">
-          <a:lumMod val="65000"/>
-          <a:lumOff val="35000"/>
-        </a:schemeClr>
-      </a:solidFill>
-      <a:ln w="9525">
-        <a:solidFill>
-          <a:schemeClr val="tx1">
-            <a:lumMod val="65000"/>
-            <a:lumOff val="35000"/>
-          </a:schemeClr>
-        </a:solidFill>
-      </a:ln>
-    </cs:spPr>
-  </cs:downBar>
-  <cs:dropLine>
-    <cs:lnRef idx="0"/>
-    <cs:fillRef idx="0"/>
-    <cs:effectRef idx="0"/>
-    <cs:fontRef idx="minor">
-      <a:schemeClr val="tx1"/>
-    </cs:fontRef>
-    <cs:spPr>
-      <a:ln w="9525" cap="flat" cmpd="sng" algn="ctr">
-        <a:solidFill>
-          <a:schemeClr val="tx1">
-            <a:lumMod val="35000"/>
-            <a:lumOff val="65000"/>
-          </a:schemeClr>
-        </a:solidFill>
-        <a:round/>
-      </a:ln>
-    </cs:spPr>
-  </cs:dropLine>
-  <cs:errorBar>
-    <cs:lnRef idx="0"/>
-    <cs:fillRef idx="0"/>
-    <cs:effectRef idx="0"/>
-    <cs:fontRef idx="minor">
-      <a:schemeClr val="tx1"/>
-    </cs:fontRef>
-    <cs:spPr>
-      <a:ln w="9525" cap="flat" cmpd="sng" algn="ctr">
-        <a:solidFill>
-          <a:schemeClr val="tx1">
-            <a:lumMod val="65000"/>
-            <a:lumOff val="35000"/>
-          </a:schemeClr>
-        </a:solidFill>
-        <a:round/>
-      </a:ln>
-    </cs:spPr>
-  </cs:errorBar>
-  <cs:floor>
-    <cs:lnRef idx="0"/>
-    <cs:fillRef idx="0"/>
-    <cs:effectRef idx="0"/>
-    <cs:fontRef idx="minor">
-      <a:schemeClr val="tx1"/>
-    </cs:fontRef>
-    <cs:spPr>
-      <a:noFill/>
-      <a:ln>
-        <a:noFill/>
-      </a:ln>
-    </cs:spPr>
-  </cs:floor>
-  <cs:gridlineMajor>
-    <cs:lnRef idx="0"/>
-    <cs:fillRef idx="0"/>
-    <cs:effectRef idx="0"/>
-    <cs:fontRef idx="minor">
-      <a:schemeClr val="tx1"/>
-    </cs:fontRef>
-    <cs:spPr>
-      <a:ln w="9525" cap="flat" cmpd="sng" algn="ctr">
-        <a:solidFill>
-          <a:schemeClr val="tx1">
-            <a:lumMod val="15000"/>
-            <a:lumOff val="85000"/>
-          </a:schemeClr>
-        </a:solidFill>
-        <a:round/>
-      </a:ln>
-    </cs:spPr>
-  </cs:gridlineMajor>
-  <cs:gridlineMinor>
-    <cs:lnRef idx="0"/>
-    <cs:fillRef idx="0"/>
-    <cs:effectRef idx="0"/>
-    <cs:fontRef idx="minor">
-      <a:schemeClr val="tx1"/>
-    </cs:fontRef>
-    <cs:spPr>
-      <a:ln w="9525" cap="flat" cmpd="sng" algn="ctr">
-        <a:solidFill>
-          <a:schemeClr val="tx1">
-            <a:lumMod val="5000"/>
-            <a:lumOff val="95000"/>
-          </a:schemeClr>
-        </a:solidFill>
-        <a:round/>
-      </a:ln>
-    </cs:spPr>
-  </cs:gridlineMinor>
-  <cs:hiLoLine>
-    <cs:lnRef idx="0"/>
-    <cs:fillRef idx="0"/>
-    <cs:effectRef idx="0"/>
-    <cs:fontRef idx="minor">
-      <a:schemeClr val="tx1"/>
-    </cs:fontRef>
-    <cs:spPr>
-      <a:ln w="9525" cap="flat" cmpd="sng" algn="ctr">
-        <a:solidFill>
-          <a:schemeClr val="tx1">
-            <a:lumMod val="75000"/>
-            <a:lumOff val="25000"/>
-          </a:schemeClr>
-        </a:solidFill>
-        <a:round/>
-      </a:ln>
-    </cs:spPr>
-  </cs:hiLoLine>
-  <cs:leaderLine>
-    <cs:lnRef idx="0"/>
-    <cs:fillRef idx="0"/>
-    <cs:effectRef idx="0"/>
-    <cs:fontRef idx="minor">
-      <a:schemeClr val="tx1"/>
-    </cs:fontRef>
-    <cs:spPr>
-      <a:ln w="9525" cap="flat" cmpd="sng" algn="ctr">
-        <a:solidFill>
-          <a:schemeClr val="tx1">
-            <a:lumMod val="35000"/>
-            <a:lumOff val="65000"/>
-          </a:schemeClr>
-        </a:solidFill>
-        <a:round/>
-      </a:ln>
-    </cs:spPr>
-  </cs:leaderLine>
-  <cs:legend>
-    <cs:lnRef idx="0"/>
-    <cs:fillRef idx="0"/>
-    <cs:effectRef idx="0"/>
-    <cs:fontRef idx="minor">
-      <a:schemeClr val="tx1">
-        <a:lumMod val="65000"/>
-        <a:lumOff val="35000"/>
-      </a:schemeClr>
-    </cs:fontRef>
-    <cs:defRPr sz="1197" kern="1200"/>
-  </cs:legend>
-  <cs:plotArea mods="allowNoFillOverride allowNoLineOverride">
-    <cs:lnRef idx="0"/>
-    <cs:fillRef idx="0"/>
-    <cs:effectRef idx="0"/>
-    <cs:fontRef idx="minor">
-      <a:schemeClr val="tx1"/>
-    </cs:fontRef>
-  </cs:plotArea>
-  <cs:plotArea3D mods="allowNoFillOverride allowNoLineOverride">
-    <cs:lnRef idx="0"/>
-    <cs:fillRef idx="0"/>
-    <cs:effectRef idx="0"/>
-    <cs:fontRef idx="minor">
-      <a:schemeClr val="tx1"/>
-    </cs:fontRef>
-  </cs:plotArea3D>
-  <cs:seriesAxis>
-    <cs:lnRef idx="0"/>
-    <cs:fillRef idx="0"/>
-    <cs:effectRef idx="0"/>
-    <cs:fontRef idx="minor">
-      <a:schemeClr val="tx1">
-        <a:lumMod val="65000"/>
-        <a:lumOff val="35000"/>
-      </a:schemeClr>
-    </cs:fontRef>
-    <cs:defRPr sz="1197" kern="1200"/>
-  </cs:seriesAxis>
-  <cs:seriesLine>
-    <cs:lnRef idx="0"/>
-    <cs:fillRef idx="0"/>
-    <cs:effectRef idx="0"/>
-    <cs:fontRef idx="minor">
-      <a:schemeClr val="tx1"/>
-    </cs:fontRef>
-    <cs:spPr>
-      <a:ln w="9525" cap="flat" cmpd="sng" algn="ctr">
-        <a:solidFill>
-          <a:schemeClr val="tx1">
-            <a:lumMod val="35000"/>
-            <a:lumOff val="65000"/>
-          </a:schemeClr>
-        </a:solidFill>
-        <a:round/>
-      </a:ln>
-    </cs:spPr>
-  </cs:seriesLine>
-  <cs:title>
-    <cs:lnRef idx="0"/>
-    <cs:fillRef idx="0"/>
-    <cs:effectRef idx="0"/>
-    <cs:fontRef idx="minor">
-      <a:schemeClr val="tx1">
-        <a:lumMod val="65000"/>
-        <a:lumOff val="35000"/>
-      </a:schemeClr>
-    </cs:fontRef>
-    <cs:defRPr sz="1862" b="0" kern="1200" spc="0" baseline="0"/>
-  </cs:title>
-  <cs:trendline>
-    <cs:lnRef idx="0">
-      <cs:styleClr val="auto"/>
-    </cs:lnRef>
-    <cs:fillRef idx="0"/>
-    <cs:effectRef idx="0"/>
-    <cs:fontRef idx="minor">
-      <a:schemeClr val="tx1"/>
-    </cs:fontRef>
-    <cs:spPr>
-      <a:ln w="19050" cap="rnd">
-        <a:solidFill>
-          <a:schemeClr val="phClr"/>
-        </a:solidFill>
-        <a:prstDash val="sysDot"/>
-      </a:ln>
-    </cs:spPr>
-  </cs:trendline>
-  <cs:trendlineLabel>
-    <cs:lnRef idx="0"/>
-    <cs:fillRef idx="0"/>
-    <cs:effectRef idx="0"/>
-    <cs:fontRef idx="minor">
-      <a:schemeClr val="tx1">
-        <a:lumMod val="65000"/>
-        <a:lumOff val="35000"/>
-      </a:schemeClr>
-    </cs:fontRef>
-    <cs:defRPr sz="1197" kern="1200"/>
-  </cs:trendlineLabel>
-  <cs:upBar>
-    <cs:lnRef idx="0"/>
-    <cs:fillRef idx="0"/>
-    <cs:effectRef idx="0"/>
-    <cs:fontRef idx="minor">
-      <a:schemeClr val="dk1"/>
-    </cs:fontRef>
-    <cs:spPr>
-      <a:solidFill>
-        <a:schemeClr val="lt1"/>
-      </a:solidFill>
-      <a:ln w="9525">
-        <a:solidFill>
-          <a:schemeClr val="tx1">
-            <a:lumMod val="15000"/>
-            <a:lumOff val="85000"/>
-          </a:schemeClr>
-        </a:solidFill>
-      </a:ln>
-    </cs:spPr>
-  </cs:upBar>
-  <cs:valueAxis>
-    <cs:lnRef idx="0"/>
-    <cs:fillRef idx="0"/>
-    <cs:effectRef idx="0"/>
-    <cs:fontRef idx="minor">
-      <a:schemeClr val="tx1">
-        <a:lumMod val="65000"/>
-        <a:lumOff val="35000"/>
-      </a:schemeClr>
-    </cs:fontRef>
-    <cs:defRPr sz="1197" kern="1200"/>
-  </cs:valueAxis>
-  <cs:wall>
-    <cs:lnRef idx="0"/>
-    <cs:fillRef idx="0"/>
-    <cs:effectRef idx="0"/>
-    <cs:fontRef idx="minor">
-      <a:schemeClr val="tx1"/>
-    </cs:fontRef>
-    <cs:spPr>
-      <a:noFill/>
-      <a:ln>
-        <a:noFill/>
-      </a:ln>
-    </cs:spPr>
-  </cs:wall>
-</cs:chartStyle>
-</file>
-
-<file path=ppt/charts/style19.xml><?xml version="1.0" encoding="utf-8"?>
-<cs:chartStyle xmlns:cs="http://schemas.microsoft.com/office/drawing/2012/chartStyle" xmlns:a="http://schemas.openxmlformats.org/drawingml/2006/main" id="201">
-  <cs:axisTitle>
-    <cs:lnRef idx="0"/>
-    <cs:fillRef idx="0"/>
-    <cs:effectRef idx="0"/>
-    <cs:fontRef idx="minor">
-      <a:schemeClr val="tx1">
-        <a:lumMod val="65000"/>
-        <a:lumOff val="35000"/>
-      </a:schemeClr>
-    </cs:fontRef>
-    <cs:defRPr sz="1330" kern="1200"/>
-  </cs:axisTitle>
-  <cs:categoryAxis>
-    <cs:lnRef idx="0"/>
-    <cs:fillRef idx="0"/>
-    <cs:effectRef idx="0"/>
-    <cs:fontRef idx="minor">
-      <a:schemeClr val="tx1">
-        <a:lumMod val="65000"/>
-        <a:lumOff val="35000"/>
-      </a:schemeClr>
-    </cs:fontRef>
-    <cs:spPr>
-      <a:ln w="9525" cap="flat" cmpd="sng" algn="ctr">
-        <a:solidFill>
-          <a:schemeClr val="tx1">
-            <a:lumMod val="15000"/>
-            <a:lumOff val="85000"/>
-          </a:schemeClr>
-        </a:solidFill>
-        <a:round/>
-      </a:ln>
-    </cs:spPr>
-    <cs:defRPr sz="1197" kern="1200"/>
-  </cs:categoryAxis>
-  <cs:chartArea mods="allowNoFillOverride allowNoLineOverride">
-    <cs:lnRef idx="0"/>
-    <cs:fillRef idx="0"/>
-    <cs:effectRef idx="0"/>
-    <cs:fontRef idx="minor">
-      <a:schemeClr val="tx1"/>
-    </cs:fontRef>
-    <cs:spPr>
-      <a:solidFill>
-        <a:schemeClr val="bg1"/>
-      </a:solidFill>
-      <a:ln w="9525" cap="flat" cmpd="sng" algn="ctr">
-        <a:solidFill>
-          <a:schemeClr val="tx1">
-            <a:lumMod val="15000"/>
-            <a:lumOff val="85000"/>
-          </a:schemeClr>
-        </a:solidFill>
-        <a:round/>
-      </a:ln>
-    </cs:spPr>
-    <cs:defRPr sz="1330" kern="1200"/>
-  </cs:chartArea>
-  <cs:dataLabel>
-    <cs:lnRef idx="0"/>
-    <cs:fillRef idx="0"/>
-    <cs:effectRef idx="0"/>
-    <cs:fontRef idx="minor">
-      <a:schemeClr val="tx1">
-        <a:lumMod val="75000"/>
-        <a:lumOff val="25000"/>
-      </a:schemeClr>
-    </cs:fontRef>
-    <cs:defRPr sz="1197" kern="1200"/>
-  </cs:dataLabel>
-  <cs:dataLabelCallout>
-    <cs:lnRef idx="0"/>
-    <cs:fillRef idx="0"/>
-    <cs:effectRef idx="0"/>
-    <cs:fontRef idx="minor">
-      <a:schemeClr val="dk1">
-        <a:lumMod val="65000"/>
-        <a:lumOff val="35000"/>
-      </a:schemeClr>
-    </cs:fontRef>
-    <cs:spPr>
-      <a:solidFill>
-        <a:schemeClr val="lt1"/>
-      </a:solidFill>
-      <a:ln>
-        <a:solidFill>
-          <a:schemeClr val="dk1">
-            <a:lumMod val="25000"/>
-            <a:lumOff val="75000"/>
-          </a:schemeClr>
-        </a:solidFill>
-      </a:ln>
-    </cs:spPr>
-    <cs:defRPr sz="1197" kern="1200"/>
-    <cs:bodyPr rot="0" spcFirstLastPara="1" vertOverflow="clip" horzOverflow="clip" vert="horz" wrap="square" lIns="36576" tIns="18288" rIns="36576" bIns="18288" anchor="ctr" anchorCtr="1">
-      <a:spAutoFit/>
-    </cs:bodyPr>
-  </cs:dataLabelCallout>
-  <cs:dataPoint>
-    <cs:lnRef idx="0"/>
-    <cs:fillRef idx="1">
-      <cs:styleClr val="auto"/>
-    </cs:fillRef>
-    <cs:effectRef idx="0"/>
-    <cs:fontRef idx="minor">
-      <a:schemeClr val="tx1"/>
-    </cs:fontRef>
-  </cs:dataPoint>
-  <cs:dataPoint3D>
-    <cs:lnRef idx="0"/>
-    <cs:fillRef idx="1">
-      <cs:styleClr val="auto"/>
-    </cs:fillRef>
-    <cs:effectRef idx="0"/>
-    <cs:fontRef idx="minor">
-      <a:schemeClr val="tx1"/>
-    </cs:fontRef>
-  </cs:dataPoint3D>
-  <cs:dataPointLine>
-    <cs:lnRef idx="0">
-      <cs:styleClr val="auto"/>
-    </cs:lnRef>
-    <cs:fillRef idx="1"/>
-    <cs:effectRef idx="0"/>
-    <cs:fontRef idx="minor">
-      <a:schemeClr val="tx1"/>
-    </cs:fontRef>
-    <cs:spPr>
-      <a:ln w="28575" cap="rnd">
-        <a:solidFill>
-          <a:schemeClr val="phClr"/>
-        </a:solidFill>
-        <a:round/>
-      </a:ln>
-    </cs:spPr>
-  </cs:dataPointLine>
-  <cs:dataPointMarker>
-    <cs:lnRef idx="0">
-      <cs:styleClr val="auto"/>
-    </cs:lnRef>
-    <cs:fillRef idx="1">
-      <cs:styleClr val="auto"/>
-    </cs:fillRef>
-    <cs:effectRef idx="0"/>
-    <cs:fontRef idx="minor">
-      <a:schemeClr val="tx1"/>
-    </cs:fontRef>
-    <cs:spPr>
-      <a:ln w="9525">
-        <a:solidFill>
-          <a:schemeClr val="phClr"/>
-        </a:solidFill>
-      </a:ln>
-    </cs:spPr>
-  </cs:dataPointMarker>
-  <cs:dataPointMarkerLayout symbol="circle" size="5"/>
-  <cs:dataPointWireframe>
-    <cs:lnRef idx="0">
-      <cs:styleClr val="auto"/>
-    </cs:lnRef>
-    <cs:fillRef idx="1"/>
-    <cs:effectRef idx="0"/>
-    <cs:fontRef idx="minor">
-      <a:schemeClr val="tx1"/>
-    </cs:fontRef>
-    <cs:spPr>
-      <a:ln w="9525" cap="rnd">
-        <a:solidFill>
-          <a:schemeClr val="phClr"/>
-        </a:solidFill>
-        <a:round/>
-      </a:ln>
-    </cs:spPr>
-  </cs:dataPointWireframe>
-  <cs:dataTable>
-    <cs:lnRef idx="0"/>
-    <cs:fillRef idx="0"/>
-    <cs:effectRef idx="0"/>
-    <cs:fontRef idx="minor">
-      <a:schemeClr val="tx1">
-        <a:lumMod val="65000"/>
-        <a:lumOff val="35000"/>
-      </a:schemeClr>
-    </cs:fontRef>
-    <cs:spPr>
-      <a:noFill/>
-      <a:ln w="9525" cap="flat" cmpd="sng" algn="ctr">
-        <a:solidFill>
-          <a:schemeClr val="tx1">
-            <a:lumMod val="15000"/>
-            <a:lumOff val="85000"/>
-          </a:schemeClr>
-        </a:solidFill>
-        <a:round/>
-      </a:ln>
-    </cs:spPr>
-    <cs:defRPr sz="1197" kern="1200"/>
-  </cs:dataTable>
-  <cs:downBar>
-    <cs:lnRef idx="0"/>
-    <cs:fillRef idx="0"/>
-    <cs:effectRef idx="0"/>
-    <cs:fontRef idx="minor">
-      <a:schemeClr val="dk1"/>
-    </cs:fontRef>
-    <cs:spPr>
-      <a:solidFill>
-        <a:schemeClr val="dk1">
-          <a:lumMod val="65000"/>
-          <a:lumOff val="35000"/>
-        </a:schemeClr>
-      </a:solidFill>
-      <a:ln w="9525">
-        <a:solidFill>
-          <a:schemeClr val="tx1">
-            <a:lumMod val="65000"/>
-            <a:lumOff val="35000"/>
-          </a:schemeClr>
-        </a:solidFill>
-      </a:ln>
-    </cs:spPr>
-  </cs:downBar>
-  <cs:dropLine>
-    <cs:lnRef idx="0"/>
-    <cs:fillRef idx="0"/>
-    <cs:effectRef idx="0"/>
-    <cs:fontRef idx="minor">
-      <a:schemeClr val="tx1"/>
-    </cs:fontRef>
-    <cs:spPr>
-      <a:ln w="9525" cap="flat" cmpd="sng" algn="ctr">
-        <a:solidFill>
-          <a:schemeClr val="tx1">
-            <a:lumMod val="35000"/>
-            <a:lumOff val="65000"/>
-          </a:schemeClr>
-        </a:solidFill>
-        <a:round/>
-      </a:ln>
-    </cs:spPr>
-  </cs:dropLine>
-  <cs:errorBar>
-    <cs:lnRef idx="0"/>
-    <cs:fillRef idx="0"/>
-    <cs:effectRef idx="0"/>
-    <cs:fontRef idx="minor">
-      <a:schemeClr val="tx1"/>
-    </cs:fontRef>
-    <cs:spPr>
-      <a:ln w="9525" cap="flat" cmpd="sng" algn="ctr">
-        <a:solidFill>
-          <a:schemeClr val="tx1">
-            <a:lumMod val="65000"/>
-            <a:lumOff val="35000"/>
-          </a:schemeClr>
-        </a:solidFill>
-        <a:round/>
-      </a:ln>
-    </cs:spPr>
-  </cs:errorBar>
-  <cs:floor>
-    <cs:lnRef idx="0"/>
-    <cs:fillRef idx="0"/>
-    <cs:effectRef idx="0"/>
-    <cs:fontRef idx="minor">
-      <a:schemeClr val="tx1"/>
-    </cs:fontRef>
-    <cs:spPr>
-      <a:noFill/>
-      <a:ln>
-        <a:noFill/>
-      </a:ln>
-    </cs:spPr>
-  </cs:floor>
-  <cs:gridlineMajor>
-    <cs:lnRef idx="0"/>
-    <cs:fillRef idx="0"/>
-    <cs:effectRef idx="0"/>
-    <cs:fontRef idx="minor">
-      <a:schemeClr val="tx1"/>
-    </cs:fontRef>
-    <cs:spPr>
-      <a:ln w="9525" cap="flat" cmpd="sng" algn="ctr">
-        <a:solidFill>
-          <a:schemeClr val="tx1">
-            <a:lumMod val="15000"/>
-            <a:lumOff val="85000"/>
-          </a:schemeClr>
-        </a:solidFill>
-        <a:round/>
-      </a:ln>
-    </cs:spPr>
-  </cs:gridlineMajor>
-  <cs:gridlineMinor>
-    <cs:lnRef idx="0"/>
-    <cs:fillRef idx="0"/>
-    <cs:effectRef idx="0"/>
-    <cs:fontRef idx="minor">
-      <a:schemeClr val="tx1"/>
-    </cs:fontRef>
-    <cs:spPr>
-      <a:ln w="9525" cap="flat" cmpd="sng" algn="ctr">
-        <a:solidFill>
-          <a:schemeClr val="tx1">
-            <a:lumMod val="5000"/>
-            <a:lumOff val="95000"/>
-          </a:schemeClr>
-        </a:solidFill>
-        <a:round/>
-      </a:ln>
-    </cs:spPr>
-  </cs:gridlineMinor>
-  <cs:hiLoLine>
-    <cs:lnRef idx="0"/>
-    <cs:fillRef idx="0"/>
-    <cs:effectRef idx="0"/>
-    <cs:fontRef idx="minor">
-      <a:schemeClr val="tx1"/>
-    </cs:fontRef>
-    <cs:spPr>
-      <a:ln w="9525" cap="flat" cmpd="sng" algn="ctr">
-        <a:solidFill>
-          <a:schemeClr val="tx1">
-            <a:lumMod val="75000"/>
-            <a:lumOff val="25000"/>
-          </a:schemeClr>
-        </a:solidFill>
-        <a:round/>
-      </a:ln>
-    </cs:spPr>
-  </cs:hiLoLine>
-  <cs:leaderLine>
-    <cs:lnRef idx="0"/>
-    <cs:fillRef idx="0"/>
-    <cs:effectRef idx="0"/>
-    <cs:fontRef idx="minor">
-      <a:schemeClr val="tx1"/>
-    </cs:fontRef>
-    <cs:spPr>
-      <a:ln w="9525" cap="flat" cmpd="sng" algn="ctr">
-        <a:solidFill>
-          <a:schemeClr val="tx1">
-            <a:lumMod val="35000"/>
-            <a:lumOff val="65000"/>
-          </a:schemeClr>
-        </a:solidFill>
-        <a:round/>
-      </a:ln>
-    </cs:spPr>
-  </cs:leaderLine>
-  <cs:legend>
-    <cs:lnRef idx="0"/>
-    <cs:fillRef idx="0"/>
-    <cs:effectRef idx="0"/>
-    <cs:fontRef idx="minor">
-      <a:schemeClr val="tx1">
-        <a:lumMod val="65000"/>
-        <a:lumOff val="35000"/>
-      </a:schemeClr>
-    </cs:fontRef>
-    <cs:defRPr sz="1197" kern="1200"/>
-  </cs:legend>
-  <cs:plotArea mods="allowNoFillOverride allowNoLineOverride">
-    <cs:lnRef idx="0"/>
-    <cs:fillRef idx="0"/>
-    <cs:effectRef idx="0"/>
-    <cs:fontRef idx="minor">
-      <a:schemeClr val="tx1"/>
-    </cs:fontRef>
-  </cs:plotArea>
-  <cs:plotArea3D mods="allowNoFillOverride allowNoLineOverride">
-    <cs:lnRef idx="0"/>
-    <cs:fillRef idx="0"/>
-    <cs:effectRef idx="0"/>
-    <cs:fontRef idx="minor">
-      <a:schemeClr val="tx1"/>
-    </cs:fontRef>
-  </cs:plotArea3D>
-  <cs:seriesAxis>
-    <cs:lnRef idx="0"/>
-    <cs:fillRef idx="0"/>
-    <cs:effectRef idx="0"/>
-    <cs:fontRef idx="minor">
-      <a:schemeClr val="tx1">
-        <a:lumMod val="65000"/>
-        <a:lumOff val="35000"/>
-      </a:schemeClr>
-    </cs:fontRef>
-    <cs:defRPr sz="1197" kern="1200"/>
-  </cs:seriesAxis>
-  <cs:seriesLine>
-    <cs:lnRef idx="0"/>
-    <cs:fillRef idx="0"/>
-    <cs:effectRef idx="0"/>
-    <cs:fontRef idx="minor">
-      <a:schemeClr val="tx1"/>
-    </cs:fontRef>
-    <cs:spPr>
-      <a:ln w="9525" cap="flat" cmpd="sng" algn="ctr">
-        <a:solidFill>
-          <a:schemeClr val="tx1">
-            <a:lumMod val="35000"/>
-            <a:lumOff val="65000"/>
-          </a:schemeClr>
-        </a:solidFill>
-        <a:round/>
-      </a:ln>
-    </cs:spPr>
-  </cs:seriesLine>
-  <cs:title>
-    <cs:lnRef idx="0"/>
-    <cs:fillRef idx="0"/>
-    <cs:effectRef idx="0"/>
-    <cs:fontRef idx="minor">
-      <a:schemeClr val="tx1">
-        <a:lumMod val="65000"/>
-        <a:lumOff val="35000"/>
-      </a:schemeClr>
-    </cs:fontRef>
-    <cs:defRPr sz="1862" b="0" kern="1200" spc="0" baseline="0"/>
-  </cs:title>
-  <cs:trendline>
-    <cs:lnRef idx="0">
-      <cs:styleClr val="auto"/>
-    </cs:lnRef>
-    <cs:fillRef idx="0"/>
-    <cs:effectRef idx="0"/>
-    <cs:fontRef idx="minor">
-      <a:schemeClr val="tx1"/>
-    </cs:fontRef>
-    <cs:spPr>
-      <a:ln w="19050" cap="rnd">
-        <a:solidFill>
-          <a:schemeClr val="phClr"/>
-        </a:solidFill>
-        <a:prstDash val="sysDot"/>
-      </a:ln>
-    </cs:spPr>
-  </cs:trendline>
-  <cs:trendlineLabel>
-    <cs:lnRef idx="0"/>
-    <cs:fillRef idx="0"/>
-    <cs:effectRef idx="0"/>
-    <cs:fontRef idx="minor">
-      <a:schemeClr val="tx1">
-        <a:lumMod val="65000"/>
-        <a:lumOff val="35000"/>
-      </a:schemeClr>
-    </cs:fontRef>
-    <cs:defRPr sz="1197" kern="1200"/>
-  </cs:trendlineLabel>
-  <cs:upBar>
-    <cs:lnRef idx="0"/>
-    <cs:fillRef idx="0"/>
-    <cs:effectRef idx="0"/>
-    <cs:fontRef idx="minor">
-      <a:schemeClr val="dk1"/>
-    </cs:fontRef>
-    <cs:spPr>
-      <a:solidFill>
-        <a:schemeClr val="lt1"/>
-      </a:solidFill>
-      <a:ln w="9525">
-        <a:solidFill>
-          <a:schemeClr val="tx1">
-            <a:lumMod val="15000"/>
-            <a:lumOff val="85000"/>
-          </a:schemeClr>
-        </a:solidFill>
-      </a:ln>
-    </cs:spPr>
-  </cs:upBar>
-  <cs:valueAxis>
-    <cs:lnRef idx="0"/>
-    <cs:fillRef idx="0"/>
-    <cs:effectRef idx="0"/>
-    <cs:fontRef idx="minor">
-      <a:schemeClr val="tx1">
-        <a:lumMod val="65000"/>
-        <a:lumOff val="35000"/>
-      </a:schemeClr>
-    </cs:fontRef>
-    <cs:defRPr sz="1197" kern="1200"/>
-  </cs:valueAxis>
-  <cs:wall>
-    <cs:lnRef idx="0"/>
-    <cs:fillRef idx="0"/>
-    <cs:effectRef idx="0"/>
-    <cs:fontRef idx="minor">
-      <a:schemeClr val="tx1"/>
-    </cs:fontRef>
-    <cs:spPr>
-      <a:noFill/>
-      <a:ln>
-        <a:noFill/>
-      </a:ln>
-    </cs:spPr>
-  </cs:wall>
-</cs:chartStyle>
-</file>
-
-<file path=ppt/charts/style2.xml><?xml version="1.0" encoding="utf-8"?>
+<file path=ppt/charts/style20.xml><?xml version="1.0" encoding="utf-8"?>
 <cs:chartStyle xmlns:cs="http://schemas.microsoft.com/office/drawing/2012/chartStyle" xmlns:a="http://schemas.openxmlformats.org/drawingml/2006/main" id="406">
   <cs:axisTitle>
     <cs:lnRef idx="0"/>
@@ -18635,8 +19665,8 @@
 </cs:chartStyle>
 </file>
 
-<file path=ppt/charts/style20.xml><?xml version="1.0" encoding="utf-8"?>
-<cs:chartStyle xmlns:cs="http://schemas.microsoft.com/office/drawing/2012/chartStyle" xmlns:a="http://schemas.openxmlformats.org/drawingml/2006/main" id="201">
+<file path=ppt/charts/style3.xml><?xml version="1.0" encoding="utf-8"?>
+<cs:chartStyle xmlns:cs="http://schemas.microsoft.com/office/drawing/2012/chartStyle" xmlns:a="http://schemas.openxmlformats.org/drawingml/2006/main" id="332">
   <cs:axisTitle>
     <cs:lnRef idx="0"/>
     <cs:fillRef idx="0"/>
@@ -19138,8 +20168,8 @@
 </cs:chartStyle>
 </file>
 
-<file path=ppt/charts/style21.xml><?xml version="1.0" encoding="utf-8"?>
-<cs:chartStyle xmlns:cs="http://schemas.microsoft.com/office/drawing/2012/chartStyle" xmlns:a="http://schemas.openxmlformats.org/drawingml/2006/main" id="201">
+<file path=ppt/charts/style4.xml><?xml version="1.0" encoding="utf-8"?>
+<cs:chartStyle xmlns:cs="http://schemas.microsoft.com/office/drawing/2012/chartStyle" xmlns:a="http://schemas.openxmlformats.org/drawingml/2006/main" id="332">
   <cs:axisTitle>
     <cs:lnRef idx="0"/>
     <cs:fillRef idx="0"/>
@@ -19641,7 +20671,7 @@
 </cs:chartStyle>
 </file>
 
-<file path=ppt/charts/style3.xml><?xml version="1.0" encoding="utf-8"?>
+<file path=ppt/charts/style5.xml><?xml version="1.0" encoding="utf-8"?>
 <cs:chartStyle xmlns:cs="http://schemas.microsoft.com/office/drawing/2012/chartStyle" xmlns:a="http://schemas.openxmlformats.org/drawingml/2006/main" id="332">
   <cs:axisTitle>
     <cs:lnRef idx="0"/>
@@ -20144,7 +21174,7 @@
 </cs:chartStyle>
 </file>
 
-<file path=ppt/charts/style4.xml><?xml version="1.0" encoding="utf-8"?>
+<file path=ppt/charts/style6.xml><?xml version="1.0" encoding="utf-8"?>
 <cs:chartStyle xmlns:cs="http://schemas.microsoft.com/office/drawing/2012/chartStyle" xmlns:a="http://schemas.openxmlformats.org/drawingml/2006/main" id="332">
   <cs:axisTitle>
     <cs:lnRef idx="0"/>
@@ -20647,7 +21677,7 @@
 </cs:chartStyle>
 </file>
 
-<file path=ppt/charts/style5.xml><?xml version="1.0" encoding="utf-8"?>
+<file path=ppt/charts/style7.xml><?xml version="1.0" encoding="utf-8"?>
 <cs:chartStyle xmlns:cs="http://schemas.microsoft.com/office/drawing/2012/chartStyle" xmlns:a="http://schemas.openxmlformats.org/drawingml/2006/main" id="332">
   <cs:axisTitle>
     <cs:lnRef idx="0"/>
@@ -21150,8 +22180,476 @@
 </cs:chartStyle>
 </file>
 
-<file path=ppt/charts/style6.xml><?xml version="1.0" encoding="utf-8"?>
-<cs:chartStyle xmlns:cs="http://schemas.microsoft.com/office/drawing/2012/chartStyle" xmlns:a="http://schemas.openxmlformats.org/drawingml/2006/main" id="332">
+<file path=ppt/charts/style8.xml><?xml version="1.0" encoding="utf-8"?>
+<cs:chartStyle xmlns:cs="http://schemas.microsoft.com/office/drawing/2012/chartStyle" xmlns:a="http://schemas.openxmlformats.org/drawingml/2006/main" id="255">
+  <cs:axisTitle>
+    <cs:lnRef idx="0"/>
+    <cs:fillRef idx="0"/>
+    <cs:effectRef idx="0"/>
+    <cs:fontRef idx="minor">
+      <a:schemeClr val="tx2"/>
+    </cs:fontRef>
+    <cs:defRPr sz="1197" b="1" kern="1200"/>
+  </cs:axisTitle>
+  <cs:categoryAxis>
+    <cs:lnRef idx="0"/>
+    <cs:fillRef idx="0"/>
+    <cs:effectRef idx="0"/>
+    <cs:fontRef idx="minor">
+      <a:schemeClr val="tx2"/>
+    </cs:fontRef>
+    <cs:spPr>
+      <a:ln w="9525" cap="flat" cmpd="sng" algn="ctr">
+        <a:solidFill>
+          <a:schemeClr val="tx2">
+            <a:lumMod val="15000"/>
+            <a:lumOff val="85000"/>
+          </a:schemeClr>
+        </a:solidFill>
+        <a:round/>
+      </a:ln>
+    </cs:spPr>
+    <cs:defRPr sz="1197" kern="1200"/>
+  </cs:categoryAxis>
+  <cs:chartArea mods="allowNoFillOverride allowNoLineOverride">
+    <cs:lnRef idx="0"/>
+    <cs:fillRef idx="0"/>
+    <cs:effectRef idx="0"/>
+    <cs:fontRef idx="minor">
+      <a:schemeClr val="tx2"/>
+    </cs:fontRef>
+    <cs:spPr>
+      <a:solidFill>
+        <a:schemeClr val="bg1"/>
+      </a:solidFill>
+      <a:ln w="9525" cap="flat" cmpd="sng" algn="ctr">
+        <a:solidFill>
+          <a:schemeClr val="tx2">
+            <a:lumMod val="15000"/>
+            <a:lumOff val="85000"/>
+          </a:schemeClr>
+        </a:solidFill>
+        <a:round/>
+      </a:ln>
+    </cs:spPr>
+    <cs:defRPr sz="1197" kern="1200"/>
+  </cs:chartArea>
+  <cs:dataLabel>
+    <cs:lnRef idx="0"/>
+    <cs:fillRef idx="0"/>
+    <cs:effectRef idx="0"/>
+    <cs:fontRef idx="minor">
+      <a:schemeClr val="tx2"/>
+    </cs:fontRef>
+    <cs:defRPr sz="1197" kern="1200"/>
+  </cs:dataLabel>
+  <cs:dataLabelCallout>
+    <cs:lnRef idx="0"/>
+    <cs:fillRef idx="0"/>
+    <cs:effectRef idx="0"/>
+    <cs:fontRef idx="minor">
+      <a:schemeClr val="dk2">
+        <a:lumMod val="75000"/>
+      </a:schemeClr>
+    </cs:fontRef>
+    <cs:spPr>
+      <a:solidFill>
+        <a:schemeClr val="lt1"/>
+      </a:solidFill>
+      <a:ln>
+        <a:solidFill>
+          <a:schemeClr val="dk1">
+            <a:lumMod val="25000"/>
+            <a:lumOff val="75000"/>
+          </a:schemeClr>
+        </a:solidFill>
+      </a:ln>
+    </cs:spPr>
+    <cs:defRPr sz="1197" kern="1200"/>
+    <cs:bodyPr rot="0" spcFirstLastPara="1" vertOverflow="clip" horzOverflow="clip" vert="horz" wrap="square" lIns="36576" tIns="18288" rIns="36576" bIns="18288" anchor="ctr" anchorCtr="1">
+      <a:spAutoFit/>
+    </cs:bodyPr>
+  </cs:dataLabelCallout>
+  <cs:dataPoint>
+    <cs:lnRef idx="0"/>
+    <cs:fillRef idx="3">
+      <cs:styleClr val="auto"/>
+    </cs:fillRef>
+    <cs:effectRef idx="2"/>
+    <cs:fontRef idx="minor">
+      <a:schemeClr val="tx2"/>
+    </cs:fontRef>
+  </cs:dataPoint>
+  <cs:dataPoint3D>
+    <cs:lnRef idx="0"/>
+    <cs:fillRef idx="3">
+      <cs:styleClr val="auto"/>
+    </cs:fillRef>
+    <cs:effectRef idx="2"/>
+    <cs:fontRef idx="minor">
+      <a:schemeClr val="tx2"/>
+    </cs:fontRef>
+  </cs:dataPoint3D>
+  <cs:dataPointLine>
+    <cs:lnRef idx="0">
+      <cs:styleClr val="auto"/>
+    </cs:lnRef>
+    <cs:fillRef idx="3"/>
+    <cs:effectRef idx="2"/>
+    <cs:fontRef idx="minor">
+      <a:schemeClr val="tx2"/>
+    </cs:fontRef>
+    <cs:spPr>
+      <a:ln w="31750" cap="rnd">
+        <a:solidFill>
+          <a:schemeClr val="phClr"/>
+        </a:solidFill>
+        <a:round/>
+      </a:ln>
+    </cs:spPr>
+  </cs:dataPointLine>
+  <cs:dataPointMarker>
+    <cs:lnRef idx="0"/>
+    <cs:fillRef idx="3">
+      <cs:styleClr val="auto"/>
+    </cs:fillRef>
+    <cs:effectRef idx="2"/>
+    <cs:fontRef idx="minor">
+      <a:schemeClr val="tx2"/>
+    </cs:fontRef>
+    <cs:spPr>
+      <a:ln w="12700">
+        <a:solidFill>
+          <a:schemeClr val="lt2"/>
+        </a:solidFill>
+        <a:round/>
+      </a:ln>
+    </cs:spPr>
+  </cs:dataPointMarker>
+  <cs:dataPointMarkerLayout symbol="circle" size="6"/>
+  <cs:dataPointWireframe>
+    <cs:lnRef idx="0">
+      <cs:styleClr val="auto"/>
+    </cs:lnRef>
+    <cs:fillRef idx="3"/>
+    <cs:effectRef idx="2"/>
+    <cs:fontRef idx="minor">
+      <a:schemeClr val="tx2"/>
+    </cs:fontRef>
+    <cs:spPr>
+      <a:ln w="9525" cap="rnd">
+        <a:solidFill>
+          <a:schemeClr val="phClr"/>
+        </a:solidFill>
+        <a:round/>
+      </a:ln>
+    </cs:spPr>
+  </cs:dataPointWireframe>
+  <cs:dataTable>
+    <cs:lnRef idx="0"/>
+    <cs:fillRef idx="0"/>
+    <cs:effectRef idx="0"/>
+    <cs:fontRef idx="minor">
+      <a:schemeClr val="tx2"/>
+    </cs:fontRef>
+    <cs:spPr>
+      <a:ln w="9525">
+        <a:solidFill>
+          <a:schemeClr val="tx2">
+            <a:lumMod val="15000"/>
+            <a:lumOff val="85000"/>
+          </a:schemeClr>
+        </a:solidFill>
+      </a:ln>
+    </cs:spPr>
+    <cs:defRPr sz="1197" kern="1200"/>
+  </cs:dataTable>
+  <cs:downBar>
+    <cs:lnRef idx="0"/>
+    <cs:fillRef idx="0"/>
+    <cs:effectRef idx="0"/>
+    <cs:fontRef idx="minor">
+      <a:schemeClr val="dk1"/>
+    </cs:fontRef>
+    <cs:spPr>
+      <a:solidFill>
+        <a:schemeClr val="dk1">
+          <a:lumMod val="65000"/>
+          <a:lumOff val="35000"/>
+        </a:schemeClr>
+      </a:solidFill>
+      <a:ln w="9525">
+        <a:solidFill>
+          <a:schemeClr val="tx1">
+            <a:lumMod val="65000"/>
+            <a:lumOff val="35000"/>
+          </a:schemeClr>
+        </a:solidFill>
+      </a:ln>
+    </cs:spPr>
+  </cs:downBar>
+  <cs:dropLine>
+    <cs:lnRef idx="0"/>
+    <cs:fillRef idx="0"/>
+    <cs:effectRef idx="0"/>
+    <cs:fontRef idx="minor">
+      <a:schemeClr val="tx2"/>
+    </cs:fontRef>
+    <cs:spPr>
+      <a:ln w="9525">
+        <a:solidFill>
+          <a:schemeClr val="tx2">
+            <a:lumMod val="60000"/>
+            <a:lumOff val="40000"/>
+          </a:schemeClr>
+        </a:solidFill>
+        <a:prstDash val="dash"/>
+      </a:ln>
+    </cs:spPr>
+  </cs:dropLine>
+  <cs:errorBar>
+    <cs:lnRef idx="0"/>
+    <cs:fillRef idx="0"/>
+    <cs:effectRef idx="0"/>
+    <cs:fontRef idx="minor">
+      <a:schemeClr val="tx2"/>
+    </cs:fontRef>
+    <cs:spPr>
+      <a:ln w="9525">
+        <a:solidFill>
+          <a:schemeClr val="tx2">
+            <a:lumMod val="75000"/>
+          </a:schemeClr>
+        </a:solidFill>
+        <a:round/>
+      </a:ln>
+    </cs:spPr>
+  </cs:errorBar>
+  <cs:floor>
+    <cs:lnRef idx="0"/>
+    <cs:fillRef idx="0"/>
+    <cs:effectRef idx="0"/>
+    <cs:fontRef idx="minor">
+      <a:schemeClr val="tx2"/>
+    </cs:fontRef>
+  </cs:floor>
+  <cs:gridlineMajor>
+    <cs:lnRef idx="0"/>
+    <cs:fillRef idx="0"/>
+    <cs:effectRef idx="0"/>
+    <cs:fontRef idx="minor">
+      <a:schemeClr val="tx2"/>
+    </cs:fontRef>
+    <cs:spPr>
+      <a:ln w="9525" cap="flat" cmpd="sng" algn="ctr">
+        <a:solidFill>
+          <a:schemeClr val="tx2">
+            <a:lumMod val="15000"/>
+            <a:lumOff val="85000"/>
+          </a:schemeClr>
+        </a:solidFill>
+        <a:round/>
+      </a:ln>
+    </cs:spPr>
+  </cs:gridlineMajor>
+  <cs:gridlineMinor>
+    <cs:lnRef idx="0"/>
+    <cs:fillRef idx="0"/>
+    <cs:effectRef idx="0"/>
+    <cs:fontRef idx="minor">
+      <a:schemeClr val="tx2"/>
+    </cs:fontRef>
+    <cs:spPr>
+      <a:ln>
+        <a:solidFill>
+          <a:schemeClr val="tx2">
+            <a:lumMod val="5000"/>
+            <a:lumOff val="95000"/>
+          </a:schemeClr>
+        </a:solidFill>
+      </a:ln>
+    </cs:spPr>
+  </cs:gridlineMinor>
+  <cs:hiLoLine>
+    <cs:lnRef idx="0"/>
+    <cs:fillRef idx="0"/>
+    <cs:effectRef idx="0"/>
+    <cs:fontRef idx="minor">
+      <a:schemeClr val="tx2"/>
+    </cs:fontRef>
+    <cs:spPr>
+      <a:ln w="9525">
+        <a:solidFill>
+          <a:schemeClr val="tx2">
+            <a:lumMod val="60000"/>
+            <a:lumOff val="40000"/>
+          </a:schemeClr>
+        </a:solidFill>
+        <a:prstDash val="dash"/>
+      </a:ln>
+    </cs:spPr>
+  </cs:hiLoLine>
+  <cs:leaderLine>
+    <cs:lnRef idx="0"/>
+    <cs:fillRef idx="0"/>
+    <cs:effectRef idx="0"/>
+    <cs:fontRef idx="minor">
+      <a:schemeClr val="tx2"/>
+    </cs:fontRef>
+    <cs:spPr>
+      <a:ln w="9525">
+        <a:solidFill>
+          <a:schemeClr val="tx2">
+            <a:lumMod val="35000"/>
+            <a:lumOff val="65000"/>
+          </a:schemeClr>
+        </a:solidFill>
+      </a:ln>
+    </cs:spPr>
+  </cs:leaderLine>
+  <cs:legend>
+    <cs:lnRef idx="0"/>
+    <cs:fillRef idx="0"/>
+    <cs:effectRef idx="0"/>
+    <cs:fontRef idx="minor">
+      <a:schemeClr val="tx2"/>
+    </cs:fontRef>
+    <cs:defRPr sz="1197" kern="1200"/>
+  </cs:legend>
+  <cs:plotArea>
+    <cs:lnRef idx="0"/>
+    <cs:fillRef idx="0"/>
+    <cs:effectRef idx="0"/>
+    <cs:fontRef idx="minor">
+      <a:schemeClr val="tx2"/>
+    </cs:fontRef>
+  </cs:plotArea>
+  <cs:plotArea3D>
+    <cs:lnRef idx="0"/>
+    <cs:fillRef idx="0"/>
+    <cs:effectRef idx="0"/>
+    <cs:fontRef idx="minor">
+      <a:schemeClr val="tx2"/>
+    </cs:fontRef>
+  </cs:plotArea3D>
+  <cs:seriesAxis>
+    <cs:lnRef idx="0"/>
+    <cs:fillRef idx="0"/>
+    <cs:effectRef idx="0"/>
+    <cs:fontRef idx="minor">
+      <a:schemeClr val="tx2"/>
+    </cs:fontRef>
+    <cs:spPr>
+      <a:ln w="9525" cap="flat" cmpd="sng" algn="ctr">
+        <a:solidFill>
+          <a:schemeClr val="tx2">
+            <a:lumMod val="15000"/>
+            <a:lumOff val="85000"/>
+          </a:schemeClr>
+        </a:solidFill>
+        <a:round/>
+      </a:ln>
+    </cs:spPr>
+    <cs:defRPr sz="1197" kern="1200"/>
+  </cs:seriesAxis>
+  <cs:seriesLine>
+    <cs:lnRef idx="0"/>
+    <cs:fillRef idx="0"/>
+    <cs:effectRef idx="0"/>
+    <cs:fontRef idx="minor">
+      <a:schemeClr val="tx2"/>
+    </cs:fontRef>
+    <cs:spPr>
+      <a:ln w="9525">
+        <a:solidFill>
+          <a:schemeClr val="tx2">
+            <a:lumMod val="60000"/>
+            <a:lumOff val="40000"/>
+          </a:schemeClr>
+        </a:solidFill>
+        <a:prstDash val="dash"/>
+      </a:ln>
+    </cs:spPr>
+  </cs:seriesLine>
+  <cs:title>
+    <cs:lnRef idx="0"/>
+    <cs:fillRef idx="0"/>
+    <cs:effectRef idx="0"/>
+    <cs:fontRef idx="minor">
+      <a:schemeClr val="tx2"/>
+    </cs:fontRef>
+    <cs:defRPr sz="2128" b="1" kern="1200"/>
+  </cs:title>
+  <cs:trendline>
+    <cs:lnRef idx="0">
+      <cs:styleClr val="auto"/>
+    </cs:lnRef>
+    <cs:fillRef idx="0"/>
+    <cs:effectRef idx="0"/>
+    <cs:fontRef idx="minor">
+      <a:schemeClr val="tx2"/>
+    </cs:fontRef>
+    <cs:spPr>
+      <a:ln w="19050" cap="rnd">
+        <a:solidFill>
+          <a:schemeClr val="phClr"/>
+        </a:solidFill>
+        <a:prstDash val="sysDash"/>
+      </a:ln>
+    </cs:spPr>
+  </cs:trendline>
+  <cs:trendlineLabel>
+    <cs:lnRef idx="0"/>
+    <cs:fillRef idx="0"/>
+    <cs:effectRef idx="0"/>
+    <cs:fontRef idx="minor">
+      <a:schemeClr val="tx2"/>
+    </cs:fontRef>
+    <cs:defRPr sz="1197" kern="1200"/>
+  </cs:trendlineLabel>
+  <cs:upBar>
+    <cs:lnRef idx="0"/>
+    <cs:fillRef idx="0"/>
+    <cs:effectRef idx="0"/>
+    <cs:fontRef idx="minor">
+      <a:schemeClr val="tx2"/>
+    </cs:fontRef>
+    <cs:spPr>
+      <a:solidFill>
+        <a:schemeClr val="lt1"/>
+      </a:solidFill>
+      <a:ln w="9525">
+        <a:solidFill>
+          <a:schemeClr val="tx1">
+            <a:lumMod val="15000"/>
+            <a:lumOff val="85000"/>
+          </a:schemeClr>
+        </a:solidFill>
+      </a:ln>
+    </cs:spPr>
+  </cs:upBar>
+  <cs:valueAxis>
+    <cs:lnRef idx="0"/>
+    <cs:fillRef idx="0"/>
+    <cs:effectRef idx="0"/>
+    <cs:fontRef idx="minor">
+      <a:schemeClr val="tx2"/>
+    </cs:fontRef>
+    <cs:defRPr sz="1197" kern="1200"/>
+  </cs:valueAxis>
+  <cs:wall>
+    <cs:lnRef idx="0"/>
+    <cs:fillRef idx="0"/>
+    <cs:effectRef idx="0"/>
+    <cs:fontRef idx="minor">
+      <a:schemeClr val="tx2"/>
+    </cs:fontRef>
+  </cs:wall>
+</cs:chartStyle>
+</file>
+
+<file path=ppt/charts/style9.xml><?xml version="1.0" encoding="utf-8"?>
+<cs:chartStyle xmlns:cs="http://schemas.microsoft.com/office/drawing/2012/chartStyle" xmlns:a="http://schemas.openxmlformats.org/drawingml/2006/main" id="201">
   <cs:axisTitle>
     <cs:lnRef idx="0"/>
     <cs:fillRef idx="0"/>
@@ -21649,1480 +23147,6 @@
         <a:noFill/>
       </a:ln>
     </cs:spPr>
-  </cs:wall>
-</cs:chartStyle>
-</file>
-
-<file path=ppt/charts/style7.xml><?xml version="1.0" encoding="utf-8"?>
-<cs:chartStyle xmlns:cs="http://schemas.microsoft.com/office/drawing/2012/chartStyle" xmlns:a="http://schemas.openxmlformats.org/drawingml/2006/main" id="332">
-  <cs:axisTitle>
-    <cs:lnRef idx="0"/>
-    <cs:fillRef idx="0"/>
-    <cs:effectRef idx="0"/>
-    <cs:fontRef idx="minor">
-      <a:schemeClr val="tx1">
-        <a:lumMod val="65000"/>
-        <a:lumOff val="35000"/>
-      </a:schemeClr>
-    </cs:fontRef>
-    <cs:defRPr sz="1330" kern="1200"/>
-  </cs:axisTitle>
-  <cs:categoryAxis>
-    <cs:lnRef idx="0"/>
-    <cs:fillRef idx="0"/>
-    <cs:effectRef idx="0"/>
-    <cs:fontRef idx="minor">
-      <a:schemeClr val="tx1">
-        <a:lumMod val="65000"/>
-        <a:lumOff val="35000"/>
-      </a:schemeClr>
-    </cs:fontRef>
-    <cs:spPr>
-      <a:ln w="9525" cap="flat" cmpd="sng" algn="ctr">
-        <a:solidFill>
-          <a:schemeClr val="tx1">
-            <a:lumMod val="15000"/>
-            <a:lumOff val="85000"/>
-          </a:schemeClr>
-        </a:solidFill>
-        <a:round/>
-      </a:ln>
-    </cs:spPr>
-    <cs:defRPr sz="1197" kern="1200"/>
-  </cs:categoryAxis>
-  <cs:chartArea mods="allowNoFillOverride allowNoLineOverride">
-    <cs:lnRef idx="0"/>
-    <cs:fillRef idx="0"/>
-    <cs:effectRef idx="0"/>
-    <cs:fontRef idx="minor">
-      <a:schemeClr val="tx1"/>
-    </cs:fontRef>
-    <cs:spPr>
-      <a:solidFill>
-        <a:schemeClr val="bg1"/>
-      </a:solidFill>
-      <a:ln w="9525" cap="flat" cmpd="sng" algn="ctr">
-        <a:solidFill>
-          <a:schemeClr val="tx1">
-            <a:lumMod val="15000"/>
-            <a:lumOff val="85000"/>
-          </a:schemeClr>
-        </a:solidFill>
-        <a:round/>
-      </a:ln>
-    </cs:spPr>
-    <cs:defRPr sz="1330" kern="1200"/>
-  </cs:chartArea>
-  <cs:dataLabel>
-    <cs:lnRef idx="0"/>
-    <cs:fillRef idx="0"/>
-    <cs:effectRef idx="0"/>
-    <cs:fontRef idx="minor">
-      <a:schemeClr val="tx1">
-        <a:lumMod val="75000"/>
-        <a:lumOff val="25000"/>
-      </a:schemeClr>
-    </cs:fontRef>
-    <cs:defRPr sz="1197" kern="1200"/>
-  </cs:dataLabel>
-  <cs:dataLabelCallout>
-    <cs:lnRef idx="0"/>
-    <cs:fillRef idx="0"/>
-    <cs:effectRef idx="0"/>
-    <cs:fontRef idx="minor">
-      <a:schemeClr val="dk1">
-        <a:lumMod val="65000"/>
-        <a:lumOff val="35000"/>
-      </a:schemeClr>
-    </cs:fontRef>
-    <cs:spPr>
-      <a:solidFill>
-        <a:schemeClr val="lt1"/>
-      </a:solidFill>
-      <a:ln>
-        <a:solidFill>
-          <a:schemeClr val="dk1">
-            <a:lumMod val="25000"/>
-            <a:lumOff val="75000"/>
-          </a:schemeClr>
-        </a:solidFill>
-      </a:ln>
-    </cs:spPr>
-    <cs:defRPr sz="1197" kern="1200"/>
-    <cs:bodyPr rot="0" spcFirstLastPara="1" vertOverflow="clip" horzOverflow="clip" vert="horz" wrap="square" lIns="36576" tIns="18288" rIns="36576" bIns="18288" anchor="ctr" anchorCtr="1">
-      <a:spAutoFit/>
-    </cs:bodyPr>
-  </cs:dataLabelCallout>
-  <cs:dataPoint>
-    <cs:lnRef idx="0"/>
-    <cs:fillRef idx="1">
-      <cs:styleClr val="auto"/>
-    </cs:fillRef>
-    <cs:effectRef idx="0"/>
-    <cs:fontRef idx="minor">
-      <a:schemeClr val="tx1"/>
-    </cs:fontRef>
-  </cs:dataPoint>
-  <cs:dataPoint3D>
-    <cs:lnRef idx="0"/>
-    <cs:fillRef idx="1">
-      <cs:styleClr val="auto"/>
-    </cs:fillRef>
-    <cs:effectRef idx="0"/>
-    <cs:fontRef idx="minor">
-      <a:schemeClr val="tx1"/>
-    </cs:fontRef>
-  </cs:dataPoint3D>
-  <cs:dataPointLine>
-    <cs:lnRef idx="0">
-      <cs:styleClr val="auto"/>
-    </cs:lnRef>
-    <cs:fillRef idx="1"/>
-    <cs:effectRef idx="0"/>
-    <cs:fontRef idx="minor">
-      <a:schemeClr val="tx1"/>
-    </cs:fontRef>
-    <cs:spPr>
-      <a:ln w="28575" cap="rnd">
-        <a:solidFill>
-          <a:schemeClr val="phClr"/>
-        </a:solidFill>
-        <a:round/>
-      </a:ln>
-    </cs:spPr>
-  </cs:dataPointLine>
-  <cs:dataPointMarker>
-    <cs:lnRef idx="0">
-      <cs:styleClr val="auto"/>
-    </cs:lnRef>
-    <cs:fillRef idx="1">
-      <cs:styleClr val="auto"/>
-    </cs:fillRef>
-    <cs:effectRef idx="0"/>
-    <cs:fontRef idx="minor">
-      <a:schemeClr val="tx1"/>
-    </cs:fontRef>
-    <cs:spPr>
-      <a:ln w="9525">
-        <a:solidFill>
-          <a:schemeClr val="phClr"/>
-        </a:solidFill>
-      </a:ln>
-    </cs:spPr>
-  </cs:dataPointMarker>
-  <cs:dataPointMarkerLayout symbol="circle" size="5"/>
-  <cs:dataPointWireframe>
-    <cs:lnRef idx="0">
-      <cs:styleClr val="auto"/>
-    </cs:lnRef>
-    <cs:fillRef idx="1"/>
-    <cs:effectRef idx="0"/>
-    <cs:fontRef idx="minor">
-      <a:schemeClr val="tx1"/>
-    </cs:fontRef>
-    <cs:spPr>
-      <a:ln w="9525" cap="rnd">
-        <a:solidFill>
-          <a:schemeClr val="phClr"/>
-        </a:solidFill>
-        <a:round/>
-      </a:ln>
-    </cs:spPr>
-  </cs:dataPointWireframe>
-  <cs:dataTable>
-    <cs:lnRef idx="0"/>
-    <cs:fillRef idx="0"/>
-    <cs:effectRef idx="0"/>
-    <cs:fontRef idx="minor">
-      <a:schemeClr val="tx1">
-        <a:lumMod val="65000"/>
-        <a:lumOff val="35000"/>
-      </a:schemeClr>
-    </cs:fontRef>
-    <cs:spPr>
-      <a:noFill/>
-      <a:ln w="9525" cap="flat" cmpd="sng" algn="ctr">
-        <a:solidFill>
-          <a:schemeClr val="tx1">
-            <a:lumMod val="15000"/>
-            <a:lumOff val="85000"/>
-          </a:schemeClr>
-        </a:solidFill>
-        <a:round/>
-      </a:ln>
-    </cs:spPr>
-    <cs:defRPr sz="1197" kern="1200"/>
-  </cs:dataTable>
-  <cs:downBar>
-    <cs:lnRef idx="0"/>
-    <cs:fillRef idx="0"/>
-    <cs:effectRef idx="0"/>
-    <cs:fontRef idx="minor">
-      <a:schemeClr val="dk1"/>
-    </cs:fontRef>
-    <cs:spPr>
-      <a:solidFill>
-        <a:schemeClr val="dk1">
-          <a:lumMod val="65000"/>
-          <a:lumOff val="35000"/>
-        </a:schemeClr>
-      </a:solidFill>
-      <a:ln w="9525">
-        <a:solidFill>
-          <a:schemeClr val="tx1">
-            <a:lumMod val="65000"/>
-            <a:lumOff val="35000"/>
-          </a:schemeClr>
-        </a:solidFill>
-      </a:ln>
-    </cs:spPr>
-  </cs:downBar>
-  <cs:dropLine>
-    <cs:lnRef idx="0"/>
-    <cs:fillRef idx="0"/>
-    <cs:effectRef idx="0"/>
-    <cs:fontRef idx="minor">
-      <a:schemeClr val="tx1"/>
-    </cs:fontRef>
-    <cs:spPr>
-      <a:ln w="9525" cap="flat" cmpd="sng" algn="ctr">
-        <a:solidFill>
-          <a:schemeClr val="tx1">
-            <a:lumMod val="35000"/>
-            <a:lumOff val="65000"/>
-          </a:schemeClr>
-        </a:solidFill>
-        <a:round/>
-      </a:ln>
-    </cs:spPr>
-  </cs:dropLine>
-  <cs:errorBar>
-    <cs:lnRef idx="0"/>
-    <cs:fillRef idx="0"/>
-    <cs:effectRef idx="0"/>
-    <cs:fontRef idx="minor">
-      <a:schemeClr val="tx1"/>
-    </cs:fontRef>
-    <cs:spPr>
-      <a:ln w="9525" cap="flat" cmpd="sng" algn="ctr">
-        <a:solidFill>
-          <a:schemeClr val="tx1">
-            <a:lumMod val="65000"/>
-            <a:lumOff val="35000"/>
-          </a:schemeClr>
-        </a:solidFill>
-        <a:round/>
-      </a:ln>
-    </cs:spPr>
-  </cs:errorBar>
-  <cs:floor>
-    <cs:lnRef idx="0"/>
-    <cs:fillRef idx="0"/>
-    <cs:effectRef idx="0"/>
-    <cs:fontRef idx="minor">
-      <a:schemeClr val="tx1"/>
-    </cs:fontRef>
-    <cs:spPr>
-      <a:noFill/>
-      <a:ln>
-        <a:noFill/>
-      </a:ln>
-    </cs:spPr>
-  </cs:floor>
-  <cs:gridlineMajor>
-    <cs:lnRef idx="0"/>
-    <cs:fillRef idx="0"/>
-    <cs:effectRef idx="0"/>
-    <cs:fontRef idx="minor">
-      <a:schemeClr val="tx1"/>
-    </cs:fontRef>
-    <cs:spPr>
-      <a:ln w="9525" cap="flat" cmpd="sng" algn="ctr">
-        <a:solidFill>
-          <a:schemeClr val="tx1">
-            <a:lumMod val="15000"/>
-            <a:lumOff val="85000"/>
-          </a:schemeClr>
-        </a:solidFill>
-        <a:round/>
-      </a:ln>
-    </cs:spPr>
-  </cs:gridlineMajor>
-  <cs:gridlineMinor>
-    <cs:lnRef idx="0"/>
-    <cs:fillRef idx="0"/>
-    <cs:effectRef idx="0"/>
-    <cs:fontRef idx="minor">
-      <a:schemeClr val="tx1"/>
-    </cs:fontRef>
-    <cs:spPr>
-      <a:ln w="9525" cap="flat" cmpd="sng" algn="ctr">
-        <a:solidFill>
-          <a:schemeClr val="tx1">
-            <a:lumMod val="5000"/>
-            <a:lumOff val="95000"/>
-          </a:schemeClr>
-        </a:solidFill>
-        <a:round/>
-      </a:ln>
-    </cs:spPr>
-  </cs:gridlineMinor>
-  <cs:hiLoLine>
-    <cs:lnRef idx="0"/>
-    <cs:fillRef idx="0"/>
-    <cs:effectRef idx="0"/>
-    <cs:fontRef idx="minor">
-      <a:schemeClr val="tx1"/>
-    </cs:fontRef>
-    <cs:spPr>
-      <a:ln w="9525" cap="flat" cmpd="sng" algn="ctr">
-        <a:solidFill>
-          <a:schemeClr val="tx1">
-            <a:lumMod val="75000"/>
-            <a:lumOff val="25000"/>
-          </a:schemeClr>
-        </a:solidFill>
-        <a:round/>
-      </a:ln>
-    </cs:spPr>
-  </cs:hiLoLine>
-  <cs:leaderLine>
-    <cs:lnRef idx="0"/>
-    <cs:fillRef idx="0"/>
-    <cs:effectRef idx="0"/>
-    <cs:fontRef idx="minor">
-      <a:schemeClr val="tx1"/>
-    </cs:fontRef>
-    <cs:spPr>
-      <a:ln w="9525" cap="flat" cmpd="sng" algn="ctr">
-        <a:solidFill>
-          <a:schemeClr val="tx1">
-            <a:lumMod val="35000"/>
-            <a:lumOff val="65000"/>
-          </a:schemeClr>
-        </a:solidFill>
-        <a:round/>
-      </a:ln>
-    </cs:spPr>
-  </cs:leaderLine>
-  <cs:legend>
-    <cs:lnRef idx="0"/>
-    <cs:fillRef idx="0"/>
-    <cs:effectRef idx="0"/>
-    <cs:fontRef idx="minor">
-      <a:schemeClr val="tx1">
-        <a:lumMod val="65000"/>
-        <a:lumOff val="35000"/>
-      </a:schemeClr>
-    </cs:fontRef>
-    <cs:defRPr sz="1197" kern="1200"/>
-  </cs:legend>
-  <cs:plotArea mods="allowNoFillOverride allowNoLineOverride">
-    <cs:lnRef idx="0"/>
-    <cs:fillRef idx="0"/>
-    <cs:effectRef idx="0"/>
-    <cs:fontRef idx="minor">
-      <a:schemeClr val="tx1"/>
-    </cs:fontRef>
-  </cs:plotArea>
-  <cs:plotArea3D mods="allowNoFillOverride allowNoLineOverride">
-    <cs:lnRef idx="0"/>
-    <cs:fillRef idx="0"/>
-    <cs:effectRef idx="0"/>
-    <cs:fontRef idx="minor">
-      <a:schemeClr val="tx1"/>
-    </cs:fontRef>
-  </cs:plotArea3D>
-  <cs:seriesAxis>
-    <cs:lnRef idx="0"/>
-    <cs:fillRef idx="0"/>
-    <cs:effectRef idx="0"/>
-    <cs:fontRef idx="minor">
-      <a:schemeClr val="tx1">
-        <a:lumMod val="65000"/>
-        <a:lumOff val="35000"/>
-      </a:schemeClr>
-    </cs:fontRef>
-    <cs:defRPr sz="1197" kern="1200"/>
-  </cs:seriesAxis>
-  <cs:seriesLine>
-    <cs:lnRef idx="0"/>
-    <cs:fillRef idx="0"/>
-    <cs:effectRef idx="0"/>
-    <cs:fontRef idx="minor">
-      <a:schemeClr val="tx1"/>
-    </cs:fontRef>
-    <cs:spPr>
-      <a:ln w="9525" cap="flat" cmpd="sng" algn="ctr">
-        <a:solidFill>
-          <a:schemeClr val="tx1">
-            <a:lumMod val="35000"/>
-            <a:lumOff val="65000"/>
-          </a:schemeClr>
-        </a:solidFill>
-        <a:round/>
-      </a:ln>
-    </cs:spPr>
-  </cs:seriesLine>
-  <cs:title>
-    <cs:lnRef idx="0"/>
-    <cs:fillRef idx="0"/>
-    <cs:effectRef idx="0"/>
-    <cs:fontRef idx="minor">
-      <a:schemeClr val="tx1">
-        <a:lumMod val="65000"/>
-        <a:lumOff val="35000"/>
-      </a:schemeClr>
-    </cs:fontRef>
-    <cs:defRPr sz="1862" b="0" kern="1200" spc="0" baseline="0"/>
-  </cs:title>
-  <cs:trendline>
-    <cs:lnRef idx="0">
-      <cs:styleClr val="auto"/>
-    </cs:lnRef>
-    <cs:fillRef idx="0"/>
-    <cs:effectRef idx="0"/>
-    <cs:fontRef idx="minor">
-      <a:schemeClr val="tx1"/>
-    </cs:fontRef>
-    <cs:spPr>
-      <a:ln w="19050" cap="rnd">
-        <a:solidFill>
-          <a:schemeClr val="phClr"/>
-        </a:solidFill>
-        <a:prstDash val="sysDot"/>
-      </a:ln>
-    </cs:spPr>
-  </cs:trendline>
-  <cs:trendlineLabel>
-    <cs:lnRef idx="0"/>
-    <cs:fillRef idx="0"/>
-    <cs:effectRef idx="0"/>
-    <cs:fontRef idx="minor">
-      <a:schemeClr val="tx1">
-        <a:lumMod val="65000"/>
-        <a:lumOff val="35000"/>
-      </a:schemeClr>
-    </cs:fontRef>
-    <cs:defRPr sz="1197" kern="1200"/>
-  </cs:trendlineLabel>
-  <cs:upBar>
-    <cs:lnRef idx="0"/>
-    <cs:fillRef idx="0"/>
-    <cs:effectRef idx="0"/>
-    <cs:fontRef idx="minor">
-      <a:schemeClr val="dk1"/>
-    </cs:fontRef>
-    <cs:spPr>
-      <a:solidFill>
-        <a:schemeClr val="lt1"/>
-      </a:solidFill>
-      <a:ln w="9525">
-        <a:solidFill>
-          <a:schemeClr val="tx1">
-            <a:lumMod val="15000"/>
-            <a:lumOff val="85000"/>
-          </a:schemeClr>
-        </a:solidFill>
-      </a:ln>
-    </cs:spPr>
-  </cs:upBar>
-  <cs:valueAxis>
-    <cs:lnRef idx="0"/>
-    <cs:fillRef idx="0"/>
-    <cs:effectRef idx="0"/>
-    <cs:fontRef idx="minor">
-      <a:schemeClr val="tx1">
-        <a:lumMod val="65000"/>
-        <a:lumOff val="35000"/>
-      </a:schemeClr>
-    </cs:fontRef>
-    <cs:defRPr sz="1197" kern="1200"/>
-  </cs:valueAxis>
-  <cs:wall>
-    <cs:lnRef idx="0"/>
-    <cs:fillRef idx="0"/>
-    <cs:effectRef idx="0"/>
-    <cs:fontRef idx="minor">
-      <a:schemeClr val="tx1"/>
-    </cs:fontRef>
-    <cs:spPr>
-      <a:noFill/>
-      <a:ln>
-        <a:noFill/>
-      </a:ln>
-    </cs:spPr>
-  </cs:wall>
-</cs:chartStyle>
-</file>
-
-<file path=ppt/charts/style8.xml><?xml version="1.0" encoding="utf-8"?>
-<cs:chartStyle xmlns:cs="http://schemas.microsoft.com/office/drawing/2012/chartStyle" xmlns:a="http://schemas.openxmlformats.org/drawingml/2006/main" id="332">
-  <cs:axisTitle>
-    <cs:lnRef idx="0"/>
-    <cs:fillRef idx="0"/>
-    <cs:effectRef idx="0"/>
-    <cs:fontRef idx="minor">
-      <a:schemeClr val="tx1">
-        <a:lumMod val="65000"/>
-        <a:lumOff val="35000"/>
-      </a:schemeClr>
-    </cs:fontRef>
-    <cs:defRPr sz="1330" kern="1200"/>
-  </cs:axisTitle>
-  <cs:categoryAxis>
-    <cs:lnRef idx="0"/>
-    <cs:fillRef idx="0"/>
-    <cs:effectRef idx="0"/>
-    <cs:fontRef idx="minor">
-      <a:schemeClr val="tx1">
-        <a:lumMod val="65000"/>
-        <a:lumOff val="35000"/>
-      </a:schemeClr>
-    </cs:fontRef>
-    <cs:spPr>
-      <a:ln w="9525" cap="flat" cmpd="sng" algn="ctr">
-        <a:solidFill>
-          <a:schemeClr val="tx1">
-            <a:lumMod val="15000"/>
-            <a:lumOff val="85000"/>
-          </a:schemeClr>
-        </a:solidFill>
-        <a:round/>
-      </a:ln>
-    </cs:spPr>
-    <cs:defRPr sz="1197" kern="1200"/>
-  </cs:categoryAxis>
-  <cs:chartArea mods="allowNoFillOverride allowNoLineOverride">
-    <cs:lnRef idx="0"/>
-    <cs:fillRef idx="0"/>
-    <cs:effectRef idx="0"/>
-    <cs:fontRef idx="minor">
-      <a:schemeClr val="tx1"/>
-    </cs:fontRef>
-    <cs:spPr>
-      <a:solidFill>
-        <a:schemeClr val="bg1"/>
-      </a:solidFill>
-      <a:ln w="9525" cap="flat" cmpd="sng" algn="ctr">
-        <a:solidFill>
-          <a:schemeClr val="tx1">
-            <a:lumMod val="15000"/>
-            <a:lumOff val="85000"/>
-          </a:schemeClr>
-        </a:solidFill>
-        <a:round/>
-      </a:ln>
-    </cs:spPr>
-    <cs:defRPr sz="1330" kern="1200"/>
-  </cs:chartArea>
-  <cs:dataLabel>
-    <cs:lnRef idx="0"/>
-    <cs:fillRef idx="0"/>
-    <cs:effectRef idx="0"/>
-    <cs:fontRef idx="minor">
-      <a:schemeClr val="tx1">
-        <a:lumMod val="75000"/>
-        <a:lumOff val="25000"/>
-      </a:schemeClr>
-    </cs:fontRef>
-    <cs:defRPr sz="1197" kern="1200"/>
-  </cs:dataLabel>
-  <cs:dataLabelCallout>
-    <cs:lnRef idx="0"/>
-    <cs:fillRef idx="0"/>
-    <cs:effectRef idx="0"/>
-    <cs:fontRef idx="minor">
-      <a:schemeClr val="dk1">
-        <a:lumMod val="65000"/>
-        <a:lumOff val="35000"/>
-      </a:schemeClr>
-    </cs:fontRef>
-    <cs:spPr>
-      <a:solidFill>
-        <a:schemeClr val="lt1"/>
-      </a:solidFill>
-      <a:ln>
-        <a:solidFill>
-          <a:schemeClr val="dk1">
-            <a:lumMod val="25000"/>
-            <a:lumOff val="75000"/>
-          </a:schemeClr>
-        </a:solidFill>
-      </a:ln>
-    </cs:spPr>
-    <cs:defRPr sz="1197" kern="1200"/>
-    <cs:bodyPr rot="0" spcFirstLastPara="1" vertOverflow="clip" horzOverflow="clip" vert="horz" wrap="square" lIns="36576" tIns="18288" rIns="36576" bIns="18288" anchor="ctr" anchorCtr="1">
-      <a:spAutoFit/>
-    </cs:bodyPr>
-  </cs:dataLabelCallout>
-  <cs:dataPoint>
-    <cs:lnRef idx="0"/>
-    <cs:fillRef idx="1">
-      <cs:styleClr val="auto"/>
-    </cs:fillRef>
-    <cs:effectRef idx="0"/>
-    <cs:fontRef idx="minor">
-      <a:schemeClr val="tx1"/>
-    </cs:fontRef>
-  </cs:dataPoint>
-  <cs:dataPoint3D>
-    <cs:lnRef idx="0"/>
-    <cs:fillRef idx="1">
-      <cs:styleClr val="auto"/>
-    </cs:fillRef>
-    <cs:effectRef idx="0"/>
-    <cs:fontRef idx="minor">
-      <a:schemeClr val="tx1"/>
-    </cs:fontRef>
-  </cs:dataPoint3D>
-  <cs:dataPointLine>
-    <cs:lnRef idx="0">
-      <cs:styleClr val="auto"/>
-    </cs:lnRef>
-    <cs:fillRef idx="1"/>
-    <cs:effectRef idx="0"/>
-    <cs:fontRef idx="minor">
-      <a:schemeClr val="tx1"/>
-    </cs:fontRef>
-    <cs:spPr>
-      <a:ln w="28575" cap="rnd">
-        <a:solidFill>
-          <a:schemeClr val="phClr"/>
-        </a:solidFill>
-        <a:round/>
-      </a:ln>
-    </cs:spPr>
-  </cs:dataPointLine>
-  <cs:dataPointMarker>
-    <cs:lnRef idx="0">
-      <cs:styleClr val="auto"/>
-    </cs:lnRef>
-    <cs:fillRef idx="1">
-      <cs:styleClr val="auto"/>
-    </cs:fillRef>
-    <cs:effectRef idx="0"/>
-    <cs:fontRef idx="minor">
-      <a:schemeClr val="tx1"/>
-    </cs:fontRef>
-    <cs:spPr>
-      <a:ln w="9525">
-        <a:solidFill>
-          <a:schemeClr val="phClr"/>
-        </a:solidFill>
-      </a:ln>
-    </cs:spPr>
-  </cs:dataPointMarker>
-  <cs:dataPointMarkerLayout symbol="circle" size="5"/>
-  <cs:dataPointWireframe>
-    <cs:lnRef idx="0">
-      <cs:styleClr val="auto"/>
-    </cs:lnRef>
-    <cs:fillRef idx="1"/>
-    <cs:effectRef idx="0"/>
-    <cs:fontRef idx="minor">
-      <a:schemeClr val="tx1"/>
-    </cs:fontRef>
-    <cs:spPr>
-      <a:ln w="9525" cap="rnd">
-        <a:solidFill>
-          <a:schemeClr val="phClr"/>
-        </a:solidFill>
-        <a:round/>
-      </a:ln>
-    </cs:spPr>
-  </cs:dataPointWireframe>
-  <cs:dataTable>
-    <cs:lnRef idx="0"/>
-    <cs:fillRef idx="0"/>
-    <cs:effectRef idx="0"/>
-    <cs:fontRef idx="minor">
-      <a:schemeClr val="tx1">
-        <a:lumMod val="65000"/>
-        <a:lumOff val="35000"/>
-      </a:schemeClr>
-    </cs:fontRef>
-    <cs:spPr>
-      <a:noFill/>
-      <a:ln w="9525" cap="flat" cmpd="sng" algn="ctr">
-        <a:solidFill>
-          <a:schemeClr val="tx1">
-            <a:lumMod val="15000"/>
-            <a:lumOff val="85000"/>
-          </a:schemeClr>
-        </a:solidFill>
-        <a:round/>
-      </a:ln>
-    </cs:spPr>
-    <cs:defRPr sz="1197" kern="1200"/>
-  </cs:dataTable>
-  <cs:downBar>
-    <cs:lnRef idx="0"/>
-    <cs:fillRef idx="0"/>
-    <cs:effectRef idx="0"/>
-    <cs:fontRef idx="minor">
-      <a:schemeClr val="dk1"/>
-    </cs:fontRef>
-    <cs:spPr>
-      <a:solidFill>
-        <a:schemeClr val="dk1">
-          <a:lumMod val="65000"/>
-          <a:lumOff val="35000"/>
-        </a:schemeClr>
-      </a:solidFill>
-      <a:ln w="9525">
-        <a:solidFill>
-          <a:schemeClr val="tx1">
-            <a:lumMod val="65000"/>
-            <a:lumOff val="35000"/>
-          </a:schemeClr>
-        </a:solidFill>
-      </a:ln>
-    </cs:spPr>
-  </cs:downBar>
-  <cs:dropLine>
-    <cs:lnRef idx="0"/>
-    <cs:fillRef idx="0"/>
-    <cs:effectRef idx="0"/>
-    <cs:fontRef idx="minor">
-      <a:schemeClr val="tx1"/>
-    </cs:fontRef>
-    <cs:spPr>
-      <a:ln w="9525" cap="flat" cmpd="sng" algn="ctr">
-        <a:solidFill>
-          <a:schemeClr val="tx1">
-            <a:lumMod val="35000"/>
-            <a:lumOff val="65000"/>
-          </a:schemeClr>
-        </a:solidFill>
-        <a:round/>
-      </a:ln>
-    </cs:spPr>
-  </cs:dropLine>
-  <cs:errorBar>
-    <cs:lnRef idx="0"/>
-    <cs:fillRef idx="0"/>
-    <cs:effectRef idx="0"/>
-    <cs:fontRef idx="minor">
-      <a:schemeClr val="tx1"/>
-    </cs:fontRef>
-    <cs:spPr>
-      <a:ln w="9525" cap="flat" cmpd="sng" algn="ctr">
-        <a:solidFill>
-          <a:schemeClr val="tx1">
-            <a:lumMod val="65000"/>
-            <a:lumOff val="35000"/>
-          </a:schemeClr>
-        </a:solidFill>
-        <a:round/>
-      </a:ln>
-    </cs:spPr>
-  </cs:errorBar>
-  <cs:floor>
-    <cs:lnRef idx="0"/>
-    <cs:fillRef idx="0"/>
-    <cs:effectRef idx="0"/>
-    <cs:fontRef idx="minor">
-      <a:schemeClr val="tx1"/>
-    </cs:fontRef>
-    <cs:spPr>
-      <a:noFill/>
-      <a:ln>
-        <a:noFill/>
-      </a:ln>
-    </cs:spPr>
-  </cs:floor>
-  <cs:gridlineMajor>
-    <cs:lnRef idx="0"/>
-    <cs:fillRef idx="0"/>
-    <cs:effectRef idx="0"/>
-    <cs:fontRef idx="minor">
-      <a:schemeClr val="tx1"/>
-    </cs:fontRef>
-    <cs:spPr>
-      <a:ln w="9525" cap="flat" cmpd="sng" algn="ctr">
-        <a:solidFill>
-          <a:schemeClr val="tx1">
-            <a:lumMod val="15000"/>
-            <a:lumOff val="85000"/>
-          </a:schemeClr>
-        </a:solidFill>
-        <a:round/>
-      </a:ln>
-    </cs:spPr>
-  </cs:gridlineMajor>
-  <cs:gridlineMinor>
-    <cs:lnRef idx="0"/>
-    <cs:fillRef idx="0"/>
-    <cs:effectRef idx="0"/>
-    <cs:fontRef idx="minor">
-      <a:schemeClr val="tx1"/>
-    </cs:fontRef>
-    <cs:spPr>
-      <a:ln w="9525" cap="flat" cmpd="sng" algn="ctr">
-        <a:solidFill>
-          <a:schemeClr val="tx1">
-            <a:lumMod val="5000"/>
-            <a:lumOff val="95000"/>
-          </a:schemeClr>
-        </a:solidFill>
-        <a:round/>
-      </a:ln>
-    </cs:spPr>
-  </cs:gridlineMinor>
-  <cs:hiLoLine>
-    <cs:lnRef idx="0"/>
-    <cs:fillRef idx="0"/>
-    <cs:effectRef idx="0"/>
-    <cs:fontRef idx="minor">
-      <a:schemeClr val="tx1"/>
-    </cs:fontRef>
-    <cs:spPr>
-      <a:ln w="9525" cap="flat" cmpd="sng" algn="ctr">
-        <a:solidFill>
-          <a:schemeClr val="tx1">
-            <a:lumMod val="75000"/>
-            <a:lumOff val="25000"/>
-          </a:schemeClr>
-        </a:solidFill>
-        <a:round/>
-      </a:ln>
-    </cs:spPr>
-  </cs:hiLoLine>
-  <cs:leaderLine>
-    <cs:lnRef idx="0"/>
-    <cs:fillRef idx="0"/>
-    <cs:effectRef idx="0"/>
-    <cs:fontRef idx="minor">
-      <a:schemeClr val="tx1"/>
-    </cs:fontRef>
-    <cs:spPr>
-      <a:ln w="9525" cap="flat" cmpd="sng" algn="ctr">
-        <a:solidFill>
-          <a:schemeClr val="tx1">
-            <a:lumMod val="35000"/>
-            <a:lumOff val="65000"/>
-          </a:schemeClr>
-        </a:solidFill>
-        <a:round/>
-      </a:ln>
-    </cs:spPr>
-  </cs:leaderLine>
-  <cs:legend>
-    <cs:lnRef idx="0"/>
-    <cs:fillRef idx="0"/>
-    <cs:effectRef idx="0"/>
-    <cs:fontRef idx="minor">
-      <a:schemeClr val="tx1">
-        <a:lumMod val="65000"/>
-        <a:lumOff val="35000"/>
-      </a:schemeClr>
-    </cs:fontRef>
-    <cs:defRPr sz="1197" kern="1200"/>
-  </cs:legend>
-  <cs:plotArea mods="allowNoFillOverride allowNoLineOverride">
-    <cs:lnRef idx="0"/>
-    <cs:fillRef idx="0"/>
-    <cs:effectRef idx="0"/>
-    <cs:fontRef idx="minor">
-      <a:schemeClr val="tx1"/>
-    </cs:fontRef>
-  </cs:plotArea>
-  <cs:plotArea3D mods="allowNoFillOverride allowNoLineOverride">
-    <cs:lnRef idx="0"/>
-    <cs:fillRef idx="0"/>
-    <cs:effectRef idx="0"/>
-    <cs:fontRef idx="minor">
-      <a:schemeClr val="tx1"/>
-    </cs:fontRef>
-  </cs:plotArea3D>
-  <cs:seriesAxis>
-    <cs:lnRef idx="0"/>
-    <cs:fillRef idx="0"/>
-    <cs:effectRef idx="0"/>
-    <cs:fontRef idx="minor">
-      <a:schemeClr val="tx1">
-        <a:lumMod val="65000"/>
-        <a:lumOff val="35000"/>
-      </a:schemeClr>
-    </cs:fontRef>
-    <cs:defRPr sz="1197" kern="1200"/>
-  </cs:seriesAxis>
-  <cs:seriesLine>
-    <cs:lnRef idx="0"/>
-    <cs:fillRef idx="0"/>
-    <cs:effectRef idx="0"/>
-    <cs:fontRef idx="minor">
-      <a:schemeClr val="tx1"/>
-    </cs:fontRef>
-    <cs:spPr>
-      <a:ln w="9525" cap="flat" cmpd="sng" algn="ctr">
-        <a:solidFill>
-          <a:schemeClr val="tx1">
-            <a:lumMod val="35000"/>
-            <a:lumOff val="65000"/>
-          </a:schemeClr>
-        </a:solidFill>
-        <a:round/>
-      </a:ln>
-    </cs:spPr>
-  </cs:seriesLine>
-  <cs:title>
-    <cs:lnRef idx="0"/>
-    <cs:fillRef idx="0"/>
-    <cs:effectRef idx="0"/>
-    <cs:fontRef idx="minor">
-      <a:schemeClr val="tx1">
-        <a:lumMod val="65000"/>
-        <a:lumOff val="35000"/>
-      </a:schemeClr>
-    </cs:fontRef>
-    <cs:defRPr sz="1862" b="0" kern="1200" spc="0" baseline="0"/>
-  </cs:title>
-  <cs:trendline>
-    <cs:lnRef idx="0">
-      <cs:styleClr val="auto"/>
-    </cs:lnRef>
-    <cs:fillRef idx="0"/>
-    <cs:effectRef idx="0"/>
-    <cs:fontRef idx="minor">
-      <a:schemeClr val="tx1"/>
-    </cs:fontRef>
-    <cs:spPr>
-      <a:ln w="19050" cap="rnd">
-        <a:solidFill>
-          <a:schemeClr val="phClr"/>
-        </a:solidFill>
-        <a:prstDash val="sysDot"/>
-      </a:ln>
-    </cs:spPr>
-  </cs:trendline>
-  <cs:trendlineLabel>
-    <cs:lnRef idx="0"/>
-    <cs:fillRef idx="0"/>
-    <cs:effectRef idx="0"/>
-    <cs:fontRef idx="minor">
-      <a:schemeClr val="tx1">
-        <a:lumMod val="65000"/>
-        <a:lumOff val="35000"/>
-      </a:schemeClr>
-    </cs:fontRef>
-    <cs:defRPr sz="1197" kern="1200"/>
-  </cs:trendlineLabel>
-  <cs:upBar>
-    <cs:lnRef idx="0"/>
-    <cs:fillRef idx="0"/>
-    <cs:effectRef idx="0"/>
-    <cs:fontRef idx="minor">
-      <a:schemeClr val="dk1"/>
-    </cs:fontRef>
-    <cs:spPr>
-      <a:solidFill>
-        <a:schemeClr val="lt1"/>
-      </a:solidFill>
-      <a:ln w="9525">
-        <a:solidFill>
-          <a:schemeClr val="tx1">
-            <a:lumMod val="15000"/>
-            <a:lumOff val="85000"/>
-          </a:schemeClr>
-        </a:solidFill>
-      </a:ln>
-    </cs:spPr>
-  </cs:upBar>
-  <cs:valueAxis>
-    <cs:lnRef idx="0"/>
-    <cs:fillRef idx="0"/>
-    <cs:effectRef idx="0"/>
-    <cs:fontRef idx="minor">
-      <a:schemeClr val="tx1">
-        <a:lumMod val="65000"/>
-        <a:lumOff val="35000"/>
-      </a:schemeClr>
-    </cs:fontRef>
-    <cs:defRPr sz="1197" kern="1200"/>
-  </cs:valueAxis>
-  <cs:wall>
-    <cs:lnRef idx="0"/>
-    <cs:fillRef idx="0"/>
-    <cs:effectRef idx="0"/>
-    <cs:fontRef idx="minor">
-      <a:schemeClr val="tx1"/>
-    </cs:fontRef>
-    <cs:spPr>
-      <a:noFill/>
-      <a:ln>
-        <a:noFill/>
-      </a:ln>
-    </cs:spPr>
-  </cs:wall>
-</cs:chartStyle>
-</file>
-
-<file path=ppt/charts/style9.xml><?xml version="1.0" encoding="utf-8"?>
-<cs:chartStyle xmlns:cs="http://schemas.microsoft.com/office/drawing/2012/chartStyle" xmlns:a="http://schemas.openxmlformats.org/drawingml/2006/main" id="255">
-  <cs:axisTitle>
-    <cs:lnRef idx="0"/>
-    <cs:fillRef idx="0"/>
-    <cs:effectRef idx="0"/>
-    <cs:fontRef idx="minor">
-      <a:schemeClr val="tx2"/>
-    </cs:fontRef>
-    <cs:defRPr sz="1197" b="1" kern="1200"/>
-  </cs:axisTitle>
-  <cs:categoryAxis>
-    <cs:lnRef idx="0"/>
-    <cs:fillRef idx="0"/>
-    <cs:effectRef idx="0"/>
-    <cs:fontRef idx="minor">
-      <a:schemeClr val="tx2"/>
-    </cs:fontRef>
-    <cs:spPr>
-      <a:ln w="9525" cap="flat" cmpd="sng" algn="ctr">
-        <a:solidFill>
-          <a:schemeClr val="tx2">
-            <a:lumMod val="15000"/>
-            <a:lumOff val="85000"/>
-          </a:schemeClr>
-        </a:solidFill>
-        <a:round/>
-      </a:ln>
-    </cs:spPr>
-    <cs:defRPr sz="1197" kern="1200"/>
-  </cs:categoryAxis>
-  <cs:chartArea mods="allowNoFillOverride allowNoLineOverride">
-    <cs:lnRef idx="0"/>
-    <cs:fillRef idx="0"/>
-    <cs:effectRef idx="0"/>
-    <cs:fontRef idx="minor">
-      <a:schemeClr val="tx2"/>
-    </cs:fontRef>
-    <cs:spPr>
-      <a:solidFill>
-        <a:schemeClr val="bg1"/>
-      </a:solidFill>
-      <a:ln w="9525" cap="flat" cmpd="sng" algn="ctr">
-        <a:solidFill>
-          <a:schemeClr val="tx2">
-            <a:lumMod val="15000"/>
-            <a:lumOff val="85000"/>
-          </a:schemeClr>
-        </a:solidFill>
-        <a:round/>
-      </a:ln>
-    </cs:spPr>
-    <cs:defRPr sz="1197" kern="1200"/>
-  </cs:chartArea>
-  <cs:dataLabel>
-    <cs:lnRef idx="0"/>
-    <cs:fillRef idx="0"/>
-    <cs:effectRef idx="0"/>
-    <cs:fontRef idx="minor">
-      <a:schemeClr val="tx2"/>
-    </cs:fontRef>
-    <cs:defRPr sz="1197" kern="1200"/>
-  </cs:dataLabel>
-  <cs:dataLabelCallout>
-    <cs:lnRef idx="0"/>
-    <cs:fillRef idx="0"/>
-    <cs:effectRef idx="0"/>
-    <cs:fontRef idx="minor">
-      <a:schemeClr val="dk2">
-        <a:lumMod val="75000"/>
-      </a:schemeClr>
-    </cs:fontRef>
-    <cs:spPr>
-      <a:solidFill>
-        <a:schemeClr val="lt1"/>
-      </a:solidFill>
-      <a:ln>
-        <a:solidFill>
-          <a:schemeClr val="dk1">
-            <a:lumMod val="25000"/>
-            <a:lumOff val="75000"/>
-          </a:schemeClr>
-        </a:solidFill>
-      </a:ln>
-    </cs:spPr>
-    <cs:defRPr sz="1197" kern="1200"/>
-    <cs:bodyPr rot="0" spcFirstLastPara="1" vertOverflow="clip" horzOverflow="clip" vert="horz" wrap="square" lIns="36576" tIns="18288" rIns="36576" bIns="18288" anchor="ctr" anchorCtr="1">
-      <a:spAutoFit/>
-    </cs:bodyPr>
-  </cs:dataLabelCallout>
-  <cs:dataPoint>
-    <cs:lnRef idx="0"/>
-    <cs:fillRef idx="3">
-      <cs:styleClr val="auto"/>
-    </cs:fillRef>
-    <cs:effectRef idx="2"/>
-    <cs:fontRef idx="minor">
-      <a:schemeClr val="tx2"/>
-    </cs:fontRef>
-  </cs:dataPoint>
-  <cs:dataPoint3D>
-    <cs:lnRef idx="0"/>
-    <cs:fillRef idx="3">
-      <cs:styleClr val="auto"/>
-    </cs:fillRef>
-    <cs:effectRef idx="2"/>
-    <cs:fontRef idx="minor">
-      <a:schemeClr val="tx2"/>
-    </cs:fontRef>
-  </cs:dataPoint3D>
-  <cs:dataPointLine>
-    <cs:lnRef idx="0">
-      <cs:styleClr val="auto"/>
-    </cs:lnRef>
-    <cs:fillRef idx="3"/>
-    <cs:effectRef idx="2"/>
-    <cs:fontRef idx="minor">
-      <a:schemeClr val="tx2"/>
-    </cs:fontRef>
-    <cs:spPr>
-      <a:ln w="31750" cap="rnd">
-        <a:solidFill>
-          <a:schemeClr val="phClr"/>
-        </a:solidFill>
-        <a:round/>
-      </a:ln>
-    </cs:spPr>
-  </cs:dataPointLine>
-  <cs:dataPointMarker>
-    <cs:lnRef idx="0"/>
-    <cs:fillRef idx="3">
-      <cs:styleClr val="auto"/>
-    </cs:fillRef>
-    <cs:effectRef idx="2"/>
-    <cs:fontRef idx="minor">
-      <a:schemeClr val="tx2"/>
-    </cs:fontRef>
-    <cs:spPr>
-      <a:ln w="12700">
-        <a:solidFill>
-          <a:schemeClr val="lt2"/>
-        </a:solidFill>
-        <a:round/>
-      </a:ln>
-    </cs:spPr>
-  </cs:dataPointMarker>
-  <cs:dataPointMarkerLayout symbol="circle" size="6"/>
-  <cs:dataPointWireframe>
-    <cs:lnRef idx="0">
-      <cs:styleClr val="auto"/>
-    </cs:lnRef>
-    <cs:fillRef idx="3"/>
-    <cs:effectRef idx="2"/>
-    <cs:fontRef idx="minor">
-      <a:schemeClr val="tx2"/>
-    </cs:fontRef>
-    <cs:spPr>
-      <a:ln w="9525" cap="rnd">
-        <a:solidFill>
-          <a:schemeClr val="phClr"/>
-        </a:solidFill>
-        <a:round/>
-      </a:ln>
-    </cs:spPr>
-  </cs:dataPointWireframe>
-  <cs:dataTable>
-    <cs:lnRef idx="0"/>
-    <cs:fillRef idx="0"/>
-    <cs:effectRef idx="0"/>
-    <cs:fontRef idx="minor">
-      <a:schemeClr val="tx2"/>
-    </cs:fontRef>
-    <cs:spPr>
-      <a:ln w="9525">
-        <a:solidFill>
-          <a:schemeClr val="tx2">
-            <a:lumMod val="15000"/>
-            <a:lumOff val="85000"/>
-          </a:schemeClr>
-        </a:solidFill>
-      </a:ln>
-    </cs:spPr>
-    <cs:defRPr sz="1197" kern="1200"/>
-  </cs:dataTable>
-  <cs:downBar>
-    <cs:lnRef idx="0"/>
-    <cs:fillRef idx="0"/>
-    <cs:effectRef idx="0"/>
-    <cs:fontRef idx="minor">
-      <a:schemeClr val="dk1"/>
-    </cs:fontRef>
-    <cs:spPr>
-      <a:solidFill>
-        <a:schemeClr val="dk1">
-          <a:lumMod val="65000"/>
-          <a:lumOff val="35000"/>
-        </a:schemeClr>
-      </a:solidFill>
-      <a:ln w="9525">
-        <a:solidFill>
-          <a:schemeClr val="tx1">
-            <a:lumMod val="65000"/>
-            <a:lumOff val="35000"/>
-          </a:schemeClr>
-        </a:solidFill>
-      </a:ln>
-    </cs:spPr>
-  </cs:downBar>
-  <cs:dropLine>
-    <cs:lnRef idx="0"/>
-    <cs:fillRef idx="0"/>
-    <cs:effectRef idx="0"/>
-    <cs:fontRef idx="minor">
-      <a:schemeClr val="tx2"/>
-    </cs:fontRef>
-    <cs:spPr>
-      <a:ln w="9525">
-        <a:solidFill>
-          <a:schemeClr val="tx2">
-            <a:lumMod val="60000"/>
-            <a:lumOff val="40000"/>
-          </a:schemeClr>
-        </a:solidFill>
-        <a:prstDash val="dash"/>
-      </a:ln>
-    </cs:spPr>
-  </cs:dropLine>
-  <cs:errorBar>
-    <cs:lnRef idx="0"/>
-    <cs:fillRef idx="0"/>
-    <cs:effectRef idx="0"/>
-    <cs:fontRef idx="minor">
-      <a:schemeClr val="tx2"/>
-    </cs:fontRef>
-    <cs:spPr>
-      <a:ln w="9525">
-        <a:solidFill>
-          <a:schemeClr val="tx2">
-            <a:lumMod val="75000"/>
-          </a:schemeClr>
-        </a:solidFill>
-        <a:round/>
-      </a:ln>
-    </cs:spPr>
-  </cs:errorBar>
-  <cs:floor>
-    <cs:lnRef idx="0"/>
-    <cs:fillRef idx="0"/>
-    <cs:effectRef idx="0"/>
-    <cs:fontRef idx="minor">
-      <a:schemeClr val="tx2"/>
-    </cs:fontRef>
-  </cs:floor>
-  <cs:gridlineMajor>
-    <cs:lnRef idx="0"/>
-    <cs:fillRef idx="0"/>
-    <cs:effectRef idx="0"/>
-    <cs:fontRef idx="minor">
-      <a:schemeClr val="tx2"/>
-    </cs:fontRef>
-    <cs:spPr>
-      <a:ln w="9525" cap="flat" cmpd="sng" algn="ctr">
-        <a:solidFill>
-          <a:schemeClr val="tx2">
-            <a:lumMod val="15000"/>
-            <a:lumOff val="85000"/>
-          </a:schemeClr>
-        </a:solidFill>
-        <a:round/>
-      </a:ln>
-    </cs:spPr>
-  </cs:gridlineMajor>
-  <cs:gridlineMinor>
-    <cs:lnRef idx="0"/>
-    <cs:fillRef idx="0"/>
-    <cs:effectRef idx="0"/>
-    <cs:fontRef idx="minor">
-      <a:schemeClr val="tx2"/>
-    </cs:fontRef>
-    <cs:spPr>
-      <a:ln>
-        <a:solidFill>
-          <a:schemeClr val="tx2">
-            <a:lumMod val="5000"/>
-            <a:lumOff val="95000"/>
-          </a:schemeClr>
-        </a:solidFill>
-      </a:ln>
-    </cs:spPr>
-  </cs:gridlineMinor>
-  <cs:hiLoLine>
-    <cs:lnRef idx="0"/>
-    <cs:fillRef idx="0"/>
-    <cs:effectRef idx="0"/>
-    <cs:fontRef idx="minor">
-      <a:schemeClr val="tx2"/>
-    </cs:fontRef>
-    <cs:spPr>
-      <a:ln w="9525">
-        <a:solidFill>
-          <a:schemeClr val="tx2">
-            <a:lumMod val="60000"/>
-            <a:lumOff val="40000"/>
-          </a:schemeClr>
-        </a:solidFill>
-        <a:prstDash val="dash"/>
-      </a:ln>
-    </cs:spPr>
-  </cs:hiLoLine>
-  <cs:leaderLine>
-    <cs:lnRef idx="0"/>
-    <cs:fillRef idx="0"/>
-    <cs:effectRef idx="0"/>
-    <cs:fontRef idx="minor">
-      <a:schemeClr val="tx2"/>
-    </cs:fontRef>
-    <cs:spPr>
-      <a:ln w="9525">
-        <a:solidFill>
-          <a:schemeClr val="tx2">
-            <a:lumMod val="35000"/>
-            <a:lumOff val="65000"/>
-          </a:schemeClr>
-        </a:solidFill>
-      </a:ln>
-    </cs:spPr>
-  </cs:leaderLine>
-  <cs:legend>
-    <cs:lnRef idx="0"/>
-    <cs:fillRef idx="0"/>
-    <cs:effectRef idx="0"/>
-    <cs:fontRef idx="minor">
-      <a:schemeClr val="tx2"/>
-    </cs:fontRef>
-    <cs:defRPr sz="1197" kern="1200"/>
-  </cs:legend>
-  <cs:plotArea>
-    <cs:lnRef idx="0"/>
-    <cs:fillRef idx="0"/>
-    <cs:effectRef idx="0"/>
-    <cs:fontRef idx="minor">
-      <a:schemeClr val="tx2"/>
-    </cs:fontRef>
-  </cs:plotArea>
-  <cs:plotArea3D>
-    <cs:lnRef idx="0"/>
-    <cs:fillRef idx="0"/>
-    <cs:effectRef idx="0"/>
-    <cs:fontRef idx="minor">
-      <a:schemeClr val="tx2"/>
-    </cs:fontRef>
-  </cs:plotArea3D>
-  <cs:seriesAxis>
-    <cs:lnRef idx="0"/>
-    <cs:fillRef idx="0"/>
-    <cs:effectRef idx="0"/>
-    <cs:fontRef idx="minor">
-      <a:schemeClr val="tx2"/>
-    </cs:fontRef>
-    <cs:spPr>
-      <a:ln w="9525" cap="flat" cmpd="sng" algn="ctr">
-        <a:solidFill>
-          <a:schemeClr val="tx2">
-            <a:lumMod val="15000"/>
-            <a:lumOff val="85000"/>
-          </a:schemeClr>
-        </a:solidFill>
-        <a:round/>
-      </a:ln>
-    </cs:spPr>
-    <cs:defRPr sz="1197" kern="1200"/>
-  </cs:seriesAxis>
-  <cs:seriesLine>
-    <cs:lnRef idx="0"/>
-    <cs:fillRef idx="0"/>
-    <cs:effectRef idx="0"/>
-    <cs:fontRef idx="minor">
-      <a:schemeClr val="tx2"/>
-    </cs:fontRef>
-    <cs:spPr>
-      <a:ln w="9525">
-        <a:solidFill>
-          <a:schemeClr val="tx2">
-            <a:lumMod val="60000"/>
-            <a:lumOff val="40000"/>
-          </a:schemeClr>
-        </a:solidFill>
-        <a:prstDash val="dash"/>
-      </a:ln>
-    </cs:spPr>
-  </cs:seriesLine>
-  <cs:title>
-    <cs:lnRef idx="0"/>
-    <cs:fillRef idx="0"/>
-    <cs:effectRef idx="0"/>
-    <cs:fontRef idx="minor">
-      <a:schemeClr val="tx2"/>
-    </cs:fontRef>
-    <cs:defRPr sz="2128" b="1" kern="1200"/>
-  </cs:title>
-  <cs:trendline>
-    <cs:lnRef idx="0">
-      <cs:styleClr val="auto"/>
-    </cs:lnRef>
-    <cs:fillRef idx="0"/>
-    <cs:effectRef idx="0"/>
-    <cs:fontRef idx="minor">
-      <a:schemeClr val="tx2"/>
-    </cs:fontRef>
-    <cs:spPr>
-      <a:ln w="19050" cap="rnd">
-        <a:solidFill>
-          <a:schemeClr val="phClr"/>
-        </a:solidFill>
-        <a:prstDash val="sysDash"/>
-      </a:ln>
-    </cs:spPr>
-  </cs:trendline>
-  <cs:trendlineLabel>
-    <cs:lnRef idx="0"/>
-    <cs:fillRef idx="0"/>
-    <cs:effectRef idx="0"/>
-    <cs:fontRef idx="minor">
-      <a:schemeClr val="tx2"/>
-    </cs:fontRef>
-    <cs:defRPr sz="1197" kern="1200"/>
-  </cs:trendlineLabel>
-  <cs:upBar>
-    <cs:lnRef idx="0"/>
-    <cs:fillRef idx="0"/>
-    <cs:effectRef idx="0"/>
-    <cs:fontRef idx="minor">
-      <a:schemeClr val="tx2"/>
-    </cs:fontRef>
-    <cs:spPr>
-      <a:solidFill>
-        <a:schemeClr val="lt1"/>
-      </a:solidFill>
-      <a:ln w="9525">
-        <a:solidFill>
-          <a:schemeClr val="tx1">
-            <a:lumMod val="15000"/>
-            <a:lumOff val="85000"/>
-          </a:schemeClr>
-        </a:solidFill>
-      </a:ln>
-    </cs:spPr>
-  </cs:upBar>
-  <cs:valueAxis>
-    <cs:lnRef idx="0"/>
-    <cs:fillRef idx="0"/>
-    <cs:effectRef idx="0"/>
-    <cs:fontRef idx="minor">
-      <a:schemeClr val="tx2"/>
-    </cs:fontRef>
-    <cs:defRPr sz="1197" kern="1200"/>
-  </cs:valueAxis>
-  <cs:wall>
-    <cs:lnRef idx="0"/>
-    <cs:fillRef idx="0"/>
-    <cs:effectRef idx="0"/>
-    <cs:fontRef idx="minor">
-      <a:schemeClr val="tx2"/>
-    </cs:fontRef>
   </cs:wall>
 </cs:chartStyle>
 </file>
@@ -29853,7 +29877,7 @@
         </a:graphic>
       </p:graphicFrame>
       <mc:AlternateContent xmlns:mc="http://schemas.openxmlformats.org/markup-compatibility/2006">
-        <mc:Choice xmlns:cx1="http://schemas.microsoft.com/office/drawing/2015/9/8/chartex" Requires="cx1">
+        <mc:Choice xmlns:cx1="http://schemas.microsoft.com/office/drawing/2015/9/8/chartex" xmlns="" Requires="cx1">
           <p:graphicFrame>
             <p:nvGraphicFramePr>
               <p:cNvPr id="15" name="Diagramm 14"/>
@@ -31169,7 +31193,7 @@
             <p:ph idx="1"/>
             <p:extLst>
               <p:ext uri="{D42A27DB-BD31-4B8C-83A1-F6EECF244321}">
-                <p14:modId xmlns:p14="http://schemas.microsoft.com/office/powerpoint/2010/main" val="3516524558"/>
+                <p14:modId xmlns:p14="http://schemas.microsoft.com/office/powerpoint/2010/main" val="3488414376"/>
               </p:ext>
             </p:extLst>
           </p:nvPr>
@@ -31710,8 +31734,8 @@
           </a:graphicData>
         </a:graphic>
       </p:graphicFrame>
-      <mc:AlternateContent xmlns:mc="http://schemas.openxmlformats.org/markup-compatibility/2006" xmlns:cx1="http://schemas.microsoft.com/office/drawing/2015/9/8/chartex">
-        <mc:Choice Requires="cx1">
+      <mc:AlternateContent xmlns:mc="http://schemas.openxmlformats.org/markup-compatibility/2006">
+        <mc:Choice xmlns:cx1="http://schemas.microsoft.com/office/drawing/2015/9/8/chartex" xmlns="" Requires="cx1">
           <p:graphicFrame>
             <p:nvGraphicFramePr>
               <p:cNvPr id="8" name="Diagramm 7">
@@ -31741,7 +31765,7 @@
             </a:graphic>
           </p:graphicFrame>
         </mc:Choice>
-        <mc:Fallback xmlns="">
+        <mc:Fallback>
           <p:pic>
             <p:nvPicPr>
               <p:cNvPr id="8" name="Diagramm 7">
@@ -32720,8 +32744,8 @@
           </a:p>
         </p:txBody>
       </p:sp>
-      <mc:AlternateContent xmlns:mc="http://schemas.openxmlformats.org/markup-compatibility/2006" xmlns:cx1="http://schemas.microsoft.com/office/drawing/2015/9/8/chartex">
-        <mc:Choice Requires="cx1">
+      <mc:AlternateContent xmlns:mc="http://schemas.openxmlformats.org/markup-compatibility/2006">
+        <mc:Choice xmlns:cx1="http://schemas.microsoft.com/office/drawing/2015/9/8/chartex" xmlns="" Requires="cx1">
           <p:graphicFrame>
             <p:nvGraphicFramePr>
               <p:cNvPr id="4" name="Diagramm 3">
@@ -32751,7 +32775,7 @@
             </a:graphic>
           </p:graphicFrame>
         </mc:Choice>
-        <mc:Fallback xmlns="">
+        <mc:Fallback>
           <p:pic>
             <p:nvPicPr>
               <p:cNvPr id="4" name="Diagramm 3">
@@ -32784,8 +32808,8 @@
           </p:pic>
         </mc:Fallback>
       </mc:AlternateContent>
-      <mc:AlternateContent xmlns:mc="http://schemas.openxmlformats.org/markup-compatibility/2006" xmlns:cx1="http://schemas.microsoft.com/office/drawing/2015/9/8/chartex">
-        <mc:Choice Requires="cx1">
+      <mc:AlternateContent xmlns:mc="http://schemas.openxmlformats.org/markup-compatibility/2006">
+        <mc:Choice xmlns:cx1="http://schemas.microsoft.com/office/drawing/2015/9/8/chartex" xmlns="" Requires="cx1">
           <p:graphicFrame>
             <p:nvGraphicFramePr>
               <p:cNvPr id="5" name="Diagramm 4">
@@ -32815,7 +32839,7 @@
             </a:graphic>
           </p:graphicFrame>
         </mc:Choice>
-        <mc:Fallback xmlns="">
+        <mc:Fallback>
           <p:pic>
             <p:nvPicPr>
               <p:cNvPr id="5" name="Diagramm 4">
@@ -32923,7 +32947,7 @@
           <a:graphicData uri="http://schemas.openxmlformats.org/presentationml/2006/ole">
             <mc:AlternateContent xmlns:mc="http://schemas.openxmlformats.org/markup-compatibility/2006">
               <mc:Choice xmlns:v="urn:schemas-microsoft-com:vml" Requires="v">
-                <p:oleObj spid="_x0000_s1062" name="Acrobat Document" r:id="rId3" imgW="7800763" imgH="6857824" progId="AcroExch.Document.7">
+                <p:oleObj spid="_x0000_s1067" name="Acrobat Document" r:id="rId3" imgW="7800763" imgH="6857824" progId="AcroExch.Document.7">
                   <p:embed/>
                 </p:oleObj>
               </mc:Choice>
@@ -33068,17 +33092,12 @@
               <a:buNone/>
             </a:pPr>
             <a:r>
-              <a:rPr lang="de-DE" dirty="0"/>
-              <a:t>- Schnittstelle VR und Realität</a:t>
+              <a:rPr lang="de-DE" dirty="0" smtClean="0"/>
+              <a:t>- </a:t>
             </a:r>
-          </a:p>
-          <a:p>
-            <a:pPr marL="0" indent="0">
-              <a:buNone/>
-            </a:pPr>
             <a:r>
               <a:rPr lang="de-DE" dirty="0"/>
-              <a:t>- AR/VR möglicher fester Bestandteil im Alltag der Zukunft</a:t>
+              <a:t>AR/VR möglicher fester Bestandteil im Alltag der Zukunft</a:t>
             </a:r>
           </a:p>
           <a:p>
@@ -33175,8 +33194,8 @@
           </a:p>
         </p:txBody>
       </p:sp>
-      <mc:AlternateContent xmlns:mc="http://schemas.openxmlformats.org/markup-compatibility/2006" xmlns:cx1="http://schemas.microsoft.com/office/drawing/2015/9/8/chartex">
-        <mc:Choice Requires="cx1">
+      <mc:AlternateContent xmlns:mc="http://schemas.openxmlformats.org/markup-compatibility/2006">
+        <mc:Choice xmlns:cx1="http://schemas.microsoft.com/office/drawing/2015/9/8/chartex" xmlns="" Requires="cx1">
           <p:graphicFrame>
             <p:nvGraphicFramePr>
               <p:cNvPr id="4" name="Diagramm 3">
@@ -33206,7 +33225,7 @@
             </a:graphic>
           </p:graphicFrame>
         </mc:Choice>
-        <mc:Fallback xmlns="">
+        <mc:Fallback>
           <p:pic>
             <p:nvPicPr>
               <p:cNvPr id="4" name="Diagramm 3">
@@ -35072,18 +35091,18 @@
               <a:buNone/>
             </a:pPr>
             <a:r>
-              <a:rPr lang="de-DE" dirty="0"/>
-              <a:t>- Werte aufzeichnen Kopfbewegung, Zeiten, Fehlerquote</a:t>
+              <a:rPr lang="de-DE" dirty="0" smtClean="0"/>
+              <a:t>- </a:t>
             </a:r>
-          </a:p>
-          <a:p>
-            <a:pPr marL="0" indent="0">
-              <a:buNone/>
-            </a:pPr>
             <a:r>
               <a:rPr lang="de-DE" dirty="0"/>
-              <a:t>- Python, R Skripte, SPSS</a:t>
+              <a:t>Python, R Skripte, </a:t>
             </a:r>
+            <a:r>
+              <a:rPr lang="de-DE" dirty="0" smtClean="0"/>
+              <a:t>SPSS</a:t>
+            </a:r>
+            <a:endParaRPr lang="de-DE" dirty="0"/>
           </a:p>
         </p:txBody>
       </p:sp>
@@ -35211,15 +35230,34 @@
           <a:p>
             <a:r>
               <a:rPr lang="de-DE" dirty="0"/>
-              <a:t> Werte aufzeichnen</a:t>
+              <a:t> </a:t>
+            </a:r>
+            <a:r>
+              <a:rPr lang="de-DE" dirty="0" smtClean="0"/>
+              <a:t>Studienablauf</a:t>
             </a:r>
           </a:p>
           <a:p>
             <a:pPr lvl="1"/>
             <a:r>
-              <a:rPr lang="de-DE" dirty="0"/>
-              <a:t>Kopfbewegung, Zeiten, Fehlerquote</a:t>
+              <a:rPr lang="de-DE" dirty="0" smtClean="0"/>
+              <a:t>Einleitungsphase</a:t>
             </a:r>
+          </a:p>
+          <a:p>
+            <a:pPr lvl="1"/>
+            <a:r>
+              <a:rPr lang="de-DE" dirty="0" smtClean="0"/>
+              <a:t>VR-Phase</a:t>
+            </a:r>
+          </a:p>
+          <a:p>
+            <a:pPr lvl="1"/>
+            <a:r>
+              <a:rPr lang="de-DE" dirty="0" smtClean="0"/>
+              <a:t>Abschlussphase</a:t>
+            </a:r>
+            <a:endParaRPr lang="de-DE" dirty="0"/>
           </a:p>
         </p:txBody>
       </p:sp>

--- a/presentation/Resync Studie.pptx
+++ b/presentation/Resync Studie.pptx
@@ -200,7 +200,6 @@
           </a:p>
         </c:rich>
       </c:tx>
-      <c:layout/>
       <c:overlay val="0"/>
       <c:spPr>
         <a:noFill/>
@@ -355,9 +354,7 @@
               </c:spPr>
             </c:leaderLines>
             <c:extLst>
-              <c:ext xmlns:c15="http://schemas.microsoft.com/office/drawing/2012/chart" uri="{CE6537A1-D6FC-4f65-9D91-7224C49458BB}">
-                <c15:layout/>
-              </c:ext>
+              <c:ext xmlns:c15="http://schemas.microsoft.com/office/drawing/2012/chart" uri="{CE6537A1-D6FC-4f65-9D91-7224C49458BB}"/>
             </c:extLst>
           </c:dLbls>
           <c:cat>
@@ -422,7 +419,6 @@
     </c:plotArea>
     <c:legend>
       <c:legendPos val="b"/>
-      <c:layout/>
       <c:overlay val="0"/>
       <c:spPr>
         <a:noFill/>
@@ -4474,7 +4470,6 @@
           </a:p>
         </c:rich>
       </c:tx>
-      <c:layout/>
       <c:overlay val="0"/>
       <c:spPr>
         <a:noFill/>
@@ -4997,7 +4992,6 @@
     </c:plotArea>
     <c:legend>
       <c:legendPos val="b"/>
-      <c:layout/>
       <c:overlay val="0"/>
       <c:spPr>
         <a:noFill/>
@@ -5119,7 +5113,6 @@
           </a:p>
         </c:rich>
       </c:tx>
-      <c:layout/>
       <c:overlay val="0"/>
       <c:spPr>
         <a:noFill/>
@@ -5995,7 +5988,6 @@
     </c:plotArea>
     <c:legend>
       <c:legendPos val="b"/>
-      <c:layout/>
       <c:overlay val="0"/>
       <c:spPr>
         <a:noFill/>
@@ -6117,7 +6109,6 @@
           </a:p>
         </c:rich>
       </c:tx>
-      <c:layout/>
       <c:overlay val="0"/>
       <c:spPr>
         <a:noFill/>
@@ -6640,7 +6631,6 @@
     </c:plotArea>
     <c:legend>
       <c:legendPos val="b"/>
-      <c:layout/>
       <c:overlay val="0"/>
       <c:spPr>
         <a:noFill/>
@@ -6742,7 +6732,6 @@
           </a:p>
         </c:rich>
       </c:tx>
-      <c:layout/>
       <c:overlay val="0"/>
       <c:spPr>
         <a:noFill/>
@@ -7618,7 +7607,6 @@
     </c:plotArea>
     <c:legend>
       <c:legendPos val="b"/>
-      <c:layout/>
       <c:overlay val="0"/>
       <c:spPr>
         <a:noFill/>
@@ -7806,7 +7794,7 @@
                 <c:formatCode>General</c:formatCode>
                 <c:ptCount val="3"/>
                 <c:pt idx="0">
-                  <c:v>7.7050000000000001</c:v>
+                  <c:v>8.81</c:v>
                 </c:pt>
                 <c:pt idx="1">
                   <c:v>9.5419999999999998</c:v>
@@ -8225,7 +8213,6 @@
           </a:p>
         </c:rich>
       </c:tx>
-      <c:layout/>
       <c:overlay val="0"/>
       <c:spPr>
         <a:noFill/>
@@ -9102,7 +9089,6 @@
     </c:plotArea>
     <c:legend>
       <c:legendPos val="b"/>
-      <c:layout/>
       <c:overlay val="0"/>
       <c:spPr>
         <a:noFill/>
@@ -9207,7 +9193,6 @@
           </a:p>
         </c:rich>
       </c:tx>
-      <c:layout/>
       <c:overlay val="0"/>
       <c:spPr>
         <a:noFill/>
@@ -9379,9 +9364,7 @@
               </c:spPr>
             </c:leaderLines>
             <c:extLst>
-              <c:ext xmlns:c15="http://schemas.microsoft.com/office/drawing/2012/chart" uri="{CE6537A1-D6FC-4f65-9D91-7224C49458BB}">
-                <c15:layout/>
-              </c:ext>
+              <c:ext xmlns:c15="http://schemas.microsoft.com/office/drawing/2012/chart" uri="{CE6537A1-D6FC-4f65-9D91-7224C49458BB}"/>
             </c:extLst>
           </c:dLbls>
           <c:cat>
@@ -9452,7 +9435,6 @@
     </c:plotArea>
     <c:legend>
       <c:legendPos val="b"/>
-      <c:layout/>
       <c:overlay val="0"/>
       <c:spPr>
         <a:noFill/>
@@ -29877,7 +29859,7 @@
         </a:graphic>
       </p:graphicFrame>
       <mc:AlternateContent xmlns:mc="http://schemas.openxmlformats.org/markup-compatibility/2006">
-        <mc:Choice xmlns:cx1="http://schemas.microsoft.com/office/drawing/2015/9/8/chartex" xmlns="" Requires="cx1">
+        <mc:Choice xmlns="" xmlns:cx1="http://schemas.microsoft.com/office/drawing/2015/9/8/chartex" Requires="cx1">
           <p:graphicFrame>
             <p:nvGraphicFramePr>
               <p:cNvPr id="15" name="Diagramm 14"/>
@@ -31436,7 +31418,7 @@
             <p:ph idx="1"/>
             <p:extLst>
               <p:ext uri="{D42A27DB-BD31-4B8C-83A1-F6EECF244321}">
-                <p14:modId xmlns:p14="http://schemas.microsoft.com/office/powerpoint/2010/main" val="905604088"/>
+                <p14:modId xmlns:p14="http://schemas.microsoft.com/office/powerpoint/2010/main" val="1483677911"/>
               </p:ext>
             </p:extLst>
           </p:nvPr>
@@ -31735,7 +31717,7 @@
         </a:graphic>
       </p:graphicFrame>
       <mc:AlternateContent xmlns:mc="http://schemas.openxmlformats.org/markup-compatibility/2006">
-        <mc:Choice xmlns:cx1="http://schemas.microsoft.com/office/drawing/2015/9/8/chartex" xmlns="" Requires="cx1">
+        <mc:Choice xmlns="" xmlns:cx1="http://schemas.microsoft.com/office/drawing/2015/9/8/chartex" Requires="cx1">
           <p:graphicFrame>
             <p:nvGraphicFramePr>
               <p:cNvPr id="8" name="Diagramm 7">
@@ -32745,7 +32727,7 @@
         </p:txBody>
       </p:sp>
       <mc:AlternateContent xmlns:mc="http://schemas.openxmlformats.org/markup-compatibility/2006">
-        <mc:Choice xmlns:cx1="http://schemas.microsoft.com/office/drawing/2015/9/8/chartex" xmlns="" Requires="cx1">
+        <mc:Choice xmlns="" xmlns:cx1="http://schemas.microsoft.com/office/drawing/2015/9/8/chartex" Requires="cx1">
           <p:graphicFrame>
             <p:nvGraphicFramePr>
               <p:cNvPr id="4" name="Diagramm 3">
@@ -32809,7 +32791,7 @@
         </mc:Fallback>
       </mc:AlternateContent>
       <mc:AlternateContent xmlns:mc="http://schemas.openxmlformats.org/markup-compatibility/2006">
-        <mc:Choice xmlns:cx1="http://schemas.microsoft.com/office/drawing/2015/9/8/chartex" xmlns="" Requires="cx1">
+        <mc:Choice xmlns="" xmlns:cx1="http://schemas.microsoft.com/office/drawing/2015/9/8/chartex" Requires="cx1">
           <p:graphicFrame>
             <p:nvGraphicFramePr>
               <p:cNvPr id="5" name="Diagramm 4">
@@ -32947,7 +32929,7 @@
           <a:graphicData uri="http://schemas.openxmlformats.org/presentationml/2006/ole">
             <mc:AlternateContent xmlns:mc="http://schemas.openxmlformats.org/markup-compatibility/2006">
               <mc:Choice xmlns:v="urn:schemas-microsoft-com:vml" Requires="v">
-                <p:oleObj spid="_x0000_s1067" name="Acrobat Document" r:id="rId3" imgW="7800763" imgH="6857824" progId="AcroExch.Document.7">
+                <p:oleObj spid="_x0000_s1068" name="Acrobat Document" r:id="rId3" imgW="7800763" imgH="6857824" progId="AcroExch.Document.7">
                   <p:embed/>
                 </p:oleObj>
               </mc:Choice>
@@ -33195,7 +33177,7 @@
         </p:txBody>
       </p:sp>
       <mc:AlternateContent xmlns:mc="http://schemas.openxmlformats.org/markup-compatibility/2006">
-        <mc:Choice xmlns:cx1="http://schemas.microsoft.com/office/drawing/2015/9/8/chartex" xmlns="" Requires="cx1">
+        <mc:Choice xmlns="" xmlns:cx1="http://schemas.microsoft.com/office/drawing/2015/9/8/chartex" Requires="cx1">
           <p:graphicFrame>
             <p:nvGraphicFramePr>
               <p:cNvPr id="4" name="Diagramm 3">

--- a/presentation/Resync Studie.pptx
+++ b/presentation/Resync Studie.pptx
@@ -7699,7 +7699,6 @@
           </a:p>
         </c:rich>
       </c:tx>
-      <c:layout/>
       <c:overlay val="0"/>
       <c:spPr>
         <a:noFill/>
@@ -8096,7 +8095,6 @@
     </c:plotArea>
     <c:legend>
       <c:legendPos val="b"/>
-      <c:layout/>
       <c:overlay val="0"/>
       <c:spPr>
         <a:noFill/>
@@ -29859,7 +29857,7 @@
         </a:graphic>
       </p:graphicFrame>
       <mc:AlternateContent xmlns:mc="http://schemas.openxmlformats.org/markup-compatibility/2006">
-        <mc:Choice xmlns="" xmlns:cx1="http://schemas.microsoft.com/office/drawing/2015/9/8/chartex" Requires="cx1">
+        <mc:Choice xmlns:cx1="http://schemas.microsoft.com/office/drawing/2015/9/8/chartex" xmlns="" Requires="cx1">
           <p:graphicFrame>
             <p:nvGraphicFramePr>
               <p:cNvPr id="15" name="Diagramm 14"/>
@@ -31717,7 +31715,7 @@
         </a:graphic>
       </p:graphicFrame>
       <mc:AlternateContent xmlns:mc="http://schemas.openxmlformats.org/markup-compatibility/2006">
-        <mc:Choice xmlns="" xmlns:cx1="http://schemas.microsoft.com/office/drawing/2015/9/8/chartex" Requires="cx1">
+        <mc:Choice xmlns:cx1="http://schemas.microsoft.com/office/drawing/2015/9/8/chartex" xmlns="" Requires="cx1">
           <p:graphicFrame>
             <p:nvGraphicFramePr>
               <p:cNvPr id="8" name="Diagramm 7">
@@ -32727,7 +32725,7 @@
         </p:txBody>
       </p:sp>
       <mc:AlternateContent xmlns:mc="http://schemas.openxmlformats.org/markup-compatibility/2006">
-        <mc:Choice xmlns="" xmlns:cx1="http://schemas.microsoft.com/office/drawing/2015/9/8/chartex" Requires="cx1">
+        <mc:Choice xmlns:cx1="http://schemas.microsoft.com/office/drawing/2015/9/8/chartex" xmlns="" Requires="cx1">
           <p:graphicFrame>
             <p:nvGraphicFramePr>
               <p:cNvPr id="4" name="Diagramm 3">
@@ -32791,7 +32789,7 @@
         </mc:Fallback>
       </mc:AlternateContent>
       <mc:AlternateContent xmlns:mc="http://schemas.openxmlformats.org/markup-compatibility/2006">
-        <mc:Choice xmlns="" xmlns:cx1="http://schemas.microsoft.com/office/drawing/2015/9/8/chartex" Requires="cx1">
+        <mc:Choice xmlns:cx1="http://schemas.microsoft.com/office/drawing/2015/9/8/chartex" xmlns="" Requires="cx1">
           <p:graphicFrame>
             <p:nvGraphicFramePr>
               <p:cNvPr id="5" name="Diagramm 4">
@@ -32929,7 +32927,7 @@
           <a:graphicData uri="http://schemas.openxmlformats.org/presentationml/2006/ole">
             <mc:AlternateContent xmlns:mc="http://schemas.openxmlformats.org/markup-compatibility/2006">
               <mc:Choice xmlns:v="urn:schemas-microsoft-com:vml" Requires="v">
-                <p:oleObj spid="_x0000_s1068" name="Acrobat Document" r:id="rId3" imgW="7800763" imgH="6857824" progId="AcroExch.Document.7">
+                <p:oleObj spid="_x0000_s1070" name="Acrobat Document" r:id="rId3" imgW="7800763" imgH="6857824" progId="AcroExch.Document.7">
                   <p:embed/>
                 </p:oleObj>
               </mc:Choice>
@@ -33177,7 +33175,7 @@
         </p:txBody>
       </p:sp>
       <mc:AlternateContent xmlns:mc="http://schemas.openxmlformats.org/markup-compatibility/2006">
-        <mc:Choice xmlns="" xmlns:cx1="http://schemas.microsoft.com/office/drawing/2015/9/8/chartex" Requires="cx1">
+        <mc:Choice xmlns:cx1="http://schemas.microsoft.com/office/drawing/2015/9/8/chartex" xmlns="" Requires="cx1">
           <p:graphicFrame>
             <p:nvGraphicFramePr>
               <p:cNvPr id="4" name="Diagramm 3">

--- a/presentation/Resync Studie.pptx
+++ b/presentation/Resync Studie.pptx
@@ -29857,7 +29857,7 @@
         </a:graphic>
       </p:graphicFrame>
       <mc:AlternateContent xmlns:mc="http://schemas.openxmlformats.org/markup-compatibility/2006">
-        <mc:Choice xmlns:cx1="http://schemas.microsoft.com/office/drawing/2015/9/8/chartex" xmlns="" Requires="cx1">
+        <mc:Choice xmlns="" xmlns:cx1="http://schemas.microsoft.com/office/drawing/2015/9/8/chartex" Requires="cx1">
           <p:graphicFrame>
             <p:nvGraphicFramePr>
               <p:cNvPr id="15" name="Diagramm 14"/>
@@ -31715,7 +31715,7 @@
         </a:graphic>
       </p:graphicFrame>
       <mc:AlternateContent xmlns:mc="http://schemas.openxmlformats.org/markup-compatibility/2006">
-        <mc:Choice xmlns:cx1="http://schemas.microsoft.com/office/drawing/2015/9/8/chartex" xmlns="" Requires="cx1">
+        <mc:Choice xmlns="" xmlns:cx1="http://schemas.microsoft.com/office/drawing/2015/9/8/chartex" Requires="cx1">
           <p:graphicFrame>
             <p:nvGraphicFramePr>
               <p:cNvPr id="8" name="Diagramm 7">
@@ -32725,7 +32725,7 @@
         </p:txBody>
       </p:sp>
       <mc:AlternateContent xmlns:mc="http://schemas.openxmlformats.org/markup-compatibility/2006">
-        <mc:Choice xmlns:cx1="http://schemas.microsoft.com/office/drawing/2015/9/8/chartex" xmlns="" Requires="cx1">
+        <mc:Choice xmlns="" xmlns:cx1="http://schemas.microsoft.com/office/drawing/2015/9/8/chartex" Requires="cx1">
           <p:graphicFrame>
             <p:nvGraphicFramePr>
               <p:cNvPr id="4" name="Diagramm 3">
@@ -32789,7 +32789,7 @@
         </mc:Fallback>
       </mc:AlternateContent>
       <mc:AlternateContent xmlns:mc="http://schemas.openxmlformats.org/markup-compatibility/2006">
-        <mc:Choice xmlns:cx1="http://schemas.microsoft.com/office/drawing/2015/9/8/chartex" xmlns="" Requires="cx1">
+        <mc:Choice xmlns="" xmlns:cx1="http://schemas.microsoft.com/office/drawing/2015/9/8/chartex" Requires="cx1">
           <p:graphicFrame>
             <p:nvGraphicFramePr>
               <p:cNvPr id="5" name="Diagramm 4">
@@ -32927,7 +32927,7 @@
           <a:graphicData uri="http://schemas.openxmlformats.org/presentationml/2006/ole">
             <mc:AlternateContent xmlns:mc="http://schemas.openxmlformats.org/markup-compatibility/2006">
               <mc:Choice xmlns:v="urn:schemas-microsoft-com:vml" Requires="v">
-                <p:oleObj spid="_x0000_s1070" name="Acrobat Document" r:id="rId3" imgW="7800763" imgH="6857824" progId="AcroExch.Document.7">
+                <p:oleObj spid="_x0000_s1072" name="Acrobat Document" r:id="rId3" imgW="7800763" imgH="6857824" progId="AcroExch.Document.7">
                   <p:embed/>
                 </p:oleObj>
               </mc:Choice>
@@ -33071,13 +33071,20 @@
             <a:pPr marL="0" indent="0">
               <a:buNone/>
             </a:pPr>
+            <a:endParaRPr lang="de-DE" dirty="0"/>
+          </a:p>
+          <a:p>
+            <a:pPr>
+              <a:buFontTx/>
+              <a:buChar char="-"/>
+            </a:pPr>
+            <a:r>
+              <a:rPr lang="de-DE" dirty="0"/>
+              <a:t>Leistungsfähigkeit nach </a:t>
+            </a:r>
             <a:r>
               <a:rPr lang="de-DE" dirty="0" smtClean="0"/>
-              <a:t>- </a:t>
-            </a:r>
-            <a:r>
-              <a:rPr lang="de-DE" dirty="0"/>
-              <a:t>AR/VR möglicher fester Bestandteil im Alltag der Zukunft</a:t>
+              <a:t>Ruhephase</a:t>
             </a:r>
           </a:p>
           <a:p>
@@ -33094,7 +33101,11 @@
             </a:pPr>
             <a:r>
               <a:rPr lang="de-DE" dirty="0"/>
-              <a:t>Leistungsfähigkeit nach Ruhephase</a:t>
+              <a:t>Aufmerksamkeit, Wachsamkeit, Zuverlässigkeit des </a:t>
+            </a:r>
+            <a:r>
+              <a:rPr lang="de-DE" dirty="0" smtClean="0"/>
+              <a:t>Fahrers</a:t>
             </a:r>
           </a:p>
           <a:p>
@@ -33102,10 +33113,7 @@
               <a:buFontTx/>
               <a:buChar char="-"/>
             </a:pPr>
-            <a:r>
-              <a:rPr lang="de-DE" dirty="0"/>
-              <a:t>Aufmerksamkeit, Wachsamkeit, Zuverlässigkeit des Fahrers</a:t>
-            </a:r>
+            <a:endParaRPr lang="de-DE" dirty="0"/>
           </a:p>
           <a:p>
             <a:pPr marL="0" indent="0">
@@ -33175,7 +33183,7 @@
         </p:txBody>
       </p:sp>
       <mc:AlternateContent xmlns:mc="http://schemas.openxmlformats.org/markup-compatibility/2006">
-        <mc:Choice xmlns:cx1="http://schemas.microsoft.com/office/drawing/2015/9/8/chartex" xmlns="" Requires="cx1">
+        <mc:Choice xmlns="" xmlns:cx1="http://schemas.microsoft.com/office/drawing/2015/9/8/chartex" Requires="cx1">
           <p:graphicFrame>
             <p:nvGraphicFramePr>
               <p:cNvPr id="4" name="Diagramm 3">
